--- a/Praktikum Produktionstechnik M2.pptx
+++ b/Praktikum Produktionstechnik M2.pptx
@@ -9,11 +9,12 @@
     <p:sldId id="257" r:id="rId3"/>
     <p:sldId id="258" r:id="rId4"/>
     <p:sldId id="259" r:id="rId5"/>
-    <p:sldId id="260" r:id="rId6"/>
-    <p:sldId id="261" r:id="rId7"/>
-    <p:sldId id="262" r:id="rId8"/>
-    <p:sldId id="263" r:id="rId9"/>
-    <p:sldId id="264" r:id="rId10"/>
+    <p:sldId id="265" r:id="rId6"/>
+    <p:sldId id="260" r:id="rId7"/>
+    <p:sldId id="261" r:id="rId8"/>
+    <p:sldId id="262" r:id="rId9"/>
+    <p:sldId id="263" r:id="rId10"/>
+    <p:sldId id="264" r:id="rId11"/>
   </p:sldIdLst>
   <p:sldSz cx="12192000" cy="6858000"/>
   <p:notesSz cx="6858000" cy="9144000"/>
@@ -3698,6 +3699,317 @@
 </p:sld>
 </file>
 
+<file path=ppt/slides/slide10.xml><?xml version="1.0" encoding="utf-8"?>
+<p:sld xmlns:a="http://schemas.openxmlformats.org/drawingml/2006/main" xmlns:r="http://schemas.openxmlformats.org/officeDocument/2006/relationships" xmlns:p="http://schemas.openxmlformats.org/presentationml/2006/main">
+  <p:cSld>
+    <p:bg>
+      <p:bgPr>
+        <a:solidFill>
+          <a:schemeClr val="bg1"/>
+        </a:solidFill>
+        <a:effectLst/>
+      </p:bgPr>
+    </p:bg>
+    <p:spTree>
+      <p:nvGrpSpPr>
+        <p:cNvPr id="1" name=""/>
+        <p:cNvGrpSpPr/>
+        <p:nvPr/>
+      </p:nvGrpSpPr>
+      <p:grpSpPr>
+        <a:xfrm>
+          <a:off x="0" y="0"/>
+          <a:ext cx="0" cy="0"/>
+          <a:chOff x="0" y="0"/>
+          <a:chExt cx="0" cy="0"/>
+        </a:xfrm>
+      </p:grpSpPr>
+      <p:sp>
+        <p:nvSpPr>
+          <p:cNvPr id="9" name="Rectangle 8">
+            <a:extLst>
+              <a:ext uri="{FF2B5EF4-FFF2-40B4-BE49-F238E27FC236}">
+                <a16:creationId xmlns:a16="http://schemas.microsoft.com/office/drawing/2014/main" id="{6753252F-4873-4F63-801D-CC719279A7D5}"/>
+              </a:ext>
+              <a:ext uri="{C183D7F6-B498-43B3-948B-1728B52AA6E4}">
+                <adec:decorative xmlns:adec="http://schemas.microsoft.com/office/drawing/2017/decorative" val="1"/>
+              </a:ext>
+            </a:extLst>
+          </p:cNvPr>
+          <p:cNvSpPr>
+            <a:spLocks noGrp="1" noRot="1" noChangeAspect="1" noMove="1" noResize="1" noEditPoints="1" noAdjustHandles="1" noChangeArrowheads="1" noChangeShapeType="1" noTextEdit="1"/>
+          </p:cNvSpPr>
+          <p:nvPr>
+            <p:extLst>
+              <p:ext uri="{386F3935-93C4-4BCD-93E2-E3B085C9AB24}">
+                <p16:designElem xmlns:p16="http://schemas.microsoft.com/office/powerpoint/2015/main" val="1"/>
+              </p:ext>
+            </p:extLst>
+          </p:nvPr>
+        </p:nvSpPr>
+        <p:spPr>
+          <a:xfrm>
+            <a:off x="0" y="0"/>
+            <a:ext cx="12192000" cy="6858000"/>
+          </a:xfrm>
+          <a:prstGeom prst="rect">
+            <a:avLst/>
+          </a:prstGeom>
+          <a:solidFill>
+            <a:srgbClr val="FFFFFF"/>
+          </a:solidFill>
+          <a:ln>
+            <a:noFill/>
+          </a:ln>
+        </p:spPr>
+        <p:style>
+          <a:lnRef idx="2">
+            <a:schemeClr val="accent1">
+              <a:shade val="50000"/>
+            </a:schemeClr>
+          </a:lnRef>
+          <a:fillRef idx="1">
+            <a:schemeClr val="accent1"/>
+          </a:fillRef>
+          <a:effectRef idx="0">
+            <a:schemeClr val="accent1"/>
+          </a:effectRef>
+          <a:fontRef idx="minor">
+            <a:schemeClr val="lt1"/>
+          </a:fontRef>
+        </p:style>
+        <p:txBody>
+          <a:bodyPr rtlCol="0" anchor="ctr"/>
+          <a:lstStyle/>
+          <a:p>
+            <a:pPr algn="ctr"/>
+            <a:endParaRPr lang="en-US"/>
+          </a:p>
+        </p:txBody>
+      </p:sp>
+      <p:sp>
+        <p:nvSpPr>
+          <p:cNvPr id="11" name="Rectangle 10">
+            <a:extLst>
+              <a:ext uri="{FF2B5EF4-FFF2-40B4-BE49-F238E27FC236}">
+                <a16:creationId xmlns:a16="http://schemas.microsoft.com/office/drawing/2014/main" id="{047C8CCB-F95D-4249-92DD-651249D3535A}"/>
+              </a:ext>
+              <a:ext uri="{C183D7F6-B498-43B3-948B-1728B52AA6E4}">
+                <adec:decorative xmlns:adec="http://schemas.microsoft.com/office/drawing/2017/decorative" val="1"/>
+              </a:ext>
+            </a:extLst>
+          </p:cNvPr>
+          <p:cNvSpPr>
+            <a:spLocks noGrp="1" noRot="1" noChangeAspect="1" noMove="1" noResize="1" noEditPoints="1" noAdjustHandles="1" noChangeArrowheads="1" noChangeShapeType="1" noTextEdit="1"/>
+          </p:cNvSpPr>
+          <p:nvPr>
+            <p:extLst>
+              <p:ext uri="{386F3935-93C4-4BCD-93E2-E3B085C9AB24}">
+                <p16:designElem xmlns:p16="http://schemas.microsoft.com/office/powerpoint/2015/main" val="1"/>
+              </p:ext>
+            </p:extLst>
+          </p:nvPr>
+        </p:nvSpPr>
+        <p:spPr>
+          <a:xfrm>
+            <a:off x="0" y="0"/>
+            <a:ext cx="2013557" cy="6858000"/>
+          </a:xfrm>
+          <a:prstGeom prst="rect">
+            <a:avLst/>
+          </a:prstGeom>
+          <a:solidFill>
+            <a:srgbClr val="696D9A"/>
+          </a:solidFill>
+          <a:ln>
+            <a:noFill/>
+          </a:ln>
+        </p:spPr>
+        <p:style>
+          <a:lnRef idx="2">
+            <a:schemeClr val="accent1">
+              <a:shade val="50000"/>
+            </a:schemeClr>
+          </a:lnRef>
+          <a:fillRef idx="1">
+            <a:schemeClr val="accent1"/>
+          </a:fillRef>
+          <a:effectRef idx="0">
+            <a:schemeClr val="accent1"/>
+          </a:effectRef>
+          <a:fontRef idx="minor">
+            <a:schemeClr val="lt1"/>
+          </a:fontRef>
+        </p:style>
+        <p:txBody>
+          <a:bodyPr rtlCol="0" anchor="ctr"/>
+          <a:lstStyle/>
+          <a:p>
+            <a:pPr algn="ctr"/>
+            <a:endParaRPr lang="en-US"/>
+          </a:p>
+        </p:txBody>
+      </p:sp>
+      <p:sp>
+        <p:nvSpPr>
+          <p:cNvPr id="4" name="Titel 1">
+            <a:extLst>
+              <a:ext uri="{FF2B5EF4-FFF2-40B4-BE49-F238E27FC236}">
+                <a16:creationId xmlns:a16="http://schemas.microsoft.com/office/drawing/2014/main" id="{08253877-8FEC-4715-AEA5-A451C1CBD31A}"/>
+              </a:ext>
+            </a:extLst>
+          </p:cNvPr>
+          <p:cNvSpPr>
+            <a:spLocks noGrp="1"/>
+          </p:cNvSpPr>
+          <p:nvPr>
+            <p:ph type="title"/>
+          </p:nvPr>
+        </p:nvSpPr>
+        <p:spPr>
+          <a:xfrm>
+            <a:off x="640080" y="2074363"/>
+            <a:ext cx="2752354" cy="2709275"/>
+          </a:xfrm>
+          <a:prstGeom prst="ellipse">
+            <a:avLst/>
+          </a:prstGeom>
+          <a:solidFill>
+            <a:srgbClr val="262626"/>
+          </a:solidFill>
+          <a:ln w="174625" cmpd="thinThick">
+            <a:solidFill>
+              <a:srgbClr val="262626"/>
+            </a:solidFill>
+          </a:ln>
+        </p:spPr>
+        <p:txBody>
+          <a:bodyPr vert="horz" lIns="91440" tIns="45720" rIns="91440" bIns="45720" rtlCol="0" anchor="ctr">
+            <a:normAutofit/>
+          </a:bodyPr>
+          <a:lstStyle/>
+          <a:p>
+            <a:pPr algn="ctr"/>
+            <a:r>
+              <a:rPr lang="en-US" sz="2600" b="1" kern="1200" dirty="0">
+                <a:solidFill>
+                  <a:srgbClr val="FFFFFF"/>
+                </a:solidFill>
+                <a:latin typeface="+mj-lt"/>
+                <a:ea typeface="+mj-ea"/>
+                <a:cs typeface="+mj-cs"/>
+              </a:rPr>
+              <a:t>W-egg-Chair: </a:t>
+            </a:r>
+            <a:r>
+              <a:rPr lang="en-US" sz="2600" b="1" kern="1200" dirty="0" err="1">
+                <a:solidFill>
+                  <a:srgbClr val="FFFFFF"/>
+                </a:solidFill>
+                <a:latin typeface="+mj-lt"/>
+                <a:ea typeface="+mj-ea"/>
+                <a:cs typeface="+mj-cs"/>
+              </a:rPr>
+              <a:t>Skizze</a:t>
+            </a:r>
+            <a:endParaRPr lang="en-US" sz="2600" b="1" kern="1200" dirty="0">
+              <a:solidFill>
+                <a:srgbClr val="FFFFFF"/>
+              </a:solidFill>
+              <a:latin typeface="+mj-lt"/>
+              <a:ea typeface="+mj-ea"/>
+              <a:cs typeface="+mj-cs"/>
+            </a:endParaRPr>
+          </a:p>
+        </p:txBody>
+      </p:sp>
+      <p:pic>
+        <p:nvPicPr>
+          <p:cNvPr id="10" name="Grafik 9">
+            <a:extLst>
+              <a:ext uri="{FF2B5EF4-FFF2-40B4-BE49-F238E27FC236}">
+                <a16:creationId xmlns:a16="http://schemas.microsoft.com/office/drawing/2014/main" id="{68EE73E0-DAE2-4FAE-B6C2-7E139CA2ECA0}"/>
+              </a:ext>
+            </a:extLst>
+          </p:cNvPr>
+          <p:cNvPicPr>
+            <a:picLocks noChangeAspect="1"/>
+          </p:cNvPicPr>
+          <p:nvPr/>
+        </p:nvPicPr>
+        <p:blipFill>
+          <a:blip r:embed="rId2"/>
+          <a:stretch>
+            <a:fillRect/>
+          </a:stretch>
+        </p:blipFill>
+        <p:spPr>
+          <a:xfrm>
+            <a:off x="3943614" y="1341104"/>
+            <a:ext cx="6769443" cy="4924770"/>
+          </a:xfrm>
+          <a:prstGeom prst="rect">
+            <a:avLst/>
+          </a:prstGeom>
+          <a:ln w="22225">
+            <a:solidFill>
+              <a:schemeClr val="tx1"/>
+            </a:solidFill>
+          </a:ln>
+        </p:spPr>
+      </p:pic>
+      <p:pic>
+        <p:nvPicPr>
+          <p:cNvPr id="12" name="Grafik 11" descr="Logo Ingenieursinformatik">
+            <a:extLst>
+              <a:ext uri="{FF2B5EF4-FFF2-40B4-BE49-F238E27FC236}">
+                <a16:creationId xmlns:a16="http://schemas.microsoft.com/office/drawing/2014/main" id="{1A909A4D-2C76-458E-AC65-5911DFC2D313}"/>
+              </a:ext>
+            </a:extLst>
+          </p:cNvPr>
+          <p:cNvPicPr/>
+          <p:nvPr/>
+        </p:nvPicPr>
+        <p:blipFill>
+          <a:blip r:embed="rId3" cstate="print">
+            <a:extLst>
+              <a:ext uri="{28A0092B-C50C-407E-A947-70E740481C1C}">
+                <a14:useLocalDpi xmlns:a14="http://schemas.microsoft.com/office/drawing/2010/main" val="0"/>
+              </a:ext>
+            </a:extLst>
+          </a:blip>
+          <a:srcRect/>
+          <a:stretch>
+            <a:fillRect/>
+          </a:stretch>
+        </p:blipFill>
+        <p:spPr bwMode="auto">
+          <a:xfrm>
+            <a:off x="10178281" y="320040"/>
+            <a:ext cx="1692155" cy="924304"/>
+          </a:xfrm>
+          <a:prstGeom prst="rect">
+            <a:avLst/>
+          </a:prstGeom>
+          <a:noFill/>
+          <a:ln>
+            <a:noFill/>
+          </a:ln>
+        </p:spPr>
+      </p:pic>
+    </p:spTree>
+    <p:extLst>
+      <p:ext uri="{BB962C8B-B14F-4D97-AF65-F5344CB8AC3E}">
+        <p14:creationId xmlns:p14="http://schemas.microsoft.com/office/powerpoint/2010/main" val="1304871519"/>
+      </p:ext>
+    </p:extLst>
+  </p:cSld>
+  <p:clrMapOvr>
+    <a:masterClrMapping/>
+  </p:clrMapOvr>
+</p:sld>
+</file>
+
 <file path=ppt/slides/slide2.xml><?xml version="1.0" encoding="utf-8"?>
 <p:sld xmlns:a="http://schemas.openxmlformats.org/drawingml/2006/main" xmlns:r="http://schemas.openxmlformats.org/officeDocument/2006/relationships" xmlns:p="http://schemas.openxmlformats.org/presentationml/2006/main">
   <p:cSld>
@@ -4267,7 +4579,7 @@
           <a:p>
             <a:pPr algn="ctr"/>
             <a:r>
-              <a:rPr lang="en-US" sz="2600" b="1" kern="1200">
+              <a:rPr lang="en-US" sz="2600" b="1" kern="1200" dirty="0" err="1">
                 <a:solidFill>
                   <a:srgbClr val="FFFFFF"/>
                 </a:solidFill>
@@ -4275,8 +4587,59 @@
                 <a:ea typeface="+mj-ea"/>
                 <a:cs typeface="+mj-cs"/>
               </a:rPr>
-              <a:t>OmniMove: Isometrische Skizze</a:t>
-            </a:r>
+              <a:t>OmniMove</a:t>
+            </a:r>
+            <a:br>
+              <a:rPr lang="en-US" sz="2600" b="1" kern="1200" dirty="0">
+                <a:solidFill>
+                  <a:srgbClr val="FFFFFF"/>
+                </a:solidFill>
+                <a:latin typeface="+mj-lt"/>
+                <a:ea typeface="+mj-ea"/>
+                <a:cs typeface="+mj-cs"/>
+              </a:rPr>
+            </a:br>
+            <a:r>
+              <a:rPr lang="en-US" sz="2600" b="1" kern="1200" dirty="0" err="1">
+                <a:solidFill>
+                  <a:srgbClr val="FFFFFF"/>
+                </a:solidFill>
+                <a:latin typeface="+mj-lt"/>
+                <a:ea typeface="+mj-ea"/>
+                <a:cs typeface="+mj-cs"/>
+              </a:rPr>
+              <a:t>Skizze</a:t>
+            </a:r>
+            <a:r>
+              <a:rPr lang="en-US" sz="2600" b="1" kern="1200" dirty="0">
+                <a:solidFill>
+                  <a:srgbClr val="FFFFFF"/>
+                </a:solidFill>
+                <a:latin typeface="+mj-lt"/>
+                <a:ea typeface="+mj-ea"/>
+                <a:cs typeface="+mj-cs"/>
+              </a:rPr>
+              <a:t>: </a:t>
+            </a:r>
+            <a:r>
+              <a:rPr lang="en-US" sz="2600" b="1" kern="1200" dirty="0" err="1">
+                <a:solidFill>
+                  <a:srgbClr val="FFFFFF"/>
+                </a:solidFill>
+                <a:latin typeface="+mj-lt"/>
+                <a:ea typeface="+mj-ea"/>
+                <a:cs typeface="+mj-cs"/>
+              </a:rPr>
+              <a:t>Isometrisch</a:t>
+            </a:r>
+            <a:endParaRPr lang="en-US" sz="2600" b="1" kern="1200" dirty="0">
+              <a:solidFill>
+                <a:srgbClr val="FFFFFF"/>
+              </a:solidFill>
+              <a:latin typeface="+mj-lt"/>
+              <a:ea typeface="+mj-ea"/>
+              <a:cs typeface="+mj-cs"/>
+            </a:endParaRPr>
           </a:p>
         </p:txBody>
       </p:sp>
@@ -4576,7 +4939,7 @@
               </a:spcAft>
             </a:pPr>
             <a:r>
-              <a:rPr lang="en-US" sz="2600" b="1" kern="1200">
+              <a:rPr lang="en-US" sz="2600" b="1" kern="1200" dirty="0" err="1">
                 <a:solidFill>
                   <a:srgbClr val="FFFFFF"/>
                 </a:solidFill>
@@ -4584,8 +4947,53 @@
                 <a:ea typeface="+mj-ea"/>
                 <a:cs typeface="+mj-cs"/>
               </a:rPr>
-              <a:t>OmniMove: Draufsicht Skizze</a:t>
-            </a:r>
+              <a:t>OmniMove</a:t>
+            </a:r>
+            <a:br>
+              <a:rPr lang="en-US" sz="2600" b="1" dirty="0">
+                <a:solidFill>
+                  <a:srgbClr val="FFFFFF"/>
+                </a:solidFill>
+              </a:rPr>
+            </a:br>
+            <a:r>
+              <a:rPr lang="en-US" sz="2600" b="1" dirty="0" err="1">
+                <a:solidFill>
+                  <a:srgbClr val="FFFFFF"/>
+                </a:solidFill>
+              </a:rPr>
+              <a:t>Skizze</a:t>
+            </a:r>
+            <a:r>
+              <a:rPr lang="en-US" sz="2600" b="1" kern="1200" dirty="0">
+                <a:solidFill>
+                  <a:srgbClr val="FFFFFF"/>
+                </a:solidFill>
+                <a:latin typeface="+mj-lt"/>
+                <a:ea typeface="+mj-ea"/>
+                <a:cs typeface="+mj-cs"/>
+              </a:rPr>
+              <a:t>: </a:t>
+            </a:r>
+            <a:r>
+              <a:rPr lang="en-US" sz="2600" b="1" kern="1200" dirty="0" err="1">
+                <a:solidFill>
+                  <a:srgbClr val="FFFFFF"/>
+                </a:solidFill>
+                <a:latin typeface="+mj-lt"/>
+                <a:ea typeface="+mj-ea"/>
+                <a:cs typeface="+mj-cs"/>
+              </a:rPr>
+              <a:t>Draufsicht</a:t>
+            </a:r>
+            <a:endParaRPr lang="en-US" sz="2600" b="1" kern="1200" dirty="0">
+              <a:solidFill>
+                <a:srgbClr val="FFFFFF"/>
+              </a:solidFill>
+              <a:latin typeface="+mj-lt"/>
+              <a:ea typeface="+mj-ea"/>
+              <a:cs typeface="+mj-cs"/>
+            </a:endParaRPr>
           </a:p>
         </p:txBody>
       </p:sp>
@@ -4674,6 +5082,14 @@
 <file path=ppt/slides/slide5.xml><?xml version="1.0" encoding="utf-8"?>
 <p:sld xmlns:a="http://schemas.openxmlformats.org/drawingml/2006/main" xmlns:r="http://schemas.openxmlformats.org/officeDocument/2006/relationships" xmlns:p="http://schemas.openxmlformats.org/presentationml/2006/main">
   <p:cSld>
+    <p:bg>
+      <p:bgPr>
+        <a:solidFill>
+          <a:schemeClr val="bg1"/>
+        </a:solidFill>
+        <a:effectLst/>
+      </p:bgPr>
+    </p:bg>
     <p:spTree>
       <p:nvGrpSpPr>
         <p:cNvPr id="1" name=""/>
@@ -4690,46 +5106,136 @@
       </p:grpSpPr>
       <p:sp>
         <p:nvSpPr>
-          <p:cNvPr id="3" name="Inhaltsplatzhalter 2">
-            <a:extLst>
-              <a:ext uri="{FF2B5EF4-FFF2-40B4-BE49-F238E27FC236}">
-                <a16:creationId xmlns:a16="http://schemas.microsoft.com/office/drawing/2014/main" id="{C4F9E0B2-3FB4-442C-99F8-6BF94DBC0BCA}"/>
-              </a:ext>
-            </a:extLst>
-          </p:cNvPr>
-          <p:cNvSpPr>
-            <a:spLocks noGrp="1"/>
-          </p:cNvSpPr>
-          <p:nvPr>
-            <p:ph idx="1"/>
-          </p:nvPr>
-        </p:nvSpPr>
-        <p:spPr/>
-        <p:txBody>
-          <a:bodyPr/>
-          <a:lstStyle/>
-          <a:p>
-            <a:r>
-              <a:rPr lang="de-DE" dirty="0"/>
-              <a:t>Hier </a:t>
-            </a:r>
-            <a:r>
-              <a:rPr lang="de-DE" dirty="0" err="1"/>
-              <a:t>vll</a:t>
-            </a:r>
-            <a:r>
-              <a:rPr lang="de-DE" dirty="0"/>
-              <a:t> ne Tabelle rein?</a:t>
-            </a:r>
-          </a:p>
-        </p:txBody>
-      </p:sp>
-      <p:sp>
-        <p:nvSpPr>
-          <p:cNvPr id="4" name="Titel 1">
-            <a:extLst>
-              <a:ext uri="{FF2B5EF4-FFF2-40B4-BE49-F238E27FC236}">
-                <a16:creationId xmlns:a16="http://schemas.microsoft.com/office/drawing/2014/main" id="{F3EA9F0D-7B7E-4F19-B401-C24981102199}"/>
+          <p:cNvPr id="15" name="Rectangle 14">
+            <a:extLst>
+              <a:ext uri="{FF2B5EF4-FFF2-40B4-BE49-F238E27FC236}">
+                <a16:creationId xmlns:a16="http://schemas.microsoft.com/office/drawing/2014/main" id="{6753252F-4873-4F63-801D-CC719279A7D5}"/>
+              </a:ext>
+              <a:ext uri="{C183D7F6-B498-43B3-948B-1728B52AA6E4}">
+                <adec:decorative xmlns:adec="http://schemas.microsoft.com/office/drawing/2017/decorative" val="1"/>
+              </a:ext>
+            </a:extLst>
+          </p:cNvPr>
+          <p:cNvSpPr>
+            <a:spLocks noGrp="1" noRot="1" noChangeAspect="1" noMove="1" noResize="1" noEditPoints="1" noAdjustHandles="1" noChangeArrowheads="1" noChangeShapeType="1" noTextEdit="1"/>
+          </p:cNvSpPr>
+          <p:nvPr>
+            <p:extLst>
+              <p:ext uri="{386F3935-93C4-4BCD-93E2-E3B085C9AB24}">
+                <p16:designElem xmlns:p16="http://schemas.microsoft.com/office/powerpoint/2015/main" val="1"/>
+              </p:ext>
+            </p:extLst>
+          </p:nvPr>
+        </p:nvSpPr>
+        <p:spPr>
+          <a:xfrm>
+            <a:off x="0" y="0"/>
+            <a:ext cx="12192000" cy="6858000"/>
+          </a:xfrm>
+          <a:prstGeom prst="rect">
+            <a:avLst/>
+          </a:prstGeom>
+          <a:solidFill>
+            <a:srgbClr val="FFFFFF"/>
+          </a:solidFill>
+          <a:ln>
+            <a:noFill/>
+          </a:ln>
+        </p:spPr>
+        <p:style>
+          <a:lnRef idx="2">
+            <a:schemeClr val="accent1">
+              <a:shade val="50000"/>
+            </a:schemeClr>
+          </a:lnRef>
+          <a:fillRef idx="1">
+            <a:schemeClr val="accent1"/>
+          </a:fillRef>
+          <a:effectRef idx="0">
+            <a:schemeClr val="accent1"/>
+          </a:effectRef>
+          <a:fontRef idx="minor">
+            <a:schemeClr val="lt1"/>
+          </a:fontRef>
+        </p:style>
+        <p:txBody>
+          <a:bodyPr rtlCol="0" anchor="ctr"/>
+          <a:lstStyle/>
+          <a:p>
+            <a:pPr algn="ctr"/>
+            <a:endParaRPr lang="en-US"/>
+          </a:p>
+        </p:txBody>
+      </p:sp>
+      <p:sp>
+        <p:nvSpPr>
+          <p:cNvPr id="17" name="Rectangle 16">
+            <a:extLst>
+              <a:ext uri="{FF2B5EF4-FFF2-40B4-BE49-F238E27FC236}">
+                <a16:creationId xmlns:a16="http://schemas.microsoft.com/office/drawing/2014/main" id="{047C8CCB-F95D-4249-92DD-651249D3535A}"/>
+              </a:ext>
+              <a:ext uri="{C183D7F6-B498-43B3-948B-1728B52AA6E4}">
+                <adec:decorative xmlns:adec="http://schemas.microsoft.com/office/drawing/2017/decorative" val="1"/>
+              </a:ext>
+            </a:extLst>
+          </p:cNvPr>
+          <p:cNvSpPr>
+            <a:spLocks noGrp="1" noRot="1" noChangeAspect="1" noMove="1" noResize="1" noEditPoints="1" noAdjustHandles="1" noChangeArrowheads="1" noChangeShapeType="1" noTextEdit="1"/>
+          </p:cNvSpPr>
+          <p:nvPr>
+            <p:extLst>
+              <p:ext uri="{386F3935-93C4-4BCD-93E2-E3B085C9AB24}">
+                <p16:designElem xmlns:p16="http://schemas.microsoft.com/office/powerpoint/2015/main" val="1"/>
+              </p:ext>
+            </p:extLst>
+          </p:nvPr>
+        </p:nvSpPr>
+        <p:spPr>
+          <a:xfrm>
+            <a:off x="0" y="0"/>
+            <a:ext cx="2013557" cy="6858000"/>
+          </a:xfrm>
+          <a:prstGeom prst="rect">
+            <a:avLst/>
+          </a:prstGeom>
+          <a:solidFill>
+            <a:srgbClr val="627084"/>
+          </a:solidFill>
+          <a:ln>
+            <a:noFill/>
+          </a:ln>
+        </p:spPr>
+        <p:style>
+          <a:lnRef idx="2">
+            <a:schemeClr val="accent1">
+              <a:shade val="50000"/>
+            </a:schemeClr>
+          </a:lnRef>
+          <a:fillRef idx="1">
+            <a:schemeClr val="accent1"/>
+          </a:fillRef>
+          <a:effectRef idx="0">
+            <a:schemeClr val="accent1"/>
+          </a:effectRef>
+          <a:fontRef idx="minor">
+            <a:schemeClr val="lt1"/>
+          </a:fontRef>
+        </p:style>
+        <p:txBody>
+          <a:bodyPr rtlCol="0" anchor="ctr"/>
+          <a:lstStyle/>
+          <a:p>
+            <a:pPr algn="ctr"/>
+            <a:endParaRPr lang="en-US"/>
+          </a:p>
+        </p:txBody>
+      </p:sp>
+      <p:sp>
+        <p:nvSpPr>
+          <p:cNvPr id="2" name="Titel 1">
+            <a:extLst>
+              <a:ext uri="{FF2B5EF4-FFF2-40B4-BE49-F238E27FC236}">
+                <a16:creationId xmlns:a16="http://schemas.microsoft.com/office/drawing/2014/main" id="{9FDF9D82-C988-4ACA-A305-F7BC5CBD1092}"/>
               </a:ext>
             </a:extLst>
           </p:cNvPr>
@@ -4742,66 +5248,212 @@
         </p:nvSpPr>
         <p:spPr>
           <a:xfrm>
-            <a:off x="546100" y="284480"/>
-            <a:ext cx="5257800" cy="879218"/>
-          </a:xfrm>
-        </p:spPr>
-        <p:txBody>
-          <a:bodyPr>
-            <a:noAutofit/>
+            <a:off x="640080" y="2074363"/>
+            <a:ext cx="2752354" cy="2709275"/>
+          </a:xfrm>
+          <a:prstGeom prst="ellipse">
+            <a:avLst/>
+          </a:prstGeom>
+          <a:solidFill>
+            <a:srgbClr val="262626"/>
+          </a:solidFill>
+          <a:ln w="174625" cmpd="thinThick">
+            <a:solidFill>
+              <a:srgbClr val="262626"/>
+            </a:solidFill>
+          </a:ln>
+        </p:spPr>
+        <p:txBody>
+          <a:bodyPr vert="horz" lIns="91440" tIns="45720" rIns="91440" bIns="45720" rtlCol="0" anchor="ctr">
+            <a:normAutofit/>
           </a:bodyPr>
           <a:lstStyle/>
           <a:p>
-            <a:r>
-              <a:rPr lang="de-DE" sz="2400" b="1" dirty="0"/>
-              <a:t>OmniMove: Gesamt- und Teilfunktionen</a:t>
-            </a:r>
+            <a:pPr algn="ctr"/>
+            <a:r>
+              <a:rPr lang="en-US" sz="2000" kern="1200" dirty="0" err="1">
+                <a:solidFill>
+                  <a:srgbClr val="FFFFFF"/>
+                </a:solidFill>
+                <a:latin typeface="+mj-lt"/>
+                <a:ea typeface="+mj-ea"/>
+                <a:cs typeface="+mj-cs"/>
+              </a:rPr>
+              <a:t>OmniMove</a:t>
+            </a:r>
+            <a:r>
+              <a:rPr lang="en-US" sz="2000" kern="1200" dirty="0">
+                <a:solidFill>
+                  <a:srgbClr val="FFFFFF"/>
+                </a:solidFill>
+                <a:latin typeface="+mj-lt"/>
+                <a:ea typeface="+mj-ea"/>
+                <a:cs typeface="+mj-cs"/>
+              </a:rPr>
+              <a:t> </a:t>
+            </a:r>
+            <a:r>
+              <a:rPr lang="en-US" sz="2000" kern="1200" dirty="0" err="1">
+                <a:solidFill>
+                  <a:srgbClr val="FFFFFF"/>
+                </a:solidFill>
+                <a:latin typeface="+mj-lt"/>
+                <a:ea typeface="+mj-ea"/>
+                <a:cs typeface="+mj-cs"/>
+              </a:rPr>
+              <a:t>Skizze</a:t>
+            </a:r>
+            <a:r>
+              <a:rPr lang="en-US" sz="2000" kern="1200" dirty="0">
+                <a:solidFill>
+                  <a:srgbClr val="FFFFFF"/>
+                </a:solidFill>
+                <a:latin typeface="+mj-lt"/>
+                <a:ea typeface="+mj-ea"/>
+                <a:cs typeface="+mj-cs"/>
+              </a:rPr>
+              <a:t>: </a:t>
+            </a:r>
+            <a:br>
+              <a:rPr lang="en-US" sz="2000" kern="1200" dirty="0">
+                <a:solidFill>
+                  <a:srgbClr val="FFFFFF"/>
+                </a:solidFill>
+                <a:latin typeface="+mj-lt"/>
+                <a:ea typeface="+mj-ea"/>
+                <a:cs typeface="+mj-cs"/>
+              </a:rPr>
+            </a:br>
+            <a:r>
+              <a:rPr lang="en-US" sz="2000" kern="1200" dirty="0" err="1">
+                <a:solidFill>
+                  <a:srgbClr val="FFFFFF"/>
+                </a:solidFill>
+                <a:latin typeface="+mj-lt"/>
+                <a:ea typeface="+mj-ea"/>
+                <a:cs typeface="+mj-cs"/>
+              </a:rPr>
+              <a:t>Mecanum</a:t>
+            </a:r>
+            <a:r>
+              <a:rPr lang="en-US" sz="2000" kern="1200" dirty="0">
+                <a:solidFill>
+                  <a:srgbClr val="FFFFFF"/>
+                </a:solidFill>
+                <a:latin typeface="+mj-lt"/>
+                <a:ea typeface="+mj-ea"/>
+                <a:cs typeface="+mj-cs"/>
+              </a:rPr>
+              <a:t> </a:t>
+            </a:r>
+            <a:r>
+              <a:rPr lang="en-US" sz="2000" kern="1200" dirty="0" err="1">
+                <a:solidFill>
+                  <a:srgbClr val="FFFFFF"/>
+                </a:solidFill>
+                <a:latin typeface="+mj-lt"/>
+                <a:ea typeface="+mj-ea"/>
+                <a:cs typeface="+mj-cs"/>
+              </a:rPr>
+              <a:t>Räder</a:t>
+            </a:r>
+            <a:r>
+              <a:rPr lang="en-US" sz="2000" kern="1200" dirty="0">
+                <a:solidFill>
+                  <a:srgbClr val="FFFFFF"/>
+                </a:solidFill>
+                <a:latin typeface="+mj-lt"/>
+                <a:ea typeface="+mj-ea"/>
+                <a:cs typeface="+mj-cs"/>
+              </a:rPr>
+              <a:t> &amp; </a:t>
+            </a:r>
+            <a:r>
+              <a:rPr lang="en-US" sz="2000" kern="1200" dirty="0" err="1">
+                <a:solidFill>
+                  <a:srgbClr val="FFFFFF"/>
+                </a:solidFill>
+                <a:latin typeface="+mj-lt"/>
+                <a:ea typeface="+mj-ea"/>
+                <a:cs typeface="+mj-cs"/>
+              </a:rPr>
+              <a:t>Planetengeriebe</a:t>
+            </a:r>
+            <a:endParaRPr lang="en-US" sz="2000" kern="1200" dirty="0">
+              <a:solidFill>
+                <a:srgbClr val="FFFFFF"/>
+              </a:solidFill>
+              <a:latin typeface="+mj-lt"/>
+              <a:ea typeface="+mj-ea"/>
+              <a:cs typeface="+mj-cs"/>
+            </a:endParaRPr>
           </a:p>
         </p:txBody>
       </p:sp>
       <p:pic>
         <p:nvPicPr>
-          <p:cNvPr id="5" name="Grafik 4" descr="Logo Ingenieursinformatik">
-            <a:extLst>
-              <a:ext uri="{FF2B5EF4-FFF2-40B4-BE49-F238E27FC236}">
-                <a16:creationId xmlns:a16="http://schemas.microsoft.com/office/drawing/2014/main" id="{5F67C00D-DC9E-4350-AE3D-B911E466BA3D}"/>
-              </a:ext>
-            </a:extLst>
-          </p:cNvPr>
-          <p:cNvPicPr/>
+          <p:cNvPr id="10" name="Grafik 9">
+            <a:extLst>
+              <a:ext uri="{FF2B5EF4-FFF2-40B4-BE49-F238E27FC236}">
+                <a16:creationId xmlns:a16="http://schemas.microsoft.com/office/drawing/2014/main" id="{BD5AFBB9-1E4A-4AA7-9F39-3BBA9013200D}"/>
+              </a:ext>
+            </a:extLst>
+          </p:cNvPr>
+          <p:cNvPicPr>
+            <a:picLocks noChangeAspect="1"/>
+          </p:cNvPicPr>
           <p:nvPr/>
         </p:nvPicPr>
         <p:blipFill>
-          <a:blip r:embed="rId2" cstate="print">
-            <a:extLst>
-              <a:ext uri="{28A0092B-C50C-407E-A947-70E740481C1C}">
-                <a14:useLocalDpi xmlns:a14="http://schemas.microsoft.com/office/drawing/2010/main" val="0"/>
-              </a:ext>
-            </a:extLst>
-          </a:blip>
-          <a:srcRect/>
+          <a:blip r:embed="rId2"/>
           <a:stretch>
             <a:fillRect/>
           </a:stretch>
         </p:blipFill>
-        <p:spPr bwMode="auto">
-          <a:xfrm>
-            <a:off x="10178281" y="320040"/>
-            <a:ext cx="1692155" cy="924304"/>
+        <p:spPr>
+          <a:xfrm>
+            <a:off x="3813550" y="963506"/>
+            <a:ext cx="3488672" cy="4930987"/>
           </a:xfrm>
           <a:prstGeom prst="rect">
             <a:avLst/>
           </a:prstGeom>
-          <a:noFill/>
-          <a:ln>
-            <a:noFill/>
-          </a:ln>
+        </p:spPr>
+      </p:pic>
+      <p:pic>
+        <p:nvPicPr>
+          <p:cNvPr id="13" name="Inhaltsplatzhalter 4">
+            <a:extLst>
+              <a:ext uri="{FF2B5EF4-FFF2-40B4-BE49-F238E27FC236}">
+                <a16:creationId xmlns:a16="http://schemas.microsoft.com/office/drawing/2014/main" id="{77EDDFA2-365B-4AE1-AF60-3BB0002FF583}"/>
+              </a:ext>
+            </a:extLst>
+          </p:cNvPr>
+          <p:cNvPicPr>
+            <a:picLocks noChangeAspect="1"/>
+          </p:cNvPicPr>
+          <p:nvPr/>
+        </p:nvPicPr>
+        <p:blipFill>
+          <a:blip r:embed="rId3"/>
+          <a:stretch>
+            <a:fillRect/>
+          </a:stretch>
+        </p:blipFill>
+        <p:spPr>
+          <a:xfrm>
+            <a:off x="7988377" y="1079400"/>
+            <a:ext cx="3401875" cy="4815093"/>
+          </a:xfrm>
+          <a:prstGeom prst="rect">
+            <a:avLst/>
+          </a:prstGeom>
         </p:spPr>
       </p:pic>
     </p:spTree>
     <p:extLst>
       <p:ext uri="{BB962C8B-B14F-4D97-AF65-F5344CB8AC3E}">
-        <p14:creationId xmlns:p14="http://schemas.microsoft.com/office/powerpoint/2010/main" val="3503683503"/>
+        <p14:creationId xmlns:p14="http://schemas.microsoft.com/office/powerpoint/2010/main" val="4185177068"/>
       </p:ext>
     </p:extLst>
   </p:cSld>
@@ -4833,7 +5485,7 @@
           <p:cNvPr id="3" name="Inhaltsplatzhalter 2">
             <a:extLst>
               <a:ext uri="{FF2B5EF4-FFF2-40B4-BE49-F238E27FC236}">
-                <a16:creationId xmlns:a16="http://schemas.microsoft.com/office/drawing/2014/main" id="{5CCFFB3A-A904-4D27-87EA-75FFB9C07A06}"/>
+                <a16:creationId xmlns:a16="http://schemas.microsoft.com/office/drawing/2014/main" id="{C4F9E0B2-3FB4-442C-99F8-6BF94DBC0BCA}"/>
               </a:ext>
             </a:extLst>
           </p:cNvPr>
@@ -4851,15 +5503,15 @@
           <a:p>
             <a:r>
               <a:rPr lang="de-DE" dirty="0"/>
-              <a:t>Hier vielleicht ein paar Zig-</a:t>
+              <a:t>Hier </a:t>
             </a:r>
             <a:r>
               <a:rPr lang="de-DE" dirty="0" err="1"/>
-              <a:t>Zaggings</a:t>
+              <a:t>vll</a:t>
             </a:r>
             <a:r>
               <a:rPr lang="de-DE" dirty="0"/>
-              <a:t> reinmachen?</a:t>
+              <a:t> ne Tabelle rein?</a:t>
             </a:r>
           </a:p>
         </p:txBody>
@@ -4869,7 +5521,7 @@
           <p:cNvPr id="4" name="Titel 1">
             <a:extLst>
               <a:ext uri="{FF2B5EF4-FFF2-40B4-BE49-F238E27FC236}">
-                <a16:creationId xmlns:a16="http://schemas.microsoft.com/office/drawing/2014/main" id="{8A029102-923F-4439-B51B-7EE350387913}"/>
+                <a16:creationId xmlns:a16="http://schemas.microsoft.com/office/drawing/2014/main" id="{F3EA9F0D-7B7E-4F19-B401-C24981102199}"/>
               </a:ext>
             </a:extLst>
           </p:cNvPr>
@@ -4894,7 +5546,7 @@
           <a:p>
             <a:r>
               <a:rPr lang="de-DE" sz="2400" b="1" dirty="0"/>
-              <a:t>OmniMove: Lösungsprinzipien</a:t>
+              <a:t>OmniMove: Gesamt- und Teilfunktionen</a:t>
             </a:r>
           </a:p>
         </p:txBody>
@@ -4904,7 +5556,7 @@
           <p:cNvPr id="5" name="Grafik 4" descr="Logo Ingenieursinformatik">
             <a:extLst>
               <a:ext uri="{FF2B5EF4-FFF2-40B4-BE49-F238E27FC236}">
-                <a16:creationId xmlns:a16="http://schemas.microsoft.com/office/drawing/2014/main" id="{006A8985-ADB0-4D70-BB53-DAFCD3D0023A}"/>
+                <a16:creationId xmlns:a16="http://schemas.microsoft.com/office/drawing/2014/main" id="{5F67C00D-DC9E-4350-AE3D-B911E466BA3D}"/>
               </a:ext>
             </a:extLst>
           </p:cNvPr>
@@ -4941,7 +5593,7 @@
     </p:spTree>
     <p:extLst>
       <p:ext uri="{BB962C8B-B14F-4D97-AF65-F5344CB8AC3E}">
-        <p14:creationId xmlns:p14="http://schemas.microsoft.com/office/powerpoint/2010/main" val="19778333"/>
+        <p14:creationId xmlns:p14="http://schemas.microsoft.com/office/powerpoint/2010/main" val="3503683503"/>
       </p:ext>
     </p:extLst>
   </p:cSld>
@@ -4973,7 +5625,7 @@
           <p:cNvPr id="3" name="Inhaltsplatzhalter 2">
             <a:extLst>
               <a:ext uri="{FF2B5EF4-FFF2-40B4-BE49-F238E27FC236}">
-                <a16:creationId xmlns:a16="http://schemas.microsoft.com/office/drawing/2014/main" id="{6551D164-DE75-46C8-9B1E-9B16F1214F54}"/>
+                <a16:creationId xmlns:a16="http://schemas.microsoft.com/office/drawing/2014/main" id="{5CCFFB3A-A904-4D27-87EA-75FFB9C07A06}"/>
               </a:ext>
             </a:extLst>
           </p:cNvPr>
@@ -4991,7 +5643,15 @@
           <a:p>
             <a:r>
               <a:rPr lang="de-DE" dirty="0"/>
-              <a:t>Hier Tabelle mit Auswahl von relevanten Merkmalen</a:t>
+              <a:t>Hier vielleicht ein paar Zig-</a:t>
+            </a:r>
+            <a:r>
+              <a:rPr lang="de-DE" dirty="0" err="1"/>
+              <a:t>Zaggings</a:t>
+            </a:r>
+            <a:r>
+              <a:rPr lang="de-DE" dirty="0"/>
+              <a:t> reinmachen?</a:t>
             </a:r>
           </a:p>
         </p:txBody>
@@ -5001,7 +5661,7 @@
           <p:cNvPr id="4" name="Titel 1">
             <a:extLst>
               <a:ext uri="{FF2B5EF4-FFF2-40B4-BE49-F238E27FC236}">
-                <a16:creationId xmlns:a16="http://schemas.microsoft.com/office/drawing/2014/main" id="{79ECEDCC-645A-46D7-AE66-735639EED5F2}"/>
+                <a16:creationId xmlns:a16="http://schemas.microsoft.com/office/drawing/2014/main" id="{8A029102-923F-4439-B51B-7EE350387913}"/>
               </a:ext>
             </a:extLst>
           </p:cNvPr>
@@ -5026,7 +5686,7 @@
           <a:p>
             <a:r>
               <a:rPr lang="de-DE" sz="2400" b="1" dirty="0"/>
-              <a:t>OmniMove: Morphologische Tabelle</a:t>
+              <a:t>OmniMove: Lösungsprinzipien</a:t>
             </a:r>
           </a:p>
         </p:txBody>
@@ -5036,7 +5696,7 @@
           <p:cNvPr id="5" name="Grafik 4" descr="Logo Ingenieursinformatik">
             <a:extLst>
               <a:ext uri="{FF2B5EF4-FFF2-40B4-BE49-F238E27FC236}">
-                <a16:creationId xmlns:a16="http://schemas.microsoft.com/office/drawing/2014/main" id="{BE75792D-1002-4115-BEDB-C76DA1BE9BFD}"/>
+                <a16:creationId xmlns:a16="http://schemas.microsoft.com/office/drawing/2014/main" id="{006A8985-ADB0-4D70-BB53-DAFCD3D0023A}"/>
               </a:ext>
             </a:extLst>
           </p:cNvPr>
@@ -5073,7 +5733,7 @@
     </p:spTree>
     <p:extLst>
       <p:ext uri="{BB962C8B-B14F-4D97-AF65-F5344CB8AC3E}">
-        <p14:creationId xmlns:p14="http://schemas.microsoft.com/office/powerpoint/2010/main" val="1249718552"/>
+        <p14:creationId xmlns:p14="http://schemas.microsoft.com/office/powerpoint/2010/main" val="19778333"/>
       </p:ext>
     </p:extLst>
   </p:cSld>
@@ -5086,14 +5746,6 @@
 <file path=ppt/slides/slide8.xml><?xml version="1.0" encoding="utf-8"?>
 <p:sld xmlns:a="http://schemas.openxmlformats.org/drawingml/2006/main" xmlns:r="http://schemas.openxmlformats.org/officeDocument/2006/relationships" xmlns:p="http://schemas.openxmlformats.org/presentationml/2006/main">
   <p:cSld>
-    <p:bg>
-      <p:bgPr>
-        <a:solidFill>
-          <a:schemeClr val="bg1"/>
-        </a:solidFill>
-        <a:effectLst/>
-      </p:bgPr>
-    </p:bg>
     <p:spTree>
       <p:nvGrpSpPr>
         <p:cNvPr id="1" name=""/>
@@ -5110,225 +5762,73 @@
       </p:grpSpPr>
       <p:sp>
         <p:nvSpPr>
-          <p:cNvPr id="58" name="Rectangle 57">
-            <a:extLst>
-              <a:ext uri="{FF2B5EF4-FFF2-40B4-BE49-F238E27FC236}">
-                <a16:creationId xmlns:a16="http://schemas.microsoft.com/office/drawing/2014/main" id="{6753252F-4873-4F63-801D-CC719279A7D5}"/>
-              </a:ext>
-              <a:ext uri="{C183D7F6-B498-43B3-948B-1728B52AA6E4}">
-                <adec:decorative xmlns:adec="http://schemas.microsoft.com/office/drawing/2017/decorative" val="1"/>
-              </a:ext>
-            </a:extLst>
-          </p:cNvPr>
-          <p:cNvSpPr>
-            <a:spLocks noGrp="1" noRot="1" noChangeAspect="1" noMove="1" noResize="1" noEditPoints="1" noAdjustHandles="1" noChangeArrowheads="1" noChangeShapeType="1" noTextEdit="1"/>
-          </p:cNvSpPr>
-          <p:nvPr>
-            <p:extLst>
-              <p:ext uri="{386F3935-93C4-4BCD-93E2-E3B085C9AB24}">
-                <p16:designElem xmlns:p16="http://schemas.microsoft.com/office/powerpoint/2015/main" val="1"/>
-              </p:ext>
-            </p:extLst>
+          <p:cNvPr id="3" name="Inhaltsplatzhalter 2">
+            <a:extLst>
+              <a:ext uri="{FF2B5EF4-FFF2-40B4-BE49-F238E27FC236}">
+                <a16:creationId xmlns:a16="http://schemas.microsoft.com/office/drawing/2014/main" id="{6551D164-DE75-46C8-9B1E-9B16F1214F54}"/>
+              </a:ext>
+            </a:extLst>
+          </p:cNvPr>
+          <p:cNvSpPr>
+            <a:spLocks noGrp="1"/>
+          </p:cNvSpPr>
+          <p:nvPr>
+            <p:ph idx="1"/>
+          </p:nvPr>
+        </p:nvSpPr>
+        <p:spPr/>
+        <p:txBody>
+          <a:bodyPr/>
+          <a:lstStyle/>
+          <a:p>
+            <a:r>
+              <a:rPr lang="de-DE" dirty="0"/>
+              <a:t>Hier Tabelle mit Auswahl von relevanten Merkmalen</a:t>
+            </a:r>
+          </a:p>
+        </p:txBody>
+      </p:sp>
+      <p:sp>
+        <p:nvSpPr>
+          <p:cNvPr id="4" name="Titel 1">
+            <a:extLst>
+              <a:ext uri="{FF2B5EF4-FFF2-40B4-BE49-F238E27FC236}">
+                <a16:creationId xmlns:a16="http://schemas.microsoft.com/office/drawing/2014/main" id="{79ECEDCC-645A-46D7-AE66-735639EED5F2}"/>
+              </a:ext>
+            </a:extLst>
+          </p:cNvPr>
+          <p:cNvSpPr>
+            <a:spLocks noGrp="1"/>
+          </p:cNvSpPr>
+          <p:nvPr>
+            <p:ph type="title"/>
           </p:nvPr>
         </p:nvSpPr>
         <p:spPr>
           <a:xfrm>
-            <a:off x="0" y="0"/>
-            <a:ext cx="12192000" cy="6858000"/>
-          </a:xfrm>
-          <a:prstGeom prst="rect">
-            <a:avLst/>
-          </a:prstGeom>
-          <a:solidFill>
-            <a:srgbClr val="FFFFFF"/>
-          </a:solidFill>
-          <a:ln>
-            <a:noFill/>
-          </a:ln>
-        </p:spPr>
-        <p:style>
-          <a:lnRef idx="2">
-            <a:schemeClr val="accent1">
-              <a:shade val="50000"/>
-            </a:schemeClr>
-          </a:lnRef>
-          <a:fillRef idx="1">
-            <a:schemeClr val="accent1"/>
-          </a:fillRef>
-          <a:effectRef idx="0">
-            <a:schemeClr val="accent1"/>
-          </a:effectRef>
-          <a:fontRef idx="minor">
-            <a:schemeClr val="lt1"/>
-          </a:fontRef>
-        </p:style>
-        <p:txBody>
-          <a:bodyPr rtlCol="0" anchor="ctr"/>
-          <a:lstStyle/>
-          <a:p>
-            <a:pPr algn="ctr"/>
-            <a:endParaRPr lang="en-US"/>
-          </a:p>
-        </p:txBody>
-      </p:sp>
-      <p:sp>
-        <p:nvSpPr>
-          <p:cNvPr id="60" name="Rectangle 59">
-            <a:extLst>
-              <a:ext uri="{FF2B5EF4-FFF2-40B4-BE49-F238E27FC236}">
-                <a16:creationId xmlns:a16="http://schemas.microsoft.com/office/drawing/2014/main" id="{047C8CCB-F95D-4249-92DD-651249D3535A}"/>
-              </a:ext>
-              <a:ext uri="{C183D7F6-B498-43B3-948B-1728B52AA6E4}">
-                <adec:decorative xmlns:adec="http://schemas.microsoft.com/office/drawing/2017/decorative" val="1"/>
-              </a:ext>
-            </a:extLst>
-          </p:cNvPr>
-          <p:cNvSpPr>
-            <a:spLocks noGrp="1" noRot="1" noChangeAspect="1" noMove="1" noResize="1" noEditPoints="1" noAdjustHandles="1" noChangeArrowheads="1" noChangeShapeType="1" noTextEdit="1"/>
-          </p:cNvSpPr>
-          <p:nvPr>
-            <p:extLst>
-              <p:ext uri="{386F3935-93C4-4BCD-93E2-E3B085C9AB24}">
-                <p16:designElem xmlns:p16="http://schemas.microsoft.com/office/powerpoint/2015/main" val="1"/>
-              </p:ext>
-            </p:extLst>
-          </p:nvPr>
-        </p:nvSpPr>
-        <p:spPr>
-          <a:xfrm>
-            <a:off x="0" y="0"/>
-            <a:ext cx="2013557" cy="6858000"/>
-          </a:xfrm>
-          <a:prstGeom prst="rect">
-            <a:avLst/>
-          </a:prstGeom>
-          <a:solidFill>
-            <a:srgbClr val="7F7F7F"/>
-          </a:solidFill>
-          <a:ln>
-            <a:noFill/>
-          </a:ln>
-        </p:spPr>
-        <p:style>
-          <a:lnRef idx="2">
-            <a:schemeClr val="accent1">
-              <a:shade val="50000"/>
-            </a:schemeClr>
-          </a:lnRef>
-          <a:fillRef idx="1">
-            <a:schemeClr val="accent1"/>
-          </a:fillRef>
-          <a:effectRef idx="0">
-            <a:schemeClr val="accent1"/>
-          </a:effectRef>
-          <a:fontRef idx="minor">
-            <a:schemeClr val="lt1"/>
-          </a:fontRef>
-        </p:style>
-        <p:txBody>
-          <a:bodyPr rtlCol="0" anchor="ctr"/>
-          <a:lstStyle/>
-          <a:p>
-            <a:pPr algn="ctr"/>
-            <a:endParaRPr lang="en-US"/>
-          </a:p>
-        </p:txBody>
-      </p:sp>
-      <p:sp>
-        <p:nvSpPr>
-          <p:cNvPr id="4" name="Titel 1">
-            <a:extLst>
-              <a:ext uri="{FF2B5EF4-FFF2-40B4-BE49-F238E27FC236}">
-                <a16:creationId xmlns:a16="http://schemas.microsoft.com/office/drawing/2014/main" id="{08253877-8FEC-4715-AEA5-A451C1CBD31A}"/>
-              </a:ext>
-            </a:extLst>
-          </p:cNvPr>
-          <p:cNvSpPr>
-            <a:spLocks noGrp="1"/>
-          </p:cNvSpPr>
-          <p:nvPr>
-            <p:ph type="title"/>
-          </p:nvPr>
-        </p:nvSpPr>
-        <p:spPr>
-          <a:xfrm>
-            <a:off x="640080" y="2074363"/>
-            <a:ext cx="2752354" cy="2709275"/>
-          </a:xfrm>
-          <a:prstGeom prst="ellipse">
-            <a:avLst/>
-          </a:prstGeom>
-          <a:solidFill>
-            <a:srgbClr val="262626"/>
-          </a:solidFill>
-          <a:ln w="174625" cmpd="thinThick">
-            <a:solidFill>
-              <a:srgbClr val="262626"/>
-            </a:solidFill>
-          </a:ln>
-        </p:spPr>
-        <p:txBody>
-          <a:bodyPr vert="horz" lIns="91440" tIns="45720" rIns="91440" bIns="45720" rtlCol="0" anchor="ctr">
-            <a:normAutofit/>
+            <a:off x="546100" y="284480"/>
+            <a:ext cx="5257800" cy="879218"/>
+          </a:xfrm>
+        </p:spPr>
+        <p:txBody>
+          <a:bodyPr>
+            <a:noAutofit/>
           </a:bodyPr>
           <a:lstStyle/>
           <a:p>
-            <a:pPr algn="ctr"/>
-            <a:r>
-              <a:rPr lang="en-US" sz="2600" b="1" kern="1200">
-                <a:solidFill>
-                  <a:srgbClr val="FFFFFF"/>
-                </a:solidFill>
-                <a:latin typeface="+mj-lt"/>
-                <a:ea typeface="+mj-ea"/>
-                <a:cs typeface="+mj-cs"/>
-              </a:rPr>
-              <a:t>(S)eg(g)Way : Skizze</a:t>
+            <a:r>
+              <a:rPr lang="de-DE" sz="2400" b="1" dirty="0"/>
+              <a:t>OmniMove: Morphologische Tabelle</a:t>
             </a:r>
           </a:p>
         </p:txBody>
       </p:sp>
       <p:pic>
         <p:nvPicPr>
-          <p:cNvPr id="38" name="Grafik 37">
-            <a:extLst>
-              <a:ext uri="{FF2B5EF4-FFF2-40B4-BE49-F238E27FC236}">
-                <a16:creationId xmlns:a16="http://schemas.microsoft.com/office/drawing/2014/main" id="{8E9A5953-0355-464A-91C5-6D2D98A9E440}"/>
-              </a:ext>
-            </a:extLst>
-          </p:cNvPr>
-          <p:cNvPicPr>
-            <a:picLocks noChangeAspect="1"/>
-          </p:cNvPicPr>
-          <p:nvPr/>
-        </p:nvPicPr>
-        <p:blipFill>
-          <a:blip r:embed="rId2"/>
-          <a:stretch>
-            <a:fillRect/>
-          </a:stretch>
-        </p:blipFill>
-        <p:spPr>
-          <a:xfrm>
-            <a:off x="4032514" y="1564384"/>
-            <a:ext cx="7041886" cy="4277945"/>
-          </a:xfrm>
-          <a:prstGeom prst="rect">
-            <a:avLst/>
-          </a:prstGeom>
-          <a:ln w="22225">
-            <a:solidFill>
-              <a:schemeClr val="tx1"/>
-            </a:solidFill>
-          </a:ln>
-        </p:spPr>
-      </p:pic>
-      <p:pic>
-        <p:nvPicPr>
-          <p:cNvPr id="39" name="Grafik 38" descr="Logo Ingenieursinformatik">
-            <a:extLst>
-              <a:ext uri="{FF2B5EF4-FFF2-40B4-BE49-F238E27FC236}">
-                <a16:creationId xmlns:a16="http://schemas.microsoft.com/office/drawing/2014/main" id="{152A2FCF-B2BB-43A1-A0F1-A90D98C7FE50}"/>
+          <p:cNvPr id="5" name="Grafik 4" descr="Logo Ingenieursinformatik">
+            <a:extLst>
+              <a:ext uri="{FF2B5EF4-FFF2-40B4-BE49-F238E27FC236}">
+                <a16:creationId xmlns:a16="http://schemas.microsoft.com/office/drawing/2014/main" id="{BE75792D-1002-4115-BEDB-C76DA1BE9BFD}"/>
               </a:ext>
             </a:extLst>
           </p:cNvPr>
@@ -5336,7 +5836,7 @@
           <p:nvPr/>
         </p:nvPicPr>
         <p:blipFill>
-          <a:blip r:embed="rId3" cstate="print">
+          <a:blip r:embed="rId2" cstate="print">
             <a:extLst>
               <a:ext uri="{28A0092B-C50C-407E-A947-70E740481C1C}">
                 <a14:useLocalDpi xmlns:a14="http://schemas.microsoft.com/office/drawing/2010/main" val="0"/>
@@ -5365,7 +5865,7 @@
     </p:spTree>
     <p:extLst>
       <p:ext uri="{BB962C8B-B14F-4D97-AF65-F5344CB8AC3E}">
-        <p14:creationId xmlns:p14="http://schemas.microsoft.com/office/powerpoint/2010/main" val="111478215"/>
+        <p14:creationId xmlns:p14="http://schemas.microsoft.com/office/powerpoint/2010/main" val="1249718552"/>
       </p:ext>
     </p:extLst>
   </p:cSld>
@@ -5402,7 +5902,7 @@
       </p:grpSpPr>
       <p:sp>
         <p:nvSpPr>
-          <p:cNvPr id="9" name="Rectangle 8">
+          <p:cNvPr id="58" name="Rectangle 57">
             <a:extLst>
               <a:ext uri="{FF2B5EF4-FFF2-40B4-BE49-F238E27FC236}">
                 <a16:creationId xmlns:a16="http://schemas.microsoft.com/office/drawing/2014/main" id="{6753252F-4873-4F63-801D-CC719279A7D5}"/>
@@ -5465,7 +5965,7 @@
       </p:sp>
       <p:sp>
         <p:nvSpPr>
-          <p:cNvPr id="11" name="Rectangle 10">
+          <p:cNvPr id="60" name="Rectangle 59">
             <a:extLst>
               <a:ext uri="{FF2B5EF4-FFF2-40B4-BE49-F238E27FC236}">
                 <a16:creationId xmlns:a16="http://schemas.microsoft.com/office/drawing/2014/main" id="{047C8CCB-F95D-4249-92DD-651249D3535A}"/>
@@ -5495,7 +5995,7 @@
             <a:avLst/>
           </a:prstGeom>
           <a:solidFill>
-            <a:srgbClr val="696D9A"/>
+            <a:srgbClr val="7F7F7F"/>
           </a:solidFill>
           <a:ln>
             <a:noFill/>
@@ -5567,7 +6067,7 @@
           <a:p>
             <a:pPr algn="ctr"/>
             <a:r>
-              <a:rPr lang="en-US" sz="2600" b="1" kern="1200" dirty="0">
+              <a:rPr lang="en-US" sz="2600" b="1" kern="1200">
                 <a:solidFill>
                   <a:srgbClr val="FFFFFF"/>
                 </a:solidFill>
@@ -5575,36 +6075,17 @@
                 <a:ea typeface="+mj-ea"/>
                 <a:cs typeface="+mj-cs"/>
               </a:rPr>
-              <a:t>W-egg-Chair: </a:t>
-            </a:r>
-            <a:r>
-              <a:rPr lang="en-US" sz="2600" b="1" kern="1200" dirty="0" err="1">
-                <a:solidFill>
-                  <a:srgbClr val="FFFFFF"/>
-                </a:solidFill>
-                <a:latin typeface="+mj-lt"/>
-                <a:ea typeface="+mj-ea"/>
-                <a:cs typeface="+mj-cs"/>
-              </a:rPr>
-              <a:t>Skizze</a:t>
-            </a:r>
-            <a:endParaRPr lang="en-US" sz="2600" b="1" kern="1200" dirty="0">
-              <a:solidFill>
-                <a:srgbClr val="FFFFFF"/>
-              </a:solidFill>
-              <a:latin typeface="+mj-lt"/>
-              <a:ea typeface="+mj-ea"/>
-              <a:cs typeface="+mj-cs"/>
-            </a:endParaRPr>
+              <a:t>(S)eg(g)Way : Skizze</a:t>
+            </a:r>
           </a:p>
         </p:txBody>
       </p:sp>
       <p:pic>
         <p:nvPicPr>
-          <p:cNvPr id="10" name="Grafik 9">
-            <a:extLst>
-              <a:ext uri="{FF2B5EF4-FFF2-40B4-BE49-F238E27FC236}">
-                <a16:creationId xmlns:a16="http://schemas.microsoft.com/office/drawing/2014/main" id="{68EE73E0-DAE2-4FAE-B6C2-7E139CA2ECA0}"/>
+          <p:cNvPr id="38" name="Grafik 37">
+            <a:extLst>
+              <a:ext uri="{FF2B5EF4-FFF2-40B4-BE49-F238E27FC236}">
+                <a16:creationId xmlns:a16="http://schemas.microsoft.com/office/drawing/2014/main" id="{8E9A5953-0355-464A-91C5-6D2D98A9E440}"/>
               </a:ext>
             </a:extLst>
           </p:cNvPr>
@@ -5621,8 +6102,8 @@
         </p:blipFill>
         <p:spPr>
           <a:xfrm>
-            <a:off x="3943614" y="1341104"/>
-            <a:ext cx="6769443" cy="4924770"/>
+            <a:off x="4032514" y="1564384"/>
+            <a:ext cx="7041886" cy="4277945"/>
           </a:xfrm>
           <a:prstGeom prst="rect">
             <a:avLst/>
@@ -5636,10 +6117,10 @@
       </p:pic>
       <p:pic>
         <p:nvPicPr>
-          <p:cNvPr id="12" name="Grafik 11" descr="Logo Ingenieursinformatik">
-            <a:extLst>
-              <a:ext uri="{FF2B5EF4-FFF2-40B4-BE49-F238E27FC236}">
-                <a16:creationId xmlns:a16="http://schemas.microsoft.com/office/drawing/2014/main" id="{1A909A4D-2C76-458E-AC65-5911DFC2D313}"/>
+          <p:cNvPr id="39" name="Grafik 38" descr="Logo Ingenieursinformatik">
+            <a:extLst>
+              <a:ext uri="{FF2B5EF4-FFF2-40B4-BE49-F238E27FC236}">
+                <a16:creationId xmlns:a16="http://schemas.microsoft.com/office/drawing/2014/main" id="{152A2FCF-B2BB-43A1-A0F1-A90D98C7FE50}"/>
               </a:ext>
             </a:extLst>
           </p:cNvPr>
@@ -5676,7 +6157,7 @@
     </p:spTree>
     <p:extLst>
       <p:ext uri="{BB962C8B-B14F-4D97-AF65-F5344CB8AC3E}">
-        <p14:creationId xmlns:p14="http://schemas.microsoft.com/office/powerpoint/2010/main" val="1304871519"/>
+        <p14:creationId xmlns:p14="http://schemas.microsoft.com/office/powerpoint/2010/main" val="111478215"/>
       </p:ext>
     </p:extLst>
   </p:cSld>

--- a/Praktikum Produktionstechnik M2.pptx
+++ b/Praktikum Produktionstechnik M2.pptx
@@ -7,14 +7,13 @@
   <p:sldIdLst>
     <p:sldId id="256" r:id="rId2"/>
     <p:sldId id="257" r:id="rId3"/>
-    <p:sldId id="258" r:id="rId4"/>
-    <p:sldId id="259" r:id="rId5"/>
-    <p:sldId id="265" r:id="rId6"/>
-    <p:sldId id="260" r:id="rId7"/>
-    <p:sldId id="261" r:id="rId8"/>
-    <p:sldId id="262" r:id="rId9"/>
-    <p:sldId id="263" r:id="rId10"/>
-    <p:sldId id="264" r:id="rId11"/>
+    <p:sldId id="262" r:id="rId4"/>
+    <p:sldId id="263" r:id="rId5"/>
+    <p:sldId id="264" r:id="rId6"/>
+    <p:sldId id="258" r:id="rId7"/>
+    <p:sldId id="259" r:id="rId8"/>
+    <p:sldId id="265" r:id="rId9"/>
+    <p:sldId id="260" r:id="rId10"/>
   </p:sldIdLst>
   <p:sldSz cx="12192000" cy="6858000"/>
   <p:notesSz cx="6858000" cy="9144000"/>
@@ -121,6 +120,75 @@
 </p:presentation>
 </file>
 
+<file path=ppt/ink/ink1.xml><?xml version="1.0" encoding="utf-8"?>
+<inkml:ink xmlns:inkml="http://www.w3.org/2003/InkML">
+  <inkml:definitions>
+    <inkml:context xml:id="ctx0">
+      <inkml:inkSource xml:id="inkSrc0">
+        <inkml:traceFormat>
+          <inkml:channel name="X" type="integer" min="-2.14748E9" max="2.14748E9" units="cm"/>
+          <inkml:channel name="Y" type="integer" min="-2.14748E9" max="2.14748E9" units="cm"/>
+          <inkml:channel name="F" type="integer" max="32767" units="dev"/>
+        </inkml:traceFormat>
+        <inkml:channelProperties>
+          <inkml:channelProperty channel="X" name="resolution" value="1000" units="1/cm"/>
+          <inkml:channelProperty channel="Y" name="resolution" value="1000" units="1/cm"/>
+          <inkml:channelProperty channel="F" name="resolution" value="0" units="1/dev"/>
+        </inkml:channelProperties>
+      </inkml:inkSource>
+      <inkml:timestamp xml:id="ts0" timeString="2019-05-27T14:45:25.351"/>
+    </inkml:context>
+    <inkml:brush xml:id="br0">
+      <inkml:brushProperty name="width" value="0.05" units="cm"/>
+      <inkml:brushProperty name="height" value="0.05" units="cm"/>
+      <inkml:brushProperty name="color" value="#66CC00"/>
+    </inkml:brush>
+    <inkml:brush xml:id="br1">
+      <inkml:brushProperty name="width" value="0.35" units="cm"/>
+      <inkml:brushProperty name="height" value="0.35" units="cm"/>
+      <inkml:brushProperty name="color" value="#E71224"/>
+    </inkml:brush>
+    <inkml:brush xml:id="br2">
+      <inkml:brushProperty name="width" value="0.2" units="cm"/>
+      <inkml:brushProperty name="height" value="0.2" units="cm"/>
+      <inkml:brushProperty name="color" value="#66CC00"/>
+    </inkml:brush>
+    <inkml:brush xml:id="br3">
+      <inkml:brushProperty name="width" value="0.35" units="cm"/>
+      <inkml:brushProperty name="height" value="0.35" units="cm"/>
+      <inkml:brushProperty name="color" value="#004F8B"/>
+    </inkml:brush>
+  </inkml:definitions>
+  <inkml:trace contextRef="#ctx0" brushRef="#br0">3095 48 6016,'0'19'633,"0"-33"792,0-38 954,23 214 1504,-18-64-3334,-5 0 0,-4 0 1,-3 0-1,-17 69-549,-20 103 746,11-189-468,33-80-172,0-1 22,-3-1-118,1 0-1,-1 0 1,1 0 0,-1 0-1,0 0 1,1 1-1,-1-1 1,0 1-1,1 0 1,-1 0-1,0 0 1,0 0-1,1 0 1,-1 0-1,0 1 1,1 0-1,-1-1 1,0 1-1,1 0 1,-1 0-1,1 0 1,0 1-1,-1-1 1,1 1-1,0-1 1,-1 1-10,-5 1 8,-438 207 120,356-165-102,1 5 0,3 3-1,3 4 1,1 4-1,-21 24-25,-127 107 0,222-186-21,7-5-235,1-1-597,0 0 0,0 0 277,0 0-22,0 0-340,0 0-662,0 0-2283,0 0-63,0 0 1727</inkml:trace>
+  <inkml:trace contextRef="#ctx0" brushRef="#br0" timeOffset="1817.521">1846 1987 3072,'0'0'405,"0"0"65,0 0-44,0 0 129,0 0 277,0 4 42,16 74 237,3-2 0,4 0-1,3-2 1,3 0 0,3-2-1,40 65-1110,30 29 935,8-3 0,32 28-935,-73-104 240,4-3 0,3-3 0,4-4 0,54 39-240,-29-31 469,-105-84-470,1-1 1,0 1 0,0 0-1,0-1 1,-1 1-1,1 0 1,0 0 0,-1 0-1,1 0 1,-1 0-1,1 0 1,-1 0 0,0 0-1,1 0 1,-1 0-1,0 0 1,0 0 0,1 0-1,-1 0 1,0 0-1,0 0 1,0 0-1,0 0 1,0 0 0,-1 0-1,1 0 1,0 0-1,0 0 1,-1 0 0,1 0-1,-1 0 1,1 0-1,-1 0 1,1 0 0,-1 0-1,1 0 1,-1 0-1,0-1 1,0 1 0,1 0-1,-1 0 1,0-1-1,0 1 1,0-1 0,0 1-1,0-1 1,0 1-1,0-1 1,0 1 0,0-1 0,-50 28-2092,-1-16-7956,24-10 8427</inkml:trace>
+  <inkml:trace contextRef="#ctx0" brushRef="#br0" timeOffset="2634.386">2903 3638 5376,'-140'31'9099,"-84"81"-7584,149-71-652,-872 429-415,790-385-1184,90-47-8661,51-30 5557</inkml:trace>
+  <inkml:trace contextRef="#ctx0" brushRef="#br0" timeOffset="3646.4">1429 4263 4480,'1'0'79,"0"1"0,0-1 0,0 1 0,-1-1 0,1 1 0,0 0 0,-1-1 1,1 1-1,-1 0 0,1-1 0,0 1 0,-1 0 0,1 0 0,-1-1 0,0 1 0,1 0 0,-1 0 0,0 0 0,0 0 0,1 0 1,-1 0-1,0-1 0,0 1 0,0 0 0,0 0 0,0 0 0,0 0 0,0 0 0,0 0 0,-1 0 0,1 0 0,0-1 1,0 1-1,-1 0 0,1 0 0,-1 0 0,1 0 0,-1-1 0,1 1 0,-1 0 0,1 0 0,-1-1 0,1 1 0,-1-1 1,0 1-80,-8 13 558,3-1-203,0 1 0,1 0 0,1 1 0,0-1-1,1 1 1,1 0 0,0 0 0,1 15-355,-2 5 212,-3 27-33,2 0 1,3 0 0,3 0 0,2 1 0,4-1-1,2-1 1,9 28-180,19 43-307,-3-46-3972,-20-52-841</inkml:trace>
+  <inkml:trace contextRef="#ctx0" brushRef="#br0" timeOffset="5444.412">1474 5414 7296,'22'4'0,"15"45"533,192 73 1515,-43-42-1319,3-9-1,3-8 1,13-5-729,-85-24 225,448 174 543,-384-161-9259,-152-42 6486</inkml:trace>
+  <inkml:trace contextRef="#ctx0" brushRef="#br0" timeOffset="6642.219">3576 6464 3968,'0'0'0,"11"-14"0,-11 14 0,0 0 128,0 0 128,0 0-256,0 0 0,0 0-128,0 0 0,0 0-2432</inkml:trace>
+  <inkml:trace contextRef="#ctx0" brushRef="#br0" timeOffset="7033.773">3594 6347 1408,'-2'0'22,"-1"1"1,1-1-1,-1 1 1,1-1-1,-1 0 0,0 0 1,1 0-1,-1-1 1,1 1-1,-1-1 0,0 1 1,1-1-1,-1 0 1,1 0-1,0 0 0,-1 0 1,1 0-1,0 0 1,0-1-1,-1 1 0,1-1 1,0 0-1,1 1 1,-1-1-1,0 0 0,0 0 1,1 0-1,-1-1 1,1 1-1,0 0 0,-1 0 1,1-1-1,0 1 1,1-1-1,-1 1 0,0-1 1,1 1-1,-1-1 1,1 1-1,0-3-22,-3-95 2309,9 36 4235,-5 62-5797,-1 2-470,0 0-21,0 0 107,27 37 426,54 218 1771,-5 39-768,-68-263-1681,0 1 1,3-1-1,0-1 0,2 0 1,1-1-1,2 0 1,0-1-1,2-1 0,20 23-111,23 5-5247,-40-37-3713</inkml:trace>
+  <inkml:trace contextRef="#ctx0" brushRef="#br1" timeOffset="73039.176">4409 145 1920,'-3'332'491,"-50"1146"191,51-1101-564,-18-1-1,-31 125-117,35-397-1920</inkml:trace>
+  <inkml:trace contextRef="#ctx0" brushRef="#br1" timeOffset="75700.979">4253 3214 128,'0'6'-98,"-1"22"481,-5-46 207,3-4-122,8 31 799,7 38 91,-4 44-429,-4 0 1,-4 1-1,-11 86-929,4-92-371,3 0-1,4 0 0,4-1 0,10 57 372,-9-113-1813,1-2 21</inkml:trace>
+  <inkml:trace contextRef="#ctx0" brushRef="#br1" timeOffset="78222.324">4003 4267 1152,'0'30'640,"0"-28"-256,0-2 21,0 0 86,-10-1 618,-35 4-807,1 1-1,-1 2 1,1 2-1,0 2 1,1 2-1,0 2 1,1 2-302,42-16 1,-498 218 639,215-92-188,-385 191 995,404-167-7996,182-105 6058</inkml:trace>
+  <inkml:trace contextRef="#ctx0" brushRef="#br1" timeOffset="87375.838">1808 5335 1536,'0'0'128,"0"0"0,0 23 491,-35 370 938,-30 378-1536,60-714-2474</inkml:trace>
+  <inkml:trace contextRef="#ctx0" brushRef="#br1" timeOffset="90214.518">1676 6619 2304,'61'23'2517,"51"22"-725,-2 5 0,55 37-1792,-164-87 1,187 108 447,4-8-1,195 70-447,-318-149 39,2-2-1,-1-3 1,2-4-1,3-2-38,167 13-3972,-160-16 793</inkml:trace>
+  <inkml:trace contextRef="#ctx0" brushRef="#br1" timeOffset="93547.16">3442 7338 2176,'0'0'384,"-2"2"21,-182 142 2923,78-77-2837,-3-4-1,-65 24-490,-4-2-92,-625 309 314,278-99-3423,417-231 790</inkml:trace>
+  <inkml:trace contextRef="#ctx0" brushRef="#br1" timeOffset="97601.487">1147 8495 896,'0'0'0,"-12"9"768,4 9 0,-1 8-128,-1 17 128,-1 11-128,2 8 0,2 10-256,0 7 0,2 9-256,1-3 128,-3 5-256,0-8 0,1-5-768,-1-18 128,0 0-2432</inkml:trace>
+  <inkml:trace contextRef="#ctx0" brushRef="#br1" timeOffset="107432.758">1031 9270 2048,'0'22'0,"2"11"128,4 7 0,4 10 384,-1 9 0,2 7 256,-1 8 128,-4 9-640,1 3 128,-2 2-128,-3-5 0,0-3-128,1 10 0,0 6-128,-3-25 0,0-1-4352</inkml:trace>
+  <inkml:trace contextRef="#ctx0" brushRef="#br1" timeOffset="120758.537">1158 10236 1024,'-40'133'839,"28"-106"-142,9-20-638,-14 29 582,2 1 0,1 1-1,2 1 1,2-1 0,1 2 0,-2 29-641,25 309 618,-3-248-916,-5-50-726,2-1-2560</inkml:trace>
+  <inkml:trace contextRef="#ctx0" brushRef="#br2" timeOffset="190109.201">3929 7102 2048,'8'8'-850,"1"2"2750,-17-12 1999,-6-3-2726,13 6-1109,0 1 0,-1-1 0,1 1 0,0 0 0,-1 0 0,1-1 0,0 1 0,1 0 0,-1 0 0,0 0-1,0 0 1,1 0 0,-1 0 0,1 0 0,0 0 0,-1 0 0,1 0 0,0 0 0,0 0 0,0 1 0,1-1-1,-1 0 1,0 0 0,1 0 0,0 0 0,-1 0 0,2 2-64,-2 0 88,71 655 2621,-38-228-2218,-26-197-1238,16 36 342,-15-138 42,0-84 262,-3 1-1,-2 1 1,-2-1 0,-5 36 101,-4 64 0,15 93-128,-11-208 128,1-1 0,2 1 0,1-1 0,2 1 0,1 0 0,2-1 0,6 23 0,7 113 0,-13-118 0,-2-39 0,-1-2 0,-2 3 0,-2 0 0,-1 1 0,3-3 0,2-3-22,-1-6-170,-1-2-362,0 0-364,0 0-1108,0 0-363,0 0-342</inkml:trace>
+  <inkml:trace contextRef="#ctx0" brushRef="#br2" timeOffset="190851.029">4056 10165 1024,'-61'38'6357,"27"-23"-5607,-1-2-1,-1-1 1,0-2-1,0-2 1,-19 2-750,-34 8 924,-177 56 484,-87 42-1408,-132 81 960,334-129-803,3 8 0,-129 87-157,-82 83-5562,281-190-283</inkml:trace>
+  <inkml:trace contextRef="#ctx0" brushRef="#br3" timeOffset="222168.24">5242 190 2688,'2'5'5,"6"11"19,-16-24 502,4 1-612,4 8 170,0-1-1,-1 0 0,1 0 1,0 0-1,-1 1 1,1-1-1,0 0 1,-1 0-1,1 0 1,-1 0-1,1 0 1,0 0-1,-1 0 1,1 1-1,0-1 1,-1 0-1,1 0 1,-1 0-1,1-1 1,0 1-1,-1 0 1,1 0-1,0 0 1,-1 0-1,1 0 1,-1 0-1,1-1 0,0 1 1,-1 0-1,1 0 1,0 0-1,0-1 1,-1 1-1,1 0 1,0 0-1,-1-1 1,1 1-1,0 0 1,0-1-1,0 1 1,-1 0-1,1-1 1,0 1-1,0 0 1,0-1-1,0 1-83,41 344 3068,-21-229-2637,97 836 998,-30-573-1493,-57-213-6357,-30-150 3157</inkml:trace>
+  <inkml:trace contextRef="#ctx0" brushRef="#br3" timeOffset="223023.975">5450 1987 2688,'-6'6'222,"1"-1"0,0 0 0,-1 0 0,0 0 0,0-1 0,-1 0 0,1 0 0,-1-1 0,0 1 0,0-2 1,0 1-1,0-1 0,-1 0 0,1 0 0,-3 0-222,-39 14 466,-308 131 1113,-289 76-1579,631-219 0,-951 311-22,-269 137-362,861-316-1600,339-127-1514</inkml:trace>
+  <inkml:trace contextRef="#ctx0" brushRef="#br3" timeOffset="224424.626">1825 3178 4480,'41'55'1301,"-25"-41"-1092,1-1-1,0-1 0,0-1 1,2 0-1,-1-1 1,1-1-1,0-1 1,1 0-1,14 2-208,1 3 257,626 193 2459,10 5-1869,-254-36-585,-180-71-460,94 22 198,-85-70-6549,-168-43 3989</inkml:trace>
+  <inkml:trace contextRef="#ctx0" brushRef="#br3" timeOffset="227736.875">4583 4263 2432,'-3'2'164,"0"1"0,0-1 0,0 0-1,0 0 1,0-1 0,-1 1 0,1 0 0,-1-1 0,1 0 0,-1 0 0,1 0-1,-1 0 1,0-1 0,1 1 0,-1-1 0,0 0 0,0 0 0,1-1 0,-1 1-1,-2-1-163,-14 2 691,-429 56 4130,-1644 245-3626,1411-198-1671,239 5-4424,309-63 548,67-23 3328</inkml:trace>
+  <inkml:trace contextRef="#ctx0" brushRef="#br3" timeOffset="230498.838">655 4903 2432,'-4'40'3161,"-8"17"-2593,-1 2-457,-65 476 1958,10-54-1301,42-273-2539,26-195-3007</inkml:trace>
+  <inkml:trace contextRef="#ctx0" brushRef="#br3" timeOffset="232361.545">389 6364 2560,'27'8'3181,"24"-10"-2987,-21-1 36,97 8 496,-1 6 0,0 6 1,7 6-727,8 0 317,477 84 622,68 43-939,-12 54 482,-291-83-303,-36-32-325,286 32 146,-511-100-387,-84-14 359,207 41-7965,-162-28 7950</inkml:trace>
+  <inkml:trace contextRef="#ctx0" brushRef="#br3" timeOffset="234872.591">4913 7330 2432,'-144'7'4697,"-72"21"-2461,42-4-1340,-835 136 981,210-50-1599,525-64-278,3 11 0,-161 61 0,-270 105-43,298-125-4010,320-75-1195</inkml:trace>
+  <inkml:trace contextRef="#ctx0" brushRef="#br3" timeOffset="237932.722">681 8217 7424,'27'7'20,"1"-2"0,-1-1 0,1-1 0,1-1 0,-1-2 0,27-2-20,-3 2 29,498-18 1949,-284 4-738,1 11 1,1 12-1241,483 81 2356,74 4-1363,487-45-225,-443 14 106,-726-56-804,134 4-41,-1 12 0,269 59-29,403 177 0,-621-201-384,248 10 384,-522-63-172,199 14-1356,0 11 0,-3 12-1,61 25 1529,-47 5-3584,-137-41-1770</inkml:trace>
+  <inkml:trace contextRef="#ctx0" brushRef="#br3" timeOffset="240567.589">10659 9328 2048,'-2'-2'62,"-1"0"0,1 1 1,-1 0-1,0 0 0,0-1 1,1 2-1,-1-1 0,0 0 0,0 0 1,0 1-1,0 0 0,0-1 1,0 1-1,1 0 0,-1 1 0,0-1 1,0 0-1,0 1 0,0 0 1,0 0-1,1-1 0,-1 2 0,0-1 1,0 0-1,1 0 0,-1 1 0,0 0-62,-32 10 772,-412 37 3580,-608 70-3712,-324 16 1024,-640 122-1429,1766-231-288,-910 111-150,700-61 608,-154 58-405,111 9 565,6 21 1,-264 136-566,313-102-1856,-157 109 1856,388-173-6016,119-71 3648</inkml:trace>
+</inkml:ink>
+</file>
+
 <file path=ppt/slideLayouts/slideLayout1.xml><?xml version="1.0" encoding="utf-8"?>
 <p:sldLayout xmlns:a="http://schemas.openxmlformats.org/drawingml/2006/main" xmlns:r="http://schemas.openxmlformats.org/officeDocument/2006/relationships" xmlns:p="http://schemas.openxmlformats.org/presentationml/2006/main" type="title" preserve="1">
   <p:cSld name="Titelfolie">
@@ -268,7 +336,7 @@
           <a:p>
             <a:fld id="{91A21240-404F-4A54-9AF1-5FA22F7F542A}" type="datetimeFigureOut">
               <a:rPr lang="de-DE" smtClean="0"/>
-              <a:t>26.05.2019</a:t>
+              <a:t>27.05.2019</a:t>
             </a:fld>
             <a:endParaRPr lang="de-DE"/>
           </a:p>
@@ -466,7 +534,7 @@
           <a:p>
             <a:fld id="{91A21240-404F-4A54-9AF1-5FA22F7F542A}" type="datetimeFigureOut">
               <a:rPr lang="de-DE" smtClean="0"/>
-              <a:t>26.05.2019</a:t>
+              <a:t>27.05.2019</a:t>
             </a:fld>
             <a:endParaRPr lang="de-DE"/>
           </a:p>
@@ -674,7 +742,7 @@
           <a:p>
             <a:fld id="{91A21240-404F-4A54-9AF1-5FA22F7F542A}" type="datetimeFigureOut">
               <a:rPr lang="de-DE" smtClean="0"/>
-              <a:t>26.05.2019</a:t>
+              <a:t>27.05.2019</a:t>
             </a:fld>
             <a:endParaRPr lang="de-DE"/>
           </a:p>
@@ -872,7 +940,7 @@
           <a:p>
             <a:fld id="{91A21240-404F-4A54-9AF1-5FA22F7F542A}" type="datetimeFigureOut">
               <a:rPr lang="de-DE" smtClean="0"/>
-              <a:t>26.05.2019</a:t>
+              <a:t>27.05.2019</a:t>
             </a:fld>
             <a:endParaRPr lang="de-DE"/>
           </a:p>
@@ -1147,7 +1215,7 @@
           <a:p>
             <a:fld id="{91A21240-404F-4A54-9AF1-5FA22F7F542A}" type="datetimeFigureOut">
               <a:rPr lang="de-DE" smtClean="0"/>
-              <a:t>26.05.2019</a:t>
+              <a:t>27.05.2019</a:t>
             </a:fld>
             <a:endParaRPr lang="de-DE"/>
           </a:p>
@@ -1412,7 +1480,7 @@
           <a:p>
             <a:fld id="{91A21240-404F-4A54-9AF1-5FA22F7F542A}" type="datetimeFigureOut">
               <a:rPr lang="de-DE" smtClean="0"/>
-              <a:t>26.05.2019</a:t>
+              <a:t>27.05.2019</a:t>
             </a:fld>
             <a:endParaRPr lang="de-DE"/>
           </a:p>
@@ -1824,7 +1892,7 @@
           <a:p>
             <a:fld id="{91A21240-404F-4A54-9AF1-5FA22F7F542A}" type="datetimeFigureOut">
               <a:rPr lang="de-DE" smtClean="0"/>
-              <a:t>26.05.2019</a:t>
+              <a:t>27.05.2019</a:t>
             </a:fld>
             <a:endParaRPr lang="de-DE"/>
           </a:p>
@@ -1965,7 +2033,7 @@
           <a:p>
             <a:fld id="{91A21240-404F-4A54-9AF1-5FA22F7F542A}" type="datetimeFigureOut">
               <a:rPr lang="de-DE" smtClean="0"/>
-              <a:t>26.05.2019</a:t>
+              <a:t>27.05.2019</a:t>
             </a:fld>
             <a:endParaRPr lang="de-DE"/>
           </a:p>
@@ -2078,7 +2146,7 @@
           <a:p>
             <a:fld id="{91A21240-404F-4A54-9AF1-5FA22F7F542A}" type="datetimeFigureOut">
               <a:rPr lang="de-DE" smtClean="0"/>
-              <a:t>26.05.2019</a:t>
+              <a:t>27.05.2019</a:t>
             </a:fld>
             <a:endParaRPr lang="de-DE"/>
           </a:p>
@@ -2389,7 +2457,7 @@
           <a:p>
             <a:fld id="{91A21240-404F-4A54-9AF1-5FA22F7F542A}" type="datetimeFigureOut">
               <a:rPr lang="de-DE" smtClean="0"/>
-              <a:t>26.05.2019</a:t>
+              <a:t>27.05.2019</a:t>
             </a:fld>
             <a:endParaRPr lang="de-DE"/>
           </a:p>
@@ -2677,7 +2745,7 @@
           <a:p>
             <a:fld id="{91A21240-404F-4A54-9AF1-5FA22F7F542A}" type="datetimeFigureOut">
               <a:rPr lang="de-DE" smtClean="0"/>
-              <a:t>26.05.2019</a:t>
+              <a:t>27.05.2019</a:t>
             </a:fld>
             <a:endParaRPr lang="de-DE"/>
           </a:p>
@@ -2918,7 +2986,7 @@
           <a:p>
             <a:fld id="{91A21240-404F-4A54-9AF1-5FA22F7F542A}" type="datetimeFigureOut">
               <a:rPr lang="de-DE" smtClean="0"/>
-              <a:t>26.05.2019</a:t>
+              <a:t>27.05.2019</a:t>
             </a:fld>
             <a:endParaRPr lang="de-DE"/>
           </a:p>
@@ -3699,317 +3767,6 @@
 </p:sld>
 </file>
 
-<file path=ppt/slides/slide10.xml><?xml version="1.0" encoding="utf-8"?>
-<p:sld xmlns:a="http://schemas.openxmlformats.org/drawingml/2006/main" xmlns:r="http://schemas.openxmlformats.org/officeDocument/2006/relationships" xmlns:p="http://schemas.openxmlformats.org/presentationml/2006/main">
-  <p:cSld>
-    <p:bg>
-      <p:bgPr>
-        <a:solidFill>
-          <a:schemeClr val="bg1"/>
-        </a:solidFill>
-        <a:effectLst/>
-      </p:bgPr>
-    </p:bg>
-    <p:spTree>
-      <p:nvGrpSpPr>
-        <p:cNvPr id="1" name=""/>
-        <p:cNvGrpSpPr/>
-        <p:nvPr/>
-      </p:nvGrpSpPr>
-      <p:grpSpPr>
-        <a:xfrm>
-          <a:off x="0" y="0"/>
-          <a:ext cx="0" cy="0"/>
-          <a:chOff x="0" y="0"/>
-          <a:chExt cx="0" cy="0"/>
-        </a:xfrm>
-      </p:grpSpPr>
-      <p:sp>
-        <p:nvSpPr>
-          <p:cNvPr id="9" name="Rectangle 8">
-            <a:extLst>
-              <a:ext uri="{FF2B5EF4-FFF2-40B4-BE49-F238E27FC236}">
-                <a16:creationId xmlns:a16="http://schemas.microsoft.com/office/drawing/2014/main" id="{6753252F-4873-4F63-801D-CC719279A7D5}"/>
-              </a:ext>
-              <a:ext uri="{C183D7F6-B498-43B3-948B-1728B52AA6E4}">
-                <adec:decorative xmlns:adec="http://schemas.microsoft.com/office/drawing/2017/decorative" val="1"/>
-              </a:ext>
-            </a:extLst>
-          </p:cNvPr>
-          <p:cNvSpPr>
-            <a:spLocks noGrp="1" noRot="1" noChangeAspect="1" noMove="1" noResize="1" noEditPoints="1" noAdjustHandles="1" noChangeArrowheads="1" noChangeShapeType="1" noTextEdit="1"/>
-          </p:cNvSpPr>
-          <p:nvPr>
-            <p:extLst>
-              <p:ext uri="{386F3935-93C4-4BCD-93E2-E3B085C9AB24}">
-                <p16:designElem xmlns:p16="http://schemas.microsoft.com/office/powerpoint/2015/main" val="1"/>
-              </p:ext>
-            </p:extLst>
-          </p:nvPr>
-        </p:nvSpPr>
-        <p:spPr>
-          <a:xfrm>
-            <a:off x="0" y="0"/>
-            <a:ext cx="12192000" cy="6858000"/>
-          </a:xfrm>
-          <a:prstGeom prst="rect">
-            <a:avLst/>
-          </a:prstGeom>
-          <a:solidFill>
-            <a:srgbClr val="FFFFFF"/>
-          </a:solidFill>
-          <a:ln>
-            <a:noFill/>
-          </a:ln>
-        </p:spPr>
-        <p:style>
-          <a:lnRef idx="2">
-            <a:schemeClr val="accent1">
-              <a:shade val="50000"/>
-            </a:schemeClr>
-          </a:lnRef>
-          <a:fillRef idx="1">
-            <a:schemeClr val="accent1"/>
-          </a:fillRef>
-          <a:effectRef idx="0">
-            <a:schemeClr val="accent1"/>
-          </a:effectRef>
-          <a:fontRef idx="minor">
-            <a:schemeClr val="lt1"/>
-          </a:fontRef>
-        </p:style>
-        <p:txBody>
-          <a:bodyPr rtlCol="0" anchor="ctr"/>
-          <a:lstStyle/>
-          <a:p>
-            <a:pPr algn="ctr"/>
-            <a:endParaRPr lang="en-US"/>
-          </a:p>
-        </p:txBody>
-      </p:sp>
-      <p:sp>
-        <p:nvSpPr>
-          <p:cNvPr id="11" name="Rectangle 10">
-            <a:extLst>
-              <a:ext uri="{FF2B5EF4-FFF2-40B4-BE49-F238E27FC236}">
-                <a16:creationId xmlns:a16="http://schemas.microsoft.com/office/drawing/2014/main" id="{047C8CCB-F95D-4249-92DD-651249D3535A}"/>
-              </a:ext>
-              <a:ext uri="{C183D7F6-B498-43B3-948B-1728B52AA6E4}">
-                <adec:decorative xmlns:adec="http://schemas.microsoft.com/office/drawing/2017/decorative" val="1"/>
-              </a:ext>
-            </a:extLst>
-          </p:cNvPr>
-          <p:cNvSpPr>
-            <a:spLocks noGrp="1" noRot="1" noChangeAspect="1" noMove="1" noResize="1" noEditPoints="1" noAdjustHandles="1" noChangeArrowheads="1" noChangeShapeType="1" noTextEdit="1"/>
-          </p:cNvSpPr>
-          <p:nvPr>
-            <p:extLst>
-              <p:ext uri="{386F3935-93C4-4BCD-93E2-E3B085C9AB24}">
-                <p16:designElem xmlns:p16="http://schemas.microsoft.com/office/powerpoint/2015/main" val="1"/>
-              </p:ext>
-            </p:extLst>
-          </p:nvPr>
-        </p:nvSpPr>
-        <p:spPr>
-          <a:xfrm>
-            <a:off x="0" y="0"/>
-            <a:ext cx="2013557" cy="6858000"/>
-          </a:xfrm>
-          <a:prstGeom prst="rect">
-            <a:avLst/>
-          </a:prstGeom>
-          <a:solidFill>
-            <a:srgbClr val="696D9A"/>
-          </a:solidFill>
-          <a:ln>
-            <a:noFill/>
-          </a:ln>
-        </p:spPr>
-        <p:style>
-          <a:lnRef idx="2">
-            <a:schemeClr val="accent1">
-              <a:shade val="50000"/>
-            </a:schemeClr>
-          </a:lnRef>
-          <a:fillRef idx="1">
-            <a:schemeClr val="accent1"/>
-          </a:fillRef>
-          <a:effectRef idx="0">
-            <a:schemeClr val="accent1"/>
-          </a:effectRef>
-          <a:fontRef idx="minor">
-            <a:schemeClr val="lt1"/>
-          </a:fontRef>
-        </p:style>
-        <p:txBody>
-          <a:bodyPr rtlCol="0" anchor="ctr"/>
-          <a:lstStyle/>
-          <a:p>
-            <a:pPr algn="ctr"/>
-            <a:endParaRPr lang="en-US"/>
-          </a:p>
-        </p:txBody>
-      </p:sp>
-      <p:sp>
-        <p:nvSpPr>
-          <p:cNvPr id="4" name="Titel 1">
-            <a:extLst>
-              <a:ext uri="{FF2B5EF4-FFF2-40B4-BE49-F238E27FC236}">
-                <a16:creationId xmlns:a16="http://schemas.microsoft.com/office/drawing/2014/main" id="{08253877-8FEC-4715-AEA5-A451C1CBD31A}"/>
-              </a:ext>
-            </a:extLst>
-          </p:cNvPr>
-          <p:cNvSpPr>
-            <a:spLocks noGrp="1"/>
-          </p:cNvSpPr>
-          <p:nvPr>
-            <p:ph type="title"/>
-          </p:nvPr>
-        </p:nvSpPr>
-        <p:spPr>
-          <a:xfrm>
-            <a:off x="640080" y="2074363"/>
-            <a:ext cx="2752354" cy="2709275"/>
-          </a:xfrm>
-          <a:prstGeom prst="ellipse">
-            <a:avLst/>
-          </a:prstGeom>
-          <a:solidFill>
-            <a:srgbClr val="262626"/>
-          </a:solidFill>
-          <a:ln w="174625" cmpd="thinThick">
-            <a:solidFill>
-              <a:srgbClr val="262626"/>
-            </a:solidFill>
-          </a:ln>
-        </p:spPr>
-        <p:txBody>
-          <a:bodyPr vert="horz" lIns="91440" tIns="45720" rIns="91440" bIns="45720" rtlCol="0" anchor="ctr">
-            <a:normAutofit/>
-          </a:bodyPr>
-          <a:lstStyle/>
-          <a:p>
-            <a:pPr algn="ctr"/>
-            <a:r>
-              <a:rPr lang="en-US" sz="2600" b="1" kern="1200" dirty="0">
-                <a:solidFill>
-                  <a:srgbClr val="FFFFFF"/>
-                </a:solidFill>
-                <a:latin typeface="+mj-lt"/>
-                <a:ea typeface="+mj-ea"/>
-                <a:cs typeface="+mj-cs"/>
-              </a:rPr>
-              <a:t>W-egg-Chair: </a:t>
-            </a:r>
-            <a:r>
-              <a:rPr lang="en-US" sz="2600" b="1" kern="1200" dirty="0" err="1">
-                <a:solidFill>
-                  <a:srgbClr val="FFFFFF"/>
-                </a:solidFill>
-                <a:latin typeface="+mj-lt"/>
-                <a:ea typeface="+mj-ea"/>
-                <a:cs typeface="+mj-cs"/>
-              </a:rPr>
-              <a:t>Skizze</a:t>
-            </a:r>
-            <a:endParaRPr lang="en-US" sz="2600" b="1" kern="1200" dirty="0">
-              <a:solidFill>
-                <a:srgbClr val="FFFFFF"/>
-              </a:solidFill>
-              <a:latin typeface="+mj-lt"/>
-              <a:ea typeface="+mj-ea"/>
-              <a:cs typeface="+mj-cs"/>
-            </a:endParaRPr>
-          </a:p>
-        </p:txBody>
-      </p:sp>
-      <p:pic>
-        <p:nvPicPr>
-          <p:cNvPr id="10" name="Grafik 9">
-            <a:extLst>
-              <a:ext uri="{FF2B5EF4-FFF2-40B4-BE49-F238E27FC236}">
-                <a16:creationId xmlns:a16="http://schemas.microsoft.com/office/drawing/2014/main" id="{68EE73E0-DAE2-4FAE-B6C2-7E139CA2ECA0}"/>
-              </a:ext>
-            </a:extLst>
-          </p:cNvPr>
-          <p:cNvPicPr>
-            <a:picLocks noChangeAspect="1"/>
-          </p:cNvPicPr>
-          <p:nvPr/>
-        </p:nvPicPr>
-        <p:blipFill>
-          <a:blip r:embed="rId2"/>
-          <a:stretch>
-            <a:fillRect/>
-          </a:stretch>
-        </p:blipFill>
-        <p:spPr>
-          <a:xfrm>
-            <a:off x="3943614" y="1341104"/>
-            <a:ext cx="6769443" cy="4924770"/>
-          </a:xfrm>
-          <a:prstGeom prst="rect">
-            <a:avLst/>
-          </a:prstGeom>
-          <a:ln w="22225">
-            <a:solidFill>
-              <a:schemeClr val="tx1"/>
-            </a:solidFill>
-          </a:ln>
-        </p:spPr>
-      </p:pic>
-      <p:pic>
-        <p:nvPicPr>
-          <p:cNvPr id="12" name="Grafik 11" descr="Logo Ingenieursinformatik">
-            <a:extLst>
-              <a:ext uri="{FF2B5EF4-FFF2-40B4-BE49-F238E27FC236}">
-                <a16:creationId xmlns:a16="http://schemas.microsoft.com/office/drawing/2014/main" id="{1A909A4D-2C76-458E-AC65-5911DFC2D313}"/>
-              </a:ext>
-            </a:extLst>
-          </p:cNvPr>
-          <p:cNvPicPr/>
-          <p:nvPr/>
-        </p:nvPicPr>
-        <p:blipFill>
-          <a:blip r:embed="rId3" cstate="print">
-            <a:extLst>
-              <a:ext uri="{28A0092B-C50C-407E-A947-70E740481C1C}">
-                <a14:useLocalDpi xmlns:a14="http://schemas.microsoft.com/office/drawing/2010/main" val="0"/>
-              </a:ext>
-            </a:extLst>
-          </a:blip>
-          <a:srcRect/>
-          <a:stretch>
-            <a:fillRect/>
-          </a:stretch>
-        </p:blipFill>
-        <p:spPr bwMode="auto">
-          <a:xfrm>
-            <a:off x="10178281" y="320040"/>
-            <a:ext cx="1692155" cy="924304"/>
-          </a:xfrm>
-          <a:prstGeom prst="rect">
-            <a:avLst/>
-          </a:prstGeom>
-          <a:noFill/>
-          <a:ln>
-            <a:noFill/>
-          </a:ln>
-        </p:spPr>
-      </p:pic>
-    </p:spTree>
-    <p:extLst>
-      <p:ext uri="{BB962C8B-B14F-4D97-AF65-F5344CB8AC3E}">
-        <p14:creationId xmlns:p14="http://schemas.microsoft.com/office/powerpoint/2010/main" val="1304871519"/>
-      </p:ext>
-    </p:extLst>
-  </p:cSld>
-  <p:clrMapOvr>
-    <a:masterClrMapping/>
-  </p:clrMapOvr>
-</p:sld>
-</file>
-
 <file path=ppt/slides/slide2.xml><?xml version="1.0" encoding="utf-8"?>
 <p:sld xmlns:a="http://schemas.openxmlformats.org/drawingml/2006/main" xmlns:r="http://schemas.openxmlformats.org/officeDocument/2006/relationships" xmlns:p="http://schemas.openxmlformats.org/presentationml/2006/main">
   <p:cSld>
@@ -4229,55 +3986,8 @@
             </a:pPr>
             <a:r>
               <a:rPr lang="de-DE" sz="2400" dirty="0"/>
-              <a:t>Hauptidee: OmniMove</a:t>
-            </a:r>
-          </a:p>
-          <a:p>
-            <a:pPr marL="914400" lvl="1" indent="-457200">
-              <a:buFont typeface="+mj-lt"/>
-              <a:buAutoNum type="arabicParenBoth"/>
-            </a:pPr>
-            <a:r>
-              <a:rPr lang="de-DE" dirty="0"/>
-              <a:t>Skizzen</a:t>
-            </a:r>
-          </a:p>
-          <a:p>
-            <a:pPr marL="914400" lvl="1" indent="-457200">
-              <a:buFont typeface="+mj-lt"/>
-              <a:buAutoNum type="arabicParenBoth"/>
-            </a:pPr>
-            <a:r>
-              <a:rPr lang="de-DE" dirty="0"/>
-              <a:t>Gesamt- und Teilfunktionen</a:t>
-            </a:r>
-          </a:p>
-          <a:p>
-            <a:pPr marL="914400" lvl="1" indent="-457200">
-              <a:buFont typeface="+mj-lt"/>
-              <a:buAutoNum type="arabicParenBoth"/>
-            </a:pPr>
-            <a:r>
-              <a:rPr lang="de-DE" dirty="0"/>
-              <a:t>Lösungsprinzipien</a:t>
-            </a:r>
-          </a:p>
-          <a:p>
-            <a:pPr marL="914400" lvl="1" indent="-457200">
-              <a:buFont typeface="+mj-lt"/>
-              <a:buAutoNum type="arabicParenBoth"/>
-            </a:pPr>
-            <a:r>
-              <a:rPr lang="de-DE" dirty="0"/>
               <a:t>Morphologischer Kasten</a:t>
             </a:r>
-          </a:p>
-          <a:p>
-            <a:pPr marL="914400" lvl="1" indent="-457200">
-              <a:buFont typeface="+mj-lt"/>
-              <a:buAutoNum type="arabicParenBoth"/>
-            </a:pPr>
-            <a:endParaRPr lang="de-DE" dirty="0"/>
           </a:p>
           <a:p>
             <a:pPr marL="514350" indent="-514350">
@@ -4286,7 +3996,15 @@
             </a:pPr>
             <a:r>
               <a:rPr lang="de-DE" sz="2400" dirty="0"/>
-              <a:t>Alternative 1: (S)eg(g)Way </a:t>
+              <a:t>Alternative 1: (S)</a:t>
+            </a:r>
+            <a:r>
+              <a:rPr lang="de-DE" sz="2400" dirty="0" err="1"/>
+              <a:t>eg</a:t>
+            </a:r>
+            <a:r>
+              <a:rPr lang="de-DE" sz="2400" dirty="0"/>
+              <a:t>(g)Way </a:t>
             </a:r>
           </a:p>
           <a:p>
@@ -4327,11 +4045,51 @@
             </a:r>
           </a:p>
           <a:p>
+            <a:pPr marL="971550" lvl="1" indent="-514350">
+              <a:buFont typeface="+mj-lt"/>
+              <a:buAutoNum type="arabicParenBoth"/>
+            </a:pPr>
+            <a:endParaRPr lang="de-DE" dirty="0"/>
+          </a:p>
+          <a:p>
             <a:pPr marL="514350" indent="-514350">
               <a:buFont typeface="+mj-lt"/>
               <a:buAutoNum type="arabicPeriod"/>
             </a:pPr>
-            <a:endParaRPr lang="de-DE" sz="2400" dirty="0"/>
+            <a:r>
+              <a:rPr lang="de-DE" sz="2400" dirty="0"/>
+              <a:t>Hauptidee: OmniMove</a:t>
+            </a:r>
+          </a:p>
+          <a:p>
+            <a:pPr marL="914400" lvl="1" indent="-457200">
+              <a:buFont typeface="+mj-lt"/>
+              <a:buAutoNum type="arabicParenBoth"/>
+            </a:pPr>
+            <a:r>
+              <a:rPr lang="de-DE" dirty="0"/>
+              <a:t>Skizzen</a:t>
+            </a:r>
+          </a:p>
+          <a:p>
+            <a:pPr marL="914400" lvl="1" indent="-457200">
+              <a:buFont typeface="+mj-lt"/>
+              <a:buAutoNum type="arabicParenBoth"/>
+            </a:pPr>
+            <a:r>
+              <a:rPr lang="de-DE" dirty="0"/>
+              <a:t>Gesamt- und Teilfunktionen</a:t>
+            </a:r>
+          </a:p>
+          <a:p>
+            <a:pPr marL="914400" lvl="1" indent="-457200">
+              <a:buFont typeface="+mj-lt"/>
+              <a:buAutoNum type="arabicParenBoth"/>
+            </a:pPr>
+            <a:r>
+              <a:rPr lang="de-DE" dirty="0"/>
+              <a:t>Lösungsprinzipien</a:t>
+            </a:r>
           </a:p>
         </p:txBody>
       </p:sp>
@@ -4390,6 +4148,1840 @@
 <file path=ppt/slides/slide3.xml><?xml version="1.0" encoding="utf-8"?>
 <p:sld xmlns:a="http://schemas.openxmlformats.org/drawingml/2006/main" xmlns:r="http://schemas.openxmlformats.org/officeDocument/2006/relationships" xmlns:p="http://schemas.openxmlformats.org/presentationml/2006/main">
   <p:cSld>
+    <p:spTree>
+      <p:nvGrpSpPr>
+        <p:cNvPr id="1" name=""/>
+        <p:cNvGrpSpPr/>
+        <p:nvPr/>
+      </p:nvGrpSpPr>
+      <p:grpSpPr>
+        <a:xfrm>
+          <a:off x="0" y="0"/>
+          <a:ext cx="0" cy="0"/>
+          <a:chOff x="0" y="0"/>
+          <a:chExt cx="0" cy="0"/>
+        </a:xfrm>
+      </p:grpSpPr>
+      <p:graphicFrame>
+        <p:nvGraphicFramePr>
+          <p:cNvPr id="2" name="Inhaltsplatzhalter 1">
+            <a:extLst>
+              <a:ext uri="{FF2B5EF4-FFF2-40B4-BE49-F238E27FC236}">
+                <a16:creationId xmlns:a16="http://schemas.microsoft.com/office/drawing/2014/main" id="{EE039FF2-32D8-41A7-BB97-32BD6D04182A}"/>
+              </a:ext>
+            </a:extLst>
+          </p:cNvPr>
+          <p:cNvGraphicFramePr>
+            <a:graphicFrameLocks noGrp="1"/>
+          </p:cNvGraphicFramePr>
+          <p:nvPr>
+            <p:ph idx="1"/>
+            <p:extLst>
+              <p:ext uri="{D42A27DB-BD31-4B8C-83A1-F6EECF244321}">
+                <p14:modId xmlns:p14="http://schemas.microsoft.com/office/powerpoint/2010/main" val="3673007514"/>
+              </p:ext>
+            </p:extLst>
+          </p:nvPr>
+        </p:nvGraphicFramePr>
+        <p:xfrm>
+          <a:off x="806631" y="1493115"/>
+          <a:ext cx="10217727" cy="4820920"/>
+        </p:xfrm>
+        <a:graphic>
+          <a:graphicData uri="http://schemas.openxmlformats.org/drawingml/2006/table">
+            <a:tbl>
+              <a:tblPr firstRow="1" bandRow="1">
+                <a:tableStyleId>{2A488322-F2BA-4B5B-9748-0D474271808F}</a:tableStyleId>
+              </a:tblPr>
+              <a:tblGrid>
+                <a:gridCol w="2043545">
+                  <a:extLst>
+                    <a:ext uri="{9D8B030D-6E8A-4147-A177-3AD203B41FA5}">
+                      <a16:colId xmlns:a16="http://schemas.microsoft.com/office/drawing/2014/main" val="1858430455"/>
+                    </a:ext>
+                  </a:extLst>
+                </a:gridCol>
+                <a:gridCol w="2043545">
+                  <a:extLst>
+                    <a:ext uri="{9D8B030D-6E8A-4147-A177-3AD203B41FA5}">
+                      <a16:colId xmlns:a16="http://schemas.microsoft.com/office/drawing/2014/main" val="2188194260"/>
+                    </a:ext>
+                  </a:extLst>
+                </a:gridCol>
+                <a:gridCol w="2776960">
+                  <a:extLst>
+                    <a:ext uri="{9D8B030D-6E8A-4147-A177-3AD203B41FA5}">
+                      <a16:colId xmlns:a16="http://schemas.microsoft.com/office/drawing/2014/main" val="491228368"/>
+                    </a:ext>
+                  </a:extLst>
+                </a:gridCol>
+                <a:gridCol w="1851307">
+                  <a:extLst>
+                    <a:ext uri="{9D8B030D-6E8A-4147-A177-3AD203B41FA5}">
+                      <a16:colId xmlns:a16="http://schemas.microsoft.com/office/drawing/2014/main" val="1360548914"/>
+                    </a:ext>
+                  </a:extLst>
+                </a:gridCol>
+                <a:gridCol w="1502370">
+                  <a:extLst>
+                    <a:ext uri="{9D8B030D-6E8A-4147-A177-3AD203B41FA5}">
+                      <a16:colId xmlns:a16="http://schemas.microsoft.com/office/drawing/2014/main" val="3895759736"/>
+                    </a:ext>
+                  </a:extLst>
+                </a:gridCol>
+              </a:tblGrid>
+              <a:tr h="370840">
+                <a:tc>
+                  <a:txBody>
+                    <a:bodyPr/>
+                    <a:lstStyle/>
+                    <a:p>
+                      <a:endParaRPr lang="de-DE" dirty="0"/>
+                    </a:p>
+                  </a:txBody>
+                  <a:tcPr>
+                    <a:lnR w="12700" cap="flat" cmpd="sng" algn="ctr">
+                      <a:solidFill>
+                        <a:schemeClr val="tx1"/>
+                      </a:solidFill>
+                      <a:prstDash val="solid"/>
+                      <a:round/>
+                      <a:headEnd type="none" w="med" len="med"/>
+                      <a:tailEnd type="none" w="med" len="med"/>
+                    </a:lnR>
+                  </a:tcPr>
+                </a:tc>
+                <a:tc>
+                  <a:txBody>
+                    <a:bodyPr/>
+                    <a:lstStyle/>
+                    <a:p>
+                      <a:r>
+                        <a:rPr lang="de-DE" dirty="0"/>
+                        <a:t>Variante A</a:t>
+                      </a:r>
+                    </a:p>
+                  </a:txBody>
+                  <a:tcPr>
+                    <a:lnL w="12700" cap="flat" cmpd="sng" algn="ctr">
+                      <a:solidFill>
+                        <a:schemeClr val="tx1"/>
+                      </a:solidFill>
+                      <a:prstDash val="solid"/>
+                      <a:round/>
+                      <a:headEnd type="none" w="med" len="med"/>
+                      <a:tailEnd type="none" w="med" len="med"/>
+                    </a:lnL>
+                  </a:tcPr>
+                </a:tc>
+                <a:tc>
+                  <a:txBody>
+                    <a:bodyPr/>
+                    <a:lstStyle/>
+                    <a:p>
+                      <a:r>
+                        <a:rPr lang="de-DE" dirty="0"/>
+                        <a:t>Variante B</a:t>
+                      </a:r>
+                    </a:p>
+                  </a:txBody>
+                  <a:tcPr/>
+                </a:tc>
+                <a:tc>
+                  <a:txBody>
+                    <a:bodyPr/>
+                    <a:lstStyle/>
+                    <a:p>
+                      <a:r>
+                        <a:rPr lang="de-DE" dirty="0"/>
+                        <a:t>Variante C</a:t>
+                      </a:r>
+                    </a:p>
+                  </a:txBody>
+                  <a:tcPr/>
+                </a:tc>
+                <a:tc>
+                  <a:txBody>
+                    <a:bodyPr/>
+                    <a:lstStyle/>
+                    <a:p>
+                      <a:r>
+                        <a:rPr lang="de-DE" dirty="0"/>
+                        <a:t>Variante D</a:t>
+                      </a:r>
+                    </a:p>
+                  </a:txBody>
+                  <a:tcPr/>
+                </a:tc>
+                <a:extLst>
+                  <a:ext uri="{0D108BD9-81ED-4DB2-BD59-A6C34878D82A}">
+                    <a16:rowId xmlns:a16="http://schemas.microsoft.com/office/drawing/2014/main" val="983312615"/>
+                  </a:ext>
+                </a:extLst>
+              </a:tr>
+              <a:tr h="370840">
+                <a:tc>
+                  <a:txBody>
+                    <a:bodyPr/>
+                    <a:lstStyle/>
+                    <a:p>
+                      <a:r>
+                        <a:rPr lang="de-DE" dirty="0"/>
+                        <a:t>Antrieb</a:t>
+                      </a:r>
+                    </a:p>
+                  </a:txBody>
+                  <a:tcPr>
+                    <a:lnR w="12700" cap="flat" cmpd="sng" algn="ctr">
+                      <a:solidFill>
+                        <a:schemeClr val="tx1"/>
+                      </a:solidFill>
+                      <a:prstDash val="solid"/>
+                      <a:round/>
+                      <a:headEnd type="none" w="med" len="med"/>
+                      <a:tailEnd type="none" w="med" len="med"/>
+                    </a:lnR>
+                  </a:tcPr>
+                </a:tc>
+                <a:tc>
+                  <a:txBody>
+                    <a:bodyPr/>
+                    <a:lstStyle/>
+                    <a:p>
+                      <a:r>
+                        <a:rPr lang="de-DE" dirty="0" err="1"/>
+                        <a:t>Servo</a:t>
+                      </a:r>
+                      <a:endParaRPr lang="de-DE" dirty="0"/>
+                    </a:p>
+                  </a:txBody>
+                  <a:tcPr>
+                    <a:lnL w="12700" cap="flat" cmpd="sng" algn="ctr">
+                      <a:solidFill>
+                        <a:schemeClr val="tx1"/>
+                      </a:solidFill>
+                      <a:prstDash val="solid"/>
+                      <a:round/>
+                      <a:headEnd type="none" w="med" len="med"/>
+                      <a:tailEnd type="none" w="med" len="med"/>
+                    </a:lnL>
+                  </a:tcPr>
+                </a:tc>
+                <a:tc>
+                  <a:txBody>
+                    <a:bodyPr/>
+                    <a:lstStyle/>
+                    <a:p>
+                      <a:r>
+                        <a:rPr lang="de-DE" dirty="0"/>
+                        <a:t>DC-Motor</a:t>
+                      </a:r>
+                    </a:p>
+                  </a:txBody>
+                  <a:tcPr/>
+                </a:tc>
+                <a:tc>
+                  <a:txBody>
+                    <a:bodyPr/>
+                    <a:lstStyle/>
+                    <a:p>
+                      <a:r>
+                        <a:rPr lang="de-DE" dirty="0" err="1"/>
+                        <a:t>Step</a:t>
+                      </a:r>
+                      <a:r>
+                        <a:rPr lang="de-DE" dirty="0"/>
+                        <a:t>-Motor</a:t>
+                      </a:r>
+                    </a:p>
+                  </a:txBody>
+                  <a:tcPr/>
+                </a:tc>
+                <a:tc>
+                  <a:txBody>
+                    <a:bodyPr/>
+                    <a:lstStyle/>
+                    <a:p>
+                      <a:endParaRPr lang="de-DE" dirty="0"/>
+                    </a:p>
+                  </a:txBody>
+                  <a:tcPr/>
+                </a:tc>
+                <a:extLst>
+                  <a:ext uri="{0D108BD9-81ED-4DB2-BD59-A6C34878D82A}">
+                    <a16:rowId xmlns:a16="http://schemas.microsoft.com/office/drawing/2014/main" val="4033645968"/>
+                  </a:ext>
+                </a:extLst>
+              </a:tr>
+              <a:tr h="370840">
+                <a:tc>
+                  <a:txBody>
+                    <a:bodyPr/>
+                    <a:lstStyle/>
+                    <a:p>
+                      <a:r>
+                        <a:rPr lang="de-DE" dirty="0"/>
+                        <a:t>Lenkung</a:t>
+                      </a:r>
+                    </a:p>
+                  </a:txBody>
+                  <a:tcPr>
+                    <a:lnR w="12700" cap="flat" cmpd="sng" algn="ctr">
+                      <a:solidFill>
+                        <a:schemeClr val="tx1"/>
+                      </a:solidFill>
+                      <a:prstDash val="solid"/>
+                      <a:round/>
+                      <a:headEnd type="none" w="med" len="med"/>
+                      <a:tailEnd type="none" w="med" len="med"/>
+                    </a:lnR>
+                  </a:tcPr>
+                </a:tc>
+                <a:tc>
+                  <a:txBody>
+                    <a:bodyPr/>
+                    <a:lstStyle/>
+                    <a:p>
+                      <a:r>
+                        <a:rPr lang="de-DE" dirty="0"/>
+                        <a:t>Lenkachse</a:t>
+                      </a:r>
+                    </a:p>
+                  </a:txBody>
+                  <a:tcPr>
+                    <a:lnL w="12700" cap="flat" cmpd="sng" algn="ctr">
+                      <a:solidFill>
+                        <a:schemeClr val="tx1"/>
+                      </a:solidFill>
+                      <a:prstDash val="solid"/>
+                      <a:round/>
+                      <a:headEnd type="none" w="med" len="med"/>
+                      <a:tailEnd type="none" w="med" len="med"/>
+                    </a:lnL>
+                  </a:tcPr>
+                </a:tc>
+                <a:tc>
+                  <a:txBody>
+                    <a:bodyPr/>
+                    <a:lstStyle/>
+                    <a:p>
+                      <a:r>
+                        <a:rPr lang="de-DE" dirty="0"/>
+                        <a:t>Einzeln gesteuerte Motoren</a:t>
+                      </a:r>
+                    </a:p>
+                  </a:txBody>
+                  <a:tcPr/>
+                </a:tc>
+                <a:tc>
+                  <a:txBody>
+                    <a:bodyPr/>
+                    <a:lstStyle/>
+                    <a:p>
+                      <a:endParaRPr lang="de-DE" dirty="0"/>
+                    </a:p>
+                  </a:txBody>
+                  <a:tcPr/>
+                </a:tc>
+                <a:tc>
+                  <a:txBody>
+                    <a:bodyPr/>
+                    <a:lstStyle/>
+                    <a:p>
+                      <a:endParaRPr lang="de-DE"/>
+                    </a:p>
+                  </a:txBody>
+                  <a:tcPr/>
+                </a:tc>
+                <a:extLst>
+                  <a:ext uri="{0D108BD9-81ED-4DB2-BD59-A6C34878D82A}">
+                    <a16:rowId xmlns:a16="http://schemas.microsoft.com/office/drawing/2014/main" val="2577886616"/>
+                  </a:ext>
+                </a:extLst>
+              </a:tr>
+              <a:tr h="370840">
+                <a:tc>
+                  <a:txBody>
+                    <a:bodyPr/>
+                    <a:lstStyle/>
+                    <a:p>
+                      <a:r>
+                        <a:rPr lang="de-DE" dirty="0"/>
+                        <a:t>Räder</a:t>
+                      </a:r>
+                    </a:p>
+                  </a:txBody>
+                  <a:tcPr>
+                    <a:lnR w="12700" cap="flat" cmpd="sng" algn="ctr">
+                      <a:solidFill>
+                        <a:schemeClr val="tx1"/>
+                      </a:solidFill>
+                      <a:prstDash val="solid"/>
+                      <a:round/>
+                      <a:headEnd type="none" w="med" len="med"/>
+                      <a:tailEnd type="none" w="med" len="med"/>
+                    </a:lnR>
+                  </a:tcPr>
+                </a:tc>
+                <a:tc>
+                  <a:txBody>
+                    <a:bodyPr/>
+                    <a:lstStyle/>
+                    <a:p>
+                      <a:r>
+                        <a:rPr lang="de-DE" dirty="0" err="1"/>
+                        <a:t>Mecanum</a:t>
+                      </a:r>
+                      <a:endParaRPr lang="de-DE" dirty="0"/>
+                    </a:p>
+                  </a:txBody>
+                  <a:tcPr>
+                    <a:lnL w="12700" cap="flat" cmpd="sng" algn="ctr">
+                      <a:solidFill>
+                        <a:schemeClr val="tx1"/>
+                      </a:solidFill>
+                      <a:prstDash val="solid"/>
+                      <a:round/>
+                      <a:headEnd type="none" w="med" len="med"/>
+                      <a:tailEnd type="none" w="med" len="med"/>
+                    </a:lnL>
+                  </a:tcPr>
+                </a:tc>
+                <a:tc>
+                  <a:txBody>
+                    <a:bodyPr/>
+                    <a:lstStyle/>
+                    <a:p>
+                      <a:r>
+                        <a:rPr lang="de-DE" dirty="0"/>
+                        <a:t>Rad</a:t>
+                      </a:r>
+                    </a:p>
+                  </a:txBody>
+                  <a:tcPr/>
+                </a:tc>
+                <a:tc>
+                  <a:txBody>
+                    <a:bodyPr/>
+                    <a:lstStyle/>
+                    <a:p>
+                      <a:r>
+                        <a:rPr lang="de-DE" dirty="0"/>
+                        <a:t>Kette</a:t>
+                      </a:r>
+                    </a:p>
+                  </a:txBody>
+                  <a:tcPr/>
+                </a:tc>
+                <a:tc>
+                  <a:txBody>
+                    <a:bodyPr/>
+                    <a:lstStyle/>
+                    <a:p>
+                      <a:r>
+                        <a:rPr lang="de-DE" dirty="0"/>
+                        <a:t>Beine</a:t>
+                      </a:r>
+                    </a:p>
+                  </a:txBody>
+                  <a:tcPr/>
+                </a:tc>
+                <a:extLst>
+                  <a:ext uri="{0D108BD9-81ED-4DB2-BD59-A6C34878D82A}">
+                    <a16:rowId xmlns:a16="http://schemas.microsoft.com/office/drawing/2014/main" val="437238794"/>
+                  </a:ext>
+                </a:extLst>
+              </a:tr>
+              <a:tr h="370840">
+                <a:tc>
+                  <a:txBody>
+                    <a:bodyPr/>
+                    <a:lstStyle/>
+                    <a:p>
+                      <a:r>
+                        <a:rPr lang="de-DE" dirty="0"/>
+                        <a:t>Getriebe</a:t>
+                      </a:r>
+                    </a:p>
+                  </a:txBody>
+                  <a:tcPr>
+                    <a:lnR w="12700" cap="flat" cmpd="sng" algn="ctr">
+                      <a:solidFill>
+                        <a:schemeClr val="tx1"/>
+                      </a:solidFill>
+                      <a:prstDash val="solid"/>
+                      <a:round/>
+                      <a:headEnd type="none" w="med" len="med"/>
+                      <a:tailEnd type="none" w="med" len="med"/>
+                    </a:lnR>
+                  </a:tcPr>
+                </a:tc>
+                <a:tc>
+                  <a:txBody>
+                    <a:bodyPr/>
+                    <a:lstStyle/>
+                    <a:p>
+                      <a:r>
+                        <a:rPr lang="de-DE" dirty="0"/>
+                        <a:t>Keins</a:t>
+                      </a:r>
+                    </a:p>
+                  </a:txBody>
+                  <a:tcPr>
+                    <a:lnL w="12700" cap="flat" cmpd="sng" algn="ctr">
+                      <a:solidFill>
+                        <a:schemeClr val="tx1"/>
+                      </a:solidFill>
+                      <a:prstDash val="solid"/>
+                      <a:round/>
+                      <a:headEnd type="none" w="med" len="med"/>
+                      <a:tailEnd type="none" w="med" len="med"/>
+                    </a:lnL>
+                  </a:tcPr>
+                </a:tc>
+                <a:tc>
+                  <a:txBody>
+                    <a:bodyPr/>
+                    <a:lstStyle/>
+                    <a:p>
+                      <a:pPr marL="0" marR="0" lvl="0" indent="0" algn="l" defTabSz="914400" rtl="0" eaLnBrk="1" fontAlgn="auto" latinLnBrk="0" hangingPunct="1">
+                        <a:lnSpc>
+                          <a:spcPct val="100000"/>
+                        </a:lnSpc>
+                        <a:spcBef>
+                          <a:spcPts val="0"/>
+                        </a:spcBef>
+                        <a:spcAft>
+                          <a:spcPts val="0"/>
+                        </a:spcAft>
+                        <a:buClrTx/>
+                        <a:buSzTx/>
+                        <a:buFontTx/>
+                        <a:buNone/>
+                        <a:tabLst/>
+                        <a:defRPr/>
+                      </a:pPr>
+                      <a:r>
+                        <a:rPr lang="de-DE" dirty="0"/>
+                        <a:t>Planetengetriebe</a:t>
+                      </a:r>
+                    </a:p>
+                  </a:txBody>
+                  <a:tcPr/>
+                </a:tc>
+                <a:tc>
+                  <a:txBody>
+                    <a:bodyPr/>
+                    <a:lstStyle/>
+                    <a:p>
+                      <a:r>
+                        <a:rPr lang="de-DE" dirty="0" err="1"/>
+                        <a:t>Gearbox</a:t>
+                      </a:r>
+                      <a:endParaRPr lang="de-DE" dirty="0"/>
+                    </a:p>
+                  </a:txBody>
+                  <a:tcPr/>
+                </a:tc>
+                <a:tc>
+                  <a:txBody>
+                    <a:bodyPr/>
+                    <a:lstStyle/>
+                    <a:p>
+                      <a:endParaRPr lang="de-DE" dirty="0"/>
+                    </a:p>
+                  </a:txBody>
+                  <a:tcPr/>
+                </a:tc>
+                <a:extLst>
+                  <a:ext uri="{0D108BD9-81ED-4DB2-BD59-A6C34878D82A}">
+                    <a16:rowId xmlns:a16="http://schemas.microsoft.com/office/drawing/2014/main" val="3657594998"/>
+                  </a:ext>
+                </a:extLst>
+              </a:tr>
+              <a:tr h="370840">
+                <a:tc>
+                  <a:txBody>
+                    <a:bodyPr/>
+                    <a:lstStyle/>
+                    <a:p>
+                      <a:r>
+                        <a:rPr lang="de-DE" dirty="0"/>
+                        <a:t>Controller</a:t>
+                      </a:r>
+                    </a:p>
+                  </a:txBody>
+                  <a:tcPr>
+                    <a:lnR w="12700" cap="flat" cmpd="sng" algn="ctr">
+                      <a:solidFill>
+                        <a:schemeClr val="tx1"/>
+                      </a:solidFill>
+                      <a:prstDash val="solid"/>
+                      <a:round/>
+                      <a:headEnd type="none" w="med" len="med"/>
+                      <a:tailEnd type="none" w="med" len="med"/>
+                    </a:lnR>
+                  </a:tcPr>
+                </a:tc>
+                <a:tc>
+                  <a:txBody>
+                    <a:bodyPr/>
+                    <a:lstStyle/>
+                    <a:p>
+                      <a:r>
+                        <a:rPr lang="de-DE" dirty="0"/>
+                        <a:t>ESP32</a:t>
+                      </a:r>
+                    </a:p>
+                  </a:txBody>
+                  <a:tcPr>
+                    <a:lnL w="12700" cap="flat" cmpd="sng" algn="ctr">
+                      <a:solidFill>
+                        <a:schemeClr val="tx1"/>
+                      </a:solidFill>
+                      <a:prstDash val="solid"/>
+                      <a:round/>
+                      <a:headEnd type="none" w="med" len="med"/>
+                      <a:tailEnd type="none" w="med" len="med"/>
+                    </a:lnL>
+                  </a:tcPr>
+                </a:tc>
+                <a:tc>
+                  <a:txBody>
+                    <a:bodyPr/>
+                    <a:lstStyle/>
+                    <a:p>
+                      <a:r>
+                        <a:rPr lang="de-DE" dirty="0"/>
+                        <a:t>ESP8266</a:t>
+                      </a:r>
+                    </a:p>
+                  </a:txBody>
+                  <a:tcPr/>
+                </a:tc>
+                <a:tc>
+                  <a:txBody>
+                    <a:bodyPr/>
+                    <a:lstStyle/>
+                    <a:p>
+                      <a:endParaRPr lang="de-DE" dirty="0"/>
+                    </a:p>
+                  </a:txBody>
+                  <a:tcPr/>
+                </a:tc>
+                <a:tc>
+                  <a:txBody>
+                    <a:bodyPr/>
+                    <a:lstStyle/>
+                    <a:p>
+                      <a:endParaRPr lang="de-DE" dirty="0"/>
+                    </a:p>
+                  </a:txBody>
+                  <a:tcPr/>
+                </a:tc>
+                <a:extLst>
+                  <a:ext uri="{0D108BD9-81ED-4DB2-BD59-A6C34878D82A}">
+                    <a16:rowId xmlns:a16="http://schemas.microsoft.com/office/drawing/2014/main" val="1073119395"/>
+                  </a:ext>
+                </a:extLst>
+              </a:tr>
+              <a:tr h="370840">
+                <a:tc>
+                  <a:txBody>
+                    <a:bodyPr/>
+                    <a:lstStyle/>
+                    <a:p>
+                      <a:r>
+                        <a:rPr lang="de-DE" dirty="0"/>
+                        <a:t>Akku</a:t>
+                      </a:r>
+                    </a:p>
+                  </a:txBody>
+                  <a:tcPr>
+                    <a:lnR w="12700" cap="flat" cmpd="sng" algn="ctr">
+                      <a:solidFill>
+                        <a:schemeClr val="tx1"/>
+                      </a:solidFill>
+                      <a:prstDash val="solid"/>
+                      <a:round/>
+                      <a:headEnd type="none" w="med" len="med"/>
+                      <a:tailEnd type="none" w="med" len="med"/>
+                    </a:lnR>
+                  </a:tcPr>
+                </a:tc>
+                <a:tc>
+                  <a:txBody>
+                    <a:bodyPr/>
+                    <a:lstStyle/>
+                    <a:p>
+                      <a:r>
+                        <a:rPr lang="de-DE" dirty="0" err="1"/>
+                        <a:t>LiPo</a:t>
+                      </a:r>
+                      <a:r>
+                        <a:rPr lang="de-DE" dirty="0"/>
+                        <a:t> 2S</a:t>
+                      </a:r>
+                    </a:p>
+                  </a:txBody>
+                  <a:tcPr>
+                    <a:lnL w="12700" cap="flat" cmpd="sng" algn="ctr">
+                      <a:solidFill>
+                        <a:schemeClr val="tx1"/>
+                      </a:solidFill>
+                      <a:prstDash val="solid"/>
+                      <a:round/>
+                      <a:headEnd type="none" w="med" len="med"/>
+                      <a:tailEnd type="none" w="med" len="med"/>
+                    </a:lnL>
+                  </a:tcPr>
+                </a:tc>
+                <a:tc>
+                  <a:txBody>
+                    <a:bodyPr/>
+                    <a:lstStyle/>
+                    <a:p>
+                      <a:r>
+                        <a:rPr lang="de-DE" dirty="0" err="1"/>
+                        <a:t>LiPo</a:t>
+                      </a:r>
+                      <a:r>
+                        <a:rPr lang="de-DE" dirty="0"/>
+                        <a:t> 3S</a:t>
+                      </a:r>
+                    </a:p>
+                  </a:txBody>
+                  <a:tcPr/>
+                </a:tc>
+                <a:tc>
+                  <a:txBody>
+                    <a:bodyPr/>
+                    <a:lstStyle/>
+                    <a:p>
+                      <a:pPr marL="0" marR="0" lvl="0" indent="0" algn="l" defTabSz="914400" rtl="0" eaLnBrk="1" fontAlgn="auto" latinLnBrk="0" hangingPunct="1">
+                        <a:lnSpc>
+                          <a:spcPct val="100000"/>
+                        </a:lnSpc>
+                        <a:spcBef>
+                          <a:spcPts val="0"/>
+                        </a:spcBef>
+                        <a:spcAft>
+                          <a:spcPts val="0"/>
+                        </a:spcAft>
+                        <a:buClrTx/>
+                        <a:buSzTx/>
+                        <a:buFontTx/>
+                        <a:buNone/>
+                        <a:tabLst/>
+                        <a:defRPr/>
+                      </a:pPr>
+                      <a:r>
+                        <a:rPr lang="de-DE" dirty="0" err="1"/>
+                        <a:t>Battery</a:t>
+                      </a:r>
+                      <a:endParaRPr lang="de-DE" dirty="0"/>
+                    </a:p>
+                  </a:txBody>
+                  <a:tcPr/>
+                </a:tc>
+                <a:tc>
+                  <a:txBody>
+                    <a:bodyPr/>
+                    <a:lstStyle/>
+                    <a:p>
+                      <a:endParaRPr lang="de-DE" dirty="0"/>
+                    </a:p>
+                  </a:txBody>
+                  <a:tcPr/>
+                </a:tc>
+                <a:extLst>
+                  <a:ext uri="{0D108BD9-81ED-4DB2-BD59-A6C34878D82A}">
+                    <a16:rowId xmlns:a16="http://schemas.microsoft.com/office/drawing/2014/main" val="615328238"/>
+                  </a:ext>
+                </a:extLst>
+              </a:tr>
+              <a:tr h="370840">
+                <a:tc>
+                  <a:txBody>
+                    <a:bodyPr/>
+                    <a:lstStyle/>
+                    <a:p>
+                      <a:r>
+                        <a:rPr lang="de-DE" dirty="0"/>
+                        <a:t>Ladetechnik</a:t>
+                      </a:r>
+                    </a:p>
+                  </a:txBody>
+                  <a:tcPr>
+                    <a:lnR w="12700" cap="flat" cmpd="sng" algn="ctr">
+                      <a:solidFill>
+                        <a:schemeClr val="tx1"/>
+                      </a:solidFill>
+                      <a:prstDash val="solid"/>
+                      <a:round/>
+                      <a:headEnd type="none" w="med" len="med"/>
+                      <a:tailEnd type="none" w="med" len="med"/>
+                    </a:lnR>
+                  </a:tcPr>
+                </a:tc>
+                <a:tc>
+                  <a:txBody>
+                    <a:bodyPr/>
+                    <a:lstStyle/>
+                    <a:p>
+                      <a:r>
+                        <a:rPr lang="de-DE" dirty="0"/>
+                        <a:t>Keiner </a:t>
+                      </a:r>
+                    </a:p>
+                  </a:txBody>
+                  <a:tcPr>
+                    <a:lnL w="12700" cap="flat" cmpd="sng" algn="ctr">
+                      <a:solidFill>
+                        <a:schemeClr val="tx1"/>
+                      </a:solidFill>
+                      <a:prstDash val="solid"/>
+                      <a:round/>
+                      <a:headEnd type="none" w="med" len="med"/>
+                      <a:tailEnd type="none" w="med" len="med"/>
+                    </a:lnL>
+                  </a:tcPr>
+                </a:tc>
+                <a:tc>
+                  <a:txBody>
+                    <a:bodyPr/>
+                    <a:lstStyle/>
+                    <a:p>
+                      <a:r>
+                        <a:rPr lang="de-DE" dirty="0"/>
+                        <a:t>BMS + 9V Netzteil</a:t>
+                      </a:r>
+                    </a:p>
+                  </a:txBody>
+                  <a:tcPr/>
+                </a:tc>
+                <a:tc>
+                  <a:txBody>
+                    <a:bodyPr/>
+                    <a:lstStyle/>
+                    <a:p>
+                      <a:r>
+                        <a:rPr lang="de-DE" dirty="0"/>
+                        <a:t>BMS + 5V USB</a:t>
+                      </a:r>
+                    </a:p>
+                  </a:txBody>
+                  <a:tcPr/>
+                </a:tc>
+                <a:tc>
+                  <a:txBody>
+                    <a:bodyPr/>
+                    <a:lstStyle/>
+                    <a:p>
+                      <a:endParaRPr lang="de-DE" dirty="0"/>
+                    </a:p>
+                  </a:txBody>
+                  <a:tcPr/>
+                </a:tc>
+                <a:extLst>
+                  <a:ext uri="{0D108BD9-81ED-4DB2-BD59-A6C34878D82A}">
+                    <a16:rowId xmlns:a16="http://schemas.microsoft.com/office/drawing/2014/main" val="2466144593"/>
+                  </a:ext>
+                </a:extLst>
+              </a:tr>
+              <a:tr h="370840">
+                <a:tc>
+                  <a:txBody>
+                    <a:bodyPr/>
+                    <a:lstStyle/>
+                    <a:p>
+                      <a:r>
+                        <a:rPr lang="de-DE" dirty="0"/>
+                        <a:t>Steuerung</a:t>
+                      </a:r>
+                    </a:p>
+                  </a:txBody>
+                  <a:tcPr>
+                    <a:lnR w="12700" cap="flat" cmpd="sng" algn="ctr">
+                      <a:solidFill>
+                        <a:schemeClr val="tx1"/>
+                      </a:solidFill>
+                      <a:prstDash val="solid"/>
+                      <a:round/>
+                      <a:headEnd type="none" w="med" len="med"/>
+                      <a:tailEnd type="none" w="med" len="med"/>
+                    </a:lnR>
+                  </a:tcPr>
+                </a:tc>
+                <a:tc>
+                  <a:txBody>
+                    <a:bodyPr/>
+                    <a:lstStyle/>
+                    <a:p>
+                      <a:r>
+                        <a:rPr lang="de-DE" dirty="0"/>
+                        <a:t>Laptop</a:t>
+                      </a:r>
+                    </a:p>
+                  </a:txBody>
+                  <a:tcPr>
+                    <a:lnL w="12700" cap="flat" cmpd="sng" algn="ctr">
+                      <a:solidFill>
+                        <a:schemeClr val="tx1"/>
+                      </a:solidFill>
+                      <a:prstDash val="solid"/>
+                      <a:round/>
+                      <a:headEnd type="none" w="med" len="med"/>
+                      <a:tailEnd type="none" w="med" len="med"/>
+                    </a:lnL>
+                  </a:tcPr>
+                </a:tc>
+                <a:tc>
+                  <a:txBody>
+                    <a:bodyPr/>
+                    <a:lstStyle/>
+                    <a:p>
+                      <a:r>
+                        <a:rPr lang="de-DE" dirty="0"/>
+                        <a:t>Spiele-Controller</a:t>
+                      </a:r>
+                    </a:p>
+                  </a:txBody>
+                  <a:tcPr/>
+                </a:tc>
+                <a:tc>
+                  <a:txBody>
+                    <a:bodyPr/>
+                    <a:lstStyle/>
+                    <a:p>
+                      <a:r>
+                        <a:rPr lang="de-DE" dirty="0"/>
+                        <a:t>Handy</a:t>
+                      </a:r>
+                    </a:p>
+                  </a:txBody>
+                  <a:tcPr/>
+                </a:tc>
+                <a:tc>
+                  <a:txBody>
+                    <a:bodyPr/>
+                    <a:lstStyle/>
+                    <a:p>
+                      <a:endParaRPr lang="de-DE" dirty="0"/>
+                    </a:p>
+                  </a:txBody>
+                  <a:tcPr/>
+                </a:tc>
+                <a:extLst>
+                  <a:ext uri="{0D108BD9-81ED-4DB2-BD59-A6C34878D82A}">
+                    <a16:rowId xmlns:a16="http://schemas.microsoft.com/office/drawing/2014/main" val="3276340464"/>
+                  </a:ext>
+                </a:extLst>
+              </a:tr>
+              <a:tr h="370840">
+                <a:tc>
+                  <a:txBody>
+                    <a:bodyPr/>
+                    <a:lstStyle/>
+                    <a:p>
+                      <a:r>
+                        <a:rPr lang="de-DE" dirty="0"/>
+                        <a:t>Federung</a:t>
+                      </a:r>
+                    </a:p>
+                  </a:txBody>
+                  <a:tcPr>
+                    <a:lnR w="12700" cap="flat" cmpd="sng" algn="ctr">
+                      <a:solidFill>
+                        <a:schemeClr val="tx1"/>
+                      </a:solidFill>
+                      <a:prstDash val="solid"/>
+                      <a:round/>
+                      <a:headEnd type="none" w="med" len="med"/>
+                      <a:tailEnd type="none" w="med" len="med"/>
+                    </a:lnR>
+                  </a:tcPr>
+                </a:tc>
+                <a:tc>
+                  <a:txBody>
+                    <a:bodyPr/>
+                    <a:lstStyle/>
+                    <a:p>
+                      <a:r>
+                        <a:rPr lang="de-DE" dirty="0"/>
+                        <a:t>Keine</a:t>
+                      </a:r>
+                    </a:p>
+                  </a:txBody>
+                  <a:tcPr>
+                    <a:lnL w="12700" cap="flat" cmpd="sng" algn="ctr">
+                      <a:solidFill>
+                        <a:schemeClr val="tx1"/>
+                      </a:solidFill>
+                      <a:prstDash val="solid"/>
+                      <a:round/>
+                      <a:headEnd type="none" w="med" len="med"/>
+                      <a:tailEnd type="none" w="med" len="med"/>
+                    </a:lnL>
+                  </a:tcPr>
+                </a:tc>
+                <a:tc>
+                  <a:txBody>
+                    <a:bodyPr/>
+                    <a:lstStyle/>
+                    <a:p>
+                      <a:pPr marL="0" marR="0" lvl="0" indent="0" algn="l" defTabSz="914400" rtl="0" eaLnBrk="1" fontAlgn="auto" latinLnBrk="0" hangingPunct="1">
+                        <a:lnSpc>
+                          <a:spcPct val="100000"/>
+                        </a:lnSpc>
+                        <a:spcBef>
+                          <a:spcPts val="0"/>
+                        </a:spcBef>
+                        <a:spcAft>
+                          <a:spcPts val="0"/>
+                        </a:spcAft>
+                        <a:buClrTx/>
+                        <a:buSzTx/>
+                        <a:buFontTx/>
+                        <a:buNone/>
+                        <a:tabLst/>
+                        <a:defRPr/>
+                      </a:pPr>
+                      <a:r>
+                        <a:rPr lang="de-DE" dirty="0"/>
+                        <a:t>3D-Druck</a:t>
+                      </a:r>
+                    </a:p>
+                  </a:txBody>
+                  <a:tcPr/>
+                </a:tc>
+                <a:tc>
+                  <a:txBody>
+                    <a:bodyPr/>
+                    <a:lstStyle/>
+                    <a:p>
+                      <a:pPr marL="0" marR="0" lvl="0" indent="0" algn="l" defTabSz="914400" rtl="0" eaLnBrk="1" fontAlgn="auto" latinLnBrk="0" hangingPunct="1">
+                        <a:lnSpc>
+                          <a:spcPct val="100000"/>
+                        </a:lnSpc>
+                        <a:spcBef>
+                          <a:spcPts val="0"/>
+                        </a:spcBef>
+                        <a:spcAft>
+                          <a:spcPts val="0"/>
+                        </a:spcAft>
+                        <a:buClrTx/>
+                        <a:buSzTx/>
+                        <a:buFontTx/>
+                        <a:buNone/>
+                        <a:tabLst/>
+                        <a:defRPr/>
+                      </a:pPr>
+                      <a:r>
+                        <a:rPr lang="de-DE" dirty="0"/>
+                        <a:t>Feder-Dämpfer</a:t>
+                      </a:r>
+                    </a:p>
+                  </a:txBody>
+                  <a:tcPr/>
+                </a:tc>
+                <a:tc>
+                  <a:txBody>
+                    <a:bodyPr/>
+                    <a:lstStyle/>
+                    <a:p>
+                      <a:endParaRPr lang="de-DE" dirty="0"/>
+                    </a:p>
+                  </a:txBody>
+                  <a:tcPr/>
+                </a:tc>
+                <a:extLst>
+                  <a:ext uri="{0D108BD9-81ED-4DB2-BD59-A6C34878D82A}">
+                    <a16:rowId xmlns:a16="http://schemas.microsoft.com/office/drawing/2014/main" val="1655674407"/>
+                  </a:ext>
+                </a:extLst>
+              </a:tr>
+              <a:tr h="370840">
+                <a:tc>
+                  <a:txBody>
+                    <a:bodyPr/>
+                    <a:lstStyle/>
+                    <a:p>
+                      <a:r>
+                        <a:rPr lang="de-DE" dirty="0"/>
+                        <a:t>Lage-Sensorik</a:t>
+                      </a:r>
+                    </a:p>
+                  </a:txBody>
+                  <a:tcPr>
+                    <a:lnR w="12700" cap="flat" cmpd="sng" algn="ctr">
+                      <a:solidFill>
+                        <a:schemeClr val="tx1"/>
+                      </a:solidFill>
+                      <a:prstDash val="solid"/>
+                      <a:round/>
+                      <a:headEnd type="none" w="med" len="med"/>
+                      <a:tailEnd type="none" w="med" len="med"/>
+                    </a:lnR>
+                  </a:tcPr>
+                </a:tc>
+                <a:tc>
+                  <a:txBody>
+                    <a:bodyPr/>
+                    <a:lstStyle/>
+                    <a:p>
+                      <a:r>
+                        <a:rPr lang="de-DE" dirty="0"/>
+                        <a:t>Keine</a:t>
+                      </a:r>
+                    </a:p>
+                  </a:txBody>
+                  <a:tcPr>
+                    <a:lnL w="12700" cap="flat" cmpd="sng" algn="ctr">
+                      <a:solidFill>
+                        <a:schemeClr val="tx1"/>
+                      </a:solidFill>
+                      <a:prstDash val="solid"/>
+                      <a:round/>
+                      <a:headEnd type="none" w="med" len="med"/>
+                      <a:tailEnd type="none" w="med" len="med"/>
+                    </a:lnL>
+                  </a:tcPr>
+                </a:tc>
+                <a:tc>
+                  <a:txBody>
+                    <a:bodyPr/>
+                    <a:lstStyle/>
+                    <a:p>
+                      <a:r>
+                        <a:rPr lang="de-DE" dirty="0"/>
+                        <a:t>Gyroskop</a:t>
+                      </a:r>
+                    </a:p>
+                  </a:txBody>
+                  <a:tcPr/>
+                </a:tc>
+                <a:tc>
+                  <a:txBody>
+                    <a:bodyPr/>
+                    <a:lstStyle/>
+                    <a:p>
+                      <a:r>
+                        <a:rPr lang="de-DE" dirty="0"/>
+                        <a:t>Pendel</a:t>
+                      </a:r>
+                    </a:p>
+                  </a:txBody>
+                  <a:tcPr/>
+                </a:tc>
+                <a:tc>
+                  <a:txBody>
+                    <a:bodyPr/>
+                    <a:lstStyle/>
+                    <a:p>
+                      <a:endParaRPr lang="de-DE" dirty="0"/>
+                    </a:p>
+                  </a:txBody>
+                  <a:tcPr/>
+                </a:tc>
+                <a:extLst>
+                  <a:ext uri="{0D108BD9-81ED-4DB2-BD59-A6C34878D82A}">
+                    <a16:rowId xmlns:a16="http://schemas.microsoft.com/office/drawing/2014/main" val="2150573267"/>
+                  </a:ext>
+                </a:extLst>
+              </a:tr>
+              <a:tr h="370840">
+                <a:tc>
+                  <a:txBody>
+                    <a:bodyPr/>
+                    <a:lstStyle/>
+                    <a:p>
+                      <a:r>
+                        <a:rPr lang="de-DE" dirty="0"/>
+                        <a:t>Material</a:t>
+                      </a:r>
+                    </a:p>
+                  </a:txBody>
+                  <a:tcPr>
+                    <a:lnR w="12700" cap="flat" cmpd="sng" algn="ctr">
+                      <a:solidFill>
+                        <a:schemeClr val="tx1"/>
+                      </a:solidFill>
+                      <a:prstDash val="solid"/>
+                      <a:round/>
+                      <a:headEnd type="none" w="med" len="med"/>
+                      <a:tailEnd type="none" w="med" len="med"/>
+                    </a:lnR>
+                  </a:tcPr>
+                </a:tc>
+                <a:tc>
+                  <a:txBody>
+                    <a:bodyPr/>
+                    <a:lstStyle/>
+                    <a:p>
+                      <a:r>
+                        <a:rPr lang="de-DE" dirty="0"/>
+                        <a:t>PLA</a:t>
+                      </a:r>
+                    </a:p>
+                  </a:txBody>
+                  <a:tcPr>
+                    <a:lnL w="12700" cap="flat" cmpd="sng" algn="ctr">
+                      <a:solidFill>
+                        <a:schemeClr val="tx1"/>
+                      </a:solidFill>
+                      <a:prstDash val="solid"/>
+                      <a:round/>
+                      <a:headEnd type="none" w="med" len="med"/>
+                      <a:tailEnd type="none" w="med" len="med"/>
+                    </a:lnL>
+                  </a:tcPr>
+                </a:tc>
+                <a:tc>
+                  <a:txBody>
+                    <a:bodyPr/>
+                    <a:lstStyle/>
+                    <a:p>
+                      <a:r>
+                        <a:rPr lang="de-DE" dirty="0"/>
+                        <a:t>PLA+TPU</a:t>
+                      </a:r>
+                    </a:p>
+                  </a:txBody>
+                  <a:tcPr/>
+                </a:tc>
+                <a:tc>
+                  <a:txBody>
+                    <a:bodyPr/>
+                    <a:lstStyle/>
+                    <a:p>
+                      <a:pPr marL="0" marR="0" lvl="0" indent="0" algn="l" defTabSz="914400" rtl="0" eaLnBrk="1" fontAlgn="auto" latinLnBrk="0" hangingPunct="1">
+                        <a:lnSpc>
+                          <a:spcPct val="100000"/>
+                        </a:lnSpc>
+                        <a:spcBef>
+                          <a:spcPts val="0"/>
+                        </a:spcBef>
+                        <a:spcAft>
+                          <a:spcPts val="0"/>
+                        </a:spcAft>
+                        <a:buClrTx/>
+                        <a:buSzTx/>
+                        <a:buFontTx/>
+                        <a:buNone/>
+                        <a:tabLst/>
+                        <a:defRPr/>
+                      </a:pPr>
+                      <a:r>
+                        <a:rPr lang="de-DE" dirty="0"/>
+                        <a:t>ABS</a:t>
+                      </a:r>
+                    </a:p>
+                  </a:txBody>
+                  <a:tcPr/>
+                </a:tc>
+                <a:tc>
+                  <a:txBody>
+                    <a:bodyPr/>
+                    <a:lstStyle/>
+                    <a:p>
+                      <a:r>
+                        <a:rPr lang="de-DE" dirty="0"/>
+                        <a:t>Holz</a:t>
+                      </a:r>
+                    </a:p>
+                  </a:txBody>
+                  <a:tcPr/>
+                </a:tc>
+                <a:extLst>
+                  <a:ext uri="{0D108BD9-81ED-4DB2-BD59-A6C34878D82A}">
+                    <a16:rowId xmlns:a16="http://schemas.microsoft.com/office/drawing/2014/main" val="2616306541"/>
+                  </a:ext>
+                </a:extLst>
+              </a:tr>
+              <a:tr h="370840">
+                <a:tc>
+                  <a:txBody>
+                    <a:bodyPr/>
+                    <a:lstStyle/>
+                    <a:p>
+                      <a:r>
+                        <a:rPr lang="de-DE" dirty="0"/>
+                        <a:t>Verbindung</a:t>
+                      </a:r>
+                    </a:p>
+                  </a:txBody>
+                  <a:tcPr>
+                    <a:lnR w="12700" cap="flat" cmpd="sng" algn="ctr">
+                      <a:solidFill>
+                        <a:schemeClr val="tx1"/>
+                      </a:solidFill>
+                      <a:prstDash val="solid"/>
+                      <a:round/>
+                      <a:headEnd type="none" w="med" len="med"/>
+                      <a:tailEnd type="none" w="med" len="med"/>
+                    </a:lnR>
+                  </a:tcPr>
+                </a:tc>
+                <a:tc>
+                  <a:txBody>
+                    <a:bodyPr/>
+                    <a:lstStyle/>
+                    <a:p>
+                      <a:r>
+                        <a:rPr lang="de-DE" dirty="0"/>
+                        <a:t>Schrauben</a:t>
+                      </a:r>
+                    </a:p>
+                  </a:txBody>
+                  <a:tcPr>
+                    <a:lnL w="12700" cap="flat" cmpd="sng" algn="ctr">
+                      <a:solidFill>
+                        <a:schemeClr val="tx1"/>
+                      </a:solidFill>
+                      <a:prstDash val="solid"/>
+                      <a:round/>
+                      <a:headEnd type="none" w="med" len="med"/>
+                      <a:tailEnd type="none" w="med" len="med"/>
+                    </a:lnL>
+                  </a:tcPr>
+                </a:tc>
+                <a:tc>
+                  <a:txBody>
+                    <a:bodyPr/>
+                    <a:lstStyle/>
+                    <a:p>
+                      <a:r>
+                        <a:rPr lang="de-DE" dirty="0"/>
+                        <a:t>Pins</a:t>
+                      </a:r>
+                    </a:p>
+                  </a:txBody>
+                  <a:tcPr/>
+                </a:tc>
+                <a:tc>
+                  <a:txBody>
+                    <a:bodyPr/>
+                    <a:lstStyle/>
+                    <a:p>
+                      <a:pPr marL="0" marR="0" lvl="0" indent="0" algn="l" defTabSz="914400" rtl="0" eaLnBrk="1" fontAlgn="auto" latinLnBrk="0" hangingPunct="1">
+                        <a:lnSpc>
+                          <a:spcPct val="100000"/>
+                        </a:lnSpc>
+                        <a:spcBef>
+                          <a:spcPts val="0"/>
+                        </a:spcBef>
+                        <a:spcAft>
+                          <a:spcPts val="0"/>
+                        </a:spcAft>
+                        <a:buClrTx/>
+                        <a:buSzTx/>
+                        <a:buFontTx/>
+                        <a:buNone/>
+                        <a:tabLst/>
+                        <a:defRPr/>
+                      </a:pPr>
+                      <a:endParaRPr lang="de-DE" dirty="0"/>
+                    </a:p>
+                  </a:txBody>
+                  <a:tcPr/>
+                </a:tc>
+                <a:tc>
+                  <a:txBody>
+                    <a:bodyPr/>
+                    <a:lstStyle/>
+                    <a:p>
+                      <a:endParaRPr lang="de-DE" dirty="0"/>
+                    </a:p>
+                  </a:txBody>
+                  <a:tcPr/>
+                </a:tc>
+                <a:extLst>
+                  <a:ext uri="{0D108BD9-81ED-4DB2-BD59-A6C34878D82A}">
+                    <a16:rowId xmlns:a16="http://schemas.microsoft.com/office/drawing/2014/main" val="1872279762"/>
+                  </a:ext>
+                </a:extLst>
+              </a:tr>
+            </a:tbl>
+          </a:graphicData>
+        </a:graphic>
+      </p:graphicFrame>
+      <p:sp>
+        <p:nvSpPr>
+          <p:cNvPr id="4" name="Titel 1">
+            <a:extLst>
+              <a:ext uri="{FF2B5EF4-FFF2-40B4-BE49-F238E27FC236}">
+                <a16:creationId xmlns:a16="http://schemas.microsoft.com/office/drawing/2014/main" id="{79ECEDCC-645A-46D7-AE66-735639EED5F2}"/>
+              </a:ext>
+            </a:extLst>
+          </p:cNvPr>
+          <p:cNvSpPr>
+            <a:spLocks noGrp="1"/>
+          </p:cNvSpPr>
+          <p:nvPr>
+            <p:ph type="title"/>
+          </p:nvPr>
+        </p:nvSpPr>
+        <p:spPr>
+          <a:xfrm>
+            <a:off x="546100" y="284480"/>
+            <a:ext cx="5257800" cy="879218"/>
+          </a:xfrm>
+        </p:spPr>
+        <p:txBody>
+          <a:bodyPr>
+            <a:noAutofit/>
+          </a:bodyPr>
+          <a:lstStyle/>
+          <a:p>
+            <a:r>
+              <a:rPr lang="de-DE" sz="2400" b="1" dirty="0"/>
+              <a:t>Morphologischer Kasten</a:t>
+            </a:r>
+          </a:p>
+        </p:txBody>
+      </p:sp>
+      <p:pic>
+        <p:nvPicPr>
+          <p:cNvPr id="5" name="Grafik 4" descr="Logo Ingenieursinformatik">
+            <a:extLst>
+              <a:ext uri="{FF2B5EF4-FFF2-40B4-BE49-F238E27FC236}">
+                <a16:creationId xmlns:a16="http://schemas.microsoft.com/office/drawing/2014/main" id="{BE75792D-1002-4115-BEDB-C76DA1BE9BFD}"/>
+              </a:ext>
+            </a:extLst>
+          </p:cNvPr>
+          <p:cNvPicPr/>
+          <p:nvPr/>
+        </p:nvPicPr>
+        <p:blipFill>
+          <a:blip r:embed="rId2" cstate="print">
+            <a:extLst>
+              <a:ext uri="{28A0092B-C50C-407E-A947-70E740481C1C}">
+                <a14:useLocalDpi xmlns:a14="http://schemas.microsoft.com/office/drawing/2010/main" val="0"/>
+              </a:ext>
+            </a:extLst>
+          </a:blip>
+          <a:srcRect/>
+          <a:stretch>
+            <a:fillRect/>
+          </a:stretch>
+        </p:blipFill>
+        <p:spPr bwMode="auto">
+          <a:xfrm>
+            <a:off x="10178281" y="320040"/>
+            <a:ext cx="1692155" cy="924304"/>
+          </a:xfrm>
+          <a:prstGeom prst="rect">
+            <a:avLst/>
+          </a:prstGeom>
+          <a:noFill/>
+          <a:ln>
+            <a:noFill/>
+          </a:ln>
+        </p:spPr>
+      </p:pic>
+      <mc:AlternateContent xmlns:mc="http://schemas.openxmlformats.org/markup-compatibility/2006">
+        <mc:Choice xmlns:p14="http://schemas.microsoft.com/office/powerpoint/2010/main" Requires="p14">
+          <p:contentPart p14:bwMode="auto" r:id="rId3">
+            <p14:nvContentPartPr>
+              <p14:cNvPr id="69" name="Freihand 68">
+                <a:extLst>
+                  <a:ext uri="{FF2B5EF4-FFF2-40B4-BE49-F238E27FC236}">
+                    <a16:creationId xmlns:a16="http://schemas.microsoft.com/office/drawing/2014/main" id="{A8721F11-DE72-41C8-8DA7-6664A6F509EF}"/>
+                  </a:ext>
+                </a:extLst>
+              </p14:cNvPr>
+              <p14:cNvContentPartPr/>
+              <p14:nvPr/>
+            </p14:nvContentPartPr>
+            <p14:xfrm>
+              <a:off x="4082236" y="2039662"/>
+              <a:ext cx="3837600" cy="4169520"/>
+            </p14:xfrm>
+          </p:contentPart>
+        </mc:Choice>
+        <mc:Fallback>
+          <p:pic>
+            <p:nvPicPr>
+              <p:cNvPr id="69" name="Freihand 68">
+                <a:extLst>
+                  <a:ext uri="{FF2B5EF4-FFF2-40B4-BE49-F238E27FC236}">
+                    <a16:creationId xmlns:a16="http://schemas.microsoft.com/office/drawing/2014/main" id="{A8721F11-DE72-41C8-8DA7-6664A6F509EF}"/>
+                  </a:ext>
+                </a:extLst>
+              </p:cNvPr>
+              <p:cNvPicPr/>
+              <p:nvPr/>
+            </p:nvPicPr>
+            <p:blipFill>
+              <a:blip r:embed="rId4"/>
+              <a:stretch>
+                <a:fillRect/>
+              </a:stretch>
+            </p:blipFill>
+            <p:spPr>
+              <a:xfrm>
+                <a:off x="4019236" y="2028862"/>
+                <a:ext cx="3963240" cy="4243320"/>
+              </a:xfrm>
+              <a:prstGeom prst="rect">
+                <a:avLst/>
+              </a:prstGeom>
+            </p:spPr>
+          </p:pic>
+        </mc:Fallback>
+      </mc:AlternateContent>
+    </p:spTree>
+    <p:extLst>
+      <p:ext uri="{BB962C8B-B14F-4D97-AF65-F5344CB8AC3E}">
+        <p14:creationId xmlns:p14="http://schemas.microsoft.com/office/powerpoint/2010/main" val="1249718552"/>
+      </p:ext>
+    </p:extLst>
+  </p:cSld>
+  <p:clrMapOvr>
+    <a:masterClrMapping/>
+  </p:clrMapOvr>
+</p:sld>
+</file>
+
+<file path=ppt/slides/slide4.xml><?xml version="1.0" encoding="utf-8"?>
+<p:sld xmlns:a="http://schemas.openxmlformats.org/drawingml/2006/main" xmlns:r="http://schemas.openxmlformats.org/officeDocument/2006/relationships" xmlns:p="http://schemas.openxmlformats.org/presentationml/2006/main">
+  <p:cSld>
+    <p:spTree>
+      <p:nvGrpSpPr>
+        <p:cNvPr id="1" name=""/>
+        <p:cNvGrpSpPr/>
+        <p:nvPr/>
+      </p:nvGrpSpPr>
+      <p:grpSpPr>
+        <a:xfrm>
+          <a:off x="0" y="0"/>
+          <a:ext cx="0" cy="0"/>
+          <a:chOff x="0" y="0"/>
+          <a:chExt cx="0" cy="0"/>
+        </a:xfrm>
+      </p:grpSpPr>
+      <p:sp>
+        <p:nvSpPr>
+          <p:cNvPr id="4" name="Titel 1">
+            <a:extLst>
+              <a:ext uri="{FF2B5EF4-FFF2-40B4-BE49-F238E27FC236}">
+                <a16:creationId xmlns:a16="http://schemas.microsoft.com/office/drawing/2014/main" id="{08253877-8FEC-4715-AEA5-A451C1CBD31A}"/>
+              </a:ext>
+            </a:extLst>
+          </p:cNvPr>
+          <p:cNvSpPr>
+            <a:spLocks noGrp="1"/>
+          </p:cNvSpPr>
+          <p:nvPr>
+            <p:ph type="title"/>
+          </p:nvPr>
+        </p:nvSpPr>
+        <p:spPr>
+          <a:xfrm>
+            <a:off x="640080" y="2074363"/>
+            <a:ext cx="2752354" cy="2709275"/>
+          </a:xfrm>
+          <a:prstGeom prst="ellipse">
+            <a:avLst/>
+          </a:prstGeom>
+          <a:solidFill>
+            <a:srgbClr val="262626"/>
+          </a:solidFill>
+          <a:ln w="174625" cmpd="thinThick">
+            <a:solidFill>
+              <a:srgbClr val="262626"/>
+            </a:solidFill>
+          </a:ln>
+        </p:spPr>
+        <p:txBody>
+          <a:bodyPr vert="horz" lIns="91440" tIns="45720" rIns="91440" bIns="45720" rtlCol="0" anchor="ctr">
+            <a:normAutofit/>
+          </a:bodyPr>
+          <a:lstStyle/>
+          <a:p>
+            <a:pPr algn="ctr"/>
+            <a:r>
+              <a:rPr lang="en-US" sz="2600" b="1" kern="1200">
+                <a:solidFill>
+                  <a:srgbClr val="FFFFFF"/>
+                </a:solidFill>
+                <a:latin typeface="+mj-lt"/>
+                <a:ea typeface="+mj-ea"/>
+                <a:cs typeface="+mj-cs"/>
+              </a:rPr>
+              <a:t>(S)eg(g)Way : Skizze</a:t>
+            </a:r>
+          </a:p>
+        </p:txBody>
+      </p:sp>
+      <p:pic>
+        <p:nvPicPr>
+          <p:cNvPr id="38" name="Grafik 37">
+            <a:extLst>
+              <a:ext uri="{FF2B5EF4-FFF2-40B4-BE49-F238E27FC236}">
+                <a16:creationId xmlns:a16="http://schemas.microsoft.com/office/drawing/2014/main" id="{8E9A5953-0355-464A-91C5-6D2D98A9E440}"/>
+              </a:ext>
+            </a:extLst>
+          </p:cNvPr>
+          <p:cNvPicPr>
+            <a:picLocks noChangeAspect="1"/>
+          </p:cNvPicPr>
+          <p:nvPr/>
+        </p:nvPicPr>
+        <p:blipFill>
+          <a:blip r:embed="rId2"/>
+          <a:stretch>
+            <a:fillRect/>
+          </a:stretch>
+        </p:blipFill>
+        <p:spPr>
+          <a:xfrm>
+            <a:off x="4032514" y="1564384"/>
+            <a:ext cx="7041886" cy="4277945"/>
+          </a:xfrm>
+          <a:prstGeom prst="rect">
+            <a:avLst/>
+          </a:prstGeom>
+          <a:ln w="22225">
+            <a:solidFill>
+              <a:schemeClr val="tx1"/>
+            </a:solidFill>
+          </a:ln>
+        </p:spPr>
+      </p:pic>
+      <p:pic>
+        <p:nvPicPr>
+          <p:cNvPr id="39" name="Grafik 38" descr="Logo Ingenieursinformatik">
+            <a:extLst>
+              <a:ext uri="{FF2B5EF4-FFF2-40B4-BE49-F238E27FC236}">
+                <a16:creationId xmlns:a16="http://schemas.microsoft.com/office/drawing/2014/main" id="{152A2FCF-B2BB-43A1-A0F1-A90D98C7FE50}"/>
+              </a:ext>
+            </a:extLst>
+          </p:cNvPr>
+          <p:cNvPicPr/>
+          <p:nvPr/>
+        </p:nvPicPr>
+        <p:blipFill>
+          <a:blip r:embed="rId3" cstate="print">
+            <a:extLst>
+              <a:ext uri="{28A0092B-C50C-407E-A947-70E740481C1C}">
+                <a14:useLocalDpi xmlns:a14="http://schemas.microsoft.com/office/drawing/2010/main" val="0"/>
+              </a:ext>
+            </a:extLst>
+          </a:blip>
+          <a:srcRect/>
+          <a:stretch>
+            <a:fillRect/>
+          </a:stretch>
+        </p:blipFill>
+        <p:spPr bwMode="auto">
+          <a:xfrm>
+            <a:off x="10178281" y="320040"/>
+            <a:ext cx="1692155" cy="924304"/>
+          </a:xfrm>
+          <a:prstGeom prst="rect">
+            <a:avLst/>
+          </a:prstGeom>
+          <a:noFill/>
+          <a:ln>
+            <a:noFill/>
+          </a:ln>
+        </p:spPr>
+      </p:pic>
+    </p:spTree>
+    <p:extLst>
+      <p:ext uri="{BB962C8B-B14F-4D97-AF65-F5344CB8AC3E}">
+        <p14:creationId xmlns:p14="http://schemas.microsoft.com/office/powerpoint/2010/main" val="3456364618"/>
+      </p:ext>
+    </p:extLst>
+  </p:cSld>
+  <p:clrMapOvr>
+    <a:masterClrMapping/>
+  </p:clrMapOvr>
+</p:sld>
+</file>
+
+<file path=ppt/slides/slide5.xml><?xml version="1.0" encoding="utf-8"?>
+<p:sld xmlns:a="http://schemas.openxmlformats.org/drawingml/2006/main" xmlns:r="http://schemas.openxmlformats.org/officeDocument/2006/relationships" xmlns:p="http://schemas.openxmlformats.org/presentationml/2006/main">
+  <p:cSld>
+    <p:spTree>
+      <p:nvGrpSpPr>
+        <p:cNvPr id="1" name=""/>
+        <p:cNvGrpSpPr/>
+        <p:nvPr/>
+      </p:nvGrpSpPr>
+      <p:grpSpPr>
+        <a:xfrm>
+          <a:off x="0" y="0"/>
+          <a:ext cx="0" cy="0"/>
+          <a:chOff x="0" y="0"/>
+          <a:chExt cx="0" cy="0"/>
+        </a:xfrm>
+      </p:grpSpPr>
+      <p:sp>
+        <p:nvSpPr>
+          <p:cNvPr id="4" name="Titel 1">
+            <a:extLst>
+              <a:ext uri="{FF2B5EF4-FFF2-40B4-BE49-F238E27FC236}">
+                <a16:creationId xmlns:a16="http://schemas.microsoft.com/office/drawing/2014/main" id="{08253877-8FEC-4715-AEA5-A451C1CBD31A}"/>
+              </a:ext>
+            </a:extLst>
+          </p:cNvPr>
+          <p:cNvSpPr>
+            <a:spLocks noGrp="1"/>
+          </p:cNvSpPr>
+          <p:nvPr>
+            <p:ph type="title"/>
+          </p:nvPr>
+        </p:nvSpPr>
+        <p:spPr>
+          <a:xfrm>
+            <a:off x="640080" y="2074363"/>
+            <a:ext cx="2752354" cy="2709275"/>
+          </a:xfrm>
+          <a:prstGeom prst="ellipse">
+            <a:avLst/>
+          </a:prstGeom>
+          <a:solidFill>
+            <a:srgbClr val="262626"/>
+          </a:solidFill>
+          <a:ln w="174625" cmpd="thinThick">
+            <a:solidFill>
+              <a:srgbClr val="262626"/>
+            </a:solidFill>
+          </a:ln>
+        </p:spPr>
+        <p:txBody>
+          <a:bodyPr vert="horz" lIns="91440" tIns="45720" rIns="91440" bIns="45720" rtlCol="0" anchor="ctr">
+            <a:normAutofit/>
+          </a:bodyPr>
+          <a:lstStyle/>
+          <a:p>
+            <a:pPr algn="ctr"/>
+            <a:r>
+              <a:rPr lang="en-US" sz="2600" b="1" kern="1200" dirty="0">
+                <a:solidFill>
+                  <a:srgbClr val="FFFFFF"/>
+                </a:solidFill>
+                <a:latin typeface="+mj-lt"/>
+                <a:ea typeface="+mj-ea"/>
+                <a:cs typeface="+mj-cs"/>
+              </a:rPr>
+              <a:t>W-egg-Chair: </a:t>
+            </a:r>
+            <a:r>
+              <a:rPr lang="en-US" sz="2600" b="1" kern="1200" dirty="0" err="1">
+                <a:solidFill>
+                  <a:srgbClr val="FFFFFF"/>
+                </a:solidFill>
+                <a:latin typeface="+mj-lt"/>
+                <a:ea typeface="+mj-ea"/>
+                <a:cs typeface="+mj-cs"/>
+              </a:rPr>
+              <a:t>Skizze</a:t>
+            </a:r>
+            <a:endParaRPr lang="en-US" sz="2600" b="1" kern="1200" dirty="0">
+              <a:solidFill>
+                <a:srgbClr val="FFFFFF"/>
+              </a:solidFill>
+              <a:latin typeface="+mj-lt"/>
+              <a:ea typeface="+mj-ea"/>
+              <a:cs typeface="+mj-cs"/>
+            </a:endParaRPr>
+          </a:p>
+        </p:txBody>
+      </p:sp>
+      <p:pic>
+        <p:nvPicPr>
+          <p:cNvPr id="10" name="Grafik 9">
+            <a:extLst>
+              <a:ext uri="{FF2B5EF4-FFF2-40B4-BE49-F238E27FC236}">
+                <a16:creationId xmlns:a16="http://schemas.microsoft.com/office/drawing/2014/main" id="{68EE73E0-DAE2-4FAE-B6C2-7E139CA2ECA0}"/>
+              </a:ext>
+            </a:extLst>
+          </p:cNvPr>
+          <p:cNvPicPr>
+            <a:picLocks noChangeAspect="1"/>
+          </p:cNvPicPr>
+          <p:nvPr/>
+        </p:nvPicPr>
+        <p:blipFill>
+          <a:blip r:embed="rId2"/>
+          <a:stretch>
+            <a:fillRect/>
+          </a:stretch>
+        </p:blipFill>
+        <p:spPr>
+          <a:xfrm>
+            <a:off x="3943614" y="1341104"/>
+            <a:ext cx="6769443" cy="4924770"/>
+          </a:xfrm>
+          <a:prstGeom prst="rect">
+            <a:avLst/>
+          </a:prstGeom>
+          <a:ln w="22225">
+            <a:solidFill>
+              <a:schemeClr val="tx1"/>
+            </a:solidFill>
+          </a:ln>
+        </p:spPr>
+      </p:pic>
+      <p:pic>
+        <p:nvPicPr>
+          <p:cNvPr id="12" name="Grafik 11" descr="Logo Ingenieursinformatik">
+            <a:extLst>
+              <a:ext uri="{FF2B5EF4-FFF2-40B4-BE49-F238E27FC236}">
+                <a16:creationId xmlns:a16="http://schemas.microsoft.com/office/drawing/2014/main" id="{1A909A4D-2C76-458E-AC65-5911DFC2D313}"/>
+              </a:ext>
+            </a:extLst>
+          </p:cNvPr>
+          <p:cNvPicPr/>
+          <p:nvPr/>
+        </p:nvPicPr>
+        <p:blipFill>
+          <a:blip r:embed="rId3" cstate="print">
+            <a:extLst>
+              <a:ext uri="{28A0092B-C50C-407E-A947-70E740481C1C}">
+                <a14:useLocalDpi xmlns:a14="http://schemas.microsoft.com/office/drawing/2010/main" val="0"/>
+              </a:ext>
+            </a:extLst>
+          </a:blip>
+          <a:srcRect/>
+          <a:stretch>
+            <a:fillRect/>
+          </a:stretch>
+        </p:blipFill>
+        <p:spPr bwMode="auto">
+          <a:xfrm>
+            <a:off x="10178281" y="320040"/>
+            <a:ext cx="1692155" cy="924304"/>
+          </a:xfrm>
+          <a:prstGeom prst="rect">
+            <a:avLst/>
+          </a:prstGeom>
+          <a:noFill/>
+          <a:ln>
+            <a:noFill/>
+          </a:ln>
+        </p:spPr>
+      </p:pic>
+    </p:spTree>
+    <p:extLst>
+      <p:ext uri="{BB962C8B-B14F-4D97-AF65-F5344CB8AC3E}">
+        <p14:creationId xmlns:p14="http://schemas.microsoft.com/office/powerpoint/2010/main" val="1176451309"/>
+      </p:ext>
+    </p:extLst>
+  </p:cSld>
+  <p:clrMapOvr>
+    <a:masterClrMapping/>
+  </p:clrMapOvr>
+</p:sld>
+</file>
+
+<file path=ppt/slides/slide6.xml><?xml version="1.0" encoding="utf-8"?>
+<p:sld xmlns:a="http://schemas.openxmlformats.org/drawingml/2006/main" xmlns:r="http://schemas.openxmlformats.org/officeDocument/2006/relationships" xmlns:p="http://schemas.openxmlformats.org/presentationml/2006/main">
+  <p:cSld>
     <p:bg>
       <p:bgPr>
         <a:solidFill>
@@ -4659,16 +6251,15 @@
             <p:ph idx="1"/>
           </p:nvPr>
         </p:nvPicPr>
-        <p:blipFill>
+        <p:blipFill rotWithShape="1">
           <a:blip r:embed="rId2"/>
-          <a:stretch>
-            <a:fillRect/>
-          </a:stretch>
+          <a:srcRect t="7213"/>
+          <a:stretch/>
         </p:blipFill>
         <p:spPr>
           <a:xfrm>
-            <a:off x="3961895" y="1051916"/>
-            <a:ext cx="7404017" cy="5238342"/>
+            <a:off x="3961895" y="1429788"/>
+            <a:ext cx="7404017" cy="4860469"/>
           </a:xfrm>
           <a:prstGeom prst="rect">
             <a:avLst/>
@@ -4727,7 +6318,7 @@
 </p:sld>
 </file>
 
-<file path=ppt/slides/slide4.xml><?xml version="1.0" encoding="utf-8"?>
+<file path=ppt/slides/slide7.xml><?xml version="1.0" encoding="utf-8"?>
 <p:sld xmlns:a="http://schemas.openxmlformats.org/drawingml/2006/main" xmlns:r="http://schemas.openxmlformats.org/officeDocument/2006/relationships" xmlns:p="http://schemas.openxmlformats.org/presentationml/2006/main">
   <p:cSld>
     <p:bg>
@@ -5011,16 +6602,15 @@
           </p:cNvPicPr>
           <p:nvPr/>
         </p:nvPicPr>
-        <p:blipFill>
+        <p:blipFill rotWithShape="1">
           <a:blip r:embed="rId2"/>
-          <a:stretch>
-            <a:fillRect/>
-          </a:stretch>
+          <a:srcRect t="4948" b="14108"/>
+          <a:stretch/>
         </p:blipFill>
         <p:spPr>
           <a:xfrm>
-            <a:off x="4940354" y="782192"/>
-            <a:ext cx="4148768" cy="5863985"/>
+            <a:off x="3873731" y="314768"/>
+            <a:ext cx="5719156" cy="6543232"/>
           </a:xfrm>
           <a:prstGeom prst="rect">
             <a:avLst/>
@@ -5079,7 +6669,7 @@
 </p:sld>
 </file>
 
-<file path=ppt/slides/slide5.xml><?xml version="1.0" encoding="utf-8"?>
+<file path=ppt/slides/slide8.xml><?xml version="1.0" encoding="utf-8"?>
 <p:sld xmlns:a="http://schemas.openxmlformats.org/drawingml/2006/main" xmlns:r="http://schemas.openxmlformats.org/officeDocument/2006/relationships" xmlns:p="http://schemas.openxmlformats.org/presentationml/2006/main">
   <p:cSld>
     <p:bg>
@@ -5404,16 +6994,15 @@
           </p:cNvPicPr>
           <p:nvPr/>
         </p:nvPicPr>
-        <p:blipFill>
+        <p:blipFill rotWithShape="1">
           <a:blip r:embed="rId2"/>
-          <a:stretch>
-            <a:fillRect/>
-          </a:stretch>
+          <a:srcRect t="7265"/>
+          <a:stretch/>
         </p:blipFill>
         <p:spPr>
           <a:xfrm>
-            <a:off x="3813550" y="963506"/>
-            <a:ext cx="3488672" cy="4930987"/>
+            <a:off x="3813550" y="1321724"/>
+            <a:ext cx="3488672" cy="4572769"/>
           </a:xfrm>
           <a:prstGeom prst="rect">
             <a:avLst/>
@@ -5434,129 +7023,27 @@
           </p:cNvPicPr>
           <p:nvPr/>
         </p:nvPicPr>
-        <p:blipFill>
+        <p:blipFill rotWithShape="1">
           <a:blip r:embed="rId3"/>
-          <a:stretch>
-            <a:fillRect/>
-          </a:stretch>
+          <a:srcRect t="7967"/>
+          <a:stretch/>
         </p:blipFill>
         <p:spPr>
           <a:xfrm>
-            <a:off x="7988377" y="1079400"/>
-            <a:ext cx="3401875" cy="4815093"/>
+            <a:off x="7981787" y="1427011"/>
+            <a:ext cx="3563543" cy="4642050"/>
           </a:xfrm>
           <a:prstGeom prst="rect">
             <a:avLst/>
           </a:prstGeom>
         </p:spPr>
       </p:pic>
-    </p:spTree>
-    <p:extLst>
-      <p:ext uri="{BB962C8B-B14F-4D97-AF65-F5344CB8AC3E}">
-        <p14:creationId xmlns:p14="http://schemas.microsoft.com/office/powerpoint/2010/main" val="4185177068"/>
-      </p:ext>
-    </p:extLst>
-  </p:cSld>
-  <p:clrMapOvr>
-    <a:masterClrMapping/>
-  </p:clrMapOvr>
-</p:sld>
-</file>
-
-<file path=ppt/slides/slide6.xml><?xml version="1.0" encoding="utf-8"?>
-<p:sld xmlns:a="http://schemas.openxmlformats.org/drawingml/2006/main" xmlns:r="http://schemas.openxmlformats.org/officeDocument/2006/relationships" xmlns:p="http://schemas.openxmlformats.org/presentationml/2006/main">
-  <p:cSld>
-    <p:spTree>
-      <p:nvGrpSpPr>
-        <p:cNvPr id="1" name=""/>
-        <p:cNvGrpSpPr/>
-        <p:nvPr/>
-      </p:nvGrpSpPr>
-      <p:grpSpPr>
-        <a:xfrm>
-          <a:off x="0" y="0"/>
-          <a:ext cx="0" cy="0"/>
-          <a:chOff x="0" y="0"/>
-          <a:chExt cx="0" cy="0"/>
-        </a:xfrm>
-      </p:grpSpPr>
-      <p:sp>
-        <p:nvSpPr>
-          <p:cNvPr id="3" name="Inhaltsplatzhalter 2">
-            <a:extLst>
-              <a:ext uri="{FF2B5EF4-FFF2-40B4-BE49-F238E27FC236}">
-                <a16:creationId xmlns:a16="http://schemas.microsoft.com/office/drawing/2014/main" id="{C4F9E0B2-3FB4-442C-99F8-6BF94DBC0BCA}"/>
-              </a:ext>
-            </a:extLst>
-          </p:cNvPr>
-          <p:cNvSpPr>
-            <a:spLocks noGrp="1"/>
-          </p:cNvSpPr>
-          <p:nvPr>
-            <p:ph idx="1"/>
-          </p:nvPr>
-        </p:nvSpPr>
-        <p:spPr/>
-        <p:txBody>
-          <a:bodyPr/>
-          <a:lstStyle/>
-          <a:p>
-            <a:r>
-              <a:rPr lang="de-DE" dirty="0"/>
-              <a:t>Hier </a:t>
-            </a:r>
-            <a:r>
-              <a:rPr lang="de-DE" dirty="0" err="1"/>
-              <a:t>vll</a:t>
-            </a:r>
-            <a:r>
-              <a:rPr lang="de-DE" dirty="0"/>
-              <a:t> ne Tabelle rein?</a:t>
-            </a:r>
-          </a:p>
-        </p:txBody>
-      </p:sp>
-      <p:sp>
-        <p:nvSpPr>
-          <p:cNvPr id="4" name="Titel 1">
-            <a:extLst>
-              <a:ext uri="{FF2B5EF4-FFF2-40B4-BE49-F238E27FC236}">
-                <a16:creationId xmlns:a16="http://schemas.microsoft.com/office/drawing/2014/main" id="{F3EA9F0D-7B7E-4F19-B401-C24981102199}"/>
-              </a:ext>
-            </a:extLst>
-          </p:cNvPr>
-          <p:cNvSpPr>
-            <a:spLocks noGrp="1"/>
-          </p:cNvSpPr>
-          <p:nvPr>
-            <p:ph type="title"/>
-          </p:nvPr>
-        </p:nvSpPr>
-        <p:spPr>
-          <a:xfrm>
-            <a:off x="546100" y="284480"/>
-            <a:ext cx="5257800" cy="879218"/>
-          </a:xfrm>
-        </p:spPr>
-        <p:txBody>
-          <a:bodyPr>
-            <a:noAutofit/>
-          </a:bodyPr>
-          <a:lstStyle/>
-          <a:p>
-            <a:r>
-              <a:rPr lang="de-DE" sz="2400" b="1" dirty="0"/>
-              <a:t>OmniMove: Gesamt- und Teilfunktionen</a:t>
-            </a:r>
-          </a:p>
-        </p:txBody>
-      </p:sp>
       <p:pic>
         <p:nvPicPr>
-          <p:cNvPr id="5" name="Grafik 4" descr="Logo Ingenieursinformatik">
-            <a:extLst>
-              <a:ext uri="{FF2B5EF4-FFF2-40B4-BE49-F238E27FC236}">
-                <a16:creationId xmlns:a16="http://schemas.microsoft.com/office/drawing/2014/main" id="{5F67C00D-DC9E-4350-AE3D-B911E466BA3D}"/>
+          <p:cNvPr id="7" name="Grafik 6" descr="Logo Ingenieursinformatik">
+            <a:extLst>
+              <a:ext uri="{FF2B5EF4-FFF2-40B4-BE49-F238E27FC236}">
+                <a16:creationId xmlns:a16="http://schemas.microsoft.com/office/drawing/2014/main" id="{54369F54-FA52-4FF3-9584-256D5C0A9C02}"/>
               </a:ext>
             </a:extLst>
           </p:cNvPr>
@@ -5564,7 +7051,7 @@
           <p:nvPr/>
         </p:nvPicPr>
         <p:blipFill>
-          <a:blip r:embed="rId2" cstate="print">
+          <a:blip r:embed="rId4" cstate="print">
             <a:extLst>
               <a:ext uri="{28A0092B-C50C-407E-A947-70E740481C1C}">
                 <a14:useLocalDpi xmlns:a14="http://schemas.microsoft.com/office/drawing/2010/main" val="0"/>
@@ -5593,7 +7080,7 @@
     </p:spTree>
     <p:extLst>
       <p:ext uri="{BB962C8B-B14F-4D97-AF65-F5344CB8AC3E}">
-        <p14:creationId xmlns:p14="http://schemas.microsoft.com/office/powerpoint/2010/main" val="3503683503"/>
+        <p14:creationId xmlns:p14="http://schemas.microsoft.com/office/powerpoint/2010/main" val="4185177068"/>
       </p:ext>
     </p:extLst>
   </p:cSld>
@@ -5603,7 +7090,7 @@
 </p:sld>
 </file>
 
-<file path=ppt/slides/slide7.xml><?xml version="1.0" encoding="utf-8"?>
+<file path=ppt/slides/slide9.xml><?xml version="1.0" encoding="utf-8"?>
 <p:sld xmlns:a="http://schemas.openxmlformats.org/drawingml/2006/main" xmlns:r="http://schemas.openxmlformats.org/officeDocument/2006/relationships" xmlns:p="http://schemas.openxmlformats.org/presentationml/2006/main">
   <p:cSld>
     <p:spTree>
@@ -5622,46 +7109,10 @@
       </p:grpSpPr>
       <p:sp>
         <p:nvSpPr>
-          <p:cNvPr id="3" name="Inhaltsplatzhalter 2">
-            <a:extLst>
-              <a:ext uri="{FF2B5EF4-FFF2-40B4-BE49-F238E27FC236}">
-                <a16:creationId xmlns:a16="http://schemas.microsoft.com/office/drawing/2014/main" id="{5CCFFB3A-A904-4D27-87EA-75FFB9C07A06}"/>
-              </a:ext>
-            </a:extLst>
-          </p:cNvPr>
-          <p:cNvSpPr>
-            <a:spLocks noGrp="1"/>
-          </p:cNvSpPr>
-          <p:nvPr>
-            <p:ph idx="1"/>
-          </p:nvPr>
-        </p:nvSpPr>
-        <p:spPr/>
-        <p:txBody>
-          <a:bodyPr/>
-          <a:lstStyle/>
-          <a:p>
-            <a:r>
-              <a:rPr lang="de-DE" dirty="0"/>
-              <a:t>Hier vielleicht ein paar Zig-</a:t>
-            </a:r>
-            <a:r>
-              <a:rPr lang="de-DE" dirty="0" err="1"/>
-              <a:t>Zaggings</a:t>
-            </a:r>
-            <a:r>
-              <a:rPr lang="de-DE" dirty="0"/>
-              <a:t> reinmachen?</a:t>
-            </a:r>
-          </a:p>
-        </p:txBody>
-      </p:sp>
-      <p:sp>
-        <p:nvSpPr>
           <p:cNvPr id="4" name="Titel 1">
             <a:extLst>
               <a:ext uri="{FF2B5EF4-FFF2-40B4-BE49-F238E27FC236}">
-                <a16:creationId xmlns:a16="http://schemas.microsoft.com/office/drawing/2014/main" id="{8A029102-923F-4439-B51B-7EE350387913}"/>
+                <a16:creationId xmlns:a16="http://schemas.microsoft.com/office/drawing/2014/main" id="{F3EA9F0D-7B7E-4F19-B401-C24981102199}"/>
               </a:ext>
             </a:extLst>
           </p:cNvPr>
@@ -5686,7 +7137,7 @@
           <a:p>
             <a:r>
               <a:rPr lang="de-DE" sz="2400" b="1" dirty="0"/>
-              <a:t>OmniMove: Lösungsprinzipien</a:t>
+              <a:t>OmniMove: Gesamt- und Teilfunktionen</a:t>
             </a:r>
           </a:p>
         </p:txBody>
@@ -5696,7 +7147,7 @@
           <p:cNvPr id="5" name="Grafik 4" descr="Logo Ingenieursinformatik">
             <a:extLst>
               <a:ext uri="{FF2B5EF4-FFF2-40B4-BE49-F238E27FC236}">
-                <a16:creationId xmlns:a16="http://schemas.microsoft.com/office/drawing/2014/main" id="{006A8985-ADB0-4D70-BB53-DAFCD3D0023A}"/>
+                <a16:creationId xmlns:a16="http://schemas.microsoft.com/office/drawing/2014/main" id="{5F67C00D-DC9E-4350-AE3D-B911E466BA3D}"/>
               </a:ext>
             </a:extLst>
           </p:cNvPr>
@@ -5730,213 +7181,26 @@
           </a:ln>
         </p:spPr>
       </p:pic>
-    </p:spTree>
-    <p:extLst>
-      <p:ext uri="{BB962C8B-B14F-4D97-AF65-F5344CB8AC3E}">
-        <p14:creationId xmlns:p14="http://schemas.microsoft.com/office/powerpoint/2010/main" val="19778333"/>
-      </p:ext>
-    </p:extLst>
-  </p:cSld>
-  <p:clrMapOvr>
-    <a:masterClrMapping/>
-  </p:clrMapOvr>
-</p:sld>
-</file>
-
-<file path=ppt/slides/slide8.xml><?xml version="1.0" encoding="utf-8"?>
-<p:sld xmlns:a="http://schemas.openxmlformats.org/drawingml/2006/main" xmlns:r="http://schemas.openxmlformats.org/officeDocument/2006/relationships" xmlns:p="http://schemas.openxmlformats.org/presentationml/2006/main">
-  <p:cSld>
-    <p:spTree>
-      <p:nvGrpSpPr>
-        <p:cNvPr id="1" name=""/>
-        <p:cNvGrpSpPr/>
-        <p:nvPr/>
-      </p:nvGrpSpPr>
-      <p:grpSpPr>
-        <a:xfrm>
-          <a:off x="0" y="0"/>
-          <a:ext cx="0" cy="0"/>
-          <a:chOff x="0" y="0"/>
-          <a:chExt cx="0" cy="0"/>
-        </a:xfrm>
-      </p:grpSpPr>
-      <p:sp>
-        <p:nvSpPr>
-          <p:cNvPr id="3" name="Inhaltsplatzhalter 2">
-            <a:extLst>
-              <a:ext uri="{FF2B5EF4-FFF2-40B4-BE49-F238E27FC236}">
-                <a16:creationId xmlns:a16="http://schemas.microsoft.com/office/drawing/2014/main" id="{6551D164-DE75-46C8-9B1E-9B16F1214F54}"/>
-              </a:ext>
-            </a:extLst>
-          </p:cNvPr>
-          <p:cNvSpPr>
-            <a:spLocks noGrp="1"/>
-          </p:cNvSpPr>
-          <p:nvPr>
-            <p:ph idx="1"/>
-          </p:nvPr>
-        </p:nvSpPr>
-        <p:spPr/>
-        <p:txBody>
-          <a:bodyPr/>
-          <a:lstStyle/>
-          <a:p>
-            <a:r>
-              <a:rPr lang="de-DE" dirty="0"/>
-              <a:t>Hier Tabelle mit Auswahl von relevanten Merkmalen</a:t>
-            </a:r>
-          </a:p>
-        </p:txBody>
-      </p:sp>
-      <p:sp>
-        <p:nvSpPr>
-          <p:cNvPr id="4" name="Titel 1">
-            <a:extLst>
-              <a:ext uri="{FF2B5EF4-FFF2-40B4-BE49-F238E27FC236}">
-                <a16:creationId xmlns:a16="http://schemas.microsoft.com/office/drawing/2014/main" id="{79ECEDCC-645A-46D7-AE66-735639EED5F2}"/>
-              </a:ext>
-            </a:extLst>
-          </p:cNvPr>
-          <p:cNvSpPr>
-            <a:spLocks noGrp="1"/>
-          </p:cNvSpPr>
-          <p:nvPr>
-            <p:ph type="title"/>
-          </p:nvPr>
+      <p:sp>
+        <p:nvSpPr>
+          <p:cNvPr id="7" name="Rechteck 6">
+            <a:extLst>
+              <a:ext uri="{FF2B5EF4-FFF2-40B4-BE49-F238E27FC236}">
+                <a16:creationId xmlns:a16="http://schemas.microsoft.com/office/drawing/2014/main" id="{1326D59B-D9EC-4DA5-8015-9DD0DA87A6D0}"/>
+              </a:ext>
+            </a:extLst>
+          </p:cNvPr>
+          <p:cNvSpPr/>
+          <p:nvPr/>
         </p:nvSpPr>
         <p:spPr>
           <a:xfrm>
-            <a:off x="546100" y="284480"/>
-            <a:ext cx="5257800" cy="879218"/>
-          </a:xfrm>
-        </p:spPr>
-        <p:txBody>
-          <a:bodyPr>
-            <a:noAutofit/>
-          </a:bodyPr>
-          <a:lstStyle/>
-          <a:p>
-            <a:r>
-              <a:rPr lang="de-DE" sz="2400" b="1" dirty="0"/>
-              <a:t>OmniMove: Morphologische Tabelle</a:t>
-            </a:r>
-          </a:p>
-        </p:txBody>
-      </p:sp>
-      <p:pic>
-        <p:nvPicPr>
-          <p:cNvPr id="5" name="Grafik 4" descr="Logo Ingenieursinformatik">
-            <a:extLst>
-              <a:ext uri="{FF2B5EF4-FFF2-40B4-BE49-F238E27FC236}">
-                <a16:creationId xmlns:a16="http://schemas.microsoft.com/office/drawing/2014/main" id="{BE75792D-1002-4115-BEDB-C76DA1BE9BFD}"/>
-              </a:ext>
-            </a:extLst>
-          </p:cNvPr>
-          <p:cNvPicPr/>
-          <p:nvPr/>
-        </p:nvPicPr>
-        <p:blipFill>
-          <a:blip r:embed="rId2" cstate="print">
-            <a:extLst>
-              <a:ext uri="{28A0092B-C50C-407E-A947-70E740481C1C}">
-                <a14:useLocalDpi xmlns:a14="http://schemas.microsoft.com/office/drawing/2010/main" val="0"/>
-              </a:ext>
-            </a:extLst>
-          </a:blip>
-          <a:srcRect/>
-          <a:stretch>
-            <a:fillRect/>
-          </a:stretch>
-        </p:blipFill>
-        <p:spPr bwMode="auto">
-          <a:xfrm>
-            <a:off x="10178281" y="320040"/>
-            <a:ext cx="1692155" cy="924304"/>
+            <a:off x="546100" y="3964481"/>
+            <a:ext cx="1321724" cy="548640"/>
           </a:xfrm>
           <a:prstGeom prst="rect">
             <a:avLst/>
           </a:prstGeom>
-          <a:noFill/>
-          <a:ln>
-            <a:noFill/>
-          </a:ln>
-        </p:spPr>
-      </p:pic>
-    </p:spTree>
-    <p:extLst>
-      <p:ext uri="{BB962C8B-B14F-4D97-AF65-F5344CB8AC3E}">
-        <p14:creationId xmlns:p14="http://schemas.microsoft.com/office/powerpoint/2010/main" val="1249718552"/>
-      </p:ext>
-    </p:extLst>
-  </p:cSld>
-  <p:clrMapOvr>
-    <a:masterClrMapping/>
-  </p:clrMapOvr>
-</p:sld>
-</file>
-
-<file path=ppt/slides/slide9.xml><?xml version="1.0" encoding="utf-8"?>
-<p:sld xmlns:a="http://schemas.openxmlformats.org/drawingml/2006/main" xmlns:r="http://schemas.openxmlformats.org/officeDocument/2006/relationships" xmlns:p="http://schemas.openxmlformats.org/presentationml/2006/main">
-  <p:cSld>
-    <p:bg>
-      <p:bgPr>
-        <a:solidFill>
-          <a:schemeClr val="bg1"/>
-        </a:solidFill>
-        <a:effectLst/>
-      </p:bgPr>
-    </p:bg>
-    <p:spTree>
-      <p:nvGrpSpPr>
-        <p:cNvPr id="1" name=""/>
-        <p:cNvGrpSpPr/>
-        <p:nvPr/>
-      </p:nvGrpSpPr>
-      <p:grpSpPr>
-        <a:xfrm>
-          <a:off x="0" y="0"/>
-          <a:ext cx="0" cy="0"/>
-          <a:chOff x="0" y="0"/>
-          <a:chExt cx="0" cy="0"/>
-        </a:xfrm>
-      </p:grpSpPr>
-      <p:sp>
-        <p:nvSpPr>
-          <p:cNvPr id="58" name="Rectangle 57">
-            <a:extLst>
-              <a:ext uri="{FF2B5EF4-FFF2-40B4-BE49-F238E27FC236}">
-                <a16:creationId xmlns:a16="http://schemas.microsoft.com/office/drawing/2014/main" id="{6753252F-4873-4F63-801D-CC719279A7D5}"/>
-              </a:ext>
-              <a:ext uri="{C183D7F6-B498-43B3-948B-1728B52AA6E4}">
-                <adec:decorative xmlns:adec="http://schemas.microsoft.com/office/drawing/2017/decorative" val="1"/>
-              </a:ext>
-            </a:extLst>
-          </p:cNvPr>
-          <p:cNvSpPr>
-            <a:spLocks noGrp="1" noRot="1" noChangeAspect="1" noMove="1" noResize="1" noEditPoints="1" noAdjustHandles="1" noChangeArrowheads="1" noChangeShapeType="1" noTextEdit="1"/>
-          </p:cNvSpPr>
-          <p:nvPr>
-            <p:extLst>
-              <p:ext uri="{386F3935-93C4-4BCD-93E2-E3B085C9AB24}">
-                <p16:designElem xmlns:p16="http://schemas.microsoft.com/office/powerpoint/2015/main" val="1"/>
-              </p:ext>
-            </p:extLst>
-          </p:nvPr>
-        </p:nvSpPr>
-        <p:spPr>
-          <a:xfrm>
-            <a:off x="0" y="0"/>
-            <a:ext cx="12192000" cy="6858000"/>
-          </a:xfrm>
-          <a:prstGeom prst="rect">
-            <a:avLst/>
-          </a:prstGeom>
-          <a:solidFill>
-            <a:srgbClr val="FFFFFF"/>
-          </a:solidFill>
-          <a:ln>
-            <a:noFill/>
-          </a:ln>
         </p:spPr>
         <p:style>
           <a:lnRef idx="2">
@@ -5959,47 +7223,34 @@
           <a:lstStyle/>
           <a:p>
             <a:pPr algn="ctr"/>
-            <a:endParaRPr lang="en-US"/>
-          </a:p>
-        </p:txBody>
-      </p:sp>
-      <p:sp>
-        <p:nvSpPr>
-          <p:cNvPr id="60" name="Rectangle 59">
-            <a:extLst>
-              <a:ext uri="{FF2B5EF4-FFF2-40B4-BE49-F238E27FC236}">
-                <a16:creationId xmlns:a16="http://schemas.microsoft.com/office/drawing/2014/main" id="{047C8CCB-F95D-4249-92DD-651249D3535A}"/>
-              </a:ext>
-              <a:ext uri="{C183D7F6-B498-43B3-948B-1728B52AA6E4}">
-                <adec:decorative xmlns:adec="http://schemas.microsoft.com/office/drawing/2017/decorative" val="1"/>
-              </a:ext>
-            </a:extLst>
-          </p:cNvPr>
-          <p:cNvSpPr>
-            <a:spLocks noGrp="1" noRot="1" noChangeAspect="1" noMove="1" noResize="1" noEditPoints="1" noAdjustHandles="1" noChangeArrowheads="1" noChangeShapeType="1" noTextEdit="1"/>
-          </p:cNvSpPr>
-          <p:nvPr>
-            <p:extLst>
-              <p:ext uri="{386F3935-93C4-4BCD-93E2-E3B085C9AB24}">
-                <p16:designElem xmlns:p16="http://schemas.microsoft.com/office/powerpoint/2015/main" val="1"/>
-              </p:ext>
-            </p:extLst>
-          </p:nvPr>
+            <a:r>
+              <a:rPr lang="de-DE" dirty="0" err="1"/>
+              <a:t>OmniDrive</a:t>
+            </a:r>
+            <a:endParaRPr lang="de-DE" dirty="0"/>
+          </a:p>
+        </p:txBody>
+      </p:sp>
+      <p:sp>
+        <p:nvSpPr>
+          <p:cNvPr id="8" name="Rechteck 7">
+            <a:extLst>
+              <a:ext uri="{FF2B5EF4-FFF2-40B4-BE49-F238E27FC236}">
+                <a16:creationId xmlns:a16="http://schemas.microsoft.com/office/drawing/2014/main" id="{12F403A4-FEA1-4124-9D9C-235349B16B1B}"/>
+              </a:ext>
+            </a:extLst>
+          </p:cNvPr>
+          <p:cNvSpPr/>
+          <p:nvPr/>
         </p:nvSpPr>
         <p:spPr>
           <a:xfrm>
-            <a:off x="0" y="0"/>
-            <a:ext cx="2013557" cy="6858000"/>
+            <a:off x="2951012" y="1012605"/>
+            <a:ext cx="1404851" cy="548640"/>
           </a:xfrm>
           <a:prstGeom prst="rect">
             <a:avLst/>
           </a:prstGeom>
-          <a:solidFill>
-            <a:srgbClr val="7F7F7F"/>
-          </a:solidFill>
-          <a:ln>
-            <a:noFill/>
-          </a:ln>
         </p:spPr>
         <p:style>
           <a:lnRef idx="2">
@@ -6022,142 +7273,558 @@
           <a:lstStyle/>
           <a:p>
             <a:pPr algn="ctr"/>
-            <a:endParaRPr lang="en-US"/>
-          </a:p>
-        </p:txBody>
-      </p:sp>
-      <p:sp>
-        <p:nvSpPr>
-          <p:cNvPr id="4" name="Titel 1">
-            <a:extLst>
-              <a:ext uri="{FF2B5EF4-FFF2-40B4-BE49-F238E27FC236}">
-                <a16:creationId xmlns:a16="http://schemas.microsoft.com/office/drawing/2014/main" id="{08253877-8FEC-4715-AEA5-A451C1CBD31A}"/>
-              </a:ext>
-            </a:extLst>
-          </p:cNvPr>
-          <p:cNvSpPr>
-            <a:spLocks noGrp="1"/>
-          </p:cNvSpPr>
-          <p:nvPr>
-            <p:ph type="title"/>
-          </p:nvPr>
+            <a:r>
+              <a:rPr lang="de-DE" dirty="0"/>
+              <a:t>Antrieb</a:t>
+            </a:r>
+          </a:p>
+        </p:txBody>
+      </p:sp>
+      <p:sp>
+        <p:nvSpPr>
+          <p:cNvPr id="9" name="Rechteck 8">
+            <a:extLst>
+              <a:ext uri="{FF2B5EF4-FFF2-40B4-BE49-F238E27FC236}">
+                <a16:creationId xmlns:a16="http://schemas.microsoft.com/office/drawing/2014/main" id="{147DF120-C76A-4D13-BB4B-6B5329EFDFF7}"/>
+              </a:ext>
+            </a:extLst>
+          </p:cNvPr>
+          <p:cNvSpPr/>
+          <p:nvPr/>
         </p:nvSpPr>
         <p:spPr>
           <a:xfrm>
-            <a:off x="640080" y="2074363"/>
-            <a:ext cx="2752354" cy="2709275"/>
-          </a:xfrm>
-          <a:prstGeom prst="ellipse">
-            <a:avLst/>
-          </a:prstGeom>
-          <a:solidFill>
-            <a:srgbClr val="262626"/>
-          </a:solidFill>
-          <a:ln w="174625" cmpd="thinThick">
-            <a:solidFill>
-              <a:srgbClr val="262626"/>
-            </a:solidFill>
-          </a:ln>
-        </p:spPr>
-        <p:txBody>
-          <a:bodyPr vert="horz" lIns="91440" tIns="45720" rIns="91440" bIns="45720" rtlCol="0" anchor="ctr">
-            <a:normAutofit/>
-          </a:bodyPr>
-          <a:lstStyle/>
-          <a:p>
-            <a:pPr algn="ctr"/>
-            <a:r>
-              <a:rPr lang="en-US" sz="2600" b="1" kern="1200">
-                <a:solidFill>
-                  <a:srgbClr val="FFFFFF"/>
-                </a:solidFill>
-                <a:latin typeface="+mj-lt"/>
-                <a:ea typeface="+mj-ea"/>
-                <a:cs typeface="+mj-cs"/>
-              </a:rPr>
-              <a:t>(S)eg(g)Way : Skizze</a:t>
-            </a:r>
-          </a:p>
-        </p:txBody>
-      </p:sp>
-      <p:pic>
-        <p:nvPicPr>
-          <p:cNvPr id="38" name="Grafik 37">
-            <a:extLst>
-              <a:ext uri="{FF2B5EF4-FFF2-40B4-BE49-F238E27FC236}">
-                <a16:creationId xmlns:a16="http://schemas.microsoft.com/office/drawing/2014/main" id="{8E9A5953-0355-464A-91C5-6D2D98A9E440}"/>
-              </a:ext>
-            </a:extLst>
-          </p:cNvPr>
-          <p:cNvPicPr>
-            <a:picLocks noChangeAspect="1"/>
-          </p:cNvPicPr>
-          <p:nvPr/>
-        </p:nvPicPr>
-        <p:blipFill>
-          <a:blip r:embed="rId2"/>
-          <a:stretch>
-            <a:fillRect/>
-          </a:stretch>
-        </p:blipFill>
-        <p:spPr>
-          <a:xfrm>
-            <a:off x="4032514" y="1564384"/>
-            <a:ext cx="7041886" cy="4277945"/>
+            <a:off x="2951013" y="3964481"/>
+            <a:ext cx="1404851" cy="548640"/>
           </a:xfrm>
           <a:prstGeom prst="rect">
             <a:avLst/>
           </a:prstGeom>
-          <a:ln w="22225">
-            <a:solidFill>
-              <a:schemeClr val="tx1"/>
-            </a:solidFill>
-          </a:ln>
         </p:spPr>
-      </p:pic>
-      <p:pic>
-        <p:nvPicPr>
-          <p:cNvPr id="39" name="Grafik 38" descr="Logo Ingenieursinformatik">
-            <a:extLst>
-              <a:ext uri="{FF2B5EF4-FFF2-40B4-BE49-F238E27FC236}">
-                <a16:creationId xmlns:a16="http://schemas.microsoft.com/office/drawing/2014/main" id="{152A2FCF-B2BB-43A1-A0F1-A90D98C7FE50}"/>
-              </a:ext>
-            </a:extLst>
-          </p:cNvPr>
-          <p:cNvPicPr/>
+        <p:style>
+          <a:lnRef idx="2">
+            <a:schemeClr val="accent1">
+              <a:shade val="50000"/>
+            </a:schemeClr>
+          </a:lnRef>
+          <a:fillRef idx="1">
+            <a:schemeClr val="accent1"/>
+          </a:fillRef>
+          <a:effectRef idx="0">
+            <a:schemeClr val="accent1"/>
+          </a:effectRef>
+          <a:fontRef idx="minor">
+            <a:schemeClr val="lt1"/>
+          </a:fontRef>
+        </p:style>
+        <p:txBody>
+          <a:bodyPr rtlCol="0" anchor="ctr"/>
+          <a:lstStyle/>
+          <a:p>
+            <a:pPr algn="ctr"/>
+            <a:r>
+              <a:rPr lang="de-DE" dirty="0"/>
+              <a:t>Steuerung</a:t>
+            </a:r>
+          </a:p>
+        </p:txBody>
+      </p:sp>
+      <p:sp>
+        <p:nvSpPr>
+          <p:cNvPr id="10" name="Rechteck 9">
+            <a:extLst>
+              <a:ext uri="{FF2B5EF4-FFF2-40B4-BE49-F238E27FC236}">
+                <a16:creationId xmlns:a16="http://schemas.microsoft.com/office/drawing/2014/main" id="{D546F341-AC31-4CFF-BD7C-E2639DA0DA76}"/>
+              </a:ext>
+            </a:extLst>
+          </p:cNvPr>
+          <p:cNvSpPr/>
           <p:nvPr/>
-        </p:nvPicPr>
-        <p:blipFill>
-          <a:blip r:embed="rId3" cstate="print">
-            <a:extLst>
-              <a:ext uri="{28A0092B-C50C-407E-A947-70E740481C1C}">
-                <a14:useLocalDpi xmlns:a14="http://schemas.microsoft.com/office/drawing/2010/main" val="0"/>
-              </a:ext>
-            </a:extLst>
-          </a:blip>
-          <a:srcRect/>
-          <a:stretch>
-            <a:fillRect/>
-          </a:stretch>
-        </p:blipFill>
-        <p:spPr bwMode="auto">
+        </p:nvSpPr>
+        <p:spPr>
           <a:xfrm>
-            <a:off x="10178281" y="320040"/>
-            <a:ext cx="1692155" cy="924304"/>
+            <a:off x="2951015" y="5613312"/>
+            <a:ext cx="1404851" cy="548641"/>
           </a:xfrm>
           <a:prstGeom prst="rect">
             <a:avLst/>
           </a:prstGeom>
-          <a:noFill/>
-          <a:ln>
-            <a:noFill/>
-          </a:ln>
         </p:spPr>
-      </p:pic>
+        <p:style>
+          <a:lnRef idx="2">
+            <a:schemeClr val="accent1">
+              <a:shade val="50000"/>
+            </a:schemeClr>
+          </a:lnRef>
+          <a:fillRef idx="1">
+            <a:schemeClr val="accent1"/>
+          </a:fillRef>
+          <a:effectRef idx="0">
+            <a:schemeClr val="accent1"/>
+          </a:effectRef>
+          <a:fontRef idx="minor">
+            <a:schemeClr val="lt1"/>
+          </a:fontRef>
+        </p:style>
+        <p:txBody>
+          <a:bodyPr rtlCol="0" anchor="ctr"/>
+          <a:lstStyle/>
+          <a:p>
+            <a:pPr algn="ctr"/>
+            <a:r>
+              <a:rPr lang="de-DE" dirty="0"/>
+              <a:t>Chassis</a:t>
+            </a:r>
+          </a:p>
+        </p:txBody>
+      </p:sp>
+      <p:sp>
+        <p:nvSpPr>
+          <p:cNvPr id="11" name="Rechteck 10">
+            <a:extLst>
+              <a:ext uri="{FF2B5EF4-FFF2-40B4-BE49-F238E27FC236}">
+                <a16:creationId xmlns:a16="http://schemas.microsoft.com/office/drawing/2014/main" id="{654DB9E9-6F2C-43A3-8B51-1E121877FF47}"/>
+              </a:ext>
+            </a:extLst>
+          </p:cNvPr>
+          <p:cNvSpPr/>
+          <p:nvPr/>
+        </p:nvSpPr>
+        <p:spPr>
+          <a:xfrm>
+            <a:off x="6630330" y="1677623"/>
+            <a:ext cx="1404851" cy="548640"/>
+          </a:xfrm>
+          <a:prstGeom prst="rect">
+            <a:avLst/>
+          </a:prstGeom>
+        </p:spPr>
+        <p:style>
+          <a:lnRef idx="2">
+            <a:schemeClr val="accent1">
+              <a:shade val="50000"/>
+            </a:schemeClr>
+          </a:lnRef>
+          <a:fillRef idx="1">
+            <a:schemeClr val="accent1"/>
+          </a:fillRef>
+          <a:effectRef idx="0">
+            <a:schemeClr val="accent1"/>
+          </a:effectRef>
+          <a:fontRef idx="minor">
+            <a:schemeClr val="lt1"/>
+          </a:fontRef>
+        </p:style>
+        <p:txBody>
+          <a:bodyPr rtlCol="0" anchor="ctr"/>
+          <a:lstStyle/>
+          <a:p>
+            <a:pPr algn="ctr"/>
+            <a:r>
+              <a:rPr lang="de-DE" dirty="0" err="1"/>
+              <a:t>Mecanum</a:t>
+            </a:r>
+            <a:endParaRPr lang="de-DE" dirty="0"/>
+          </a:p>
+        </p:txBody>
+      </p:sp>
+      <p:sp>
+        <p:nvSpPr>
+          <p:cNvPr id="12" name="Rechteck 11">
+            <a:extLst>
+              <a:ext uri="{FF2B5EF4-FFF2-40B4-BE49-F238E27FC236}">
+                <a16:creationId xmlns:a16="http://schemas.microsoft.com/office/drawing/2014/main" id="{D73CAE70-B95C-4D87-AF4B-35B3C13DB2A9}"/>
+              </a:ext>
+            </a:extLst>
+          </p:cNvPr>
+          <p:cNvSpPr/>
+          <p:nvPr/>
+        </p:nvSpPr>
+        <p:spPr>
+          <a:xfrm>
+            <a:off x="4691146" y="3964481"/>
+            <a:ext cx="1404851" cy="548640"/>
+          </a:xfrm>
+          <a:prstGeom prst="rect">
+            <a:avLst/>
+          </a:prstGeom>
+        </p:spPr>
+        <p:style>
+          <a:lnRef idx="2">
+            <a:schemeClr val="accent1">
+              <a:shade val="50000"/>
+            </a:schemeClr>
+          </a:lnRef>
+          <a:fillRef idx="1">
+            <a:schemeClr val="accent1"/>
+          </a:fillRef>
+          <a:effectRef idx="0">
+            <a:schemeClr val="accent1"/>
+          </a:effectRef>
+          <a:fontRef idx="minor">
+            <a:schemeClr val="lt1"/>
+          </a:fontRef>
+        </p:style>
+        <p:txBody>
+          <a:bodyPr rtlCol="0" anchor="ctr"/>
+          <a:lstStyle/>
+          <a:p>
+            <a:pPr algn="ctr"/>
+            <a:r>
+              <a:rPr lang="de-DE" dirty="0"/>
+              <a:t>H-Brücke</a:t>
+            </a:r>
+          </a:p>
+        </p:txBody>
+      </p:sp>
+      <p:sp>
+        <p:nvSpPr>
+          <p:cNvPr id="13" name="Rechteck 12">
+            <a:extLst>
+              <a:ext uri="{FF2B5EF4-FFF2-40B4-BE49-F238E27FC236}">
+                <a16:creationId xmlns:a16="http://schemas.microsoft.com/office/drawing/2014/main" id="{EB7FCD5F-C6D2-47DC-8CD6-3962CD9EF062}"/>
+              </a:ext>
+            </a:extLst>
+          </p:cNvPr>
+          <p:cNvSpPr/>
+          <p:nvPr/>
+        </p:nvSpPr>
+        <p:spPr>
+          <a:xfrm>
+            <a:off x="4691145" y="1735015"/>
+            <a:ext cx="1404851" cy="548640"/>
+          </a:xfrm>
+          <a:prstGeom prst="rect">
+            <a:avLst/>
+          </a:prstGeom>
+        </p:spPr>
+        <p:style>
+          <a:lnRef idx="2">
+            <a:schemeClr val="accent1">
+              <a:shade val="50000"/>
+            </a:schemeClr>
+          </a:lnRef>
+          <a:fillRef idx="1">
+            <a:schemeClr val="accent1"/>
+          </a:fillRef>
+          <a:effectRef idx="0">
+            <a:schemeClr val="accent1"/>
+          </a:effectRef>
+          <a:fontRef idx="minor">
+            <a:schemeClr val="lt1"/>
+          </a:fontRef>
+        </p:style>
+        <p:txBody>
+          <a:bodyPr rtlCol="0" anchor="ctr"/>
+          <a:lstStyle/>
+          <a:p>
+            <a:pPr algn="ctr"/>
+            <a:r>
+              <a:rPr lang="de-DE" dirty="0"/>
+              <a:t>DC-Motor</a:t>
+            </a:r>
+          </a:p>
+        </p:txBody>
+      </p:sp>
+      <p:sp>
+        <p:nvSpPr>
+          <p:cNvPr id="14" name="Rechteck 13">
+            <a:extLst>
+              <a:ext uri="{FF2B5EF4-FFF2-40B4-BE49-F238E27FC236}">
+                <a16:creationId xmlns:a16="http://schemas.microsoft.com/office/drawing/2014/main" id="{A20E41F7-D0A7-4832-A7C2-0386CCCAF911}"/>
+              </a:ext>
+            </a:extLst>
+          </p:cNvPr>
+          <p:cNvSpPr/>
+          <p:nvPr/>
+        </p:nvSpPr>
+        <p:spPr>
+          <a:xfrm>
+            <a:off x="4691145" y="3274525"/>
+            <a:ext cx="1404851" cy="548640"/>
+          </a:xfrm>
+          <a:prstGeom prst="rect">
+            <a:avLst/>
+          </a:prstGeom>
+        </p:spPr>
+        <p:style>
+          <a:lnRef idx="2">
+            <a:schemeClr val="accent1">
+              <a:shade val="50000"/>
+            </a:schemeClr>
+          </a:lnRef>
+          <a:fillRef idx="1">
+            <a:schemeClr val="accent1"/>
+          </a:fillRef>
+          <a:effectRef idx="0">
+            <a:schemeClr val="accent1"/>
+          </a:effectRef>
+          <a:fontRef idx="minor">
+            <a:schemeClr val="lt1"/>
+          </a:fontRef>
+        </p:style>
+        <p:txBody>
+          <a:bodyPr rtlCol="0" anchor="ctr"/>
+          <a:lstStyle/>
+          <a:p>
+            <a:pPr algn="ctr"/>
+            <a:r>
+              <a:rPr lang="de-DE" dirty="0"/>
+              <a:t>ESP32</a:t>
+            </a:r>
+          </a:p>
+        </p:txBody>
+      </p:sp>
+      <p:sp>
+        <p:nvSpPr>
+          <p:cNvPr id="15" name="Rechteck 14">
+            <a:extLst>
+              <a:ext uri="{FF2B5EF4-FFF2-40B4-BE49-F238E27FC236}">
+                <a16:creationId xmlns:a16="http://schemas.microsoft.com/office/drawing/2014/main" id="{A223EAEB-7E13-4A0C-A89D-309F7050F764}"/>
+              </a:ext>
+            </a:extLst>
+          </p:cNvPr>
+          <p:cNvSpPr/>
+          <p:nvPr/>
+        </p:nvSpPr>
+        <p:spPr>
+          <a:xfrm>
+            <a:off x="4691146" y="5613312"/>
+            <a:ext cx="1404851" cy="548641"/>
+          </a:xfrm>
+          <a:prstGeom prst="rect">
+            <a:avLst/>
+          </a:prstGeom>
+        </p:spPr>
+        <p:style>
+          <a:lnRef idx="2">
+            <a:schemeClr val="accent1">
+              <a:shade val="50000"/>
+            </a:schemeClr>
+          </a:lnRef>
+          <a:fillRef idx="1">
+            <a:schemeClr val="accent1"/>
+          </a:fillRef>
+          <a:effectRef idx="0">
+            <a:schemeClr val="accent1"/>
+          </a:effectRef>
+          <a:fontRef idx="minor">
+            <a:schemeClr val="lt1"/>
+          </a:fontRef>
+        </p:style>
+        <p:txBody>
+          <a:bodyPr rtlCol="0" anchor="ctr"/>
+          <a:lstStyle/>
+          <a:p>
+            <a:pPr algn="ctr"/>
+            <a:r>
+              <a:rPr lang="de-DE" dirty="0"/>
+              <a:t>Eierhalter</a:t>
+            </a:r>
+          </a:p>
+        </p:txBody>
+      </p:sp>
+      <p:sp>
+        <p:nvSpPr>
+          <p:cNvPr id="16" name="Rechteck 15">
+            <a:extLst>
+              <a:ext uri="{FF2B5EF4-FFF2-40B4-BE49-F238E27FC236}">
+                <a16:creationId xmlns:a16="http://schemas.microsoft.com/office/drawing/2014/main" id="{58EB89CE-8A04-481B-9E5C-26D78AA4F844}"/>
+              </a:ext>
+            </a:extLst>
+          </p:cNvPr>
+          <p:cNvSpPr/>
+          <p:nvPr/>
+        </p:nvSpPr>
+        <p:spPr>
+          <a:xfrm>
+            <a:off x="4691146" y="4848320"/>
+            <a:ext cx="1404851" cy="548641"/>
+          </a:xfrm>
+          <a:prstGeom prst="rect">
+            <a:avLst/>
+          </a:prstGeom>
+        </p:spPr>
+        <p:style>
+          <a:lnRef idx="2">
+            <a:schemeClr val="accent1">
+              <a:shade val="50000"/>
+            </a:schemeClr>
+          </a:lnRef>
+          <a:fillRef idx="1">
+            <a:schemeClr val="accent1"/>
+          </a:fillRef>
+          <a:effectRef idx="0">
+            <a:schemeClr val="accent1"/>
+          </a:effectRef>
+          <a:fontRef idx="minor">
+            <a:schemeClr val="lt1"/>
+          </a:fontRef>
+        </p:style>
+        <p:txBody>
+          <a:bodyPr rtlCol="0" anchor="ctr"/>
+          <a:lstStyle/>
+          <a:p>
+            <a:pPr algn="ctr"/>
+            <a:r>
+              <a:rPr lang="de-DE" dirty="0"/>
+              <a:t>TPU- Federung</a:t>
+            </a:r>
+          </a:p>
+        </p:txBody>
+      </p:sp>
+      <p:sp>
+        <p:nvSpPr>
+          <p:cNvPr id="17" name="Rechteck 16">
+            <a:extLst>
+              <a:ext uri="{FF2B5EF4-FFF2-40B4-BE49-F238E27FC236}">
+                <a16:creationId xmlns:a16="http://schemas.microsoft.com/office/drawing/2014/main" id="{8B79E97C-9FE8-4C38-B541-06784E53B1DB}"/>
+              </a:ext>
+            </a:extLst>
+          </p:cNvPr>
+          <p:cNvSpPr/>
+          <p:nvPr/>
+        </p:nvSpPr>
+        <p:spPr>
+          <a:xfrm>
+            <a:off x="6630330" y="968476"/>
+            <a:ext cx="1404851" cy="548640"/>
+          </a:xfrm>
+          <a:prstGeom prst="rect">
+            <a:avLst/>
+          </a:prstGeom>
+        </p:spPr>
+        <p:style>
+          <a:lnRef idx="2">
+            <a:schemeClr val="accent1">
+              <a:shade val="50000"/>
+            </a:schemeClr>
+          </a:lnRef>
+          <a:fillRef idx="1">
+            <a:schemeClr val="accent1"/>
+          </a:fillRef>
+          <a:effectRef idx="0">
+            <a:schemeClr val="accent1"/>
+          </a:effectRef>
+          <a:fontRef idx="minor">
+            <a:schemeClr val="lt1"/>
+          </a:fontRef>
+        </p:style>
+        <p:txBody>
+          <a:bodyPr rtlCol="0" anchor="ctr"/>
+          <a:lstStyle/>
+          <a:p>
+            <a:pPr algn="ctr"/>
+            <a:r>
+              <a:rPr lang="de-DE" dirty="0"/>
+              <a:t>Getriebe</a:t>
+            </a:r>
+          </a:p>
+        </p:txBody>
+      </p:sp>
+      <p:sp>
+        <p:nvSpPr>
+          <p:cNvPr id="18" name="Rechteck 17">
+            <a:extLst>
+              <a:ext uri="{FF2B5EF4-FFF2-40B4-BE49-F238E27FC236}">
+                <a16:creationId xmlns:a16="http://schemas.microsoft.com/office/drawing/2014/main" id="{7F7162D3-FF75-4BF2-9408-98960E58B57E}"/>
+              </a:ext>
+            </a:extLst>
+          </p:cNvPr>
+          <p:cNvSpPr/>
+          <p:nvPr/>
+        </p:nvSpPr>
+        <p:spPr>
+          <a:xfrm>
+            <a:off x="4691145" y="970024"/>
+            <a:ext cx="1404851" cy="548640"/>
+          </a:xfrm>
+          <a:prstGeom prst="rect">
+            <a:avLst/>
+          </a:prstGeom>
+        </p:spPr>
+        <p:style>
+          <a:lnRef idx="2">
+            <a:schemeClr val="accent1">
+              <a:shade val="50000"/>
+            </a:schemeClr>
+          </a:lnRef>
+          <a:fillRef idx="1">
+            <a:schemeClr val="accent1"/>
+          </a:fillRef>
+          <a:effectRef idx="0">
+            <a:schemeClr val="accent1"/>
+          </a:effectRef>
+          <a:fontRef idx="minor">
+            <a:schemeClr val="lt1"/>
+          </a:fontRef>
+        </p:style>
+        <p:txBody>
+          <a:bodyPr rtlCol="0" anchor="ctr"/>
+          <a:lstStyle/>
+          <a:p>
+            <a:pPr algn="ctr"/>
+            <a:r>
+              <a:rPr lang="de-DE" dirty="0"/>
+              <a:t>Räder</a:t>
+            </a:r>
+          </a:p>
+        </p:txBody>
+      </p:sp>
+      <p:sp>
+        <p:nvSpPr>
+          <p:cNvPr id="19" name="Rechteck 18">
+            <a:extLst>
+              <a:ext uri="{FF2B5EF4-FFF2-40B4-BE49-F238E27FC236}">
+                <a16:creationId xmlns:a16="http://schemas.microsoft.com/office/drawing/2014/main" id="{C12C4AE4-31D9-454F-B749-676100716710}"/>
+              </a:ext>
+            </a:extLst>
+          </p:cNvPr>
+          <p:cNvSpPr/>
+          <p:nvPr/>
+        </p:nvSpPr>
+        <p:spPr>
+          <a:xfrm>
+            <a:off x="4691145" y="2630088"/>
+            <a:ext cx="1404851" cy="548640"/>
+          </a:xfrm>
+          <a:prstGeom prst="rect">
+            <a:avLst/>
+          </a:prstGeom>
+        </p:spPr>
+        <p:style>
+          <a:lnRef idx="2">
+            <a:schemeClr val="accent1">
+              <a:shade val="50000"/>
+            </a:schemeClr>
+          </a:lnRef>
+          <a:fillRef idx="1">
+            <a:schemeClr val="accent1"/>
+          </a:fillRef>
+          <a:effectRef idx="0">
+            <a:schemeClr val="accent1"/>
+          </a:effectRef>
+          <a:fontRef idx="minor">
+            <a:schemeClr val="lt1"/>
+          </a:fontRef>
+        </p:style>
+        <p:txBody>
+          <a:bodyPr rtlCol="0" anchor="ctr"/>
+          <a:lstStyle/>
+          <a:p>
+            <a:pPr algn="ctr"/>
+            <a:r>
+              <a:rPr lang="de-DE" dirty="0" err="1"/>
+              <a:t>Gyroscope</a:t>
+            </a:r>
+            <a:endParaRPr lang="de-DE" dirty="0"/>
+          </a:p>
+        </p:txBody>
+      </p:sp>
     </p:spTree>
     <p:extLst>
       <p:ext uri="{BB962C8B-B14F-4D97-AF65-F5344CB8AC3E}">
-        <p14:creationId xmlns:p14="http://schemas.microsoft.com/office/powerpoint/2010/main" val="111478215"/>
+        <p14:creationId xmlns:p14="http://schemas.microsoft.com/office/powerpoint/2010/main" val="3503683503"/>
       </p:ext>
     </p:extLst>
   </p:cSld>

--- a/Praktikum Produktionstechnik M2.pptx
+++ b/Praktikum Produktionstechnik M2.pptx
@@ -10,10 +10,10 @@
     <p:sldId id="262" r:id="rId4"/>
     <p:sldId id="263" r:id="rId5"/>
     <p:sldId id="264" r:id="rId6"/>
-    <p:sldId id="258" r:id="rId7"/>
-    <p:sldId id="259" r:id="rId8"/>
-    <p:sldId id="265" r:id="rId9"/>
-    <p:sldId id="260" r:id="rId10"/>
+    <p:sldId id="260" r:id="rId7"/>
+    <p:sldId id="258" r:id="rId8"/>
+    <p:sldId id="259" r:id="rId9"/>
+    <p:sldId id="265" r:id="rId10"/>
   </p:sldIdLst>
   <p:sldSz cx="12192000" cy="6858000"/>
   <p:notesSz cx="6858000" cy="9144000"/>
@@ -136,56 +136,2081 @@
           <inkml:channelProperty channel="F" name="resolution" value="0" units="1/dev"/>
         </inkml:channelProperties>
       </inkml:inkSource>
-      <inkml:timestamp xml:id="ts0" timeString="2019-05-27T14:45:25.351"/>
+      <inkml:timestamp xml:id="ts0" timeString="2019-05-27T14:45:31.993"/>
     </inkml:context>
     <inkml:brush xml:id="br0">
       <inkml:brushProperty name="width" value="0.05" units="cm"/>
       <inkml:brushProperty name="height" value="0.05" units="cm"/>
       <inkml:brushProperty name="color" value="#66CC00"/>
     </inkml:brush>
-    <inkml:brush xml:id="br1">
-      <inkml:brushProperty name="width" value="0.35" units="cm"/>
-      <inkml:brushProperty name="height" value="0.35" units="cm"/>
+  </inkml:definitions>
+  <inkml:trace contextRef="#ctx0" brushRef="#br0">3576 6464 3968,'0'0'0,"11"-14"0,-11 14 0,0 0 128,0 0 128,0 0-256,0 0 0,0 0-128,0 0 0,0 0-2432</inkml:trace>
+</inkml:ink>
+</file>
+
+<file path=ppt/ink/ink10.xml><?xml version="1.0" encoding="utf-8"?>
+<inkml:ink xmlns:inkml="http://www.w3.org/2003/InkML">
+  <inkml:definitions>
+    <inkml:context xml:id="ctx0">
+      <inkml:inkSource xml:id="inkSrc0">
+        <inkml:traceFormat>
+          <inkml:channel name="X" type="integer" min="-2.14748E9" max="2.14748E9" units="cm"/>
+          <inkml:channel name="Y" type="integer" min="-2.14748E9" max="2.14748E9" units="cm"/>
+        </inkml:traceFormat>
+        <inkml:channelProperties>
+          <inkml:channelProperty channel="X" name="resolution" value="1000" units="1/cm"/>
+          <inkml:channelProperty channel="Y" name="resolution" value="1000" units="1/cm"/>
+        </inkml:channelProperties>
+      </inkml:inkSource>
+      <inkml:timestamp xml:id="ts0" timeString="2019-05-27T17:45:37.252"/>
+    </inkml:context>
+    <inkml:brush xml:id="br0">
+      <inkml:brushProperty name="width" value="0.1" units="cm"/>
+      <inkml:brushProperty name="height" value="0.2" units="cm"/>
+      <inkml:brushProperty name="color" value="#FFFC00"/>
+      <inkml:brushProperty name="tip" value="rectangle"/>
+      <inkml:brushProperty name="rasterOp" value="maskPen"/>
+      <inkml:brushProperty name="ignorePressure" value="1"/>
+    </inkml:brush>
+  </inkml:definitions>
+  <inkml:trace contextRef="#ctx0" brushRef="#br0">5613 0,'-5272'1025,"5257"-1022,1 0,2-1,-1 1,-1-1,1 1,-167 32,166-32,4-1,-2 0,0 0,2 0,1 0,-3 0</inkml:trace>
+</inkml:ink>
+</file>
+
+<file path=ppt/ink/ink11.xml><?xml version="1.0" encoding="utf-8"?>
+<inkml:ink xmlns:inkml="http://www.w3.org/2003/InkML">
+  <inkml:definitions>
+    <inkml:context xml:id="ctx0">
+      <inkml:inkSource xml:id="inkSrc0">
+        <inkml:traceFormat>
+          <inkml:channel name="X" type="integer" min="-2.14748E9" max="2.14748E9" units="cm"/>
+          <inkml:channel name="Y" type="integer" min="-2.14748E9" max="2.14748E9" units="cm"/>
+        </inkml:traceFormat>
+        <inkml:channelProperties>
+          <inkml:channelProperty channel="X" name="resolution" value="1000" units="1/cm"/>
+          <inkml:channelProperty channel="Y" name="resolution" value="1000" units="1/cm"/>
+        </inkml:channelProperties>
+      </inkml:inkSource>
+      <inkml:timestamp xml:id="ts0" timeString="2019-05-27T17:45:52.384"/>
+    </inkml:context>
+    <inkml:brush xml:id="br0">
+      <inkml:brushProperty name="width" value="0.1" units="cm"/>
+      <inkml:brushProperty name="height" value="0.2" units="cm"/>
+      <inkml:brushProperty name="color" value="#FFFC00"/>
+      <inkml:brushProperty name="tip" value="rectangle"/>
+      <inkml:brushProperty name="rasterOp" value="maskPen"/>
+      <inkml:brushProperty name="ignorePressure" value="1"/>
+    </inkml:brush>
+  </inkml:definitions>
+  <inkml:trace contextRef="#ctx0" brushRef="#br0">0 1,'0'52,"0"890,0-710,0-215,0-1,0 1,0-1,0-1,0-883,0 827</inkml:trace>
+</inkml:ink>
+</file>
+
+<file path=ppt/ink/ink12.xml><?xml version="1.0" encoding="utf-8"?>
+<inkml:ink xmlns:inkml="http://www.w3.org/2003/InkML">
+  <inkml:definitions>
+    <inkml:context xml:id="ctx0">
+      <inkml:inkSource xml:id="inkSrc0">
+        <inkml:traceFormat>
+          <inkml:channel name="X" type="integer" min="-2.14748E9" max="2.14748E9" units="cm"/>
+          <inkml:channel name="Y" type="integer" min="-2.14748E9" max="2.14748E9" units="cm"/>
+        </inkml:traceFormat>
+        <inkml:channelProperties>
+          <inkml:channelProperty channel="X" name="resolution" value="1000" units="1/cm"/>
+          <inkml:channelProperty channel="Y" name="resolution" value="1000" units="1/cm"/>
+        </inkml:channelProperties>
+      </inkml:inkSource>
+      <inkml:timestamp xml:id="ts0" timeString="2019-05-27T17:46:06.609"/>
+    </inkml:context>
+    <inkml:brush xml:id="br0">
+      <inkml:brushProperty name="width" value="0.1" units="cm"/>
+      <inkml:brushProperty name="height" value="0.2" units="cm"/>
+      <inkml:brushProperty name="color" value="#FFFC00"/>
+      <inkml:brushProperty name="tip" value="rectangle"/>
+      <inkml:brushProperty name="rasterOp" value="maskPen"/>
+      <inkml:brushProperty name="ignorePressure" value="1"/>
+    </inkml:brush>
+  </inkml:definitions>
+  <inkml:trace contextRef="#ctx0" brushRef="#br0">0 1,'4574'806,"-4562"-804,-1 0,1 0,3 1,-1 0,-2-1,-1 0,0 0,0 0,0-1,1 2,0-1,1 0,74 13,-74-12,-1-1,0 0,0 0,1 0,-1 0,111 20,-112-20,-1 0,2 0,5 1,-2-1,-3 1,0-1,0 0</inkml:trace>
+</inkml:ink>
+</file>
+
+<file path=ppt/ink/ink13.xml><?xml version="1.0" encoding="utf-8"?>
+<inkml:ink xmlns:inkml="http://www.w3.org/2003/InkML">
+  <inkml:definitions>
+    <inkml:context xml:id="ctx0">
+      <inkml:inkSource xml:id="inkSrc0">
+        <inkml:traceFormat>
+          <inkml:channel name="X" type="integer" min="-2.14748E9" max="2.14748E9" units="cm"/>
+          <inkml:channel name="Y" type="integer" min="-2.14748E9" max="2.14748E9" units="cm"/>
+          <inkml:channel name="F" type="integer" max="32767" units="dev"/>
+        </inkml:traceFormat>
+        <inkml:channelProperties>
+          <inkml:channelProperty channel="X" name="resolution" value="1000" units="1/cm"/>
+          <inkml:channelProperty channel="Y" name="resolution" value="1000" units="1/cm"/>
+          <inkml:channelProperty channel="F" name="resolution" value="0" units="1/dev"/>
+        </inkml:channelProperties>
+      </inkml:inkSource>
+      <inkml:timestamp xml:id="ts0" timeString="2019-05-27T17:46:09.024"/>
+    </inkml:context>
+    <inkml:brush xml:id="br0">
+      <inkml:brushProperty name="width" value="0.1" units="cm"/>
+      <inkml:brushProperty name="height" value="0.2" units="cm"/>
+      <inkml:brushProperty name="color" value="#FFFC00"/>
+      <inkml:brushProperty name="tip" value="rectangle"/>
+      <inkml:brushProperty name="rasterOp" value="maskPen"/>
+    </inkml:brush>
+  </inkml:definitions>
+  <inkml:trace contextRef="#ctx0" brushRef="#br0">117 225 5504,'0'0'7,"-1"-1"0,0 0-1,1 0 1,-1 1 0,1-1 0,-1 0 0,1 0 0,-1 1 0,1-1 0,-1 0-1,1 0 1,0 0 0,0 0 0,-1 0 0,1 0 0,0 0 0,0 0 0,0 0-1,0 0 1,0 0 0,0 1 0,0-1 0,0 0 0,1 0 0,-1 0 0,0 0-1,0 0 1,1 0 0,-1 0 0,1 0 0,-1 1 0,1-1 0,-1 0 0,1 0-1,-1 1 1,1-1 0,0 0 0,-1 1 0,1-1 0,0 0 0,0 1-1,-1-1 1,1 1 0,0-1 0,0 1 0,0 0 0,0-1 0,0 1 0,0 0-1,0 0 1,-1-1 0,1 1 0,0 0 0,0 0 0,0 0 0,0 0 0,0 0-1,0 0 1,0 1 0,0-1 0,0 0 0,0 0 0,0 1 0,-1-1 0,1 0-1,0 1 1,0-1 0,0 1-7,-4-20 301,4 11-198,0 0 1,1 0 0,0 0-1,0 0 1,1 0 0,0 1-1,0-1 1,0 1-1,1 0 1,1 0 0,-1 0-1,1 0 1,0 1-1,0 0 1,1 0 0,0 0-1,0 1 1,0 0 0,1 0-1,0 0 1,0 1-1,0 0 1,0 0 0,1 1-1,-1 0 1,1 0-1,0 1 1,0 0 0,0 0-1,0 1 1,0 0 0,0 1-1,0 0 1,0 0-1,1 0 1,-1 1 0,0 0-1,0 1 1,0 0-1,0 0 1,-1 1 0,4 1-104,-5 1 70,0 1 1,-1-1-1,0 1 1,0 0-1,0 1 1,0-1-1,-1 1 1,-1 0-1,1 0 1,-1 1-1,0-1 1,0 1-1,-1-1 1,0 1-1,-1 0 1,1 0-1,-2-1 1,1 1-1,-1 0 1,0 0 0,-1 0-1,1 0 1,-2 0-1,1 0 1,-1 0-1,0-1 1,-1 1-1,0-1 1,0 0-1,0 1 1,-1-1-1,0-1 1,-1 1-1,1-1 1,-1 1-1,-4 2-70,0-1 39,-1 0 0,-1-1 1,1 0-1,-1 0 0,0-1 0,-1-1 0,1 0 0,-1 0 0,0-2 0,0 1 0,-1-1 1,1-1-1,-1 0 0,1-1 0,-1 0 0,1-1 0,-1 0 0,0-1 0,1-1 0,-1 0 1,1-1-1,0 0 0,0 0 0,0-2 0,0 1 0,0-2 0,1 1 0,0-1 0,0-1 1,-8-7-40,16 12 0,-1 0 0,1-1 0,0 0 0,0 0 0,0 0 0,0 0 0,1 0 0,-1 0 0,1 0 0,0-1 0,0 0 0,0 1 0,0-1 0,1 0 0,-1 0 0,1 0 0,0 0 0,0 0 0,1 0 0,-1 0 0,1 0 0,0 0 0,0 0 0,0 0 0,1 0 0,-1-1 0,1 1 0,0 0 0,0 0 0,0 1 0,1-1 0,-1 0 0,1 0 0,0 1 0,0-1 0,1 1 0,-1-1 0,1 1 0,-1 0 0,2-1 0,7-7-17,1-1 1,0 2 0,0 0-1,1 0 1,1 1 0,-1 1-1,2 0 1,-1 1 0,1 0-1,0 1 1,0 1 0,1 1-1,-1 0 1,1 1 0,0 0 0,0 1-1,12 1 17,-21 2 9,0-1 1,-1 2-1,1-1 0,-1 1 0,1 0 1,-1 0-1,0 1 0,0-1 0,0 2 0,0-1 1,0 1-1,-1-1 0,1 2 0,-1-1 0,0 0 1,-1 1-1,1 0 0,-1 0 0,0 1 0,0-1 1,0 1-1,-1 0 0,0 0 0,0 0 1,0 0-1,-1 0 0,0 1 0,0-1 0,-1 1 1,0-1-1,0 1 0,0 0 0,-1-1 0,0 1 1,0 0-1,-1 0 0,0-1 0,0 1 0,0-1 1,-1 1-1,0-1 0,0 1 0,-1-1 1,0 0-10,0-1 17,0 0 1,-1-1 0,0 0 0,0 0-1,0 0 1,0 0 0,0 0 0,-1-1 0,0 0-1,0 0 1,0 0 0,0-1 0,0 1-1,0-1 1,-1 0 0,1-1 0,-1 1 0,1-1-1,-1 0 1,1-1 0,-1 1 0,0-1-1,1 0 1,-1-1 0,0 1 0,1-1-1,-6-1-17,-1-1 33,-1 1 0,1-1 0,-1-1 0,1 0 0,0-1 0,1 0 0,-1-1 0,1-1 0,0 1-1,0-2 1,1 1 0,0-2-33,6 6 1,0 0-1,1-1 1,0 1-1,0-1 0,0 0 1,0 0-1,0 0 1,1 0-1,0-1 1,0 1-1,0-1 1,0 1-1,1-1 0,0 0 1,0 1-1,0-1 1,0 0-1,1 0 1,-1 0-1,2 1 1,-1-1-1,0 0 0,1 0 1,0 0-1,0 0 1,0 1-1,1-1 1,-1 1-1,1-1 1,0 1-1,0-1 0,1 1 1,0 0-1,-1 0 1,1 0-1,0 1 1,1-1-1,-1 1 1,1-1-1,0 1 0,-1 0 1,1 0-1,1 1 1,-1-1-1,0 1 1,1 0-1,-1 0 1,2 0-1,4-1-43,0 0 0,0 1 1,0 0-1,0 0 0,0 1 1,0 1-1,0 0 0,0 0 1,0 1-1,0 0 0,1 1 1,-2 0-1,1 0 0,0 1 1,0 0-1,-1 1 0,0 0 1,0 1-1,0 0 0,0 0 1,-1 1-1,0 0 0,8 7 43,3 36-7914,-13-20 4522</inkml:trace>
+</inkml:ink>
+</file>
+
+<file path=ppt/ink/ink14.xml><?xml version="1.0" encoding="utf-8"?>
+<inkml:ink xmlns:inkml="http://www.w3.org/2003/InkML">
+  <inkml:definitions>
+    <inkml:context xml:id="ctx0">
+      <inkml:inkSource xml:id="inkSrc0">
+        <inkml:traceFormat>
+          <inkml:channel name="X" type="integer" min="-2.14748E9" max="2.14748E9" units="cm"/>
+          <inkml:channel name="Y" type="integer" min="-2.14748E9" max="2.14748E9" units="cm"/>
+          <inkml:channel name="F" type="integer" max="32767" units="dev"/>
+        </inkml:traceFormat>
+        <inkml:channelProperties>
+          <inkml:channelProperty channel="X" name="resolution" value="1000" units="1/cm"/>
+          <inkml:channelProperty channel="Y" name="resolution" value="1000" units="1/cm"/>
+          <inkml:channelProperty channel="F" name="resolution" value="0" units="1/dev"/>
+        </inkml:channelProperties>
+      </inkml:inkSource>
+      <inkml:timestamp xml:id="ts0" timeString="2019-05-27T17:46:11.063"/>
+    </inkml:context>
+    <inkml:brush xml:id="br0">
+      <inkml:brushProperty name="width" value="0.1" units="cm"/>
+      <inkml:brushProperty name="height" value="0.2" units="cm"/>
+      <inkml:brushProperty name="color" value="#FFFC00"/>
+      <inkml:brushProperty name="tip" value="rectangle"/>
+      <inkml:brushProperty name="rasterOp" value="maskPen"/>
+    </inkml:brush>
+  </inkml:definitions>
+  <inkml:trace contextRef="#ctx0" brushRef="#br0">88 251 5632,'-5'-6'137,"2"3"-40,-1-1 1,1 1-1,0 0 1,-1-1-1,2 1 1,-1-1-1,0 0 1,1 0 0,0 0-1,-1 0 1,2-1-1,-1 1 1,0-1-1,1 1 1,0-1-1,0 1 1,0-1-1,1 0 1,0 1-1,0-1 1,0 0-1,0 1 1,1-1-1,-1 0 1,1 1-1,0-1 1,1 1 0,-1-1-1,2-2-97,2-2 64,1 1-1,-1 0 1,1 0 0,0 1-1,1 0 1,0 0 0,0 1-1,1-1 1,-1 1 0,1 1-1,1 0 1,-1 0-1,1 0 1,-1 1 0,1 1-1,1-1 1,-1 1 0,1 1-64,-5 0 52,1 1 0,-1 0 0,0 0 1,1 1-1,-1 0 0,0 0 0,1 0 0,-1 0 0,0 1 1,1 0-1,-1 0 0,0 0 0,0 1 0,0 0 1,0 0-1,0 0 0,0 0 0,-1 1 0,1 0 1,-1 0-1,1 0 0,-1 1 0,0-1 0,0 1 1,-1 0-1,1 0 0,-1 0 0,0 1 0,0-1 1,0 1-1,-1 0 0,2 3-52,-1 0 90,0 0-1,0 0 1,-1 0-1,0 1 1,-1-1 0,0 1-1,0 0 1,0-1-1,-1 1 1,-1 0 0,1-1-1,-2 1 1,1 0-1,-1-1 1,0 1 0,-1-1-1,0 0 1,0 0-1,-1 0 1,0 0 0,0-1-1,-1 1 1,0-1-1,0 0 1,-1-1 0,1 1-1,-2-1 1,1 0-1,-1-1 1,-1 2-90,-3-5 51,1 0 0,-1-1 1,1 0-1,-1-1 0,1 0 0,-1-1 0,1 0 0,-1-1 1,1 0-1,0 0 0,0-1 0,0 0 0,0-1 1,0 0-1,0-1 0,1 0 0,0 0 0,0-1 1,1 0-1,-6-6-51,10 11 2,1 0 1,-1-1-1,1 0 0,0 1 1,0-1-1,0 0 0,0-1 1,0 1-1,0-1 1,1 1-1,-1-1 0,1 0 1,0 0-1,-1 0 0,1 0 1,1 0-1,-1 0 1,0-1-1,1 1 0,0-1 1,-1 1-1,2-1 0,-1 1 1,0-1-1,1 0 0,-1 1 1,1-1-1,0 0 1,0 0-1,1 1 0,-1-1 1,1 0-1,0 1 0,-1-1 1,2 1-1,-1-1 1,0 1-1,1-1 0,0 1 1,-1 0-1,1 0 0,1 0 1,-1 0-1,0 0 1,3-2-3,7-1-16,0 0 1,0 0-1,1 1 1,-1 1 0,1 0-1,0 1 1,1 0-1,-1 1 1,0 1-1,1 0 1,-1 1 0,1 0-1,-1 1 1,1 0-1,-1 1 1,0 1 0,0 0-1,3 2 16,71 39-126,-85-43 136,0 0 0,0 0 0,0 1 0,0-1 0,0 1 0,-1-1 0,1 1 1,0 0-1,-1-1 0,0 1 0,1 0 0,-1 0 0,0 0 0,0 0 0,0 0 0,0 0 0,0 1 0,-1-1 1,1 0-1,-1 0 0,1 1 0,-1-1 0,0 0 0,0 1 0,0-1 0,0 0 0,0 0 0,-1 1 1,1-1-1,0 0 0,-1 0 0,0 1 0,0-1 0,0 0 0,0 0 0,0 0 0,0 0 0,0 0 0,0 0 1,-1 0-11,-9 4 48,1 0 1,-1 0 0,0-1 0,0 0-1,-1-1 1,1-1 0,-1 0 0,0 0-1,0-1 1,0-1 0,0 0 0,0 0-1,0-1 1,0-1 0,0 0 0,0-1-1,0 0 1,0-1 0,0 0 0,1-1 0,-1 0-49,5 4 11,1-1 1,-1 0-1,0 0 1,0-1 0,1 0-1,-1 0 1,1 0 0,0-1-1,0 0 1,-1 0 0,2-1-1,-1 0 1,0 0-1,1 0 1,0-1 0,0 1-1,0-1 1,1 0 0,-1-1-1,1 1 1,0-1 0,0-1-13,5 4 0,0-1 0,0 0-1,1 1 1,-1-1-1,1 1 1,0-1-1,0 1 1,0 0-1,0 0 1,1 0-1,-1 0 1,1 0-1,0 1 1,0-1-1,0 1 1,0 0-1,0 0 1,0 0 0,1 0-1,-1 0 1,1 1-1,-1-1 1,1 1-1,0 0 1,-1 0-1,1 0 1,0 1-1,0 0 1,1-1 1,85-14-1003,2 13-4415,-44 4-790</inkml:trace>
+</inkml:ink>
+</file>
+
+<file path=ppt/ink/ink15.xml><?xml version="1.0" encoding="utf-8"?>
+<inkml:ink xmlns:inkml="http://www.w3.org/2003/InkML">
+  <inkml:definitions>
+    <inkml:context xml:id="ctx0">
+      <inkml:inkSource xml:id="inkSrc0">
+        <inkml:traceFormat>
+          <inkml:channel name="X" type="integer" min="-2.14748E9" max="2.14748E9" units="cm"/>
+          <inkml:channel name="Y" type="integer" min="-2.14748E9" max="2.14748E9" units="cm"/>
+          <inkml:channel name="F" type="integer" max="32767" units="dev"/>
+        </inkml:traceFormat>
+        <inkml:channelProperties>
+          <inkml:channelProperty channel="X" name="resolution" value="1000" units="1/cm"/>
+          <inkml:channelProperty channel="Y" name="resolution" value="1000" units="1/cm"/>
+          <inkml:channelProperty channel="F" name="resolution" value="0" units="1/dev"/>
+        </inkml:channelProperties>
+      </inkml:inkSource>
+      <inkml:timestamp xml:id="ts0" timeString="2019-05-27T17:46:12.850"/>
+    </inkml:context>
+    <inkml:brush xml:id="br0">
+      <inkml:brushProperty name="width" value="0.1" units="cm"/>
+      <inkml:brushProperty name="height" value="0.2" units="cm"/>
+      <inkml:brushProperty name="color" value="#FFFC00"/>
+      <inkml:brushProperty name="tip" value="rectangle"/>
+      <inkml:brushProperty name="rasterOp" value="maskPen"/>
+    </inkml:brush>
+  </inkml:definitions>
+  <inkml:trace contextRef="#ctx0" brushRef="#br0">118 105 2304,'1'1'10,"0"0"0,0-1 0,-1 1 0,1 0 0,0-1 0,0 1 0,0-1 0,1 1 0,-1-1 0,0 1 0,0-1 0,0 0 0,0 0 0,0 1 0,0-1 0,0 0 0,1 0 0,-1 0 0,0 0 0,0 0 0,0 0 0,0-1 0,0 1 0,1 0 0,-1-1 0,0 1 0,0 0 0,0-1 0,0 0 0,0 1 0,0-1-1,0 1 1,0-1 0,0 0 0,-1 0 0,1 0 0,0 1 0,0-1 0,-1 0 0,1 0 0,0 0 0,-1 0 0,1 0 0,-1 0 0,1 0 0,-1 0 0,0-1 0,1 1 0,-1 0 0,0 0 0,0 0 0,0 0 0,0 0 0,0-1 0,0 1-10,25-27 987,-18 24-802,1 0 0,-1 1 0,1 0 0,0 0 1,0 1-1,0 0 0,0 0 0,0 1 0,1 0 0,-1 0 0,0 1 1,1 0-1,-1 0 0,0 1 0,1 0 0,-1 1 0,0 0 0,0 0 0,0 1 1,0 0-1,-1 0 0,1 1 0,-1 0 0,0 0 0,0 0 0,0 1 1,0 1-1,1 1-185,-4-3 80,0-1-1,-1 1 1,0 0 0,0 0 0,0 1-1,-1-1 1,1 0 0,-1 1 0,0 0 0,0-1-1,0 1 1,-1 0 0,0 0 0,0 0-1,0 0 1,-1 0 0,1 0 0,-1 0 0,0 0-1,-1 0 1,1 0 0,-1 0 0,0 0 0,0 0-1,-1 0 1,1 0 0,-1-1 0,0 1-1,-1 0 1,1-1 0,-1 0 0,1 1 0,-1-1-1,-1 0 1,1-1 0,-1 1 0,1 0 0,-1-1-1,0 0 1,0 0 0,0 0 0,-1-1-1,1 1 1,-1-1 0,1 0 0,-1 0 0,0 0-1,0-1 1,0 0 0,-1 0-80,-11 4 67,-1-2 1,1 0-1,-1 0 1,1-2-1,-1 0 1,0-2-1,1 0 1,-1 0-1,-13-4-67,24 4 18,0 0 1,0-1-1,0 0 1,1 0-1,-1 0 0,1-1 1,-1 0-1,1 0 0,0 0 1,0-1-1,1 0 1,-1 0-1,1-1 0,0 1 1,0-1-1,0 0 1,0-1-1,1 1 0,0-1 1,0 0-1,1 0 0,0 0 1,0 0-1,0-1 1,-1-4-19,5 4 0,-1-1 0,1 1 0,1-1 0,-1 1 0,1-1 0,1 1 0,-1 0 0,1 0 0,1 0 0,-1 0 0,1 1 0,0-1 0,0 1 0,1 0 0,0 0 0,0 1 0,1-1 0,-1 1 0,1 1 0,0-1 0,0 1 0,1 0 0,-1 0 0,1 0 0,0 1 0,0 0 0,0 1 0,1-1 0,-1 1 0,0 1 0,1 0 0,-1 0 0,7 0 0,-8-1 0,-1 1 0,0 0 1,1 0-1,-1 1 1,0-1-1,1 1 1,-1 0-1,1 1 0,-1-1 1,0 1-1,1 0 1,-1 1-1,0-1 1,0 1-1,0 0 0,0 0 1,0 0-1,0 1 1,-1 0-1,1 0 1,-1 0-1,0 1 0,0-1 1,0 1-1,0 0 1,-1 0-1,1 0 1,-1 1-1,0-1 0,0 1 1,-1-1-1,1 1 1,-1 0-1,0 0 1,-1 0-1,1 1 0,-1-1 1,0 0-1,0 1 1,0-1-1,-1 0 0,0 1 1,0-1-1,-1 1 1,1-1-1,-1 0 1,0 1-1,0-1 0,-1 0 1,-2 5-1,-3-2 54,0 0 0,-1 0 0,0-1-1,-1 0 1,1-1 0,-1 0 0,-1 0 0,1-1 0,-1 0 0,0-1 0,0 0 0,0 0 0,-1-1-1,1 0 1,-1-1 0,0-1 0,1 1 0,-1-2 0,-6 1-54,12-1 8,0 1 1,0-1-1,0 0 1,0 0-1,-1 0 0,1-1 1,0 0-1,0 0 1,0 0-1,1 0 1,-1-1-1,0 0 1,0 0-1,1 0 0,-1-1 1,1 1-1,0-1 1,0 0-1,0-1 1,0 1-1,0 0 0,1-1 1,-1 0-1,1 0 1,0 0-1,1 0 1,-1-1-1,0 1 0,1-1 1,0 0-1,0 1 1,1-1-1,-1 0 1,1 0-1,0 0 1,1 0-1,-1 0 0,1 0 1,0 0-1,0 0 1,0 0-1,1-1 1,0-2-9,3 0 0,0 0 0,0 0 0,0 1 0,1 0 0,0 0 0,1 0 0,-1 0 0,1 1 0,1 0 0,-1 0 0,1 1 0,0 0 0,0 0 0,1 0 0,-1 1 0,1 0 0,0 1 0,0-1 0,0 2 0,1-1 0,-1 1 0,0 0 0,1 1 0,0 0 0,-1 0 0,1 1 0,0 0 0,-1 1 0,1 0 0,0 0 0,-1 1 0,1 0 0,-1 0 0,0 1 0,0 0 0,0 1 0,0 0 0,0 0 0,-1 0 0,0 1 0,0 0 0,0 1 0,0-1 0,1 3 0,-6-6 14,0-1 1,1 1 0,-1 0 0,0-1 0,0 1 0,0 0 0,-1 0-1,1 1 1,0-1 0,-1 0 0,0 1 0,1-1 0,-1 1 0,0-1 0,0 1-1,0-1 1,-1 1 0,1 0 0,-1-1 0,1 1 0,-1 0 0,0 0-1,0-1 1,0 1 0,0 0 0,-1 0 0,1-1 0,-1 1 0,1 0 0,-1-1-1,0 1 1,0-1 0,-2 3-15,-6 4 62,-1-1-1,-1 0 0,0-1 1,0 0-1,0 0 1,-1-1-1,0-1 1,0 0-1,0 0 1,-1-2-1,1 1 0,-1-1 1,0-1-1,0-1 1,0 0-1,0 0 1,0-1-1,0-1 1,0 0-1,0-1 0,0 0 1,0-1-1,0-1 1,1 0-1,-5-2-61,15 6-7,0 0 0,0 0 0,0 0 0,1 0 0,-1 0-1,0-1 1,0 1 0,0 0 0,0-1 0,0 0 0,1 1 0,-1-1 0,0 0 0,0 0-1,1 0 1,-1 0 0,1 0 0,-1-1 0,1 1 0,-1 0 0,1-1 0,0 1 0,0-1-1,0 1 1,0-1 0,0 1 0,0-1 0,0 0 0,0 0 0,1 0 0,-1 1 0,0-1-1,1 0 1,0 0 0,-1 0 0,1 0 0,0 0 0,0 0 0,0 0 0,0 1 0,1-1-1,-1 0 1,0 0 0,1 0 0,-1 0 0,1 0 0,0 1 0,0-1 0,0 0 0,0 0-1,0 1 1,0-1 0,0 1 0,0-1 0,0 1 0,1-1 0,-1 1 7,93-44-6720,-38 27 299</inkml:trace>
+</inkml:ink>
+</file>
+
+<file path=ppt/ink/ink16.xml><?xml version="1.0" encoding="utf-8"?>
+<inkml:ink xmlns:inkml="http://www.w3.org/2003/InkML">
+  <inkml:definitions>
+    <inkml:context xml:id="ctx0">
+      <inkml:inkSource xml:id="inkSrc0">
+        <inkml:traceFormat>
+          <inkml:channel name="X" type="integer" min="-2.14748E9" max="2.14748E9" units="cm"/>
+          <inkml:channel name="Y" type="integer" min="-2.14748E9" max="2.14748E9" units="cm"/>
+          <inkml:channel name="F" type="integer" max="32767" units="dev"/>
+        </inkml:traceFormat>
+        <inkml:channelProperties>
+          <inkml:channelProperty channel="X" name="resolution" value="1000" units="1/cm"/>
+          <inkml:channelProperty channel="Y" name="resolution" value="1000" units="1/cm"/>
+          <inkml:channelProperty channel="F" name="resolution" value="0" units="1/dev"/>
+        </inkml:channelProperties>
+      </inkml:inkSource>
+      <inkml:timestamp xml:id="ts0" timeString="2019-05-27T17:46:23.444"/>
+    </inkml:context>
+    <inkml:brush xml:id="br0">
+      <inkml:brushProperty name="width" value="0.1" units="cm"/>
+      <inkml:brushProperty name="height" value="0.2" units="cm"/>
+      <inkml:brushProperty name="color" value="#FFFC00"/>
+      <inkml:brushProperty name="tip" value="rectangle"/>
+      <inkml:brushProperty name="rasterOp" value="maskPen"/>
+    </inkml:brush>
+  </inkml:definitions>
+  <inkml:trace contextRef="#ctx0" brushRef="#br0">137 238 5248,'1'0'50,"0"0"-1,0-1 1,0 1 0,0 0-1,-1-1 1,1 1 0,0-1 0,-1 1-1,1-1 1,0 1 0,-1-1 0,1 1-1,0-1 1,-1 0 0,1 1 0,-1-1-1,1 0 1,-1 1 0,1-1-1,-1 0 1,0 0 0,1 1 0,-1-1-1,0 0 1,0 0 0,1 0 0,-1 0-1,0 0 1,0 1 0,0-1-1,0 0 1,0 0 0,0 0 0,0 0-1,-1 1 1,1-1 0,0 0 0,0 0-1,-1 0 1,1 0 0,0 1 0,-1-1-1,1 0 1,-1 1 0,1-1-1,-1 0 1,1 1 0,-1-1 0,1 0-1,-1 1 1,0-1 0,1 1 0,-1-1-1,0 1 1,0-1 0,1 1-1,-1 0 1,0-1 0,0 1 0,0 0-1,1 0 1,-1-1 0,0 1 0,0 0-1,-1 0-49,-16-14 714,15 11-639,-1-1-1,1 1 0,1-1 0,-1 0 1,0 0-1,1 0 0,0 0 1,0 0-1,0 0 0,0-1 0,1 1 1,0-1-1,0 1 0,0-1 0,0 1 1,1-1-1,-1 0 0,1 1 1,1-1-1,-1 1 0,1-1 0,-1 0 1,1 1-1,0-1 0,1 1 0,-1-1 1,1 1-1,0 0 0,0 0 0,0 0 1,1 0-1,0 0 0,-1 0 1,1 1-1,0-1 0,1 1 0,-1 0 1,1 0-1,-1 0 0,1 0 0,0 1 1,0-1-1,0 1 0,0 0 1,1 0-1,-1 1 0,0-1 0,1 1 1,-1 0-1,1 0 0,-1 1 0,1-1 1,0 1-1,1 0-74,-2 0 29,0 0 0,0 0 0,1 1 1,-1-1-1,0 1 0,-1 0 0,1 0 0,0 1 0,0-1 0,0 1 1,-1 0-1,1 0 0,-1 0 0,1 0 0,-1 0 0,0 1 0,0 0 1,0 0-1,0 0 0,0 0 0,-1 0 0,0 0 0,1 0 0,-1 1 1,0 0-1,0-1 0,-1 1 0,1 0 0,-1 0 0,0 0 0,0 0 0,0 0 1,-1 0-1,1 1-29,0 4 65,0 0-1,-1 0 1,0 1 0,0-1 0,-1 0 0,0 0 0,-1 1 0,0-1-1,0 0 1,-1-1 0,0 1 0,-1 0 0,0-1 0,-3 5-65,2-5 40,0-2 0,0 1 1,-1-1-1,0 1 0,0-1 1,0-1-1,-1 1 1,0-1-1,0-1 0,0 1 1,-1-1-1,0 0 0,1-1 1,-1 0-1,0 0 1,-1-1-1,1 0 0,0 0 1,-1-1-1,1 0 1,-1 0-1,1-1 0,-1 0 1,1-1-1,-1 0 0,1 0 1,-1-1-1,-5-1-40,12 2 2,0 1 0,0 0 0,1-1-1,-1 1 1,0-1 0,0 0 0,1 1 0,-1-1-1,0 0 1,1 0 0,-1 0 0,1-1 0,-1 1 0,1 0-1,-1 0 1,1-1 0,0 1 0,0-1 0,0 1-1,0-1 1,0 1 0,0-1 0,0 0 0,0 0 0,1 1-1,-1-1 1,1 0 0,-1 0 0,1 0 0,0 0-1,-1 0 1,1 1 0,0-1 0,0 0 0,1 0-1,-1 0 1,0 0 0,1 0 0,-1 0 0,1 1 0,-1-1-1,1 0 1,0 0 0,0 1 0,0-1 0,0 0-1,0 1 1,0-1 0,0 1 0,1-1-2,73-70 58,-68 68-58,-1 0 0,1 0 0,0 0 0,0 1 0,1 0 0,-1 1 0,1 0 0,-1 0 0,1 0 0,0 1 0,-1 0 0,1 0 0,0 1 0,2 0 1,-8 3 12,0 0 0,0 1 0,-1-1 0,1 0 0,-1 0 0,0 1 0,0-1 0,0 1 0,0-1 0,0 1 0,-1-1 0,0 1 0,0-1 1,0 1-1,0 0 0,0-1 0,-1 1 0,1-1 0,-1 1 0,0-1 0,0 0 0,-1 1 0,1-1 0,-1 0 0,1 0 0,-1 1 1,0-1-1,0-1 0,0 1 0,-1 0 0,0 1-13,0 0 22,0 0 0,0-1 0,0 1 0,0-1 0,-1 0 0,0 0 0,1 0 0,-1 0 0,0 0 0,0-1 0,0 0 0,-1 0 0,1 0 0,0 0 0,-1-1 0,1 1-1,-1-1 1,0-1 0,1 1 0,-1 0 0,0-1 0,1 0 0,-1 0 0,0-1 0,0 1 0,1-1 0,-1 0 0,1 0 0,-1-1 0,1 1 0,-1-1 0,1 0 0,-4-2-22,6 2 6,0 0 0,0 0-1,0 0 1,0 0 0,0 0 0,0 0-1,1-1 1,-1 1 0,1-1-1,0 1 1,-1-1 0,1 1 0,0-1-1,1 0 1,-1 1 0,0-1 0,1 0-1,0 0 1,0 0 0,-1 1 0,2-1-1,-1 0 1,0 0 0,0 0 0,1 1-1,0-1 1,-1 0 0,1 0-1,0 1 1,0-1 0,1 1 0,-1-1-1,0 1 1,1-1-6,62-78-494,21 35-5329,-38 27-1345</inkml:trace>
+</inkml:ink>
+</file>
+
+<file path=ppt/ink/ink17.xml><?xml version="1.0" encoding="utf-8"?>
+<inkml:ink xmlns:inkml="http://www.w3.org/2003/InkML">
+  <inkml:definitions>
+    <inkml:context xml:id="ctx0">
+      <inkml:inkSource xml:id="inkSrc0">
+        <inkml:traceFormat>
+          <inkml:channel name="X" type="integer" min="-2.14748E9" max="2.14748E9" units="cm"/>
+          <inkml:channel name="Y" type="integer" min="-2.14748E9" max="2.14748E9" units="cm"/>
+          <inkml:channel name="F" type="integer" max="32767" units="dev"/>
+        </inkml:traceFormat>
+        <inkml:channelProperties>
+          <inkml:channelProperty channel="X" name="resolution" value="1000" units="1/cm"/>
+          <inkml:channelProperty channel="Y" name="resolution" value="1000" units="1/cm"/>
+          <inkml:channelProperty channel="F" name="resolution" value="0" units="1/dev"/>
+        </inkml:channelProperties>
+      </inkml:inkSource>
+      <inkml:timestamp xml:id="ts0" timeString="2019-05-27T17:46:25.641"/>
+    </inkml:context>
+    <inkml:brush xml:id="br0">
+      <inkml:brushProperty name="width" value="0.1" units="cm"/>
+      <inkml:brushProperty name="height" value="0.2" units="cm"/>
+      <inkml:brushProperty name="color" value="#FFFC00"/>
+      <inkml:brushProperty name="tip" value="rectangle"/>
+      <inkml:brushProperty name="rasterOp" value="maskPen"/>
+    </inkml:brush>
+  </inkml:definitions>
+  <inkml:trace contextRef="#ctx0" brushRef="#br0">56 225 6144,'-15'-54'3138,"13"51"-3023,0 0 0,1 0 0,-1 0-1,1 0 1,0-1 0,0 1 0,0 0-1,0-1 1,0 1 0,1-1 0,0 1-1,0-1 1,0 1 0,0 0 0,0-1 0,0 1-1,1-1 1,0 1 0,0-1 0,0 1-1,0 0 1,0-1 0,1 1 0,-1 0 0,1 0-1,0 0-114,2-2 67,1 1 1,0 0-1,0 0 0,0 0 0,0 0 0,1 1 1,-1 0-1,1 0 0,0 1 0,0-1 0,0 1 0,0 0 1,0 1-1,1 0 0,-1 0 0,0 0 0,1 0 0,-1 1 1,1 0-1,-1 1 0,0 0 0,1 0 0,-1 0 0,0 0 1,0 1-1,0 0 0,0 0 0,0 1 0,0 0 1,0 0-1,1 2-67,-2-3 48,0 0 0,0 1 0,0-1 0,-1 1 0,0 1 0,1-1 0,-1 0 0,0 1 0,-1 0 0,1 0 1,0 0-1,-1 1 0,0-1 0,0 1 0,-1-1 0,1 1 0,-1 0 0,0 0 0,0 0 0,-1 0 0,1 1 0,-1-1 0,0 0 1,-1 1-1,1-1 0,-1 0 0,0 1 0,-1-1 0,1 0 0,-1 1 0,0-1 0,0 0 0,-1 1 0,1-1 0,-1 0 0,0 0 1,-1 1-49,-1 0 28,-1 0 0,1 1 1,-1-1-1,0-1 1,-1 1-1,1-1 1,-1 0-1,0 0 0,0-1 1,-1 0-1,0 0 1,1 0-1,-1-1 1,0 0-1,-1 0 1,1-1-1,0 0 0,-1 0 1,1-1-1,-1 1 1,0-2-1,1 1 1,-1-1-1,0-1 1,1 1-1,-1-1 0,0 0 1,1-1-1,-1 0 1,1 0-1,0-1 1,0 0-1,0 0 1,0 0-1,0-1 0,-2-2-28,4 1-5,1 0 0,0 0-1,0-1 1,1 1-1,-1-1 1,1 0-1,1 0 1,-1 0-1,1 0 1,0-1-1,0 1 1,1 0 0,0-1-1,0 1 1,0-1-1,1 0 1,0 1-1,0-1 1,1 1-1,0-1 1,0 1-1,0-1 1,1 1 0,0-1-1,0 1 1,1 0-1,0 0 1,0 0-1,0 1 1,1-1-1,-1 1 1,1-1-1,1 1 1,-1 0-1,1 1 1,0-1 0,0 1-1,0 0 1,0 0-1,1 1 1,0 0-1,0-1 1,0 2 5,3-3-13,-1 2 1,1-1 0,0 1-1,1 0 1,-1 1 0,0 0-1,1 1 1,-1 0 0,1 0-1,0 1 1,-1 1 0,1-1-1,7 3 13,-13-3 1,-1 1 0,1-1 0,0 1 0,-1 1 0,1-1 0,0 0 0,-1 1 0,1 0 0,-1-1 0,0 2-1,0-1 1,0 0 0,0 0 0,0 1 0,0 0 0,0 0 0,-1-1 0,0 1 0,1 1 0,-1-1 0,0 0 0,-1 1 0,1-1 0,0 1 0,-1-1-1,0 1 1,0-1 0,0 1 0,0 0 0,-1 0 0,1 0 0,-1-1 0,0 1 0,0 0 0,-1 0-1,1 2 39,-2-1 1,1 1-1,-1-1 1,0 1 0,0-1-1,0 0 1,-1 1-1,1-1 1,-1-1-1,-1 1 1,1 0-1,-1-1 1,1 1-1,-1-1 1,-1 0 0,1-1-1,0 1 1,-1-1-1,0 1 1,0-2-1,0 1 1,0 0-1,0-1 1,-1 0-1,1 0 1,-1-1 0,1 1-1,-1-1 1,1 0-1,-1-1 1,0 1-1,0-1 1,1 0-1,-1-1 1,0 1-1,0-1 1,1-1-1,-1 1 1,1-1 0,-1 1-1,0-2-39,1 3 10,0 0 0,0-1 1,0 0-1,1 0 0,-1 0 0,0 0 0,0-1 0,1 1 0,-1-1 0,1 0 1,0-1-1,0 1 0,0-1 0,0 0 0,0 0 0,0 0 0,1 0 0,-1-1 1,1 1-1,0-1 0,0 0 0,0 0 0,1 0 0,-1 0 0,1-1 1,0 1-1,0-1 0,1 1 0,-1-1 0,1 0 0,0 1 0,0-1 0,1 0 1,-1 0-1,1 0 0,0 0 0,0 0 0,1 1 0,0-1 0,0-1-10,8-2 8,0-1-1,0 1 0,1 1 0,0 0 0,1 1 0,0 0 0,0 0 0,0 1 0,0 0 1,1 1-1,0 1 0,0 0 0,0 0 0,0 1 0,0 1 0,1 0 0,-1 0 0,8 2-7,26 6 212,-24 15-3112,-13-8-8235</inkml:trace>
+</inkml:ink>
+</file>
+
+<file path=ppt/ink/ink18.xml><?xml version="1.0" encoding="utf-8"?>
+<inkml:ink xmlns:inkml="http://www.w3.org/2003/InkML">
+  <inkml:definitions>
+    <inkml:context xml:id="ctx0">
+      <inkml:inkSource xml:id="inkSrc0">
+        <inkml:traceFormat>
+          <inkml:channel name="X" type="integer" min="-2.14748E9" max="2.14748E9" units="cm"/>
+          <inkml:channel name="Y" type="integer" min="-2.14748E9" max="2.14748E9" units="cm"/>
+        </inkml:traceFormat>
+        <inkml:channelProperties>
+          <inkml:channelProperty channel="X" name="resolution" value="1000" units="1/cm"/>
+          <inkml:channelProperty channel="Y" name="resolution" value="1000" units="1/cm"/>
+        </inkml:channelProperties>
+      </inkml:inkSource>
+      <inkml:timestamp xml:id="ts0" timeString="2019-05-27T17:46:34.655"/>
+    </inkml:context>
+    <inkml:brush xml:id="br0">
+      <inkml:brushProperty name="width" value="0.1" units="cm"/>
+      <inkml:brushProperty name="height" value="0.2" units="cm"/>
+      <inkml:brushProperty name="color" value="#FFFC00"/>
+      <inkml:brushProperty name="tip" value="rectangle"/>
+      <inkml:brushProperty name="rasterOp" value="maskPen"/>
+      <inkml:brushProperty name="ignorePressure" value="1"/>
+    </inkml:brush>
+  </inkml:definitions>
+  <inkml:trace contextRef="#ctx0" brushRef="#br0">4725 1,'-4569'888,"4561"-887,-70 14,17-3,53-10</inkml:trace>
+</inkml:ink>
+</file>
+
+<file path=ppt/ink/ink19.xml><?xml version="1.0" encoding="utf-8"?>
+<inkml:ink xmlns:inkml="http://www.w3.org/2003/InkML">
+  <inkml:definitions>
+    <inkml:context xml:id="ctx0">
+      <inkml:inkSource xml:id="inkSrc0">
+        <inkml:traceFormat>
+          <inkml:channel name="X" type="integer" min="-2.14748E9" max="2.14748E9" units="cm"/>
+          <inkml:channel name="Y" type="integer" min="-2.14748E9" max="2.14748E9" units="cm"/>
+          <inkml:channel name="F" type="integer" max="32767" units="dev"/>
+        </inkml:traceFormat>
+        <inkml:channelProperties>
+          <inkml:channelProperty channel="X" name="resolution" value="1000" units="1/cm"/>
+          <inkml:channelProperty channel="Y" name="resolution" value="1000" units="1/cm"/>
+          <inkml:channelProperty channel="F" name="resolution" value="0" units="1/dev"/>
+        </inkml:channelProperties>
+      </inkml:inkSource>
+      <inkml:timestamp xml:id="ts0" timeString="2019-05-27T17:46:39.425"/>
+    </inkml:context>
+    <inkml:brush xml:id="br0">
+      <inkml:brushProperty name="width" value="0.1" units="cm"/>
+      <inkml:brushProperty name="height" value="0.2" units="cm"/>
+      <inkml:brushProperty name="color" value="#FFFC00"/>
+      <inkml:brushProperty name="tip" value="rectangle"/>
+      <inkml:brushProperty name="rasterOp" value="maskPen"/>
+    </inkml:brush>
+  </inkml:definitions>
+  <inkml:trace contextRef="#ctx0" brushRef="#br0">82 155 1792,'2'-1'216,"0"-1"1,0 1-1,0-1 1,0 0-1,0 1 0,0-1 1,-1 0-1,1 0 1,-1 0-1,1 0 0,-1-1 1,0 1-1,1 0 1,-1-1-1,0 1 0,-1 0 1,1-1-1,0 1 1,-1-1-1,1 1 0,-1-1 1,0 0-1,0 1 1,0-1-1,0 1 0,0-1 1,-1-1-217,7-26 1453,-6 26-1368,1 1 1,0 0 0,0 0 0,0 0-1,0 1 1,0-1 0,1 0 0,-1 0-1,1 1 1,0-1 0,-1 1-1,1-1 1,1 1 0,-1 0 0,0 0-1,0 0 1,1 0 0,-1 0 0,1 0-1,0 1 1,0-1 0,-1 1-1,1 0 1,0 0 0,0 0 0,0 0-1,0 0 1,0 1 0,0-1 0,1 1-1,-1 0 1,0 0 0,0 0-1,0 0 1,0 0 0,0 1 0,0 0-1,0-1 1,0 1 0,0 0-1,0 1 1,0-1 0,0 0 0,-1 1-1,1 0 1,0-1 0,-1 1 0,0 0-1,1 0 1,-1 1 0,0-1-1,0 0 1,0 1 0,0 0-86,2 4 107,0 0-1,0 1 1,-1 0 0,0-1-1,-1 1 1,0 0 0,0 1-1,0-1 1,-1 0 0,0 0-1,-1 1 1,0-1 0,0 0-1,-1 1 1,0-1 0,-1 0-1,1 0 1,-1 0 0,-1 0-1,0 0 1,0 0 0,0-1-1,-1 1 1,0-1 0,-1 0-1,0 0 1,0-1-1,0 1 1,-1-1 0,0 0-1,-5 4-106,5-8 36,0 1 0,0-1 0,0 0 0,0-1 0,0 1 0,0-1 0,-1 0 0,1-1 0,0 0 0,-1 0 0,1 0 0,0-1 0,-1 1 0,1-2 0,0 1 0,0-1 0,0 0 0,0 0 0,0 0 0,0-1 0,0 0 0,1 0 0,0-1 0,-1 1-1,1-1 1,1 0 0,-1-1 0,0 1 0,1-1 0,0 0 0,0 0 0,1 0 0,-1-1 0,1 1 0,-1-3-36,3 5 1,0 1 0,-1-1-1,1 1 1,1-1 0,-1 0-1,0 1 1,1-1 0,-1 0 0,1 1-1,0-1 1,0 0 0,0 0-1,0 1 1,1-1 0,-1 0 0,1 0-1,-1 1 1,1-1 0,0 1 0,0-1-1,0 1 1,1-1 0,-1 1-1,0-1 1,1 1 0,0 0 0,-1 0-1,1 0 1,0 0 0,0 0-1,0 0 1,1 1 0,-1-1 0,0 0-1,0 1 1,1 0 0,1-1-1,100-20-6,-96 22 11,-1 1 0,0 0 0,1 0 0,-1 0 0,0 1 0,0 0 0,0 0 0,0 1 0,-1 0 0,1 0 0,-1 1 0,0 0-1,1 0 1,-2 0 0,1 1 0,0 0 0,-1 0 0,0 0 0,0 1 0,-1-1 0,1 1 0,-1 0 0,-1 1 0,1-1 0,-1 1-1,2 3-4,-6-8 19,1 0-1,0 0 1,0-1-1,-1 1 1,1 0-1,-1 0 1,0-1-1,1 1 1,-1 0-1,0-1 1,0 1-1,0-1 1,0 1-1,0-1 0,0 0 1,-1 1-1,1-1 1,0 0-1,-1 0 1,1 0-1,-1 0 1,1 0-1,-1 0 1,1 0-1,-1-1 1,0 1-1,1 0 1,-1-1-1,0 0 0,0 1 1,1-1-1,-1 0 1,0 0-1,0 0 1,0 0-1,1 0 1,-1 0-1,0 0-18,-72-12 557,-3-26-242,75 37-311,1 0 1,-1 0 0,1 0 0,-1-1-1,1 1 1,0 0 0,0 0 0,-1-1 0,1 1-1,0-1 1,0 1 0,0-1 0,1 1-1,-1-1 1,0 0 0,0 1 0,1-1-1,-1 0 1,1 0 0,0 1 0,-1-1-1,1 0 1,0 0 0,0 0 0,0 1-1,0-1 1,1 0 0,-1 0 0,0 1-1,1-1 1,-1 0 0,1 0 0,0 1-1,-1-1 1,1 0 0,0 1 0,0-1-1,0 1 1,0-1 0,0 1 0,0 0-1,1-1 1,-1 1 0,0 0 0,1 0-1,0-1-4,7-4-898,0 1 0,0-1 0,1 2 0,-1-1 0,1 1 0,0 1-1,0-1 1,1 2 0,-1-1 0,11 0 898,-7 1-1173,44-11-4672</inkml:trace>
+</inkml:ink>
+</file>
+
+<file path=ppt/ink/ink2.xml><?xml version="1.0" encoding="utf-8"?>
+<inkml:ink xmlns:inkml="http://www.w3.org/2003/InkML">
+  <inkml:definitions>
+    <inkml:context xml:id="ctx0">
+      <inkml:inkSource xml:id="inkSrc0">
+        <inkml:traceFormat>
+          <inkml:channel name="X" type="integer" min="-2.14748E9" max="2.14748E9" units="cm"/>
+          <inkml:channel name="Y" type="integer" min="-2.14748E9" max="2.14748E9" units="cm"/>
+        </inkml:traceFormat>
+        <inkml:channelProperties>
+          <inkml:channelProperty channel="X" name="resolution" value="1000" units="1/cm"/>
+          <inkml:channelProperty channel="Y" name="resolution" value="1000" units="1/cm"/>
+        </inkml:channelProperties>
+      </inkml:inkSource>
+      <inkml:timestamp xml:id="ts0" timeString="2019-05-27T17:42:44.888"/>
+    </inkml:context>
+    <inkml:brush xml:id="br0">
+      <inkml:brushProperty name="width" value="0.1" units="cm"/>
+      <inkml:brushProperty name="height" value="0.2" units="cm"/>
+      <inkml:brushProperty name="color" value="#FFFC00"/>
+      <inkml:brushProperty name="tip" value="rectangle"/>
+      <inkml:brushProperty name="rasterOp" value="maskPen"/>
+      <inkml:brushProperty name="ignorePressure" value="1"/>
+    </inkml:brush>
+  </inkml:definitions>
+  <inkml:trace contextRef="#ctx0" brushRef="#br0">1 0,'0'47,"0"1647,0-1684</inkml:trace>
+</inkml:ink>
+</file>
+
+<file path=ppt/ink/ink20.xml><?xml version="1.0" encoding="utf-8"?>
+<inkml:ink xmlns:inkml="http://www.w3.org/2003/InkML">
+  <inkml:definitions>
+    <inkml:context xml:id="ctx0">
+      <inkml:inkSource xml:id="inkSrc0">
+        <inkml:traceFormat>
+          <inkml:channel name="X" type="integer" min="-2.14748E9" max="2.14748E9" units="cm"/>
+          <inkml:channel name="Y" type="integer" min="-2.14748E9" max="2.14748E9" units="cm"/>
+        </inkml:traceFormat>
+        <inkml:channelProperties>
+          <inkml:channelProperty channel="X" name="resolution" value="1000" units="1/cm"/>
+          <inkml:channelProperty channel="Y" name="resolution" value="1000" units="1/cm"/>
+        </inkml:channelProperties>
+      </inkml:inkSource>
+      <inkml:timestamp xml:id="ts0" timeString="2019-05-27T17:47:11.868"/>
+    </inkml:context>
+    <inkml:brush xml:id="br0">
+      <inkml:brushProperty name="width" value="0.1" units="cm"/>
+      <inkml:brushProperty name="height" value="0.2" units="cm"/>
+      <inkml:brushProperty name="color" value="#FFFC00"/>
+      <inkml:brushProperty name="tip" value="rectangle"/>
+      <inkml:brushProperty name="rasterOp" value="maskPen"/>
+      <inkml:brushProperty name="ignorePressure" value="1"/>
+    </inkml:brush>
+  </inkml:definitions>
+  <inkml:trace contextRef="#ctx0" brushRef="#br0">0 0,'5722'1112,"-5709"-1109,-2-1,101 20,-93-19</inkml:trace>
+</inkml:ink>
+</file>
+
+<file path=ppt/ink/ink21.xml><?xml version="1.0" encoding="utf-8"?>
+<inkml:ink xmlns:inkml="http://www.w3.org/2003/InkML">
+  <inkml:definitions>
+    <inkml:context xml:id="ctx0">
+      <inkml:inkSource xml:id="inkSrc0">
+        <inkml:traceFormat>
+          <inkml:channel name="X" type="integer" min="-2.14748E9" max="2.14748E9" units="cm"/>
+          <inkml:channel name="Y" type="integer" min="-2.14748E9" max="2.14748E9" units="cm"/>
+        </inkml:traceFormat>
+        <inkml:channelProperties>
+          <inkml:channelProperty channel="X" name="resolution" value="1000" units="1/cm"/>
+          <inkml:channelProperty channel="Y" name="resolution" value="1000" units="1/cm"/>
+        </inkml:channelProperties>
+      </inkml:inkSource>
+      <inkml:timestamp xml:id="ts0" timeString="2019-05-27T17:47:20.604"/>
+    </inkml:context>
+    <inkml:brush xml:id="br0">
+      <inkml:brushProperty name="width" value="0.1" units="cm"/>
+      <inkml:brushProperty name="height" value="0.2" units="cm"/>
+      <inkml:brushProperty name="color" value="#FFFC00"/>
+      <inkml:brushProperty name="tip" value="rectangle"/>
+      <inkml:brushProperty name="rasterOp" value="maskPen"/>
+      <inkml:brushProperty name="ignorePressure" value="1"/>
+    </inkml:brush>
+  </inkml:definitions>
+  <inkml:trace contextRef="#ctx0" brushRef="#br0">5702 2,'7'-1,"-9"1,-6 2,-5690 1106,5709-1111</inkml:trace>
+</inkml:ink>
+</file>
+
+<file path=ppt/ink/ink22.xml><?xml version="1.0" encoding="utf-8"?>
+<inkml:ink xmlns:inkml="http://www.w3.org/2003/InkML">
+  <inkml:definitions>
+    <inkml:context xml:id="ctx0">
+      <inkml:inkSource xml:id="inkSrc0">
+        <inkml:traceFormat>
+          <inkml:channel name="X" type="integer" min="-2.14748E9" max="2.14748E9" units="cm"/>
+          <inkml:channel name="Y" type="integer" min="-2.14748E9" max="2.14748E9" units="cm"/>
+        </inkml:traceFormat>
+        <inkml:channelProperties>
+          <inkml:channelProperty channel="X" name="resolution" value="1000" units="1/cm"/>
+          <inkml:channelProperty channel="Y" name="resolution" value="1000" units="1/cm"/>
+        </inkml:channelProperties>
+      </inkml:inkSource>
+      <inkml:timestamp xml:id="ts0" timeString="2019-05-27T17:47:28.717"/>
+    </inkml:context>
+    <inkml:brush xml:id="br0">
+      <inkml:brushProperty name="width" value="0.1" units="cm"/>
+      <inkml:brushProperty name="height" value="0.2" units="cm"/>
+      <inkml:brushProperty name="color" value="#FFFC00"/>
+      <inkml:brushProperty name="tip" value="rectangle"/>
+      <inkml:brushProperty name="rasterOp" value="maskPen"/>
+      <inkml:brushProperty name="ignorePressure" value="1"/>
+    </inkml:brush>
+  </inkml:definitions>
+  <inkml:trace contextRef="#ctx0" brushRef="#br0">1 0,'0'1237,"0"-1705,0 412</inkml:trace>
+</inkml:ink>
+</file>
+
+<file path=ppt/ink/ink23.xml><?xml version="1.0" encoding="utf-8"?>
+<inkml:ink xmlns:inkml="http://www.w3.org/2003/InkML">
+  <inkml:definitions>
+    <inkml:context xml:id="ctx0">
+      <inkml:inkSource xml:id="inkSrc0">
+        <inkml:traceFormat>
+          <inkml:channel name="X" type="integer" min="-2.14748E9" max="2.14748E9" units="cm"/>
+          <inkml:channel name="Y" type="integer" min="-2.14748E9" max="2.14748E9" units="cm"/>
+          <inkml:channel name="F" type="integer" max="32767" units="dev"/>
+        </inkml:traceFormat>
+        <inkml:channelProperties>
+          <inkml:channelProperty channel="X" name="resolution" value="1000" units="1/cm"/>
+          <inkml:channelProperty channel="Y" name="resolution" value="1000" units="1/cm"/>
+          <inkml:channelProperty channel="F" name="resolution" value="0" units="1/dev"/>
+        </inkml:channelProperties>
+      </inkml:inkSource>
+      <inkml:timestamp xml:id="ts0" timeString="2019-05-27T17:47:34.041"/>
+    </inkml:context>
+    <inkml:brush xml:id="br0">
+      <inkml:brushProperty name="width" value="0.1" units="cm"/>
+      <inkml:brushProperty name="height" value="0.2" units="cm"/>
+      <inkml:brushProperty name="color" value="#FFFC00"/>
+      <inkml:brushProperty name="tip" value="rectangle"/>
+      <inkml:brushProperty name="rasterOp" value="maskPen"/>
+    </inkml:brush>
+  </inkml:definitions>
+  <inkml:trace contextRef="#ctx0" brushRef="#br0">152 262 3840,'-9'-4'471,"0"-1"0,0-1 0,0 1 1,0-1-1,1-1 0,0 1 0,0-1 0,1-1 0,0 0 0,0 0 1,1 0-1,0 0 0,-4-10-471,7 14 104,1 0 0,0 0-1,0-1 1,1 1 0,-1-1 0,1 1 0,0-1 0,0 0-1,0 1 1,1-1 0,0 0 0,0 1 0,0-1 0,0 0-1,1 0 1,0 1 0,0-1 0,0 1 0,0-1-1,1 1 1,0-1 0,0 1 0,0 0 0,0 0 0,1 0-1,0 0 1,-1 0 0,1 0 0,1 1 0,-1-1 0,2 0-104,2 1 87,1 0 1,-1 0-1,1 1 1,0 0-1,0 0 1,0 1-1,0 0 1,0 0-1,0 1 1,0 0 0,0 0-1,0 1 1,1 0-1,-1 1 1,-1 0-1,1 0 1,0 0-1,0 1 1,-1 1-1,0-1 1,1 1-1,-1 0 1,-1 0-1,1 1 1,-1 0 0,1 0-1,-1 1 1,-1 0-1,5 5-87,-6-6 36,0-1 0,0 1-1,0 0 1,0 0 0,-1 1 0,0-1-1,0 1 1,-1 0 0,0 0 0,0 0-1,0 0 1,0 0 0,-1 0 0,0 0-1,-1 0 1,1 0 0,-1 1 0,0-1-1,-1 0 1,1 1 0,-1-1 0,0 0-1,-1 0 1,0 0 0,0 0 0,0 0-1,-1 0 1,1-1 0,-1 1 0,-1-1-1,1 0 1,-1 0 0,0 0 0,0 0-1,0-1 1,-1 1 0,-2 1-36,3-2 15,0-1 0,-1 0 0,1 0 0,-1 0 0,0 0 0,1-1 0,-1 0 1,0 0-1,-1 0 0,1 0 0,0-1 0,0 0 0,-1 0 0,1 0 0,-1-1 0,1 0 0,0 0 0,-1 0 1,1-1-1,-1 1 0,1-1 0,0-1 0,0 1 0,-1-1 0,1 0 0,0 0 0,0 0 0,1-1 0,-1 0 0,0 0 1,1 0-1,0 0 0,0-1 0,0 0 0,0 1 0,0-2 0,1 1 0,0 0 0,0-1 0,0 1 0,-1-3-15,3 3 0,1 0 0,-1-1 0,1 1 0,0-1 0,0 1 0,0-1 0,0 1 0,1-1 0,0 1 0,0-1 0,0 1 0,0 0 0,1-1 0,0 1 0,0 0 0,0 0 0,0 0 0,1 1 0,-1-1 0,1 0 0,0 1 0,0 0 0,0-1 0,1 1 0,-1 1 0,1-1 0,0 0 0,-1 1 0,1 0 0,0 0 0,0 0 0,1 0 0,-1 1 0,0-1 0,1 1 0,-1 0 0,0 1 0,1-1 0,-1 1 0,1 0 0,-1 0 0,1 0 0,-1 0 0,1 1 0,-1 0 0,1 0 0,-1 0 0,0 0 0,3 2 0,-2-3 9,0 1 0,0-1-1,0 1 1,0 0-1,0 1 1,0-1-1,-1 1 1,1 0-1,0 0 1,-1 0-1,0 1 1,0 0-1,1 0 1,-1 0-1,-1 0 1,1 0 0,0 1-1,-1 0 1,0-1-1,0 1 1,0 1-1,0-1 1,-1 0-1,0 1 1,1-1-1,-2 1 1,1-1-1,0 1 1,-1 0-1,0 0 1,0 0 0,-1 0-1,1 0 1,-1 0-1,0 0 1,0 0-1,-1 0 1,1 0-1,-1 0 1,0 0-1,-1-1 1,1 1-1,-1 0 1,0 0-1,0-1-8,-5 3 31,1-2 1,-1 1-1,-1 0 0,1-1 0,-1-1 0,0 1 0,0-1 0,0-1 0,-1 1 0,1-1 0,-1-1 0,0 0 0,0 0 0,0-1 0,0 0 0,0 0 0,0-1 0,0 0 0,0-1 0,0 0 0,0 0 0,0-1 0,0 0 0,1 0 0,-1-1 0,1-1 0,-1 1 0,1-1 0,0-1 0,1 1 0,-1-1 0,1-1 0,-6-4-31,11 8 0,-1 1 0,0-1 0,1 0 0,0 0 0,-1 0 0,1-1 0,0 1 0,0-1 0,0 1 0,1-1 0,-1 0 0,1 1 0,-1-1 0,1 0 0,0 0 0,0 0 0,0 0 0,0 0 0,1 0 0,-1 0 0,1 0 0,0-1 0,0 1 0,0 0 0,0 0 0,0 0 0,1 0 0,-1 0 0,1 0 0,0 0 0,0 0 0,0 0 0,1 0 0,-1 0 0,1 0 0,-1 1 0,1-2 0,3-2 0,1-1 0,-1 1 0,1 0 0,0 1 0,0-1 0,1 1 0,-1 0 0,1 0 0,0 1 0,1 0 0,-1 1 0,1-1 0,7-1 0,-10 2 20,0 1-1,1 0 0,-1 0 1,0 1-1,1 0 0,-1-1 1,1 2-1,-1-1 0,1 1 1,-1 0-1,1 0 0,0 0 1,-1 1-1,1 0 0,-1 0 1,1 0-1,-1 1 0,0 0 1,0 0-1,1 0 0,-1 0 1,-1 1-1,1 0 0,0 0 1,-1 0-1,1 1 0,-1 0 1,0 0-1,0 0 0,-1 0 1,1 0-1,2 5-19,-4-5 11,-1-1 0,1 1 0,-1-1 0,0 1-1,0-1 1,-1 1 0,1 0 0,-1 0 0,0-1 0,0 1 0,0 0-1,0-1 1,0 1 0,-1 0 0,0 0 0,0-1 0,0 1 0,0-1-1,0 1 1,-1-1 0,0 0 0,0 1 0,0-1 0,0 0 0,0 0-1,0 0 1,-1 0 0,1-1 0,-1 1 0,0-1 0,0 1 0,0-1-1,0 0 1,0 0 0,-1-1 0,1 1 0,0-1 0,-1 1 0,1-1 0,-1 0-1,0 0 1,1-1 0,-1 1 0,0-1 0,1 1 0,-1-1 0,0-1-1,0 1 1,1 0 0,-1-1 0,0 0 0,1 0 0,-1 0 0,1 0-1,-2-1-10,-22-40-3764,45-32-8172,0 41 10293</inkml:trace>
+</inkml:ink>
+</file>
+
+<file path=ppt/ink/ink24.xml><?xml version="1.0" encoding="utf-8"?>
+<inkml:ink xmlns:inkml="http://www.w3.org/2003/InkML">
+  <inkml:definitions>
+    <inkml:context xml:id="ctx0">
+      <inkml:inkSource xml:id="inkSrc0">
+        <inkml:traceFormat>
+          <inkml:channel name="X" type="integer" min="-2.14748E9" max="2.14748E9" units="cm"/>
+          <inkml:channel name="Y" type="integer" min="-2.14748E9" max="2.14748E9" units="cm"/>
+          <inkml:channel name="F" type="integer" max="32767" units="dev"/>
+        </inkml:traceFormat>
+        <inkml:channelProperties>
+          <inkml:channelProperty channel="X" name="resolution" value="1000" units="1/cm"/>
+          <inkml:channelProperty channel="Y" name="resolution" value="1000" units="1/cm"/>
+          <inkml:channelProperty channel="F" name="resolution" value="0" units="1/dev"/>
+        </inkml:channelProperties>
+      </inkml:inkSource>
+      <inkml:timestamp xml:id="ts0" timeString="2019-05-27T17:47:35.407"/>
+    </inkml:context>
+    <inkml:brush xml:id="br0">
+      <inkml:brushProperty name="width" value="0.1" units="cm"/>
+      <inkml:brushProperty name="height" value="0.2" units="cm"/>
+      <inkml:brushProperty name="color" value="#FFFC00"/>
+      <inkml:brushProperty name="tip" value="rectangle"/>
+      <inkml:brushProperty name="rasterOp" value="maskPen"/>
+    </inkml:brush>
+  </inkml:definitions>
+  <inkml:trace contextRef="#ctx0" brushRef="#br0">318 169 1024,'-2'-1'149,"-17"-12"569,12 10-292,0-1 0,0 0 0,0 0-1,1-1 1,0 0 0,0 0 0,0 0-1,0-1 1,1 0 0,0 0 0,0 0 0,1-1-1,0 1 1,0-1 0,0 0 0,-2-6-426,7 10 91,0 0 1,0 0-1,0 0 0,0 0 1,1 1-1,-1-1 1,1 0-1,0 1 1,-1-1-1,1 1 0,0 0 1,0-1-1,1 1 1,-1 0-1,0 0 1,1 1-1,-1-1 0,1 0 1,0 1-1,-1-1 1,1 1-1,0 0 1,0 0-1,0 0 0,0 0 1,0 1-1,0-1 1,0 1-1,0 0 1,0 0-1,0 0 0,0 0 1,0 0-1,0 1 1,0-1-1,0 1 0,0 0 1,0 0-1,0 0 1,0 0-1,0 1 1,1 0-92,2 0 139,1 1 0,-1 1 0,1-1 0,-1 1 0,0 0 0,-1 0 0,1 0 0,-1 1 0,0 0 0,0 0 0,0 1 0,0-1 0,-1 1 0,0 0 0,-1 0 0,1 0 0,-1 1 0,0-1 1,-1 1-1,1 0 0,-1 0 0,-1 0 0,1 0 0,-1 0 0,0 0 0,-1 0 0,0 0 0,0 0 0,0 0 0,-1 1 0,0-1 0,-1 0 0,0 1-139,1-2 34,0 1 0,-1-1 0,1 0 0,-2 1 1,1-1-1,-1 0 0,1 0 0,-2-1 0,1 1 0,-1-1 0,0 1 0,0-1 0,0 0 0,-1 0 0,1-1 0,-1 0 0,0 1 0,-1-2 1,1 1-1,-1-1 0,0 1 0,1-1 0,-1-1 0,-1 1 0,1-1 0,0 0 0,0-1 0,-1 0 0,1 0 0,-1 0 0,1-1 1,-1 1-1,0-2 0,1 1 0,-7-2-34,3 0 4,0 0 1,0-1 0,0-1-1,1 1 1,0-2 0,-1 1-1,1-1 1,1-1-1,-1 1 1,1-1 0,0-1-1,0 0 1,1 0-1,0 0 1,-2-4-5,6 8 1,0-1 0,1 0 1,-1 0-1,1 0 0,0-1 0,0 1 0,0-1 0,0 1 1,1-1-1,0 1 0,0-1 0,0 0 0,0 1 0,1-1 1,0 0-1,0 0 0,0 0 0,1 1 0,-1-1 0,1 0 1,0 1-1,1-1 0,-1 0 0,1 1 0,0 0 0,0-1 1,0 1-1,1 0 0,-1 0 0,1 0 0,0 0 0,3-3-1,0 2-4,1 0-1,-1 1 1,1 0-1,0 0 1,0 0-1,0 1 0,0 0 1,0 0-1,1 1 1,0 0-1,-1 1 1,1-1-1,0 1 0,0 1 1,0-1-1,-1 1 1,1 1-1,0-1 1,0 2-1,0-1 0,-1 1 1,1 0-1,-1 0 1,1 1-1,-1 0 1,0 0-1,0 1 0,5 3 5,-8-4 11,0 0-1,0 1 1,0-1-1,0 1 1,0 0-1,-1 0 1,0 0-1,0 0 1,0 0-1,0 1 0,-1 0 1,0-1-1,0 1 1,0 0-1,0 0 1,-1 0-1,0 0 1,0 0-1,0 0 1,0 1-1,-1-1 0,0 0 1,0 0-1,-1 0 1,1 1-1,-1-1 1,0 0-1,-1 0 1,1 0-1,-1 0 1,0 0-1,0-1 1,0 1-1,-1 0 0,0-1 1,0 0-1,0 0 1,0 0-1,-1 0 1,1 0-1,-1 0 1,0-1-1,0 0 1,0 0-1,-1 0 0,1 0 1,-1-1-1,0 0 1,1 0-1,-1 0 1,-2 1-11,-6-1 27,0 0 0,0-1 1,0 0-1,0-1 0,0 0 0,0-1 1,0 0-1,0-1 0,0-1 0,0 0 1,1-1-1,0 0 0,-1-1 0,1 0 1,1-1-1,-1 0 0,1-1 0,-1-1-27,9 5 0,-1 1 0,1-1 0,0 0 0,0 0 0,0 0 0,0 0 0,0-1 0,1 1 0,-1-1 0,1 1 0,0-1 0,0 0 0,1 0 0,-1 0 0,1 0 0,0 0 0,0 0 0,0 0 0,0-1 0,1 1 0,-1 0 0,1 0 0,1-1 0,-1 1 0,0 0 0,1 0 0,0-1 0,0 1 0,0 0 0,1 0 0,-1 0 0,1 0 0,0 0 0,0 1 0,0-1 0,1 0 0,-1 1 0,1 0 0,0 0 0,0-1 0,0 2 0,0-1 0,0 0 0,1 1 0,0-1 0,-1 1 0,1 0 0,0 0 0,0 0 0,4 0 0,0-2-4,1 1 1,0 0-1,0 1 0,0 0 0,0 0 0,0 1 0,1 0 0,-1 1 0,0 0 0,0 0 0,1 1 0,-1 0 0,0 1 0,0 0 0,0 0 0,0 1 0,0 0 0,-1 1 0,1 0 0,-1 0 0,0 1 0,0 0 1,-1 0-1,1 1 0,-1-1 0,0 2 0,2 2 4,-7-5 17,0 0 1,-1 1-1,1-1 1,-1 0-1,1 1 0,-1 0 1,-1-1-1,1 1 1,-1-1-1,0 1 1,0 0-1,0-1 1,0 1-1,-1 0 1,0-1-1,0 1 0,0-1 1,0 1-1,-1-1 1,0 0-1,0 1 1,0-1-1,0 0 1,-1 0-1,0 0 1,1-1-1,-2 1 0,1-1 1,0 0-1,0 1 1,-1-1-1,0-1 1,0 1-1,0 0 1,0-1-1,0 0 1,0 0-1,0 0 0,-1-1 1,1 1-1,-1-1 1,1 0-1,-1 0 1,-2-1-18,3 0-23,0-1 1,0 0-1,0 0 0,0 0 1,0-1-1,0 1 1,0-1-1,1 0 1,-1 0-1,1 0 1,-1-1-1,1 1 0,0-1 1,0 0-1,0 1 1,0-2-1,0 1 1,-1-3 22,-17-44-5589,15 24-3541</inkml:trace>
+</inkml:ink>
+</file>
+
+<file path=ppt/ink/ink25.xml><?xml version="1.0" encoding="utf-8"?>
+<inkml:ink xmlns:inkml="http://www.w3.org/2003/InkML">
+  <inkml:definitions>
+    <inkml:context xml:id="ctx0">
+      <inkml:inkSource xml:id="inkSrc0">
+        <inkml:traceFormat>
+          <inkml:channel name="X" type="integer" min="-2.14748E9" max="2.14748E9" units="cm"/>
+          <inkml:channel name="Y" type="integer" min="-2.14748E9" max="2.14748E9" units="cm"/>
+          <inkml:channel name="F" type="integer" max="32767" units="dev"/>
+        </inkml:traceFormat>
+        <inkml:channelProperties>
+          <inkml:channelProperty channel="X" name="resolution" value="1000" units="1/cm"/>
+          <inkml:channelProperty channel="Y" name="resolution" value="1000" units="1/cm"/>
+          <inkml:channelProperty channel="F" name="resolution" value="0" units="1/dev"/>
+        </inkml:channelProperties>
+      </inkml:inkSource>
+      <inkml:timestamp xml:id="ts0" timeString="2019-05-27T17:47:37.329"/>
+    </inkml:context>
+    <inkml:brush xml:id="br0">
+      <inkml:brushProperty name="width" value="0.1" units="cm"/>
+      <inkml:brushProperty name="height" value="0.2" units="cm"/>
+      <inkml:brushProperty name="color" value="#FFFC00"/>
+      <inkml:brushProperty name="tip" value="rectangle"/>
+      <inkml:brushProperty name="rasterOp" value="maskPen"/>
+    </inkml:brush>
+  </inkml:definitions>
+  <inkml:trace contextRef="#ctx0" brushRef="#br0">54 194 1408,'0'0'43,"0"-1"0,0 0 0,0 1 0,0-1-1,0 0 1,0 0 0,0 1 0,0-1 0,0 0 0,0 1 0,0-1 0,0 0 0,1 1-1,-1-1 1,0 0 0,0 1 0,1-1 0,-1 1 0,0-1 0,1 0 0,-1 1 0,1-1-1,-1 1 1,1-1 0,-1 1 0,1-1 0,-1 1 0,1 0 0,-1-1 0,1 1 0,0 0-1,-1-1 1,1 1 0,-1 0 0,1 0 0,0-1 0,-1 1 0,1 0 0,0 0 0,-1 0-1,1 0 1,0 0 0,0 0 0,-1 0 0,1 0 0,0 0 0,-1 0 0,1 1 0,0-1-1,-1 0 1,1 0 0,0 0 0,-1 1 0,1-1 0,-1 1 0,1-1 0,-1 0 0,1 1-1,-1-1 1,1 1 0,-1-1 0,1 1-43,0-19 818,-2 15-697,1 0-1,0-1 0,0 1 1,0-1-1,1 1 0,-1 0 1,1-1-1,0 1 0,0 0 1,0-1-1,0 1 0,1 0 1,-1 0-1,1 0 0,0 0 1,-1 0-1,2 1 0,-1-1 1,0 0-1,0 1 0,1 0 1,-1-1-1,1 1 0,0 0 1,0 0-1,0 1 0,0-1 1,0 1-1,0-1 0,0 1 1,0 0-1,0 0 0,1 0 1,-1 0-1,0 1 0,1 0 1,-1-1-1,1 1 0,2 1-120,3 2 147,0 1-1,-1 1 1,1 0-1,-1 0 1,0 1-1,0 0 0,0 0 1,-1 0-1,0 1 1,-1 1-1,1-1 1,-1 1-1,-1 0 0,4 5-146,-6-9 64,0 1 0,-1-1 0,1 1 0,-1-1 0,0 1 0,0 0 0,0 0 0,-1 0 0,1 0 0,-1 0 0,-1 0 0,1 0-1,-1 0 1,1 0 0,-2 0 0,1 0 0,0 1 0,-1-1 0,0 0 0,0 0 0,-1 0 0,1 0 0,-1-1 0,0 1-1,-1 0 1,1-1 0,-1 1 0,0 0-64,0-2 15,-1 0 0,1 0 0,-1 0-1,1 0 1,-1-1 0,0 1 0,0-1-1,0 0 1,-1 0 0,1-1 0,0 1-1,-1-1 1,1 0 0,-1 0 0,1-1-1,-1 1 1,1-1 0,-1 0 0,1 0-1,-1 0 1,1-1 0,-1 0 0,1 0-1,-1 0 1,1 0 0,0-1 0,-1 1-1,1-1 1,0 0 0,-2-2-15,-6-2 38,0-1 1,0 0-1,1-1 1,0 0 0,0 0-1,1-1 1,0-1-1,1 0 1,-7-9-39,12 15-3,0-1 0,1 0 0,-1 1 1,1-2-1,0 1 0,0 0 1,1-1-1,0 1 0,-1-1 0,2 0 1,-1 0-1,1 0 0,0 0 0,0 0 1,1 0-1,-1 0 0,2 0 1,-1 0-1,0 0 0,1 0 0,0 0 1,1 0-1,-1 0 0,1 1 0,0-1 1,1 0-1,-1 1 0,1 0 1,0-1-1,0 1 0,1 0 0,0 1 1,0-1-1,0 1 0,0-1 1,1 1-1,-1 0 0,1 1 0,0-1 1,0 1-1,0 0 0,1 0 0,-1 1 1,1 0-1,0 0 0,-1 0 1,3 0 2,2 0 58,1-1 0,0 2 0,0 0 0,1 0 0,-1 1 0,0 1 0,0 0 0,0 0 1,0 1-1,0 0 0,-1 1 0,1 0 0,-1 1 0,1 0 0,-1 1 0,0 0 0,-1 0 1,1 1-1,-1 0 0,0 1 0,-1 0 0,1 0 0,-1 1 0,-1 0 0,0 1 1,0 0-1,0 0 0,-1 0 0,0 2-58,-5-8 39,1 1 1,-1 0 0,0 0-1,0 0 1,0 0 0,-1 1-1,1-1 1,-1 0 0,0 0-1,-1 0 1,1 0-1,-1 0 1,1 0 0,-1 0-1,0 0 1,-1 0 0,1 0-1,-1 0 1,1 0-1,-1 0 1,0-1 0,-1 1-1,1-1 1,-1 0 0,1 0-1,-1 0 1,0 0 0,0 0-1,0 0 1,-1-1-1,1 1 1,-1-1 0,1 0-1,-1 0 1,-3 1-40,-143 38 639,51-48-501,97 6-139,0 1 1,0 0-1,0 0 0,0-1 1,0 1-1,0-1 0,0 0 1,0 1-1,1-1 0,-1 0 1,0 0-1,1 0 0,-1-1 1,0 1-1,1 0 0,-1 0 1,1-1-1,0 1 0,-1-1 1,1 1-1,0-1 0,0 0 1,0 1-1,0-1 0,0 0 1,1 0-1,-1 0 0,0 0 1,1 0-1,0 1 0,-1-1 1,1 0-1,0 0 0,0 0 1,0 0-1,0 0 0,0 0 1,0 0-1,1 0 0,-1 0 1,1 0-1,-1 0 0,1 0 0,0 0 1,0 1-1,0-2 1,6-5-5,0 1-1,1 0 1,-1 0 0,1 1-1,0 0 1,1 0 0,0 1-1,-1 0 1,2 1 0,-1 0-1,0 0 1,1 1 0,0 0-1,0 1 1,0 0 0,0 0-1,0 1 1,0 1 0,0 0-1,8 0 6,77 8 0,-93-7 0,1-1 0,-1 1 0,0-1 0,0 1 0,1 0 0,-1 0 0,0 0 0,0 0 0,0 0 0,0 0 0,0 1 0,0-1 0,-1 1 0,1-1 0,0 1 0,-1 0 0,1 0 0,-1-1 0,0 1 0,1 0 0,-1 0 0,0 0 0,0 1 0,0-1 0,-1 0 0,1 0 0,0 0 0,-1 1 0,0-1 0,1 0 0,-1 1 0,0-1 0,0 0 0,0 1 0,0-1 0,-1 0 0,1 1 0,-1-1 0,1 0 0,-5 6 33,0 0-1,0-1 0,0 0 1,-1 0-1,0 0 1,-1 0-1,1-1 0,-1 0 1,0-1-1,-1 0 0,0 0 1,1 0-1,-1-1 0,-1 0 1,1-1-1,0 1 0,-1-2 1,0 1-1,0-1 0,0-1 1,0 1-1,0-2 0,0 1 1,0-1-1,0-1 0,0 1 1,0-1-1,0-1 0,0 0 1,1 0-1,-2-1-32,7 2-8,1 0 0,-1 0 0,0 0 0,0 0 0,1-1-1,-1 1 1,1-1 0,-1 1 0,1-1 0,0 0 0,0 0 0,-1 0 0,1 0 0,1 0 0,-1-1-1,0 1 1,0-1 0,1 1 0,0-1 0,-1 0 0,1 1 0,0-1 0,0 0 0,1 0-1,-1 0 1,0 1 0,1-1 0,0 0 0,0 0 0,0 0 0,0 0 0,0 0 0,0 0 0,1 0 7,32-58-6357,9 28 555,3 2 2902</inkml:trace>
+</inkml:ink>
+</file>
+
+<file path=ppt/ink/ink26.xml><?xml version="1.0" encoding="utf-8"?>
+<inkml:ink xmlns:inkml="http://www.w3.org/2003/InkML">
+  <inkml:definitions>
+    <inkml:context xml:id="ctx0">
+      <inkml:inkSource xml:id="inkSrc0">
+        <inkml:traceFormat>
+          <inkml:channel name="X" type="integer" min="-2.14748E9" max="2.14748E9" units="cm"/>
+          <inkml:channel name="Y" type="integer" min="-2.14748E9" max="2.14748E9" units="cm"/>
+        </inkml:traceFormat>
+        <inkml:channelProperties>
+          <inkml:channelProperty channel="X" name="resolution" value="1000" units="1/cm"/>
+          <inkml:channelProperty channel="Y" name="resolution" value="1000" units="1/cm"/>
+        </inkml:channelProperties>
+      </inkml:inkSource>
+      <inkml:timestamp xml:id="ts0" timeString="2019-05-27T17:48:39.469"/>
+    </inkml:context>
+    <inkml:brush xml:id="br0">
+      <inkml:brushProperty name="width" value="0.1" units="cm"/>
+      <inkml:brushProperty name="height" value="0.2" units="cm"/>
+      <inkml:brushProperty name="color" value="#00F900"/>
+      <inkml:brushProperty name="tip" value="rectangle"/>
+      <inkml:brushProperty name="rasterOp" value="maskPen"/>
+      <inkml:brushProperty name="ignorePressure" value="1"/>
+    </inkml:brush>
+  </inkml:definitions>
+  <inkml:trace contextRef="#ctx0" brushRef="#br0">1 0,'0'1308,"0"-1217,0-280,0 172</inkml:trace>
+</inkml:ink>
+</file>
+
+<file path=ppt/ink/ink27.xml><?xml version="1.0" encoding="utf-8"?>
+<inkml:ink xmlns:inkml="http://www.w3.org/2003/InkML">
+  <inkml:definitions>
+    <inkml:context xml:id="ctx0">
+      <inkml:inkSource xml:id="inkSrc0">
+        <inkml:traceFormat>
+          <inkml:channel name="X" type="integer" min="-2.14748E9" max="2.14748E9" units="cm"/>
+          <inkml:channel name="Y" type="integer" min="-2.14748E9" max="2.14748E9" units="cm"/>
+        </inkml:traceFormat>
+        <inkml:channelProperties>
+          <inkml:channelProperty channel="X" name="resolution" value="1000" units="1/cm"/>
+          <inkml:channelProperty channel="Y" name="resolution" value="1000" units="1/cm"/>
+        </inkml:channelProperties>
+      </inkml:inkSource>
+      <inkml:timestamp xml:id="ts0" timeString="2019-05-27T17:48:58.638"/>
+    </inkml:context>
+    <inkml:brush xml:id="br0">
+      <inkml:brushProperty name="width" value="0.1" units="cm"/>
+      <inkml:brushProperty name="height" value="0.2" units="cm"/>
+      <inkml:brushProperty name="color" value="#00F900"/>
+      <inkml:brushProperty name="tip" value="rectangle"/>
+      <inkml:brushProperty name="rasterOp" value="maskPen"/>
+      <inkml:brushProperty name="ignorePressure" value="1"/>
+    </inkml:brush>
+  </inkml:definitions>
+  <inkml:trace contextRef="#ctx0" brushRef="#br0">1 0,'0'1176,"0"-1169,0 1,0-1</inkml:trace>
+</inkml:ink>
+</file>
+
+<file path=ppt/ink/ink28.xml><?xml version="1.0" encoding="utf-8"?>
+<inkml:ink xmlns:inkml="http://www.w3.org/2003/InkML">
+  <inkml:definitions>
+    <inkml:context xml:id="ctx0">
+      <inkml:inkSource xml:id="inkSrc0">
+        <inkml:traceFormat>
+          <inkml:channel name="X" type="integer" min="-2.14748E9" max="2.14748E9" units="cm"/>
+          <inkml:channel name="Y" type="integer" min="-2.14748E9" max="2.14748E9" units="cm"/>
+        </inkml:traceFormat>
+        <inkml:channelProperties>
+          <inkml:channelProperty channel="X" name="resolution" value="1000" units="1/cm"/>
+          <inkml:channelProperty channel="Y" name="resolution" value="1000" units="1/cm"/>
+        </inkml:channelProperties>
+      </inkml:inkSource>
+      <inkml:timestamp xml:id="ts0" timeString="2019-05-27T17:49:27.668"/>
+    </inkml:context>
+    <inkml:brush xml:id="br0">
+      <inkml:brushProperty name="width" value="0.1" units="cm"/>
+      <inkml:brushProperty name="height" value="0.2" units="cm"/>
+      <inkml:brushProperty name="color" value="#00F900"/>
+      <inkml:brushProperty name="tip" value="rectangle"/>
+      <inkml:brushProperty name="rasterOp" value="maskPen"/>
+      <inkml:brushProperty name="ignorePressure" value="1"/>
+    </inkml:brush>
+  </inkml:definitions>
+  <inkml:trace contextRef="#ctx0" brushRef="#br0">1 1,'0'2123,"0"-2137,0-2</inkml:trace>
+</inkml:ink>
+</file>
+
+<file path=ppt/ink/ink29.xml><?xml version="1.0" encoding="utf-8"?>
+<inkml:ink xmlns:inkml="http://www.w3.org/2003/InkML">
+  <inkml:definitions>
+    <inkml:context xml:id="ctx0">
+      <inkml:inkSource xml:id="inkSrc0">
+        <inkml:traceFormat>
+          <inkml:channel name="X" type="integer" min="-2.14748E9" max="2.14748E9" units="cm"/>
+          <inkml:channel name="Y" type="integer" min="-2.14748E9" max="2.14748E9" units="cm"/>
+          <inkml:channel name="F" type="integer" max="32767" units="dev"/>
+        </inkml:traceFormat>
+        <inkml:channelProperties>
+          <inkml:channelProperty channel="X" name="resolution" value="1000" units="1/cm"/>
+          <inkml:channelProperty channel="Y" name="resolution" value="1000" units="1/cm"/>
+          <inkml:channelProperty channel="F" name="resolution" value="0" units="1/dev"/>
+        </inkml:channelProperties>
+      </inkml:inkSource>
+      <inkml:timestamp xml:id="ts0" timeString="2019-05-27T17:49:32.547"/>
+    </inkml:context>
+    <inkml:brush xml:id="br0">
+      <inkml:brushProperty name="width" value="0.1" units="cm"/>
+      <inkml:brushProperty name="height" value="0.2" units="cm"/>
+      <inkml:brushProperty name="color" value="#00F900"/>
+      <inkml:brushProperty name="tip" value="rectangle"/>
+      <inkml:brushProperty name="rasterOp" value="maskPen"/>
+    </inkml:brush>
+  </inkml:definitions>
+  <inkml:trace contextRef="#ctx0" brushRef="#br0">101 106 4864,'-5'-6'3466,"2"4"-3248,1 0 0,0-1 0,-1 1 0,1 0 0,0-1 0,0 1-1,1-1 1,-1 1 0,0-1 0,1 0 0,-1 0 0,1 0 0,0 0 0,0 0 0,0 0 0,1 0 0,-1 0 0,1 0-1,0 0 1,-1-1 0,1 1-218,2 0 43,0 0 0,1 0 0,-1 1 0,0-1 0,1 1 0,0-1 0,0 1 0,-1 0 0,1 0 0,0 0 0,1 0 0,-1 0 0,0 1 0,0 0 0,1-1 0,-1 1 0,1 1 0,-1-1 0,1 0 0,-1 1 0,1 0 0,-1-1 0,1 1 0,0 1 0,-1-1 0,1 1 0,-1-1 0,1 1 0,-1 0 0,1 0 0,-1 0 0,0 1 0,1-1 0,-1 1 0,0 0 0,0 0 0,0 0 0,0 0 0,-1 1 0,1-1 0,-1 1 0,1-1 0,-1 1 0,0 0 0,0 0 0,0 0 0,0 0 0,0 0 0,-1 1 0,0-1 0,1 0 0,-1 1 0,-1-1 0,1 1 0,0-1 0,-1 1 0,0-1 0,1 1 0,-1 0 0,-1-1 0,1 1 0,-1-1 0,0 4-42,-1-3 39,1 1 0,-2 0 0,1-1 0,0 1 1,-1-1-1,0 0 0,0 0 0,0 0 1,-1 0-1,1 0 0,-1-1 0,0 0 1,0 1-1,0-2 0,0 1 0,-1 0 1,1-1-1,-1 0 0,0 0 0,1 0 1,-1 0-1,0-1 0,0 0 0,0 0 1,0 0-1,0-1 0,0 1 0,0-1 1,0-1-1,-1 1 0,1-1 0,0 1 0,0-2 1,0 1-1,1 0 0,-1-1 0,0 0 1,0 0-1,1 0 0,-1-1 0,1 0 1,0 1-1,0-2 0,0 1-40,2 2 1,0 0 0,0 0-1,1 0 1,-1 0 0,0-1 0,1 1-1,-1-1 1,1 1 0,-1-1 0,1 0-1,0 1 1,-1-1 0,1 0 0,0 0-1,0 0 1,1 0 0,-1 0-1,0 0 1,1 0 0,-1 0 0,1 0-1,-1 0 1,1-1 0,0 1 0,0 0-1,0 0 1,0 0 0,0 0 0,1-1-1,-1 1 1,1 0 0,-1 0 0,1 0-1,0 0 1,0 0 0,0 0 0,0 0-1,0 1 1,0-1 0,1 0-1,-1 0 1,0 1 0,1-1 0,1 0-1,86-47-118,-86 49 134,1-1 0,-1 0 1,0 1-1,0-1 0,1 1 0,-1 0 0,0 0 1,1 1-1,-1-1 0,0 1 0,0-1 1,1 1-1,-1 0 0,0 0 0,0 0 1,0 1-1,0-1 0,0 1 0,0 0 0,-1 0 1,1 0-1,-1 0 0,1 0 0,-1 0 1,1 1-1,-1-1 0,0 1 0,0-1 1,-1 1-1,1 0 0,0 0 0,-1 0 0,0 0 1,1 0-1,-1 0 0,-1 0 0,1 1 1,0-1-1,-1 0 0,1 0 0,-1 1 1,0-1-1,0 0 0,-1 1 0,1-1 0,-1 2-16,0-3 38,0 0 0,0 0-1,0 0 1,0 0-1,0 0 1,-1 0 0,1-1-1,-1 1 1,1 0-1,-1-1 1,0 1 0,1-1-1,-1 0 1,0 0-1,0 1 1,0-1-1,0 0 1,0 0 0,0-1-1,0 1 1,0 0-1,-1-1 1,1 1 0,0-1-1,0 0 1,-1 0-1,1 0 1,0 0 0,0 0-1,-1 0 1,1-1-1,0 1 1,0-1 0,0 1-1,-1-1 1,1 0-1,0 0 1,0 0-1,0 0 1,0 0 0,1-1-1,-1 1 1,0 0-1,0-1 1,1 1 0,-1-1-1,1 0 1,-1 0-1,1 1 1,-1-2-38,-26-46-1415,28 47 1186,0 1 0,1-1 0,-1 0 0,1 0 0,0 0 0,-1 0 0,1 1 0,0-1 0,0 0 0,0 1 0,0-1 0,0 0 0,0 1 0,1-1 0,-1 1 0,0 0 0,1 0 0,-1-1 0,1 1 0,-1 0 0,1 0 0,0 0 0,0 0 0,-1 1 0,1-1 0,0 0 0,0 1 0,0-1 0,0 1 0,0 0 0,0-1 229,24-4-4352,0 1 619</inkml:trace>
+</inkml:ink>
+</file>
+
+<file path=ppt/ink/ink3.xml><?xml version="1.0" encoding="utf-8"?>
+<inkml:ink xmlns:inkml="http://www.w3.org/2003/InkML">
+  <inkml:definitions>
+    <inkml:context xml:id="ctx0">
+      <inkml:inkSource xml:id="inkSrc0">
+        <inkml:traceFormat>
+          <inkml:channel name="X" type="integer" min="-2.14748E9" max="2.14748E9" units="cm"/>
+          <inkml:channel name="Y" type="integer" min="-2.14748E9" max="2.14748E9" units="cm"/>
+        </inkml:traceFormat>
+        <inkml:channelProperties>
+          <inkml:channelProperty channel="X" name="resolution" value="1000" units="1/cm"/>
+          <inkml:channelProperty channel="Y" name="resolution" value="1000" units="1/cm"/>
+        </inkml:channelProperties>
+      </inkml:inkSource>
+      <inkml:timestamp xml:id="ts0" timeString="2019-05-27T17:42:59.188"/>
+    </inkml:context>
+    <inkml:brush xml:id="br0">
+      <inkml:brushProperty name="width" value="0.1" units="cm"/>
+      <inkml:brushProperty name="height" value="0.2" units="cm"/>
+      <inkml:brushProperty name="color" value="#FFFC00"/>
+      <inkml:brushProperty name="tip" value="rectangle"/>
+      <inkml:brushProperty name="rasterOp" value="maskPen"/>
+      <inkml:brushProperty name="ignorePressure" value="1"/>
+    </inkml:brush>
+  </inkml:definitions>
+  <inkml:trace contextRef="#ctx0" brushRef="#br0">1 1447,'7683'-1355,"-7670"1353,0 0,0 0,2-1,-3 1,-2 0,246-43,-243 43,93-17,-94 17,1-1,0 1,-3 0,0 1,1-1</inkml:trace>
+</inkml:ink>
+</file>
+
+<file path=ppt/ink/ink30.xml><?xml version="1.0" encoding="utf-8"?>
+<inkml:ink xmlns:inkml="http://www.w3.org/2003/InkML">
+  <inkml:definitions>
+    <inkml:context xml:id="ctx0">
+      <inkml:inkSource xml:id="inkSrc0">
+        <inkml:traceFormat>
+          <inkml:channel name="X" type="integer" min="-2.14748E9" max="2.14748E9" units="cm"/>
+          <inkml:channel name="Y" type="integer" min="-2.14748E9" max="2.14748E9" units="cm"/>
+          <inkml:channel name="F" type="integer" max="32767" units="dev"/>
+        </inkml:traceFormat>
+        <inkml:channelProperties>
+          <inkml:channelProperty channel="X" name="resolution" value="1000" units="1/cm"/>
+          <inkml:channelProperty channel="Y" name="resolution" value="1000" units="1/cm"/>
+          <inkml:channelProperty channel="F" name="resolution" value="0" units="1/dev"/>
+        </inkml:channelProperties>
+      </inkml:inkSource>
+      <inkml:timestamp xml:id="ts0" timeString="2019-05-27T17:49:33.635"/>
+    </inkml:context>
+    <inkml:brush xml:id="br0">
+      <inkml:brushProperty name="width" value="0.1" units="cm"/>
+      <inkml:brushProperty name="height" value="0.2" units="cm"/>
+      <inkml:brushProperty name="color" value="#00F900"/>
+      <inkml:brushProperty name="tip" value="rectangle"/>
+      <inkml:brushProperty name="rasterOp" value="maskPen"/>
+    </inkml:brush>
+  </inkml:definitions>
+  <inkml:trace contextRef="#ctx0" brushRef="#br0">154 174 5504,'-40'-22'5311,"36"21"-5198,1 1 0,-1-1-1,0 0 1,1 0 0,-1 0-1,1 0 1,0-1 0,-1 1 0,1-1-1,0 0 1,0 0 0,0 0-1,0-1 1,1 1 0,-1-1-1,0 1 1,1-1 0,0 0-1,0 0 1,0 0 0,0 0-1,0 0 1,0-1 0,1 1 0,0 0-1,-1-1 1,1 1 0,1-1-1,-1 0 1,0 1 0,1-1-1,0 0 1,0 1 0,0-1-1,0 0 1,0 1 0,1-1 0,0 1-1,0-2-112,1 2 42,-1 0-1,1 0 0,0 0 1,0 1-1,0-1 1,0 0-1,0 1 0,0 0 1,1 0-1,-1 0 0,1 0 1,0 0-1,-1 0 1,1 0-1,0 1 0,0 0 1,0-1-1,0 1 1,1 0-1,-1 1 0,0-1 1,0 0-1,0 1 0,1 0 1,-1 0-1,0 0 1,1 0-1,-1 0 0,0 1 1,0-1-1,0 1 1,1 0-1,-1 0 0,0 0 1,0 1-1,0-1 0,0 1 1,-1-1-1,1 1 1,0 0-1,-1 0 0,1 0 1,-1 0-1,1 1 1,-1-1-1,0 1 0,0-1 1,0 1-1,-1 0 0,1 1-41,2-1 72,-1 0 0,0 1-1,0-1 1,-1 1 0,1 0-1,-1 0 1,0 0 0,0 0-1,0 0 1,-1 1 0,1-1-1,-1 0 1,0 1 0,0-1-1,0 1 1,-1-1 0,0 1-1,0 0 1,0-1 0,0 1-1,-1-1 1,0 1 0,0-1-1,0 1 1,0-1 0,-1 0-1,1 1 1,-1-1-1,0 0 1,-1 0 0,1 0-1,-1 0 1,1-1 0,-1 1-1,0-1 1,-1 0 0,1 1-1,0-1 1,-4 2-72,0-4 13,1 0-1,0-1 1,0 0 0,-1 0-1,1 0 1,0-1 0,0 0-1,0 0 1,-1-1 0,1 0-1,1 0 1,-1 0 0,0 0-1,0-1 1,1 0 0,-1 0-1,1-1 1,0 1 0,0-1-1,1-1 1,-1 1 0,1 0-1,0-1 1,0 0 0,0 0-1,1 0 1,-1-1 0,1 1-1,0-1 1,1 1 0,0-1-1,-1-2-12,3 5-3,0-1-1,0 1 1,0-1-1,0 1 1,1-1-1,0 1 0,-1-1 1,1 1-1,0-1 1,1 1-1,-1 0 1,1 0-1,-1 0 1,1-1-1,0 2 1,0-1-1,0 0 0,1 0 1,-1 1-1,1-1 1,-1 1-1,1-1 1,0 1-1,0 0 1,0 0-1,0 1 0,0-1 1,0 1-1,0-1 1,1 1-1,-1 0 1,1 0-1,-1 0 1,1 1-1,-1-1 0,3 1 4,1-1-6,0 0-1,-1 1 0,1-1 0,0 1 1,-1 1-1,1-1 0,0 1 0,-1 1 1,1-1-1,-1 1 0,1 0 1,-1 0-1,0 1 0,0 0 0,0 0 1,0 0-1,-1 1 0,1 0 0,2 2 7,-6-4 18,0 0-1,1 1 0,-1-1 1,0 1-1,0-1 0,-1 1 1,1 0-1,0 0 0,-1-1 0,0 1 1,0 0-1,0 0 0,0 1 1,0-1-1,0 0 0,-1 0 1,1 0-1,-1 0 0,0 1 1,0-1-1,-1 0 0,1 0 0,0 1 1,-1-1-1,0 0 0,0 0 1,0 0-1,0 0 0,0 0 1,-1 0-1,1 0 0,-1-1 1,0 1-1,0 0 0,0-1 0,0 0 1,0 1-1,0-1 0,-1 0 1,1 0-1,-1 0 0,0 0 1,1-1-1,-1 1 0,0-1 1,0 1-1,0-1 0,0 0 0,0 0 1,0-1-1,-1 1 0,1 0 1,-1-1-18,-4 0 44,0 0 0,0-1 0,0 0 0,0 0 1,0 0-1,0-1 0,0-1 0,0 1 0,1-1 1,-1 0-1,1-1 0,0 0 0,0 0 0,-5-5-44,11 9-1,0-1-1,0 0 0,0 0 1,0-1-1,0 1 1,1 0-1,-1 0 0,0 0 1,1 0-1,-1-1 0,1 1 1,-1 0-1,1 0 1,-1-1-1,1 1 0,0 0 1,0-1-1,0 1 0,0-1 1,0 1-1,0 0 1,0-1-1,0 1 0,1 0 1,-1-1-1,0 1 0,1 0 1,-1 0-1,1-1 0,-1 1 1,1 0-1,0 0 1,0 0-1,-1 0 0,1 0 1,0 0-1,0 0 0,0 0 1,0 0-1,0 0 1,0 0-1,0 0 0,1 1 1,-1-1-1,0 0 0,0 1 1,0-1-1,2 1 2,64-31-1692,2 14-5839,-33 11-319</inkml:trace>
+</inkml:ink>
+</file>
+
+<file path=ppt/ink/ink31.xml><?xml version="1.0" encoding="utf-8"?>
+<inkml:ink xmlns:inkml="http://www.w3.org/2003/InkML">
+  <inkml:definitions>
+    <inkml:context xml:id="ctx0">
+      <inkml:inkSource xml:id="inkSrc0">
+        <inkml:traceFormat>
+          <inkml:channel name="X" type="integer" min="-2.14748E9" max="2.14748E9" units="cm"/>
+          <inkml:channel name="Y" type="integer" min="-2.14748E9" max="2.14748E9" units="cm"/>
+          <inkml:channel name="F" type="integer" max="32767" units="dev"/>
+        </inkml:traceFormat>
+        <inkml:channelProperties>
+          <inkml:channelProperty channel="X" name="resolution" value="1000" units="1/cm"/>
+          <inkml:channelProperty channel="Y" name="resolution" value="1000" units="1/cm"/>
+          <inkml:channelProperty channel="F" name="resolution" value="0" units="1/dev"/>
+        </inkml:channelProperties>
+      </inkml:inkSource>
+      <inkml:timestamp xml:id="ts0" timeString="2019-05-27T17:49:35.003"/>
+    </inkml:context>
+    <inkml:brush xml:id="br0">
+      <inkml:brushProperty name="width" value="0.1" units="cm"/>
+      <inkml:brushProperty name="height" value="0.2" units="cm"/>
+      <inkml:brushProperty name="color" value="#00F900"/>
+      <inkml:brushProperty name="tip" value="rectangle"/>
+      <inkml:brushProperty name="rasterOp" value="maskPen"/>
+    </inkml:brush>
+  </inkml:definitions>
+  <inkml:trace contextRef="#ctx0" brushRef="#br0">43 182 10624,'-7'-14'771,"-27"-73"1964,33 85-2693,1 0-1,0 0 0,-1 0 1,1-1-1,0 1 0,0 0 1,0 0-1,1 0 1,-1 0-1,0 0 0,1-1 1,-1 1-1,1 0 0,0 0 1,0 0-1,0 0 0,0 1 1,0-1-1,0 0 1,0 0-1,1 1 0,-1-1 1,1 0-1,-1 1 0,1-1 1,-1 1-1,1 0 0,0 0 1,0 0-1,0 0 1,0 0-1,0 0 0,0 0 1,0 0-1,0 1 0,0-1 1,0 1-1,0-1 1,0 1-42,8 0 77,-1-1 1,0 2 0,1-1-1,-1 1 1,0 1 0,0 0 0,0 0-1,0 1 1,0 0 0,0 0-1,0 1 1,-1 0 0,0 1-1,0 0 1,0 0 0,-1 0 0,1 1-1,-1 0 1,-1 1 0,1 0-1,-1 0 1,0 0 0,-1 1 0,0-1-1,0 1 1,0 1 0,-1-1-1,0 1-77,-4-5 24,1 0-1,-1-1 0,0 1 0,0 0 0,0-1 0,-1 1 0,1 0 0,-1-1 0,0 1 0,0-1 0,0 1 0,0-1 0,-1 1 0,1-1 1,-1 0-1,0 1 0,0-1 0,0 0 0,0 0 0,-1 0 0,1-1 0,-1 1 0,0-1 0,1 1 0,-1-1 0,0 0 0,-1 0 1,1 0-1,0-1 0,0 1 0,-1-1 0,1 1 0,-1-1 0,1 0 0,-1-1 0,0 1 0,1-1 0,-1 1 0,0-1 0,0 0 0,1 0 1,-1-1-1,0 1 0,1-1 0,-1 0 0,1 0 0,-1 0 0,1 0 0,-3-2-23,-97-48 155,101 49-152,0 0 0,0 1 0,0-1 0,0 0 0,0 0 0,0 0 0,1 0 0,-1 0 0,1-1 0,-1 1 0,1 0 1,0-1-1,0 1 0,0-1 0,0 1 0,1-1 0,-1 0 0,0 1 0,1-1 0,0 0 0,0 1 0,0-1 0,0 0 0,0 1 0,0-1 0,1 0 1,0 1-1,-1-1 0,1 0 0,0 1 0,0-1 0,0 1 0,0-1 0,1 1 0,-1 0 0,1 0 0,-1 0 0,1-1 0,0 1 0,1 0-3,0-3-7,1 1 1,0-1-1,0 1 0,1 0 0,-1 0 0,1 1 0,0 0 0,0 0 0,0 0 0,0 0 0,1 1 0,-1-1 0,1 1 1,-1 1-1,1-1 0,0 1 0,-1 0 0,1 0 0,0 1 0,0 0 0,0 0 0,0 0 0,0 1 0,-1-1 0,1 1 0,0 1 1,0-1-1,-1 1 0,1 0 0,-1 1 0,0-1 0,0 1 0,1 0 0,-2 0 0,1 0 0,0 1 0,3 4 7,-6-5 13,-1 1 0,0-1 0,-1 1 0,1-1 0,-1 1 0,1 0 0,-1-1 0,0 1 0,-1 0 0,1-1 0,0 1 1,-1-1-1,0 1 0,0 0 0,0-1 0,0 1 0,-1-1 0,1 0 0,-1 0 0,0 1 0,0-1 0,0 0 0,0 0 0,-1-1 0,1 1 0,-1 0 0,0-1 0,1 0 0,-1 1 0,0-1 0,0 0 0,-1-1 0,1 1 0,0 0 0,-1-1 0,1 0 0,-1 0 0,1 0 0,-1 0 0,1 0 0,-3-1-13,-1 1 45,0-1 1,0 1-1,0-1 1,0-1-1,0 0 1,0 0 0,0 0-1,0-1 1,0 1-1,1-2 1,-1 1-1,1-1 1,-1 0-1,-5-4-45,10 6-4,-1 0 0,1-1 0,-1 0 0,1 1-1,0-1 1,-1 0 0,1 0 0,0 0 0,0 0-1,0-1 1,1 1 0,-1 0 0,0-1 0,1 0-1,0 1 1,-1-1 0,1 0 0,0 1 0,0-1-1,1 0 1,-1 0 0,1 0 0,-1 0 0,1 0-1,0 0 1,0 0 0,0 0 0,1 1 0,-1-1-1,1 0 1,-1 0 0,1 0 0,0 0 0,0 0-1,1-2 5,26-27-2225,29 2-5917,-20 15 2510</inkml:trace>
+</inkml:ink>
+</file>
+
+<file path=ppt/ink/ink32.xml><?xml version="1.0" encoding="utf-8"?>
+<inkml:ink xmlns:inkml="http://www.w3.org/2003/InkML">
+  <inkml:definitions>
+    <inkml:context xml:id="ctx0">
+      <inkml:inkSource xml:id="inkSrc0">
+        <inkml:traceFormat>
+          <inkml:channel name="X" type="integer" min="-2.14748E9" max="2.14748E9" units="cm"/>
+          <inkml:channel name="Y" type="integer" min="-2.14748E9" max="2.14748E9" units="cm"/>
+        </inkml:traceFormat>
+        <inkml:channelProperties>
+          <inkml:channelProperty channel="X" name="resolution" value="1000" units="1/cm"/>
+          <inkml:channelProperty channel="Y" name="resolution" value="1000" units="1/cm"/>
+        </inkml:channelProperties>
+      </inkml:inkSource>
+      <inkml:timestamp xml:id="ts0" timeString="2019-05-27T17:50:38.157"/>
+    </inkml:context>
+    <inkml:brush xml:id="br0">
+      <inkml:brushProperty name="width" value="0.1" units="cm"/>
+      <inkml:brushProperty name="height" value="0.2" units="cm"/>
+      <inkml:brushProperty name="color" value="#00F900"/>
+      <inkml:brushProperty name="tip" value="rectangle"/>
+      <inkml:brushProperty name="rasterOp" value="maskPen"/>
+      <inkml:brushProperty name="ignorePressure" value="1"/>
+    </inkml:brush>
+  </inkml:definitions>
+  <inkml:trace contextRef="#ctx0" brushRef="#br0">5182 914,'-4925'-869,"4689"828,229 40,-1-1,2 1,12 2</inkml:trace>
+</inkml:ink>
+</file>
+
+<file path=ppt/ink/ink33.xml><?xml version="1.0" encoding="utf-8"?>
+<inkml:ink xmlns:inkml="http://www.w3.org/2003/InkML">
+  <inkml:definitions>
+    <inkml:context xml:id="ctx0">
+      <inkml:inkSource xml:id="inkSrc0">
+        <inkml:traceFormat>
+          <inkml:channel name="X" type="integer" min="-2.14748E9" max="2.14748E9" units="cm"/>
+          <inkml:channel name="Y" type="integer" min="-2.14748E9" max="2.14748E9" units="cm"/>
+        </inkml:traceFormat>
+        <inkml:channelProperties>
+          <inkml:channelProperty channel="X" name="resolution" value="1000" units="1/cm"/>
+          <inkml:channelProperty channel="Y" name="resolution" value="1000" units="1/cm"/>
+        </inkml:channelProperties>
+      </inkml:inkSource>
+      <inkml:timestamp xml:id="ts0" timeString="2019-05-27T17:50:44.343"/>
+    </inkml:context>
+    <inkml:brush xml:id="br0">
+      <inkml:brushProperty name="width" value="0.1" units="cm"/>
+      <inkml:brushProperty name="height" value="0.2" units="cm"/>
+      <inkml:brushProperty name="color" value="#00F900"/>
+      <inkml:brushProperty name="tip" value="rectangle"/>
+      <inkml:brushProperty name="rasterOp" value="maskPen"/>
+      <inkml:brushProperty name="ignorePressure" value="1"/>
+    </inkml:brush>
+  </inkml:definitions>
+  <inkml:trace contextRef="#ctx0" brushRef="#br0">6600 1164,'-6600'-1163,"6608"1164</inkml:trace>
+</inkml:ink>
+</file>
+
+<file path=ppt/ink/ink34.xml><?xml version="1.0" encoding="utf-8"?>
+<inkml:ink xmlns:inkml="http://www.w3.org/2003/InkML">
+  <inkml:definitions>
+    <inkml:context xml:id="ctx0">
+      <inkml:inkSource xml:id="inkSrc0">
+        <inkml:traceFormat>
+          <inkml:channel name="X" type="integer" min="-2.14748E9" max="2.14748E9" units="cm"/>
+          <inkml:channel name="Y" type="integer" min="-2.14748E9" max="2.14748E9" units="cm"/>
+        </inkml:traceFormat>
+        <inkml:channelProperties>
+          <inkml:channelProperty channel="X" name="resolution" value="1000" units="1/cm"/>
+          <inkml:channelProperty channel="Y" name="resolution" value="1000" units="1/cm"/>
+        </inkml:channelProperties>
+      </inkml:inkSource>
+      <inkml:timestamp xml:id="ts0" timeString="2019-05-27T17:51:00.307"/>
+    </inkml:context>
+    <inkml:brush xml:id="br0">
+      <inkml:brushProperty name="width" value="0.1" units="cm"/>
+      <inkml:brushProperty name="height" value="0.2" units="cm"/>
+      <inkml:brushProperty name="color" value="#00F900"/>
+      <inkml:brushProperty name="tip" value="rectangle"/>
+      <inkml:brushProperty name="rasterOp" value="maskPen"/>
+      <inkml:brushProperty name="ignorePressure" value="1"/>
+    </inkml:brush>
+  </inkml:definitions>
+  <inkml:trace contextRef="#ctx0" brushRef="#br0">7472 8,'58'-8,"-7513"924,7443-915,1 1,3-1,0 0,-3 0,-1 0,2 1,7-2,8-1</inkml:trace>
+</inkml:ink>
+</file>
+
+<file path=ppt/ink/ink35.xml><?xml version="1.0" encoding="utf-8"?>
+<inkml:ink xmlns:inkml="http://www.w3.org/2003/InkML">
+  <inkml:definitions>
+    <inkml:context xml:id="ctx0">
+      <inkml:inkSource xml:id="inkSrc0">
+        <inkml:traceFormat>
+          <inkml:channel name="X" type="integer" min="-2.14748E9" max="2.14748E9" units="cm"/>
+          <inkml:channel name="Y" type="integer" min="-2.14748E9" max="2.14748E9" units="cm"/>
+        </inkml:traceFormat>
+        <inkml:channelProperties>
+          <inkml:channelProperty channel="X" name="resolution" value="1000" units="1/cm"/>
+          <inkml:channelProperty channel="Y" name="resolution" value="1000" units="1/cm"/>
+        </inkml:channelProperties>
+      </inkml:inkSource>
+      <inkml:timestamp xml:id="ts0" timeString="2019-05-27T17:51:06.823"/>
+    </inkml:context>
+    <inkml:brush xml:id="br0">
+      <inkml:brushProperty name="width" value="0.1" units="cm"/>
+      <inkml:brushProperty name="height" value="0.2" units="cm"/>
+      <inkml:brushProperty name="color" value="#00F900"/>
+      <inkml:brushProperty name="tip" value="rectangle"/>
+      <inkml:brushProperty name="rasterOp" value="maskPen"/>
+      <inkml:brushProperty name="ignorePressure" value="1"/>
+    </inkml:brush>
+  </inkml:definitions>
+  <inkml:trace contextRef="#ctx0" brushRef="#br0">4463 0,'-4409'1181,"4401"-1178,-3-1,1 1,3-1,3-1,3 0,-1-1,-3 1,-1 1</inkml:trace>
+</inkml:ink>
+</file>
+
+<file path=ppt/ink/ink36.xml><?xml version="1.0" encoding="utf-8"?>
+<inkml:ink xmlns:inkml="http://www.w3.org/2003/InkML">
+  <inkml:definitions>
+    <inkml:context xml:id="ctx0">
+      <inkml:inkSource xml:id="inkSrc0">
+        <inkml:traceFormat>
+          <inkml:channel name="X" type="integer" min="-2.14748E9" max="2.14748E9" units="cm"/>
+          <inkml:channel name="Y" type="integer" min="-2.14748E9" max="2.14748E9" units="cm"/>
+        </inkml:traceFormat>
+        <inkml:channelProperties>
+          <inkml:channelProperty channel="X" name="resolution" value="1000" units="1/cm"/>
+          <inkml:channelProperty channel="Y" name="resolution" value="1000" units="1/cm"/>
+        </inkml:channelProperties>
+      </inkml:inkSource>
+      <inkml:timestamp xml:id="ts0" timeString="2019-05-27T17:51:15.967"/>
+    </inkml:context>
+    <inkml:brush xml:id="br0">
+      <inkml:brushProperty name="width" value="0.1" units="cm"/>
+      <inkml:brushProperty name="height" value="0.2" units="cm"/>
+      <inkml:brushProperty name="color" value="#00F900"/>
+      <inkml:brushProperty name="tip" value="rectangle"/>
+      <inkml:brushProperty name="rasterOp" value="maskPen"/>
+      <inkml:brushProperty name="ignorePressure" value="1"/>
+    </inkml:brush>
+  </inkml:definitions>
+  <inkml:trace contextRef="#ctx0" brushRef="#br0">1 904,'3907'-902,"-3903"901</inkml:trace>
+</inkml:ink>
+</file>
+
+<file path=ppt/ink/ink37.xml><?xml version="1.0" encoding="utf-8"?>
+<inkml:ink xmlns:inkml="http://www.w3.org/2003/InkML">
+  <inkml:definitions>
+    <inkml:context xml:id="ctx0">
+      <inkml:inkSource xml:id="inkSrc0">
+        <inkml:traceFormat>
+          <inkml:channel name="X" type="integer" min="-2.14748E9" max="2.14748E9" units="cm"/>
+          <inkml:channel name="Y" type="integer" min="-2.14748E9" max="2.14748E9" units="cm"/>
+        </inkml:traceFormat>
+        <inkml:channelProperties>
+          <inkml:channelProperty channel="X" name="resolution" value="1000" units="1/cm"/>
+          <inkml:channelProperty channel="Y" name="resolution" value="1000" units="1/cm"/>
+        </inkml:channelProperties>
+      </inkml:inkSource>
+      <inkml:timestamp xml:id="ts0" timeString="2019-05-27T17:51:26.317"/>
+    </inkml:context>
+    <inkml:brush xml:id="br0">
+      <inkml:brushProperty name="width" value="0.1" units="cm"/>
+      <inkml:brushProperty name="height" value="0.2" units="cm"/>
+      <inkml:brushProperty name="color" value="#00F900"/>
+      <inkml:brushProperty name="tip" value="rectangle"/>
+      <inkml:brushProperty name="rasterOp" value="maskPen"/>
+      <inkml:brushProperty name="ignorePressure" value="1"/>
+    </inkml:brush>
+  </inkml:definitions>
+  <inkml:trace contextRef="#ctx0" brushRef="#br0">4164 885,'-4038'-858,"4029"856,2 0,0 1,-1-1,-2 0,-1 0,2 0,-48-10,49 10</inkml:trace>
+</inkml:ink>
+</file>
+
+<file path=ppt/ink/ink38.xml><?xml version="1.0" encoding="utf-8"?>
+<inkml:ink xmlns:inkml="http://www.w3.org/2003/InkML">
+  <inkml:definitions>
+    <inkml:context xml:id="ctx0">
+      <inkml:inkSource xml:id="inkSrc0">
+        <inkml:traceFormat>
+          <inkml:channel name="X" type="integer" min="-2.14748E9" max="2.14748E9" units="cm"/>
+          <inkml:channel name="Y" type="integer" min="-2.14748E9" max="2.14748E9" units="cm"/>
+        </inkml:traceFormat>
+        <inkml:channelProperties>
+          <inkml:channelProperty channel="X" name="resolution" value="1000" units="1/cm"/>
+          <inkml:channelProperty channel="Y" name="resolution" value="1000" units="1/cm"/>
+        </inkml:channelProperties>
+      </inkml:inkSource>
+      <inkml:timestamp xml:id="ts0" timeString="2019-05-27T17:51:38.515"/>
+    </inkml:context>
+    <inkml:brush xml:id="br0">
+      <inkml:brushProperty name="width" value="0.1" units="cm"/>
+      <inkml:brushProperty name="height" value="0.2" units="cm"/>
+      <inkml:brushProperty name="color" value="#00F900"/>
+      <inkml:brushProperty name="tip" value="rectangle"/>
+      <inkml:brushProperty name="rasterOp" value="maskPen"/>
+      <inkml:brushProperty name="ignorePressure" value="1"/>
+    </inkml:brush>
+  </inkml:definitions>
+  <inkml:trace contextRef="#ctx0" brushRef="#br0">4513 0,'-4499'875,"4491"-873,3-1</inkml:trace>
+</inkml:ink>
+</file>
+
+<file path=ppt/ink/ink39.xml><?xml version="1.0" encoding="utf-8"?>
+<inkml:ink xmlns:inkml="http://www.w3.org/2003/InkML">
+  <inkml:definitions>
+    <inkml:context xml:id="ctx0">
+      <inkml:inkSource xml:id="inkSrc0">
+        <inkml:traceFormat>
+          <inkml:channel name="X" type="integer" min="-2.14748E9" max="2.14748E9" units="cm"/>
+          <inkml:channel name="Y" type="integer" min="-2.14748E9" max="2.14748E9" units="cm"/>
+          <inkml:channel name="F" type="integer" max="32767" units="dev"/>
+        </inkml:traceFormat>
+        <inkml:channelProperties>
+          <inkml:channelProperty channel="X" name="resolution" value="1000" units="1/cm"/>
+          <inkml:channelProperty channel="Y" name="resolution" value="1000" units="1/cm"/>
+          <inkml:channelProperty channel="F" name="resolution" value="0" units="1/dev"/>
+        </inkml:channelProperties>
+      </inkml:inkSource>
+      <inkml:timestamp xml:id="ts0" timeString="2019-05-27T17:51:40.888"/>
+    </inkml:context>
+    <inkml:brush xml:id="br0">
+      <inkml:brushProperty name="width" value="0.1" units="cm"/>
+      <inkml:brushProperty name="height" value="0.2" units="cm"/>
+      <inkml:brushProperty name="color" value="#00F900"/>
+      <inkml:brushProperty name="tip" value="rectangle"/>
+      <inkml:brushProperty name="rasterOp" value="maskPen"/>
+    </inkml:brush>
+  </inkml:definitions>
+  <inkml:trace contextRef="#ctx0" brushRef="#br0">216 243 2560,'-15'-8'1648,"-71"-53"5141,84 58-6723,-1 0 0,1 0 0,0 0 0,0 0 0,0 0 0,0 0 0,1-1 0,-1 1 0,1-1 0,0 1 0,0-1 0,0 1 0,1-1 0,-1 0 0,1 1 0,0-1 0,0 0 0,0 1 0,0-1 0,1 0 0,-1 1-1,1-1 1,0 0 0,0 1 0,0-1 0,1 1 0,0-2-66,1 0 26,-1 0-1,2 0 1,-1 0-1,0 1 1,1-1-1,0 1 0,0 0 1,0-1-1,1 2 1,-1-1-1,1 1 1,0-1-1,0 1 1,0 1-1,0-1 0,1 1 1,-1 0-1,1 0 1,-1 0-1,1 1 1,0 0-1,0 0 1,0 0-1,-1 1 1,1 0-1,0 0 0,0 1 1,0-1-1,0 1 1,-1 0-1,1 1 1,0 0-1,-1 0 1,0 0-1,1 0 0,-1 1 1,0 0-1,0 0 1,0 0-1,0 1 1,-1-1-1,1 1 1,-1 0-1,0 0 1,0 1-1,-1 0 0,1-1 1,-1 1-1,0 0 1,0 0-1,-1 1 1,0-1-1,1 0 1,-2 1-1,1 0 0,-1-1 1,0 1-26,0-1 52,-2 0 0,1-1 0,0 1-1,-1 0 1,0-1 0,0 1 0,0 0 0,-1-1 0,1 0 0,-1 1 0,0-1 0,0 0 0,-1 0-1,1 0 1,-1 0 0,0 0 0,0-1 0,0 1 0,-1-1 0,1 0 0,-1 0 0,0 0-1,0 0 1,0-1 0,0 1 0,0-1 0,0 0 0,-5 1-52,-131 32 808,63-39-557,76 4-248,-1-1 1,1 1-1,-1 0 1,0-1-1,1 1 1,-1-1-1,1 0 1,0 1-1,-1-1 1,1 0 0,0 0-1,-1 0 1,1 0-1,0 0 1,0 0-1,0 0 1,0-1-1,0 1 1,0 0-1,0-1 1,0 1-1,0 0 1,1-1-1,-1 1 1,0-1-1,1 1 1,0-1-1,-1 1 1,1-1-1,0 0 1,0 1-1,0-1 1,0 1-1,0-1 1,0 0-1,0 1 1,0-1-1,1 1 1,-1-1-1,0 1 1,1-1-1,0 1 1,-1-1 0,1 0-5,2-4 1,-1 0 0,1 0 0,0 1 0,1-1 0,-1 1 0,1 0 0,0 0 0,1 0 0,-1 1 0,1-1 0,0 1 0,0 0 0,0 0 0,0 1 0,1-1 0,-1 1 0,1 1 0,0-1 0,0 1 0,0 0 0,0 0 0,0 1 0,1-1 0,-1 1 0,1 1 0,-1-1 0,0 1 0,1 1 0,-1-1 0,1 1 0,-1 0 0,0 0 0,0 1 0,1-1 0,-1 2 0,0-1 0,-1 1 0,1-1 0,0 2 0,-1-1 0,0 1 0,1 0 0,-5-3 3,1 1-1,-1 0 1,0-1-1,0 1 1,0 0-1,-1-1 1,1 1-1,0 0 1,-1 0-1,1 0 1,-1-1-1,0 1 0,1 0 1,-1 0-1,0 0 1,0 0-1,0 0 1,-1 0-1,1 0 1,0 0-1,-1-1 1,1 1-1,-1 0 1,1 0-1,-1 0 0,0-1 1,0 1-1,0 0 1,0-1-1,0 1 1,0-1-1,0 1 1,-1-1-1,1 1 1,-1-1-1,1 0 1,-1 0-1,1 0 0,-1 1-2,-69 36 160,61-35-102,0 0-1,0-1 1,-1 0-1,1 0 1,-1-2-1,0 1 1,1-1-1,-1-1 0,1 1 1,-1-2-1,1 0 1,-1 0-1,-9-4-57,19 5 5,-1 1-1,0-1 1,1 0-1,-1 0 1,1 0-1,-1 0 1,1 0-1,0-1 1,0 1-1,-1 0 1,1-1-1,0 1 1,0 0-1,0-1 1,0 1-1,1-1 1,-1 0-1,0 1 1,1-1 0,-1 0-1,1 1 1,-1-1-1,1 0 1,0 0-1,0 0 1,0 1-1,0-1 1,0 0-1,0 0 1,0 1-1,0-1 1,1 0-1,-1 0 1,1 1-1,-1-1 1,1 0-1,0 1 1,0-1-1,0 1 1,0-1-1,0 1 1,0-1-1,0 1 1,0 0-1,2-2-4,55-65-5941,-27 42 1077,1 0 1024</inkml:trace>
+</inkml:ink>
+</file>
+
+<file path=ppt/ink/ink4.xml><?xml version="1.0" encoding="utf-8"?>
+<inkml:ink xmlns:inkml="http://www.w3.org/2003/InkML">
+  <inkml:definitions>
+    <inkml:context xml:id="ctx0">
+      <inkml:inkSource xml:id="inkSrc0">
+        <inkml:traceFormat>
+          <inkml:channel name="X" type="integer" min="-2.14748E9" max="2.14748E9" units="cm"/>
+          <inkml:channel name="Y" type="integer" min="-2.14748E9" max="2.14748E9" units="cm"/>
+          <inkml:channel name="F" type="integer" max="32767" units="dev"/>
+        </inkml:traceFormat>
+        <inkml:channelProperties>
+          <inkml:channelProperty channel="X" name="resolution" value="1000" units="1/cm"/>
+          <inkml:channelProperty channel="Y" name="resolution" value="1000" units="1/cm"/>
+          <inkml:channelProperty channel="F" name="resolution" value="0" units="1/dev"/>
+        </inkml:channelProperties>
+      </inkml:inkSource>
+      <inkml:timestamp xml:id="ts0" timeString="2019-05-27T17:43:03.206"/>
+    </inkml:context>
+    <inkml:brush xml:id="br0">
+      <inkml:brushProperty name="width" value="0.1" units="cm"/>
+      <inkml:brushProperty name="height" value="0.2" units="cm"/>
+      <inkml:brushProperty name="color" value="#FFFC00"/>
+      <inkml:brushProperty name="tip" value="rectangle"/>
+      <inkml:brushProperty name="rasterOp" value="maskPen"/>
+    </inkml:brush>
+  </inkml:definitions>
+  <inkml:trace contextRef="#ctx0" brushRef="#br0">31 0 1280,'0'0'256,"0"0"0,-12 58 384,7-22 0,-3 7-256,6-1 128,-1 5-256,3-10 0,0-4-128,3-5 128,-1-3-128,1-7 0,-1-3-128,1-4 0,-3-5-256,0-6 0,0 0-2688</inkml:trace>
+</inkml:ink>
+</file>
+
+<file path=ppt/ink/ink40.xml><?xml version="1.0" encoding="utf-8"?>
+<inkml:ink xmlns:inkml="http://www.w3.org/2003/InkML">
+  <inkml:definitions>
+    <inkml:context xml:id="ctx0">
+      <inkml:inkSource xml:id="inkSrc0">
+        <inkml:traceFormat>
+          <inkml:channel name="X" type="integer" min="-2.14748E9" max="2.14748E9" units="cm"/>
+          <inkml:channel name="Y" type="integer" min="-2.14748E9" max="2.14748E9" units="cm"/>
+          <inkml:channel name="F" type="integer" max="32767" units="dev"/>
+        </inkml:traceFormat>
+        <inkml:channelProperties>
+          <inkml:channelProperty channel="X" name="resolution" value="1000" units="1/cm"/>
+          <inkml:channelProperty channel="Y" name="resolution" value="1000" units="1/cm"/>
+          <inkml:channelProperty channel="F" name="resolution" value="0" units="1/dev"/>
+        </inkml:channelProperties>
+      </inkml:inkSource>
+      <inkml:timestamp xml:id="ts0" timeString="2019-05-27T17:51:42.085"/>
+    </inkml:context>
+    <inkml:brush xml:id="br0">
+      <inkml:brushProperty name="width" value="0.1" units="cm"/>
+      <inkml:brushProperty name="height" value="0.2" units="cm"/>
+      <inkml:brushProperty name="color" value="#00F900"/>
+      <inkml:brushProperty name="tip" value="rectangle"/>
+      <inkml:brushProperty name="rasterOp" value="maskPen"/>
+    </inkml:brush>
+  </inkml:definitions>
+  <inkml:trace contextRef="#ctx0" brushRef="#br0">140 278 4864,'-53'-115'6165,"51"111"-6112,0 0 1,-1 1-1,2-1 0,-1 0 1,0 0-1,1 0 0,0 0 1,0-1-1,0 1 0,0 0 1,1 0-1,-1-1 0,1 1 1,0 0-1,0 0 0,1-1 1,0 1-1,-1 0 0,1 0 1,1 0-1,-1 0 0,0 0 1,1 0-1,0 0 0,0 0 1,0 0-1,1 1 0,-1-1 1,1 1-1,0 0 0,0 0 1,0 0-1,0 0 0,0 0 1,1 0-1,-1 1 0,1 0 1,3-2-54,4 2 29,0 1 1,0 0-1,0 1 1,0 0-1,0 0 1,0 2-1,1-1 1,-1 1-1,-1 1 1,1 0 0,0 0-1,-1 1 1,4 2-30,-12-5 15,-1 0 0,1-1 0,-1 1 0,1 0 0,-1 0-1,1 0 1,-1 1 0,0-1 0,0 0 0,1 0 0,-1 1 0,0-1 0,0 1 0,0-1 0,-1 1 0,1-1 0,0 1 0,-1 0 0,1-1 0,-1 1 0,1 0 0,-1-1 0,0 1 0,1 0 0,-1 0 0,0-1 0,0 1 0,0 0 0,-1 0 0,1-1 0,0 1 0,-1 0 0,1-1 0,-1 1 0,1 0 0,-1-1 0,0 1 0,0-1 0,0 1 0,0-1 0,0 1 0,0-1 0,0 0-15,-57 53 508,46-50-446,1 0 1,-1-1 0,0 0-1,0-1 1,0 0 0,0-1-1,0 0 1,-1-1 0,1 0-1,0-1 1,0-1 0,0 0-1,0 0 1,0-1 0,0-1-1,-1 0-62,11 3 4,0 1 0,1-1 0,-1 0 0,0 0 0,1 0 0,-1 0 0,0 0 0,1 0-1,-1 0 1,1 0 0,0 0 0,-1-1 0,1 1 0,0-1 0,0 1 0,0-1 0,0 1 0,0-1 0,0 0 0,1 1-1,-1-1 1,0 0 0,1 1 0,-1-1 0,1 0 0,0 0 0,0 0 0,-1 0 0,1 1 0,0-1 0,1 0 0,-1 0-1,0 0 1,0 0 0,1 0 0,-1 1 0,1-1 0,0 0 0,-1 1 0,1-1 0,0 0 0,1 0-4,54-60-122,-50 58 121,1 0 0,0 1 1,0-1-1,1 1 0,-1 1 1,1-1-1,-1 1 0,1 1 0,0-1 1,0 1-1,0 1 0,0 0 1,-1 0-1,1 0 0,0 1 0,0 0 1,0 0-1,0 1 0,-1 0 1,1 1-1,-1-1 0,0 1 1,1 1-1,-2 0 0,1 0 0,0 0 1,-1 0-1,1 1 0,-1 0 1,1 2 0,-7-2 9,1 0 0,-1-1 0,0 1 0,0 0 0,-1 0 0,1-1 1,-1 1-1,0 0 0,-1-1 0,1 1 0,-1-1 0,1 1 0,-1-1 1,-1 0-1,1 0 0,-1 0 0,1 0 0,-1 0 0,0 0 0,-1-1 1,1 0-1,-1 1 0,1-1 0,-1 0 0,0-1 0,0 1 0,0-1 1,0 0-10,-2 2 26,1 0 0,0-1 0,-1 0 1,0-1-1,0 1 0,0-1 0,0 0 1,0-1-1,0 1 0,0-1 0,-1 0 1,1-1-1,0 0 0,-1 0 0,1 0 1,0-1-1,-1 1 0,1-1 0,0-1 1,0 0-1,0 1 0,0-2 0,0 1 1,0-1-1,0 0 0,1 0 0,0 0 1,-1-1-1,1 0 0,0 0 0,1 0 1,-1-1-1,1 0 0,0 1 0,0-2 1,0 1-1,1 0 0,0-1 0,-2-4-26,4 7 0,1 0 0,0-1 0,-1 1 0,1 0 0,1 0 0,-1 0 0,0 0 0,1 0 0,0 0 0,0 0 0,0 0 0,0 0 0,0 1 0,0-1 0,1 0 0,-1 0 0,1 1 0,0-1 0,0 1 0,0 0 0,0-1 0,0 1 0,0 0 0,1 0 0,-1 0 0,1 1 0,-1-1 0,1 1 0,0-1 0,0 1 0,-1 0 0,1 0 0,0 0 0,0 0 0,0 1 0,2-1 0,111-6 0,-113 7-209,0 0-1,0 0 0,-1 1 0,1-1 1,0 1-1,0 0 0,-1 0 0,1 0 1,0 0-1,-1 0 0,1 0 0,-1 1 0,0 0 1,1-1-1,-1 1 0,0 0 0,0 0 1,0 0-1,0 0 0,-1 0 0,1 0 1,0 1-1,-1-1 0,0 1 0,1-1 0,-1 1 1,0-1-1,0 1 0,-1 0 0,1 0 1,0-1-1,-1 1 0,0 0 0,1 0 1,-1 0-1,0-1 0,-1 1 0,1 0 0,0 0 1,-1 0-1,0-1 0,0 2 210,-2 22-4629</inkml:trace>
+</inkml:ink>
+</file>
+
+<file path=ppt/ink/ink41.xml><?xml version="1.0" encoding="utf-8"?>
+<inkml:ink xmlns:inkml="http://www.w3.org/2003/InkML">
+  <inkml:definitions>
+    <inkml:context xml:id="ctx0">
+      <inkml:inkSource xml:id="inkSrc0">
+        <inkml:traceFormat>
+          <inkml:channel name="X" type="integer" min="-2.14748E9" max="2.14748E9" units="cm"/>
+          <inkml:channel name="Y" type="integer" min="-2.14748E9" max="2.14748E9" units="cm"/>
+          <inkml:channel name="F" type="integer" max="32767" units="dev"/>
+        </inkml:traceFormat>
+        <inkml:channelProperties>
+          <inkml:channelProperty channel="X" name="resolution" value="1000" units="1/cm"/>
+          <inkml:channelProperty channel="Y" name="resolution" value="1000" units="1/cm"/>
+          <inkml:channelProperty channel="F" name="resolution" value="0" units="1/dev"/>
+        </inkml:channelProperties>
+      </inkml:inkSource>
+      <inkml:timestamp xml:id="ts0" timeString="2019-05-27T17:51:43.366"/>
+    </inkml:context>
+    <inkml:brush xml:id="br0">
+      <inkml:brushProperty name="width" value="0.1" units="cm"/>
+      <inkml:brushProperty name="height" value="0.2" units="cm"/>
+      <inkml:brushProperty name="color" value="#00F900"/>
+      <inkml:brushProperty name="tip" value="rectangle"/>
+      <inkml:brushProperty name="rasterOp" value="maskPen"/>
+    </inkml:brush>
+  </inkml:definitions>
+  <inkml:trace contextRef="#ctx0" brushRef="#br0">114 200 8448,'-1'0'28,"1"-1"1,0 1-1,-1-1 0,1 1 1,-1-1-1,1 1 1,0-1-1,-1 0 1,1 1-1,0-1 1,-1 1-1,1-1 0,0 0 1,0 1-1,0-1 1,0 0-1,-1 1 1,1-1-1,0 0 0,0 1 1,0-1-1,1 0 1,-1 1-1,0-1 1,0 0-1,0 1 1,0-1-1,1 0 0,-1 1 1,0-1-1,0 1 1,1-1-1,-1 0 1,1 1-1,-1-1 0,0 1 1,1-1-1,-1 1 1,1-1-1,-1 1 1,1 0-1,-1-1 1,1 1-1,0 0 0,-1-1 1,1 1-1,-1 0 1,1 0-1,0-1 1,-1 1-1,1 0 0,0 0 1,-1 0-1,1 0 1,0 0-1,-1 0 1,1 0-1,0 0 1,-1 0-1,1 0 0,0 0 1,-1 0-1,1 1-28,-17-46 1153,17 39-1109,1 0 1,0 0 0,0 0-1,1 0 1,-1 0 0,1 1-1,1-1 1,-1 1 0,1 0-1,0 0 1,0 0-1,0 1 1,1-1 0,-1 1-1,1 0 1,0 0 0,1 1-1,-1-1 1,0 1 0,1 0-1,0 1 1,0 0 0,0-1-1,0 2 1,0-1 0,0 1-1,0 0 1,1 0 0,-1 1-1,0-1 1,1 1-1,-1 1 1,0 0 0,1-1-1,-1 2 1,0-1 0,0 1-1,0 0 1,0 0 0,0 1-1,-1-1 1,1 1 0,0 1-45,0-1 53,-1 0 0,0 0 1,0 0-1,0 1 0,-1 0 1,1 0-1,-1 0 0,0 0 1,0 1-1,0 0 0,-1 0 1,0 0-1,0 0 0,0 0 1,0 1-1,-1-1 0,0 1 1,0-1-1,0 1 0,-1 0 1,0 0-1,0 0 0,-1 0 1,1 0-1,-1 0 0,-1 0 1,1 0-1,-1 0 0,0 0 1,0-1-1,-1 1 0,1 0 1,-1 0-1,-1-1 0,1 1 1,-1-1-1,0 0 0,-3 4-53,0 0 61,-1-1 1,0 0-1,-1 0 0,0 0 0,0-1 0,0 0 0,-1-1 0,0 0 1,0 0-1,-1-1 0,0 0 0,0-1 0,0 0 0,0-1 1,-1 0-1,1 0 0,-1-1 0,0 0 0,0-1 0,1-1 0,-1 1 1,0-2-1,0 0 0,0 0 0,0 0 0,1-2 0,-1 1 1,1-1-1,-1-1 0,-6-3-61,15 6 3,-1 0 0,0 0 0,0 0 0,1-1 0,-1 1 0,1-1 0,-1 1 0,1-1 0,-1 0 0,1 0 0,0 0 0,0 0-1,0-1 1,0 1 0,1 0 0,-1-1 0,1 0 0,-1 1 0,1-1 0,0 0 0,0 0 0,0 1 0,0-1 0,0 0 0,1 0 0,-1 0 0,1 0 0,0 0 0,0 0 0,0 0 0,0 0 0,1 0 0,-1 0 0,1 0 0,0 0 0,0 0 0,0 1 0,0-1 0,0 0 0,0 0 0,1 1 0,0-1-3,88-93-125,-84 91 117,0 0-1,0 1 1,0 0 0,0 0 0,1 0 0,-1 1 0,1 0 0,0 0-1,0 0 1,0 1 0,0 0 0,1 1 0,-1 0 0,1 0-1,-1 0 1,0 1 0,1 0 0,-1 1 0,1-1 0,-1 1 0,0 1-1,1 0 1,-1 0 0,0 0 0,0 1 0,0 0 0,-1 0-1,1 0 1,-1 1 0,0 0 0,0 1 0,0-1 0,0 1 0,3 3 7,-8-5 6,0 0 0,0-1 0,1 1 0,-1 0 0,-1 0 0,1 0-1,0-1 1,-1 1 0,0 0 0,1 0 0,-1 0 0,0 0 0,0 0-1,-1 0 1,1 0 0,-1 0 0,1 0 0,-1-1 0,0 1-1,0 0 1,0 0 0,-1-1 0,1 1 0,-1-1 0,1 1 0,-1-1-1,0 0 1,0 1 0,0-1 0,0 0 0,0 0 0,0 0-1,-2 0-4,-90 43 224,74-42-157,1-1-1,0 0 0,-1-2 0,1 0 0,-1-1 0,1-1 0,-1-1 1,1-1-1,0 0 0,-7-4-66,24 8 3,0-1 0,1 1 0,-1-1 0,0 1 0,1-1 0,-1 0 0,1 1 0,-1-1 0,1 0 0,-1 0-1,1 0 1,-1 0 0,1 0 0,0-1 0,0 1 0,0 0 0,0-1 0,0 1 0,0 0 0,0-1 0,0 1 0,0-1 0,0 0 0,1 1 0,-1-1 0,1 1 0,-1-1 0,1 0 0,0 0 0,0 1 0,0-1 0,0 0 0,0 1 0,0-1 0,0 0 0,0 0 0,1 1 0,-1-1 0,0 0 0,1 0-3,48-55-55,51-1-1319,67 2-7449,-74 32 4599</inkml:trace>
+</inkml:ink>
+</file>
+
+<file path=ppt/ink/ink42.xml><?xml version="1.0" encoding="utf-8"?>
+<inkml:ink xmlns:inkml="http://www.w3.org/2003/InkML">
+  <inkml:definitions>
+    <inkml:context xml:id="ctx0">
+      <inkml:inkSource xml:id="inkSrc0">
+        <inkml:traceFormat>
+          <inkml:channel name="X" type="integer" min="-2.14748E9" max="2.14748E9" units="cm"/>
+          <inkml:channel name="Y" type="integer" min="-2.14748E9" max="2.14748E9" units="cm"/>
+          <inkml:channel name="F" type="integer" max="32767" units="dev"/>
+        </inkml:traceFormat>
+        <inkml:channelProperties>
+          <inkml:channelProperty channel="X" name="resolution" value="1000" units="1/cm"/>
+          <inkml:channelProperty channel="Y" name="resolution" value="1000" units="1/cm"/>
+          <inkml:channelProperty channel="F" name="resolution" value="0" units="1/dev"/>
+        </inkml:channelProperties>
+      </inkml:inkSource>
+      <inkml:timestamp xml:id="ts0" timeString="2019-05-27T17:51:44.991"/>
+    </inkml:context>
+    <inkml:brush xml:id="br0">
+      <inkml:brushProperty name="width" value="0.1" units="cm"/>
+      <inkml:brushProperty name="height" value="0.2" units="cm"/>
+      <inkml:brushProperty name="color" value="#00F900"/>
+      <inkml:brushProperty name="tip" value="rectangle"/>
+      <inkml:brushProperty name="rasterOp" value="maskPen"/>
+    </inkml:brush>
+  </inkml:definitions>
+  <inkml:trace contextRef="#ctx0" brushRef="#br0">230 234 8704,'-47'-48'4757,"43"43"-4691,0 0-1,1 0 1,-1-1-1,1 1 1,0-1-1,1 1 1,-1-1 0,1 0-1,0 0 1,1 0-1,-1 0 1,1 0-1,1 0 1,-1-1 0,1 1-1,0 0 1,0 0-1,1 0 1,0-1-1,0 1 1,0 0 0,1 0-1,0 0 1,0 0-1,0 1 1,1-1 0,1-2-66,-2 6 0,0 0 0,0 0 0,1 1 0,-1-1 0,0 1 0,1-1 0,-1 1 0,1 0 0,-1 0 0,1 0 0,-1 0 0,1 0 0,0 0 0,-1 1 0,1 0 0,0-1 0,0 1 0,-1 0 0,1 0 0,0 1 0,0-1 0,-1 0 0,1 1 0,0 0 0,0-1 0,-1 1 0,1 0 0,-1 1 0,1-1 0,-1 0 0,3 2 0,71 52 0,-71-51 50,0 1 1,0-1-1,0 1 1,-1-1 0,0 1-1,0 0 1,0 1-1,0-1 1,-1 1 0,0 0-1,0 0 1,0 0-1,-1 0 1,0 0 0,0 0-1,0 1 1,-1-1-1,0 1 1,-1-1 0,1 1-1,-1 0 1,0-1-1,-1 1 1,0-1 0,0 1-1,0-1 1,-1 1-1,1-1 1,-2 0 0,1 0-1,-1 0 1,0 0-1,0 0 1,0-1 0,-1 1-1,0-1 1,0 0-1,-1 0 1,1 0 0,-1-1-1,0 1 1,0-1-1,-6 3-50,-1-3 55,0-1 0,-1 0 0,0-1-1,1 0 1,-1-1 0,0 0 0,0-1-1,0-1 1,0 0 0,1-1-1,-1 0 1,0-1 0,1 0 0,0-1-1,0-1 1,0 1 0,0-2-1,1 0 1,0 0 0,0-1 0,0-1-1,1 1 1,0-2-55,7 7 1,1 0-1,0 0 1,-1 0 0,1 0-1,0-1 1,1 1-1,-1 0 1,0-1 0,1 1-1,-1-1 1,1 0 0,0 0-1,-1 0 1,2 1 0,-1-1-1,0 0 1,0 0-1,1 0 1,0 0 0,-1 0-1,1 0 1,1 0 0,-1 0-1,0 0 1,1 0-1,-1 0 1,1 0 0,0 0-1,0 0 1,0 0 0,0 0-1,0 1 1,1-1-1,0 0 1,-1 1 0,1-1-1,0 1 1,0 0 0,0 0-1,2-2 0,107-65-25,-100 66 14,-1 0-1,1 1 1,0 1 0,-1 0-1,1 0 1,0 1 0,0 0-1,0 1 1,0 1 0,-1-1-1,1 2 1,-1-1 0,1 2-1,-1-1 1,0 1 0,0 1-1,0 0 1,-1 0 0,0 1-1,0 0 1,0 1 0,-1-1-1,0 2 1,0-1 0,0 1-1,-1 1 1,-1-1 0,1 1-1,-1 0 1,-1 0 0,0 1-1,2 4 12,-6-10 20,0 1 0,-1-1-1,1 0 1,-1 0-1,0 1 1,0-1-1,0 0 1,-1 0-1,1 1 1,-1-1 0,0 0-1,0 0 1,-1 0-1,1 0 1,-1 0-1,0 0 1,0-1-1,0 1 1,-1 0 0,1-1-1,-1 0 1,0 1-1,0-1 1,0 0-1,0-1 1,0 1-1,-1 0 1,1-1 0,-1 0-1,0 0 1,1 0-1,-1 0 1,-2 0-20,-3 2 57,-1 1 0,0-2 0,-1 1 0,1-2 0,0 1 0,-1-1 0,0-1 0,1 0 0,-1 0 0,0-1 0,1-1 0,-1 0 0,0 0-57,-3-2 49,1-1 0,1 0 1,-1-1-1,0 0 0,1-1 0,0 0 0,1-1 1,-1-1-1,-7-6-49,15 11 11,1 1-1,0-1 1,-1 0 0,1 0 0,1-1 0,-1 1 0,0 0-1,1-1 1,-1 0 0,1 1 0,0-1 0,1 0 0,-1 0-1,1 0 1,-1 0 0,1-1 0,0 1 0,1 0 0,-1 0-1,1-1 1,0 1 0,0 0 0,0-1 0,0 1 0,1 0-1,0-1 1,0 1 0,0 0 0,0 0 0,1 0 0,0 0-1,-1 0-10,5-7-12,1 1 0,0 0 0,0 0 0,1 1 0,0 0 0,1 0 0,0 1 0,0 0 0,1 1 0,0 0 0,0 0 0,0 1 0,1 0 0,0 1 0,1 0 0,8-2 12,-13 5-7,1 0 0,-1 0 0,1 0 0,-1 1 0,1 0 0,-1 0 0,1 1-1,0 0 1,-1 1 0,1 0 0,0 0 0,-1 0 0,1 1 0,-1 0 0,0 0 0,0 1-1,1 0 1,-2 0 0,1 1 0,0 0 0,-1 0 0,0 1 0,0-1 0,0 2 0,0-1-1,-1 0 1,1 1 7,-3-2 11,0 0 0,0 0-1,-1 0 1,1 1 0,-1-1-1,0 0 1,0 1 0,-1 0-1,1-1 1,-1 1 0,0 0-1,0 0 1,-1 0 0,1 0-1,-1-1 1,0 1 0,0 0-1,-1 0 1,1 0 0,-1 0-1,0 0 1,-1-1 0,1 1-1,-1 0 1,0-1 0,0 1-1,0-1 1,-1 0 0,0 0-1,-2 4-10,0-1 28,-1 0 0,0 0 0,0-1 0,-1 0 0,0 0 0,0 0 0,0-1 0,0 0 0,-1-1 0,0 1 0,0-2 0,0 1 0,0-1 0,-1 0 0,1-1 0,-7 2-28,5-3 40,0 0-1,0 0 1,0-1-1,0-1 1,0 1-1,0-1 1,0-1-1,0 0 1,0-1-1,1 0 0,-1 0 1,1-1-1,-1 0 1,1 0-1,1-1 1,-1-1-1,1 1 1,0-1-1,0-1 1,-2-2-40,8 7 4,0 0 0,1-1 0,-1 1 0,1-1 0,0 1 0,0-1 0,0 1 0,0-1 1,0 0-1,0 1 0,1-1 0,-1 0 0,1 0 0,0 1 0,0-1 0,0 0 0,0 0 0,0 0 0,1 1 1,-1-1-1,1 0 0,0 0 0,0 1 0,0-1 0,0 1 0,0-1 0,0 1 0,1-1 0,-1 1 0,1 0 1,0 0-1,0-1 0,0 1 0,0 0 0,0 1 0,0-1 0,0 0 0,1 1 0,-1-1 0,0 1 1,3-1-6,107-47-1212,-40 37-1819,38 13-6522,-48 5 5373</inkml:trace>
+</inkml:ink>
+</file>
+
+<file path=ppt/ink/ink43.xml><?xml version="1.0" encoding="utf-8"?>
+<inkml:ink xmlns:inkml="http://www.w3.org/2003/InkML">
+  <inkml:definitions>
+    <inkml:context xml:id="ctx0">
+      <inkml:inkSource xml:id="inkSrc0">
+        <inkml:traceFormat>
+          <inkml:channel name="X" type="integer" min="-2.14748E9" max="2.14748E9" units="cm"/>
+          <inkml:channel name="Y" type="integer" min="-2.14748E9" max="2.14748E9" units="cm"/>
+          <inkml:channel name="F" type="integer" max="32767" units="dev"/>
+        </inkml:traceFormat>
+        <inkml:channelProperties>
+          <inkml:channelProperty channel="X" name="resolution" value="1000" units="1/cm"/>
+          <inkml:channelProperty channel="Y" name="resolution" value="1000" units="1/cm"/>
+          <inkml:channelProperty channel="F" name="resolution" value="0" units="1/dev"/>
+        </inkml:channelProperties>
+      </inkml:inkSource>
+      <inkml:timestamp xml:id="ts0" timeString="2019-05-27T17:51:46.171"/>
+    </inkml:context>
+    <inkml:brush xml:id="br0">
+      <inkml:brushProperty name="width" value="0.1" units="cm"/>
+      <inkml:brushProperty name="height" value="0.2" units="cm"/>
+      <inkml:brushProperty name="color" value="#00F900"/>
+      <inkml:brushProperty name="tip" value="rectangle"/>
+      <inkml:brushProperty name="rasterOp" value="maskPen"/>
+    </inkml:brush>
+  </inkml:definitions>
+  <inkml:trace contextRef="#ctx0" brushRef="#br0">91 197 8064,'-10'-8'2666,"-36"-59"1295,45 64-3919,0-1 1,0 0-1,0-1 0,1 1 0,-1 0 0,1 0 0,0 0 0,0 0 1,0 0-1,1 0 0,-1 0 0,1-1 0,0 1 0,1 1 1,-1-1-1,0 0 0,1 0 0,0 0 0,0 1 0,0-1 0,1 1 1,-1-1-1,1 1 0,-1 0 0,1 0 0,0 0 0,0 1 1,3-2-43,0 1 23,1 1 0,-1 0 0,1 0 0,0 1 0,0-1 0,-1 2 0,1-1 0,0 1 0,0 0 0,0 0 0,0 1 0,0 0 0,0 0 0,-1 1 0,1 0 0,-1 0 0,1 0 0,-1 1 0,0 0 0,1 0 0,-1 1 0,-1 0 0,1 0 0,-1 0 0,1 0 0,-1 1 0,-1 0 0,1 0 0,-1 1 0,1-1 0,-2 1 0,1 0 0,0 0 0,-1 0 0,-1 0 0,1 1 0,-1-1 0,2 7-23,-4-8 36,0 1-1,0-1 0,-1 0 1,0 1-1,0-1 1,0 1-1,0-1 0,-1 0 1,0 0-1,0 0 0,0 0 1,-1 0-1,0 0 1,0-1-1,0 1 0,0-1 1,-1 0-1,0 0 1,0 0-1,0 0 0,0-1 1,0 1-1,-1-1 1,1 0-1,-1-1 0,0 1 1,0-1-1,0 0 1,0 0-1,0-1 0,-1 1 1,1-1-1,-1 0 1,1 0-1,0-1 0,-1 0 1,1 0-1,-1 0 1,1-1-1,-1 1 0,1-1 1,0-1-1,-1 1 0,0-1-35,2 2 10,0 0 0,0 1-1,0-2 1,0 1-1,0 0 1,0-1 0,0 0-1,0 0 1,0 0-1,0-1 1,0 1 0,0-1-1,1 0 1,-1 0-1,0 0 1,1 0 0,0-1-1,0 0 1,0 1-1,0-1 1,0 0 0,0 0-1,1-1 1,-1 1-1,1 0 1,0-1 0,0 0-1,0 1 1,1-1-1,-1 0 1,1 0 0,0 0-1,0 0 1,0 0-1,1 0 1,-1 0 0,1 0-1,0 0 1,0-1-1,1-2-9,1 2 0,1 0 0,0-1 0,0 1 0,1 0 0,-1 1 0,1-1 0,0 0 0,1 1 0,-1 0 0,1 0 0,-1 1 0,1-1 0,0 1 0,1 0 0,-1 0 0,0 0 0,1 1 0,0 0 0,-1 0 0,1 1 0,0-1 0,0 1 0,0 0 0,0 1 0,0 0 0,0 0 0,0 0 0,0 0 0,0 1 0,0 0 0,0 1 0,0-1 0,0 1 0,-1 0 0,1 0 0,-1 1 0,1 0 0,1 1 0,-6-3 0,1 1 0,-1-1 0,0 1 0,0 0 0,0-1 0,0 1 0,0 0 0,0 0 0,0 0 0,-1 0 0,1-1 0,-1 1 0,1 0 0,-1 0 0,0 0 0,0 0 0,1 0 0,-2 0 0,1 0 0,0 0 0,0 0 0,-1 0 0,1 0 0,-1 0 0,1 0 0,-1 0 0,0 0 0,0 0 0,0-1 0,0 1 0,0 0 0,0-1 0,0 1 0,-1 0 0,1-1 0,0 0 0,-1 1 0,1-1 0,-1 0 0,0 0 0,1 0 0,-1 0 0,0 0 0,-81 34 0,-4-50 75,86 15-75,-1-1 1,0 0-1,0 0 0,0 0 0,1 0 1,-1 0-1,0-1 0,1 1 0,-1 0 1,1-1-1,0 1 0,-1-1 0,1 1 1,0-1-1,0 0 0,0 1 1,0-1-1,0 0 0,0 0 0,1 0 1,-1 0-1,1 0 0,-1 0 0,1 0 1,0 0-1,0 0 0,-1 0 0,1 0 1,1 0-1,-1 0 0,0 0 0,0 0 1,1 0-1,-1 0 0,1 0 0,0 1 1,0-1-1,-1 0 0,1 0 0,0 0 1,1 0-1,49-46-1264,55 19-8437,-54 21 5605</inkml:trace>
+</inkml:ink>
+</file>
+
+<file path=ppt/ink/ink44.xml><?xml version="1.0" encoding="utf-8"?>
+<inkml:ink xmlns:inkml="http://www.w3.org/2003/InkML">
+  <inkml:definitions>
+    <inkml:context xml:id="ctx0">
+      <inkml:inkSource xml:id="inkSrc0">
+        <inkml:traceFormat>
+          <inkml:channel name="X" type="integer" min="-2.14748E9" max="2.14748E9" units="cm"/>
+          <inkml:channel name="Y" type="integer" min="-2.14748E9" max="2.14748E9" units="cm"/>
+          <inkml:channel name="F" type="integer" max="32767" units="dev"/>
+        </inkml:traceFormat>
+        <inkml:channelProperties>
+          <inkml:channelProperty channel="X" name="resolution" value="1000" units="1/cm"/>
+          <inkml:channelProperty channel="Y" name="resolution" value="1000" units="1/cm"/>
+          <inkml:channelProperty channel="F" name="resolution" value="0" units="1/dev"/>
+        </inkml:channelProperties>
+      </inkml:inkSource>
+      <inkml:timestamp xml:id="ts0" timeString="2019-05-27T17:51:47.238"/>
+    </inkml:context>
+    <inkml:brush xml:id="br0">
+      <inkml:brushProperty name="width" value="0.1" units="cm"/>
+      <inkml:brushProperty name="height" value="0.2" units="cm"/>
+      <inkml:brushProperty name="color" value="#00F900"/>
+      <inkml:brushProperty name="tip" value="rectangle"/>
+      <inkml:brushProperty name="rasterOp" value="maskPen"/>
+    </inkml:brush>
+  </inkml:definitions>
+  <inkml:trace contextRef="#ctx0" brushRef="#br0">36 229 9472,'-10'-34'444,"7"29"-280,1 0-1,0 1 1,0-1-1,1-1 0,-1 1 1,1 0-1,0 0 1,0 0-1,1-1 0,0 1 1,0 0-1,0 0 1,0-1-1,1 1 0,0 0 1,0 0-1,0-1 1,1 1-1,0 0 0,0 0 1,0 1-1,0-1 1,1 0-1,0 1 0,0 0 1,1-2-164,1 0 39,1 1 0,-1 0 1,1 0-1,0 1 0,0-1 0,0 1 1,1 1-1,-1-1 0,1 1 0,0 0 1,0 0-1,0 1 0,0 0 0,0 1 1,1-1-1,-1 1 0,1 1 0,-1-1 1,1 1-1,-1 1 0,0-1 0,1 1 1,-1 1-1,0-1 0,1 1 0,-1 0 1,0 1-1,0 0 0,-1 0 0,1 0 1,0 1-1,-1 0 0,0 0 0,0 1 1,0 0-1,-1 0 0,0 0 1,0 1-1,0-1 0,0 1 0,-1 0 1,0 1-1,0-1 0,-1 1 0,0-1 1,0 1-1,0 0 0,-1 0 0,0 1 1,0-1-40,-2-1 51,0 0 0,0-1 0,0 1 1,-1 0-1,0-1 0,0 1 1,-1-1-1,1 1 0,-1-1 1,0 1-1,0-1 0,-1 0 1,0 0-1,0 0 0,0-1 1,0 1-1,-1-1 0,0 1 0,0-1 1,0 0-1,0-1 0,-1 1 1,1-1-1,-1 0 0,0 0 1,0 0-1,0-1 0,0 1 1,-1-1-1,1-1 0,0 1 1,-1-1-1,0 0 0,1 0 0,-1 0 1,1-1-1,-3 0-51,-3 0 36,1 0 0,0-1 0,0 0 0,0 0 0,0-1 0,0-1 0,0 0 0,0 0 0,1-1 0,0 0 0,-1 0 0,1-1 0,-3-3-36,7 5 6,1 1 0,0-1 1,0 0-1,0 0 0,0-1 0,1 1 0,-1-1 0,1 0 0,0 0 1,0 0-1,0 0 0,1 0 0,-1-1 0,1 1 0,0-1 0,0 0 1,1 1-1,0-1 0,-1 0 0,1 0 0,1 0 0,-1 0 0,1 0 1,0 0-1,0 0 0,1 0 0,-1 0 0,1-2-6,1 3-5,-1-1 1,1 1-1,0-1 0,0 1 0,0-1 1,1 1-1,0 0 0,0 0 0,0 1 0,0-1 1,0 0-1,1 1 0,-1 0 0,1 0 1,0 0-1,0 0 0,0 1 0,1-1 1,-1 1-1,1 0 0,-1 0 0,1 1 1,-1 0-1,1-1 0,0 1 0,0 1 1,0-1-1,3 1 5,2-1-8,1 1 0,-1 0 0,0 1 1,1 0-1,-1 0 0,0 1 0,0 1 0,0-1 1,0 2-1,0-1 0,-1 2 0,0-1 0,2 2 8,77 76 0,-87-81 5,-1 0 0,1 1-1,0-1 1,-1 0 0,1 1 0,0-1-1,-1 1 1,0-1 0,1 1-1,-1-1 1,0 1 0,0-1-1,0 1 1,0-1 0,0 1-1,0-1 1,0 1 0,0-1-1,-1 1 1,1-1 0,0 0-1,-1 1 1,0-1 0,1 1-1,-1-1 1,0 0 0,1 0-1,-1 1 1,0-1 0,0 0 0,0 0-1,0 0 1,0 0 0,-1 0-1,1 0 1,0 0 0,0 0-1,0 0 1,-1-1 0,1 1-1,-1-1 1,1 1 0,0-1-1,-1 1 1,1-1 0,-1 0-1,1 1 1,-1-1 0,0 0-5,-78 0 261,62-4-214,0-1 1,1-1-1,0-1 1,1 0-1,0-1 1,0-1-1,0 0 0,1-1 1,-13-11-48,27 20-3,0 0 0,0 0 1,0-1-1,0 1 0,0 0 1,0 0-1,0 0 1,0-1-1,0 1 0,1-1 1,-1 1-1,0 0 0,1-1 1,-1 1-1,1-1 0,0 1 1,-1-1-1,1 1 0,0-1 1,0 0-1,0 1 0,0-1 1,0 1-1,0-1 0,1 1 1,-1-1-1,0 1 0,1-1 1,-1 1-1,1-1 1,0 1-1,-1-1 0,1 1 1,0 0-1,0-1 0,0 1 1,0 0-1,0 0 0,0 0 1,0 0-1,0 0 0,1 0 1,-1 0-1,0 0 0,1 0 1,-1 1-1,0-1 0,1 0 1,0 1 2,76-28-3496,-77 27 3282,52-12-10303</inkml:trace>
+</inkml:ink>
+</file>
+
+<file path=ppt/ink/ink45.xml><?xml version="1.0" encoding="utf-8"?>
+<inkml:ink xmlns:inkml="http://www.w3.org/2003/InkML">
+  <inkml:definitions>
+    <inkml:context xml:id="ctx0">
+      <inkml:inkSource xml:id="inkSrc0">
+        <inkml:traceFormat>
+          <inkml:channel name="X" type="integer" min="-2.14748E9" max="2.14748E9" units="cm"/>
+          <inkml:channel name="Y" type="integer" min="-2.14748E9" max="2.14748E9" units="cm"/>
+          <inkml:channel name="F" type="integer" max="32767" units="dev"/>
+        </inkml:traceFormat>
+        <inkml:channelProperties>
+          <inkml:channelProperty channel="X" name="resolution" value="1000" units="1/cm"/>
+          <inkml:channelProperty channel="Y" name="resolution" value="1000" units="1/cm"/>
+          <inkml:channelProperty channel="F" name="resolution" value="0" units="1/dev"/>
+        </inkml:channelProperties>
+      </inkml:inkSource>
+      <inkml:timestamp xml:id="ts0" timeString="2019-05-27T17:51:49.952"/>
+    </inkml:context>
+    <inkml:brush xml:id="br0">
+      <inkml:brushProperty name="width" value="0.1" units="cm"/>
+      <inkml:brushProperty name="height" value="0.2" units="cm"/>
+      <inkml:brushProperty name="color" value="#00F900"/>
+      <inkml:brushProperty name="tip" value="rectangle"/>
+      <inkml:brushProperty name="rasterOp" value="maskPen"/>
+    </inkml:brush>
+  </inkml:definitions>
+  <inkml:trace contextRef="#ctx0" brushRef="#br0">187 319 4992,'-59'-40'6017,"24"24"-4290,30 13-1616,0 0 0,-1 0 0,1 0 0,1-1 0,-1 1 0,1-1 0,-1-1 0,1 1 0,0-1 0,1 1 0,-1-1 0,1 0 0,0 0 0,0-1 0,0 1 0,1-1 1,0 1-1,0-1 0,0 0 0,1 0 0,0 1 0,0-1 0,1 0 0,-1 0 0,1 0 0,0 0 0,1 0 0,0 0 0,0 0 0,0 0 0,0 0 0,1 0 0,0 1 0,1-2-111,3 3 9,0 0-1,0 1 0,0 0 1,0 0-1,1 0 0,-1 1 0,1 0 1,0 0-1,-1 1 0,1 0 0,0 0 1,0 1-1,0-1 0,0 1 0,0 1 1,0 0-1,0 0 0,-1 0 0,1 0 1,0 1-1,-1 1 0,1-1 0,-1 1 1,0 0-1,1 0 0,-2 1 0,1-1 1,0 1-1,-1 1 0,1-1 0,2 5-8,7 1 83,0 2 0,-1 0 0,-1 0 0,0 1 0,0 1 0,-2 0 0,0 1 0,0 0 0,0 3-83,-8-13 27,0-1 1,-1 1-1,1 0 0,-1 0 1,0 0-1,0 0 0,-1 0 1,0 1-1,0-1 0,0 0 1,0 1-1,-1-1 0,0 1 1,0-1-1,0 0 0,-1 1 1,0-1-1,0 1 0,0-1 1,0 0-1,-1 0 0,0 0 1,0 0-1,-1 0 0,1 0 1,-1 0-1,0-1 0,0 0 1,-1 1-1,1-1 0,-1 0 1,-3 2-28,3-3 26,0 0-1,-1 0 1,0-1 0,0 0 0,0 0 0,0 0 0,0 0-1,0-1 1,0 1 0,-1-1 0,1-1 0,0 1 0,-1-1 0,1 0-1,0 0 1,-1 0 0,1-1 0,0 0 0,-1 0 0,1 0-1,0-1 1,0 0 0,0 0 0,0 0 0,-4-3-26,-113-79 399,115 79-404,1 0-1,-1-1 1,1 1 0,1-1-1,-1-1 1,1 1 0,0-1-1,0 0 1,1 0 0,0 0-1,0 0 1,1-1 0,0 0-1,0 1 1,1-1 0,0 0-1,0-1 1,1 1 0,0 0-1,1 0 1,0 0 0,0-1-1,0 1 1,1 0 0,0 0-1,1-1 1,0 1 0,0 0-1,1 1 1,0-1 0,0 0-1,1 1 1,0 0 0,0 0-1,1 0 1,0 0 0,0 1-1,0-1 1,1 1 0,0 1-1,0-1 1,1 1 0,-1 0-1,4-2 6,-3 5-15,0 0 0,1 0 0,-1 1-1,0 0 1,1 0 0,-1 0 0,0 1 0,1 0-1,-1 1 1,1 0 0,-1 0 0,0 0-1,0 1 1,1 0 0,-1 1 0,0-1-1,-1 1 1,1 1 0,-1-1 0,1 1-1,-1 0 1,0 1 0,0-1 0,-1 1-1,1 0 1,-1 1 0,0-1 0,-1 1 0,1 0-1,-1 0 1,0 1 0,-1-1 0,0 1-1,0 0 1,0 0 0,-1 0 0,0 0-1,0 0 1,0 0 0,-1 1 0,-1-1-1,1 4 16,-1-7 25,0 0 0,0 1-1,0-1 1,0 0 0,-1 0 0,0 1-1,0-1 1,0 0 0,0 0-1,-1 0 1,0 0 0,0 0-1,0 0 1,0-1 0,0 1-1,-1 0 1,1-1 0,-1 0-1,0 0 1,0 0 0,0 0 0,-1 0-1,1-1 1,-1 1 0,0-1-1,1 0 1,-1 0 0,0 0-1,0-1 1,0 1 0,0-1-1,-1 0 1,1 0 0,0 0-1,-4-1-24,1 2 37,0-1-1,1 0 0,-1-1 1,0 0-1,0 0 1,0 0-1,0-1 0,1 0 1,-1-1-1,0 1 0,1-1 1,-1 0-1,1-1 0,0 1 1,0-1-1,0-1 1,0 1-1,0-1 0,1 0 1,-1 0-1,1-1 0,-3-3-36,6 6-197,1-1-1,0 1 1,0 0 0,0-1-1,0 0 1,0 1-1,0-1 1,1 1-1,-1-1 1,1 0-1,0 1 1,0-1 0,0 0-1,0 0 1,0 1-1,0-1 1,1 0-1,-1 1 1,1-1-1,0 1 1,0-1-1,0 1 1,0-1 0,0 1-1,1-1 1,-1 1-1,1 0 1,-1 0-1,1 0 1,0 0-1,0 0 1,0 0 0,0 0-1,0 1 1,0-1-1,1 1 1,-1-1-1,0 1 1,1 0-1,-1 0 1,1 0-1,-1 0 1,3 0 197,21-12-7253</inkml:trace>
+</inkml:ink>
+</file>
+
+<file path=ppt/ink/ink46.xml><?xml version="1.0" encoding="utf-8"?>
+<inkml:ink xmlns:inkml="http://www.w3.org/2003/InkML">
+  <inkml:definitions>
+    <inkml:context xml:id="ctx0">
+      <inkml:inkSource xml:id="inkSrc0">
+        <inkml:traceFormat>
+          <inkml:channel name="X" type="integer" min="-2.14748E9" max="2.14748E9" units="cm"/>
+          <inkml:channel name="Y" type="integer" min="-2.14748E9" max="2.14748E9" units="cm"/>
+          <inkml:channel name="F" type="integer" max="32767" units="dev"/>
+        </inkml:traceFormat>
+        <inkml:channelProperties>
+          <inkml:channelProperty channel="X" name="resolution" value="1000" units="1/cm"/>
+          <inkml:channelProperty channel="Y" name="resolution" value="1000" units="1/cm"/>
+          <inkml:channelProperty channel="F" name="resolution" value="0" units="1/dev"/>
+        </inkml:channelProperties>
+      </inkml:inkSource>
+      <inkml:timestamp xml:id="ts0" timeString="2019-05-27T17:51:51.733"/>
+    </inkml:context>
+    <inkml:brush xml:id="br0">
+      <inkml:brushProperty name="width" value="0.1" units="cm"/>
+      <inkml:brushProperty name="height" value="0.2" units="cm"/>
+      <inkml:brushProperty name="color" value="#00F900"/>
+      <inkml:brushProperty name="tip" value="rectangle"/>
+      <inkml:brushProperty name="rasterOp" value="maskPen"/>
+    </inkml:brush>
+  </inkml:definitions>
+  <inkml:trace contextRef="#ctx0" brushRef="#br0">195 310 6912,'-7'-1'252,"0"0"0,1-1 1,-1 0-1,1 0 0,-1 0 0,1-1 1,-1 0-1,1 0 0,0 0 1,1-1-1,-1 0 0,1 0 0,-1-1 1,1 1-1,0-1 0,1 0 1,-1-1-1,1 1 0,0-1 0,0 0 1,1 0-1,0 0 0,-3-6-252,-21-116 1387,27 125-1361,0 0 1,0 0-1,0-1 0,0 1 1,1 0-1,-1 0 1,1 0-1,0 0 0,0 0 1,0 0-1,0 0 1,0 0-1,1 0 0,-1 0 1,1 0-1,0 1 0,0-1 1,0 1-1,0-1 1,0 1-1,0 0 0,1 0 1,-1 0-1,1 0 1,0 0-1,-1 0 0,1 1 1,0 0-1,0-1 0,0 1 1,0 0-1,0 0 1,0 1-1,0-1 0,1 1 1,-1-1-1,0 1 1,3 0-27,5 3 25,-1-1 0,0 2 1,-1 0-1,1 0 1,-1 0-1,0 1 0,0 1 1,0-1-1,0 2 0,-1-1 1,0 1-1,-1 0 1,1 1-1,-1-1 0,-1 2 1,0-1-1,0 1 1,0 0-1,-1 0 0,-1 0 1,1 2-26,-1-5 51,-1 0-1,0 0 1,0 0 0,-1 0 0,1 1 0,-2 0-1,1-1 1,-1 1 0,0 0 0,0 0 0,0-1-1,-1 1 1,0 0 0,-1 0 0,0 0 0,0 0-1,0-1 1,-1 1 0,0 0 0,0-1-1,0 1 1,-1-1 0,0 0 0,0 0 0,-1 0-1,0 0 1,0-1 0,0 1 0,-1-1 0,1 0-1,-1-1 1,-1 1 0,1-1 0,0 0 0,-1 0-1,0 0 1,0-1 0,0 0 0,0 0 0,-1-1-1,1 1 1,-4-1-51,0 0 26,1-1 1,-1 0-1,0 0 0,0-1 0,1-1 0,-1 1 1,0-1-1,1-1 0,-1 0 0,1-1 1,0 1-1,-2-3-26,7 4 7,0 0 0,0-1 1,1 0-1,-1 0 0,1 0 1,0 0-1,-1 0 0,1-1 0,0 1 1,0-1-1,1 0 0,-1 0 1,1 0-1,-1 0 0,1-1 0,0 1 1,0-1-1,0 1 0,1-1 1,-1 0-1,1 1 0,0-1 0,0 0 1,0 0-1,0 0 0,1 0 1,0 0-1,0 0 0,0 0 0,0-2-7,2-1-3,1 0 0,0 0-1,0 0 1,0 1 0,1-1-1,0 1 1,0 0-1,0 0 1,1 0 0,0 1-1,0 0 1,0 0 0,1 0-1,0 0 1,0 1 0,0 0-1,0 0 1,1 1-1,0-1 1,-1 2 0,1-1-1,0 1 1,0 0 0,1 0-1,-1 1 1,0 0-1,0 0 1,1 1 0,-1 0-1,1 0 1,-1 0 0,0 1-1,0 1 1,1-1 0,-1 1-1,0 0 1,0 1-1,5 2 4,-7-3 16,0 1-1,-1 0 1,1 0-1,-1 0 1,1 0-1,-1 1 1,0 0-1,-1 0 1,1 0-1,0 0 1,-1 1-1,0-1 1,0 1-1,-1 0 1,1 0-1,-1 0 1,0 0-1,0 0 0,-1 0 1,0 0-1,1 1 1,-2-1-1,1 1 1,-1-1-1,0 1 1,0-1-1,0 1 1,-1-1-1,1 1 1,-2-1-1,1 0 1,0 1-1,-1-1 1,0 0-1,0 0 1,-1 0-1,1 0 1,-1-1-1,0 1 0,-1-1 1,1 1-1,-1-1 1,1 0-1,-1-1 1,-1 1-1,1-1 1,0 1-1,-1-1 1,1 0-1,-1-1 1,-1 1-16,-4-1 32,0-1 1,0 0-1,0 0 1,0-1-1,0 0 1,0-1-1,0 0 0,0 0 1,0-1-1,0-1 1,1 0-1,-1 0 1,1 0-1,0-2 1,0 1-1,0-1 1,0 0-1,1-1 1,0 0-1,0 0 0,0-1 1,1 0-1,-3-3-32,9 4 0,0 0 0,0 0 0,0 0 0,1 0 0,-1 0 0,2 0 0,-1 0 0,1 0 0,0 0 0,0 0 0,0 0 0,1 1 0,0-1 0,0 0 0,0 1 0,1-1 0,0 1 0,0 0 0,0 0 0,1 0 0,0 0 0,0 1 0,0-1 0,0 1 0,1 0 0,-1 0 0,1 1 0,0-1 0,0 1 0,1 0 0,4-2 0,-9 4 0,1-1 0,1 0 0,-1 1 0,0-1 0,0 1 0,0-1 0,1 1 0,-1 0 0,1 0 0,-1 0 0,1 1 0,-1-1 0,1 0 0,-1 1 0,1 0 0,0-1 0,-1 1 0,1 0 0,0 1 0,-1-1 0,1 0 0,-1 1 0,1-1 0,-1 1 0,1 0 0,-1 0 0,1 0 0,-1 0 0,1 0 0,-1 1 0,0-1 0,0 1 0,0-1 0,0 1 0,0 0 0,0 0 0,0 0 0,-1 0 0,1 0 0,-1 0 0,1 0 0,-1 1 0,0-1 0,0 0 0,0 1 0,1 1 0,-48 72-5951,30-58-3073</inkml:trace>
+</inkml:ink>
+</file>
+
+<file path=ppt/ink/ink47.xml><?xml version="1.0" encoding="utf-8"?>
+<inkml:ink xmlns:inkml="http://www.w3.org/2003/InkML">
+  <inkml:definitions>
+    <inkml:context xml:id="ctx0">
+      <inkml:inkSource xml:id="inkSrc0">
+        <inkml:traceFormat>
+          <inkml:channel name="X" type="integer" min="-2.14748E9" max="2.14748E9" units="cm"/>
+          <inkml:channel name="Y" type="integer" min="-2.14748E9" max="2.14748E9" units="cm"/>
+          <inkml:channel name="F" type="integer" max="32767" units="dev"/>
+        </inkml:traceFormat>
+        <inkml:channelProperties>
+          <inkml:channelProperty channel="X" name="resolution" value="1000" units="1/cm"/>
+          <inkml:channelProperty channel="Y" name="resolution" value="1000" units="1/cm"/>
+          <inkml:channelProperty channel="F" name="resolution" value="0" units="1/dev"/>
+        </inkml:channelProperties>
+      </inkml:inkSource>
+      <inkml:timestamp xml:id="ts0" timeString="2019-05-27T17:51:52.958"/>
+    </inkml:context>
+    <inkml:brush xml:id="br0">
+      <inkml:brushProperty name="width" value="0.1" units="cm"/>
+      <inkml:brushProperty name="height" value="0.2" units="cm"/>
+      <inkml:brushProperty name="color" value="#00F900"/>
+      <inkml:brushProperty name="tip" value="rectangle"/>
+      <inkml:brushProperty name="rasterOp" value="maskPen"/>
+    </inkml:brush>
+  </inkml:definitions>
+  <inkml:trace contextRef="#ctx0" brushRef="#br0">163 233 8064,'-57'-41'1565,"54"40"-1439,-1 0 0,1 1 0,0-1 0,-1 0-1,1-1 1,0 1 0,0-1 0,0 1 0,0-1 0,0 0 0,0 0 0,0 0 0,1 0 0,-1-1 0,1 1 0,-1-1 0,1 1 0,0-1-1,0 0 1,0 0 0,1 0 0,-1 0 0,1 0 0,-1-1 0,1 1 0,0 0 0,0-1 0,1 1 0,-1 0 0,1-1 0,-1 1-1,1-1 1,0 1 0,1-1 0,-1 1 0,0-1 0,1 1 0,0-1 0,0 1 0,0 0 0,0 0 0,0-1 0,1 1 0,0 0 0,1-2-126,0 0 20,1 0 1,-1 0 0,1 0 0,0 1 0,0-1-1,1 1 1,-1 1 0,1-1 0,0 0 0,0 1-1,0 0 1,0 0 0,0 1 0,1-1 0,-1 1-1,1 0 1,0 1 0,0-1 0,0 1 0,0 0-1,-1 1 1,1-1 0,0 1 0,0 1 0,0-1-1,0 1 1,0 0 0,0 0 0,0 0 0,0 1-1,-1 0 1,1 0 0,-1 1 0,1-1 0,-1 1-1,0 1 1,0-1 0,0 0 0,-1 1 0,1 0-21,1 4 70,1-1 1,-1 1 0,-1 0 0,0 1 0,0-1 0,0 1 0,-1 0 0,0 1-1,-1-1 1,0 0 0,-1 1 0,0 0 0,0-1 0,-1 1 0,0 0 0,-1 0-1,0 0 1,0 0 0,-1 0 0,-1 0 0,1-1 0,-2 1 0,1 0 0,-1-1-1,-1 0 1,0 0 0,0 0 0,-1 0 0,0 0 0,0-1 0,-6 7-71,4-11 28,1 0-1,-1 0 1,-1-1 0,1 0 0,0 0 0,-1-1 0,1 0 0,-1 0-1,0-1 1,1 0 0,-1 0 0,0-1 0,0 0 0,0 0 0,1-1-1,-1 0 1,0 0 0,0-1 0,1 0 0,-1 0 0,1-1-1,0 0 1,0 0 0,0 0 0,0-1 0,0 0 0,1-1 0,-1 0-1,1 0 1,1 0 0,-1-1 0,1 1 0,0-1 0,0 0 0,0-1-1,-1-4-27,3 6-2,2 0 0,-1 0 0,1 0 0,-1-1-1,2 1 1,-1 0 0,0-1 0,1 1 0,0-1-1,1 1 1,-1 0 0,1-1 0,0 1 0,0 0-1,0-1 1,1 1 0,0 0 0,0 0-1,0 0 1,1 0 0,0 1 0,-1-1 0,2 1-1,-1-1 1,0 1 0,1 0 0,0 0 0,0 1-1,4-4 3,-2 2-3,0 0 0,1 0-1,0 0 1,0 1 0,0 0-1,0 0 1,0 0-1,1 1 1,0 1 0,0-1-1,0 1 1,0 0 0,0 1-1,0 0 1,0 0 0,0 1-1,0 0 1,0 0-1,6 2 4,-10 0 6,0-1-1,-1 1 0,1 0 0,0 1 1,-1-1-1,0 1 0,1 0 0,-1-1 1,0 1-1,-1 1 0,1-1 0,0 0 0,-1 1 1,0-1-1,0 1 0,0 0 0,0 0 1,0-1-1,-1 1 0,0 0 0,1 1 1,-2-1-1,1 0 0,0 0 0,-1 0 0,0 1 1,0-1-1,0 0 0,0 0 0,-1 0 1,0 1-1,0-1 0,0 0 0,0 0 1,-1 0-1,1 0 0,-1 0 0,0-1 0,0 1 1,-1-1-1,1 1 0,-1-1 0,1 0 1,-1 1-1,0-1 0,0-1 0,-1 1 1,1 0-1,0-1 0,-1 0 0,0 0 0,1 0 1,-5 1-6,0 0 41,0 0 0,0-1-1,0-1 1,0 1 0,-1-1 0,1-1 0,0 0 0,-1 0 0,1 0 0,-1-1 0,1 0-1,0-1 1,0 0 0,0 0 0,0-1 0,0 0 0,0 0 0,0-1 0,1 0-1,0 0 1,0-1 0,0 0 0,0 0 0,-3-4-41,9 7-30,-1-1 1,1 1-1,0-1 0,0 1 1,0-1-1,0 0 0,0 1 1,0-1-1,1 0 0,-1 0 1,1 0-1,0 1 0,0-1 1,0 0-1,0 0 0,0 0 1,1 1-1,-1-1 0,1 0 1,-1 0-1,1 1 0,0-1 1,1 1-1,-1-1 0,0 0 0,1 1 1,-1 0-1,1-1 0,0 1 1,-1 0-1,1 0 0,0 0 1,0 0-1,1 0 0,-1 1 1,1-1 29,91-53-8894,-50 36 2622</inkml:trace>
+</inkml:ink>
+</file>
+
+<file path=ppt/ink/ink48.xml><?xml version="1.0" encoding="utf-8"?>
+<inkml:ink xmlns:inkml="http://www.w3.org/2003/InkML">
+  <inkml:definitions>
+    <inkml:context xml:id="ctx0">
+      <inkml:inkSource xml:id="inkSrc0">
+        <inkml:traceFormat>
+          <inkml:channel name="X" type="integer" min="-2.14748E9" max="2.14748E9" units="cm"/>
+          <inkml:channel name="Y" type="integer" min="-2.14748E9" max="2.14748E9" units="cm"/>
+        </inkml:traceFormat>
+        <inkml:channelProperties>
+          <inkml:channelProperty channel="X" name="resolution" value="1000" units="1/cm"/>
+          <inkml:channelProperty channel="Y" name="resolution" value="1000" units="1/cm"/>
+        </inkml:channelProperties>
+      </inkml:inkSource>
+      <inkml:timestamp xml:id="ts0" timeString="2019-05-27T17:52:10.270"/>
+    </inkml:context>
+    <inkml:brush xml:id="br0">
+      <inkml:brushProperty name="width" value="0.1" units="cm"/>
+      <inkml:brushProperty name="height" value="0.2" units="cm"/>
+      <inkml:brushProperty name="color" value="#FF2500"/>
+      <inkml:brushProperty name="tip" value="rectangle"/>
+      <inkml:brushProperty name="rasterOp" value="maskPen"/>
+      <inkml:brushProperty name="ignorePressure" value="1"/>
+    </inkml:brush>
+  </inkml:definitions>
+  <inkml:trace contextRef="#ctx0" brushRef="#br0">1 4198,'0'-1326,"0"-1307,0 2622,0 2,0-87,0 88,0-1,0-79,0 79,0 0,0 763,0-741</inkml:trace>
+</inkml:ink>
+</file>
+
+<file path=ppt/ink/ink49.xml><?xml version="1.0" encoding="utf-8"?>
+<inkml:ink xmlns:inkml="http://www.w3.org/2003/InkML">
+  <inkml:definitions>
+    <inkml:context xml:id="ctx0">
+      <inkml:inkSource xml:id="inkSrc0">
+        <inkml:traceFormat>
+          <inkml:channel name="X" type="integer" min="-2.14748E9" max="2.14748E9" units="cm"/>
+          <inkml:channel name="Y" type="integer" min="-2.14748E9" max="2.14748E9" units="cm"/>
+        </inkml:traceFormat>
+        <inkml:channelProperties>
+          <inkml:channelProperty channel="X" name="resolution" value="1000" units="1/cm"/>
+          <inkml:channelProperty channel="Y" name="resolution" value="1000" units="1/cm"/>
+        </inkml:channelProperties>
+      </inkml:inkSource>
+      <inkml:timestamp xml:id="ts0" timeString="2019-05-27T17:53:13.699"/>
+    </inkml:context>
+    <inkml:brush xml:id="br0">
+      <inkml:brushProperty name="width" value="0.1" units="cm"/>
+      <inkml:brushProperty name="height" value="0.2" units="cm"/>
+      <inkml:brushProperty name="color" value="#FF2500"/>
+      <inkml:brushProperty name="tip" value="rectangle"/>
+      <inkml:brushProperty name="rasterOp" value="maskPen"/>
+      <inkml:brushProperty name="ignorePressure" value="1"/>
+    </inkml:brush>
+  </inkml:definitions>
+  <inkml:trace contextRef="#ctx0" brushRef="#br0">0 32,'0'13,"0"-37,0 3,0 47,0 1131,0-1447,0 610,0-1114,0 739</inkml:trace>
+</inkml:ink>
+</file>
+
+<file path=ppt/ink/ink5.xml><?xml version="1.0" encoding="utf-8"?>
+<inkml:ink xmlns:inkml="http://www.w3.org/2003/InkML">
+  <inkml:definitions>
+    <inkml:context xml:id="ctx0">
+      <inkml:inkSource xml:id="inkSrc0">
+        <inkml:traceFormat>
+          <inkml:channel name="X" type="integer" min="-2.14748E9" max="2.14748E9" units="cm"/>
+          <inkml:channel name="Y" type="integer" min="-2.14748E9" max="2.14748E9" units="cm"/>
+          <inkml:channel name="F" type="integer" max="32767" units="dev"/>
+        </inkml:traceFormat>
+        <inkml:channelProperties>
+          <inkml:channelProperty channel="X" name="resolution" value="1000" units="1/cm"/>
+          <inkml:channelProperty channel="Y" name="resolution" value="1000" units="1/cm"/>
+          <inkml:channelProperty channel="F" name="resolution" value="0" units="1/dev"/>
+        </inkml:channelProperties>
+      </inkml:inkSource>
+      <inkml:timestamp xml:id="ts0" timeString="2019-05-27T17:43:04.241"/>
+    </inkml:context>
+    <inkml:brush xml:id="br0">
+      <inkml:brushProperty name="width" value="0.1" units="cm"/>
+      <inkml:brushProperty name="height" value="0.2" units="cm"/>
+      <inkml:brushProperty name="color" value="#FFFC00"/>
+      <inkml:brushProperty name="tip" value="rectangle"/>
+      <inkml:brushProperty name="rasterOp" value="maskPen"/>
+    </inkml:brush>
+  </inkml:definitions>
+  <inkml:trace contextRef="#ctx0" brushRef="#br0">17 115 128,'16'0'1045,"-13"0"-234,-3 0 661,0 0 85,0 0-405,0 0-21,0 0 21,0 0-64,0 0-235,0 0 0,0 0-63,0 0-44,0 0-84,-2 4-86,-4 8-407,1 1 0,0 0 0,1 0 0,0 0 0,1 1 0,1-1 1,0 1-1,0 0 0,2 0 0,0-1 0,0 1 0,1 0 0,1 0 0,1 1-168,-3-13 126,0-2 1,0-21 128,16-282 128,-11 377-469,-9-23-645,0 48-8225,4-63 4902</inkml:trace>
+</inkml:ink>
+</file>
+
+<file path=ppt/ink/ink50.xml><?xml version="1.0" encoding="utf-8"?>
+<inkml:ink xmlns:inkml="http://www.w3.org/2003/InkML">
+  <inkml:definitions>
+    <inkml:context xml:id="ctx0">
+      <inkml:inkSource xml:id="inkSrc0">
+        <inkml:traceFormat>
+          <inkml:channel name="X" type="integer" min="-2.14748E9" max="2.14748E9" units="cm"/>
+          <inkml:channel name="Y" type="integer" min="-2.14748E9" max="2.14748E9" units="cm"/>
+        </inkml:traceFormat>
+        <inkml:channelProperties>
+          <inkml:channelProperty channel="X" name="resolution" value="1000" units="1/cm"/>
+          <inkml:channelProperty channel="Y" name="resolution" value="1000" units="1/cm"/>
+        </inkml:channelProperties>
+      </inkml:inkSource>
+      <inkml:timestamp xml:id="ts0" timeString="2019-05-27T17:53:26.956"/>
+    </inkml:context>
+    <inkml:brush xml:id="br0">
+      <inkml:brushProperty name="width" value="0.1" units="cm"/>
+      <inkml:brushProperty name="height" value="0.2" units="cm"/>
+      <inkml:brushProperty name="color" value="#FF2500"/>
+      <inkml:brushProperty name="tip" value="rectangle"/>
+      <inkml:brushProperty name="rasterOp" value="maskPen"/>
+      <inkml:brushProperty name="ignorePressure" value="1"/>
+    </inkml:brush>
+  </inkml:definitions>
+  <inkml:trace contextRef="#ctx0" brushRef="#br0">3060 995,'-2773'-901,"2766"898,-1 1,0-1,-1 0,-2 0,0-1,1 1,2 0,-194-62,190 61,36 11,-3 0</inkml:trace>
+</inkml:ink>
+</file>
+
+<file path=ppt/ink/ink51.xml><?xml version="1.0" encoding="utf-8"?>
+<inkml:ink xmlns:inkml="http://www.w3.org/2003/InkML">
+  <inkml:definitions>
+    <inkml:context xml:id="ctx0">
+      <inkml:inkSource xml:id="inkSrc0">
+        <inkml:traceFormat>
+          <inkml:channel name="X" type="integer" min="-2.14748E9" max="2.14748E9" units="cm"/>
+          <inkml:channel name="Y" type="integer" min="-2.14748E9" max="2.14748E9" units="cm"/>
+        </inkml:traceFormat>
+        <inkml:channelProperties>
+          <inkml:channelProperty channel="X" name="resolution" value="1000" units="1/cm"/>
+          <inkml:channelProperty channel="Y" name="resolution" value="1000" units="1/cm"/>
+        </inkml:channelProperties>
+      </inkml:inkSource>
+      <inkml:timestamp xml:id="ts0" timeString="2019-05-27T17:54:04.216"/>
+    </inkml:context>
+    <inkml:brush xml:id="br0">
+      <inkml:brushProperty name="width" value="0.1" units="cm"/>
+      <inkml:brushProperty name="height" value="0.2" units="cm"/>
+      <inkml:brushProperty name="color" value="#FF2500"/>
+      <inkml:brushProperty name="tip" value="rectangle"/>
+      <inkml:brushProperty name="rasterOp" value="maskPen"/>
+      <inkml:brushProperty name="ignorePressure" value="1"/>
+    </inkml:brush>
+  </inkml:definitions>
+  <inkml:trace contextRef="#ctx0" brushRef="#br0">1 823,'3835'-816,"-3802"809</inkml:trace>
+</inkml:ink>
+</file>
+
+<file path=ppt/ink/ink52.xml><?xml version="1.0" encoding="utf-8"?>
+<inkml:ink xmlns:inkml="http://www.w3.org/2003/InkML">
+  <inkml:definitions>
+    <inkml:context xml:id="ctx0">
+      <inkml:inkSource xml:id="inkSrc0">
+        <inkml:traceFormat>
+          <inkml:channel name="X" type="integer" min="-2.14748E9" max="2.14748E9" units="cm"/>
+          <inkml:channel name="Y" type="integer" min="-2.14748E9" max="2.14748E9" units="cm"/>
+        </inkml:traceFormat>
+        <inkml:channelProperties>
+          <inkml:channelProperty channel="X" name="resolution" value="1000" units="1/cm"/>
+          <inkml:channelProperty channel="Y" name="resolution" value="1000" units="1/cm"/>
+        </inkml:channelProperties>
+      </inkml:inkSource>
+      <inkml:timestamp xml:id="ts0" timeString="2019-05-27T17:54:28.075"/>
+    </inkml:context>
+    <inkml:brush xml:id="br0">
+      <inkml:brushProperty name="width" value="0.1" units="cm"/>
+      <inkml:brushProperty name="height" value="0.2" units="cm"/>
+      <inkml:brushProperty name="color" value="#FF2500"/>
+      <inkml:brushProperty name="tip" value="rectangle"/>
+      <inkml:brushProperty name="rasterOp" value="maskPen"/>
+      <inkml:brushProperty name="ignorePressure" value="1"/>
+    </inkml:brush>
+  </inkml:definitions>
+  <inkml:trace contextRef="#ctx0" brushRef="#br0">0 2908,'0'-2733,"0"2724,0-1,0 0,0 1,0-1,0-1,0-1,0 1,0 0,0-1,0 1,0 1,0 0,0 0,0 1,0-1,0 0</inkml:trace>
+</inkml:ink>
+</file>
+
+<file path=ppt/ink/ink53.xml><?xml version="1.0" encoding="utf-8"?>
+<inkml:ink xmlns:inkml="http://www.w3.org/2003/InkML">
+  <inkml:definitions>
+    <inkml:context xml:id="ctx0">
+      <inkml:inkSource xml:id="inkSrc0">
+        <inkml:traceFormat>
+          <inkml:channel name="X" type="integer" min="-2.14748E9" max="2.14748E9" units="cm"/>
+          <inkml:channel name="Y" type="integer" min="-2.14748E9" max="2.14748E9" units="cm"/>
+        </inkml:traceFormat>
+        <inkml:channelProperties>
+          <inkml:channelProperty channel="X" name="resolution" value="1000" units="1/cm"/>
+          <inkml:channelProperty channel="Y" name="resolution" value="1000" units="1/cm"/>
+        </inkml:channelProperties>
+      </inkml:inkSource>
+      <inkml:timestamp xml:id="ts0" timeString="2019-05-27T17:54:35.496"/>
+    </inkml:context>
+    <inkml:brush xml:id="br0">
+      <inkml:brushProperty name="width" value="0.1" units="cm"/>
+      <inkml:brushProperty name="height" value="0.2" units="cm"/>
+      <inkml:brushProperty name="color" value="#FF2500"/>
+      <inkml:brushProperty name="tip" value="rectangle"/>
+      <inkml:brushProperty name="rasterOp" value="maskPen"/>
+      <inkml:brushProperty name="ignorePressure" value="1"/>
+    </inkml:brush>
+  </inkml:definitions>
+  <inkml:trace contextRef="#ctx0" brushRef="#br0">0 1043,'2402'-970,"-2232"901,-160 65</inkml:trace>
+</inkml:ink>
+</file>
+
+<file path=ppt/ink/ink54.xml><?xml version="1.0" encoding="utf-8"?>
+<inkml:ink xmlns:inkml="http://www.w3.org/2003/InkML">
+  <inkml:definitions>
+    <inkml:context xml:id="ctx0">
+      <inkml:inkSource xml:id="inkSrc0">
+        <inkml:traceFormat>
+          <inkml:channel name="X" type="integer" min="-2.14748E9" max="2.14748E9" units="cm"/>
+          <inkml:channel name="Y" type="integer" min="-2.14748E9" max="2.14748E9" units="cm"/>
+          <inkml:channel name="F" type="integer" max="32767" units="dev"/>
+        </inkml:traceFormat>
+        <inkml:channelProperties>
+          <inkml:channelProperty channel="X" name="resolution" value="1000" units="1/cm"/>
+          <inkml:channelProperty channel="Y" name="resolution" value="1000" units="1/cm"/>
+          <inkml:channelProperty channel="F" name="resolution" value="0" units="1/dev"/>
+        </inkml:channelProperties>
+      </inkml:inkSource>
+      <inkml:timestamp xml:id="ts0" timeString="2019-05-27T17:54:40.972"/>
+    </inkml:context>
+    <inkml:brush xml:id="br0">
+      <inkml:brushProperty name="width" value="0.1" units="cm"/>
+      <inkml:brushProperty name="height" value="0.2" units="cm"/>
+      <inkml:brushProperty name="color" value="#FF2500"/>
+      <inkml:brushProperty name="tip" value="rectangle"/>
+      <inkml:brushProperty name="rasterOp" value="maskPen"/>
+    </inkml:brush>
+  </inkml:definitions>
+  <inkml:trace contextRef="#ctx0" brushRef="#br0">1 179 4224,'31'0'1024,"-38"-27"2688,6 21-3566,1 1 1,1-1 0,-1 0 0,1 0 0,0 0-1,0 0 1,0 1 0,1-1 0,0 0-1,0 1 1,1 0 0,-1-1 0,1 1-1,0 0 1,0 0 0,1 1 0,0-1 0,0 1-1,0-1 1,0 1 0,1 1 0,-1-1-1,1 0 1,0 1 0,5-2-147,-3 1 55,0 1-1,1 0 1,0 0-1,-1 1 1,1 0 0,0 0-1,0 1 1,1 0 0,-1 0-1,0 1 1,0 0 0,0 1-1,0 0 1,0 0-1,0 0 1,0 1 0,0 0-1,0 1 1,-1 0 0,1 0-1,-1 1 1,0 0-1,0 0 1,0 0 0,0 1-1,-1 0 1,0 0 0,0 1-1,0 0 1,-1 0 0,0 0-1,0 1 1,0 0-1,-1 0 1,0 0 0,0 0-1,-1 0 1,0 1 0,0 0-1,-1 0 1,1 1-55,-3-7 15,1 1 0,-1-1 0,1 0-1,-1 0 1,0 0 0,0 1 0,0-1 0,0 0 0,0 0 0,-1 0 0,1 1 0,0-1-1,-1 0 1,0 0 0,1 0 0,-1 0 0,0 0 0,0 0 0,0 0 0,-1 0-1,1 0 1,0-1 0,-1 1 0,1 0 0,-1-1 0,1 1 0,-1-1 0,0 1 0,0-1-1,0 0 1,0 0 0,0 0 0,0 0 0,0 0 0,0 0 0,0-1 0,0 1 0,-2-1-15,-82 4 330,81-5-324,-76-23 128,79 24-132,0-1 1,0 1-1,0-1 1,0 0 0,0 0-1,0 0 1,0 0 0,1-1-1,-1 1 1,0 0 0,1-1-1,-1 1 1,1-1-1,0 1 1,-1-1 0,1 0-1,0 1 1,0-1 0,0 0-1,0 0 1,0 0 0,1 0-1,-1 0 1,1 0-1,-1 0 1,1 0 0,0 0-1,-1 0 1,1 0 0,0 0-1,0 0 1,1 0 0,-1-1-1,0 1 1,1 0 0,0-1-3,3-3 0,0 0 0,1 1 0,0-1 0,1 1 0,-1 0 0,1 1 0,0-1 0,0 1 0,0 0 0,0 1 0,1 0 0,-1 0 0,1 0 0,0 0 0,0 1 0,0 1 0,0-1 0,1 1 0,-1 0 0,0 0 0,1 1 0,-1 0 0,0 1 0,0-1 0,1 1 0,-1 1 0,0 0 0,1 0 0,-2-1 27,0 1 0,-1 1 0,1-1 0,0 1 1,-1 0-1,1 0 0,-1 1 0,0-1 1,0 1-1,0 0 0,-1 1 0,1-1 0,-1 1 1,0 0-1,0 0 0,-1 0 0,1 0 1,-1 1-1,2 5-27,-4-8 16,1 0 1,-1 0 0,0 0-1,0 1 1,-1-1-1,1 0 1,-1 1-1,1-1 1,-1 0 0,0 1-1,0-1 1,-1 0-1,1 1 1,-1-1-1,1 0 1,-1 1 0,0-1-1,-1 0 1,1 0-1,0 0 1,-1 0-1,1 0 1,-1 0 0,0 0-1,0-1 1,0 1-1,-1-1 1,1 1 0,-1-1-1,1 0 1,-1 0-1,0 0 1,1 0-1,-1-1 1,0 1 0,0-1-1,-2 1-16,-4 2 14,0-2 0,0 1 0,0-1 0,0 0 0,0-1 0,0 0 0,0-1 0,-1 0 0,1 0 0,0-1 0,0 0 0,-1 0 0,1-1 0,0 0 0,1-1 0,-1 0 0,0-1 0,1 0 0,0 0 0,0 0 0,0-1 0,0 0 0,1-1 0,0 0 0,0 0 0,0-1-1,1 1 1,0-1 0,-5-8-14,9 9 0,1 1 0,0 0 0,0-1 0,0 0 0,1 1 0,0-1 0,0 1 0,0-1 0,1 0 0,0 1 0,0-1 0,0 1 0,1 0 0,0-1 0,0 1 0,0 0 0,0 0 0,1 0 0,0 0 0,0 1 0,0-1 0,1 1 0,0 0 0,0 0 0,0 0 0,0 0 0,0 1 0,1-1 0,-1 1 0,1 0 0,0 1 0,0-1 0,0 1 0,0 0 0,1 0 0,-1 0 0,1 1 0,-1 0 0,1 0 0,-1 1 0,1-1 0,-1 1 0,1 0 0,-1 1 0,1-1 0,2 2 0,-2-1 11,-1 0-1,0 1 0,0 0 0,0 0 1,0 0-1,0 1 0,0 0 0,-1 0 0,1 0 1,-1 0-1,0 1 0,0-1 0,0 1 1,-1 0-1,1 0 0,-1 1 0,0-1 0,0 1 1,0 0-1,-1-1 0,0 1 0,0 0 1,0 0-1,0 1 0,-1-1 0,0 0 0,0 1 1,0-1-1,-1 0 0,0 1 0,0-1 1,0 1-1,0-1 0,-1 0 0,0 1 0,0-1 1,-1 0-1,0 0 0,1 0 0,-2 0 1,1 0-1,0 0 0,-1 0 0,0-1 0,0 1 1,-1-1-1,1 0 0,-1 0-10,-2 0 11,0-1 1,-1 0-1,1 0 0,-1 0 0,1-1 0,-1 0 1,0 0-1,0-1 0,0 0 0,0 0 0,0-1 1,0 0-1,0 0 0,0-1 0,0 1 0,0-1 1,0-1-1,0 0 0,0 0 0,1 0 0,-1-1 1,0 1-1,1-2 0,-2 0-11,5 1-256,0 1 1,0 0-1,0-1 1,0 0-1,0 0 1,1 0-1,0 0 1,-1 0-1,1-1 1,0 1-1,1-1 1,-1 1-1,1-1 1,-1 1-1,1-1 1,0 0-1,0 0 1,0-3 255,4-33-4544,1 0-768</inkml:trace>
+</inkml:ink>
+</file>
+
+<file path=ppt/ink/ink55.xml><?xml version="1.0" encoding="utf-8"?>
+<inkml:ink xmlns:inkml="http://www.w3.org/2003/InkML">
+  <inkml:definitions>
+    <inkml:context xml:id="ctx0">
+      <inkml:inkSource xml:id="inkSrc0">
+        <inkml:traceFormat>
+          <inkml:channel name="X" type="integer" min="-2.14748E9" max="2.14748E9" units="cm"/>
+          <inkml:channel name="Y" type="integer" min="-2.14748E9" max="2.14748E9" units="cm"/>
+          <inkml:channel name="F" type="integer" max="32767" units="dev"/>
+        </inkml:traceFormat>
+        <inkml:channelProperties>
+          <inkml:channelProperty channel="X" name="resolution" value="1000" units="1/cm"/>
+          <inkml:channelProperty channel="Y" name="resolution" value="1000" units="1/cm"/>
+          <inkml:channelProperty channel="F" name="resolution" value="0" units="1/dev"/>
+        </inkml:channelProperties>
+      </inkml:inkSource>
+      <inkml:timestamp xml:id="ts0" timeString="2019-05-27T17:54:42.205"/>
+    </inkml:context>
+    <inkml:brush xml:id="br0">
+      <inkml:brushProperty name="width" value="0.1" units="cm"/>
+      <inkml:brushProperty name="height" value="0.2" units="cm"/>
+      <inkml:brushProperty name="color" value="#FF2500"/>
+      <inkml:brushProperty name="tip" value="rectangle"/>
+      <inkml:brushProperty name="rasterOp" value="maskPen"/>
+    </inkml:brush>
+  </inkml:definitions>
+  <inkml:trace contextRef="#ctx0" brushRef="#br0">127 204 8576,'1'-1'90,"-1"-1"1,0 0 0,0 0-1,0 1 1,0-1 0,0 0-1,0 0 1,0 1-1,-1-1 1,1 0 0,0 1-1,-1-1 1,0 0 0,1 1-1,-1-1 1,0 0-1,0 1 1,0-1 0,0 1-1,0 0 1,0-1 0,0 1-1,-1 0 1,1 0 0,0 0-1,-1-1 1,1 1-1,-1 1 1,1-1 0,-1 0-1,1 0 1,-1 1 0,0-1-1,1 0 1,-1 1 0,-1-1-91,-28-24 961,28 22-916,1 1 0,0-1 0,0 0 0,0 1 0,1-1 0,-1 0 0,1 0 0,-1 0 0,1 0 0,0 0 0,0 0 0,1-1 0,-1 1 0,0 0 0,1-1 0,0 1 0,0 0 0,0 0 0,0-1 0,1 1 0,-1 0 0,1 0 0,0-1 0,0 1 1,0 0-1,0 0 0,0 0 0,1 0 0,-1 0 0,1 0 0,0 1 0,0-1 0,0 0 0,0 1 0,1 0 0,-1-1 0,0 1 0,1 0 0,0 0 0,0 0 0,-1 1 0,1-1 0,0 1 0,0-1 0,0 1 0,1 0 0,-1 0 0,0 1 0,0-1 0,0 0 0,1 1 0,-1 0 1,0 0-1,4 0-45,6 2 66,0 1 1,-1 0-1,1 1 1,-1 0-1,1 1 1,-1 0 0,-1 1-1,1 1 1,-1-1-1,0 2 1,-1 0-1,1 0 1,-1 1-67,-6-5 40,0 0 1,0 0-1,-1 0 0,1 0 0,-1 1 1,0 0-1,0-1 0,-1 1 1,1 0-1,-1 0 0,0 0 0,-1 0 1,1 1-1,-1-1 0,0 0 1,0 1-1,-1-1 0,1 1 0,-1-1 1,-1 1-1,1-1 0,-1 1 1,0-1-1,0 0 0,0 1 0,-1-1 1,0 0-1,0 0 0,0 0 1,0 0-1,-1 0 0,-1 1-40,-2 0 19,1-1 0,-1 0 0,0 0 1,-1 0-1,1 0 0,-1-1 0,0-1 0,0 1 0,0-1 0,-1 0 0,1 0 0,-1-1 1,1 0-1,-1-1 0,0 0 0,0 0 0,0 0 0,1-1 0,-1 0 0,0-1 0,0 1 1,0-2-1,0 1 0,1-1 0,-1 0 0,1-1 0,-1 0 0,1 0 0,0 0 0,0-1 1,0 0-1,1-1 0,-1 1 0,1-1 0,0 0 0,1-1 0,-1 1 0,1-1 0,0-1 1,0 1-1,1 0 0,0-1 0,0 0 0,0 0 0,1 0 0,0-1 0,1 1 0,-1-4-19,4 5-3,0 0 0,1 1-1,0-1 1,0 1-1,1-1 1,-1 1-1,1 0 1,0 0-1,1 0 1,-1 1-1,1-1 1,0 1-1,0 0 1,0 0 0,1 0-1,-1 0 1,1 1-1,0 0 1,0 0-1,0 0 1,1 1-1,-1-1 1,1 1-1,-1 1 1,1-1 0,0 1-1,-1 0 1,1 0-1,0 0 1,0 1-1,0 0 1,-1 0-1,1 1 1,0 0-1,0 0 1,0 0-1,3 1 4,-3-1 0,1 0 0,-1-1 0,1 2 0,0-1 0,-1 1 0,0 0 0,1 1 0,-1-1 0,0 1 0,0 0 0,-1 1 0,1-1 0,-1 1 0,0 0 0,1 1 0,-2-1 0,1 1 0,-1 0 0,1 0 0,-1 1 0,-1-1 0,1 1 0,-1 0 0,0 0 0,0 0 0,-1 0 0,0 0 0,0 1 0,0-1 0,0 3 0,-3-7 9,0 1-1,1-1 1,-1 0-1,0 1 1,-1-1-1,1 0 1,0 0-1,-1 1 1,1-1-1,-1 0 1,1 0-1,-1-1 1,0 1-1,0 0 1,0-1-1,0 1 0,0-1 1,0 1-1,-1-1 1,1 0-1,0 0 1,-1 0-1,1 0 1,-1-1-1,1 1 1,-1-1-1,1 1 1,-1-1-1,1 0 1,-1 0-1,1 0 1,-1 0-1,1 0 0,-3-1-8,-88-21 352,88 21-342,1-1-1,0 0 0,0 0 0,0 0 0,0 0 0,1-1 0,-1 1 1,0-1-1,1 0 0,0 0 0,0-1 0,0 1 0,0 0 0,0-1 1,1 0-1,0 0 0,-1 1 0,1-1 0,1-1 0,-1 1 0,1 0 1,-1 0-1,1-1 0,0 1 0,1 0 0,-1-1 0,1 1 0,0-1 1,0 1-1,0-1 0,1 1 0,-1-1 0,1 1 0,0 0 0,0-1 1,1 1-1,0 0 0,-1 0 0,1 0 0,0 0 0,1 0 0,2-3-9,-2 5-285,1 0-1,0 0 0,-1 1 0,1 0 0,0-1 0,0 2 0,0-1 1,0 0-1,0 1 0,0-1 0,0 1 0,0 0 0,0 1 0,0-1 1,0 0-1,0 1 0,-1 0 0,1 0 0,0 1 0,0-1 0,0 1 1,-1-1-1,1 1 0,-1 0 0,1 1 286,-2-2-5291,-2-1 1985</inkml:trace>
+</inkml:ink>
+</file>
+
+<file path=ppt/ink/ink56.xml><?xml version="1.0" encoding="utf-8"?>
+<inkml:ink xmlns:inkml="http://www.w3.org/2003/InkML">
+  <inkml:definitions>
+    <inkml:context xml:id="ctx0">
+      <inkml:inkSource xml:id="inkSrc0">
+        <inkml:traceFormat>
+          <inkml:channel name="X" type="integer" min="-2.14748E9" max="2.14748E9" units="cm"/>
+          <inkml:channel name="Y" type="integer" min="-2.14748E9" max="2.14748E9" units="cm"/>
+          <inkml:channel name="F" type="integer" max="32767" units="dev"/>
+        </inkml:traceFormat>
+        <inkml:channelProperties>
+          <inkml:channelProperty channel="X" name="resolution" value="1000" units="1/cm"/>
+          <inkml:channelProperty channel="Y" name="resolution" value="1000" units="1/cm"/>
+          <inkml:channelProperty channel="F" name="resolution" value="0" units="1/dev"/>
+        </inkml:channelProperties>
+      </inkml:inkSource>
+      <inkml:timestamp xml:id="ts0" timeString="2019-05-27T17:54:43.779"/>
+    </inkml:context>
+    <inkml:brush xml:id="br0">
+      <inkml:brushProperty name="width" value="0.1" units="cm"/>
+      <inkml:brushProperty name="height" value="0.2" units="cm"/>
+      <inkml:brushProperty name="color" value="#FF2500"/>
+      <inkml:brushProperty name="tip" value="rectangle"/>
+      <inkml:brushProperty name="rasterOp" value="maskPen"/>
+    </inkml:brush>
+  </inkml:definitions>
+  <inkml:trace contextRef="#ctx0" brushRef="#br0">150 129 6528,'-60'-30'8448,"58"28"-8429,1 1 0,-1-1 0,0 1 0,0-1 0,1 0 0,-1 0 0,1 1 0,0-1 0,-1 0 0,1 0 0,0 0 0,0-1 0,0 1 1,1 0-1,-1 0 0,0 0 0,1-1 0,-1 1 0,1 0 0,0-1 0,0 1 0,0 0 0,0-1 0,0 1 0,1 0 0,-1-1 0,0 1 0,1 0 1,0 0-1,0 0 0,0-1 0,0 1 0,0 0 0,0 0 0,0 0 0,0 0 0,1 0 0,-1 1 0,1-1 0,0 0 0,-1 1 0,1-1 1,0 1-1,0 0 0,0-1 0,0 1 0,0 0 0,0 0 0,0 0 0,1 0 0,-1 1 0,0-1 0,0 1 0,1-1 0,-1 1 0,0 0 1,1 0-1,-1 0 0,0 0 0,1 0 0,-1 0 0,0 1 0,1-1 0,-1 1 0,0 0 0,1 0-19,3 0 13,-1-1 1,1 1-1,-1 1 0,0-1 0,0 1 1,0 0-1,0 0 0,0 0 0,0 1 1,0-1-1,-1 1 0,1 0 0,-1 1 1,0-1-1,0 1 0,0 0 0,0 0 1,-1 0-1,0 1 0,0-1 0,0 1 0,0-1 1,-1 1-1,1 0 0,-1 0 0,0 0 1,-1 1-1,0-1 0,1 3-13,-2-1 19,-1 0 0,-1-1 0,1 1-1,-1-1 1,0 1 0,0-1 0,-1 0 0,0 1 0,0-2-1,0 1 1,-1 0 0,0-1 0,0 1 0,0-1 0,-1 0-1,0 0 1,0-1 0,0 0 0,0 0 0,-1 0-1,1 0 1,-1-1 0,0 0 0,0 0 0,-1 0 0,1-1-1,0 0 1,-1 0 0,0-1 0,1 0 0,-1 0 0,0 0-1,1-1 1,-4 0-19,7 0 1,-1 0-1,0 0 0,0-1 1,0 1-1,0-1 1,1 0-1,-1 0 1,0 0-1,1 0 0,-1-1 1,1 1-1,-1-1 1,1 0-1,0 0 1,0 0-1,-1-1 0,2 1 1,-1-1-1,0 0 1,0 1-1,1-1 1,0 0-1,-1-1 0,1 1 1,0 0-1,1-1 1,-1 1-1,1-1 0,-1 1 1,1-1-1,0 0 1,0 1-1,1-1 1,-1 0-1,1 0 0,0 0 1,0 1-1,0-1 1,0 0-1,1 0 1,-1 0-1,1 1 0,0-1 1,0 0-1,1 1 1,-1-1-1,1 1 1,0-1-1,0 1 0,0-1 0,3-3 2,0 0 0,1 0 0,0 1 0,0-1 0,1 1 0,-1 1 0,1-1 0,1 1 0,-1 0 0,1 1 0,0 0 0,0 0 0,0 1 0,0 0 0,1 0 0,-1 0 0,1 2 0,-1-1 0,2 1-2,-4 0 2,-1 0 1,1 0-1,0 1 0,0-1 1,-1 1-1,1 1 1,0-1-1,0 1 0,-1 0 1,1 1-1,0-1 0,-1 1 1,1 0-1,-1 0 1,0 1-1,0 0 0,0-1 1,0 2-1,0-1 1,-1 1-1,1-1 0,-1 1 1,0 1-1,0-1 1,-1 0-1,1 1 0,-1 0 1,0 0-1,1 2-2,-2-4 13,0 0 0,-1 0 0,1 1 0,-1-1 0,0 0 0,0 1 0,0-1 0,-1 1 0,1-1 0,-1 1 0,1-1 0,-1 1 0,-1 0 0,1-1 0,0 1 0,-1-1 0,0 1 0,1-1 0,-1 1 0,-1-1 0,1 0 0,0 1 0,-1-1 0,0 0 0,0 0 0,0 0 0,0 0 1,0 0-1,-1-1 0,1 1 0,-1-1 0,1 1 0,-1-1 0,0 0 0,0 0 0,0 0 0,0 0 0,-4 0-13,-1 2 35,0-1 0,0 0 1,-1-1-1,1 0 0,-1 0 0,1-1 1,-1 0-1,0-1 0,0 0 1,1 0-1,-1-1 0,0 0 1,0 0-1,1-1 0,-5-1-35,9 2 7,0 1-1,0-1 1,0 0 0,0-1-1,0 1 1,0-1-1,0 0 1,0 1 0,1-2-1,-1 1 1,0 0-1,1-1 1,0 0 0,0 1-1,0-1 1,0-1-1,0 1 1,1 0 0,-1-1-1,1 1 1,0-1-1,0 0 1,0 1 0,0-1-1,1 0 1,0 0-1,0 0 1,0-1 0,0 1-1,0 0 1,1 0-1,0 0 1,0-1 0,0 1-1,0 0 1,1 0-1,0 0 1,0 0 0,0-1-1,0 1 1,0 0-1,1 0-6,0 0-215,1 0-1,-1 0 1,0 1-1,1-1 0,0 1 1,0-1-1,0 1 0,0 0 1,1 0-1,-1 1 0,1-1 1,0 1-1,-1-1 1,1 1-1,0 0 0,0 1 1,1-1-1,-1 1 0,0 0 1,0 0-1,1 0 1,-1 0-1,1 1 0,-1 0 1,1 0-1,-1 0 0,0 0 1,1 1-1,-1-1 0,0 1 1,1 1-1,-1-1 1,0 0-1,0 1 0,0 0 1,0 0-1,2 1 216,6 2-6613</inkml:trace>
+</inkml:ink>
+</file>
+
+<file path=ppt/ink/ink57.xml><?xml version="1.0" encoding="utf-8"?>
+<inkml:ink xmlns:inkml="http://www.w3.org/2003/InkML">
+  <inkml:definitions>
+    <inkml:context xml:id="ctx0">
+      <inkml:inkSource xml:id="inkSrc0">
+        <inkml:traceFormat>
+          <inkml:channel name="X" type="integer" min="-2.14748E9" max="2.14748E9" units="cm"/>
+          <inkml:channel name="Y" type="integer" min="-2.14748E9" max="2.14748E9" units="cm"/>
+          <inkml:channel name="F" type="integer" max="32767" units="dev"/>
+        </inkml:traceFormat>
+        <inkml:channelProperties>
+          <inkml:channelProperty channel="X" name="resolution" value="1000" units="1/cm"/>
+          <inkml:channelProperty channel="Y" name="resolution" value="1000" units="1/cm"/>
+          <inkml:channelProperty channel="F" name="resolution" value="0" units="1/dev"/>
+        </inkml:channelProperties>
+      </inkml:inkSource>
+      <inkml:timestamp xml:id="ts0" timeString="2019-05-27T17:54:45.028"/>
+    </inkml:context>
+    <inkml:brush xml:id="br0">
+      <inkml:brushProperty name="width" value="0.1" units="cm"/>
+      <inkml:brushProperty name="height" value="0.2" units="cm"/>
+      <inkml:brushProperty name="color" value="#FF2500"/>
+      <inkml:brushProperty name="tip" value="rectangle"/>
+      <inkml:brushProperty name="rasterOp" value="maskPen"/>
+    </inkml:brush>
+  </inkml:definitions>
+  <inkml:trace contextRef="#ctx0" brushRef="#br0">53 168 9600,'-2'-64'4245,"10"57"-4148,-1-1-1,1 1 1,0 1-1,0 0 1,1 0 0,0 0-1,0 1 1,0 0 0,1 1-1,-1 0 1,1 1-1,0 0 1,0 0 0,1 1-1,-1 0 1,0 1 0,6 0-97,-12 2 40,1 0 1,0 1 0,-1-1 0,1 1-1,-1 0 1,1 0 0,-1 0 0,0 1 0,0-1-1,0 1 1,0 0 0,-1 0 0,1 1-1,-1-1 1,1 1 0,-1 0 0,-1 0 0,1 0-1,0 0 1,-1 0 0,0 0 0,0 1 0,0-1-1,-1 1 1,1 0 0,-1-1 0,0 1-1,0 0 1,-1 0 0,1-1 0,-1 1 0,0 0-1,-1 0 1,0 2-41,1-3 26,0 0-1,-1 1 1,1-1 0,-1 0-1,0 1 1,-1-1-1,1 0 1,-1 0 0,1 0-1,-1 0 1,-1 0-1,1-1 1,0 1 0,-1-1-1,0 1 1,0-1-1,0 0 1,0 0 0,0 0-1,-1 0 1,1-1-1,-1 1 1,0-1 0,0 0-1,0 0 1,0 0-1,0-1 1,0 0 0,0 1-1,0-1 1,-1-1-1,1 1 1,0-1 0,-1 1-1,-3-2-25,2 2 11,-1 0-1,1-1 0,0 0 1,0-1-1,0 0 0,-1 0 1,1 0-1,0 0 1,0-1-1,1 0 0,-1 0 1,0-1-1,1 0 1,-1 0-1,1 0 0,0 0 1,0-1-1,0 0 1,0 0-1,1 0 0,-1-1 1,1 1-1,0-1 1,1 0-1,-1 0 0,1-1 1,0 1-1,0-1 1,1 0-1,0 1 0,0-1 1,0 0-1,1 0 0,-1 0 1,1 0-1,1-1 1,-1 1-1,1 0 0,0-1-10,0 3 0,0-1 0,1 1 0,-1-1 0,1 1 0,-1 0 0,1-1 0,1 1 0,-1 0 0,0 0 0,1 0 0,0 0 0,0 0 0,0 0 0,1 0 0,-1 0 0,1 1 0,0-1 0,0 1 0,0 0 0,0 0 0,1 0 0,-1 1 0,1-1 0,0 1 0,0 0 0,3-2 0,2 3 0,-1 1 0,1 0 0,-1 1 0,1-1 0,-1 2 0,1-1 0,-1 1 0,0 0 0,0 1 0,0 0 0,0 0 0,0 1 0,-1 0 0,1 1 0,-1-1 0,0 1 0,-1 0 0,-2-2 0,0-1 0,-1 1 0,0 0 0,1 0 0,-1 0 0,0 0 0,-1 1 0,1-1 0,0 1 0,-1 0 0,0-1 0,0 1 0,0 0 0,0 0 0,-1 0 0,0 1 0,0-1 0,0 0 0,0 1 0,0-1 0,-1 0 0,0 1 0,0-1 0,0 0 0,-1 1 0,1-1 0,-1 0 0,0 1 0,0-1 0,0 0 0,-1 0 0,0 0 0,-2 4 0,-3-1 27,0-1 0,-1 0-1,0-1 1,-1 0 0,1 0-1,-1 0 1,0-1 0,0-1-1,0 1 1,-1-1 0,1-1-1,-1 0 1,0 0 0,1-1-1,-1 0 1,0-1 0,0 0-1,0-1 1,1 0 0,-10-2-27,-47-14 133,65 17-131,0 0 0,-1-1 0,1 0 0,0 1 0,0-1 0,0 0 0,0 1 0,0-1 0,0 0 0,1 0 0,-1 0 0,0 0 0,0 0 0,0 0 0,1 0 0,-1 0 0,1 0 0,-1 0 0,1 0 0,-1 0 0,1 0 0,-1-1 0,1 1 0,0 0 0,0 0 0,0 0 0,0-1 0,0 1 0,0 0 0,0 0 0,0-1 0,0 1 0,0 0 0,1 0 0,-1 0 0,1-1 0,-1 1 0,1 0 0,-1 0 0,1 0 0,-1 0 0,1 0 0,0 0-1,0 0 1,0 0 0,-1 0 0,1 0 0,0 1 0,0-1 0,0 0 0,1 0-2,13-9-133,1-1 1,0 2-1,1 0 0,0 1 0,0 1 0,1 1 0,0 0 0,0 1 0,1 1 0,-1 1 0,1 0 0,0 2 0,9 0 133,-17-1-64,1 0-328,15 3-1006,-34 44 970,6-43 236,1-2-1003,0 0-4138,0 0 171,0 0 4543</inkml:trace>
+</inkml:ink>
+</file>
+
+<file path=ppt/ink/ink58.xml><?xml version="1.0" encoding="utf-8"?>
+<inkml:ink xmlns:inkml="http://www.w3.org/2003/InkML">
+  <inkml:definitions>
+    <inkml:context xml:id="ctx0">
+      <inkml:inkSource xml:id="inkSrc0">
+        <inkml:traceFormat>
+          <inkml:channel name="X" type="integer" min="-2.14748E9" max="2.14748E9" units="cm"/>
+          <inkml:channel name="Y" type="integer" min="-2.14748E9" max="2.14748E9" units="cm"/>
+          <inkml:channel name="F" type="integer" max="32767" units="dev"/>
+        </inkml:traceFormat>
+        <inkml:channelProperties>
+          <inkml:channelProperty channel="X" name="resolution" value="1000" units="1/cm"/>
+          <inkml:channelProperty channel="Y" name="resolution" value="1000" units="1/cm"/>
+          <inkml:channelProperty channel="F" name="resolution" value="0" units="1/dev"/>
+        </inkml:channelProperties>
+      </inkml:inkSource>
+      <inkml:timestamp xml:id="ts0" timeString="2019-05-27T17:54:46.213"/>
+    </inkml:context>
+    <inkml:brush xml:id="br0">
+      <inkml:brushProperty name="width" value="0.1" units="cm"/>
+      <inkml:brushProperty name="height" value="0.2" units="cm"/>
+      <inkml:brushProperty name="color" value="#FF2500"/>
+      <inkml:brushProperty name="tip" value="rectangle"/>
+      <inkml:brushProperty name="rasterOp" value="maskPen"/>
+    </inkml:brush>
+  </inkml:definitions>
+  <inkml:trace contextRef="#ctx0" brushRef="#br0">148 256 5760,'22'-4'369,"-5"-2"1520,-38-6 98,16 10-1794,0-1-1,1 1 1,-1-1 0,1 0-1,0 0 1,0 0 0,0 0-1,0-1 1,1 1-1,-1-1 1,1 0 0,0 0-1,0-1 1,1 1 0,-1-1-1,1 1 1,0-1 0,0 0-1,0 0 1,1 0-1,-1 0 1,1 0 0,1 0-1,-1 0 1,1 0 0,0 0-1,0 0 1,0 0 0,0 0-1,1-1 1,0 1 0,0 0-1,1-1-192,-1 2 51,-1 0 0,1 0-1,-1 0 1,1 0 0,0 0 0,1 0-1,-1 1 1,1-1 0,0 1-1,-1-1 1,1 1 0,1-1 0,-1 1-1,0 0 1,1 0 0,0 0-1,0 0 1,0 1 0,0-1 0,0 1-1,0 0 1,1-1 0,-1 2 0,1-1-1,-1 0 1,1 1 0,0-1-1,0 1 1,0 0 0,-1 1 0,1-1-1,0 0 1,0 1 0,0 0 0,0 0-1,0 0 1,0 1 0,0-1-1,0 1 1,0 0 0,0 0 0,-1 0-1,1 1 1,0 0 0,3 1-51,-2 2 45,1 1 0,0 0 0,-1 0 0,0 0 0,-1 1 0,1 0 0,-1-1 1,-1 2-1,1-1 0,-1 0 0,0 1 0,-1-1 0,0 1 0,0 0 0,-1 0 0,1 0 1,-2 0-1,1 0 0,-1 0 0,-1 0 0,1 0 0,-1 0 0,-1 0 0,1-1 0,-1 1 0,-1 0 1,1-1-1,-1 1 0,-1-1 0,1 0 0,-1 0 0,-1 0 0,1-1 0,-1 1 0,-1 0-45,-1-4 16,0 0 0,1 0-1,-2 0 1,1-1-1,0 0 1,0-1 0,-1 1-1,1-1 1,-1-1-1,1 0 1,-1 0 0,1 0-1,-1-1 1,1 0 0,0 0-1,-1-1 1,1 0-1,0 0 1,0-1 0,0 0-1,0 0 1,1 0-1,-1-1 1,1 0 0,0-1-1,0 1 1,0-1-1,1 0 1,-1-1 0,1 1-1,1-1 1,-1 0-1,1 0 1,0 0 0,0-1-1,1 0 1,0 1 0,0-1-1,0 0 1,1-1-1,0 0-15,1 3-3,0-1 0,1 1 0,0-1 0,0 0 0,0 1 1,1-1-1,-1 1 0,1 0 0,1-1 0,-1 1 0,1 0 0,0-1 0,0 1 0,0 0 0,1 1 0,0-1 0,0 0 0,0 1 0,0-1 0,1 1 0,0 0 0,0 0 0,0 1 0,0-1 0,1 1 0,-1 0 0,1 0 0,0 0 0,0 1 0,0-1 0,0 1 0,0 0 0,0 1 0,1-1 0,-1 1 0,0 0 0,1 1 0,-1-1 0,1 1 0,-1 0 0,1 1 0,-1-1 0,1 1 3,3 0 0,-1 1 0,0 1 0,0-1 0,0 1 0,0 0 0,-1 1 0,1 0 0,-1 0 0,0 1 0,0 0 0,-1 0 0,1 0 0,-1 1 0,0 0 0,0 0 0,-1 1 0,3 4 0,-6-8 0,1 0 0,-1 1 0,0-1 0,0 1 0,0 0 0,-1-1 0,1 1 0,-1 0 0,0 0 0,0 0 0,-1 0 0,1 0 0,-1 0 0,1 0 0,-1 1 0,-1-1 0,1 0 0,-1 0 0,1 0 0,-1 0 0,0 0 0,0 0 0,-1 0 0,1-1 0,-1 1 0,0 0 0,0-1 0,0 1 0,-1-1 0,1 0 0,-1 1 0,0-1 0,0-1 0,0 1 0,0 0 0,0-1 0,-1 2 10,-1-1-1,0 0 0,0-1 1,0 1-1,0-1 1,0 0-1,0 0 0,0-1 1,-1 1-1,1-1 0,-1 0 1,1-1-1,-1 0 0,1 1 1,-1-2-1,1 1 1,-1-1-1,1 1 0,-1-1 1,1-1-1,0 1 0,-1-1 1,1 0-1,0 0 0,0-1 1,0 1-1,1-1 1,-1 0-1,1-1 0,-1 1 1,1-1-1,0 0 0,0 0 1,1 0-1,-1 0 1,1-1-1,0 1 0,0-1 1,0 0-1,1 0 0,-1-2-9,2 3-5,1 0 1,0 0-1,0 0 0,0 0 0,1 0 0,-1 0 0,1 0 0,0 0 0,0 0 1,0 1-1,1-1 0,-1 0 0,1 1 0,0-1 0,0 1 0,0-1 0,1 1 1,-1 0-1,1 0 0,0 0 0,-1 0 0,1 1 0,1-1 0,-1 1 0,0-1 1,1 1-1,-1 0 0,1 1 0,-1-1 0,1 1 0,0-1 0,0 1 0,0 0 1,-1 0-1,5 0 5,60 2-1081,-23 9-4451,-22-2-3812</inkml:trace>
+</inkml:ink>
+</file>
+
+<file path=ppt/ink/ink59.xml><?xml version="1.0" encoding="utf-8"?>
+<inkml:ink xmlns:inkml="http://www.w3.org/2003/InkML">
+  <inkml:definitions>
+    <inkml:context xml:id="ctx0">
+      <inkml:inkSource xml:id="inkSrc0">
+        <inkml:traceFormat>
+          <inkml:channel name="X" type="integer" min="-2.14748E9" max="2.14748E9" units="cm"/>
+          <inkml:channel name="Y" type="integer" min="-2.14748E9" max="2.14748E9" units="cm"/>
+          <inkml:channel name="F" type="integer" max="32767" units="dev"/>
+        </inkml:traceFormat>
+        <inkml:channelProperties>
+          <inkml:channelProperty channel="X" name="resolution" value="1000" units="1/cm"/>
+          <inkml:channelProperty channel="Y" name="resolution" value="1000" units="1/cm"/>
+          <inkml:channelProperty channel="F" name="resolution" value="0" units="1/dev"/>
+        </inkml:channelProperties>
+      </inkml:inkSource>
+      <inkml:timestamp xml:id="ts0" timeString="2019-05-27T17:54:47.492"/>
+    </inkml:context>
+    <inkml:brush xml:id="br0">
+      <inkml:brushProperty name="width" value="0.1" units="cm"/>
+      <inkml:brushProperty name="height" value="0.2" units="cm"/>
+      <inkml:brushProperty name="color" value="#FF2500"/>
+      <inkml:brushProperty name="tip" value="rectangle"/>
+      <inkml:brushProperty name="rasterOp" value="maskPen"/>
+    </inkml:brush>
+  </inkml:definitions>
+  <inkml:trace contextRef="#ctx0" brushRef="#br0">215 197 2944,'-1'0'13,"-22"-18"2836,3 15 2097,12 1-4633,1 0 0,0-1 0,0 0 1,0 0-1,0-1 0,1 0 0,-1 0 1,1 0-1,0-1 0,0 0 0,1 0 1,-1-1-1,1 1 0,-1-3-313,-5-3 244,9 10-209,0 0 0,-1 0 0,1-1 0,0 1 0,0-1 0,0 1 0,0-1 0,0 0 0,0 0 0,0 0 0,0 0 0,1 0 0,-1 0 0,1 0 0,0-1 0,0 1 0,0 0 0,0-1 0,0 1 0,0-1 0,0 1 0,1-1 0,-1 0 0,1 1 0,0-1 0,0 1 0,0-1 0,0 0 0,0 1 0,1-1 0,-1 1 0,1-1 0,-1 0 0,1 1 0,0-1 0,0 1 0,0 0 0,1-1 0,0-1-35,2 2 31,0 1-1,0-1 1,0 0-1,0 1 1,0 0-1,0 0 1,1 0-1,-1 1 1,0-1-1,1 1 1,-1 0 0,0 0-1,1 1 1,-1-1-1,0 1 1,0 0-1,0 0 1,1 0-1,-1 1 1,0-1-1,0 1 1,-1 0-1,1 0 1,0 1-1,-1-1 1,1 1 0,-1 0-1,0-1 1,0 1-1,0 1 1,0-1-1,0 0 1,-1 1-1,2 2-30,2 2 85,0 0-1,-1 0 0,0 1 1,-1-1-1,1 1 1,-2 0-1,1 0 0,-1 1 1,-1-1-1,0 1 1,0-1-1,0 1 0,-2 0 1,1 0-1,-1 2-84,0-9 23,0 1 0,0-1 1,0 1-1,-1-1 0,0 1 0,1-1 0,-1 1 0,0-1 1,0 1-1,-1-1 0,1 0 0,-1 1 0,0-1 0,0 0 1,0 0-1,0 0 0,0-1 0,-1 1 0,1-1 0,-1 1 0,0-1 1,1 0-1,-1 0 0,0 0 0,-1 0 0,1 0 0,0-1 1,0 1-1,-1-1 0,1 0 0,-1 0 0,1 0 0,-1-1 1,1 1-1,-4-1-23,1 1 11,1-1 0,-1 0 1,1-1-1,-1 1 0,1-1 1,0-1-1,-1 1 0,1-1 1,0 1-1,0-1 0,0-1 1,0 1-1,0-1 0,0 0 1,1 0-1,-1 0 0,1-1 1,0 1-1,0-1 0,0 0 1,1 0-1,-1-1 0,1 1 1,0-1-1,1 0 0,-1 1 1,1-1-1,-1 0 0,1-1 1,1 1-1,-1 0 0,0-4-11,1 5-2,0 0-1,-1 0 0,2 0 0,-1 0 1,0 0-1,1 0 0,-1 0 1,1-1-1,1 1 0,-1 0 0,0 0 1,1 0-1,0 0 0,0 0 1,0 0-1,1 0 0,-1 0 0,1 0 1,0 0-1,0 1 0,0-1 0,0 1 1,1-1-1,-1 1 0,1 0 1,0 0-1,0 0 0,0 0 0,1 1 1,-1-1-1,0 1 0,1 0 1,0 0-1,-1 0 0,1 1 0,0-1 1,0 1-1,0 0 0,0 0 0,0 0 1,1 0-1,-1 1 0,0 0 1,0 0-1,0 0 0,0 0 0,2 1 3,78 56 0,-82-55 0,0 0 0,0 0 0,-1 0 0,1 0 0,0 1 0,-1-1 0,0 1 0,1 0 0,-1-1 0,0 1 0,0 0 0,-1-1 0,1 1 0,-1 0 0,1 0 0,-1 0 0,0 0 0,0-1 0,0 1 0,0 0 0,-1 0 0,1 0 0,-1 0 0,1-1 0,-1 1 0,0 0 0,0 0 0,0-1 0,-1 1 0,1-1 0,-1 1 0,1-1 0,-2 2 0,-1 0 5,0 0 0,0 0-1,0 0 1,0-1 0,-1 1-1,1-1 1,-1 0 0,0-1-1,0 1 1,0-1 0,0 0-1,0 0 1,0 0 0,-1-1-1,1 1 1,-1-2 0,1 1-1,-1 0 1,1-1 0,-1 0-1,1-1 1,-1 1 0,1-1-1,-1 0 1,1 0 0,-1 0-1,1-1 1,0 0 0,0 0-1,0-1 1,0 1 0,-4-4-5,6 3 2,0 0 1,0-1 0,1 1 0,0-1-1,0 1 1,0-1 0,0 0 0,0 0-1,1 0 1,0 0 0,-1 0 0,2 0-1,-1 0 1,0 0 0,1-1-1,0 1 1,0 0 0,0 0 0,0 0-1,1-1 1,0 1 0,-1 0 0,2 0-1,-1 0 1,0 0 0,1 0 0,0 0-1,0 1 1,0-1 0,0 0-1,0 1 1,1-1 0,0 1 0,0 0-1,0 0 1,0 0 0,0 1 0,0-1-1,4-2-2,-4 3 10,0 0 0,0 0-1,0 0 1,1 0 0,-1 1-1,1-1 1,-1 1 0,1 0-1,0 0 1,-1 0 0,1 1-1,0-1 1,0 1-1,-1 0 1,1 0 0,0 0-1,0 0 1,-1 1 0,1-1-1,0 1 1,0 0 0,-1 0-1,1 1 1,-1-1 0,1 1-1,-1-1 1,0 1 0,0 0-1,1 1 1,-1-1 0,-1 0-1,1 1 1,0 0-1,-1-1 1,1 1 0,-1 0-1,0 1 1,0-1 0,0 0-1,0 0 1,0 1 0,0 3-10,-3 59 919,1-65-950,0 0 0,-1 0 0,1 0-1,-1 0 1,1 0 0,-1 0 0,1 0 0,-1 0 0,0 0 0,1 0 0,-1 0 0,0 0 0,0-1 0,0 1 0,0 0 0,1-1 0,-1 1 0,0-1 0,0 1 0,0-1-1,0 1 1,-1-1 0,1 1 0,0-1 0,0 0 0,0 0 0,0 0 0,0 0 0,0 0 0,0 0 0,-1 0 0,1 0 0,0 0 0,0 0 0,0 0 0,0-1-1,0 1 1,0 0 0,0-1 0,0 1 0,0-1 0,0 1 0,0-1 0,0 0 0,0 1 0,0-1 0,0 0 0,1 0 0,-1 0 0,0 1 0,1-1 0,-1 0 0,0 0-1,1 0 1,-1-1 31,-31-68-10794,27 44 5461</inkml:trace>
+</inkml:ink>
+</file>
+
+<file path=ppt/ink/ink6.xml><?xml version="1.0" encoding="utf-8"?>
+<inkml:ink xmlns:inkml="http://www.w3.org/2003/InkML">
+  <inkml:definitions>
+    <inkml:context xml:id="ctx0">
+      <inkml:inkSource xml:id="inkSrc0">
+        <inkml:traceFormat>
+          <inkml:channel name="X" type="integer" min="-2.14748E9" max="2.14748E9" units="cm"/>
+          <inkml:channel name="Y" type="integer" min="-2.14748E9" max="2.14748E9" units="cm"/>
+          <inkml:channel name="F" type="integer" max="32767" units="dev"/>
+        </inkml:traceFormat>
+        <inkml:channelProperties>
+          <inkml:channelProperty channel="X" name="resolution" value="1000" units="1/cm"/>
+          <inkml:channelProperty channel="Y" name="resolution" value="1000" units="1/cm"/>
+          <inkml:channelProperty channel="F" name="resolution" value="0" units="1/dev"/>
+        </inkml:channelProperties>
+      </inkml:inkSource>
+      <inkml:timestamp xml:id="ts0" timeString="2019-05-27T17:43:14.599"/>
+    </inkml:context>
+    <inkml:brush xml:id="br0">
+      <inkml:brushProperty name="width" value="0.1" units="cm"/>
+      <inkml:brushProperty name="height" value="0.2" units="cm"/>
+      <inkml:brushProperty name="color" value="#FFFC00"/>
+      <inkml:brushProperty name="tip" value="rectangle"/>
+      <inkml:brushProperty name="rasterOp" value="maskPen"/>
+    </inkml:brush>
+  </inkml:definitions>
+  <inkml:trace contextRef="#ctx0" brushRef="#br0">101 206 5760,'25'-3'334,"-37"-5"561,10 7-788,0 0 0,0 0 0,0 0 0,0 0 0,0 0 0,0 0 0,0 0 0,0-1 0,0 1 0,1-1 0,-1 1 0,1-1 0,-1 1 0,1-1 0,-1 0-1,1 0 1,0 0 0,0 0 0,0 0 0,0 0 0,0 0 0,1 0 0,-1-1 0,0 1 0,1 0 0,0 0 0,-1-1-107,6-3 166,-1 0 1,1 0-1,0 0 1,0 1-1,1-1 0,-1 1 1,1 1-1,0-1 1,1 1-1,-1 0 0,1 0 1,-1 1-1,1 0 1,0 0-1,1 1 0,-1 0 1,0 0-1,1 1 0,6-1-166,-3-1 167,-8 1-124,-1 0 0,0 1 0,1 0 0,0-1 0,-1 1 0,1 0 1,0 0-1,0 0 0,0 1 0,-1-1 0,1 1 0,0 0 0,0-1 0,0 1 0,0 0 0,0 1 1,0-1-1,0 1 0,0-1 0,-1 1 0,1 0 0,0 0 0,0 0 0,-1 0 0,1 0 0,0 1 0,-1-1 1,0 1-1,1 0 0,-1 0 0,0 0 0,0 0 0,0 0 0,0 0 0,0 0 0,0 1 0,-1-1 0,1 1 1,-1-1-1,0 1 0,0 0 0,1-1 0,-2 1 0,1 0 0,0 0 0,-1 0 0,1 0 0,-1-1 0,0 1 1,0 2-44,-2 3 51,-1 1 0,0-1 0,-1 0 1,0 0-1,0-1 0,0 1 1,-1-1-1,0 0 0,-1 0 1,0 0-1,0-1 0,0 0 1,-1 0-1,0-1 0,0 1 1,0-1-1,0-1 0,-1 0 0,0 0 1,0 0-1,0-1 0,-1 0 1,1-1-1,-1 0 0,1 0 1,-1 0-1,0-1 0,1-1 1,-1 0-1,0 0 0,0 0 1,1-1-1,-1-1 0,0 1 1,1-1-1,-1-1 0,-4-2-51,11 4 1,-1 0 0,1 0-1,0 0 1,0-1 0,-1 1-1,1-1 1,0 0 0,0 1-1,1-1 1,-1 0 0,0 0 0,1 0-1,-1-1 1,1 1 0,-1 0-1,1 0 1,0-1 0,0 1-1,0-1 1,1 1 0,-1-1 0,0 1-1,1-1 1,0 1 0,-1-1-1,1 0 1,0 1 0,0-1-1,1 0 1,-1 1 0,1-1 0,-1 1-1,1-1 1,0 1 0,0-1-1,0 1 1,0-1 0,1-1-1,72-71-6,-66 71 6,0 0 0,0 1 0,0-1 0,0 2 0,0-1 0,0 1 0,1 0 0,-1 1 0,1 0 0,-1 0 0,1 1 0,0 0 0,-1 0 0,9 3 0,-14-1 16,0 1-1,0 0 1,0 0-1,-1 0 0,1 0 1,-1 0-1,0 1 0,0-1 1,0 1-1,0 0 0,-1-1 1,1 1-1,-1 0 0,0 0 1,0 0-1,-1 0 1,1 0-1,-1 0 0,0 0 1,0 0-1,0 0 0,0 0 1,-1 0-1,0 0 0,0 1-15,-2 3 36,-1-1-1,0 0 0,-1 0 1,1 0-1,-1-1 0,-1 0 1,1 0-1,-1 0 0,0 0 1,0-1-1,-1 0 0,0 0 1,1-1-1,-2 0 0,1 0 1,0-1-1,-1 0 0,1 0 1,-1 0-1,0-1 0,0 0 1,0-1-1,0 0 0,-1 0 1,1-1-1,0 0 0,0 0 1,0-1-1,0 0 0,0-1 1,0 1-1,-3-2-35,9 2 1,0 1-1,0 0 1,0-1-1,1 1 1,-1-1 0,0 0-1,0 1 1,1-1-1,-1 0 1,1 0-1,-1 0 1,1-1 0,-1 1-1,1 0 1,-1 0-1,1-1 1,0 1-1,0-1 1,0 1 0,0-1-1,0 1 1,0-1-1,0 0 1,0 0 0,1 1-1,-1-1 1,1 0-1,-1 0 1,1 0-1,0 0 1,-1 1 0,1-1-1,0 0 1,0 0-1,1 0 1,-1 0-1,0 0 1,1 0 0,-1 1-1,1-1 1,-1 0-1,1 0 1,0 1 0,0-1-1,0 0 1,0 0-1,60-75-5,-55 70 4,120-102 23,-124 108-3,-1 0 0,1 0 1,0 0-1,0 0 0,0 0 0,0 1 1,0-1-1,0 1 0,0-1 1,0 1-1,0 0 0,0 0 0,0 0 1,0 0-1,0 0 0,0 0 1,0 0-1,0 1 0,0-1 0,0 1 1,-1 0-1,1-1 0,0 1 0,0 0 1,0 0-1,-1 0 0,1 0 1,0 0-1,-1 1 0,1-1 0,-1 1 1,1-1-1,-1 1 0,0-1 1,0 1-1,1-1 0,-1 1 0,0 0 1,-1 0-1,1 0 0,0 0 1,0-1-1,-1 1 0,1 0 0,-1 0 1,0 0-1,0 0 0,1 0 1,-1 0-1,0 0 0,-1 0 0,1 1-19,-49 118 1403,0-78-1978,-12-49-4604,50-6 165,1-1-1108</inkml:trace>
+</inkml:ink>
+</file>
+
+<file path=ppt/ink/ink60.xml><?xml version="1.0" encoding="utf-8"?>
+<inkml:ink xmlns:inkml="http://www.w3.org/2003/InkML">
+  <inkml:definitions>
+    <inkml:context xml:id="ctx0">
+      <inkml:inkSource xml:id="inkSrc0">
+        <inkml:traceFormat>
+          <inkml:channel name="X" type="integer" min="-2.14748E9" max="2.14748E9" units="cm"/>
+          <inkml:channel name="Y" type="integer" min="-2.14748E9" max="2.14748E9" units="cm"/>
+          <inkml:channel name="F" type="integer" max="32767" units="dev"/>
+        </inkml:traceFormat>
+        <inkml:channelProperties>
+          <inkml:channelProperty channel="X" name="resolution" value="1000" units="1/cm"/>
+          <inkml:channelProperty channel="Y" name="resolution" value="1000" units="1/cm"/>
+          <inkml:channelProperty channel="F" name="resolution" value="0" units="1/dev"/>
+        </inkml:channelProperties>
+      </inkml:inkSource>
+      <inkml:timestamp xml:id="ts0" timeString="2019-05-27T17:54:48.495"/>
+    </inkml:context>
+    <inkml:brush xml:id="br0">
+      <inkml:brushProperty name="width" value="0.1" units="cm"/>
+      <inkml:brushProperty name="height" value="0.2" units="cm"/>
+      <inkml:brushProperty name="color" value="#FF2500"/>
+      <inkml:brushProperty name="tip" value="rectangle"/>
+      <inkml:brushProperty name="rasterOp" value="maskPen"/>
+    </inkml:brush>
+  </inkml:definitions>
+  <inkml:trace contextRef="#ctx0" brushRef="#br0">49 162 8960,'-1'0'75,"1"0"1,0-1-1,0 1 1,0-1-1,-1 1 0,1 0 1,0-1-1,0 1 1,0 0-1,0-1 1,0 1-1,0-1 1,0 1-1,0 0 1,0-1-1,0 1 0,0-1 1,0 1-1,0-1 1,0 1-1,0 0 1,0-1-1,0 1 1,1 0-1,-1-1 1,0 1-1,0-1 1,0 1-1,1 0 0,-1 0 1,0-1-1,0 1 1,1 0-1,-1-1 1,0 1-1,1 0 1,-1 0-1,0-1 1,1 1-1,-1 0 0,1 0 1,-1 0-1,1 0-75,-14-15 745,11 13-684,-1-1-1,1 1 1,0-1-1,0 1 1,0-1 0,0 0-1,0 0 1,1 0-1,-1 0 1,1 0 0,0 0-1,0-1 1,0 1-1,0 0 1,1-1 0,-1 1-1,1 0 1,0-1-1,0 1 1,0-1 0,0 1-1,1 0 1,-1-1-1,1 1 1,0 0 0,0 0-1,0-1 1,1 1-1,-1 0 1,1 0 0,-1 0-1,1 0 1,0 1-1,0-1 1,1 0 0,-1 1-1,0-1 1,1 1 0,-1 0-1,1 0 1,0 0-1,0 0 1,0 1 0,2-2-61,1 3 57,0 0 0,-1 1 0,1 0 0,0 0 0,0 0 1,0 0-1,-1 1 0,1 0 0,-1 1 0,1-1 0,-1 1 1,0 0-1,0 0 0,0 0 0,0 1 0,-1 0 0,1 0 1,-1 0-1,0 0 0,0 1 0,-1-1 0,1 1 0,-1 0 1,0 0-1,1 5-57,1-6 33,-1 1 0,0 0 1,-1 0-1,1 0 0,-1 0 1,0 1-1,0-1 0,0 1 1,-1 0-1,0 0 0,0 0 0,-1 0 1,0 0-1,0 0 0,0 0 1,-1 0-1,1 0 0,-2 1 1,1-1-1,-1 0 0,1 0 0,-2 0 1,1 0-1,-1 0 0,0 0 1,0 0-1,-1 0 0,1-1 1,-1 1-1,0-1 0,-1 0 0,0 0 1,1 0-1,-1 0 0,-1-1 1,1 1-1,-1-1 0,0 0 1,0-1-1,0 1 0,-4 1-33,4-4 9,0 0-1,0 0 0,0 0 1,0-1-1,-1 0 1,1 0-1,0 0 1,0-1-1,-1 1 1,1-1-1,0-1 0,0 1 1,0-1-1,0 0 1,1 0-1,-1 0 1,0-1-1,1 1 1,-1-1-1,1 0 0,0 0 1,0-1-1,0 0 1,1 1-1,-1-1 1,1 0-1,0 0 1,0-1-1,0 1 0,1-1 1,-1 0-1,1 1 1,0-1-1,0 0 1,1 0-1,0 0 1,0 0-1,0-1 0,0 1 1,1 0-1,0 0 1,0 0-1,0-1 1,1 1-1,-1 0 1,1 0-1,1 0 0,0-3-8,-1 3 0,0 0 0,0 0 0,1 0 0,0 0 0,0 1 0,0-1 0,1 0 0,-1 1 0,1 0 0,0-1 0,0 1 0,1 0 0,-1 1 0,1-1 0,0 1 0,0-1 0,0 1 0,0 0 0,1 1 0,-1-1 0,1 1 0,-1 0 0,1 0 0,0 0 0,0 0 0,0 1 0,0 0 0,0 0 0,0 1 0,0-1 0,1 1 0,-1 0 0,0 0 0,1 1 0,-2-2 0,-1 0 0,1 1 0,0-1 0,-1 1 0,1 0 0,-1-1 0,1 2 0,-1-1 0,1 0 0,0 1 0,-1 0 0,1-1 0,-1 1 0,0 1 0,1-1 0,-1 0 0,0 1 0,0 0 0,1 0 0,-1 0 0,-1 0 0,1 0 0,0 0 0,-1 1 0,1 0 0,-1-1 0,1 1 0,-1 0 0,0 0 0,0 0 0,-1 0 0,1 1 0,-1-1 0,1 0 0,-1 1 0,0-1 0,-1 1 0,1-1 0,0 1 0,-1-1 0,0 1 0,0-1 0,0 1 0,0 0 0,0-1 0,-1 1 0,0-1 0,0 1 0,0-1 0,0 2 0,-3-1 19,1 1 0,-1 0-1,0-1 1,-1 0 0,1 0-1,-1 0 1,0 0 0,0-1-1,0 0 1,0 0 0,0 0-1,-1-1 1,1 1 0,-1-1-1,0-1 1,0 1 0,0-1-1,0 0 1,0 0 0,0-1-1,0 0 1,0 0 0,0 0-1,0-1 1,1 1 0,-1-2-1,0 1 1,0-1 0,0 0-1,1 0 1,-1 0 0,1-1-1,-1 1 1,1-2 0,0 1-1,0 0 1,1-1 0,-1 0-1,1 0 1,-4-4-19,5 4 6,0 0 0,1 1-1,-1-1 1,1 0 0,0-1 0,0 1 0,0 0-1,1 0 1,-1-1 0,1 1 0,0-1-1,0 1 1,1-1 0,-1 0 0,1 1 0,0-1-1,1 0 1,-1 1 0,1-1 0,0 1-1,0-1 1,0 1 0,0-1 0,1 1 0,0 0-1,0 0 1,0-1 0,0 1 0,1 1-1,0-1 1,-1 0 0,1 1 0,1-1-1,-1 1 1,0 0 0,1 0 0,0 0 0,-1 1-1,1-1 1,0 1 0,1 0 0,-1 0-1,0 0 1,0 1 0,1-1 0,-1 1 0,1 0-1,3 0-5,-1 0-354,0 0-1,1 0 0,-1 0 0,0 1 0,1 0 1,-1 1-1,0 0 0,0 0 0,1 0 0,-1 1 1,0 0-1,0 1 0,0-1 0,-1 1 0,1 0 1,-1 1-1,0 0 0,1 0 0,2 3 355,6 5-8362</inkml:trace>
+</inkml:ink>
+</file>
+
+<file path=ppt/ink/ink61.xml><?xml version="1.0" encoding="utf-8"?>
+<inkml:ink xmlns:inkml="http://www.w3.org/2003/InkML">
+  <inkml:definitions>
+    <inkml:context xml:id="ctx0">
+      <inkml:inkSource xml:id="inkSrc0">
+        <inkml:traceFormat>
+          <inkml:channel name="X" type="integer" min="-2.14748E9" max="2.14748E9" units="cm"/>
+          <inkml:channel name="Y" type="integer" min="-2.14748E9" max="2.14748E9" units="cm"/>
+          <inkml:channel name="F" type="integer" max="32767" units="dev"/>
+        </inkml:traceFormat>
+        <inkml:channelProperties>
+          <inkml:channelProperty channel="X" name="resolution" value="1000" units="1/cm"/>
+          <inkml:channelProperty channel="Y" name="resolution" value="1000" units="1/cm"/>
+          <inkml:channelProperty channel="F" name="resolution" value="0" units="1/dev"/>
+        </inkml:channelProperties>
+      </inkml:inkSource>
+      <inkml:timestamp xml:id="ts0" timeString="2019-05-27T17:54:49.902"/>
+    </inkml:context>
+    <inkml:brush xml:id="br0">
+      <inkml:brushProperty name="width" value="0.1" units="cm"/>
+      <inkml:brushProperty name="height" value="0.2" units="cm"/>
+      <inkml:brushProperty name="color" value="#FF2500"/>
+      <inkml:brushProperty name="tip" value="rectangle"/>
+      <inkml:brushProperty name="rasterOp" value="maskPen"/>
+    </inkml:brush>
+  </inkml:definitions>
+  <inkml:trace contextRef="#ctx0" brushRef="#br0">69 197 6272,'68'-71'4010,"-65"69"-3930,0 0 0,0 0 0,1 0-1,-1 0 1,0 1 0,1-1 0,-1 1-1,1 0 1,-1 0 0,1 1 0,0-1 0,-1 1-1,1-1 1,0 1 0,0 0 0,-1 0-1,1 1 1,0-1 0,-1 1 0,1 0-1,-1 0 1,1 0 0,-1 1 0,1-1 0,-1 1-1,0-1 1,1 1 0,-1 0 0,0 1-1,0-1 1,-1 0 0,1 1 0,0-1-1,-1 1 1,0 0 0,1 0 0,-1 0-1,0 0 1,-1 1 0,1-1 0,0 0 0,-1 1-1,0-1 1,0 1 0,0-1 0,0 1-80,-1 3 78,0-1 0,0 0 0,0 1 0,-1-1 1,0 0-1,0 1 0,-1-1 0,0 0 1,0 0-1,0 0 0,-1 0 0,0-1 0,0 1 1,0-1-1,-1 1 0,0-1 0,0 0 1,0 0-1,0-1 0,-1 1 0,0-1 0,0 0 1,0-1-1,0 1 0,-1-1 0,0 0 1,1 0-1,-1 0 0,0-1 0,0 0 0,0 0 1,-1-1-1,1 0 0,0 0 0,-1 0 1,1-1-80,-1-4 15,1 0-1,0 0 0,0-1 0,1 0 1,-1 0-1,1 0 0,0-1 0,0 1 1,1-1-1,0 0 0,0-1 0,0 1 1,1-1-1,0 0 0,0 0 0,0 0 1,1 0-1,0 0 0,1 0 0,-1-1 1,2 1-1,-1 0 0,1-1 0,0 1 1,0-1-1,1 1 0,0-1 0,0 1 1,1-1-15,-2 2 2,0 0 0,1 0-1,-1 0 1,1 0-1,0 0 1,1 0 0,-1 1-1,1-1 1,0 0-1,1 1 1,0 0-1,-1-1 1,1 1 0,1 0-1,-1 0 1,1 1-1,0-1 1,0 1-1,1 0 1,-1 0 0,1 0-1,0 0 1,0 1-1,0 0 1,0 0-1,0 0 1,1 1 0,-1 0-1,1 0 1,0 0-1,0 0 1,0 1-1,0 0 1,-1 1 0,1-1-1,0 1 1,3 0-1,-4 1 31,0 0 0,0 0 1,0 1-1,0-1 0,0 1 1,0 0-1,0 1 0,-1-1 0,1 1 1,-1 0-1,0 0 0,0 0 1,0 0-1,0 1 0,0 0 0,-1 0 1,0 0-1,0 0 0,0 0 1,0 1-1,0-1 0,-1 1 0,0 0 1,0-1-1,0 1 0,-1 0 1,0 0-1,0 0 0,0 1 0,0-1 1,-1 0-1,0 0 0,0 0 1,0 1-1,-1-1 0,1 0 0,-1 0 1,-1 0-1,1 0 0,-1 0 1,1 0-1,-2 0 0,1-1 0,0 1 1,-1-1-1,0 1 0,0-1 1,0 0-1,-1 0 0,1 0 1,-1-1-1,0 1 0,0-1 0,0 0 1,0 0-1,-1 0 0,1-1 1,-1 1-1,0-1 0,-3 1-31,1 0 15,-1-1 0,1 1 0,-1-1 0,0-1 0,0 0 0,0 0 0,0 0 0,0-1 0,0 0 0,0-1 0,0 1 0,0-2 0,0 1 0,0-1 0,0 0 0,1-1 0,-1 0 0,1 0 0,-1 0 0,1-1 0,0 0 0,1-1 0,-1 0 0,1 0 0,0 0 0,0 0 0,-1-3-15,5 5 0,0 0 0,1 0 0,0 0 0,0 0 0,0 0 0,0 0 0,0 0 0,1 0 0,-1-1 0,1 1 0,0 0 0,0 0 0,0 0 0,1-1 0,-1 1 0,1 0 0,-1 0 0,1 0 0,0 0 0,0 0 0,1 0 0,-1 0 0,1 0 0,-1 0 0,1 0 0,0 1 0,0-1 0,0 1 0,0-1 0,0 1 0,1 0 0,-1 0 0,1 0 0,1-1 0,100-48 0,-96 49 8,-1 1-1,0-1 0,1 1 0,-1 0 0,1 1 0,0 0 0,-1 0 0,1 0 0,-1 1 1,1 0-1,-1 1 0,1 0 0,-1 0 0,0 0 0,0 1 0,0 0 0,0 0 0,1 2-7,-7-1 21,-1-1 0,0 1-1,0 0 1,0-1 0,0 1-1,-1 0 1,1-1 0,-1 1-1,0 0 1,0-1-1,0 1 1,0-1 0,-1 1-1,0-1 1,1 0 0,-1 0-1,0 0 1,-1 0 0,1 0-1,0 0 1,-1 0 0,0-1-1,0 1 1,1-1 0,-1 0-1,-1 0 1,1 0-1,0 0 1,0-1 0,-1 1-1,-1 0-20,-3 3 35,0 1-1,-1-1 0,0-1 1,0 1-1,0-2 1,0 1-1,-1-1 0,1 0 1,-1-1-1,0 0 0,0-1 1,0 0-1,1-1 1,-1 0-1,0 0 0,0-1 1,0 0-1,-3-1-34,12 1-13,1 1 0,-1-1-1,0 1 1,0-1 0,0 1 0,0-1 0,1 0 0,-1 1-1,0-1 1,0 0 0,1 0 0,-1 1 0,1-1-1,-1 0 1,0 0 0,1 0 0,0 0 0,-1 0-1,1 0 1,0 0 0,-1 0 0,1 0 0,0 0-1,0 0 1,0 0 0,0 0 0,0 0 0,0 0-1,0 0 1,0 0 0,0 0 0,0 0 0,1 0 0,-1 0-1,0 1 1,1-1 0,-1 0 0,1 0 0,-1 0-1,1 0 1,-1 0 0,1 0 0,-1 1 0,1-1-1,0 0 1,0 0 0,-1 1 0,2-1 13,37-39-4060,-8 14-6841</inkml:trace>
+</inkml:ink>
+</file>
+
+<file path=ppt/ink/ink62.xml><?xml version="1.0" encoding="utf-8"?>
+<inkml:ink xmlns:inkml="http://www.w3.org/2003/InkML">
+  <inkml:definitions>
+    <inkml:context xml:id="ctx0">
+      <inkml:inkSource xml:id="inkSrc0">
+        <inkml:traceFormat>
+          <inkml:channel name="X" type="integer" min="-2.14748E9" max="2.14748E9" units="cm"/>
+          <inkml:channel name="Y" type="integer" min="-2.14748E9" max="2.14748E9" units="cm"/>
+          <inkml:channel name="F" type="integer" max="32767" units="dev"/>
+        </inkml:traceFormat>
+        <inkml:channelProperties>
+          <inkml:channelProperty channel="X" name="resolution" value="1000" units="1/cm"/>
+          <inkml:channelProperty channel="Y" name="resolution" value="1000" units="1/cm"/>
+          <inkml:channelProperty channel="F" name="resolution" value="0" units="1/dev"/>
+        </inkml:channelProperties>
+      </inkml:inkSource>
+      <inkml:timestamp xml:id="ts0" timeString="2019-05-27T17:54:50.911"/>
+    </inkml:context>
+    <inkml:brush xml:id="br0">
+      <inkml:brushProperty name="width" value="0.1" units="cm"/>
+      <inkml:brushProperty name="height" value="0.2" units="cm"/>
+      <inkml:brushProperty name="color" value="#FF2500"/>
+      <inkml:brushProperty name="tip" value="rectangle"/>
+      <inkml:brushProperty name="rasterOp" value="maskPen"/>
+    </inkml:brush>
+  </inkml:definitions>
+  <inkml:trace contextRef="#ctx0" brushRef="#br0">127 163 5120,'-14'-21'3720,"10"19"-3523,1 0-1,-1-1 1,1 0 0,-1 1-1,1-2 1,0 1-1,0 0 1,1 0 0,-1-1-1,0 0 1,1 1-1,0-1 1,0 0 0,0 0-1,1 0 1,-1 0-1,1-1 1,0 1-1,0 0 1,0-1 0,1 1-1,-1 0 1,1-1-1,0 1 1,1-1 0,-1 1-197,4 1 65,0 0 1,0 1 0,0 0 0,0-1 0,0 1 0,0 1 0,0-1-1,1 1 1,-1-1 0,1 1 0,-1 1 0,1-1 0,0 1 0,-1-1-1,1 1 1,0 0 0,-1 1 0,1-1 0,-1 1 0,1 0-1,-1 0 1,1 1 0,2 0-66,3 1 94,0 1 1,-1 0-1,1 1 0,-1 0 0,1 0 1,-2 1-1,1 0 0,0 0 0,-1 1 1,-1 0-1,1 1 0,4 5-94,-9-10 60,0 1 0,0 0 1,0 0-1,0 0 0,-1 0 0,1 1 0,-1-1 1,0 1-1,-1-1 0,1 1 0,-1 0 0,0-1 0,0 1 1,0 0-1,-1 0 0,1 0 0,-1 0 0,0 0 1,-1 0-1,1-1 0,-1 1 0,0 0 0,0 0 0,-1 0 1,1-1-1,-1 1 0,0-1 0,-1 2-60,-3 1 36,0-1 0,0 0 0,-1-1-1,0 0 1,0 0 0,0 0 0,-1-1 0,1 1 0,-1-2-1,0 1 1,0-1 0,0-1 0,-1 0 0,1 0 0,-1 0 0,1-1-1,-1 0 1,1-1 0,-1 0 0,0 0 0,1-1 0,-1 0-1,1 0 1,-1-1 0,-1-1-36,4 1-1,0 0 0,1 0 0,-1-1 0,1 0 0,-1 0 0,1 0 0,0-1 0,0 0-1,0 0 1,1 0 0,-1 0 0,1-1 0,0 0 0,0 0 0,1 0 0,0 0 0,-1 0 0,2-1 0,-1 1 0,1-1 0,0 0 0,0 0 0,0 0-1,1 0 1,0 0 0,0 0 0,0 0 0,1-1 0,0 1 0,0 0 0,1 0 0,0 0 0,0 0 0,0 0 0,2-4 1,-2 4-2,0 1 0,0-1 0,0 0 0,1 1 1,0 0-1,0-1 0,0 1 0,1 0 0,0 0 1,0 0-1,0 0 0,1 1 0,-1-1 0,1 1 0,0 0 1,0 0-1,1 1 0,-1-1 0,1 1 0,0 0 0,0 0 1,0 0-1,0 1 0,0-1 0,0 1 0,1 1 0,-1-1 1,1 1-1,-1 0 0,1 0 0,0 0 0,0 1 1,-1 0-1,1 0 0,0 1 0,-1-1 0,1 1 0,2 1 2,-4-1 0,1-1 0,-1 1 0,1 0 0,0 1 0,-1-1 0,0 1 0,1 0 0,-1 0 0,0 0 0,0 1 0,0-1 0,-1 1 0,1 0 0,0 0 0,-1 0 0,0 1 0,0-1 0,0 1 0,0 0 0,-1 0 0,1 0 0,-1 0 0,0 0 0,0 0 0,0 1 0,-1-1 0,0 0 0,1 1 0,-2 0 0,1-1 0,0 1 0,-1 0 0,0-1 0,0 1 0,0 0 0,-1-1 0,0 1 0,0-1 0,0 1 0,0-1 0,-1 1 0,1-1 0,-1 0 0,0 1 0,-1-1 0,1 0 0,-1 0 0,1-1 0,-3 3 0,1-2 9,0 0-1,0 0 0,-1 0 0,1-1 0,-1 1 0,0-1 0,0 0 0,0-1 0,0 1 0,0-1 0,0 0 1,-1-1-1,1 1 0,-1-1 0,1 0 0,-1 0 0,0-1 0,1 1 0,-1-1 0,0-1 0,1 1 0,-1-1 1,0 0-1,1 0 0,-1-1 0,1 1 0,0-1 0,-1 0 0,0-2-8,3 3-25,1-1 0,0 0 1,0 0-1,0 0 0,0 0 0,0-1 0,0 1 1,1 0-1,-1-1 0,1 1 0,0-1 0,-1 0 1,1 1-1,1-1 0,-1 0 0,0 0 0,0 1 1,1-1-1,0 0 0,0 0 0,0 0 0,0 0 1,0 0-1,0 0 0,1 1 0,-1-1 0,1 0 1,0 0-1,0 0 0,0 1 0,0-1 0,0 0 25,31-52-7078,-12 34-4</inkml:trace>
+</inkml:ink>
+</file>
+
+<file path=ppt/ink/ink63.xml><?xml version="1.0" encoding="utf-8"?>
+<inkml:ink xmlns:inkml="http://www.w3.org/2003/InkML">
+  <inkml:definitions>
+    <inkml:context xml:id="ctx0">
+      <inkml:inkSource xml:id="inkSrc0">
+        <inkml:traceFormat>
+          <inkml:channel name="X" type="integer" min="-2.14748E9" max="2.14748E9" units="cm"/>
+          <inkml:channel name="Y" type="integer" min="-2.14748E9" max="2.14748E9" units="cm"/>
+          <inkml:channel name="F" type="integer" max="32767" units="dev"/>
+        </inkml:traceFormat>
+        <inkml:channelProperties>
+          <inkml:channelProperty channel="X" name="resolution" value="1000" units="1/cm"/>
+          <inkml:channelProperty channel="Y" name="resolution" value="1000" units="1/cm"/>
+          <inkml:channelProperty channel="F" name="resolution" value="0" units="1/dev"/>
+        </inkml:channelProperties>
+      </inkml:inkSource>
+      <inkml:timestamp xml:id="ts0" timeString="2019-05-27T17:54:52.457"/>
+    </inkml:context>
+    <inkml:brush xml:id="br0">
+      <inkml:brushProperty name="width" value="0.1" units="cm"/>
+      <inkml:brushProperty name="height" value="0.2" units="cm"/>
+      <inkml:brushProperty name="color" value="#FF2500"/>
+      <inkml:brushProperty name="tip" value="rectangle"/>
+      <inkml:brushProperty name="rasterOp" value="maskPen"/>
+    </inkml:brush>
+  </inkml:definitions>
+  <inkml:trace contextRef="#ctx0" brushRef="#br0">56 129 7168,'9'0'100,"18"-3"2858,-48 2-256,19 0-2643,1-1 1,-1 1 0,1 0 0,0-1 0,0 1 0,0-1-1,0 0 1,0 1 0,0-1 0,0 0 0,0 1 0,1-1-1,-1 0 1,0 0 0,1 0 0,0 0 0,-1 0 0,1 0-1,0 1 1,0-1 0,0 0 0,0 0 0,1 0 0,-1 0 0,0 0-1,1 0 1,0 1 0,-1-1 0,1 0 0,0 0 0,0 1-1,0-1 1,0 0 0,0 1 0,0-1 0,0 1 0,0-1-1,1 1 1,-1 0 0,1-1 0,1 0-60,-2-1 42,0 1 0,0-1 0,0 0 0,1 1-1,-1-1 1,1 1 0,0 0 0,0-1 0,0 1 0,0 0 0,0 0 0,0 0 0,0 0 0,1 1 0,-1-1 0,1 0-1,-1 1 1,1 0 0,0 0 0,0 0 0,-1 0 0,1 0 0,0 0 0,0 1 0,0-1 0,0 1 0,0 0 0,0 0-1,0 0 1,-1 0 0,1 1 0,0-1 0,0 1 0,0 0 0,0-1 0,0 1 0,-1 0 0,1 1 0,0-1 0,-1 0-1,1 1 1,-1 0 0,0-1 0,1 1 0,-1 0 0,0 0 0,0 1 0,0-1 0,0 0 0,-1 0 0,1 1 0,-1 0-1,1-1 1,-1 1 0,0-1 0,0 1 0,1 3-42,-2-1 40,-1 1 0,1 0 0,-1-1 1,-1 1-1,1 0 0,-1-1 0,0 1 0,0-1 0,0 0 0,-1 0 0,0 0 0,0 0 1,0 0-1,-1-1 0,1 1 0,-1-1 0,0 0 0,0 0 0,-1 0 0,1-1 1,-1 1-1,0-1 0,-2 1-40,4-2 20,0 0 1,0 0 0,0 0-1,0-1 1,0 1-1,-1-1 1,1 0 0,-1 0-1,1 0 1,-1 0-1,1-1 1,-1 1 0,0-1-1,1 0 1,-1 0 0,0 0-1,1-1 1,-1 1-1,1-1 1,-1 0 0,1 0-1,-1 0 1,1 0-1,-1-1 1,1 1 0,0-1-1,0 0 1,0 0 0,0 0-1,0 0 1,0-1-1,1 1 1,-1-1 0,1 0-1,0 1 1,-1-1-1,1-1-20,1-1 0,0 1 0,0-1 0,0 0 0,1 0 0,-1 0 0,1 0 0,1 1 0,-1-1 0,1 0 0,-1 0 0,1 0 0,1 1 0,-1-1 0,1 0 0,0 1 0,0-1 0,0 1 0,0 0 0,1 0 0,0 0 0,0 0 0,0 0 0,0 0 0,1 1 0,-1 0 0,1-1 0,0 1 0,0 1 0,0-1 0,0 1 0,0-1 0,1 1 0,-1 0 0,1 1 0,0-1 0,-1 1 0,1 0 0,0 0 0,0 0 0,-1 1 0,1 0 0,1 0 0,2-2 0,-1 0 0,0 0 0,0 1 0,1 1 0,-1-1 0,0 1 0,1 0 0,-1 1 0,0 0 0,1 0 0,-1 0 0,0 1 0,0 0 0,0 1 0,0-1 0,0 1 0,-1 1 0,1-1 0,-1 1 0,0 0 0,0 1 0,0-1 0,-1 1 0,1 0 0,-1 1 0,0-1 0,-1 1 0,1 0 0,-1 0 0,-1 0 0,1 1 0,1 5 0,-6-8 8,-1 1 0,1 0-1,-1 0 1,0-1-1,-1 1 1,1-1-1,-1 0 1,0 0 0,0 0-1,0 0 1,-1 0-1,1-1 1,-1 1-1,0-1 1,0 0 0,0 0-1,0 0 1,-1-1-1,1 0 1,-1 1-1,1-2 1,-1 1 0,0 0-1,0-1 1,0 0-1,0 0 1,0-1-1,0 1 1,0-1 0,0 0-1,-2 0-7,-1 1 5,1-1 0,-1 1 0,0-1-1,1 0 1,-1-1 0,1 0 0,-1 0 0,1 0-1,-1-1 1,1 0 0,0-1 0,-1 0 0,1 0-1,1 0 1,-1-1 0,0 0 0,1 0 0,0-1 0,0 0-1,0 0 1,1 0 0,0 0 0,0-1 0,0 0-1,0 0 1,1-1 0,0 1 0,1-1 0,-1 0 0,1 0-1,-2-7-4,5 11 0,0 1 0,0-1 0,1 0 0,-1 0 0,1 0 0,-1 1 0,1-1 0,0 0 0,0 1 0,0-1 0,1 0 0,-1 1 0,1 0 0,-1-1 0,1 1 0,0 0 0,0 0 0,0 0 0,0 0 0,0 0 0,0 0 0,0 0 0,1 1 0,-1-1 0,1 1 0,-1 0 0,1 0 0,-1 0 0,1 0 0,0 0 0,0 0 0,-1 1 0,1-1 0,0 1 0,0 0 0,0 0 0,1 0 0,107 13 0,-109-12 1,1 1-1,0 0 0,0-1 1,-1 1-1,1 0 1,-1 0-1,0 1 0,1-1 1,-1 0-1,0 1 0,0-1 1,-1 1-1,1 0 0,0-1 1,-1 1-1,0 0 0,0 0 1,0 0-1,0 0 1,0 0-1,0 1 0,-1-1 1,1 0-1,-1 0 0,0 0 1,0 0-1,0 1 0,-1-1 1,1 0-1,-1 0 0,0 0 1,0 0-1,0 0 0,0 0 1,0 0-1,0 0 1,-1 0-1,0 0 0,1-1 1,-1 1-1,0-1 0,0 1 1,-1-1-1,1 0 0,0 0 1,-1 0-1,1 0 0,-1 0 1,0 0-1,0-1 1,1 1-1,-1-1 0,0 0 1,0 0-1,0 0 0,0 0 1,-1-1-1,1 1 0,0-1 1,-1 0-1,-4 3 14,0-1-1,0 0 1,0 0 0,-1-1 0,1-1 0,-1 1-1,1-1 1,-1 0 0,1-1 0,-1 0 0,1-1-1,0 0 1,0 0 0,-1 0 0,2-1 0,-1 0-1,-2-2-13,-1-32-4394,16 16-6187</inkml:trace>
+</inkml:ink>
+</file>
+
+<file path=ppt/ink/ink64.xml><?xml version="1.0" encoding="utf-8"?>
+<inkml:ink xmlns:inkml="http://www.w3.org/2003/InkML">
+  <inkml:definitions>
+    <inkml:context xml:id="ctx0">
+      <inkml:inkSource xml:id="inkSrc0">
+        <inkml:traceFormat>
+          <inkml:channel name="X" type="integer" min="-2.14748E9" max="2.14748E9" units="cm"/>
+          <inkml:channel name="Y" type="integer" min="-2.14748E9" max="2.14748E9" units="cm"/>
+          <inkml:channel name="F" type="integer" max="32767" units="dev"/>
+        </inkml:traceFormat>
+        <inkml:channelProperties>
+          <inkml:channelProperty channel="X" name="resolution" value="1000" units="1/cm"/>
+          <inkml:channelProperty channel="Y" name="resolution" value="1000" units="1/cm"/>
+          <inkml:channelProperty channel="F" name="resolution" value="0" units="1/dev"/>
+        </inkml:channelProperties>
+      </inkml:inkSource>
+      <inkml:timestamp xml:id="ts0" timeString="2019-05-27T17:54:53.582"/>
+    </inkml:context>
+    <inkml:brush xml:id="br0">
+      <inkml:brushProperty name="width" value="0.1" units="cm"/>
+      <inkml:brushProperty name="height" value="0.2" units="cm"/>
+      <inkml:brushProperty name="color" value="#FF2500"/>
+      <inkml:brushProperty name="tip" value="rectangle"/>
+      <inkml:brushProperty name="rasterOp" value="maskPen"/>
+    </inkml:brush>
+  </inkml:definitions>
+  <inkml:trace contextRef="#ctx0" brushRef="#br0">73 158 5760,'40'0'1301,"-49"-28"3392,9 24-4578,1-1 0,0 1 0,0 0 0,0-1 1,1 1-1,-1 0 0,1 0 0,0 0 0,0 0 0,0 0 0,1 1 0,0-1 0,-1 0 0,1 1 0,0 0 0,0 0 0,1 0 0,-1 0 0,1 0 0,0 1 0,-1 0 0,1-1 0,0 2 0,0-1 0,0 0 0,1 1 1,-1-1-1,2 1-115,86-25 1408,-90 29-1362,0-1 1,0 1-1,0-1 1,-1 1 0,1 0-1,-1 0 1,0 0 0,0 0-1,0 0 1,0 0 0,0 0-1,-1 0 1,1 0 0,-1 0-1,0 0 1,0 0 0,0 1-1,0-1 1,-1 0 0,1 0-1,-1 0 1,0 0 0,0 0-1,0 0 1,0 0 0,0 0-1,-1 0 1,1-1 0,-1 1-1,0 0 1,0-1 0,-1 1-47,-2 7 57,-1 0 0,-1 0 1,0-1-1,0 0 0,-1 0 1,0-1-1,0 0 0,-1 0 1,0-1-1,0 0 0,-1-1 1,-7 4-58,13-8 13,-1 0 0,1 0 1,-1 0-1,0 0 0,1-1 1,-1 0-1,0 0 0,0 0 1,0-1-1,1 0 0,-1 1 1,0-2-1,0 1 0,0-1 1,0 1-1,0-1 0,1 0 1,-1-1-1,0 1 0,1-1 1,-1 0-1,1 0 0,0-1 1,0 1-1,0-1 0,0 0 1,0 0-1,0 0 0,1-1 1,-3-2-14,4 4 2,-1-1 0,1 0 0,0 0 0,0 1 0,0-1 0,0 0 0,1-1 0,-1 1 0,1 0 0,-1 0 0,1-1 0,1 1 0,-1-1 0,0 1 0,1-1 0,-1 1 0,1-1 0,0 1 0,0-1 1,1 1-1,-1-1 0,1 1 0,0 0 0,-1-1 0,2 1 0,-1-1 0,0 1 0,1 0 0,-1 0 0,1 0 0,0 0 0,0 0 0,0 0 0,2-2-2,3-3 3,0 1 1,1 0-1,-1 0 1,1 1-1,1 0 0,-1 0 1,1 1-1,0 0 1,0 1-1,0-1 0,6 0-3,-8 3 0,1 0 0,-1 0 0,1 1 0,-1 0 0,1 0 0,-1 1 0,1 0 0,-1 0 0,1 0 0,-1 1 0,1 1 0,-1-1 0,0 1 0,0 0 0,1 1 0,-2 0 0,1 0 0,0 1 0,0-1 0,-1 1 0,0 1 0,0-1 0,0 1 0,0 0 0,-1 0 0,0 1 0,0 0 0,-1 0 0,1 0 0,-1 0 0,0 1 0,1 3 0,-6-7 7,1 1 0,-1 0 0,0 0 0,0 0 0,0 0 0,-1-1 0,1 1 0,-1 0 0,0-1 0,0 0 0,0 1 0,0-1 0,-1 0-1,1 0 1,-1 0 0,0 0 0,0-1 0,0 1 0,0-1 0,0 0 0,0 1 0,-1-1 0,1-1 0,-1 1 0,0-1 0,1 1 0,-1-1 0,0 0-1,0 0 1,0-1 0,0 1 0,0-1 0,1 0 0,-1 0 0,0 0 0,0 0 0,0-1 0,0 0 0,0 0 0,-1 0-7,-6 1 26,-1-1 0,1-1 1,-1 0-1,1-1 0,0 0 0,-1 0 1,1-1-1,1-1 0,-1 0 0,1 0 1,0-1-1,0 0 0,-8-7-26,17 12 1,-1 0-1,1-1 1,-1 1-1,1 0 1,0-1-1,0 1 1,0-1 0,0 1-1,0-1 1,0 1-1,0-1 1,0 0-1,1 1 1,-1-1 0,0 0-1,1 0 1,0 1-1,-1-1 1,1 0-1,0 0 1,0 0 0,0 0-1,0 1 1,0-1-1,1 0 1,-1 0-1,0 0 1,1 1-1,-1-1 1,1 0 0,0 0-1,0 1 1,-1-1-1,1 1 1,0-1-1,1 1 1,-1-1 0,0 1-1,0-1 1,0 1-1,1 0 1,-1 0-1,1 0 1,-1 0 0,1 0-1,-1 0 1,2 0-1,82-33-6,-79 32 6,0 1 0,0-1 0,0 1 0,1 0 0,-1 1 0,0-1 0,1 1 0,-1 0 0,0 1 0,0 0 0,1 0 0,-1 0 0,0 0 0,0 1 0,0 0 0,0 1 0,-1-1 0,1 1 0,0 0 0,-1 1 0,0-1 0,3 3 0,-7-4-295,-1-1 0,0 0 0,0 1 0,0-1-1,1 0 1,-1 0 0,0 1 0,-1-1 0,1 0 0,0 1-1,0-1 1,0 0 0,-1 1 0,1-1 0,-1 0-1,1 0 1,-1 0 0,1 1 0,-1-1 0,0 0 0,0 0-1,1 0 1,-1 0 0,0 0 0,0 0 0,0 0-1,0-1 1,0 1 0,0 0 0,-1 0 0,1-1-1,0 1 1,0-1 0,0 1 0,-1-1 0,1 1 0,0-1-1,0 0 1,-1 0 0,1 0 0,0 1 0,-1-1-1,1 0 296,-11 1-3434</inkml:trace>
+</inkml:ink>
+</file>
+
+<file path=ppt/ink/ink65.xml><?xml version="1.0" encoding="utf-8"?>
+<inkml:ink xmlns:inkml="http://www.w3.org/2003/InkML">
+  <inkml:definitions>
+    <inkml:context xml:id="ctx0">
+      <inkml:inkSource xml:id="inkSrc0">
+        <inkml:traceFormat>
+          <inkml:channel name="X" type="integer" min="-2.14748E9" max="2.14748E9" units="cm"/>
+          <inkml:channel name="Y" type="integer" min="-2.14748E9" max="2.14748E9" units="cm"/>
+          <inkml:channel name="F" type="integer" max="32767" units="dev"/>
+        </inkml:traceFormat>
+        <inkml:channelProperties>
+          <inkml:channelProperty channel="X" name="resolution" value="1000" units="1/cm"/>
+          <inkml:channelProperty channel="Y" name="resolution" value="1000" units="1/cm"/>
+          <inkml:channelProperty channel="F" name="resolution" value="0" units="1/dev"/>
+        </inkml:channelProperties>
+      </inkml:inkSource>
+      <inkml:timestamp xml:id="ts0" timeString="2019-05-27T17:54:54.773"/>
+    </inkml:context>
+    <inkml:brush xml:id="br0">
+      <inkml:brushProperty name="width" value="0.1" units="cm"/>
+      <inkml:brushProperty name="height" value="0.2" units="cm"/>
+      <inkml:brushProperty name="color" value="#FF2500"/>
+      <inkml:brushProperty name="tip" value="rectangle"/>
+      <inkml:brushProperty name="rasterOp" value="maskPen"/>
+    </inkml:brush>
+  </inkml:definitions>
+  <inkml:trace contextRef="#ctx0" brushRef="#br0">192 237 11008,'22'-12'1280,"-51"-12"533,26 21-1765,-1 0 1,1 0 0,0 0-1,0 0 1,0-1-1,0 0 1,0 1-1,1-1 1,0 0 0,0 0-1,0 0 1,0 0-1,0-1 1,1 1-1,0 0 1,0-1 0,0 1-1,1-1 1,-1 1-1,1-1 1,0 1-1,0-1 1,1 1-1,-1-1 1,1 1 0,0-1-1,0 1 1,1 0-1,-1-1 1,1 1-1,0 0 1,0 0 0,0 0-1,1 0 1,0 1-1,-1-1 1,1 1-1,0-1 1,1 1 0,-1 0-1,0 0 1,1 0-1,0 1 1,0-1-1,-1 1 1,2 0 0,2-1-49,0 3 27,-1 1 0,1 0 0,0 1 0,-1-1 0,1 1 0,-1 1 1,1-1-1,-1 1 0,0 0 0,0 0 0,0 1 0,-1 0 0,1 0 1,-1 0-1,0 1 0,0 0 0,0 0 0,-1 0 0,0 0 1,0 1-1,0-1 0,-1 1 0,1 0 0,-1 0 0,-1 1 0,1-1 1,-1 0-1,0 1 0,-1 0 0,0-1 0,0 1 0,0 0 1,-1 4-29,1-5 39,-1 0 0,0 0 0,0 0 0,-1 0 0,1 0 0,-1-1 0,-1 1 0,1 0 0,-1-1 0,0 1 0,0-1 0,-1 1-1,1-1 1,-1 0 0,-1 0 0,1 0 0,0-1 0,-1 1 0,0-1 0,0 0 0,-1 0 0,1 0 0,-1-1 0,0 1 0,0-1 0,0 0-1,0 0 1,0-1 0,-1 0 0,1 0 0,-1 0 0,1 0 0,-1-1 0,0 0 0,0 0 0,-5-1-38,-2-1 23,0 0 1,1-1 0,-1-1 0,1 0-1,0-1 1,-1 0 0,2-1-1,-1 0 1,1-1 0,-1 0-1,2-1 1,-1 0 0,1-1 0,0 0-1,1 0 1,-1-1 0,2-1-1,-2-1-23,8 8 0,0 0 0,1 0 0,-1-1 0,1 1 0,0 0 0,-1-1 0,2 1 0,-1-1 0,0 1 0,1-1 0,-1 0 0,1 1 0,0-1 0,0 0 0,1 1 0,-1-1 0,1 1 0,0-1 0,-1 1 0,2-1 0,-1 1 0,0-1 0,1 1 0,-1 0 0,1 0 0,0 0 0,0 0 0,0 0 0,1 0 0,-1 0 0,1 1 0,-1-1 0,1 1 0,0 0 0,0 0 0,1 0 0,5-6 0,1 2 0,0 0 0,0 0 0,0 0 0,1 2 0,-1-1 0,1 1 0,1 1 0,-1 0 0,0 0 0,1 1 0,-1 1 2,0 0-1,0 1 0,-1 0 1,1 0-1,0 2 0,0-1 1,-1 1-1,1 0 0,-1 1 1,0 1-1,0-1 0,0 2 1,0-1-1,-1 1 0,1 1 1,1 2-2,-8-5 18,-1 1 1,0 0-1,0 0 1,0 0-1,-1 0 1,0 1-1,0-1 1,0 0-1,0 0 1,0 1-1,-1-1 1,0 1-1,0-1 1,0 0-1,0 1 1,-1-1-1,0 0 1,0 1-1,0-1 1,0 0-1,-1 0 0,0 0 1,1 0-1,-2 0 1,1 0-1,0 0 1,-1-1-1,1 1 1,-1-1-1,0 0 1,0 0-1,-1 0 1,1 0-1,0 0 1,-1-1-1,0 1 1,0-1-1,0 0 1,0 0-1,0-1 1,0 1-1,0-1 1,0 0-1,0 0 1,-4 0-19,0 1 20,0-1 1,0 0-1,0 0 1,0-1 0,0 0-1,0-1 1,0 0-1,0 0 1,0 0-1,0-1 1,0 0 0,1-1-1,-1 0 1,1 0-1,0-1 1,-1 0-1,2 0 1,-1 0 0,0-1-1,1 0 1,0 0-1,0-1 1,0 0-1,1 0 1,0 0 0,0 0-1,1-1 1,-1-2-21,5 3 13,1-1 0,0 1 0,0 0 1,0-1-1,1 1 0,0 0 0,1 0 1,-1 0-1,1 0 0,0 0 0,1 1 1,-1-1-1,1 1 0,0 0 0,0 0 1,1 0-1,0 1 0,0-1 0,0 1 1,0 0-1,0 1 0,1-1 0,0 1 1,-1 0-1,1 1 0,0-1 0,1 1 0,-1 0 1,1 0-14,66-10 110,-71 12-109,-1 0-1,0 0 0,1 0 1,-1 0-1,0 0 0,1 0 1,-1 1-1,0-1 0,0 0 1,1 1-1,-1-1 1,0 1-1,0 0 0,0-1 1,0 1-1,1 0 0,-1 0 1,0-1-1,0 1 0,-1 0 1,1 0-1,0 0 0,0 0 1,0 1-1,-1-1 0,1 0 1,0 0-1,-1 0 0,1 0 1,-1 1-1,0-1 0,1 0 1,-1 1-1,0-1 0,0 0 1,1 0-1,-1 1 0,0-1 1,-1 0-1,1 1 0,0-1 1,0 0-1,0 1 0,-1-1 1,1 0-1,-1 0 0,1 1 1,-1-1-1,1 0 0,-1 0 1,0 0-1,-5 12 18,-1-1-1,0-1 1,0 1 0,-1-1 0,-1 0 0,0-1 0,0 0 0,-1-1 0,-1 0 0,-9 7-18,-32 22-3529,52-40-2102,8-13 1044,19-6-1130,5 0 6293</inkml:trace>
+</inkml:ink>
+</file>
+
+<file path=ppt/ink/ink66.xml><?xml version="1.0" encoding="utf-8"?>
+<inkml:ink xmlns:inkml="http://www.w3.org/2003/InkML">
+  <inkml:definitions>
+    <inkml:context xml:id="ctx0">
+      <inkml:inkSource xml:id="inkSrc0">
+        <inkml:traceFormat>
+          <inkml:channel name="X" type="integer" min="-2.14748E9" max="2.14748E9" units="cm"/>
+          <inkml:channel name="Y" type="integer" min="-2.14748E9" max="2.14748E9" units="cm"/>
+          <inkml:channel name="F" type="integer" max="32767" units="dev"/>
+        </inkml:traceFormat>
+        <inkml:channelProperties>
+          <inkml:channelProperty channel="X" name="resolution" value="1000" units="1/cm"/>
+          <inkml:channelProperty channel="Y" name="resolution" value="1000" units="1/cm"/>
+          <inkml:channelProperty channel="F" name="resolution" value="0" units="1/dev"/>
+        </inkml:channelProperties>
+      </inkml:inkSource>
+      <inkml:timestamp xml:id="ts0" timeString="2019-05-27T17:56:13.812"/>
+    </inkml:context>
+    <inkml:brush xml:id="br0">
+      <inkml:brushProperty name="width" value="0.05" units="cm"/>
+      <inkml:brushProperty name="height" value="0.05" units="cm"/>
+      <inkml:brushProperty name="color" value="#66CC00"/>
+    </inkml:brush>
+  </inkml:definitions>
+  <inkml:trace contextRef="#ctx0" brushRef="#br0">222 483 3584,'0'9'0,"-1"8"0,1-7 0,0 0-2304</inkml:trace>
+  <inkml:trace contextRef="#ctx0" brushRef="#br0" timeOffset="364.118">1 465 9984,'12'4'0,"9"6"1280,-12-6 0,-6-1 384,-3-3 0,0 0-769,13 0 129,6 2-384,15 2 0,14 4-384,5-4 0,5-1-128,3-3 128,4-4-512,-6 4 0,-6 0-8063,-3 6 127,2 1 8448</inkml:trace>
+  <inkml:trace contextRef="#ctx0" brushRef="#br0" timeOffset="1238.128">1233 195 6912,'-17'2'6491,"-8"-16"-4129,5 14-2213,1 1 1,0 1-1,0 1 0,0 0 0,0 1 1,0 1-1,1 1 0,0 1 1,0 1-1,1 0 0,-1 1 1,2 1-1,-1 0 0,2 1 1,-1 1-1,2 1 0,0 0 1,0 0-1,1 2 0,1 0 1,0 0-1,1 1 0,-2 4-149,7-14 8,1 1-1,-1-1 0,1 1 1,1-1-1,-1 1 0,1 1 1,0-1-1,1 1 0,0-1 0,0 1 1,0 0-1,1 0 0,1 0 1,-1 0-1,1 0 0,0 1 0,1-1 1,0 0-1,1 1 0,-1-1 1,2 0-1,-1 0 0,1 0 1,0 0-1,1 0 0,-1 0 0,2 0 1,-1-1-1,1 1 0,0-1 1,1 0-1,0-1 0,0 1 1,0-1-1,1 0 0,0 0 0,0 0 1,1 0-8,9 1 14,0-1 0,-1-1 0,2 0 0,-1-1 0,0-1 0,1 0 0,0-1 1,-1-1-1,1-1 0,0 0 0,0-1 0,-1-1 0,1-1 0,8-2-14,220-73 165,-219 69-141,-1-1-1,0-1 0,0-2 0,-1 0 1,0-2-1,-2 0 0,0-2 1,0 0-1,-2-1 0,0-2 0,3-4-23,-18 16 51,0 0-1,0-1 0,-1 0 0,0 1 1,-1-1-1,0 0 0,0-1 0,-1 1 1,0 0-1,-1-1 0,0 1 0,0-1 1,-1 1-1,-1-1 0,1 0 0,-1 1 1,-1-1-1,0 1 0,0 0 0,-1 0 1,0 0-1,-1 0 0,0 0 0,0 0 1,0 1-1,-2 0 0,1 0 0,-1 0 1,0 0-51,-2-2-180,0 0 0,-1 0 0,0 1 0,-1 0 0,0 1 0,-1 0 1,1 1-1,-1 0 0,-1 0 0,-2 0 180,6 3-845,-1 0 0,0 1 0,0 0 0,-1 0 0,1 1-1,0 1 1,-1-1 0,1 2 0,-1-1 0,0 1 0,1 1 0,-1-1 0,-8 3 845,-17 5-4800</inkml:trace>
+  <inkml:trace contextRef="#ctx0" brushRef="#br0" timeOffset="2008.718">1719 450 10496,'9'7'504,"0"1"1,0 1-1,-1 0 1,0 0-1,0 0 0,-1 1 1,0 0-1,-1 1 1,0 0-1,-1-1 1,0 2-1,0-1 1,-2 1-1,1-1 1,-1 1-1,-1 0 0,0 0-504,-5 17 580,-7-37-370,7-2-214,1-1-1,1 1 1,0-1 0,0 0 0,1 0 0,0 0-1,1 0 1,0 1 0,1-1 0,0 0 0,1 1-1,0 0 1,0-1 0,2-1 4,-3 8-2,-1 0-1,1 1 1,0-1 0,0 0-1,1 1 1,-1 0-1,0 0 1,1-1 0,0 1-1,0 1 1,0-1-1,0 0 1,0 1 0,1 0-1,-1-1 1,1 2-1,-1-1 1,1 0 0,0 1-1,0-1 1,0 1 0,0 0-1,0 0 1,0 1-1,0-1 1,0 1 0,0 0-1,0 0 1,0 0-1,0 0 1,0 1 0,0 0-1,0 0 1,0 0 0,0 0-1,0 1 1,-1-1-1,2 2 3,0-1 15,0 1-1,0 0 1,-1 0-1,1 0 1,-1 1-1,0-1 1,0 1-1,0 0 1,-1 0-1,1 1 1,-1-1-1,0 1 1,0-1-1,-1 1 1,1 0-1,-1 0 0,0 0 1,0 1-1,-1-1 1,0 0-1,0 1 1,0-1-1,0 1 1,-1-1-1,0 0 1,0 1-1,0-1 1,-1 1-15,0-2 85,-7-10-64,10-3-53,-1 0 0,2 0 0,-1 0 0,1 0 0,1 0 0,0 1 0,0 0 0,0 0 0,1 0 0,0 0 0,1 1 0,6-7 32,-2 6-7,0 1-1,1 0 1,0 1-1,1 0 0,-1 1 1,1 0-1,0 1 0,0 1 1,0 0-1,1 0 1,-1 1-1,1 0 0,0 1 1,10 1 7,-17 1 27,-1 0 0,1 1 1,-1 0-1,0 0 0,0 0 0,0 0 1,0 1-1,0 0 0,0 0 0,0 0 1,-1 1-1,0 0 0,0-1 0,0 1 1,0 1-1,0-1 0,-1 1 0,0-1 1,0 1-1,0 0 0,-1 0 0,1 0 1,-1 0-1,0 1 0,-1-1 0,1 0 1,-1 1-1,0 0 0,-1-1 0,1 1 1,-1-1-1,0 1 0,0 0 1,-1-1-1,0 1 0,0 1-27,-8 18-5837,7-20 1200,1-4-1528,1-1 5034</inkml:trace>
+  <inkml:trace contextRef="#ctx0" brushRef="#br0" timeOffset="2470.337">2518 433 8960,'-28'23'1045,"25"-20"171,3-3 363,0 0-22,0 0-426,0 0-172,0 0-255,2 4-85,34 125 2197,-34-144-2831,2-1 0,0 1 0,0 0-1,2 1 1,-1-1 0,2 1 0,0 0 0,1 0-1,2-2 17,-7 12 3,-1 0 1,0 0 0,1 0 0,0 1-1,0-1 1,0 1 0,0-1 0,1 1 0,-1 0-1,1 1 1,0-1 0,0 1 0,0-1-1,0 1 1,0 0 0,0 1 0,1-1 0,-1 1-1,0 0 1,1 0 0,-1 0 0,1 0 0,0 1-1,-1 0 1,1 0 0,-1 0 0,1 0-1,0 1 1,-1 0 0,1 0 0,-1 0 0,0 1-1,2 0-4,1 2 66,1 0 0,-2 1-1,1 0 1,0 1 0,-1-1-1,0 1 1,0 1 0,-1-1 0,1 1-1,-1 0 1,-1 0 0,0 0-1,0 1 1,0-1 0,-1 1-1,0 0 1,0 0 0,-1 1-1,1 5-65,-2 23-2932,-11-3-3426,10-33 662,0-1 2411</inkml:trace>
+  <inkml:trace contextRef="#ctx0" brushRef="#br0" timeOffset="2762.069">2992 395 18687,'3'12'384,"4"17"0,6 17-256,-4-16 128,-2-1-256,-2-8 0,-2-1-1920,-2-8 129,-1-6-5505,0-6 128,0 0 8192</inkml:trace>
+  <inkml:trace contextRef="#ctx0" brushRef="#br0" timeOffset="2940.468">2998 39 17919,'0'20'0,"-3"10"0,3-30 128,0 0-128,0 0 0,7-17-4223,-7 17 127,0 0-1792</inkml:trace>
+  <inkml:trace contextRef="#ctx0" brushRef="#br0" timeOffset="5949.893">3186 644 7040,'20'-14'10382,"-3"-5"-5884,21-50-6015,-27 46 2745,239-469-716,-245 470-512,-14 29 0,3-2-5,1 0 0,0 0 0,0 1 0,0 0 0,0 0 0,1 0-1,0 0 1,0 0 0,1 1 0,-1 0 0,2 0 0,-1 0 0,1 0 0,0 0 0,0 0-1,1 1 1,0-1 0,0 1 0,1-1 0,0 1 0,0-1 0,1 0 0,0 1-1,0-1 1,2 5 5,-2-11-8,-1 1 0,1-1 0,0 0-1,0 0 1,1 1 0,-1-1-1,0 0 1,0 0 0,0 0 0,1 0-1,-1-1 1,1 1 0,-1 0-1,0 0 1,1-1 0,-1 1 0,1-1-1,-1 0 1,1 1 0,0-1 0,-1 0-1,1 0 1,-1 0 0,1 0-1,0 0 1,-1 0 0,1 0 0,-1-1-1,1 1 1,-1 0 0,1-1 0,-1 1-1,1-1 1,-1 0 0,1 0-1,-1 1 1,0-1 0,1-1 8,57-32-966,-34 12 279,-2-1 1,0-1-1,-1-1 0,-2 0 0,13-22 687,-59 116 634,3 2 1,3 0 0,3 2-1,-5 58-634,21 32-260,11-92-4727,-5-39-4613</inkml:trace>
+  <inkml:trace contextRef="#ctx0" brushRef="#br0" timeOffset="6353.7">3983 424 14848,'0'1'20,"0"0"0,0 0 0,0-1 0,0 1 0,0 0 0,0 0 1,-1 0-1,1 0 0,0 0 0,0 0 0,-1-1 0,1 1 1,0 0-1,-1 0 0,1 0 0,-1-1 0,1 1 0,-1 0 0,0-1 1,1 1-1,-1 0 0,1-1 0,-1 1 0,0-1 0,0 1 0,1-1 1,-1 1-1,0-1 0,0 0 0,0 1 0,1-1 0,-1 0 1,0 0-1,0 0 0,0 1 0,0-1 0,0 0 0,0 0 0,1 0 1,-1 0-1,0 0 0,0-1 0,0 1 0,0 0 0,0 0 1,0-1-1,1 1 0,-1 0 0,0-1 0,0 1 0,1 0 0,-1-1 1,0 0-1,0 1 0,1-1 0,-1 1 0,0-1 0,1 0 1,-1 1-1,1-1 0,-1 0 0,1 0 0,-1 1 0,1-2-20,-35-19 758,28 22-696,-1 0-1,0 0 1,1 0-1,0 1 1,-1 0-1,1 0 1,0 1-1,0 0 0,0 0 1,0 1-1,1 0 1,0 0-1,-1 0 1,1 1-1,1 0 0,-1 0 1,1 1-1,0-1 1,0 1-1,0 0 1,1 0-1,0 1 1,0 0-1,1-1 0,-2 5-61,2-6 18,0-1-1,0 0 0,1 1 0,-1-1 0,1 1 0,0-1 0,1 1 0,-1 0 0,1 0 0,0 0 0,0 0 0,0 0 0,1 0 0,-1 0 0,1 1 0,1-1 1,-1 0-1,1 0 0,0 0 0,0 0 0,0 0 0,1 0 0,-1 0 0,1-1 0,1 1 0,-1-1 0,1 1 0,-1-1 0,1 0 0,1 2-17,7-1 34,0 0-1,1 0 1,-1-1-1,1-1 0,-1 0 1,1-1-1,0 0 1,0 0-1,0-2 0,1 1 1,-1-1-1,0-1 0,0-1 1,0 1-1,0-2 1,-1 1-1,1-2 0,0 0 1,-1 0-1,0-1 1,0 0-1,0-1 0,2-2-33,-9 6 12,0 0-1,0-1 1,0 1-1,0-1 0,0 0 1,-1 0-1,1-1 0,-1 1 1,0-1-1,0 1 1,0-1-1,0 0 0,0 0 1,-1 0-1,0-1 0,0 1 1,0 0-1,-1-1 1,1 0-1,-1 1 0,0-1 1,0 0-1,-1 1 0,0-1 1,1 0-1,-2 0 1,1 0-1,0 1 0,-1-1 1,0 0-1,0 1 0,0-1 1,-1 0-1,0 1 1,1 0-1,-2-1 0,1 1 1,0 0-1,-1 0 0,0 0 1,0 0-1,0 1 1,0-1-1,-1 1 0,0-1-11,-54-19-3934,29 13-4590,15 6 4471</inkml:trace>
+  <inkml:trace contextRef="#ctx0" brushRef="#br0" timeOffset="6695.777">4207 424 13184,'-1'0'68,"0"0"0,0 0 0,0 0 0,0 0 0,0 0 0,0 0 0,0 0 1,0 0-1,0 1 0,0-1 0,0 0 0,0 1 0,0-1 0,0 0 1,1 1-1,-1-1 0,0 1 0,0 0 0,0-1 0,0 1 0,1 0 0,-1-1 1,0 1-1,1 0 0,-1 0 0,1 0 0,-1 0 0,1 0 0,-1-1 0,1 1 1,-1 0-1,1 0 0,0 0 0,0 0 0,-1 0 0,1 0 0,0 0 0,0 0 1,0 0-1,0 0 0,0 1 0,0-1 0,0 0 0,1 0 0,-1 0 0,0 0 1,1 0-1,-1-1 0,0 1 0,1 0 0,-1 0 0,1 0 0,-1 0 0,1 0 1,0 0-1,-1-1 0,1 1 0,0 0 0,0-1 0,-1 1 0,1 0 0,1 0-68,15 26 528,-2 1-1,0 1 0,-2 0 0,-1 1 1,-2 0-1,-1 1 0,3 19-527,19-144 661,49-32-1966,-45 89-2433,3 3-3976,-9 10 2808</inkml:trace>
+  <inkml:trace contextRef="#ctx0" brushRef="#br0" timeOffset="7127.352">4687 465 12928,'0'0'78,"1"1"1,-1 0-1,0-1 1,0 1-1,1 0 1,-1-1 0,0 1-1,0 0 1,0-1-1,0 1 1,0 0-1,0 0 1,0-1-1,0 1 1,0 0 0,0-1-1,0 1 1,0 0-1,-1-1 1,1 1-1,0 0 1,0-1-1,-1 1 1,1 0 0,0-1-1,-1 1 1,1-1-1,-1 1 1,1-1-1,-1 1 1,1-1-1,-1 1 1,1-1 0,-1 1-1,1-1 1,-1 0-1,0 1 1,1-1-1,-1 0 1,0 0-1,1 1 1,-1-1 0,0 0-1,1 0 1,-1 0-1,0 0 1,1 0-1,-1 0 1,0 0 0,0 0-1,1 0 1,-1 0-1,0 0 1,1 0-1,-1 0 1,0-1-1,1 1 1,-1 0 0,0-1-1,1 1 1,-1 0-1,1-1 1,-1 1-79,3 3 75,0 0 1,1 0 0,-1 0-1,1 0 1,0 0-1,0 0 1,0-1 0,0 0-1,0 1 1,0-1-1,1 0 1,-1-1 0,1 1-1,-1-1 1,1 1-1,0-1 1,-1 0 0,1 0-1,0-1 1,0 1-1,0-1 1,0 0-1,0 0 1,-1 0 0,1 0-1,0-1 1,0 0-1,0 1 1,-1-1 0,1-1-1,0 1 1,0-1-76,3 1 77,-2 2-65,0-1 1,0 0-1,1 0 0,-1 0 1,0-1-1,0 0 1,0 0-1,0 0 1,0-1-1,0 0 1,0 0-1,0 0 0,-1 0 1,1-1-1,-1 1 1,1-1-1,-1-1 1,0 1-1,0 0 1,-1-1-1,1 0 0,-1 0 1,0 0-1,0 0 1,0-1-1,0 1 1,-1-1-1,1 1 1,-1-1-1,-1 0 0,1 0 1,-1 0-1,1 0 1,-1 0-1,-1-1 1,1 1-13,-2 2-17,1 1-1,-1 0 1,0-1 0,0 1 0,0 0 0,0 0 0,0 0 0,0 0 0,-1 0 0,1 0-1,-1 0 1,1 1 0,-1-1 0,0 0 0,0 1 0,0-1 0,0 1 0,0 0 0,0 0-1,0-1 1,0 1 0,0 1 0,0-1 0,-1 0 0,1 0 0,0 1 0,-1 0-1,1-1 1,0 1 0,-1 0 0,1 0 0,0 0 0,-1 0 0,1 1 0,-1-1 0,0 1 17,-89 20-344,80-15 366,0 1 0,0 0 0,0 1 1,1 0-1,0 1 0,1 0 0,0 0 1,0 1-1,1 1 0,-6 8-22,12-15 37,1-1 0,-1 1-1,0-1 1,1 1 0,0 0 0,0 0-1,0 0 1,1 0 0,-1 0 0,1 0-1,0 1 1,0-1 0,0 0 0,1 1-1,0-1 1,0 1 0,0-1 0,0 0-1,0 1 1,1-1 0,0 1 0,0-1-1,0 0 1,1 0 0,-1 0 0,1 0-1,0 0 1,0 0 0,0 0 0,1 0-1,-1-1 1,1 1 0,0-1 0,2 2-37,6 3 0,0 1 1,1-2 0,0 0 0,0 0-1,1-1 1,-1-1 0,1 0 0,1-1-1,-1 0 1,1-1 0,-1 0 0,1-1-1,0-1 1,0 0 0,0-1 0,5-1-1,144-12-5652,-162 13 5596,74-9-10333</inkml:trace>
+</inkml:ink>
+</file>
+
+<file path=ppt/ink/ink67.xml><?xml version="1.0" encoding="utf-8"?>
+<inkml:ink xmlns:inkml="http://www.w3.org/2003/InkML">
+  <inkml:definitions>
+    <inkml:context xml:id="ctx0">
+      <inkml:inkSource xml:id="inkSrc0">
+        <inkml:traceFormat>
+          <inkml:channel name="X" type="integer" min="-2.14748E9" max="2.14748E9" units="cm"/>
+          <inkml:channel name="Y" type="integer" min="-2.14748E9" max="2.14748E9" units="cm"/>
+          <inkml:channel name="F" type="integer" max="32767" units="dev"/>
+        </inkml:traceFormat>
+        <inkml:channelProperties>
+          <inkml:channelProperty channel="X" name="resolution" value="1000" units="1/cm"/>
+          <inkml:channelProperty channel="Y" name="resolution" value="1000" units="1/cm"/>
+          <inkml:channelProperty channel="F" name="resolution" value="0" units="1/dev"/>
+        </inkml:channelProperties>
+      </inkml:inkSource>
+      <inkml:timestamp xml:id="ts0" timeString="2019-05-27T17:56:25.971"/>
+    </inkml:context>
+    <inkml:brush xml:id="br0">
+      <inkml:brushProperty name="width" value="0.05" units="cm"/>
+      <inkml:brushProperty name="height" value="0.05" units="cm"/>
+      <inkml:brushProperty name="color" value="#FFC114"/>
+    </inkml:brush>
+  </inkml:definitions>
+  <inkml:trace contextRef="#ctx0" brushRef="#br0">0 450 12544,'14'0'0,"10"-3"1152,-12 6 0,-7-2 0,-5-1 127,12 8-511,17-8 128,15 0-640,12-2 0,9-1-128,-3 0 128,2 3-256,-6 3 0,-5 0-2048,-9-1 129,0 1-9089</inkml:trace>
+  <inkml:trace contextRef="#ctx0" brushRef="#br0" timeOffset="11829.803">1190 200 2176,'-8'18'1022,"17"-30"1395,14-33 3744,-31 24-981,-18 14-4104,-32 14-1082,51-7 30,1 0-1,-1 0 1,0 1 0,0 0-1,1 1 1,-1 0-1,1 0 1,-1 0 0,1 0-1,0 1 1,0 0 0,0 1-1,0-1 1,0 1-1,1 0 1,0 1 0,0-1-1,0 1 1,0 0-1,1 0 1,-1 1 0,2-1-1,-1 1 1,0 0 0,1 0-1,0 0 1,1 0-1,-3 7-23,66 59 0,19-5 0,-65-57 0,0 0 0,0 2 0,-1-1 0,0 2 0,-1 0 0,-1 0 0,0 1 0,-1 1 0,-1 0 0,0 1 0,-1-1 0,0 2 0,5 14 0,-13-25 38,0 0 0,0 0 0,-1 0-1,1 1 1,-1-1 0,-1 0 0,1 0-1,-1 0 1,0 0 0,0 0-1,-1 0 1,0 0 0,0-1 0,0 1-1,-1 0 1,0-1 0,0 0 0,0 1-1,-1-1 1,0-1 0,1 1-1,-2 0 1,1-1 0,-1 0 0,1 0-1,-1 0 1,-1 0-38,-5 4 98,0-1 1,-1 0-1,0-1 0,0 0 0,0-1 0,-1 0 1,0-1-1,0 0 0,0-1 0,0-1 0,0 0 1,-2 0-99,-1-2 48,0 0 1,-1 0 0,1-1-1,0-2 1,0 1 0,0-2-1,1 0 1,-1-1-1,1 0 1,-14-8-49,-23-43-2684,55 1-9347,7 29 8959</inkml:trace>
+  <inkml:trace contextRef="#ctx0" brushRef="#br0" timeOffset="12691.867">849 10 4480,'-44'61'9056,"17"-32"-7915,5 5-537,1 1 1,2 0-1,2 2 1,1 0-1,1 1 0,-3 21-604,9-29 63,1 0-1,1 1 0,2 0 0,1 0 1,1 0-1,2 0 0,1 1 0,1-1 1,2 1-1,1-1 0,7 24-62,57 103-8364,-39-110 1964</inkml:trace>
+  <inkml:trace contextRef="#ctx0" brushRef="#br0" timeOffset="13471.178">1355 1 5248,'1'5'697,"0"1"0,0-1 0,0 0 0,0 0 1,1 0-1,0 1 0,0-2 0,0 1 0,1 0 0,-1 0 0,1-1 1,0 1-1,1-1 0,-1 0 0,1 0 0,3 3-697,9 11 3,-4-1 255,0 0 0,0 2 0,-2-1 0,0 1 0,-1 0 1,-1 1-1,-1 0 0,-1 0 0,0 1 0,-2 0 0,0 0 0,-2 0 0,0 0 1,-1 0-1,-1 1 0,-2 8-258,-37 122-1236,-21-56-4644,-26-17-6110,71-70 12481</inkml:trace>
+  <inkml:trace contextRef="#ctx0" brushRef="#br0" timeOffset="14361.776">1771 450 2944,'-4'27'1544,"-26"-9"5488,15-1-3516,38 10-2680,-15-25-777,0 0 1,1-1-1,-1 0 1,1 0-1,-1-1 1,1 0-1,-1-1 1,1 1-1,-1-2 1,0 1-1,1-1 1,-1 0-1,0-1 1,0 0-1,0 0 1,-1-1-1,1 0 1,-1 0-1,1-2-59,-5 5 3,-1 0-1,0 0 1,0 0-1,1 0 1,-1-1-1,0 1 1,-1-1-1,1 1 1,0-1-1,0 0 1,-1 0 0,1 0-1,-1 0 1,1 0-1,-1 0 1,0 0-1,0 0 1,0-1-1,0 1 1,0 0-1,-1-1 1,1 1-1,-1-1 1,1 1-1,-1-1 1,0 1-1,0 0 1,0-1 0,0 1-1,0-1 1,-1 1-1,1-1 1,-1 1-1,0-1 1,0 1-1,1 0 1,-1 0-1,-1-1 1,1 1-1,0 0 1,-1 0-1,1 0 1,-1 0 0,1 0-1,-1 1 1,0-1-1,0 0 1,0 1-1,0-1 1,0 1-1,0 0 1,0 0-1,0 0 1,-1 0-1,1 0 1,0 0-1,-1 0 1,1 1-1,-1-1-2,-8 1 2,0 0-1,1 1 0,-1 1 1,0 0-1,1 0 0,-1 1 0,1 0 1,0 0-1,0 1 0,0 1 0,0 0 1,1 0-1,0 1 0,0 0 0,0 1 1,1-1-1,-2 4-1,1-3 54,1 1 1,-1 1-1,2-1 0,-1 1 1,1 1-1,0-1 1,1 1-1,1 0 0,-1 1 1,-2 8-55,6-15 16,1-1 0,0 0 0,0 0 0,0 1 0,1-1 0,-1 1 0,1-1 0,0 1 0,0-1 0,0 1 0,0-1 0,0 0 0,1 1 0,0-1 0,-1 1 0,1-1 0,1 0 0,-1 0 0,0 1 0,1-1 0,0 0 0,-1 0 0,1-1 0,0 1 0,1 0 0,-1 0 0,0-1 0,1 0 0,-1 1 0,1-1 0,0 0 0,0 0 0,0-1 0,0 1 0,0 0 0,0-1 0,0 0 0,2 1-16,9 2-230,1 0 1,-1-1 0,1-1-1,0 0 1,0-1 0,0-1 0,0 0-1,0-1 1,0 0 0,-1-2-1,12-2 230,39-10-4638,-5-1-3408,-57 15 7509,40-11 388</inkml:trace>
+  <inkml:trace contextRef="#ctx0" brushRef="#br0" timeOffset="14917.828">2349 507 7936,'0'0'57,"0"-1"1,-1 1 0,1 0-1,0-1 1,-1 1 0,1 0-1,-1 0 1,1-1 0,0 1-1,-1 0 1,1 0 0,-1 0-1,1-1 1,-1 1 0,1 0 0,-1 0-1,1 0 1,-1 0 0,1 0-1,-1 0 1,1 0 0,-1 0-1,1 0 1,-1 0 0,1 0-1,-1 0 1,1 0 0,-1 1-1,1-1 1,0 0 0,-1 0-1,1 0 1,-1 1 0,1-1-1,-1 0 1,1 1 0,0-1-1,-1 0 1,1 1 0,0-1-1,-1 0 1,1 1 0,0-1-1,0 1 1,-1-1 0,1 1-1,0-1 1,0 1-58,-20-44 3162,14 39-2974,-1 0 0,1 0 0,-1 0-1,-1 1 1,1 0 0,0 0 0,-1 1 0,1 0-1,-1 0 1,0 0 0,1 1 0,-1 1-1,0-1 1,0 1 0,0 1 0,0-1 0,1 1-1,-8 2-187,11-2 38,-1 0-1,1 0 1,-1 0 0,1 1-1,-1 0 1,1 0-1,0 0 1,0 0-1,0 0 1,0 1-1,0 0 1,0 0-1,1 0 1,0 0-1,-1 1 1,1-1 0,0 1-1,1 0 1,-1 0-1,1 0 1,-1 0-1,1 0 1,0 1-1,1-1 1,-1 0-1,1 1 1,0 0 0,0-1-1,0 1 1,1-1-1,0 5-37,-1-6-15,1 0-1,0-1 1,1 1 0,-1 0-1,0-1 1,1 1-1,-1 0 1,1-1-1,0 1 1,0-1 0,0 1-1,0-1 1,0 1-1,1-1 1,-1 0 0,1 0-1,-1 0 1,1 0-1,0 0 1,0 0 0,0 0-1,0 0 1,0-1-1,0 1 1,1-1 0,-1 0-1,0 1 1,1-1-1,-1 0 1,1 0 0,-1-1-1,1 1 1,0 0-1,-1-1 1,1 0 0,0 1-1,-1-1 1,4-1 15,-1 1-199,1 0 1,-1-1-1,1 1 1,-1-2-1,1 1 0,-1 0 1,1-1-1,-1 0 1,0-1-1,0 1 0,0-1 1,0 0-1,0 0 1,-1 0-1,1-1 0,-1 1 1,0-1-1,2-3 199,31-78-2602,-15 152 2346,75 282 4629,-97-347-4310,1 0 1,0-1 0,-1 1-1,1 0 1,-1-1 0,1 1-1,-1 0 1,0 0-1,1 0 1,-1-1 0,0 1-1,0 0 1,-1 0 0,1 0-1,0-1 1,-1 1-1,1 0 1,-1 0 0,1-1-1,-1 1 1,0 0 0,1-1-1,-1 1 1,0-1-1,0 1 1,0-1 0,-1 0-1,1 1 1,0-1 0,0 0-1,-1 0 1,1 1-1,-1-1 1,1 0 0,-1 0-1,1-1 1,-1 1 0,0 0-1,1-1 1,-1 1-1,0-1 1,0 1 0,1-1-1,-1 0 1,0 1 0,0-1-1,0 0 1,1 0-1,-1-1 1,0 1 0,0 0-1,1-1 1,-1 1 0,0-1-1,0 1 1,1-1-1,-1 0-63,-171-70 113,105 27-5153,42 26-4560</inkml:trace>
+  <inkml:trace contextRef="#ctx0" brushRef="#br0" timeOffset="23919.261">2858 433 4608,'-26'8'768,"23"-45"4565,1 36-5239,0 0 1,0 0-1,0 0 0,0 0 1,0 0-1,0 0 1,0 0-1,0 1 0,-1-1 1,1 1-1,0 0 0,0-1 1,-1 1-1,1 0 0,0 0 1,0 1-1,-1-1 0,1 0 1,0 1-1,0-1 0,0 1 1,-1 0-1,1 0 1,0 0-1,0 0 0,0 0-94,-8 4 90,0 1 0,1 0 0,-1 1 0,2 0-1,-1 0 1,1 1 0,0 0 0,0 0 0,1 1-1,0 0 1,1 0 0,0 1 0,0-1 0,1 1 0,1 1-1,-1-1 1,2 1 0,-1-1 0,0 7-90,3-14 11,1-1 0,-1 0 0,1 1 1,-1-1-1,1 1 0,0-1 0,0 0 0,0 1 1,0-1-1,1 1 0,-1-1 0,0 0 0,1 1 1,0-1-1,0 0 0,-1 1 0,1-1 0,1 0 1,-1 0-1,0 0 0,0 0 0,1 0 0,-1 0 1,1 0-1,0-1 0,-1 1 0,1 0 0,0-1 1,0 1-1,0-1 0,0 0 0,0 0 0,1 0 1,-1 0-1,0 0 0,0 0 0,1-1 0,-1 1 0,0-1 1,1 1-1,-1-1 0,1 0 0,-1 0 0,0 0 1,1 0-1,0-1-11,109-30-1838,-106 27 1492,-1 0 0,1-1 1,-1 1-1,1-1 0,-2 0 0,1-1 0,0 1 0,-1-1 0,0 0 0,0 0 0,-1 0 1,0 0-1,0-1 0,2-5 346,-14-6-768,7 17 767,1 1 1,0 0 0,0 0-1,0-1 1,0 1 0,0 0-1,0 0 1,0 0 0,0 1-1,0-1 1,0 0 0,-1 0-1,1 0 1,0 1-1,0-1 1,0 1 0,0-1-1,0 1 1,0-1 0,1 1-1,-1-1 1,0 1 0,0 0-1,0 0 1,0-1 0,1 1-1,-1 0 1,0 0 0,1 0-1,-1 0 1,1 0 0,-1 0-1,1 0 1,-1 0-1,1 0 1,0 0 0,-1 0-1,1 0 1,0 0 0,0 0-1,0 0 1,0 0 0,0 0-1,0 0 1,0 1 0,0-1-1,0 0 1,1 0 0,-1 0-1,0 0 1,1 0 0,-1 0-1,0 0 1,1 0-1,0 0 1,-1 1 20,5 15 132,0 0 1,1 0 0,1 0 0,1-1-1,1 0 1,0 0 0,0-1 0,2 0-1,0-1 1,11 12-153,9 13 1822,-50-20 1677,-5-11-3043,0 0 0,-1-2 0,0-1 0,-1 0 1,1-2-1,-1-1 0,-3-1-456,17-1-607,0-1-1,0 0 1,0-1 0,0 0-1,0-1 1,0 0 0,0-1-1,1 0 1,0-1 0,-4-2 607,5 0-4736,1 0 1024</inkml:trace>
+  <inkml:trace contextRef="#ctx0" brushRef="#br0" timeOffset="24330.833">3019 287 9728,'57'121'7577,"-18"-49"-6451,-32-57-1026,0 0 0,-1 0-1,-1 1 1,-1 0-1,0 0 1,-1 0-1,0 0 1,-2 1-1,0-1 1,-1 1 0,0-1-1,-1 1 1,-1-1-1,-1 0 1,0 1-1,-1-1 1,-1-1-1,-4 11-99,-24 45-2324,-69 79-8578,80-124 7361</inkml:trace>
+  <inkml:trace contextRef="#ctx0" brushRef="#br0" timeOffset="24731.838">2539 295 10240,'-9'18'0,"-6"14"512,-5 10 0,-1 12 384,4 2 0,2 9-256,10-2 0,10 4-512,10 3 128,6 1-384,8-9 0,8-1-4736,4-10 128,0 3 2688</inkml:trace>
+  <inkml:trace contextRef="#ctx0" brushRef="#br0" timeOffset="25618.927">3409 325 8704,'-35'53'5653,"30"-48"-5552,-1 1-1,1 0 1,0 0 0,0 0 0,1 1 0,0-1-1,0 1 1,0 0 0,1 1 0,0-1-1,1 0 1,-1 1 0,1 0 0,1-1 0,0 1-1,0 0 1,0 0 0,1 0 0,0 0-1,0 0 1,1 0 0,0-1 0,1 1 0,0 0-1,0-1 1,0 1 0,1-1 0,0 1-1,2 1-100,-5-7-24,1 0-1,-1 0 0,1 0 0,0 0 0,0-1 0,-1 1 0,1 0 0,0 0 0,1-1 1,-1 1-1,0 0 0,0-1 0,1 1 0,-1-1 0,1 0 0,-1 1 0,1-1 0,0 0 1,-1 0-1,1 0 0,0 0 0,0 0 0,0-1 0,-1 1 0,1 0 0,0-1 0,0 0 1,0 1-1,0-1 0,0 0 0,0 0 0,1 0 25,33-27-5902,-36 27 5878,0 0-1,1 1 1,-1-1 0,0 1-1,0-1 1,1 1-1,-1-1 1,0 1 0,0-1-1,1 0 1,-1 1-1,0-1 1,1 0 0,-1 1-1,1-1 1,-1 0 0,0 1-1,1-1 1,-1 0-1,1 0 1,-1 0 0,1 1-1,-1-1 1,1 0 0,-1 0-1,1 0 1,-1 0-1,1 0 1,-1 0 0,1 0-1,-1 0 1,1 0 0,-1 0-1,0 0 1,1 0-1,-1 0 1,1 0 0,-1-1-1,1 1 1,-1 0 0,1 0-1,-1-1 1,1 1-1,-1 0 1,0 0 0,1-1-1,-1 1 1,0 0-1,1-1 1,-1 1 0,0-1-1,1 1 1,-1 0 0,0-1-1,0 1 1,1-1-1,-1 1 1,0-1 0,0 1-1,0-1 1,0 1 0,0-1-1,1 1 1,-1-1-1,0 1 1,0-1 0,0 1 24,7 12-116,-4-7 214,0 0 0,0 0 0,0-1 1,1 1-1,-1-1 0,1 0 0,0 0 1,1 0-1,-1-1 0,1 1 0,0-1 0,-1 0 1,1-1-1,1 1 0,-1-1 0,0 0 1,1 0-1,-1 0 0,1-1 0,-1 0 1,1 0-1,-1 0 0,1-1 0,0 0 0,-1 0 1,1-1-1,0 1 0,-1-1 0,1 0 1,0-1-1,-1 1 0,0-1 0,1 0 1,-1 0-1,0-1 0,0 0 0,0 0 0,0 0 1,-1 0-1,1-1 0,-1 0 0,0 1 1,3-5-99,-3 3 52,0-1-1,0 1 1,0-1 0,0 0 0,-1-1 0,0 1 0,0 0 0,-1-1 0,0 0 0,0 1 0,-1-1 0,1 0-1,-2 0 1,1 0 0,-1 0 0,0 0 0,0 0 0,-1 0 0,1 0 0,-2 1 0,1-1 0,-1 0 0,0 0-1,-1 1 1,1-1 0,-1 1 0,0 0 0,-1 0 0,0 0 0,-3-5-52,-5 0-2076,-8 11-8242,11 4 10403</inkml:trace>
+  <inkml:trace contextRef="#ctx0" brushRef="#br0" timeOffset="25916.808">3976 557 7168,'-1'1'63,"1"-1"0,-1 0-1,0 1 1,0-1 0,0 0 0,1 1 0,-1-1 0,0 0 0,0 0 0,0 0 0,0 0-1,1 0 1,-1 0 0,0 0 0,0 0 0,0 0 0,0 0 0,1-1 0,-1 1 0,0 0-1,0-1 1,0 1 0,1 0 0,-1-1 0,0 1 0,0-1 0,1 1 0,-1-1-1,1 1 1,-1-1 0,0 0 0,1 1 0,-1-1 0,1 0 0,-1 1 0,1-1 0,0 0-1,-1 0 1,1 1 0,0-1 0,-1 0 0,1 0 0,0 0 0,0 1 0,0-1 0,0 0-1,0 0 1,0 0 0,0 0 0,0 0 0,0 1 0,0-2-63,-5-20 1103,4 19-1046,0 1 0,-1-1 0,1 1 1,-1 0-1,0 0 0,0 0 0,0 0 0,0 0 0,0 0 0,0 0 1,0 1-1,-1-1 0,1 1 0,-1-1 0,1 1 0,-1 0 0,1 0 1,-1 0-1,0 1 0,1-1 0,-1 0 0,0 1 0,0 0 0,0 0 1,1 0-1,-1 0 0,0 0 0,0 0 0,1 1 0,-1-1 0,0 1 0,0 0 1,1 0-1,-1 0 0,1 0 0,-1 0 0,1 1 0,-1-1 0,1 1 1,0 0-1,0-1 0,0 1 0,0 0 0,0 0 0,0 0 0,0 1 1,1-1-1,-1 0 0,1 1 0,-1-1 0,1 1 0,0-1 0,0 1 1,0 0-1,1-1 0,-1 2-57,-1 0 23,0 0 0,0 0 0,1 0 0,0 0 0,0 1 0,0-1 0,0 0 0,1 0 0,-1 1 0,1-1 0,0 1 0,0-1 0,1 0 0,0 1 0,-1-1 0,1 0 0,1 0 0,-1 0 0,0 0 0,1 0 0,0 0 0,0 0 0,0 0 0,1 0 0,-1-1 0,1 0 0,0 1 0,0-1 0,0 0 0,0 0 0,2 1-23,-2-2-180,1 0-1,0 0 1,0 0 0,0 0 0,0 0-1,0-1 1,0 1 0,1-1 0,-1 0 0,0-1-1,1 1 1,-1-1 0,0 0 0,1 0-1,-1 0 1,0 0 0,1-1 0,-1 0-1,0 0 1,1 0 0,-1-1 180,57-48-7360,-44 26 5227</inkml:trace>
+  <inkml:trace contextRef="#ctx0" brushRef="#br0" timeOffset="26167.947">4028 480 1024,'0'0'0,"0"0"2432,0 0 128,0 0-640,0 0 128,-17 15-768,6-3 128,2 5-1024,12 4 128,3 8-256,13-5 0,2-3-256,3-4 0,0-3-2304,2-5 0,2 1-3840</inkml:trace>
+  <inkml:trace contextRef="#ctx0" brushRef="#br0" timeOffset="26559.433">4228 430 11904,'11'81'1732,"-12"-77"-1615,0 0 1,0 0 0,0 0 0,1 0 0,0 0 0,-1 1 0,2-1 0,-1 0-1,0 0 1,1 0 0,0 0 0,0 0 0,0 0 0,0 0 0,1 0 0,-1 0-1,1 0 1,0-1 0,0 1 0,1-1 0,-1 1 0,1-1 0,-1 0-1,1 0 1,0 0 0,0 0 0,1-1 0,-1 1 0,0-1 0,1 0 0,0 0-1,3 1-117,-2-2-21,0 0-1,1 0 0,-1-1 1,0 0-1,1 0 0,-1-1 0,0 1 1,1-1-1,-1 0 0,0-1 1,0 1-1,0-1 0,0 0 0,0 0 1,0-1-1,0 1 0,-1-1 1,1 0-1,-1 0 0,0-1 0,0 1 1,0-1-1,0 0 0,-1 0 0,1 0 1,1-4 21,3-3-274,-1 1-1,-1-1 1,0 0 0,0-1 0,-1 1 0,0-1-1,-1 0 1,0-1 0,-1 1 0,1-11 274,-4 21-149,0 20 21,0 4 226,2-1 0,0 1 1,2-1-1,0 0 1,2 0-1,0 0 1,1-1-1,1 0 1,1 0-1,0-1 1,2 0-1,0-1 1,2 1-99,80 131 4223,-93-149-4188,1-1 0,-1 1 0,1 0 0,0 0 0,-1 0 0,1 0 0,-1 0 0,0 0 0,1 0 0,-1 0 0,0 0 0,0 0 0,1 0 0,-1 0 0,0 0 0,0 0 0,0 0 0,0 0 0,0 0 0,0 0 0,-1 0 0,1 0 0,0 0 0,0 0 0,-1 0 0,1 0 0,-1 0 0,1 0 0,-1-1 0,1 1 0,-1 0 0,1 0 0,-1 0 0,0-1-1,1 1 1,-1 0 0,0-1 0,0 1 0,0 0 0,0-1 0,1 1 0,-1-1 0,0 1 0,0-1 0,0 0 0,0 1 0,0-1 0,0 0 0,0 0 0,0 0 0,0 0 0,0 1 0,-1-2-35,-57-6 344,-146-55-1298,78 22-7521,71 23 1115</inkml:trace>
+</inkml:ink>
+</file>
+
+<file path=ppt/ink/ink68.xml><?xml version="1.0" encoding="utf-8"?>
+<inkml:ink xmlns:inkml="http://www.w3.org/2003/InkML">
+  <inkml:definitions>
+    <inkml:context xml:id="ctx0">
+      <inkml:inkSource xml:id="inkSrc0">
+        <inkml:traceFormat>
+          <inkml:channel name="X" type="integer" min="-2.14748E9" max="2.14748E9" units="cm"/>
+          <inkml:channel name="Y" type="integer" min="-2.14748E9" max="2.14748E9" units="cm"/>
+          <inkml:channel name="F" type="integer" max="32767" units="dev"/>
+        </inkml:traceFormat>
+        <inkml:channelProperties>
+          <inkml:channelProperty channel="X" name="resolution" value="1000" units="1/cm"/>
+          <inkml:channelProperty channel="Y" name="resolution" value="1000" units="1/cm"/>
+          <inkml:channelProperty channel="F" name="resolution" value="0" units="1/dev"/>
+        </inkml:channelProperties>
+      </inkml:inkSource>
+      <inkml:timestamp xml:id="ts0" timeString="2019-05-27T17:56:59.474"/>
+    </inkml:context>
+    <inkml:brush xml:id="br0">
+      <inkml:brushProperty name="width" value="0.05" units="cm"/>
+      <inkml:brushProperty name="height" value="0.05" units="cm"/>
       <inkml:brushProperty name="color" value="#E71224"/>
     </inkml:brush>
-    <inkml:brush xml:id="br2">
-      <inkml:brushProperty name="width" value="0.2" units="cm"/>
-      <inkml:brushProperty name="height" value="0.2" units="cm"/>
-      <inkml:brushProperty name="color" value="#66CC00"/>
-    </inkml:brush>
-    <inkml:brush xml:id="br3">
-      <inkml:brushProperty name="width" value="0.35" units="cm"/>
-      <inkml:brushProperty name="height" value="0.35" units="cm"/>
-      <inkml:brushProperty name="color" value="#004F8B"/>
+  </inkml:definitions>
+  <inkml:trace contextRef="#ctx0" brushRef="#br0">1 22 8704,'10'6'-789,"11"5"10689,-11-11-8558,278-36-532,-246 33-2409,125 13-13996,-133-6 15382</inkml:trace>
+</inkml:ink>
+</file>
+
+<file path=ppt/ink/ink69.xml><?xml version="1.0" encoding="utf-8"?>
+<inkml:ink xmlns:inkml="http://www.w3.org/2003/InkML">
+  <inkml:definitions>
+    <inkml:context xml:id="ctx0">
+      <inkml:inkSource xml:id="inkSrc0">
+        <inkml:traceFormat>
+          <inkml:channel name="X" type="integer" min="-2.14748E9" max="2.14748E9" units="cm"/>
+          <inkml:channel name="Y" type="integer" min="-2.14748E9" max="2.14748E9" units="cm"/>
+          <inkml:channel name="F" type="integer" max="32767" units="dev"/>
+        </inkml:traceFormat>
+        <inkml:channelProperties>
+          <inkml:channelProperty channel="X" name="resolution" value="1000" units="1/cm"/>
+          <inkml:channelProperty channel="Y" name="resolution" value="1000" units="1/cm"/>
+          <inkml:channelProperty channel="F" name="resolution" value="0" units="1/dev"/>
+        </inkml:channelProperties>
+      </inkml:inkSource>
+      <inkml:timestamp xml:id="ts0" timeString="2019-05-27T17:57:12.166"/>
+    </inkml:context>
+    <inkml:brush xml:id="br0">
+      <inkml:brushProperty name="width" value="0.05" units="cm"/>
+      <inkml:brushProperty name="height" value="0.05" units="cm"/>
+      <inkml:brushProperty name="color" value="#E71224"/>
     </inkml:brush>
   </inkml:definitions>
-  <inkml:trace contextRef="#ctx0" brushRef="#br0">3095 48 6016,'0'19'633,"0"-33"792,0-38 954,23 214 1504,-18-64-3334,-5 0 0,-4 0 1,-3 0-1,-17 69-549,-20 103 746,11-189-468,33-80-172,0-1 22,-3-1-118,1 0-1,-1 0 1,1 0 0,-1 0-1,0 0 1,1 1-1,-1-1 1,0 1-1,1 0 1,-1 0-1,0 0 1,0 0-1,1 0 1,-1 0-1,0 1 1,1 0-1,-1-1 1,0 1-1,1 0 1,-1 0-1,1 0 1,0 1-1,-1-1 1,1 1-1,0-1 1,-1 1-10,-5 1 8,-438 207 120,356-165-102,1 5 0,3 3-1,3 4 1,1 4-1,-21 24-25,-127 107 0,222-186-21,7-5-235,1-1-597,0 0 0,0 0 277,0 0-22,0 0-340,0 0-662,0 0-2283,0 0-63,0 0 1727</inkml:trace>
-  <inkml:trace contextRef="#ctx0" brushRef="#br0" timeOffset="1817.521">1846 1987 3072,'0'0'405,"0"0"65,0 0-44,0 0 129,0 0 277,0 4 42,16 74 237,3-2 0,4 0-1,3-2 1,3 0 0,3-2-1,40 65-1110,30 29 935,8-3 0,32 28-935,-73-104 240,4-3 0,3-3 0,4-4 0,54 39-240,-29-31 469,-105-84-470,1-1 1,0 1 0,0 0-1,0-1 1,-1 1-1,1 0 1,0 0 0,-1 0-1,1 0 1,-1 0-1,1 0 1,-1 0 0,0 0-1,1 0 1,-1 0-1,0 0 1,0 0 0,1 0-1,-1 0 1,0 0-1,0 0 1,0 0-1,0 0 1,0 0 0,-1 0-1,1 0 1,0 0-1,0 0 1,-1 0 0,1 0-1,-1 0 1,1 0-1,-1 0 1,1 0 0,-1 0-1,1 0 1,-1 0-1,0-1 1,0 1 0,1 0-1,-1 0 1,0-1-1,0 1 1,0-1 0,0 1-1,0-1 1,0 1-1,0-1 1,0 1 0,0-1 0,-50 28-2092,-1-16-7956,24-10 8427</inkml:trace>
-  <inkml:trace contextRef="#ctx0" brushRef="#br0" timeOffset="2634.386">2903 3638 5376,'-140'31'9099,"-84"81"-7584,149-71-652,-872 429-415,790-385-1184,90-47-8661,51-30 5557</inkml:trace>
-  <inkml:trace contextRef="#ctx0" brushRef="#br0" timeOffset="3646.4">1429 4263 4480,'1'0'79,"0"1"0,0-1 0,0 1 0,-1-1 0,1 1 0,0 0 0,-1-1 1,1 1-1,-1 0 0,1-1 0,0 1 0,-1 0 0,1 0 0,-1-1 0,0 1 0,1 0 0,-1 0 0,0 0 0,0 0 0,1 0 1,-1 0-1,0-1 0,0 1 0,0 0 0,0 0 0,0 0 0,0 0 0,0 0 0,0 0 0,-1 0 0,1 0 0,0-1 1,0 1-1,-1 0 0,1 0 0,-1 0 0,1 0 0,-1-1 0,1 1 0,-1 0 0,1 0 0,-1-1 0,1 1 0,-1-1 1,0 1-80,-8 13 558,3-1-203,0 1 0,1 0 0,1 1 0,0-1-1,1 1 1,1 0 0,0 0 0,1 15-355,-2 5 212,-3 27-33,2 0 1,3 0 0,3 0 0,2 1 0,4-1-1,2-1 1,9 28-180,19 43-307,-3-46-3972,-20-52-841</inkml:trace>
-  <inkml:trace contextRef="#ctx0" brushRef="#br0" timeOffset="5444.412">1474 5414 7296,'22'4'0,"15"45"533,192 73 1515,-43-42-1319,3-9-1,3-8 1,13-5-729,-85-24 225,448 174 543,-384-161-9259,-152-42 6486</inkml:trace>
-  <inkml:trace contextRef="#ctx0" brushRef="#br0" timeOffset="6642.219">3576 6464 3968,'0'0'0,"11"-14"0,-11 14 0,0 0 128,0 0 128,0 0-256,0 0 0,0 0-128,0 0 0,0 0-2432</inkml:trace>
-  <inkml:trace contextRef="#ctx0" brushRef="#br0" timeOffset="7033.773">3594 6347 1408,'-2'0'22,"-1"1"1,1-1-1,-1 1 1,1-1-1,-1 0 0,0 0 1,1 0-1,-1-1 1,1 1-1,-1-1 0,0 1 1,1-1-1,-1 0 1,1 0-1,0 0 0,-1 0 1,1 0-1,0 0 1,0-1-1,-1 1 0,1-1 1,0 0-1,1 1 1,-1-1-1,0 0 0,0 0 1,1 0-1,-1-1 1,1 1-1,0 0 0,-1 0 1,1-1-1,0 1 1,1-1-1,-1 1 0,0-1 1,1 1-1,-1-1 1,1 1-1,0-3-22,-3-95 2309,9 36 4235,-5 62-5797,-1 2-470,0 0-21,0 0 107,27 37 426,54 218 1771,-5 39-768,-68-263-1681,0 1 1,3-1-1,0-1 0,2 0 1,1-1-1,2 0 1,0-1-1,2-1 0,20 23-111,23 5-5247,-40-37-3713</inkml:trace>
-  <inkml:trace contextRef="#ctx0" brushRef="#br1" timeOffset="73039.176">4409 145 1920,'-3'332'491,"-50"1146"191,51-1101-564,-18-1-1,-31 125-117,35-397-1920</inkml:trace>
-  <inkml:trace contextRef="#ctx0" brushRef="#br1" timeOffset="75700.979">4253 3214 128,'0'6'-98,"-1"22"481,-5-46 207,3-4-122,8 31 799,7 38 91,-4 44-429,-4 0 1,-4 1-1,-11 86-929,4-92-371,3 0-1,4 0 0,4-1 0,10 57 372,-9-113-1813,1-2 21</inkml:trace>
-  <inkml:trace contextRef="#ctx0" brushRef="#br1" timeOffset="78222.324">4003 4267 1152,'0'30'640,"0"-28"-256,0-2 21,0 0 86,-10-1 618,-35 4-807,1 1-1,-1 2 1,1 2-1,0 2 1,1 2-1,0 2 1,1 2-302,42-16 1,-498 218 639,215-92-188,-385 191 995,404-167-7996,182-105 6058</inkml:trace>
-  <inkml:trace contextRef="#ctx0" brushRef="#br1" timeOffset="87375.838">1808 5335 1536,'0'0'128,"0"0"0,0 23 491,-35 370 938,-30 378-1536,60-714-2474</inkml:trace>
-  <inkml:trace contextRef="#ctx0" brushRef="#br1" timeOffset="90214.518">1676 6619 2304,'61'23'2517,"51"22"-725,-2 5 0,55 37-1792,-164-87 1,187 108 447,4-8-1,195 70-447,-318-149 39,2-2-1,-1-3 1,2-4-1,3-2-38,167 13-3972,-160-16 793</inkml:trace>
-  <inkml:trace contextRef="#ctx0" brushRef="#br1" timeOffset="93547.16">3442 7338 2176,'0'0'384,"-2"2"21,-182 142 2923,78-77-2837,-3-4-1,-65 24-490,-4-2-92,-625 309 314,278-99-3423,417-231 790</inkml:trace>
-  <inkml:trace contextRef="#ctx0" brushRef="#br1" timeOffset="97601.487">1147 8495 896,'0'0'0,"-12"9"768,4 9 0,-1 8-128,-1 17 128,-1 11-128,2 8 0,2 10-256,0 7 0,2 9-256,1-3 128,-3 5-256,0-8 0,1-5-768,-1-18 128,0 0-2432</inkml:trace>
-  <inkml:trace contextRef="#ctx0" brushRef="#br1" timeOffset="107432.758">1031 9270 2048,'0'22'0,"2"11"128,4 7 0,4 10 384,-1 9 0,2 7 256,-1 8 128,-4 9-640,1 3 128,-2 2-128,-3-5 0,0-3-128,1 10 0,0 6-128,-3-25 0,0-1-4352</inkml:trace>
-  <inkml:trace contextRef="#ctx0" brushRef="#br1" timeOffset="120758.537">1158 10236 1024,'-40'133'839,"28"-106"-142,9-20-638,-14 29 582,2 1 0,1 1-1,2 1 1,2-1 0,1 2 0,-2 29-641,25 309 618,-3-248-916,-5-50-726,2-1-2560</inkml:trace>
-  <inkml:trace contextRef="#ctx0" brushRef="#br2" timeOffset="190109.201">3929 7102 2048,'8'8'-850,"1"2"2750,-17-12 1999,-6-3-2726,13 6-1109,0 1 0,-1-1 0,1 1 0,0 0 0,-1 0 0,1-1 0,0 1 0,1 0 0,-1 0 0,0 0-1,0 0 1,1 0 0,-1 0 0,1 0 0,0 0 0,-1 0 0,1 0 0,0 0 0,0 0 0,0 1 0,1-1-1,-1 0 1,0 0 0,1 0 0,0 0 0,-1 0 0,2 2-64,-2 0 88,71 655 2621,-38-228-2218,-26-197-1238,16 36 342,-15-138 42,0-84 262,-3 1-1,-2 1 1,-2-1 0,-5 36 101,-4 64 0,15 93-128,-11-208 128,1-1 0,2 1 0,1-1 0,2 1 0,1 0 0,2-1 0,6 23 0,7 113 0,-13-118 0,-2-39 0,-1-2 0,-2 3 0,-2 0 0,-1 1 0,3-3 0,2-3-22,-1-6-170,-1-2-362,0 0-364,0 0-1108,0 0-363,0 0-342</inkml:trace>
-  <inkml:trace contextRef="#ctx0" brushRef="#br2" timeOffset="190851.029">4056 10165 1024,'-61'38'6357,"27"-23"-5607,-1-2-1,-1-1 1,0-2-1,0-2 1,-19 2-750,-34 8 924,-177 56 484,-87 42-1408,-132 81 960,334-129-803,3 8 0,-129 87-157,-82 83-5562,281-190-283</inkml:trace>
-  <inkml:trace contextRef="#ctx0" brushRef="#br3" timeOffset="222168.24">5242 190 2688,'2'5'5,"6"11"19,-16-24 502,4 1-612,4 8 170,0-1-1,-1 0 0,1 0 1,0 0-1,-1 1 1,1-1-1,0 0 1,-1 0-1,1 0 1,-1 0-1,1 0 1,0 0-1,-1 0 1,1 1-1,0-1 1,-1 0-1,1 0 1,-1 0-1,1-1 1,0 1-1,-1 0 1,1 0-1,0 0 1,-1 0-1,1 0 1,-1 0-1,1-1 0,0 1 1,-1 0-1,1 0 1,0 0-1,0-1 1,-1 1-1,1 0 1,0 0-1,-1-1 1,1 1-1,0 0 1,0-1-1,0 1 1,-1 0-1,1-1 1,0 1-1,0 0 1,0-1-1,0 1-83,41 344 3068,-21-229-2637,97 836 998,-30-573-1493,-57-213-6357,-30-150 3157</inkml:trace>
-  <inkml:trace contextRef="#ctx0" brushRef="#br3" timeOffset="223023.975">5450 1987 2688,'-6'6'222,"1"-1"0,0 0 0,-1 0 0,0 0 0,0-1 0,-1 0 0,1 0 0,-1-1 0,0 1 0,0-2 1,0 1-1,0-1 0,-1 0 0,1 0 0,-3 0-222,-39 14 466,-308 131 1113,-289 76-1579,631-219 0,-951 311-22,-269 137-362,861-316-1600,339-127-1514</inkml:trace>
-  <inkml:trace contextRef="#ctx0" brushRef="#br3" timeOffset="224424.626">1825 3178 4480,'41'55'1301,"-25"-41"-1092,1-1-1,0-1 0,0-1 1,2 0-1,-1-1 1,1-1-1,0-1 1,1 0-1,14 2-208,1 3 257,626 193 2459,10 5-1869,-254-36-585,-180-71-460,94 22 198,-85-70-6549,-168-43 3989</inkml:trace>
-  <inkml:trace contextRef="#ctx0" brushRef="#br3" timeOffset="227736.875">4583 4263 2432,'-3'2'164,"0"1"0,0-1 0,0 0-1,0 0 1,0-1 0,-1 1 0,1 0 0,-1-1 0,1 0 0,-1 0 0,1 0-1,-1 0 1,0-1 0,1 1 0,-1-1 0,0 0 0,0 0 0,1-1 0,-1 1-1,-2-1-163,-14 2 691,-429 56 4130,-1644 245-3626,1411-198-1671,239 5-4424,309-63 548,67-23 3328</inkml:trace>
-  <inkml:trace contextRef="#ctx0" brushRef="#br3" timeOffset="230498.838">655 4903 2432,'-4'40'3161,"-8"17"-2593,-1 2-457,-65 476 1958,10-54-1301,42-273-2539,26-195-3007</inkml:trace>
-  <inkml:trace contextRef="#ctx0" brushRef="#br3" timeOffset="232361.545">389 6364 2560,'27'8'3181,"24"-10"-2987,-21-1 36,97 8 496,-1 6 0,0 6 1,7 6-727,8 0 317,477 84 622,68 43-939,-12 54 482,-291-83-303,-36-32-325,286 32 146,-511-100-387,-84-14 359,207 41-7965,-162-28 7950</inkml:trace>
-  <inkml:trace contextRef="#ctx0" brushRef="#br3" timeOffset="234872.591">4913 7330 2432,'-144'7'4697,"-72"21"-2461,42-4-1340,-835 136 981,210-50-1599,525-64-278,3 11 0,-161 61 0,-270 105-43,298-125-4010,320-75-1195</inkml:trace>
-  <inkml:trace contextRef="#ctx0" brushRef="#br3" timeOffset="237932.722">681 8217 7424,'27'7'20,"1"-2"0,-1-1 0,1-1 0,1-1 0,-1-2 0,27-2-20,-3 2 29,498-18 1949,-284 4-738,1 11 1,1 12-1241,483 81 2356,74 4-1363,487-45-225,-443 14 106,-726-56-804,134 4-41,-1 12 0,269 59-29,403 177 0,-621-201-384,248 10 384,-522-63-172,199 14-1356,0 11 0,-3 12-1,61 25 1529,-47 5-3584,-137-41-1770</inkml:trace>
-  <inkml:trace contextRef="#ctx0" brushRef="#br3" timeOffset="240567.589">10659 9328 2048,'-2'-2'62,"-1"0"0,1 1 1,-1 0-1,0 0 0,0-1 1,1 2-1,-1-1 0,0 0 0,0 0 1,0 1-1,0 0 0,0-1 1,0 1-1,1 0 0,-1 1 0,0-1 1,0 0-1,0 1 0,0 0 1,0 0-1,1-1 0,-1 2 0,0-1 1,0 0-1,1 0 0,-1 1 0,0 0-62,-32 10 772,-412 37 3580,-608 70-3712,-324 16 1024,-640 122-1429,1766-231-288,-910 111-150,700-61 608,-154 58-405,111 9 565,6 21 1,-264 136-566,313-102-1856,-157 109 1856,388-173-6016,119-71 3648</inkml:trace>
+  <inkml:trace contextRef="#ctx0" brushRef="#br0">1 804 12672,'0'0'0,"13"21"640,-13-21 128,3 11 384,-3-11 0,0 0-897,0 0 1,20-11-128,6 7 0,13-4-256,-2 2 128,4 2-4223,-3-2 127,1 1-1024</inkml:trace>
+  <inkml:trace contextRef="#ctx0" brushRef="#br0" timeOffset="434.249">559 691 7040,'3'13'1557,"-3"-10"128,0-3 214,-13 3 1045,2 1-2642,-1 1 0,1 0 0,0 1 0,0 0 0,0 0 0,1 2-1,0-1 1,1 1 0,-1 1 0,2-1 0,-1 1 0,1 1 0,-2 3-302,9-12 5,0 0 0,0 1 0,0-1 0,0 0 0,0 1 0,0-1 0,0 0 0,0 1 0,0-1 0,1 1 0,-1 0 0,1-1 0,-1 1 0,1-1 0,0 1 0,0 0 0,-1-1 0,1 1-1,0 0 1,0-1 0,1 1 0,-1 0 0,0-1 0,1 1 0,-1-1 0,0 1 0,1 0 0,0-1 0,-1 1 0,1-1 0,0 0 0,0 1 0,0-1 0,0 0 0,0 1 0,0-1 0,0 0 0,0 0 0,1 0 0,-1 0 0,0 0 0,1 0 0,-1 0 0,1 0 0,-1-1 0,1 1 0,-1 0 0,1-1 0,0 0 0,0 1-5,89 13-78,31-18-2454,0-15-6499,-61 7 4957</inkml:trace>
+  <inkml:trace contextRef="#ctx0" brushRef="#br0" timeOffset="875.606">756 1 8448,'-20'228'6400,"18"-110"-5170,5 0 0,4 1 0,16 65-1230,-11-118 235,18-93-939,56-65-555,-83 91 1265,0 0 1,0 1-1,0-1 1,0 1-1,0-1 0,0 1 1,0 0-1,0 1 0,0-1 1,0 0-1,0 1 0,0 0 1,0-1-1,0 1 0,0 0 1,0 1-1,0-1 0,-1 0 1,1 1-1,0 0 0,-1-1 1,0 1-1,1 0 0,-1 0 1,0 1-1,0-1 0,0 0 1,0 1-1,0-1 0,-1 1 1,1 0-1,-1-1 0,0 1 1,1 0-1,-1 0 0,-1 0 1,2 1-7,9 53-1260,-8-39-2556,-1-1-3844,1-5 6167</inkml:trace>
+  <inkml:trace contextRef="#ctx0" brushRef="#br0" timeOffset="1385.089">1401 786 12288,'-48'11'533,"47"-12"-479,0 0 0,1 0 0,-1 0 0,0 0-1,1 1 1,-1-1 0,0 0 0,1 0 0,-1 0 0,1 0 0,-1-1 0,1 1 0,0 0-1,0 0 1,-1 0 0,1 0 0,0 0 0,0 0 0,0 0 0,0-1 0,0 1 0,0 0 0,0 0-1,1 0 1,-1 0 0,0 0 0,1 0 0,-1 0 0,1 0 0,-1 0 0,1 0 0,-1 0 0,1 0-1,0 0 1,-1 0 0,2-1-54,0-4 385,-2 3-319,1 0 0,-1 0-1,0 0 1,-1 0 0,1-1-1,0 1 1,-1 0 0,0 0 0,0 0-1,0 0 1,0 0 0,0 0-1,0 0 1,-1 0 0,0 1-1,1-1 1,-1 0 0,0 1 0,0 0-1,0-1 1,-1 1 0,1 0-1,-1 0 1,1 0 0,-1 0 0,1 1-1,-1-1 1,0 1 0,0-1-1,0 1 1,0 0 0,0 0-1,0 0 1,0 1 0,0-1 0,-1 1-1,1 0 1,0 0 0,0 0-1,0 0 1,0 0 0,-1 1 0,1-1-1,0 1 1,0 0 0,0 0-1,0 0 1,0 0 0,0 1-1,0 0-65,-2 0 27,0 0-1,0 1 0,1-1 0,-1 1 0,1 0 1,-1 0-1,1 1 0,1-1 0,-1 1 1,0 0-1,1 0 0,0 0 0,-1 0 0,2 1 1,-1-1-1,1 1 0,-1 0 0,1 0 0,0 0 1,1 0-1,-1 0 0,1 0 0,0 0 0,1 1 1,-1-1-1,1 0 0,0 0 0,0 1 0,1-1 1,-1 0-1,1 0 0,0 1 0,1-1 1,-1 0-1,1 0-26,-1-2-17,0 0 1,1 0-1,-1-1 1,1 1 0,-1 0-1,1-1 1,0 1-1,0-1 1,0 1-1,0-1 1,1 0-1,-1 0 1,1 0 0,-1 0-1,1 0 1,-1-1-1,1 1 1,0-1-1,0 0 1,0 1-1,0-1 1,0-1 0,0 1-1,0 0 1,0-1-1,1 0 1,-1 1-1,0-1 1,0 0-1,0-1 1,0 1 0,1-1-1,-1 1 1,0-1-1,0 0 1,0 0-1,0 0 1,1-1 16,7-2-422,-1-1 0,0 0 1,0 0-1,-1-1 0,1 0 0,-1-1 1,0 0-1,-1 0 0,0-1 0,4-4 422,-6 5-102,-1 0 0,0 0 0,0 0 0,0-1 0,0 1 0,-1-1 0,-1 0-1,0 0 1,0-1 0,0 1 0,-1-1 0,0 0 0,-1 1 0,1-3 102,-3 10 43,1 0 1,-1 1-1,0-1 1,1 1-1,-1-1 1,0 1-1,0-1 0,1 1 1,-1 0-1,0-1 1,0 1-1,0 0 0,1 0 1,-1-1-1,0 1 1,0 0-1,0 0 1,0 0-1,0 0 0,1 0 1,-1 0-1,0 0 1,0 0-1,0 0 1,0 1-1,1-1 0,-1 0 1,0 1-1,0-1 1,0 0-1,1 1 1,-1-1-1,0 1 0,1-1 1,-1 1-1,0-1 1,1 1-1,-1 0 1,0-1-1,1 1 0,-1 0 1,1-1-1,0 1 1,-1 0-1,1 0 1,-1-1-1,1 1 0,0 0 1,0 0-1,-1 0 1,1 0-1,0-1 1,0 1-1,0 0 0,0 0 1,0 0-44,-2 5 134,-1-1 1,1 0-1,1 1 1,-1 0-1,1-1 1,0 1-1,0 0 1,1 0-1,0-1 1,0 1-1,0 0 0,0 0 1,1 0-1,0-1 1,0 1-1,1-1 1,0 1-1,0-1 1,0 1-1,0-1 1,1 0-1,0 0 1,0 0-1,1 0 1,-1-1-1,2 2-134,37 23-2535,14-18-5125,-35-11 2562</inkml:trace>
+  <inkml:trace contextRef="#ctx0" brushRef="#br0" timeOffset="1633.652">1652 718 13056,'0'0'768,"4"27"0,1 19-384,-1-16 0,1 2-256,1-10 0,0-5-1536,0-5 128,-1 0-7680</inkml:trace>
+  <inkml:trace contextRef="#ctx0" brushRef="#br0" timeOffset="1796.548">1555 404 13568,'16'0'0,"12"0"640,-15 0 0,-1 0-640,-12 0 128,11 0-5120,-11 0 128,0 0 2688</inkml:trace>
+  <inkml:trace contextRef="#ctx0" brushRef="#br0" timeOffset="2048.721">1904 813 13568,'0'1'9,"0"-1"1,1 1-1,-1 0 1,0-1 0,0 1-1,1-1 1,-1 1-1,0 0 1,0-1-1,0 1 1,0 0 0,0-1-1,0 1 1,0 0-1,0-1 1,0 1 0,0 0-1,0-1 1,0 1-1,0 0 1,-1-1-1,1 1 1,0-1 0,-1 1-1,1 0 1,0-1-1,-1 1 1,1-1 0,0 1-1,-1-1 1,1 1-1,-1-1 1,1 1-1,-1-1 1,1 0 0,-1 1-1,1-1 1,-1 0-1,0 1 1,1-1 0,-1 0-1,0 0 1,1 1-1,-1-1 1,1 0-1,-1 0 1,0 0 0,1 0-1,-1 0 1,0 0-1,1 0 1,-1 0 0,0 0-1,1 0 1,-1 0-1,0-1 1,1 1-1,-1 0 1,1 0 0,-1-1-1,0 1 1,1 0-1,-1-1 1,1 1 0,-1-1-1,1 1 1,-1 0-1,1-1 1,-1 0-10,-6 68 2688,7-65-2176,0-5 106,0-6-258,-2-3-177,0 1 0,2 0 0,-1 0-1,1-1 1,1 1 0,0 0 0,0-1 0,1 1 0,1 0 0,0 0-1,1 1 1,-1-1 0,2 1 0,0-1 0,0 1 0,1 1 0,0-1-1,1 1 1,-1 0 0,2 0 0,0 1 0,0 0 0,1 0-183,94-24-1209,5 33-5817,-43 4-2104</inkml:trace>
+</inkml:ink>
+</file>
+
+<file path=ppt/ink/ink7.xml><?xml version="1.0" encoding="utf-8"?>
+<inkml:ink xmlns:inkml="http://www.w3.org/2003/InkML">
+  <inkml:definitions>
+    <inkml:context xml:id="ctx0">
+      <inkml:inkSource xml:id="inkSrc0">
+        <inkml:traceFormat>
+          <inkml:channel name="X" type="integer" min="-2.14748E9" max="2.14748E9" units="cm"/>
+          <inkml:channel name="Y" type="integer" min="-2.14748E9" max="2.14748E9" units="cm"/>
+          <inkml:channel name="F" type="integer" max="32767" units="dev"/>
+        </inkml:traceFormat>
+        <inkml:channelProperties>
+          <inkml:channelProperty channel="X" name="resolution" value="1000" units="1/cm"/>
+          <inkml:channelProperty channel="Y" name="resolution" value="1000" units="1/cm"/>
+          <inkml:channelProperty channel="F" name="resolution" value="0" units="1/dev"/>
+        </inkml:channelProperties>
+      </inkml:inkSource>
+      <inkml:timestamp xml:id="ts0" timeString="2019-05-27T17:43:15.938"/>
+    </inkml:context>
+    <inkml:brush xml:id="br0">
+      <inkml:brushProperty name="width" value="0.1" units="cm"/>
+      <inkml:brushProperty name="height" value="0.2" units="cm"/>
+      <inkml:brushProperty name="color" value="#FFFC00"/>
+      <inkml:brushProperty name="tip" value="rectangle"/>
+      <inkml:brushProperty name="rasterOp" value="maskPen"/>
+    </inkml:brush>
+  </inkml:definitions>
+  <inkml:trace contextRef="#ctx0" brushRef="#br0">240 258 6784,'-1'0'38,"-9"1"302,0-1 0,0 0 0,0 0-1,-1-1 1,1-1 0,0 0 0,1 0-1,-1-1 1,0 0 0,1 0 0,-1-1 0,1-1-1,0 1 1,1-2 0,-1 1 0,1-1 0,0 0-1,0-1 1,1 0 0,0 0 0,0 0-1,0-1 1,1 0 0,0-1 0,0-2-340,7 5 49,0 0 0,0-1 1,1 1-1,0 0 0,0 0 1,0 0-1,1 0 0,0 0 0,0 1 1,1-1-1,0 1 0,0 0 1,0 0-1,0 0 0,1 0 0,-1 1 1,1 0-1,1 0 0,-1 0 1,0 1-1,1 0 0,0 0 0,0 0 1,0 0-1,0 1 0,0 0 1,0 1-1,0-1 0,2 1-49,5-3 90,0 1-1,0 1 0,0 0 1,0 1-1,0 0 0,0 1 1,0 0-1,0 2 0,0-1 1,0 1-1,0 1 0,2 1-89,-10-3 39,0 1-1,0 0 0,0 0 0,0 0 1,0 1-1,-1 0 0,1 0 0,-1 0 0,0 0 1,0 1-1,0-1 0,0 1 0,-1 0 0,1 0 1,-1 1-1,0-1 0,0 0 0,-1 1 0,1 0 1,-1 0-1,0 0 0,0 0 0,-1 0 0,0 0 1,0 0-1,0 1 0,0-1 0,-1 0 1,0 0-1,0 5-38,0-4 46,-1 0 1,0 0 0,0 0-1,0 0 1,-1 0-1,0 0 1,0-1 0,0 1-1,-1 0 1,0-1-1,0 0 1,0 0 0,-1 0-1,0 0 1,0 0-1,0-1 1,0 1-1,-1-1 1,0 0 0,1-1-1,-2 1 1,1-1-1,0 0 1,-1 0 0,1-1-1,-1 1 1,0-1-1,0 0-46,-10 3 58,0-1-1,0-1 0,0 0 0,0-1 1,0-1-1,0 0 0,-1-1 1,1-1-1,0 0 0,-1-1-57,11 1 1,1 0-1,-1 0 1,1 0 0,-1 0-1,1-1 1,-1 0 0,1 0-1,0 0 1,0-1-1,0 0 1,0 0 0,1 0-1,-1 0 1,1-1 0,0 0-1,0 0 1,0 0 0,0 0-1,1-1 1,-1 1 0,1-1-1,0 0 1,1 0 0,-1 0-1,1 0 1,0-1-1,1 1 1,-1-1 0,1 1-1,0-1 1,0 1 0,1-1-1,-1-2 0,5-1 0,0 0 0,0 1 0,1-1 0,0 1 0,0 0 0,1 0 0,0 1 0,0-1 0,1 2 0,0-1 0,0 0 0,1 1 0,0 1 0,0-1 0,0 1 0,0 1 0,1 0 0,0 0 0,0 0 0,0 1 0,0 0 0,1 1 0,-1 0 0,1 1 0,-1 0 0,1 0 0,0 1 0,-1 0 0,1 1 0,0 0 0,-1 1 0,1-1 0,-1 2 0,0-1 0,0 2 0,0-1 0,7 5 0,-13-7 3,0 0-1,-1 1 1,1-1-1,-1 1 0,1 0 1,-1 0-1,0 0 1,0 0-1,0 0 0,0 0 1,0 1-1,0-1 1,0 1-1,-1-1 0,0 1 1,1 0-1,-1-1 1,0 1-1,0 0 0,0 0 1,-1 0-1,1 0 1,-1 0-1,0 0 0,1 0 1,-1 0-1,-1 0 1,1 0-1,0 0 0,-1 0 1,1 0-1,-1-1 1,0 1-1,0 0 0,0 0 1,0 0-1,-1-1 1,1 1-1,-1-1 0,-1 3-2,-2 3 13,0 0-1,0-1 0,-1 0 1,0 0-1,0 0 0,-1 0 1,0-1-1,0-1 0,0 1 0,-1-1 1,0 0-1,0 0 0,-2 0-12,0-1 31,-1-1 0,1 0 0,0-1 0,-1 0 0,0-1 0,1 0 0,-1 0 0,0-1 0,1-1 0,-1 0 0,0 0 0,1-1-1,-1 0 1,1-1 0,0 0 0,0-1 0,0 0 0,0-1 0,0 0 0,-1-1-31,9 4 4,1 1 0,-1-1-1,0 0 1,1 0 0,-1 1 0,1-1-1,-1 0 1,1 0 0,0 0 0,0-1 0,0 1-1,0 0 1,0 0 0,1-1 0,-1 1 0,1 0-1,-1-1 1,1 1 0,0 0 0,0-1-1,0 1 1,0-1 0,0 1 0,0 0 0,1-1-1,0 1 1,-1 0 0,1-1 0,0 1-1,0 0 1,0 0 0,0 0 0,0 0 0,1 0-1,-1 0 1,1 0 0,-1 0 0,1 0-1,-1 1 1,1-1 0,0 0-4,86-58-6,-70 53-68,1 1 0,-1 0 0,1 2-1,0 0 1,1 1 0,-1 1 0,1 0 0,-1 2-1,1 1 1,-1 0 0,4 2 74,-7-1-919,-1 1 0,0 1 0,0 0 0,0 1 0,0 1 0,-1 0 0,0 1 0,0 1 0,-1 0 919,23 17-4779,-2 1 342</inkml:trace>
+</inkml:ink>
+</file>
+
+<file path=ppt/ink/ink70.xml><?xml version="1.0" encoding="utf-8"?>
+<inkml:ink xmlns:inkml="http://www.w3.org/2003/InkML">
+  <inkml:definitions>
+    <inkml:context xml:id="ctx0">
+      <inkml:inkSource xml:id="inkSrc0">
+        <inkml:traceFormat>
+          <inkml:channel name="X" type="integer" min="-2.14748E9" max="2.14748E9" units="cm"/>
+          <inkml:channel name="Y" type="integer" min="-2.14748E9" max="2.14748E9" units="cm"/>
+          <inkml:channel name="F" type="integer" max="32767" units="dev"/>
+        </inkml:traceFormat>
+        <inkml:channelProperties>
+          <inkml:channelProperty channel="X" name="resolution" value="1000" units="1/cm"/>
+          <inkml:channelProperty channel="Y" name="resolution" value="1000" units="1/cm"/>
+          <inkml:channelProperty channel="F" name="resolution" value="0" units="1/dev"/>
+        </inkml:channelProperties>
+      </inkml:inkSource>
+      <inkml:timestamp xml:id="ts0" timeString="2019-05-27T17:57:08.714"/>
+    </inkml:context>
+    <inkml:brush xml:id="br0">
+      <inkml:brushProperty name="width" value="0.05" units="cm"/>
+      <inkml:brushProperty name="height" value="0.05" units="cm"/>
+      <inkml:brushProperty name="color" value="#E71224"/>
+    </inkml:brush>
+  </inkml:definitions>
+  <inkml:trace contextRef="#ctx0" brushRef="#br0">49 7 3840,'-2'33'574,"-2"-55"2542,-3 5 2607,-3 59-2618,5-19-3101,-3 27 323,2 0 0,2 0 0,2 1 1,2-1-1,3 1 0,2-1 0,2 0 0,2-1 0,12 36-327,-21-83-2,0-1-1,0 1 0,0 0 1,0 0-1,0 0 1,1-1-1,-1 1 1,1 0-1,-1 0 1,1-1-1,0 1 1,-1-1-1,1 1 1,0 0-1,0-1 1,0 0-1,0 1 1,1-1-1,-1 1 0,0-1 1,1 0-1,-1 0 1,0 0-1,1 0 1,-1 0-1,1 0 1,0 0-1,-1-1 1,1 1-1,0 0 1,-1-1-1,1 1 1,0-1-1,0 0 0,-1 0 1,1 1-1,0-1 1,0 0-1,0-1 1,-1 1-1,1 0 1,0 0-1,0-1 1,-1 1-1,1-1 1,0 0-1,0 1 1,-1-1-1,1 0 1,-1 0-1,1 0 0,-1 0 1,1 0-1,-1 0 1,0-1-1,0 1 1,1 0-1,-1-1 1,0 1 2,54-75-1238,-54 75 1110,-1 1 0,16 19-149,-13-13 287,1-1-1,-1 1 1,1-1 0,1 0-1,-1 0 1,1 0 0,-1 0-1,1-1 1,1 0-1,-1 0 1,1 0 0,-1-1-1,1 0 1,0 0 0,0 0-1,1-1 1,-1 0 0,0 0-1,1-1 1,-1 1-1,1-1 1,-1-1 0,1 1-1,0-1 1,-1 0 0,1-1-1,0 0 1,-1 0 0,1 0-1,-1-1 1,7-2-10,-6-2 87,0-1 0,-1-1 1,0 1-1,0-1 1,-1 0-1,0 0 0,0-1 1,0 1-1,-1-1 0,-1 0 1,0-1-1,0 1 0,-1 0 1,0-1-1,0 1 0,-1-1 1,0 0-1,-1 1 0,0-1 1,-1-2-88,-36-198 651,29 180-617,-8-27 24,-2-8-1524,10 22-6833,6 24 2113</inkml:trace>
+  <inkml:trace contextRef="#ctx0" brushRef="#br0" timeOffset="1173.617">600 417 3072,'41'5'11062,"0"-3"-6959,8-4-5872,24-10-8193,-46 5 6656</inkml:trace>
+  <inkml:trace contextRef="#ctx0" brushRef="#br0" timeOffset="1794.241">1005 462 9344,'24'-9'5326,"2"5"-3961,32-12-1166,-59 16-193,-1 0 0,1 0 0,-1 0-1,1 0 1,0 0 0,-1 0 0,1-1 0,0 1-1,-1 0 1,1-1 0,0 1 0,0-1-1,-1 1 1,1-1 0,0 0 0,0 0 0,0 1-1,0-1 1,-1 0 0,1 0 0,1 0 0,-1 0-1,0 0 1,0 0 0,0 0 0,0-1 0,1 1-1,-1 0 1,1 0 0,-1-1 0,1 1-1,-1 0 1,1-1 0,0 1 0,-1 0 0,1-1-1,0 1 1,0 0 0,0-1 0,0 1 0,0 0-1,1-1 1,-1 1 0,0-1 0,1 1 0,-1 0-1,1 0 1,-1-1 0,1 1 0,-1 0-1,1 0 1,0 0 0,0-1 0,-1 1 0,1 0-1,0 0 1,0 0 0,0 0 0,0 1 0,1-1-1,-1 0 1,0 0 0,0 1 0,0-1 0,1 0-1,-1 1 1,0-1 0,0 1 0,1 0 0,-1-1-7,-6 0 14,0 0-1,0 0 0,0 1 1,-1 0-1,1 0 0,0 0 0,0 0 1,0 1-1,-1-1 0,1 2 0,0-1 1,0 0-1,0 1 0,0 0 1,1 0-1,-1 0 0,0 1 0,1 0 1,-1 0-1,1 0 0,0 0 0,0 1 1,0-1-1,1 1 0,-1 0 0,1 0 1,0 0-1,0 1 0,1-1 1,-1 1-1,1 0 0,0 0 0,0-1 1,0 1-1,1 0 0,0 1 0,0-1 1,0 0-1,0 0 0,1 5-12,1-4 17,0 0 0,1 0 0,0-1 0,0 1 0,0 0 0,1-1 0,0 0 0,0 1 0,0-1 0,1 0 0,-1-1 0,1 1 0,0-1 0,1 1 0,-1-1 0,1-1 0,0 1 0,0 0 0,0-1 0,0 0 0,1-1 0,-1 1 0,1-1 0,-1 0 0,1 0 0,0 0 0,0-1 0,0 0 0,6 0-17,5 1-437,1-1 1,0-1 0,0-1-1,0 0 1,0-1 0,-1-1-1,1-1 1,-1 0 0,13-6 436,50-22-9088,-42 15 7168</inkml:trace>
+  <inkml:trace contextRef="#ctx0" brushRef="#br0" timeOffset="2358.73">1572 400 5888,'-18'14'896,"8"-48"4992,3 33-5811,0 0 0,0 1 1,0 0-1,1 1 1,-1-1-1,0 1 0,0 0 1,1 1-1,-1 0 1,0 0-1,1 0 0,0 1 1,0 0-1,-1 0 1,2 0-1,-1 1 1,0 0-1,1 0 0,0 1 1,0-1-1,0 1 1,0 0-1,1 1 0,0-1 1,0 1-1,0 0 1,1 0-1,0 0 0,0 0 1,0 0-1,1 1 1,0-1-1,0 1 0,1-1 1,-1 3-78,2-6-50,0 1-1,1-1 1,-1 0 0,1 0 0,-1 0 0,1 0-1,0 0 1,0 0 0,0-1 0,0 1-1,1 0 1,-1 0 0,1-1 0,0 1 0,0-1-1,0 0 1,0 1 0,0-1 0,0 0-1,0 0 1,1 0 0,-1 0 0,1-1 0,0 1-1,-1-1 1,1 1 0,0-1 0,0 0-1,0 0 1,0 0 0,0-1 0,0 1 0,0-1-1,0 1 1,0-1 0,0 0 0,0 0-1,0-1 1,0 1 0,0-1 0,0 1 0,0-1-1,0 0 1,0 0 0,0 0 0,0 0-1,-1-1 1,3 0 50,3-4-477,0 0 0,-1 0 0,0 0 0,0-1-1,0 0 1,-1-1 0,0 1 0,0-1 0,-1 0-1,0-1 1,0 1 0,-1-1 0,0 0 0,0 0 0,1-8 477,18-90 1696,-25 138-1206,2 0 1,1 0-1,2 0 1,1-1-1,1 1 0,2-1 1,0 0-1,3 0 0,0-1 1,7 12-491,27 92 3075,-43-131-3032,-1-1 1,1 0 0,-1 1 0,0-1 0,1 0 0,-1 1 0,0-1 0,0 0 0,0 1 0,0-1 0,0 1 0,0-1 0,0 0 0,0 1 0,-1-1 0,1 0 0,-1 1 0,1-1 0,-1 0 0,1 1 0,-1-1 0,0 0 0,1 0 0,-1 0-1,0 0 1,0 0 0,0 0 0,0 0 0,0 0 0,0 0 0,0 0 0,0 0 0,0 0 0,-1-1 0,1 1 0,0 0 0,0-1 0,-1 1 0,1-1 0,0 0 0,-1 1 0,1-1 0,0 0 0,-1 0 0,1 0 0,-1 0 0,1 0 0,0 0-1,-1 0 1,1-1 0,0 1 0,-1 0 0,1-1 0,0 1 0,-1-1 0,1 1 0,0-1 0,0 0 0,-1 1 0,1-1 0,0 0 0,0 0 0,0 0 0,0 0 0,0 0 0,0-1-44,-165-75-1843,108 48-5530,28 15 2040</inkml:trace>
+  <inkml:trace contextRef="#ctx0" brushRef="#br0" timeOffset="3081.176">1828 503 5888,'15'3'5678,"10"-28"-3122,-25 24-2502,0 0 0,0 0 0,-1 0 0,1 0 0,0 0 0,-1 0 0,1 0 0,-1 1 0,1-1 0,-1 0 0,1 0 0,-1 0 0,1 0 0,-1 1 0,0-1 0,0 0 0,1 1 0,-1-1 0,0 1 0,0-1 0,0 1 0,0-1 0,0 1 0,1-1 0,-1 1 0,0 0 0,0-1 0,0 1 0,0 0 0,0 0 0,0 0 0,0 0 0,0 0 0,0 0 0,0 0 0,0 0 0,0 0 0,0 1 0,0-1 0,0 0 0,0 0 0,0 1 0,0-1 0,0 1 0,0-1 0,0 1 0,0 0-54,-59 16 641,57-16-610,0 0-1,0 1 1,0 0 0,0 0-1,0 0 1,0 0 0,1 0 0,-1 0-1,1 1 1,-1 0 0,1-1-1,0 1 1,0 0 0,0 0 0,1 0-1,-1 0 1,1 0 0,-1 0-1,1 0 1,0 1 0,0-1 0,1 1-1,-1-1 1,1 0 0,-1 3-31,3-4-27,1 0 0,-1 0 0,1 0 0,-1 0 0,1-1 0,0 1 0,-1-1 1,1 0-1,0 0 0,0 0 0,0 0 0,0 0 0,0 0 0,0-1 0,0 0 0,0 0 0,0 1 1,0-2-1,0 1 0,0 0 0,0-1 0,0 1 0,0-1 0,0 0 0,0 0 0,0 0 0,1-1 27,5 0-319,-3 1-12,0-1-1,0 0 0,0 0 1,-1-1-1,1 0 0,-1 0 1,0 0-1,0 0 0,0-1 0,0 0 1,0 0-1,-1 0 0,1-1 1,-1 1-1,-1-1 0,1 0 1,-1 0-1,1-1 0,-1 1 0,-1 0 1,1-1-1,-1-1 332,15-62-745,-16 97 1129,1 0-1,2 0 1,1 0-1,1-1 1,1 0 0,2 0-1,1 0 1,1 0-384,64 127 5229,-60-105-1943,-69-61-1686,-116-73-994,99 46-5586,54 26-246,2 1-2475</inkml:trace>
+</inkml:ink>
+</file>
+
+<file path=ppt/ink/ink8.xml><?xml version="1.0" encoding="utf-8"?>
+<inkml:ink xmlns:inkml="http://www.w3.org/2003/InkML">
+  <inkml:definitions>
+    <inkml:context xml:id="ctx0">
+      <inkml:inkSource xml:id="inkSrc0">
+        <inkml:traceFormat>
+          <inkml:channel name="X" type="integer" min="-2.14748E9" max="2.14748E9" units="cm"/>
+          <inkml:channel name="Y" type="integer" min="-2.14748E9" max="2.14748E9" units="cm"/>
+          <inkml:channel name="F" type="integer" max="32767" units="dev"/>
+        </inkml:traceFormat>
+        <inkml:channelProperties>
+          <inkml:channelProperty channel="X" name="resolution" value="1000" units="1/cm"/>
+          <inkml:channelProperty channel="Y" name="resolution" value="1000" units="1/cm"/>
+          <inkml:channelProperty channel="F" name="resolution" value="0" units="1/dev"/>
+        </inkml:channelProperties>
+      </inkml:inkSource>
+      <inkml:timestamp xml:id="ts0" timeString="2019-05-27T17:43:17.404"/>
+    </inkml:context>
+    <inkml:brush xml:id="br0">
+      <inkml:brushProperty name="width" value="0.1" units="cm"/>
+      <inkml:brushProperty name="height" value="0.2" units="cm"/>
+      <inkml:brushProperty name="color" value="#FFFC00"/>
+      <inkml:brushProperty name="tip" value="rectangle"/>
+      <inkml:brushProperty name="rasterOp" value="maskPen"/>
+    </inkml:brush>
+  </inkml:definitions>
+  <inkml:trace contextRef="#ctx0" brushRef="#br0">228 339 3968,'-126'-72'7295,"116"65"-7002,2-1 0,-1 0-1,1 0 1,0-1 0,1 1 0,0-2 0,0 1 0,1-1 0,0 0 0,1 0 0,-2-6-293,5 12 54,1 0 0,1 1 0,-1-1 0,0 0-1,1 0 1,0 0 0,0 0 0,0 0 0,0 1 0,1-1 0,-1 0 0,1 0 0,0 1 0,0-1-1,1 0 1,-1 1 0,1-1 0,-1 1 0,1-1 0,0 1 0,1 0 0,-1 0 0,0 0 0,1 0 0,0 0-1,0 1 1,0-1 0,0 1 0,0-1 0,0 1 0,0 0 0,1 0-54,119-42 920,-110 43-827,-1 2 0,1-1 0,-1 1-1,1 1 1,-1 1 0,0-1 0,0 2-1,0 0 1,0 0 0,0 1 0,-1 0 0,3 3-93,-9-5 49,0-1 0,0 1 0,-1 0 0,1 0 0,-1 1 0,0-1 1,0 1-1,0 0 0,-1 0 0,1 0 0,-1 0 0,0 1 0,0 0 1,-1-1-1,1 1 0,-1 0 0,0 0 0,0 0 0,-1 0 0,0 1 1,0-1-1,0 0 0,0 1 0,-1-1 0,0 0 0,0 1 0,0-1 1,-1 1-1,0 1-49,-1 1 42,0 0-1,0 0 1,-1-1 0,0 1 0,-1-1-1,1 0 1,-2 0 0,1 0 0,-1 0 0,0-1-1,0 0 1,0 0 0,-1 0 0,0-1-1,0 1 1,-1-1 0,0-1 0,1 1 0,-2-1-1,1-1 1,0 1 0,-1-1 0,1-1-1,-5 2-41,-5 0 39,0-1 0,0 0 0,0-1 0,-1-1-1,1-1 1,0 0 0,0-1 0,0-1-1,-1-1 1,2 0 0,-2-2-39,14 5-3,1 0 0,0 0 0,0-1 0,0 0 1,0 1-1,0-1 0,0-1 0,1 1 0,-1 0 0,0-1 0,0 1 0,1-1 1,-1 0-1,1 1 0,-1-2 0,1 1 0,0 0 0,0 0 0,0-1 0,0 1 0,0-1 1,1 1-1,-1-1 0,1 0 0,-1 1 0,1-1 0,0 0 0,0 0 0,1 0 1,-1 0-1,0 0 0,1 0 0,0 0 0,0-1 0,0 1 0,0 0 0,0-1 3,6-8-10,0 0-1,0 0 0,1 1 1,0 0-1,1 0 0,1 1 1,-1 0-1,2 0 0,-1 1 1,1 0-1,1 1 0,0 0 1,0 1-1,0 0 0,1 0 1,0 2-1,0-1 0,0 1 1,1 1-1,0 1 0,0-1 1,1 2 10,-11 0-1,1 1 1,0 1-1,0-1 1,0 0-1,0 1 1,0 0-1,0 0 1,0 0-1,0 0 1,0 1-1,0 0 0,0-1 1,0 2-1,0-1 1,0 0-1,-1 1 1,1-1-1,0 1 1,-1 0-1,0 0 1,1 1-1,-1-1 1,0 1-1,0-1 1,0 1-1,0 0 1,-1 0-1,1 1 1,-1-1-1,0 0 1,0 1-1,0-1 1,0 1-1,-1 0 1,0-1-1,1 1 0,-1 0 1,0 0-1,-1 0 1,1 0-1,-1 1 1,-1 3 27,-1-1 0,0 1 0,0-1 0,-1 0 0,1 0 0,-2 0 0,1 0 0,-1 0 0,0 0 0,-1-1-1,1 0 1,-1 0 0,0 0 0,-1-1 0,1 0 0,-1 0 0,0 0 0,-1 0 0,1-1 0,-1 0 0,0-1 0,0 1 0,0-1-1,0-1 1,0 1 0,-1-1 0,1-1 0,-1 1 0,0-1 0,1 0 0,-1-1 0,0 0 0,1 0 0,-1-1 0,0 0-1,1 0 1,-1-1 0,1 0 0,-1 0 0,1-1 0,0 0 0,-3-1-27,8 3 1,1 0-1,0 0 1,-1 1-1,1-1 1,0 0 0,-1-1-1,1 1 1,0 0-1,0 0 1,0 0 0,0-1-1,0 1 1,0-1-1,1 1 1,-1-1 0,0 1-1,1-1 1,-1 1-1,1-1 1,-1 1 0,1-1-1,0 0 1,0 1-1,0-1 1,0 0-1,0 1 1,0-1 0,0 1-1,0-1 1,1 0-1,-1 1 1,0-1 0,1 1-1,0-1 1,-1 1-1,1-1 1,0 1 0,0-1-1,0 1 0,39-57-2,-32 49 2,1 0 0,-1 1 0,2 0 0,-1 0 0,1 1 0,0 0 0,1 1 0,-1 0 0,1 1 0,0 0 0,1 1 0,-1 0 0,1 0 0,0 2 0,4-2 0,-15 4 6,0 0 0,0 0-1,0-1 1,1 1 0,-1 0-1,0 0 1,0 0 0,0 0-1,0 0 1,1 0 0,-1 0-1,0 0 1,0 1 0,0-1-1,0 0 1,0 1 0,0-1-1,0 1 1,0-1 0,0 1-1,0 0 1,0-1 0,0 1-1,0 0 1,0 0 0,0 0-1,0-1 1,-1 1 0,1 0-1,0 0 1,-1 0 0,1 0-1,-1 0 1,1 0 0,-1 0-1,1 1 1,-1-1 0,0 0-1,1 0 1,-1 0 0,0 0-1,0 0 1,0 1 0,0-1-1,0 0 1,0 0 0,0 0-1,-1 0 1,1 1 0,0-1-1,-1 0 1,1 0 0,-1 0-1,1 0-5,-36 59 287,32-55-261,2-2-87,1 0-1,-1-1 1,0 1-1,0-1 1,-1 1-1,1-1 1,0 0-1,-1 0 1,1 0 0,-1 0-1,0 0 1,1-1-1,-1 1 1,0-1-1,0 0 1,0 0 0,0 0-1,0 0 1,-1 0-1,1-1 1,0 1-1,0-1 1,0 0-1,0 0 1,-3-1 61,-2-25-8682,11 5 1130</inkml:trace>
+</inkml:ink>
+</file>
+
+<file path=ppt/ink/ink9.xml><?xml version="1.0" encoding="utf-8"?>
+<inkml:ink xmlns:inkml="http://www.w3.org/2003/InkML">
+  <inkml:definitions>
+    <inkml:context xml:id="ctx0">
+      <inkml:inkSource xml:id="inkSrc0">
+        <inkml:traceFormat>
+          <inkml:channel name="X" type="integer" min="-2.14748E9" max="2.14748E9" units="cm"/>
+          <inkml:channel name="Y" type="integer" min="-2.14748E9" max="2.14748E9" units="cm"/>
+        </inkml:traceFormat>
+        <inkml:channelProperties>
+          <inkml:channelProperty channel="X" name="resolution" value="1000" units="1/cm"/>
+          <inkml:channelProperty channel="Y" name="resolution" value="1000" units="1/cm"/>
+        </inkml:channelProperties>
+      </inkml:inkSource>
+      <inkml:timestamp xml:id="ts0" timeString="2019-05-27T17:44:10.263"/>
+    </inkml:context>
+    <inkml:brush xml:id="br0">
+      <inkml:brushProperty name="width" value="0.1" units="cm"/>
+      <inkml:brushProperty name="height" value="0.2" units="cm"/>
+      <inkml:brushProperty name="color" value="#FFFC00"/>
+      <inkml:brushProperty name="tip" value="rectangle"/>
+      <inkml:brushProperty name="rasterOp" value="maskPen"/>
+      <inkml:brushProperty name="ignorePressure" value="1"/>
+    </inkml:brush>
+  </inkml:definitions>
+  <inkml:trace contextRef="#ctx0" brushRef="#br0">0 0,'5254'832,"-5243"-830,-1 0,3 0,2 0,1 1,-2-1,-3 0,0 0,3 0,82 13,105 17,-190-31</inkml:trace>
 </inkml:ink>
 </file>
 
@@ -4178,7 +6203,7 @@
             <p:ph idx="1"/>
             <p:extLst>
               <p:ext uri="{D42A27DB-BD31-4B8C-83A1-F6EECF244321}">
-                <p14:modId xmlns:p14="http://schemas.microsoft.com/office/powerpoint/2010/main" val="3673007514"/>
+                <p14:modId xmlns:p14="http://schemas.microsoft.com/office/powerpoint/2010/main" val="24404646"/>
               </p:ext>
             </p:extLst>
           </p:nvPr>
@@ -5255,7 +7280,7 @@
                     <a:p>
                       <a:r>
                         <a:rPr lang="de-DE" dirty="0"/>
-                        <a:t>Gyroskop</a:t>
+                        <a:t>Pendel</a:t>
                       </a:r>
                     </a:p>
                   </a:txBody>
@@ -5268,7 +7293,7 @@
                     <a:p>
                       <a:r>
                         <a:rPr lang="de-DE" dirty="0"/>
-                        <a:t>Pendel</a:t>
+                        <a:t>Gyroskop</a:t>
                       </a:r>
                     </a:p>
                   </a:txBody>
@@ -5580,8 +7605,8 @@
           </a:ln>
         </p:spPr>
       </p:pic>
-      <mc:AlternateContent xmlns:mc="http://schemas.openxmlformats.org/markup-compatibility/2006">
-        <mc:Choice xmlns:p14="http://schemas.microsoft.com/office/powerpoint/2010/main" Requires="p14">
+      <mc:AlternateContent xmlns:mc="http://schemas.openxmlformats.org/markup-compatibility/2006" xmlns:p14="http://schemas.microsoft.com/office/powerpoint/2010/main">
+        <mc:Choice Requires="p14">
           <p:contentPart p14:bwMode="auto" r:id="rId3">
             <p14:nvContentPartPr>
               <p14:cNvPr id="69" name="Freihand 68">
@@ -5595,12 +7620,12 @@
               <p14:nvPr/>
             </p14:nvContentPartPr>
             <p14:xfrm>
-              <a:off x="4082236" y="2039662"/>
-              <a:ext cx="3837600" cy="4169520"/>
+              <a:off x="5369596" y="4361302"/>
+              <a:ext cx="4320" cy="5400"/>
             </p14:xfrm>
           </p:contentPart>
         </mc:Choice>
-        <mc:Fallback>
+        <mc:Fallback xmlns="">
           <p:pic>
             <p:nvPicPr>
               <p:cNvPr id="69" name="Freihand 68">
@@ -5623,6 +7648,3525 @@
               <a:xfrm>
                 <a:off x="4019236" y="2028862"/>
                 <a:ext cx="3963240" cy="4243320"/>
+              </a:xfrm>
+              <a:prstGeom prst="rect">
+                <a:avLst/>
+              </a:prstGeom>
+            </p:spPr>
+          </p:pic>
+        </mc:Fallback>
+      </mc:AlternateContent>
+      <mc:AlternateContent xmlns:mc="http://schemas.openxmlformats.org/markup-compatibility/2006" xmlns:p14="http://schemas.microsoft.com/office/powerpoint/2010/main">
+        <mc:Choice Requires="p14">
+          <p:contentPart p14:bwMode="auto" r:id="rId5">
+            <p14:nvContentPartPr>
+              <p14:cNvPr id="22" name="Freihand 21">
+                <a:extLst>
+                  <a:ext uri="{FF2B5EF4-FFF2-40B4-BE49-F238E27FC236}">
+                    <a16:creationId xmlns:a16="http://schemas.microsoft.com/office/drawing/2014/main" id="{9FD2F612-85B5-4C48-A858-3F75CC77AF2C}"/>
+                  </a:ext>
+                </a:extLst>
+              </p14:cNvPr>
+              <p14:cNvContentPartPr/>
+              <p14:nvPr/>
+            </p14:nvContentPartPr>
+            <p14:xfrm>
+              <a:off x="6077674" y="1886407"/>
+              <a:ext cx="360" cy="630360"/>
+            </p14:xfrm>
+          </p:contentPart>
+        </mc:Choice>
+        <mc:Fallback xmlns="">
+          <p:pic>
+            <p:nvPicPr>
+              <p:cNvPr id="22" name="Freihand 21">
+                <a:extLst>
+                  <a:ext uri="{FF2B5EF4-FFF2-40B4-BE49-F238E27FC236}">
+                    <a16:creationId xmlns:a16="http://schemas.microsoft.com/office/drawing/2014/main" id="{9FD2F612-85B5-4C48-A858-3F75CC77AF2C}"/>
+                  </a:ext>
+                </a:extLst>
+              </p:cNvPr>
+              <p:cNvPicPr/>
+              <p:nvPr/>
+            </p:nvPicPr>
+            <p:blipFill>
+              <a:blip r:embed="rId10"/>
+              <a:stretch>
+                <a:fillRect/>
+              </a:stretch>
+            </p:blipFill>
+            <p:spPr>
+              <a:xfrm>
+                <a:off x="6060034" y="1850407"/>
+                <a:ext cx="36000" cy="702000"/>
+              </a:xfrm>
+              <a:prstGeom prst="rect">
+                <a:avLst/>
+              </a:prstGeom>
+            </p:spPr>
+          </p:pic>
+        </mc:Fallback>
+      </mc:AlternateContent>
+      <mc:AlternateContent xmlns:mc="http://schemas.openxmlformats.org/markup-compatibility/2006" xmlns:p14="http://schemas.microsoft.com/office/powerpoint/2010/main">
+        <mc:Choice Requires="p14">
+          <p:contentPart p14:bwMode="auto" r:id="rId11">
+            <p14:nvContentPartPr>
+              <p14:cNvPr id="23" name="Freihand 22">
+                <a:extLst>
+                  <a:ext uri="{FF2B5EF4-FFF2-40B4-BE49-F238E27FC236}">
+                    <a16:creationId xmlns:a16="http://schemas.microsoft.com/office/drawing/2014/main" id="{4184A157-94C2-47FA-8D1E-99B0DFF80057}"/>
+                  </a:ext>
+                </a:extLst>
+              </p14:cNvPr>
+              <p14:cNvContentPartPr/>
+              <p14:nvPr/>
+            </p14:nvContentPartPr>
+            <p14:xfrm>
+              <a:off x="3130354" y="2665807"/>
+              <a:ext cx="2953800" cy="521280"/>
+            </p14:xfrm>
+          </p:contentPart>
+        </mc:Choice>
+        <mc:Fallback xmlns="">
+          <p:pic>
+            <p:nvPicPr>
+              <p:cNvPr id="23" name="Freihand 22">
+                <a:extLst>
+                  <a:ext uri="{FF2B5EF4-FFF2-40B4-BE49-F238E27FC236}">
+                    <a16:creationId xmlns:a16="http://schemas.microsoft.com/office/drawing/2014/main" id="{4184A157-94C2-47FA-8D1E-99B0DFF80057}"/>
+                  </a:ext>
+                </a:extLst>
+              </p:cNvPr>
+              <p:cNvPicPr/>
+              <p:nvPr/>
+            </p:nvPicPr>
+            <p:blipFill>
+              <a:blip r:embed="rId12"/>
+              <a:stretch>
+                <a:fillRect/>
+              </a:stretch>
+            </p:blipFill>
+            <p:spPr>
+              <a:xfrm>
+                <a:off x="3112714" y="2630167"/>
+                <a:ext cx="2989440" cy="592920"/>
+              </a:xfrm>
+              <a:prstGeom prst="rect">
+                <a:avLst/>
+              </a:prstGeom>
+            </p:spPr>
+          </p:pic>
+        </mc:Fallback>
+      </mc:AlternateContent>
+      <mc:AlternateContent xmlns:mc="http://schemas.openxmlformats.org/markup-compatibility/2006" xmlns:p14="http://schemas.microsoft.com/office/powerpoint/2010/main">
+        <mc:Choice Requires="p14">
+          <p:contentPart p14:bwMode="auto" r:id="rId13">
+            <p14:nvContentPartPr>
+              <p14:cNvPr id="24" name="Freihand 23">
+                <a:extLst>
+                  <a:ext uri="{FF2B5EF4-FFF2-40B4-BE49-F238E27FC236}">
+                    <a16:creationId xmlns:a16="http://schemas.microsoft.com/office/drawing/2014/main" id="{8E0125F2-BB39-48AE-8B77-8FC8C90D993F}"/>
+                  </a:ext>
+                </a:extLst>
+              </p14:cNvPr>
+              <p14:cNvContentPartPr/>
+              <p14:nvPr/>
+            </p14:nvContentPartPr>
+            <p14:xfrm>
+              <a:off x="6086674" y="2531527"/>
+              <a:ext cx="11520" cy="144000"/>
+            </p14:xfrm>
+          </p:contentPart>
+        </mc:Choice>
+        <mc:Fallback xmlns="">
+          <p:pic>
+            <p:nvPicPr>
+              <p:cNvPr id="24" name="Freihand 23">
+                <a:extLst>
+                  <a:ext uri="{FF2B5EF4-FFF2-40B4-BE49-F238E27FC236}">
+                    <a16:creationId xmlns:a16="http://schemas.microsoft.com/office/drawing/2014/main" id="{8E0125F2-BB39-48AE-8B77-8FC8C90D993F}"/>
+                  </a:ext>
+                </a:extLst>
+              </p:cNvPr>
+              <p:cNvPicPr/>
+              <p:nvPr/>
+            </p:nvPicPr>
+            <p:blipFill>
+              <a:blip r:embed="rId14"/>
+              <a:stretch>
+                <a:fillRect/>
+              </a:stretch>
+            </p:blipFill>
+            <p:spPr>
+              <a:xfrm>
+                <a:off x="6069034" y="2495527"/>
+                <a:ext cx="47160" cy="215640"/>
+              </a:xfrm>
+              <a:prstGeom prst="rect">
+                <a:avLst/>
+              </a:prstGeom>
+            </p:spPr>
+          </p:pic>
+        </mc:Fallback>
+      </mc:AlternateContent>
+      <mc:AlternateContent xmlns:mc="http://schemas.openxmlformats.org/markup-compatibility/2006" xmlns:p14="http://schemas.microsoft.com/office/powerpoint/2010/main">
+        <mc:Choice Requires="p14">
+          <p:contentPart p14:bwMode="auto" r:id="rId15">
+            <p14:nvContentPartPr>
+              <p14:cNvPr id="25" name="Freihand 24">
+                <a:extLst>
+                  <a:ext uri="{FF2B5EF4-FFF2-40B4-BE49-F238E27FC236}">
+                    <a16:creationId xmlns:a16="http://schemas.microsoft.com/office/drawing/2014/main" id="{53632519-F107-4F69-B78B-E60CE1E782C6}"/>
+                  </a:ext>
+                </a:extLst>
+              </p14:cNvPr>
+              <p14:cNvContentPartPr/>
+              <p14:nvPr/>
+            </p14:nvContentPartPr>
+            <p14:xfrm>
+              <a:off x="6075154" y="2530807"/>
+              <a:ext cx="13320" cy="117000"/>
+            </p14:xfrm>
+          </p:contentPart>
+        </mc:Choice>
+        <mc:Fallback xmlns="">
+          <p:pic>
+            <p:nvPicPr>
+              <p:cNvPr id="25" name="Freihand 24">
+                <a:extLst>
+                  <a:ext uri="{FF2B5EF4-FFF2-40B4-BE49-F238E27FC236}">
+                    <a16:creationId xmlns:a16="http://schemas.microsoft.com/office/drawing/2014/main" id="{53632519-F107-4F69-B78B-E60CE1E782C6}"/>
+                  </a:ext>
+                </a:extLst>
+              </p:cNvPr>
+              <p:cNvPicPr/>
+              <p:nvPr/>
+            </p:nvPicPr>
+            <p:blipFill>
+              <a:blip r:embed="rId16"/>
+              <a:stretch>
+                <a:fillRect/>
+              </a:stretch>
+            </p:blipFill>
+            <p:spPr>
+              <a:xfrm>
+                <a:off x="6057514" y="2494807"/>
+                <a:ext cx="48960" cy="188640"/>
+              </a:xfrm>
+              <a:prstGeom prst="rect">
+                <a:avLst/>
+              </a:prstGeom>
+            </p:spPr>
+          </p:pic>
+        </mc:Fallback>
+      </mc:AlternateContent>
+      <mc:AlternateContent xmlns:mc="http://schemas.openxmlformats.org/markup-compatibility/2006" xmlns:p14="http://schemas.microsoft.com/office/powerpoint/2010/main">
+        <mc:Choice Requires="p14">
+          <p:contentPart p14:bwMode="auto" r:id="rId17">
+            <p14:nvContentPartPr>
+              <p14:cNvPr id="26" name="Freihand 25">
+                <a:extLst>
+                  <a:ext uri="{FF2B5EF4-FFF2-40B4-BE49-F238E27FC236}">
+                    <a16:creationId xmlns:a16="http://schemas.microsoft.com/office/drawing/2014/main" id="{30C549B6-9328-4C84-BC50-8FFB01763C35}"/>
+                  </a:ext>
+                </a:extLst>
+              </p14:cNvPr>
+              <p14:cNvContentPartPr/>
+              <p14:nvPr/>
+            </p14:nvContentPartPr>
+            <p14:xfrm>
+              <a:off x="6017554" y="1990087"/>
+              <a:ext cx="117360" cy="100080"/>
+            </p14:xfrm>
+          </p:contentPart>
+        </mc:Choice>
+        <mc:Fallback xmlns="">
+          <p:pic>
+            <p:nvPicPr>
+              <p:cNvPr id="26" name="Freihand 25">
+                <a:extLst>
+                  <a:ext uri="{FF2B5EF4-FFF2-40B4-BE49-F238E27FC236}">
+                    <a16:creationId xmlns:a16="http://schemas.microsoft.com/office/drawing/2014/main" id="{30C549B6-9328-4C84-BC50-8FFB01763C35}"/>
+                  </a:ext>
+                </a:extLst>
+              </p:cNvPr>
+              <p:cNvPicPr/>
+              <p:nvPr/>
+            </p:nvPicPr>
+            <p:blipFill>
+              <a:blip r:embed="rId18"/>
+              <a:stretch>
+                <a:fillRect/>
+              </a:stretch>
+            </p:blipFill>
+            <p:spPr>
+              <a:xfrm>
+                <a:off x="5999554" y="1954447"/>
+                <a:ext cx="153000" cy="171720"/>
+              </a:xfrm>
+              <a:prstGeom prst="rect">
+                <a:avLst/>
+              </a:prstGeom>
+            </p:spPr>
+          </p:pic>
+        </mc:Fallback>
+      </mc:AlternateContent>
+      <mc:AlternateContent xmlns:mc="http://schemas.openxmlformats.org/markup-compatibility/2006" xmlns:p14="http://schemas.microsoft.com/office/powerpoint/2010/main">
+        <mc:Choice Requires="p14">
+          <p:contentPart p14:bwMode="auto" r:id="rId19">
+            <p14:nvContentPartPr>
+              <p14:cNvPr id="27" name="Freihand 26">
+                <a:extLst>
+                  <a:ext uri="{FF2B5EF4-FFF2-40B4-BE49-F238E27FC236}">
+                    <a16:creationId xmlns:a16="http://schemas.microsoft.com/office/drawing/2014/main" id="{D005A210-C881-45B4-A142-F763803B6FA9}"/>
+                  </a:ext>
+                </a:extLst>
+              </p14:cNvPr>
+              <p14:cNvContentPartPr/>
+              <p14:nvPr/>
+            </p14:nvContentPartPr>
+            <p14:xfrm>
+              <a:off x="5994154" y="2354767"/>
+              <a:ext cx="201600" cy="104400"/>
+            </p14:xfrm>
+          </p:contentPart>
+        </mc:Choice>
+        <mc:Fallback xmlns="">
+          <p:pic>
+            <p:nvPicPr>
+              <p:cNvPr id="27" name="Freihand 26">
+                <a:extLst>
+                  <a:ext uri="{FF2B5EF4-FFF2-40B4-BE49-F238E27FC236}">
+                    <a16:creationId xmlns:a16="http://schemas.microsoft.com/office/drawing/2014/main" id="{D005A210-C881-45B4-A142-F763803B6FA9}"/>
+                  </a:ext>
+                </a:extLst>
+              </p:cNvPr>
+              <p:cNvPicPr/>
+              <p:nvPr/>
+            </p:nvPicPr>
+            <p:blipFill>
+              <a:blip r:embed="rId20"/>
+              <a:stretch>
+                <a:fillRect/>
+              </a:stretch>
+            </p:blipFill>
+            <p:spPr>
+              <a:xfrm>
+                <a:off x="5976154" y="2318767"/>
+                <a:ext cx="237240" cy="176040"/>
+              </a:xfrm>
+              <a:prstGeom prst="rect">
+                <a:avLst/>
+              </a:prstGeom>
+            </p:spPr>
+          </p:pic>
+        </mc:Fallback>
+      </mc:AlternateContent>
+      <mc:AlternateContent xmlns:mc="http://schemas.openxmlformats.org/markup-compatibility/2006" xmlns:p14="http://schemas.microsoft.com/office/powerpoint/2010/main">
+        <mc:Choice Requires="p14">
+          <p:contentPart p14:bwMode="auto" r:id="rId21">
+            <p14:nvContentPartPr>
+              <p14:cNvPr id="28" name="Freihand 27">
+                <a:extLst>
+                  <a:ext uri="{FF2B5EF4-FFF2-40B4-BE49-F238E27FC236}">
+                    <a16:creationId xmlns:a16="http://schemas.microsoft.com/office/drawing/2014/main" id="{53F7529F-0C2E-4773-BB2F-09C9D7EAD4F2}"/>
+                  </a:ext>
+                </a:extLst>
+              </p14:cNvPr>
+              <p14:cNvContentPartPr/>
+              <p14:nvPr/>
+            </p14:nvContentPartPr>
+            <p14:xfrm>
+              <a:off x="5977234" y="2676607"/>
+              <a:ext cx="149040" cy="122040"/>
+            </p14:xfrm>
+          </p:contentPart>
+        </mc:Choice>
+        <mc:Fallback xmlns="">
+          <p:pic>
+            <p:nvPicPr>
+              <p:cNvPr id="28" name="Freihand 27">
+                <a:extLst>
+                  <a:ext uri="{FF2B5EF4-FFF2-40B4-BE49-F238E27FC236}">
+                    <a16:creationId xmlns:a16="http://schemas.microsoft.com/office/drawing/2014/main" id="{53F7529F-0C2E-4773-BB2F-09C9D7EAD4F2}"/>
+                  </a:ext>
+                </a:extLst>
+              </p:cNvPr>
+              <p:cNvPicPr/>
+              <p:nvPr/>
+            </p:nvPicPr>
+            <p:blipFill>
+              <a:blip r:embed="rId22"/>
+              <a:stretch>
+                <a:fillRect/>
+              </a:stretch>
+            </p:blipFill>
+            <p:spPr>
+              <a:xfrm>
+                <a:off x="5959594" y="2640607"/>
+                <a:ext cx="184680" cy="193680"/>
+              </a:xfrm>
+              <a:prstGeom prst="rect">
+                <a:avLst/>
+              </a:prstGeom>
+            </p:spPr>
+          </p:pic>
+        </mc:Fallback>
+      </mc:AlternateContent>
+      <mc:AlternateContent xmlns:mc="http://schemas.openxmlformats.org/markup-compatibility/2006" xmlns:p14="http://schemas.microsoft.com/office/powerpoint/2010/main">
+        <mc:Choice Requires="p14">
+          <p:contentPart p14:bwMode="auto" r:id="rId23">
+            <p14:nvContentPartPr>
+              <p14:cNvPr id="6" name="Freihand 5">
+                <a:extLst>
+                  <a:ext uri="{FF2B5EF4-FFF2-40B4-BE49-F238E27FC236}">
+                    <a16:creationId xmlns:a16="http://schemas.microsoft.com/office/drawing/2014/main" id="{7F47BC22-86F5-46A8-B06B-69BF82A57F2B}"/>
+                  </a:ext>
+                </a:extLst>
+              </p14:cNvPr>
+              <p14:cNvContentPartPr/>
+              <p14:nvPr/>
+            </p14:nvContentPartPr>
+            <p14:xfrm>
+              <a:off x="3147369" y="3182068"/>
+              <a:ext cx="2043720" cy="324000"/>
+            </p14:xfrm>
+          </p:contentPart>
+        </mc:Choice>
+        <mc:Fallback xmlns="">
+          <p:pic>
+            <p:nvPicPr>
+              <p:cNvPr id="6" name="Freihand 5">
+                <a:extLst>
+                  <a:ext uri="{FF2B5EF4-FFF2-40B4-BE49-F238E27FC236}">
+                    <a16:creationId xmlns:a16="http://schemas.microsoft.com/office/drawing/2014/main" id="{7F47BC22-86F5-46A8-B06B-69BF82A57F2B}"/>
+                  </a:ext>
+                </a:extLst>
+              </p:cNvPr>
+              <p:cNvPicPr/>
+              <p:nvPr/>
+            </p:nvPicPr>
+            <p:blipFill>
+              <a:blip r:embed="rId24"/>
+              <a:stretch>
+                <a:fillRect/>
+              </a:stretch>
+            </p:blipFill>
+            <p:spPr>
+              <a:xfrm>
+                <a:off x="3129369" y="3146068"/>
+                <a:ext cx="2079360" cy="395640"/>
+              </a:xfrm>
+              <a:prstGeom prst="rect">
+                <a:avLst/>
+              </a:prstGeom>
+            </p:spPr>
+          </p:pic>
+        </mc:Fallback>
+      </mc:AlternateContent>
+      <mc:AlternateContent xmlns:mc="http://schemas.openxmlformats.org/markup-compatibility/2006" xmlns:p14="http://schemas.microsoft.com/office/powerpoint/2010/main">
+        <mc:Choice Requires="p14">
+          <p:contentPart p14:bwMode="auto" r:id="rId25">
+            <p14:nvContentPartPr>
+              <p14:cNvPr id="10" name="Freihand 9">
+                <a:extLst>
+                  <a:ext uri="{FF2B5EF4-FFF2-40B4-BE49-F238E27FC236}">
+                    <a16:creationId xmlns:a16="http://schemas.microsoft.com/office/drawing/2014/main" id="{478C4D2A-A74D-4543-8BC8-A3D3F2DCAE34}"/>
+                  </a:ext>
+                </a:extLst>
+              </p14:cNvPr>
+              <p14:cNvContentPartPr/>
+              <p14:nvPr/>
+            </p14:nvContentPartPr>
+            <p14:xfrm>
+              <a:off x="3157809" y="3524068"/>
+              <a:ext cx="2020680" cy="393120"/>
+            </p14:xfrm>
+          </p:contentPart>
+        </mc:Choice>
+        <mc:Fallback xmlns="">
+          <p:pic>
+            <p:nvPicPr>
+              <p:cNvPr id="10" name="Freihand 9">
+                <a:extLst>
+                  <a:ext uri="{FF2B5EF4-FFF2-40B4-BE49-F238E27FC236}">
+                    <a16:creationId xmlns:a16="http://schemas.microsoft.com/office/drawing/2014/main" id="{478C4D2A-A74D-4543-8BC8-A3D3F2DCAE34}"/>
+                  </a:ext>
+                </a:extLst>
+              </p:cNvPr>
+              <p:cNvPicPr/>
+              <p:nvPr/>
+            </p:nvPicPr>
+            <p:blipFill>
+              <a:blip r:embed="rId26"/>
+              <a:stretch>
+                <a:fillRect/>
+              </a:stretch>
+            </p:blipFill>
+            <p:spPr>
+              <a:xfrm>
+                <a:off x="3140169" y="3488068"/>
+                <a:ext cx="2056320" cy="464760"/>
+              </a:xfrm>
+              <a:prstGeom prst="rect">
+                <a:avLst/>
+              </a:prstGeom>
+            </p:spPr>
+          </p:pic>
+        </mc:Fallback>
+      </mc:AlternateContent>
+      <mc:AlternateContent xmlns:mc="http://schemas.openxmlformats.org/markup-compatibility/2006" xmlns:p14="http://schemas.microsoft.com/office/powerpoint/2010/main">
+        <mc:Choice Requires="p14">
+          <p:contentPart p14:bwMode="auto" r:id="rId27">
+            <p14:nvContentPartPr>
+              <p14:cNvPr id="11" name="Freihand 10">
+                <a:extLst>
+                  <a:ext uri="{FF2B5EF4-FFF2-40B4-BE49-F238E27FC236}">
+                    <a16:creationId xmlns:a16="http://schemas.microsoft.com/office/drawing/2014/main" id="{9ED9F0CB-50CA-4439-BFA5-3DE33B9220CF}"/>
+                  </a:ext>
+                </a:extLst>
+              </p14:cNvPr>
+              <p14:cNvContentPartPr/>
+              <p14:nvPr/>
+            </p14:nvContentPartPr>
+            <p14:xfrm>
+              <a:off x="3159609" y="3908188"/>
+              <a:ext cx="360" cy="470880"/>
+            </p14:xfrm>
+          </p:contentPart>
+        </mc:Choice>
+        <mc:Fallback xmlns="">
+          <p:pic>
+            <p:nvPicPr>
+              <p:cNvPr id="11" name="Freihand 10">
+                <a:extLst>
+                  <a:ext uri="{FF2B5EF4-FFF2-40B4-BE49-F238E27FC236}">
+                    <a16:creationId xmlns:a16="http://schemas.microsoft.com/office/drawing/2014/main" id="{9ED9F0CB-50CA-4439-BFA5-3DE33B9220CF}"/>
+                  </a:ext>
+                </a:extLst>
+              </p:cNvPr>
+              <p:cNvPicPr/>
+              <p:nvPr/>
+            </p:nvPicPr>
+            <p:blipFill>
+              <a:blip r:embed="rId28"/>
+              <a:stretch>
+                <a:fillRect/>
+              </a:stretch>
+            </p:blipFill>
+            <p:spPr>
+              <a:xfrm>
+                <a:off x="3141609" y="3872548"/>
+                <a:ext cx="36000" cy="542520"/>
+              </a:xfrm>
+              <a:prstGeom prst="rect">
+                <a:avLst/>
+              </a:prstGeom>
+            </p:spPr>
+          </p:pic>
+        </mc:Fallback>
+      </mc:AlternateContent>
+      <mc:AlternateContent xmlns:mc="http://schemas.openxmlformats.org/markup-compatibility/2006" xmlns:p14="http://schemas.microsoft.com/office/powerpoint/2010/main">
+        <mc:Choice Requires="p14">
+          <p:contentPart p14:bwMode="auto" r:id="rId29">
+            <p14:nvContentPartPr>
+              <p14:cNvPr id="12" name="Freihand 11">
+                <a:extLst>
+                  <a:ext uri="{FF2B5EF4-FFF2-40B4-BE49-F238E27FC236}">
+                    <a16:creationId xmlns:a16="http://schemas.microsoft.com/office/drawing/2014/main" id="{EDBDD743-49C5-4C89-A2E7-93EA1220BEC3}"/>
+                  </a:ext>
+                </a:extLst>
+              </p14:cNvPr>
+              <p14:cNvContentPartPr/>
+              <p14:nvPr/>
+            </p14:nvContentPartPr>
+            <p14:xfrm>
+              <a:off x="3151329" y="4320028"/>
+              <a:ext cx="1841760" cy="325080"/>
+            </p14:xfrm>
+          </p:contentPart>
+        </mc:Choice>
+        <mc:Fallback xmlns="">
+          <p:pic>
+            <p:nvPicPr>
+              <p:cNvPr id="12" name="Freihand 11">
+                <a:extLst>
+                  <a:ext uri="{FF2B5EF4-FFF2-40B4-BE49-F238E27FC236}">
+                    <a16:creationId xmlns:a16="http://schemas.microsoft.com/office/drawing/2014/main" id="{EDBDD743-49C5-4C89-A2E7-93EA1220BEC3}"/>
+                  </a:ext>
+                </a:extLst>
+              </p:cNvPr>
+              <p:cNvPicPr/>
+              <p:nvPr/>
+            </p:nvPicPr>
+            <p:blipFill>
+              <a:blip r:embed="rId30"/>
+              <a:stretch>
+                <a:fillRect/>
+              </a:stretch>
+            </p:blipFill>
+            <p:spPr>
+              <a:xfrm>
+                <a:off x="3133329" y="4284388"/>
+                <a:ext cx="1877400" cy="396720"/>
+              </a:xfrm>
+              <a:prstGeom prst="rect">
+                <a:avLst/>
+              </a:prstGeom>
+            </p:spPr>
+          </p:pic>
+        </mc:Fallback>
+      </mc:AlternateContent>
+      <mc:AlternateContent xmlns:mc="http://schemas.openxmlformats.org/markup-compatibility/2006" xmlns:p14="http://schemas.microsoft.com/office/powerpoint/2010/main">
+        <mc:Choice Requires="p14">
+          <p:contentPart p14:bwMode="auto" r:id="rId31">
+            <p14:nvContentPartPr>
+              <p14:cNvPr id="13" name="Freihand 12">
+                <a:extLst>
+                  <a:ext uri="{FF2B5EF4-FFF2-40B4-BE49-F238E27FC236}">
+                    <a16:creationId xmlns:a16="http://schemas.microsoft.com/office/drawing/2014/main" id="{276D06B0-58A4-49A0-857D-1348B000BFC1}"/>
+                  </a:ext>
+                </a:extLst>
+              </p14:cNvPr>
+              <p14:cNvContentPartPr/>
+              <p14:nvPr/>
+            </p14:nvContentPartPr>
+            <p14:xfrm>
+              <a:off x="3042249" y="3124468"/>
+              <a:ext cx="168120" cy="128160"/>
+            </p14:xfrm>
+          </p:contentPart>
+        </mc:Choice>
+        <mc:Fallback xmlns="">
+          <p:pic>
+            <p:nvPicPr>
+              <p:cNvPr id="13" name="Freihand 12">
+                <a:extLst>
+                  <a:ext uri="{FF2B5EF4-FFF2-40B4-BE49-F238E27FC236}">
+                    <a16:creationId xmlns:a16="http://schemas.microsoft.com/office/drawing/2014/main" id="{276D06B0-58A4-49A0-857D-1348B000BFC1}"/>
+                  </a:ext>
+                </a:extLst>
+              </p:cNvPr>
+              <p:cNvPicPr/>
+              <p:nvPr/>
+            </p:nvPicPr>
+            <p:blipFill>
+              <a:blip r:embed="rId32"/>
+              <a:stretch>
+                <a:fillRect/>
+              </a:stretch>
+            </p:blipFill>
+            <p:spPr>
+              <a:xfrm>
+                <a:off x="3024609" y="3088828"/>
+                <a:ext cx="203760" cy="199800"/>
+              </a:xfrm>
+              <a:prstGeom prst="rect">
+                <a:avLst/>
+              </a:prstGeom>
+            </p:spPr>
+          </p:pic>
+        </mc:Fallback>
+      </mc:AlternateContent>
+      <mc:AlternateContent xmlns:mc="http://schemas.openxmlformats.org/markup-compatibility/2006" xmlns:p14="http://schemas.microsoft.com/office/powerpoint/2010/main">
+        <mc:Choice Requires="p14">
+          <p:contentPart p14:bwMode="auto" r:id="rId33">
+            <p14:nvContentPartPr>
+              <p14:cNvPr id="14" name="Freihand 13">
+                <a:extLst>
+                  <a:ext uri="{FF2B5EF4-FFF2-40B4-BE49-F238E27FC236}">
+                    <a16:creationId xmlns:a16="http://schemas.microsoft.com/office/drawing/2014/main" id="{26962094-4529-4680-8CD0-38FC26BEA2E2}"/>
+                  </a:ext>
+                </a:extLst>
+              </p14:cNvPr>
+              <p14:cNvContentPartPr/>
+              <p14:nvPr/>
+            </p14:nvContentPartPr>
+            <p14:xfrm>
+              <a:off x="5079489" y="3445948"/>
+              <a:ext cx="143640" cy="117000"/>
+            </p14:xfrm>
+          </p:contentPart>
+        </mc:Choice>
+        <mc:Fallback xmlns="">
+          <p:pic>
+            <p:nvPicPr>
+              <p:cNvPr id="14" name="Freihand 13">
+                <a:extLst>
+                  <a:ext uri="{FF2B5EF4-FFF2-40B4-BE49-F238E27FC236}">
+                    <a16:creationId xmlns:a16="http://schemas.microsoft.com/office/drawing/2014/main" id="{26962094-4529-4680-8CD0-38FC26BEA2E2}"/>
+                  </a:ext>
+                </a:extLst>
+              </p:cNvPr>
+              <p:cNvPicPr/>
+              <p:nvPr/>
+            </p:nvPicPr>
+            <p:blipFill>
+              <a:blip r:embed="rId34"/>
+              <a:stretch>
+                <a:fillRect/>
+              </a:stretch>
+            </p:blipFill>
+            <p:spPr>
+              <a:xfrm>
+                <a:off x="5061489" y="3410308"/>
+                <a:ext cx="179280" cy="188640"/>
+              </a:xfrm>
+              <a:prstGeom prst="rect">
+                <a:avLst/>
+              </a:prstGeom>
+            </p:spPr>
+          </p:pic>
+        </mc:Fallback>
+      </mc:AlternateContent>
+      <mc:AlternateContent xmlns:mc="http://schemas.openxmlformats.org/markup-compatibility/2006" xmlns:p14="http://schemas.microsoft.com/office/powerpoint/2010/main">
+        <mc:Choice Requires="p14">
+          <p:contentPart p14:bwMode="auto" r:id="rId35">
+            <p14:nvContentPartPr>
+              <p14:cNvPr id="15" name="Freihand 14">
+                <a:extLst>
+                  <a:ext uri="{FF2B5EF4-FFF2-40B4-BE49-F238E27FC236}">
+                    <a16:creationId xmlns:a16="http://schemas.microsoft.com/office/drawing/2014/main" id="{A11A544B-6FF6-4558-A211-584418E39EB1}"/>
+                  </a:ext>
+                </a:extLst>
+              </p14:cNvPr>
+              <p14:cNvContentPartPr/>
+              <p14:nvPr/>
+            </p14:nvContentPartPr>
+            <p14:xfrm>
+              <a:off x="3092289" y="3849868"/>
+              <a:ext cx="163440" cy="106920"/>
+            </p14:xfrm>
+          </p:contentPart>
+        </mc:Choice>
+        <mc:Fallback xmlns="">
+          <p:pic>
+            <p:nvPicPr>
+              <p:cNvPr id="15" name="Freihand 14">
+                <a:extLst>
+                  <a:ext uri="{FF2B5EF4-FFF2-40B4-BE49-F238E27FC236}">
+                    <a16:creationId xmlns:a16="http://schemas.microsoft.com/office/drawing/2014/main" id="{A11A544B-6FF6-4558-A211-584418E39EB1}"/>
+                  </a:ext>
+                </a:extLst>
+              </p:cNvPr>
+              <p:cNvPicPr/>
+              <p:nvPr/>
+            </p:nvPicPr>
+            <p:blipFill>
+              <a:blip r:embed="rId36"/>
+              <a:stretch>
+                <a:fillRect/>
+              </a:stretch>
+            </p:blipFill>
+            <p:spPr>
+              <a:xfrm>
+                <a:off x="3074289" y="3813868"/>
+                <a:ext cx="199080" cy="178560"/>
+              </a:xfrm>
+              <a:prstGeom prst="rect">
+                <a:avLst/>
+              </a:prstGeom>
+            </p:spPr>
+          </p:pic>
+        </mc:Fallback>
+      </mc:AlternateContent>
+      <mc:AlternateContent xmlns:mc="http://schemas.openxmlformats.org/markup-compatibility/2006" xmlns:p14="http://schemas.microsoft.com/office/powerpoint/2010/main">
+        <mc:Choice Requires="p14">
+          <p:contentPart p14:bwMode="auto" r:id="rId37">
+            <p14:nvContentPartPr>
+              <p14:cNvPr id="16" name="Freihand 15">
+                <a:extLst>
+                  <a:ext uri="{FF2B5EF4-FFF2-40B4-BE49-F238E27FC236}">
+                    <a16:creationId xmlns:a16="http://schemas.microsoft.com/office/drawing/2014/main" id="{D79601ED-70AF-4392-8EEA-56AC2BF8CF4F}"/>
+                  </a:ext>
+                </a:extLst>
+              </p14:cNvPr>
+              <p14:cNvContentPartPr/>
+              <p14:nvPr/>
+            </p14:nvContentPartPr>
+            <p14:xfrm>
+              <a:off x="3110400" y="4257360"/>
+              <a:ext cx="104760" cy="114480"/>
+            </p14:xfrm>
+          </p:contentPart>
+        </mc:Choice>
+        <mc:Fallback xmlns="">
+          <p:pic>
+            <p:nvPicPr>
+              <p:cNvPr id="16" name="Freihand 15">
+                <a:extLst>
+                  <a:ext uri="{FF2B5EF4-FFF2-40B4-BE49-F238E27FC236}">
+                    <a16:creationId xmlns:a16="http://schemas.microsoft.com/office/drawing/2014/main" id="{D79601ED-70AF-4392-8EEA-56AC2BF8CF4F}"/>
+                  </a:ext>
+                </a:extLst>
+              </p:cNvPr>
+              <p:cNvPicPr/>
+              <p:nvPr/>
+            </p:nvPicPr>
+            <p:blipFill>
+              <a:blip r:embed="rId38"/>
+              <a:stretch>
+                <a:fillRect/>
+              </a:stretch>
+            </p:blipFill>
+            <p:spPr>
+              <a:xfrm>
+                <a:off x="3092400" y="4221720"/>
+                <a:ext cx="140400" cy="186120"/>
+              </a:xfrm>
+              <a:prstGeom prst="rect">
+                <a:avLst/>
+              </a:prstGeom>
+            </p:spPr>
+          </p:pic>
+        </mc:Fallback>
+      </mc:AlternateContent>
+      <mc:AlternateContent xmlns:mc="http://schemas.openxmlformats.org/markup-compatibility/2006" xmlns:p14="http://schemas.microsoft.com/office/powerpoint/2010/main">
+        <mc:Choice Requires="p14">
+          <p:contentPart p14:bwMode="auto" r:id="rId39">
+            <p14:nvContentPartPr>
+              <p14:cNvPr id="18" name="Freihand 17">
+                <a:extLst>
+                  <a:ext uri="{FF2B5EF4-FFF2-40B4-BE49-F238E27FC236}">
+                    <a16:creationId xmlns:a16="http://schemas.microsoft.com/office/drawing/2014/main" id="{8ACEF246-9184-4278-86BC-3D6C40D2CC59}"/>
+                  </a:ext>
+                </a:extLst>
+              </p14:cNvPr>
+              <p14:cNvContentPartPr/>
+              <p14:nvPr/>
+            </p14:nvContentPartPr>
+            <p14:xfrm>
+              <a:off x="4895280" y="4591800"/>
+              <a:ext cx="112320" cy="114120"/>
+            </p14:xfrm>
+          </p:contentPart>
+        </mc:Choice>
+        <mc:Fallback xmlns="">
+          <p:pic>
+            <p:nvPicPr>
+              <p:cNvPr id="18" name="Freihand 17">
+                <a:extLst>
+                  <a:ext uri="{FF2B5EF4-FFF2-40B4-BE49-F238E27FC236}">
+                    <a16:creationId xmlns:a16="http://schemas.microsoft.com/office/drawing/2014/main" id="{8ACEF246-9184-4278-86BC-3D6C40D2CC59}"/>
+                  </a:ext>
+                </a:extLst>
+              </p:cNvPr>
+              <p:cNvPicPr/>
+              <p:nvPr/>
+            </p:nvPicPr>
+            <p:blipFill>
+              <a:blip r:embed="rId40"/>
+              <a:stretch>
+                <a:fillRect/>
+              </a:stretch>
+            </p:blipFill>
+            <p:spPr>
+              <a:xfrm>
+                <a:off x="4877640" y="4555800"/>
+                <a:ext cx="147960" cy="185760"/>
+              </a:xfrm>
+              <a:prstGeom prst="rect">
+                <a:avLst/>
+              </a:prstGeom>
+            </p:spPr>
+          </p:pic>
+        </mc:Fallback>
+      </mc:AlternateContent>
+      <mc:AlternateContent xmlns:mc="http://schemas.openxmlformats.org/markup-compatibility/2006" xmlns:p14="http://schemas.microsoft.com/office/powerpoint/2010/main">
+        <mc:Choice Requires="p14">
+          <p:contentPart p14:bwMode="auto" r:id="rId41">
+            <p14:nvContentPartPr>
+              <p14:cNvPr id="19" name="Freihand 18">
+                <a:extLst>
+                  <a:ext uri="{FF2B5EF4-FFF2-40B4-BE49-F238E27FC236}">
+                    <a16:creationId xmlns:a16="http://schemas.microsoft.com/office/drawing/2014/main" id="{CDAD63EF-655C-4C1E-B965-ABE55E35F72C}"/>
+                  </a:ext>
+                </a:extLst>
+              </p14:cNvPr>
+              <p14:cNvContentPartPr/>
+              <p14:nvPr/>
+            </p14:nvContentPartPr>
+            <p14:xfrm>
+              <a:off x="3216960" y="4661640"/>
+              <a:ext cx="1701000" cy="330840"/>
+            </p14:xfrm>
+          </p:contentPart>
+        </mc:Choice>
+        <mc:Fallback xmlns="">
+          <p:pic>
+            <p:nvPicPr>
+              <p:cNvPr id="19" name="Freihand 18">
+                <a:extLst>
+                  <a:ext uri="{FF2B5EF4-FFF2-40B4-BE49-F238E27FC236}">
+                    <a16:creationId xmlns:a16="http://schemas.microsoft.com/office/drawing/2014/main" id="{CDAD63EF-655C-4C1E-B965-ABE55E35F72C}"/>
+                  </a:ext>
+                </a:extLst>
+              </p:cNvPr>
+              <p:cNvPicPr/>
+              <p:nvPr/>
+            </p:nvPicPr>
+            <p:blipFill>
+              <a:blip r:embed="rId42"/>
+              <a:stretch>
+                <a:fillRect/>
+              </a:stretch>
+            </p:blipFill>
+            <p:spPr>
+              <a:xfrm>
+                <a:off x="3199320" y="4626000"/>
+                <a:ext cx="1736640" cy="402480"/>
+              </a:xfrm>
+              <a:prstGeom prst="rect">
+                <a:avLst/>
+              </a:prstGeom>
+            </p:spPr>
+          </p:pic>
+        </mc:Fallback>
+      </mc:AlternateContent>
+      <mc:AlternateContent xmlns:mc="http://schemas.openxmlformats.org/markup-compatibility/2006" xmlns:p14="http://schemas.microsoft.com/office/powerpoint/2010/main">
+        <mc:Choice Requires="p14">
+          <p:contentPart p14:bwMode="auto" r:id="rId43">
+            <p14:nvContentPartPr>
+              <p14:cNvPr id="20" name="Freihand 19">
+                <a:extLst>
+                  <a:ext uri="{FF2B5EF4-FFF2-40B4-BE49-F238E27FC236}">
+                    <a16:creationId xmlns:a16="http://schemas.microsoft.com/office/drawing/2014/main" id="{0522E721-C99E-4F15-AD07-008D0BCFACFC}"/>
+                  </a:ext>
+                </a:extLst>
+              </p14:cNvPr>
+              <p14:cNvContentPartPr/>
+              <p14:nvPr/>
+            </p14:nvContentPartPr>
+            <p14:xfrm>
+              <a:off x="3130920" y="4937400"/>
+              <a:ext cx="108360" cy="106200"/>
+            </p14:xfrm>
+          </p:contentPart>
+        </mc:Choice>
+        <mc:Fallback xmlns="">
+          <p:pic>
+            <p:nvPicPr>
+              <p:cNvPr id="20" name="Freihand 19">
+                <a:extLst>
+                  <a:ext uri="{FF2B5EF4-FFF2-40B4-BE49-F238E27FC236}">
+                    <a16:creationId xmlns:a16="http://schemas.microsoft.com/office/drawing/2014/main" id="{0522E721-C99E-4F15-AD07-008D0BCFACFC}"/>
+                  </a:ext>
+                </a:extLst>
+              </p:cNvPr>
+              <p:cNvPicPr/>
+              <p:nvPr/>
+            </p:nvPicPr>
+            <p:blipFill>
+              <a:blip r:embed="rId44"/>
+              <a:stretch>
+                <a:fillRect/>
+              </a:stretch>
+            </p:blipFill>
+            <p:spPr>
+              <a:xfrm>
+                <a:off x="3112920" y="4901760"/>
+                <a:ext cx="144000" cy="177840"/>
+              </a:xfrm>
+              <a:prstGeom prst="rect">
+                <a:avLst/>
+              </a:prstGeom>
+            </p:spPr>
+          </p:pic>
+        </mc:Fallback>
+      </mc:AlternateContent>
+      <mc:AlternateContent xmlns:mc="http://schemas.openxmlformats.org/markup-compatibility/2006" xmlns:p14="http://schemas.microsoft.com/office/powerpoint/2010/main">
+        <mc:Choice Requires="p14">
+          <p:contentPart p14:bwMode="auto" r:id="rId45">
+            <p14:nvContentPartPr>
+              <p14:cNvPr id="29" name="Freihand 28">
+                <a:extLst>
+                  <a:ext uri="{FF2B5EF4-FFF2-40B4-BE49-F238E27FC236}">
+                    <a16:creationId xmlns:a16="http://schemas.microsoft.com/office/drawing/2014/main" id="{98A8C02D-F48B-49A4-8C73-24B655B8D1D1}"/>
+                  </a:ext>
+                </a:extLst>
+              </p14:cNvPr>
+              <p14:cNvContentPartPr/>
+              <p14:nvPr/>
+            </p14:nvContentPartPr>
+            <p14:xfrm>
+              <a:off x="3187080" y="4979880"/>
+              <a:ext cx="2116080" cy="411480"/>
+            </p14:xfrm>
+          </p:contentPart>
+        </mc:Choice>
+        <mc:Fallback xmlns="">
+          <p:pic>
+            <p:nvPicPr>
+              <p:cNvPr id="29" name="Freihand 28">
+                <a:extLst>
+                  <a:ext uri="{FF2B5EF4-FFF2-40B4-BE49-F238E27FC236}">
+                    <a16:creationId xmlns:a16="http://schemas.microsoft.com/office/drawing/2014/main" id="{98A8C02D-F48B-49A4-8C73-24B655B8D1D1}"/>
+                  </a:ext>
+                </a:extLst>
+              </p:cNvPr>
+              <p:cNvPicPr/>
+              <p:nvPr/>
+            </p:nvPicPr>
+            <p:blipFill>
+              <a:blip r:embed="rId46"/>
+              <a:stretch>
+                <a:fillRect/>
+              </a:stretch>
+            </p:blipFill>
+            <p:spPr>
+              <a:xfrm>
+                <a:off x="3169080" y="4943880"/>
+                <a:ext cx="2151720" cy="483120"/>
+              </a:xfrm>
+              <a:prstGeom prst="rect">
+                <a:avLst/>
+              </a:prstGeom>
+            </p:spPr>
+          </p:pic>
+        </mc:Fallback>
+      </mc:AlternateContent>
+      <mc:AlternateContent xmlns:mc="http://schemas.openxmlformats.org/markup-compatibility/2006" xmlns:p14="http://schemas.microsoft.com/office/powerpoint/2010/main">
+        <mc:Choice Requires="p14">
+          <p:contentPart p14:bwMode="auto" r:id="rId47">
+            <p14:nvContentPartPr>
+              <p14:cNvPr id="30" name="Freihand 29">
+                <a:extLst>
+                  <a:ext uri="{FF2B5EF4-FFF2-40B4-BE49-F238E27FC236}">
+                    <a16:creationId xmlns:a16="http://schemas.microsoft.com/office/drawing/2014/main" id="{E4ABC1AF-8364-4260-8865-A98DF4FD2ED6}"/>
+                  </a:ext>
+                </a:extLst>
+              </p14:cNvPr>
+              <p14:cNvContentPartPr/>
+              <p14:nvPr/>
+            </p14:nvContentPartPr>
+            <p14:xfrm>
+              <a:off x="3228120" y="5384880"/>
+              <a:ext cx="2055600" cy="399960"/>
+            </p14:xfrm>
+          </p:contentPart>
+        </mc:Choice>
+        <mc:Fallback xmlns="">
+          <p:pic>
+            <p:nvPicPr>
+              <p:cNvPr id="30" name="Freihand 29">
+                <a:extLst>
+                  <a:ext uri="{FF2B5EF4-FFF2-40B4-BE49-F238E27FC236}">
+                    <a16:creationId xmlns:a16="http://schemas.microsoft.com/office/drawing/2014/main" id="{E4ABC1AF-8364-4260-8865-A98DF4FD2ED6}"/>
+                  </a:ext>
+                </a:extLst>
+              </p:cNvPr>
+              <p:cNvPicPr/>
+              <p:nvPr/>
+            </p:nvPicPr>
+            <p:blipFill>
+              <a:blip r:embed="rId48"/>
+              <a:stretch>
+                <a:fillRect/>
+              </a:stretch>
+            </p:blipFill>
+            <p:spPr>
+              <a:xfrm>
+                <a:off x="3210480" y="5349240"/>
+                <a:ext cx="2091240" cy="471600"/>
+              </a:xfrm>
+              <a:prstGeom prst="rect">
+                <a:avLst/>
+              </a:prstGeom>
+            </p:spPr>
+          </p:pic>
+        </mc:Fallback>
+      </mc:AlternateContent>
+      <mc:AlternateContent xmlns:mc="http://schemas.openxmlformats.org/markup-compatibility/2006" xmlns:p14="http://schemas.microsoft.com/office/powerpoint/2010/main">
+        <mc:Choice Requires="p14">
+          <p:contentPart p14:bwMode="auto" r:id="rId49">
+            <p14:nvContentPartPr>
+              <p14:cNvPr id="31" name="Freihand 30">
+                <a:extLst>
+                  <a:ext uri="{FF2B5EF4-FFF2-40B4-BE49-F238E27FC236}">
+                    <a16:creationId xmlns:a16="http://schemas.microsoft.com/office/drawing/2014/main" id="{FB0A30F2-9F3D-4227-B31C-018792B8E07B}"/>
+                  </a:ext>
+                </a:extLst>
+              </p14:cNvPr>
+              <p14:cNvContentPartPr/>
+              <p14:nvPr/>
+            </p14:nvContentPartPr>
+            <p14:xfrm>
+              <a:off x="3197880" y="5752800"/>
+              <a:ext cx="360" cy="445320"/>
+            </p14:xfrm>
+          </p:contentPart>
+        </mc:Choice>
+        <mc:Fallback xmlns="">
+          <p:pic>
+            <p:nvPicPr>
+              <p:cNvPr id="31" name="Freihand 30">
+                <a:extLst>
+                  <a:ext uri="{FF2B5EF4-FFF2-40B4-BE49-F238E27FC236}">
+                    <a16:creationId xmlns:a16="http://schemas.microsoft.com/office/drawing/2014/main" id="{FB0A30F2-9F3D-4227-B31C-018792B8E07B}"/>
+                  </a:ext>
+                </a:extLst>
+              </p:cNvPr>
+              <p:cNvPicPr/>
+              <p:nvPr/>
+            </p:nvPicPr>
+            <p:blipFill>
+              <a:blip r:embed="rId50"/>
+              <a:stretch>
+                <a:fillRect/>
+              </a:stretch>
+            </p:blipFill>
+            <p:spPr>
+              <a:xfrm>
+                <a:off x="3180240" y="5716800"/>
+                <a:ext cx="36000" cy="516960"/>
+              </a:xfrm>
+              <a:prstGeom prst="rect">
+                <a:avLst/>
+              </a:prstGeom>
+            </p:spPr>
+          </p:pic>
+        </mc:Fallback>
+      </mc:AlternateContent>
+      <mc:AlternateContent xmlns:mc="http://schemas.openxmlformats.org/markup-compatibility/2006" xmlns:p14="http://schemas.microsoft.com/office/powerpoint/2010/main">
+        <mc:Choice Requires="p14">
+          <p:contentPart p14:bwMode="auto" r:id="rId51">
+            <p14:nvContentPartPr>
+              <p14:cNvPr id="64" name="Freihand 63">
+                <a:extLst>
+                  <a:ext uri="{FF2B5EF4-FFF2-40B4-BE49-F238E27FC236}">
+                    <a16:creationId xmlns:a16="http://schemas.microsoft.com/office/drawing/2014/main" id="{81C34D8A-2E70-4EA7-BE78-9B6B24E37E5A}"/>
+                  </a:ext>
+                </a:extLst>
+              </p14:cNvPr>
+              <p14:cNvContentPartPr/>
+              <p14:nvPr/>
+            </p14:nvContentPartPr>
+            <p14:xfrm>
+              <a:off x="3124440" y="5684040"/>
+              <a:ext cx="120240" cy="129240"/>
+            </p14:xfrm>
+          </p:contentPart>
+        </mc:Choice>
+        <mc:Fallback xmlns="">
+          <p:pic>
+            <p:nvPicPr>
+              <p:cNvPr id="64" name="Freihand 63">
+                <a:extLst>
+                  <a:ext uri="{FF2B5EF4-FFF2-40B4-BE49-F238E27FC236}">
+                    <a16:creationId xmlns:a16="http://schemas.microsoft.com/office/drawing/2014/main" id="{81C34D8A-2E70-4EA7-BE78-9B6B24E37E5A}"/>
+                  </a:ext>
+                </a:extLst>
+              </p:cNvPr>
+              <p:cNvPicPr/>
+              <p:nvPr/>
+            </p:nvPicPr>
+            <p:blipFill>
+              <a:blip r:embed="rId52"/>
+              <a:stretch>
+                <a:fillRect/>
+              </a:stretch>
+            </p:blipFill>
+            <p:spPr>
+              <a:xfrm>
+                <a:off x="3106800" y="5648400"/>
+                <a:ext cx="155880" cy="200880"/>
+              </a:xfrm>
+              <a:prstGeom prst="rect">
+                <a:avLst/>
+              </a:prstGeom>
+            </p:spPr>
+          </p:pic>
+        </mc:Fallback>
+      </mc:AlternateContent>
+      <mc:AlternateContent xmlns:mc="http://schemas.openxmlformats.org/markup-compatibility/2006" xmlns:p14="http://schemas.microsoft.com/office/powerpoint/2010/main">
+        <mc:Choice Requires="p14">
+          <p:contentPart p14:bwMode="auto" r:id="rId53">
+            <p14:nvContentPartPr>
+              <p14:cNvPr id="65" name="Freihand 64">
+                <a:extLst>
+                  <a:ext uri="{FF2B5EF4-FFF2-40B4-BE49-F238E27FC236}">
+                    <a16:creationId xmlns:a16="http://schemas.microsoft.com/office/drawing/2014/main" id="{13861E75-3384-45DC-9F40-652B9EA82830}"/>
+                  </a:ext>
+                </a:extLst>
+              </p14:cNvPr>
+              <p14:cNvContentPartPr/>
+              <p14:nvPr/>
+            </p14:nvContentPartPr>
+            <p14:xfrm>
+              <a:off x="5144040" y="5320800"/>
+              <a:ext cx="149760" cy="122400"/>
+            </p14:xfrm>
+          </p:contentPart>
+        </mc:Choice>
+        <mc:Fallback xmlns="">
+          <p:pic>
+            <p:nvPicPr>
+              <p:cNvPr id="65" name="Freihand 64">
+                <a:extLst>
+                  <a:ext uri="{FF2B5EF4-FFF2-40B4-BE49-F238E27FC236}">
+                    <a16:creationId xmlns:a16="http://schemas.microsoft.com/office/drawing/2014/main" id="{13861E75-3384-45DC-9F40-652B9EA82830}"/>
+                  </a:ext>
+                </a:extLst>
+              </p:cNvPr>
+              <p:cNvPicPr/>
+              <p:nvPr/>
+            </p:nvPicPr>
+            <p:blipFill>
+              <a:blip r:embed="rId54"/>
+              <a:stretch>
+                <a:fillRect/>
+              </a:stretch>
+            </p:blipFill>
+            <p:spPr>
+              <a:xfrm>
+                <a:off x="5126040" y="5285160"/>
+                <a:ext cx="185400" cy="194040"/>
+              </a:xfrm>
+              <a:prstGeom prst="rect">
+                <a:avLst/>
+              </a:prstGeom>
+            </p:spPr>
+          </p:pic>
+        </mc:Fallback>
+      </mc:AlternateContent>
+      <mc:AlternateContent xmlns:mc="http://schemas.openxmlformats.org/markup-compatibility/2006" xmlns:p14="http://schemas.microsoft.com/office/powerpoint/2010/main">
+        <mc:Choice Requires="p14">
+          <p:contentPart p14:bwMode="auto" r:id="rId55">
+            <p14:nvContentPartPr>
+              <p14:cNvPr id="66" name="Freihand 65">
+                <a:extLst>
+                  <a:ext uri="{FF2B5EF4-FFF2-40B4-BE49-F238E27FC236}">
+                    <a16:creationId xmlns:a16="http://schemas.microsoft.com/office/drawing/2014/main" id="{6F7F6A7A-3B77-4D55-BE7D-95F5A90FB9A1}"/>
+                  </a:ext>
+                </a:extLst>
+              </p14:cNvPr>
+              <p14:cNvContentPartPr/>
+              <p14:nvPr/>
+            </p14:nvContentPartPr>
+            <p14:xfrm>
+              <a:off x="3091680" y="6097680"/>
+              <a:ext cx="144720" cy="124920"/>
+            </p14:xfrm>
+          </p:contentPart>
+        </mc:Choice>
+        <mc:Fallback xmlns="">
+          <p:pic>
+            <p:nvPicPr>
+              <p:cNvPr id="66" name="Freihand 65">
+                <a:extLst>
+                  <a:ext uri="{FF2B5EF4-FFF2-40B4-BE49-F238E27FC236}">
+                    <a16:creationId xmlns:a16="http://schemas.microsoft.com/office/drawing/2014/main" id="{6F7F6A7A-3B77-4D55-BE7D-95F5A90FB9A1}"/>
+                  </a:ext>
+                </a:extLst>
+              </p:cNvPr>
+              <p:cNvPicPr/>
+              <p:nvPr/>
+            </p:nvPicPr>
+            <p:blipFill>
+              <a:blip r:embed="rId56"/>
+              <a:stretch>
+                <a:fillRect/>
+              </a:stretch>
+            </p:blipFill>
+            <p:spPr>
+              <a:xfrm>
+                <a:off x="3073680" y="6061680"/>
+                <a:ext cx="180360" cy="196560"/>
+              </a:xfrm>
+              <a:prstGeom prst="rect">
+                <a:avLst/>
+              </a:prstGeom>
+            </p:spPr>
+          </p:pic>
+        </mc:Fallback>
+      </mc:AlternateContent>
+      <mc:AlternateContent xmlns:mc="http://schemas.openxmlformats.org/markup-compatibility/2006" xmlns:p14="http://schemas.microsoft.com/office/powerpoint/2010/main">
+        <mc:Choice Requires="p14">
+          <p:contentPart p14:bwMode="auto" r:id="rId57">
+            <p14:nvContentPartPr>
+              <p14:cNvPr id="7" name="Freihand 6">
+                <a:extLst>
+                  <a:ext uri="{FF2B5EF4-FFF2-40B4-BE49-F238E27FC236}">
+                    <a16:creationId xmlns:a16="http://schemas.microsoft.com/office/drawing/2014/main" id="{5C6B1E8A-A8F8-4BDB-984F-E09934489A40}"/>
+                  </a:ext>
+                </a:extLst>
+              </p14:cNvPr>
+              <p14:cNvContentPartPr/>
+              <p14:nvPr/>
+            </p14:nvContentPartPr>
+            <p14:xfrm>
+              <a:off x="5204265" y="1981368"/>
+              <a:ext cx="360" cy="504000"/>
+            </p14:xfrm>
+          </p:contentPart>
+        </mc:Choice>
+        <mc:Fallback xmlns="">
+          <p:pic>
+            <p:nvPicPr>
+              <p:cNvPr id="7" name="Freihand 6">
+                <a:extLst>
+                  <a:ext uri="{FF2B5EF4-FFF2-40B4-BE49-F238E27FC236}">
+                    <a16:creationId xmlns:a16="http://schemas.microsoft.com/office/drawing/2014/main" id="{5C6B1E8A-A8F8-4BDB-984F-E09934489A40}"/>
+                  </a:ext>
+                </a:extLst>
+              </p:cNvPr>
+              <p:cNvPicPr/>
+              <p:nvPr/>
+            </p:nvPicPr>
+            <p:blipFill>
+              <a:blip r:embed="rId58"/>
+              <a:stretch>
+                <a:fillRect/>
+              </a:stretch>
+            </p:blipFill>
+            <p:spPr>
+              <a:xfrm>
+                <a:off x="5186625" y="1945368"/>
+                <a:ext cx="36000" cy="575640"/>
+              </a:xfrm>
+              <a:prstGeom prst="rect">
+                <a:avLst/>
+              </a:prstGeom>
+            </p:spPr>
+          </p:pic>
+        </mc:Fallback>
+      </mc:AlternateContent>
+      <mc:AlternateContent xmlns:mc="http://schemas.openxmlformats.org/markup-compatibility/2006" xmlns:p14="http://schemas.microsoft.com/office/powerpoint/2010/main">
+        <mc:Choice Requires="p14">
+          <p:contentPart p14:bwMode="auto" r:id="rId59">
+            <p14:nvContentPartPr>
+              <p14:cNvPr id="8" name="Freihand 7">
+                <a:extLst>
+                  <a:ext uri="{FF2B5EF4-FFF2-40B4-BE49-F238E27FC236}">
+                    <a16:creationId xmlns:a16="http://schemas.microsoft.com/office/drawing/2014/main" id="{B4348D04-9CDA-43B0-8595-1F26F05F0204}"/>
+                  </a:ext>
+                </a:extLst>
+              </p14:cNvPr>
+              <p14:cNvContentPartPr/>
+              <p14:nvPr/>
+            </p14:nvContentPartPr>
+            <p14:xfrm>
+              <a:off x="3744826" y="3492889"/>
+              <a:ext cx="360" cy="431280"/>
+            </p14:xfrm>
+          </p:contentPart>
+        </mc:Choice>
+        <mc:Fallback xmlns="">
+          <p:pic>
+            <p:nvPicPr>
+              <p:cNvPr id="8" name="Freihand 7">
+                <a:extLst>
+                  <a:ext uri="{FF2B5EF4-FFF2-40B4-BE49-F238E27FC236}">
+                    <a16:creationId xmlns:a16="http://schemas.microsoft.com/office/drawing/2014/main" id="{B4348D04-9CDA-43B0-8595-1F26F05F0204}"/>
+                  </a:ext>
+                </a:extLst>
+              </p:cNvPr>
+              <p:cNvPicPr/>
+              <p:nvPr/>
+            </p:nvPicPr>
+            <p:blipFill>
+              <a:blip r:embed="rId60"/>
+              <a:stretch>
+                <a:fillRect/>
+              </a:stretch>
+            </p:blipFill>
+            <p:spPr>
+              <a:xfrm>
+                <a:off x="3727186" y="3456889"/>
+                <a:ext cx="36000" cy="502920"/>
+              </a:xfrm>
+              <a:prstGeom prst="rect">
+                <a:avLst/>
+              </a:prstGeom>
+            </p:spPr>
+          </p:pic>
+        </mc:Fallback>
+      </mc:AlternateContent>
+      <mc:AlternateContent xmlns:mc="http://schemas.openxmlformats.org/markup-compatibility/2006" xmlns:p14="http://schemas.microsoft.com/office/powerpoint/2010/main">
+        <mc:Choice Requires="p14">
+          <p:contentPart p14:bwMode="auto" r:id="rId61">
+            <p14:nvContentPartPr>
+              <p14:cNvPr id="9" name="Freihand 8">
+                <a:extLst>
+                  <a:ext uri="{FF2B5EF4-FFF2-40B4-BE49-F238E27FC236}">
+                    <a16:creationId xmlns:a16="http://schemas.microsoft.com/office/drawing/2014/main" id="{A1548318-DE5D-4BF9-960B-7C47253AAF55}"/>
+                  </a:ext>
+                </a:extLst>
+              </p14:cNvPr>
+              <p14:cNvContentPartPr/>
+              <p14:nvPr/>
+            </p14:nvContentPartPr>
+            <p14:xfrm>
+              <a:off x="5632793" y="4241266"/>
+              <a:ext cx="360" cy="765000"/>
+            </p14:xfrm>
+          </p:contentPart>
+        </mc:Choice>
+        <mc:Fallback xmlns="">
+          <p:pic>
+            <p:nvPicPr>
+              <p:cNvPr id="9" name="Freihand 8">
+                <a:extLst>
+                  <a:ext uri="{FF2B5EF4-FFF2-40B4-BE49-F238E27FC236}">
+                    <a16:creationId xmlns:a16="http://schemas.microsoft.com/office/drawing/2014/main" id="{A1548318-DE5D-4BF9-960B-7C47253AAF55}"/>
+                  </a:ext>
+                </a:extLst>
+              </p:cNvPr>
+              <p:cNvPicPr/>
+              <p:nvPr/>
+            </p:nvPicPr>
+            <p:blipFill>
+              <a:blip r:embed="rId62"/>
+              <a:stretch>
+                <a:fillRect/>
+              </a:stretch>
+            </p:blipFill>
+            <p:spPr>
+              <a:xfrm>
+                <a:off x="5615153" y="4205626"/>
+                <a:ext cx="36000" cy="836640"/>
+              </a:xfrm>
+              <a:prstGeom prst="rect">
+                <a:avLst/>
+              </a:prstGeom>
+            </p:spPr>
+          </p:pic>
+        </mc:Fallback>
+      </mc:AlternateContent>
+      <mc:AlternateContent xmlns:mc="http://schemas.openxmlformats.org/markup-compatibility/2006" xmlns:p14="http://schemas.microsoft.com/office/powerpoint/2010/main">
+        <mc:Choice Requires="p14">
+          <p:contentPart p14:bwMode="auto" r:id="rId63">
+            <p14:nvContentPartPr>
+              <p14:cNvPr id="17" name="Freihand 16">
+                <a:extLst>
+                  <a:ext uri="{FF2B5EF4-FFF2-40B4-BE49-F238E27FC236}">
+                    <a16:creationId xmlns:a16="http://schemas.microsoft.com/office/drawing/2014/main" id="{DFEE8F5D-695D-481F-8F97-340F32017EA3}"/>
+                  </a:ext>
+                </a:extLst>
+              </p14:cNvPr>
+              <p14:cNvContentPartPr/>
+              <p14:nvPr/>
+            </p14:nvContentPartPr>
+            <p14:xfrm>
+              <a:off x="5585633" y="4225426"/>
+              <a:ext cx="78840" cy="65880"/>
+            </p14:xfrm>
+          </p:contentPart>
+        </mc:Choice>
+        <mc:Fallback xmlns="">
+          <p:pic>
+            <p:nvPicPr>
+              <p:cNvPr id="17" name="Freihand 16">
+                <a:extLst>
+                  <a:ext uri="{FF2B5EF4-FFF2-40B4-BE49-F238E27FC236}">
+                    <a16:creationId xmlns:a16="http://schemas.microsoft.com/office/drawing/2014/main" id="{DFEE8F5D-695D-481F-8F97-340F32017EA3}"/>
+                  </a:ext>
+                </a:extLst>
+              </p:cNvPr>
+              <p:cNvPicPr/>
+              <p:nvPr/>
+            </p:nvPicPr>
+            <p:blipFill>
+              <a:blip r:embed="rId64"/>
+              <a:stretch>
+                <a:fillRect/>
+              </a:stretch>
+            </p:blipFill>
+            <p:spPr>
+              <a:xfrm>
+                <a:off x="5567993" y="4189426"/>
+                <a:ext cx="114480" cy="137520"/>
+              </a:xfrm>
+              <a:prstGeom prst="rect">
+                <a:avLst/>
+              </a:prstGeom>
+            </p:spPr>
+          </p:pic>
+        </mc:Fallback>
+      </mc:AlternateContent>
+      <mc:AlternateContent xmlns:mc="http://schemas.openxmlformats.org/markup-compatibility/2006" xmlns:p14="http://schemas.microsoft.com/office/powerpoint/2010/main">
+        <mc:Choice Requires="p14">
+          <p:contentPart p14:bwMode="auto" r:id="rId65">
+            <p14:nvContentPartPr>
+              <p14:cNvPr id="67" name="Freihand 66">
+                <a:extLst>
+                  <a:ext uri="{FF2B5EF4-FFF2-40B4-BE49-F238E27FC236}">
+                    <a16:creationId xmlns:a16="http://schemas.microsoft.com/office/drawing/2014/main" id="{DF0F95A9-EBF6-485B-A2E5-E678BED8F7EC}"/>
+                  </a:ext>
+                </a:extLst>
+              </p14:cNvPr>
+              <p14:cNvContentPartPr/>
+              <p14:nvPr/>
+            </p14:nvContentPartPr>
+            <p14:xfrm>
+              <a:off x="5585993" y="4602346"/>
+              <a:ext cx="84600" cy="74520"/>
+            </p14:xfrm>
+          </p:contentPart>
+        </mc:Choice>
+        <mc:Fallback xmlns="">
+          <p:pic>
+            <p:nvPicPr>
+              <p:cNvPr id="67" name="Freihand 66">
+                <a:extLst>
+                  <a:ext uri="{FF2B5EF4-FFF2-40B4-BE49-F238E27FC236}">
+                    <a16:creationId xmlns:a16="http://schemas.microsoft.com/office/drawing/2014/main" id="{DF0F95A9-EBF6-485B-A2E5-E678BED8F7EC}"/>
+                  </a:ext>
+                </a:extLst>
+              </p:cNvPr>
+              <p:cNvPicPr/>
+              <p:nvPr/>
+            </p:nvPicPr>
+            <p:blipFill>
+              <a:blip r:embed="rId66"/>
+              <a:stretch>
+                <a:fillRect/>
+              </a:stretch>
+            </p:blipFill>
+            <p:spPr>
+              <a:xfrm>
+                <a:off x="5568353" y="4566706"/>
+                <a:ext cx="120240" cy="146160"/>
+              </a:xfrm>
+              <a:prstGeom prst="rect">
+                <a:avLst/>
+              </a:prstGeom>
+            </p:spPr>
+          </p:pic>
+        </mc:Fallback>
+      </mc:AlternateContent>
+      <mc:AlternateContent xmlns:mc="http://schemas.openxmlformats.org/markup-compatibility/2006" xmlns:p14="http://schemas.microsoft.com/office/powerpoint/2010/main">
+        <mc:Choice Requires="p14">
+          <p:contentPart p14:bwMode="auto" r:id="rId67">
+            <p14:nvContentPartPr>
+              <p14:cNvPr id="68" name="Freihand 67">
+                <a:extLst>
+                  <a:ext uri="{FF2B5EF4-FFF2-40B4-BE49-F238E27FC236}">
+                    <a16:creationId xmlns:a16="http://schemas.microsoft.com/office/drawing/2014/main" id="{C3111053-64B8-41BA-8F33-18100EDBC638}"/>
+                  </a:ext>
+                </a:extLst>
+              </p14:cNvPr>
+              <p14:cNvContentPartPr/>
+              <p14:nvPr/>
+            </p14:nvContentPartPr>
+            <p14:xfrm>
+              <a:off x="5576993" y="4967386"/>
+              <a:ext cx="95040" cy="91080"/>
+            </p14:xfrm>
+          </p:contentPart>
+        </mc:Choice>
+        <mc:Fallback xmlns="">
+          <p:pic>
+            <p:nvPicPr>
+              <p:cNvPr id="68" name="Freihand 67">
+                <a:extLst>
+                  <a:ext uri="{FF2B5EF4-FFF2-40B4-BE49-F238E27FC236}">
+                    <a16:creationId xmlns:a16="http://schemas.microsoft.com/office/drawing/2014/main" id="{C3111053-64B8-41BA-8F33-18100EDBC638}"/>
+                  </a:ext>
+                </a:extLst>
+              </p:cNvPr>
+              <p:cNvPicPr/>
+              <p:nvPr/>
+            </p:nvPicPr>
+            <p:blipFill>
+              <a:blip r:embed="rId68"/>
+              <a:stretch>
+                <a:fillRect/>
+              </a:stretch>
+            </p:blipFill>
+            <p:spPr>
+              <a:xfrm>
+                <a:off x="5558993" y="4931746"/>
+                <a:ext cx="130680" cy="162720"/>
+              </a:xfrm>
+              <a:prstGeom prst="rect">
+                <a:avLst/>
+              </a:prstGeom>
+            </p:spPr>
+          </p:pic>
+        </mc:Fallback>
+      </mc:AlternateContent>
+      <mc:AlternateContent xmlns:mc="http://schemas.openxmlformats.org/markup-compatibility/2006" xmlns:p14="http://schemas.microsoft.com/office/powerpoint/2010/main">
+        <mc:Choice Requires="p14">
+          <p:contentPart p14:bwMode="auto" r:id="rId69">
+            <p14:nvContentPartPr>
+              <p14:cNvPr id="3" name="Freihand 2">
+                <a:extLst>
+                  <a:ext uri="{FF2B5EF4-FFF2-40B4-BE49-F238E27FC236}">
+                    <a16:creationId xmlns:a16="http://schemas.microsoft.com/office/drawing/2014/main" id="{3D3B5C78-D635-4F11-AAC3-1A764DBF6B2F}"/>
+                  </a:ext>
+                </a:extLst>
+              </p14:cNvPr>
+              <p14:cNvContentPartPr/>
+              <p14:nvPr/>
+            </p14:nvContentPartPr>
+            <p14:xfrm>
+              <a:off x="3790805" y="3921179"/>
+              <a:ext cx="1865880" cy="329400"/>
+            </p14:xfrm>
+          </p:contentPart>
+        </mc:Choice>
+        <mc:Fallback xmlns="">
+          <p:pic>
+            <p:nvPicPr>
+              <p:cNvPr id="3" name="Freihand 2">
+                <a:extLst>
+                  <a:ext uri="{FF2B5EF4-FFF2-40B4-BE49-F238E27FC236}">
+                    <a16:creationId xmlns:a16="http://schemas.microsoft.com/office/drawing/2014/main" id="{3D3B5C78-D635-4F11-AAC3-1A764DBF6B2F}"/>
+                  </a:ext>
+                </a:extLst>
+              </p:cNvPr>
+              <p:cNvPicPr/>
+              <p:nvPr/>
+            </p:nvPicPr>
+            <p:blipFill>
+              <a:blip r:embed="rId70"/>
+              <a:stretch>
+                <a:fillRect/>
+              </a:stretch>
+            </p:blipFill>
+            <p:spPr>
+              <a:xfrm>
+                <a:off x="3772805" y="3885179"/>
+                <a:ext cx="1901520" cy="401040"/>
+              </a:xfrm>
+              <a:prstGeom prst="rect">
+                <a:avLst/>
+              </a:prstGeom>
+            </p:spPr>
+          </p:pic>
+        </mc:Fallback>
+      </mc:AlternateContent>
+      <mc:AlternateContent xmlns:mc="http://schemas.openxmlformats.org/markup-compatibility/2006" xmlns:p14="http://schemas.microsoft.com/office/powerpoint/2010/main">
+        <mc:Choice Requires="p14">
+          <p:contentPart p14:bwMode="auto" r:id="rId71">
+            <p14:nvContentPartPr>
+              <p14:cNvPr id="70" name="Freihand 69">
+                <a:extLst>
+                  <a:ext uri="{FF2B5EF4-FFF2-40B4-BE49-F238E27FC236}">
+                    <a16:creationId xmlns:a16="http://schemas.microsoft.com/office/drawing/2014/main" id="{D0933B74-4552-4812-9DCD-CEE05AB4C618}"/>
+                  </a:ext>
+                </a:extLst>
+              </p14:cNvPr>
+              <p14:cNvContentPartPr/>
+              <p14:nvPr/>
+            </p14:nvContentPartPr>
+            <p14:xfrm>
+              <a:off x="5670005" y="4973819"/>
+              <a:ext cx="2376360" cy="419400"/>
+            </p14:xfrm>
+          </p:contentPart>
+        </mc:Choice>
+        <mc:Fallback xmlns="">
+          <p:pic>
+            <p:nvPicPr>
+              <p:cNvPr id="70" name="Freihand 69">
+                <a:extLst>
+                  <a:ext uri="{FF2B5EF4-FFF2-40B4-BE49-F238E27FC236}">
+                    <a16:creationId xmlns:a16="http://schemas.microsoft.com/office/drawing/2014/main" id="{D0933B74-4552-4812-9DCD-CEE05AB4C618}"/>
+                  </a:ext>
+                </a:extLst>
+              </p:cNvPr>
+              <p:cNvPicPr/>
+              <p:nvPr/>
+            </p:nvPicPr>
+            <p:blipFill>
+              <a:blip r:embed="rId72"/>
+              <a:stretch>
+                <a:fillRect/>
+              </a:stretch>
+            </p:blipFill>
+            <p:spPr>
+              <a:xfrm>
+                <a:off x="5652005" y="4938179"/>
+                <a:ext cx="2412000" cy="491040"/>
+              </a:xfrm>
+              <a:prstGeom prst="rect">
+                <a:avLst/>
+              </a:prstGeom>
+            </p:spPr>
+          </p:pic>
+        </mc:Fallback>
+      </mc:AlternateContent>
+      <mc:AlternateContent xmlns:mc="http://schemas.openxmlformats.org/markup-compatibility/2006" xmlns:p14="http://schemas.microsoft.com/office/powerpoint/2010/main">
+        <mc:Choice Requires="p14">
+          <p:contentPart p14:bwMode="auto" r:id="rId73">
+            <p14:nvContentPartPr>
+              <p14:cNvPr id="71" name="Freihand 70">
+                <a:extLst>
+                  <a:ext uri="{FF2B5EF4-FFF2-40B4-BE49-F238E27FC236}">
+                    <a16:creationId xmlns:a16="http://schemas.microsoft.com/office/drawing/2014/main" id="{063470C5-E7CA-4E2A-98E6-5518E0645449}"/>
+                  </a:ext>
+                </a:extLst>
+              </p14:cNvPr>
+              <p14:cNvContentPartPr/>
+              <p14:nvPr/>
+            </p14:nvContentPartPr>
+            <p14:xfrm>
+              <a:off x="5307512" y="5419316"/>
+              <a:ext cx="2711160" cy="333360"/>
+            </p14:xfrm>
+          </p:contentPart>
+        </mc:Choice>
+        <mc:Fallback xmlns="">
+          <p:pic>
+            <p:nvPicPr>
+              <p:cNvPr id="71" name="Freihand 70">
+                <a:extLst>
+                  <a:ext uri="{FF2B5EF4-FFF2-40B4-BE49-F238E27FC236}">
+                    <a16:creationId xmlns:a16="http://schemas.microsoft.com/office/drawing/2014/main" id="{063470C5-E7CA-4E2A-98E6-5518E0645449}"/>
+                  </a:ext>
+                </a:extLst>
+              </p:cNvPr>
+              <p:cNvPicPr/>
+              <p:nvPr/>
+            </p:nvPicPr>
+            <p:blipFill>
+              <a:blip r:embed="rId74"/>
+              <a:stretch>
+                <a:fillRect/>
+              </a:stretch>
+            </p:blipFill>
+            <p:spPr>
+              <a:xfrm>
+                <a:off x="5289512" y="5383316"/>
+                <a:ext cx="2746800" cy="405000"/>
+              </a:xfrm>
+              <a:prstGeom prst="rect">
+                <a:avLst/>
+              </a:prstGeom>
+            </p:spPr>
+          </p:pic>
+        </mc:Fallback>
+      </mc:AlternateContent>
+      <mc:AlternateContent xmlns:mc="http://schemas.openxmlformats.org/markup-compatibility/2006" xmlns:p14="http://schemas.microsoft.com/office/powerpoint/2010/main">
+        <mc:Choice Requires="p14">
+          <p:contentPart p14:bwMode="auto" r:id="rId75">
+            <p14:nvContentPartPr>
+              <p14:cNvPr id="72" name="Freihand 71">
+                <a:extLst>
+                  <a:ext uri="{FF2B5EF4-FFF2-40B4-BE49-F238E27FC236}">
+                    <a16:creationId xmlns:a16="http://schemas.microsoft.com/office/drawing/2014/main" id="{1C971C9A-F783-4A1F-9E1E-918715A8DA75}"/>
+                  </a:ext>
+                </a:extLst>
+              </p14:cNvPr>
+              <p14:cNvContentPartPr/>
+              <p14:nvPr/>
+            </p14:nvContentPartPr>
+            <p14:xfrm>
+              <a:off x="3644312" y="5732876"/>
+              <a:ext cx="1607040" cy="430920"/>
+            </p14:xfrm>
+          </p:contentPart>
+        </mc:Choice>
+        <mc:Fallback xmlns="">
+          <p:pic>
+            <p:nvPicPr>
+              <p:cNvPr id="72" name="Freihand 71">
+                <a:extLst>
+                  <a:ext uri="{FF2B5EF4-FFF2-40B4-BE49-F238E27FC236}">
+                    <a16:creationId xmlns:a16="http://schemas.microsoft.com/office/drawing/2014/main" id="{1C971C9A-F783-4A1F-9E1E-918715A8DA75}"/>
+                  </a:ext>
+                </a:extLst>
+              </p:cNvPr>
+              <p:cNvPicPr/>
+              <p:nvPr/>
+            </p:nvPicPr>
+            <p:blipFill>
+              <a:blip r:embed="rId76"/>
+              <a:stretch>
+                <a:fillRect/>
+              </a:stretch>
+            </p:blipFill>
+            <p:spPr>
+              <a:xfrm>
+                <a:off x="3626312" y="5696876"/>
+                <a:ext cx="1642680" cy="502560"/>
+              </a:xfrm>
+              <a:prstGeom prst="rect">
+                <a:avLst/>
+              </a:prstGeom>
+            </p:spPr>
+          </p:pic>
+        </mc:Fallback>
+      </mc:AlternateContent>
+      <mc:AlternateContent xmlns:mc="http://schemas.openxmlformats.org/markup-compatibility/2006" xmlns:p14="http://schemas.microsoft.com/office/powerpoint/2010/main">
+        <mc:Choice Requires="p14">
+          <p:contentPart p14:bwMode="auto" r:id="rId77">
+            <p14:nvContentPartPr>
+              <p14:cNvPr id="73" name="Freihand 72">
+                <a:extLst>
+                  <a:ext uri="{FF2B5EF4-FFF2-40B4-BE49-F238E27FC236}">
+                    <a16:creationId xmlns:a16="http://schemas.microsoft.com/office/drawing/2014/main" id="{589B9F3D-CDAD-40E2-B6F8-B9C25C26E312}"/>
+                  </a:ext>
+                </a:extLst>
+              </p14:cNvPr>
+              <p14:cNvContentPartPr/>
+              <p14:nvPr/>
+            </p14:nvContentPartPr>
+            <p14:xfrm>
+              <a:off x="3738326" y="3159596"/>
+              <a:ext cx="1408320" cy="325440"/>
+            </p14:xfrm>
+          </p:contentPart>
+        </mc:Choice>
+        <mc:Fallback xmlns="">
+          <p:pic>
+            <p:nvPicPr>
+              <p:cNvPr id="73" name="Freihand 72">
+                <a:extLst>
+                  <a:ext uri="{FF2B5EF4-FFF2-40B4-BE49-F238E27FC236}">
+                    <a16:creationId xmlns:a16="http://schemas.microsoft.com/office/drawing/2014/main" id="{589B9F3D-CDAD-40E2-B6F8-B9C25C26E312}"/>
+                  </a:ext>
+                </a:extLst>
+              </p:cNvPr>
+              <p:cNvPicPr/>
+              <p:nvPr/>
+            </p:nvPicPr>
+            <p:blipFill>
+              <a:blip r:embed="rId78"/>
+              <a:stretch>
+                <a:fillRect/>
+              </a:stretch>
+            </p:blipFill>
+            <p:spPr>
+              <a:xfrm>
+                <a:off x="3720686" y="3123956"/>
+                <a:ext cx="1443960" cy="397080"/>
+              </a:xfrm>
+              <a:prstGeom prst="rect">
+                <a:avLst/>
+              </a:prstGeom>
+            </p:spPr>
+          </p:pic>
+        </mc:Fallback>
+      </mc:AlternateContent>
+      <mc:AlternateContent xmlns:mc="http://schemas.openxmlformats.org/markup-compatibility/2006" xmlns:p14="http://schemas.microsoft.com/office/powerpoint/2010/main">
+        <mc:Choice Requires="p14">
+          <p:contentPart p14:bwMode="auto" r:id="rId79">
+            <p14:nvContentPartPr>
+              <p14:cNvPr id="74" name="Freihand 73">
+                <a:extLst>
+                  <a:ext uri="{FF2B5EF4-FFF2-40B4-BE49-F238E27FC236}">
+                    <a16:creationId xmlns:a16="http://schemas.microsoft.com/office/drawing/2014/main" id="{EEE7A2B1-C111-42AB-BEDE-FAF5ED4CA30A}"/>
+                  </a:ext>
+                </a:extLst>
+              </p14:cNvPr>
+              <p14:cNvContentPartPr/>
+              <p14:nvPr/>
+            </p14:nvContentPartPr>
+            <p14:xfrm>
+              <a:off x="3666326" y="2817956"/>
+              <a:ext cx="1499400" cy="318960"/>
+            </p14:xfrm>
+          </p:contentPart>
+        </mc:Choice>
+        <mc:Fallback xmlns="">
+          <p:pic>
+            <p:nvPicPr>
+              <p:cNvPr id="74" name="Freihand 73">
+                <a:extLst>
+                  <a:ext uri="{FF2B5EF4-FFF2-40B4-BE49-F238E27FC236}">
+                    <a16:creationId xmlns:a16="http://schemas.microsoft.com/office/drawing/2014/main" id="{EEE7A2B1-C111-42AB-BEDE-FAF5ED4CA30A}"/>
+                  </a:ext>
+                </a:extLst>
+              </p:cNvPr>
+              <p:cNvPicPr/>
+              <p:nvPr/>
+            </p:nvPicPr>
+            <p:blipFill>
+              <a:blip r:embed="rId80"/>
+              <a:stretch>
+                <a:fillRect/>
+              </a:stretch>
+            </p:blipFill>
+            <p:spPr>
+              <a:xfrm>
+                <a:off x="3648326" y="2781956"/>
+                <a:ext cx="1535040" cy="390600"/>
+              </a:xfrm>
+              <a:prstGeom prst="rect">
+                <a:avLst/>
+              </a:prstGeom>
+            </p:spPr>
+          </p:pic>
+        </mc:Fallback>
+      </mc:AlternateContent>
+      <mc:AlternateContent xmlns:mc="http://schemas.openxmlformats.org/markup-compatibility/2006" xmlns:p14="http://schemas.microsoft.com/office/powerpoint/2010/main">
+        <mc:Choice Requires="p14">
+          <p:contentPart p14:bwMode="auto" r:id="rId81">
+            <p14:nvContentPartPr>
+              <p14:cNvPr id="76" name="Freihand 75">
+                <a:extLst>
+                  <a:ext uri="{FF2B5EF4-FFF2-40B4-BE49-F238E27FC236}">
+                    <a16:creationId xmlns:a16="http://schemas.microsoft.com/office/drawing/2014/main" id="{5FA333DE-7CDD-4EA9-A17A-BB6F6C315188}"/>
+                  </a:ext>
+                </a:extLst>
+              </p14:cNvPr>
+              <p14:cNvContentPartPr/>
+              <p14:nvPr/>
+            </p14:nvContentPartPr>
+            <p14:xfrm>
+              <a:off x="3654446" y="2474516"/>
+              <a:ext cx="1624680" cy="316080"/>
+            </p14:xfrm>
+          </p:contentPart>
+        </mc:Choice>
+        <mc:Fallback xmlns="">
+          <p:pic>
+            <p:nvPicPr>
+              <p:cNvPr id="76" name="Freihand 75">
+                <a:extLst>
+                  <a:ext uri="{FF2B5EF4-FFF2-40B4-BE49-F238E27FC236}">
+                    <a16:creationId xmlns:a16="http://schemas.microsoft.com/office/drawing/2014/main" id="{5FA333DE-7CDD-4EA9-A17A-BB6F6C315188}"/>
+                  </a:ext>
+                </a:extLst>
+              </p:cNvPr>
+              <p:cNvPicPr/>
+              <p:nvPr/>
+            </p:nvPicPr>
+            <p:blipFill>
+              <a:blip r:embed="rId82"/>
+              <a:stretch>
+                <a:fillRect/>
+              </a:stretch>
+            </p:blipFill>
+            <p:spPr>
+              <a:xfrm>
+                <a:off x="3636806" y="2438516"/>
+                <a:ext cx="1660320" cy="387720"/>
+              </a:xfrm>
+              <a:prstGeom prst="rect">
+                <a:avLst/>
+              </a:prstGeom>
+            </p:spPr>
+          </p:pic>
+        </mc:Fallback>
+      </mc:AlternateContent>
+      <mc:AlternateContent xmlns:mc="http://schemas.openxmlformats.org/markup-compatibility/2006" xmlns:p14="http://schemas.microsoft.com/office/powerpoint/2010/main">
+        <mc:Choice Requires="p14">
+          <p:contentPart p14:bwMode="auto" r:id="rId83">
+            <p14:nvContentPartPr>
+              <p14:cNvPr id="77" name="Freihand 76">
+                <a:extLst>
+                  <a:ext uri="{FF2B5EF4-FFF2-40B4-BE49-F238E27FC236}">
+                    <a16:creationId xmlns:a16="http://schemas.microsoft.com/office/drawing/2014/main" id="{81FBD102-57C0-4785-A660-69FD3D22B659}"/>
+                  </a:ext>
+                </a:extLst>
+              </p14:cNvPr>
+              <p14:cNvContentPartPr/>
+              <p14:nvPr/>
+            </p14:nvContentPartPr>
+            <p14:xfrm>
+              <a:off x="5131166" y="2396756"/>
+              <a:ext cx="127800" cy="92520"/>
+            </p14:xfrm>
+          </p:contentPart>
+        </mc:Choice>
+        <mc:Fallback xmlns="">
+          <p:pic>
+            <p:nvPicPr>
+              <p:cNvPr id="77" name="Freihand 76">
+                <a:extLst>
+                  <a:ext uri="{FF2B5EF4-FFF2-40B4-BE49-F238E27FC236}">
+                    <a16:creationId xmlns:a16="http://schemas.microsoft.com/office/drawing/2014/main" id="{81FBD102-57C0-4785-A660-69FD3D22B659}"/>
+                  </a:ext>
+                </a:extLst>
+              </p:cNvPr>
+              <p:cNvPicPr/>
+              <p:nvPr/>
+            </p:nvPicPr>
+            <p:blipFill>
+              <a:blip r:embed="rId84"/>
+              <a:stretch>
+                <a:fillRect/>
+              </a:stretch>
+            </p:blipFill>
+            <p:spPr>
+              <a:xfrm>
+                <a:off x="5113526" y="2360756"/>
+                <a:ext cx="163440" cy="164160"/>
+              </a:xfrm>
+              <a:prstGeom prst="rect">
+                <a:avLst/>
+              </a:prstGeom>
+            </p:spPr>
+          </p:pic>
+        </mc:Fallback>
+      </mc:AlternateContent>
+      <mc:AlternateContent xmlns:mc="http://schemas.openxmlformats.org/markup-compatibility/2006" xmlns:p14="http://schemas.microsoft.com/office/powerpoint/2010/main">
+        <mc:Choice Requires="p14">
+          <p:contentPart p14:bwMode="auto" r:id="rId85">
+            <p14:nvContentPartPr>
+              <p14:cNvPr id="78" name="Freihand 77">
+                <a:extLst>
+                  <a:ext uri="{FF2B5EF4-FFF2-40B4-BE49-F238E27FC236}">
+                    <a16:creationId xmlns:a16="http://schemas.microsoft.com/office/drawing/2014/main" id="{7E8AFBD2-1B05-4B8A-AEF2-389E8422DBC3}"/>
+                  </a:ext>
+                </a:extLst>
+              </p14:cNvPr>
+              <p14:cNvContentPartPr/>
+              <p14:nvPr/>
+            </p14:nvContentPartPr>
+            <p14:xfrm>
+              <a:off x="5135846" y="1963676"/>
+              <a:ext cx="110160" cy="100080"/>
+            </p14:xfrm>
+          </p:contentPart>
+        </mc:Choice>
+        <mc:Fallback xmlns="">
+          <p:pic>
+            <p:nvPicPr>
+              <p:cNvPr id="78" name="Freihand 77">
+                <a:extLst>
+                  <a:ext uri="{FF2B5EF4-FFF2-40B4-BE49-F238E27FC236}">
+                    <a16:creationId xmlns:a16="http://schemas.microsoft.com/office/drawing/2014/main" id="{7E8AFBD2-1B05-4B8A-AEF2-389E8422DBC3}"/>
+                  </a:ext>
+                </a:extLst>
+              </p:cNvPr>
+              <p:cNvPicPr/>
+              <p:nvPr/>
+            </p:nvPicPr>
+            <p:blipFill>
+              <a:blip r:embed="rId86"/>
+              <a:stretch>
+                <a:fillRect/>
+              </a:stretch>
+            </p:blipFill>
+            <p:spPr>
+              <a:xfrm>
+                <a:off x="5117846" y="1928036"/>
+                <a:ext cx="145800" cy="171720"/>
+              </a:xfrm>
+              <a:prstGeom prst="rect">
+                <a:avLst/>
+              </a:prstGeom>
+            </p:spPr>
+          </p:pic>
+        </mc:Fallback>
+      </mc:AlternateContent>
+      <mc:AlternateContent xmlns:mc="http://schemas.openxmlformats.org/markup-compatibility/2006" xmlns:p14="http://schemas.microsoft.com/office/powerpoint/2010/main">
+        <mc:Choice Requires="p14">
+          <p:contentPart p14:bwMode="auto" r:id="rId87">
+            <p14:nvContentPartPr>
+              <p14:cNvPr id="79" name="Freihand 78">
+                <a:extLst>
+                  <a:ext uri="{FF2B5EF4-FFF2-40B4-BE49-F238E27FC236}">
+                    <a16:creationId xmlns:a16="http://schemas.microsoft.com/office/drawing/2014/main" id="{8A164A35-8234-47C7-98DF-86FD787895D3}"/>
+                  </a:ext>
+                </a:extLst>
+              </p14:cNvPr>
+              <p14:cNvContentPartPr/>
+              <p14:nvPr/>
+            </p14:nvContentPartPr>
+            <p14:xfrm>
+              <a:off x="3600446" y="2719316"/>
+              <a:ext cx="148320" cy="124920"/>
+            </p14:xfrm>
+          </p:contentPart>
+        </mc:Choice>
+        <mc:Fallback xmlns="">
+          <p:pic>
+            <p:nvPicPr>
+              <p:cNvPr id="79" name="Freihand 78">
+                <a:extLst>
+                  <a:ext uri="{FF2B5EF4-FFF2-40B4-BE49-F238E27FC236}">
+                    <a16:creationId xmlns:a16="http://schemas.microsoft.com/office/drawing/2014/main" id="{8A164A35-8234-47C7-98DF-86FD787895D3}"/>
+                  </a:ext>
+                </a:extLst>
+              </p:cNvPr>
+              <p:cNvPicPr/>
+              <p:nvPr/>
+            </p:nvPicPr>
+            <p:blipFill>
+              <a:blip r:embed="rId88"/>
+              <a:stretch>
+                <a:fillRect/>
+              </a:stretch>
+            </p:blipFill>
+            <p:spPr>
+              <a:xfrm>
+                <a:off x="3582806" y="2683316"/>
+                <a:ext cx="183960" cy="196560"/>
+              </a:xfrm>
+              <a:prstGeom prst="rect">
+                <a:avLst/>
+              </a:prstGeom>
+            </p:spPr>
+          </p:pic>
+        </mc:Fallback>
+      </mc:AlternateContent>
+      <mc:AlternateContent xmlns:mc="http://schemas.openxmlformats.org/markup-compatibility/2006" xmlns:p14="http://schemas.microsoft.com/office/powerpoint/2010/main">
+        <mc:Choice Requires="p14">
+          <p:contentPart p14:bwMode="auto" r:id="rId89">
+            <p14:nvContentPartPr>
+              <p14:cNvPr id="80" name="Freihand 79">
+                <a:extLst>
+                  <a:ext uri="{FF2B5EF4-FFF2-40B4-BE49-F238E27FC236}">
+                    <a16:creationId xmlns:a16="http://schemas.microsoft.com/office/drawing/2014/main" id="{94227EF1-92A0-40E3-97D4-FDB82E1192CD}"/>
+                  </a:ext>
+                </a:extLst>
+              </p14:cNvPr>
+              <p14:cNvContentPartPr/>
+              <p14:nvPr/>
+            </p14:nvContentPartPr>
+            <p14:xfrm>
+              <a:off x="5020286" y="3086516"/>
+              <a:ext cx="172440" cy="131760"/>
+            </p14:xfrm>
+          </p:contentPart>
+        </mc:Choice>
+        <mc:Fallback xmlns="">
+          <p:pic>
+            <p:nvPicPr>
+              <p:cNvPr id="80" name="Freihand 79">
+                <a:extLst>
+                  <a:ext uri="{FF2B5EF4-FFF2-40B4-BE49-F238E27FC236}">
+                    <a16:creationId xmlns:a16="http://schemas.microsoft.com/office/drawing/2014/main" id="{94227EF1-92A0-40E3-97D4-FDB82E1192CD}"/>
+                  </a:ext>
+                </a:extLst>
+              </p:cNvPr>
+              <p:cNvPicPr/>
+              <p:nvPr/>
+            </p:nvPicPr>
+            <p:blipFill>
+              <a:blip r:embed="rId90"/>
+              <a:stretch>
+                <a:fillRect/>
+              </a:stretch>
+            </p:blipFill>
+            <p:spPr>
+              <a:xfrm>
+                <a:off x="5002286" y="3050516"/>
+                <a:ext cx="208080" cy="203400"/>
+              </a:xfrm>
+              <a:prstGeom prst="rect">
+                <a:avLst/>
+              </a:prstGeom>
+            </p:spPr>
+          </p:pic>
+        </mc:Fallback>
+      </mc:AlternateContent>
+      <mc:AlternateContent xmlns:mc="http://schemas.openxmlformats.org/markup-compatibility/2006" xmlns:p14="http://schemas.microsoft.com/office/powerpoint/2010/main">
+        <mc:Choice Requires="p14">
+          <p:contentPart p14:bwMode="auto" r:id="rId91">
+            <p14:nvContentPartPr>
+              <p14:cNvPr id="81" name="Freihand 80">
+                <a:extLst>
+                  <a:ext uri="{FF2B5EF4-FFF2-40B4-BE49-F238E27FC236}">
+                    <a16:creationId xmlns:a16="http://schemas.microsoft.com/office/drawing/2014/main" id="{1D025A75-1B87-41BA-ACC3-25E65AE0BEA1}"/>
+                  </a:ext>
+                </a:extLst>
+              </p14:cNvPr>
+              <p14:cNvContentPartPr/>
+              <p14:nvPr/>
+            </p14:nvContentPartPr>
+            <p14:xfrm>
+              <a:off x="3690446" y="3449756"/>
+              <a:ext cx="103320" cy="91800"/>
+            </p14:xfrm>
+          </p:contentPart>
+        </mc:Choice>
+        <mc:Fallback xmlns="">
+          <p:pic>
+            <p:nvPicPr>
+              <p:cNvPr id="81" name="Freihand 80">
+                <a:extLst>
+                  <a:ext uri="{FF2B5EF4-FFF2-40B4-BE49-F238E27FC236}">
+                    <a16:creationId xmlns:a16="http://schemas.microsoft.com/office/drawing/2014/main" id="{1D025A75-1B87-41BA-ACC3-25E65AE0BEA1}"/>
+                  </a:ext>
+                </a:extLst>
+              </p:cNvPr>
+              <p:cNvPicPr/>
+              <p:nvPr/>
+            </p:nvPicPr>
+            <p:blipFill>
+              <a:blip r:embed="rId92"/>
+              <a:stretch>
+                <a:fillRect/>
+              </a:stretch>
+            </p:blipFill>
+            <p:spPr>
+              <a:xfrm>
+                <a:off x="3672446" y="3414116"/>
+                <a:ext cx="138960" cy="163440"/>
+              </a:xfrm>
+              <a:prstGeom prst="rect">
+                <a:avLst/>
+              </a:prstGeom>
+            </p:spPr>
+          </p:pic>
+        </mc:Fallback>
+      </mc:AlternateContent>
+      <mc:AlternateContent xmlns:mc="http://schemas.openxmlformats.org/markup-compatibility/2006" xmlns:p14="http://schemas.microsoft.com/office/powerpoint/2010/main">
+        <mc:Choice Requires="p14">
+          <p:contentPart p14:bwMode="auto" r:id="rId93">
+            <p14:nvContentPartPr>
+              <p14:cNvPr id="82" name="Freihand 81">
+                <a:extLst>
+                  <a:ext uri="{FF2B5EF4-FFF2-40B4-BE49-F238E27FC236}">
+                    <a16:creationId xmlns:a16="http://schemas.microsoft.com/office/drawing/2014/main" id="{2D09E5E3-7BD9-42BB-83F6-A57F0E035BAF}"/>
+                  </a:ext>
+                </a:extLst>
+              </p14:cNvPr>
+              <p14:cNvContentPartPr/>
+              <p14:nvPr/>
+            </p14:nvContentPartPr>
+            <p14:xfrm>
+              <a:off x="3685406" y="3902276"/>
+              <a:ext cx="124200" cy="100800"/>
+            </p14:xfrm>
+          </p:contentPart>
+        </mc:Choice>
+        <mc:Fallback xmlns="">
+          <p:pic>
+            <p:nvPicPr>
+              <p:cNvPr id="82" name="Freihand 81">
+                <a:extLst>
+                  <a:ext uri="{FF2B5EF4-FFF2-40B4-BE49-F238E27FC236}">
+                    <a16:creationId xmlns:a16="http://schemas.microsoft.com/office/drawing/2014/main" id="{2D09E5E3-7BD9-42BB-83F6-A57F0E035BAF}"/>
+                  </a:ext>
+                </a:extLst>
+              </p:cNvPr>
+              <p:cNvPicPr/>
+              <p:nvPr/>
+            </p:nvPicPr>
+            <p:blipFill>
+              <a:blip r:embed="rId94"/>
+              <a:stretch>
+                <a:fillRect/>
+              </a:stretch>
+            </p:blipFill>
+            <p:spPr>
+              <a:xfrm>
+                <a:off x="3667766" y="3866276"/>
+                <a:ext cx="159840" cy="172440"/>
+              </a:xfrm>
+              <a:prstGeom prst="rect">
+                <a:avLst/>
+              </a:prstGeom>
+            </p:spPr>
+          </p:pic>
+        </mc:Fallback>
+      </mc:AlternateContent>
+      <mc:AlternateContent xmlns:mc="http://schemas.openxmlformats.org/markup-compatibility/2006" xmlns:p14="http://schemas.microsoft.com/office/powerpoint/2010/main">
+        <mc:Choice Requires="p14">
+          <p:contentPart p14:bwMode="auto" r:id="rId95">
+            <p14:nvContentPartPr>
+              <p14:cNvPr id="83" name="Freihand 82">
+                <a:extLst>
+                  <a:ext uri="{FF2B5EF4-FFF2-40B4-BE49-F238E27FC236}">
+                    <a16:creationId xmlns:a16="http://schemas.microsoft.com/office/drawing/2014/main" id="{D9CDD71C-8529-4D7F-BA1B-29AF96D6F31A}"/>
+                  </a:ext>
+                </a:extLst>
+              </p14:cNvPr>
+              <p14:cNvContentPartPr/>
+              <p14:nvPr/>
+            </p14:nvContentPartPr>
+            <p14:xfrm>
+              <a:off x="7915046" y="5347316"/>
+              <a:ext cx="138240" cy="154800"/>
+            </p14:xfrm>
+          </p:contentPart>
+        </mc:Choice>
+        <mc:Fallback xmlns="">
+          <p:pic>
+            <p:nvPicPr>
+              <p:cNvPr id="83" name="Freihand 82">
+                <a:extLst>
+                  <a:ext uri="{FF2B5EF4-FFF2-40B4-BE49-F238E27FC236}">
+                    <a16:creationId xmlns:a16="http://schemas.microsoft.com/office/drawing/2014/main" id="{D9CDD71C-8529-4D7F-BA1B-29AF96D6F31A}"/>
+                  </a:ext>
+                </a:extLst>
+              </p:cNvPr>
+              <p:cNvPicPr/>
+              <p:nvPr/>
+            </p:nvPicPr>
+            <p:blipFill>
+              <a:blip r:embed="rId96"/>
+              <a:stretch>
+                <a:fillRect/>
+              </a:stretch>
+            </p:blipFill>
+            <p:spPr>
+              <a:xfrm>
+                <a:off x="7897406" y="5311316"/>
+                <a:ext cx="173880" cy="226440"/>
+              </a:xfrm>
+              <a:prstGeom prst="rect">
+                <a:avLst/>
+              </a:prstGeom>
+            </p:spPr>
+          </p:pic>
+        </mc:Fallback>
+      </mc:AlternateContent>
+      <mc:AlternateContent xmlns:mc="http://schemas.openxmlformats.org/markup-compatibility/2006" xmlns:p14="http://schemas.microsoft.com/office/powerpoint/2010/main">
+        <mc:Choice Requires="p14">
+          <p:contentPart p14:bwMode="auto" r:id="rId97">
+            <p14:nvContentPartPr>
+              <p14:cNvPr id="84" name="Freihand 83">
+                <a:extLst>
+                  <a:ext uri="{FF2B5EF4-FFF2-40B4-BE49-F238E27FC236}">
+                    <a16:creationId xmlns:a16="http://schemas.microsoft.com/office/drawing/2014/main" id="{53F254E6-E6CE-483B-AFB0-B0F06F50D79C}"/>
+                  </a:ext>
+                </a:extLst>
+              </p14:cNvPr>
+              <p14:cNvContentPartPr/>
+              <p14:nvPr/>
+            </p14:nvContentPartPr>
+            <p14:xfrm>
+              <a:off x="5236286" y="5664836"/>
+              <a:ext cx="111960" cy="143640"/>
+            </p14:xfrm>
+          </p:contentPart>
+        </mc:Choice>
+        <mc:Fallback xmlns="">
+          <p:pic>
+            <p:nvPicPr>
+              <p:cNvPr id="84" name="Freihand 83">
+                <a:extLst>
+                  <a:ext uri="{FF2B5EF4-FFF2-40B4-BE49-F238E27FC236}">
+                    <a16:creationId xmlns:a16="http://schemas.microsoft.com/office/drawing/2014/main" id="{53F254E6-E6CE-483B-AFB0-B0F06F50D79C}"/>
+                  </a:ext>
+                </a:extLst>
+              </p:cNvPr>
+              <p:cNvPicPr/>
+              <p:nvPr/>
+            </p:nvPicPr>
+            <p:blipFill>
+              <a:blip r:embed="rId98"/>
+              <a:stretch>
+                <a:fillRect/>
+              </a:stretch>
+            </p:blipFill>
+            <p:spPr>
+              <a:xfrm>
+                <a:off x="5218646" y="5628836"/>
+                <a:ext cx="147600" cy="215280"/>
+              </a:xfrm>
+              <a:prstGeom prst="rect">
+                <a:avLst/>
+              </a:prstGeom>
+            </p:spPr>
+          </p:pic>
+        </mc:Fallback>
+      </mc:AlternateContent>
+      <mc:AlternateContent xmlns:mc="http://schemas.openxmlformats.org/markup-compatibility/2006" xmlns:p14="http://schemas.microsoft.com/office/powerpoint/2010/main">
+        <mc:Choice Requires="p14">
+          <p:contentPart p14:bwMode="auto" r:id="rId99">
+            <p14:nvContentPartPr>
+              <p14:cNvPr id="85" name="Freihand 84">
+                <a:extLst>
+                  <a:ext uri="{FF2B5EF4-FFF2-40B4-BE49-F238E27FC236}">
+                    <a16:creationId xmlns:a16="http://schemas.microsoft.com/office/drawing/2014/main" id="{CC515E53-9B94-435A-A910-E3D67C84EC4E}"/>
+                  </a:ext>
+                </a:extLst>
+              </p14:cNvPr>
+              <p14:cNvContentPartPr/>
+              <p14:nvPr/>
+            </p14:nvContentPartPr>
+            <p14:xfrm>
+              <a:off x="3602246" y="6095396"/>
+              <a:ext cx="116640" cy="132120"/>
+            </p14:xfrm>
+          </p:contentPart>
+        </mc:Choice>
+        <mc:Fallback xmlns="">
+          <p:pic>
+            <p:nvPicPr>
+              <p:cNvPr id="85" name="Freihand 84">
+                <a:extLst>
+                  <a:ext uri="{FF2B5EF4-FFF2-40B4-BE49-F238E27FC236}">
+                    <a16:creationId xmlns:a16="http://schemas.microsoft.com/office/drawing/2014/main" id="{CC515E53-9B94-435A-A910-E3D67C84EC4E}"/>
+                  </a:ext>
+                </a:extLst>
+              </p:cNvPr>
+              <p:cNvPicPr/>
+              <p:nvPr/>
+            </p:nvPicPr>
+            <p:blipFill>
+              <a:blip r:embed="rId100"/>
+              <a:stretch>
+                <a:fillRect/>
+              </a:stretch>
+            </p:blipFill>
+            <p:spPr>
+              <a:xfrm>
+                <a:off x="3584606" y="6059396"/>
+                <a:ext cx="152280" cy="203760"/>
+              </a:xfrm>
+              <a:prstGeom prst="rect">
+                <a:avLst/>
+              </a:prstGeom>
+            </p:spPr>
+          </p:pic>
+        </mc:Fallback>
+      </mc:AlternateContent>
+      <mc:AlternateContent xmlns:mc="http://schemas.openxmlformats.org/markup-compatibility/2006" xmlns:p14="http://schemas.microsoft.com/office/powerpoint/2010/main">
+        <mc:Choice Requires="p14">
+          <p:contentPart p14:bwMode="auto" r:id="rId101">
+            <p14:nvContentPartPr>
+              <p14:cNvPr id="86" name="Freihand 85">
+                <a:extLst>
+                  <a:ext uri="{FF2B5EF4-FFF2-40B4-BE49-F238E27FC236}">
+                    <a16:creationId xmlns:a16="http://schemas.microsoft.com/office/drawing/2014/main" id="{03E9CB9E-2DD9-43EE-956C-01192F9BF788}"/>
+                  </a:ext>
+                </a:extLst>
+              </p14:cNvPr>
+              <p14:cNvContentPartPr/>
+              <p14:nvPr/>
+            </p14:nvContentPartPr>
+            <p14:xfrm>
+              <a:off x="5636966" y="2032796"/>
+              <a:ext cx="360" cy="1511280"/>
+            </p14:xfrm>
+          </p:contentPart>
+        </mc:Choice>
+        <mc:Fallback xmlns="">
+          <p:pic>
+            <p:nvPicPr>
+              <p:cNvPr id="86" name="Freihand 85">
+                <a:extLst>
+                  <a:ext uri="{FF2B5EF4-FFF2-40B4-BE49-F238E27FC236}">
+                    <a16:creationId xmlns:a16="http://schemas.microsoft.com/office/drawing/2014/main" id="{03E9CB9E-2DD9-43EE-956C-01192F9BF788}"/>
+                  </a:ext>
+                </a:extLst>
+              </p:cNvPr>
+              <p:cNvPicPr/>
+              <p:nvPr/>
+            </p:nvPicPr>
+            <p:blipFill>
+              <a:blip r:embed="rId102"/>
+              <a:stretch>
+                <a:fillRect/>
+              </a:stretch>
+            </p:blipFill>
+            <p:spPr>
+              <a:xfrm>
+                <a:off x="5619326" y="1996796"/>
+                <a:ext cx="36000" cy="1582920"/>
+              </a:xfrm>
+              <a:prstGeom prst="rect">
+                <a:avLst/>
+              </a:prstGeom>
+            </p:spPr>
+          </p:pic>
+        </mc:Fallback>
+      </mc:AlternateContent>
+      <mc:AlternateContent xmlns:mc="http://schemas.openxmlformats.org/markup-compatibility/2006" xmlns:p14="http://schemas.microsoft.com/office/powerpoint/2010/main">
+        <mc:Choice Requires="p14">
+          <p:contentPart p14:bwMode="auto" r:id="rId103">
+            <p14:nvContentPartPr>
+              <p14:cNvPr id="87" name="Freihand 86">
+                <a:extLst>
+                  <a:ext uri="{FF2B5EF4-FFF2-40B4-BE49-F238E27FC236}">
+                    <a16:creationId xmlns:a16="http://schemas.microsoft.com/office/drawing/2014/main" id="{FAAF4F03-5B23-4094-916E-7F8B3AC8DC53}"/>
+                  </a:ext>
+                </a:extLst>
+              </p14:cNvPr>
+              <p14:cNvContentPartPr/>
+              <p14:nvPr/>
+            </p14:nvContentPartPr>
+            <p14:xfrm>
+              <a:off x="4277769" y="3862468"/>
+              <a:ext cx="360" cy="436680"/>
+            </p14:xfrm>
+          </p:contentPart>
+        </mc:Choice>
+        <mc:Fallback xmlns="">
+          <p:pic>
+            <p:nvPicPr>
+              <p:cNvPr id="87" name="Freihand 86">
+                <a:extLst>
+                  <a:ext uri="{FF2B5EF4-FFF2-40B4-BE49-F238E27FC236}">
+                    <a16:creationId xmlns:a16="http://schemas.microsoft.com/office/drawing/2014/main" id="{FAAF4F03-5B23-4094-916E-7F8B3AC8DC53}"/>
+                  </a:ext>
+                </a:extLst>
+              </p:cNvPr>
+              <p:cNvPicPr/>
+              <p:nvPr/>
+            </p:nvPicPr>
+            <p:blipFill>
+              <a:blip r:embed="rId104"/>
+              <a:stretch>
+                <a:fillRect/>
+              </a:stretch>
+            </p:blipFill>
+            <p:spPr>
+              <a:xfrm>
+                <a:off x="4259769" y="3826468"/>
+                <a:ext cx="36000" cy="508320"/>
+              </a:xfrm>
+              <a:prstGeom prst="rect">
+                <a:avLst/>
+              </a:prstGeom>
+            </p:spPr>
+          </p:pic>
+        </mc:Fallback>
+      </mc:AlternateContent>
+      <mc:AlternateContent xmlns:mc="http://schemas.openxmlformats.org/markup-compatibility/2006" xmlns:p14="http://schemas.microsoft.com/office/powerpoint/2010/main">
+        <mc:Choice Requires="p14">
+          <p:contentPart p14:bwMode="auto" r:id="rId105">
+            <p14:nvContentPartPr>
+              <p14:cNvPr id="88" name="Freihand 87">
+                <a:extLst>
+                  <a:ext uri="{FF2B5EF4-FFF2-40B4-BE49-F238E27FC236}">
+                    <a16:creationId xmlns:a16="http://schemas.microsoft.com/office/drawing/2014/main" id="{B8837615-830F-4EBC-92AB-A9A5ACF15278}"/>
+                  </a:ext>
+                </a:extLst>
+              </p14:cNvPr>
+              <p14:cNvContentPartPr/>
+              <p14:nvPr/>
+            </p14:nvContentPartPr>
+            <p14:xfrm>
+              <a:off x="4270209" y="4278988"/>
+              <a:ext cx="1101600" cy="358200"/>
+            </p14:xfrm>
+          </p:contentPart>
+        </mc:Choice>
+        <mc:Fallback xmlns="">
+          <p:pic>
+            <p:nvPicPr>
+              <p:cNvPr id="88" name="Freihand 87">
+                <a:extLst>
+                  <a:ext uri="{FF2B5EF4-FFF2-40B4-BE49-F238E27FC236}">
+                    <a16:creationId xmlns:a16="http://schemas.microsoft.com/office/drawing/2014/main" id="{B8837615-830F-4EBC-92AB-A9A5ACF15278}"/>
+                  </a:ext>
+                </a:extLst>
+              </p:cNvPr>
+              <p:cNvPicPr/>
+              <p:nvPr/>
+            </p:nvPicPr>
+            <p:blipFill>
+              <a:blip r:embed="rId106"/>
+              <a:stretch>
+                <a:fillRect/>
+              </a:stretch>
+            </p:blipFill>
+            <p:spPr>
+              <a:xfrm>
+                <a:off x="4252569" y="4243348"/>
+                <a:ext cx="1137240" cy="429840"/>
+              </a:xfrm>
+              <a:prstGeom prst="rect">
+                <a:avLst/>
+              </a:prstGeom>
+            </p:spPr>
+          </p:pic>
+        </mc:Fallback>
+      </mc:AlternateContent>
+      <mc:AlternateContent xmlns:mc="http://schemas.openxmlformats.org/markup-compatibility/2006" xmlns:p14="http://schemas.microsoft.com/office/powerpoint/2010/main">
+        <mc:Choice Requires="p14">
+          <p:contentPart p14:bwMode="auto" r:id="rId107">
+            <p14:nvContentPartPr>
+              <p14:cNvPr id="75" name="Freihand 74">
+                <a:extLst>
+                  <a:ext uri="{FF2B5EF4-FFF2-40B4-BE49-F238E27FC236}">
+                    <a16:creationId xmlns:a16="http://schemas.microsoft.com/office/drawing/2014/main" id="{E1508B0D-EAFA-46F4-BE40-BD8873F5D56E}"/>
+                  </a:ext>
+                </a:extLst>
+              </p14:cNvPr>
+              <p14:cNvContentPartPr/>
+              <p14:nvPr/>
+            </p14:nvContentPartPr>
+            <p14:xfrm>
+              <a:off x="4276329" y="3558268"/>
+              <a:ext cx="1392840" cy="296280"/>
+            </p14:xfrm>
+          </p:contentPart>
+        </mc:Choice>
+        <mc:Fallback xmlns="">
+          <p:pic>
+            <p:nvPicPr>
+              <p:cNvPr id="75" name="Freihand 74">
+                <a:extLst>
+                  <a:ext uri="{FF2B5EF4-FFF2-40B4-BE49-F238E27FC236}">
+                    <a16:creationId xmlns:a16="http://schemas.microsoft.com/office/drawing/2014/main" id="{E1508B0D-EAFA-46F4-BE40-BD8873F5D56E}"/>
+                  </a:ext>
+                </a:extLst>
+              </p:cNvPr>
+              <p:cNvPicPr/>
+              <p:nvPr/>
+            </p:nvPicPr>
+            <p:blipFill>
+              <a:blip r:embed="rId108"/>
+              <a:stretch>
+                <a:fillRect/>
+              </a:stretch>
+            </p:blipFill>
+            <p:spPr>
+              <a:xfrm>
+                <a:off x="4258689" y="3522268"/>
+                <a:ext cx="1428480" cy="367920"/>
+              </a:xfrm>
+              <a:prstGeom prst="rect">
+                <a:avLst/>
+              </a:prstGeom>
+            </p:spPr>
+          </p:pic>
+        </mc:Fallback>
+      </mc:AlternateContent>
+      <mc:AlternateContent xmlns:mc="http://schemas.openxmlformats.org/markup-compatibility/2006" xmlns:p14="http://schemas.microsoft.com/office/powerpoint/2010/main">
+        <mc:Choice Requires="p14">
+          <p:contentPart p14:bwMode="auto" r:id="rId109">
+            <p14:nvContentPartPr>
+              <p14:cNvPr id="89" name="Freihand 88">
+                <a:extLst>
+                  <a:ext uri="{FF2B5EF4-FFF2-40B4-BE49-F238E27FC236}">
+                    <a16:creationId xmlns:a16="http://schemas.microsoft.com/office/drawing/2014/main" id="{E24BA019-FDE7-4FDD-803D-71C2F08C7392}"/>
+                  </a:ext>
+                </a:extLst>
+              </p14:cNvPr>
+              <p14:cNvContentPartPr/>
+              <p14:nvPr/>
+            </p14:nvContentPartPr>
+            <p14:xfrm>
+              <a:off x="4402329" y="5056948"/>
+              <a:ext cx="360" cy="1046880"/>
+            </p14:xfrm>
+          </p:contentPart>
+        </mc:Choice>
+        <mc:Fallback xmlns="">
+          <p:pic>
+            <p:nvPicPr>
+              <p:cNvPr id="89" name="Freihand 88">
+                <a:extLst>
+                  <a:ext uri="{FF2B5EF4-FFF2-40B4-BE49-F238E27FC236}">
+                    <a16:creationId xmlns:a16="http://schemas.microsoft.com/office/drawing/2014/main" id="{E24BA019-FDE7-4FDD-803D-71C2F08C7392}"/>
+                  </a:ext>
+                </a:extLst>
+              </p:cNvPr>
+              <p:cNvPicPr/>
+              <p:nvPr/>
+            </p:nvPicPr>
+            <p:blipFill>
+              <a:blip r:embed="rId110"/>
+              <a:stretch>
+                <a:fillRect/>
+              </a:stretch>
+            </p:blipFill>
+            <p:spPr>
+              <a:xfrm>
+                <a:off x="4384329" y="5020948"/>
+                <a:ext cx="36000" cy="1118520"/>
+              </a:xfrm>
+              <a:prstGeom prst="rect">
+                <a:avLst/>
+              </a:prstGeom>
+            </p:spPr>
+          </p:pic>
+        </mc:Fallback>
+      </mc:AlternateContent>
+      <mc:AlternateContent xmlns:mc="http://schemas.openxmlformats.org/markup-compatibility/2006" xmlns:p14="http://schemas.microsoft.com/office/powerpoint/2010/main">
+        <mc:Choice Requires="p14">
+          <p:contentPart p14:bwMode="auto" r:id="rId111">
+            <p14:nvContentPartPr>
+              <p14:cNvPr id="90" name="Freihand 89">
+                <a:extLst>
+                  <a:ext uri="{FF2B5EF4-FFF2-40B4-BE49-F238E27FC236}">
+                    <a16:creationId xmlns:a16="http://schemas.microsoft.com/office/drawing/2014/main" id="{0861BEAE-4D1B-4933-913D-48631CEAB38A}"/>
+                  </a:ext>
+                </a:extLst>
+              </p14:cNvPr>
+              <p14:cNvContentPartPr/>
+              <p14:nvPr/>
+            </p14:nvContentPartPr>
+            <p14:xfrm>
+              <a:off x="4437609" y="4672108"/>
+              <a:ext cx="929880" cy="375840"/>
+            </p14:xfrm>
+          </p:contentPart>
+        </mc:Choice>
+        <mc:Fallback xmlns="">
+          <p:pic>
+            <p:nvPicPr>
+              <p:cNvPr id="90" name="Freihand 89">
+                <a:extLst>
+                  <a:ext uri="{FF2B5EF4-FFF2-40B4-BE49-F238E27FC236}">
+                    <a16:creationId xmlns:a16="http://schemas.microsoft.com/office/drawing/2014/main" id="{0861BEAE-4D1B-4933-913D-48631CEAB38A}"/>
+                  </a:ext>
+                </a:extLst>
+              </p:cNvPr>
+              <p:cNvPicPr/>
+              <p:nvPr/>
+            </p:nvPicPr>
+            <p:blipFill>
+              <a:blip r:embed="rId112"/>
+              <a:stretch>
+                <a:fillRect/>
+              </a:stretch>
+            </p:blipFill>
+            <p:spPr>
+              <a:xfrm>
+                <a:off x="4419609" y="4636108"/>
+                <a:ext cx="965520" cy="447480"/>
+              </a:xfrm>
+              <a:prstGeom prst="rect">
+                <a:avLst/>
+              </a:prstGeom>
+            </p:spPr>
+          </p:pic>
+        </mc:Fallback>
+      </mc:AlternateContent>
+      <mc:AlternateContent xmlns:mc="http://schemas.openxmlformats.org/markup-compatibility/2006" xmlns:p14="http://schemas.microsoft.com/office/powerpoint/2010/main">
+        <mc:Choice Requires="p14">
+          <p:contentPart p14:bwMode="auto" r:id="rId113">
+            <p14:nvContentPartPr>
+              <p14:cNvPr id="91" name="Freihand 90">
+                <a:extLst>
+                  <a:ext uri="{FF2B5EF4-FFF2-40B4-BE49-F238E27FC236}">
+                    <a16:creationId xmlns:a16="http://schemas.microsoft.com/office/drawing/2014/main" id="{E9C92909-32B7-4209-B912-CE3448BBA6C6}"/>
+                  </a:ext>
+                </a:extLst>
+              </p14:cNvPr>
+              <p14:cNvContentPartPr/>
+              <p14:nvPr/>
+            </p14:nvContentPartPr>
+            <p14:xfrm>
+              <a:off x="4291089" y="6135508"/>
+              <a:ext cx="148680" cy="97560"/>
+            </p14:xfrm>
+          </p:contentPart>
+        </mc:Choice>
+        <mc:Fallback xmlns="">
+          <p:pic>
+            <p:nvPicPr>
+              <p:cNvPr id="91" name="Freihand 90">
+                <a:extLst>
+                  <a:ext uri="{FF2B5EF4-FFF2-40B4-BE49-F238E27FC236}">
+                    <a16:creationId xmlns:a16="http://schemas.microsoft.com/office/drawing/2014/main" id="{E9C92909-32B7-4209-B912-CE3448BBA6C6}"/>
+                  </a:ext>
+                </a:extLst>
+              </p:cNvPr>
+              <p:cNvPicPr/>
+              <p:nvPr/>
+            </p:nvPicPr>
+            <p:blipFill>
+              <a:blip r:embed="rId114"/>
+              <a:stretch>
+                <a:fillRect/>
+              </a:stretch>
+            </p:blipFill>
+            <p:spPr>
+              <a:xfrm>
+                <a:off x="4273449" y="6099508"/>
+                <a:ext cx="184320" cy="169200"/>
+              </a:xfrm>
+              <a:prstGeom prst="rect">
+                <a:avLst/>
+              </a:prstGeom>
+            </p:spPr>
+          </p:pic>
+        </mc:Fallback>
+      </mc:AlternateContent>
+      <mc:AlternateContent xmlns:mc="http://schemas.openxmlformats.org/markup-compatibility/2006" xmlns:p14="http://schemas.microsoft.com/office/powerpoint/2010/main">
+        <mc:Choice Requires="p14">
+          <p:contentPart p14:bwMode="auto" r:id="rId115">
+            <p14:nvContentPartPr>
+              <p14:cNvPr id="92" name="Freihand 91">
+                <a:extLst>
+                  <a:ext uri="{FF2B5EF4-FFF2-40B4-BE49-F238E27FC236}">
+                    <a16:creationId xmlns:a16="http://schemas.microsoft.com/office/drawing/2014/main" id="{85B908D5-E412-44E4-8FB2-805ED081DCA9}"/>
+                  </a:ext>
+                </a:extLst>
+              </p14:cNvPr>
+              <p14:cNvContentPartPr/>
+              <p14:nvPr/>
+            </p14:nvContentPartPr>
+            <p14:xfrm>
+              <a:off x="4331769" y="5706028"/>
+              <a:ext cx="119520" cy="109440"/>
+            </p14:xfrm>
+          </p:contentPart>
+        </mc:Choice>
+        <mc:Fallback xmlns="">
+          <p:pic>
+            <p:nvPicPr>
+              <p:cNvPr id="92" name="Freihand 91">
+                <a:extLst>
+                  <a:ext uri="{FF2B5EF4-FFF2-40B4-BE49-F238E27FC236}">
+                    <a16:creationId xmlns:a16="http://schemas.microsoft.com/office/drawing/2014/main" id="{85B908D5-E412-44E4-8FB2-805ED081DCA9}"/>
+                  </a:ext>
+                </a:extLst>
+              </p:cNvPr>
+              <p:cNvPicPr/>
+              <p:nvPr/>
+            </p:nvPicPr>
+            <p:blipFill>
+              <a:blip r:embed="rId116"/>
+              <a:stretch>
+                <a:fillRect/>
+              </a:stretch>
+            </p:blipFill>
+            <p:spPr>
+              <a:xfrm>
+                <a:off x="4314129" y="5670388"/>
+                <a:ext cx="155160" cy="181080"/>
+              </a:xfrm>
+              <a:prstGeom prst="rect">
+                <a:avLst/>
+              </a:prstGeom>
+            </p:spPr>
+          </p:pic>
+        </mc:Fallback>
+      </mc:AlternateContent>
+      <mc:AlternateContent xmlns:mc="http://schemas.openxmlformats.org/markup-compatibility/2006" xmlns:p14="http://schemas.microsoft.com/office/powerpoint/2010/main">
+        <mc:Choice Requires="p14">
+          <p:contentPart p14:bwMode="auto" r:id="rId117">
+            <p14:nvContentPartPr>
+              <p14:cNvPr id="93" name="Freihand 92">
+                <a:extLst>
+                  <a:ext uri="{FF2B5EF4-FFF2-40B4-BE49-F238E27FC236}">
+                    <a16:creationId xmlns:a16="http://schemas.microsoft.com/office/drawing/2014/main" id="{9612A4A5-1140-484E-A7BC-C2E644AFA292}"/>
+                  </a:ext>
+                </a:extLst>
+              </p14:cNvPr>
+              <p14:cNvContentPartPr/>
+              <p14:nvPr/>
+            </p14:nvContentPartPr>
+            <p14:xfrm>
+              <a:off x="4345449" y="5353228"/>
+              <a:ext cx="116640" cy="91080"/>
+            </p14:xfrm>
+          </p:contentPart>
+        </mc:Choice>
+        <mc:Fallback xmlns="">
+          <p:pic>
+            <p:nvPicPr>
+              <p:cNvPr id="93" name="Freihand 92">
+                <a:extLst>
+                  <a:ext uri="{FF2B5EF4-FFF2-40B4-BE49-F238E27FC236}">
+                    <a16:creationId xmlns:a16="http://schemas.microsoft.com/office/drawing/2014/main" id="{9612A4A5-1140-484E-A7BC-C2E644AFA292}"/>
+                  </a:ext>
+                </a:extLst>
+              </p:cNvPr>
+              <p:cNvPicPr/>
+              <p:nvPr/>
+            </p:nvPicPr>
+            <p:blipFill>
+              <a:blip r:embed="rId118"/>
+              <a:stretch>
+                <a:fillRect/>
+              </a:stretch>
+            </p:blipFill>
+            <p:spPr>
+              <a:xfrm>
+                <a:off x="4327809" y="5317588"/>
+                <a:ext cx="152280" cy="162720"/>
+              </a:xfrm>
+              <a:prstGeom prst="rect">
+                <a:avLst/>
+              </a:prstGeom>
+            </p:spPr>
+          </p:pic>
+        </mc:Fallback>
+      </mc:AlternateContent>
+      <mc:AlternateContent xmlns:mc="http://schemas.openxmlformats.org/markup-compatibility/2006" xmlns:p14="http://schemas.microsoft.com/office/powerpoint/2010/main">
+        <mc:Choice Requires="p14">
+          <p:contentPart p14:bwMode="auto" r:id="rId119">
+            <p14:nvContentPartPr>
+              <p14:cNvPr id="94" name="Freihand 93">
+                <a:extLst>
+                  <a:ext uri="{FF2B5EF4-FFF2-40B4-BE49-F238E27FC236}">
+                    <a16:creationId xmlns:a16="http://schemas.microsoft.com/office/drawing/2014/main" id="{F7C41883-B4CA-48D3-AC42-8D0D94E7636A}"/>
+                  </a:ext>
+                </a:extLst>
+              </p14:cNvPr>
+              <p14:cNvContentPartPr/>
+              <p14:nvPr/>
+            </p14:nvContentPartPr>
+            <p14:xfrm>
+              <a:off x="4356969" y="4977388"/>
+              <a:ext cx="115200" cy="90360"/>
+            </p14:xfrm>
+          </p:contentPart>
+        </mc:Choice>
+        <mc:Fallback xmlns="">
+          <p:pic>
+            <p:nvPicPr>
+              <p:cNvPr id="94" name="Freihand 93">
+                <a:extLst>
+                  <a:ext uri="{FF2B5EF4-FFF2-40B4-BE49-F238E27FC236}">
+                    <a16:creationId xmlns:a16="http://schemas.microsoft.com/office/drawing/2014/main" id="{F7C41883-B4CA-48D3-AC42-8D0D94E7636A}"/>
+                  </a:ext>
+                </a:extLst>
+              </p:cNvPr>
+              <p:cNvPicPr/>
+              <p:nvPr/>
+            </p:nvPicPr>
+            <p:blipFill>
+              <a:blip r:embed="rId120"/>
+              <a:stretch>
+                <a:fillRect/>
+              </a:stretch>
+            </p:blipFill>
+            <p:spPr>
+              <a:xfrm>
+                <a:off x="4339329" y="4941748"/>
+                <a:ext cx="150840" cy="162000"/>
+              </a:xfrm>
+              <a:prstGeom prst="rect">
+                <a:avLst/>
+              </a:prstGeom>
+            </p:spPr>
+          </p:pic>
+        </mc:Fallback>
+      </mc:AlternateContent>
+      <mc:AlternateContent xmlns:mc="http://schemas.openxmlformats.org/markup-compatibility/2006" xmlns:p14="http://schemas.microsoft.com/office/powerpoint/2010/main">
+        <mc:Choice Requires="p14">
+          <p:contentPart p14:bwMode="auto" r:id="rId121">
+            <p14:nvContentPartPr>
+              <p14:cNvPr id="95" name="Freihand 94">
+                <a:extLst>
+                  <a:ext uri="{FF2B5EF4-FFF2-40B4-BE49-F238E27FC236}">
+                    <a16:creationId xmlns:a16="http://schemas.microsoft.com/office/drawing/2014/main" id="{F98D78A9-29F2-4BF0-9EAF-7D79CDC1C912}"/>
+                  </a:ext>
+                </a:extLst>
+              </p14:cNvPr>
+              <p14:cNvContentPartPr/>
+              <p14:nvPr/>
+            </p14:nvContentPartPr>
+            <p14:xfrm>
+              <a:off x="5330049" y="4612348"/>
+              <a:ext cx="107280" cy="105480"/>
+            </p14:xfrm>
+          </p:contentPart>
+        </mc:Choice>
+        <mc:Fallback xmlns="">
+          <p:pic>
+            <p:nvPicPr>
+              <p:cNvPr id="95" name="Freihand 94">
+                <a:extLst>
+                  <a:ext uri="{FF2B5EF4-FFF2-40B4-BE49-F238E27FC236}">
+                    <a16:creationId xmlns:a16="http://schemas.microsoft.com/office/drawing/2014/main" id="{F98D78A9-29F2-4BF0-9EAF-7D79CDC1C912}"/>
+                  </a:ext>
+                </a:extLst>
+              </p:cNvPr>
+              <p:cNvPicPr/>
+              <p:nvPr/>
+            </p:nvPicPr>
+            <p:blipFill>
+              <a:blip r:embed="rId122"/>
+              <a:stretch>
+                <a:fillRect/>
+              </a:stretch>
+            </p:blipFill>
+            <p:spPr>
+              <a:xfrm>
+                <a:off x="5312409" y="4576348"/>
+                <a:ext cx="142920" cy="177120"/>
+              </a:xfrm>
+              <a:prstGeom prst="rect">
+                <a:avLst/>
+              </a:prstGeom>
+            </p:spPr>
+          </p:pic>
+        </mc:Fallback>
+      </mc:AlternateContent>
+      <mc:AlternateContent xmlns:mc="http://schemas.openxmlformats.org/markup-compatibility/2006" xmlns:p14="http://schemas.microsoft.com/office/powerpoint/2010/main">
+        <mc:Choice Requires="p14">
+          <p:contentPart p14:bwMode="auto" r:id="rId123">
+            <p14:nvContentPartPr>
+              <p14:cNvPr id="96" name="Freihand 95">
+                <a:extLst>
+                  <a:ext uri="{FF2B5EF4-FFF2-40B4-BE49-F238E27FC236}">
+                    <a16:creationId xmlns:a16="http://schemas.microsoft.com/office/drawing/2014/main" id="{9E4F5BC3-B116-4E8B-A722-CC4AD680D23B}"/>
+                  </a:ext>
+                </a:extLst>
+              </p14:cNvPr>
+              <p14:cNvContentPartPr/>
+              <p14:nvPr/>
+            </p14:nvContentPartPr>
+            <p14:xfrm>
+              <a:off x="4214049" y="4221748"/>
+              <a:ext cx="79920" cy="103320"/>
+            </p14:xfrm>
+          </p:contentPart>
+        </mc:Choice>
+        <mc:Fallback xmlns="">
+          <p:pic>
+            <p:nvPicPr>
+              <p:cNvPr id="96" name="Freihand 95">
+                <a:extLst>
+                  <a:ext uri="{FF2B5EF4-FFF2-40B4-BE49-F238E27FC236}">
+                    <a16:creationId xmlns:a16="http://schemas.microsoft.com/office/drawing/2014/main" id="{9E4F5BC3-B116-4E8B-A722-CC4AD680D23B}"/>
+                  </a:ext>
+                </a:extLst>
+              </p:cNvPr>
+              <p:cNvPicPr/>
+              <p:nvPr/>
+            </p:nvPicPr>
+            <p:blipFill>
+              <a:blip r:embed="rId124"/>
+              <a:stretch>
+                <a:fillRect/>
+              </a:stretch>
+            </p:blipFill>
+            <p:spPr>
+              <a:xfrm>
+                <a:off x="4196049" y="4185748"/>
+                <a:ext cx="115560" cy="174960"/>
+              </a:xfrm>
+              <a:prstGeom prst="rect">
+                <a:avLst/>
+              </a:prstGeom>
+            </p:spPr>
+          </p:pic>
+        </mc:Fallback>
+      </mc:AlternateContent>
+      <mc:AlternateContent xmlns:mc="http://schemas.openxmlformats.org/markup-compatibility/2006" xmlns:p14="http://schemas.microsoft.com/office/powerpoint/2010/main">
+        <mc:Choice Requires="p14">
+          <p:contentPart p14:bwMode="auto" r:id="rId125">
+            <p14:nvContentPartPr>
+              <p14:cNvPr id="97" name="Freihand 96">
+                <a:extLst>
+                  <a:ext uri="{FF2B5EF4-FFF2-40B4-BE49-F238E27FC236}">
+                    <a16:creationId xmlns:a16="http://schemas.microsoft.com/office/drawing/2014/main" id="{5F8BDD08-F4C9-4377-98CC-EBB4D908297F}"/>
+                  </a:ext>
+                </a:extLst>
+              </p14:cNvPr>
+              <p14:cNvContentPartPr/>
+              <p14:nvPr/>
+            </p14:nvContentPartPr>
+            <p14:xfrm>
+              <a:off x="4245369" y="3818908"/>
+              <a:ext cx="91080" cy="113400"/>
+            </p14:xfrm>
+          </p:contentPart>
+        </mc:Choice>
+        <mc:Fallback xmlns="">
+          <p:pic>
+            <p:nvPicPr>
+              <p:cNvPr id="97" name="Freihand 96">
+                <a:extLst>
+                  <a:ext uri="{FF2B5EF4-FFF2-40B4-BE49-F238E27FC236}">
+                    <a16:creationId xmlns:a16="http://schemas.microsoft.com/office/drawing/2014/main" id="{5F8BDD08-F4C9-4377-98CC-EBB4D908297F}"/>
+                  </a:ext>
+                </a:extLst>
+              </p:cNvPr>
+              <p:cNvPicPr/>
+              <p:nvPr/>
+            </p:nvPicPr>
+            <p:blipFill>
+              <a:blip r:embed="rId126"/>
+              <a:stretch>
+                <a:fillRect/>
+              </a:stretch>
+            </p:blipFill>
+            <p:spPr>
+              <a:xfrm>
+                <a:off x="4227369" y="3782908"/>
+                <a:ext cx="126720" cy="185040"/>
+              </a:xfrm>
+              <a:prstGeom prst="rect">
+                <a:avLst/>
+              </a:prstGeom>
+            </p:spPr>
+          </p:pic>
+        </mc:Fallback>
+      </mc:AlternateContent>
+      <mc:AlternateContent xmlns:mc="http://schemas.openxmlformats.org/markup-compatibility/2006" xmlns:p14="http://schemas.microsoft.com/office/powerpoint/2010/main">
+        <mc:Choice Requires="p14">
+          <p:contentPart p14:bwMode="auto" r:id="rId127">
+            <p14:nvContentPartPr>
+              <p14:cNvPr id="98" name="Freihand 97">
+                <a:extLst>
+                  <a:ext uri="{FF2B5EF4-FFF2-40B4-BE49-F238E27FC236}">
+                    <a16:creationId xmlns:a16="http://schemas.microsoft.com/office/drawing/2014/main" id="{5618D4F7-8300-4100-8E93-BD6A257A43FD}"/>
+                  </a:ext>
+                </a:extLst>
+              </p14:cNvPr>
+              <p14:cNvContentPartPr/>
+              <p14:nvPr/>
+            </p14:nvContentPartPr>
+            <p14:xfrm>
+              <a:off x="5598249" y="3485908"/>
+              <a:ext cx="108360" cy="121320"/>
+            </p14:xfrm>
+          </p:contentPart>
+        </mc:Choice>
+        <mc:Fallback xmlns="">
+          <p:pic>
+            <p:nvPicPr>
+              <p:cNvPr id="98" name="Freihand 97">
+                <a:extLst>
+                  <a:ext uri="{FF2B5EF4-FFF2-40B4-BE49-F238E27FC236}">
+                    <a16:creationId xmlns:a16="http://schemas.microsoft.com/office/drawing/2014/main" id="{5618D4F7-8300-4100-8E93-BD6A257A43FD}"/>
+                  </a:ext>
+                </a:extLst>
+              </p:cNvPr>
+              <p:cNvPicPr/>
+              <p:nvPr/>
+            </p:nvPicPr>
+            <p:blipFill>
+              <a:blip r:embed="rId128"/>
+              <a:stretch>
+                <a:fillRect/>
+              </a:stretch>
+            </p:blipFill>
+            <p:spPr>
+              <a:xfrm>
+                <a:off x="5580249" y="3449908"/>
+                <a:ext cx="144000" cy="192960"/>
+              </a:xfrm>
+              <a:prstGeom prst="rect">
+                <a:avLst/>
+              </a:prstGeom>
+            </p:spPr>
+          </p:pic>
+        </mc:Fallback>
+      </mc:AlternateContent>
+      <mc:AlternateContent xmlns:mc="http://schemas.openxmlformats.org/markup-compatibility/2006" xmlns:p14="http://schemas.microsoft.com/office/powerpoint/2010/main">
+        <mc:Choice Requires="p14">
+          <p:contentPart p14:bwMode="auto" r:id="rId129">
+            <p14:nvContentPartPr>
+              <p14:cNvPr id="99" name="Freihand 98">
+                <a:extLst>
+                  <a:ext uri="{FF2B5EF4-FFF2-40B4-BE49-F238E27FC236}">
+                    <a16:creationId xmlns:a16="http://schemas.microsoft.com/office/drawing/2014/main" id="{278F9C4B-8437-4F71-832D-8C5EBB1C7772}"/>
+                  </a:ext>
+                </a:extLst>
+              </p14:cNvPr>
+              <p14:cNvContentPartPr/>
+              <p14:nvPr/>
+            </p14:nvContentPartPr>
+            <p14:xfrm>
+              <a:off x="5583849" y="3120148"/>
+              <a:ext cx="116280" cy="110520"/>
+            </p14:xfrm>
+          </p:contentPart>
+        </mc:Choice>
+        <mc:Fallback xmlns="">
+          <p:pic>
+            <p:nvPicPr>
+              <p:cNvPr id="99" name="Freihand 98">
+                <a:extLst>
+                  <a:ext uri="{FF2B5EF4-FFF2-40B4-BE49-F238E27FC236}">
+                    <a16:creationId xmlns:a16="http://schemas.microsoft.com/office/drawing/2014/main" id="{278F9C4B-8437-4F71-832D-8C5EBB1C7772}"/>
+                  </a:ext>
+                </a:extLst>
+              </p:cNvPr>
+              <p:cNvPicPr/>
+              <p:nvPr/>
+            </p:nvPicPr>
+            <p:blipFill>
+              <a:blip r:embed="rId130"/>
+              <a:stretch>
+                <a:fillRect/>
+              </a:stretch>
+            </p:blipFill>
+            <p:spPr>
+              <a:xfrm>
+                <a:off x="5565849" y="3084148"/>
+                <a:ext cx="151920" cy="182160"/>
+              </a:xfrm>
+              <a:prstGeom prst="rect">
+                <a:avLst/>
+              </a:prstGeom>
+            </p:spPr>
+          </p:pic>
+        </mc:Fallback>
+      </mc:AlternateContent>
+      <mc:AlternateContent xmlns:mc="http://schemas.openxmlformats.org/markup-compatibility/2006" xmlns:p14="http://schemas.microsoft.com/office/powerpoint/2010/main">
+        <mc:Choice Requires="p14">
+          <p:contentPart p14:bwMode="auto" r:id="rId131">
+            <p14:nvContentPartPr>
+              <p14:cNvPr id="100" name="Freihand 99">
+                <a:extLst>
+                  <a:ext uri="{FF2B5EF4-FFF2-40B4-BE49-F238E27FC236}">
+                    <a16:creationId xmlns:a16="http://schemas.microsoft.com/office/drawing/2014/main" id="{EDC7771E-910C-40AA-A48D-03CD5B4E597E}"/>
+                  </a:ext>
+                </a:extLst>
+              </p14:cNvPr>
+              <p14:cNvContentPartPr/>
+              <p14:nvPr/>
+            </p14:nvContentPartPr>
+            <p14:xfrm>
+              <a:off x="5595729" y="2785708"/>
+              <a:ext cx="118440" cy="69840"/>
+            </p14:xfrm>
+          </p:contentPart>
+        </mc:Choice>
+        <mc:Fallback xmlns="">
+          <p:pic>
+            <p:nvPicPr>
+              <p:cNvPr id="100" name="Freihand 99">
+                <a:extLst>
+                  <a:ext uri="{FF2B5EF4-FFF2-40B4-BE49-F238E27FC236}">
+                    <a16:creationId xmlns:a16="http://schemas.microsoft.com/office/drawing/2014/main" id="{EDC7771E-910C-40AA-A48D-03CD5B4E597E}"/>
+                  </a:ext>
+                </a:extLst>
+              </p:cNvPr>
+              <p:cNvPicPr/>
+              <p:nvPr/>
+            </p:nvPicPr>
+            <p:blipFill>
+              <a:blip r:embed="rId132"/>
+              <a:stretch>
+                <a:fillRect/>
+              </a:stretch>
+            </p:blipFill>
+            <p:spPr>
+              <a:xfrm>
+                <a:off x="5577729" y="2749708"/>
+                <a:ext cx="154080" cy="141480"/>
+              </a:xfrm>
+              <a:prstGeom prst="rect">
+                <a:avLst/>
+              </a:prstGeom>
+            </p:spPr>
+          </p:pic>
+        </mc:Fallback>
+      </mc:AlternateContent>
+      <mc:AlternateContent xmlns:mc="http://schemas.openxmlformats.org/markup-compatibility/2006" xmlns:p14="http://schemas.microsoft.com/office/powerpoint/2010/main">
+        <mc:Choice Requires="p14">
+          <p:contentPart p14:bwMode="auto" r:id="rId133">
+            <p14:nvContentPartPr>
+              <p14:cNvPr id="101" name="Freihand 100">
+                <a:extLst>
+                  <a:ext uri="{FF2B5EF4-FFF2-40B4-BE49-F238E27FC236}">
+                    <a16:creationId xmlns:a16="http://schemas.microsoft.com/office/drawing/2014/main" id="{5ED6608E-4A24-4F3D-845B-84DC2B0517EF}"/>
+                  </a:ext>
+                </a:extLst>
+              </p14:cNvPr>
+              <p14:cNvContentPartPr/>
+              <p14:nvPr/>
+            </p14:nvContentPartPr>
+            <p14:xfrm>
+              <a:off x="5579529" y="2369548"/>
+              <a:ext cx="122400" cy="84600"/>
+            </p14:xfrm>
+          </p:contentPart>
+        </mc:Choice>
+        <mc:Fallback xmlns="">
+          <p:pic>
+            <p:nvPicPr>
+              <p:cNvPr id="101" name="Freihand 100">
+                <a:extLst>
+                  <a:ext uri="{FF2B5EF4-FFF2-40B4-BE49-F238E27FC236}">
+                    <a16:creationId xmlns:a16="http://schemas.microsoft.com/office/drawing/2014/main" id="{5ED6608E-4A24-4F3D-845B-84DC2B0517EF}"/>
+                  </a:ext>
+                </a:extLst>
+              </p:cNvPr>
+              <p:cNvPicPr/>
+              <p:nvPr/>
+            </p:nvPicPr>
+            <p:blipFill>
+              <a:blip r:embed="rId134"/>
+              <a:stretch>
+                <a:fillRect/>
+              </a:stretch>
+            </p:blipFill>
+            <p:spPr>
+              <a:xfrm>
+                <a:off x="5561529" y="2333908"/>
+                <a:ext cx="158040" cy="156240"/>
+              </a:xfrm>
+              <a:prstGeom prst="rect">
+                <a:avLst/>
+              </a:prstGeom>
+            </p:spPr>
+          </p:pic>
+        </mc:Fallback>
+      </mc:AlternateContent>
+      <mc:AlternateContent xmlns:mc="http://schemas.openxmlformats.org/markup-compatibility/2006" xmlns:p14="http://schemas.microsoft.com/office/powerpoint/2010/main">
+        <mc:Choice Requires="p14">
+          <p:contentPart p14:bwMode="auto" r:id="rId135">
+            <p14:nvContentPartPr>
+              <p14:cNvPr id="102" name="Freihand 101">
+                <a:extLst>
+                  <a:ext uri="{FF2B5EF4-FFF2-40B4-BE49-F238E27FC236}">
+                    <a16:creationId xmlns:a16="http://schemas.microsoft.com/office/drawing/2014/main" id="{47407947-A28A-4429-BCA1-CEE0F7A64A9B}"/>
+                  </a:ext>
+                </a:extLst>
+              </p14:cNvPr>
+              <p14:cNvContentPartPr/>
+              <p14:nvPr/>
+            </p14:nvContentPartPr>
+            <p14:xfrm>
+              <a:off x="5554689" y="1967068"/>
+              <a:ext cx="130680" cy="117360"/>
+            </p14:xfrm>
+          </p:contentPart>
+        </mc:Choice>
+        <mc:Fallback xmlns="">
+          <p:pic>
+            <p:nvPicPr>
+              <p:cNvPr id="102" name="Freihand 101">
+                <a:extLst>
+                  <a:ext uri="{FF2B5EF4-FFF2-40B4-BE49-F238E27FC236}">
+                    <a16:creationId xmlns:a16="http://schemas.microsoft.com/office/drawing/2014/main" id="{47407947-A28A-4429-BCA1-CEE0F7A64A9B}"/>
+                  </a:ext>
+                </a:extLst>
+              </p:cNvPr>
+              <p:cNvPicPr/>
+              <p:nvPr/>
+            </p:nvPicPr>
+            <p:blipFill>
+              <a:blip r:embed="rId136"/>
+              <a:stretch>
+                <a:fillRect/>
+              </a:stretch>
+            </p:blipFill>
+            <p:spPr>
+              <a:xfrm>
+                <a:off x="5536689" y="1931428"/>
+                <a:ext cx="166320" cy="189000"/>
+              </a:xfrm>
+              <a:prstGeom prst="rect">
+                <a:avLst/>
+              </a:prstGeom>
+            </p:spPr>
+          </p:pic>
+        </mc:Fallback>
+      </mc:AlternateContent>
+      <mc:AlternateContent xmlns:mc="http://schemas.openxmlformats.org/markup-compatibility/2006" xmlns:p14="http://schemas.microsoft.com/office/powerpoint/2010/main">
+        <mc:Choice Requires="p14">
+          <p:contentPart p14:bwMode="auto" r:id="rId137">
+            <p14:nvContentPartPr>
+              <p14:cNvPr id="117" name="Freihand 116">
+                <a:extLst>
+                  <a:ext uri="{FF2B5EF4-FFF2-40B4-BE49-F238E27FC236}">
+                    <a16:creationId xmlns:a16="http://schemas.microsoft.com/office/drawing/2014/main" id="{B4BD1DE4-98E1-4C07-9606-A8E9DE845A6A}"/>
+                  </a:ext>
+                </a:extLst>
+              </p14:cNvPr>
+              <p14:cNvContentPartPr/>
+              <p14:nvPr/>
+            </p14:nvContentPartPr>
+            <p14:xfrm>
+              <a:off x="2927409" y="1008748"/>
+              <a:ext cx="1836720" cy="261360"/>
+            </p14:xfrm>
+          </p:contentPart>
+        </mc:Choice>
+        <mc:Fallback xmlns="">
+          <p:pic>
+            <p:nvPicPr>
+              <p:cNvPr id="117" name="Freihand 116">
+                <a:extLst>
+                  <a:ext uri="{FF2B5EF4-FFF2-40B4-BE49-F238E27FC236}">
+                    <a16:creationId xmlns:a16="http://schemas.microsoft.com/office/drawing/2014/main" id="{B4BD1DE4-98E1-4C07-9606-A8E9DE845A6A}"/>
+                  </a:ext>
+                </a:extLst>
+              </p:cNvPr>
+              <p:cNvPicPr/>
+              <p:nvPr/>
+            </p:nvPicPr>
+            <p:blipFill>
+              <a:blip r:embed="rId138"/>
+              <a:stretch>
+                <a:fillRect/>
+              </a:stretch>
+            </p:blipFill>
+            <p:spPr>
+              <a:xfrm>
+                <a:off x="2918767" y="1000096"/>
+                <a:ext cx="1854363" cy="279024"/>
+              </a:xfrm>
+              <a:prstGeom prst="rect">
+                <a:avLst/>
+              </a:prstGeom>
+            </p:spPr>
+          </p:pic>
+        </mc:Fallback>
+      </mc:AlternateContent>
+      <mc:AlternateContent xmlns:mc="http://schemas.openxmlformats.org/markup-compatibility/2006" xmlns:p14="http://schemas.microsoft.com/office/powerpoint/2010/main">
+        <mc:Choice Requires="p14">
+          <p:contentPart p14:bwMode="auto" r:id="rId139">
+            <p14:nvContentPartPr>
+              <p14:cNvPr id="133" name="Freihand 132">
+                <a:extLst>
+                  <a:ext uri="{FF2B5EF4-FFF2-40B4-BE49-F238E27FC236}">
+                    <a16:creationId xmlns:a16="http://schemas.microsoft.com/office/drawing/2014/main" id="{CB082CE9-DA71-4D73-BEBC-8AB24E269824}"/>
+                  </a:ext>
+                </a:extLst>
+              </p14:cNvPr>
+              <p14:cNvContentPartPr/>
+              <p14:nvPr/>
+            </p14:nvContentPartPr>
+            <p14:xfrm>
+              <a:off x="5218809" y="1023508"/>
+              <a:ext cx="1681920" cy="381960"/>
+            </p14:xfrm>
+          </p:contentPart>
+        </mc:Choice>
+        <mc:Fallback xmlns="">
+          <p:pic>
+            <p:nvPicPr>
+              <p:cNvPr id="133" name="Freihand 132">
+                <a:extLst>
+                  <a:ext uri="{FF2B5EF4-FFF2-40B4-BE49-F238E27FC236}">
+                    <a16:creationId xmlns:a16="http://schemas.microsoft.com/office/drawing/2014/main" id="{CB082CE9-DA71-4D73-BEBC-8AB24E269824}"/>
+                  </a:ext>
+                </a:extLst>
+              </p:cNvPr>
+              <p:cNvPicPr/>
+              <p:nvPr/>
+            </p:nvPicPr>
+            <p:blipFill>
+              <a:blip r:embed="rId140"/>
+              <a:stretch>
+                <a:fillRect/>
+              </a:stretch>
+            </p:blipFill>
+            <p:spPr>
+              <a:xfrm>
+                <a:off x="5209809" y="1014868"/>
+                <a:ext cx="1699560" cy="399600"/>
+              </a:xfrm>
+              <a:prstGeom prst="rect">
+                <a:avLst/>
+              </a:prstGeom>
+            </p:spPr>
+          </p:pic>
+        </mc:Fallback>
+      </mc:AlternateContent>
+      <mc:AlternateContent xmlns:mc="http://schemas.openxmlformats.org/markup-compatibility/2006" xmlns:p14="http://schemas.microsoft.com/office/powerpoint/2010/main">
+        <mc:Choice Requires="p14">
+          <p:contentPart p14:bwMode="auto" r:id="rId141">
+            <p14:nvContentPartPr>
+              <p14:cNvPr id="135" name="Freihand 134">
+                <a:extLst>
+                  <a:ext uri="{FF2B5EF4-FFF2-40B4-BE49-F238E27FC236}">
+                    <a16:creationId xmlns:a16="http://schemas.microsoft.com/office/drawing/2014/main" id="{8BAD2435-FBDE-4BFE-BB87-89FC340E1872}"/>
+                  </a:ext>
+                </a:extLst>
+              </p14:cNvPr>
+              <p14:cNvContentPartPr/>
+              <p14:nvPr/>
+            </p14:nvContentPartPr>
+            <p14:xfrm>
+              <a:off x="7239849" y="1185148"/>
+              <a:ext cx="206280" cy="14400"/>
+            </p14:xfrm>
+          </p:contentPart>
+        </mc:Choice>
+        <mc:Fallback xmlns="">
+          <p:pic>
+            <p:nvPicPr>
+              <p:cNvPr id="135" name="Freihand 134">
+                <a:extLst>
+                  <a:ext uri="{FF2B5EF4-FFF2-40B4-BE49-F238E27FC236}">
+                    <a16:creationId xmlns:a16="http://schemas.microsoft.com/office/drawing/2014/main" id="{8BAD2435-FBDE-4BFE-BB87-89FC340E1872}"/>
+                  </a:ext>
+                </a:extLst>
+              </p:cNvPr>
+              <p:cNvPicPr/>
+              <p:nvPr/>
+            </p:nvPicPr>
+            <p:blipFill>
+              <a:blip r:embed="rId142"/>
+              <a:stretch>
+                <a:fillRect/>
+              </a:stretch>
+            </p:blipFill>
+            <p:spPr>
+              <a:xfrm>
+                <a:off x="7231209" y="1176148"/>
+                <a:ext cx="223920" cy="32040"/>
+              </a:xfrm>
+              <a:prstGeom prst="rect">
+                <a:avLst/>
+              </a:prstGeom>
+            </p:spPr>
+          </p:pic>
+        </mc:Fallback>
+      </mc:AlternateContent>
+      <mc:AlternateContent xmlns:mc="http://schemas.openxmlformats.org/markup-compatibility/2006" xmlns:p14="http://schemas.microsoft.com/office/powerpoint/2010/main">
+        <mc:Choice Requires="p14">
+          <p:contentPart p14:bwMode="auto" r:id="rId143">
+            <p14:nvContentPartPr>
+              <p14:cNvPr id="148" name="Freihand 147">
+                <a:extLst>
+                  <a:ext uri="{FF2B5EF4-FFF2-40B4-BE49-F238E27FC236}">
+                    <a16:creationId xmlns:a16="http://schemas.microsoft.com/office/drawing/2014/main" id="{8A20F9D0-9F42-47D6-A0EB-084C3C8F0E02}"/>
+                  </a:ext>
+                </a:extLst>
+              </p14:cNvPr>
+              <p14:cNvContentPartPr/>
+              <p14:nvPr/>
+            </p14:nvContentPartPr>
+            <p14:xfrm>
+              <a:off x="8447289" y="933508"/>
+              <a:ext cx="804600" cy="330120"/>
+            </p14:xfrm>
+          </p:contentPart>
+        </mc:Choice>
+        <mc:Fallback xmlns="">
+          <p:pic>
+            <p:nvPicPr>
+              <p:cNvPr id="148" name="Freihand 147">
+                <a:extLst>
+                  <a:ext uri="{FF2B5EF4-FFF2-40B4-BE49-F238E27FC236}">
+                    <a16:creationId xmlns:a16="http://schemas.microsoft.com/office/drawing/2014/main" id="{8A20F9D0-9F42-47D6-A0EB-084C3C8F0E02}"/>
+                  </a:ext>
+                </a:extLst>
+              </p:cNvPr>
+              <p:cNvPicPr/>
+              <p:nvPr/>
+            </p:nvPicPr>
+            <p:blipFill>
+              <a:blip r:embed="rId144"/>
+              <a:stretch>
+                <a:fillRect/>
+              </a:stretch>
+            </p:blipFill>
+            <p:spPr>
+              <a:xfrm>
+                <a:off x="8438649" y="924868"/>
+                <a:ext cx="822240" cy="347760"/>
+              </a:xfrm>
+              <a:prstGeom prst="rect">
+                <a:avLst/>
+              </a:prstGeom>
+            </p:spPr>
+          </p:pic>
+        </mc:Fallback>
+      </mc:AlternateContent>
+      <mc:AlternateContent xmlns:mc="http://schemas.openxmlformats.org/markup-compatibility/2006" xmlns:p14="http://schemas.microsoft.com/office/powerpoint/2010/main">
+        <mc:Choice Requires="p14">
+          <p:contentPart p14:bwMode="auto" r:id="rId145">
+            <p14:nvContentPartPr>
+              <p14:cNvPr id="149" name="Freihand 148">
+                <a:extLst>
+                  <a:ext uri="{FF2B5EF4-FFF2-40B4-BE49-F238E27FC236}">
+                    <a16:creationId xmlns:a16="http://schemas.microsoft.com/office/drawing/2014/main" id="{60D8ABC5-185F-42E9-B0A2-B7EDDA919D59}"/>
+                  </a:ext>
+                </a:extLst>
+              </p14:cNvPr>
+              <p14:cNvContentPartPr/>
+              <p14:nvPr/>
+            </p14:nvContentPartPr>
+            <p14:xfrm>
+              <a:off x="7627209" y="1052308"/>
+              <a:ext cx="747000" cy="311040"/>
+            </p14:xfrm>
+          </p:contentPart>
+        </mc:Choice>
+        <mc:Fallback xmlns="">
+          <p:pic>
+            <p:nvPicPr>
+              <p:cNvPr id="149" name="Freihand 148">
+                <a:extLst>
+                  <a:ext uri="{FF2B5EF4-FFF2-40B4-BE49-F238E27FC236}">
+                    <a16:creationId xmlns:a16="http://schemas.microsoft.com/office/drawing/2014/main" id="{60D8ABC5-185F-42E9-B0A2-B7EDDA919D59}"/>
+                  </a:ext>
+                </a:extLst>
+              </p:cNvPr>
+              <p:cNvPicPr/>
+              <p:nvPr/>
+            </p:nvPicPr>
+            <p:blipFill>
+              <a:blip r:embed="rId146"/>
+              <a:stretch>
+                <a:fillRect/>
+              </a:stretch>
+            </p:blipFill>
+            <p:spPr>
+              <a:xfrm>
+                <a:off x="7618569" y="1043668"/>
+                <a:ext cx="764640" cy="328680"/>
               </a:xfrm>
               <a:prstGeom prst="rect">
                 <a:avLst/>
@@ -5914,7 +11458,7 @@
         </p:blipFill>
         <p:spPr>
           <a:xfrm>
-            <a:off x="3943614" y="1341104"/>
+            <a:off x="3772629" y="1445183"/>
             <a:ext cx="6769443" cy="4924770"/>
           </a:xfrm>
           <a:prstGeom prst="rect">
@@ -5980,6 +11524,1274 @@
 </file>
 
 <file path=ppt/slides/slide6.xml><?xml version="1.0" encoding="utf-8"?>
+<p:sld xmlns:a="http://schemas.openxmlformats.org/drawingml/2006/main" xmlns:r="http://schemas.openxmlformats.org/officeDocument/2006/relationships" xmlns:p="http://schemas.openxmlformats.org/presentationml/2006/main">
+  <p:cSld>
+    <p:spTree>
+      <p:nvGrpSpPr>
+        <p:cNvPr id="1" name=""/>
+        <p:cNvGrpSpPr/>
+        <p:nvPr/>
+      </p:nvGrpSpPr>
+      <p:grpSpPr>
+        <a:xfrm>
+          <a:off x="0" y="0"/>
+          <a:ext cx="0" cy="0"/>
+          <a:chOff x="0" y="0"/>
+          <a:chExt cx="0" cy="0"/>
+        </a:xfrm>
+      </p:grpSpPr>
+      <p:sp>
+        <p:nvSpPr>
+          <p:cNvPr id="4" name="Titel 1">
+            <a:extLst>
+              <a:ext uri="{FF2B5EF4-FFF2-40B4-BE49-F238E27FC236}">
+                <a16:creationId xmlns:a16="http://schemas.microsoft.com/office/drawing/2014/main" id="{F3EA9F0D-7B7E-4F19-B401-C24981102199}"/>
+              </a:ext>
+            </a:extLst>
+          </p:cNvPr>
+          <p:cNvSpPr>
+            <a:spLocks noGrp="1"/>
+          </p:cNvSpPr>
+          <p:nvPr>
+            <p:ph type="title"/>
+          </p:nvPr>
+        </p:nvSpPr>
+        <p:spPr>
+          <a:xfrm>
+            <a:off x="546100" y="284480"/>
+            <a:ext cx="5257800" cy="879218"/>
+          </a:xfrm>
+        </p:spPr>
+        <p:txBody>
+          <a:bodyPr>
+            <a:noAutofit/>
+          </a:bodyPr>
+          <a:lstStyle/>
+          <a:p>
+            <a:r>
+              <a:rPr lang="de-DE" sz="2400" b="1" dirty="0"/>
+              <a:t>OmniMove: Gesamt- und Teilfunktionen </a:t>
+            </a:r>
+            <a:r>
+              <a:rPr lang="de-DE" sz="2000" b="1" dirty="0">
+                <a:solidFill>
+                  <a:schemeClr val="tx1">
+                    <a:lumMod val="65000"/>
+                    <a:lumOff val="35000"/>
+                  </a:schemeClr>
+                </a:solidFill>
+              </a:rPr>
+              <a:t>(wichtigste Subsysteme)</a:t>
+            </a:r>
+            <a:endParaRPr lang="de-DE" sz="2400" b="1" dirty="0">
+              <a:solidFill>
+                <a:schemeClr val="tx1">
+                  <a:lumMod val="65000"/>
+                  <a:lumOff val="35000"/>
+                </a:schemeClr>
+              </a:solidFill>
+            </a:endParaRPr>
+          </a:p>
+        </p:txBody>
+      </p:sp>
+      <p:pic>
+        <p:nvPicPr>
+          <p:cNvPr id="5" name="Grafik 4" descr="Logo Ingenieursinformatik">
+            <a:extLst>
+              <a:ext uri="{FF2B5EF4-FFF2-40B4-BE49-F238E27FC236}">
+                <a16:creationId xmlns:a16="http://schemas.microsoft.com/office/drawing/2014/main" id="{5F67C00D-DC9E-4350-AE3D-B911E466BA3D}"/>
+              </a:ext>
+            </a:extLst>
+          </p:cNvPr>
+          <p:cNvPicPr/>
+          <p:nvPr/>
+        </p:nvPicPr>
+        <p:blipFill>
+          <a:blip r:embed="rId2" cstate="print">
+            <a:extLst>
+              <a:ext uri="{28A0092B-C50C-407E-A947-70E740481C1C}">
+                <a14:useLocalDpi xmlns:a14="http://schemas.microsoft.com/office/drawing/2010/main" val="0"/>
+              </a:ext>
+            </a:extLst>
+          </a:blip>
+          <a:srcRect/>
+          <a:stretch>
+            <a:fillRect/>
+          </a:stretch>
+        </p:blipFill>
+        <p:spPr bwMode="auto">
+          <a:xfrm>
+            <a:off x="10178281" y="320040"/>
+            <a:ext cx="1692155" cy="924304"/>
+          </a:xfrm>
+          <a:prstGeom prst="rect">
+            <a:avLst/>
+          </a:prstGeom>
+          <a:noFill/>
+          <a:ln>
+            <a:noFill/>
+          </a:ln>
+        </p:spPr>
+      </p:pic>
+      <p:sp>
+        <p:nvSpPr>
+          <p:cNvPr id="7" name="Rechteck 6">
+            <a:extLst>
+              <a:ext uri="{FF2B5EF4-FFF2-40B4-BE49-F238E27FC236}">
+                <a16:creationId xmlns:a16="http://schemas.microsoft.com/office/drawing/2014/main" id="{1326D59B-D9EC-4DA5-8015-9DD0DA87A6D0}"/>
+              </a:ext>
+            </a:extLst>
+          </p:cNvPr>
+          <p:cNvSpPr/>
+          <p:nvPr/>
+        </p:nvSpPr>
+        <p:spPr>
+          <a:xfrm>
+            <a:off x="5283128" y="1559788"/>
+            <a:ext cx="1321724" cy="548640"/>
+          </a:xfrm>
+          <a:prstGeom prst="rect">
+            <a:avLst/>
+          </a:prstGeom>
+        </p:spPr>
+        <p:style>
+          <a:lnRef idx="2">
+            <a:schemeClr val="accent1">
+              <a:shade val="50000"/>
+            </a:schemeClr>
+          </a:lnRef>
+          <a:fillRef idx="1">
+            <a:schemeClr val="accent1"/>
+          </a:fillRef>
+          <a:effectRef idx="0">
+            <a:schemeClr val="accent1"/>
+          </a:effectRef>
+          <a:fontRef idx="minor">
+            <a:schemeClr val="lt1"/>
+          </a:fontRef>
+        </p:style>
+        <p:txBody>
+          <a:bodyPr rtlCol="0" anchor="ctr"/>
+          <a:lstStyle/>
+          <a:p>
+            <a:pPr algn="ctr"/>
+            <a:r>
+              <a:rPr lang="de-DE" dirty="0" err="1"/>
+              <a:t>OmniDrive</a:t>
+            </a:r>
+            <a:endParaRPr lang="de-DE" dirty="0"/>
+          </a:p>
+        </p:txBody>
+      </p:sp>
+      <p:sp>
+        <p:nvSpPr>
+          <p:cNvPr id="8" name="Rechteck 7">
+            <a:extLst>
+              <a:ext uri="{FF2B5EF4-FFF2-40B4-BE49-F238E27FC236}">
+                <a16:creationId xmlns:a16="http://schemas.microsoft.com/office/drawing/2014/main" id="{12F403A4-FEA1-4124-9D9C-235349B16B1B}"/>
+              </a:ext>
+            </a:extLst>
+          </p:cNvPr>
+          <p:cNvSpPr/>
+          <p:nvPr/>
+        </p:nvSpPr>
+        <p:spPr>
+          <a:xfrm>
+            <a:off x="9326598" y="3299152"/>
+            <a:ext cx="1080483" cy="548640"/>
+          </a:xfrm>
+          <a:prstGeom prst="rect">
+            <a:avLst/>
+          </a:prstGeom>
+        </p:spPr>
+        <p:style>
+          <a:lnRef idx="2">
+            <a:schemeClr val="accent1">
+              <a:shade val="50000"/>
+            </a:schemeClr>
+          </a:lnRef>
+          <a:fillRef idx="1">
+            <a:schemeClr val="accent1"/>
+          </a:fillRef>
+          <a:effectRef idx="0">
+            <a:schemeClr val="accent1"/>
+          </a:effectRef>
+          <a:fontRef idx="minor">
+            <a:schemeClr val="lt1"/>
+          </a:fontRef>
+        </p:style>
+        <p:txBody>
+          <a:bodyPr rtlCol="0" anchor="ctr"/>
+          <a:lstStyle/>
+          <a:p>
+            <a:pPr algn="ctr"/>
+            <a:r>
+              <a:rPr lang="de-DE" dirty="0"/>
+              <a:t>Antrieb</a:t>
+            </a:r>
+          </a:p>
+        </p:txBody>
+      </p:sp>
+      <p:sp>
+        <p:nvSpPr>
+          <p:cNvPr id="9" name="Rechteck 8">
+            <a:extLst>
+              <a:ext uri="{FF2B5EF4-FFF2-40B4-BE49-F238E27FC236}">
+                <a16:creationId xmlns:a16="http://schemas.microsoft.com/office/drawing/2014/main" id="{147DF120-C76A-4D13-BB4B-6B5329EFDFF7}"/>
+              </a:ext>
+            </a:extLst>
+          </p:cNvPr>
+          <p:cNvSpPr/>
+          <p:nvPr/>
+        </p:nvSpPr>
+        <p:spPr>
+          <a:xfrm>
+            <a:off x="5340954" y="3177232"/>
+            <a:ext cx="1148547" cy="548640"/>
+          </a:xfrm>
+          <a:prstGeom prst="rect">
+            <a:avLst/>
+          </a:prstGeom>
+        </p:spPr>
+        <p:style>
+          <a:lnRef idx="2">
+            <a:schemeClr val="accent1">
+              <a:shade val="50000"/>
+            </a:schemeClr>
+          </a:lnRef>
+          <a:fillRef idx="1">
+            <a:schemeClr val="accent1"/>
+          </a:fillRef>
+          <a:effectRef idx="0">
+            <a:schemeClr val="accent1"/>
+          </a:effectRef>
+          <a:fontRef idx="minor">
+            <a:schemeClr val="lt1"/>
+          </a:fontRef>
+        </p:style>
+        <p:txBody>
+          <a:bodyPr rtlCol="0" anchor="ctr"/>
+          <a:lstStyle/>
+          <a:p>
+            <a:pPr algn="ctr"/>
+            <a:r>
+              <a:rPr lang="de-DE" dirty="0"/>
+              <a:t>Steuerung</a:t>
+            </a:r>
+          </a:p>
+        </p:txBody>
+      </p:sp>
+      <p:sp>
+        <p:nvSpPr>
+          <p:cNvPr id="10" name="Rechteck 9">
+            <a:extLst>
+              <a:ext uri="{FF2B5EF4-FFF2-40B4-BE49-F238E27FC236}">
+                <a16:creationId xmlns:a16="http://schemas.microsoft.com/office/drawing/2014/main" id="{D546F341-AC31-4CFF-BD7C-E2639DA0DA76}"/>
+              </a:ext>
+            </a:extLst>
+          </p:cNvPr>
+          <p:cNvSpPr/>
+          <p:nvPr/>
+        </p:nvSpPr>
+        <p:spPr>
+          <a:xfrm>
+            <a:off x="1149054" y="3182312"/>
+            <a:ext cx="1008380" cy="496543"/>
+          </a:xfrm>
+          <a:prstGeom prst="rect">
+            <a:avLst/>
+          </a:prstGeom>
+        </p:spPr>
+        <p:style>
+          <a:lnRef idx="2">
+            <a:schemeClr val="accent1">
+              <a:shade val="50000"/>
+            </a:schemeClr>
+          </a:lnRef>
+          <a:fillRef idx="1">
+            <a:schemeClr val="accent1"/>
+          </a:fillRef>
+          <a:effectRef idx="0">
+            <a:schemeClr val="accent1"/>
+          </a:effectRef>
+          <a:fontRef idx="minor">
+            <a:schemeClr val="lt1"/>
+          </a:fontRef>
+        </p:style>
+        <p:txBody>
+          <a:bodyPr rtlCol="0" anchor="ctr"/>
+          <a:lstStyle/>
+          <a:p>
+            <a:pPr algn="ctr"/>
+            <a:r>
+              <a:rPr lang="de-DE" dirty="0"/>
+              <a:t>Chassis</a:t>
+            </a:r>
+          </a:p>
+        </p:txBody>
+      </p:sp>
+      <p:sp>
+        <p:nvSpPr>
+          <p:cNvPr id="11" name="Rechteck 10">
+            <a:extLst>
+              <a:ext uri="{FF2B5EF4-FFF2-40B4-BE49-F238E27FC236}">
+                <a16:creationId xmlns:a16="http://schemas.microsoft.com/office/drawing/2014/main" id="{654DB9E9-6F2C-43A3-8B51-1E121877FF47}"/>
+              </a:ext>
+            </a:extLst>
+          </p:cNvPr>
+          <p:cNvSpPr/>
+          <p:nvPr/>
+        </p:nvSpPr>
+        <p:spPr>
+          <a:xfrm>
+            <a:off x="10590276" y="5254652"/>
+            <a:ext cx="1198880" cy="548640"/>
+          </a:xfrm>
+          <a:prstGeom prst="rect">
+            <a:avLst/>
+          </a:prstGeom>
+        </p:spPr>
+        <p:style>
+          <a:lnRef idx="2">
+            <a:schemeClr val="accent1">
+              <a:shade val="50000"/>
+            </a:schemeClr>
+          </a:lnRef>
+          <a:fillRef idx="1">
+            <a:schemeClr val="accent1"/>
+          </a:fillRef>
+          <a:effectRef idx="0">
+            <a:schemeClr val="accent1"/>
+          </a:effectRef>
+          <a:fontRef idx="minor">
+            <a:schemeClr val="lt1"/>
+          </a:fontRef>
+        </p:style>
+        <p:txBody>
+          <a:bodyPr rtlCol="0" anchor="ctr"/>
+          <a:lstStyle/>
+          <a:p>
+            <a:pPr algn="ctr"/>
+            <a:r>
+              <a:rPr lang="de-DE" dirty="0" err="1"/>
+              <a:t>Mecanum</a:t>
+            </a:r>
+            <a:endParaRPr lang="de-DE" dirty="0"/>
+          </a:p>
+        </p:txBody>
+      </p:sp>
+      <p:sp>
+        <p:nvSpPr>
+          <p:cNvPr id="12" name="Rechteck 11">
+            <a:extLst>
+              <a:ext uri="{FF2B5EF4-FFF2-40B4-BE49-F238E27FC236}">
+                <a16:creationId xmlns:a16="http://schemas.microsoft.com/office/drawing/2014/main" id="{D73CAE70-B95C-4D87-AF4B-35B3C13DB2A9}"/>
+              </a:ext>
+            </a:extLst>
+          </p:cNvPr>
+          <p:cNvSpPr/>
+          <p:nvPr/>
+        </p:nvSpPr>
+        <p:spPr>
+          <a:xfrm>
+            <a:off x="5363448" y="4160292"/>
+            <a:ext cx="1148546" cy="548640"/>
+          </a:xfrm>
+          <a:prstGeom prst="rect">
+            <a:avLst/>
+          </a:prstGeom>
+        </p:spPr>
+        <p:style>
+          <a:lnRef idx="2">
+            <a:schemeClr val="accent1">
+              <a:shade val="50000"/>
+            </a:schemeClr>
+          </a:lnRef>
+          <a:fillRef idx="1">
+            <a:schemeClr val="accent1"/>
+          </a:fillRef>
+          <a:effectRef idx="0">
+            <a:schemeClr val="accent1"/>
+          </a:effectRef>
+          <a:fontRef idx="minor">
+            <a:schemeClr val="lt1"/>
+          </a:fontRef>
+        </p:style>
+        <p:txBody>
+          <a:bodyPr rtlCol="0" anchor="ctr"/>
+          <a:lstStyle/>
+          <a:p>
+            <a:pPr algn="ctr"/>
+            <a:r>
+              <a:rPr lang="de-DE" dirty="0"/>
+              <a:t>H-Brücke</a:t>
+            </a:r>
+          </a:p>
+        </p:txBody>
+      </p:sp>
+      <p:sp>
+        <p:nvSpPr>
+          <p:cNvPr id="13" name="Rechteck 12">
+            <a:extLst>
+              <a:ext uri="{FF2B5EF4-FFF2-40B4-BE49-F238E27FC236}">
+                <a16:creationId xmlns:a16="http://schemas.microsoft.com/office/drawing/2014/main" id="{EB7FCD5F-C6D2-47DC-8CD6-3962CD9EF062}"/>
+              </a:ext>
+            </a:extLst>
+          </p:cNvPr>
+          <p:cNvSpPr/>
+          <p:nvPr/>
+        </p:nvSpPr>
+        <p:spPr>
+          <a:xfrm>
+            <a:off x="8407388" y="4218482"/>
+            <a:ext cx="1193531" cy="548640"/>
+          </a:xfrm>
+          <a:prstGeom prst="rect">
+            <a:avLst/>
+          </a:prstGeom>
+        </p:spPr>
+        <p:style>
+          <a:lnRef idx="2">
+            <a:schemeClr val="accent1">
+              <a:shade val="50000"/>
+            </a:schemeClr>
+          </a:lnRef>
+          <a:fillRef idx="1">
+            <a:schemeClr val="accent1"/>
+          </a:fillRef>
+          <a:effectRef idx="0">
+            <a:schemeClr val="accent1"/>
+          </a:effectRef>
+          <a:fontRef idx="minor">
+            <a:schemeClr val="lt1"/>
+          </a:fontRef>
+        </p:style>
+        <p:txBody>
+          <a:bodyPr rtlCol="0" anchor="ctr"/>
+          <a:lstStyle/>
+          <a:p>
+            <a:pPr algn="ctr"/>
+            <a:r>
+              <a:rPr lang="de-DE" dirty="0"/>
+              <a:t>DC-Motor</a:t>
+            </a:r>
+          </a:p>
+        </p:txBody>
+      </p:sp>
+      <p:sp>
+        <p:nvSpPr>
+          <p:cNvPr id="14" name="Rechteck 13">
+            <a:extLst>
+              <a:ext uri="{FF2B5EF4-FFF2-40B4-BE49-F238E27FC236}">
+                <a16:creationId xmlns:a16="http://schemas.microsoft.com/office/drawing/2014/main" id="{A20E41F7-D0A7-4832-A7C2-0386CCCAF911}"/>
+              </a:ext>
+            </a:extLst>
+          </p:cNvPr>
+          <p:cNvSpPr/>
+          <p:nvPr/>
+        </p:nvSpPr>
+        <p:spPr>
+          <a:xfrm>
+            <a:off x="6706619" y="4144823"/>
+            <a:ext cx="746764" cy="548640"/>
+          </a:xfrm>
+          <a:prstGeom prst="rect">
+            <a:avLst/>
+          </a:prstGeom>
+        </p:spPr>
+        <p:style>
+          <a:lnRef idx="2">
+            <a:schemeClr val="accent1">
+              <a:shade val="50000"/>
+            </a:schemeClr>
+          </a:lnRef>
+          <a:fillRef idx="1">
+            <a:schemeClr val="accent1"/>
+          </a:fillRef>
+          <a:effectRef idx="0">
+            <a:schemeClr val="accent1"/>
+          </a:effectRef>
+          <a:fontRef idx="minor">
+            <a:schemeClr val="lt1"/>
+          </a:fontRef>
+        </p:style>
+        <p:txBody>
+          <a:bodyPr rtlCol="0" anchor="ctr"/>
+          <a:lstStyle/>
+          <a:p>
+            <a:pPr algn="ctr"/>
+            <a:r>
+              <a:rPr lang="de-DE" dirty="0"/>
+              <a:t>ESP32</a:t>
+            </a:r>
+          </a:p>
+        </p:txBody>
+      </p:sp>
+      <p:sp>
+        <p:nvSpPr>
+          <p:cNvPr id="15" name="Rechteck 14">
+            <a:extLst>
+              <a:ext uri="{FF2B5EF4-FFF2-40B4-BE49-F238E27FC236}">
+                <a16:creationId xmlns:a16="http://schemas.microsoft.com/office/drawing/2014/main" id="{A223EAEB-7E13-4A0C-A89D-309F7050F764}"/>
+              </a:ext>
+            </a:extLst>
+          </p:cNvPr>
+          <p:cNvSpPr/>
+          <p:nvPr/>
+        </p:nvSpPr>
+        <p:spPr>
+          <a:xfrm>
+            <a:off x="458314" y="4134664"/>
+            <a:ext cx="1137000" cy="548641"/>
+          </a:xfrm>
+          <a:prstGeom prst="rect">
+            <a:avLst/>
+          </a:prstGeom>
+        </p:spPr>
+        <p:style>
+          <a:lnRef idx="2">
+            <a:schemeClr val="accent1">
+              <a:shade val="50000"/>
+            </a:schemeClr>
+          </a:lnRef>
+          <a:fillRef idx="1">
+            <a:schemeClr val="accent1"/>
+          </a:fillRef>
+          <a:effectRef idx="0">
+            <a:schemeClr val="accent1"/>
+          </a:effectRef>
+          <a:fontRef idx="minor">
+            <a:schemeClr val="lt1"/>
+          </a:fontRef>
+        </p:style>
+        <p:txBody>
+          <a:bodyPr rtlCol="0" anchor="ctr"/>
+          <a:lstStyle/>
+          <a:p>
+            <a:pPr algn="ctr"/>
+            <a:r>
+              <a:rPr lang="de-DE" dirty="0"/>
+              <a:t>Eierhalter</a:t>
+            </a:r>
+          </a:p>
+        </p:txBody>
+      </p:sp>
+      <p:sp>
+        <p:nvSpPr>
+          <p:cNvPr id="16" name="Rechteck 15">
+            <a:extLst>
+              <a:ext uri="{FF2B5EF4-FFF2-40B4-BE49-F238E27FC236}">
+                <a16:creationId xmlns:a16="http://schemas.microsoft.com/office/drawing/2014/main" id="{58EB89CE-8A04-481B-9E5C-26D78AA4F844}"/>
+              </a:ext>
+            </a:extLst>
+          </p:cNvPr>
+          <p:cNvSpPr/>
+          <p:nvPr/>
+        </p:nvSpPr>
+        <p:spPr>
+          <a:xfrm>
+            <a:off x="1810389" y="4160291"/>
+            <a:ext cx="1148547" cy="548641"/>
+          </a:xfrm>
+          <a:prstGeom prst="rect">
+            <a:avLst/>
+          </a:prstGeom>
+        </p:spPr>
+        <p:style>
+          <a:lnRef idx="2">
+            <a:schemeClr val="accent1">
+              <a:shade val="50000"/>
+            </a:schemeClr>
+          </a:lnRef>
+          <a:fillRef idx="1">
+            <a:schemeClr val="accent1"/>
+          </a:fillRef>
+          <a:effectRef idx="0">
+            <a:schemeClr val="accent1"/>
+          </a:effectRef>
+          <a:fontRef idx="minor">
+            <a:schemeClr val="lt1"/>
+          </a:fontRef>
+        </p:style>
+        <p:txBody>
+          <a:bodyPr rtlCol="0" anchor="ctr"/>
+          <a:lstStyle/>
+          <a:p>
+            <a:pPr algn="ctr"/>
+            <a:r>
+              <a:rPr lang="de-DE" dirty="0"/>
+              <a:t>TPU- Federung</a:t>
+            </a:r>
+          </a:p>
+        </p:txBody>
+      </p:sp>
+      <p:sp>
+        <p:nvSpPr>
+          <p:cNvPr id="17" name="Rechteck 16">
+            <a:extLst>
+              <a:ext uri="{FF2B5EF4-FFF2-40B4-BE49-F238E27FC236}">
+                <a16:creationId xmlns:a16="http://schemas.microsoft.com/office/drawing/2014/main" id="{8B79E97C-9FE8-4C38-B541-06784E53B1DB}"/>
+              </a:ext>
+            </a:extLst>
+          </p:cNvPr>
+          <p:cNvSpPr/>
+          <p:nvPr/>
+        </p:nvSpPr>
+        <p:spPr>
+          <a:xfrm>
+            <a:off x="9326599" y="5254652"/>
+            <a:ext cx="1080482" cy="548640"/>
+          </a:xfrm>
+          <a:prstGeom prst="rect">
+            <a:avLst/>
+          </a:prstGeom>
+        </p:spPr>
+        <p:style>
+          <a:lnRef idx="2">
+            <a:schemeClr val="accent1">
+              <a:shade val="50000"/>
+            </a:schemeClr>
+          </a:lnRef>
+          <a:fillRef idx="1">
+            <a:schemeClr val="accent1"/>
+          </a:fillRef>
+          <a:effectRef idx="0">
+            <a:schemeClr val="accent1"/>
+          </a:effectRef>
+          <a:fontRef idx="minor">
+            <a:schemeClr val="lt1"/>
+          </a:fontRef>
+        </p:style>
+        <p:txBody>
+          <a:bodyPr rtlCol="0" anchor="ctr"/>
+          <a:lstStyle/>
+          <a:p>
+            <a:pPr algn="ctr"/>
+            <a:r>
+              <a:rPr lang="de-DE" dirty="0"/>
+              <a:t>Getriebe</a:t>
+            </a:r>
+          </a:p>
+        </p:txBody>
+      </p:sp>
+      <p:sp>
+        <p:nvSpPr>
+          <p:cNvPr id="18" name="Rechteck 17">
+            <a:extLst>
+              <a:ext uri="{FF2B5EF4-FFF2-40B4-BE49-F238E27FC236}">
+                <a16:creationId xmlns:a16="http://schemas.microsoft.com/office/drawing/2014/main" id="{7F7162D3-FF75-4BF2-9408-98960E58B57E}"/>
+              </a:ext>
+            </a:extLst>
+          </p:cNvPr>
+          <p:cNvSpPr/>
+          <p:nvPr/>
+        </p:nvSpPr>
+        <p:spPr>
+          <a:xfrm>
+            <a:off x="10061465" y="4218482"/>
+            <a:ext cx="813428" cy="548640"/>
+          </a:xfrm>
+          <a:prstGeom prst="rect">
+            <a:avLst/>
+          </a:prstGeom>
+        </p:spPr>
+        <p:style>
+          <a:lnRef idx="2">
+            <a:schemeClr val="accent1">
+              <a:shade val="50000"/>
+            </a:schemeClr>
+          </a:lnRef>
+          <a:fillRef idx="1">
+            <a:schemeClr val="accent1"/>
+          </a:fillRef>
+          <a:effectRef idx="0">
+            <a:schemeClr val="accent1"/>
+          </a:effectRef>
+          <a:fontRef idx="minor">
+            <a:schemeClr val="lt1"/>
+          </a:fontRef>
+        </p:style>
+        <p:txBody>
+          <a:bodyPr rtlCol="0" anchor="ctr"/>
+          <a:lstStyle/>
+          <a:p>
+            <a:pPr algn="ctr"/>
+            <a:r>
+              <a:rPr lang="de-DE" dirty="0"/>
+              <a:t>Räder</a:t>
+            </a:r>
+          </a:p>
+        </p:txBody>
+      </p:sp>
+      <p:sp>
+        <p:nvSpPr>
+          <p:cNvPr id="19" name="Rechteck 18">
+            <a:extLst>
+              <a:ext uri="{FF2B5EF4-FFF2-40B4-BE49-F238E27FC236}">
+                <a16:creationId xmlns:a16="http://schemas.microsoft.com/office/drawing/2014/main" id="{C12C4AE4-31D9-454F-B749-676100716710}"/>
+              </a:ext>
+            </a:extLst>
+          </p:cNvPr>
+          <p:cNvSpPr/>
+          <p:nvPr/>
+        </p:nvSpPr>
+        <p:spPr>
+          <a:xfrm>
+            <a:off x="3956921" y="4160292"/>
+            <a:ext cx="1243080" cy="548640"/>
+          </a:xfrm>
+          <a:prstGeom prst="rect">
+            <a:avLst/>
+          </a:prstGeom>
+        </p:spPr>
+        <p:style>
+          <a:lnRef idx="2">
+            <a:schemeClr val="accent1">
+              <a:shade val="50000"/>
+            </a:schemeClr>
+          </a:lnRef>
+          <a:fillRef idx="1">
+            <a:schemeClr val="accent1"/>
+          </a:fillRef>
+          <a:effectRef idx="0">
+            <a:schemeClr val="accent1"/>
+          </a:effectRef>
+          <a:fontRef idx="minor">
+            <a:schemeClr val="lt1"/>
+          </a:fontRef>
+        </p:style>
+        <p:txBody>
+          <a:bodyPr rtlCol="0" anchor="ctr"/>
+          <a:lstStyle/>
+          <a:p>
+            <a:pPr algn="ctr"/>
+            <a:r>
+              <a:rPr lang="de-DE" dirty="0" err="1"/>
+              <a:t>Gyroscope</a:t>
+            </a:r>
+            <a:endParaRPr lang="de-DE" dirty="0"/>
+          </a:p>
+        </p:txBody>
+      </p:sp>
+      <p:cxnSp>
+        <p:nvCxnSpPr>
+          <p:cNvPr id="3" name="Gerade Verbindung mit Pfeil 2">
+            <a:extLst>
+              <a:ext uri="{FF2B5EF4-FFF2-40B4-BE49-F238E27FC236}">
+                <a16:creationId xmlns:a16="http://schemas.microsoft.com/office/drawing/2014/main" id="{0AA0C190-0636-4330-A91A-4EF2FE1CA30D}"/>
+              </a:ext>
+            </a:extLst>
+          </p:cNvPr>
+          <p:cNvCxnSpPr>
+            <a:stCxn id="7" idx="2"/>
+            <a:endCxn id="9" idx="0"/>
+          </p:cNvCxnSpPr>
+          <p:nvPr/>
+        </p:nvCxnSpPr>
+        <p:spPr>
+          <a:xfrm flipH="1">
+            <a:off x="5915228" y="2108428"/>
+            <a:ext cx="28762" cy="1068804"/>
+          </a:xfrm>
+          <a:prstGeom prst="straightConnector1">
+            <a:avLst/>
+          </a:prstGeom>
+          <a:ln>
+            <a:tailEnd type="triangle"/>
+          </a:ln>
+        </p:spPr>
+        <p:style>
+          <a:lnRef idx="1">
+            <a:schemeClr val="accent1"/>
+          </a:lnRef>
+          <a:fillRef idx="0">
+            <a:schemeClr val="accent1"/>
+          </a:fillRef>
+          <a:effectRef idx="0">
+            <a:schemeClr val="accent1"/>
+          </a:effectRef>
+          <a:fontRef idx="minor">
+            <a:schemeClr val="tx1"/>
+          </a:fontRef>
+        </p:style>
+      </p:cxnSp>
+      <p:cxnSp>
+        <p:nvCxnSpPr>
+          <p:cNvPr id="21" name="Gerade Verbindung mit Pfeil 20">
+            <a:extLst>
+              <a:ext uri="{FF2B5EF4-FFF2-40B4-BE49-F238E27FC236}">
+                <a16:creationId xmlns:a16="http://schemas.microsoft.com/office/drawing/2014/main" id="{5DA74A73-4B8B-4223-96FC-941FE179805C}"/>
+              </a:ext>
+            </a:extLst>
+          </p:cNvPr>
+          <p:cNvCxnSpPr>
+            <a:stCxn id="7" idx="2"/>
+            <a:endCxn id="10" idx="0"/>
+          </p:cNvCxnSpPr>
+          <p:nvPr/>
+        </p:nvCxnSpPr>
+        <p:spPr>
+          <a:xfrm flipH="1">
+            <a:off x="1653244" y="2108428"/>
+            <a:ext cx="4290746" cy="1073884"/>
+          </a:xfrm>
+          <a:prstGeom prst="straightConnector1">
+            <a:avLst/>
+          </a:prstGeom>
+          <a:ln>
+            <a:tailEnd type="triangle"/>
+          </a:ln>
+        </p:spPr>
+        <p:style>
+          <a:lnRef idx="1">
+            <a:schemeClr val="accent1"/>
+          </a:lnRef>
+          <a:fillRef idx="0">
+            <a:schemeClr val="accent1"/>
+          </a:fillRef>
+          <a:effectRef idx="0">
+            <a:schemeClr val="accent1"/>
+          </a:effectRef>
+          <a:fontRef idx="minor">
+            <a:schemeClr val="tx1"/>
+          </a:fontRef>
+        </p:style>
+      </p:cxnSp>
+      <p:cxnSp>
+        <p:nvCxnSpPr>
+          <p:cNvPr id="23" name="Gerade Verbindung mit Pfeil 22">
+            <a:extLst>
+              <a:ext uri="{FF2B5EF4-FFF2-40B4-BE49-F238E27FC236}">
+                <a16:creationId xmlns:a16="http://schemas.microsoft.com/office/drawing/2014/main" id="{B9B63AF3-6CF4-4433-8835-915044EEABAA}"/>
+              </a:ext>
+            </a:extLst>
+          </p:cNvPr>
+          <p:cNvCxnSpPr>
+            <a:stCxn id="7" idx="2"/>
+            <a:endCxn id="8" idx="0"/>
+          </p:cNvCxnSpPr>
+          <p:nvPr/>
+        </p:nvCxnSpPr>
+        <p:spPr>
+          <a:xfrm>
+            <a:off x="5943990" y="2108428"/>
+            <a:ext cx="3922850" cy="1190724"/>
+          </a:xfrm>
+          <a:prstGeom prst="straightConnector1">
+            <a:avLst/>
+          </a:prstGeom>
+          <a:ln>
+            <a:tailEnd type="triangle"/>
+          </a:ln>
+        </p:spPr>
+        <p:style>
+          <a:lnRef idx="1">
+            <a:schemeClr val="accent1"/>
+          </a:lnRef>
+          <a:fillRef idx="0">
+            <a:schemeClr val="accent1"/>
+          </a:fillRef>
+          <a:effectRef idx="0">
+            <a:schemeClr val="accent1"/>
+          </a:effectRef>
+          <a:fontRef idx="minor">
+            <a:schemeClr val="tx1"/>
+          </a:fontRef>
+        </p:style>
+      </p:cxnSp>
+      <p:cxnSp>
+        <p:nvCxnSpPr>
+          <p:cNvPr id="25" name="Gerade Verbindung mit Pfeil 24">
+            <a:extLst>
+              <a:ext uri="{FF2B5EF4-FFF2-40B4-BE49-F238E27FC236}">
+                <a16:creationId xmlns:a16="http://schemas.microsoft.com/office/drawing/2014/main" id="{2392A714-74BC-45CA-9AD8-91A2F500C7DC}"/>
+              </a:ext>
+            </a:extLst>
+          </p:cNvPr>
+          <p:cNvCxnSpPr>
+            <a:stCxn id="10" idx="2"/>
+            <a:endCxn id="15" idx="0"/>
+          </p:cNvCxnSpPr>
+          <p:nvPr/>
+        </p:nvCxnSpPr>
+        <p:spPr>
+          <a:xfrm flipH="1">
+            <a:off x="1026814" y="3678855"/>
+            <a:ext cx="626430" cy="455809"/>
+          </a:xfrm>
+          <a:prstGeom prst="straightConnector1">
+            <a:avLst/>
+          </a:prstGeom>
+          <a:ln>
+            <a:tailEnd type="triangle"/>
+          </a:ln>
+        </p:spPr>
+        <p:style>
+          <a:lnRef idx="1">
+            <a:schemeClr val="accent1"/>
+          </a:lnRef>
+          <a:fillRef idx="0">
+            <a:schemeClr val="accent1"/>
+          </a:fillRef>
+          <a:effectRef idx="0">
+            <a:schemeClr val="accent1"/>
+          </a:effectRef>
+          <a:fontRef idx="minor">
+            <a:schemeClr val="tx1"/>
+          </a:fontRef>
+        </p:style>
+      </p:cxnSp>
+      <p:cxnSp>
+        <p:nvCxnSpPr>
+          <p:cNvPr id="27" name="Gerade Verbindung mit Pfeil 26">
+            <a:extLst>
+              <a:ext uri="{FF2B5EF4-FFF2-40B4-BE49-F238E27FC236}">
+                <a16:creationId xmlns:a16="http://schemas.microsoft.com/office/drawing/2014/main" id="{EE6BFDF9-1D13-4B56-9B4A-F9910A0D91B5}"/>
+              </a:ext>
+            </a:extLst>
+          </p:cNvPr>
+          <p:cNvCxnSpPr>
+            <a:stCxn id="10" idx="2"/>
+            <a:endCxn id="16" idx="0"/>
+          </p:cNvCxnSpPr>
+          <p:nvPr/>
+        </p:nvCxnSpPr>
+        <p:spPr>
+          <a:xfrm>
+            <a:off x="1653244" y="3678855"/>
+            <a:ext cx="731419" cy="481436"/>
+          </a:xfrm>
+          <a:prstGeom prst="straightConnector1">
+            <a:avLst/>
+          </a:prstGeom>
+          <a:ln>
+            <a:tailEnd type="triangle"/>
+          </a:ln>
+        </p:spPr>
+        <p:style>
+          <a:lnRef idx="1">
+            <a:schemeClr val="accent1"/>
+          </a:lnRef>
+          <a:fillRef idx="0">
+            <a:schemeClr val="accent1"/>
+          </a:fillRef>
+          <a:effectRef idx="0">
+            <a:schemeClr val="accent1"/>
+          </a:effectRef>
+          <a:fontRef idx="minor">
+            <a:schemeClr val="tx1"/>
+          </a:fontRef>
+        </p:style>
+      </p:cxnSp>
+      <p:cxnSp>
+        <p:nvCxnSpPr>
+          <p:cNvPr id="29" name="Gerade Verbindung mit Pfeil 28">
+            <a:extLst>
+              <a:ext uri="{FF2B5EF4-FFF2-40B4-BE49-F238E27FC236}">
+                <a16:creationId xmlns:a16="http://schemas.microsoft.com/office/drawing/2014/main" id="{2B6750AE-6EC0-40F1-B701-3F9215B31AAB}"/>
+              </a:ext>
+            </a:extLst>
+          </p:cNvPr>
+          <p:cNvCxnSpPr>
+            <a:stCxn id="9" idx="2"/>
+            <a:endCxn id="19" idx="0"/>
+          </p:cNvCxnSpPr>
+          <p:nvPr/>
+        </p:nvCxnSpPr>
+        <p:spPr>
+          <a:xfrm flipH="1">
+            <a:off x="4578461" y="3725872"/>
+            <a:ext cx="1336767" cy="434420"/>
+          </a:xfrm>
+          <a:prstGeom prst="straightConnector1">
+            <a:avLst/>
+          </a:prstGeom>
+          <a:ln>
+            <a:tailEnd type="triangle"/>
+          </a:ln>
+        </p:spPr>
+        <p:style>
+          <a:lnRef idx="1">
+            <a:schemeClr val="accent1"/>
+          </a:lnRef>
+          <a:fillRef idx="0">
+            <a:schemeClr val="accent1"/>
+          </a:fillRef>
+          <a:effectRef idx="0">
+            <a:schemeClr val="accent1"/>
+          </a:effectRef>
+          <a:fontRef idx="minor">
+            <a:schemeClr val="tx1"/>
+          </a:fontRef>
+        </p:style>
+      </p:cxnSp>
+      <p:cxnSp>
+        <p:nvCxnSpPr>
+          <p:cNvPr id="31" name="Gerade Verbindung mit Pfeil 30">
+            <a:extLst>
+              <a:ext uri="{FF2B5EF4-FFF2-40B4-BE49-F238E27FC236}">
+                <a16:creationId xmlns:a16="http://schemas.microsoft.com/office/drawing/2014/main" id="{ECE0892A-7145-4D3E-BF3F-666324FD07ED}"/>
+              </a:ext>
+            </a:extLst>
+          </p:cNvPr>
+          <p:cNvCxnSpPr>
+            <a:stCxn id="9" idx="2"/>
+            <a:endCxn id="12" idx="0"/>
+          </p:cNvCxnSpPr>
+          <p:nvPr/>
+        </p:nvCxnSpPr>
+        <p:spPr>
+          <a:xfrm>
+            <a:off x="5915228" y="3725872"/>
+            <a:ext cx="22493" cy="434420"/>
+          </a:xfrm>
+          <a:prstGeom prst="straightConnector1">
+            <a:avLst/>
+          </a:prstGeom>
+          <a:ln>
+            <a:tailEnd type="triangle"/>
+          </a:ln>
+        </p:spPr>
+        <p:style>
+          <a:lnRef idx="1">
+            <a:schemeClr val="accent1"/>
+          </a:lnRef>
+          <a:fillRef idx="0">
+            <a:schemeClr val="accent1"/>
+          </a:fillRef>
+          <a:effectRef idx="0">
+            <a:schemeClr val="accent1"/>
+          </a:effectRef>
+          <a:fontRef idx="minor">
+            <a:schemeClr val="tx1"/>
+          </a:fontRef>
+        </p:style>
+      </p:cxnSp>
+      <p:cxnSp>
+        <p:nvCxnSpPr>
+          <p:cNvPr id="33" name="Gerade Verbindung mit Pfeil 32">
+            <a:extLst>
+              <a:ext uri="{FF2B5EF4-FFF2-40B4-BE49-F238E27FC236}">
+                <a16:creationId xmlns:a16="http://schemas.microsoft.com/office/drawing/2014/main" id="{DA1D61F6-21A6-4EA9-A528-F4AF40B025C8}"/>
+              </a:ext>
+            </a:extLst>
+          </p:cNvPr>
+          <p:cNvCxnSpPr>
+            <a:stCxn id="9" idx="2"/>
+            <a:endCxn id="14" idx="0"/>
+          </p:cNvCxnSpPr>
+          <p:nvPr/>
+        </p:nvCxnSpPr>
+        <p:spPr>
+          <a:xfrm>
+            <a:off x="5915228" y="3725872"/>
+            <a:ext cx="1164773" cy="418951"/>
+          </a:xfrm>
+          <a:prstGeom prst="straightConnector1">
+            <a:avLst/>
+          </a:prstGeom>
+          <a:ln>
+            <a:tailEnd type="triangle"/>
+          </a:ln>
+        </p:spPr>
+        <p:style>
+          <a:lnRef idx="1">
+            <a:schemeClr val="accent1"/>
+          </a:lnRef>
+          <a:fillRef idx="0">
+            <a:schemeClr val="accent1"/>
+          </a:fillRef>
+          <a:effectRef idx="0">
+            <a:schemeClr val="accent1"/>
+          </a:effectRef>
+          <a:fontRef idx="minor">
+            <a:schemeClr val="tx1"/>
+          </a:fontRef>
+        </p:style>
+      </p:cxnSp>
+      <p:cxnSp>
+        <p:nvCxnSpPr>
+          <p:cNvPr id="35" name="Gerade Verbindung mit Pfeil 34">
+            <a:extLst>
+              <a:ext uri="{FF2B5EF4-FFF2-40B4-BE49-F238E27FC236}">
+                <a16:creationId xmlns:a16="http://schemas.microsoft.com/office/drawing/2014/main" id="{D8E6C0DB-05B9-470E-9088-F344A2922638}"/>
+              </a:ext>
+            </a:extLst>
+          </p:cNvPr>
+          <p:cNvCxnSpPr>
+            <a:cxnSpLocks/>
+            <a:stCxn id="8" idx="2"/>
+            <a:endCxn id="13" idx="0"/>
+          </p:cNvCxnSpPr>
+          <p:nvPr/>
+        </p:nvCxnSpPr>
+        <p:spPr>
+          <a:xfrm flipH="1">
+            <a:off x="9004154" y="3847792"/>
+            <a:ext cx="862686" cy="370690"/>
+          </a:xfrm>
+          <a:prstGeom prst="straightConnector1">
+            <a:avLst/>
+          </a:prstGeom>
+          <a:ln>
+            <a:tailEnd type="triangle"/>
+          </a:ln>
+        </p:spPr>
+        <p:style>
+          <a:lnRef idx="1">
+            <a:schemeClr val="accent1"/>
+          </a:lnRef>
+          <a:fillRef idx="0">
+            <a:schemeClr val="accent1"/>
+          </a:fillRef>
+          <a:effectRef idx="0">
+            <a:schemeClr val="accent1"/>
+          </a:effectRef>
+          <a:fontRef idx="minor">
+            <a:schemeClr val="tx1"/>
+          </a:fontRef>
+        </p:style>
+      </p:cxnSp>
+      <p:cxnSp>
+        <p:nvCxnSpPr>
+          <p:cNvPr id="38" name="Gerade Verbindung mit Pfeil 37">
+            <a:extLst>
+              <a:ext uri="{FF2B5EF4-FFF2-40B4-BE49-F238E27FC236}">
+                <a16:creationId xmlns:a16="http://schemas.microsoft.com/office/drawing/2014/main" id="{8E6ECA53-FF5E-4236-9551-2DC2EED3B15E}"/>
+              </a:ext>
+            </a:extLst>
+          </p:cNvPr>
+          <p:cNvCxnSpPr>
+            <a:stCxn id="8" idx="2"/>
+            <a:endCxn id="18" idx="0"/>
+          </p:cNvCxnSpPr>
+          <p:nvPr/>
+        </p:nvCxnSpPr>
+        <p:spPr>
+          <a:xfrm>
+            <a:off x="9866840" y="3847792"/>
+            <a:ext cx="601339" cy="370690"/>
+          </a:xfrm>
+          <a:prstGeom prst="straightConnector1">
+            <a:avLst/>
+          </a:prstGeom>
+          <a:ln>
+            <a:tailEnd type="triangle"/>
+          </a:ln>
+        </p:spPr>
+        <p:style>
+          <a:lnRef idx="1">
+            <a:schemeClr val="accent1"/>
+          </a:lnRef>
+          <a:fillRef idx="0">
+            <a:schemeClr val="accent1"/>
+          </a:fillRef>
+          <a:effectRef idx="0">
+            <a:schemeClr val="accent1"/>
+          </a:effectRef>
+          <a:fontRef idx="minor">
+            <a:schemeClr val="tx1"/>
+          </a:fontRef>
+        </p:style>
+      </p:cxnSp>
+      <p:cxnSp>
+        <p:nvCxnSpPr>
+          <p:cNvPr id="40" name="Gerade Verbindung mit Pfeil 39">
+            <a:extLst>
+              <a:ext uri="{FF2B5EF4-FFF2-40B4-BE49-F238E27FC236}">
+                <a16:creationId xmlns:a16="http://schemas.microsoft.com/office/drawing/2014/main" id="{860E455B-C657-4D1B-825F-B4418007F9E3}"/>
+              </a:ext>
+            </a:extLst>
+          </p:cNvPr>
+          <p:cNvCxnSpPr>
+            <a:stCxn id="18" idx="2"/>
+            <a:endCxn id="17" idx="0"/>
+          </p:cNvCxnSpPr>
+          <p:nvPr/>
+        </p:nvCxnSpPr>
+        <p:spPr>
+          <a:xfrm flipH="1">
+            <a:off x="9866840" y="4767122"/>
+            <a:ext cx="601339" cy="487530"/>
+          </a:xfrm>
+          <a:prstGeom prst="straightConnector1">
+            <a:avLst/>
+          </a:prstGeom>
+          <a:ln>
+            <a:tailEnd type="triangle"/>
+          </a:ln>
+        </p:spPr>
+        <p:style>
+          <a:lnRef idx="1">
+            <a:schemeClr val="accent1"/>
+          </a:lnRef>
+          <a:fillRef idx="0">
+            <a:schemeClr val="accent1"/>
+          </a:fillRef>
+          <a:effectRef idx="0">
+            <a:schemeClr val="accent1"/>
+          </a:effectRef>
+          <a:fontRef idx="minor">
+            <a:schemeClr val="tx1"/>
+          </a:fontRef>
+        </p:style>
+      </p:cxnSp>
+      <p:cxnSp>
+        <p:nvCxnSpPr>
+          <p:cNvPr id="42" name="Gerade Verbindung mit Pfeil 41">
+            <a:extLst>
+              <a:ext uri="{FF2B5EF4-FFF2-40B4-BE49-F238E27FC236}">
+                <a16:creationId xmlns:a16="http://schemas.microsoft.com/office/drawing/2014/main" id="{8FBC2EC5-C1D5-45E7-9AFB-CAD8F10C7B4C}"/>
+              </a:ext>
+            </a:extLst>
+          </p:cNvPr>
+          <p:cNvCxnSpPr>
+            <a:stCxn id="18" idx="2"/>
+            <a:endCxn id="11" idx="0"/>
+          </p:cNvCxnSpPr>
+          <p:nvPr/>
+        </p:nvCxnSpPr>
+        <p:spPr>
+          <a:xfrm>
+            <a:off x="10468179" y="4767122"/>
+            <a:ext cx="721537" cy="487530"/>
+          </a:xfrm>
+          <a:prstGeom prst="straightConnector1">
+            <a:avLst/>
+          </a:prstGeom>
+          <a:ln>
+            <a:tailEnd type="triangle"/>
+          </a:ln>
+        </p:spPr>
+        <p:style>
+          <a:lnRef idx="1">
+            <a:schemeClr val="accent1"/>
+          </a:lnRef>
+          <a:fillRef idx="0">
+            <a:schemeClr val="accent1"/>
+          </a:fillRef>
+          <a:effectRef idx="0">
+            <a:schemeClr val="accent1"/>
+          </a:effectRef>
+          <a:fontRef idx="minor">
+            <a:schemeClr val="tx1"/>
+          </a:fontRef>
+        </p:style>
+      </p:cxnSp>
+    </p:spTree>
+    <p:extLst>
+      <p:ext uri="{BB962C8B-B14F-4D97-AF65-F5344CB8AC3E}">
+        <p14:creationId xmlns:p14="http://schemas.microsoft.com/office/powerpoint/2010/main" val="3503683503"/>
+      </p:ext>
+    </p:extLst>
+  </p:cSld>
+  <p:clrMapOvr>
+    <a:masterClrMapping/>
+  </p:clrMapOvr>
+</p:sld>
+</file>
+
+<file path=ppt/slides/slide7.xml><?xml version="1.0" encoding="utf-8"?>
 <p:sld xmlns:a="http://schemas.openxmlformats.org/drawingml/2006/main" xmlns:r="http://schemas.openxmlformats.org/officeDocument/2006/relationships" xmlns:p="http://schemas.openxmlformats.org/presentationml/2006/main">
   <p:cSld>
     <p:bg>
@@ -6318,7 +13130,7 @@
 </p:sld>
 </file>
 
-<file path=ppt/slides/slide7.xml><?xml version="1.0" encoding="utf-8"?>
+<file path=ppt/slides/slide8.xml><?xml version="1.0" encoding="utf-8"?>
 <p:sld xmlns:a="http://schemas.openxmlformats.org/drawingml/2006/main" xmlns:r="http://schemas.openxmlformats.org/officeDocument/2006/relationships" xmlns:p="http://schemas.openxmlformats.org/presentationml/2006/main">
   <p:cSld>
     <p:bg>
@@ -6669,7 +13481,7 @@
 </p:sld>
 </file>
 
-<file path=ppt/slides/slide8.xml><?xml version="1.0" encoding="utf-8"?>
+<file path=ppt/slides/slide9.xml><?xml version="1.0" encoding="utf-8"?>
 <p:sld xmlns:a="http://schemas.openxmlformats.org/drawingml/2006/main" xmlns:r="http://schemas.openxmlformats.org/officeDocument/2006/relationships" xmlns:p="http://schemas.openxmlformats.org/presentationml/2006/main">
   <p:cSld>
     <p:bg>
@@ -7081,750 +13893,6 @@
     <p:extLst>
       <p:ext uri="{BB962C8B-B14F-4D97-AF65-F5344CB8AC3E}">
         <p14:creationId xmlns:p14="http://schemas.microsoft.com/office/powerpoint/2010/main" val="4185177068"/>
-      </p:ext>
-    </p:extLst>
-  </p:cSld>
-  <p:clrMapOvr>
-    <a:masterClrMapping/>
-  </p:clrMapOvr>
-</p:sld>
-</file>
-
-<file path=ppt/slides/slide9.xml><?xml version="1.0" encoding="utf-8"?>
-<p:sld xmlns:a="http://schemas.openxmlformats.org/drawingml/2006/main" xmlns:r="http://schemas.openxmlformats.org/officeDocument/2006/relationships" xmlns:p="http://schemas.openxmlformats.org/presentationml/2006/main">
-  <p:cSld>
-    <p:spTree>
-      <p:nvGrpSpPr>
-        <p:cNvPr id="1" name=""/>
-        <p:cNvGrpSpPr/>
-        <p:nvPr/>
-      </p:nvGrpSpPr>
-      <p:grpSpPr>
-        <a:xfrm>
-          <a:off x="0" y="0"/>
-          <a:ext cx="0" cy="0"/>
-          <a:chOff x="0" y="0"/>
-          <a:chExt cx="0" cy="0"/>
-        </a:xfrm>
-      </p:grpSpPr>
-      <p:sp>
-        <p:nvSpPr>
-          <p:cNvPr id="4" name="Titel 1">
-            <a:extLst>
-              <a:ext uri="{FF2B5EF4-FFF2-40B4-BE49-F238E27FC236}">
-                <a16:creationId xmlns:a16="http://schemas.microsoft.com/office/drawing/2014/main" id="{F3EA9F0D-7B7E-4F19-B401-C24981102199}"/>
-              </a:ext>
-            </a:extLst>
-          </p:cNvPr>
-          <p:cNvSpPr>
-            <a:spLocks noGrp="1"/>
-          </p:cNvSpPr>
-          <p:nvPr>
-            <p:ph type="title"/>
-          </p:nvPr>
-        </p:nvSpPr>
-        <p:spPr>
-          <a:xfrm>
-            <a:off x="546100" y="284480"/>
-            <a:ext cx="5257800" cy="879218"/>
-          </a:xfrm>
-        </p:spPr>
-        <p:txBody>
-          <a:bodyPr>
-            <a:noAutofit/>
-          </a:bodyPr>
-          <a:lstStyle/>
-          <a:p>
-            <a:r>
-              <a:rPr lang="de-DE" sz="2400" b="1" dirty="0"/>
-              <a:t>OmniMove: Gesamt- und Teilfunktionen</a:t>
-            </a:r>
-          </a:p>
-        </p:txBody>
-      </p:sp>
-      <p:pic>
-        <p:nvPicPr>
-          <p:cNvPr id="5" name="Grafik 4" descr="Logo Ingenieursinformatik">
-            <a:extLst>
-              <a:ext uri="{FF2B5EF4-FFF2-40B4-BE49-F238E27FC236}">
-                <a16:creationId xmlns:a16="http://schemas.microsoft.com/office/drawing/2014/main" id="{5F67C00D-DC9E-4350-AE3D-B911E466BA3D}"/>
-              </a:ext>
-            </a:extLst>
-          </p:cNvPr>
-          <p:cNvPicPr/>
-          <p:nvPr/>
-        </p:nvPicPr>
-        <p:blipFill>
-          <a:blip r:embed="rId2" cstate="print">
-            <a:extLst>
-              <a:ext uri="{28A0092B-C50C-407E-A947-70E740481C1C}">
-                <a14:useLocalDpi xmlns:a14="http://schemas.microsoft.com/office/drawing/2010/main" val="0"/>
-              </a:ext>
-            </a:extLst>
-          </a:blip>
-          <a:srcRect/>
-          <a:stretch>
-            <a:fillRect/>
-          </a:stretch>
-        </p:blipFill>
-        <p:spPr bwMode="auto">
-          <a:xfrm>
-            <a:off x="10178281" y="320040"/>
-            <a:ext cx="1692155" cy="924304"/>
-          </a:xfrm>
-          <a:prstGeom prst="rect">
-            <a:avLst/>
-          </a:prstGeom>
-          <a:noFill/>
-          <a:ln>
-            <a:noFill/>
-          </a:ln>
-        </p:spPr>
-      </p:pic>
-      <p:sp>
-        <p:nvSpPr>
-          <p:cNvPr id="7" name="Rechteck 6">
-            <a:extLst>
-              <a:ext uri="{FF2B5EF4-FFF2-40B4-BE49-F238E27FC236}">
-                <a16:creationId xmlns:a16="http://schemas.microsoft.com/office/drawing/2014/main" id="{1326D59B-D9EC-4DA5-8015-9DD0DA87A6D0}"/>
-              </a:ext>
-            </a:extLst>
-          </p:cNvPr>
-          <p:cNvSpPr/>
-          <p:nvPr/>
-        </p:nvSpPr>
-        <p:spPr>
-          <a:xfrm>
-            <a:off x="546100" y="3964481"/>
-            <a:ext cx="1321724" cy="548640"/>
-          </a:xfrm>
-          <a:prstGeom prst="rect">
-            <a:avLst/>
-          </a:prstGeom>
-        </p:spPr>
-        <p:style>
-          <a:lnRef idx="2">
-            <a:schemeClr val="accent1">
-              <a:shade val="50000"/>
-            </a:schemeClr>
-          </a:lnRef>
-          <a:fillRef idx="1">
-            <a:schemeClr val="accent1"/>
-          </a:fillRef>
-          <a:effectRef idx="0">
-            <a:schemeClr val="accent1"/>
-          </a:effectRef>
-          <a:fontRef idx="minor">
-            <a:schemeClr val="lt1"/>
-          </a:fontRef>
-        </p:style>
-        <p:txBody>
-          <a:bodyPr rtlCol="0" anchor="ctr"/>
-          <a:lstStyle/>
-          <a:p>
-            <a:pPr algn="ctr"/>
-            <a:r>
-              <a:rPr lang="de-DE" dirty="0" err="1"/>
-              <a:t>OmniDrive</a:t>
-            </a:r>
-            <a:endParaRPr lang="de-DE" dirty="0"/>
-          </a:p>
-        </p:txBody>
-      </p:sp>
-      <p:sp>
-        <p:nvSpPr>
-          <p:cNvPr id="8" name="Rechteck 7">
-            <a:extLst>
-              <a:ext uri="{FF2B5EF4-FFF2-40B4-BE49-F238E27FC236}">
-                <a16:creationId xmlns:a16="http://schemas.microsoft.com/office/drawing/2014/main" id="{12F403A4-FEA1-4124-9D9C-235349B16B1B}"/>
-              </a:ext>
-            </a:extLst>
-          </p:cNvPr>
-          <p:cNvSpPr/>
-          <p:nvPr/>
-        </p:nvSpPr>
-        <p:spPr>
-          <a:xfrm>
-            <a:off x="2951012" y="1012605"/>
-            <a:ext cx="1404851" cy="548640"/>
-          </a:xfrm>
-          <a:prstGeom prst="rect">
-            <a:avLst/>
-          </a:prstGeom>
-        </p:spPr>
-        <p:style>
-          <a:lnRef idx="2">
-            <a:schemeClr val="accent1">
-              <a:shade val="50000"/>
-            </a:schemeClr>
-          </a:lnRef>
-          <a:fillRef idx="1">
-            <a:schemeClr val="accent1"/>
-          </a:fillRef>
-          <a:effectRef idx="0">
-            <a:schemeClr val="accent1"/>
-          </a:effectRef>
-          <a:fontRef idx="minor">
-            <a:schemeClr val="lt1"/>
-          </a:fontRef>
-        </p:style>
-        <p:txBody>
-          <a:bodyPr rtlCol="0" anchor="ctr"/>
-          <a:lstStyle/>
-          <a:p>
-            <a:pPr algn="ctr"/>
-            <a:r>
-              <a:rPr lang="de-DE" dirty="0"/>
-              <a:t>Antrieb</a:t>
-            </a:r>
-          </a:p>
-        </p:txBody>
-      </p:sp>
-      <p:sp>
-        <p:nvSpPr>
-          <p:cNvPr id="9" name="Rechteck 8">
-            <a:extLst>
-              <a:ext uri="{FF2B5EF4-FFF2-40B4-BE49-F238E27FC236}">
-                <a16:creationId xmlns:a16="http://schemas.microsoft.com/office/drawing/2014/main" id="{147DF120-C76A-4D13-BB4B-6B5329EFDFF7}"/>
-              </a:ext>
-            </a:extLst>
-          </p:cNvPr>
-          <p:cNvSpPr/>
-          <p:nvPr/>
-        </p:nvSpPr>
-        <p:spPr>
-          <a:xfrm>
-            <a:off x="2951013" y="3964481"/>
-            <a:ext cx="1404851" cy="548640"/>
-          </a:xfrm>
-          <a:prstGeom prst="rect">
-            <a:avLst/>
-          </a:prstGeom>
-        </p:spPr>
-        <p:style>
-          <a:lnRef idx="2">
-            <a:schemeClr val="accent1">
-              <a:shade val="50000"/>
-            </a:schemeClr>
-          </a:lnRef>
-          <a:fillRef idx="1">
-            <a:schemeClr val="accent1"/>
-          </a:fillRef>
-          <a:effectRef idx="0">
-            <a:schemeClr val="accent1"/>
-          </a:effectRef>
-          <a:fontRef idx="minor">
-            <a:schemeClr val="lt1"/>
-          </a:fontRef>
-        </p:style>
-        <p:txBody>
-          <a:bodyPr rtlCol="0" anchor="ctr"/>
-          <a:lstStyle/>
-          <a:p>
-            <a:pPr algn="ctr"/>
-            <a:r>
-              <a:rPr lang="de-DE" dirty="0"/>
-              <a:t>Steuerung</a:t>
-            </a:r>
-          </a:p>
-        </p:txBody>
-      </p:sp>
-      <p:sp>
-        <p:nvSpPr>
-          <p:cNvPr id="10" name="Rechteck 9">
-            <a:extLst>
-              <a:ext uri="{FF2B5EF4-FFF2-40B4-BE49-F238E27FC236}">
-                <a16:creationId xmlns:a16="http://schemas.microsoft.com/office/drawing/2014/main" id="{D546F341-AC31-4CFF-BD7C-E2639DA0DA76}"/>
-              </a:ext>
-            </a:extLst>
-          </p:cNvPr>
-          <p:cNvSpPr/>
-          <p:nvPr/>
-        </p:nvSpPr>
-        <p:spPr>
-          <a:xfrm>
-            <a:off x="2951015" y="5613312"/>
-            <a:ext cx="1404851" cy="548641"/>
-          </a:xfrm>
-          <a:prstGeom prst="rect">
-            <a:avLst/>
-          </a:prstGeom>
-        </p:spPr>
-        <p:style>
-          <a:lnRef idx="2">
-            <a:schemeClr val="accent1">
-              <a:shade val="50000"/>
-            </a:schemeClr>
-          </a:lnRef>
-          <a:fillRef idx="1">
-            <a:schemeClr val="accent1"/>
-          </a:fillRef>
-          <a:effectRef idx="0">
-            <a:schemeClr val="accent1"/>
-          </a:effectRef>
-          <a:fontRef idx="minor">
-            <a:schemeClr val="lt1"/>
-          </a:fontRef>
-        </p:style>
-        <p:txBody>
-          <a:bodyPr rtlCol="0" anchor="ctr"/>
-          <a:lstStyle/>
-          <a:p>
-            <a:pPr algn="ctr"/>
-            <a:r>
-              <a:rPr lang="de-DE" dirty="0"/>
-              <a:t>Chassis</a:t>
-            </a:r>
-          </a:p>
-        </p:txBody>
-      </p:sp>
-      <p:sp>
-        <p:nvSpPr>
-          <p:cNvPr id="11" name="Rechteck 10">
-            <a:extLst>
-              <a:ext uri="{FF2B5EF4-FFF2-40B4-BE49-F238E27FC236}">
-                <a16:creationId xmlns:a16="http://schemas.microsoft.com/office/drawing/2014/main" id="{654DB9E9-6F2C-43A3-8B51-1E121877FF47}"/>
-              </a:ext>
-            </a:extLst>
-          </p:cNvPr>
-          <p:cNvSpPr/>
-          <p:nvPr/>
-        </p:nvSpPr>
-        <p:spPr>
-          <a:xfrm>
-            <a:off x="6630330" y="1677623"/>
-            <a:ext cx="1404851" cy="548640"/>
-          </a:xfrm>
-          <a:prstGeom prst="rect">
-            <a:avLst/>
-          </a:prstGeom>
-        </p:spPr>
-        <p:style>
-          <a:lnRef idx="2">
-            <a:schemeClr val="accent1">
-              <a:shade val="50000"/>
-            </a:schemeClr>
-          </a:lnRef>
-          <a:fillRef idx="1">
-            <a:schemeClr val="accent1"/>
-          </a:fillRef>
-          <a:effectRef idx="0">
-            <a:schemeClr val="accent1"/>
-          </a:effectRef>
-          <a:fontRef idx="minor">
-            <a:schemeClr val="lt1"/>
-          </a:fontRef>
-        </p:style>
-        <p:txBody>
-          <a:bodyPr rtlCol="0" anchor="ctr"/>
-          <a:lstStyle/>
-          <a:p>
-            <a:pPr algn="ctr"/>
-            <a:r>
-              <a:rPr lang="de-DE" dirty="0" err="1"/>
-              <a:t>Mecanum</a:t>
-            </a:r>
-            <a:endParaRPr lang="de-DE" dirty="0"/>
-          </a:p>
-        </p:txBody>
-      </p:sp>
-      <p:sp>
-        <p:nvSpPr>
-          <p:cNvPr id="12" name="Rechteck 11">
-            <a:extLst>
-              <a:ext uri="{FF2B5EF4-FFF2-40B4-BE49-F238E27FC236}">
-                <a16:creationId xmlns:a16="http://schemas.microsoft.com/office/drawing/2014/main" id="{D73CAE70-B95C-4D87-AF4B-35B3C13DB2A9}"/>
-              </a:ext>
-            </a:extLst>
-          </p:cNvPr>
-          <p:cNvSpPr/>
-          <p:nvPr/>
-        </p:nvSpPr>
-        <p:spPr>
-          <a:xfrm>
-            <a:off x="4691146" y="3964481"/>
-            <a:ext cx="1404851" cy="548640"/>
-          </a:xfrm>
-          <a:prstGeom prst="rect">
-            <a:avLst/>
-          </a:prstGeom>
-        </p:spPr>
-        <p:style>
-          <a:lnRef idx="2">
-            <a:schemeClr val="accent1">
-              <a:shade val="50000"/>
-            </a:schemeClr>
-          </a:lnRef>
-          <a:fillRef idx="1">
-            <a:schemeClr val="accent1"/>
-          </a:fillRef>
-          <a:effectRef idx="0">
-            <a:schemeClr val="accent1"/>
-          </a:effectRef>
-          <a:fontRef idx="minor">
-            <a:schemeClr val="lt1"/>
-          </a:fontRef>
-        </p:style>
-        <p:txBody>
-          <a:bodyPr rtlCol="0" anchor="ctr"/>
-          <a:lstStyle/>
-          <a:p>
-            <a:pPr algn="ctr"/>
-            <a:r>
-              <a:rPr lang="de-DE" dirty="0"/>
-              <a:t>H-Brücke</a:t>
-            </a:r>
-          </a:p>
-        </p:txBody>
-      </p:sp>
-      <p:sp>
-        <p:nvSpPr>
-          <p:cNvPr id="13" name="Rechteck 12">
-            <a:extLst>
-              <a:ext uri="{FF2B5EF4-FFF2-40B4-BE49-F238E27FC236}">
-                <a16:creationId xmlns:a16="http://schemas.microsoft.com/office/drawing/2014/main" id="{EB7FCD5F-C6D2-47DC-8CD6-3962CD9EF062}"/>
-              </a:ext>
-            </a:extLst>
-          </p:cNvPr>
-          <p:cNvSpPr/>
-          <p:nvPr/>
-        </p:nvSpPr>
-        <p:spPr>
-          <a:xfrm>
-            <a:off x="4691145" y="1735015"/>
-            <a:ext cx="1404851" cy="548640"/>
-          </a:xfrm>
-          <a:prstGeom prst="rect">
-            <a:avLst/>
-          </a:prstGeom>
-        </p:spPr>
-        <p:style>
-          <a:lnRef idx="2">
-            <a:schemeClr val="accent1">
-              <a:shade val="50000"/>
-            </a:schemeClr>
-          </a:lnRef>
-          <a:fillRef idx="1">
-            <a:schemeClr val="accent1"/>
-          </a:fillRef>
-          <a:effectRef idx="0">
-            <a:schemeClr val="accent1"/>
-          </a:effectRef>
-          <a:fontRef idx="minor">
-            <a:schemeClr val="lt1"/>
-          </a:fontRef>
-        </p:style>
-        <p:txBody>
-          <a:bodyPr rtlCol="0" anchor="ctr"/>
-          <a:lstStyle/>
-          <a:p>
-            <a:pPr algn="ctr"/>
-            <a:r>
-              <a:rPr lang="de-DE" dirty="0"/>
-              <a:t>DC-Motor</a:t>
-            </a:r>
-          </a:p>
-        </p:txBody>
-      </p:sp>
-      <p:sp>
-        <p:nvSpPr>
-          <p:cNvPr id="14" name="Rechteck 13">
-            <a:extLst>
-              <a:ext uri="{FF2B5EF4-FFF2-40B4-BE49-F238E27FC236}">
-                <a16:creationId xmlns:a16="http://schemas.microsoft.com/office/drawing/2014/main" id="{A20E41F7-D0A7-4832-A7C2-0386CCCAF911}"/>
-              </a:ext>
-            </a:extLst>
-          </p:cNvPr>
-          <p:cNvSpPr/>
-          <p:nvPr/>
-        </p:nvSpPr>
-        <p:spPr>
-          <a:xfrm>
-            <a:off x="4691145" y="3274525"/>
-            <a:ext cx="1404851" cy="548640"/>
-          </a:xfrm>
-          <a:prstGeom prst="rect">
-            <a:avLst/>
-          </a:prstGeom>
-        </p:spPr>
-        <p:style>
-          <a:lnRef idx="2">
-            <a:schemeClr val="accent1">
-              <a:shade val="50000"/>
-            </a:schemeClr>
-          </a:lnRef>
-          <a:fillRef idx="1">
-            <a:schemeClr val="accent1"/>
-          </a:fillRef>
-          <a:effectRef idx="0">
-            <a:schemeClr val="accent1"/>
-          </a:effectRef>
-          <a:fontRef idx="minor">
-            <a:schemeClr val="lt1"/>
-          </a:fontRef>
-        </p:style>
-        <p:txBody>
-          <a:bodyPr rtlCol="0" anchor="ctr"/>
-          <a:lstStyle/>
-          <a:p>
-            <a:pPr algn="ctr"/>
-            <a:r>
-              <a:rPr lang="de-DE" dirty="0"/>
-              <a:t>ESP32</a:t>
-            </a:r>
-          </a:p>
-        </p:txBody>
-      </p:sp>
-      <p:sp>
-        <p:nvSpPr>
-          <p:cNvPr id="15" name="Rechteck 14">
-            <a:extLst>
-              <a:ext uri="{FF2B5EF4-FFF2-40B4-BE49-F238E27FC236}">
-                <a16:creationId xmlns:a16="http://schemas.microsoft.com/office/drawing/2014/main" id="{A223EAEB-7E13-4A0C-A89D-309F7050F764}"/>
-              </a:ext>
-            </a:extLst>
-          </p:cNvPr>
-          <p:cNvSpPr/>
-          <p:nvPr/>
-        </p:nvSpPr>
-        <p:spPr>
-          <a:xfrm>
-            <a:off x="4691146" y="5613312"/>
-            <a:ext cx="1404851" cy="548641"/>
-          </a:xfrm>
-          <a:prstGeom prst="rect">
-            <a:avLst/>
-          </a:prstGeom>
-        </p:spPr>
-        <p:style>
-          <a:lnRef idx="2">
-            <a:schemeClr val="accent1">
-              <a:shade val="50000"/>
-            </a:schemeClr>
-          </a:lnRef>
-          <a:fillRef idx="1">
-            <a:schemeClr val="accent1"/>
-          </a:fillRef>
-          <a:effectRef idx="0">
-            <a:schemeClr val="accent1"/>
-          </a:effectRef>
-          <a:fontRef idx="minor">
-            <a:schemeClr val="lt1"/>
-          </a:fontRef>
-        </p:style>
-        <p:txBody>
-          <a:bodyPr rtlCol="0" anchor="ctr"/>
-          <a:lstStyle/>
-          <a:p>
-            <a:pPr algn="ctr"/>
-            <a:r>
-              <a:rPr lang="de-DE" dirty="0"/>
-              <a:t>Eierhalter</a:t>
-            </a:r>
-          </a:p>
-        </p:txBody>
-      </p:sp>
-      <p:sp>
-        <p:nvSpPr>
-          <p:cNvPr id="16" name="Rechteck 15">
-            <a:extLst>
-              <a:ext uri="{FF2B5EF4-FFF2-40B4-BE49-F238E27FC236}">
-                <a16:creationId xmlns:a16="http://schemas.microsoft.com/office/drawing/2014/main" id="{58EB89CE-8A04-481B-9E5C-26D78AA4F844}"/>
-              </a:ext>
-            </a:extLst>
-          </p:cNvPr>
-          <p:cNvSpPr/>
-          <p:nvPr/>
-        </p:nvSpPr>
-        <p:spPr>
-          <a:xfrm>
-            <a:off x="4691146" y="4848320"/>
-            <a:ext cx="1404851" cy="548641"/>
-          </a:xfrm>
-          <a:prstGeom prst="rect">
-            <a:avLst/>
-          </a:prstGeom>
-        </p:spPr>
-        <p:style>
-          <a:lnRef idx="2">
-            <a:schemeClr val="accent1">
-              <a:shade val="50000"/>
-            </a:schemeClr>
-          </a:lnRef>
-          <a:fillRef idx="1">
-            <a:schemeClr val="accent1"/>
-          </a:fillRef>
-          <a:effectRef idx="0">
-            <a:schemeClr val="accent1"/>
-          </a:effectRef>
-          <a:fontRef idx="minor">
-            <a:schemeClr val="lt1"/>
-          </a:fontRef>
-        </p:style>
-        <p:txBody>
-          <a:bodyPr rtlCol="0" anchor="ctr"/>
-          <a:lstStyle/>
-          <a:p>
-            <a:pPr algn="ctr"/>
-            <a:r>
-              <a:rPr lang="de-DE" dirty="0"/>
-              <a:t>TPU- Federung</a:t>
-            </a:r>
-          </a:p>
-        </p:txBody>
-      </p:sp>
-      <p:sp>
-        <p:nvSpPr>
-          <p:cNvPr id="17" name="Rechteck 16">
-            <a:extLst>
-              <a:ext uri="{FF2B5EF4-FFF2-40B4-BE49-F238E27FC236}">
-                <a16:creationId xmlns:a16="http://schemas.microsoft.com/office/drawing/2014/main" id="{8B79E97C-9FE8-4C38-B541-06784E53B1DB}"/>
-              </a:ext>
-            </a:extLst>
-          </p:cNvPr>
-          <p:cNvSpPr/>
-          <p:nvPr/>
-        </p:nvSpPr>
-        <p:spPr>
-          <a:xfrm>
-            <a:off x="6630330" y="968476"/>
-            <a:ext cx="1404851" cy="548640"/>
-          </a:xfrm>
-          <a:prstGeom prst="rect">
-            <a:avLst/>
-          </a:prstGeom>
-        </p:spPr>
-        <p:style>
-          <a:lnRef idx="2">
-            <a:schemeClr val="accent1">
-              <a:shade val="50000"/>
-            </a:schemeClr>
-          </a:lnRef>
-          <a:fillRef idx="1">
-            <a:schemeClr val="accent1"/>
-          </a:fillRef>
-          <a:effectRef idx="0">
-            <a:schemeClr val="accent1"/>
-          </a:effectRef>
-          <a:fontRef idx="minor">
-            <a:schemeClr val="lt1"/>
-          </a:fontRef>
-        </p:style>
-        <p:txBody>
-          <a:bodyPr rtlCol="0" anchor="ctr"/>
-          <a:lstStyle/>
-          <a:p>
-            <a:pPr algn="ctr"/>
-            <a:r>
-              <a:rPr lang="de-DE" dirty="0"/>
-              <a:t>Getriebe</a:t>
-            </a:r>
-          </a:p>
-        </p:txBody>
-      </p:sp>
-      <p:sp>
-        <p:nvSpPr>
-          <p:cNvPr id="18" name="Rechteck 17">
-            <a:extLst>
-              <a:ext uri="{FF2B5EF4-FFF2-40B4-BE49-F238E27FC236}">
-                <a16:creationId xmlns:a16="http://schemas.microsoft.com/office/drawing/2014/main" id="{7F7162D3-FF75-4BF2-9408-98960E58B57E}"/>
-              </a:ext>
-            </a:extLst>
-          </p:cNvPr>
-          <p:cNvSpPr/>
-          <p:nvPr/>
-        </p:nvSpPr>
-        <p:spPr>
-          <a:xfrm>
-            <a:off x="4691145" y="970024"/>
-            <a:ext cx="1404851" cy="548640"/>
-          </a:xfrm>
-          <a:prstGeom prst="rect">
-            <a:avLst/>
-          </a:prstGeom>
-        </p:spPr>
-        <p:style>
-          <a:lnRef idx="2">
-            <a:schemeClr val="accent1">
-              <a:shade val="50000"/>
-            </a:schemeClr>
-          </a:lnRef>
-          <a:fillRef idx="1">
-            <a:schemeClr val="accent1"/>
-          </a:fillRef>
-          <a:effectRef idx="0">
-            <a:schemeClr val="accent1"/>
-          </a:effectRef>
-          <a:fontRef idx="minor">
-            <a:schemeClr val="lt1"/>
-          </a:fontRef>
-        </p:style>
-        <p:txBody>
-          <a:bodyPr rtlCol="0" anchor="ctr"/>
-          <a:lstStyle/>
-          <a:p>
-            <a:pPr algn="ctr"/>
-            <a:r>
-              <a:rPr lang="de-DE" dirty="0"/>
-              <a:t>Räder</a:t>
-            </a:r>
-          </a:p>
-        </p:txBody>
-      </p:sp>
-      <p:sp>
-        <p:nvSpPr>
-          <p:cNvPr id="19" name="Rechteck 18">
-            <a:extLst>
-              <a:ext uri="{FF2B5EF4-FFF2-40B4-BE49-F238E27FC236}">
-                <a16:creationId xmlns:a16="http://schemas.microsoft.com/office/drawing/2014/main" id="{C12C4AE4-31D9-454F-B749-676100716710}"/>
-              </a:ext>
-            </a:extLst>
-          </p:cNvPr>
-          <p:cNvSpPr/>
-          <p:nvPr/>
-        </p:nvSpPr>
-        <p:spPr>
-          <a:xfrm>
-            <a:off x="4691145" y="2630088"/>
-            <a:ext cx="1404851" cy="548640"/>
-          </a:xfrm>
-          <a:prstGeom prst="rect">
-            <a:avLst/>
-          </a:prstGeom>
-        </p:spPr>
-        <p:style>
-          <a:lnRef idx="2">
-            <a:schemeClr val="accent1">
-              <a:shade val="50000"/>
-            </a:schemeClr>
-          </a:lnRef>
-          <a:fillRef idx="1">
-            <a:schemeClr val="accent1"/>
-          </a:fillRef>
-          <a:effectRef idx="0">
-            <a:schemeClr val="accent1"/>
-          </a:effectRef>
-          <a:fontRef idx="minor">
-            <a:schemeClr val="lt1"/>
-          </a:fontRef>
-        </p:style>
-        <p:txBody>
-          <a:bodyPr rtlCol="0" anchor="ctr"/>
-          <a:lstStyle/>
-          <a:p>
-            <a:pPr algn="ctr"/>
-            <a:r>
-              <a:rPr lang="de-DE" dirty="0" err="1"/>
-              <a:t>Gyroscope</a:t>
-            </a:r>
-            <a:endParaRPr lang="de-DE" dirty="0"/>
-          </a:p>
-        </p:txBody>
-      </p:sp>
-    </p:spTree>
-    <p:extLst>
-      <p:ext uri="{BB962C8B-B14F-4D97-AF65-F5344CB8AC3E}">
-        <p14:creationId xmlns:p14="http://schemas.microsoft.com/office/powerpoint/2010/main" val="3503683503"/>
       </p:ext>
     </p:extLst>
   </p:cSld>

--- a/Praktikum Produktionstechnik M2.pptx
+++ b/Praktikum Produktionstechnik M2.pptx
@@ -162,35 +162,6 @@
           <inkml:channelProperty channel="Y" name="resolution" value="1000" units="1/cm"/>
         </inkml:channelProperties>
       </inkml:inkSource>
-      <inkml:timestamp xml:id="ts0" timeString="2019-05-27T17:45:37.252"/>
-    </inkml:context>
-    <inkml:brush xml:id="br0">
-      <inkml:brushProperty name="width" value="0.1" units="cm"/>
-      <inkml:brushProperty name="height" value="0.2" units="cm"/>
-      <inkml:brushProperty name="color" value="#FFFC00"/>
-      <inkml:brushProperty name="tip" value="rectangle"/>
-      <inkml:brushProperty name="rasterOp" value="maskPen"/>
-      <inkml:brushProperty name="ignorePressure" value="1"/>
-    </inkml:brush>
-  </inkml:definitions>
-  <inkml:trace contextRef="#ctx0" brushRef="#br0">5613 0,'-5272'1025,"5257"-1022,1 0,2-1,-1 1,-1-1,1 1,-167 32,166-32,4-1,-2 0,0 0,2 0,1 0,-3 0</inkml:trace>
-</inkml:ink>
-</file>
-
-<file path=ppt/ink/ink11.xml><?xml version="1.0" encoding="utf-8"?>
-<inkml:ink xmlns:inkml="http://www.w3.org/2003/InkML">
-  <inkml:definitions>
-    <inkml:context xml:id="ctx0">
-      <inkml:inkSource xml:id="inkSrc0">
-        <inkml:traceFormat>
-          <inkml:channel name="X" type="integer" min="-2.14748E9" max="2.14748E9" units="cm"/>
-          <inkml:channel name="Y" type="integer" min="-2.14748E9" max="2.14748E9" units="cm"/>
-        </inkml:traceFormat>
-        <inkml:channelProperties>
-          <inkml:channelProperty channel="X" name="resolution" value="1000" units="1/cm"/>
-          <inkml:channelProperty channel="Y" name="resolution" value="1000" units="1/cm"/>
-        </inkml:channelProperties>
-      </inkml:inkSource>
       <inkml:timestamp xml:id="ts0" timeString="2019-05-27T17:45:52.384"/>
     </inkml:context>
     <inkml:brush xml:id="br0">
@@ -206,7 +177,7 @@
 </inkml:ink>
 </file>
 
-<file path=ppt/ink/ink12.xml><?xml version="1.0" encoding="utf-8"?>
+<file path=ppt/ink/ink11.xml><?xml version="1.0" encoding="utf-8"?>
 <inkml:ink xmlns:inkml="http://www.w3.org/2003/InkML">
   <inkml:definitions>
     <inkml:context xml:id="ctx0">
@@ -235,7 +206,7 @@
 </inkml:ink>
 </file>
 
-<file path=ppt/ink/ink13.xml><?xml version="1.0" encoding="utf-8"?>
+<file path=ppt/ink/ink12.xml><?xml version="1.0" encoding="utf-8"?>
 <inkml:ink xmlns:inkml="http://www.w3.org/2003/InkML">
   <inkml:definitions>
     <inkml:context xml:id="ctx0">
@@ -265,7 +236,7 @@
 </inkml:ink>
 </file>
 
-<file path=ppt/ink/ink14.xml><?xml version="1.0" encoding="utf-8"?>
+<file path=ppt/ink/ink13.xml><?xml version="1.0" encoding="utf-8"?>
 <inkml:ink xmlns:inkml="http://www.w3.org/2003/InkML">
   <inkml:definitions>
     <inkml:context xml:id="ctx0">
@@ -295,7 +266,7 @@
 </inkml:ink>
 </file>
 
-<file path=ppt/ink/ink15.xml><?xml version="1.0" encoding="utf-8"?>
+<file path=ppt/ink/ink14.xml><?xml version="1.0" encoding="utf-8"?>
 <inkml:ink xmlns:inkml="http://www.w3.org/2003/InkML">
   <inkml:definitions>
     <inkml:context xml:id="ctx0">
@@ -325,7 +296,7 @@
 </inkml:ink>
 </file>
 
-<file path=ppt/ink/ink16.xml><?xml version="1.0" encoding="utf-8"?>
+<file path=ppt/ink/ink15.xml><?xml version="1.0" encoding="utf-8"?>
 <inkml:ink xmlns:inkml="http://www.w3.org/2003/InkML">
   <inkml:definitions>
     <inkml:context xml:id="ctx0">
@@ -355,7 +326,7 @@
 </inkml:ink>
 </file>
 
-<file path=ppt/ink/ink17.xml><?xml version="1.0" encoding="utf-8"?>
+<file path=ppt/ink/ink16.xml><?xml version="1.0" encoding="utf-8"?>
 <inkml:ink xmlns:inkml="http://www.w3.org/2003/InkML">
   <inkml:definitions>
     <inkml:context xml:id="ctx0">
@@ -385,7 +356,7 @@
 </inkml:ink>
 </file>
 
-<file path=ppt/ink/ink18.xml><?xml version="1.0" encoding="utf-8"?>
+<file path=ppt/ink/ink17.xml><?xml version="1.0" encoding="utf-8"?>
 <inkml:ink xmlns:inkml="http://www.w3.org/2003/InkML">
   <inkml:definitions>
     <inkml:context xml:id="ctx0">
@@ -414,7 +385,7 @@
 </inkml:ink>
 </file>
 
-<file path=ppt/ink/ink19.xml><?xml version="1.0" encoding="utf-8"?>
+<file path=ppt/ink/ink18.xml><?xml version="1.0" encoding="utf-8"?>
 <inkml:ink xmlns:inkml="http://www.w3.org/2003/InkML">
   <inkml:definitions>
     <inkml:context xml:id="ctx0">
@@ -441,6 +412,35 @@
     </inkml:brush>
   </inkml:definitions>
   <inkml:trace contextRef="#ctx0" brushRef="#br0">82 155 1792,'2'-1'216,"0"-1"1,0 1-1,0-1 1,0 0-1,0 1 0,0-1 1,-1 0-1,1 0 1,-1 0-1,1 0 0,-1-1 1,0 1-1,1 0 1,-1-1-1,0 1 0,-1 0 1,1-1-1,0 1 1,-1-1-1,1 1 0,-1-1 1,0 0-1,0 1 1,0-1-1,0 1 0,0-1 1,-1-1-217,7-26 1453,-6 26-1368,1 1 1,0 0 0,0 0 0,0 0-1,0 1 1,0-1 0,1 0 0,-1 0-1,1 1 1,0-1 0,-1 1-1,1-1 1,1 1 0,-1 0 0,0 0-1,0 0 1,1 0 0,-1 0 0,1 0-1,0 1 1,0-1 0,-1 1-1,1 0 1,0 0 0,0 0 0,0 0-1,0 0 1,0 1 0,0-1 0,1 1-1,-1 0 1,0 0 0,0 0-1,0 0 1,0 0 0,0 1 0,0 0-1,0-1 1,0 1 0,0 0-1,0 1 1,0-1 0,0 0 0,-1 1-1,1 0 1,0-1 0,-1 1 0,0 0-1,1 0 1,-1 1 0,0-1-1,0 0 1,0 1 0,0 0-86,2 4 107,0 0-1,0 1 1,-1 0 0,0-1-1,-1 1 1,0 0 0,0 1-1,0-1 1,-1 0 0,0 0-1,-1 1 1,0-1 0,0 0-1,-1 1 1,0-1 0,-1 0-1,1 0 1,-1 0 0,-1 0-1,0 0 1,0 0 0,0-1-1,-1 1 1,0-1 0,-1 0-1,0 0 1,0-1-1,0 1 1,-1-1 0,0 0-1,-5 4-106,5-8 36,0 1 0,0-1 0,0 0 0,0-1 0,0 1 0,0-1 0,-1 0 0,1-1 0,0 0 0,-1 0 0,1 0 0,0-1 0,-1 1 0,1-2 0,0 1 0,0-1 0,0 0 0,0 0 0,0 0 0,0-1 0,0 0 0,1 0 0,0-1 0,-1 1-1,1-1 1,1 0 0,-1-1 0,0 1 0,1-1 0,0 0 0,0 0 0,1 0 0,-1-1 0,1 1 0,-1-3-36,3 5 1,0 1 0,-1-1-1,1 1 1,1-1 0,-1 0-1,0 1 1,1-1 0,-1 0 0,1 1-1,0-1 1,0 0 0,0 0-1,0 1 1,1-1 0,-1 0 0,1 0-1,-1 1 1,1-1 0,0 1 0,0-1-1,0 1 1,1-1 0,-1 1-1,0-1 1,1 1 0,0 0 0,-1 0-1,1 0 1,0 0 0,0 0-1,0 0 1,1 1 0,-1-1 0,0 0-1,0 1 1,1 0 0,1-1-1,100-20-6,-96 22 11,-1 1 0,0 0 0,1 0 0,-1 0 0,0 1 0,0 0 0,0 0 0,0 1 0,-1 0 0,1 0 0,-1 1 0,0 0-1,1 0 1,-2 0 0,1 1 0,0 0 0,-1 0 0,0 0 0,0 1 0,-1-1 0,1 1 0,-1 0 0,-1 1 0,1-1 0,-1 1-1,2 3-4,-6-8 19,1 0-1,0 0 1,0-1-1,-1 1 1,1 0-1,-1 0 1,0-1-1,1 1 1,-1 0-1,0-1 1,0 1-1,0-1 1,0 1-1,0-1 0,0 0 1,-1 1-1,1-1 1,0 0-1,-1 0 1,1 0-1,-1 0 1,1 0-1,-1 0 1,1 0-1,-1-1 1,0 1-1,1 0 1,-1-1-1,0 0 0,0 1 1,1-1-1,-1 0 1,0 0-1,0 0 1,0 0-1,1 0 1,-1 0-1,0 0-18,-72-12 557,-3-26-242,75 37-311,1 0 1,-1 0 0,1 0 0,-1-1-1,1 1 1,0 0 0,0 0 0,-1-1 0,1 1-1,0-1 1,0 1 0,0-1 0,1 1-1,-1-1 1,0 0 0,0 1 0,1-1-1,-1 0 1,1 0 0,0 1 0,-1-1-1,1 0 1,0 0 0,0 0 0,0 1-1,0-1 1,1 0 0,-1 0 0,0 1-1,1-1 1,-1 0 0,1 0 0,0 1-1,-1-1 1,1 0 0,0 1 0,0-1-1,0 1 1,0-1 0,0 1 0,0 0-1,1-1 1,-1 1 0,0 0 0,1 0-1,0-1-4,7-4-898,0 1 0,0-1 0,1 2 0,-1-1 0,1 1 0,0 1-1,0-1 1,1 2 0,-1-1 0,11 0 898,-7 1-1173,44-11-4672</inkml:trace>
+</inkml:ink>
+</file>
+
+<file path=ppt/ink/ink19.xml><?xml version="1.0" encoding="utf-8"?>
+<inkml:ink xmlns:inkml="http://www.w3.org/2003/InkML">
+  <inkml:definitions>
+    <inkml:context xml:id="ctx0">
+      <inkml:inkSource xml:id="inkSrc0">
+        <inkml:traceFormat>
+          <inkml:channel name="X" type="integer" min="-2.14748E9" max="2.14748E9" units="cm"/>
+          <inkml:channel name="Y" type="integer" min="-2.14748E9" max="2.14748E9" units="cm"/>
+        </inkml:traceFormat>
+        <inkml:channelProperties>
+          <inkml:channelProperty channel="X" name="resolution" value="1000" units="1/cm"/>
+          <inkml:channelProperty channel="Y" name="resolution" value="1000" units="1/cm"/>
+        </inkml:channelProperties>
+      </inkml:inkSource>
+      <inkml:timestamp xml:id="ts0" timeString="2019-05-27T17:47:11.868"/>
+    </inkml:context>
+    <inkml:brush xml:id="br0">
+      <inkml:brushProperty name="width" value="0.1" units="cm"/>
+      <inkml:brushProperty name="height" value="0.2" units="cm"/>
+      <inkml:brushProperty name="color" value="#FFFC00"/>
+      <inkml:brushProperty name="tip" value="rectangle"/>
+      <inkml:brushProperty name="rasterOp" value="maskPen"/>
+      <inkml:brushProperty name="ignorePressure" value="1"/>
+    </inkml:brush>
+  </inkml:definitions>
+  <inkml:trace contextRef="#ctx0" brushRef="#br0">0 0,'5722'1112,"-5709"-1109,-2-1,101 20,-93-19</inkml:trace>
 </inkml:ink>
 </file>
 
@@ -487,35 +487,6 @@
           <inkml:channelProperty channel="Y" name="resolution" value="1000" units="1/cm"/>
         </inkml:channelProperties>
       </inkml:inkSource>
-      <inkml:timestamp xml:id="ts0" timeString="2019-05-27T17:47:11.868"/>
-    </inkml:context>
-    <inkml:brush xml:id="br0">
-      <inkml:brushProperty name="width" value="0.1" units="cm"/>
-      <inkml:brushProperty name="height" value="0.2" units="cm"/>
-      <inkml:brushProperty name="color" value="#FFFC00"/>
-      <inkml:brushProperty name="tip" value="rectangle"/>
-      <inkml:brushProperty name="rasterOp" value="maskPen"/>
-      <inkml:brushProperty name="ignorePressure" value="1"/>
-    </inkml:brush>
-  </inkml:definitions>
-  <inkml:trace contextRef="#ctx0" brushRef="#br0">0 0,'5722'1112,"-5709"-1109,-2-1,101 20,-93-19</inkml:trace>
-</inkml:ink>
-</file>
-
-<file path=ppt/ink/ink21.xml><?xml version="1.0" encoding="utf-8"?>
-<inkml:ink xmlns:inkml="http://www.w3.org/2003/InkML">
-  <inkml:definitions>
-    <inkml:context xml:id="ctx0">
-      <inkml:inkSource xml:id="inkSrc0">
-        <inkml:traceFormat>
-          <inkml:channel name="X" type="integer" min="-2.14748E9" max="2.14748E9" units="cm"/>
-          <inkml:channel name="Y" type="integer" min="-2.14748E9" max="2.14748E9" units="cm"/>
-        </inkml:traceFormat>
-        <inkml:channelProperties>
-          <inkml:channelProperty channel="X" name="resolution" value="1000" units="1/cm"/>
-          <inkml:channelProperty channel="Y" name="resolution" value="1000" units="1/cm"/>
-        </inkml:channelProperties>
-      </inkml:inkSource>
       <inkml:timestamp xml:id="ts0" timeString="2019-05-27T17:47:20.604"/>
     </inkml:context>
     <inkml:brush xml:id="br0">
@@ -531,7 +502,7 @@
 </inkml:ink>
 </file>
 
-<file path=ppt/ink/ink22.xml><?xml version="1.0" encoding="utf-8"?>
+<file path=ppt/ink/ink21.xml><?xml version="1.0" encoding="utf-8"?>
 <inkml:ink xmlns:inkml="http://www.w3.org/2003/InkML">
   <inkml:definitions>
     <inkml:context xml:id="ctx0">
@@ -560,7 +531,7 @@
 </inkml:ink>
 </file>
 
-<file path=ppt/ink/ink23.xml><?xml version="1.0" encoding="utf-8"?>
+<file path=ppt/ink/ink22.xml><?xml version="1.0" encoding="utf-8"?>
 <inkml:ink xmlns:inkml="http://www.w3.org/2003/InkML">
   <inkml:definitions>
     <inkml:context xml:id="ctx0">
@@ -590,7 +561,7 @@
 </inkml:ink>
 </file>
 
-<file path=ppt/ink/ink24.xml><?xml version="1.0" encoding="utf-8"?>
+<file path=ppt/ink/ink23.xml><?xml version="1.0" encoding="utf-8"?>
 <inkml:ink xmlns:inkml="http://www.w3.org/2003/InkML">
   <inkml:definitions>
     <inkml:context xml:id="ctx0">
@@ -620,7 +591,7 @@
 </inkml:ink>
 </file>
 
-<file path=ppt/ink/ink25.xml><?xml version="1.0" encoding="utf-8"?>
+<file path=ppt/ink/ink24.xml><?xml version="1.0" encoding="utf-8"?>
 <inkml:ink xmlns:inkml="http://www.w3.org/2003/InkML">
   <inkml:definitions>
     <inkml:context xml:id="ctx0">
@@ -650,7 +621,7 @@
 </inkml:ink>
 </file>
 
-<file path=ppt/ink/ink26.xml><?xml version="1.0" encoding="utf-8"?>
+<file path=ppt/ink/ink25.xml><?xml version="1.0" encoding="utf-8"?>
 <inkml:ink xmlns:inkml="http://www.w3.org/2003/InkML">
   <inkml:definitions>
     <inkml:context xml:id="ctx0">
@@ -679,7 +650,7 @@
 </inkml:ink>
 </file>
 
-<file path=ppt/ink/ink27.xml><?xml version="1.0" encoding="utf-8"?>
+<file path=ppt/ink/ink26.xml><?xml version="1.0" encoding="utf-8"?>
 <inkml:ink xmlns:inkml="http://www.w3.org/2003/InkML">
   <inkml:definitions>
     <inkml:context xml:id="ctx0">
@@ -708,7 +679,7 @@
 </inkml:ink>
 </file>
 
-<file path=ppt/ink/ink28.xml><?xml version="1.0" encoding="utf-8"?>
+<file path=ppt/ink/ink27.xml><?xml version="1.0" encoding="utf-8"?>
 <inkml:ink xmlns:inkml="http://www.w3.org/2003/InkML">
   <inkml:definitions>
     <inkml:context xml:id="ctx0">
@@ -737,7 +708,7 @@
 </inkml:ink>
 </file>
 
-<file path=ppt/ink/ink29.xml><?xml version="1.0" encoding="utf-8"?>
+<file path=ppt/ink/ink28.xml><?xml version="1.0" encoding="utf-8"?>
 <inkml:ink xmlns:inkml="http://www.w3.org/2003/InkML">
   <inkml:definitions>
     <inkml:context xml:id="ctx0">
@@ -764,6 +735,36 @@
     </inkml:brush>
   </inkml:definitions>
   <inkml:trace contextRef="#ctx0" brushRef="#br0">101 106 4864,'-5'-6'3466,"2"4"-3248,1 0 0,0-1 0,-1 1 0,1 0 0,0-1 0,0 1-1,1-1 1,-1 1 0,0-1 0,1 0 0,-1 0 0,1 0 0,0 0 0,0 0 0,0 0 0,1 0 0,-1 0 0,1 0-1,0 0 1,-1-1 0,1 1-218,2 0 43,0 0 0,1 0 0,-1 1 0,0-1 0,1 1 0,0-1 0,0 1 0,-1 0 0,1 0 0,0 0 0,1 0 0,-1 0 0,0 1 0,0 0 0,1-1 0,-1 1 0,1 1 0,-1-1 0,1 0 0,-1 1 0,1 0 0,-1-1 0,1 1 0,0 1 0,-1-1 0,1 1 0,-1-1 0,1 1 0,-1 0 0,1 0 0,-1 0 0,0 1 0,1-1 0,-1 1 0,0 0 0,0 0 0,0 0 0,0 0 0,-1 1 0,1-1 0,-1 1 0,1-1 0,-1 1 0,0 0 0,0 0 0,0 0 0,0 0 0,0 0 0,-1 1 0,0-1 0,1 0 0,-1 1 0,-1-1 0,1 1 0,0-1 0,-1 1 0,0-1 0,1 1 0,-1 0 0,-1-1 0,1 1 0,-1-1 0,0 4-42,-1-3 39,1 1 0,-2 0 0,1-1 0,0 1 1,-1-1-1,0 0 0,0 0 0,0 0 1,-1 0-1,1 0 0,-1-1 0,0 0 1,0 1-1,0-2 0,0 1 0,-1 0 1,1-1-1,-1 0 0,0 0 0,1 0 1,-1 0-1,0-1 0,0 0 0,0 0 1,0 0-1,0-1 0,0 1 0,0-1 1,0-1-1,-1 1 0,1-1 0,0 1 0,0-2 1,0 1-1,1 0 0,-1-1 0,0 0 1,0 0-1,1 0 0,-1-1 0,1 0 1,0 1-1,0-2 0,0 1-40,2 2 1,0 0 0,0 0-1,1 0 1,-1 0 0,0-1 0,1 1-1,-1-1 1,1 1 0,-1-1 0,1 0-1,0 1 1,-1-1 0,1 0 0,0 0-1,0 0 1,1 0 0,-1 0-1,0 0 1,1 0 0,-1 0 0,1 0-1,-1 0 1,1-1 0,0 1 0,0 0-1,0 0 1,0 0 0,0 0 0,1-1-1,-1 1 1,1 0 0,-1 0 0,1 0-1,0 0 1,0 0 0,0 0 0,0 0-1,0 1 1,0-1 0,1 0-1,-1 0 1,0 1 0,1-1 0,1 0-1,86-47-118,-86 49 134,1-1 0,-1 0 1,0 1-1,0-1 0,1 1 0,-1 0 0,0 0 1,1 1-1,-1-1 0,0 1 0,0-1 1,1 1-1,-1 0 0,0 0 0,0 0 1,0 1-1,0-1 0,0 1 0,0 0 0,-1 0 1,1 0-1,-1 0 0,1 0 0,-1 0 1,1 1-1,-1-1 0,0 1 0,0-1 1,-1 1-1,1 0 0,0 0 0,-1 0 0,0 0 1,1 0-1,-1 0 0,-1 0 0,1 1 1,0-1-1,-1 0 0,1 0 0,-1 1 1,0-1-1,0 0 0,-1 1 0,1-1 0,-1 2-16,0-3 38,0 0 0,0 0-1,0 0 1,0 0-1,0 0 1,-1 0 0,1-1-1,-1 1 1,1 0-1,-1-1 1,0 1 0,1-1-1,-1 0 1,0 0-1,0 1 1,0-1-1,0 0 1,0 0 0,0-1-1,0 1 1,0 0-1,-1-1 1,1 1 0,0-1-1,0 0 1,-1 0-1,1 0 1,0 0 0,0 0-1,-1 0 1,1-1-1,0 1 1,0-1 0,0 1-1,-1-1 1,1 0-1,0 0 1,0 0-1,0 0 1,0 0 0,1-1-1,-1 1 1,0 0-1,0-1 1,1 1 0,-1-1-1,1 0 1,-1 0-1,1 1 1,-1-2-38,-26-46-1415,28 47 1186,0 1 0,1-1 0,-1 0 0,1 0 0,0 0 0,-1 0 0,1 1 0,0-1 0,0 0 0,0 1 0,0-1 0,0 0 0,0 1 0,1-1 0,-1 1 0,0 0 0,1 0 0,-1-1 0,1 1 0,-1 0 0,1 0 0,0 0 0,0 0 0,-1 1 0,1-1 0,0 0 0,0 1 0,0-1 0,0 1 0,0 0 0,0-1 229,24-4-4352,0 1 619</inkml:trace>
+</inkml:ink>
+</file>
+
+<file path=ppt/ink/ink29.xml><?xml version="1.0" encoding="utf-8"?>
+<inkml:ink xmlns:inkml="http://www.w3.org/2003/InkML">
+  <inkml:definitions>
+    <inkml:context xml:id="ctx0">
+      <inkml:inkSource xml:id="inkSrc0">
+        <inkml:traceFormat>
+          <inkml:channel name="X" type="integer" min="-2.14748E9" max="2.14748E9" units="cm"/>
+          <inkml:channel name="Y" type="integer" min="-2.14748E9" max="2.14748E9" units="cm"/>
+          <inkml:channel name="F" type="integer" max="32767" units="dev"/>
+        </inkml:traceFormat>
+        <inkml:channelProperties>
+          <inkml:channelProperty channel="X" name="resolution" value="1000" units="1/cm"/>
+          <inkml:channelProperty channel="Y" name="resolution" value="1000" units="1/cm"/>
+          <inkml:channelProperty channel="F" name="resolution" value="0" units="1/dev"/>
+        </inkml:channelProperties>
+      </inkml:inkSource>
+      <inkml:timestamp xml:id="ts0" timeString="2019-05-27T17:49:33.635"/>
+    </inkml:context>
+    <inkml:brush xml:id="br0">
+      <inkml:brushProperty name="width" value="0.1" units="cm"/>
+      <inkml:brushProperty name="height" value="0.2" units="cm"/>
+      <inkml:brushProperty name="color" value="#00F900"/>
+      <inkml:brushProperty name="tip" value="rectangle"/>
+      <inkml:brushProperty name="rasterOp" value="maskPen"/>
+    </inkml:brush>
+  </inkml:definitions>
+  <inkml:trace contextRef="#ctx0" brushRef="#br0">154 174 5504,'-40'-22'5311,"36"21"-5198,1 1 0,-1-1-1,0 0 1,1 0 0,-1 0-1,1 0 1,0-1 0,-1 1 0,1-1-1,0 0 1,0 0 0,0 0-1,0-1 1,1 1 0,-1-1-1,0 1 1,1-1 0,0 0-1,0 0 1,0 0 0,0 0-1,0 0 1,0-1 0,1 1 0,0 0-1,-1-1 1,1 1 0,1-1-1,-1 0 1,0 1 0,1-1-1,0 0 1,0 1 0,0-1-1,0 0 1,0 1 0,1-1 0,0 1-1,0-2-112,1 2 42,-1 0-1,1 0 0,0 0 1,0 1-1,0-1 1,0 0-1,0 1 0,0 0 1,1 0-1,-1 0 0,1 0 1,0 0-1,-1 0 1,1 0-1,0 1 0,0 0 1,0-1-1,0 1 1,1 0-1,-1 1 0,0-1 1,0 0-1,0 1 0,1 0 1,-1 0-1,0 0 1,1 0-1,-1 0 0,0 1 1,0-1-1,0 1 1,1 0-1,-1 0 0,0 0 1,0 1-1,0-1 0,0 1 1,-1-1-1,1 1 1,0 0-1,-1 0 0,1 0 1,-1 0-1,1 1 1,-1-1-1,0 1 0,0-1 1,0 1-1,-1 0 0,1 1-41,2-1 72,-1 0 0,0 1-1,0-1 1,-1 1 0,1 0-1,-1 0 1,0 0 0,0 0-1,0 0 1,-1 1 0,1-1-1,-1 0 1,0 1 0,0-1-1,0 1 1,-1-1 0,0 1-1,0 0 1,0-1 0,0 1-1,-1-1 1,0 1 0,0-1-1,0 1 1,0-1 0,-1 0-1,1 1 1,-1-1-1,0 0 1,-1 0 0,1 0-1,-1 0 1,1-1 0,-1 1-1,0-1 1,-1 0 0,1 1-1,0-1 1,-4 2-72,0-4 13,1 0-1,0-1 1,0 0 0,-1 0-1,1 0 1,0-1 0,0 0-1,0 0 1,-1-1 0,1 0-1,1 0 1,-1 0 0,0 0-1,0-1 1,1 0 0,-1 0-1,1-1 1,0 1 0,0-1-1,1-1 1,-1 1 0,1 0-1,0-1 1,0 0 0,0 0-1,1 0 1,-1-1 0,1 1-1,0-1 1,1 1 0,0-1-1,-1-2-12,3 5-3,0-1-1,0 1 1,0-1-1,0 1 1,1-1-1,0 1 0,-1-1 1,1 1-1,0-1 1,1 1-1,-1 0 1,1 0-1,-1 0 1,1-1-1,0 2 1,0-1-1,0 0 0,1 0 1,-1 1-1,1-1 1,-1 1-1,1-1 1,0 1-1,0 0 1,0 0-1,0 1 0,0-1 1,0 1-1,0-1 1,1 1-1,-1 0 1,1 0-1,-1 0 1,1 1-1,-1-1 0,3 1 4,1-1-6,0 0-1,-1 1 0,1-1 0,0 1 1,-1 1-1,1-1 0,0 1 0,-1 1 1,1-1-1,-1 1 0,1 0 1,-1 0-1,0 1 0,0 0 0,0 0 1,0 0-1,-1 1 0,1 0 0,2 2 7,-6-4 18,0 0-1,1 1 0,-1-1 1,0 1-1,0-1 0,-1 1 1,1 0-1,0 0 0,-1-1 0,0 1 1,0 0-1,0 0 0,0 1 1,0-1-1,0 0 0,-1 0 1,1 0-1,-1 0 0,0 1 1,0-1-1,-1 0 0,1 0 0,0 1 1,-1-1-1,0 0 0,0 0 1,0 0-1,0 0 0,0 0 1,-1 0-1,1 0 0,-1-1 1,0 1-1,0 0 0,0-1 0,0 0 1,0 1-1,0-1 0,-1 0 1,1 0-1,-1 0 0,0 0 1,1-1-1,-1 1 0,0-1 1,0 1-1,0-1 0,0 0 0,0 0 1,0-1-1,-1 1 0,1 0 1,-1-1-18,-4 0 44,0 0 0,0-1 0,0 0 0,0 0 1,0 0-1,0-1 0,0-1 0,0 1 0,1-1 1,-1 0-1,1-1 0,0 0 0,0 0 0,-5-5-44,11 9-1,0-1-1,0 0 0,0 0 1,0-1-1,0 1 1,1 0-1,-1 0 0,0 0 1,1 0-1,-1-1 0,1 1 1,-1 0-1,1 0 1,-1-1-1,1 1 0,0 0 1,0-1-1,0 1 0,0-1 1,0 1-1,0 0 1,0-1-1,0 1 0,1 0 1,-1-1-1,0 1 0,1 0 1,-1 0-1,1-1 0,-1 1 1,1 0-1,0 0 1,0 0-1,-1 0 0,1 0 1,0 0-1,0 0 0,0 0 1,0 0-1,0 0 1,0 0-1,0 0 0,1 1 1,-1-1-1,0 0 0,0 1 1,0-1-1,2 1 2,64-31-1692,2 14-5839,-33 11-319</inkml:trace>
 </inkml:ink>
 </file>
 
@@ -812,36 +813,6 @@
           <inkml:channelProperty channel="F" name="resolution" value="0" units="1/dev"/>
         </inkml:channelProperties>
       </inkml:inkSource>
-      <inkml:timestamp xml:id="ts0" timeString="2019-05-27T17:49:33.635"/>
-    </inkml:context>
-    <inkml:brush xml:id="br0">
-      <inkml:brushProperty name="width" value="0.1" units="cm"/>
-      <inkml:brushProperty name="height" value="0.2" units="cm"/>
-      <inkml:brushProperty name="color" value="#00F900"/>
-      <inkml:brushProperty name="tip" value="rectangle"/>
-      <inkml:brushProperty name="rasterOp" value="maskPen"/>
-    </inkml:brush>
-  </inkml:definitions>
-  <inkml:trace contextRef="#ctx0" brushRef="#br0">154 174 5504,'-40'-22'5311,"36"21"-5198,1 1 0,-1-1-1,0 0 1,1 0 0,-1 0-1,1 0 1,0-1 0,-1 1 0,1-1-1,0 0 1,0 0 0,0 0-1,0-1 1,1 1 0,-1-1-1,0 1 1,1-1 0,0 0-1,0 0 1,0 0 0,0 0-1,0 0 1,0-1 0,1 1 0,0 0-1,-1-1 1,1 1 0,1-1-1,-1 0 1,0 1 0,1-1-1,0 0 1,0 1 0,0-1-1,0 0 1,0 1 0,1-1 0,0 1-1,0-2-112,1 2 42,-1 0-1,1 0 0,0 0 1,0 1-1,0-1 1,0 0-1,0 1 0,0 0 1,1 0-1,-1 0 0,1 0 1,0 0-1,-1 0 1,1 0-1,0 1 0,0 0 1,0-1-1,0 1 1,1 0-1,-1 1 0,0-1 1,0 0-1,0 1 0,1 0 1,-1 0-1,0 0 1,1 0-1,-1 0 0,0 1 1,0-1-1,0 1 1,1 0-1,-1 0 0,0 0 1,0 1-1,0-1 0,0 1 1,-1-1-1,1 1 1,0 0-1,-1 0 0,1 0 1,-1 0-1,1 1 1,-1-1-1,0 1 0,0-1 1,0 1-1,-1 0 0,1 1-41,2-1 72,-1 0 0,0 1-1,0-1 1,-1 1 0,1 0-1,-1 0 1,0 0 0,0 0-1,0 0 1,-1 1 0,1-1-1,-1 0 1,0 1 0,0-1-1,0 1 1,-1-1 0,0 1-1,0 0 1,0-1 0,0 1-1,-1-1 1,0 1 0,0-1-1,0 1 1,0-1 0,-1 0-1,1 1 1,-1-1-1,0 0 1,-1 0 0,1 0-1,-1 0 1,1-1 0,-1 1-1,0-1 1,-1 0 0,1 1-1,0-1 1,-4 2-72,0-4 13,1 0-1,0-1 1,0 0 0,-1 0-1,1 0 1,0-1 0,0 0-1,0 0 1,-1-1 0,1 0-1,1 0 1,-1 0 0,0 0-1,0-1 1,1 0 0,-1 0-1,1-1 1,0 1 0,0-1-1,1-1 1,-1 1 0,1 0-1,0-1 1,0 0 0,0 0-1,1 0 1,-1-1 0,1 1-1,0-1 1,1 1 0,0-1-1,-1-2-12,3 5-3,0-1-1,0 1 1,0-1-1,0 1 1,1-1-1,0 1 0,-1-1 1,1 1-1,0-1 1,1 1-1,-1 0 1,1 0-1,-1 0 1,1-1-1,0 2 1,0-1-1,0 0 0,1 0 1,-1 1-1,1-1 1,-1 1-1,1-1 1,0 1-1,0 0 1,0 0-1,0 1 0,0-1 1,0 1-1,0-1 1,1 1-1,-1 0 1,1 0-1,-1 0 1,1 1-1,-1-1 0,3 1 4,1-1-6,0 0-1,-1 1 0,1-1 0,0 1 1,-1 1-1,1-1 0,0 1 0,-1 1 1,1-1-1,-1 1 0,1 0 1,-1 0-1,0 1 0,0 0 0,0 0 1,0 0-1,-1 1 0,1 0 0,2 2 7,-6-4 18,0 0-1,1 1 0,-1-1 1,0 1-1,0-1 0,-1 1 1,1 0-1,0 0 0,-1-1 0,0 1 1,0 0-1,0 0 0,0 1 1,0-1-1,0 0 0,-1 0 1,1 0-1,-1 0 0,0 1 1,0-1-1,-1 0 0,1 0 0,0 1 1,-1-1-1,0 0 0,0 0 1,0 0-1,0 0 0,0 0 1,-1 0-1,1 0 0,-1-1 1,0 1-1,0 0 0,0-1 0,0 0 1,0 1-1,0-1 0,-1 0 1,1 0-1,-1 0 0,0 0 1,1-1-1,-1 1 0,0-1 1,0 1-1,0-1 0,0 0 0,0 0 1,0-1-1,-1 1 0,1 0 1,-1-1-18,-4 0 44,0 0 0,0-1 0,0 0 0,0 0 1,0 0-1,0-1 0,0-1 0,0 1 0,1-1 1,-1 0-1,1-1 0,0 0 0,0 0 0,-5-5-44,11 9-1,0-1-1,0 0 0,0 0 1,0-1-1,0 1 1,1 0-1,-1 0 0,0 0 1,1 0-1,-1-1 0,1 1 1,-1 0-1,1 0 1,-1-1-1,1 1 0,0 0 1,0-1-1,0 1 0,0-1 1,0 1-1,0 0 1,0-1-1,0 1 0,1 0 1,-1-1-1,0 1 0,1 0 1,-1 0-1,1-1 0,-1 1 1,1 0-1,0 0 1,0 0-1,-1 0 0,1 0 1,0 0-1,0 0 0,0 0 1,0 0-1,0 0 1,0 0-1,0 0 0,1 1 1,-1-1-1,0 0 0,0 1 1,0-1-1,2 1 2,64-31-1692,2 14-5839,-33 11-319</inkml:trace>
-</inkml:ink>
-</file>
-
-<file path=ppt/ink/ink31.xml><?xml version="1.0" encoding="utf-8"?>
-<inkml:ink xmlns:inkml="http://www.w3.org/2003/InkML">
-  <inkml:definitions>
-    <inkml:context xml:id="ctx0">
-      <inkml:inkSource xml:id="inkSrc0">
-        <inkml:traceFormat>
-          <inkml:channel name="X" type="integer" min="-2.14748E9" max="2.14748E9" units="cm"/>
-          <inkml:channel name="Y" type="integer" min="-2.14748E9" max="2.14748E9" units="cm"/>
-          <inkml:channel name="F" type="integer" max="32767" units="dev"/>
-        </inkml:traceFormat>
-        <inkml:channelProperties>
-          <inkml:channelProperty channel="X" name="resolution" value="1000" units="1/cm"/>
-          <inkml:channelProperty channel="Y" name="resolution" value="1000" units="1/cm"/>
-          <inkml:channelProperty channel="F" name="resolution" value="0" units="1/dev"/>
-        </inkml:channelProperties>
-      </inkml:inkSource>
       <inkml:timestamp xml:id="ts0" timeString="2019-05-27T17:49:35.003"/>
     </inkml:context>
     <inkml:brush xml:id="br0">
@@ -856,7 +827,7 @@
 </inkml:ink>
 </file>
 
-<file path=ppt/ink/ink32.xml><?xml version="1.0" encoding="utf-8"?>
+<file path=ppt/ink/ink31.xml><?xml version="1.0" encoding="utf-8"?>
 <inkml:ink xmlns:inkml="http://www.w3.org/2003/InkML">
   <inkml:definitions>
     <inkml:context xml:id="ctx0">
@@ -885,7 +856,7 @@
 </inkml:ink>
 </file>
 
-<file path=ppt/ink/ink33.xml><?xml version="1.0" encoding="utf-8"?>
+<file path=ppt/ink/ink32.xml><?xml version="1.0" encoding="utf-8"?>
 <inkml:ink xmlns:inkml="http://www.w3.org/2003/InkML">
   <inkml:definitions>
     <inkml:context xml:id="ctx0">
@@ -914,7 +885,7 @@
 </inkml:ink>
 </file>
 
-<file path=ppt/ink/ink34.xml><?xml version="1.0" encoding="utf-8"?>
+<file path=ppt/ink/ink33.xml><?xml version="1.0" encoding="utf-8"?>
 <inkml:ink xmlns:inkml="http://www.w3.org/2003/InkML">
   <inkml:definitions>
     <inkml:context xml:id="ctx0">
@@ -943,7 +914,7 @@
 </inkml:ink>
 </file>
 
-<file path=ppt/ink/ink35.xml><?xml version="1.0" encoding="utf-8"?>
+<file path=ppt/ink/ink34.xml><?xml version="1.0" encoding="utf-8"?>
 <inkml:ink xmlns:inkml="http://www.w3.org/2003/InkML">
   <inkml:definitions>
     <inkml:context xml:id="ctx0">
@@ -972,7 +943,7 @@
 </inkml:ink>
 </file>
 
-<file path=ppt/ink/ink36.xml><?xml version="1.0" encoding="utf-8"?>
+<file path=ppt/ink/ink35.xml><?xml version="1.0" encoding="utf-8"?>
 <inkml:ink xmlns:inkml="http://www.w3.org/2003/InkML">
   <inkml:definitions>
     <inkml:context xml:id="ctx0">
@@ -1001,7 +972,7 @@
 </inkml:ink>
 </file>
 
-<file path=ppt/ink/ink37.xml><?xml version="1.0" encoding="utf-8"?>
+<file path=ppt/ink/ink36.xml><?xml version="1.0" encoding="utf-8"?>
 <inkml:ink xmlns:inkml="http://www.w3.org/2003/InkML">
   <inkml:definitions>
     <inkml:context xml:id="ctx0">
@@ -1030,7 +1001,7 @@
 </inkml:ink>
 </file>
 
-<file path=ppt/ink/ink38.xml><?xml version="1.0" encoding="utf-8"?>
+<file path=ppt/ink/ink37.xml><?xml version="1.0" encoding="utf-8"?>
 <inkml:ink xmlns:inkml="http://www.w3.org/2003/InkML">
   <inkml:definitions>
     <inkml:context xml:id="ctx0">
@@ -1059,7 +1030,7 @@
 </inkml:ink>
 </file>
 
-<file path=ppt/ink/ink39.xml><?xml version="1.0" encoding="utf-8"?>
+<file path=ppt/ink/ink38.xml><?xml version="1.0" encoding="utf-8"?>
 <inkml:ink xmlns:inkml="http://www.w3.org/2003/InkML">
   <inkml:definitions>
     <inkml:context xml:id="ctx0">
@@ -1089,37 +1060,7 @@
 </inkml:ink>
 </file>
 
-<file path=ppt/ink/ink4.xml><?xml version="1.0" encoding="utf-8"?>
-<inkml:ink xmlns:inkml="http://www.w3.org/2003/InkML">
-  <inkml:definitions>
-    <inkml:context xml:id="ctx0">
-      <inkml:inkSource xml:id="inkSrc0">
-        <inkml:traceFormat>
-          <inkml:channel name="X" type="integer" min="-2.14748E9" max="2.14748E9" units="cm"/>
-          <inkml:channel name="Y" type="integer" min="-2.14748E9" max="2.14748E9" units="cm"/>
-          <inkml:channel name="F" type="integer" max="32767" units="dev"/>
-        </inkml:traceFormat>
-        <inkml:channelProperties>
-          <inkml:channelProperty channel="X" name="resolution" value="1000" units="1/cm"/>
-          <inkml:channelProperty channel="Y" name="resolution" value="1000" units="1/cm"/>
-          <inkml:channelProperty channel="F" name="resolution" value="0" units="1/dev"/>
-        </inkml:channelProperties>
-      </inkml:inkSource>
-      <inkml:timestamp xml:id="ts0" timeString="2019-05-27T17:43:03.206"/>
-    </inkml:context>
-    <inkml:brush xml:id="br0">
-      <inkml:brushProperty name="width" value="0.1" units="cm"/>
-      <inkml:brushProperty name="height" value="0.2" units="cm"/>
-      <inkml:brushProperty name="color" value="#FFFC00"/>
-      <inkml:brushProperty name="tip" value="rectangle"/>
-      <inkml:brushProperty name="rasterOp" value="maskPen"/>
-    </inkml:brush>
-  </inkml:definitions>
-  <inkml:trace contextRef="#ctx0" brushRef="#br0">31 0 1280,'0'0'256,"0"0"0,-12 58 384,7-22 0,-3 7-256,6-1 128,-1 5-256,3-10 0,0-4-128,3-5 128,-1-3-128,1-7 0,-1-3-128,1-4 0,-3-5-256,0-6 0,0 0-2688</inkml:trace>
-</inkml:ink>
-</file>
-
-<file path=ppt/ink/ink40.xml><?xml version="1.0" encoding="utf-8"?>
+<file path=ppt/ink/ink39.xml><?xml version="1.0" encoding="utf-8"?>
 <inkml:ink xmlns:inkml="http://www.w3.org/2003/InkML">
   <inkml:definitions>
     <inkml:context xml:id="ctx0">
@@ -1149,7 +1090,37 @@
 </inkml:ink>
 </file>
 
-<file path=ppt/ink/ink41.xml><?xml version="1.0" encoding="utf-8"?>
+<file path=ppt/ink/ink4.xml><?xml version="1.0" encoding="utf-8"?>
+<inkml:ink xmlns:inkml="http://www.w3.org/2003/InkML">
+  <inkml:definitions>
+    <inkml:context xml:id="ctx0">
+      <inkml:inkSource xml:id="inkSrc0">
+        <inkml:traceFormat>
+          <inkml:channel name="X" type="integer" min="-2.14748E9" max="2.14748E9" units="cm"/>
+          <inkml:channel name="Y" type="integer" min="-2.14748E9" max="2.14748E9" units="cm"/>
+          <inkml:channel name="F" type="integer" max="32767" units="dev"/>
+        </inkml:traceFormat>
+        <inkml:channelProperties>
+          <inkml:channelProperty channel="X" name="resolution" value="1000" units="1/cm"/>
+          <inkml:channelProperty channel="Y" name="resolution" value="1000" units="1/cm"/>
+          <inkml:channelProperty channel="F" name="resolution" value="0" units="1/dev"/>
+        </inkml:channelProperties>
+      </inkml:inkSource>
+      <inkml:timestamp xml:id="ts0" timeString="2019-05-27T17:43:04.241"/>
+    </inkml:context>
+    <inkml:brush xml:id="br0">
+      <inkml:brushProperty name="width" value="0.1" units="cm"/>
+      <inkml:brushProperty name="height" value="0.2" units="cm"/>
+      <inkml:brushProperty name="color" value="#FFFC00"/>
+      <inkml:brushProperty name="tip" value="rectangle"/>
+      <inkml:brushProperty name="rasterOp" value="maskPen"/>
+    </inkml:brush>
+  </inkml:definitions>
+  <inkml:trace contextRef="#ctx0" brushRef="#br0">17 115 128,'16'0'1045,"-13"0"-234,-3 0 661,0 0 85,0 0-405,0 0-21,0 0 21,0 0-64,0 0-235,0 0 0,0 0-63,0 0-44,0 0-84,-2 4-86,-4 8-407,1 1 0,0 0 0,1 0 0,0 0 0,1 1 0,1-1 1,0 1-1,0 0 0,2 0 0,0-1 0,0 1 0,1 0 0,1 0 0,1 1-168,-3-13 126,0-2 1,0-21 128,16-282 128,-11 377-469,-9-23-645,0 48-8225,4-63 4902</inkml:trace>
+</inkml:ink>
+</file>
+
+<file path=ppt/ink/ink40.xml><?xml version="1.0" encoding="utf-8"?>
 <inkml:ink xmlns:inkml="http://www.w3.org/2003/InkML">
   <inkml:definitions>
     <inkml:context xml:id="ctx0">
@@ -1179,7 +1150,7 @@
 </inkml:ink>
 </file>
 
-<file path=ppt/ink/ink42.xml><?xml version="1.0" encoding="utf-8"?>
+<file path=ppt/ink/ink41.xml><?xml version="1.0" encoding="utf-8"?>
 <inkml:ink xmlns:inkml="http://www.w3.org/2003/InkML">
   <inkml:definitions>
     <inkml:context xml:id="ctx0">
@@ -1209,7 +1180,7 @@
 </inkml:ink>
 </file>
 
-<file path=ppt/ink/ink43.xml><?xml version="1.0" encoding="utf-8"?>
+<file path=ppt/ink/ink42.xml><?xml version="1.0" encoding="utf-8"?>
 <inkml:ink xmlns:inkml="http://www.w3.org/2003/InkML">
   <inkml:definitions>
     <inkml:context xml:id="ctx0">
@@ -1239,7 +1210,7 @@
 </inkml:ink>
 </file>
 
-<file path=ppt/ink/ink44.xml><?xml version="1.0" encoding="utf-8"?>
+<file path=ppt/ink/ink43.xml><?xml version="1.0" encoding="utf-8"?>
 <inkml:ink xmlns:inkml="http://www.w3.org/2003/InkML">
   <inkml:definitions>
     <inkml:context xml:id="ctx0">
@@ -1269,7 +1240,7 @@
 </inkml:ink>
 </file>
 
-<file path=ppt/ink/ink45.xml><?xml version="1.0" encoding="utf-8"?>
+<file path=ppt/ink/ink44.xml><?xml version="1.0" encoding="utf-8"?>
 <inkml:ink xmlns:inkml="http://www.w3.org/2003/InkML">
   <inkml:definitions>
     <inkml:context xml:id="ctx0">
@@ -1299,7 +1270,7 @@
 </inkml:ink>
 </file>
 
-<file path=ppt/ink/ink46.xml><?xml version="1.0" encoding="utf-8"?>
+<file path=ppt/ink/ink45.xml><?xml version="1.0" encoding="utf-8"?>
 <inkml:ink xmlns:inkml="http://www.w3.org/2003/InkML">
   <inkml:definitions>
     <inkml:context xml:id="ctx0">
@@ -1329,7 +1300,7 @@
 </inkml:ink>
 </file>
 
-<file path=ppt/ink/ink47.xml><?xml version="1.0" encoding="utf-8"?>
+<file path=ppt/ink/ink46.xml><?xml version="1.0" encoding="utf-8"?>
 <inkml:ink xmlns:inkml="http://www.w3.org/2003/InkML">
   <inkml:definitions>
     <inkml:context xml:id="ctx0">
@@ -1359,7 +1330,7 @@
 </inkml:ink>
 </file>
 
-<file path=ppt/ink/ink48.xml><?xml version="1.0" encoding="utf-8"?>
+<file path=ppt/ink/ink47.xml><?xml version="1.0" encoding="utf-8"?>
 <inkml:ink xmlns:inkml="http://www.w3.org/2003/InkML">
   <inkml:definitions>
     <inkml:context xml:id="ctx0">
@@ -1388,7 +1359,7 @@
 </inkml:ink>
 </file>
 
-<file path=ppt/ink/ink49.xml><?xml version="1.0" encoding="utf-8"?>
+<file path=ppt/ink/ink48.xml><?xml version="1.0" encoding="utf-8"?>
 <inkml:ink xmlns:inkml="http://www.w3.org/2003/InkML">
   <inkml:definitions>
     <inkml:context xml:id="ctx0">
@@ -1417,37 +1388,7 @@
 </inkml:ink>
 </file>
 
-<file path=ppt/ink/ink5.xml><?xml version="1.0" encoding="utf-8"?>
-<inkml:ink xmlns:inkml="http://www.w3.org/2003/InkML">
-  <inkml:definitions>
-    <inkml:context xml:id="ctx0">
-      <inkml:inkSource xml:id="inkSrc0">
-        <inkml:traceFormat>
-          <inkml:channel name="X" type="integer" min="-2.14748E9" max="2.14748E9" units="cm"/>
-          <inkml:channel name="Y" type="integer" min="-2.14748E9" max="2.14748E9" units="cm"/>
-          <inkml:channel name="F" type="integer" max="32767" units="dev"/>
-        </inkml:traceFormat>
-        <inkml:channelProperties>
-          <inkml:channelProperty channel="X" name="resolution" value="1000" units="1/cm"/>
-          <inkml:channelProperty channel="Y" name="resolution" value="1000" units="1/cm"/>
-          <inkml:channelProperty channel="F" name="resolution" value="0" units="1/dev"/>
-        </inkml:channelProperties>
-      </inkml:inkSource>
-      <inkml:timestamp xml:id="ts0" timeString="2019-05-27T17:43:04.241"/>
-    </inkml:context>
-    <inkml:brush xml:id="br0">
-      <inkml:brushProperty name="width" value="0.1" units="cm"/>
-      <inkml:brushProperty name="height" value="0.2" units="cm"/>
-      <inkml:brushProperty name="color" value="#FFFC00"/>
-      <inkml:brushProperty name="tip" value="rectangle"/>
-      <inkml:brushProperty name="rasterOp" value="maskPen"/>
-    </inkml:brush>
-  </inkml:definitions>
-  <inkml:trace contextRef="#ctx0" brushRef="#br0">17 115 128,'16'0'1045,"-13"0"-234,-3 0 661,0 0 85,0 0-405,0 0-21,0 0 21,0 0-64,0 0-235,0 0 0,0 0-63,0 0-44,0 0-84,-2 4-86,-4 8-407,1 1 0,0 0 0,1 0 0,0 0 0,1 1 0,1-1 1,0 1-1,0 0 0,2 0 0,0-1 0,0 1 0,1 0 0,1 0 0,1 1-168,-3-13 126,0-2 1,0-21 128,16-282 128,-11 377-469,-9-23-645,0 48-8225,4-63 4902</inkml:trace>
-</inkml:ink>
-</file>
-
-<file path=ppt/ink/ink50.xml><?xml version="1.0" encoding="utf-8"?>
+<file path=ppt/ink/ink49.xml><?xml version="1.0" encoding="utf-8"?>
 <inkml:ink xmlns:inkml="http://www.w3.org/2003/InkML">
   <inkml:definitions>
     <inkml:context xml:id="ctx0">
@@ -1476,7 +1417,37 @@
 </inkml:ink>
 </file>
 
-<file path=ppt/ink/ink51.xml><?xml version="1.0" encoding="utf-8"?>
+<file path=ppt/ink/ink5.xml><?xml version="1.0" encoding="utf-8"?>
+<inkml:ink xmlns:inkml="http://www.w3.org/2003/InkML">
+  <inkml:definitions>
+    <inkml:context xml:id="ctx0">
+      <inkml:inkSource xml:id="inkSrc0">
+        <inkml:traceFormat>
+          <inkml:channel name="X" type="integer" min="-2.14748E9" max="2.14748E9" units="cm"/>
+          <inkml:channel name="Y" type="integer" min="-2.14748E9" max="2.14748E9" units="cm"/>
+          <inkml:channel name="F" type="integer" max="32767" units="dev"/>
+        </inkml:traceFormat>
+        <inkml:channelProperties>
+          <inkml:channelProperty channel="X" name="resolution" value="1000" units="1/cm"/>
+          <inkml:channelProperty channel="Y" name="resolution" value="1000" units="1/cm"/>
+          <inkml:channelProperty channel="F" name="resolution" value="0" units="1/dev"/>
+        </inkml:channelProperties>
+      </inkml:inkSource>
+      <inkml:timestamp xml:id="ts0" timeString="2019-05-27T17:43:14.599"/>
+    </inkml:context>
+    <inkml:brush xml:id="br0">
+      <inkml:brushProperty name="width" value="0.1" units="cm"/>
+      <inkml:brushProperty name="height" value="0.2" units="cm"/>
+      <inkml:brushProperty name="color" value="#FFFC00"/>
+      <inkml:brushProperty name="tip" value="rectangle"/>
+      <inkml:brushProperty name="rasterOp" value="maskPen"/>
+    </inkml:brush>
+  </inkml:definitions>
+  <inkml:trace contextRef="#ctx0" brushRef="#br0">101 206 5760,'25'-3'334,"-37"-5"561,10 7-788,0 0 0,0 0 0,0 0 0,0 0 0,0 0 0,0 0 0,0 0 0,0-1 0,0 1 0,1-1 0,-1 1 0,1-1 0,-1 1 0,1-1 0,-1 0-1,1 0 1,0 0 0,0 0 0,0 0 0,0 0 0,0 0 0,1 0 0,-1-1 0,0 1 0,1 0 0,0 0 0,-1-1-107,6-3 166,-1 0 1,1 0-1,0 0 1,0 1-1,1-1 0,-1 1 1,1 1-1,0-1 1,1 1-1,-1 0 0,1 0 1,-1 1-1,1 0 1,0 0-1,1 1 0,-1 0 1,0 0-1,1 1 0,6-1-166,-3-1 167,-8 1-124,-1 0 0,0 1 0,1 0 0,0-1 0,-1 1 0,1 0 1,0 0-1,0 0 0,0 1 0,-1-1 0,1 1 0,0 0 0,0-1 0,0 1 0,0 0 0,0 1 1,0-1-1,0 1 0,0-1 0,-1 1 0,1 0 0,0 0 0,0 0 0,-1 0 0,1 0 0,0 1 0,-1-1 1,0 1-1,1 0 0,-1 0 0,0 0 0,0 0 0,0 0 0,0 0 0,0 0 0,0 1 0,-1-1 0,1 1 1,-1-1-1,0 1 0,0 0 0,1-1 0,-2 1 0,1 0 0,0 0 0,-1 0 0,1 0 0,-1-1 0,0 1 1,0 2-44,-2 3 51,-1 1 0,0-1 0,-1 0 1,0 0-1,0-1 0,0 1 1,-1-1-1,0 0 0,-1 0 1,0 0-1,0-1 0,0 0 1,-1 0-1,0-1 0,0 1 1,0-1-1,0-1 0,-1 0 0,0 0 1,0 0-1,0-1 0,-1 0 1,1-1-1,-1 0 0,1 0 1,-1 0-1,0-1 0,1-1 1,-1 0-1,0 0 0,0 0 1,1-1-1,-1-1 0,0 1 1,1-1-1,-1-1 0,-4-2-51,11 4 1,-1 0 0,1 0-1,0 0 1,0-1 0,-1 1-1,1-1 1,0 0 0,0 1-1,1-1 1,-1 0 0,0 0 0,1 0-1,-1-1 1,1 1 0,-1 0-1,1 0 1,0-1 0,0 1-1,0-1 1,1 1 0,-1-1 0,0 1-1,1-1 1,0 1 0,-1-1-1,1 0 1,0 1 0,0-1-1,1 0 1,-1 1 0,1-1 0,-1 1-1,1-1 1,0 1 0,0-1-1,0 1 1,0-1 0,1-1-1,72-71-6,-66 71 6,0 0 0,0 1 0,0-1 0,0 2 0,0-1 0,0 1 0,1 0 0,-1 1 0,1 0 0,-1 0 0,1 1 0,0 0 0,-1 0 0,9 3 0,-14-1 16,0 1-1,0 0 1,0 0-1,-1 0 0,1 0 1,-1 0-1,0 1 0,0-1 1,0 1-1,0 0 0,-1-1 1,1 1-1,-1 0 0,0 0 1,0 0-1,-1 0 1,1 0-1,-1 0 0,0 0 1,0 0-1,0 0 0,0 0 1,-1 0-1,0 0 0,0 1-15,-2 3 36,-1-1-1,0 0 0,-1 0 1,1 0-1,-1-1 0,-1 0 1,1 0-1,-1 0 0,0 0 1,0-1-1,-1 0 0,0 0 1,1-1-1,-2 0 0,1 0 1,0-1-1,-1 0 0,1 0 1,-1 0-1,0-1 0,0 0 1,0-1-1,0 0 0,-1 0 1,1-1-1,0 0 0,0 0 1,0-1-1,0 0 0,0-1 1,0 1-1,-3-2-35,9 2 1,0 1-1,0 0 1,0-1-1,1 1 1,-1-1 0,0 0-1,0 1 1,1-1-1,-1 0 1,1 0-1,-1 0 1,1-1 0,-1 1-1,1 0 1,-1 0-1,1-1 1,0 1-1,0-1 1,0 1 0,0-1-1,0 1 1,0-1-1,0 0 1,0 0 0,1 1-1,-1-1 1,1 0-1,-1 0 1,1 0-1,0 0 1,-1 1 0,1-1-1,0 0 1,0 0-1,1 0 1,-1 0-1,0 0 1,1 0 0,-1 1-1,1-1 1,-1 0-1,1 0 1,0 1 0,0-1-1,0 0 1,0 0-1,60-75-5,-55 70 4,120-102 23,-124 108-3,-1 0 0,1 0 1,0 0-1,0 0 0,0 0 0,0 1 1,0-1-1,0 1 0,0-1 1,0 1-1,0 0 0,0 0 0,0 0 1,0 0-1,0 0 0,0 0 1,0 0-1,0 1 0,0-1 0,0 1 1,-1 0-1,1-1 0,0 1 0,0 0 1,0 0-1,-1 0 0,1 0 1,0 0-1,-1 1 0,1-1 0,-1 1 1,1-1-1,-1 1 0,0-1 1,0 1-1,1-1 0,-1 1 0,0 0 1,-1 0-1,1 0 0,0 0 1,0-1-1,-1 1 0,1 0 0,-1 0 1,0 0-1,0 0 0,1 0 1,-1 0-1,0 0 0,-1 0 0,1 1-19,-49 118 1403,0-78-1978,-12-49-4604,50-6 165,1-1-1108</inkml:trace>
+</inkml:ink>
+</file>
+
+<file path=ppt/ink/ink50.xml><?xml version="1.0" encoding="utf-8"?>
 <inkml:ink xmlns:inkml="http://www.w3.org/2003/InkML">
   <inkml:definitions>
     <inkml:context xml:id="ctx0">
@@ -1505,7 +1476,7 @@
 </inkml:ink>
 </file>
 
-<file path=ppt/ink/ink52.xml><?xml version="1.0" encoding="utf-8"?>
+<file path=ppt/ink/ink51.xml><?xml version="1.0" encoding="utf-8"?>
 <inkml:ink xmlns:inkml="http://www.w3.org/2003/InkML">
   <inkml:definitions>
     <inkml:context xml:id="ctx0">
@@ -1534,7 +1505,7 @@
 </inkml:ink>
 </file>
 
-<file path=ppt/ink/ink53.xml><?xml version="1.0" encoding="utf-8"?>
+<file path=ppt/ink/ink52.xml><?xml version="1.0" encoding="utf-8"?>
 <inkml:ink xmlns:inkml="http://www.w3.org/2003/InkML">
   <inkml:definitions>
     <inkml:context xml:id="ctx0">
@@ -1563,7 +1534,7 @@
 </inkml:ink>
 </file>
 
-<file path=ppt/ink/ink54.xml><?xml version="1.0" encoding="utf-8"?>
+<file path=ppt/ink/ink53.xml><?xml version="1.0" encoding="utf-8"?>
 <inkml:ink xmlns:inkml="http://www.w3.org/2003/InkML">
   <inkml:definitions>
     <inkml:context xml:id="ctx0">
@@ -1593,7 +1564,7 @@
 </inkml:ink>
 </file>
 
-<file path=ppt/ink/ink55.xml><?xml version="1.0" encoding="utf-8"?>
+<file path=ppt/ink/ink54.xml><?xml version="1.0" encoding="utf-8"?>
 <inkml:ink xmlns:inkml="http://www.w3.org/2003/InkML">
   <inkml:definitions>
     <inkml:context xml:id="ctx0">
@@ -1623,7 +1594,7 @@
 </inkml:ink>
 </file>
 
-<file path=ppt/ink/ink56.xml><?xml version="1.0" encoding="utf-8"?>
+<file path=ppt/ink/ink55.xml><?xml version="1.0" encoding="utf-8"?>
 <inkml:ink xmlns:inkml="http://www.w3.org/2003/InkML">
   <inkml:definitions>
     <inkml:context xml:id="ctx0">
@@ -1653,7 +1624,7 @@
 </inkml:ink>
 </file>
 
-<file path=ppt/ink/ink57.xml><?xml version="1.0" encoding="utf-8"?>
+<file path=ppt/ink/ink56.xml><?xml version="1.0" encoding="utf-8"?>
 <inkml:ink xmlns:inkml="http://www.w3.org/2003/InkML">
   <inkml:definitions>
     <inkml:context xml:id="ctx0">
@@ -1683,7 +1654,7 @@
 </inkml:ink>
 </file>
 
-<file path=ppt/ink/ink58.xml><?xml version="1.0" encoding="utf-8"?>
+<file path=ppt/ink/ink57.xml><?xml version="1.0" encoding="utf-8"?>
 <inkml:ink xmlns:inkml="http://www.w3.org/2003/InkML">
   <inkml:definitions>
     <inkml:context xml:id="ctx0">
@@ -1713,7 +1684,7 @@
 </inkml:ink>
 </file>
 
-<file path=ppt/ink/ink59.xml><?xml version="1.0" encoding="utf-8"?>
+<file path=ppt/ink/ink58.xml><?xml version="1.0" encoding="utf-8"?>
 <inkml:ink xmlns:inkml="http://www.w3.org/2003/InkML">
   <inkml:definitions>
     <inkml:context xml:id="ctx0">
@@ -1743,37 +1714,7 @@
 </inkml:ink>
 </file>
 
-<file path=ppt/ink/ink6.xml><?xml version="1.0" encoding="utf-8"?>
-<inkml:ink xmlns:inkml="http://www.w3.org/2003/InkML">
-  <inkml:definitions>
-    <inkml:context xml:id="ctx0">
-      <inkml:inkSource xml:id="inkSrc0">
-        <inkml:traceFormat>
-          <inkml:channel name="X" type="integer" min="-2.14748E9" max="2.14748E9" units="cm"/>
-          <inkml:channel name="Y" type="integer" min="-2.14748E9" max="2.14748E9" units="cm"/>
-          <inkml:channel name="F" type="integer" max="32767" units="dev"/>
-        </inkml:traceFormat>
-        <inkml:channelProperties>
-          <inkml:channelProperty channel="X" name="resolution" value="1000" units="1/cm"/>
-          <inkml:channelProperty channel="Y" name="resolution" value="1000" units="1/cm"/>
-          <inkml:channelProperty channel="F" name="resolution" value="0" units="1/dev"/>
-        </inkml:channelProperties>
-      </inkml:inkSource>
-      <inkml:timestamp xml:id="ts0" timeString="2019-05-27T17:43:14.599"/>
-    </inkml:context>
-    <inkml:brush xml:id="br0">
-      <inkml:brushProperty name="width" value="0.1" units="cm"/>
-      <inkml:brushProperty name="height" value="0.2" units="cm"/>
-      <inkml:brushProperty name="color" value="#FFFC00"/>
-      <inkml:brushProperty name="tip" value="rectangle"/>
-      <inkml:brushProperty name="rasterOp" value="maskPen"/>
-    </inkml:brush>
-  </inkml:definitions>
-  <inkml:trace contextRef="#ctx0" brushRef="#br0">101 206 5760,'25'-3'334,"-37"-5"561,10 7-788,0 0 0,0 0 0,0 0 0,0 0 0,0 0 0,0 0 0,0 0 0,0-1 0,0 1 0,1-1 0,-1 1 0,1-1 0,-1 1 0,1-1 0,-1 0-1,1 0 1,0 0 0,0 0 0,0 0 0,0 0 0,0 0 0,1 0 0,-1-1 0,0 1 0,1 0 0,0 0 0,-1-1-107,6-3 166,-1 0 1,1 0-1,0 0 1,0 1-1,1-1 0,-1 1 1,1 1-1,0-1 1,1 1-1,-1 0 0,1 0 1,-1 1-1,1 0 1,0 0-1,1 1 0,-1 0 1,0 0-1,1 1 0,6-1-166,-3-1 167,-8 1-124,-1 0 0,0 1 0,1 0 0,0-1 0,-1 1 0,1 0 1,0 0-1,0 0 0,0 1 0,-1-1 0,1 1 0,0 0 0,0-1 0,0 1 0,0 0 0,0 1 1,0-1-1,0 1 0,0-1 0,-1 1 0,1 0 0,0 0 0,0 0 0,-1 0 0,1 0 0,0 1 0,-1-1 1,0 1-1,1 0 0,-1 0 0,0 0 0,0 0 0,0 0 0,0 0 0,0 0 0,0 1 0,-1-1 0,1 1 1,-1-1-1,0 1 0,0 0 0,1-1 0,-2 1 0,1 0 0,0 0 0,-1 0 0,1 0 0,-1-1 0,0 1 1,0 2-44,-2 3 51,-1 1 0,0-1 0,-1 0 1,0 0-1,0-1 0,0 1 1,-1-1-1,0 0 0,-1 0 1,0 0-1,0-1 0,0 0 1,-1 0-1,0-1 0,0 1 1,0-1-1,0-1 0,-1 0 0,0 0 1,0 0-1,0-1 0,-1 0 1,1-1-1,-1 0 0,1 0 1,-1 0-1,0-1 0,1-1 1,-1 0-1,0 0 0,0 0 1,1-1-1,-1-1 0,0 1 1,1-1-1,-1-1 0,-4-2-51,11 4 1,-1 0 0,1 0-1,0 0 1,0-1 0,-1 1-1,1-1 1,0 0 0,0 1-1,1-1 1,-1 0 0,0 0 0,1 0-1,-1-1 1,1 1 0,-1 0-1,1 0 1,0-1 0,0 1-1,0-1 1,1 1 0,-1-1 0,0 1-1,1-1 1,0 1 0,-1-1-1,1 0 1,0 1 0,0-1-1,1 0 1,-1 1 0,1-1 0,-1 1-1,1-1 1,0 1 0,0-1-1,0 1 1,0-1 0,1-1-1,72-71-6,-66 71 6,0 0 0,0 1 0,0-1 0,0 2 0,0-1 0,0 1 0,1 0 0,-1 1 0,1 0 0,-1 0 0,1 1 0,0 0 0,-1 0 0,9 3 0,-14-1 16,0 1-1,0 0 1,0 0-1,-1 0 0,1 0 1,-1 0-1,0 1 0,0-1 1,0 1-1,0 0 0,-1-1 1,1 1-1,-1 0 0,0 0 1,0 0-1,-1 0 1,1 0-1,-1 0 0,0 0 1,0 0-1,0 0 0,0 0 1,-1 0-1,0 0 0,0 1-15,-2 3 36,-1-1-1,0 0 0,-1 0 1,1 0-1,-1-1 0,-1 0 1,1 0-1,-1 0 0,0 0 1,0-1-1,-1 0 0,0 0 1,1-1-1,-2 0 0,1 0 1,0-1-1,-1 0 0,1 0 1,-1 0-1,0-1 0,0 0 1,0-1-1,0 0 0,-1 0 1,1-1-1,0 0 0,0 0 1,0-1-1,0 0 0,0-1 1,0 1-1,-3-2-35,9 2 1,0 1-1,0 0 1,0-1-1,1 1 1,-1-1 0,0 0-1,0 1 1,1-1-1,-1 0 1,1 0-1,-1 0 1,1-1 0,-1 1-1,1 0 1,-1 0-1,1-1 1,0 1-1,0-1 1,0 1 0,0-1-1,0 1 1,0-1-1,0 0 1,0 0 0,1 1-1,-1-1 1,1 0-1,-1 0 1,1 0-1,0 0 1,-1 1 0,1-1-1,0 0 1,0 0-1,1 0 1,-1 0-1,0 0 1,1 0 0,-1 1-1,1-1 1,-1 0-1,1 0 1,0 1 0,0-1-1,0 0 1,0 0-1,60-75-5,-55 70 4,120-102 23,-124 108-3,-1 0 0,1 0 1,0 0-1,0 0 0,0 0 0,0 1 1,0-1-1,0 1 0,0-1 1,0 1-1,0 0 0,0 0 0,0 0 1,0 0-1,0 0 0,0 0 1,0 0-1,0 1 0,0-1 0,0 1 1,-1 0-1,1-1 0,0 1 0,0 0 1,0 0-1,-1 0 0,1 0 1,0 0-1,-1 1 0,1-1 0,-1 1 1,1-1-1,-1 1 0,0-1 1,0 1-1,1-1 0,-1 1 0,0 0 1,-1 0-1,1 0 0,0 0 1,0-1-1,-1 1 0,1 0 0,-1 0 1,0 0-1,0 0 0,1 0 1,-1 0-1,0 0 0,-1 0 0,1 1-19,-49 118 1403,0-78-1978,-12-49-4604,50-6 165,1-1-1108</inkml:trace>
-</inkml:ink>
-</file>
-
-<file path=ppt/ink/ink60.xml><?xml version="1.0" encoding="utf-8"?>
+<file path=ppt/ink/ink59.xml><?xml version="1.0" encoding="utf-8"?>
 <inkml:ink xmlns:inkml="http://www.w3.org/2003/InkML">
   <inkml:definitions>
     <inkml:context xml:id="ctx0">
@@ -1803,7 +1744,37 @@
 </inkml:ink>
 </file>
 
-<file path=ppt/ink/ink61.xml><?xml version="1.0" encoding="utf-8"?>
+<file path=ppt/ink/ink6.xml><?xml version="1.0" encoding="utf-8"?>
+<inkml:ink xmlns:inkml="http://www.w3.org/2003/InkML">
+  <inkml:definitions>
+    <inkml:context xml:id="ctx0">
+      <inkml:inkSource xml:id="inkSrc0">
+        <inkml:traceFormat>
+          <inkml:channel name="X" type="integer" min="-2.14748E9" max="2.14748E9" units="cm"/>
+          <inkml:channel name="Y" type="integer" min="-2.14748E9" max="2.14748E9" units="cm"/>
+          <inkml:channel name="F" type="integer" max="32767" units="dev"/>
+        </inkml:traceFormat>
+        <inkml:channelProperties>
+          <inkml:channelProperty channel="X" name="resolution" value="1000" units="1/cm"/>
+          <inkml:channelProperty channel="Y" name="resolution" value="1000" units="1/cm"/>
+          <inkml:channelProperty channel="F" name="resolution" value="0" units="1/dev"/>
+        </inkml:channelProperties>
+      </inkml:inkSource>
+      <inkml:timestamp xml:id="ts0" timeString="2019-05-27T17:43:15.938"/>
+    </inkml:context>
+    <inkml:brush xml:id="br0">
+      <inkml:brushProperty name="width" value="0.1" units="cm"/>
+      <inkml:brushProperty name="height" value="0.2" units="cm"/>
+      <inkml:brushProperty name="color" value="#FFFC00"/>
+      <inkml:brushProperty name="tip" value="rectangle"/>
+      <inkml:brushProperty name="rasterOp" value="maskPen"/>
+    </inkml:brush>
+  </inkml:definitions>
+  <inkml:trace contextRef="#ctx0" brushRef="#br0">240 258 6784,'-1'0'38,"-9"1"302,0-1 0,0 0 0,0 0-1,-1-1 1,1-1 0,0 0 0,1 0-1,-1-1 1,0 0 0,1 0 0,-1-1 0,1-1-1,0 1 1,1-2 0,-1 1 0,1-1 0,0 0-1,0-1 1,1 0 0,0 0 0,0 0-1,0-1 1,1 0 0,0-1 0,0-2-340,7 5 49,0 0 0,0-1 1,1 1-1,0 0 0,0 0 1,0 0-1,1 0 0,0 0 0,0 1 1,1-1-1,0 1 0,0 0 1,0 0-1,0 0 0,1 0 0,-1 1 1,1 0-1,1 0 0,-1 0 1,0 1-1,1 0 0,0 0 0,0 0 1,0 0-1,0 1 0,0 0 1,0 1-1,0-1 0,2 1-49,5-3 90,0 1-1,0 1 0,0 0 1,0 1-1,0 0 0,0 1 1,0 0-1,0 2 0,0-1 1,0 1-1,0 1 0,2 1-89,-10-3 39,0 1-1,0 0 0,0 0 0,0 0 1,0 1-1,-1 0 0,1 0 0,-1 0 0,0 0 1,0 1-1,0-1 0,0 1 0,-1 0 0,1 0 1,-1 1-1,0-1 0,0 0 0,-1 1 0,1 0 1,-1 0-1,0 0 0,0 0 0,-1 0 0,0 0 1,0 0-1,0 1 0,0-1 0,-1 0 1,0 0-1,0 5-38,0-4 46,-1 0 1,0 0 0,0 0-1,0 0 1,-1 0-1,0 0 1,0-1 0,0 1-1,-1 0 1,0-1-1,0 0 1,0 0 0,-1 0-1,0 0 1,0 0-1,0-1 1,0 1-1,-1-1 1,0 0 0,1-1-1,-2 1 1,1-1-1,0 0 1,-1 0 0,1-1-1,-1 1 1,0-1-1,0 0-46,-10 3 58,0-1-1,0-1 0,0 0 0,0-1 1,0-1-1,0 0 0,-1-1 1,1-1-1,0 0 0,-1-1-57,11 1 1,1 0-1,-1 0 1,1 0 0,-1 0-1,1-1 1,-1 0 0,1 0-1,0 0 1,0-1-1,0 0 1,0 0 0,1 0-1,-1 0 1,1-1 0,0 0-1,0 0 1,0 0 0,0 0-1,1-1 1,-1 1 0,1-1-1,0 0 1,1 0 0,-1 0-1,1 0 1,0-1-1,1 1 1,-1-1 0,1 1-1,0-1 1,0 1 0,1-1-1,-1-2 0,5-1 0,0 0 0,0 1 0,1-1 0,0 1 0,0 0 0,1 0 0,0 1 0,0-1 0,1 2 0,0-1 0,0 0 0,1 1 0,0 1 0,0-1 0,0 1 0,0 1 0,1 0 0,0 0 0,0 0 0,0 1 0,0 0 0,1 1 0,-1 0 0,1 1 0,-1 0 0,1 0 0,0 1 0,-1 0 0,1 1 0,0 0 0,-1 1 0,1-1 0,-1 2 0,0-1 0,0 2 0,0-1 0,7 5 0,-13-7 3,0 0-1,-1 1 1,1-1-1,-1 1 0,1 0 1,-1 0-1,0 0 1,0 0-1,0 0 0,0 0 1,0 1-1,0-1 1,0 1-1,-1-1 0,0 1 1,1 0-1,-1-1 1,0 1-1,0 0 0,0 0 1,-1 0-1,1 0 1,-1 0-1,0 0 0,1 0 1,-1 0-1,-1 0 1,1 0-1,0 0 0,-1 0 1,1 0-1,-1-1 1,0 1-1,0 0 0,0 0 1,0 0-1,-1-1 1,1 1-1,-1-1 0,-1 3-2,-2 3 13,0 0-1,0-1 0,-1 0 1,0 0-1,0 0 0,-1 0 1,0-1-1,0-1 0,0 1 0,-1-1 1,0 0-1,0 0 0,-2 0-12,0-1 31,-1-1 0,1 0 0,0-1 0,-1 0 0,0-1 0,1 0 0,-1 0 0,0-1 0,1-1 0,-1 0 0,0 0 0,1-1-1,-1 0 1,1-1 0,0 0 0,0-1 0,0 0 0,0-1 0,0 0 0,-1-1-31,9 4 4,1 1 0,-1-1-1,0 0 1,1 0 0,-1 1 0,1-1-1,-1 0 1,1 0 0,0 0 0,0-1 0,0 1-1,0 0 1,0 0 0,1-1 0,-1 1 0,1 0-1,-1-1 1,1 1 0,0 0 0,0-1-1,0 1 1,0-1 0,0 1 0,0 0 0,1-1-1,0 1 1,-1 0 0,1-1 0,0 1-1,0 0 1,0 0 0,0 0 0,0 0 0,1 0-1,-1 0 1,1 0 0,-1 0 0,1 0-1,-1 1 1,1-1 0,0 0-4,86-58-6,-70 53-68,1 1 0,-1 0 0,1 2-1,0 0 1,1 1 0,-1 1 0,1 0 0,-1 2-1,1 1 1,-1 0 0,4 2 74,-7-1-919,-1 1 0,0 1 0,0 0 0,0 1 0,0 1 0,-1 0 0,0 1 0,0 1 0,-1 0 919,23 17-4779,-2 1 342</inkml:trace>
+</inkml:ink>
+</file>
+
+<file path=ppt/ink/ink60.xml><?xml version="1.0" encoding="utf-8"?>
 <inkml:ink xmlns:inkml="http://www.w3.org/2003/InkML">
   <inkml:definitions>
     <inkml:context xml:id="ctx0">
@@ -1833,7 +1804,7 @@
 </inkml:ink>
 </file>
 
-<file path=ppt/ink/ink62.xml><?xml version="1.0" encoding="utf-8"?>
+<file path=ppt/ink/ink61.xml><?xml version="1.0" encoding="utf-8"?>
 <inkml:ink xmlns:inkml="http://www.w3.org/2003/InkML">
   <inkml:definitions>
     <inkml:context xml:id="ctx0">
@@ -1863,7 +1834,7 @@
 </inkml:ink>
 </file>
 
-<file path=ppt/ink/ink63.xml><?xml version="1.0" encoding="utf-8"?>
+<file path=ppt/ink/ink62.xml><?xml version="1.0" encoding="utf-8"?>
 <inkml:ink xmlns:inkml="http://www.w3.org/2003/InkML">
   <inkml:definitions>
     <inkml:context xml:id="ctx0">
@@ -1893,7 +1864,7 @@
 </inkml:ink>
 </file>
 
-<file path=ppt/ink/ink64.xml><?xml version="1.0" encoding="utf-8"?>
+<file path=ppt/ink/ink63.xml><?xml version="1.0" encoding="utf-8"?>
 <inkml:ink xmlns:inkml="http://www.w3.org/2003/InkML">
   <inkml:definitions>
     <inkml:context xml:id="ctx0">
@@ -1923,7 +1894,7 @@
 </inkml:ink>
 </file>
 
-<file path=ppt/ink/ink65.xml><?xml version="1.0" encoding="utf-8"?>
+<file path=ppt/ink/ink64.xml><?xml version="1.0" encoding="utf-8"?>
 <inkml:ink xmlns:inkml="http://www.w3.org/2003/InkML">
   <inkml:definitions>
     <inkml:context xml:id="ctx0">
@@ -1953,209 +1924,7 @@
 </inkml:ink>
 </file>
 
-<file path=ppt/ink/ink66.xml><?xml version="1.0" encoding="utf-8"?>
-<inkml:ink xmlns:inkml="http://www.w3.org/2003/InkML">
-  <inkml:definitions>
-    <inkml:context xml:id="ctx0">
-      <inkml:inkSource xml:id="inkSrc0">
-        <inkml:traceFormat>
-          <inkml:channel name="X" type="integer" min="-2.14748E9" max="2.14748E9" units="cm"/>
-          <inkml:channel name="Y" type="integer" min="-2.14748E9" max="2.14748E9" units="cm"/>
-          <inkml:channel name="F" type="integer" max="32767" units="dev"/>
-        </inkml:traceFormat>
-        <inkml:channelProperties>
-          <inkml:channelProperty channel="X" name="resolution" value="1000" units="1/cm"/>
-          <inkml:channelProperty channel="Y" name="resolution" value="1000" units="1/cm"/>
-          <inkml:channelProperty channel="F" name="resolution" value="0" units="1/dev"/>
-        </inkml:channelProperties>
-      </inkml:inkSource>
-      <inkml:timestamp xml:id="ts0" timeString="2019-05-27T17:56:13.812"/>
-    </inkml:context>
-    <inkml:brush xml:id="br0">
-      <inkml:brushProperty name="width" value="0.05" units="cm"/>
-      <inkml:brushProperty name="height" value="0.05" units="cm"/>
-      <inkml:brushProperty name="color" value="#66CC00"/>
-    </inkml:brush>
-  </inkml:definitions>
-  <inkml:trace contextRef="#ctx0" brushRef="#br0">222 483 3584,'0'9'0,"-1"8"0,1-7 0,0 0-2304</inkml:trace>
-  <inkml:trace contextRef="#ctx0" brushRef="#br0" timeOffset="364.118">1 465 9984,'12'4'0,"9"6"1280,-12-6 0,-6-1 384,-3-3 0,0 0-769,13 0 129,6 2-384,15 2 0,14 4-384,5-4 0,5-1-128,3-3 128,4-4-512,-6 4 0,-6 0-8063,-3 6 127,2 1 8448</inkml:trace>
-  <inkml:trace contextRef="#ctx0" brushRef="#br0" timeOffset="1238.128">1233 195 6912,'-17'2'6491,"-8"-16"-4129,5 14-2213,1 1 1,0 1-1,0 1 0,0 0 0,0 1 1,0 1-1,1 1 0,0 1 1,0 1-1,1 0 0,-1 1 1,2 1-1,-1 0 0,2 1 1,-1 1-1,2 1 0,0 0 1,0 0-1,1 2 0,1 0 1,0 0-1,1 1 0,-2 4-149,7-14 8,1 1-1,-1-1 0,1 1 1,1-1-1,-1 1 0,1 1 1,0-1-1,1 1 0,0-1 0,0 1 1,0 0-1,1 0 0,1 0 1,-1 0-1,1 0 0,0 1 0,1-1 1,0 0-1,1 1 0,-1-1 1,2 0-1,-1 0 0,1 0 1,0 0-1,1 0 0,-1 0 0,2 0 1,-1-1-1,1 1 0,0-1 1,1 0-1,0-1 0,0 1 1,0-1-1,1 0 0,0 0 0,0 0 1,1 0-8,9 1 14,0-1 0,-1-1 0,2 0 0,-1-1 0,0-1 0,1 0 0,0-1 1,-1-1-1,1-1 0,0 0 0,0-1 0,-1-1 0,1-1 0,8-2-14,220-73 165,-219 69-141,-1-1-1,0-1 0,0-2 0,-1 0 1,0-2-1,-2 0 0,0-2 1,0 0-1,-2-1 0,0-2 0,3-4-23,-18 16 51,0 0-1,0-1 0,-1 0 0,0 1 1,-1-1-1,0 0 0,0-1 0,-1 1 1,0 0-1,-1-1 0,0 1 0,0-1 1,-1 1-1,-1-1 0,1 0 0,-1 1 1,-1-1-1,0 1 0,0 0 0,-1 0 1,0 0-1,-1 0 0,0 0 0,0 0 1,0 1-1,-2 0 0,1 0 0,-1 0 1,0 0-51,-2-2-180,0 0 0,-1 0 0,0 1 0,-1 0 0,0 1 0,-1 0 1,1 1-1,-1 0 0,-1 0 0,-2 0 180,6 3-845,-1 0 0,0 1 0,0 0 0,-1 0 0,1 1-1,0 1 1,-1-1 0,1 2 0,-1-1 0,0 1 0,1 1 0,-1-1 0,-8 3 845,-17 5-4800</inkml:trace>
-  <inkml:trace contextRef="#ctx0" brushRef="#br0" timeOffset="2008.718">1719 450 10496,'9'7'504,"0"1"1,0 1-1,-1 0 1,0 0-1,0 0 0,-1 1 1,0 0-1,-1 1 1,0 0-1,-1-1 1,0 2-1,0-1 1,-2 1-1,1-1 1,-1 1-1,-1 0 0,0 0-504,-5 17 580,-7-37-370,7-2-214,1-1-1,1 1 1,0-1 0,0 0 0,1 0 0,0 0-1,1 0 1,0 1 0,1-1 0,0 0 0,1 1-1,0 0 1,0-1 0,2-1 4,-3 8-2,-1 0-1,1 1 1,0-1 0,0 0-1,1 1 1,-1 0-1,0 0 1,1-1 0,0 1-1,0 1 1,0-1-1,0 0 1,0 1 0,1 0-1,-1-1 1,1 2-1,-1-1 1,1 0 0,0 1-1,0-1 1,0 1 0,0 0-1,0 0 1,0 1-1,0-1 1,0 1 0,0 0-1,0 0 1,0 0-1,0 0 1,0 1 0,0 0-1,0 0 1,0 0 0,0 0-1,0 1 1,-1-1-1,2 2 3,0-1 15,0 1-1,0 0 1,-1 0-1,1 0 1,-1 1-1,0-1 1,0 1-1,0 0 1,-1 0-1,1 1 1,-1-1-1,0 1 1,0-1-1,-1 1 1,1 0-1,-1 0 0,0 0 1,0 1-1,-1-1 1,0 0-1,0 1 1,0-1-1,0 1 1,-1-1-1,0 0 1,0 1-1,0-1 1,-1 1-15,0-2 85,-7-10-64,10-3-53,-1 0 0,2 0 0,-1 0 0,1 0 0,1 0 0,0 1 0,0 0 0,0 0 0,1 0 0,0 0 0,1 1 0,6-7 32,-2 6-7,0 1-1,1 0 1,0 1-1,1 0 0,-1 1 1,1 0-1,0 1 0,0 1 1,0 0-1,1 0 1,-1 1-1,1 0 0,0 1 1,10 1 7,-17 1 27,-1 0 0,1 1 1,-1 0-1,0 0 0,0 0 0,0 0 1,0 1-1,0 0 0,0 0 0,0 0 1,-1 1-1,0 0 0,0-1 0,0 1 1,0 1-1,0-1 0,-1 1 0,0-1 1,0 1-1,0 0 0,-1 0 0,1 0 1,-1 0-1,0 1 0,-1-1 0,1 0 1,-1 1-1,0 0 0,-1-1 0,1 1 1,-1-1-1,0 1 0,0 0 1,-1-1-1,0 1 0,0 1-27,-8 18-5837,7-20 1200,1-4-1528,1-1 5034</inkml:trace>
-  <inkml:trace contextRef="#ctx0" brushRef="#br0" timeOffset="2470.337">2518 433 8960,'-28'23'1045,"25"-20"171,3-3 363,0 0-22,0 0-426,0 0-172,0 0-255,2 4-85,34 125 2197,-34-144-2831,2-1 0,0 1 0,0 0-1,2 1 1,-1-1 0,2 1 0,0 0 0,1 0-1,2-2 17,-7 12 3,-1 0 1,0 0 0,1 0 0,0 1-1,0-1 1,0 1 0,0-1 0,1 1 0,-1 0-1,1 1 1,0-1 0,0 1 0,0-1-1,0 1 1,0 0 0,0 1 0,1-1 0,-1 1-1,0 0 1,1 0 0,-1 0 0,1 0 0,0 1-1,-1 0 1,1 0 0,-1 0 0,1 0-1,0 1 1,-1 0 0,1 0 0,-1 0 0,0 1-1,2 0-4,1 2 66,1 0 0,-2 1-1,1 0 1,0 1 0,-1-1-1,0 1 1,0 1 0,-1-1 0,1 1-1,-1 0 1,-1 0 0,0 0-1,0 1 1,0-1 0,-1 1-1,0 0 1,0 0 0,-1 1-1,1 5-65,-2 23-2932,-11-3-3426,10-33 662,0-1 2411</inkml:trace>
-  <inkml:trace contextRef="#ctx0" brushRef="#br0" timeOffset="2762.069">2992 395 18687,'3'12'384,"4"17"0,6 17-256,-4-16 128,-2-1-256,-2-8 0,-2-1-1920,-2-8 129,-1-6-5505,0-6 128,0 0 8192</inkml:trace>
-  <inkml:trace contextRef="#ctx0" brushRef="#br0" timeOffset="2940.468">2998 39 17919,'0'20'0,"-3"10"0,3-30 128,0 0-128,0 0 0,7-17-4223,-7 17 127,0 0-1792</inkml:trace>
-  <inkml:trace contextRef="#ctx0" brushRef="#br0" timeOffset="5949.893">3186 644 7040,'20'-14'10382,"-3"-5"-5884,21-50-6015,-27 46 2745,239-469-716,-245 470-512,-14 29 0,3-2-5,1 0 0,0 0 0,0 1 0,0 0 0,0 0 0,1 0-1,0 0 1,0 0 0,1 1 0,-1 0 0,2 0 0,-1 0 0,1 0 0,0 0 0,0 0-1,1 1 1,0-1 0,0 1 0,1-1 0,0 1 0,0-1 0,1 0 0,0 1-1,0-1 1,2 5 5,-2-11-8,-1 1 0,1-1 0,0 0-1,0 0 1,1 1 0,-1-1-1,0 0 1,0 0 0,0 0 0,1 0-1,-1-1 1,1 1 0,-1 0-1,0 0 1,1-1 0,-1 1 0,1-1-1,-1 0 1,1 1 0,0-1 0,-1 0-1,1 0 1,-1 0 0,1 0-1,0 0 1,-1 0 0,1 0 0,-1-1-1,1 1 1,-1 0 0,1-1 0,-1 1-1,1-1 1,-1 0 0,1 0-1,-1 1 1,0-1 0,1-1 8,57-32-966,-34 12 279,-2-1 1,0-1-1,-1-1 0,-2 0 0,13-22 687,-59 116 634,3 2 1,3 0 0,3 2-1,-5 58-634,21 32-260,11-92-4727,-5-39-4613</inkml:trace>
-  <inkml:trace contextRef="#ctx0" brushRef="#br0" timeOffset="6353.7">3983 424 14848,'0'1'20,"0"0"0,0 0 0,0-1 0,0 1 0,0 0 0,0 0 1,-1 0-1,1 0 0,0 0 0,0 0 0,-1-1 0,1 1 1,0 0-1,-1 0 0,1 0 0,-1-1 0,1 1 0,-1 0 0,0-1 1,1 1-1,-1 0 0,1-1 0,-1 1 0,0-1 0,0 1 0,1-1 1,-1 1-1,0-1 0,0 0 0,0 1 0,1-1 0,-1 0 1,0 0-1,0 0 0,0 1 0,0-1 0,0 0 0,0 0 0,1 0 1,-1 0-1,0 0 0,0-1 0,0 1 0,0 0 0,0 0 1,0-1-1,1 1 0,-1 0 0,0-1 0,0 1 0,1 0 0,-1-1 1,0 0-1,0 1 0,1-1 0,-1 1 0,0-1 0,1 0 1,-1 1-1,1-1 0,-1 0 0,1 0 0,-1 1 0,1-2-20,-35-19 758,28 22-696,-1 0-1,0 0 1,1 0-1,0 1 1,-1 0-1,1 0 1,0 1-1,0 0 0,0 0 1,0 1-1,1 0 1,0 0-1,-1 0 1,1 1-1,1 0 0,-1 0 1,1 1-1,0-1 1,0 1-1,0 0 1,1 0-1,0 1 1,0 0-1,1-1 0,-2 5-61,2-6 18,0-1-1,0 0 0,1 1 0,-1-1 0,1 1 0,0-1 0,1 1 0,-1 0 0,1 0 0,0 0 0,0 0 0,0 0 0,1 0 0,-1 0 0,1 1 0,1-1 1,-1 0-1,1 0 0,0 0 0,0 0 0,0 0 0,1 0 0,-1 0 0,1-1 0,1 1 0,-1-1 0,1 1 0,-1-1 0,1 0 0,1 2-17,7-1 34,0 0-1,1 0 1,-1-1-1,1-1 0,-1 0 1,1-1-1,0 0 1,0 0-1,0-2 0,1 1 1,-1-1-1,0-1 0,0-1 1,0 1-1,0-2 1,-1 1-1,1-2 0,0 0 1,-1 0-1,0-1 1,0 0-1,0-1 0,2-2-33,-9 6 12,0 0-1,0-1 1,0 1-1,0-1 0,0 0 1,-1 0-1,1-1 0,-1 1 1,0-1-1,0 1 1,0-1-1,0 0 0,0 0 1,-1 0-1,0-1 0,0 1 1,0 0-1,-1-1 1,1 0-1,-1 1 0,0-1 1,0 0-1,-1 1 0,0-1 1,1 0-1,-2 0 1,1 0-1,0 1 0,-1-1 1,0 0-1,0 1 0,0-1 1,-1 0-1,0 1 1,1 0-1,-2-1 0,1 1 1,0 0-1,-1 0 0,0 0 1,0 0-1,0 1 1,0-1-1,-1 1 0,0-1-11,-54-19-3934,29 13-4590,15 6 4471</inkml:trace>
-  <inkml:trace contextRef="#ctx0" brushRef="#br0" timeOffset="6695.777">4207 424 13184,'-1'0'68,"0"0"0,0 0 0,0 0 0,0 0 0,0 0 0,0 0 0,0 0 1,0 0-1,0 1 0,0-1 0,0 0 0,0 1 0,0-1 0,0 0 1,1 1-1,-1-1 0,0 1 0,0 0 0,0-1 0,0 1 0,1 0 0,-1-1 1,0 1-1,1 0 0,-1 0 0,1 0 0,-1 0 0,1 0 0,-1-1 0,1 1 1,-1 0-1,1 0 0,0 0 0,0 0 0,-1 0 0,1 0 0,0 0 0,0 0 1,0 0-1,0 0 0,0 1 0,0-1 0,0 0 0,1 0 0,-1 0 0,0 0 1,1 0-1,-1-1 0,0 1 0,1 0 0,-1 0 0,1 0 0,-1 0 0,1 0 1,0 0-1,-1-1 0,1 1 0,0 0 0,0-1 0,-1 1 0,1 0 0,1 0-68,15 26 528,-2 1-1,0 1 0,-2 0 0,-1 1 1,-2 0-1,-1 1 0,3 19-527,19-144 661,49-32-1966,-45 89-2433,3 3-3976,-9 10 2808</inkml:trace>
-  <inkml:trace contextRef="#ctx0" brushRef="#br0" timeOffset="7127.352">4687 465 12928,'0'0'78,"1"1"1,-1 0-1,0-1 1,0 1-1,1 0 1,-1-1 0,0 1-1,0 0 1,0-1-1,0 1 1,0 0-1,0 0 1,0-1-1,0 1 1,0 0 0,0-1-1,0 1 1,0 0-1,-1-1 1,1 1-1,0 0 1,0-1-1,-1 1 1,1 0 0,0-1-1,-1 1 1,1-1-1,-1 1 1,1-1-1,-1 1 1,1-1-1,-1 1 1,1-1 0,-1 1-1,1-1 1,-1 0-1,0 1 1,1-1-1,-1 0 1,0 0-1,1 1 1,-1-1 0,0 0-1,1 0 1,-1 0-1,0 0 1,1 0-1,-1 0 1,0 0 0,0 0-1,1 0 1,-1 0-1,0 0 1,1 0-1,-1 0 1,0-1-1,1 1 1,-1 0 0,0-1-1,1 1 1,-1 0-1,1-1 1,-1 1-79,3 3 75,0 0 1,1 0 0,-1 0-1,1 0 1,0 0-1,0 0 1,0-1 0,0 0-1,0 1 1,0-1-1,1 0 1,-1-1 0,1 1-1,-1-1 1,1 1-1,0-1 1,-1 0 0,1 0-1,0-1 1,0 1-1,0-1 1,0 0-1,0 0 1,-1 0 0,1 0-1,0-1 1,0 0-1,0 1 1,-1-1 0,1-1-1,0 1 1,0-1-76,3 1 77,-2 2-65,0-1 1,0 0-1,1 0 0,-1 0 1,0-1-1,0 0 1,0 0-1,0 0 1,0-1-1,0 0 1,0 0-1,0 0 0,-1 0 1,1-1-1,-1 1 1,1-1-1,-1-1 1,0 1-1,0 0 1,-1-1-1,1 0 0,-1 0 1,0 0-1,0 0 1,0-1-1,0 1 1,-1-1-1,1 1 1,-1-1-1,-1 0 0,1 0 1,-1 0-1,1 0 1,-1 0-1,-1-1 1,1 1-13,-2 2-17,1 1-1,-1 0 1,0-1 0,0 1 0,0 0 0,0 0 0,0 0 0,0 0 0,-1 0 0,1 0-1,-1 0 1,1 1 0,-1-1 0,0 0 0,0 1 0,0-1 0,0 1 0,0 0 0,0 0-1,0-1 1,0 1 0,0 1 0,0-1 0,-1 0 0,1 0 0,0 1 0,-1 0-1,1-1 1,0 1 0,-1 0 0,1 0 0,0 0 0,-1 0 0,1 1 0,-1-1 0,0 1 17,-89 20-344,80-15 366,0 1 0,0 0 0,0 1 1,1 0-1,0 1 0,1 0 0,0 0 1,0 1-1,1 1 0,-6 8-22,12-15 37,1-1 0,-1 1-1,0-1 1,1 1 0,0 0 0,0 0-1,0 0 1,1 0 0,-1 0 0,1 0-1,0 1 1,0-1 0,0 0 0,1 1-1,0-1 1,0 1 0,0-1 0,0 0-1,0 1 1,1-1 0,0 1 0,0-1-1,0 0 1,1 0 0,-1 0 0,1 0-1,0 0 1,0 0 0,0 0 0,1 0-1,-1-1 1,1 1 0,0-1 0,2 2-37,6 3 0,0 1 1,1-2 0,0 0 0,0 0-1,1-1 1,-1-1 0,1 0 0,1-1-1,-1 0 1,1-1 0,-1 0 0,1-1-1,0-1 1,0 0 0,0-1 0,5-1-1,144-12-5652,-162 13 5596,74-9-10333</inkml:trace>
-</inkml:ink>
-</file>
-
-<file path=ppt/ink/ink67.xml><?xml version="1.0" encoding="utf-8"?>
-<inkml:ink xmlns:inkml="http://www.w3.org/2003/InkML">
-  <inkml:definitions>
-    <inkml:context xml:id="ctx0">
-      <inkml:inkSource xml:id="inkSrc0">
-        <inkml:traceFormat>
-          <inkml:channel name="X" type="integer" min="-2.14748E9" max="2.14748E9" units="cm"/>
-          <inkml:channel name="Y" type="integer" min="-2.14748E9" max="2.14748E9" units="cm"/>
-          <inkml:channel name="F" type="integer" max="32767" units="dev"/>
-        </inkml:traceFormat>
-        <inkml:channelProperties>
-          <inkml:channelProperty channel="X" name="resolution" value="1000" units="1/cm"/>
-          <inkml:channelProperty channel="Y" name="resolution" value="1000" units="1/cm"/>
-          <inkml:channelProperty channel="F" name="resolution" value="0" units="1/dev"/>
-        </inkml:channelProperties>
-      </inkml:inkSource>
-      <inkml:timestamp xml:id="ts0" timeString="2019-05-27T17:56:25.971"/>
-    </inkml:context>
-    <inkml:brush xml:id="br0">
-      <inkml:brushProperty name="width" value="0.05" units="cm"/>
-      <inkml:brushProperty name="height" value="0.05" units="cm"/>
-      <inkml:brushProperty name="color" value="#FFC114"/>
-    </inkml:brush>
-  </inkml:definitions>
-  <inkml:trace contextRef="#ctx0" brushRef="#br0">0 450 12544,'14'0'0,"10"-3"1152,-12 6 0,-7-2 0,-5-1 127,12 8-511,17-8 128,15 0-640,12-2 0,9-1-128,-3 0 128,2 3-256,-6 3 0,-5 0-2048,-9-1 129,0 1-9089</inkml:trace>
-  <inkml:trace contextRef="#ctx0" brushRef="#br0" timeOffset="11829.803">1190 200 2176,'-8'18'1022,"17"-30"1395,14-33 3744,-31 24-981,-18 14-4104,-32 14-1082,51-7 30,1 0-1,-1 0 1,0 1 0,0 0-1,1 1 1,-1 0-1,1 0 1,-1 0 0,1 0-1,0 1 1,0 0 0,0 1-1,0-1 1,0 1-1,1 0 1,0 1 0,0-1-1,0 1 1,0 0-1,1 0 1,-1 1 0,2-1-1,-1 1 1,0 0 0,1 0-1,0 0 1,1 0-1,-3 7-23,66 59 0,19-5 0,-65-57 0,0 0 0,0 2 0,-1-1 0,0 2 0,-1 0 0,-1 0 0,0 1 0,-1 1 0,-1 0 0,0 1 0,-1-1 0,0 2 0,5 14 0,-13-25 38,0 0 0,0 0 0,-1 0-1,1 1 1,-1-1 0,-1 0 0,1 0-1,-1 0 1,0 0 0,0 0-1,-1 0 1,0 0 0,0-1 0,0 1-1,-1 0 1,0-1 0,0 0 0,0 1-1,-1-1 1,0-1 0,1 1-1,-2 0 1,1-1 0,-1 0 0,1 0-1,-1 0 1,-1 0-38,-5 4 98,0-1 1,-1 0-1,0-1 0,0 0 0,0-1 0,-1 0 1,0-1-1,0 0 0,0-1 0,0-1 0,0 0 1,-2 0-99,-1-2 48,0 0 1,-1 0 0,1-1-1,0-2 1,0 1 0,0-2-1,1 0 1,-1-1-1,1 0 1,-14-8-49,-23-43-2684,55 1-9347,7 29 8959</inkml:trace>
-  <inkml:trace contextRef="#ctx0" brushRef="#br0" timeOffset="12691.867">849 10 4480,'-44'61'9056,"17"-32"-7915,5 5-537,1 1 1,2 0-1,2 2 1,1 0-1,1 1 0,-3 21-604,9-29 63,1 0-1,1 1 0,2 0 0,1 0 1,1 0-1,2 0 0,1 1 0,1-1 1,2 1-1,1-1 0,7 24-62,57 103-8364,-39-110 1964</inkml:trace>
-  <inkml:trace contextRef="#ctx0" brushRef="#br0" timeOffset="13471.178">1355 1 5248,'1'5'697,"0"1"0,0-1 0,0 0 0,0 0 1,1 0-1,0 1 0,0-2 0,0 1 0,1 0 0,-1 0 0,1-1 1,0 1-1,1-1 0,-1 0 0,1 0 0,3 3-697,9 11 3,-4-1 255,0 0 0,0 2 0,-2-1 0,0 1 0,-1 0 1,-1 1-1,-1 0 0,-1 0 0,0 1 0,-2 0 0,0 0 0,-2 0 0,0 0 1,-1 0-1,-1 1 0,-2 8-258,-37 122-1236,-21-56-4644,-26-17-6110,71-70 12481</inkml:trace>
-  <inkml:trace contextRef="#ctx0" brushRef="#br0" timeOffset="14361.776">1771 450 2944,'-4'27'1544,"-26"-9"5488,15-1-3516,38 10-2680,-15-25-777,0 0 1,1-1-1,-1 0 1,1 0-1,-1-1 1,1 0-1,-1-1 1,1 1-1,-1-2 1,0 1-1,1-1 1,-1 0-1,0-1 1,0 0-1,0 0 1,-1-1-1,1 0 1,-1 0-1,1-2-59,-5 5 3,-1 0-1,0 0 1,0 0-1,1 0 1,-1-1-1,0 1 1,-1-1-1,1 1 1,0-1-1,0 0 1,-1 0 0,1 0-1,-1 0 1,1 0-1,-1 0 1,0 0-1,0 0 1,0-1-1,0 1 1,0 0-1,-1-1 1,1 1-1,-1-1 1,1 1-1,-1-1 1,0 1-1,0 0 1,0-1 0,0 1-1,0-1 1,-1 1-1,1-1 1,-1 1-1,0-1 1,0 1-1,1 0 1,-1 0-1,-1-1 1,1 1-1,0 0 1,-1 0-1,1 0 1,-1 0 0,1 0-1,-1 1 1,0-1-1,0 0 1,0 1-1,0-1 1,0 1-1,0 0 1,0 0-1,0 0 1,-1 0-1,1 0 1,0 0-1,-1 0 1,1 1-1,-1-1-2,-8 1 2,0 0-1,1 1 0,-1 1 1,0 0-1,1 0 0,-1 1 0,1 0 1,0 0-1,0 1 0,0 1 0,0 0 1,1 0-1,0 1 0,0 0 0,0 1 1,1-1-1,-2 4-1,1-3 54,1 1 1,-1 1-1,2-1 0,-1 1 1,1 1-1,0-1 1,1 1-1,1 0 0,-1 1 1,-2 8-55,6-15 16,1-1 0,0 0 0,0 0 0,0 1 0,1-1 0,-1 1 0,1-1 0,0 1 0,0-1 0,0 1 0,0-1 0,0 0 0,1 1 0,0-1 0,-1 1 0,1-1 0,1 0 0,-1 0 0,0 1 0,1-1 0,0 0 0,-1 0 0,1-1 0,0 1 0,1 0 0,-1 0 0,0-1 0,1 0 0,-1 1 0,1-1 0,0 0 0,0 0 0,0-1 0,0 1 0,0 0 0,0-1 0,0 0 0,2 1-16,9 2-230,1 0 1,-1-1 0,1-1-1,0 0 1,0-1 0,0-1 0,0 0-1,0-1 1,0 0 0,-1-2-1,12-2 230,39-10-4638,-5-1-3408,-57 15 7509,40-11 388</inkml:trace>
-  <inkml:trace contextRef="#ctx0" brushRef="#br0" timeOffset="14917.828">2349 507 7936,'0'0'57,"0"-1"1,-1 1 0,1 0-1,0-1 1,-1 1 0,1 0-1,-1 0 1,1-1 0,0 1-1,-1 0 1,1 0 0,-1 0-1,1-1 1,-1 1 0,1 0 0,-1 0-1,1 0 1,-1 0 0,1 0-1,-1 0 1,1 0 0,-1 0-1,1 0 1,-1 0 0,1 0-1,-1 0 1,1 0 0,-1 1-1,1-1 1,0 0 0,-1 0-1,1 0 1,-1 1 0,1-1-1,-1 0 1,1 1 0,0-1-1,-1 0 1,1 1 0,0-1-1,-1 0 1,1 1 0,0-1-1,0 1 1,-1-1 0,1 1-1,0-1 1,0 1-58,-20-44 3162,14 39-2974,-1 0 0,1 0 0,-1 0-1,-1 1 1,1 0 0,0 0 0,-1 1 0,1 0-1,-1 0 1,0 0 0,1 1 0,-1 1-1,0-1 1,0 1 0,0 1 0,0-1 0,1 1-1,-8 2-187,11-2 38,-1 0-1,1 0 1,-1 0 0,1 1-1,-1 0 1,1 0-1,0 0 1,0 0-1,0 0 1,0 1-1,0 0 1,0 0-1,1 0 1,0 0-1,-1 1 1,1-1 0,0 1-1,1 0 1,-1 0-1,1 0 1,-1 0-1,1 0 1,0 1-1,1-1 1,-1 0-1,1 1 1,0 0 0,0-1-1,0 1 1,1-1-1,0 5-37,-1-6-15,1 0-1,0-1 1,1 1 0,-1 0-1,0-1 1,1 1-1,-1 0 1,1-1-1,0 1 1,0-1 0,0 1-1,0-1 1,0 1-1,1-1 1,-1 0 0,1 0-1,-1 0 1,1 0-1,0 0 1,0 0 0,0 0-1,0 0 1,0-1-1,0 1 1,1-1 0,-1 0-1,0 1 1,1-1-1,-1 0 1,1 0 0,-1-1-1,1 1 1,0 0-1,-1-1 1,1 0 0,0 1-1,-1-1 1,4-1 15,-1 1-199,1 0 1,-1-1-1,1 1 1,-1-2-1,1 1 0,-1 0 1,1-1-1,-1 0 1,0-1-1,0 1 0,0-1 1,0 0-1,0 0 1,-1 0-1,1-1 0,-1 1 1,0-1-1,2-3 199,31-78-2602,-15 152 2346,75 282 4629,-97-347-4310,1 0 1,0-1 0,-1 1-1,1 0 1,-1-1 0,1 1-1,-1 0 1,0 0-1,1 0 1,-1-1 0,0 1-1,0 0 1,-1 0 0,1 0-1,0-1 1,-1 1-1,1 0 1,-1 0 0,1-1-1,-1 1 1,0 0 0,1-1-1,-1 1 1,0-1-1,0 1 1,0-1 0,-1 0-1,1 1 1,0-1 0,0 0-1,-1 0 1,1 1-1,-1-1 1,1 0 0,-1 0-1,1-1 1,-1 1 0,0 0-1,1-1 1,-1 1-1,0-1 1,0 1 0,1-1-1,-1 0 1,0 1 0,0-1-1,0 0 1,1 0-1,-1-1 1,0 1 0,0 0-1,1-1 1,-1 1 0,0-1-1,0 1 1,1-1-1,-1 0-63,-171-70 113,105 27-5153,42 26-4560</inkml:trace>
-  <inkml:trace contextRef="#ctx0" brushRef="#br0" timeOffset="23919.261">2858 433 4608,'-26'8'768,"23"-45"4565,1 36-5239,0 0 1,0 0-1,0 0 0,0 0 1,0 0-1,0 0 1,0 0-1,0 1 0,-1-1 1,1 1-1,0 0 0,0-1 1,-1 1-1,1 0 0,0 0 1,0 1-1,-1-1 0,1 0 1,0 1-1,0-1 0,0 1 1,-1 0-1,1 0 1,0 0-1,0 0 0,0 0-94,-8 4 90,0 1 0,1 0 0,-1 1 0,2 0-1,-1 0 1,1 1 0,0 0 0,0 0 0,1 1-1,0 0 1,1 0 0,0 1 0,0-1 0,1 1 0,1 1-1,-1-1 1,2 1 0,-1-1 0,0 7-90,3-14 11,1-1 0,-1 0 0,1 1 1,-1-1-1,1 1 0,0-1 0,0 0 0,0 1 1,0-1-1,1 1 0,-1-1 0,0 0 0,1 1 1,0-1-1,0 0 0,-1 1 0,1-1 0,1 0 1,-1 0-1,0 0 0,0 0 0,1 0 0,-1 0 1,1 0-1,0-1 0,-1 1 0,1 0 0,0-1 1,0 1-1,0-1 0,0 0 0,0 0 0,1 0 1,-1 0-1,0 0 0,0 0 0,1-1 0,-1 1 0,0-1 1,1 1-1,-1-1 0,1 0 0,-1 0 0,0 0 1,1 0-1,0-1-11,109-30-1838,-106 27 1492,-1 0 0,1-1 1,-1 1-1,1-1 0,-2 0 0,1-1 0,0 1 0,-1-1 0,0 0 0,0 0 0,-1 0 1,0 0-1,0-1 0,2-5 346,-14-6-768,7 17 767,1 1 1,0 0 0,0 0-1,0-1 1,0 1 0,0 0-1,0 0 1,0 0 0,0 1-1,0-1 1,0 0 0,-1 0-1,1 0 1,0 1-1,0-1 1,0 1 0,0-1-1,0 1 1,0-1 0,1 1-1,-1-1 1,0 1 0,0 0-1,0 0 1,0-1 0,1 1-1,-1 0 1,0 0 0,1 0-1,-1 0 1,1 0 0,-1 0-1,1 0 1,-1 0-1,1 0 1,0 0 0,-1 0-1,1 0 1,0 0 0,0 0-1,0 0 1,0 0 0,0 0-1,0 0 1,0 1 0,0-1-1,0 0 1,1 0 0,-1 0-1,0 0 1,1 0 0,-1 0-1,0 0 1,1 0-1,0 0 1,-1 1 20,5 15 132,0 0 1,1 0 0,1 0 0,1-1-1,1 0 1,0 0 0,0-1 0,2 0-1,0-1 1,11 12-153,9 13 1822,-50-20 1677,-5-11-3043,0 0 0,-1-2 0,0-1 0,-1 0 1,1-2-1,-1-1 0,-3-1-456,17-1-607,0-1-1,0 0 1,0-1 0,0 0-1,0-1 1,0 0 0,0-1-1,1 0 1,0-1 0,-4-2 607,5 0-4736,1 0 1024</inkml:trace>
-  <inkml:trace contextRef="#ctx0" brushRef="#br0" timeOffset="24330.833">3019 287 9728,'57'121'7577,"-18"-49"-6451,-32-57-1026,0 0 0,-1 0-1,-1 1 1,-1 0-1,0 0 1,-1 0-1,0 0 1,-2 1-1,0-1 1,-1 1 0,0-1-1,-1 1 1,-1-1-1,-1 0 1,0 1-1,-1-1 1,-1-1-1,-4 11-99,-24 45-2324,-69 79-8578,80-124 7361</inkml:trace>
-  <inkml:trace contextRef="#ctx0" brushRef="#br0" timeOffset="24731.838">2539 295 10240,'-9'18'0,"-6"14"512,-5 10 0,-1 12 384,4 2 0,2 9-256,10-2 0,10 4-512,10 3 128,6 1-384,8-9 0,8-1-4736,4-10 128,0 3 2688</inkml:trace>
-  <inkml:trace contextRef="#ctx0" brushRef="#br0" timeOffset="25618.927">3409 325 8704,'-35'53'5653,"30"-48"-5552,-1 1-1,1 0 1,0 0 0,0 0 0,1 1 0,0-1-1,0 1 1,0 0 0,1 1 0,0-1-1,1 0 1,-1 1 0,1 0 0,1-1 0,0 1-1,0 0 1,0 0 0,1 0 0,0 0-1,0 0 1,1 0 0,0-1 0,1 1 0,0 0-1,0-1 1,0 1 0,1-1 0,0 1-1,2 1-100,-5-7-24,1 0-1,-1 0 0,1 0 0,0 0 0,0-1 0,-1 1 0,1 0 0,0 0 0,1-1 1,-1 1-1,0 0 0,0-1 0,1 1 0,-1-1 0,1 0 0,-1 1 0,1-1 0,0 0 1,-1 0-1,1 0 0,0 0 0,0 0 0,0-1 0,-1 1 0,1 0 0,0-1 0,0 0 1,0 1-1,0-1 0,0 0 0,0 0 0,1 0 25,33-27-5902,-36 27 5878,0 0-1,1 1 1,-1-1 0,0 1-1,0-1 1,1 1-1,-1-1 1,0 1 0,0-1-1,1 0 1,-1 1-1,0-1 1,1 0 0,-1 1-1,1-1 1,-1 0 0,0 1-1,1-1 1,-1 0-1,1 0 1,-1 0 0,1 1-1,-1-1 1,1 0 0,-1 0-1,1 0 1,-1 0-1,1 0 1,-1 0 0,1 0-1,-1 0 1,1 0 0,-1 0-1,0 0 1,1 0-1,-1 0 1,1 0 0,-1-1-1,1 1 1,-1 0 0,1 0-1,-1-1 1,1 1-1,-1 0 1,0 0 0,1-1-1,-1 1 1,0 0-1,1-1 1,-1 1 0,0-1-1,1 1 1,-1 0 0,0-1-1,0 1 1,1-1-1,-1 1 1,0-1 0,0 1-1,0-1 1,0 1 0,0-1-1,1 1 1,-1-1-1,0 1 1,0-1 0,0 1 24,7 12-116,-4-7 214,0 0 0,0 0 0,0-1 1,1 1-1,-1-1 0,1 0 0,0 0 1,1 0-1,-1-1 0,1 1 0,0-1 0,-1 0 1,1-1-1,1 1 0,-1-1 0,0 0 1,1 0-1,-1 0 0,1-1 0,-1 0 1,1 0-1,-1 0 0,1-1 0,0 0 0,-1 0 1,1-1-1,0 1 0,-1-1 0,1 0 1,0-1-1,-1 1 0,0-1 0,1 0 1,-1 0-1,0-1 0,0 0 0,0 0 0,0 0 1,-1 0-1,1-1 0,-1 0 0,0 1 1,3-5-99,-3 3 52,0-1-1,0 1 1,0-1 0,0 0 0,-1-1 0,0 1 0,0 0 0,-1-1 0,0 0 0,0 1 0,-1-1 0,1 0-1,-2 0 1,1 0 0,-1 0 0,0 0 0,0 0 0,-1 0 0,1 0 0,-2 1 0,1-1 0,-1 0 0,0 0-1,-1 1 1,1-1 0,-1 1 0,0 0 0,-1 0 0,0 0 0,-3-5-52,-5 0-2076,-8 11-8242,11 4 10403</inkml:trace>
-  <inkml:trace contextRef="#ctx0" brushRef="#br0" timeOffset="25916.808">3976 557 7168,'-1'1'63,"1"-1"0,-1 0-1,0 1 1,0-1 0,0 0 0,1 1 0,-1-1 0,0 0 0,0 0 0,0 0 0,0 0-1,1 0 1,-1 0 0,0 0 0,0 0 0,0 0 0,0 0 0,1-1 0,-1 1 0,0 0-1,0-1 1,0 1 0,1 0 0,-1-1 0,0 1 0,0-1 0,1 1 0,-1-1-1,1 1 1,-1-1 0,0 0 0,1 1 0,-1-1 0,1 0 0,-1 1 0,1-1 0,0 0-1,-1 0 1,1 1 0,0-1 0,-1 0 0,1 0 0,0 0 0,0 1 0,0-1 0,0 0-1,0 0 1,0 0 0,0 0 0,0 0 0,0 1 0,0-2-63,-5-20 1103,4 19-1046,0 1 0,-1-1 0,1 1 1,-1 0-1,0 0 0,0 0 0,0 0 0,0 0 0,0 0 0,0 0 1,0 1-1,-1-1 0,1 1 0,-1-1 0,1 1 0,-1 0 0,1 0 1,-1 0-1,0 1 0,1-1 0,-1 0 0,0 1 0,0 0 0,0 0 1,1 0-1,-1 0 0,0 0 0,0 0 0,1 1 0,-1-1 0,0 1 0,0 0 1,1 0-1,-1 0 0,1 0 0,-1 0 0,1 1 0,-1-1 0,1 1 1,0 0-1,0-1 0,0 1 0,0 0 0,0 0 0,0 0 0,0 1 1,1-1-1,-1 0 0,1 1 0,-1-1 0,1 1 0,0-1 0,0 1 1,0 0-1,1-1 0,-1 2-57,-1 0 23,0 0 0,0 0 0,1 0 0,0 0 0,0 1 0,0-1 0,0 0 0,1 0 0,-1 1 0,1-1 0,0 1 0,0-1 0,1 0 0,0 1 0,-1-1 0,1 0 0,1 0 0,-1 0 0,0 0 0,1 0 0,0 0 0,0 0 0,0 0 0,1 0 0,-1-1 0,1 0 0,0 1 0,0-1 0,0 0 0,0 0 0,2 1-23,-2-2-180,1 0-1,0 0 1,0 0 0,0 0 0,0 0-1,0-1 1,0 1 0,1-1 0,-1 0 0,0-1-1,1 1 1,-1-1 0,0 0 0,1 0-1,-1 0 1,0 0 0,1-1 0,-1 0-1,0 0 1,1 0 0,-1-1 180,57-48-7360,-44 26 5227</inkml:trace>
-  <inkml:trace contextRef="#ctx0" brushRef="#br0" timeOffset="26167.947">4028 480 1024,'0'0'0,"0"0"2432,0 0 128,0 0-640,0 0 128,-17 15-768,6-3 128,2 5-1024,12 4 128,3 8-256,13-5 0,2-3-256,3-4 0,0-3-2304,2-5 0,2 1-3840</inkml:trace>
-  <inkml:trace contextRef="#ctx0" brushRef="#br0" timeOffset="26559.433">4228 430 11904,'11'81'1732,"-12"-77"-1615,0 0 1,0 0 0,0 0 0,1 0 0,0 0 0,-1 1 0,2-1 0,-1 0-1,0 0 1,1 0 0,0 0 0,0 0 0,0 0 0,0 0 0,1 0 0,-1 0-1,1 0 1,0-1 0,0 1 0,1-1 0,-1 1 0,1-1 0,-1 0-1,1 0 1,0 0 0,0 0 0,1-1 0,-1 1 0,0-1 0,1 0 0,0 0-1,3 1-117,-2-2-21,0 0-1,1 0 0,-1-1 1,0 0-1,1 0 0,-1-1 0,0 1 1,1-1-1,-1 0 0,0-1 1,0 1-1,0-1 0,0 0 0,0 0 1,0-1-1,0 1 0,-1-1 1,1 0-1,-1 0 0,0-1 0,0 1 1,0-1-1,0 0 0,-1 0 0,1 0 1,1-4 21,3-3-274,-1 1-1,-1-1 1,0 0 0,0-1 0,-1 1 0,0-1-1,-1 0 1,0-1 0,-1 1 0,1-11 274,-4 21-149,0 20 21,0 4 226,2-1 0,0 1 1,2-1-1,0 0 1,2 0-1,0 0 1,1-1-1,1 0 1,1 0-1,0-1 1,2 0-1,0-1 1,2 1-99,80 131 4223,-93-149-4188,1-1 0,-1 1 0,1 0 0,0 0 0,-1 0 0,1 0 0,-1 0 0,0 0 0,1 0 0,-1 0 0,0 0 0,0 0 0,1 0 0,-1 0 0,0 0 0,0 0 0,0 0 0,0 0 0,0 0 0,0 0 0,-1 0 0,1 0 0,0 0 0,0 0 0,-1 0 0,1 0 0,-1 0 0,1 0 0,-1-1 0,1 1 0,-1 0 0,1 0 0,-1 0 0,0-1-1,1 1 1,-1 0 0,0-1 0,0 1 0,0 0 0,0-1 0,1 1 0,-1-1 0,0 1 0,0-1 0,0 0 0,0 1 0,0-1 0,0 0 0,0 0 0,0 0 0,0 0 0,0 1 0,-1-2-35,-57-6 344,-146-55-1298,78 22-7521,71 23 1115</inkml:trace>
-</inkml:ink>
-</file>
-
-<file path=ppt/ink/ink68.xml><?xml version="1.0" encoding="utf-8"?>
-<inkml:ink xmlns:inkml="http://www.w3.org/2003/InkML">
-  <inkml:definitions>
-    <inkml:context xml:id="ctx0">
-      <inkml:inkSource xml:id="inkSrc0">
-        <inkml:traceFormat>
-          <inkml:channel name="X" type="integer" min="-2.14748E9" max="2.14748E9" units="cm"/>
-          <inkml:channel name="Y" type="integer" min="-2.14748E9" max="2.14748E9" units="cm"/>
-          <inkml:channel name="F" type="integer" max="32767" units="dev"/>
-        </inkml:traceFormat>
-        <inkml:channelProperties>
-          <inkml:channelProperty channel="X" name="resolution" value="1000" units="1/cm"/>
-          <inkml:channelProperty channel="Y" name="resolution" value="1000" units="1/cm"/>
-          <inkml:channelProperty channel="F" name="resolution" value="0" units="1/dev"/>
-        </inkml:channelProperties>
-      </inkml:inkSource>
-      <inkml:timestamp xml:id="ts0" timeString="2019-05-27T17:56:59.474"/>
-    </inkml:context>
-    <inkml:brush xml:id="br0">
-      <inkml:brushProperty name="width" value="0.05" units="cm"/>
-      <inkml:brushProperty name="height" value="0.05" units="cm"/>
-      <inkml:brushProperty name="color" value="#E71224"/>
-    </inkml:brush>
-  </inkml:definitions>
-  <inkml:trace contextRef="#ctx0" brushRef="#br0">1 22 8704,'10'6'-789,"11"5"10689,-11-11-8558,278-36-532,-246 33-2409,125 13-13996,-133-6 15382</inkml:trace>
-</inkml:ink>
-</file>
-
-<file path=ppt/ink/ink69.xml><?xml version="1.0" encoding="utf-8"?>
-<inkml:ink xmlns:inkml="http://www.w3.org/2003/InkML">
-  <inkml:definitions>
-    <inkml:context xml:id="ctx0">
-      <inkml:inkSource xml:id="inkSrc0">
-        <inkml:traceFormat>
-          <inkml:channel name="X" type="integer" min="-2.14748E9" max="2.14748E9" units="cm"/>
-          <inkml:channel name="Y" type="integer" min="-2.14748E9" max="2.14748E9" units="cm"/>
-          <inkml:channel name="F" type="integer" max="32767" units="dev"/>
-        </inkml:traceFormat>
-        <inkml:channelProperties>
-          <inkml:channelProperty channel="X" name="resolution" value="1000" units="1/cm"/>
-          <inkml:channelProperty channel="Y" name="resolution" value="1000" units="1/cm"/>
-          <inkml:channelProperty channel="F" name="resolution" value="0" units="1/dev"/>
-        </inkml:channelProperties>
-      </inkml:inkSource>
-      <inkml:timestamp xml:id="ts0" timeString="2019-05-27T17:57:12.166"/>
-    </inkml:context>
-    <inkml:brush xml:id="br0">
-      <inkml:brushProperty name="width" value="0.05" units="cm"/>
-      <inkml:brushProperty name="height" value="0.05" units="cm"/>
-      <inkml:brushProperty name="color" value="#E71224"/>
-    </inkml:brush>
-  </inkml:definitions>
-  <inkml:trace contextRef="#ctx0" brushRef="#br0">1 804 12672,'0'0'0,"13"21"640,-13-21 128,3 11 384,-3-11 0,0 0-897,0 0 1,20-11-128,6 7 0,13-4-256,-2 2 128,4 2-4223,-3-2 127,1 1-1024</inkml:trace>
-  <inkml:trace contextRef="#ctx0" brushRef="#br0" timeOffset="434.249">559 691 7040,'3'13'1557,"-3"-10"128,0-3 214,-13 3 1045,2 1-2642,-1 1 0,1 0 0,0 1 0,0 0 0,0 0 0,1 2-1,0-1 1,1 1 0,-1 1 0,2-1 0,-1 1 0,1 1 0,-2 3-302,9-12 5,0 0 0,0 1 0,0-1 0,0 0 0,0 1 0,0-1 0,0 0 0,0 1 0,0-1 0,1 1 0,-1 0 0,1-1 0,-1 1 0,1-1 0,0 1 0,0 0 0,-1-1 0,1 1-1,0 0 1,0-1 0,1 1 0,-1 0 0,0-1 0,1 1 0,-1-1 0,0 1 0,1 0 0,0-1 0,-1 1 0,1-1 0,0 0 0,0 1 0,0-1 0,0 0 0,0 1 0,0-1 0,0 0 0,0 0 0,1 0 0,-1 0 0,0 0 0,1 0 0,-1 0 0,1 0 0,-1-1 0,1 1 0,-1 0 0,1-1 0,0 0 0,0 1-5,89 13-78,31-18-2454,0-15-6499,-61 7 4957</inkml:trace>
-  <inkml:trace contextRef="#ctx0" brushRef="#br0" timeOffset="875.606">756 1 8448,'-20'228'6400,"18"-110"-5170,5 0 0,4 1 0,16 65-1230,-11-118 235,18-93-939,56-65-555,-83 91 1265,0 0 1,0 1-1,0-1 1,0 1-1,0-1 0,0 1 1,0 0-1,0 1 0,0-1 1,0 0-1,0 1 0,0 0 1,0-1-1,0 1 0,0 0 1,0 1-1,0-1 0,-1 0 1,1 1-1,0 0 0,-1-1 1,0 1-1,1 0 0,-1 0 1,0 1-1,0-1 0,0 0 1,0 1-1,0-1 0,-1 1 1,1 0-1,-1-1 0,0 1 1,1 0-1,-1 0 0,-1 0 1,2 1-7,9 53-1260,-8-39-2556,-1-1-3844,1-5 6167</inkml:trace>
-  <inkml:trace contextRef="#ctx0" brushRef="#br0" timeOffset="1385.089">1401 786 12288,'-48'11'533,"47"-12"-479,0 0 0,1 0 0,-1 0 0,0 0-1,1 1 1,-1-1 0,0 0 0,1 0 0,-1 0 0,1 0 0,-1-1 0,1 1 0,0 0-1,0 0 1,-1 0 0,1 0 0,0 0 0,0 0 0,0 0 0,0-1 0,0 1 0,0 0 0,0 0-1,1 0 1,-1 0 0,0 0 0,1 0 0,-1 0 0,1 0 0,-1 0 0,1 0 0,-1 0 0,1 0-1,0 0 1,-1 0 0,2-1-54,0-4 385,-2 3-319,1 0 0,-1 0-1,0 0 1,-1 0 0,1-1-1,0 1 1,-1 0 0,0 0 0,0 0-1,0 0 1,0 0 0,0 0-1,0 0 1,-1 0 0,0 1-1,1-1 1,-1 0 0,0 1 0,0 0-1,0-1 1,-1 1 0,1 0-1,-1 0 1,1 0 0,-1 0 0,1 1-1,-1-1 1,0 1 0,0-1-1,0 1 1,0 0 0,0 0-1,0 0 1,0 1 0,0-1 0,-1 1-1,1 0 1,0 0 0,0 0-1,0 0 1,0 0 0,-1 1 0,1-1-1,0 1 1,0 0 0,0 0-1,0 0 1,0 0 0,0 1-1,0 0-65,-2 0 27,0 0-1,0 1 0,1-1 0,-1 1 0,1 0 1,-1 0-1,1 1 0,1-1 0,-1 1 1,0 0-1,1 0 0,0 0 0,-1 0 0,2 1 1,-1-1-1,1 1 0,-1 0 0,1 0 0,0 0 1,1 0-1,-1 0 0,1 0 0,0 0 0,1 1 1,-1-1-1,1 0 0,0 0 0,0 1 0,1-1 1,-1 0-1,1 0 0,0 1 0,1-1 1,-1 0-1,1 0-26,-1-2-17,0 0 1,1 0-1,-1-1 1,1 1 0,-1 0-1,1-1 1,0 1-1,0-1 1,0 1-1,0-1 1,1 0-1,-1 0 1,1 0 0,-1 0-1,1 0 1,-1-1-1,1 1 1,0-1-1,0 0 1,0 1-1,0-1 1,0-1 0,0 1-1,0 0 1,0-1-1,1 0 1,-1 1-1,0-1 1,0 0-1,0-1 1,0 1 0,1-1-1,-1 1 1,0-1-1,0 0 1,0 0-1,0 0 1,1-1 16,7-2-422,-1-1 0,0 0 1,0 0-1,-1-1 0,1 0 0,-1-1 1,0 0-1,-1 0 0,0-1 0,4-4 422,-6 5-102,-1 0 0,0 0 0,0 0 0,0-1 0,0 1 0,-1-1 0,-1 0-1,0 0 1,0-1 0,0 1 0,-1-1 0,0 0 0,-1 1 0,1-3 102,-3 10 43,1 0 1,-1 1-1,0-1 1,1 1-1,-1-1 1,0 1-1,0-1 0,1 1 1,-1 0-1,0-1 1,0 1-1,0 0 0,1 0 1,-1-1-1,0 1 1,0 0-1,0 0 1,0 0-1,0 0 0,1 0 1,-1 0-1,0 0 1,0 0-1,0 0 1,0 1-1,1-1 0,-1 0 1,0 1-1,0-1 1,0 0-1,1 1 1,-1-1-1,0 1 0,1-1 1,-1 1-1,0-1 1,1 1-1,-1 0 1,0-1-1,1 1 0,-1 0 1,1-1-1,0 1 1,-1 0-1,1 0 1,-1-1-1,1 1 0,0 0 1,0 0-1,-1 0 1,1 0-1,0-1 1,0 1-1,0 0 0,0 0 1,0 0-44,-2 5 134,-1-1 1,1 0-1,1 1 1,-1 0-1,1-1 1,0 1-1,0 0 1,1 0-1,0-1 1,0 1-1,0 0 0,0 0 1,1 0-1,0-1 1,0 1-1,1-1 1,0 1-1,0-1 1,0 1-1,0-1 1,1 0-1,0 0 1,0 0-1,1 0 1,-1-1-1,2 2-134,37 23-2535,14-18-5125,-35-11 2562</inkml:trace>
-  <inkml:trace contextRef="#ctx0" brushRef="#br0" timeOffset="1633.652">1652 718 13056,'0'0'768,"4"27"0,1 19-384,-1-16 0,1 2-256,1-10 0,0-5-1536,0-5 128,-1 0-7680</inkml:trace>
-  <inkml:trace contextRef="#ctx0" brushRef="#br0" timeOffset="1796.548">1555 404 13568,'16'0'0,"12"0"640,-15 0 0,-1 0-640,-12 0 128,11 0-5120,-11 0 128,0 0 2688</inkml:trace>
-  <inkml:trace contextRef="#ctx0" brushRef="#br0" timeOffset="2048.721">1904 813 13568,'0'1'9,"0"-1"1,1 1-1,-1 0 1,0-1 0,0 1-1,1-1 1,-1 1-1,0 0 1,0-1-1,0 1 1,0 0 0,0-1-1,0 1 1,0 0-1,0-1 1,0 1 0,0 0-1,0-1 1,0 1-1,0 0 1,-1-1-1,1 1 1,0-1 0,-1 1-1,1 0 1,0-1-1,-1 1 1,1-1 0,0 1-1,-1-1 1,1 1-1,-1-1 1,1 1-1,-1-1 1,1 0 0,-1 1-1,1-1 1,-1 0-1,0 1 1,1-1 0,-1 0-1,0 0 1,1 1-1,-1-1 1,1 0-1,-1 0 1,0 0 0,1 0-1,-1 0 1,0 0-1,1 0 1,-1 0 0,0 0-1,1 0 1,-1 0-1,0-1 1,1 1-1,-1 0 1,1 0 0,-1-1-1,0 1 1,1 0-1,-1-1 1,1 1 0,-1-1-1,1 1 1,-1 0-1,1-1 1,-1 0-10,-6 68 2688,7-65-2176,0-5 106,0-6-258,-2-3-177,0 1 0,2 0 0,-1 0-1,1-1 1,1 1 0,0 0 0,0-1 0,1 1 0,1 0 0,0 0-1,1 1 1,-1-1 0,2 1 0,0-1 0,0 1 0,1 1 0,0-1-1,1 1 1,-1 0 0,2 0 0,0 1 0,0 0 0,1 0-183,94-24-1209,5 33-5817,-43 4-2104</inkml:trace>
-</inkml:ink>
-</file>
-
 <file path=ppt/ink/ink7.xml><?xml version="1.0" encoding="utf-8"?>
-<inkml:ink xmlns:inkml="http://www.w3.org/2003/InkML">
-  <inkml:definitions>
-    <inkml:context xml:id="ctx0">
-      <inkml:inkSource xml:id="inkSrc0">
-        <inkml:traceFormat>
-          <inkml:channel name="X" type="integer" min="-2.14748E9" max="2.14748E9" units="cm"/>
-          <inkml:channel name="Y" type="integer" min="-2.14748E9" max="2.14748E9" units="cm"/>
-          <inkml:channel name="F" type="integer" max="32767" units="dev"/>
-        </inkml:traceFormat>
-        <inkml:channelProperties>
-          <inkml:channelProperty channel="X" name="resolution" value="1000" units="1/cm"/>
-          <inkml:channelProperty channel="Y" name="resolution" value="1000" units="1/cm"/>
-          <inkml:channelProperty channel="F" name="resolution" value="0" units="1/dev"/>
-        </inkml:channelProperties>
-      </inkml:inkSource>
-      <inkml:timestamp xml:id="ts0" timeString="2019-05-27T17:43:15.938"/>
-    </inkml:context>
-    <inkml:brush xml:id="br0">
-      <inkml:brushProperty name="width" value="0.1" units="cm"/>
-      <inkml:brushProperty name="height" value="0.2" units="cm"/>
-      <inkml:brushProperty name="color" value="#FFFC00"/>
-      <inkml:brushProperty name="tip" value="rectangle"/>
-      <inkml:brushProperty name="rasterOp" value="maskPen"/>
-    </inkml:brush>
-  </inkml:definitions>
-  <inkml:trace contextRef="#ctx0" brushRef="#br0">240 258 6784,'-1'0'38,"-9"1"302,0-1 0,0 0 0,0 0-1,-1-1 1,1-1 0,0 0 0,1 0-1,-1-1 1,0 0 0,1 0 0,-1-1 0,1-1-1,0 1 1,1-2 0,-1 1 0,1-1 0,0 0-1,0-1 1,1 0 0,0 0 0,0 0-1,0-1 1,1 0 0,0-1 0,0-2-340,7 5 49,0 0 0,0-1 1,1 1-1,0 0 0,0 0 1,0 0-1,1 0 0,0 0 0,0 1 1,1-1-1,0 1 0,0 0 1,0 0-1,0 0 0,1 0 0,-1 1 1,1 0-1,1 0 0,-1 0 1,0 1-1,1 0 0,0 0 0,0 0 1,0 0-1,0 1 0,0 0 1,0 1-1,0-1 0,2 1-49,5-3 90,0 1-1,0 1 0,0 0 1,0 1-1,0 0 0,0 1 1,0 0-1,0 2 0,0-1 1,0 1-1,0 1 0,2 1-89,-10-3 39,0 1-1,0 0 0,0 0 0,0 0 1,0 1-1,-1 0 0,1 0 0,-1 0 0,0 0 1,0 1-1,0-1 0,0 1 0,-1 0 0,1 0 1,-1 1-1,0-1 0,0 0 0,-1 1 0,1 0 1,-1 0-1,0 0 0,0 0 0,-1 0 0,0 0 1,0 0-1,0 1 0,0-1 0,-1 0 1,0 0-1,0 5-38,0-4 46,-1 0 1,0 0 0,0 0-1,0 0 1,-1 0-1,0 0 1,0-1 0,0 1-1,-1 0 1,0-1-1,0 0 1,0 0 0,-1 0-1,0 0 1,0 0-1,0-1 1,0 1-1,-1-1 1,0 0 0,1-1-1,-2 1 1,1-1-1,0 0 1,-1 0 0,1-1-1,-1 1 1,0-1-1,0 0-46,-10 3 58,0-1-1,0-1 0,0 0 0,0-1 1,0-1-1,0 0 0,-1-1 1,1-1-1,0 0 0,-1-1-57,11 1 1,1 0-1,-1 0 1,1 0 0,-1 0-1,1-1 1,-1 0 0,1 0-1,0 0 1,0-1-1,0 0 1,0 0 0,1 0-1,-1 0 1,1-1 0,0 0-1,0 0 1,0 0 0,0 0-1,1-1 1,-1 1 0,1-1-1,0 0 1,1 0 0,-1 0-1,1 0 1,0-1-1,1 1 1,-1-1 0,1 1-1,0-1 1,0 1 0,1-1-1,-1-2 0,5-1 0,0 0 0,0 1 0,1-1 0,0 1 0,0 0 0,1 0 0,0 1 0,0-1 0,1 2 0,0-1 0,0 0 0,1 1 0,0 1 0,0-1 0,0 1 0,0 1 0,1 0 0,0 0 0,0 0 0,0 1 0,0 0 0,1 1 0,-1 0 0,1 1 0,-1 0 0,1 0 0,0 1 0,-1 0 0,1 1 0,0 0 0,-1 1 0,1-1 0,-1 2 0,0-1 0,0 2 0,0-1 0,7 5 0,-13-7 3,0 0-1,-1 1 1,1-1-1,-1 1 0,1 0 1,-1 0-1,0 0 1,0 0-1,0 0 0,0 0 1,0 1-1,0-1 1,0 1-1,-1-1 0,0 1 1,1 0-1,-1-1 1,0 1-1,0 0 0,0 0 1,-1 0-1,1 0 1,-1 0-1,0 0 0,1 0 1,-1 0-1,-1 0 1,1 0-1,0 0 0,-1 0 1,1 0-1,-1-1 1,0 1-1,0 0 0,0 0 1,0 0-1,-1-1 1,1 1-1,-1-1 0,-1 3-2,-2 3 13,0 0-1,0-1 0,-1 0 1,0 0-1,0 0 0,-1 0 1,0-1-1,0-1 0,0 1 0,-1-1 1,0 0-1,0 0 0,-2 0-12,0-1 31,-1-1 0,1 0 0,0-1 0,-1 0 0,0-1 0,1 0 0,-1 0 0,0-1 0,1-1 0,-1 0 0,0 0 0,1-1-1,-1 0 1,1-1 0,0 0 0,0-1 0,0 0 0,0-1 0,0 0 0,-1-1-31,9 4 4,1 1 0,-1-1-1,0 0 1,1 0 0,-1 1 0,1-1-1,-1 0 1,1 0 0,0 0 0,0-1 0,0 1-1,0 0 1,0 0 0,1-1 0,-1 1 0,1 0-1,-1-1 1,1 1 0,0 0 0,0-1-1,0 1 1,0-1 0,0 1 0,0 0 0,1-1-1,0 1 1,-1 0 0,1-1 0,0 1-1,0 0 1,0 0 0,0 0 0,0 0 0,1 0-1,-1 0 1,1 0 0,-1 0 0,1 0-1,-1 1 1,1-1 0,0 0-4,86-58-6,-70 53-68,1 1 0,-1 0 0,1 2-1,0 0 1,1 1 0,-1 1 0,1 0 0,-1 2-1,1 1 1,-1 0 0,4 2 74,-7-1-919,-1 1 0,0 1 0,0 0 0,0 1 0,0 1 0,-1 0 0,0 1 0,0 1 0,-1 0 919,23 17-4779,-2 1 342</inkml:trace>
-</inkml:ink>
-</file>
-
-<file path=ppt/ink/ink70.xml><?xml version="1.0" encoding="utf-8"?>
-<inkml:ink xmlns:inkml="http://www.w3.org/2003/InkML">
-  <inkml:definitions>
-    <inkml:context xml:id="ctx0">
-      <inkml:inkSource xml:id="inkSrc0">
-        <inkml:traceFormat>
-          <inkml:channel name="X" type="integer" min="-2.14748E9" max="2.14748E9" units="cm"/>
-          <inkml:channel name="Y" type="integer" min="-2.14748E9" max="2.14748E9" units="cm"/>
-          <inkml:channel name="F" type="integer" max="32767" units="dev"/>
-        </inkml:traceFormat>
-        <inkml:channelProperties>
-          <inkml:channelProperty channel="X" name="resolution" value="1000" units="1/cm"/>
-          <inkml:channelProperty channel="Y" name="resolution" value="1000" units="1/cm"/>
-          <inkml:channelProperty channel="F" name="resolution" value="0" units="1/dev"/>
-        </inkml:channelProperties>
-      </inkml:inkSource>
-      <inkml:timestamp xml:id="ts0" timeString="2019-05-27T17:57:08.714"/>
-    </inkml:context>
-    <inkml:brush xml:id="br0">
-      <inkml:brushProperty name="width" value="0.05" units="cm"/>
-      <inkml:brushProperty name="height" value="0.05" units="cm"/>
-      <inkml:brushProperty name="color" value="#E71224"/>
-    </inkml:brush>
-  </inkml:definitions>
-  <inkml:trace contextRef="#ctx0" brushRef="#br0">49 7 3840,'-2'33'574,"-2"-55"2542,-3 5 2607,-3 59-2618,5-19-3101,-3 27 323,2 0 0,2 0 0,2 1 1,2-1-1,3 1 0,2-1 0,2 0 0,2-1 0,12 36-327,-21-83-2,0-1-1,0 1 0,0 0 1,0 0-1,0 0 1,1-1-1,-1 1 1,1 0-1,-1 0 1,1-1-1,0 1 1,-1-1-1,1 1 1,0 0-1,0-1 1,0 0-1,0 1 1,1-1-1,-1 1 0,0-1 1,1 0-1,-1 0 1,0 0-1,1 0 1,-1 0-1,1 0 1,0 0-1,-1-1 1,1 1-1,0 0 1,-1-1-1,1 1 1,0-1-1,0 0 0,-1 0 1,1 1-1,0-1 1,0 0-1,0-1 1,-1 1-1,1 0 1,0 0-1,0-1 1,-1 1-1,1-1 1,0 0-1,0 1 1,-1-1-1,1 0 1,-1 0-1,1 0 0,-1 0 1,1 0-1,-1 0 1,0-1-1,0 1 1,1 0-1,-1-1 1,0 1 2,54-75-1238,-54 75 1110,-1 1 0,16 19-149,-13-13 287,1-1-1,-1 1 1,1-1 0,1 0-1,-1 0 1,1 0 0,-1 0-1,1-1 1,1 0-1,-1 0 1,1 0 0,-1-1-1,1 0 1,0 0 0,0 0-1,1-1 1,-1 0 0,0 0-1,1-1 1,-1 1-1,1-1 1,-1-1 0,1 1-1,0-1 1,-1 0 0,1-1-1,0 0 1,-1 0 0,1 0-1,-1-1 1,7-2-10,-6-2 87,0-1 0,-1-1 1,0 1-1,0-1 1,-1 0-1,0 0 0,0-1 1,0 1-1,-1-1 0,-1 0 1,0-1-1,0 1 0,-1 0 1,0-1-1,0 1 0,-1-1 1,0 0-1,-1 1 0,0-1 1,-1-2-88,-36-198 651,29 180-617,-8-27 24,-2-8-1524,10 22-6833,6 24 2113</inkml:trace>
-  <inkml:trace contextRef="#ctx0" brushRef="#br0" timeOffset="1173.617">600 417 3072,'41'5'11062,"0"-3"-6959,8-4-5872,24-10-8193,-46 5 6656</inkml:trace>
-  <inkml:trace contextRef="#ctx0" brushRef="#br0" timeOffset="1794.241">1005 462 9344,'24'-9'5326,"2"5"-3961,32-12-1166,-59 16-193,-1 0 0,1 0 0,-1 0-1,1 0 1,0 0 0,-1 0 0,1-1 0,0 1-1,-1 0 1,1-1 0,0 1 0,0-1-1,-1 1 1,1-1 0,0 0 0,0 0 0,0 1-1,0-1 1,-1 0 0,1 0 0,1 0 0,-1 0-1,0 0 1,0 0 0,0 0 0,0-1 0,1 1-1,-1 0 1,1 0 0,-1-1 0,1 1-1,-1 0 1,1-1 0,0 1 0,-1 0 0,1-1-1,0 1 1,0 0 0,0-1 0,0 1 0,0 0-1,1-1 1,-1 1 0,0-1 0,1 1 0,-1 0-1,1 0 1,-1-1 0,1 1 0,-1 0-1,1 0 1,0 0 0,0-1 0,-1 1 0,1 0-1,0 0 1,0 0 0,0 0 0,0 1 0,1-1-1,-1 0 1,0 0 0,0 1 0,0-1 0,1 0-1,-1 1 1,0-1 0,0 1 0,1 0 0,-1-1-7,-6 0 14,0 0-1,0 0 0,0 1 1,-1 0-1,1 0 0,0 0 0,0 0 1,0 1-1,-1-1 0,1 2 0,0-1 1,0 0-1,0 1 0,0 0 1,1 0-1,-1 0 0,0 1 0,1 0 1,-1 0-1,1 0 0,0 0 0,0 1 1,0-1-1,1 1 0,-1 0 0,1 0 1,0 0-1,0 1 0,1-1 1,-1 1-1,1 0 0,0 0 0,0-1 1,0 1-1,1 0 0,0 1 0,0-1 1,0 0-1,0 0 0,1 5-12,1-4 17,0 0 0,1 0 0,0-1 0,0 1 0,0 0 0,1-1 0,0 0 0,0 1 0,0-1 0,1 0 0,-1-1 0,1 1 0,0-1 0,1 1 0,-1-1 0,1-1 0,0 1 0,0 0 0,0-1 0,0 0 0,1-1 0,-1 1 0,1-1 0,-1 0 0,1 0 0,0 0 0,0-1 0,0 0 0,6 0-17,5 1-437,1-1 1,0-1 0,0-1-1,0 0 1,0-1 0,-1-1-1,1-1 1,-1 0 0,13-6 436,50-22-9088,-42 15 7168</inkml:trace>
-  <inkml:trace contextRef="#ctx0" brushRef="#br0" timeOffset="2358.73">1572 400 5888,'-18'14'896,"8"-48"4992,3 33-5811,0 0 0,0 1 1,0 0-1,1 1 1,-1-1-1,0 1 0,0 0 1,1 1-1,-1 0 1,0 0-1,1 0 0,0 1 1,0 0-1,-1 0 1,2 0-1,-1 1 1,0 0-1,1 0 0,0 1 1,0-1-1,0 1 1,0 0-1,1 1 0,0-1 1,0 1-1,0 0 1,1 0-1,0 0 0,0 0 1,0 0-1,1 1 1,0-1-1,0 1 0,1-1 1,-1 3-78,2-6-50,0 1-1,1-1 1,-1 0 0,1 0 0,-1 0 0,1 0-1,0 0 1,0 0 0,0-1 0,0 1-1,1 0 1,-1 0 0,1-1 0,0 1 0,0-1-1,0 0 1,0 1 0,0-1 0,0 0-1,0 0 1,1 0 0,-1 0 0,1-1 0,0 1-1,-1-1 1,1 1 0,0-1 0,0 0-1,0 0 1,0 0 0,0-1 0,0 1 0,0-1-1,0 1 1,0-1 0,0 0 0,0 0-1,0-1 1,0 1 0,0-1 0,0 1 0,0-1-1,0 0 1,0 0 0,0 0 0,0 0-1,-1-1 1,3 0 50,3-4-477,0 0 0,-1 0 0,0 0 0,0-1-1,0 0 1,-1-1 0,0 1 0,0-1 0,-1 0-1,0-1 1,0 1 0,-1-1 0,0 0 0,0 0 0,1-8 477,18-90 1696,-25 138-1206,2 0 1,1 0-1,2 0 1,1-1-1,1 1 0,2-1 1,0 0-1,3 0 0,0-1 1,7 12-491,27 92 3075,-43-131-3032,-1-1 1,1 0 0,-1 1 0,0-1 0,1 0 0,-1 1 0,0-1 0,0 0 0,0 1 0,0-1 0,0 1 0,0-1 0,0 0 0,0 1 0,-1-1 0,1 0 0,-1 1 0,1-1 0,-1 0 0,1 1 0,-1-1 0,0 0 0,1 0 0,-1 0-1,0 0 1,0 0 0,0 0 0,0 0 0,0 0 0,0 0 0,0 0 0,0 0 0,0 0 0,-1-1 0,1 1 0,0 0 0,0-1 0,-1 1 0,1-1 0,0 0 0,-1 1 0,1-1 0,0 0 0,-1 0 0,1 0 0,-1 0 0,1 0 0,0 0-1,-1 0 1,1-1 0,0 1 0,-1 0 0,1-1 0,0 1 0,-1-1 0,1 1 0,0-1 0,0 0 0,-1 1 0,1-1 0,0 0 0,0 0 0,0 0 0,0 0 0,0 0 0,0-1-44,-165-75-1843,108 48-5530,28 15 2040</inkml:trace>
-  <inkml:trace contextRef="#ctx0" brushRef="#br0" timeOffset="3081.176">1828 503 5888,'15'3'5678,"10"-28"-3122,-25 24-2502,0 0 0,0 0 0,-1 0 0,1 0 0,0 0 0,-1 0 0,1 0 0,-1 1 0,1-1 0,-1 0 0,1 0 0,-1 0 0,1 0 0,-1 1 0,0-1 0,0 0 0,1 1 0,-1-1 0,0 1 0,0-1 0,0 1 0,0-1 0,0 1 0,1-1 0,-1 1 0,0 0 0,0-1 0,0 1 0,0 0 0,0 0 0,0 0 0,0 0 0,0 0 0,0 0 0,0 0 0,0 0 0,0 0 0,0 1 0,0-1 0,0 0 0,0 0 0,0 1 0,0-1 0,0 1 0,0-1 0,0 1 0,0 0-54,-59 16 641,57-16-610,0 0-1,0 1 1,0 0 0,0 0-1,0 0 1,0 0 0,1 0 0,-1 0-1,1 1 1,-1 0 0,1-1-1,0 1 1,0 0 0,0 0 0,1 0-1,-1 0 1,1 0 0,-1 0-1,1 0 1,0 1 0,0-1 0,1 1-1,-1-1 1,1 0 0,-1 3-31,3-4-27,1 0 0,-1 0 0,1 0 0,-1 0 0,1-1 0,0 1 0,-1-1 1,1 0-1,0 0 0,0 0 0,0 0 0,0 0 0,0 0 0,0-1 0,0 0 0,0 0 0,0 1 1,0-2-1,0 1 0,0 0 0,0-1 0,0 1 0,0-1 0,0 0 0,0 0 0,0 0 0,1-1 27,5 0-319,-3 1-12,0-1-1,0 0 0,0 0 1,-1-1-1,1 0 0,-1 0 1,0 0-1,0 0 0,0-1 0,0 0 1,0 0-1,-1 0 0,1-1 1,-1 1-1,-1-1 0,1 0 1,-1 0-1,1-1 0,-1 1 0,-1 0 1,1-1-1,-1-1 332,15-62-745,-16 97 1129,1 0-1,2 0 1,1 0-1,1-1 1,1 0 0,2 0-1,1 0 1,1 0-384,64 127 5229,-60-105-1943,-69-61-1686,-116-73-994,99 46-5586,54 26-246,2 1-2475</inkml:trace>
-</inkml:ink>
-</file>
-
-<file path=ppt/ink/ink8.xml><?xml version="1.0" encoding="utf-8"?>
 <inkml:ink xmlns:inkml="http://www.w3.org/2003/InkML">
   <inkml:definitions>
     <inkml:context xml:id="ctx0">
@@ -2185,7 +1954,7 @@
 </inkml:ink>
 </file>
 
-<file path=ppt/ink/ink9.xml><?xml version="1.0" encoding="utf-8"?>
+<file path=ppt/ink/ink8.xml><?xml version="1.0" encoding="utf-8"?>
 <inkml:ink xmlns:inkml="http://www.w3.org/2003/InkML">
   <inkml:definitions>
     <inkml:context xml:id="ctx0">
@@ -2211,6 +1980,35 @@
     </inkml:brush>
   </inkml:definitions>
   <inkml:trace contextRef="#ctx0" brushRef="#br0">0 0,'5254'832,"-5243"-830,-1 0,3 0,2 0,1 1,-2-1,-3 0,0 0,3 0,82 13,105 17,-190-31</inkml:trace>
+</inkml:ink>
+</file>
+
+<file path=ppt/ink/ink9.xml><?xml version="1.0" encoding="utf-8"?>
+<inkml:ink xmlns:inkml="http://www.w3.org/2003/InkML">
+  <inkml:definitions>
+    <inkml:context xml:id="ctx0">
+      <inkml:inkSource xml:id="inkSrc0">
+        <inkml:traceFormat>
+          <inkml:channel name="X" type="integer" min="-2.14748E9" max="2.14748E9" units="cm"/>
+          <inkml:channel name="Y" type="integer" min="-2.14748E9" max="2.14748E9" units="cm"/>
+        </inkml:traceFormat>
+        <inkml:channelProperties>
+          <inkml:channelProperty channel="X" name="resolution" value="1000" units="1/cm"/>
+          <inkml:channelProperty channel="Y" name="resolution" value="1000" units="1/cm"/>
+        </inkml:channelProperties>
+      </inkml:inkSource>
+      <inkml:timestamp xml:id="ts0" timeString="2019-05-27T17:45:37.252"/>
+    </inkml:context>
+    <inkml:brush xml:id="br0">
+      <inkml:brushProperty name="width" value="0.1" units="cm"/>
+      <inkml:brushProperty name="height" value="0.2" units="cm"/>
+      <inkml:brushProperty name="color" value="#FFFC00"/>
+      <inkml:brushProperty name="tip" value="rectangle"/>
+      <inkml:brushProperty name="rasterOp" value="maskPen"/>
+      <inkml:brushProperty name="ignorePressure" value="1"/>
+    </inkml:brush>
+  </inkml:definitions>
+  <inkml:trace contextRef="#ctx0" brushRef="#br0">5613 0,'-5272'1025,"5257"-1022,1 0,2-1,-1 1,-1-1,1 1,-167 32,166-32,4-1,-2 0,0 0,2 0,1 0,-3 0</inkml:trace>
 </inkml:ink>
 </file>
 
@@ -6187,6 +5985,170 @@
           <a:chExt cx="0" cy="0"/>
         </a:xfrm>
       </p:grpSpPr>
+      <p:sp>
+        <p:nvSpPr>
+          <p:cNvPr id="21" name="Textfeld 20">
+            <a:extLst>
+              <a:ext uri="{FF2B5EF4-FFF2-40B4-BE49-F238E27FC236}">
+                <a16:creationId xmlns:a16="http://schemas.microsoft.com/office/drawing/2014/main" id="{BE0D1628-D376-4DB7-8BA6-59FB1804E174}"/>
+              </a:ext>
+            </a:extLst>
+          </p:cNvPr>
+          <p:cNvSpPr txBox="1"/>
+          <p:nvPr/>
+        </p:nvSpPr>
+        <p:spPr>
+          <a:xfrm>
+            <a:off x="3335942" y="974548"/>
+            <a:ext cx="1967218" cy="430887"/>
+          </a:xfrm>
+          <a:prstGeom prst="rect">
+            <a:avLst/>
+          </a:prstGeom>
+          <a:noFill/>
+        </p:spPr>
+        <p:txBody>
+          <a:bodyPr wrap="square" rtlCol="0">
+            <a:spAutoFit/>
+          </a:bodyPr>
+          <a:lstStyle/>
+          <a:p>
+            <a:r>
+              <a:rPr lang="de-DE" sz="2200" dirty="0" err="1">
+                <a:solidFill>
+                  <a:srgbClr val="00F900"/>
+                </a:solidFill>
+              </a:rPr>
+              <a:t>OmniMove</a:t>
+            </a:r>
+            <a:endParaRPr lang="de-DE" sz="2200" dirty="0">
+              <a:solidFill>
+                <a:srgbClr val="00F900"/>
+              </a:solidFill>
+            </a:endParaRPr>
+          </a:p>
+        </p:txBody>
+      </p:sp>
+      <p:sp>
+        <p:nvSpPr>
+          <p:cNvPr id="193" name="Textfeld 192">
+            <a:extLst>
+              <a:ext uri="{FF2B5EF4-FFF2-40B4-BE49-F238E27FC236}">
+                <a16:creationId xmlns:a16="http://schemas.microsoft.com/office/drawing/2014/main" id="{4050AAD5-4FCD-47B2-BD0C-6ABAAC626FB2}"/>
+              </a:ext>
+            </a:extLst>
+          </p:cNvPr>
+          <p:cNvSpPr txBox="1"/>
+          <p:nvPr/>
+        </p:nvSpPr>
+        <p:spPr>
+          <a:xfrm>
+            <a:off x="5421573" y="979482"/>
+            <a:ext cx="1967218" cy="430887"/>
+          </a:xfrm>
+          <a:prstGeom prst="rect">
+            <a:avLst/>
+          </a:prstGeom>
+          <a:noFill/>
+        </p:spPr>
+        <p:txBody>
+          <a:bodyPr wrap="square" rtlCol="0">
+            <a:spAutoFit/>
+          </a:bodyPr>
+          <a:lstStyle/>
+          <a:p>
+            <a:r>
+              <a:rPr lang="de-DE" sz="2200" dirty="0">
+                <a:solidFill>
+                  <a:srgbClr val="E7E700"/>
+                </a:solidFill>
+              </a:rPr>
+              <a:t>(S)</a:t>
+            </a:r>
+            <a:r>
+              <a:rPr lang="de-DE" sz="2200" dirty="0" err="1">
+                <a:solidFill>
+                  <a:srgbClr val="E7E700"/>
+                </a:solidFill>
+              </a:rPr>
+              <a:t>eg</a:t>
+            </a:r>
+            <a:r>
+              <a:rPr lang="de-DE" sz="2200" dirty="0">
+                <a:solidFill>
+                  <a:srgbClr val="E7E700"/>
+                </a:solidFill>
+              </a:rPr>
+              <a:t>(g)</a:t>
+            </a:r>
+            <a:r>
+              <a:rPr lang="de-DE" sz="2200" dirty="0" err="1">
+                <a:solidFill>
+                  <a:srgbClr val="E7E700"/>
+                </a:solidFill>
+              </a:rPr>
+              <a:t>way</a:t>
+            </a:r>
+            <a:endParaRPr lang="de-DE" sz="2200" dirty="0">
+              <a:solidFill>
+                <a:srgbClr val="E7E700"/>
+              </a:solidFill>
+            </a:endParaRPr>
+          </a:p>
+        </p:txBody>
+      </p:sp>
+      <p:sp>
+        <p:nvSpPr>
+          <p:cNvPr id="194" name="Textfeld 193">
+            <a:extLst>
+              <a:ext uri="{FF2B5EF4-FFF2-40B4-BE49-F238E27FC236}">
+                <a16:creationId xmlns:a16="http://schemas.microsoft.com/office/drawing/2014/main" id="{4DAED75B-8BA1-4844-95CC-A2ED8718A594}"/>
+              </a:ext>
+            </a:extLst>
+          </p:cNvPr>
+          <p:cNvSpPr txBox="1"/>
+          <p:nvPr/>
+        </p:nvSpPr>
+        <p:spPr>
+          <a:xfrm>
+            <a:off x="7506809" y="969704"/>
+            <a:ext cx="1967218" cy="430887"/>
+          </a:xfrm>
+          <a:prstGeom prst="rect">
+            <a:avLst/>
+          </a:prstGeom>
+          <a:noFill/>
+        </p:spPr>
+        <p:txBody>
+          <a:bodyPr wrap="square" rtlCol="0">
+            <a:spAutoFit/>
+          </a:bodyPr>
+          <a:lstStyle/>
+          <a:p>
+            <a:r>
+              <a:rPr lang="de-DE" sz="2200" dirty="0">
+                <a:solidFill>
+                  <a:srgbClr val="E72500"/>
+                </a:solidFill>
+              </a:rPr>
+              <a:t>W-egg-</a:t>
+            </a:r>
+            <a:r>
+              <a:rPr lang="de-DE" sz="2200" dirty="0" err="1">
+                <a:solidFill>
+                  <a:srgbClr val="E72500"/>
+                </a:solidFill>
+              </a:rPr>
+              <a:t>chair</a:t>
+            </a:r>
+            <a:endParaRPr lang="de-DE" sz="2200" dirty="0">
+              <a:solidFill>
+                <a:srgbClr val="E72500"/>
+              </a:solidFill>
+            </a:endParaRPr>
+          </a:p>
+        </p:txBody>
+      </p:sp>
       <p:graphicFrame>
         <p:nvGraphicFramePr>
           <p:cNvPr id="2" name="Inhaltsplatzhalter 1">
@@ -7761,57 +7723,6 @@
       <mc:AlternateContent xmlns:mc="http://schemas.openxmlformats.org/markup-compatibility/2006" xmlns:p14="http://schemas.microsoft.com/office/powerpoint/2010/main">
         <mc:Choice Requires="p14">
           <p:contentPart p14:bwMode="auto" r:id="rId13">
-            <p14:nvContentPartPr>
-              <p14:cNvPr id="24" name="Freihand 23">
-                <a:extLst>
-                  <a:ext uri="{FF2B5EF4-FFF2-40B4-BE49-F238E27FC236}">
-                    <a16:creationId xmlns:a16="http://schemas.microsoft.com/office/drawing/2014/main" id="{8E0125F2-BB39-48AE-8B77-8FC8C90D993F}"/>
-                  </a:ext>
-                </a:extLst>
-              </p14:cNvPr>
-              <p14:cNvContentPartPr/>
-              <p14:nvPr/>
-            </p14:nvContentPartPr>
-            <p14:xfrm>
-              <a:off x="6086674" y="2531527"/>
-              <a:ext cx="11520" cy="144000"/>
-            </p14:xfrm>
-          </p:contentPart>
-        </mc:Choice>
-        <mc:Fallback xmlns="">
-          <p:pic>
-            <p:nvPicPr>
-              <p:cNvPr id="24" name="Freihand 23">
-                <a:extLst>
-                  <a:ext uri="{FF2B5EF4-FFF2-40B4-BE49-F238E27FC236}">
-                    <a16:creationId xmlns:a16="http://schemas.microsoft.com/office/drawing/2014/main" id="{8E0125F2-BB39-48AE-8B77-8FC8C90D993F}"/>
-                  </a:ext>
-                </a:extLst>
-              </p:cNvPr>
-              <p:cNvPicPr/>
-              <p:nvPr/>
-            </p:nvPicPr>
-            <p:blipFill>
-              <a:blip r:embed="rId14"/>
-              <a:stretch>
-                <a:fillRect/>
-              </a:stretch>
-            </p:blipFill>
-            <p:spPr>
-              <a:xfrm>
-                <a:off x="6069034" y="2495527"/>
-                <a:ext cx="47160" cy="215640"/>
-              </a:xfrm>
-              <a:prstGeom prst="rect">
-                <a:avLst/>
-              </a:prstGeom>
-            </p:spPr>
-          </p:pic>
-        </mc:Fallback>
-      </mc:AlternateContent>
-      <mc:AlternateContent xmlns:mc="http://schemas.openxmlformats.org/markup-compatibility/2006" xmlns:p14="http://schemas.microsoft.com/office/powerpoint/2010/main">
-        <mc:Choice Requires="p14">
-          <p:contentPart p14:bwMode="auto" r:id="rId15">
             <p14:nvContentPartPr>
               <p14:cNvPr id="25" name="Freihand 24">
                 <a:extLst>
@@ -10920,261 +10831,6 @@
           </p:pic>
         </mc:Fallback>
       </mc:AlternateContent>
-      <mc:AlternateContent xmlns:mc="http://schemas.openxmlformats.org/markup-compatibility/2006" xmlns:p14="http://schemas.microsoft.com/office/powerpoint/2010/main">
-        <mc:Choice Requires="p14">
-          <p:contentPart p14:bwMode="auto" r:id="rId137">
-            <p14:nvContentPartPr>
-              <p14:cNvPr id="117" name="Freihand 116">
-                <a:extLst>
-                  <a:ext uri="{FF2B5EF4-FFF2-40B4-BE49-F238E27FC236}">
-                    <a16:creationId xmlns:a16="http://schemas.microsoft.com/office/drawing/2014/main" id="{B4BD1DE4-98E1-4C07-9606-A8E9DE845A6A}"/>
-                  </a:ext>
-                </a:extLst>
-              </p14:cNvPr>
-              <p14:cNvContentPartPr/>
-              <p14:nvPr/>
-            </p14:nvContentPartPr>
-            <p14:xfrm>
-              <a:off x="2927409" y="1008748"/>
-              <a:ext cx="1836720" cy="261360"/>
-            </p14:xfrm>
-          </p:contentPart>
-        </mc:Choice>
-        <mc:Fallback xmlns="">
-          <p:pic>
-            <p:nvPicPr>
-              <p:cNvPr id="117" name="Freihand 116">
-                <a:extLst>
-                  <a:ext uri="{FF2B5EF4-FFF2-40B4-BE49-F238E27FC236}">
-                    <a16:creationId xmlns:a16="http://schemas.microsoft.com/office/drawing/2014/main" id="{B4BD1DE4-98E1-4C07-9606-A8E9DE845A6A}"/>
-                  </a:ext>
-                </a:extLst>
-              </p:cNvPr>
-              <p:cNvPicPr/>
-              <p:nvPr/>
-            </p:nvPicPr>
-            <p:blipFill>
-              <a:blip r:embed="rId138"/>
-              <a:stretch>
-                <a:fillRect/>
-              </a:stretch>
-            </p:blipFill>
-            <p:spPr>
-              <a:xfrm>
-                <a:off x="2918767" y="1000096"/>
-                <a:ext cx="1854363" cy="279024"/>
-              </a:xfrm>
-              <a:prstGeom prst="rect">
-                <a:avLst/>
-              </a:prstGeom>
-            </p:spPr>
-          </p:pic>
-        </mc:Fallback>
-      </mc:AlternateContent>
-      <mc:AlternateContent xmlns:mc="http://schemas.openxmlformats.org/markup-compatibility/2006" xmlns:p14="http://schemas.microsoft.com/office/powerpoint/2010/main">
-        <mc:Choice Requires="p14">
-          <p:contentPart p14:bwMode="auto" r:id="rId139">
-            <p14:nvContentPartPr>
-              <p14:cNvPr id="133" name="Freihand 132">
-                <a:extLst>
-                  <a:ext uri="{FF2B5EF4-FFF2-40B4-BE49-F238E27FC236}">
-                    <a16:creationId xmlns:a16="http://schemas.microsoft.com/office/drawing/2014/main" id="{CB082CE9-DA71-4D73-BEBC-8AB24E269824}"/>
-                  </a:ext>
-                </a:extLst>
-              </p14:cNvPr>
-              <p14:cNvContentPartPr/>
-              <p14:nvPr/>
-            </p14:nvContentPartPr>
-            <p14:xfrm>
-              <a:off x="5218809" y="1023508"/>
-              <a:ext cx="1681920" cy="381960"/>
-            </p14:xfrm>
-          </p:contentPart>
-        </mc:Choice>
-        <mc:Fallback xmlns="">
-          <p:pic>
-            <p:nvPicPr>
-              <p:cNvPr id="133" name="Freihand 132">
-                <a:extLst>
-                  <a:ext uri="{FF2B5EF4-FFF2-40B4-BE49-F238E27FC236}">
-                    <a16:creationId xmlns:a16="http://schemas.microsoft.com/office/drawing/2014/main" id="{CB082CE9-DA71-4D73-BEBC-8AB24E269824}"/>
-                  </a:ext>
-                </a:extLst>
-              </p:cNvPr>
-              <p:cNvPicPr/>
-              <p:nvPr/>
-            </p:nvPicPr>
-            <p:blipFill>
-              <a:blip r:embed="rId140"/>
-              <a:stretch>
-                <a:fillRect/>
-              </a:stretch>
-            </p:blipFill>
-            <p:spPr>
-              <a:xfrm>
-                <a:off x="5209809" y="1014868"/>
-                <a:ext cx="1699560" cy="399600"/>
-              </a:xfrm>
-              <a:prstGeom prst="rect">
-                <a:avLst/>
-              </a:prstGeom>
-            </p:spPr>
-          </p:pic>
-        </mc:Fallback>
-      </mc:AlternateContent>
-      <mc:AlternateContent xmlns:mc="http://schemas.openxmlformats.org/markup-compatibility/2006" xmlns:p14="http://schemas.microsoft.com/office/powerpoint/2010/main">
-        <mc:Choice Requires="p14">
-          <p:contentPart p14:bwMode="auto" r:id="rId141">
-            <p14:nvContentPartPr>
-              <p14:cNvPr id="135" name="Freihand 134">
-                <a:extLst>
-                  <a:ext uri="{FF2B5EF4-FFF2-40B4-BE49-F238E27FC236}">
-                    <a16:creationId xmlns:a16="http://schemas.microsoft.com/office/drawing/2014/main" id="{8BAD2435-FBDE-4BFE-BB87-89FC340E1872}"/>
-                  </a:ext>
-                </a:extLst>
-              </p14:cNvPr>
-              <p14:cNvContentPartPr/>
-              <p14:nvPr/>
-            </p14:nvContentPartPr>
-            <p14:xfrm>
-              <a:off x="7239849" y="1185148"/>
-              <a:ext cx="206280" cy="14400"/>
-            </p14:xfrm>
-          </p:contentPart>
-        </mc:Choice>
-        <mc:Fallback xmlns="">
-          <p:pic>
-            <p:nvPicPr>
-              <p:cNvPr id="135" name="Freihand 134">
-                <a:extLst>
-                  <a:ext uri="{FF2B5EF4-FFF2-40B4-BE49-F238E27FC236}">
-                    <a16:creationId xmlns:a16="http://schemas.microsoft.com/office/drawing/2014/main" id="{8BAD2435-FBDE-4BFE-BB87-89FC340E1872}"/>
-                  </a:ext>
-                </a:extLst>
-              </p:cNvPr>
-              <p:cNvPicPr/>
-              <p:nvPr/>
-            </p:nvPicPr>
-            <p:blipFill>
-              <a:blip r:embed="rId142"/>
-              <a:stretch>
-                <a:fillRect/>
-              </a:stretch>
-            </p:blipFill>
-            <p:spPr>
-              <a:xfrm>
-                <a:off x="7231209" y="1176148"/>
-                <a:ext cx="223920" cy="32040"/>
-              </a:xfrm>
-              <a:prstGeom prst="rect">
-                <a:avLst/>
-              </a:prstGeom>
-            </p:spPr>
-          </p:pic>
-        </mc:Fallback>
-      </mc:AlternateContent>
-      <mc:AlternateContent xmlns:mc="http://schemas.openxmlformats.org/markup-compatibility/2006" xmlns:p14="http://schemas.microsoft.com/office/powerpoint/2010/main">
-        <mc:Choice Requires="p14">
-          <p:contentPart p14:bwMode="auto" r:id="rId143">
-            <p14:nvContentPartPr>
-              <p14:cNvPr id="148" name="Freihand 147">
-                <a:extLst>
-                  <a:ext uri="{FF2B5EF4-FFF2-40B4-BE49-F238E27FC236}">
-                    <a16:creationId xmlns:a16="http://schemas.microsoft.com/office/drawing/2014/main" id="{8A20F9D0-9F42-47D6-A0EB-084C3C8F0E02}"/>
-                  </a:ext>
-                </a:extLst>
-              </p14:cNvPr>
-              <p14:cNvContentPartPr/>
-              <p14:nvPr/>
-            </p14:nvContentPartPr>
-            <p14:xfrm>
-              <a:off x="8447289" y="933508"/>
-              <a:ext cx="804600" cy="330120"/>
-            </p14:xfrm>
-          </p:contentPart>
-        </mc:Choice>
-        <mc:Fallback xmlns="">
-          <p:pic>
-            <p:nvPicPr>
-              <p:cNvPr id="148" name="Freihand 147">
-                <a:extLst>
-                  <a:ext uri="{FF2B5EF4-FFF2-40B4-BE49-F238E27FC236}">
-                    <a16:creationId xmlns:a16="http://schemas.microsoft.com/office/drawing/2014/main" id="{8A20F9D0-9F42-47D6-A0EB-084C3C8F0E02}"/>
-                  </a:ext>
-                </a:extLst>
-              </p:cNvPr>
-              <p:cNvPicPr/>
-              <p:nvPr/>
-            </p:nvPicPr>
-            <p:blipFill>
-              <a:blip r:embed="rId144"/>
-              <a:stretch>
-                <a:fillRect/>
-              </a:stretch>
-            </p:blipFill>
-            <p:spPr>
-              <a:xfrm>
-                <a:off x="8438649" y="924868"/>
-                <a:ext cx="822240" cy="347760"/>
-              </a:xfrm>
-              <a:prstGeom prst="rect">
-                <a:avLst/>
-              </a:prstGeom>
-            </p:spPr>
-          </p:pic>
-        </mc:Fallback>
-      </mc:AlternateContent>
-      <mc:AlternateContent xmlns:mc="http://schemas.openxmlformats.org/markup-compatibility/2006" xmlns:p14="http://schemas.microsoft.com/office/powerpoint/2010/main">
-        <mc:Choice Requires="p14">
-          <p:contentPart p14:bwMode="auto" r:id="rId145">
-            <p14:nvContentPartPr>
-              <p14:cNvPr id="149" name="Freihand 148">
-                <a:extLst>
-                  <a:ext uri="{FF2B5EF4-FFF2-40B4-BE49-F238E27FC236}">
-                    <a16:creationId xmlns:a16="http://schemas.microsoft.com/office/drawing/2014/main" id="{60D8ABC5-185F-42E9-B0A2-B7EDDA919D59}"/>
-                  </a:ext>
-                </a:extLst>
-              </p14:cNvPr>
-              <p14:cNvContentPartPr/>
-              <p14:nvPr/>
-            </p14:nvContentPartPr>
-            <p14:xfrm>
-              <a:off x="7627209" y="1052308"/>
-              <a:ext cx="747000" cy="311040"/>
-            </p14:xfrm>
-          </p:contentPart>
-        </mc:Choice>
-        <mc:Fallback xmlns="">
-          <p:pic>
-            <p:nvPicPr>
-              <p:cNvPr id="149" name="Freihand 148">
-                <a:extLst>
-                  <a:ext uri="{FF2B5EF4-FFF2-40B4-BE49-F238E27FC236}">
-                    <a16:creationId xmlns:a16="http://schemas.microsoft.com/office/drawing/2014/main" id="{60D8ABC5-185F-42E9-B0A2-B7EDDA919D59}"/>
-                  </a:ext>
-                </a:extLst>
-              </p:cNvPr>
-              <p:cNvPicPr/>
-              <p:nvPr/>
-            </p:nvPicPr>
-            <p:blipFill>
-              <a:blip r:embed="rId146"/>
-              <a:stretch>
-                <a:fillRect/>
-              </a:stretch>
-            </p:blipFill>
-            <p:spPr>
-              <a:xfrm>
-                <a:off x="7618569" y="1043668"/>
-                <a:ext cx="764640" cy="328680"/>
-              </a:xfrm>
-              <a:prstGeom prst="rect">
-                <a:avLst/>
-              </a:prstGeom>
-            </p:spPr>
-          </p:pic>
-        </mc:Fallback>
-      </mc:AlternateContent>
     </p:spTree>
     <p:extLst>
       <p:ext uri="{BB962C8B-B14F-4D97-AF65-F5344CB8AC3E}">
@@ -11185,6 +10841,1883 @@
   <p:clrMapOvr>
     <a:masterClrMapping/>
   </p:clrMapOvr>
+  <p:timing>
+    <p:tnLst>
+      <p:par>
+        <p:cTn id="1" dur="indefinite" restart="never" nodeType="tmRoot">
+          <p:childTnLst>
+            <p:seq concurrent="1" nextAc="seek">
+              <p:cTn id="2" dur="indefinite" nodeType="mainSeq">
+                <p:childTnLst>
+                  <p:par>
+                    <p:cTn id="3" fill="hold">
+                      <p:stCondLst>
+                        <p:cond delay="indefinite"/>
+                      </p:stCondLst>
+                      <p:childTnLst>
+                        <p:par>
+                          <p:cTn id="4" fill="hold">
+                            <p:stCondLst>
+                              <p:cond delay="0"/>
+                            </p:stCondLst>
+                            <p:childTnLst>
+                              <p:par>
+                                <p:cTn id="5" presetID="1" presetClass="entr" presetSubtype="0" fill="hold" nodeType="clickEffect">
+                                  <p:stCondLst>
+                                    <p:cond delay="0"/>
+                                  </p:stCondLst>
+                                  <p:childTnLst>
+                                    <p:set>
+                                      <p:cBhvr>
+                                        <p:cTn id="6" dur="1" fill="hold">
+                                          <p:stCondLst>
+                                            <p:cond delay="0"/>
+                                          </p:stCondLst>
+                                        </p:cTn>
+                                        <p:tgtEl>
+                                          <p:spTgt spid="78"/>
+                                        </p:tgtEl>
+                                        <p:attrNameLst>
+                                          <p:attrName>style.visibility</p:attrName>
+                                        </p:attrNameLst>
+                                      </p:cBhvr>
+                                      <p:to>
+                                        <p:strVal val="visible"/>
+                                      </p:to>
+                                    </p:set>
+                                  </p:childTnLst>
+                                </p:cTn>
+                              </p:par>
+                              <p:par>
+                                <p:cTn id="7" presetID="1" presetClass="entr" presetSubtype="0" fill="hold" nodeType="withEffect">
+                                  <p:stCondLst>
+                                    <p:cond delay="0"/>
+                                  </p:stCondLst>
+                                  <p:childTnLst>
+                                    <p:set>
+                                      <p:cBhvr>
+                                        <p:cTn id="8" dur="1" fill="hold">
+                                          <p:stCondLst>
+                                            <p:cond delay="0"/>
+                                          </p:stCondLst>
+                                        </p:cTn>
+                                        <p:tgtEl>
+                                          <p:spTgt spid="7"/>
+                                        </p:tgtEl>
+                                        <p:attrNameLst>
+                                          <p:attrName>style.visibility</p:attrName>
+                                        </p:attrNameLst>
+                                      </p:cBhvr>
+                                      <p:to>
+                                        <p:strVal val="visible"/>
+                                      </p:to>
+                                    </p:set>
+                                  </p:childTnLst>
+                                </p:cTn>
+                              </p:par>
+                              <p:par>
+                                <p:cTn id="9" presetID="1" presetClass="entr" presetSubtype="0" fill="hold" nodeType="withEffect">
+                                  <p:stCondLst>
+                                    <p:cond delay="0"/>
+                                  </p:stCondLst>
+                                  <p:childTnLst>
+                                    <p:set>
+                                      <p:cBhvr>
+                                        <p:cTn id="10" dur="1" fill="hold">
+                                          <p:stCondLst>
+                                            <p:cond delay="0"/>
+                                          </p:stCondLst>
+                                        </p:cTn>
+                                        <p:tgtEl>
+                                          <p:spTgt spid="76"/>
+                                        </p:tgtEl>
+                                        <p:attrNameLst>
+                                          <p:attrName>style.visibility</p:attrName>
+                                        </p:attrNameLst>
+                                      </p:cBhvr>
+                                      <p:to>
+                                        <p:strVal val="visible"/>
+                                      </p:to>
+                                    </p:set>
+                                  </p:childTnLst>
+                                </p:cTn>
+                              </p:par>
+                              <p:par>
+                                <p:cTn id="11" presetID="1" presetClass="entr" presetSubtype="0" fill="hold" nodeType="withEffect">
+                                  <p:stCondLst>
+                                    <p:cond delay="0"/>
+                                  </p:stCondLst>
+                                  <p:childTnLst>
+                                    <p:set>
+                                      <p:cBhvr>
+                                        <p:cTn id="12" dur="1" fill="hold">
+                                          <p:stCondLst>
+                                            <p:cond delay="0"/>
+                                          </p:stCondLst>
+                                        </p:cTn>
+                                        <p:tgtEl>
+                                          <p:spTgt spid="77"/>
+                                        </p:tgtEl>
+                                        <p:attrNameLst>
+                                          <p:attrName>style.visibility</p:attrName>
+                                        </p:attrNameLst>
+                                      </p:cBhvr>
+                                      <p:to>
+                                        <p:strVal val="visible"/>
+                                      </p:to>
+                                    </p:set>
+                                  </p:childTnLst>
+                                </p:cTn>
+                              </p:par>
+                              <p:par>
+                                <p:cTn id="13" presetID="1" presetClass="entr" presetSubtype="0" fill="hold" nodeType="withEffect">
+                                  <p:stCondLst>
+                                    <p:cond delay="0"/>
+                                  </p:stCondLst>
+                                  <p:childTnLst>
+                                    <p:set>
+                                      <p:cBhvr>
+                                        <p:cTn id="14" dur="1" fill="hold">
+                                          <p:stCondLst>
+                                            <p:cond delay="0"/>
+                                          </p:stCondLst>
+                                        </p:cTn>
+                                        <p:tgtEl>
+                                          <p:spTgt spid="79"/>
+                                        </p:tgtEl>
+                                        <p:attrNameLst>
+                                          <p:attrName>style.visibility</p:attrName>
+                                        </p:attrNameLst>
+                                      </p:cBhvr>
+                                      <p:to>
+                                        <p:strVal val="visible"/>
+                                      </p:to>
+                                    </p:set>
+                                  </p:childTnLst>
+                                </p:cTn>
+                              </p:par>
+                              <p:par>
+                                <p:cTn id="15" presetID="1" presetClass="entr" presetSubtype="0" fill="hold" nodeType="withEffect">
+                                  <p:stCondLst>
+                                    <p:cond delay="0"/>
+                                  </p:stCondLst>
+                                  <p:childTnLst>
+                                    <p:set>
+                                      <p:cBhvr>
+                                        <p:cTn id="16" dur="1" fill="hold">
+                                          <p:stCondLst>
+                                            <p:cond delay="0"/>
+                                          </p:stCondLst>
+                                        </p:cTn>
+                                        <p:tgtEl>
+                                          <p:spTgt spid="74"/>
+                                        </p:tgtEl>
+                                        <p:attrNameLst>
+                                          <p:attrName>style.visibility</p:attrName>
+                                        </p:attrNameLst>
+                                      </p:cBhvr>
+                                      <p:to>
+                                        <p:strVal val="visible"/>
+                                      </p:to>
+                                    </p:set>
+                                  </p:childTnLst>
+                                </p:cTn>
+                              </p:par>
+                              <p:par>
+                                <p:cTn id="17" presetID="1" presetClass="entr" presetSubtype="0" fill="hold" nodeType="withEffect">
+                                  <p:stCondLst>
+                                    <p:cond delay="0"/>
+                                  </p:stCondLst>
+                                  <p:childTnLst>
+                                    <p:set>
+                                      <p:cBhvr>
+                                        <p:cTn id="18" dur="1" fill="hold">
+                                          <p:stCondLst>
+                                            <p:cond delay="0"/>
+                                          </p:stCondLst>
+                                        </p:cTn>
+                                        <p:tgtEl>
+                                          <p:spTgt spid="80"/>
+                                        </p:tgtEl>
+                                        <p:attrNameLst>
+                                          <p:attrName>style.visibility</p:attrName>
+                                        </p:attrNameLst>
+                                      </p:cBhvr>
+                                      <p:to>
+                                        <p:strVal val="visible"/>
+                                      </p:to>
+                                    </p:set>
+                                  </p:childTnLst>
+                                </p:cTn>
+                              </p:par>
+                              <p:par>
+                                <p:cTn id="19" presetID="1" presetClass="entr" presetSubtype="0" fill="hold" nodeType="withEffect">
+                                  <p:stCondLst>
+                                    <p:cond delay="0"/>
+                                  </p:stCondLst>
+                                  <p:childTnLst>
+                                    <p:set>
+                                      <p:cBhvr>
+                                        <p:cTn id="20" dur="1" fill="hold">
+                                          <p:stCondLst>
+                                            <p:cond delay="0"/>
+                                          </p:stCondLst>
+                                        </p:cTn>
+                                        <p:tgtEl>
+                                          <p:spTgt spid="73"/>
+                                        </p:tgtEl>
+                                        <p:attrNameLst>
+                                          <p:attrName>style.visibility</p:attrName>
+                                        </p:attrNameLst>
+                                      </p:cBhvr>
+                                      <p:to>
+                                        <p:strVal val="visible"/>
+                                      </p:to>
+                                    </p:set>
+                                  </p:childTnLst>
+                                </p:cTn>
+                              </p:par>
+                              <p:par>
+                                <p:cTn id="21" presetID="1" presetClass="entr" presetSubtype="0" fill="hold" nodeType="withEffect">
+                                  <p:stCondLst>
+                                    <p:cond delay="0"/>
+                                  </p:stCondLst>
+                                  <p:childTnLst>
+                                    <p:set>
+                                      <p:cBhvr>
+                                        <p:cTn id="22" dur="1" fill="hold">
+                                          <p:stCondLst>
+                                            <p:cond delay="0"/>
+                                          </p:stCondLst>
+                                        </p:cTn>
+                                        <p:tgtEl>
+                                          <p:spTgt spid="8"/>
+                                        </p:tgtEl>
+                                        <p:attrNameLst>
+                                          <p:attrName>style.visibility</p:attrName>
+                                        </p:attrNameLst>
+                                      </p:cBhvr>
+                                      <p:to>
+                                        <p:strVal val="visible"/>
+                                      </p:to>
+                                    </p:set>
+                                  </p:childTnLst>
+                                </p:cTn>
+                              </p:par>
+                              <p:par>
+                                <p:cTn id="23" presetID="1" presetClass="entr" presetSubtype="0" fill="hold" nodeType="withEffect">
+                                  <p:stCondLst>
+                                    <p:cond delay="0"/>
+                                  </p:stCondLst>
+                                  <p:childTnLst>
+                                    <p:set>
+                                      <p:cBhvr>
+                                        <p:cTn id="24" dur="1" fill="hold">
+                                          <p:stCondLst>
+                                            <p:cond delay="0"/>
+                                          </p:stCondLst>
+                                        </p:cTn>
+                                        <p:tgtEl>
+                                          <p:spTgt spid="81"/>
+                                        </p:tgtEl>
+                                        <p:attrNameLst>
+                                          <p:attrName>style.visibility</p:attrName>
+                                        </p:attrNameLst>
+                                      </p:cBhvr>
+                                      <p:to>
+                                        <p:strVal val="visible"/>
+                                      </p:to>
+                                    </p:set>
+                                  </p:childTnLst>
+                                </p:cTn>
+                              </p:par>
+                              <p:par>
+                                <p:cTn id="25" presetID="1" presetClass="entr" presetSubtype="0" fill="hold" nodeType="withEffect">
+                                  <p:stCondLst>
+                                    <p:cond delay="0"/>
+                                  </p:stCondLst>
+                                  <p:childTnLst>
+                                    <p:set>
+                                      <p:cBhvr>
+                                        <p:cTn id="26" dur="1" fill="hold">
+                                          <p:stCondLst>
+                                            <p:cond delay="0"/>
+                                          </p:stCondLst>
+                                        </p:cTn>
+                                        <p:tgtEl>
+                                          <p:spTgt spid="82"/>
+                                        </p:tgtEl>
+                                        <p:attrNameLst>
+                                          <p:attrName>style.visibility</p:attrName>
+                                        </p:attrNameLst>
+                                      </p:cBhvr>
+                                      <p:to>
+                                        <p:strVal val="visible"/>
+                                      </p:to>
+                                    </p:set>
+                                  </p:childTnLst>
+                                </p:cTn>
+                              </p:par>
+                              <p:par>
+                                <p:cTn id="27" presetID="1" presetClass="entr" presetSubtype="0" fill="hold" nodeType="withEffect">
+                                  <p:stCondLst>
+                                    <p:cond delay="0"/>
+                                  </p:stCondLst>
+                                  <p:childTnLst>
+                                    <p:set>
+                                      <p:cBhvr>
+                                        <p:cTn id="28" dur="1" fill="hold">
+                                          <p:stCondLst>
+                                            <p:cond delay="0"/>
+                                          </p:stCondLst>
+                                        </p:cTn>
+                                        <p:tgtEl>
+                                          <p:spTgt spid="3"/>
+                                        </p:tgtEl>
+                                        <p:attrNameLst>
+                                          <p:attrName>style.visibility</p:attrName>
+                                        </p:attrNameLst>
+                                      </p:cBhvr>
+                                      <p:to>
+                                        <p:strVal val="visible"/>
+                                      </p:to>
+                                    </p:set>
+                                  </p:childTnLst>
+                                </p:cTn>
+                              </p:par>
+                              <p:par>
+                                <p:cTn id="29" presetID="1" presetClass="entr" presetSubtype="0" fill="hold" nodeType="withEffect">
+                                  <p:stCondLst>
+                                    <p:cond delay="0"/>
+                                  </p:stCondLst>
+                                  <p:childTnLst>
+                                    <p:set>
+                                      <p:cBhvr>
+                                        <p:cTn id="30" dur="1" fill="hold">
+                                          <p:stCondLst>
+                                            <p:cond delay="0"/>
+                                          </p:stCondLst>
+                                        </p:cTn>
+                                        <p:tgtEl>
+                                          <p:spTgt spid="9"/>
+                                        </p:tgtEl>
+                                        <p:attrNameLst>
+                                          <p:attrName>style.visibility</p:attrName>
+                                        </p:attrNameLst>
+                                      </p:cBhvr>
+                                      <p:to>
+                                        <p:strVal val="visible"/>
+                                      </p:to>
+                                    </p:set>
+                                  </p:childTnLst>
+                                </p:cTn>
+                              </p:par>
+                              <p:par>
+                                <p:cTn id="31" presetID="1" presetClass="entr" presetSubtype="0" fill="hold" nodeType="withEffect">
+                                  <p:stCondLst>
+                                    <p:cond delay="0"/>
+                                  </p:stCondLst>
+                                  <p:childTnLst>
+                                    <p:set>
+                                      <p:cBhvr>
+                                        <p:cTn id="32" dur="1" fill="hold">
+                                          <p:stCondLst>
+                                            <p:cond delay="0"/>
+                                          </p:stCondLst>
+                                        </p:cTn>
+                                        <p:tgtEl>
+                                          <p:spTgt spid="17"/>
+                                        </p:tgtEl>
+                                        <p:attrNameLst>
+                                          <p:attrName>style.visibility</p:attrName>
+                                        </p:attrNameLst>
+                                      </p:cBhvr>
+                                      <p:to>
+                                        <p:strVal val="visible"/>
+                                      </p:to>
+                                    </p:set>
+                                  </p:childTnLst>
+                                </p:cTn>
+                              </p:par>
+                              <p:par>
+                                <p:cTn id="33" presetID="1" presetClass="entr" presetSubtype="0" fill="hold" nodeType="withEffect">
+                                  <p:stCondLst>
+                                    <p:cond delay="0"/>
+                                  </p:stCondLst>
+                                  <p:childTnLst>
+                                    <p:set>
+                                      <p:cBhvr>
+                                        <p:cTn id="34" dur="1" fill="hold">
+                                          <p:stCondLst>
+                                            <p:cond delay="0"/>
+                                          </p:stCondLst>
+                                        </p:cTn>
+                                        <p:tgtEl>
+                                          <p:spTgt spid="67"/>
+                                        </p:tgtEl>
+                                        <p:attrNameLst>
+                                          <p:attrName>style.visibility</p:attrName>
+                                        </p:attrNameLst>
+                                      </p:cBhvr>
+                                      <p:to>
+                                        <p:strVal val="visible"/>
+                                      </p:to>
+                                    </p:set>
+                                  </p:childTnLst>
+                                </p:cTn>
+                              </p:par>
+                              <p:par>
+                                <p:cTn id="35" presetID="1" presetClass="entr" presetSubtype="0" fill="hold" nodeType="withEffect">
+                                  <p:stCondLst>
+                                    <p:cond delay="0"/>
+                                  </p:stCondLst>
+                                  <p:childTnLst>
+                                    <p:set>
+                                      <p:cBhvr>
+                                        <p:cTn id="36" dur="1" fill="hold">
+                                          <p:stCondLst>
+                                            <p:cond delay="0"/>
+                                          </p:stCondLst>
+                                        </p:cTn>
+                                        <p:tgtEl>
+                                          <p:spTgt spid="68"/>
+                                        </p:tgtEl>
+                                        <p:attrNameLst>
+                                          <p:attrName>style.visibility</p:attrName>
+                                        </p:attrNameLst>
+                                      </p:cBhvr>
+                                      <p:to>
+                                        <p:strVal val="visible"/>
+                                      </p:to>
+                                    </p:set>
+                                  </p:childTnLst>
+                                </p:cTn>
+                              </p:par>
+                              <p:par>
+                                <p:cTn id="37" presetID="1" presetClass="entr" presetSubtype="0" fill="hold" nodeType="withEffect">
+                                  <p:stCondLst>
+                                    <p:cond delay="0"/>
+                                  </p:stCondLst>
+                                  <p:childTnLst>
+                                    <p:set>
+                                      <p:cBhvr>
+                                        <p:cTn id="38" dur="1" fill="hold">
+                                          <p:stCondLst>
+                                            <p:cond delay="0"/>
+                                          </p:stCondLst>
+                                        </p:cTn>
+                                        <p:tgtEl>
+                                          <p:spTgt spid="70"/>
+                                        </p:tgtEl>
+                                        <p:attrNameLst>
+                                          <p:attrName>style.visibility</p:attrName>
+                                        </p:attrNameLst>
+                                      </p:cBhvr>
+                                      <p:to>
+                                        <p:strVal val="visible"/>
+                                      </p:to>
+                                    </p:set>
+                                  </p:childTnLst>
+                                </p:cTn>
+                              </p:par>
+                              <p:par>
+                                <p:cTn id="39" presetID="1" presetClass="entr" presetSubtype="0" fill="hold" nodeType="withEffect">
+                                  <p:stCondLst>
+                                    <p:cond delay="0"/>
+                                  </p:stCondLst>
+                                  <p:childTnLst>
+                                    <p:set>
+                                      <p:cBhvr>
+                                        <p:cTn id="40" dur="1" fill="hold">
+                                          <p:stCondLst>
+                                            <p:cond delay="0"/>
+                                          </p:stCondLst>
+                                        </p:cTn>
+                                        <p:tgtEl>
+                                          <p:spTgt spid="83"/>
+                                        </p:tgtEl>
+                                        <p:attrNameLst>
+                                          <p:attrName>style.visibility</p:attrName>
+                                        </p:attrNameLst>
+                                      </p:cBhvr>
+                                      <p:to>
+                                        <p:strVal val="visible"/>
+                                      </p:to>
+                                    </p:set>
+                                  </p:childTnLst>
+                                </p:cTn>
+                              </p:par>
+                              <p:par>
+                                <p:cTn id="41" presetID="1" presetClass="entr" presetSubtype="0" fill="hold" nodeType="withEffect">
+                                  <p:stCondLst>
+                                    <p:cond delay="0"/>
+                                  </p:stCondLst>
+                                  <p:childTnLst>
+                                    <p:set>
+                                      <p:cBhvr>
+                                        <p:cTn id="42" dur="1" fill="hold">
+                                          <p:stCondLst>
+                                            <p:cond delay="0"/>
+                                          </p:stCondLst>
+                                        </p:cTn>
+                                        <p:tgtEl>
+                                          <p:spTgt spid="71"/>
+                                        </p:tgtEl>
+                                        <p:attrNameLst>
+                                          <p:attrName>style.visibility</p:attrName>
+                                        </p:attrNameLst>
+                                      </p:cBhvr>
+                                      <p:to>
+                                        <p:strVal val="visible"/>
+                                      </p:to>
+                                    </p:set>
+                                  </p:childTnLst>
+                                </p:cTn>
+                              </p:par>
+                              <p:par>
+                                <p:cTn id="43" presetID="1" presetClass="entr" presetSubtype="0" fill="hold" nodeType="withEffect">
+                                  <p:stCondLst>
+                                    <p:cond delay="0"/>
+                                  </p:stCondLst>
+                                  <p:childTnLst>
+                                    <p:set>
+                                      <p:cBhvr>
+                                        <p:cTn id="44" dur="1" fill="hold">
+                                          <p:stCondLst>
+                                            <p:cond delay="0"/>
+                                          </p:stCondLst>
+                                        </p:cTn>
+                                        <p:tgtEl>
+                                          <p:spTgt spid="84"/>
+                                        </p:tgtEl>
+                                        <p:attrNameLst>
+                                          <p:attrName>style.visibility</p:attrName>
+                                        </p:attrNameLst>
+                                      </p:cBhvr>
+                                      <p:to>
+                                        <p:strVal val="visible"/>
+                                      </p:to>
+                                    </p:set>
+                                  </p:childTnLst>
+                                </p:cTn>
+                              </p:par>
+                              <p:par>
+                                <p:cTn id="45" presetID="1" presetClass="entr" presetSubtype="0" fill="hold" nodeType="withEffect">
+                                  <p:stCondLst>
+                                    <p:cond delay="0"/>
+                                  </p:stCondLst>
+                                  <p:childTnLst>
+                                    <p:set>
+                                      <p:cBhvr>
+                                        <p:cTn id="46" dur="1" fill="hold">
+                                          <p:stCondLst>
+                                            <p:cond delay="0"/>
+                                          </p:stCondLst>
+                                        </p:cTn>
+                                        <p:tgtEl>
+                                          <p:spTgt spid="72"/>
+                                        </p:tgtEl>
+                                        <p:attrNameLst>
+                                          <p:attrName>style.visibility</p:attrName>
+                                        </p:attrNameLst>
+                                      </p:cBhvr>
+                                      <p:to>
+                                        <p:strVal val="visible"/>
+                                      </p:to>
+                                    </p:set>
+                                  </p:childTnLst>
+                                </p:cTn>
+                              </p:par>
+                              <p:par>
+                                <p:cTn id="47" presetID="1" presetClass="entr" presetSubtype="0" fill="hold" nodeType="withEffect">
+                                  <p:stCondLst>
+                                    <p:cond delay="0"/>
+                                  </p:stCondLst>
+                                  <p:childTnLst>
+                                    <p:set>
+                                      <p:cBhvr>
+                                        <p:cTn id="48" dur="1" fill="hold">
+                                          <p:stCondLst>
+                                            <p:cond delay="0"/>
+                                          </p:stCondLst>
+                                        </p:cTn>
+                                        <p:tgtEl>
+                                          <p:spTgt spid="85"/>
+                                        </p:tgtEl>
+                                        <p:attrNameLst>
+                                          <p:attrName>style.visibility</p:attrName>
+                                        </p:attrNameLst>
+                                      </p:cBhvr>
+                                      <p:to>
+                                        <p:strVal val="visible"/>
+                                      </p:to>
+                                    </p:set>
+                                  </p:childTnLst>
+                                </p:cTn>
+                              </p:par>
+                              <p:par>
+                                <p:cTn id="49" presetID="1" presetClass="entr" presetSubtype="0" fill="hold" nodeType="withEffect">
+                                  <p:stCondLst>
+                                    <p:cond delay="0"/>
+                                  </p:stCondLst>
+                                  <p:childTnLst>
+                                    <p:set>
+                                      <p:cBhvr>
+                                        <p:cTn id="50" dur="1" fill="hold">
+                                          <p:stCondLst>
+                                            <p:cond delay="0"/>
+                                          </p:stCondLst>
+                                        </p:cTn>
+                                        <p:tgtEl>
+                                          <p:spTgt spid="21">
+                                            <p:txEl>
+                                              <p:pRg st="0" end="0"/>
+                                            </p:txEl>
+                                          </p:spTgt>
+                                        </p:tgtEl>
+                                        <p:attrNameLst>
+                                          <p:attrName>style.visibility</p:attrName>
+                                        </p:attrNameLst>
+                                      </p:cBhvr>
+                                      <p:to>
+                                        <p:strVal val="visible"/>
+                                      </p:to>
+                                    </p:set>
+                                  </p:childTnLst>
+                                </p:cTn>
+                              </p:par>
+                            </p:childTnLst>
+                          </p:cTn>
+                        </p:par>
+                      </p:childTnLst>
+                    </p:cTn>
+                  </p:par>
+                  <p:par>
+                    <p:cTn id="51" fill="hold">
+                      <p:stCondLst>
+                        <p:cond delay="indefinite"/>
+                      </p:stCondLst>
+                      <p:childTnLst>
+                        <p:par>
+                          <p:cTn id="52" fill="hold">
+                            <p:stCondLst>
+                              <p:cond delay="0"/>
+                            </p:stCondLst>
+                            <p:childTnLst>
+                              <p:par>
+                                <p:cTn id="53" presetID="1" presetClass="entr" presetSubtype="0" fill="hold" nodeType="clickEffect">
+                                  <p:stCondLst>
+                                    <p:cond delay="0"/>
+                                  </p:stCondLst>
+                                  <p:childTnLst>
+                                    <p:set>
+                                      <p:cBhvr>
+                                        <p:cTn id="54" dur="1" fill="hold">
+                                          <p:stCondLst>
+                                            <p:cond delay="0"/>
+                                          </p:stCondLst>
+                                        </p:cTn>
+                                        <p:tgtEl>
+                                          <p:spTgt spid="66"/>
+                                        </p:tgtEl>
+                                        <p:attrNameLst>
+                                          <p:attrName>style.visibility</p:attrName>
+                                        </p:attrNameLst>
+                                      </p:cBhvr>
+                                      <p:to>
+                                        <p:strVal val="visible"/>
+                                      </p:to>
+                                    </p:set>
+                                  </p:childTnLst>
+                                </p:cTn>
+                              </p:par>
+                              <p:par>
+                                <p:cTn id="55" presetID="1" presetClass="entr" presetSubtype="0" fill="hold" nodeType="withEffect">
+                                  <p:stCondLst>
+                                    <p:cond delay="0"/>
+                                  </p:stCondLst>
+                                  <p:childTnLst>
+                                    <p:set>
+                                      <p:cBhvr>
+                                        <p:cTn id="56" dur="1" fill="hold">
+                                          <p:stCondLst>
+                                            <p:cond delay="0"/>
+                                          </p:stCondLst>
+                                        </p:cTn>
+                                        <p:tgtEl>
+                                          <p:spTgt spid="31"/>
+                                        </p:tgtEl>
+                                        <p:attrNameLst>
+                                          <p:attrName>style.visibility</p:attrName>
+                                        </p:attrNameLst>
+                                      </p:cBhvr>
+                                      <p:to>
+                                        <p:strVal val="visible"/>
+                                      </p:to>
+                                    </p:set>
+                                  </p:childTnLst>
+                                </p:cTn>
+                              </p:par>
+                              <p:par>
+                                <p:cTn id="57" presetID="1" presetClass="entr" presetSubtype="0" fill="hold" nodeType="withEffect">
+                                  <p:stCondLst>
+                                    <p:cond delay="0"/>
+                                  </p:stCondLst>
+                                  <p:childTnLst>
+                                    <p:set>
+                                      <p:cBhvr>
+                                        <p:cTn id="58" dur="1" fill="hold">
+                                          <p:stCondLst>
+                                            <p:cond delay="0"/>
+                                          </p:stCondLst>
+                                        </p:cTn>
+                                        <p:tgtEl>
+                                          <p:spTgt spid="64"/>
+                                        </p:tgtEl>
+                                        <p:attrNameLst>
+                                          <p:attrName>style.visibility</p:attrName>
+                                        </p:attrNameLst>
+                                      </p:cBhvr>
+                                      <p:to>
+                                        <p:strVal val="visible"/>
+                                      </p:to>
+                                    </p:set>
+                                  </p:childTnLst>
+                                </p:cTn>
+                              </p:par>
+                              <p:par>
+                                <p:cTn id="59" presetID="1" presetClass="entr" presetSubtype="0" fill="hold" nodeType="withEffect">
+                                  <p:stCondLst>
+                                    <p:cond delay="0"/>
+                                  </p:stCondLst>
+                                  <p:childTnLst>
+                                    <p:set>
+                                      <p:cBhvr>
+                                        <p:cTn id="60" dur="1" fill="hold">
+                                          <p:stCondLst>
+                                            <p:cond delay="0"/>
+                                          </p:stCondLst>
+                                        </p:cTn>
+                                        <p:tgtEl>
+                                          <p:spTgt spid="30"/>
+                                        </p:tgtEl>
+                                        <p:attrNameLst>
+                                          <p:attrName>style.visibility</p:attrName>
+                                        </p:attrNameLst>
+                                      </p:cBhvr>
+                                      <p:to>
+                                        <p:strVal val="visible"/>
+                                      </p:to>
+                                    </p:set>
+                                  </p:childTnLst>
+                                </p:cTn>
+                              </p:par>
+                              <p:par>
+                                <p:cTn id="61" presetID="1" presetClass="entr" presetSubtype="0" fill="hold" nodeType="withEffect">
+                                  <p:stCondLst>
+                                    <p:cond delay="0"/>
+                                  </p:stCondLst>
+                                  <p:childTnLst>
+                                    <p:set>
+                                      <p:cBhvr>
+                                        <p:cTn id="62" dur="1" fill="hold">
+                                          <p:stCondLst>
+                                            <p:cond delay="0"/>
+                                          </p:stCondLst>
+                                        </p:cTn>
+                                        <p:tgtEl>
+                                          <p:spTgt spid="65"/>
+                                        </p:tgtEl>
+                                        <p:attrNameLst>
+                                          <p:attrName>style.visibility</p:attrName>
+                                        </p:attrNameLst>
+                                      </p:cBhvr>
+                                      <p:to>
+                                        <p:strVal val="visible"/>
+                                      </p:to>
+                                    </p:set>
+                                  </p:childTnLst>
+                                </p:cTn>
+                              </p:par>
+                              <p:par>
+                                <p:cTn id="63" presetID="1" presetClass="entr" presetSubtype="0" fill="hold" nodeType="withEffect">
+                                  <p:stCondLst>
+                                    <p:cond delay="0"/>
+                                  </p:stCondLst>
+                                  <p:childTnLst>
+                                    <p:set>
+                                      <p:cBhvr>
+                                        <p:cTn id="64" dur="1" fill="hold">
+                                          <p:stCondLst>
+                                            <p:cond delay="0"/>
+                                          </p:stCondLst>
+                                        </p:cTn>
+                                        <p:tgtEl>
+                                          <p:spTgt spid="29"/>
+                                        </p:tgtEl>
+                                        <p:attrNameLst>
+                                          <p:attrName>style.visibility</p:attrName>
+                                        </p:attrNameLst>
+                                      </p:cBhvr>
+                                      <p:to>
+                                        <p:strVal val="visible"/>
+                                      </p:to>
+                                    </p:set>
+                                  </p:childTnLst>
+                                </p:cTn>
+                              </p:par>
+                              <p:par>
+                                <p:cTn id="65" presetID="1" presetClass="entr" presetSubtype="0" fill="hold" nodeType="withEffect">
+                                  <p:stCondLst>
+                                    <p:cond delay="0"/>
+                                  </p:stCondLst>
+                                  <p:childTnLst>
+                                    <p:set>
+                                      <p:cBhvr>
+                                        <p:cTn id="66" dur="1" fill="hold">
+                                          <p:stCondLst>
+                                            <p:cond delay="0"/>
+                                          </p:stCondLst>
+                                        </p:cTn>
+                                        <p:tgtEl>
+                                          <p:spTgt spid="20"/>
+                                        </p:tgtEl>
+                                        <p:attrNameLst>
+                                          <p:attrName>style.visibility</p:attrName>
+                                        </p:attrNameLst>
+                                      </p:cBhvr>
+                                      <p:to>
+                                        <p:strVal val="visible"/>
+                                      </p:to>
+                                    </p:set>
+                                  </p:childTnLst>
+                                </p:cTn>
+                              </p:par>
+                              <p:par>
+                                <p:cTn id="67" presetID="1" presetClass="entr" presetSubtype="0" fill="hold" nodeType="withEffect">
+                                  <p:stCondLst>
+                                    <p:cond delay="0"/>
+                                  </p:stCondLst>
+                                  <p:childTnLst>
+                                    <p:set>
+                                      <p:cBhvr>
+                                        <p:cTn id="68" dur="1" fill="hold">
+                                          <p:stCondLst>
+                                            <p:cond delay="0"/>
+                                          </p:stCondLst>
+                                        </p:cTn>
+                                        <p:tgtEl>
+                                          <p:spTgt spid="19"/>
+                                        </p:tgtEl>
+                                        <p:attrNameLst>
+                                          <p:attrName>style.visibility</p:attrName>
+                                        </p:attrNameLst>
+                                      </p:cBhvr>
+                                      <p:to>
+                                        <p:strVal val="visible"/>
+                                      </p:to>
+                                    </p:set>
+                                  </p:childTnLst>
+                                </p:cTn>
+                              </p:par>
+                              <p:par>
+                                <p:cTn id="69" presetID="1" presetClass="entr" presetSubtype="0" fill="hold" nodeType="withEffect">
+                                  <p:stCondLst>
+                                    <p:cond delay="0"/>
+                                  </p:stCondLst>
+                                  <p:childTnLst>
+                                    <p:set>
+                                      <p:cBhvr>
+                                        <p:cTn id="70" dur="1" fill="hold">
+                                          <p:stCondLst>
+                                            <p:cond delay="0"/>
+                                          </p:stCondLst>
+                                        </p:cTn>
+                                        <p:tgtEl>
+                                          <p:spTgt spid="18"/>
+                                        </p:tgtEl>
+                                        <p:attrNameLst>
+                                          <p:attrName>style.visibility</p:attrName>
+                                        </p:attrNameLst>
+                                      </p:cBhvr>
+                                      <p:to>
+                                        <p:strVal val="visible"/>
+                                      </p:to>
+                                    </p:set>
+                                  </p:childTnLst>
+                                </p:cTn>
+                              </p:par>
+                              <p:par>
+                                <p:cTn id="71" presetID="1" presetClass="entr" presetSubtype="0" fill="hold" nodeType="withEffect">
+                                  <p:stCondLst>
+                                    <p:cond delay="0"/>
+                                  </p:stCondLst>
+                                  <p:childTnLst>
+                                    <p:set>
+                                      <p:cBhvr>
+                                        <p:cTn id="72" dur="1" fill="hold">
+                                          <p:stCondLst>
+                                            <p:cond delay="0"/>
+                                          </p:stCondLst>
+                                        </p:cTn>
+                                        <p:tgtEl>
+                                          <p:spTgt spid="12"/>
+                                        </p:tgtEl>
+                                        <p:attrNameLst>
+                                          <p:attrName>style.visibility</p:attrName>
+                                        </p:attrNameLst>
+                                      </p:cBhvr>
+                                      <p:to>
+                                        <p:strVal val="visible"/>
+                                      </p:to>
+                                    </p:set>
+                                  </p:childTnLst>
+                                </p:cTn>
+                              </p:par>
+                              <p:par>
+                                <p:cTn id="73" presetID="1" presetClass="entr" presetSubtype="0" fill="hold" nodeType="withEffect">
+                                  <p:stCondLst>
+                                    <p:cond delay="0"/>
+                                  </p:stCondLst>
+                                  <p:childTnLst>
+                                    <p:set>
+                                      <p:cBhvr>
+                                        <p:cTn id="74" dur="1" fill="hold">
+                                          <p:stCondLst>
+                                            <p:cond delay="0"/>
+                                          </p:stCondLst>
+                                        </p:cTn>
+                                        <p:tgtEl>
+                                          <p:spTgt spid="11"/>
+                                        </p:tgtEl>
+                                        <p:attrNameLst>
+                                          <p:attrName>style.visibility</p:attrName>
+                                        </p:attrNameLst>
+                                      </p:cBhvr>
+                                      <p:to>
+                                        <p:strVal val="visible"/>
+                                      </p:to>
+                                    </p:set>
+                                  </p:childTnLst>
+                                </p:cTn>
+                              </p:par>
+                              <p:par>
+                                <p:cTn id="75" presetID="1" presetClass="entr" presetSubtype="0" fill="hold" nodeType="withEffect">
+                                  <p:stCondLst>
+                                    <p:cond delay="0"/>
+                                  </p:stCondLst>
+                                  <p:childTnLst>
+                                    <p:set>
+                                      <p:cBhvr>
+                                        <p:cTn id="76" dur="1" fill="hold">
+                                          <p:stCondLst>
+                                            <p:cond delay="0"/>
+                                          </p:stCondLst>
+                                        </p:cTn>
+                                        <p:tgtEl>
+                                          <p:spTgt spid="16"/>
+                                        </p:tgtEl>
+                                        <p:attrNameLst>
+                                          <p:attrName>style.visibility</p:attrName>
+                                        </p:attrNameLst>
+                                      </p:cBhvr>
+                                      <p:to>
+                                        <p:strVal val="visible"/>
+                                      </p:to>
+                                    </p:set>
+                                  </p:childTnLst>
+                                </p:cTn>
+                              </p:par>
+                              <p:par>
+                                <p:cTn id="77" presetID="1" presetClass="entr" presetSubtype="0" fill="hold" nodeType="withEffect">
+                                  <p:stCondLst>
+                                    <p:cond delay="0"/>
+                                  </p:stCondLst>
+                                  <p:childTnLst>
+                                    <p:set>
+                                      <p:cBhvr>
+                                        <p:cTn id="78" dur="1" fill="hold">
+                                          <p:stCondLst>
+                                            <p:cond delay="0"/>
+                                          </p:stCondLst>
+                                        </p:cTn>
+                                        <p:tgtEl>
+                                          <p:spTgt spid="15"/>
+                                        </p:tgtEl>
+                                        <p:attrNameLst>
+                                          <p:attrName>style.visibility</p:attrName>
+                                        </p:attrNameLst>
+                                      </p:cBhvr>
+                                      <p:to>
+                                        <p:strVal val="visible"/>
+                                      </p:to>
+                                    </p:set>
+                                  </p:childTnLst>
+                                </p:cTn>
+                              </p:par>
+                              <p:par>
+                                <p:cTn id="79" presetID="1" presetClass="entr" presetSubtype="0" fill="hold" nodeType="withEffect">
+                                  <p:stCondLst>
+                                    <p:cond delay="0"/>
+                                  </p:stCondLst>
+                                  <p:childTnLst>
+                                    <p:set>
+                                      <p:cBhvr>
+                                        <p:cTn id="80" dur="1" fill="hold">
+                                          <p:stCondLst>
+                                            <p:cond delay="0"/>
+                                          </p:stCondLst>
+                                        </p:cTn>
+                                        <p:tgtEl>
+                                          <p:spTgt spid="10"/>
+                                        </p:tgtEl>
+                                        <p:attrNameLst>
+                                          <p:attrName>style.visibility</p:attrName>
+                                        </p:attrNameLst>
+                                      </p:cBhvr>
+                                      <p:to>
+                                        <p:strVal val="visible"/>
+                                      </p:to>
+                                    </p:set>
+                                  </p:childTnLst>
+                                </p:cTn>
+                              </p:par>
+                              <p:par>
+                                <p:cTn id="81" presetID="1" presetClass="entr" presetSubtype="0" fill="hold" nodeType="withEffect">
+                                  <p:stCondLst>
+                                    <p:cond delay="0"/>
+                                  </p:stCondLst>
+                                  <p:childTnLst>
+                                    <p:set>
+                                      <p:cBhvr>
+                                        <p:cTn id="82" dur="1" fill="hold">
+                                          <p:stCondLst>
+                                            <p:cond delay="0"/>
+                                          </p:stCondLst>
+                                        </p:cTn>
+                                        <p:tgtEl>
+                                          <p:spTgt spid="14"/>
+                                        </p:tgtEl>
+                                        <p:attrNameLst>
+                                          <p:attrName>style.visibility</p:attrName>
+                                        </p:attrNameLst>
+                                      </p:cBhvr>
+                                      <p:to>
+                                        <p:strVal val="visible"/>
+                                      </p:to>
+                                    </p:set>
+                                  </p:childTnLst>
+                                </p:cTn>
+                              </p:par>
+                              <p:par>
+                                <p:cTn id="83" presetID="1" presetClass="entr" presetSubtype="0" fill="hold" nodeType="withEffect">
+                                  <p:stCondLst>
+                                    <p:cond delay="0"/>
+                                  </p:stCondLst>
+                                  <p:childTnLst>
+                                    <p:set>
+                                      <p:cBhvr>
+                                        <p:cTn id="84" dur="1" fill="hold">
+                                          <p:stCondLst>
+                                            <p:cond delay="0"/>
+                                          </p:stCondLst>
+                                        </p:cTn>
+                                        <p:tgtEl>
+                                          <p:spTgt spid="6"/>
+                                        </p:tgtEl>
+                                        <p:attrNameLst>
+                                          <p:attrName>style.visibility</p:attrName>
+                                        </p:attrNameLst>
+                                      </p:cBhvr>
+                                      <p:to>
+                                        <p:strVal val="visible"/>
+                                      </p:to>
+                                    </p:set>
+                                  </p:childTnLst>
+                                </p:cTn>
+                              </p:par>
+                              <p:par>
+                                <p:cTn id="85" presetID="1" presetClass="entr" presetSubtype="0" fill="hold" nodeType="withEffect">
+                                  <p:stCondLst>
+                                    <p:cond delay="0"/>
+                                  </p:stCondLst>
+                                  <p:childTnLst>
+                                    <p:set>
+                                      <p:cBhvr>
+                                        <p:cTn id="86" dur="1" fill="hold">
+                                          <p:stCondLst>
+                                            <p:cond delay="0"/>
+                                          </p:stCondLst>
+                                        </p:cTn>
+                                        <p:tgtEl>
+                                          <p:spTgt spid="13"/>
+                                        </p:tgtEl>
+                                        <p:attrNameLst>
+                                          <p:attrName>style.visibility</p:attrName>
+                                        </p:attrNameLst>
+                                      </p:cBhvr>
+                                      <p:to>
+                                        <p:strVal val="visible"/>
+                                      </p:to>
+                                    </p:set>
+                                  </p:childTnLst>
+                                </p:cTn>
+                              </p:par>
+                              <p:par>
+                                <p:cTn id="87" presetID="1" presetClass="entr" presetSubtype="0" fill="hold" nodeType="withEffect">
+                                  <p:stCondLst>
+                                    <p:cond delay="0"/>
+                                  </p:stCondLst>
+                                  <p:childTnLst>
+                                    <p:set>
+                                      <p:cBhvr>
+                                        <p:cTn id="88" dur="1" fill="hold">
+                                          <p:stCondLst>
+                                            <p:cond delay="0"/>
+                                          </p:stCondLst>
+                                        </p:cTn>
+                                        <p:tgtEl>
+                                          <p:spTgt spid="23"/>
+                                        </p:tgtEl>
+                                        <p:attrNameLst>
+                                          <p:attrName>style.visibility</p:attrName>
+                                        </p:attrNameLst>
+                                      </p:cBhvr>
+                                      <p:to>
+                                        <p:strVal val="visible"/>
+                                      </p:to>
+                                    </p:set>
+                                  </p:childTnLst>
+                                </p:cTn>
+                              </p:par>
+                              <p:par>
+                                <p:cTn id="89" presetID="1" presetClass="entr" presetSubtype="0" fill="hold" nodeType="withEffect">
+                                  <p:stCondLst>
+                                    <p:cond delay="0"/>
+                                  </p:stCondLst>
+                                  <p:childTnLst>
+                                    <p:set>
+                                      <p:cBhvr>
+                                        <p:cTn id="90" dur="1" fill="hold">
+                                          <p:stCondLst>
+                                            <p:cond delay="0"/>
+                                          </p:stCondLst>
+                                        </p:cTn>
+                                        <p:tgtEl>
+                                          <p:spTgt spid="28"/>
+                                        </p:tgtEl>
+                                        <p:attrNameLst>
+                                          <p:attrName>style.visibility</p:attrName>
+                                        </p:attrNameLst>
+                                      </p:cBhvr>
+                                      <p:to>
+                                        <p:strVal val="visible"/>
+                                      </p:to>
+                                    </p:set>
+                                  </p:childTnLst>
+                                </p:cTn>
+                              </p:par>
+                              <p:par>
+                                <p:cTn id="91" presetID="1" presetClass="entr" presetSubtype="0" fill="hold" nodeType="withEffect">
+                                  <p:stCondLst>
+                                    <p:cond delay="0"/>
+                                  </p:stCondLst>
+                                  <p:childTnLst>
+                                    <p:set>
+                                      <p:cBhvr>
+                                        <p:cTn id="92" dur="1" fill="hold">
+                                          <p:stCondLst>
+                                            <p:cond delay="0"/>
+                                          </p:stCondLst>
+                                        </p:cTn>
+                                        <p:tgtEl>
+                                          <p:spTgt spid="27"/>
+                                        </p:tgtEl>
+                                        <p:attrNameLst>
+                                          <p:attrName>style.visibility</p:attrName>
+                                        </p:attrNameLst>
+                                      </p:cBhvr>
+                                      <p:to>
+                                        <p:strVal val="visible"/>
+                                      </p:to>
+                                    </p:set>
+                                  </p:childTnLst>
+                                </p:cTn>
+                              </p:par>
+                              <p:par>
+                                <p:cTn id="93" presetID="1" presetClass="entr" presetSubtype="0" fill="hold" nodeType="withEffect">
+                                  <p:stCondLst>
+                                    <p:cond delay="0"/>
+                                  </p:stCondLst>
+                                  <p:childTnLst>
+                                    <p:set>
+                                      <p:cBhvr>
+                                        <p:cTn id="94" dur="1" fill="hold">
+                                          <p:stCondLst>
+                                            <p:cond delay="0"/>
+                                          </p:stCondLst>
+                                        </p:cTn>
+                                        <p:tgtEl>
+                                          <p:spTgt spid="25"/>
+                                        </p:tgtEl>
+                                        <p:attrNameLst>
+                                          <p:attrName>style.visibility</p:attrName>
+                                        </p:attrNameLst>
+                                      </p:cBhvr>
+                                      <p:to>
+                                        <p:strVal val="visible"/>
+                                      </p:to>
+                                    </p:set>
+                                  </p:childTnLst>
+                                </p:cTn>
+                              </p:par>
+                              <p:par>
+                                <p:cTn id="95" presetID="1" presetClass="entr" presetSubtype="0" fill="hold" nodeType="withEffect">
+                                  <p:stCondLst>
+                                    <p:cond delay="0"/>
+                                  </p:stCondLst>
+                                  <p:childTnLst>
+                                    <p:set>
+                                      <p:cBhvr>
+                                        <p:cTn id="96" dur="1" fill="hold">
+                                          <p:stCondLst>
+                                            <p:cond delay="0"/>
+                                          </p:stCondLst>
+                                        </p:cTn>
+                                        <p:tgtEl>
+                                          <p:spTgt spid="26"/>
+                                        </p:tgtEl>
+                                        <p:attrNameLst>
+                                          <p:attrName>style.visibility</p:attrName>
+                                        </p:attrNameLst>
+                                      </p:cBhvr>
+                                      <p:to>
+                                        <p:strVal val="visible"/>
+                                      </p:to>
+                                    </p:set>
+                                  </p:childTnLst>
+                                </p:cTn>
+                              </p:par>
+                              <p:par>
+                                <p:cTn id="97" presetID="1" presetClass="entr" presetSubtype="0" fill="hold" nodeType="withEffect">
+                                  <p:stCondLst>
+                                    <p:cond delay="0"/>
+                                  </p:stCondLst>
+                                  <p:childTnLst>
+                                    <p:set>
+                                      <p:cBhvr>
+                                        <p:cTn id="98" dur="1" fill="hold">
+                                          <p:stCondLst>
+                                            <p:cond delay="0"/>
+                                          </p:stCondLst>
+                                        </p:cTn>
+                                        <p:tgtEl>
+                                          <p:spTgt spid="22"/>
+                                        </p:tgtEl>
+                                        <p:attrNameLst>
+                                          <p:attrName>style.visibility</p:attrName>
+                                        </p:attrNameLst>
+                                      </p:cBhvr>
+                                      <p:to>
+                                        <p:strVal val="visible"/>
+                                      </p:to>
+                                    </p:set>
+                                  </p:childTnLst>
+                                </p:cTn>
+                              </p:par>
+                              <p:par>
+                                <p:cTn id="99" presetID="1" presetClass="entr" presetSubtype="0" fill="hold" nodeType="withEffect">
+                                  <p:stCondLst>
+                                    <p:cond delay="0"/>
+                                  </p:stCondLst>
+                                  <p:childTnLst>
+                                    <p:set>
+                                      <p:cBhvr>
+                                        <p:cTn id="100" dur="1" fill="hold">
+                                          <p:stCondLst>
+                                            <p:cond delay="0"/>
+                                          </p:stCondLst>
+                                        </p:cTn>
+                                        <p:tgtEl>
+                                          <p:spTgt spid="193">
+                                            <p:txEl>
+                                              <p:pRg st="0" end="0"/>
+                                            </p:txEl>
+                                          </p:spTgt>
+                                        </p:tgtEl>
+                                        <p:attrNameLst>
+                                          <p:attrName>style.visibility</p:attrName>
+                                        </p:attrNameLst>
+                                      </p:cBhvr>
+                                      <p:to>
+                                        <p:strVal val="visible"/>
+                                      </p:to>
+                                    </p:set>
+                                  </p:childTnLst>
+                                </p:cTn>
+                              </p:par>
+                            </p:childTnLst>
+                          </p:cTn>
+                        </p:par>
+                      </p:childTnLst>
+                    </p:cTn>
+                  </p:par>
+                  <p:par>
+                    <p:cTn id="101" fill="hold">
+                      <p:stCondLst>
+                        <p:cond delay="indefinite"/>
+                      </p:stCondLst>
+                      <p:childTnLst>
+                        <p:par>
+                          <p:cTn id="102" fill="hold">
+                            <p:stCondLst>
+                              <p:cond delay="0"/>
+                            </p:stCondLst>
+                            <p:childTnLst>
+                              <p:par>
+                                <p:cTn id="103" presetID="1" presetClass="entr" presetSubtype="0" fill="hold" nodeType="clickEffect">
+                                  <p:stCondLst>
+                                    <p:cond delay="0"/>
+                                  </p:stCondLst>
+                                  <p:childTnLst>
+                                    <p:set>
+                                      <p:cBhvr>
+                                        <p:cTn id="104" dur="1" fill="hold">
+                                          <p:stCondLst>
+                                            <p:cond delay="0"/>
+                                          </p:stCondLst>
+                                        </p:cTn>
+                                        <p:tgtEl>
+                                          <p:spTgt spid="102"/>
+                                        </p:tgtEl>
+                                        <p:attrNameLst>
+                                          <p:attrName>style.visibility</p:attrName>
+                                        </p:attrNameLst>
+                                      </p:cBhvr>
+                                      <p:to>
+                                        <p:strVal val="visible"/>
+                                      </p:to>
+                                    </p:set>
+                                  </p:childTnLst>
+                                </p:cTn>
+                              </p:par>
+                              <p:par>
+                                <p:cTn id="105" presetID="1" presetClass="entr" presetSubtype="0" fill="hold" nodeType="withEffect">
+                                  <p:stCondLst>
+                                    <p:cond delay="0"/>
+                                  </p:stCondLst>
+                                  <p:childTnLst>
+                                    <p:set>
+                                      <p:cBhvr>
+                                        <p:cTn id="106" dur="1" fill="hold">
+                                          <p:stCondLst>
+                                            <p:cond delay="0"/>
+                                          </p:stCondLst>
+                                        </p:cTn>
+                                        <p:tgtEl>
+                                          <p:spTgt spid="101"/>
+                                        </p:tgtEl>
+                                        <p:attrNameLst>
+                                          <p:attrName>style.visibility</p:attrName>
+                                        </p:attrNameLst>
+                                      </p:cBhvr>
+                                      <p:to>
+                                        <p:strVal val="visible"/>
+                                      </p:to>
+                                    </p:set>
+                                  </p:childTnLst>
+                                </p:cTn>
+                              </p:par>
+                              <p:par>
+                                <p:cTn id="107" presetID="1" presetClass="entr" presetSubtype="0" fill="hold" nodeType="withEffect">
+                                  <p:stCondLst>
+                                    <p:cond delay="0"/>
+                                  </p:stCondLst>
+                                  <p:childTnLst>
+                                    <p:set>
+                                      <p:cBhvr>
+                                        <p:cTn id="108" dur="1" fill="hold">
+                                          <p:stCondLst>
+                                            <p:cond delay="0"/>
+                                          </p:stCondLst>
+                                        </p:cTn>
+                                        <p:tgtEl>
+                                          <p:spTgt spid="100"/>
+                                        </p:tgtEl>
+                                        <p:attrNameLst>
+                                          <p:attrName>style.visibility</p:attrName>
+                                        </p:attrNameLst>
+                                      </p:cBhvr>
+                                      <p:to>
+                                        <p:strVal val="visible"/>
+                                      </p:to>
+                                    </p:set>
+                                  </p:childTnLst>
+                                </p:cTn>
+                              </p:par>
+                              <p:par>
+                                <p:cTn id="109" presetID="1" presetClass="entr" presetSubtype="0" fill="hold" nodeType="withEffect">
+                                  <p:stCondLst>
+                                    <p:cond delay="0"/>
+                                  </p:stCondLst>
+                                  <p:childTnLst>
+                                    <p:set>
+                                      <p:cBhvr>
+                                        <p:cTn id="110" dur="1" fill="hold">
+                                          <p:stCondLst>
+                                            <p:cond delay="0"/>
+                                          </p:stCondLst>
+                                        </p:cTn>
+                                        <p:tgtEl>
+                                          <p:spTgt spid="99"/>
+                                        </p:tgtEl>
+                                        <p:attrNameLst>
+                                          <p:attrName>style.visibility</p:attrName>
+                                        </p:attrNameLst>
+                                      </p:cBhvr>
+                                      <p:to>
+                                        <p:strVal val="visible"/>
+                                      </p:to>
+                                    </p:set>
+                                  </p:childTnLst>
+                                </p:cTn>
+                              </p:par>
+                              <p:par>
+                                <p:cTn id="111" presetID="1" presetClass="entr" presetSubtype="0" fill="hold" nodeType="withEffect">
+                                  <p:stCondLst>
+                                    <p:cond delay="0"/>
+                                  </p:stCondLst>
+                                  <p:childTnLst>
+                                    <p:set>
+                                      <p:cBhvr>
+                                        <p:cTn id="112" dur="1" fill="hold">
+                                          <p:stCondLst>
+                                            <p:cond delay="0"/>
+                                          </p:stCondLst>
+                                        </p:cTn>
+                                        <p:tgtEl>
+                                          <p:spTgt spid="98"/>
+                                        </p:tgtEl>
+                                        <p:attrNameLst>
+                                          <p:attrName>style.visibility</p:attrName>
+                                        </p:attrNameLst>
+                                      </p:cBhvr>
+                                      <p:to>
+                                        <p:strVal val="visible"/>
+                                      </p:to>
+                                    </p:set>
+                                  </p:childTnLst>
+                                </p:cTn>
+                              </p:par>
+                              <p:par>
+                                <p:cTn id="113" presetID="1" presetClass="entr" presetSubtype="0" fill="hold" nodeType="withEffect">
+                                  <p:stCondLst>
+                                    <p:cond delay="0"/>
+                                  </p:stCondLst>
+                                  <p:childTnLst>
+                                    <p:set>
+                                      <p:cBhvr>
+                                        <p:cTn id="114" dur="1" fill="hold">
+                                          <p:stCondLst>
+                                            <p:cond delay="0"/>
+                                          </p:stCondLst>
+                                        </p:cTn>
+                                        <p:tgtEl>
+                                          <p:spTgt spid="86"/>
+                                        </p:tgtEl>
+                                        <p:attrNameLst>
+                                          <p:attrName>style.visibility</p:attrName>
+                                        </p:attrNameLst>
+                                      </p:cBhvr>
+                                      <p:to>
+                                        <p:strVal val="visible"/>
+                                      </p:to>
+                                    </p:set>
+                                  </p:childTnLst>
+                                </p:cTn>
+                              </p:par>
+                              <p:par>
+                                <p:cTn id="115" presetID="1" presetClass="entr" presetSubtype="0" fill="hold" nodeType="withEffect">
+                                  <p:stCondLst>
+                                    <p:cond delay="0"/>
+                                  </p:stCondLst>
+                                  <p:childTnLst>
+                                    <p:set>
+                                      <p:cBhvr>
+                                        <p:cTn id="116" dur="1" fill="hold">
+                                          <p:stCondLst>
+                                            <p:cond delay="0"/>
+                                          </p:stCondLst>
+                                        </p:cTn>
+                                        <p:tgtEl>
+                                          <p:spTgt spid="75"/>
+                                        </p:tgtEl>
+                                        <p:attrNameLst>
+                                          <p:attrName>style.visibility</p:attrName>
+                                        </p:attrNameLst>
+                                      </p:cBhvr>
+                                      <p:to>
+                                        <p:strVal val="visible"/>
+                                      </p:to>
+                                    </p:set>
+                                  </p:childTnLst>
+                                </p:cTn>
+                              </p:par>
+                              <p:par>
+                                <p:cTn id="117" presetID="1" presetClass="entr" presetSubtype="0" fill="hold" nodeType="withEffect">
+                                  <p:stCondLst>
+                                    <p:cond delay="0"/>
+                                  </p:stCondLst>
+                                  <p:childTnLst>
+                                    <p:set>
+                                      <p:cBhvr>
+                                        <p:cTn id="118" dur="1" fill="hold">
+                                          <p:stCondLst>
+                                            <p:cond delay="0"/>
+                                          </p:stCondLst>
+                                        </p:cTn>
+                                        <p:tgtEl>
+                                          <p:spTgt spid="97"/>
+                                        </p:tgtEl>
+                                        <p:attrNameLst>
+                                          <p:attrName>style.visibility</p:attrName>
+                                        </p:attrNameLst>
+                                      </p:cBhvr>
+                                      <p:to>
+                                        <p:strVal val="visible"/>
+                                      </p:to>
+                                    </p:set>
+                                  </p:childTnLst>
+                                </p:cTn>
+                              </p:par>
+                              <p:par>
+                                <p:cTn id="119" presetID="1" presetClass="entr" presetSubtype="0" fill="hold" nodeType="withEffect">
+                                  <p:stCondLst>
+                                    <p:cond delay="0"/>
+                                  </p:stCondLst>
+                                  <p:childTnLst>
+                                    <p:set>
+                                      <p:cBhvr>
+                                        <p:cTn id="120" dur="1" fill="hold">
+                                          <p:stCondLst>
+                                            <p:cond delay="0"/>
+                                          </p:stCondLst>
+                                        </p:cTn>
+                                        <p:tgtEl>
+                                          <p:spTgt spid="87"/>
+                                        </p:tgtEl>
+                                        <p:attrNameLst>
+                                          <p:attrName>style.visibility</p:attrName>
+                                        </p:attrNameLst>
+                                      </p:cBhvr>
+                                      <p:to>
+                                        <p:strVal val="visible"/>
+                                      </p:to>
+                                    </p:set>
+                                  </p:childTnLst>
+                                </p:cTn>
+                              </p:par>
+                              <p:par>
+                                <p:cTn id="121" presetID="1" presetClass="entr" presetSubtype="0" fill="hold" nodeType="withEffect">
+                                  <p:stCondLst>
+                                    <p:cond delay="0"/>
+                                  </p:stCondLst>
+                                  <p:childTnLst>
+                                    <p:set>
+                                      <p:cBhvr>
+                                        <p:cTn id="122" dur="1" fill="hold">
+                                          <p:stCondLst>
+                                            <p:cond delay="0"/>
+                                          </p:stCondLst>
+                                        </p:cTn>
+                                        <p:tgtEl>
+                                          <p:spTgt spid="96"/>
+                                        </p:tgtEl>
+                                        <p:attrNameLst>
+                                          <p:attrName>style.visibility</p:attrName>
+                                        </p:attrNameLst>
+                                      </p:cBhvr>
+                                      <p:to>
+                                        <p:strVal val="visible"/>
+                                      </p:to>
+                                    </p:set>
+                                  </p:childTnLst>
+                                </p:cTn>
+                              </p:par>
+                              <p:par>
+                                <p:cTn id="123" presetID="1" presetClass="entr" presetSubtype="0" fill="hold" nodeType="withEffect">
+                                  <p:stCondLst>
+                                    <p:cond delay="0"/>
+                                  </p:stCondLst>
+                                  <p:childTnLst>
+                                    <p:set>
+                                      <p:cBhvr>
+                                        <p:cTn id="124" dur="1" fill="hold">
+                                          <p:stCondLst>
+                                            <p:cond delay="0"/>
+                                          </p:stCondLst>
+                                        </p:cTn>
+                                        <p:tgtEl>
+                                          <p:spTgt spid="88"/>
+                                        </p:tgtEl>
+                                        <p:attrNameLst>
+                                          <p:attrName>style.visibility</p:attrName>
+                                        </p:attrNameLst>
+                                      </p:cBhvr>
+                                      <p:to>
+                                        <p:strVal val="visible"/>
+                                      </p:to>
+                                    </p:set>
+                                  </p:childTnLst>
+                                </p:cTn>
+                              </p:par>
+                              <p:par>
+                                <p:cTn id="125" presetID="1" presetClass="entr" presetSubtype="0" fill="hold" nodeType="withEffect">
+                                  <p:stCondLst>
+                                    <p:cond delay="0"/>
+                                  </p:stCondLst>
+                                  <p:childTnLst>
+                                    <p:set>
+                                      <p:cBhvr>
+                                        <p:cTn id="126" dur="1" fill="hold">
+                                          <p:stCondLst>
+                                            <p:cond delay="0"/>
+                                          </p:stCondLst>
+                                        </p:cTn>
+                                        <p:tgtEl>
+                                          <p:spTgt spid="95"/>
+                                        </p:tgtEl>
+                                        <p:attrNameLst>
+                                          <p:attrName>style.visibility</p:attrName>
+                                        </p:attrNameLst>
+                                      </p:cBhvr>
+                                      <p:to>
+                                        <p:strVal val="visible"/>
+                                      </p:to>
+                                    </p:set>
+                                  </p:childTnLst>
+                                </p:cTn>
+                              </p:par>
+                              <p:par>
+                                <p:cTn id="127" presetID="1" presetClass="entr" presetSubtype="0" fill="hold" nodeType="withEffect">
+                                  <p:stCondLst>
+                                    <p:cond delay="0"/>
+                                  </p:stCondLst>
+                                  <p:childTnLst>
+                                    <p:set>
+                                      <p:cBhvr>
+                                        <p:cTn id="128" dur="1" fill="hold">
+                                          <p:stCondLst>
+                                            <p:cond delay="0"/>
+                                          </p:stCondLst>
+                                        </p:cTn>
+                                        <p:tgtEl>
+                                          <p:spTgt spid="90"/>
+                                        </p:tgtEl>
+                                        <p:attrNameLst>
+                                          <p:attrName>style.visibility</p:attrName>
+                                        </p:attrNameLst>
+                                      </p:cBhvr>
+                                      <p:to>
+                                        <p:strVal val="visible"/>
+                                      </p:to>
+                                    </p:set>
+                                  </p:childTnLst>
+                                </p:cTn>
+                              </p:par>
+                              <p:par>
+                                <p:cTn id="129" presetID="1" presetClass="entr" presetSubtype="0" fill="hold" nodeType="withEffect">
+                                  <p:stCondLst>
+                                    <p:cond delay="0"/>
+                                  </p:stCondLst>
+                                  <p:childTnLst>
+                                    <p:set>
+                                      <p:cBhvr>
+                                        <p:cTn id="130" dur="1" fill="hold">
+                                          <p:stCondLst>
+                                            <p:cond delay="0"/>
+                                          </p:stCondLst>
+                                        </p:cTn>
+                                        <p:tgtEl>
+                                          <p:spTgt spid="94"/>
+                                        </p:tgtEl>
+                                        <p:attrNameLst>
+                                          <p:attrName>style.visibility</p:attrName>
+                                        </p:attrNameLst>
+                                      </p:cBhvr>
+                                      <p:to>
+                                        <p:strVal val="visible"/>
+                                      </p:to>
+                                    </p:set>
+                                  </p:childTnLst>
+                                </p:cTn>
+                              </p:par>
+                              <p:par>
+                                <p:cTn id="131" presetID="1" presetClass="entr" presetSubtype="0" fill="hold" nodeType="withEffect">
+                                  <p:stCondLst>
+                                    <p:cond delay="0"/>
+                                  </p:stCondLst>
+                                  <p:childTnLst>
+                                    <p:set>
+                                      <p:cBhvr>
+                                        <p:cTn id="132" dur="1" fill="hold">
+                                          <p:stCondLst>
+                                            <p:cond delay="0"/>
+                                          </p:stCondLst>
+                                        </p:cTn>
+                                        <p:tgtEl>
+                                          <p:spTgt spid="89"/>
+                                        </p:tgtEl>
+                                        <p:attrNameLst>
+                                          <p:attrName>style.visibility</p:attrName>
+                                        </p:attrNameLst>
+                                      </p:cBhvr>
+                                      <p:to>
+                                        <p:strVal val="visible"/>
+                                      </p:to>
+                                    </p:set>
+                                  </p:childTnLst>
+                                </p:cTn>
+                              </p:par>
+                              <p:par>
+                                <p:cTn id="133" presetID="1" presetClass="entr" presetSubtype="0" fill="hold" nodeType="withEffect">
+                                  <p:stCondLst>
+                                    <p:cond delay="0"/>
+                                  </p:stCondLst>
+                                  <p:childTnLst>
+                                    <p:set>
+                                      <p:cBhvr>
+                                        <p:cTn id="134" dur="1" fill="hold">
+                                          <p:stCondLst>
+                                            <p:cond delay="0"/>
+                                          </p:stCondLst>
+                                        </p:cTn>
+                                        <p:tgtEl>
+                                          <p:spTgt spid="93"/>
+                                        </p:tgtEl>
+                                        <p:attrNameLst>
+                                          <p:attrName>style.visibility</p:attrName>
+                                        </p:attrNameLst>
+                                      </p:cBhvr>
+                                      <p:to>
+                                        <p:strVal val="visible"/>
+                                      </p:to>
+                                    </p:set>
+                                  </p:childTnLst>
+                                </p:cTn>
+                              </p:par>
+                              <p:par>
+                                <p:cTn id="135" presetID="1" presetClass="entr" presetSubtype="0" fill="hold" nodeType="withEffect">
+                                  <p:stCondLst>
+                                    <p:cond delay="0"/>
+                                  </p:stCondLst>
+                                  <p:childTnLst>
+                                    <p:set>
+                                      <p:cBhvr>
+                                        <p:cTn id="136" dur="1" fill="hold">
+                                          <p:stCondLst>
+                                            <p:cond delay="0"/>
+                                          </p:stCondLst>
+                                        </p:cTn>
+                                        <p:tgtEl>
+                                          <p:spTgt spid="92"/>
+                                        </p:tgtEl>
+                                        <p:attrNameLst>
+                                          <p:attrName>style.visibility</p:attrName>
+                                        </p:attrNameLst>
+                                      </p:cBhvr>
+                                      <p:to>
+                                        <p:strVal val="visible"/>
+                                      </p:to>
+                                    </p:set>
+                                  </p:childTnLst>
+                                </p:cTn>
+                              </p:par>
+                              <p:par>
+                                <p:cTn id="137" presetID="1" presetClass="entr" presetSubtype="0" fill="hold" nodeType="withEffect">
+                                  <p:stCondLst>
+                                    <p:cond delay="0"/>
+                                  </p:stCondLst>
+                                  <p:childTnLst>
+                                    <p:set>
+                                      <p:cBhvr>
+                                        <p:cTn id="138" dur="1" fill="hold">
+                                          <p:stCondLst>
+                                            <p:cond delay="0"/>
+                                          </p:stCondLst>
+                                        </p:cTn>
+                                        <p:tgtEl>
+                                          <p:spTgt spid="91"/>
+                                        </p:tgtEl>
+                                        <p:attrNameLst>
+                                          <p:attrName>style.visibility</p:attrName>
+                                        </p:attrNameLst>
+                                      </p:cBhvr>
+                                      <p:to>
+                                        <p:strVal val="visible"/>
+                                      </p:to>
+                                    </p:set>
+                                  </p:childTnLst>
+                                </p:cTn>
+                              </p:par>
+                              <p:par>
+                                <p:cTn id="139" presetID="1" presetClass="entr" presetSubtype="0" fill="hold" grpId="0" nodeType="withEffect">
+                                  <p:stCondLst>
+                                    <p:cond delay="0"/>
+                                  </p:stCondLst>
+                                  <p:childTnLst>
+                                    <p:set>
+                                      <p:cBhvr>
+                                        <p:cTn id="140" dur="1" fill="hold">
+                                          <p:stCondLst>
+                                            <p:cond delay="0"/>
+                                          </p:stCondLst>
+                                        </p:cTn>
+                                        <p:tgtEl>
+                                          <p:spTgt spid="194"/>
+                                        </p:tgtEl>
+                                        <p:attrNameLst>
+                                          <p:attrName>style.visibility</p:attrName>
+                                        </p:attrNameLst>
+                                      </p:cBhvr>
+                                      <p:to>
+                                        <p:strVal val="visible"/>
+                                      </p:to>
+                                    </p:set>
+                                  </p:childTnLst>
+                                </p:cTn>
+                              </p:par>
+                            </p:childTnLst>
+                          </p:cTn>
+                        </p:par>
+                      </p:childTnLst>
+                    </p:cTn>
+                  </p:par>
+                </p:childTnLst>
+              </p:cTn>
+              <p:prevCondLst>
+                <p:cond evt="onPrev" delay="0">
+                  <p:tgtEl>
+                    <p:sldTgt/>
+                  </p:tgtEl>
+                </p:cond>
+              </p:prevCondLst>
+              <p:nextCondLst>
+                <p:cond evt="onNext" delay="0">
+                  <p:tgtEl>
+                    <p:sldTgt/>
+                  </p:tgtEl>
+                </p:cond>
+              </p:nextCondLst>
+            </p:seq>
+          </p:childTnLst>
+        </p:cTn>
+      </p:par>
+    </p:tnLst>
+    <p:bldLst>
+      <p:bldP spid="194" grpId="0"/>
+    </p:bldLst>
+  </p:timing>
 </p:sld>
 </file>
 

--- a/Praktikum Produktionstechnik M2.pptx
+++ b/Praktikum Produktionstechnik M2.pptx
@@ -5249,14 +5249,20 @@
           <p:nvPr/>
         </p:nvPicPr>
         <p:blipFill rotWithShape="1">
-          <a:blip r:embed="rId2"/>
-          <a:srcRect t="1747"/>
+          <a:blip r:embed="rId2">
+            <a:extLst>
+              <a:ext uri="{28A0092B-C50C-407E-A947-70E740481C1C}">
+                <a14:useLocalDpi xmlns:a14="http://schemas.microsoft.com/office/drawing/2010/main" val="0"/>
+              </a:ext>
+            </a:extLst>
+          </a:blip>
+          <a:srcRect t="6465" r="190"/>
           <a:stretch/>
         </p:blipFill>
         <p:spPr>
           <a:xfrm>
-            <a:off x="20" y="10"/>
-            <a:ext cx="12191980" cy="6857990"/>
+            <a:off x="-3291839" y="-1422251"/>
+            <a:ext cx="16080484" cy="9308363"/>
           </a:xfrm>
           <a:prstGeom prst="rect">
             <a:avLst/>

--- a/Praktikum Produktionstechnik M2.pptx
+++ b/Praktikum Produktionstechnik M2.pptx
@@ -9,11 +9,12 @@
     <p:sldId id="257" r:id="rId3"/>
     <p:sldId id="262" r:id="rId4"/>
     <p:sldId id="263" r:id="rId5"/>
-    <p:sldId id="264" r:id="rId6"/>
-    <p:sldId id="260" r:id="rId7"/>
-    <p:sldId id="258" r:id="rId8"/>
-    <p:sldId id="259" r:id="rId9"/>
-    <p:sldId id="265" r:id="rId10"/>
+    <p:sldId id="266" r:id="rId6"/>
+    <p:sldId id="264" r:id="rId7"/>
+    <p:sldId id="260" r:id="rId8"/>
+    <p:sldId id="258" r:id="rId9"/>
+    <p:sldId id="259" r:id="rId10"/>
+    <p:sldId id="265" r:id="rId11"/>
   </p:sldIdLst>
   <p:sldSz cx="12192000" cy="6858000"/>
   <p:notesSz cx="6858000" cy="9144000"/>
@@ -5587,6 +5588,427 @@
     <p:extLst>
       <p:ext uri="{BB962C8B-B14F-4D97-AF65-F5344CB8AC3E}">
         <p14:creationId xmlns:p14="http://schemas.microsoft.com/office/powerpoint/2010/main" val="2482456180"/>
+      </p:ext>
+    </p:extLst>
+  </p:cSld>
+  <p:clrMapOvr>
+    <a:masterClrMapping/>
+  </p:clrMapOvr>
+</p:sld>
+</file>
+
+<file path=ppt/slides/slide10.xml><?xml version="1.0" encoding="utf-8"?>
+<p:sld xmlns:a="http://schemas.openxmlformats.org/drawingml/2006/main" xmlns:r="http://schemas.openxmlformats.org/officeDocument/2006/relationships" xmlns:p="http://schemas.openxmlformats.org/presentationml/2006/main">
+  <p:cSld>
+    <p:bg>
+      <p:bgPr>
+        <a:solidFill>
+          <a:schemeClr val="bg1"/>
+        </a:solidFill>
+        <a:effectLst/>
+      </p:bgPr>
+    </p:bg>
+    <p:spTree>
+      <p:nvGrpSpPr>
+        <p:cNvPr id="1" name=""/>
+        <p:cNvGrpSpPr/>
+        <p:nvPr/>
+      </p:nvGrpSpPr>
+      <p:grpSpPr>
+        <a:xfrm>
+          <a:off x="0" y="0"/>
+          <a:ext cx="0" cy="0"/>
+          <a:chOff x="0" y="0"/>
+          <a:chExt cx="0" cy="0"/>
+        </a:xfrm>
+      </p:grpSpPr>
+      <p:sp>
+        <p:nvSpPr>
+          <p:cNvPr id="15" name="Rectangle 14">
+            <a:extLst>
+              <a:ext uri="{FF2B5EF4-FFF2-40B4-BE49-F238E27FC236}">
+                <a16:creationId xmlns:a16="http://schemas.microsoft.com/office/drawing/2014/main" id="{6753252F-4873-4F63-801D-CC719279A7D5}"/>
+              </a:ext>
+              <a:ext uri="{C183D7F6-B498-43B3-948B-1728B52AA6E4}">
+                <adec:decorative xmlns:adec="http://schemas.microsoft.com/office/drawing/2017/decorative" val="1"/>
+              </a:ext>
+            </a:extLst>
+          </p:cNvPr>
+          <p:cNvSpPr>
+            <a:spLocks noGrp="1" noRot="1" noChangeAspect="1" noMove="1" noResize="1" noEditPoints="1" noAdjustHandles="1" noChangeArrowheads="1" noChangeShapeType="1" noTextEdit="1"/>
+          </p:cNvSpPr>
+          <p:nvPr>
+            <p:extLst>
+              <p:ext uri="{386F3935-93C4-4BCD-93E2-E3B085C9AB24}">
+                <p16:designElem xmlns:p16="http://schemas.microsoft.com/office/powerpoint/2015/main" val="1"/>
+              </p:ext>
+            </p:extLst>
+          </p:nvPr>
+        </p:nvSpPr>
+        <p:spPr>
+          <a:xfrm>
+            <a:off x="0" y="0"/>
+            <a:ext cx="12192000" cy="6858000"/>
+          </a:xfrm>
+          <a:prstGeom prst="rect">
+            <a:avLst/>
+          </a:prstGeom>
+          <a:solidFill>
+            <a:srgbClr val="FFFFFF"/>
+          </a:solidFill>
+          <a:ln>
+            <a:noFill/>
+          </a:ln>
+        </p:spPr>
+        <p:style>
+          <a:lnRef idx="2">
+            <a:schemeClr val="accent1">
+              <a:shade val="50000"/>
+            </a:schemeClr>
+          </a:lnRef>
+          <a:fillRef idx="1">
+            <a:schemeClr val="accent1"/>
+          </a:fillRef>
+          <a:effectRef idx="0">
+            <a:schemeClr val="accent1"/>
+          </a:effectRef>
+          <a:fontRef idx="minor">
+            <a:schemeClr val="lt1"/>
+          </a:fontRef>
+        </p:style>
+        <p:txBody>
+          <a:bodyPr rtlCol="0" anchor="ctr"/>
+          <a:lstStyle/>
+          <a:p>
+            <a:pPr algn="ctr"/>
+            <a:endParaRPr lang="en-US"/>
+          </a:p>
+        </p:txBody>
+      </p:sp>
+      <p:sp>
+        <p:nvSpPr>
+          <p:cNvPr id="17" name="Rectangle 16">
+            <a:extLst>
+              <a:ext uri="{FF2B5EF4-FFF2-40B4-BE49-F238E27FC236}">
+                <a16:creationId xmlns:a16="http://schemas.microsoft.com/office/drawing/2014/main" id="{047C8CCB-F95D-4249-92DD-651249D3535A}"/>
+              </a:ext>
+              <a:ext uri="{C183D7F6-B498-43B3-948B-1728B52AA6E4}">
+                <adec:decorative xmlns:adec="http://schemas.microsoft.com/office/drawing/2017/decorative" val="1"/>
+              </a:ext>
+            </a:extLst>
+          </p:cNvPr>
+          <p:cNvSpPr>
+            <a:spLocks noGrp="1" noRot="1" noChangeAspect="1" noMove="1" noResize="1" noEditPoints="1" noAdjustHandles="1" noChangeArrowheads="1" noChangeShapeType="1" noTextEdit="1"/>
+          </p:cNvSpPr>
+          <p:nvPr>
+            <p:extLst>
+              <p:ext uri="{386F3935-93C4-4BCD-93E2-E3B085C9AB24}">
+                <p16:designElem xmlns:p16="http://schemas.microsoft.com/office/powerpoint/2015/main" val="1"/>
+              </p:ext>
+            </p:extLst>
+          </p:nvPr>
+        </p:nvSpPr>
+        <p:spPr>
+          <a:xfrm>
+            <a:off x="0" y="0"/>
+            <a:ext cx="2013557" cy="6858000"/>
+          </a:xfrm>
+          <a:prstGeom prst="rect">
+            <a:avLst/>
+          </a:prstGeom>
+          <a:solidFill>
+            <a:srgbClr val="627084"/>
+          </a:solidFill>
+          <a:ln>
+            <a:noFill/>
+          </a:ln>
+        </p:spPr>
+        <p:style>
+          <a:lnRef idx="2">
+            <a:schemeClr val="accent1">
+              <a:shade val="50000"/>
+            </a:schemeClr>
+          </a:lnRef>
+          <a:fillRef idx="1">
+            <a:schemeClr val="accent1"/>
+          </a:fillRef>
+          <a:effectRef idx="0">
+            <a:schemeClr val="accent1"/>
+          </a:effectRef>
+          <a:fontRef idx="minor">
+            <a:schemeClr val="lt1"/>
+          </a:fontRef>
+        </p:style>
+        <p:txBody>
+          <a:bodyPr rtlCol="0" anchor="ctr"/>
+          <a:lstStyle/>
+          <a:p>
+            <a:pPr algn="ctr"/>
+            <a:endParaRPr lang="en-US"/>
+          </a:p>
+        </p:txBody>
+      </p:sp>
+      <p:sp>
+        <p:nvSpPr>
+          <p:cNvPr id="2" name="Titel 1">
+            <a:extLst>
+              <a:ext uri="{FF2B5EF4-FFF2-40B4-BE49-F238E27FC236}">
+                <a16:creationId xmlns:a16="http://schemas.microsoft.com/office/drawing/2014/main" id="{9FDF9D82-C988-4ACA-A305-F7BC5CBD1092}"/>
+              </a:ext>
+            </a:extLst>
+          </p:cNvPr>
+          <p:cNvSpPr>
+            <a:spLocks noGrp="1"/>
+          </p:cNvSpPr>
+          <p:nvPr>
+            <p:ph type="title"/>
+          </p:nvPr>
+        </p:nvSpPr>
+        <p:spPr>
+          <a:xfrm>
+            <a:off x="640080" y="2074363"/>
+            <a:ext cx="2752354" cy="2709275"/>
+          </a:xfrm>
+          <a:prstGeom prst="ellipse">
+            <a:avLst/>
+          </a:prstGeom>
+          <a:solidFill>
+            <a:srgbClr val="262626"/>
+          </a:solidFill>
+          <a:ln w="174625" cmpd="thinThick">
+            <a:solidFill>
+              <a:srgbClr val="262626"/>
+            </a:solidFill>
+          </a:ln>
+        </p:spPr>
+        <p:txBody>
+          <a:bodyPr vert="horz" lIns="91440" tIns="45720" rIns="91440" bIns="45720" rtlCol="0" anchor="ctr">
+            <a:normAutofit/>
+          </a:bodyPr>
+          <a:lstStyle/>
+          <a:p>
+            <a:pPr algn="ctr"/>
+            <a:r>
+              <a:rPr lang="en-US" sz="2000" kern="1200" dirty="0" err="1">
+                <a:solidFill>
+                  <a:srgbClr val="FFFFFF"/>
+                </a:solidFill>
+                <a:latin typeface="+mj-lt"/>
+                <a:ea typeface="+mj-ea"/>
+                <a:cs typeface="+mj-cs"/>
+              </a:rPr>
+              <a:t>OmniMove</a:t>
+            </a:r>
+            <a:r>
+              <a:rPr lang="en-US" sz="2000" kern="1200" dirty="0">
+                <a:solidFill>
+                  <a:srgbClr val="FFFFFF"/>
+                </a:solidFill>
+                <a:latin typeface="+mj-lt"/>
+                <a:ea typeface="+mj-ea"/>
+                <a:cs typeface="+mj-cs"/>
+              </a:rPr>
+              <a:t> </a:t>
+            </a:r>
+            <a:r>
+              <a:rPr lang="en-US" sz="2000" kern="1200" dirty="0" err="1">
+                <a:solidFill>
+                  <a:srgbClr val="FFFFFF"/>
+                </a:solidFill>
+                <a:latin typeface="+mj-lt"/>
+                <a:ea typeface="+mj-ea"/>
+                <a:cs typeface="+mj-cs"/>
+              </a:rPr>
+              <a:t>Skizze</a:t>
+            </a:r>
+            <a:r>
+              <a:rPr lang="en-US" sz="2000" kern="1200" dirty="0">
+                <a:solidFill>
+                  <a:srgbClr val="FFFFFF"/>
+                </a:solidFill>
+                <a:latin typeface="+mj-lt"/>
+                <a:ea typeface="+mj-ea"/>
+                <a:cs typeface="+mj-cs"/>
+              </a:rPr>
+              <a:t>: </a:t>
+            </a:r>
+            <a:br>
+              <a:rPr lang="en-US" sz="2000" kern="1200" dirty="0">
+                <a:solidFill>
+                  <a:srgbClr val="FFFFFF"/>
+                </a:solidFill>
+                <a:latin typeface="+mj-lt"/>
+                <a:ea typeface="+mj-ea"/>
+                <a:cs typeface="+mj-cs"/>
+              </a:rPr>
+            </a:br>
+            <a:r>
+              <a:rPr lang="en-US" sz="2000" kern="1200" dirty="0" err="1">
+                <a:solidFill>
+                  <a:srgbClr val="FFFFFF"/>
+                </a:solidFill>
+                <a:latin typeface="+mj-lt"/>
+                <a:ea typeface="+mj-ea"/>
+                <a:cs typeface="+mj-cs"/>
+              </a:rPr>
+              <a:t>Mecanum</a:t>
+            </a:r>
+            <a:r>
+              <a:rPr lang="en-US" sz="2000" kern="1200" dirty="0">
+                <a:solidFill>
+                  <a:srgbClr val="FFFFFF"/>
+                </a:solidFill>
+                <a:latin typeface="+mj-lt"/>
+                <a:ea typeface="+mj-ea"/>
+                <a:cs typeface="+mj-cs"/>
+              </a:rPr>
+              <a:t> </a:t>
+            </a:r>
+            <a:r>
+              <a:rPr lang="en-US" sz="2000" kern="1200" dirty="0" err="1">
+                <a:solidFill>
+                  <a:srgbClr val="FFFFFF"/>
+                </a:solidFill>
+                <a:latin typeface="+mj-lt"/>
+                <a:ea typeface="+mj-ea"/>
+                <a:cs typeface="+mj-cs"/>
+              </a:rPr>
+              <a:t>Räder</a:t>
+            </a:r>
+            <a:r>
+              <a:rPr lang="en-US" sz="2000" kern="1200" dirty="0">
+                <a:solidFill>
+                  <a:srgbClr val="FFFFFF"/>
+                </a:solidFill>
+                <a:latin typeface="+mj-lt"/>
+                <a:ea typeface="+mj-ea"/>
+                <a:cs typeface="+mj-cs"/>
+              </a:rPr>
+              <a:t> &amp; </a:t>
+            </a:r>
+            <a:r>
+              <a:rPr lang="en-US" sz="2000" kern="1200" dirty="0" err="1">
+                <a:solidFill>
+                  <a:srgbClr val="FFFFFF"/>
+                </a:solidFill>
+                <a:latin typeface="+mj-lt"/>
+                <a:ea typeface="+mj-ea"/>
+                <a:cs typeface="+mj-cs"/>
+              </a:rPr>
+              <a:t>Planetengeriebe</a:t>
+            </a:r>
+            <a:endParaRPr lang="en-US" sz="2000" kern="1200" dirty="0">
+              <a:solidFill>
+                <a:srgbClr val="FFFFFF"/>
+              </a:solidFill>
+              <a:latin typeface="+mj-lt"/>
+              <a:ea typeface="+mj-ea"/>
+              <a:cs typeface="+mj-cs"/>
+            </a:endParaRPr>
+          </a:p>
+        </p:txBody>
+      </p:sp>
+      <p:pic>
+        <p:nvPicPr>
+          <p:cNvPr id="10" name="Grafik 9">
+            <a:extLst>
+              <a:ext uri="{FF2B5EF4-FFF2-40B4-BE49-F238E27FC236}">
+                <a16:creationId xmlns:a16="http://schemas.microsoft.com/office/drawing/2014/main" id="{BD5AFBB9-1E4A-4AA7-9F39-3BBA9013200D}"/>
+              </a:ext>
+            </a:extLst>
+          </p:cNvPr>
+          <p:cNvPicPr>
+            <a:picLocks noChangeAspect="1"/>
+          </p:cNvPicPr>
+          <p:nvPr/>
+        </p:nvPicPr>
+        <p:blipFill rotWithShape="1">
+          <a:blip r:embed="rId2"/>
+          <a:srcRect t="7265"/>
+          <a:stretch/>
+        </p:blipFill>
+        <p:spPr>
+          <a:xfrm>
+            <a:off x="3813550" y="1321724"/>
+            <a:ext cx="3488672" cy="4572769"/>
+          </a:xfrm>
+          <a:prstGeom prst="rect">
+            <a:avLst/>
+          </a:prstGeom>
+        </p:spPr>
+      </p:pic>
+      <p:pic>
+        <p:nvPicPr>
+          <p:cNvPr id="13" name="Inhaltsplatzhalter 4">
+            <a:extLst>
+              <a:ext uri="{FF2B5EF4-FFF2-40B4-BE49-F238E27FC236}">
+                <a16:creationId xmlns:a16="http://schemas.microsoft.com/office/drawing/2014/main" id="{77EDDFA2-365B-4AE1-AF60-3BB0002FF583}"/>
+              </a:ext>
+            </a:extLst>
+          </p:cNvPr>
+          <p:cNvPicPr>
+            <a:picLocks noChangeAspect="1"/>
+          </p:cNvPicPr>
+          <p:nvPr/>
+        </p:nvPicPr>
+        <p:blipFill rotWithShape="1">
+          <a:blip r:embed="rId3"/>
+          <a:srcRect t="7967"/>
+          <a:stretch/>
+        </p:blipFill>
+        <p:spPr>
+          <a:xfrm>
+            <a:off x="7981787" y="1427011"/>
+            <a:ext cx="3563543" cy="4642050"/>
+          </a:xfrm>
+          <a:prstGeom prst="rect">
+            <a:avLst/>
+          </a:prstGeom>
+        </p:spPr>
+      </p:pic>
+      <p:pic>
+        <p:nvPicPr>
+          <p:cNvPr id="7" name="Grafik 6" descr="Logo Ingenieursinformatik">
+            <a:extLst>
+              <a:ext uri="{FF2B5EF4-FFF2-40B4-BE49-F238E27FC236}">
+                <a16:creationId xmlns:a16="http://schemas.microsoft.com/office/drawing/2014/main" id="{54369F54-FA52-4FF3-9584-256D5C0A9C02}"/>
+              </a:ext>
+            </a:extLst>
+          </p:cNvPr>
+          <p:cNvPicPr/>
+          <p:nvPr/>
+        </p:nvPicPr>
+        <p:blipFill>
+          <a:blip r:embed="rId4" cstate="print">
+            <a:extLst>
+              <a:ext uri="{28A0092B-C50C-407E-A947-70E740481C1C}">
+                <a14:useLocalDpi xmlns:a14="http://schemas.microsoft.com/office/drawing/2010/main" val="0"/>
+              </a:ext>
+            </a:extLst>
+          </a:blip>
+          <a:srcRect/>
+          <a:stretch>
+            <a:fillRect/>
+          </a:stretch>
+        </p:blipFill>
+        <p:spPr bwMode="auto">
+          <a:xfrm>
+            <a:off x="10178281" y="320040"/>
+            <a:ext cx="1692155" cy="924304"/>
+          </a:xfrm>
+          <a:prstGeom prst="rect">
+            <a:avLst/>
+          </a:prstGeom>
+          <a:noFill/>
+          <a:ln>
+            <a:noFill/>
+          </a:ln>
+        </p:spPr>
+      </p:pic>
+    </p:spTree>
+    <p:extLst>
+      <p:ext uri="{BB962C8B-B14F-4D97-AF65-F5344CB8AC3E}">
+        <p14:creationId xmlns:p14="http://schemas.microsoft.com/office/powerpoint/2010/main" val="4185177068"/>
       </p:ext>
     </p:extLst>
   </p:cSld>
@@ -12962,6 +13384,205 @@
                 <a:ea typeface="+mj-ea"/>
                 <a:cs typeface="+mj-cs"/>
               </a:rPr>
+              <a:t>Isometrische</a:t>
+            </a:r>
+            <a:r>
+              <a:rPr lang="en-US" sz="2600" b="1" kern="1200" dirty="0">
+                <a:solidFill>
+                  <a:srgbClr val="FFFFFF"/>
+                </a:solidFill>
+                <a:latin typeface="+mj-lt"/>
+                <a:ea typeface="+mj-ea"/>
+                <a:cs typeface="+mj-cs"/>
+              </a:rPr>
+              <a:t> </a:t>
+            </a:r>
+            <a:r>
+              <a:rPr lang="en-US" sz="2600" b="1" kern="1200" dirty="0" err="1">
+                <a:solidFill>
+                  <a:srgbClr val="FFFFFF"/>
+                </a:solidFill>
+                <a:latin typeface="+mj-lt"/>
+                <a:ea typeface="+mj-ea"/>
+                <a:cs typeface="+mj-cs"/>
+              </a:rPr>
+              <a:t>Darstellung</a:t>
+            </a:r>
+            <a:endParaRPr lang="en-US" sz="2600" b="1" kern="1200" dirty="0">
+              <a:solidFill>
+                <a:srgbClr val="FFFFFF"/>
+              </a:solidFill>
+              <a:latin typeface="+mj-lt"/>
+              <a:ea typeface="+mj-ea"/>
+              <a:cs typeface="+mj-cs"/>
+            </a:endParaRPr>
+          </a:p>
+        </p:txBody>
+      </p:sp>
+      <p:pic>
+        <p:nvPicPr>
+          <p:cNvPr id="12" name="Grafik 11" descr="Logo Ingenieursinformatik">
+            <a:extLst>
+              <a:ext uri="{FF2B5EF4-FFF2-40B4-BE49-F238E27FC236}">
+                <a16:creationId xmlns:a16="http://schemas.microsoft.com/office/drawing/2014/main" id="{1A909A4D-2C76-458E-AC65-5911DFC2D313}"/>
+              </a:ext>
+            </a:extLst>
+          </p:cNvPr>
+          <p:cNvPicPr/>
+          <p:nvPr/>
+        </p:nvPicPr>
+        <p:blipFill>
+          <a:blip r:embed="rId2" cstate="print">
+            <a:extLst>
+              <a:ext uri="{28A0092B-C50C-407E-A947-70E740481C1C}">
+                <a14:useLocalDpi xmlns:a14="http://schemas.microsoft.com/office/drawing/2010/main" val="0"/>
+              </a:ext>
+            </a:extLst>
+          </a:blip>
+          <a:srcRect/>
+          <a:stretch>
+            <a:fillRect/>
+          </a:stretch>
+        </p:blipFill>
+        <p:spPr bwMode="auto">
+          <a:xfrm>
+            <a:off x="10178281" y="320040"/>
+            <a:ext cx="1692155" cy="924304"/>
+          </a:xfrm>
+          <a:prstGeom prst="rect">
+            <a:avLst/>
+          </a:prstGeom>
+          <a:noFill/>
+          <a:ln>
+            <a:noFill/>
+          </a:ln>
+        </p:spPr>
+      </p:pic>
+      <p:pic>
+        <p:nvPicPr>
+          <p:cNvPr id="3" name="Grafik 2">
+            <a:extLst>
+              <a:ext uri="{FF2B5EF4-FFF2-40B4-BE49-F238E27FC236}">
+                <a16:creationId xmlns:a16="http://schemas.microsoft.com/office/drawing/2014/main" id="{ADC4FD08-4B1E-4E76-9AE0-40FA70932C1A}"/>
+              </a:ext>
+            </a:extLst>
+          </p:cNvPr>
+          <p:cNvPicPr>
+            <a:picLocks noChangeAspect="1"/>
+          </p:cNvPicPr>
+          <p:nvPr/>
+        </p:nvPicPr>
+        <p:blipFill>
+          <a:blip r:embed="rId3"/>
+          <a:stretch>
+            <a:fillRect/>
+          </a:stretch>
+        </p:blipFill>
+        <p:spPr>
+          <a:xfrm>
+            <a:off x="4486871" y="1044552"/>
+            <a:ext cx="5013454" cy="4768895"/>
+          </a:xfrm>
+          <a:prstGeom prst="rect">
+            <a:avLst/>
+          </a:prstGeom>
+          <a:ln w="22225">
+            <a:solidFill>
+              <a:schemeClr val="tx1"/>
+            </a:solidFill>
+          </a:ln>
+        </p:spPr>
+      </p:pic>
+    </p:spTree>
+    <p:extLst>
+      <p:ext uri="{BB962C8B-B14F-4D97-AF65-F5344CB8AC3E}">
+        <p14:creationId xmlns:p14="http://schemas.microsoft.com/office/powerpoint/2010/main" val="2865971399"/>
+      </p:ext>
+    </p:extLst>
+  </p:cSld>
+  <p:clrMapOvr>
+    <a:masterClrMapping/>
+  </p:clrMapOvr>
+</p:sld>
+</file>
+
+<file path=ppt/slides/slide6.xml><?xml version="1.0" encoding="utf-8"?>
+<p:sld xmlns:a="http://schemas.openxmlformats.org/drawingml/2006/main" xmlns:r="http://schemas.openxmlformats.org/officeDocument/2006/relationships" xmlns:p="http://schemas.openxmlformats.org/presentationml/2006/main">
+  <p:cSld>
+    <p:spTree>
+      <p:nvGrpSpPr>
+        <p:cNvPr id="1" name=""/>
+        <p:cNvGrpSpPr/>
+        <p:nvPr/>
+      </p:nvGrpSpPr>
+      <p:grpSpPr>
+        <a:xfrm>
+          <a:off x="0" y="0"/>
+          <a:ext cx="0" cy="0"/>
+          <a:chOff x="0" y="0"/>
+          <a:chExt cx="0" cy="0"/>
+        </a:xfrm>
+      </p:grpSpPr>
+      <p:sp>
+        <p:nvSpPr>
+          <p:cNvPr id="4" name="Titel 1">
+            <a:extLst>
+              <a:ext uri="{FF2B5EF4-FFF2-40B4-BE49-F238E27FC236}">
+                <a16:creationId xmlns:a16="http://schemas.microsoft.com/office/drawing/2014/main" id="{08253877-8FEC-4715-AEA5-A451C1CBD31A}"/>
+              </a:ext>
+            </a:extLst>
+          </p:cNvPr>
+          <p:cNvSpPr>
+            <a:spLocks noGrp="1"/>
+          </p:cNvSpPr>
+          <p:nvPr>
+            <p:ph type="title"/>
+          </p:nvPr>
+        </p:nvSpPr>
+        <p:spPr>
+          <a:xfrm>
+            <a:off x="640080" y="2074363"/>
+            <a:ext cx="2752354" cy="2709275"/>
+          </a:xfrm>
+          <a:prstGeom prst="ellipse">
+            <a:avLst/>
+          </a:prstGeom>
+          <a:solidFill>
+            <a:srgbClr val="262626"/>
+          </a:solidFill>
+          <a:ln w="174625" cmpd="thinThick">
+            <a:solidFill>
+              <a:srgbClr val="262626"/>
+            </a:solidFill>
+          </a:ln>
+        </p:spPr>
+        <p:txBody>
+          <a:bodyPr vert="horz" lIns="91440" tIns="45720" rIns="91440" bIns="45720" rtlCol="0" anchor="ctr">
+            <a:normAutofit/>
+          </a:bodyPr>
+          <a:lstStyle/>
+          <a:p>
+            <a:pPr algn="ctr"/>
+            <a:r>
+              <a:rPr lang="en-US" sz="2600" b="1" kern="1200" dirty="0">
+                <a:solidFill>
+                  <a:srgbClr val="FFFFFF"/>
+                </a:solidFill>
+                <a:latin typeface="+mj-lt"/>
+                <a:ea typeface="+mj-ea"/>
+                <a:cs typeface="+mj-cs"/>
+              </a:rPr>
+              <a:t>W-egg-Chair: </a:t>
+            </a:r>
+            <a:r>
+              <a:rPr lang="en-US" sz="2600" b="1" kern="1200" dirty="0" err="1">
+                <a:solidFill>
+                  <a:srgbClr val="FFFFFF"/>
+                </a:solidFill>
+                <a:latin typeface="+mj-lt"/>
+                <a:ea typeface="+mj-ea"/>
+                <a:cs typeface="+mj-cs"/>
+              </a:rPr>
               <a:t>Skizze</a:t>
             </a:r>
             <a:endParaRPr lang="en-US" sz="2600" b="1" kern="1200" dirty="0">
@@ -13062,7 +13683,7 @@
 </p:sld>
 </file>
 
-<file path=ppt/slides/slide6.xml><?xml version="1.0" encoding="utf-8"?>
+<file path=ppt/slides/slide7.xml><?xml version="1.0" encoding="utf-8"?>
 <p:sld xmlns:a="http://schemas.openxmlformats.org/drawingml/2006/main" xmlns:r="http://schemas.openxmlformats.org/officeDocument/2006/relationships" xmlns:p="http://schemas.openxmlformats.org/presentationml/2006/main">
   <p:cSld>
     <p:spTree>
@@ -14330,7 +14951,7 @@
 </p:sld>
 </file>
 
-<file path=ppt/slides/slide7.xml><?xml version="1.0" encoding="utf-8"?>
+<file path=ppt/slides/slide8.xml><?xml version="1.0" encoding="utf-8"?>
 <p:sld xmlns:a="http://schemas.openxmlformats.org/drawingml/2006/main" xmlns:r="http://schemas.openxmlformats.org/officeDocument/2006/relationships" xmlns:p="http://schemas.openxmlformats.org/presentationml/2006/main">
   <p:cSld>
     <p:bg>
@@ -14669,7 +15290,7 @@
 </p:sld>
 </file>
 
-<file path=ppt/slides/slide8.xml><?xml version="1.0" encoding="utf-8"?>
+<file path=ppt/slides/slide9.xml><?xml version="1.0" encoding="utf-8"?>
 <p:sld xmlns:a="http://schemas.openxmlformats.org/drawingml/2006/main" xmlns:r="http://schemas.openxmlformats.org/officeDocument/2006/relationships" xmlns:p="http://schemas.openxmlformats.org/presentationml/2006/main">
   <p:cSld>
     <p:bg>
@@ -15020,427 +15641,6 @@
 </p:sld>
 </file>
 
-<file path=ppt/slides/slide9.xml><?xml version="1.0" encoding="utf-8"?>
-<p:sld xmlns:a="http://schemas.openxmlformats.org/drawingml/2006/main" xmlns:r="http://schemas.openxmlformats.org/officeDocument/2006/relationships" xmlns:p="http://schemas.openxmlformats.org/presentationml/2006/main">
-  <p:cSld>
-    <p:bg>
-      <p:bgPr>
-        <a:solidFill>
-          <a:schemeClr val="bg1"/>
-        </a:solidFill>
-        <a:effectLst/>
-      </p:bgPr>
-    </p:bg>
-    <p:spTree>
-      <p:nvGrpSpPr>
-        <p:cNvPr id="1" name=""/>
-        <p:cNvGrpSpPr/>
-        <p:nvPr/>
-      </p:nvGrpSpPr>
-      <p:grpSpPr>
-        <a:xfrm>
-          <a:off x="0" y="0"/>
-          <a:ext cx="0" cy="0"/>
-          <a:chOff x="0" y="0"/>
-          <a:chExt cx="0" cy="0"/>
-        </a:xfrm>
-      </p:grpSpPr>
-      <p:sp>
-        <p:nvSpPr>
-          <p:cNvPr id="15" name="Rectangle 14">
-            <a:extLst>
-              <a:ext uri="{FF2B5EF4-FFF2-40B4-BE49-F238E27FC236}">
-                <a16:creationId xmlns:a16="http://schemas.microsoft.com/office/drawing/2014/main" id="{6753252F-4873-4F63-801D-CC719279A7D5}"/>
-              </a:ext>
-              <a:ext uri="{C183D7F6-B498-43B3-948B-1728B52AA6E4}">
-                <adec:decorative xmlns:adec="http://schemas.microsoft.com/office/drawing/2017/decorative" val="1"/>
-              </a:ext>
-            </a:extLst>
-          </p:cNvPr>
-          <p:cNvSpPr>
-            <a:spLocks noGrp="1" noRot="1" noChangeAspect="1" noMove="1" noResize="1" noEditPoints="1" noAdjustHandles="1" noChangeArrowheads="1" noChangeShapeType="1" noTextEdit="1"/>
-          </p:cNvSpPr>
-          <p:nvPr>
-            <p:extLst>
-              <p:ext uri="{386F3935-93C4-4BCD-93E2-E3B085C9AB24}">
-                <p16:designElem xmlns:p16="http://schemas.microsoft.com/office/powerpoint/2015/main" val="1"/>
-              </p:ext>
-            </p:extLst>
-          </p:nvPr>
-        </p:nvSpPr>
-        <p:spPr>
-          <a:xfrm>
-            <a:off x="0" y="0"/>
-            <a:ext cx="12192000" cy="6858000"/>
-          </a:xfrm>
-          <a:prstGeom prst="rect">
-            <a:avLst/>
-          </a:prstGeom>
-          <a:solidFill>
-            <a:srgbClr val="FFFFFF"/>
-          </a:solidFill>
-          <a:ln>
-            <a:noFill/>
-          </a:ln>
-        </p:spPr>
-        <p:style>
-          <a:lnRef idx="2">
-            <a:schemeClr val="accent1">
-              <a:shade val="50000"/>
-            </a:schemeClr>
-          </a:lnRef>
-          <a:fillRef idx="1">
-            <a:schemeClr val="accent1"/>
-          </a:fillRef>
-          <a:effectRef idx="0">
-            <a:schemeClr val="accent1"/>
-          </a:effectRef>
-          <a:fontRef idx="minor">
-            <a:schemeClr val="lt1"/>
-          </a:fontRef>
-        </p:style>
-        <p:txBody>
-          <a:bodyPr rtlCol="0" anchor="ctr"/>
-          <a:lstStyle/>
-          <a:p>
-            <a:pPr algn="ctr"/>
-            <a:endParaRPr lang="en-US"/>
-          </a:p>
-        </p:txBody>
-      </p:sp>
-      <p:sp>
-        <p:nvSpPr>
-          <p:cNvPr id="17" name="Rectangle 16">
-            <a:extLst>
-              <a:ext uri="{FF2B5EF4-FFF2-40B4-BE49-F238E27FC236}">
-                <a16:creationId xmlns:a16="http://schemas.microsoft.com/office/drawing/2014/main" id="{047C8CCB-F95D-4249-92DD-651249D3535A}"/>
-              </a:ext>
-              <a:ext uri="{C183D7F6-B498-43B3-948B-1728B52AA6E4}">
-                <adec:decorative xmlns:adec="http://schemas.microsoft.com/office/drawing/2017/decorative" val="1"/>
-              </a:ext>
-            </a:extLst>
-          </p:cNvPr>
-          <p:cNvSpPr>
-            <a:spLocks noGrp="1" noRot="1" noChangeAspect="1" noMove="1" noResize="1" noEditPoints="1" noAdjustHandles="1" noChangeArrowheads="1" noChangeShapeType="1" noTextEdit="1"/>
-          </p:cNvSpPr>
-          <p:nvPr>
-            <p:extLst>
-              <p:ext uri="{386F3935-93C4-4BCD-93E2-E3B085C9AB24}">
-                <p16:designElem xmlns:p16="http://schemas.microsoft.com/office/powerpoint/2015/main" val="1"/>
-              </p:ext>
-            </p:extLst>
-          </p:nvPr>
-        </p:nvSpPr>
-        <p:spPr>
-          <a:xfrm>
-            <a:off x="0" y="0"/>
-            <a:ext cx="2013557" cy="6858000"/>
-          </a:xfrm>
-          <a:prstGeom prst="rect">
-            <a:avLst/>
-          </a:prstGeom>
-          <a:solidFill>
-            <a:srgbClr val="627084"/>
-          </a:solidFill>
-          <a:ln>
-            <a:noFill/>
-          </a:ln>
-        </p:spPr>
-        <p:style>
-          <a:lnRef idx="2">
-            <a:schemeClr val="accent1">
-              <a:shade val="50000"/>
-            </a:schemeClr>
-          </a:lnRef>
-          <a:fillRef idx="1">
-            <a:schemeClr val="accent1"/>
-          </a:fillRef>
-          <a:effectRef idx="0">
-            <a:schemeClr val="accent1"/>
-          </a:effectRef>
-          <a:fontRef idx="minor">
-            <a:schemeClr val="lt1"/>
-          </a:fontRef>
-        </p:style>
-        <p:txBody>
-          <a:bodyPr rtlCol="0" anchor="ctr"/>
-          <a:lstStyle/>
-          <a:p>
-            <a:pPr algn="ctr"/>
-            <a:endParaRPr lang="en-US"/>
-          </a:p>
-        </p:txBody>
-      </p:sp>
-      <p:sp>
-        <p:nvSpPr>
-          <p:cNvPr id="2" name="Titel 1">
-            <a:extLst>
-              <a:ext uri="{FF2B5EF4-FFF2-40B4-BE49-F238E27FC236}">
-                <a16:creationId xmlns:a16="http://schemas.microsoft.com/office/drawing/2014/main" id="{9FDF9D82-C988-4ACA-A305-F7BC5CBD1092}"/>
-              </a:ext>
-            </a:extLst>
-          </p:cNvPr>
-          <p:cNvSpPr>
-            <a:spLocks noGrp="1"/>
-          </p:cNvSpPr>
-          <p:nvPr>
-            <p:ph type="title"/>
-          </p:nvPr>
-        </p:nvSpPr>
-        <p:spPr>
-          <a:xfrm>
-            <a:off x="640080" y="2074363"/>
-            <a:ext cx="2752354" cy="2709275"/>
-          </a:xfrm>
-          <a:prstGeom prst="ellipse">
-            <a:avLst/>
-          </a:prstGeom>
-          <a:solidFill>
-            <a:srgbClr val="262626"/>
-          </a:solidFill>
-          <a:ln w="174625" cmpd="thinThick">
-            <a:solidFill>
-              <a:srgbClr val="262626"/>
-            </a:solidFill>
-          </a:ln>
-        </p:spPr>
-        <p:txBody>
-          <a:bodyPr vert="horz" lIns="91440" tIns="45720" rIns="91440" bIns="45720" rtlCol="0" anchor="ctr">
-            <a:normAutofit/>
-          </a:bodyPr>
-          <a:lstStyle/>
-          <a:p>
-            <a:pPr algn="ctr"/>
-            <a:r>
-              <a:rPr lang="en-US" sz="2000" kern="1200" dirty="0" err="1">
-                <a:solidFill>
-                  <a:srgbClr val="FFFFFF"/>
-                </a:solidFill>
-                <a:latin typeface="+mj-lt"/>
-                <a:ea typeface="+mj-ea"/>
-                <a:cs typeface="+mj-cs"/>
-              </a:rPr>
-              <a:t>OmniMove</a:t>
-            </a:r>
-            <a:r>
-              <a:rPr lang="en-US" sz="2000" kern="1200" dirty="0">
-                <a:solidFill>
-                  <a:srgbClr val="FFFFFF"/>
-                </a:solidFill>
-                <a:latin typeface="+mj-lt"/>
-                <a:ea typeface="+mj-ea"/>
-                <a:cs typeface="+mj-cs"/>
-              </a:rPr>
-              <a:t> </a:t>
-            </a:r>
-            <a:r>
-              <a:rPr lang="en-US" sz="2000" kern="1200" dirty="0" err="1">
-                <a:solidFill>
-                  <a:srgbClr val="FFFFFF"/>
-                </a:solidFill>
-                <a:latin typeface="+mj-lt"/>
-                <a:ea typeface="+mj-ea"/>
-                <a:cs typeface="+mj-cs"/>
-              </a:rPr>
-              <a:t>Skizze</a:t>
-            </a:r>
-            <a:r>
-              <a:rPr lang="en-US" sz="2000" kern="1200" dirty="0">
-                <a:solidFill>
-                  <a:srgbClr val="FFFFFF"/>
-                </a:solidFill>
-                <a:latin typeface="+mj-lt"/>
-                <a:ea typeface="+mj-ea"/>
-                <a:cs typeface="+mj-cs"/>
-              </a:rPr>
-              <a:t>: </a:t>
-            </a:r>
-            <a:br>
-              <a:rPr lang="en-US" sz="2000" kern="1200" dirty="0">
-                <a:solidFill>
-                  <a:srgbClr val="FFFFFF"/>
-                </a:solidFill>
-                <a:latin typeface="+mj-lt"/>
-                <a:ea typeface="+mj-ea"/>
-                <a:cs typeface="+mj-cs"/>
-              </a:rPr>
-            </a:br>
-            <a:r>
-              <a:rPr lang="en-US" sz="2000" kern="1200" dirty="0" err="1">
-                <a:solidFill>
-                  <a:srgbClr val="FFFFFF"/>
-                </a:solidFill>
-                <a:latin typeface="+mj-lt"/>
-                <a:ea typeface="+mj-ea"/>
-                <a:cs typeface="+mj-cs"/>
-              </a:rPr>
-              <a:t>Mecanum</a:t>
-            </a:r>
-            <a:r>
-              <a:rPr lang="en-US" sz="2000" kern="1200" dirty="0">
-                <a:solidFill>
-                  <a:srgbClr val="FFFFFF"/>
-                </a:solidFill>
-                <a:latin typeface="+mj-lt"/>
-                <a:ea typeface="+mj-ea"/>
-                <a:cs typeface="+mj-cs"/>
-              </a:rPr>
-              <a:t> </a:t>
-            </a:r>
-            <a:r>
-              <a:rPr lang="en-US" sz="2000" kern="1200" dirty="0" err="1">
-                <a:solidFill>
-                  <a:srgbClr val="FFFFFF"/>
-                </a:solidFill>
-                <a:latin typeface="+mj-lt"/>
-                <a:ea typeface="+mj-ea"/>
-                <a:cs typeface="+mj-cs"/>
-              </a:rPr>
-              <a:t>Räder</a:t>
-            </a:r>
-            <a:r>
-              <a:rPr lang="en-US" sz="2000" kern="1200" dirty="0">
-                <a:solidFill>
-                  <a:srgbClr val="FFFFFF"/>
-                </a:solidFill>
-                <a:latin typeface="+mj-lt"/>
-                <a:ea typeface="+mj-ea"/>
-                <a:cs typeface="+mj-cs"/>
-              </a:rPr>
-              <a:t> &amp; </a:t>
-            </a:r>
-            <a:r>
-              <a:rPr lang="en-US" sz="2000" kern="1200" dirty="0" err="1">
-                <a:solidFill>
-                  <a:srgbClr val="FFFFFF"/>
-                </a:solidFill>
-                <a:latin typeface="+mj-lt"/>
-                <a:ea typeface="+mj-ea"/>
-                <a:cs typeface="+mj-cs"/>
-              </a:rPr>
-              <a:t>Planetengeriebe</a:t>
-            </a:r>
-            <a:endParaRPr lang="en-US" sz="2000" kern="1200" dirty="0">
-              <a:solidFill>
-                <a:srgbClr val="FFFFFF"/>
-              </a:solidFill>
-              <a:latin typeface="+mj-lt"/>
-              <a:ea typeface="+mj-ea"/>
-              <a:cs typeface="+mj-cs"/>
-            </a:endParaRPr>
-          </a:p>
-        </p:txBody>
-      </p:sp>
-      <p:pic>
-        <p:nvPicPr>
-          <p:cNvPr id="10" name="Grafik 9">
-            <a:extLst>
-              <a:ext uri="{FF2B5EF4-FFF2-40B4-BE49-F238E27FC236}">
-                <a16:creationId xmlns:a16="http://schemas.microsoft.com/office/drawing/2014/main" id="{BD5AFBB9-1E4A-4AA7-9F39-3BBA9013200D}"/>
-              </a:ext>
-            </a:extLst>
-          </p:cNvPr>
-          <p:cNvPicPr>
-            <a:picLocks noChangeAspect="1"/>
-          </p:cNvPicPr>
-          <p:nvPr/>
-        </p:nvPicPr>
-        <p:blipFill rotWithShape="1">
-          <a:blip r:embed="rId2"/>
-          <a:srcRect t="7265"/>
-          <a:stretch/>
-        </p:blipFill>
-        <p:spPr>
-          <a:xfrm>
-            <a:off x="3813550" y="1321724"/>
-            <a:ext cx="3488672" cy="4572769"/>
-          </a:xfrm>
-          <a:prstGeom prst="rect">
-            <a:avLst/>
-          </a:prstGeom>
-        </p:spPr>
-      </p:pic>
-      <p:pic>
-        <p:nvPicPr>
-          <p:cNvPr id="13" name="Inhaltsplatzhalter 4">
-            <a:extLst>
-              <a:ext uri="{FF2B5EF4-FFF2-40B4-BE49-F238E27FC236}">
-                <a16:creationId xmlns:a16="http://schemas.microsoft.com/office/drawing/2014/main" id="{77EDDFA2-365B-4AE1-AF60-3BB0002FF583}"/>
-              </a:ext>
-            </a:extLst>
-          </p:cNvPr>
-          <p:cNvPicPr>
-            <a:picLocks noChangeAspect="1"/>
-          </p:cNvPicPr>
-          <p:nvPr/>
-        </p:nvPicPr>
-        <p:blipFill rotWithShape="1">
-          <a:blip r:embed="rId3"/>
-          <a:srcRect t="7967"/>
-          <a:stretch/>
-        </p:blipFill>
-        <p:spPr>
-          <a:xfrm>
-            <a:off x="7981787" y="1427011"/>
-            <a:ext cx="3563543" cy="4642050"/>
-          </a:xfrm>
-          <a:prstGeom prst="rect">
-            <a:avLst/>
-          </a:prstGeom>
-        </p:spPr>
-      </p:pic>
-      <p:pic>
-        <p:nvPicPr>
-          <p:cNvPr id="7" name="Grafik 6" descr="Logo Ingenieursinformatik">
-            <a:extLst>
-              <a:ext uri="{FF2B5EF4-FFF2-40B4-BE49-F238E27FC236}">
-                <a16:creationId xmlns:a16="http://schemas.microsoft.com/office/drawing/2014/main" id="{54369F54-FA52-4FF3-9584-256D5C0A9C02}"/>
-              </a:ext>
-            </a:extLst>
-          </p:cNvPr>
-          <p:cNvPicPr/>
-          <p:nvPr/>
-        </p:nvPicPr>
-        <p:blipFill>
-          <a:blip r:embed="rId4" cstate="print">
-            <a:extLst>
-              <a:ext uri="{28A0092B-C50C-407E-A947-70E740481C1C}">
-                <a14:useLocalDpi xmlns:a14="http://schemas.microsoft.com/office/drawing/2010/main" val="0"/>
-              </a:ext>
-            </a:extLst>
-          </a:blip>
-          <a:srcRect/>
-          <a:stretch>
-            <a:fillRect/>
-          </a:stretch>
-        </p:blipFill>
-        <p:spPr bwMode="auto">
-          <a:xfrm>
-            <a:off x="10178281" y="320040"/>
-            <a:ext cx="1692155" cy="924304"/>
-          </a:xfrm>
-          <a:prstGeom prst="rect">
-            <a:avLst/>
-          </a:prstGeom>
-          <a:noFill/>
-          <a:ln>
-            <a:noFill/>
-          </a:ln>
-        </p:spPr>
-      </p:pic>
-    </p:spTree>
-    <p:extLst>
-      <p:ext uri="{BB962C8B-B14F-4D97-AF65-F5344CB8AC3E}">
-        <p14:creationId xmlns:p14="http://schemas.microsoft.com/office/powerpoint/2010/main" val="4185177068"/>
-      </p:ext>
-    </p:extLst>
-  </p:cSld>
-  <p:clrMapOvr>
-    <a:masterClrMapping/>
-  </p:clrMapOvr>
-</p:sld>
-</file>
-
 <file path=ppt/theme/theme1.xml><?xml version="1.0" encoding="utf-8"?>
 <a:theme xmlns:a="http://schemas.openxmlformats.org/drawingml/2006/main" name="Office">
   <a:themeElements>

--- a/Praktikum Produktionstechnik M2.pptx
+++ b/Praktikum Produktionstechnik M2.pptx
@@ -9,12 +9,11 @@
     <p:sldId id="257" r:id="rId3"/>
     <p:sldId id="262" r:id="rId4"/>
     <p:sldId id="263" r:id="rId5"/>
-    <p:sldId id="266" r:id="rId6"/>
-    <p:sldId id="264" r:id="rId7"/>
-    <p:sldId id="260" r:id="rId8"/>
-    <p:sldId id="258" r:id="rId9"/>
-    <p:sldId id="259" r:id="rId10"/>
-    <p:sldId id="265" r:id="rId11"/>
+    <p:sldId id="264" r:id="rId6"/>
+    <p:sldId id="260" r:id="rId7"/>
+    <p:sldId id="258" r:id="rId8"/>
+    <p:sldId id="259" r:id="rId9"/>
+    <p:sldId id="265" r:id="rId10"/>
   </p:sldIdLst>
   <p:sldSz cx="12192000" cy="6858000"/>
   <p:notesSz cx="6858000" cy="9144000"/>
@@ -2160,7 +2159,7 @@
           <a:p>
             <a:fld id="{91A21240-404F-4A54-9AF1-5FA22F7F542A}" type="datetimeFigureOut">
               <a:rPr lang="de-DE" smtClean="0"/>
-              <a:t>27.05.2019</a:t>
+              <a:t>28.05.2019</a:t>
             </a:fld>
             <a:endParaRPr lang="de-DE"/>
           </a:p>
@@ -2358,7 +2357,7 @@
           <a:p>
             <a:fld id="{91A21240-404F-4A54-9AF1-5FA22F7F542A}" type="datetimeFigureOut">
               <a:rPr lang="de-DE" smtClean="0"/>
-              <a:t>27.05.2019</a:t>
+              <a:t>28.05.2019</a:t>
             </a:fld>
             <a:endParaRPr lang="de-DE"/>
           </a:p>
@@ -2566,7 +2565,7 @@
           <a:p>
             <a:fld id="{91A21240-404F-4A54-9AF1-5FA22F7F542A}" type="datetimeFigureOut">
               <a:rPr lang="de-DE" smtClean="0"/>
-              <a:t>27.05.2019</a:t>
+              <a:t>28.05.2019</a:t>
             </a:fld>
             <a:endParaRPr lang="de-DE"/>
           </a:p>
@@ -2764,7 +2763,7 @@
           <a:p>
             <a:fld id="{91A21240-404F-4A54-9AF1-5FA22F7F542A}" type="datetimeFigureOut">
               <a:rPr lang="de-DE" smtClean="0"/>
-              <a:t>27.05.2019</a:t>
+              <a:t>28.05.2019</a:t>
             </a:fld>
             <a:endParaRPr lang="de-DE"/>
           </a:p>
@@ -3039,7 +3038,7 @@
           <a:p>
             <a:fld id="{91A21240-404F-4A54-9AF1-5FA22F7F542A}" type="datetimeFigureOut">
               <a:rPr lang="de-DE" smtClean="0"/>
-              <a:t>27.05.2019</a:t>
+              <a:t>28.05.2019</a:t>
             </a:fld>
             <a:endParaRPr lang="de-DE"/>
           </a:p>
@@ -3304,7 +3303,7 @@
           <a:p>
             <a:fld id="{91A21240-404F-4A54-9AF1-5FA22F7F542A}" type="datetimeFigureOut">
               <a:rPr lang="de-DE" smtClean="0"/>
-              <a:t>27.05.2019</a:t>
+              <a:t>28.05.2019</a:t>
             </a:fld>
             <a:endParaRPr lang="de-DE"/>
           </a:p>
@@ -3716,7 +3715,7 @@
           <a:p>
             <a:fld id="{91A21240-404F-4A54-9AF1-5FA22F7F542A}" type="datetimeFigureOut">
               <a:rPr lang="de-DE" smtClean="0"/>
-              <a:t>27.05.2019</a:t>
+              <a:t>28.05.2019</a:t>
             </a:fld>
             <a:endParaRPr lang="de-DE"/>
           </a:p>
@@ -3857,7 +3856,7 @@
           <a:p>
             <a:fld id="{91A21240-404F-4A54-9AF1-5FA22F7F542A}" type="datetimeFigureOut">
               <a:rPr lang="de-DE" smtClean="0"/>
-              <a:t>27.05.2019</a:t>
+              <a:t>28.05.2019</a:t>
             </a:fld>
             <a:endParaRPr lang="de-DE"/>
           </a:p>
@@ -3970,7 +3969,7 @@
           <a:p>
             <a:fld id="{91A21240-404F-4A54-9AF1-5FA22F7F542A}" type="datetimeFigureOut">
               <a:rPr lang="de-DE" smtClean="0"/>
-              <a:t>27.05.2019</a:t>
+              <a:t>28.05.2019</a:t>
             </a:fld>
             <a:endParaRPr lang="de-DE"/>
           </a:p>
@@ -4281,7 +4280,7 @@
           <a:p>
             <a:fld id="{91A21240-404F-4A54-9AF1-5FA22F7F542A}" type="datetimeFigureOut">
               <a:rPr lang="de-DE" smtClean="0"/>
-              <a:t>27.05.2019</a:t>
+              <a:t>28.05.2019</a:t>
             </a:fld>
             <a:endParaRPr lang="de-DE"/>
           </a:p>
@@ -4569,7 +4568,7 @@
           <a:p>
             <a:fld id="{91A21240-404F-4A54-9AF1-5FA22F7F542A}" type="datetimeFigureOut">
               <a:rPr lang="de-DE" smtClean="0"/>
-              <a:t>27.05.2019</a:t>
+              <a:t>28.05.2019</a:t>
             </a:fld>
             <a:endParaRPr lang="de-DE"/>
           </a:p>
@@ -4810,7 +4809,7 @@
           <a:p>
             <a:fld id="{91A21240-404F-4A54-9AF1-5FA22F7F542A}" type="datetimeFigureOut">
               <a:rPr lang="de-DE" smtClean="0"/>
-              <a:t>27.05.2019</a:t>
+              <a:t>28.05.2019</a:t>
             </a:fld>
             <a:endParaRPr lang="de-DE"/>
           </a:p>
@@ -5588,427 +5587,6 @@
     <p:extLst>
       <p:ext uri="{BB962C8B-B14F-4D97-AF65-F5344CB8AC3E}">
         <p14:creationId xmlns:p14="http://schemas.microsoft.com/office/powerpoint/2010/main" val="2482456180"/>
-      </p:ext>
-    </p:extLst>
-  </p:cSld>
-  <p:clrMapOvr>
-    <a:masterClrMapping/>
-  </p:clrMapOvr>
-</p:sld>
-</file>
-
-<file path=ppt/slides/slide10.xml><?xml version="1.0" encoding="utf-8"?>
-<p:sld xmlns:a="http://schemas.openxmlformats.org/drawingml/2006/main" xmlns:r="http://schemas.openxmlformats.org/officeDocument/2006/relationships" xmlns:p="http://schemas.openxmlformats.org/presentationml/2006/main">
-  <p:cSld>
-    <p:bg>
-      <p:bgPr>
-        <a:solidFill>
-          <a:schemeClr val="bg1"/>
-        </a:solidFill>
-        <a:effectLst/>
-      </p:bgPr>
-    </p:bg>
-    <p:spTree>
-      <p:nvGrpSpPr>
-        <p:cNvPr id="1" name=""/>
-        <p:cNvGrpSpPr/>
-        <p:nvPr/>
-      </p:nvGrpSpPr>
-      <p:grpSpPr>
-        <a:xfrm>
-          <a:off x="0" y="0"/>
-          <a:ext cx="0" cy="0"/>
-          <a:chOff x="0" y="0"/>
-          <a:chExt cx="0" cy="0"/>
-        </a:xfrm>
-      </p:grpSpPr>
-      <p:sp>
-        <p:nvSpPr>
-          <p:cNvPr id="15" name="Rectangle 14">
-            <a:extLst>
-              <a:ext uri="{FF2B5EF4-FFF2-40B4-BE49-F238E27FC236}">
-                <a16:creationId xmlns:a16="http://schemas.microsoft.com/office/drawing/2014/main" id="{6753252F-4873-4F63-801D-CC719279A7D5}"/>
-              </a:ext>
-              <a:ext uri="{C183D7F6-B498-43B3-948B-1728B52AA6E4}">
-                <adec:decorative xmlns:adec="http://schemas.microsoft.com/office/drawing/2017/decorative" val="1"/>
-              </a:ext>
-            </a:extLst>
-          </p:cNvPr>
-          <p:cNvSpPr>
-            <a:spLocks noGrp="1" noRot="1" noChangeAspect="1" noMove="1" noResize="1" noEditPoints="1" noAdjustHandles="1" noChangeArrowheads="1" noChangeShapeType="1" noTextEdit="1"/>
-          </p:cNvSpPr>
-          <p:nvPr>
-            <p:extLst>
-              <p:ext uri="{386F3935-93C4-4BCD-93E2-E3B085C9AB24}">
-                <p16:designElem xmlns:p16="http://schemas.microsoft.com/office/powerpoint/2015/main" val="1"/>
-              </p:ext>
-            </p:extLst>
-          </p:nvPr>
-        </p:nvSpPr>
-        <p:spPr>
-          <a:xfrm>
-            <a:off x="0" y="0"/>
-            <a:ext cx="12192000" cy="6858000"/>
-          </a:xfrm>
-          <a:prstGeom prst="rect">
-            <a:avLst/>
-          </a:prstGeom>
-          <a:solidFill>
-            <a:srgbClr val="FFFFFF"/>
-          </a:solidFill>
-          <a:ln>
-            <a:noFill/>
-          </a:ln>
-        </p:spPr>
-        <p:style>
-          <a:lnRef idx="2">
-            <a:schemeClr val="accent1">
-              <a:shade val="50000"/>
-            </a:schemeClr>
-          </a:lnRef>
-          <a:fillRef idx="1">
-            <a:schemeClr val="accent1"/>
-          </a:fillRef>
-          <a:effectRef idx="0">
-            <a:schemeClr val="accent1"/>
-          </a:effectRef>
-          <a:fontRef idx="minor">
-            <a:schemeClr val="lt1"/>
-          </a:fontRef>
-        </p:style>
-        <p:txBody>
-          <a:bodyPr rtlCol="0" anchor="ctr"/>
-          <a:lstStyle/>
-          <a:p>
-            <a:pPr algn="ctr"/>
-            <a:endParaRPr lang="en-US"/>
-          </a:p>
-        </p:txBody>
-      </p:sp>
-      <p:sp>
-        <p:nvSpPr>
-          <p:cNvPr id="17" name="Rectangle 16">
-            <a:extLst>
-              <a:ext uri="{FF2B5EF4-FFF2-40B4-BE49-F238E27FC236}">
-                <a16:creationId xmlns:a16="http://schemas.microsoft.com/office/drawing/2014/main" id="{047C8CCB-F95D-4249-92DD-651249D3535A}"/>
-              </a:ext>
-              <a:ext uri="{C183D7F6-B498-43B3-948B-1728B52AA6E4}">
-                <adec:decorative xmlns:adec="http://schemas.microsoft.com/office/drawing/2017/decorative" val="1"/>
-              </a:ext>
-            </a:extLst>
-          </p:cNvPr>
-          <p:cNvSpPr>
-            <a:spLocks noGrp="1" noRot="1" noChangeAspect="1" noMove="1" noResize="1" noEditPoints="1" noAdjustHandles="1" noChangeArrowheads="1" noChangeShapeType="1" noTextEdit="1"/>
-          </p:cNvSpPr>
-          <p:nvPr>
-            <p:extLst>
-              <p:ext uri="{386F3935-93C4-4BCD-93E2-E3B085C9AB24}">
-                <p16:designElem xmlns:p16="http://schemas.microsoft.com/office/powerpoint/2015/main" val="1"/>
-              </p:ext>
-            </p:extLst>
-          </p:nvPr>
-        </p:nvSpPr>
-        <p:spPr>
-          <a:xfrm>
-            <a:off x="0" y="0"/>
-            <a:ext cx="2013557" cy="6858000"/>
-          </a:xfrm>
-          <a:prstGeom prst="rect">
-            <a:avLst/>
-          </a:prstGeom>
-          <a:solidFill>
-            <a:srgbClr val="627084"/>
-          </a:solidFill>
-          <a:ln>
-            <a:noFill/>
-          </a:ln>
-        </p:spPr>
-        <p:style>
-          <a:lnRef idx="2">
-            <a:schemeClr val="accent1">
-              <a:shade val="50000"/>
-            </a:schemeClr>
-          </a:lnRef>
-          <a:fillRef idx="1">
-            <a:schemeClr val="accent1"/>
-          </a:fillRef>
-          <a:effectRef idx="0">
-            <a:schemeClr val="accent1"/>
-          </a:effectRef>
-          <a:fontRef idx="minor">
-            <a:schemeClr val="lt1"/>
-          </a:fontRef>
-        </p:style>
-        <p:txBody>
-          <a:bodyPr rtlCol="0" anchor="ctr"/>
-          <a:lstStyle/>
-          <a:p>
-            <a:pPr algn="ctr"/>
-            <a:endParaRPr lang="en-US"/>
-          </a:p>
-        </p:txBody>
-      </p:sp>
-      <p:sp>
-        <p:nvSpPr>
-          <p:cNvPr id="2" name="Titel 1">
-            <a:extLst>
-              <a:ext uri="{FF2B5EF4-FFF2-40B4-BE49-F238E27FC236}">
-                <a16:creationId xmlns:a16="http://schemas.microsoft.com/office/drawing/2014/main" id="{9FDF9D82-C988-4ACA-A305-F7BC5CBD1092}"/>
-              </a:ext>
-            </a:extLst>
-          </p:cNvPr>
-          <p:cNvSpPr>
-            <a:spLocks noGrp="1"/>
-          </p:cNvSpPr>
-          <p:nvPr>
-            <p:ph type="title"/>
-          </p:nvPr>
-        </p:nvSpPr>
-        <p:spPr>
-          <a:xfrm>
-            <a:off x="640080" y="2074363"/>
-            <a:ext cx="2752354" cy="2709275"/>
-          </a:xfrm>
-          <a:prstGeom prst="ellipse">
-            <a:avLst/>
-          </a:prstGeom>
-          <a:solidFill>
-            <a:srgbClr val="262626"/>
-          </a:solidFill>
-          <a:ln w="174625" cmpd="thinThick">
-            <a:solidFill>
-              <a:srgbClr val="262626"/>
-            </a:solidFill>
-          </a:ln>
-        </p:spPr>
-        <p:txBody>
-          <a:bodyPr vert="horz" lIns="91440" tIns="45720" rIns="91440" bIns="45720" rtlCol="0" anchor="ctr">
-            <a:normAutofit/>
-          </a:bodyPr>
-          <a:lstStyle/>
-          <a:p>
-            <a:pPr algn="ctr"/>
-            <a:r>
-              <a:rPr lang="en-US" sz="2000" kern="1200" dirty="0" err="1">
-                <a:solidFill>
-                  <a:srgbClr val="FFFFFF"/>
-                </a:solidFill>
-                <a:latin typeface="+mj-lt"/>
-                <a:ea typeface="+mj-ea"/>
-                <a:cs typeface="+mj-cs"/>
-              </a:rPr>
-              <a:t>OmniMove</a:t>
-            </a:r>
-            <a:r>
-              <a:rPr lang="en-US" sz="2000" kern="1200" dirty="0">
-                <a:solidFill>
-                  <a:srgbClr val="FFFFFF"/>
-                </a:solidFill>
-                <a:latin typeface="+mj-lt"/>
-                <a:ea typeface="+mj-ea"/>
-                <a:cs typeface="+mj-cs"/>
-              </a:rPr>
-              <a:t> </a:t>
-            </a:r>
-            <a:r>
-              <a:rPr lang="en-US" sz="2000" kern="1200" dirty="0" err="1">
-                <a:solidFill>
-                  <a:srgbClr val="FFFFFF"/>
-                </a:solidFill>
-                <a:latin typeface="+mj-lt"/>
-                <a:ea typeface="+mj-ea"/>
-                <a:cs typeface="+mj-cs"/>
-              </a:rPr>
-              <a:t>Skizze</a:t>
-            </a:r>
-            <a:r>
-              <a:rPr lang="en-US" sz="2000" kern="1200" dirty="0">
-                <a:solidFill>
-                  <a:srgbClr val="FFFFFF"/>
-                </a:solidFill>
-                <a:latin typeface="+mj-lt"/>
-                <a:ea typeface="+mj-ea"/>
-                <a:cs typeface="+mj-cs"/>
-              </a:rPr>
-              <a:t>: </a:t>
-            </a:r>
-            <a:br>
-              <a:rPr lang="en-US" sz="2000" kern="1200" dirty="0">
-                <a:solidFill>
-                  <a:srgbClr val="FFFFFF"/>
-                </a:solidFill>
-                <a:latin typeface="+mj-lt"/>
-                <a:ea typeface="+mj-ea"/>
-                <a:cs typeface="+mj-cs"/>
-              </a:rPr>
-            </a:br>
-            <a:r>
-              <a:rPr lang="en-US" sz="2000" kern="1200" dirty="0" err="1">
-                <a:solidFill>
-                  <a:srgbClr val="FFFFFF"/>
-                </a:solidFill>
-                <a:latin typeface="+mj-lt"/>
-                <a:ea typeface="+mj-ea"/>
-                <a:cs typeface="+mj-cs"/>
-              </a:rPr>
-              <a:t>Mecanum</a:t>
-            </a:r>
-            <a:r>
-              <a:rPr lang="en-US" sz="2000" kern="1200" dirty="0">
-                <a:solidFill>
-                  <a:srgbClr val="FFFFFF"/>
-                </a:solidFill>
-                <a:latin typeface="+mj-lt"/>
-                <a:ea typeface="+mj-ea"/>
-                <a:cs typeface="+mj-cs"/>
-              </a:rPr>
-              <a:t> </a:t>
-            </a:r>
-            <a:r>
-              <a:rPr lang="en-US" sz="2000" kern="1200" dirty="0" err="1">
-                <a:solidFill>
-                  <a:srgbClr val="FFFFFF"/>
-                </a:solidFill>
-                <a:latin typeface="+mj-lt"/>
-                <a:ea typeface="+mj-ea"/>
-                <a:cs typeface="+mj-cs"/>
-              </a:rPr>
-              <a:t>Räder</a:t>
-            </a:r>
-            <a:r>
-              <a:rPr lang="en-US" sz="2000" kern="1200" dirty="0">
-                <a:solidFill>
-                  <a:srgbClr val="FFFFFF"/>
-                </a:solidFill>
-                <a:latin typeface="+mj-lt"/>
-                <a:ea typeface="+mj-ea"/>
-                <a:cs typeface="+mj-cs"/>
-              </a:rPr>
-              <a:t> &amp; </a:t>
-            </a:r>
-            <a:r>
-              <a:rPr lang="en-US" sz="2000" kern="1200" dirty="0" err="1">
-                <a:solidFill>
-                  <a:srgbClr val="FFFFFF"/>
-                </a:solidFill>
-                <a:latin typeface="+mj-lt"/>
-                <a:ea typeface="+mj-ea"/>
-                <a:cs typeface="+mj-cs"/>
-              </a:rPr>
-              <a:t>Planetengeriebe</a:t>
-            </a:r>
-            <a:endParaRPr lang="en-US" sz="2000" kern="1200" dirty="0">
-              <a:solidFill>
-                <a:srgbClr val="FFFFFF"/>
-              </a:solidFill>
-              <a:latin typeface="+mj-lt"/>
-              <a:ea typeface="+mj-ea"/>
-              <a:cs typeface="+mj-cs"/>
-            </a:endParaRPr>
-          </a:p>
-        </p:txBody>
-      </p:sp>
-      <p:pic>
-        <p:nvPicPr>
-          <p:cNvPr id="10" name="Grafik 9">
-            <a:extLst>
-              <a:ext uri="{FF2B5EF4-FFF2-40B4-BE49-F238E27FC236}">
-                <a16:creationId xmlns:a16="http://schemas.microsoft.com/office/drawing/2014/main" id="{BD5AFBB9-1E4A-4AA7-9F39-3BBA9013200D}"/>
-              </a:ext>
-            </a:extLst>
-          </p:cNvPr>
-          <p:cNvPicPr>
-            <a:picLocks noChangeAspect="1"/>
-          </p:cNvPicPr>
-          <p:nvPr/>
-        </p:nvPicPr>
-        <p:blipFill rotWithShape="1">
-          <a:blip r:embed="rId2"/>
-          <a:srcRect t="7265"/>
-          <a:stretch/>
-        </p:blipFill>
-        <p:spPr>
-          <a:xfrm>
-            <a:off x="3813550" y="1321724"/>
-            <a:ext cx="3488672" cy="4572769"/>
-          </a:xfrm>
-          <a:prstGeom prst="rect">
-            <a:avLst/>
-          </a:prstGeom>
-        </p:spPr>
-      </p:pic>
-      <p:pic>
-        <p:nvPicPr>
-          <p:cNvPr id="13" name="Inhaltsplatzhalter 4">
-            <a:extLst>
-              <a:ext uri="{FF2B5EF4-FFF2-40B4-BE49-F238E27FC236}">
-                <a16:creationId xmlns:a16="http://schemas.microsoft.com/office/drawing/2014/main" id="{77EDDFA2-365B-4AE1-AF60-3BB0002FF583}"/>
-              </a:ext>
-            </a:extLst>
-          </p:cNvPr>
-          <p:cNvPicPr>
-            <a:picLocks noChangeAspect="1"/>
-          </p:cNvPicPr>
-          <p:nvPr/>
-        </p:nvPicPr>
-        <p:blipFill rotWithShape="1">
-          <a:blip r:embed="rId3"/>
-          <a:srcRect t="7967"/>
-          <a:stretch/>
-        </p:blipFill>
-        <p:spPr>
-          <a:xfrm>
-            <a:off x="7981787" y="1427011"/>
-            <a:ext cx="3563543" cy="4642050"/>
-          </a:xfrm>
-          <a:prstGeom prst="rect">
-            <a:avLst/>
-          </a:prstGeom>
-        </p:spPr>
-      </p:pic>
-      <p:pic>
-        <p:nvPicPr>
-          <p:cNvPr id="7" name="Grafik 6" descr="Logo Ingenieursinformatik">
-            <a:extLst>
-              <a:ext uri="{FF2B5EF4-FFF2-40B4-BE49-F238E27FC236}">
-                <a16:creationId xmlns:a16="http://schemas.microsoft.com/office/drawing/2014/main" id="{54369F54-FA52-4FF3-9584-256D5C0A9C02}"/>
-              </a:ext>
-            </a:extLst>
-          </p:cNvPr>
-          <p:cNvPicPr/>
-          <p:nvPr/>
-        </p:nvPicPr>
-        <p:blipFill>
-          <a:blip r:embed="rId4" cstate="print">
-            <a:extLst>
-              <a:ext uri="{28A0092B-C50C-407E-A947-70E740481C1C}">
-                <a14:useLocalDpi xmlns:a14="http://schemas.microsoft.com/office/drawing/2010/main" val="0"/>
-              </a:ext>
-            </a:extLst>
-          </a:blip>
-          <a:srcRect/>
-          <a:stretch>
-            <a:fillRect/>
-          </a:stretch>
-        </p:blipFill>
-        <p:spPr bwMode="auto">
-          <a:xfrm>
-            <a:off x="10178281" y="320040"/>
-            <a:ext cx="1692155" cy="924304"/>
-          </a:xfrm>
-          <a:prstGeom prst="rect">
-            <a:avLst/>
-          </a:prstGeom>
-          <a:noFill/>
-          <a:ln>
-            <a:noFill/>
-          </a:ln>
-        </p:spPr>
-      </p:pic>
-    </p:spTree>
-    <p:extLst>
-      <p:ext uri="{BB962C8B-B14F-4D97-AF65-F5344CB8AC3E}">
-        <p14:creationId xmlns:p14="http://schemas.microsoft.com/office/powerpoint/2010/main" val="4185177068"/>
       </p:ext>
     </p:extLst>
   </p:cSld>
@@ -8046,8 +7624,8 @@
           </p:pic>
         </mc:Fallback>
       </mc:AlternateContent>
-      <mc:AlternateContent xmlns:mc="http://schemas.openxmlformats.org/markup-compatibility/2006" xmlns:p14="http://schemas.microsoft.com/office/powerpoint/2010/main">
-        <mc:Choice Requires="p14">
+      <mc:AlternateContent xmlns:mc="http://schemas.openxmlformats.org/markup-compatibility/2006">
+        <mc:Choice xmlns:p14="http://schemas.microsoft.com/office/powerpoint/2010/main" Requires="p14">
           <p:contentPart p14:bwMode="auto" r:id="rId5">
             <p14:nvContentPartPr>
               <p14:cNvPr id="22" name="Freihand 21">
@@ -8066,7 +7644,7 @@
             </p14:xfrm>
           </p:contentPart>
         </mc:Choice>
-        <mc:Fallback xmlns="">
+        <mc:Fallback>
           <p:pic>
             <p:nvPicPr>
               <p:cNvPr id="22" name="Freihand 21">
@@ -8080,15 +7658,15 @@
               <p:nvPr/>
             </p:nvPicPr>
             <p:blipFill>
-              <a:blip r:embed="rId10"/>
+              <a:blip r:embed="rId6"/>
               <a:stretch>
                 <a:fillRect/>
               </a:stretch>
             </p:blipFill>
             <p:spPr>
               <a:xfrm>
-                <a:off x="6060034" y="1850407"/>
-                <a:ext cx="36000" cy="702000"/>
+                <a:off x="6059674" y="1850428"/>
+                <a:ext cx="36000" cy="701959"/>
               </a:xfrm>
               <a:prstGeom prst="rect">
                 <a:avLst/>
@@ -8099,7 +7677,7 @@
       </mc:AlternateContent>
       <mc:AlternateContent xmlns:mc="http://schemas.openxmlformats.org/markup-compatibility/2006" xmlns:p14="http://schemas.microsoft.com/office/powerpoint/2010/main">
         <mc:Choice Requires="p14">
-          <p:contentPart p14:bwMode="auto" r:id="rId11">
+          <p:contentPart p14:bwMode="auto" r:id="rId7">
             <p14:nvContentPartPr>
               <p14:cNvPr id="23" name="Freihand 22">
                 <a:extLst>
@@ -8199,8 +7777,8 @@
           </p:pic>
         </mc:Fallback>
       </mc:AlternateContent>
-      <mc:AlternateContent xmlns:mc="http://schemas.openxmlformats.org/markup-compatibility/2006" xmlns:p14="http://schemas.microsoft.com/office/powerpoint/2010/main">
-        <mc:Choice Requires="p14">
+      <mc:AlternateContent xmlns:mc="http://schemas.openxmlformats.org/markup-compatibility/2006">
+        <mc:Choice xmlns:p14="http://schemas.microsoft.com/office/powerpoint/2010/main" Requires="p14">
           <p:contentPart p14:bwMode="auto" r:id="rId17">
             <p14:nvContentPartPr>
               <p14:cNvPr id="26" name="Freihand 25">
@@ -8219,7 +7797,7 @@
             </p14:xfrm>
           </p:contentPart>
         </mc:Choice>
-        <mc:Fallback xmlns="">
+        <mc:Fallback>
           <p:pic>
             <p:nvPicPr>
               <p:cNvPr id="26" name="Freihand 25">
@@ -8240,7 +7818,7 @@
             </p:blipFill>
             <p:spPr>
               <a:xfrm>
-                <a:off x="5999554" y="1954447"/>
+                <a:off x="5999554" y="1954087"/>
                 <a:ext cx="153000" cy="171720"/>
               </a:xfrm>
               <a:prstGeom prst="rect">
@@ -8250,8 +7828,8 @@
           </p:pic>
         </mc:Fallback>
       </mc:AlternateContent>
-      <mc:AlternateContent xmlns:mc="http://schemas.openxmlformats.org/markup-compatibility/2006" xmlns:p14="http://schemas.microsoft.com/office/powerpoint/2010/main">
-        <mc:Choice Requires="p14">
+      <mc:AlternateContent xmlns:mc="http://schemas.openxmlformats.org/markup-compatibility/2006">
+        <mc:Choice xmlns:p14="http://schemas.microsoft.com/office/powerpoint/2010/main" Requires="p14">
           <p:contentPart p14:bwMode="auto" r:id="rId19">
             <p14:nvContentPartPr>
               <p14:cNvPr id="27" name="Freihand 26">
@@ -8270,7 +7848,7 @@
             </p14:xfrm>
           </p:contentPart>
         </mc:Choice>
-        <mc:Fallback xmlns="">
+        <mc:Fallback>
           <p:pic>
             <p:nvPicPr>
               <p:cNvPr id="27" name="Freihand 26">
@@ -13222,209 +12800,10 @@
       </p:sp>
       <p:pic>
         <p:nvPicPr>
-          <p:cNvPr id="38" name="Grafik 37">
-            <a:extLst>
-              <a:ext uri="{FF2B5EF4-FFF2-40B4-BE49-F238E27FC236}">
-                <a16:creationId xmlns:a16="http://schemas.microsoft.com/office/drawing/2014/main" id="{8E9A5953-0355-464A-91C5-6D2D98A9E440}"/>
-              </a:ext>
-            </a:extLst>
-          </p:cNvPr>
-          <p:cNvPicPr>
-            <a:picLocks noChangeAspect="1"/>
-          </p:cNvPicPr>
-          <p:nvPr/>
-        </p:nvPicPr>
-        <p:blipFill>
-          <a:blip r:embed="rId2"/>
-          <a:stretch>
-            <a:fillRect/>
-          </a:stretch>
-        </p:blipFill>
-        <p:spPr>
-          <a:xfrm>
-            <a:off x="4032514" y="1564384"/>
-            <a:ext cx="7041886" cy="4277945"/>
-          </a:xfrm>
-          <a:prstGeom prst="rect">
-            <a:avLst/>
-          </a:prstGeom>
-          <a:ln w="22225">
-            <a:solidFill>
-              <a:schemeClr val="tx1"/>
-            </a:solidFill>
-          </a:ln>
-        </p:spPr>
-      </p:pic>
-      <p:pic>
-        <p:nvPicPr>
           <p:cNvPr id="39" name="Grafik 38" descr="Logo Ingenieursinformatik">
             <a:extLst>
               <a:ext uri="{FF2B5EF4-FFF2-40B4-BE49-F238E27FC236}">
                 <a16:creationId xmlns:a16="http://schemas.microsoft.com/office/drawing/2014/main" id="{152A2FCF-B2BB-43A1-A0F1-A90D98C7FE50}"/>
-              </a:ext>
-            </a:extLst>
-          </p:cNvPr>
-          <p:cNvPicPr/>
-          <p:nvPr/>
-        </p:nvPicPr>
-        <p:blipFill>
-          <a:blip r:embed="rId3" cstate="print">
-            <a:extLst>
-              <a:ext uri="{28A0092B-C50C-407E-A947-70E740481C1C}">
-                <a14:useLocalDpi xmlns:a14="http://schemas.microsoft.com/office/drawing/2010/main" val="0"/>
-              </a:ext>
-            </a:extLst>
-          </a:blip>
-          <a:srcRect/>
-          <a:stretch>
-            <a:fillRect/>
-          </a:stretch>
-        </p:blipFill>
-        <p:spPr bwMode="auto">
-          <a:xfrm>
-            <a:off x="10178281" y="320040"/>
-            <a:ext cx="1692155" cy="924304"/>
-          </a:xfrm>
-          <a:prstGeom prst="rect">
-            <a:avLst/>
-          </a:prstGeom>
-          <a:noFill/>
-          <a:ln>
-            <a:noFill/>
-          </a:ln>
-        </p:spPr>
-      </p:pic>
-    </p:spTree>
-    <p:extLst>
-      <p:ext uri="{BB962C8B-B14F-4D97-AF65-F5344CB8AC3E}">
-        <p14:creationId xmlns:p14="http://schemas.microsoft.com/office/powerpoint/2010/main" val="3456364618"/>
-      </p:ext>
-    </p:extLst>
-  </p:cSld>
-  <p:clrMapOvr>
-    <a:masterClrMapping/>
-  </p:clrMapOvr>
-</p:sld>
-</file>
-
-<file path=ppt/slides/slide5.xml><?xml version="1.0" encoding="utf-8"?>
-<p:sld xmlns:a="http://schemas.openxmlformats.org/drawingml/2006/main" xmlns:r="http://schemas.openxmlformats.org/officeDocument/2006/relationships" xmlns:p="http://schemas.openxmlformats.org/presentationml/2006/main">
-  <p:cSld>
-    <p:spTree>
-      <p:nvGrpSpPr>
-        <p:cNvPr id="1" name=""/>
-        <p:cNvGrpSpPr/>
-        <p:nvPr/>
-      </p:nvGrpSpPr>
-      <p:grpSpPr>
-        <a:xfrm>
-          <a:off x="0" y="0"/>
-          <a:ext cx="0" cy="0"/>
-          <a:chOff x="0" y="0"/>
-          <a:chExt cx="0" cy="0"/>
-        </a:xfrm>
-      </p:grpSpPr>
-      <p:sp>
-        <p:nvSpPr>
-          <p:cNvPr id="4" name="Titel 1">
-            <a:extLst>
-              <a:ext uri="{FF2B5EF4-FFF2-40B4-BE49-F238E27FC236}">
-                <a16:creationId xmlns:a16="http://schemas.microsoft.com/office/drawing/2014/main" id="{08253877-8FEC-4715-AEA5-A451C1CBD31A}"/>
-              </a:ext>
-            </a:extLst>
-          </p:cNvPr>
-          <p:cNvSpPr>
-            <a:spLocks noGrp="1"/>
-          </p:cNvSpPr>
-          <p:nvPr>
-            <p:ph type="title"/>
-          </p:nvPr>
-        </p:nvSpPr>
-        <p:spPr>
-          <a:xfrm>
-            <a:off x="640080" y="2074363"/>
-            <a:ext cx="2752354" cy="2709275"/>
-          </a:xfrm>
-          <a:prstGeom prst="ellipse">
-            <a:avLst/>
-          </a:prstGeom>
-          <a:solidFill>
-            <a:srgbClr val="262626"/>
-          </a:solidFill>
-          <a:ln w="174625" cmpd="thinThick">
-            <a:solidFill>
-              <a:srgbClr val="262626"/>
-            </a:solidFill>
-          </a:ln>
-        </p:spPr>
-        <p:txBody>
-          <a:bodyPr vert="horz" lIns="91440" tIns="45720" rIns="91440" bIns="45720" rtlCol="0" anchor="ctr">
-            <a:normAutofit/>
-          </a:bodyPr>
-          <a:lstStyle/>
-          <a:p>
-            <a:pPr algn="ctr"/>
-            <a:r>
-              <a:rPr lang="en-US" sz="2600" b="1" kern="1200" dirty="0">
-                <a:solidFill>
-                  <a:srgbClr val="FFFFFF"/>
-                </a:solidFill>
-                <a:latin typeface="+mj-lt"/>
-                <a:ea typeface="+mj-ea"/>
-                <a:cs typeface="+mj-cs"/>
-              </a:rPr>
-              <a:t>W-egg-Chair: </a:t>
-            </a:r>
-            <a:r>
-              <a:rPr lang="en-US" sz="2600" b="1" kern="1200" dirty="0" err="1">
-                <a:solidFill>
-                  <a:srgbClr val="FFFFFF"/>
-                </a:solidFill>
-                <a:latin typeface="+mj-lt"/>
-                <a:ea typeface="+mj-ea"/>
-                <a:cs typeface="+mj-cs"/>
-              </a:rPr>
-              <a:t>Isometrische</a:t>
-            </a:r>
-            <a:r>
-              <a:rPr lang="en-US" sz="2600" b="1" kern="1200" dirty="0">
-                <a:solidFill>
-                  <a:srgbClr val="FFFFFF"/>
-                </a:solidFill>
-                <a:latin typeface="+mj-lt"/>
-                <a:ea typeface="+mj-ea"/>
-                <a:cs typeface="+mj-cs"/>
-              </a:rPr>
-              <a:t> </a:t>
-            </a:r>
-            <a:r>
-              <a:rPr lang="en-US" sz="2600" b="1" kern="1200" dirty="0" err="1">
-                <a:solidFill>
-                  <a:srgbClr val="FFFFFF"/>
-                </a:solidFill>
-                <a:latin typeface="+mj-lt"/>
-                <a:ea typeface="+mj-ea"/>
-                <a:cs typeface="+mj-cs"/>
-              </a:rPr>
-              <a:t>Darstellung</a:t>
-            </a:r>
-            <a:endParaRPr lang="en-US" sz="2600" b="1" kern="1200" dirty="0">
-              <a:solidFill>
-                <a:srgbClr val="FFFFFF"/>
-              </a:solidFill>
-              <a:latin typeface="+mj-lt"/>
-              <a:ea typeface="+mj-ea"/>
-              <a:cs typeface="+mj-cs"/>
-            </a:endParaRPr>
-          </a:p>
-        </p:txBody>
-      </p:sp>
-      <p:pic>
-        <p:nvPicPr>
-          <p:cNvPr id="12" name="Grafik 11" descr="Logo Ingenieursinformatik">
-            <a:extLst>
-              <a:ext uri="{FF2B5EF4-FFF2-40B4-BE49-F238E27FC236}">
-                <a16:creationId xmlns:a16="http://schemas.microsoft.com/office/drawing/2014/main" id="{1A909A4D-2C76-458E-AC65-5911DFC2D313}"/>
               </a:ext>
             </a:extLst>
           </p:cNvPr>
@@ -13460,10 +12839,10 @@
       </p:pic>
       <p:pic>
         <p:nvPicPr>
-          <p:cNvPr id="3" name="Grafik 2">
+          <p:cNvPr id="2" name="Grafik 1">
             <a:extLst>
               <a:ext uri="{FF2B5EF4-FFF2-40B4-BE49-F238E27FC236}">
-                <a16:creationId xmlns:a16="http://schemas.microsoft.com/office/drawing/2014/main" id="{ADC4FD08-4B1E-4E76-9AE0-40FA70932C1A}"/>
+                <a16:creationId xmlns:a16="http://schemas.microsoft.com/office/drawing/2014/main" id="{171B48B3-FBDD-4187-B775-FE4CA6A50A8B}"/>
               </a:ext>
             </a:extLst>
           </p:cNvPr>
@@ -13480,23 +12859,18 @@
         </p:blipFill>
         <p:spPr>
           <a:xfrm>
-            <a:off x="4486871" y="1044552"/>
-            <a:ext cx="5013454" cy="4768895"/>
+            <a:off x="3585580" y="775483"/>
+            <a:ext cx="6450087" cy="5307034"/>
           </a:xfrm>
           <a:prstGeom prst="rect">
             <a:avLst/>
           </a:prstGeom>
-          <a:ln w="22225">
-            <a:solidFill>
-              <a:schemeClr val="tx1"/>
-            </a:solidFill>
-          </a:ln>
         </p:spPr>
       </p:pic>
     </p:spTree>
     <p:extLst>
       <p:ext uri="{BB962C8B-B14F-4D97-AF65-F5344CB8AC3E}">
-        <p14:creationId xmlns:p14="http://schemas.microsoft.com/office/powerpoint/2010/main" val="2865971399"/>
+        <p14:creationId xmlns:p14="http://schemas.microsoft.com/office/powerpoint/2010/main" val="3456364618"/>
       </p:ext>
     </p:extLst>
   </p:cSld>
@@ -13506,7 +12880,7 @@
 </p:sld>
 </file>
 
-<file path=ppt/slides/slide6.xml><?xml version="1.0" encoding="utf-8"?>
+<file path=ppt/slides/slide5.xml><?xml version="1.0" encoding="utf-8"?>
 <p:sld xmlns:a="http://schemas.openxmlformats.org/drawingml/2006/main" xmlns:r="http://schemas.openxmlformats.org/officeDocument/2006/relationships" xmlns:p="http://schemas.openxmlformats.org/presentationml/2006/main">
   <p:cSld>
     <p:spTree>
@@ -13683,7 +13057,7 @@
 </p:sld>
 </file>
 
-<file path=ppt/slides/slide7.xml><?xml version="1.0" encoding="utf-8"?>
+<file path=ppt/slides/slide6.xml><?xml version="1.0" encoding="utf-8"?>
 <p:sld xmlns:a="http://schemas.openxmlformats.org/drawingml/2006/main" xmlns:r="http://schemas.openxmlformats.org/officeDocument/2006/relationships" xmlns:p="http://schemas.openxmlformats.org/presentationml/2006/main">
   <p:cSld>
     <p:spTree>
@@ -14951,7 +14325,7 @@
 </p:sld>
 </file>
 
-<file path=ppt/slides/slide8.xml><?xml version="1.0" encoding="utf-8"?>
+<file path=ppt/slides/slide7.xml><?xml version="1.0" encoding="utf-8"?>
 <p:sld xmlns:a="http://schemas.openxmlformats.org/drawingml/2006/main" xmlns:r="http://schemas.openxmlformats.org/officeDocument/2006/relationships" xmlns:p="http://schemas.openxmlformats.org/presentationml/2006/main">
   <p:cSld>
     <p:bg>
@@ -15290,7 +14664,7 @@
 </p:sld>
 </file>
 
-<file path=ppt/slides/slide9.xml><?xml version="1.0" encoding="utf-8"?>
+<file path=ppt/slides/slide8.xml><?xml version="1.0" encoding="utf-8"?>
 <p:sld xmlns:a="http://schemas.openxmlformats.org/drawingml/2006/main" xmlns:r="http://schemas.openxmlformats.org/officeDocument/2006/relationships" xmlns:p="http://schemas.openxmlformats.org/presentationml/2006/main">
   <p:cSld>
     <p:bg>
@@ -15641,6 +15015,427 @@
 </p:sld>
 </file>
 
+<file path=ppt/slides/slide9.xml><?xml version="1.0" encoding="utf-8"?>
+<p:sld xmlns:a="http://schemas.openxmlformats.org/drawingml/2006/main" xmlns:r="http://schemas.openxmlformats.org/officeDocument/2006/relationships" xmlns:p="http://schemas.openxmlformats.org/presentationml/2006/main">
+  <p:cSld>
+    <p:bg>
+      <p:bgPr>
+        <a:solidFill>
+          <a:schemeClr val="bg1"/>
+        </a:solidFill>
+        <a:effectLst/>
+      </p:bgPr>
+    </p:bg>
+    <p:spTree>
+      <p:nvGrpSpPr>
+        <p:cNvPr id="1" name=""/>
+        <p:cNvGrpSpPr/>
+        <p:nvPr/>
+      </p:nvGrpSpPr>
+      <p:grpSpPr>
+        <a:xfrm>
+          <a:off x="0" y="0"/>
+          <a:ext cx="0" cy="0"/>
+          <a:chOff x="0" y="0"/>
+          <a:chExt cx="0" cy="0"/>
+        </a:xfrm>
+      </p:grpSpPr>
+      <p:sp>
+        <p:nvSpPr>
+          <p:cNvPr id="15" name="Rectangle 14">
+            <a:extLst>
+              <a:ext uri="{FF2B5EF4-FFF2-40B4-BE49-F238E27FC236}">
+                <a16:creationId xmlns:a16="http://schemas.microsoft.com/office/drawing/2014/main" id="{6753252F-4873-4F63-801D-CC719279A7D5}"/>
+              </a:ext>
+              <a:ext uri="{C183D7F6-B498-43B3-948B-1728B52AA6E4}">
+                <adec:decorative xmlns:adec="http://schemas.microsoft.com/office/drawing/2017/decorative" val="1"/>
+              </a:ext>
+            </a:extLst>
+          </p:cNvPr>
+          <p:cNvSpPr>
+            <a:spLocks noGrp="1" noRot="1" noChangeAspect="1" noMove="1" noResize="1" noEditPoints="1" noAdjustHandles="1" noChangeArrowheads="1" noChangeShapeType="1" noTextEdit="1"/>
+          </p:cNvSpPr>
+          <p:nvPr>
+            <p:extLst>
+              <p:ext uri="{386F3935-93C4-4BCD-93E2-E3B085C9AB24}">
+                <p16:designElem xmlns:p16="http://schemas.microsoft.com/office/powerpoint/2015/main" val="1"/>
+              </p:ext>
+            </p:extLst>
+          </p:nvPr>
+        </p:nvSpPr>
+        <p:spPr>
+          <a:xfrm>
+            <a:off x="0" y="0"/>
+            <a:ext cx="12192000" cy="6858000"/>
+          </a:xfrm>
+          <a:prstGeom prst="rect">
+            <a:avLst/>
+          </a:prstGeom>
+          <a:solidFill>
+            <a:srgbClr val="FFFFFF"/>
+          </a:solidFill>
+          <a:ln>
+            <a:noFill/>
+          </a:ln>
+        </p:spPr>
+        <p:style>
+          <a:lnRef idx="2">
+            <a:schemeClr val="accent1">
+              <a:shade val="50000"/>
+            </a:schemeClr>
+          </a:lnRef>
+          <a:fillRef idx="1">
+            <a:schemeClr val="accent1"/>
+          </a:fillRef>
+          <a:effectRef idx="0">
+            <a:schemeClr val="accent1"/>
+          </a:effectRef>
+          <a:fontRef idx="minor">
+            <a:schemeClr val="lt1"/>
+          </a:fontRef>
+        </p:style>
+        <p:txBody>
+          <a:bodyPr rtlCol="0" anchor="ctr"/>
+          <a:lstStyle/>
+          <a:p>
+            <a:pPr algn="ctr"/>
+            <a:endParaRPr lang="en-US"/>
+          </a:p>
+        </p:txBody>
+      </p:sp>
+      <p:sp>
+        <p:nvSpPr>
+          <p:cNvPr id="17" name="Rectangle 16">
+            <a:extLst>
+              <a:ext uri="{FF2B5EF4-FFF2-40B4-BE49-F238E27FC236}">
+                <a16:creationId xmlns:a16="http://schemas.microsoft.com/office/drawing/2014/main" id="{047C8CCB-F95D-4249-92DD-651249D3535A}"/>
+              </a:ext>
+              <a:ext uri="{C183D7F6-B498-43B3-948B-1728B52AA6E4}">
+                <adec:decorative xmlns:adec="http://schemas.microsoft.com/office/drawing/2017/decorative" val="1"/>
+              </a:ext>
+            </a:extLst>
+          </p:cNvPr>
+          <p:cNvSpPr>
+            <a:spLocks noGrp="1" noRot="1" noChangeAspect="1" noMove="1" noResize="1" noEditPoints="1" noAdjustHandles="1" noChangeArrowheads="1" noChangeShapeType="1" noTextEdit="1"/>
+          </p:cNvSpPr>
+          <p:nvPr>
+            <p:extLst>
+              <p:ext uri="{386F3935-93C4-4BCD-93E2-E3B085C9AB24}">
+                <p16:designElem xmlns:p16="http://schemas.microsoft.com/office/powerpoint/2015/main" val="1"/>
+              </p:ext>
+            </p:extLst>
+          </p:nvPr>
+        </p:nvSpPr>
+        <p:spPr>
+          <a:xfrm>
+            <a:off x="0" y="0"/>
+            <a:ext cx="2013557" cy="6858000"/>
+          </a:xfrm>
+          <a:prstGeom prst="rect">
+            <a:avLst/>
+          </a:prstGeom>
+          <a:solidFill>
+            <a:srgbClr val="627084"/>
+          </a:solidFill>
+          <a:ln>
+            <a:noFill/>
+          </a:ln>
+        </p:spPr>
+        <p:style>
+          <a:lnRef idx="2">
+            <a:schemeClr val="accent1">
+              <a:shade val="50000"/>
+            </a:schemeClr>
+          </a:lnRef>
+          <a:fillRef idx="1">
+            <a:schemeClr val="accent1"/>
+          </a:fillRef>
+          <a:effectRef idx="0">
+            <a:schemeClr val="accent1"/>
+          </a:effectRef>
+          <a:fontRef idx="minor">
+            <a:schemeClr val="lt1"/>
+          </a:fontRef>
+        </p:style>
+        <p:txBody>
+          <a:bodyPr rtlCol="0" anchor="ctr"/>
+          <a:lstStyle/>
+          <a:p>
+            <a:pPr algn="ctr"/>
+            <a:endParaRPr lang="en-US"/>
+          </a:p>
+        </p:txBody>
+      </p:sp>
+      <p:sp>
+        <p:nvSpPr>
+          <p:cNvPr id="2" name="Titel 1">
+            <a:extLst>
+              <a:ext uri="{FF2B5EF4-FFF2-40B4-BE49-F238E27FC236}">
+                <a16:creationId xmlns:a16="http://schemas.microsoft.com/office/drawing/2014/main" id="{9FDF9D82-C988-4ACA-A305-F7BC5CBD1092}"/>
+              </a:ext>
+            </a:extLst>
+          </p:cNvPr>
+          <p:cNvSpPr>
+            <a:spLocks noGrp="1"/>
+          </p:cNvSpPr>
+          <p:nvPr>
+            <p:ph type="title"/>
+          </p:nvPr>
+        </p:nvSpPr>
+        <p:spPr>
+          <a:xfrm>
+            <a:off x="640080" y="2074363"/>
+            <a:ext cx="2752354" cy="2709275"/>
+          </a:xfrm>
+          <a:prstGeom prst="ellipse">
+            <a:avLst/>
+          </a:prstGeom>
+          <a:solidFill>
+            <a:srgbClr val="262626"/>
+          </a:solidFill>
+          <a:ln w="174625" cmpd="thinThick">
+            <a:solidFill>
+              <a:srgbClr val="262626"/>
+            </a:solidFill>
+          </a:ln>
+        </p:spPr>
+        <p:txBody>
+          <a:bodyPr vert="horz" lIns="91440" tIns="45720" rIns="91440" bIns="45720" rtlCol="0" anchor="ctr">
+            <a:normAutofit/>
+          </a:bodyPr>
+          <a:lstStyle/>
+          <a:p>
+            <a:pPr algn="ctr"/>
+            <a:r>
+              <a:rPr lang="en-US" sz="2000" kern="1200" dirty="0" err="1">
+                <a:solidFill>
+                  <a:srgbClr val="FFFFFF"/>
+                </a:solidFill>
+                <a:latin typeface="+mj-lt"/>
+                <a:ea typeface="+mj-ea"/>
+                <a:cs typeface="+mj-cs"/>
+              </a:rPr>
+              <a:t>OmniMove</a:t>
+            </a:r>
+            <a:r>
+              <a:rPr lang="en-US" sz="2000" kern="1200" dirty="0">
+                <a:solidFill>
+                  <a:srgbClr val="FFFFFF"/>
+                </a:solidFill>
+                <a:latin typeface="+mj-lt"/>
+                <a:ea typeface="+mj-ea"/>
+                <a:cs typeface="+mj-cs"/>
+              </a:rPr>
+              <a:t> </a:t>
+            </a:r>
+            <a:r>
+              <a:rPr lang="en-US" sz="2000" kern="1200" dirty="0" err="1">
+                <a:solidFill>
+                  <a:srgbClr val="FFFFFF"/>
+                </a:solidFill>
+                <a:latin typeface="+mj-lt"/>
+                <a:ea typeface="+mj-ea"/>
+                <a:cs typeface="+mj-cs"/>
+              </a:rPr>
+              <a:t>Skizze</a:t>
+            </a:r>
+            <a:r>
+              <a:rPr lang="en-US" sz="2000" kern="1200" dirty="0">
+                <a:solidFill>
+                  <a:srgbClr val="FFFFFF"/>
+                </a:solidFill>
+                <a:latin typeface="+mj-lt"/>
+                <a:ea typeface="+mj-ea"/>
+                <a:cs typeface="+mj-cs"/>
+              </a:rPr>
+              <a:t>: </a:t>
+            </a:r>
+            <a:br>
+              <a:rPr lang="en-US" sz="2000" kern="1200" dirty="0">
+                <a:solidFill>
+                  <a:srgbClr val="FFFFFF"/>
+                </a:solidFill>
+                <a:latin typeface="+mj-lt"/>
+                <a:ea typeface="+mj-ea"/>
+                <a:cs typeface="+mj-cs"/>
+              </a:rPr>
+            </a:br>
+            <a:r>
+              <a:rPr lang="en-US" sz="2000" kern="1200" dirty="0" err="1">
+                <a:solidFill>
+                  <a:srgbClr val="FFFFFF"/>
+                </a:solidFill>
+                <a:latin typeface="+mj-lt"/>
+                <a:ea typeface="+mj-ea"/>
+                <a:cs typeface="+mj-cs"/>
+              </a:rPr>
+              <a:t>Mecanum</a:t>
+            </a:r>
+            <a:r>
+              <a:rPr lang="en-US" sz="2000" kern="1200" dirty="0">
+                <a:solidFill>
+                  <a:srgbClr val="FFFFFF"/>
+                </a:solidFill>
+                <a:latin typeface="+mj-lt"/>
+                <a:ea typeface="+mj-ea"/>
+                <a:cs typeface="+mj-cs"/>
+              </a:rPr>
+              <a:t> </a:t>
+            </a:r>
+            <a:r>
+              <a:rPr lang="en-US" sz="2000" kern="1200" dirty="0" err="1">
+                <a:solidFill>
+                  <a:srgbClr val="FFFFFF"/>
+                </a:solidFill>
+                <a:latin typeface="+mj-lt"/>
+                <a:ea typeface="+mj-ea"/>
+                <a:cs typeface="+mj-cs"/>
+              </a:rPr>
+              <a:t>Räder</a:t>
+            </a:r>
+            <a:r>
+              <a:rPr lang="en-US" sz="2000" kern="1200" dirty="0">
+                <a:solidFill>
+                  <a:srgbClr val="FFFFFF"/>
+                </a:solidFill>
+                <a:latin typeface="+mj-lt"/>
+                <a:ea typeface="+mj-ea"/>
+                <a:cs typeface="+mj-cs"/>
+              </a:rPr>
+              <a:t> &amp; </a:t>
+            </a:r>
+            <a:r>
+              <a:rPr lang="en-US" sz="2000" kern="1200" dirty="0" err="1">
+                <a:solidFill>
+                  <a:srgbClr val="FFFFFF"/>
+                </a:solidFill>
+                <a:latin typeface="+mj-lt"/>
+                <a:ea typeface="+mj-ea"/>
+                <a:cs typeface="+mj-cs"/>
+              </a:rPr>
+              <a:t>Planetengeriebe</a:t>
+            </a:r>
+            <a:endParaRPr lang="en-US" sz="2000" kern="1200" dirty="0">
+              <a:solidFill>
+                <a:srgbClr val="FFFFFF"/>
+              </a:solidFill>
+              <a:latin typeface="+mj-lt"/>
+              <a:ea typeface="+mj-ea"/>
+              <a:cs typeface="+mj-cs"/>
+            </a:endParaRPr>
+          </a:p>
+        </p:txBody>
+      </p:sp>
+      <p:pic>
+        <p:nvPicPr>
+          <p:cNvPr id="10" name="Grafik 9">
+            <a:extLst>
+              <a:ext uri="{FF2B5EF4-FFF2-40B4-BE49-F238E27FC236}">
+                <a16:creationId xmlns:a16="http://schemas.microsoft.com/office/drawing/2014/main" id="{BD5AFBB9-1E4A-4AA7-9F39-3BBA9013200D}"/>
+              </a:ext>
+            </a:extLst>
+          </p:cNvPr>
+          <p:cNvPicPr>
+            <a:picLocks noChangeAspect="1"/>
+          </p:cNvPicPr>
+          <p:nvPr/>
+        </p:nvPicPr>
+        <p:blipFill rotWithShape="1">
+          <a:blip r:embed="rId2"/>
+          <a:srcRect t="7265"/>
+          <a:stretch/>
+        </p:blipFill>
+        <p:spPr>
+          <a:xfrm>
+            <a:off x="3813550" y="1321724"/>
+            <a:ext cx="3488672" cy="4572769"/>
+          </a:xfrm>
+          <a:prstGeom prst="rect">
+            <a:avLst/>
+          </a:prstGeom>
+        </p:spPr>
+      </p:pic>
+      <p:pic>
+        <p:nvPicPr>
+          <p:cNvPr id="13" name="Inhaltsplatzhalter 4">
+            <a:extLst>
+              <a:ext uri="{FF2B5EF4-FFF2-40B4-BE49-F238E27FC236}">
+                <a16:creationId xmlns:a16="http://schemas.microsoft.com/office/drawing/2014/main" id="{77EDDFA2-365B-4AE1-AF60-3BB0002FF583}"/>
+              </a:ext>
+            </a:extLst>
+          </p:cNvPr>
+          <p:cNvPicPr>
+            <a:picLocks noChangeAspect="1"/>
+          </p:cNvPicPr>
+          <p:nvPr/>
+        </p:nvPicPr>
+        <p:blipFill rotWithShape="1">
+          <a:blip r:embed="rId3"/>
+          <a:srcRect t="7967"/>
+          <a:stretch/>
+        </p:blipFill>
+        <p:spPr>
+          <a:xfrm>
+            <a:off x="7981787" y="1427011"/>
+            <a:ext cx="3563543" cy="4642050"/>
+          </a:xfrm>
+          <a:prstGeom prst="rect">
+            <a:avLst/>
+          </a:prstGeom>
+        </p:spPr>
+      </p:pic>
+      <p:pic>
+        <p:nvPicPr>
+          <p:cNvPr id="7" name="Grafik 6" descr="Logo Ingenieursinformatik">
+            <a:extLst>
+              <a:ext uri="{FF2B5EF4-FFF2-40B4-BE49-F238E27FC236}">
+                <a16:creationId xmlns:a16="http://schemas.microsoft.com/office/drawing/2014/main" id="{54369F54-FA52-4FF3-9584-256D5C0A9C02}"/>
+              </a:ext>
+            </a:extLst>
+          </p:cNvPr>
+          <p:cNvPicPr/>
+          <p:nvPr/>
+        </p:nvPicPr>
+        <p:blipFill>
+          <a:blip r:embed="rId4" cstate="print">
+            <a:extLst>
+              <a:ext uri="{28A0092B-C50C-407E-A947-70E740481C1C}">
+                <a14:useLocalDpi xmlns:a14="http://schemas.microsoft.com/office/drawing/2010/main" val="0"/>
+              </a:ext>
+            </a:extLst>
+          </a:blip>
+          <a:srcRect/>
+          <a:stretch>
+            <a:fillRect/>
+          </a:stretch>
+        </p:blipFill>
+        <p:spPr bwMode="auto">
+          <a:xfrm>
+            <a:off x="10178281" y="320040"/>
+            <a:ext cx="1692155" cy="924304"/>
+          </a:xfrm>
+          <a:prstGeom prst="rect">
+            <a:avLst/>
+          </a:prstGeom>
+          <a:noFill/>
+          <a:ln>
+            <a:noFill/>
+          </a:ln>
+        </p:spPr>
+      </p:pic>
+    </p:spTree>
+    <p:extLst>
+      <p:ext uri="{BB962C8B-B14F-4D97-AF65-F5344CB8AC3E}">
+        <p14:creationId xmlns:p14="http://schemas.microsoft.com/office/powerpoint/2010/main" val="4185177068"/>
+      </p:ext>
+    </p:extLst>
+  </p:cSld>
+  <p:clrMapOvr>
+    <a:masterClrMapping/>
+  </p:clrMapOvr>
+</p:sld>
+</file>
+
 <file path=ppt/theme/theme1.xml><?xml version="1.0" encoding="utf-8"?>
 <a:theme xmlns:a="http://schemas.openxmlformats.org/drawingml/2006/main" name="Office">
   <a:themeElements>

--- a/Praktikum Produktionstechnik M2.pptx
+++ b/Praktikum Produktionstechnik M2.pptx
@@ -9,11 +9,12 @@
     <p:sldId id="257" r:id="rId3"/>
     <p:sldId id="262" r:id="rId4"/>
     <p:sldId id="263" r:id="rId5"/>
-    <p:sldId id="264" r:id="rId6"/>
-    <p:sldId id="260" r:id="rId7"/>
-    <p:sldId id="258" r:id="rId8"/>
-    <p:sldId id="259" r:id="rId9"/>
-    <p:sldId id="265" r:id="rId10"/>
+    <p:sldId id="266" r:id="rId6"/>
+    <p:sldId id="264" r:id="rId7"/>
+    <p:sldId id="260" r:id="rId8"/>
+    <p:sldId id="258" r:id="rId9"/>
+    <p:sldId id="259" r:id="rId10"/>
+    <p:sldId id="265" r:id="rId11"/>
   </p:sldIdLst>
   <p:sldSz cx="12192000" cy="6858000"/>
   <p:notesSz cx="6858000" cy="9144000"/>
@@ -5596,6 +5597,427 @@
 </p:sld>
 </file>
 
+<file path=ppt/slides/slide10.xml><?xml version="1.0" encoding="utf-8"?>
+<p:sld xmlns:a="http://schemas.openxmlformats.org/drawingml/2006/main" xmlns:r="http://schemas.openxmlformats.org/officeDocument/2006/relationships" xmlns:p="http://schemas.openxmlformats.org/presentationml/2006/main">
+  <p:cSld>
+    <p:bg>
+      <p:bgPr>
+        <a:solidFill>
+          <a:schemeClr val="bg1"/>
+        </a:solidFill>
+        <a:effectLst/>
+      </p:bgPr>
+    </p:bg>
+    <p:spTree>
+      <p:nvGrpSpPr>
+        <p:cNvPr id="1" name=""/>
+        <p:cNvGrpSpPr/>
+        <p:nvPr/>
+      </p:nvGrpSpPr>
+      <p:grpSpPr>
+        <a:xfrm>
+          <a:off x="0" y="0"/>
+          <a:ext cx="0" cy="0"/>
+          <a:chOff x="0" y="0"/>
+          <a:chExt cx="0" cy="0"/>
+        </a:xfrm>
+      </p:grpSpPr>
+      <p:sp>
+        <p:nvSpPr>
+          <p:cNvPr id="15" name="Rectangle 14">
+            <a:extLst>
+              <a:ext uri="{FF2B5EF4-FFF2-40B4-BE49-F238E27FC236}">
+                <a16:creationId xmlns:a16="http://schemas.microsoft.com/office/drawing/2014/main" id="{6753252F-4873-4F63-801D-CC719279A7D5}"/>
+              </a:ext>
+              <a:ext uri="{C183D7F6-B498-43B3-948B-1728B52AA6E4}">
+                <adec:decorative xmlns:adec="http://schemas.microsoft.com/office/drawing/2017/decorative" val="1"/>
+              </a:ext>
+            </a:extLst>
+          </p:cNvPr>
+          <p:cNvSpPr>
+            <a:spLocks noGrp="1" noRot="1" noChangeAspect="1" noMove="1" noResize="1" noEditPoints="1" noAdjustHandles="1" noChangeArrowheads="1" noChangeShapeType="1" noTextEdit="1"/>
+          </p:cNvSpPr>
+          <p:nvPr>
+            <p:extLst>
+              <p:ext uri="{386F3935-93C4-4BCD-93E2-E3B085C9AB24}">
+                <p16:designElem xmlns:p16="http://schemas.microsoft.com/office/powerpoint/2015/main" val="1"/>
+              </p:ext>
+            </p:extLst>
+          </p:nvPr>
+        </p:nvSpPr>
+        <p:spPr>
+          <a:xfrm>
+            <a:off x="0" y="0"/>
+            <a:ext cx="12192000" cy="6858000"/>
+          </a:xfrm>
+          <a:prstGeom prst="rect">
+            <a:avLst/>
+          </a:prstGeom>
+          <a:solidFill>
+            <a:srgbClr val="FFFFFF"/>
+          </a:solidFill>
+          <a:ln>
+            <a:noFill/>
+          </a:ln>
+        </p:spPr>
+        <p:style>
+          <a:lnRef idx="2">
+            <a:schemeClr val="accent1">
+              <a:shade val="50000"/>
+            </a:schemeClr>
+          </a:lnRef>
+          <a:fillRef idx="1">
+            <a:schemeClr val="accent1"/>
+          </a:fillRef>
+          <a:effectRef idx="0">
+            <a:schemeClr val="accent1"/>
+          </a:effectRef>
+          <a:fontRef idx="minor">
+            <a:schemeClr val="lt1"/>
+          </a:fontRef>
+        </p:style>
+        <p:txBody>
+          <a:bodyPr rtlCol="0" anchor="ctr"/>
+          <a:lstStyle/>
+          <a:p>
+            <a:pPr algn="ctr"/>
+            <a:endParaRPr lang="en-US"/>
+          </a:p>
+        </p:txBody>
+      </p:sp>
+      <p:sp>
+        <p:nvSpPr>
+          <p:cNvPr id="17" name="Rectangle 16">
+            <a:extLst>
+              <a:ext uri="{FF2B5EF4-FFF2-40B4-BE49-F238E27FC236}">
+                <a16:creationId xmlns:a16="http://schemas.microsoft.com/office/drawing/2014/main" id="{047C8CCB-F95D-4249-92DD-651249D3535A}"/>
+              </a:ext>
+              <a:ext uri="{C183D7F6-B498-43B3-948B-1728B52AA6E4}">
+                <adec:decorative xmlns:adec="http://schemas.microsoft.com/office/drawing/2017/decorative" val="1"/>
+              </a:ext>
+            </a:extLst>
+          </p:cNvPr>
+          <p:cNvSpPr>
+            <a:spLocks noGrp="1" noRot="1" noChangeAspect="1" noMove="1" noResize="1" noEditPoints="1" noAdjustHandles="1" noChangeArrowheads="1" noChangeShapeType="1" noTextEdit="1"/>
+          </p:cNvSpPr>
+          <p:nvPr>
+            <p:extLst>
+              <p:ext uri="{386F3935-93C4-4BCD-93E2-E3B085C9AB24}">
+                <p16:designElem xmlns:p16="http://schemas.microsoft.com/office/powerpoint/2015/main" val="1"/>
+              </p:ext>
+            </p:extLst>
+          </p:nvPr>
+        </p:nvSpPr>
+        <p:spPr>
+          <a:xfrm>
+            <a:off x="0" y="0"/>
+            <a:ext cx="2013557" cy="6858000"/>
+          </a:xfrm>
+          <a:prstGeom prst="rect">
+            <a:avLst/>
+          </a:prstGeom>
+          <a:solidFill>
+            <a:srgbClr val="627084"/>
+          </a:solidFill>
+          <a:ln>
+            <a:noFill/>
+          </a:ln>
+        </p:spPr>
+        <p:style>
+          <a:lnRef idx="2">
+            <a:schemeClr val="accent1">
+              <a:shade val="50000"/>
+            </a:schemeClr>
+          </a:lnRef>
+          <a:fillRef idx="1">
+            <a:schemeClr val="accent1"/>
+          </a:fillRef>
+          <a:effectRef idx="0">
+            <a:schemeClr val="accent1"/>
+          </a:effectRef>
+          <a:fontRef idx="minor">
+            <a:schemeClr val="lt1"/>
+          </a:fontRef>
+        </p:style>
+        <p:txBody>
+          <a:bodyPr rtlCol="0" anchor="ctr"/>
+          <a:lstStyle/>
+          <a:p>
+            <a:pPr algn="ctr"/>
+            <a:endParaRPr lang="en-US"/>
+          </a:p>
+        </p:txBody>
+      </p:sp>
+      <p:sp>
+        <p:nvSpPr>
+          <p:cNvPr id="2" name="Titel 1">
+            <a:extLst>
+              <a:ext uri="{FF2B5EF4-FFF2-40B4-BE49-F238E27FC236}">
+                <a16:creationId xmlns:a16="http://schemas.microsoft.com/office/drawing/2014/main" id="{9FDF9D82-C988-4ACA-A305-F7BC5CBD1092}"/>
+              </a:ext>
+            </a:extLst>
+          </p:cNvPr>
+          <p:cNvSpPr>
+            <a:spLocks noGrp="1"/>
+          </p:cNvSpPr>
+          <p:nvPr>
+            <p:ph type="title"/>
+          </p:nvPr>
+        </p:nvSpPr>
+        <p:spPr>
+          <a:xfrm>
+            <a:off x="640080" y="2074363"/>
+            <a:ext cx="2752354" cy="2709275"/>
+          </a:xfrm>
+          <a:prstGeom prst="ellipse">
+            <a:avLst/>
+          </a:prstGeom>
+          <a:solidFill>
+            <a:srgbClr val="262626"/>
+          </a:solidFill>
+          <a:ln w="174625" cmpd="thinThick">
+            <a:solidFill>
+              <a:srgbClr val="262626"/>
+            </a:solidFill>
+          </a:ln>
+        </p:spPr>
+        <p:txBody>
+          <a:bodyPr vert="horz" lIns="91440" tIns="45720" rIns="91440" bIns="45720" rtlCol="0" anchor="ctr">
+            <a:normAutofit/>
+          </a:bodyPr>
+          <a:lstStyle/>
+          <a:p>
+            <a:pPr algn="ctr"/>
+            <a:r>
+              <a:rPr lang="en-US" sz="2000" kern="1200" dirty="0" err="1">
+                <a:solidFill>
+                  <a:srgbClr val="FFFFFF"/>
+                </a:solidFill>
+                <a:latin typeface="+mj-lt"/>
+                <a:ea typeface="+mj-ea"/>
+                <a:cs typeface="+mj-cs"/>
+              </a:rPr>
+              <a:t>OmniMove</a:t>
+            </a:r>
+            <a:r>
+              <a:rPr lang="en-US" sz="2000" kern="1200" dirty="0">
+                <a:solidFill>
+                  <a:srgbClr val="FFFFFF"/>
+                </a:solidFill>
+                <a:latin typeface="+mj-lt"/>
+                <a:ea typeface="+mj-ea"/>
+                <a:cs typeface="+mj-cs"/>
+              </a:rPr>
+              <a:t> </a:t>
+            </a:r>
+            <a:r>
+              <a:rPr lang="en-US" sz="2000" kern="1200" dirty="0" err="1">
+                <a:solidFill>
+                  <a:srgbClr val="FFFFFF"/>
+                </a:solidFill>
+                <a:latin typeface="+mj-lt"/>
+                <a:ea typeface="+mj-ea"/>
+                <a:cs typeface="+mj-cs"/>
+              </a:rPr>
+              <a:t>Skizze</a:t>
+            </a:r>
+            <a:r>
+              <a:rPr lang="en-US" sz="2000" kern="1200" dirty="0">
+                <a:solidFill>
+                  <a:srgbClr val="FFFFFF"/>
+                </a:solidFill>
+                <a:latin typeface="+mj-lt"/>
+                <a:ea typeface="+mj-ea"/>
+                <a:cs typeface="+mj-cs"/>
+              </a:rPr>
+              <a:t>: </a:t>
+            </a:r>
+            <a:br>
+              <a:rPr lang="en-US" sz="2000" kern="1200" dirty="0">
+                <a:solidFill>
+                  <a:srgbClr val="FFFFFF"/>
+                </a:solidFill>
+                <a:latin typeface="+mj-lt"/>
+                <a:ea typeface="+mj-ea"/>
+                <a:cs typeface="+mj-cs"/>
+              </a:rPr>
+            </a:br>
+            <a:r>
+              <a:rPr lang="en-US" sz="2000" kern="1200" dirty="0" err="1">
+                <a:solidFill>
+                  <a:srgbClr val="FFFFFF"/>
+                </a:solidFill>
+                <a:latin typeface="+mj-lt"/>
+                <a:ea typeface="+mj-ea"/>
+                <a:cs typeface="+mj-cs"/>
+              </a:rPr>
+              <a:t>Mecanum</a:t>
+            </a:r>
+            <a:r>
+              <a:rPr lang="en-US" sz="2000" kern="1200" dirty="0">
+                <a:solidFill>
+                  <a:srgbClr val="FFFFFF"/>
+                </a:solidFill>
+                <a:latin typeface="+mj-lt"/>
+                <a:ea typeface="+mj-ea"/>
+                <a:cs typeface="+mj-cs"/>
+              </a:rPr>
+              <a:t> </a:t>
+            </a:r>
+            <a:r>
+              <a:rPr lang="en-US" sz="2000" kern="1200" dirty="0" err="1">
+                <a:solidFill>
+                  <a:srgbClr val="FFFFFF"/>
+                </a:solidFill>
+                <a:latin typeface="+mj-lt"/>
+                <a:ea typeface="+mj-ea"/>
+                <a:cs typeface="+mj-cs"/>
+              </a:rPr>
+              <a:t>Räder</a:t>
+            </a:r>
+            <a:r>
+              <a:rPr lang="en-US" sz="2000" kern="1200" dirty="0">
+                <a:solidFill>
+                  <a:srgbClr val="FFFFFF"/>
+                </a:solidFill>
+                <a:latin typeface="+mj-lt"/>
+                <a:ea typeface="+mj-ea"/>
+                <a:cs typeface="+mj-cs"/>
+              </a:rPr>
+              <a:t> &amp; </a:t>
+            </a:r>
+            <a:r>
+              <a:rPr lang="en-US" sz="2000" kern="1200" dirty="0" err="1">
+                <a:solidFill>
+                  <a:srgbClr val="FFFFFF"/>
+                </a:solidFill>
+                <a:latin typeface="+mj-lt"/>
+                <a:ea typeface="+mj-ea"/>
+                <a:cs typeface="+mj-cs"/>
+              </a:rPr>
+              <a:t>Planetengeriebe</a:t>
+            </a:r>
+            <a:endParaRPr lang="en-US" sz="2000" kern="1200" dirty="0">
+              <a:solidFill>
+                <a:srgbClr val="FFFFFF"/>
+              </a:solidFill>
+              <a:latin typeface="+mj-lt"/>
+              <a:ea typeface="+mj-ea"/>
+              <a:cs typeface="+mj-cs"/>
+            </a:endParaRPr>
+          </a:p>
+        </p:txBody>
+      </p:sp>
+      <p:pic>
+        <p:nvPicPr>
+          <p:cNvPr id="10" name="Grafik 9">
+            <a:extLst>
+              <a:ext uri="{FF2B5EF4-FFF2-40B4-BE49-F238E27FC236}">
+                <a16:creationId xmlns:a16="http://schemas.microsoft.com/office/drawing/2014/main" id="{BD5AFBB9-1E4A-4AA7-9F39-3BBA9013200D}"/>
+              </a:ext>
+            </a:extLst>
+          </p:cNvPr>
+          <p:cNvPicPr>
+            <a:picLocks noChangeAspect="1"/>
+          </p:cNvPicPr>
+          <p:nvPr/>
+        </p:nvPicPr>
+        <p:blipFill rotWithShape="1">
+          <a:blip r:embed="rId2"/>
+          <a:srcRect t="7265"/>
+          <a:stretch/>
+        </p:blipFill>
+        <p:spPr>
+          <a:xfrm>
+            <a:off x="3813550" y="1321724"/>
+            <a:ext cx="3488672" cy="4572769"/>
+          </a:xfrm>
+          <a:prstGeom prst="rect">
+            <a:avLst/>
+          </a:prstGeom>
+        </p:spPr>
+      </p:pic>
+      <p:pic>
+        <p:nvPicPr>
+          <p:cNvPr id="13" name="Inhaltsplatzhalter 4">
+            <a:extLst>
+              <a:ext uri="{FF2B5EF4-FFF2-40B4-BE49-F238E27FC236}">
+                <a16:creationId xmlns:a16="http://schemas.microsoft.com/office/drawing/2014/main" id="{77EDDFA2-365B-4AE1-AF60-3BB0002FF583}"/>
+              </a:ext>
+            </a:extLst>
+          </p:cNvPr>
+          <p:cNvPicPr>
+            <a:picLocks noChangeAspect="1"/>
+          </p:cNvPicPr>
+          <p:nvPr/>
+        </p:nvPicPr>
+        <p:blipFill rotWithShape="1">
+          <a:blip r:embed="rId3"/>
+          <a:srcRect t="7967"/>
+          <a:stretch/>
+        </p:blipFill>
+        <p:spPr>
+          <a:xfrm>
+            <a:off x="7981787" y="1427011"/>
+            <a:ext cx="3563543" cy="4642050"/>
+          </a:xfrm>
+          <a:prstGeom prst="rect">
+            <a:avLst/>
+          </a:prstGeom>
+        </p:spPr>
+      </p:pic>
+      <p:pic>
+        <p:nvPicPr>
+          <p:cNvPr id="7" name="Grafik 6" descr="Logo Ingenieursinformatik">
+            <a:extLst>
+              <a:ext uri="{FF2B5EF4-FFF2-40B4-BE49-F238E27FC236}">
+                <a16:creationId xmlns:a16="http://schemas.microsoft.com/office/drawing/2014/main" id="{54369F54-FA52-4FF3-9584-256D5C0A9C02}"/>
+              </a:ext>
+            </a:extLst>
+          </p:cNvPr>
+          <p:cNvPicPr/>
+          <p:nvPr/>
+        </p:nvPicPr>
+        <p:blipFill>
+          <a:blip r:embed="rId4" cstate="print">
+            <a:extLst>
+              <a:ext uri="{28A0092B-C50C-407E-A947-70E740481C1C}">
+                <a14:useLocalDpi xmlns:a14="http://schemas.microsoft.com/office/drawing/2010/main" val="0"/>
+              </a:ext>
+            </a:extLst>
+          </a:blip>
+          <a:srcRect/>
+          <a:stretch>
+            <a:fillRect/>
+          </a:stretch>
+        </p:blipFill>
+        <p:spPr bwMode="auto">
+          <a:xfrm>
+            <a:off x="10178281" y="320040"/>
+            <a:ext cx="1692155" cy="924304"/>
+          </a:xfrm>
+          <a:prstGeom prst="rect">
+            <a:avLst/>
+          </a:prstGeom>
+          <a:noFill/>
+          <a:ln>
+            <a:noFill/>
+          </a:ln>
+        </p:spPr>
+      </p:pic>
+    </p:spTree>
+    <p:extLst>
+      <p:ext uri="{BB962C8B-B14F-4D97-AF65-F5344CB8AC3E}">
+        <p14:creationId xmlns:p14="http://schemas.microsoft.com/office/powerpoint/2010/main" val="4185177068"/>
+      </p:ext>
+    </p:extLst>
+  </p:cSld>
+  <p:clrMapOvr>
+    <a:masterClrMapping/>
+  </p:clrMapOvr>
+</p:sld>
+</file>
+
 <file path=ppt/slides/slide2.xml><?xml version="1.0" encoding="utf-8"?>
 <p:sld xmlns:a="http://schemas.openxmlformats.org/drawingml/2006/main" xmlns:r="http://schemas.openxmlformats.org/officeDocument/2006/relationships" xmlns:p="http://schemas.openxmlformats.org/presentationml/2006/main">
   <p:cSld>
@@ -7624,8 +8046,8 @@
           </p:pic>
         </mc:Fallback>
       </mc:AlternateContent>
-      <mc:AlternateContent xmlns:mc="http://schemas.openxmlformats.org/markup-compatibility/2006">
-        <mc:Choice xmlns:p14="http://schemas.microsoft.com/office/powerpoint/2010/main" Requires="p14">
+      <mc:AlternateContent xmlns:mc="http://schemas.openxmlformats.org/markup-compatibility/2006" xmlns:p14="http://schemas.microsoft.com/office/powerpoint/2010/main">
+        <mc:Choice Requires="p14">
           <p:contentPart p14:bwMode="auto" r:id="rId5">
             <p14:nvContentPartPr>
               <p14:cNvPr id="22" name="Freihand 21">
@@ -7644,7 +8066,7 @@
             </p14:xfrm>
           </p:contentPart>
         </mc:Choice>
-        <mc:Fallback>
+        <mc:Fallback xmlns="">
           <p:pic>
             <p:nvPicPr>
               <p:cNvPr id="22" name="Freihand 21">
@@ -7658,15 +8080,15 @@
               <p:nvPr/>
             </p:nvPicPr>
             <p:blipFill>
-              <a:blip r:embed="rId6"/>
+              <a:blip r:embed="rId10"/>
               <a:stretch>
                 <a:fillRect/>
               </a:stretch>
             </p:blipFill>
             <p:spPr>
               <a:xfrm>
-                <a:off x="6059674" y="1850428"/>
-                <a:ext cx="36000" cy="701959"/>
+                <a:off x="6060034" y="1850407"/>
+                <a:ext cx="36000" cy="702000"/>
               </a:xfrm>
               <a:prstGeom prst="rect">
                 <a:avLst/>
@@ -7677,7 +8099,7 @@
       </mc:AlternateContent>
       <mc:AlternateContent xmlns:mc="http://schemas.openxmlformats.org/markup-compatibility/2006" xmlns:p14="http://schemas.microsoft.com/office/powerpoint/2010/main">
         <mc:Choice Requires="p14">
-          <p:contentPart p14:bwMode="auto" r:id="rId7">
+          <p:contentPart p14:bwMode="auto" r:id="rId11">
             <p14:nvContentPartPr>
               <p14:cNvPr id="23" name="Freihand 22">
                 <a:extLst>
@@ -7777,8 +8199,8 @@
           </p:pic>
         </mc:Fallback>
       </mc:AlternateContent>
-      <mc:AlternateContent xmlns:mc="http://schemas.openxmlformats.org/markup-compatibility/2006">
-        <mc:Choice xmlns:p14="http://schemas.microsoft.com/office/powerpoint/2010/main" Requires="p14">
+      <mc:AlternateContent xmlns:mc="http://schemas.openxmlformats.org/markup-compatibility/2006" xmlns:p14="http://schemas.microsoft.com/office/powerpoint/2010/main">
+        <mc:Choice Requires="p14">
           <p:contentPart p14:bwMode="auto" r:id="rId17">
             <p14:nvContentPartPr>
               <p14:cNvPr id="26" name="Freihand 25">
@@ -7797,7 +8219,7 @@
             </p14:xfrm>
           </p:contentPart>
         </mc:Choice>
-        <mc:Fallback>
+        <mc:Fallback xmlns="">
           <p:pic>
             <p:nvPicPr>
               <p:cNvPr id="26" name="Freihand 25">
@@ -7818,7 +8240,7 @@
             </p:blipFill>
             <p:spPr>
               <a:xfrm>
-                <a:off x="5999554" y="1954087"/>
+                <a:off x="5999554" y="1954447"/>
                 <a:ext cx="153000" cy="171720"/>
               </a:xfrm>
               <a:prstGeom prst="rect">
@@ -7828,8 +8250,8 @@
           </p:pic>
         </mc:Fallback>
       </mc:AlternateContent>
-      <mc:AlternateContent xmlns:mc="http://schemas.openxmlformats.org/markup-compatibility/2006">
-        <mc:Choice xmlns:p14="http://schemas.microsoft.com/office/powerpoint/2010/main" Requires="p14">
+      <mc:AlternateContent xmlns:mc="http://schemas.openxmlformats.org/markup-compatibility/2006" xmlns:p14="http://schemas.microsoft.com/office/powerpoint/2010/main">
+        <mc:Choice Requires="p14">
           <p:contentPart p14:bwMode="auto" r:id="rId19">
             <p14:nvContentPartPr>
               <p14:cNvPr id="27" name="Freihand 26">
@@ -7848,7 +8270,7 @@
             </p14:xfrm>
           </p:contentPart>
         </mc:Choice>
-        <mc:Fallback>
+        <mc:Fallback xmlns="">
           <p:pic>
             <p:nvPicPr>
               <p:cNvPr id="27" name="Freihand 26">
@@ -12730,6 +13152,14 @@
 <file path=ppt/slides/slide4.xml><?xml version="1.0" encoding="utf-8"?>
 <p:sld xmlns:a="http://schemas.openxmlformats.org/drawingml/2006/main" xmlns:r="http://schemas.openxmlformats.org/officeDocument/2006/relationships" xmlns:p="http://schemas.openxmlformats.org/presentationml/2006/main">
   <p:cSld>
+    <p:bg>
+      <p:bgPr>
+        <a:solidFill>
+          <a:schemeClr val="bg1"/>
+        </a:solidFill>
+        <a:effectLst/>
+      </p:bgPr>
+    </p:bg>
     <p:spTree>
       <p:nvGrpSpPr>
         <p:cNvPr id="1" name=""/>
@@ -12744,6 +13174,132 @@
           <a:chExt cx="0" cy="0"/>
         </a:xfrm>
       </p:grpSpPr>
+      <p:sp>
+        <p:nvSpPr>
+          <p:cNvPr id="44" name="Rectangle 43">
+            <a:extLst>
+              <a:ext uri="{FF2B5EF4-FFF2-40B4-BE49-F238E27FC236}">
+                <a16:creationId xmlns:a16="http://schemas.microsoft.com/office/drawing/2014/main" id="{6753252F-4873-4F63-801D-CC719279A7D5}"/>
+              </a:ext>
+              <a:ext uri="{C183D7F6-B498-43B3-948B-1728B52AA6E4}">
+                <adec:decorative xmlns:adec="http://schemas.microsoft.com/office/drawing/2017/decorative" val="1"/>
+              </a:ext>
+            </a:extLst>
+          </p:cNvPr>
+          <p:cNvSpPr>
+            <a:spLocks noGrp="1" noRot="1" noChangeAspect="1" noMove="1" noResize="1" noEditPoints="1" noAdjustHandles="1" noChangeArrowheads="1" noChangeShapeType="1" noTextEdit="1"/>
+          </p:cNvSpPr>
+          <p:nvPr>
+            <p:extLst>
+              <p:ext uri="{386F3935-93C4-4BCD-93E2-E3B085C9AB24}">
+                <p16:designElem xmlns:p16="http://schemas.microsoft.com/office/powerpoint/2015/main" val="1"/>
+              </p:ext>
+            </p:extLst>
+          </p:nvPr>
+        </p:nvSpPr>
+        <p:spPr>
+          <a:xfrm>
+            <a:off x="0" y="0"/>
+            <a:ext cx="12192000" cy="6858000"/>
+          </a:xfrm>
+          <a:prstGeom prst="rect">
+            <a:avLst/>
+          </a:prstGeom>
+          <a:solidFill>
+            <a:srgbClr val="FFFFFF"/>
+          </a:solidFill>
+          <a:ln>
+            <a:noFill/>
+          </a:ln>
+        </p:spPr>
+        <p:style>
+          <a:lnRef idx="2">
+            <a:schemeClr val="accent1">
+              <a:shade val="50000"/>
+            </a:schemeClr>
+          </a:lnRef>
+          <a:fillRef idx="1">
+            <a:schemeClr val="accent1"/>
+          </a:fillRef>
+          <a:effectRef idx="0">
+            <a:schemeClr val="accent1"/>
+          </a:effectRef>
+          <a:fontRef idx="minor">
+            <a:schemeClr val="lt1"/>
+          </a:fontRef>
+        </p:style>
+        <p:txBody>
+          <a:bodyPr rtlCol="0" anchor="ctr"/>
+          <a:lstStyle/>
+          <a:p>
+            <a:pPr algn="ctr"/>
+            <a:endParaRPr lang="en-US"/>
+          </a:p>
+        </p:txBody>
+      </p:sp>
+      <p:sp>
+        <p:nvSpPr>
+          <p:cNvPr id="46" name="Rectangle 45">
+            <a:extLst>
+              <a:ext uri="{FF2B5EF4-FFF2-40B4-BE49-F238E27FC236}">
+                <a16:creationId xmlns:a16="http://schemas.microsoft.com/office/drawing/2014/main" id="{047C8CCB-F95D-4249-92DD-651249D3535A}"/>
+              </a:ext>
+              <a:ext uri="{C183D7F6-B498-43B3-948B-1728B52AA6E4}">
+                <adec:decorative xmlns:adec="http://schemas.microsoft.com/office/drawing/2017/decorative" val="1"/>
+              </a:ext>
+            </a:extLst>
+          </p:cNvPr>
+          <p:cNvSpPr>
+            <a:spLocks noGrp="1" noRot="1" noChangeAspect="1" noMove="1" noResize="1" noEditPoints="1" noAdjustHandles="1" noChangeArrowheads="1" noChangeShapeType="1" noTextEdit="1"/>
+          </p:cNvSpPr>
+          <p:nvPr>
+            <p:extLst>
+              <p:ext uri="{386F3935-93C4-4BCD-93E2-E3B085C9AB24}">
+                <p16:designElem xmlns:p16="http://schemas.microsoft.com/office/powerpoint/2015/main" val="1"/>
+              </p:ext>
+            </p:extLst>
+          </p:nvPr>
+        </p:nvSpPr>
+        <p:spPr>
+          <a:xfrm>
+            <a:off x="0" y="0"/>
+            <a:ext cx="2013557" cy="6858000"/>
+          </a:xfrm>
+          <a:prstGeom prst="rect">
+            <a:avLst/>
+          </a:prstGeom>
+          <a:solidFill>
+            <a:srgbClr val="7F7F7F"/>
+          </a:solidFill>
+          <a:ln>
+            <a:noFill/>
+          </a:ln>
+        </p:spPr>
+        <p:style>
+          <a:lnRef idx="2">
+            <a:schemeClr val="accent1">
+              <a:shade val="50000"/>
+            </a:schemeClr>
+          </a:lnRef>
+          <a:fillRef idx="1">
+            <a:schemeClr val="accent1"/>
+          </a:fillRef>
+          <a:effectRef idx="0">
+            <a:schemeClr val="accent1"/>
+          </a:effectRef>
+          <a:fontRef idx="minor">
+            <a:schemeClr val="lt1"/>
+          </a:fontRef>
+        </p:style>
+        <p:txBody>
+          <a:bodyPr rtlCol="0" anchor="ctr"/>
+          <a:lstStyle/>
+          <a:p>
+            <a:pPr algn="ctr"/>
+            <a:endParaRPr lang="en-US"/>
+          </a:p>
+        </p:txBody>
+      </p:sp>
       <p:sp>
         <p:nvSpPr>
           <p:cNvPr id="4" name="Titel 1">
@@ -12800,10 +13356,204 @@
       </p:sp>
       <p:pic>
         <p:nvPicPr>
+          <p:cNvPr id="5" name="Grafik 4">
+            <a:extLst>
+              <a:ext uri="{FF2B5EF4-FFF2-40B4-BE49-F238E27FC236}">
+                <a16:creationId xmlns:a16="http://schemas.microsoft.com/office/drawing/2014/main" id="{1B2D998D-EAB3-44CC-A3B6-AACF450133F7}"/>
+              </a:ext>
+            </a:extLst>
+          </p:cNvPr>
+          <p:cNvPicPr>
+            <a:picLocks noChangeAspect="1"/>
+          </p:cNvPicPr>
+          <p:nvPr/>
+        </p:nvPicPr>
+        <p:blipFill>
+          <a:blip r:embed="rId2"/>
+          <a:stretch>
+            <a:fillRect/>
+          </a:stretch>
+        </p:blipFill>
+        <p:spPr>
+          <a:xfrm>
+            <a:off x="3608772" y="782192"/>
+            <a:ext cx="6449629" cy="5304821"/>
+          </a:xfrm>
+          <a:prstGeom prst="rect">
+            <a:avLst/>
+          </a:prstGeom>
+        </p:spPr>
+      </p:pic>
+      <p:pic>
+        <p:nvPicPr>
           <p:cNvPr id="39" name="Grafik 38" descr="Logo Ingenieursinformatik">
             <a:extLst>
               <a:ext uri="{FF2B5EF4-FFF2-40B4-BE49-F238E27FC236}">
                 <a16:creationId xmlns:a16="http://schemas.microsoft.com/office/drawing/2014/main" id="{152A2FCF-B2BB-43A1-A0F1-A90D98C7FE50}"/>
+              </a:ext>
+            </a:extLst>
+          </p:cNvPr>
+          <p:cNvPicPr/>
+          <p:nvPr/>
+        </p:nvPicPr>
+        <p:blipFill>
+          <a:blip r:embed="rId3" cstate="print">
+            <a:extLst>
+              <a:ext uri="{28A0092B-C50C-407E-A947-70E740481C1C}">
+                <a14:useLocalDpi xmlns:a14="http://schemas.microsoft.com/office/drawing/2010/main" val="0"/>
+              </a:ext>
+            </a:extLst>
+          </a:blip>
+          <a:srcRect/>
+          <a:stretch>
+            <a:fillRect/>
+          </a:stretch>
+        </p:blipFill>
+        <p:spPr bwMode="auto">
+          <a:xfrm>
+            <a:off x="10178281" y="320040"/>
+            <a:ext cx="1692155" cy="924304"/>
+          </a:xfrm>
+          <a:prstGeom prst="rect">
+            <a:avLst/>
+          </a:prstGeom>
+          <a:noFill/>
+          <a:ln>
+            <a:noFill/>
+          </a:ln>
+        </p:spPr>
+      </p:pic>
+    </p:spTree>
+    <p:extLst>
+      <p:ext uri="{BB962C8B-B14F-4D97-AF65-F5344CB8AC3E}">
+        <p14:creationId xmlns:p14="http://schemas.microsoft.com/office/powerpoint/2010/main" val="3456364618"/>
+      </p:ext>
+    </p:extLst>
+  </p:cSld>
+  <p:clrMapOvr>
+    <a:masterClrMapping/>
+  </p:clrMapOvr>
+</p:sld>
+</file>
+
+<file path=ppt/slides/slide5.xml><?xml version="1.0" encoding="utf-8"?>
+<p:sld xmlns:a="http://schemas.openxmlformats.org/drawingml/2006/main" xmlns:r="http://schemas.openxmlformats.org/officeDocument/2006/relationships" xmlns:p="http://schemas.openxmlformats.org/presentationml/2006/main">
+  <p:cSld>
+    <p:spTree>
+      <p:nvGrpSpPr>
+        <p:cNvPr id="1" name=""/>
+        <p:cNvGrpSpPr/>
+        <p:nvPr/>
+      </p:nvGrpSpPr>
+      <p:grpSpPr>
+        <a:xfrm>
+          <a:off x="0" y="0"/>
+          <a:ext cx="0" cy="0"/>
+          <a:chOff x="0" y="0"/>
+          <a:chExt cx="0" cy="0"/>
+        </a:xfrm>
+      </p:grpSpPr>
+      <p:sp>
+        <p:nvSpPr>
+          <p:cNvPr id="4" name="Titel 1">
+            <a:extLst>
+              <a:ext uri="{FF2B5EF4-FFF2-40B4-BE49-F238E27FC236}">
+                <a16:creationId xmlns:a16="http://schemas.microsoft.com/office/drawing/2014/main" id="{08253877-8FEC-4715-AEA5-A451C1CBD31A}"/>
+              </a:ext>
+            </a:extLst>
+          </p:cNvPr>
+          <p:cNvSpPr>
+            <a:spLocks noGrp="1"/>
+          </p:cNvSpPr>
+          <p:nvPr>
+            <p:ph type="title"/>
+          </p:nvPr>
+        </p:nvSpPr>
+        <p:spPr>
+          <a:xfrm>
+            <a:off x="640080" y="2074363"/>
+            <a:ext cx="2752354" cy="2709275"/>
+          </a:xfrm>
+          <a:prstGeom prst="ellipse">
+            <a:avLst/>
+          </a:prstGeom>
+          <a:solidFill>
+            <a:srgbClr val="262626"/>
+          </a:solidFill>
+          <a:ln w="174625" cmpd="thinThick">
+            <a:solidFill>
+              <a:srgbClr val="262626"/>
+            </a:solidFill>
+          </a:ln>
+        </p:spPr>
+        <p:txBody>
+          <a:bodyPr vert="horz" lIns="91440" tIns="45720" rIns="91440" bIns="45720" rtlCol="0" anchor="ctr">
+            <a:normAutofit/>
+          </a:bodyPr>
+          <a:lstStyle/>
+          <a:p>
+            <a:pPr algn="ctr"/>
+            <a:r>
+              <a:rPr lang="en-US" sz="2600" b="1" kern="1200" dirty="0">
+                <a:solidFill>
+                  <a:srgbClr val="FFFFFF"/>
+                </a:solidFill>
+                <a:latin typeface="+mj-lt"/>
+                <a:ea typeface="+mj-ea"/>
+                <a:cs typeface="+mj-cs"/>
+              </a:rPr>
+              <a:t>W-egg-Chair: </a:t>
+            </a:r>
+            <a:r>
+              <a:rPr lang="en-US" sz="2600" b="1" kern="1200" dirty="0" err="1">
+                <a:solidFill>
+                  <a:srgbClr val="FFFFFF"/>
+                </a:solidFill>
+                <a:latin typeface="+mj-lt"/>
+                <a:ea typeface="+mj-ea"/>
+                <a:cs typeface="+mj-cs"/>
+              </a:rPr>
+              <a:t>Isometrische</a:t>
+            </a:r>
+            <a:r>
+              <a:rPr lang="en-US" sz="2600" b="1" kern="1200" dirty="0">
+                <a:solidFill>
+                  <a:srgbClr val="FFFFFF"/>
+                </a:solidFill>
+                <a:latin typeface="+mj-lt"/>
+                <a:ea typeface="+mj-ea"/>
+                <a:cs typeface="+mj-cs"/>
+              </a:rPr>
+              <a:t> </a:t>
+            </a:r>
+            <a:r>
+              <a:rPr lang="en-US" sz="2600" b="1" kern="1200" dirty="0" err="1">
+                <a:solidFill>
+                  <a:srgbClr val="FFFFFF"/>
+                </a:solidFill>
+                <a:latin typeface="+mj-lt"/>
+                <a:ea typeface="+mj-ea"/>
+                <a:cs typeface="+mj-cs"/>
+              </a:rPr>
+              <a:t>Darstellung</a:t>
+            </a:r>
+            <a:endParaRPr lang="en-US" sz="2600" b="1" kern="1200" dirty="0">
+              <a:solidFill>
+                <a:srgbClr val="FFFFFF"/>
+              </a:solidFill>
+              <a:latin typeface="+mj-lt"/>
+              <a:ea typeface="+mj-ea"/>
+              <a:cs typeface="+mj-cs"/>
+            </a:endParaRPr>
+          </a:p>
+        </p:txBody>
+      </p:sp>
+      <p:pic>
+        <p:nvPicPr>
+          <p:cNvPr id="12" name="Grafik 11" descr="Logo Ingenieursinformatik">
+            <a:extLst>
+              <a:ext uri="{FF2B5EF4-FFF2-40B4-BE49-F238E27FC236}">
+                <a16:creationId xmlns:a16="http://schemas.microsoft.com/office/drawing/2014/main" id="{1A909A4D-2C76-458E-AC65-5911DFC2D313}"/>
               </a:ext>
             </a:extLst>
           </p:cNvPr>
@@ -12839,10 +13589,10 @@
       </p:pic>
       <p:pic>
         <p:nvPicPr>
-          <p:cNvPr id="2" name="Grafik 1">
+          <p:cNvPr id="3" name="Grafik 2">
             <a:extLst>
               <a:ext uri="{FF2B5EF4-FFF2-40B4-BE49-F238E27FC236}">
-                <a16:creationId xmlns:a16="http://schemas.microsoft.com/office/drawing/2014/main" id="{171B48B3-FBDD-4187-B775-FE4CA6A50A8B}"/>
+                <a16:creationId xmlns:a16="http://schemas.microsoft.com/office/drawing/2014/main" id="{ADC4FD08-4B1E-4E76-9AE0-40FA70932C1A}"/>
               </a:ext>
             </a:extLst>
           </p:cNvPr>
@@ -12859,18 +13609,23 @@
         </p:blipFill>
         <p:spPr>
           <a:xfrm>
-            <a:off x="3585580" y="775483"/>
-            <a:ext cx="6450087" cy="5307034"/>
+            <a:off x="4486871" y="1044552"/>
+            <a:ext cx="5013454" cy="4768895"/>
           </a:xfrm>
           <a:prstGeom prst="rect">
             <a:avLst/>
           </a:prstGeom>
+          <a:ln w="22225">
+            <a:solidFill>
+              <a:schemeClr val="tx1"/>
+            </a:solidFill>
+          </a:ln>
         </p:spPr>
       </p:pic>
     </p:spTree>
     <p:extLst>
       <p:ext uri="{BB962C8B-B14F-4D97-AF65-F5344CB8AC3E}">
-        <p14:creationId xmlns:p14="http://schemas.microsoft.com/office/powerpoint/2010/main" val="3456364618"/>
+        <p14:creationId xmlns:p14="http://schemas.microsoft.com/office/powerpoint/2010/main" val="2865971399"/>
       </p:ext>
     </p:extLst>
   </p:cSld>
@@ -12880,7 +13635,7 @@
 </p:sld>
 </file>
 
-<file path=ppt/slides/slide5.xml><?xml version="1.0" encoding="utf-8"?>
+<file path=ppt/slides/slide6.xml><?xml version="1.0" encoding="utf-8"?>
 <p:sld xmlns:a="http://schemas.openxmlformats.org/drawingml/2006/main" xmlns:r="http://schemas.openxmlformats.org/officeDocument/2006/relationships" xmlns:p="http://schemas.openxmlformats.org/presentationml/2006/main">
   <p:cSld>
     <p:spTree>
@@ -13057,7 +13812,7 @@
 </p:sld>
 </file>
 
-<file path=ppt/slides/slide6.xml><?xml version="1.0" encoding="utf-8"?>
+<file path=ppt/slides/slide7.xml><?xml version="1.0" encoding="utf-8"?>
 <p:sld xmlns:a="http://schemas.openxmlformats.org/drawingml/2006/main" xmlns:r="http://schemas.openxmlformats.org/officeDocument/2006/relationships" xmlns:p="http://schemas.openxmlformats.org/presentationml/2006/main">
   <p:cSld>
     <p:spTree>
@@ -14325,7 +15080,7 @@
 </p:sld>
 </file>
 
-<file path=ppt/slides/slide7.xml><?xml version="1.0" encoding="utf-8"?>
+<file path=ppt/slides/slide8.xml><?xml version="1.0" encoding="utf-8"?>
 <p:sld xmlns:a="http://schemas.openxmlformats.org/drawingml/2006/main" xmlns:r="http://schemas.openxmlformats.org/officeDocument/2006/relationships" xmlns:p="http://schemas.openxmlformats.org/presentationml/2006/main">
   <p:cSld>
     <p:bg>
@@ -14664,7 +15419,7 @@
 </p:sld>
 </file>
 
-<file path=ppt/slides/slide8.xml><?xml version="1.0" encoding="utf-8"?>
+<file path=ppt/slides/slide9.xml><?xml version="1.0" encoding="utf-8"?>
 <p:sld xmlns:a="http://schemas.openxmlformats.org/drawingml/2006/main" xmlns:r="http://schemas.openxmlformats.org/officeDocument/2006/relationships" xmlns:p="http://schemas.openxmlformats.org/presentationml/2006/main">
   <p:cSld>
     <p:bg>
@@ -15015,427 +15770,6 @@
 </p:sld>
 </file>
 
-<file path=ppt/slides/slide9.xml><?xml version="1.0" encoding="utf-8"?>
-<p:sld xmlns:a="http://schemas.openxmlformats.org/drawingml/2006/main" xmlns:r="http://schemas.openxmlformats.org/officeDocument/2006/relationships" xmlns:p="http://schemas.openxmlformats.org/presentationml/2006/main">
-  <p:cSld>
-    <p:bg>
-      <p:bgPr>
-        <a:solidFill>
-          <a:schemeClr val="bg1"/>
-        </a:solidFill>
-        <a:effectLst/>
-      </p:bgPr>
-    </p:bg>
-    <p:spTree>
-      <p:nvGrpSpPr>
-        <p:cNvPr id="1" name=""/>
-        <p:cNvGrpSpPr/>
-        <p:nvPr/>
-      </p:nvGrpSpPr>
-      <p:grpSpPr>
-        <a:xfrm>
-          <a:off x="0" y="0"/>
-          <a:ext cx="0" cy="0"/>
-          <a:chOff x="0" y="0"/>
-          <a:chExt cx="0" cy="0"/>
-        </a:xfrm>
-      </p:grpSpPr>
-      <p:sp>
-        <p:nvSpPr>
-          <p:cNvPr id="15" name="Rectangle 14">
-            <a:extLst>
-              <a:ext uri="{FF2B5EF4-FFF2-40B4-BE49-F238E27FC236}">
-                <a16:creationId xmlns:a16="http://schemas.microsoft.com/office/drawing/2014/main" id="{6753252F-4873-4F63-801D-CC719279A7D5}"/>
-              </a:ext>
-              <a:ext uri="{C183D7F6-B498-43B3-948B-1728B52AA6E4}">
-                <adec:decorative xmlns:adec="http://schemas.microsoft.com/office/drawing/2017/decorative" val="1"/>
-              </a:ext>
-            </a:extLst>
-          </p:cNvPr>
-          <p:cNvSpPr>
-            <a:spLocks noGrp="1" noRot="1" noChangeAspect="1" noMove="1" noResize="1" noEditPoints="1" noAdjustHandles="1" noChangeArrowheads="1" noChangeShapeType="1" noTextEdit="1"/>
-          </p:cNvSpPr>
-          <p:nvPr>
-            <p:extLst>
-              <p:ext uri="{386F3935-93C4-4BCD-93E2-E3B085C9AB24}">
-                <p16:designElem xmlns:p16="http://schemas.microsoft.com/office/powerpoint/2015/main" val="1"/>
-              </p:ext>
-            </p:extLst>
-          </p:nvPr>
-        </p:nvSpPr>
-        <p:spPr>
-          <a:xfrm>
-            <a:off x="0" y="0"/>
-            <a:ext cx="12192000" cy="6858000"/>
-          </a:xfrm>
-          <a:prstGeom prst="rect">
-            <a:avLst/>
-          </a:prstGeom>
-          <a:solidFill>
-            <a:srgbClr val="FFFFFF"/>
-          </a:solidFill>
-          <a:ln>
-            <a:noFill/>
-          </a:ln>
-        </p:spPr>
-        <p:style>
-          <a:lnRef idx="2">
-            <a:schemeClr val="accent1">
-              <a:shade val="50000"/>
-            </a:schemeClr>
-          </a:lnRef>
-          <a:fillRef idx="1">
-            <a:schemeClr val="accent1"/>
-          </a:fillRef>
-          <a:effectRef idx="0">
-            <a:schemeClr val="accent1"/>
-          </a:effectRef>
-          <a:fontRef idx="minor">
-            <a:schemeClr val="lt1"/>
-          </a:fontRef>
-        </p:style>
-        <p:txBody>
-          <a:bodyPr rtlCol="0" anchor="ctr"/>
-          <a:lstStyle/>
-          <a:p>
-            <a:pPr algn="ctr"/>
-            <a:endParaRPr lang="en-US"/>
-          </a:p>
-        </p:txBody>
-      </p:sp>
-      <p:sp>
-        <p:nvSpPr>
-          <p:cNvPr id="17" name="Rectangle 16">
-            <a:extLst>
-              <a:ext uri="{FF2B5EF4-FFF2-40B4-BE49-F238E27FC236}">
-                <a16:creationId xmlns:a16="http://schemas.microsoft.com/office/drawing/2014/main" id="{047C8CCB-F95D-4249-92DD-651249D3535A}"/>
-              </a:ext>
-              <a:ext uri="{C183D7F6-B498-43B3-948B-1728B52AA6E4}">
-                <adec:decorative xmlns:adec="http://schemas.microsoft.com/office/drawing/2017/decorative" val="1"/>
-              </a:ext>
-            </a:extLst>
-          </p:cNvPr>
-          <p:cNvSpPr>
-            <a:spLocks noGrp="1" noRot="1" noChangeAspect="1" noMove="1" noResize="1" noEditPoints="1" noAdjustHandles="1" noChangeArrowheads="1" noChangeShapeType="1" noTextEdit="1"/>
-          </p:cNvSpPr>
-          <p:nvPr>
-            <p:extLst>
-              <p:ext uri="{386F3935-93C4-4BCD-93E2-E3B085C9AB24}">
-                <p16:designElem xmlns:p16="http://schemas.microsoft.com/office/powerpoint/2015/main" val="1"/>
-              </p:ext>
-            </p:extLst>
-          </p:nvPr>
-        </p:nvSpPr>
-        <p:spPr>
-          <a:xfrm>
-            <a:off x="0" y="0"/>
-            <a:ext cx="2013557" cy="6858000"/>
-          </a:xfrm>
-          <a:prstGeom prst="rect">
-            <a:avLst/>
-          </a:prstGeom>
-          <a:solidFill>
-            <a:srgbClr val="627084"/>
-          </a:solidFill>
-          <a:ln>
-            <a:noFill/>
-          </a:ln>
-        </p:spPr>
-        <p:style>
-          <a:lnRef idx="2">
-            <a:schemeClr val="accent1">
-              <a:shade val="50000"/>
-            </a:schemeClr>
-          </a:lnRef>
-          <a:fillRef idx="1">
-            <a:schemeClr val="accent1"/>
-          </a:fillRef>
-          <a:effectRef idx="0">
-            <a:schemeClr val="accent1"/>
-          </a:effectRef>
-          <a:fontRef idx="minor">
-            <a:schemeClr val="lt1"/>
-          </a:fontRef>
-        </p:style>
-        <p:txBody>
-          <a:bodyPr rtlCol="0" anchor="ctr"/>
-          <a:lstStyle/>
-          <a:p>
-            <a:pPr algn="ctr"/>
-            <a:endParaRPr lang="en-US"/>
-          </a:p>
-        </p:txBody>
-      </p:sp>
-      <p:sp>
-        <p:nvSpPr>
-          <p:cNvPr id="2" name="Titel 1">
-            <a:extLst>
-              <a:ext uri="{FF2B5EF4-FFF2-40B4-BE49-F238E27FC236}">
-                <a16:creationId xmlns:a16="http://schemas.microsoft.com/office/drawing/2014/main" id="{9FDF9D82-C988-4ACA-A305-F7BC5CBD1092}"/>
-              </a:ext>
-            </a:extLst>
-          </p:cNvPr>
-          <p:cNvSpPr>
-            <a:spLocks noGrp="1"/>
-          </p:cNvSpPr>
-          <p:nvPr>
-            <p:ph type="title"/>
-          </p:nvPr>
-        </p:nvSpPr>
-        <p:spPr>
-          <a:xfrm>
-            <a:off x="640080" y="2074363"/>
-            <a:ext cx="2752354" cy="2709275"/>
-          </a:xfrm>
-          <a:prstGeom prst="ellipse">
-            <a:avLst/>
-          </a:prstGeom>
-          <a:solidFill>
-            <a:srgbClr val="262626"/>
-          </a:solidFill>
-          <a:ln w="174625" cmpd="thinThick">
-            <a:solidFill>
-              <a:srgbClr val="262626"/>
-            </a:solidFill>
-          </a:ln>
-        </p:spPr>
-        <p:txBody>
-          <a:bodyPr vert="horz" lIns="91440" tIns="45720" rIns="91440" bIns="45720" rtlCol="0" anchor="ctr">
-            <a:normAutofit/>
-          </a:bodyPr>
-          <a:lstStyle/>
-          <a:p>
-            <a:pPr algn="ctr"/>
-            <a:r>
-              <a:rPr lang="en-US" sz="2000" kern="1200" dirty="0" err="1">
-                <a:solidFill>
-                  <a:srgbClr val="FFFFFF"/>
-                </a:solidFill>
-                <a:latin typeface="+mj-lt"/>
-                <a:ea typeface="+mj-ea"/>
-                <a:cs typeface="+mj-cs"/>
-              </a:rPr>
-              <a:t>OmniMove</a:t>
-            </a:r>
-            <a:r>
-              <a:rPr lang="en-US" sz="2000" kern="1200" dirty="0">
-                <a:solidFill>
-                  <a:srgbClr val="FFFFFF"/>
-                </a:solidFill>
-                <a:latin typeface="+mj-lt"/>
-                <a:ea typeface="+mj-ea"/>
-                <a:cs typeface="+mj-cs"/>
-              </a:rPr>
-              <a:t> </a:t>
-            </a:r>
-            <a:r>
-              <a:rPr lang="en-US" sz="2000" kern="1200" dirty="0" err="1">
-                <a:solidFill>
-                  <a:srgbClr val="FFFFFF"/>
-                </a:solidFill>
-                <a:latin typeface="+mj-lt"/>
-                <a:ea typeface="+mj-ea"/>
-                <a:cs typeface="+mj-cs"/>
-              </a:rPr>
-              <a:t>Skizze</a:t>
-            </a:r>
-            <a:r>
-              <a:rPr lang="en-US" sz="2000" kern="1200" dirty="0">
-                <a:solidFill>
-                  <a:srgbClr val="FFFFFF"/>
-                </a:solidFill>
-                <a:latin typeface="+mj-lt"/>
-                <a:ea typeface="+mj-ea"/>
-                <a:cs typeface="+mj-cs"/>
-              </a:rPr>
-              <a:t>: </a:t>
-            </a:r>
-            <a:br>
-              <a:rPr lang="en-US" sz="2000" kern="1200" dirty="0">
-                <a:solidFill>
-                  <a:srgbClr val="FFFFFF"/>
-                </a:solidFill>
-                <a:latin typeface="+mj-lt"/>
-                <a:ea typeface="+mj-ea"/>
-                <a:cs typeface="+mj-cs"/>
-              </a:rPr>
-            </a:br>
-            <a:r>
-              <a:rPr lang="en-US" sz="2000" kern="1200" dirty="0" err="1">
-                <a:solidFill>
-                  <a:srgbClr val="FFFFFF"/>
-                </a:solidFill>
-                <a:latin typeface="+mj-lt"/>
-                <a:ea typeface="+mj-ea"/>
-                <a:cs typeface="+mj-cs"/>
-              </a:rPr>
-              <a:t>Mecanum</a:t>
-            </a:r>
-            <a:r>
-              <a:rPr lang="en-US" sz="2000" kern="1200" dirty="0">
-                <a:solidFill>
-                  <a:srgbClr val="FFFFFF"/>
-                </a:solidFill>
-                <a:latin typeface="+mj-lt"/>
-                <a:ea typeface="+mj-ea"/>
-                <a:cs typeface="+mj-cs"/>
-              </a:rPr>
-              <a:t> </a:t>
-            </a:r>
-            <a:r>
-              <a:rPr lang="en-US" sz="2000" kern="1200" dirty="0" err="1">
-                <a:solidFill>
-                  <a:srgbClr val="FFFFFF"/>
-                </a:solidFill>
-                <a:latin typeface="+mj-lt"/>
-                <a:ea typeface="+mj-ea"/>
-                <a:cs typeface="+mj-cs"/>
-              </a:rPr>
-              <a:t>Räder</a:t>
-            </a:r>
-            <a:r>
-              <a:rPr lang="en-US" sz="2000" kern="1200" dirty="0">
-                <a:solidFill>
-                  <a:srgbClr val="FFFFFF"/>
-                </a:solidFill>
-                <a:latin typeface="+mj-lt"/>
-                <a:ea typeface="+mj-ea"/>
-                <a:cs typeface="+mj-cs"/>
-              </a:rPr>
-              <a:t> &amp; </a:t>
-            </a:r>
-            <a:r>
-              <a:rPr lang="en-US" sz="2000" kern="1200" dirty="0" err="1">
-                <a:solidFill>
-                  <a:srgbClr val="FFFFFF"/>
-                </a:solidFill>
-                <a:latin typeface="+mj-lt"/>
-                <a:ea typeface="+mj-ea"/>
-                <a:cs typeface="+mj-cs"/>
-              </a:rPr>
-              <a:t>Planetengeriebe</a:t>
-            </a:r>
-            <a:endParaRPr lang="en-US" sz="2000" kern="1200" dirty="0">
-              <a:solidFill>
-                <a:srgbClr val="FFFFFF"/>
-              </a:solidFill>
-              <a:latin typeface="+mj-lt"/>
-              <a:ea typeface="+mj-ea"/>
-              <a:cs typeface="+mj-cs"/>
-            </a:endParaRPr>
-          </a:p>
-        </p:txBody>
-      </p:sp>
-      <p:pic>
-        <p:nvPicPr>
-          <p:cNvPr id="10" name="Grafik 9">
-            <a:extLst>
-              <a:ext uri="{FF2B5EF4-FFF2-40B4-BE49-F238E27FC236}">
-                <a16:creationId xmlns:a16="http://schemas.microsoft.com/office/drawing/2014/main" id="{BD5AFBB9-1E4A-4AA7-9F39-3BBA9013200D}"/>
-              </a:ext>
-            </a:extLst>
-          </p:cNvPr>
-          <p:cNvPicPr>
-            <a:picLocks noChangeAspect="1"/>
-          </p:cNvPicPr>
-          <p:nvPr/>
-        </p:nvPicPr>
-        <p:blipFill rotWithShape="1">
-          <a:blip r:embed="rId2"/>
-          <a:srcRect t="7265"/>
-          <a:stretch/>
-        </p:blipFill>
-        <p:spPr>
-          <a:xfrm>
-            <a:off x="3813550" y="1321724"/>
-            <a:ext cx="3488672" cy="4572769"/>
-          </a:xfrm>
-          <a:prstGeom prst="rect">
-            <a:avLst/>
-          </a:prstGeom>
-        </p:spPr>
-      </p:pic>
-      <p:pic>
-        <p:nvPicPr>
-          <p:cNvPr id="13" name="Inhaltsplatzhalter 4">
-            <a:extLst>
-              <a:ext uri="{FF2B5EF4-FFF2-40B4-BE49-F238E27FC236}">
-                <a16:creationId xmlns:a16="http://schemas.microsoft.com/office/drawing/2014/main" id="{77EDDFA2-365B-4AE1-AF60-3BB0002FF583}"/>
-              </a:ext>
-            </a:extLst>
-          </p:cNvPr>
-          <p:cNvPicPr>
-            <a:picLocks noChangeAspect="1"/>
-          </p:cNvPicPr>
-          <p:nvPr/>
-        </p:nvPicPr>
-        <p:blipFill rotWithShape="1">
-          <a:blip r:embed="rId3"/>
-          <a:srcRect t="7967"/>
-          <a:stretch/>
-        </p:blipFill>
-        <p:spPr>
-          <a:xfrm>
-            <a:off x="7981787" y="1427011"/>
-            <a:ext cx="3563543" cy="4642050"/>
-          </a:xfrm>
-          <a:prstGeom prst="rect">
-            <a:avLst/>
-          </a:prstGeom>
-        </p:spPr>
-      </p:pic>
-      <p:pic>
-        <p:nvPicPr>
-          <p:cNvPr id="7" name="Grafik 6" descr="Logo Ingenieursinformatik">
-            <a:extLst>
-              <a:ext uri="{FF2B5EF4-FFF2-40B4-BE49-F238E27FC236}">
-                <a16:creationId xmlns:a16="http://schemas.microsoft.com/office/drawing/2014/main" id="{54369F54-FA52-4FF3-9584-256D5C0A9C02}"/>
-              </a:ext>
-            </a:extLst>
-          </p:cNvPr>
-          <p:cNvPicPr/>
-          <p:nvPr/>
-        </p:nvPicPr>
-        <p:blipFill>
-          <a:blip r:embed="rId4" cstate="print">
-            <a:extLst>
-              <a:ext uri="{28A0092B-C50C-407E-A947-70E740481C1C}">
-                <a14:useLocalDpi xmlns:a14="http://schemas.microsoft.com/office/drawing/2010/main" val="0"/>
-              </a:ext>
-            </a:extLst>
-          </a:blip>
-          <a:srcRect/>
-          <a:stretch>
-            <a:fillRect/>
-          </a:stretch>
-        </p:blipFill>
-        <p:spPr bwMode="auto">
-          <a:xfrm>
-            <a:off x="10178281" y="320040"/>
-            <a:ext cx="1692155" cy="924304"/>
-          </a:xfrm>
-          <a:prstGeom prst="rect">
-            <a:avLst/>
-          </a:prstGeom>
-          <a:noFill/>
-          <a:ln>
-            <a:noFill/>
-          </a:ln>
-        </p:spPr>
-      </p:pic>
-    </p:spTree>
-    <p:extLst>
-      <p:ext uri="{BB962C8B-B14F-4D97-AF65-F5344CB8AC3E}">
-        <p14:creationId xmlns:p14="http://schemas.microsoft.com/office/powerpoint/2010/main" val="4185177068"/>
-      </p:ext>
-    </p:extLst>
-  </p:cSld>
-  <p:clrMapOvr>
-    <a:masterClrMapping/>
-  </p:clrMapOvr>
-</p:sld>
-</file>
-
 <file path=ppt/theme/theme1.xml><?xml version="1.0" encoding="utf-8"?>
 <a:theme xmlns:a="http://schemas.openxmlformats.org/drawingml/2006/main" name="Office">
   <a:themeElements>

--- a/Praktikum Produktionstechnik M2.pptx
+++ b/Praktikum Produktionstechnik M2.pptx
@@ -6138,7 +6138,7 @@
           <a:p>
             <a:pPr algn="r"/>
             <a:r>
-              <a:rPr lang="de-DE">
+              <a:rPr lang="de-DE" dirty="0">
                 <a:solidFill>
                   <a:schemeClr val="accent1"/>
                 </a:solidFill>
@@ -6251,11 +6251,11 @@
             </a:r>
             <a:r>
               <a:rPr lang="de-DE" sz="2400" dirty="0" err="1"/>
-              <a:t>eg</a:t>
+              <a:t>EggWay</a:t>
             </a:r>
             <a:r>
               <a:rPr lang="de-DE" sz="2400" dirty="0"/>
-              <a:t>(g)Way </a:t>
+              <a:t> </a:t>
             </a:r>
           </a:p>
           <a:p>
@@ -13341,7 +13341,7 @@
           <a:p>
             <a:pPr algn="ctr"/>
             <a:r>
-              <a:rPr lang="en-US" sz="2600" b="1" kern="1200">
+              <a:rPr lang="en-US" sz="2600" b="1" kern="1200" dirty="0">
                 <a:solidFill>
                   <a:srgbClr val="FFFFFF"/>
                 </a:solidFill>
@@ -13349,8 +13349,49 @@
                 <a:ea typeface="+mj-ea"/>
                 <a:cs typeface="+mj-cs"/>
               </a:rPr>
-              <a:t>(S)eg(g)Way : Skizze</a:t>
+              <a:t>(S)</a:t>
             </a:r>
+            <a:r>
+              <a:rPr lang="en-US" sz="2600" b="1" kern="1200" dirty="0" err="1">
+                <a:solidFill>
+                  <a:srgbClr val="FFFFFF"/>
+                </a:solidFill>
+                <a:latin typeface="+mj-lt"/>
+                <a:ea typeface="+mj-ea"/>
+                <a:cs typeface="+mj-cs"/>
+              </a:rPr>
+              <a:t>EggWay</a:t>
+            </a:r>
+            <a:r>
+              <a:rPr lang="en-US" sz="2600" b="1" kern="1200" dirty="0">
+                <a:solidFill>
+                  <a:srgbClr val="FFFFFF"/>
+                </a:solidFill>
+                <a:latin typeface="+mj-lt"/>
+                <a:ea typeface="+mj-ea"/>
+                <a:cs typeface="+mj-cs"/>
+              </a:rPr>
+              <a:t> : </a:t>
+            </a:r>
+            <a:r>
+              <a:rPr lang="en-US" sz="2600" b="1" kern="1200" dirty="0" err="1">
+                <a:solidFill>
+                  <a:srgbClr val="FFFFFF"/>
+                </a:solidFill>
+                <a:latin typeface="+mj-lt"/>
+                <a:ea typeface="+mj-ea"/>
+                <a:cs typeface="+mj-cs"/>
+              </a:rPr>
+              <a:t>Skizze</a:t>
+            </a:r>
+            <a:endParaRPr lang="en-US" sz="2600" b="1" kern="1200" dirty="0">
+              <a:solidFill>
+                <a:srgbClr val="FFFFFF"/>
+              </a:solidFill>
+              <a:latin typeface="+mj-lt"/>
+              <a:ea typeface="+mj-ea"/>
+              <a:cs typeface="+mj-cs"/>
+            </a:endParaRPr>
           </a:p>
         </p:txBody>
       </p:sp>

--- a/Praktikum Produktionstechnik M2.pptx
+++ b/Praktikum Produktionstechnik M2.pptx
@@ -157,64 +157,6 @@
         <inkml:traceFormat>
           <inkml:channel name="X" type="integer" min="-2.14748E9" max="2.14748E9" units="cm"/>
           <inkml:channel name="Y" type="integer" min="-2.14748E9" max="2.14748E9" units="cm"/>
-        </inkml:traceFormat>
-        <inkml:channelProperties>
-          <inkml:channelProperty channel="X" name="resolution" value="1000" units="1/cm"/>
-          <inkml:channelProperty channel="Y" name="resolution" value="1000" units="1/cm"/>
-        </inkml:channelProperties>
-      </inkml:inkSource>
-      <inkml:timestamp xml:id="ts0" timeString="2019-05-27T17:45:52.384"/>
-    </inkml:context>
-    <inkml:brush xml:id="br0">
-      <inkml:brushProperty name="width" value="0.1" units="cm"/>
-      <inkml:brushProperty name="height" value="0.2" units="cm"/>
-      <inkml:brushProperty name="color" value="#FFFC00"/>
-      <inkml:brushProperty name="tip" value="rectangle"/>
-      <inkml:brushProperty name="rasterOp" value="maskPen"/>
-      <inkml:brushProperty name="ignorePressure" value="1"/>
-    </inkml:brush>
-  </inkml:definitions>
-  <inkml:trace contextRef="#ctx0" brushRef="#br0">0 1,'0'52,"0"890,0-710,0-215,0-1,0 1,0-1,0-1,0-883,0 827</inkml:trace>
-</inkml:ink>
-</file>
-
-<file path=ppt/ink/ink11.xml><?xml version="1.0" encoding="utf-8"?>
-<inkml:ink xmlns:inkml="http://www.w3.org/2003/InkML">
-  <inkml:definitions>
-    <inkml:context xml:id="ctx0">
-      <inkml:inkSource xml:id="inkSrc0">
-        <inkml:traceFormat>
-          <inkml:channel name="X" type="integer" min="-2.14748E9" max="2.14748E9" units="cm"/>
-          <inkml:channel name="Y" type="integer" min="-2.14748E9" max="2.14748E9" units="cm"/>
-        </inkml:traceFormat>
-        <inkml:channelProperties>
-          <inkml:channelProperty channel="X" name="resolution" value="1000" units="1/cm"/>
-          <inkml:channelProperty channel="Y" name="resolution" value="1000" units="1/cm"/>
-        </inkml:channelProperties>
-      </inkml:inkSource>
-      <inkml:timestamp xml:id="ts0" timeString="2019-05-27T17:46:06.609"/>
-    </inkml:context>
-    <inkml:brush xml:id="br0">
-      <inkml:brushProperty name="width" value="0.1" units="cm"/>
-      <inkml:brushProperty name="height" value="0.2" units="cm"/>
-      <inkml:brushProperty name="color" value="#FFFC00"/>
-      <inkml:brushProperty name="tip" value="rectangle"/>
-      <inkml:brushProperty name="rasterOp" value="maskPen"/>
-      <inkml:brushProperty name="ignorePressure" value="1"/>
-    </inkml:brush>
-  </inkml:definitions>
-  <inkml:trace contextRef="#ctx0" brushRef="#br0">0 1,'4574'806,"-4562"-804,-1 0,1 0,3 1,-1 0,-2-1,-1 0,0 0,0 0,0-1,1 2,0-1,1 0,74 13,-74-12,-1-1,0 0,0 0,1 0,-1 0,111 20,-112-20,-1 0,2 0,5 1,-2-1,-3 1,0-1,0 0</inkml:trace>
-</inkml:ink>
-</file>
-
-<file path=ppt/ink/ink12.xml><?xml version="1.0" encoding="utf-8"?>
-<inkml:ink xmlns:inkml="http://www.w3.org/2003/InkML">
-  <inkml:definitions>
-    <inkml:context xml:id="ctx0">
-      <inkml:inkSource xml:id="inkSrc0">
-        <inkml:traceFormat>
-          <inkml:channel name="X" type="integer" min="-2.14748E9" max="2.14748E9" units="cm"/>
-          <inkml:channel name="Y" type="integer" min="-2.14748E9" max="2.14748E9" units="cm"/>
           <inkml:channel name="F" type="integer" max="32767" units="dev"/>
         </inkml:traceFormat>
         <inkml:channelProperties>
@@ -237,7 +179,7 @@
 </inkml:ink>
 </file>
 
-<file path=ppt/ink/ink13.xml><?xml version="1.0" encoding="utf-8"?>
+<file path=ppt/ink/ink11.xml><?xml version="1.0" encoding="utf-8"?>
 <inkml:ink xmlns:inkml="http://www.w3.org/2003/InkML">
   <inkml:definitions>
     <inkml:context xml:id="ctx0">
@@ -267,37 +209,7 @@
 </inkml:ink>
 </file>
 
-<file path=ppt/ink/ink14.xml><?xml version="1.0" encoding="utf-8"?>
-<inkml:ink xmlns:inkml="http://www.w3.org/2003/InkML">
-  <inkml:definitions>
-    <inkml:context xml:id="ctx0">
-      <inkml:inkSource xml:id="inkSrc0">
-        <inkml:traceFormat>
-          <inkml:channel name="X" type="integer" min="-2.14748E9" max="2.14748E9" units="cm"/>
-          <inkml:channel name="Y" type="integer" min="-2.14748E9" max="2.14748E9" units="cm"/>
-          <inkml:channel name="F" type="integer" max="32767" units="dev"/>
-        </inkml:traceFormat>
-        <inkml:channelProperties>
-          <inkml:channelProperty channel="X" name="resolution" value="1000" units="1/cm"/>
-          <inkml:channelProperty channel="Y" name="resolution" value="1000" units="1/cm"/>
-          <inkml:channelProperty channel="F" name="resolution" value="0" units="1/dev"/>
-        </inkml:channelProperties>
-      </inkml:inkSource>
-      <inkml:timestamp xml:id="ts0" timeString="2019-05-27T17:46:12.850"/>
-    </inkml:context>
-    <inkml:brush xml:id="br0">
-      <inkml:brushProperty name="width" value="0.1" units="cm"/>
-      <inkml:brushProperty name="height" value="0.2" units="cm"/>
-      <inkml:brushProperty name="color" value="#FFFC00"/>
-      <inkml:brushProperty name="tip" value="rectangle"/>
-      <inkml:brushProperty name="rasterOp" value="maskPen"/>
-    </inkml:brush>
-  </inkml:definitions>
-  <inkml:trace contextRef="#ctx0" brushRef="#br0">118 105 2304,'1'1'10,"0"0"0,0-1 0,-1 1 0,1 0 0,0-1 0,0 1 0,0-1 0,1 1 0,-1-1 0,0 1 0,0-1 0,0 0 0,0 0 0,0 1 0,0-1 0,0 0 0,1 0 0,-1 0 0,0 0 0,0 0 0,0 0 0,0-1 0,0 1 0,1 0 0,-1-1 0,0 1 0,0 0 0,0-1 0,0 0 0,0 1 0,0-1-1,0 1 1,0-1 0,0 0 0,-1 0 0,1 0 0,0 1 0,0-1 0,-1 0 0,1 0 0,0 0 0,-1 0 0,1 0 0,-1 0 0,1 0 0,-1 0 0,0-1 0,1 1 0,-1 0 0,0 0 0,0 0 0,0 0 0,0 0 0,0-1 0,0 1-10,25-27 987,-18 24-802,1 0 0,-1 1 0,1 0 0,0 0 1,0 1-1,0 0 0,0 0 0,0 1 0,1 0 0,-1 0 0,0 1 1,1 0-1,-1 0 0,0 1 0,1 0 0,-1 1 0,0 0 0,0 0 0,0 1 1,0 0-1,-1 0 0,1 1 0,-1 0 0,0 0 0,0 0 0,0 1 1,0 1-1,1 1-185,-4-3 80,0-1-1,-1 1 1,0 0 0,0 0 0,0 1-1,-1-1 1,1 0 0,-1 1 0,0 0 0,0-1-1,0 1 1,-1 0 0,0 0 0,0 0-1,0 0 1,-1 0 0,1 0 0,-1 0 0,0 0-1,-1 0 1,1 0 0,-1 0 0,0 0 0,0 0-1,-1 0 1,1 0 0,-1-1 0,0 1-1,-1 0 1,1-1 0,-1 0 0,1 1 0,-1-1-1,-1 0 1,1-1 0,-1 1 0,1 0 0,-1-1-1,0 0 1,0 0 0,0 0 0,-1-1-1,1 1 1,-1-1 0,1 0 0,-1 0 0,0 0-1,0-1 1,0 0 0,-1 0-80,-11 4 67,-1-2 1,1 0-1,-1 0 1,1-2-1,-1 0 1,0-2-1,1 0 1,-1 0-1,-13-4-67,24 4 18,0 0 1,0-1-1,0 0 1,1 0-1,-1 0 0,1-1 1,-1 0-1,1 0 0,0 0 1,0-1-1,1 0 1,-1 0-1,1-1 0,0 1 1,0-1-1,0 0 1,0-1-1,1 1 0,0-1 1,0 0-1,1 0 0,0 0 1,0 0-1,0-1 1,-1-4-19,5 4 0,-1-1 0,1 1 0,1-1 0,-1 1 0,1-1 0,1 1 0,-1 0 0,1 0 0,1 0 0,-1 0 0,1 1 0,0-1 0,0 1 0,1 0 0,0 0 0,0 1 0,1-1 0,-1 1 0,1 1 0,0-1 0,0 1 0,1 0 0,-1 0 0,1 0 0,0 1 0,0 0 0,0 1 0,1-1 0,-1 1 0,0 1 0,1 0 0,-1 0 0,7 0 0,-8-1 0,-1 1 0,0 0 1,1 0-1,-1 1 1,0-1-1,1 1 1,-1 0-1,1 1 0,-1-1 1,0 1-1,1 0 1,-1 1-1,0-1 1,0 1-1,0 0 0,0 0 1,0 0-1,0 1 1,-1 0-1,1 0 1,-1 0-1,0 1 0,0-1 1,0 1-1,0 0 1,-1 0-1,1 0 1,-1 1-1,0-1 0,0 1 1,-1-1-1,1 1 1,-1 0-1,0 0 1,-1 0-1,1 1 0,-1-1 1,0 0-1,0 1 1,0-1-1,-1 0 0,0 1 1,0-1-1,-1 1 1,1-1-1,-1 0 1,0 1-1,0-1 0,-1 0 1,-2 5-1,-3-2 54,0 0 0,-1 0 0,0-1-1,-1 0 1,1-1 0,-1 0 0,-1 0 0,1-1 0,-1 0 0,0-1 0,0 0 0,0 0 0,-1-1-1,1 0 1,-1-1 0,0-1 0,1 1 0,-1-2 0,-6 1-54,12-1 8,0 1 1,0-1-1,0 0 1,0 0-1,-1 0 0,1-1 1,0 0-1,0 0 1,0 0-1,1 0 1,-1-1-1,0 0 1,0 0-1,1 0 0,-1-1 1,1 1-1,0-1 1,0 0-1,0-1 1,0 1-1,0 0 0,1-1 1,-1 0-1,1 0 1,0 0-1,1 0 1,-1-1-1,0 1 0,1-1 1,0 0-1,0 1 1,1-1-1,-1 0 1,1 0-1,0 0 1,1 0-1,-1 0 0,1 0 1,0 0-1,0 0 1,0 0-1,1-1 1,0-2-9,3 0 0,0 0 0,0 0 0,0 1 0,1 0 0,0 0 0,1 0 0,-1 0 0,1 1 0,1 0 0,-1 0 0,1 1 0,0 0 0,0 0 0,1 0 0,-1 1 0,1 0 0,0 1 0,0-1 0,0 2 0,1-1 0,-1 1 0,0 0 0,1 1 0,0 0 0,-1 0 0,1 1 0,0 0 0,-1 1 0,1 0 0,0 0 0,-1 1 0,1 0 0,-1 0 0,0 1 0,0 0 0,0 1 0,0 0 0,0 0 0,-1 0 0,0 1 0,0 0 0,0 1 0,0-1 0,1 3 0,-6-6 14,0-1 1,1 1 0,-1 0 0,0-1 0,0 1 0,0 0 0,-1 0-1,1 1 1,0-1 0,-1 0 0,0 1 0,1-1 0,-1 1 0,0-1 0,0 1-1,0-1 1,-1 1 0,1 0 0,-1-1 0,1 1 0,-1 0 0,0 0-1,0-1 1,0 1 0,0 0 0,-1 0 0,1-1 0,-1 1 0,1 0 0,-1-1-1,0 1 1,0-1 0,-2 3-15,-6 4 62,-1-1-1,-1 0 0,0-1 1,0 0-1,0 0 1,-1-1-1,0-1 1,0 0-1,0 0 1,-1-2-1,1 1 0,-1-1 1,0-1-1,0-1 1,0 0-1,0 0 1,0-1-1,0-1 1,0 0-1,0-1 0,0 0 1,0-1-1,0-1 1,1 0-1,-5-2-61,15 6-7,0 0 0,0 0 0,0 0 0,1 0 0,-1 0-1,0-1 1,0 1 0,0 0 0,0-1 0,0 0 0,1 1 0,-1-1 0,0 0 0,0 0-1,1 0 1,-1 0 0,1 0 0,-1-1 0,1 1 0,-1 0 0,1-1 0,0 1 0,0-1-1,0 1 1,0-1 0,0 1 0,0-1 0,0 0 0,0 0 0,1 0 0,-1 1 0,0-1-1,1 0 1,0 0 0,-1 0 0,1 0 0,0 0 0,0 0 0,0 0 0,0 1 0,1-1-1,-1 0 1,0 0 0,1 0 0,-1 0 0,1 0 0,0 1 0,0-1 0,0 0 0,0 0-1,0 1 1,0-1 0,0 1 0,0-1 0,0 1 0,1-1 0,-1 1 7,93-44-6720,-38 27 299</inkml:trace>
-</inkml:ink>
-</file>
-
-<file path=ppt/ink/ink15.xml><?xml version="1.0" encoding="utf-8"?>
+<file path=ppt/ink/ink12.xml><?xml version="1.0" encoding="utf-8"?>
 <inkml:ink xmlns:inkml="http://www.w3.org/2003/InkML">
   <inkml:definitions>
     <inkml:context xml:id="ctx0">
@@ -327,7 +239,7 @@
 </inkml:ink>
 </file>
 
-<file path=ppt/ink/ink16.xml><?xml version="1.0" encoding="utf-8"?>
+<file path=ppt/ink/ink13.xml><?xml version="1.0" encoding="utf-8"?>
 <inkml:ink xmlns:inkml="http://www.w3.org/2003/InkML">
   <inkml:definitions>
     <inkml:context xml:id="ctx0">
@@ -357,7 +269,7 @@
 </inkml:ink>
 </file>
 
-<file path=ppt/ink/ink17.xml><?xml version="1.0" encoding="utf-8"?>
+<file path=ppt/ink/ink14.xml><?xml version="1.0" encoding="utf-8"?>
 <inkml:ink xmlns:inkml="http://www.w3.org/2003/InkML">
   <inkml:definitions>
     <inkml:context xml:id="ctx0">
@@ -386,7 +298,7 @@
 </inkml:ink>
 </file>
 
-<file path=ppt/ink/ink18.xml><?xml version="1.0" encoding="utf-8"?>
+<file path=ppt/ink/ink15.xml><?xml version="1.0" encoding="utf-8"?>
 <inkml:ink xmlns:inkml="http://www.w3.org/2003/InkML">
   <inkml:definitions>
     <inkml:context xml:id="ctx0">
@@ -416,7 +328,7 @@
 </inkml:ink>
 </file>
 
-<file path=ppt/ink/ink19.xml><?xml version="1.0" encoding="utf-8"?>
+<file path=ppt/ink/ink16.xml><?xml version="1.0" encoding="utf-8"?>
 <inkml:ink xmlns:inkml="http://www.w3.org/2003/InkML">
   <inkml:definitions>
     <inkml:context xml:id="ctx0">
@@ -442,6 +354,94 @@
     </inkml:brush>
   </inkml:definitions>
   <inkml:trace contextRef="#ctx0" brushRef="#br0">0 0,'5722'1112,"-5709"-1109,-2-1,101 20,-93-19</inkml:trace>
+</inkml:ink>
+</file>
+
+<file path=ppt/ink/ink17.xml><?xml version="1.0" encoding="utf-8"?>
+<inkml:ink xmlns:inkml="http://www.w3.org/2003/InkML">
+  <inkml:definitions>
+    <inkml:context xml:id="ctx0">
+      <inkml:inkSource xml:id="inkSrc0">
+        <inkml:traceFormat>
+          <inkml:channel name="X" type="integer" min="-2.14748E9" max="2.14748E9" units="cm"/>
+          <inkml:channel name="Y" type="integer" min="-2.14748E9" max="2.14748E9" units="cm"/>
+        </inkml:traceFormat>
+        <inkml:channelProperties>
+          <inkml:channelProperty channel="X" name="resolution" value="1000" units="1/cm"/>
+          <inkml:channelProperty channel="Y" name="resolution" value="1000" units="1/cm"/>
+        </inkml:channelProperties>
+      </inkml:inkSource>
+      <inkml:timestamp xml:id="ts0" timeString="2019-05-27T17:47:20.604"/>
+    </inkml:context>
+    <inkml:brush xml:id="br0">
+      <inkml:brushProperty name="width" value="0.1" units="cm"/>
+      <inkml:brushProperty name="height" value="0.2" units="cm"/>
+      <inkml:brushProperty name="color" value="#FFFC00"/>
+      <inkml:brushProperty name="tip" value="rectangle"/>
+      <inkml:brushProperty name="rasterOp" value="maskPen"/>
+      <inkml:brushProperty name="ignorePressure" value="1"/>
+    </inkml:brush>
+  </inkml:definitions>
+  <inkml:trace contextRef="#ctx0" brushRef="#br0">5702 2,'7'-1,"-9"1,-6 2,-5690 1106,5709-1111</inkml:trace>
+</inkml:ink>
+</file>
+
+<file path=ppt/ink/ink18.xml><?xml version="1.0" encoding="utf-8"?>
+<inkml:ink xmlns:inkml="http://www.w3.org/2003/InkML">
+  <inkml:definitions>
+    <inkml:context xml:id="ctx0">
+      <inkml:inkSource xml:id="inkSrc0">
+        <inkml:traceFormat>
+          <inkml:channel name="X" type="integer" min="-2.14748E9" max="2.14748E9" units="cm"/>
+          <inkml:channel name="Y" type="integer" min="-2.14748E9" max="2.14748E9" units="cm"/>
+        </inkml:traceFormat>
+        <inkml:channelProperties>
+          <inkml:channelProperty channel="X" name="resolution" value="1000" units="1/cm"/>
+          <inkml:channelProperty channel="Y" name="resolution" value="1000" units="1/cm"/>
+        </inkml:channelProperties>
+      </inkml:inkSource>
+      <inkml:timestamp xml:id="ts0" timeString="2019-05-27T17:47:28.717"/>
+    </inkml:context>
+    <inkml:brush xml:id="br0">
+      <inkml:brushProperty name="width" value="0.1" units="cm"/>
+      <inkml:brushProperty name="height" value="0.2" units="cm"/>
+      <inkml:brushProperty name="color" value="#FFFC00"/>
+      <inkml:brushProperty name="tip" value="rectangle"/>
+      <inkml:brushProperty name="rasterOp" value="maskPen"/>
+      <inkml:brushProperty name="ignorePressure" value="1"/>
+    </inkml:brush>
+  </inkml:definitions>
+  <inkml:trace contextRef="#ctx0" brushRef="#br0">1 0,'0'1237,"0"-1705,0 412</inkml:trace>
+</inkml:ink>
+</file>
+
+<file path=ppt/ink/ink19.xml><?xml version="1.0" encoding="utf-8"?>
+<inkml:ink xmlns:inkml="http://www.w3.org/2003/InkML">
+  <inkml:definitions>
+    <inkml:context xml:id="ctx0">
+      <inkml:inkSource xml:id="inkSrc0">
+        <inkml:traceFormat>
+          <inkml:channel name="X" type="integer" min="-2.14748E9" max="2.14748E9" units="cm"/>
+          <inkml:channel name="Y" type="integer" min="-2.14748E9" max="2.14748E9" units="cm"/>
+          <inkml:channel name="F" type="integer" max="32767" units="dev"/>
+        </inkml:traceFormat>
+        <inkml:channelProperties>
+          <inkml:channelProperty channel="X" name="resolution" value="1000" units="1/cm"/>
+          <inkml:channelProperty channel="Y" name="resolution" value="1000" units="1/cm"/>
+          <inkml:channelProperty channel="F" name="resolution" value="0" units="1/dev"/>
+        </inkml:channelProperties>
+      </inkml:inkSource>
+      <inkml:timestamp xml:id="ts0" timeString="2019-05-27T17:47:34.041"/>
+    </inkml:context>
+    <inkml:brush xml:id="br0">
+      <inkml:brushProperty name="width" value="0.1" units="cm"/>
+      <inkml:brushProperty name="height" value="0.2" units="cm"/>
+      <inkml:brushProperty name="color" value="#FFFC00"/>
+      <inkml:brushProperty name="tip" value="rectangle"/>
+      <inkml:brushProperty name="rasterOp" value="maskPen"/>
+    </inkml:brush>
+  </inkml:definitions>
+  <inkml:trace contextRef="#ctx0" brushRef="#br0">152 262 3840,'-9'-4'471,"0"-1"0,0-1 0,0 1 1,0-1-1,1-1 0,0 1 0,0-1 0,1-1 0,0 0 0,0 0 1,1 0-1,0 0 0,-4-10-471,7 14 104,1 0 0,0 0-1,0-1 1,1 1 0,-1-1 0,1 1 0,0-1 0,0 0-1,0 1 1,1-1 0,0 0 0,0 1 0,0-1 0,0 0-1,1 0 1,0 1 0,0-1 0,0 1 0,0-1-1,1 1 1,0-1 0,0 1 0,0 0 0,0 0 0,1 0-1,0 0 1,-1 0 0,1 0 0,1 1 0,-1-1 0,2 0-104,2 1 87,1 0 1,-1 0-1,1 1 1,0 0-1,0 0 1,0 1-1,0 0 1,0 0-1,0 1 1,0 0 0,0 0-1,0 1 1,1 0-1,-1 1 1,-1 0-1,1 0 1,0 0-1,0 1 1,-1 1-1,0-1 1,1 1-1,-1 0 1,-1 0-1,1 1 1,-1 0 0,1 0-1,-1 1 1,-1 0-1,5 5-87,-6-6 36,0-1 0,0 1-1,0 0 1,0 0 0,-1 1 0,0-1-1,0 1 1,-1 0 0,0 0 0,0 0-1,0 0 1,0 0 0,-1 0 0,0 0-1,-1 0 1,1 0 0,-1 1 0,0-1-1,-1 0 1,1 1 0,-1-1 0,0 0-1,-1 0 1,0 0 0,0 0 0,0 0-1,-1 0 1,1-1 0,-1 1 0,-1-1-1,1 0 1,-1 0 0,0 0 0,0 0-1,0-1 1,-1 1 0,-2 1-36,3-2 15,0-1 0,-1 0 0,1 0 0,-1 0 0,0 0 0,1-1 0,-1 0 1,0 0-1,-1 0 0,1 0 0,0-1 0,0 0 0,-1 0 0,1 0 0,-1-1 0,1 0 0,0 0 0,-1 0 1,1-1-1,-1 1 0,1-1 0,0-1 0,0 1 0,-1-1 0,1 0 0,0 0 0,0 0 0,1-1 0,-1 0 0,0 0 1,1 0-1,0 0 0,0-1 0,0 0 0,0 1 0,0-2 0,1 1 0,0 0 0,0-1 0,0 1 0,-1-3-15,3 3 0,1 0 0,-1-1 0,1 1 0,0-1 0,0 1 0,0-1 0,0 1 0,1-1 0,0 1 0,0-1 0,0 1 0,0 0 0,1-1 0,0 1 0,0 0 0,0 0 0,0 0 0,1 1 0,-1-1 0,1 0 0,0 1 0,0 0 0,0-1 0,1 1 0,-1 1 0,1-1 0,0 0 0,-1 1 0,1 0 0,0 0 0,0 0 0,1 0 0,-1 1 0,0-1 0,1 1 0,-1 0 0,0 1 0,1-1 0,-1 1 0,1 0 0,-1 0 0,1 0 0,-1 0 0,1 1 0,-1 0 0,1 0 0,-1 0 0,0 0 0,3 2 0,-2-3 9,0 1 0,0-1-1,0 1 1,0 0-1,0 1 1,0-1-1,-1 1 1,1 0-1,0 0 1,-1 0-1,0 1 1,0 0-1,1 0 1,-1 0-1,-1 0 1,1 0 0,0 1-1,-1 0 1,0-1-1,0 1 1,0 1-1,0-1 1,-1 0-1,0 1 1,1-1-1,-2 1 1,1-1-1,0 1 1,-1 0-1,0 0 1,0 0 0,-1 0-1,1 0 1,-1 0-1,0 0 1,0 0-1,-1 0 1,1 0-1,-1 0 1,0 0-1,-1-1 1,1 1-1,-1 0 1,0 0-1,0-1-8,-5 3 31,1-2 1,-1 1-1,-1 0 0,1-1 0,-1-1 0,0 1 0,0-1 0,0-1 0,-1 1 0,1-1 0,-1-1 0,0 0 0,0 0 0,0-1 0,0 0 0,0 0 0,0-1 0,0 0 0,0-1 0,0 0 0,0 0 0,0-1 0,0 0 0,1 0 0,-1-1 0,1-1 0,-1 1 0,1-1 0,0-1 0,1 1 0,-1-1 0,1-1 0,-6-4-31,11 8 0,-1 1 0,0-1 0,1 0 0,0 0 0,-1 0 0,1-1 0,0 1 0,0-1 0,0 1 0,1-1 0,-1 0 0,1 1 0,-1-1 0,1 0 0,0 0 0,0 0 0,0 0 0,0 0 0,1 0 0,-1 0 0,1 0 0,0-1 0,0 1 0,0 0 0,0 0 0,0 0 0,1 0 0,-1 0 0,1 0 0,0 0 0,0 0 0,0 0 0,1 0 0,-1 0 0,1 0 0,-1 1 0,1-2 0,3-2 0,1-1 0,-1 1 0,1 0 0,0 1 0,0-1 0,1 1 0,-1 0 0,1 0 0,0 1 0,1 0 0,-1 1 0,1-1 0,7-1 0,-10 2 20,0 1-1,1 0 0,-1 0 1,0 1-1,1 0 0,-1-1 1,1 2-1,-1-1 0,1 1 1,-1 0-1,1 0 0,0 0 1,-1 1-1,1 0 0,-1 0 1,1 0-1,-1 1 0,0 0 1,0 0-1,1 0 0,-1 0 1,-1 1-1,1 0 0,0 0 1,-1 0-1,1 1 0,-1 0 1,0 0-1,0 0 0,-1 0 1,1 0-1,2 5-19,-4-5 11,-1-1 0,1 1 0,-1-1 0,0 1-1,0-1 1,-1 1 0,1 0 0,-1 0 0,0-1 0,0 1 0,0 0-1,0-1 1,0 1 0,-1 0 0,0 0 0,0-1 0,0 1 0,0-1-1,0 1 1,-1-1 0,0 0 0,0 1 0,0-1 0,0 0 0,0 0-1,0 0 1,-1 0 0,1-1 0,-1 1 0,0-1 0,0 1 0,0-1-1,0 0 1,0 0 0,-1-1 0,1 1 0,0-1 0,-1 1 0,1-1 0,-1 0-1,0 0 1,1-1 0,-1 1 0,0-1 0,1 1 0,-1-1 0,0-1-1,0 1 1,1 0 0,-1-1 0,0 0 0,1 0 0,-1 0 0,1 0-1,-2-1-10,-22-40-3764,45-32-8172,0 41 10293</inkml:trace>
 </inkml:ink>
 </file>
 
@@ -482,94 +482,6 @@
         <inkml:traceFormat>
           <inkml:channel name="X" type="integer" min="-2.14748E9" max="2.14748E9" units="cm"/>
           <inkml:channel name="Y" type="integer" min="-2.14748E9" max="2.14748E9" units="cm"/>
-        </inkml:traceFormat>
-        <inkml:channelProperties>
-          <inkml:channelProperty channel="X" name="resolution" value="1000" units="1/cm"/>
-          <inkml:channelProperty channel="Y" name="resolution" value="1000" units="1/cm"/>
-        </inkml:channelProperties>
-      </inkml:inkSource>
-      <inkml:timestamp xml:id="ts0" timeString="2019-05-27T17:47:20.604"/>
-    </inkml:context>
-    <inkml:brush xml:id="br0">
-      <inkml:brushProperty name="width" value="0.1" units="cm"/>
-      <inkml:brushProperty name="height" value="0.2" units="cm"/>
-      <inkml:brushProperty name="color" value="#FFFC00"/>
-      <inkml:brushProperty name="tip" value="rectangle"/>
-      <inkml:brushProperty name="rasterOp" value="maskPen"/>
-      <inkml:brushProperty name="ignorePressure" value="1"/>
-    </inkml:brush>
-  </inkml:definitions>
-  <inkml:trace contextRef="#ctx0" brushRef="#br0">5702 2,'7'-1,"-9"1,-6 2,-5690 1106,5709-1111</inkml:trace>
-</inkml:ink>
-</file>
-
-<file path=ppt/ink/ink21.xml><?xml version="1.0" encoding="utf-8"?>
-<inkml:ink xmlns:inkml="http://www.w3.org/2003/InkML">
-  <inkml:definitions>
-    <inkml:context xml:id="ctx0">
-      <inkml:inkSource xml:id="inkSrc0">
-        <inkml:traceFormat>
-          <inkml:channel name="X" type="integer" min="-2.14748E9" max="2.14748E9" units="cm"/>
-          <inkml:channel name="Y" type="integer" min="-2.14748E9" max="2.14748E9" units="cm"/>
-        </inkml:traceFormat>
-        <inkml:channelProperties>
-          <inkml:channelProperty channel="X" name="resolution" value="1000" units="1/cm"/>
-          <inkml:channelProperty channel="Y" name="resolution" value="1000" units="1/cm"/>
-        </inkml:channelProperties>
-      </inkml:inkSource>
-      <inkml:timestamp xml:id="ts0" timeString="2019-05-27T17:47:28.717"/>
-    </inkml:context>
-    <inkml:brush xml:id="br0">
-      <inkml:brushProperty name="width" value="0.1" units="cm"/>
-      <inkml:brushProperty name="height" value="0.2" units="cm"/>
-      <inkml:brushProperty name="color" value="#FFFC00"/>
-      <inkml:brushProperty name="tip" value="rectangle"/>
-      <inkml:brushProperty name="rasterOp" value="maskPen"/>
-      <inkml:brushProperty name="ignorePressure" value="1"/>
-    </inkml:brush>
-  </inkml:definitions>
-  <inkml:trace contextRef="#ctx0" brushRef="#br0">1 0,'0'1237,"0"-1705,0 412</inkml:trace>
-</inkml:ink>
-</file>
-
-<file path=ppt/ink/ink22.xml><?xml version="1.0" encoding="utf-8"?>
-<inkml:ink xmlns:inkml="http://www.w3.org/2003/InkML">
-  <inkml:definitions>
-    <inkml:context xml:id="ctx0">
-      <inkml:inkSource xml:id="inkSrc0">
-        <inkml:traceFormat>
-          <inkml:channel name="X" type="integer" min="-2.14748E9" max="2.14748E9" units="cm"/>
-          <inkml:channel name="Y" type="integer" min="-2.14748E9" max="2.14748E9" units="cm"/>
-          <inkml:channel name="F" type="integer" max="32767" units="dev"/>
-        </inkml:traceFormat>
-        <inkml:channelProperties>
-          <inkml:channelProperty channel="X" name="resolution" value="1000" units="1/cm"/>
-          <inkml:channelProperty channel="Y" name="resolution" value="1000" units="1/cm"/>
-          <inkml:channelProperty channel="F" name="resolution" value="0" units="1/dev"/>
-        </inkml:channelProperties>
-      </inkml:inkSource>
-      <inkml:timestamp xml:id="ts0" timeString="2019-05-27T17:47:34.041"/>
-    </inkml:context>
-    <inkml:brush xml:id="br0">
-      <inkml:brushProperty name="width" value="0.1" units="cm"/>
-      <inkml:brushProperty name="height" value="0.2" units="cm"/>
-      <inkml:brushProperty name="color" value="#FFFC00"/>
-      <inkml:brushProperty name="tip" value="rectangle"/>
-      <inkml:brushProperty name="rasterOp" value="maskPen"/>
-    </inkml:brush>
-  </inkml:definitions>
-  <inkml:trace contextRef="#ctx0" brushRef="#br0">152 262 3840,'-9'-4'471,"0"-1"0,0-1 0,0 1 1,0-1-1,1-1 0,0 1 0,0-1 0,1-1 0,0 0 0,0 0 1,1 0-1,0 0 0,-4-10-471,7 14 104,1 0 0,0 0-1,0-1 1,1 1 0,-1-1 0,1 1 0,0-1 0,0 0-1,0 1 1,1-1 0,0 0 0,0 1 0,0-1 0,0 0-1,1 0 1,0 1 0,0-1 0,0 1 0,0-1-1,1 1 1,0-1 0,0 1 0,0 0 0,0 0 0,1 0-1,0 0 1,-1 0 0,1 0 0,1 1 0,-1-1 0,2 0-104,2 1 87,1 0 1,-1 0-1,1 1 1,0 0-1,0 0 1,0 1-1,0 0 1,0 0-1,0 1 1,0 0 0,0 0-1,0 1 1,1 0-1,-1 1 1,-1 0-1,1 0 1,0 0-1,0 1 1,-1 1-1,0-1 1,1 1-1,-1 0 1,-1 0-1,1 1 1,-1 0 0,1 0-1,-1 1 1,-1 0-1,5 5-87,-6-6 36,0-1 0,0 1-1,0 0 1,0 0 0,-1 1 0,0-1-1,0 1 1,-1 0 0,0 0 0,0 0-1,0 0 1,0 0 0,-1 0 0,0 0-1,-1 0 1,1 0 0,-1 1 0,0-1-1,-1 0 1,1 1 0,-1-1 0,0 0-1,-1 0 1,0 0 0,0 0 0,0 0-1,-1 0 1,1-1 0,-1 1 0,-1-1-1,1 0 1,-1 0 0,0 0 0,0 0-1,0-1 1,-1 1 0,-2 1-36,3-2 15,0-1 0,-1 0 0,1 0 0,-1 0 0,0 0 0,1-1 0,-1 0 1,0 0-1,-1 0 0,1 0 0,0-1 0,0 0 0,-1 0 0,1 0 0,-1-1 0,1 0 0,0 0 0,-1 0 1,1-1-1,-1 1 0,1-1 0,0-1 0,0 1 0,-1-1 0,1 0 0,0 0 0,0 0 0,1-1 0,-1 0 0,0 0 1,1 0-1,0 0 0,0-1 0,0 0 0,0 1 0,0-2 0,1 1 0,0 0 0,0-1 0,0 1 0,-1-3-15,3 3 0,1 0 0,-1-1 0,1 1 0,0-1 0,0 1 0,0-1 0,0 1 0,1-1 0,0 1 0,0-1 0,0 1 0,0 0 0,1-1 0,0 1 0,0 0 0,0 0 0,0 0 0,1 1 0,-1-1 0,1 0 0,0 1 0,0 0 0,0-1 0,1 1 0,-1 1 0,1-1 0,0 0 0,-1 1 0,1 0 0,0 0 0,0 0 0,1 0 0,-1 1 0,0-1 0,1 1 0,-1 0 0,0 1 0,1-1 0,-1 1 0,1 0 0,-1 0 0,1 0 0,-1 0 0,1 1 0,-1 0 0,1 0 0,-1 0 0,0 0 0,3 2 0,-2-3 9,0 1 0,0-1-1,0 1 1,0 0-1,0 1 1,0-1-1,-1 1 1,1 0-1,0 0 1,-1 0-1,0 1 1,0 0-1,1 0 1,-1 0-1,-1 0 1,1 0 0,0 1-1,-1 0 1,0-1-1,0 1 1,0 1-1,0-1 1,-1 0-1,0 1 1,1-1-1,-2 1 1,1-1-1,0 1 1,-1 0-1,0 0 1,0 0 0,-1 0-1,1 0 1,-1 0-1,0 0 1,0 0-1,-1 0 1,1 0-1,-1 0 1,0 0-1,-1-1 1,1 1-1,-1 0 1,0 0-1,0-1-8,-5 3 31,1-2 1,-1 1-1,-1 0 0,1-1 0,-1-1 0,0 1 0,0-1 0,0-1 0,-1 1 0,1-1 0,-1-1 0,0 0 0,0 0 0,0-1 0,0 0 0,0 0 0,0-1 0,0 0 0,0-1 0,0 0 0,0 0 0,0-1 0,0 0 0,1 0 0,-1-1 0,1-1 0,-1 1 0,1-1 0,0-1 0,1 1 0,-1-1 0,1-1 0,-6-4-31,11 8 0,-1 1 0,0-1 0,1 0 0,0 0 0,-1 0 0,1-1 0,0 1 0,0-1 0,0 1 0,1-1 0,-1 0 0,1 1 0,-1-1 0,1 0 0,0 0 0,0 0 0,0 0 0,0 0 0,1 0 0,-1 0 0,1 0 0,0-1 0,0 1 0,0 0 0,0 0 0,0 0 0,1 0 0,-1 0 0,1 0 0,0 0 0,0 0 0,0 0 0,1 0 0,-1 0 0,1 0 0,-1 1 0,1-2 0,3-2 0,1-1 0,-1 1 0,1 0 0,0 1 0,0-1 0,1 1 0,-1 0 0,1 0 0,0 1 0,1 0 0,-1 1 0,1-1 0,7-1 0,-10 2 20,0 1-1,1 0 0,-1 0 1,0 1-1,1 0 0,-1-1 1,1 2-1,-1-1 0,1 1 1,-1 0-1,1 0 0,0 0 1,-1 1-1,1 0 0,-1 0 1,1 0-1,-1 1 0,0 0 1,0 0-1,1 0 0,-1 0 1,-1 1-1,1 0 0,0 0 1,-1 0-1,1 1 0,-1 0 1,0 0-1,0 0 0,-1 0 1,1 0-1,2 5-19,-4-5 11,-1-1 0,1 1 0,-1-1 0,0 1-1,0-1 1,-1 1 0,1 0 0,-1 0 0,0-1 0,0 1 0,0 0-1,0-1 1,0 1 0,-1 0 0,0 0 0,0-1 0,0 1 0,0-1-1,0 1 1,-1-1 0,0 0 0,0 1 0,0-1 0,0 0 0,0 0-1,0 0 1,-1 0 0,1-1 0,-1 1 0,0-1 0,0 1 0,0-1-1,0 0 1,0 0 0,-1-1 0,1 1 0,0-1 0,-1 1 0,1-1 0,-1 0-1,0 0 1,1-1 0,-1 1 0,0-1 0,1 1 0,-1-1 0,0-1-1,0 1 1,1 0 0,-1-1 0,0 0 0,1 0 0,-1 0 0,1 0-1,-2-1-10,-22-40-3764,45-32-8172,0 41 10293</inkml:trace>
-</inkml:ink>
-</file>
-
-<file path=ppt/ink/ink23.xml><?xml version="1.0" encoding="utf-8"?>
-<inkml:ink xmlns:inkml="http://www.w3.org/2003/InkML">
-  <inkml:definitions>
-    <inkml:context xml:id="ctx0">
-      <inkml:inkSource xml:id="inkSrc0">
-        <inkml:traceFormat>
-          <inkml:channel name="X" type="integer" min="-2.14748E9" max="2.14748E9" units="cm"/>
-          <inkml:channel name="Y" type="integer" min="-2.14748E9" max="2.14748E9" units="cm"/>
           <inkml:channel name="F" type="integer" max="32767" units="dev"/>
         </inkml:traceFormat>
         <inkml:channelProperties>
@@ -592,7 +504,7 @@
 </inkml:ink>
 </file>
 
-<file path=ppt/ink/ink24.xml><?xml version="1.0" encoding="utf-8"?>
+<file path=ppt/ink/ink21.xml><?xml version="1.0" encoding="utf-8"?>
 <inkml:ink xmlns:inkml="http://www.w3.org/2003/InkML">
   <inkml:definitions>
     <inkml:context xml:id="ctx0">
@@ -622,7 +534,7 @@
 </inkml:ink>
 </file>
 
-<file path=ppt/ink/ink25.xml><?xml version="1.0" encoding="utf-8"?>
+<file path=ppt/ink/ink22.xml><?xml version="1.0" encoding="utf-8"?>
 <inkml:ink xmlns:inkml="http://www.w3.org/2003/InkML">
   <inkml:definitions>
     <inkml:context xml:id="ctx0">
@@ -651,7 +563,7 @@
 </inkml:ink>
 </file>
 
-<file path=ppt/ink/ink26.xml><?xml version="1.0" encoding="utf-8"?>
+<file path=ppt/ink/ink23.xml><?xml version="1.0" encoding="utf-8"?>
 <inkml:ink xmlns:inkml="http://www.w3.org/2003/InkML">
   <inkml:definitions>
     <inkml:context xml:id="ctx0">
@@ -680,7 +592,7 @@
 </inkml:ink>
 </file>
 
-<file path=ppt/ink/ink27.xml><?xml version="1.0" encoding="utf-8"?>
+<file path=ppt/ink/ink24.xml><?xml version="1.0" encoding="utf-8"?>
 <inkml:ink xmlns:inkml="http://www.w3.org/2003/InkML">
   <inkml:definitions>
     <inkml:context xml:id="ctx0">
@@ -709,7 +621,7 @@
 </inkml:ink>
 </file>
 
-<file path=ppt/ink/ink28.xml><?xml version="1.0" encoding="utf-8"?>
+<file path=ppt/ink/ink25.xml><?xml version="1.0" encoding="utf-8"?>
 <inkml:ink xmlns:inkml="http://www.w3.org/2003/InkML">
   <inkml:definitions>
     <inkml:context xml:id="ctx0">
@@ -739,7 +651,7 @@
 </inkml:ink>
 </file>
 
-<file path=ppt/ink/ink29.xml><?xml version="1.0" encoding="utf-8"?>
+<file path=ppt/ink/ink26.xml><?xml version="1.0" encoding="utf-8"?>
 <inkml:ink xmlns:inkml="http://www.w3.org/2003/InkML">
   <inkml:definitions>
     <inkml:context xml:id="ctx0">
@@ -766,6 +678,94 @@
     </inkml:brush>
   </inkml:definitions>
   <inkml:trace contextRef="#ctx0" brushRef="#br0">154 174 5504,'-40'-22'5311,"36"21"-5198,1 1 0,-1-1-1,0 0 1,1 0 0,-1 0-1,1 0 1,0-1 0,-1 1 0,1-1-1,0 0 1,0 0 0,0 0-1,0-1 1,1 1 0,-1-1-1,0 1 1,1-1 0,0 0-1,0 0 1,0 0 0,0 0-1,0 0 1,0-1 0,1 1 0,0 0-1,-1-1 1,1 1 0,1-1-1,-1 0 1,0 1 0,1-1-1,0 0 1,0 1 0,0-1-1,0 0 1,0 1 0,1-1 0,0 1-1,0-2-112,1 2 42,-1 0-1,1 0 0,0 0 1,0 1-1,0-1 1,0 0-1,0 1 0,0 0 1,1 0-1,-1 0 0,1 0 1,0 0-1,-1 0 1,1 0-1,0 1 0,0 0 1,0-1-1,0 1 1,1 0-1,-1 1 0,0-1 1,0 0-1,0 1 0,1 0 1,-1 0-1,0 0 1,1 0-1,-1 0 0,0 1 1,0-1-1,0 1 1,1 0-1,-1 0 0,0 0 1,0 1-1,0-1 0,0 1 1,-1-1-1,1 1 1,0 0-1,-1 0 0,1 0 1,-1 0-1,1 1 1,-1-1-1,0 1 0,0-1 1,0 1-1,-1 0 0,1 1-41,2-1 72,-1 0 0,0 1-1,0-1 1,-1 1 0,1 0-1,-1 0 1,0 0 0,0 0-1,0 0 1,-1 1 0,1-1-1,-1 0 1,0 1 0,0-1-1,0 1 1,-1-1 0,0 1-1,0 0 1,0-1 0,0 1-1,-1-1 1,0 1 0,0-1-1,0 1 1,0-1 0,-1 0-1,1 1 1,-1-1-1,0 0 1,-1 0 0,1 0-1,-1 0 1,1-1 0,-1 1-1,0-1 1,-1 0 0,1 1-1,0-1 1,-4 2-72,0-4 13,1 0-1,0-1 1,0 0 0,-1 0-1,1 0 1,0-1 0,0 0-1,0 0 1,-1-1 0,1 0-1,1 0 1,-1 0 0,0 0-1,0-1 1,1 0 0,-1 0-1,1-1 1,0 1 0,0-1-1,1-1 1,-1 1 0,1 0-1,0-1 1,0 0 0,0 0-1,1 0 1,-1-1 0,1 1-1,0-1 1,1 1 0,0-1-1,-1-2-12,3 5-3,0-1-1,0 1 1,0-1-1,0 1 1,1-1-1,0 1 0,-1-1 1,1 1-1,0-1 1,1 1-1,-1 0 1,1 0-1,-1 0 1,1-1-1,0 2 1,0-1-1,0 0 0,1 0 1,-1 1-1,1-1 1,-1 1-1,1-1 1,0 1-1,0 0 1,0 0-1,0 1 0,0-1 1,0 1-1,0-1 1,1 1-1,-1 0 1,1 0-1,-1 0 1,1 1-1,-1-1 0,3 1 4,1-1-6,0 0-1,-1 1 0,1-1 0,0 1 1,-1 1-1,1-1 0,0 1 0,-1 1 1,1-1-1,-1 1 0,1 0 1,-1 0-1,0 1 0,0 0 0,0 0 1,0 0-1,-1 1 0,1 0 0,2 2 7,-6-4 18,0 0-1,1 1 0,-1-1 1,0 1-1,0-1 0,-1 1 1,1 0-1,0 0 0,-1-1 0,0 1 1,0 0-1,0 0 0,0 1 1,0-1-1,0 0 0,-1 0 1,1 0-1,-1 0 0,0 1 1,0-1-1,-1 0 0,1 0 0,0 1 1,-1-1-1,0 0 0,0 0 1,0 0-1,0 0 0,0 0 1,-1 0-1,1 0 0,-1-1 1,0 1-1,0 0 0,0-1 0,0 0 1,0 1-1,0-1 0,-1 0 1,1 0-1,-1 0 0,0 0 1,1-1-1,-1 1 0,0-1 1,0 1-1,0-1 0,0 0 0,0 0 1,0-1-1,-1 1 0,1 0 1,-1-1-18,-4 0 44,0 0 0,0-1 0,0 0 0,0 0 1,0 0-1,0-1 0,0-1 0,0 1 0,1-1 1,-1 0-1,1-1 0,0 0 0,0 0 0,-5-5-44,11 9-1,0-1-1,0 0 0,0 0 1,0-1-1,0 1 1,1 0-1,-1 0 0,0 0 1,1 0-1,-1-1 0,1 1 1,-1 0-1,1 0 1,-1-1-1,1 1 0,0 0 1,0-1-1,0 1 0,0-1 1,0 1-1,0 0 1,0-1-1,0 1 0,1 0 1,-1-1-1,0 1 0,1 0 1,-1 0-1,1-1 0,-1 1 1,1 0-1,0 0 1,0 0-1,-1 0 0,1 0 1,0 0-1,0 0 0,0 0 1,0 0-1,0 0 1,0 0-1,0 0 0,1 1 1,-1-1-1,0 0 0,0 1 1,0-1-1,2 1 2,64-31-1692,2 14-5839,-33 11-319</inkml:trace>
+</inkml:ink>
+</file>
+
+<file path=ppt/ink/ink27.xml><?xml version="1.0" encoding="utf-8"?>
+<inkml:ink xmlns:inkml="http://www.w3.org/2003/InkML">
+  <inkml:definitions>
+    <inkml:context xml:id="ctx0">
+      <inkml:inkSource xml:id="inkSrc0">
+        <inkml:traceFormat>
+          <inkml:channel name="X" type="integer" min="-2.14748E9" max="2.14748E9" units="cm"/>
+          <inkml:channel name="Y" type="integer" min="-2.14748E9" max="2.14748E9" units="cm"/>
+          <inkml:channel name="F" type="integer" max="32767" units="dev"/>
+        </inkml:traceFormat>
+        <inkml:channelProperties>
+          <inkml:channelProperty channel="X" name="resolution" value="1000" units="1/cm"/>
+          <inkml:channelProperty channel="Y" name="resolution" value="1000" units="1/cm"/>
+          <inkml:channelProperty channel="F" name="resolution" value="0" units="1/dev"/>
+        </inkml:channelProperties>
+      </inkml:inkSource>
+      <inkml:timestamp xml:id="ts0" timeString="2019-05-27T17:49:35.003"/>
+    </inkml:context>
+    <inkml:brush xml:id="br0">
+      <inkml:brushProperty name="width" value="0.1" units="cm"/>
+      <inkml:brushProperty name="height" value="0.2" units="cm"/>
+      <inkml:brushProperty name="color" value="#00F900"/>
+      <inkml:brushProperty name="tip" value="rectangle"/>
+      <inkml:brushProperty name="rasterOp" value="maskPen"/>
+    </inkml:brush>
+  </inkml:definitions>
+  <inkml:trace contextRef="#ctx0" brushRef="#br0">43 182 10624,'-7'-14'771,"-27"-73"1964,33 85-2693,1 0-1,0 0 0,-1 0 1,1-1-1,0 1 0,0 0 1,0 0-1,1 0 1,-1 0-1,0 0 0,1-1 1,-1 1-1,1 0 0,0 0 1,0 0-1,0 0 0,0 1 1,0-1-1,0 0 1,0 0-1,1 1 0,-1-1 1,1 0-1,-1 1 0,1-1 1,-1 1-1,1 0 0,0 0 1,0 0-1,0 0 1,0 0-1,0 0 0,0 0 1,0 0-1,0 1 0,0-1 1,0 1-1,0-1 1,0 1-42,8 0 77,-1-1 1,0 2 0,1-1-1,-1 1 1,0 1 0,0 0 0,0 0-1,0 1 1,0 0 0,0 0-1,0 1 1,-1 0 0,0 1-1,0 0 1,0 0 0,-1 0 0,1 1-1,-1 0 1,-1 1 0,1 0-1,-1 0 1,0 0 0,-1 1 0,0-1-1,0 1 1,0 1 0,-1-1-1,0 1-77,-4-5 24,1 0-1,-1-1 0,0 1 0,0 0 0,0-1 0,-1 1 0,1 0 0,-1-1 0,0 1 0,0-1 0,0 1 0,0-1 0,-1 1 0,1-1 1,-1 0-1,0 1 0,0-1 0,0 0 0,0 0 0,-1 0 0,1-1 0,-1 1 0,0-1 0,1 1 0,-1-1 0,0 0 0,-1 0 1,1 0-1,0-1 0,0 1 0,-1-1 0,1 1 0,-1-1 0,1 0 0,-1-1 0,0 1 0,1-1 0,-1 1 0,0-1 0,0 0 0,1 0 1,-1-1-1,0 1 0,1-1 0,-1 0 0,1 0 0,-1 0 0,1 0 0,-3-2-23,-97-48 155,101 49-152,0 0 0,0 1 0,0-1 0,0 0 0,0 0 0,0 0 0,1 0 0,-1 0 0,1-1 0,-1 1 0,1 0 1,0-1-1,0 1 0,0-1 0,0 1 0,1-1 0,-1 0 0,0 1 0,1-1 0,0 0 0,0 1 0,0-1 0,0 0 0,0 1 0,0-1 0,1 0 1,0 1-1,-1-1 0,1 0 0,0 1 0,0-1 0,0 1 0,0-1 0,1 1 0,-1 0 0,1 0 0,-1 0 0,1-1 0,0 1 0,1 0-3,0-3-7,1 1 1,0-1-1,0 1 0,1 0 0,-1 0 0,1 1 0,0 0 0,0 0 0,0 0 0,0 0 0,1 1 0,-1-1 0,1 1 1,-1 1-1,1-1 0,0 1 0,-1 0 0,1 0 0,0 1 0,0 0 0,0 0 0,0 0 0,0 1 0,-1-1 0,1 1 0,0 1 1,0-1-1,-1 1 0,1 0 0,-1 1 0,0-1 0,0 1 0,1 0 0,-2 0 0,1 0 0,0 1 0,3 4 7,-6-5 13,-1 1 0,0-1 0,-1 1 0,1-1 0,-1 1 0,1 0 0,-1-1 0,0 1 0,-1 0 0,1-1 0,0 1 1,-1-1-1,0 1 0,0 0 0,0-1 0,0 1 0,-1-1 0,1 0 0,-1 0 0,0 1 0,0-1 0,0 0 0,0 0 0,-1-1 0,1 1 0,-1 0 0,0-1 0,1 0 0,-1 1 0,0-1 0,0 0 0,-1-1 0,1 1 0,0 0 0,-1-1 0,1 0 0,-1 0 0,1 0 0,-1 0 0,1 0 0,-3-1-13,-1 1 45,0-1 1,0 1-1,0-1 1,0-1-1,0 0 1,0 0 0,0 0-1,0-1 1,0 1-1,1-2 1,-1 1-1,1-1 1,-1 0-1,-5-4-45,10 6-4,-1 0 0,1-1 0,-1 0 0,1 1-1,0-1 1,-1 0 0,1 0 0,0 0 0,0 0-1,0-1 1,1 1 0,-1 0 0,0-1 0,1 0-1,0 1 1,-1-1 0,1 0 0,0 1 0,0-1-1,1 0 1,-1 0 0,1 0 0,-1 0 0,1 0-1,0 0 1,0 0 0,0 0 0,1 1 0,-1-1-1,1 0 1,-1 0 0,1 0 0,0 0 0,0 0-1,1-2 5,26-27-2225,29 2-5917,-20 15 2510</inkml:trace>
+</inkml:ink>
+</file>
+
+<file path=ppt/ink/ink28.xml><?xml version="1.0" encoding="utf-8"?>
+<inkml:ink xmlns:inkml="http://www.w3.org/2003/InkML">
+  <inkml:definitions>
+    <inkml:context xml:id="ctx0">
+      <inkml:inkSource xml:id="inkSrc0">
+        <inkml:traceFormat>
+          <inkml:channel name="X" type="integer" min="-2.14748E9" max="2.14748E9" units="cm"/>
+          <inkml:channel name="Y" type="integer" min="-2.14748E9" max="2.14748E9" units="cm"/>
+        </inkml:traceFormat>
+        <inkml:channelProperties>
+          <inkml:channelProperty channel="X" name="resolution" value="1000" units="1/cm"/>
+          <inkml:channelProperty channel="Y" name="resolution" value="1000" units="1/cm"/>
+        </inkml:channelProperties>
+      </inkml:inkSource>
+      <inkml:timestamp xml:id="ts0" timeString="2019-05-27T17:50:38.157"/>
+    </inkml:context>
+    <inkml:brush xml:id="br0">
+      <inkml:brushProperty name="width" value="0.1" units="cm"/>
+      <inkml:brushProperty name="height" value="0.2" units="cm"/>
+      <inkml:brushProperty name="color" value="#00F900"/>
+      <inkml:brushProperty name="tip" value="rectangle"/>
+      <inkml:brushProperty name="rasterOp" value="maskPen"/>
+      <inkml:brushProperty name="ignorePressure" value="1"/>
+    </inkml:brush>
+  </inkml:definitions>
+  <inkml:trace contextRef="#ctx0" brushRef="#br0">5182 914,'-4925'-869,"4689"828,229 40,-1-1,2 1,12 2</inkml:trace>
+</inkml:ink>
+</file>
+
+<file path=ppt/ink/ink29.xml><?xml version="1.0" encoding="utf-8"?>
+<inkml:ink xmlns:inkml="http://www.w3.org/2003/InkML">
+  <inkml:definitions>
+    <inkml:context xml:id="ctx0">
+      <inkml:inkSource xml:id="inkSrc0">
+        <inkml:traceFormat>
+          <inkml:channel name="X" type="integer" min="-2.14748E9" max="2.14748E9" units="cm"/>
+          <inkml:channel name="Y" type="integer" min="-2.14748E9" max="2.14748E9" units="cm"/>
+        </inkml:traceFormat>
+        <inkml:channelProperties>
+          <inkml:channelProperty channel="X" name="resolution" value="1000" units="1/cm"/>
+          <inkml:channelProperty channel="Y" name="resolution" value="1000" units="1/cm"/>
+        </inkml:channelProperties>
+      </inkml:inkSource>
+      <inkml:timestamp xml:id="ts0" timeString="2019-05-27T17:51:15.967"/>
+    </inkml:context>
+    <inkml:brush xml:id="br0">
+      <inkml:brushProperty name="width" value="0.1" units="cm"/>
+      <inkml:brushProperty name="height" value="0.2" units="cm"/>
+      <inkml:brushProperty name="color" value="#00F900"/>
+      <inkml:brushProperty name="tip" value="rectangle"/>
+      <inkml:brushProperty name="rasterOp" value="maskPen"/>
+      <inkml:brushProperty name="ignorePressure" value="1"/>
+    </inkml:brush>
+  </inkml:definitions>
+  <inkml:trace contextRef="#ctx0" brushRef="#br0">1 904,'3907'-902,"-3903"901</inkml:trace>
 </inkml:ink>
 </file>
 
@@ -806,181 +806,6 @@
         <inkml:traceFormat>
           <inkml:channel name="X" type="integer" min="-2.14748E9" max="2.14748E9" units="cm"/>
           <inkml:channel name="Y" type="integer" min="-2.14748E9" max="2.14748E9" units="cm"/>
-          <inkml:channel name="F" type="integer" max="32767" units="dev"/>
-        </inkml:traceFormat>
-        <inkml:channelProperties>
-          <inkml:channelProperty channel="X" name="resolution" value="1000" units="1/cm"/>
-          <inkml:channelProperty channel="Y" name="resolution" value="1000" units="1/cm"/>
-          <inkml:channelProperty channel="F" name="resolution" value="0" units="1/dev"/>
-        </inkml:channelProperties>
-      </inkml:inkSource>
-      <inkml:timestamp xml:id="ts0" timeString="2019-05-27T17:49:35.003"/>
-    </inkml:context>
-    <inkml:brush xml:id="br0">
-      <inkml:brushProperty name="width" value="0.1" units="cm"/>
-      <inkml:brushProperty name="height" value="0.2" units="cm"/>
-      <inkml:brushProperty name="color" value="#00F900"/>
-      <inkml:brushProperty name="tip" value="rectangle"/>
-      <inkml:brushProperty name="rasterOp" value="maskPen"/>
-    </inkml:brush>
-  </inkml:definitions>
-  <inkml:trace contextRef="#ctx0" brushRef="#br0">43 182 10624,'-7'-14'771,"-27"-73"1964,33 85-2693,1 0-1,0 0 0,-1 0 1,1-1-1,0 1 0,0 0 1,0 0-1,1 0 1,-1 0-1,0 0 0,1-1 1,-1 1-1,1 0 0,0 0 1,0 0-1,0 0 0,0 1 1,0-1-1,0 0 1,0 0-1,1 1 0,-1-1 1,1 0-1,-1 1 0,1-1 1,-1 1-1,1 0 0,0 0 1,0 0-1,0 0 1,0 0-1,0 0 0,0 0 1,0 0-1,0 1 0,0-1 1,0 1-1,0-1 1,0 1-42,8 0 77,-1-1 1,0 2 0,1-1-1,-1 1 1,0 1 0,0 0 0,0 0-1,0 1 1,0 0 0,0 0-1,0 1 1,-1 0 0,0 1-1,0 0 1,0 0 0,-1 0 0,1 1-1,-1 0 1,-1 1 0,1 0-1,-1 0 1,0 0 0,-1 1 0,0-1-1,0 1 1,0 1 0,-1-1-1,0 1-77,-4-5 24,1 0-1,-1-1 0,0 1 0,0 0 0,0-1 0,-1 1 0,1 0 0,-1-1 0,0 1 0,0-1 0,0 1 0,0-1 0,-1 1 0,1-1 1,-1 0-1,0 1 0,0-1 0,0 0 0,0 0 0,-1 0 0,1-1 0,-1 1 0,0-1 0,1 1 0,-1-1 0,0 0 0,-1 0 1,1 0-1,0-1 0,0 1 0,-1-1 0,1 1 0,-1-1 0,1 0 0,-1-1 0,0 1 0,1-1 0,-1 1 0,0-1 0,0 0 0,1 0 1,-1-1-1,0 1 0,1-1 0,-1 0 0,1 0 0,-1 0 0,1 0 0,-3-2-23,-97-48 155,101 49-152,0 0 0,0 1 0,0-1 0,0 0 0,0 0 0,0 0 0,1 0 0,-1 0 0,1-1 0,-1 1 0,1 0 1,0-1-1,0 1 0,0-1 0,0 1 0,1-1 0,-1 0 0,0 1 0,1-1 0,0 0 0,0 1 0,0-1 0,0 0 0,0 1 0,0-1 0,1 0 1,0 1-1,-1-1 0,1 0 0,0 1 0,0-1 0,0 1 0,0-1 0,1 1 0,-1 0 0,1 0 0,-1 0 0,1-1 0,0 1 0,1 0-3,0-3-7,1 1 1,0-1-1,0 1 0,1 0 0,-1 0 0,1 1 0,0 0 0,0 0 0,0 0 0,0 0 0,1 1 0,-1-1 0,1 1 1,-1 1-1,1-1 0,0 1 0,-1 0 0,1 0 0,0 1 0,0 0 0,0 0 0,0 0 0,0 1 0,-1-1 0,1 1 0,0 1 1,0-1-1,-1 1 0,1 0 0,-1 1 0,0-1 0,0 1 0,1 0 0,-2 0 0,1 0 0,0 1 0,3 4 7,-6-5 13,-1 1 0,0-1 0,-1 1 0,1-1 0,-1 1 0,1 0 0,-1-1 0,0 1 0,-1 0 0,1-1 0,0 1 1,-1-1-1,0 1 0,0 0 0,0-1 0,0 1 0,-1-1 0,1 0 0,-1 0 0,0 1 0,0-1 0,0 0 0,0 0 0,-1-1 0,1 1 0,-1 0 0,0-1 0,1 0 0,-1 1 0,0-1 0,0 0 0,-1-1 0,1 1 0,0 0 0,-1-1 0,1 0 0,-1 0 0,1 0 0,-1 0 0,1 0 0,-3-1-13,-1 1 45,0-1 1,0 1-1,0-1 1,0-1-1,0 0 1,0 0 0,0 0-1,0-1 1,0 1-1,1-2 1,-1 1-1,1-1 1,-1 0-1,-5-4-45,10 6-4,-1 0 0,1-1 0,-1 0 0,1 1-1,0-1 1,-1 0 0,1 0 0,0 0 0,0 0-1,0-1 1,1 1 0,-1 0 0,0-1 0,1 0-1,0 1 1,-1-1 0,1 0 0,0 1 0,0-1-1,1 0 1,-1 0 0,1 0 0,-1 0 0,1 0-1,0 0 1,0 0 0,0 0 0,1 1 0,-1-1-1,1 0 1,-1 0 0,1 0 0,0 0 0,0 0-1,1-2 5,26-27-2225,29 2-5917,-20 15 2510</inkml:trace>
-</inkml:ink>
-</file>
-
-<file path=ppt/ink/ink31.xml><?xml version="1.0" encoding="utf-8"?>
-<inkml:ink xmlns:inkml="http://www.w3.org/2003/InkML">
-  <inkml:definitions>
-    <inkml:context xml:id="ctx0">
-      <inkml:inkSource xml:id="inkSrc0">
-        <inkml:traceFormat>
-          <inkml:channel name="X" type="integer" min="-2.14748E9" max="2.14748E9" units="cm"/>
-          <inkml:channel name="Y" type="integer" min="-2.14748E9" max="2.14748E9" units="cm"/>
-        </inkml:traceFormat>
-        <inkml:channelProperties>
-          <inkml:channelProperty channel="X" name="resolution" value="1000" units="1/cm"/>
-          <inkml:channelProperty channel="Y" name="resolution" value="1000" units="1/cm"/>
-        </inkml:channelProperties>
-      </inkml:inkSource>
-      <inkml:timestamp xml:id="ts0" timeString="2019-05-27T17:50:38.157"/>
-    </inkml:context>
-    <inkml:brush xml:id="br0">
-      <inkml:brushProperty name="width" value="0.1" units="cm"/>
-      <inkml:brushProperty name="height" value="0.2" units="cm"/>
-      <inkml:brushProperty name="color" value="#00F900"/>
-      <inkml:brushProperty name="tip" value="rectangle"/>
-      <inkml:brushProperty name="rasterOp" value="maskPen"/>
-      <inkml:brushProperty name="ignorePressure" value="1"/>
-    </inkml:brush>
-  </inkml:definitions>
-  <inkml:trace contextRef="#ctx0" brushRef="#br0">5182 914,'-4925'-869,"4689"828,229 40,-1-1,2 1,12 2</inkml:trace>
-</inkml:ink>
-</file>
-
-<file path=ppt/ink/ink32.xml><?xml version="1.0" encoding="utf-8"?>
-<inkml:ink xmlns:inkml="http://www.w3.org/2003/InkML">
-  <inkml:definitions>
-    <inkml:context xml:id="ctx0">
-      <inkml:inkSource xml:id="inkSrc0">
-        <inkml:traceFormat>
-          <inkml:channel name="X" type="integer" min="-2.14748E9" max="2.14748E9" units="cm"/>
-          <inkml:channel name="Y" type="integer" min="-2.14748E9" max="2.14748E9" units="cm"/>
-        </inkml:traceFormat>
-        <inkml:channelProperties>
-          <inkml:channelProperty channel="X" name="resolution" value="1000" units="1/cm"/>
-          <inkml:channelProperty channel="Y" name="resolution" value="1000" units="1/cm"/>
-        </inkml:channelProperties>
-      </inkml:inkSource>
-      <inkml:timestamp xml:id="ts0" timeString="2019-05-27T17:50:44.343"/>
-    </inkml:context>
-    <inkml:brush xml:id="br0">
-      <inkml:brushProperty name="width" value="0.1" units="cm"/>
-      <inkml:brushProperty name="height" value="0.2" units="cm"/>
-      <inkml:brushProperty name="color" value="#00F900"/>
-      <inkml:brushProperty name="tip" value="rectangle"/>
-      <inkml:brushProperty name="rasterOp" value="maskPen"/>
-      <inkml:brushProperty name="ignorePressure" value="1"/>
-    </inkml:brush>
-  </inkml:definitions>
-  <inkml:trace contextRef="#ctx0" brushRef="#br0">6600 1164,'-6600'-1163,"6608"1164</inkml:trace>
-</inkml:ink>
-</file>
-
-<file path=ppt/ink/ink33.xml><?xml version="1.0" encoding="utf-8"?>
-<inkml:ink xmlns:inkml="http://www.w3.org/2003/InkML">
-  <inkml:definitions>
-    <inkml:context xml:id="ctx0">
-      <inkml:inkSource xml:id="inkSrc0">
-        <inkml:traceFormat>
-          <inkml:channel name="X" type="integer" min="-2.14748E9" max="2.14748E9" units="cm"/>
-          <inkml:channel name="Y" type="integer" min="-2.14748E9" max="2.14748E9" units="cm"/>
-        </inkml:traceFormat>
-        <inkml:channelProperties>
-          <inkml:channelProperty channel="X" name="resolution" value="1000" units="1/cm"/>
-          <inkml:channelProperty channel="Y" name="resolution" value="1000" units="1/cm"/>
-        </inkml:channelProperties>
-      </inkml:inkSource>
-      <inkml:timestamp xml:id="ts0" timeString="2019-05-27T17:51:00.307"/>
-    </inkml:context>
-    <inkml:brush xml:id="br0">
-      <inkml:brushProperty name="width" value="0.1" units="cm"/>
-      <inkml:brushProperty name="height" value="0.2" units="cm"/>
-      <inkml:brushProperty name="color" value="#00F900"/>
-      <inkml:brushProperty name="tip" value="rectangle"/>
-      <inkml:brushProperty name="rasterOp" value="maskPen"/>
-      <inkml:brushProperty name="ignorePressure" value="1"/>
-    </inkml:brush>
-  </inkml:definitions>
-  <inkml:trace contextRef="#ctx0" brushRef="#br0">7472 8,'58'-8,"-7513"924,7443-915,1 1,3-1,0 0,-3 0,-1 0,2 1,7-2,8-1</inkml:trace>
-</inkml:ink>
-</file>
-
-<file path=ppt/ink/ink34.xml><?xml version="1.0" encoding="utf-8"?>
-<inkml:ink xmlns:inkml="http://www.w3.org/2003/InkML">
-  <inkml:definitions>
-    <inkml:context xml:id="ctx0">
-      <inkml:inkSource xml:id="inkSrc0">
-        <inkml:traceFormat>
-          <inkml:channel name="X" type="integer" min="-2.14748E9" max="2.14748E9" units="cm"/>
-          <inkml:channel name="Y" type="integer" min="-2.14748E9" max="2.14748E9" units="cm"/>
-        </inkml:traceFormat>
-        <inkml:channelProperties>
-          <inkml:channelProperty channel="X" name="resolution" value="1000" units="1/cm"/>
-          <inkml:channelProperty channel="Y" name="resolution" value="1000" units="1/cm"/>
-        </inkml:channelProperties>
-      </inkml:inkSource>
-      <inkml:timestamp xml:id="ts0" timeString="2019-05-27T17:51:06.823"/>
-    </inkml:context>
-    <inkml:brush xml:id="br0">
-      <inkml:brushProperty name="width" value="0.1" units="cm"/>
-      <inkml:brushProperty name="height" value="0.2" units="cm"/>
-      <inkml:brushProperty name="color" value="#00F900"/>
-      <inkml:brushProperty name="tip" value="rectangle"/>
-      <inkml:brushProperty name="rasterOp" value="maskPen"/>
-      <inkml:brushProperty name="ignorePressure" value="1"/>
-    </inkml:brush>
-  </inkml:definitions>
-  <inkml:trace contextRef="#ctx0" brushRef="#br0">4463 0,'-4409'1181,"4401"-1178,-3-1,1 1,3-1,3-1,3 0,-1-1,-3 1,-1 1</inkml:trace>
-</inkml:ink>
-</file>
-
-<file path=ppt/ink/ink35.xml><?xml version="1.0" encoding="utf-8"?>
-<inkml:ink xmlns:inkml="http://www.w3.org/2003/InkML">
-  <inkml:definitions>
-    <inkml:context xml:id="ctx0">
-      <inkml:inkSource xml:id="inkSrc0">
-        <inkml:traceFormat>
-          <inkml:channel name="X" type="integer" min="-2.14748E9" max="2.14748E9" units="cm"/>
-          <inkml:channel name="Y" type="integer" min="-2.14748E9" max="2.14748E9" units="cm"/>
-        </inkml:traceFormat>
-        <inkml:channelProperties>
-          <inkml:channelProperty channel="X" name="resolution" value="1000" units="1/cm"/>
-          <inkml:channelProperty channel="Y" name="resolution" value="1000" units="1/cm"/>
-        </inkml:channelProperties>
-      </inkml:inkSource>
-      <inkml:timestamp xml:id="ts0" timeString="2019-05-27T17:51:15.967"/>
-    </inkml:context>
-    <inkml:brush xml:id="br0">
-      <inkml:brushProperty name="width" value="0.1" units="cm"/>
-      <inkml:brushProperty name="height" value="0.2" units="cm"/>
-      <inkml:brushProperty name="color" value="#00F900"/>
-      <inkml:brushProperty name="tip" value="rectangle"/>
-      <inkml:brushProperty name="rasterOp" value="maskPen"/>
-      <inkml:brushProperty name="ignorePressure" value="1"/>
-    </inkml:brush>
-  </inkml:definitions>
-  <inkml:trace contextRef="#ctx0" brushRef="#br0">1 904,'3907'-902,"-3903"901</inkml:trace>
-</inkml:ink>
-</file>
-
-<file path=ppt/ink/ink36.xml><?xml version="1.0" encoding="utf-8"?>
-<inkml:ink xmlns:inkml="http://www.w3.org/2003/InkML">
-  <inkml:definitions>
-    <inkml:context xml:id="ctx0">
-      <inkml:inkSource xml:id="inkSrc0">
-        <inkml:traceFormat>
-          <inkml:channel name="X" type="integer" min="-2.14748E9" max="2.14748E9" units="cm"/>
-          <inkml:channel name="Y" type="integer" min="-2.14748E9" max="2.14748E9" units="cm"/>
         </inkml:traceFormat>
         <inkml:channelProperties>
           <inkml:channelProperty channel="X" name="resolution" value="1000" units="1/cm"/>
@@ -1002,7 +827,7 @@
 </inkml:ink>
 </file>
 
-<file path=ppt/ink/ink37.xml><?xml version="1.0" encoding="utf-8"?>
+<file path=ppt/ink/ink31.xml><?xml version="1.0" encoding="utf-8"?>
 <inkml:ink xmlns:inkml="http://www.w3.org/2003/InkML">
   <inkml:definitions>
     <inkml:context xml:id="ctx0">
@@ -1031,7 +856,7 @@
 </inkml:ink>
 </file>
 
-<file path=ppt/ink/ink38.xml><?xml version="1.0" encoding="utf-8"?>
+<file path=ppt/ink/ink32.xml><?xml version="1.0" encoding="utf-8"?>
 <inkml:ink xmlns:inkml="http://www.w3.org/2003/InkML">
   <inkml:definitions>
     <inkml:context xml:id="ctx0">
@@ -1061,7 +886,7 @@
 </inkml:ink>
 </file>
 
-<file path=ppt/ink/ink39.xml><?xml version="1.0" encoding="utf-8"?>
+<file path=ppt/ink/ink33.xml><?xml version="1.0" encoding="utf-8"?>
 <inkml:ink xmlns:inkml="http://www.w3.org/2003/InkML">
   <inkml:definitions>
     <inkml:context xml:id="ctx0">
@@ -1088,6 +913,185 @@
     </inkml:brush>
   </inkml:definitions>
   <inkml:trace contextRef="#ctx0" brushRef="#br0">140 278 4864,'-53'-115'6165,"51"111"-6112,0 0 1,-1 1-1,2-1 0,-1 0 1,0 0-1,1 0 0,0 0 1,0-1-1,0 1 0,0 0 1,1 0-1,-1-1 0,1 1 1,0 0-1,0 0 0,1-1 1,0 1-1,-1 0 0,1 0 1,1 0-1,-1 0 0,0 0 1,1 0-1,0 0 0,0 0 1,0 0-1,1 1 0,-1-1 1,1 1-1,0 0 0,0 0 1,0 0-1,0 0 0,0 0 1,1 0-1,-1 1 0,1 0 1,3-2-54,4 2 29,0 1 1,0 0-1,0 1 1,0 0-1,0 0 1,0 2-1,1-1 1,-1 1-1,-1 1 1,1 0 0,0 0-1,-1 1 1,4 2-30,-12-5 15,-1 0 0,1-1 0,-1 1 0,1 0 0,-1 0-1,1 0 1,-1 1 0,0-1 0,0 0 0,1 0 0,-1 1 0,0-1 0,0 1 0,0-1 0,-1 1 0,1-1 0,0 1 0,-1 0 0,1-1 0,-1 1 0,1 0 0,-1-1 0,0 1 0,1 0 0,-1 0 0,0-1 0,0 1 0,0 0 0,-1 0 0,1-1 0,0 1 0,-1 0 0,1-1 0,-1 1 0,1 0 0,-1-1 0,0 1 0,0-1 0,0 1 0,0-1 0,0 1 0,0-1 0,0 0-15,-57 53 508,46-50-446,1 0 1,-1-1 0,0 0-1,0-1 1,0 0 0,0-1-1,0 0 1,-1-1 0,1 0-1,0-1 1,0-1 0,0 0-1,0 0 1,0-1 0,0-1-1,-1 0-62,11 3 4,0 1 0,1-1 0,-1 0 0,0 0 0,1 0 0,-1 0 0,0 0 0,1 0-1,-1 0 1,1 0 0,0 0 0,-1-1 0,1 1 0,0-1 0,0 1 0,0-1 0,0 1 0,0-1 0,0 0 0,1 1-1,-1-1 1,0 0 0,1 1 0,-1-1 0,1 0 0,0 0 0,0 0 0,-1 0 0,1 1 0,0-1 0,1 0 0,-1 0-1,0 0 1,0 0 0,1 0 0,-1 1 0,1-1 0,0 0 0,-1 1 0,1-1 0,0 0 0,1 0-4,54-60-122,-50 58 121,1 0 0,0 1 1,0-1-1,1 1 0,-1 1 1,1-1-1,-1 1 0,1 1 0,0-1 1,0 1-1,0 1 0,0 0 1,-1 0-1,1 0 0,0 1 0,0 0 1,0 0-1,0 1 0,-1 0 1,1 1-1,-1-1 0,0 1 1,1 1-1,-2 0 0,1 0 0,0 0 1,-1 0-1,1 1 0,-1 0 1,1 2 0,-7-2 9,1 0 0,-1-1 0,0 1 0,0 0 0,-1 0 0,1-1 1,-1 1-1,0 0 0,-1-1 0,1 1 0,-1-1 0,1 1 0,-1-1 1,-1 0-1,1 0 0,-1 0 0,1 0 0,-1 0 0,0 0 0,-1-1 1,1 0-1,-1 1 0,1-1 0,-1 0 0,0-1 0,0 1 0,0-1 1,0 0-10,-2 2 26,1 0 0,0-1 0,-1 0 1,0-1-1,0 1 0,0-1 0,0 0 1,0-1-1,0 1 0,0-1 0,-1 0 1,1-1-1,0 0 0,-1 0 0,1 0 1,0-1-1,-1 1 0,1-1 0,0-1 1,0 0-1,0 1 0,0-2 0,0 1 1,0-1-1,0 0 0,1 0 0,0 0 1,-1-1-1,1 0 0,0 0 0,1 0 1,-1-1-1,1 0 0,0 1 0,0-2 1,0 1-1,1 0 0,0-1 0,-2-4-26,4 7 0,1 0 0,0-1 0,-1 1 0,1 0 0,1 0 0,-1 0 0,0 0 0,1 0 0,0 0 0,0 0 0,0 0 0,0 0 0,0 1 0,0-1 0,1 0 0,-1 0 0,1 1 0,0-1 0,0 1 0,0 0 0,0-1 0,0 1 0,0 0 0,1 0 0,-1 0 0,1 1 0,-1-1 0,1 1 0,0-1 0,0 1 0,-1 0 0,1 0 0,0 0 0,0 0 0,0 1 0,2-1 0,111-6 0,-113 7-209,0 0-1,0 0 0,-1 1 0,1-1 1,0 1-1,0 0 0,-1 0 0,1 0 1,0 0-1,-1 0 0,1 0 0,-1 1 0,0 0 1,1-1-1,-1 1 0,0 0 0,0 0 1,0 0-1,0 0 0,-1 0 0,1 0 1,0 1-1,-1-1 0,0 1 0,1-1 0,-1 1 1,0-1-1,0 1 0,-1 0 0,1 0 1,0-1-1,-1 1 0,0 0 0,1 0 1,-1 0-1,0-1 0,-1 1 0,1 0 0,0 0 1,-1 0-1,0-1 0,0 2 210,-2 22-4629</inkml:trace>
+</inkml:ink>
+</file>
+
+<file path=ppt/ink/ink34.xml><?xml version="1.0" encoding="utf-8"?>
+<inkml:ink xmlns:inkml="http://www.w3.org/2003/InkML">
+  <inkml:definitions>
+    <inkml:context xml:id="ctx0">
+      <inkml:inkSource xml:id="inkSrc0">
+        <inkml:traceFormat>
+          <inkml:channel name="X" type="integer" min="-2.14748E9" max="2.14748E9" units="cm"/>
+          <inkml:channel name="Y" type="integer" min="-2.14748E9" max="2.14748E9" units="cm"/>
+          <inkml:channel name="F" type="integer" max="32767" units="dev"/>
+        </inkml:traceFormat>
+        <inkml:channelProperties>
+          <inkml:channelProperty channel="X" name="resolution" value="1000" units="1/cm"/>
+          <inkml:channelProperty channel="Y" name="resolution" value="1000" units="1/cm"/>
+          <inkml:channelProperty channel="F" name="resolution" value="0" units="1/dev"/>
+        </inkml:channelProperties>
+      </inkml:inkSource>
+      <inkml:timestamp xml:id="ts0" timeString="2019-05-27T17:51:43.366"/>
+    </inkml:context>
+    <inkml:brush xml:id="br0">
+      <inkml:brushProperty name="width" value="0.1" units="cm"/>
+      <inkml:brushProperty name="height" value="0.2" units="cm"/>
+      <inkml:brushProperty name="color" value="#00F900"/>
+      <inkml:brushProperty name="tip" value="rectangle"/>
+      <inkml:brushProperty name="rasterOp" value="maskPen"/>
+    </inkml:brush>
+  </inkml:definitions>
+  <inkml:trace contextRef="#ctx0" brushRef="#br0">114 200 8448,'-1'0'28,"1"-1"1,0 1-1,-1-1 0,1 1 1,-1-1-1,1 1 1,0-1-1,-1 0 1,1 1-1,0-1 1,-1 1-1,1-1 0,0 0 1,0 1-1,0-1 1,0 0-1,-1 1 1,1-1-1,0 0 0,0 1 1,0-1-1,1 0 1,-1 1-1,0-1 1,0 0-1,0 1 1,0-1-1,1 0 0,-1 1 1,0-1-1,0 1 1,1-1-1,-1 0 1,1 1-1,-1-1 0,0 1 1,1-1-1,-1 1 1,1-1-1,-1 1 1,1 0-1,-1-1 1,1 1-1,0 0 0,-1-1 1,1 1-1,-1 0 1,1 0-1,0-1 1,-1 1-1,1 0 0,0 0 1,-1 0-1,1 0 1,0 0-1,-1 0 1,1 0-1,0 0 1,-1 0-1,1 0 0,0 0 1,-1 0-1,1 1-28,-17-46 1153,17 39-1109,1 0 1,0 0 0,0 0-1,1 0 1,-1 0 0,1 1-1,1-1 1,-1 1 0,1 0-1,0 0 1,0 0-1,0 1 1,1-1 0,-1 1-1,1 0 1,0 0 0,1 1-1,-1-1 1,0 1 0,1 0-1,0 1 1,0 0 0,0-1-1,0 2 1,0-1 0,0 1-1,0 0 1,1 0 0,-1 1-1,0-1 1,1 1-1,-1 1 1,0 0 0,1-1-1,-1 2 1,0-1 0,0 1-1,0 0 1,0 0 0,0 1-1,-1-1 1,1 1 0,0 1-45,0-1 53,-1 0 0,0 0 1,0 0-1,0 1 0,-1 0 1,1 0-1,-1 0 0,0 0 1,0 1-1,0 0 0,-1 0 1,0 0-1,0 0 0,0 0 1,0 1-1,-1-1 0,0 1 1,0-1-1,0 1 0,-1 0 1,0 0-1,0 0 0,-1 0 1,1 0-1,-1 0 0,-1 0 1,1 0-1,-1 0 0,0 0 1,0-1-1,-1 1 0,1 0 1,-1 0-1,-1-1 0,1 1 1,-1-1-1,0 0 0,-3 4-53,0 0 61,-1-1 1,0 0-1,-1 0 0,0 0 0,0-1 0,0 0 0,-1-1 0,0 0 1,0 0-1,-1-1 0,0 0 0,0-1 0,0 0 0,0-1 1,-1 0-1,1 0 0,-1-1 0,0 0 0,0-1 0,1-1 0,-1 1 1,0-2-1,0 0 0,0 0 0,0 0 0,1-2 0,-1 1 1,1-1-1,-1-1 0,-6-3-61,15 6 3,-1 0 0,0 0 0,0 0 0,1-1 0,-1 1 0,1-1 0,-1 1 0,1-1 0,-1 0 0,1 0 0,0 0 0,0 0-1,0-1 1,0 1 0,1 0 0,-1-1 0,1 0 0,-1 1 0,1-1 0,0 0 0,0 0 0,0 1 0,0-1 0,0 0 0,1 0 0,-1 0 0,1 0 0,0 0 0,0 0 0,0 0 0,0 0 0,1 0 0,-1 0 0,1 0 0,0 0 0,0 0 0,0 1 0,0-1 0,0 0 0,0 0 0,1 1 0,0-1-3,88-93-125,-84 91 117,0 0-1,0 1 1,0 0 0,0 0 0,1 0 0,-1 1 0,1 0 0,0 0-1,0 0 1,0 1 0,0 0 0,1 1 0,-1 0 0,1 0-1,-1 0 1,0 1 0,1 0 0,-1 1 0,1-1 0,-1 1 0,0 1-1,1 0 1,-1 0 0,0 0 0,0 1 0,0 0 0,-1 0-1,1 0 1,-1 1 0,0 0 0,0 1 0,0-1 0,0 1 0,3 3 7,-8-5 6,0 0 0,0-1 0,1 1 0,-1 0 0,-1 0 0,1 0-1,0-1 1,-1 1 0,0 0 0,1 0 0,-1 0 0,0 0 0,0 0-1,-1 0 1,1 0 0,-1 0 0,1 0 0,-1-1 0,0 1-1,0 0 1,0 0 0,-1-1 0,1 1 0,-1-1 0,1 1 0,-1-1-1,0 0 1,0 1 0,0-1 0,0 0 0,0 0 0,0 0-1,-2 0-4,-90 43 224,74-42-157,1-1-1,0 0 0,-1-2 0,1 0 0,-1-1 0,1-1 0,-1-1 1,1-1-1,0 0 0,-7-4-66,24 8 3,0-1 0,1 1 0,-1-1 0,0 1 0,1-1 0,-1 0 0,1 1 0,-1-1 0,1 0 0,-1 0-1,1 0 1,-1 0 0,1 0 0,0-1 0,0 1 0,0 0 0,0-1 0,0 1 0,0 0 0,0-1 0,0 1 0,0-1 0,0 0 0,1 1 0,-1-1 0,1 1 0,-1-1 0,1 0 0,0 0 0,0 1 0,0-1 0,0 0 0,0 1 0,0-1 0,0 0 0,0 0 0,1 1 0,-1-1 0,0 0 0,1 0-3,48-55-55,51-1-1319,67 2-7449,-74 32 4599</inkml:trace>
+</inkml:ink>
+</file>
+
+<file path=ppt/ink/ink35.xml><?xml version="1.0" encoding="utf-8"?>
+<inkml:ink xmlns:inkml="http://www.w3.org/2003/InkML">
+  <inkml:definitions>
+    <inkml:context xml:id="ctx0">
+      <inkml:inkSource xml:id="inkSrc0">
+        <inkml:traceFormat>
+          <inkml:channel name="X" type="integer" min="-2.14748E9" max="2.14748E9" units="cm"/>
+          <inkml:channel name="Y" type="integer" min="-2.14748E9" max="2.14748E9" units="cm"/>
+          <inkml:channel name="F" type="integer" max="32767" units="dev"/>
+        </inkml:traceFormat>
+        <inkml:channelProperties>
+          <inkml:channelProperty channel="X" name="resolution" value="1000" units="1/cm"/>
+          <inkml:channelProperty channel="Y" name="resolution" value="1000" units="1/cm"/>
+          <inkml:channelProperty channel="F" name="resolution" value="0" units="1/dev"/>
+        </inkml:channelProperties>
+      </inkml:inkSource>
+      <inkml:timestamp xml:id="ts0" timeString="2019-05-27T17:51:44.991"/>
+    </inkml:context>
+    <inkml:brush xml:id="br0">
+      <inkml:brushProperty name="width" value="0.1" units="cm"/>
+      <inkml:brushProperty name="height" value="0.2" units="cm"/>
+      <inkml:brushProperty name="color" value="#00F900"/>
+      <inkml:brushProperty name="tip" value="rectangle"/>
+      <inkml:brushProperty name="rasterOp" value="maskPen"/>
+    </inkml:brush>
+  </inkml:definitions>
+  <inkml:trace contextRef="#ctx0" brushRef="#br0">230 234 8704,'-47'-48'4757,"43"43"-4691,0 0-1,1 0 1,-1-1-1,1 1 1,0-1-1,1 1 1,-1-1 0,1 0-1,0 0 1,1 0-1,-1 0 1,1 0-1,1 0 1,-1-1 0,1 1-1,0 0 1,0 0-1,1 0 1,0-1-1,0 1 1,0 0 0,1 0-1,0 0 1,0 0-1,0 1 1,1-1 0,1-2-66,-2 6 0,0 0 0,0 0 0,1 1 0,-1-1 0,0 1 0,1-1 0,-1 1 0,1 0 0,-1 0 0,1 0 0,-1 0 0,1 0 0,0 0 0,-1 1 0,1 0 0,0-1 0,0 1 0,-1 0 0,1 0 0,0 1 0,0-1 0,-1 0 0,1 1 0,0 0 0,0-1 0,-1 1 0,1 0 0,-1 1 0,1-1 0,-1 0 0,3 2 0,71 52 0,-71-51 50,0 1 1,0-1-1,0 1 1,-1-1 0,0 1-1,0 0 1,0 1-1,0-1 1,-1 1 0,0 0-1,0 0 1,0 0-1,-1 0 1,0 0 0,0 0-1,0 1 1,-1-1-1,0 1 1,-1-1 0,1 1-1,-1 0 1,0-1-1,-1 1 1,0-1 0,0 1-1,0-1 1,-1 1-1,1-1 1,-2 0 0,1 0-1,-1 0 1,0 0-1,0 0 1,0-1 0,-1 1-1,0-1 1,0 0-1,-1 0 1,1 0 0,-1-1-1,0 1 1,0-1-1,-6 3-50,-1-3 55,0-1 0,-1 0 0,0-1-1,1 0 1,-1-1 0,0 0 0,0-1-1,0-1 1,0 0 0,1-1-1,-1 0 1,0-1 0,1 0 0,0-1-1,0-1 1,0 1 0,0-2-1,1 0 1,0 0 0,0-1 0,0-1-1,1 1 1,0-2-55,7 7 1,1 0-1,0 0 1,-1 0 0,1 0-1,0-1 1,1 1-1,-1 0 1,0-1 0,1 1-1,-1-1 1,1 0 0,0 0-1,-1 0 1,2 1 0,-1-1-1,0 0 1,0 0-1,1 0 1,0 0 0,-1 0-1,1 0 1,1 0 0,-1 0-1,0 0 1,1 0-1,-1 0 1,1 0 0,0 0-1,0 0 1,0 0 0,0 0-1,0 1 1,1-1-1,0 0 1,-1 1 0,1-1-1,0 1 1,0 0 0,0 0-1,2-2 0,107-65-25,-100 66 14,-1 0-1,1 1 1,0 1 0,-1 0-1,1 0 1,0 1 0,0 0-1,0 1 1,0 1 0,-1-1-1,1 2 1,-1-1 0,1 2-1,-1-1 1,0 1 0,0 1-1,0 0 1,-1 0 0,0 1-1,0 0 1,0 1 0,-1-1-1,0 2 1,0-1 0,0 1-1,-1 1 1,-1-1 0,1 1-1,-1 0 1,-1 0 0,0 1-1,2 4 12,-6-10 20,0 1 0,-1-1-1,1 0 1,-1 0-1,0 1 1,0-1-1,0 0 1,-1 0-1,1 1 1,-1-1 0,0 0-1,0 0 1,-1 0-1,1 0 1,-1 0-1,0 0 1,0-1-1,0 1 1,-1 0 0,1-1-1,-1 0 1,0 1-1,0-1 1,0 0-1,0-1 1,0 1-1,-1 0 1,1-1 0,-1 0-1,0 0 1,1 0-1,-1 0 1,-2 0-20,-3 2 57,-1 1 0,0-2 0,-1 1 0,1-2 0,0 1 0,-1-1 0,0-1 0,1 0 0,-1 0 0,0-1 0,1-1 0,-1 0 0,0 0-57,-3-2 49,1-1 0,1 0 1,-1-1-1,0 0 0,1-1 0,0 0 0,1-1 1,-1-1-1,-7-6-49,15 11 11,1 1-1,0-1 1,-1 0 0,1 0 0,1-1 0,-1 1 0,0 0-1,1-1 1,-1 0 0,1 1 0,0-1 0,1 0 0,-1 0-1,1 0 1,-1 0 0,1-1 0,0 1 0,1 0 0,-1 0-1,1-1 1,0 1 0,0 0 0,0-1 0,0 1 0,1 0-1,0-1 1,0 1 0,0 0 0,0 0 0,1 0 0,0 0-1,-1 0-10,5-7-12,1 1 0,0 0 0,0 0 0,1 1 0,0 0 0,1 0 0,0 1 0,0 0 0,1 1 0,0 0 0,0 0 0,0 1 0,1 0 0,0 1 0,1 0 0,8-2 12,-13 5-7,1 0 0,-1 0 0,1 0 0,-1 1 0,1 0 0,-1 0 0,1 1-1,0 0 1,-1 1 0,1 0 0,0 0 0,-1 0 0,1 1 0,-1 0 0,0 0 0,0 1-1,1 0 1,-2 0 0,1 1 0,0 0 0,-1 0 0,0 1 0,0-1 0,0 2 0,0-1-1,-1 0 1,1 1 7,-3-2 11,0 0 0,0 0-1,-1 0 1,1 1 0,-1-1-1,0 0 1,0 1 0,-1 0-1,1-1 1,-1 1 0,0 0-1,0 0 1,-1 0 0,1 0-1,-1-1 1,0 1 0,0 0-1,-1 0 1,1 0 0,-1 0-1,0 0 1,-1-1 0,1 1-1,-1 0 1,0-1 0,0 1-1,0-1 1,-1 0 0,0 0-1,-2 4-10,0-1 28,-1 0 0,0 0 0,0-1 0,-1 0 0,0 0 0,0 0 0,0-1 0,0 0 0,-1-1 0,0 1 0,0-2 0,0 1 0,0-1 0,-1 0 0,1-1 0,-7 2-28,5-3 40,0 0-1,0 0 1,0-1-1,0-1 1,0 1-1,0-1 1,0-1-1,0 0 1,0-1-1,1 0 0,-1 0 1,1-1-1,-1 0 1,1 0-1,1-1 1,-1-1-1,1 1 1,0-1-1,0-1 1,-2-2-40,8 7 4,0 0 0,1-1 0,-1 1 0,1-1 0,0 1 0,0-1 0,0 1 0,0-1 1,0 0-1,0 1 0,1-1 0,-1 0 0,1 0 0,0 1 0,0-1 0,0 0 0,0 0 0,0 0 0,1 1 1,-1-1-1,1 0 0,0 0 0,0 1 0,0-1 0,0 1 0,0-1 0,0 1 0,1-1 0,-1 1 0,1 0 1,0 0-1,0-1 0,0 1 0,0 0 0,0 1 0,0-1 0,0 0 0,1 1 0,-1-1 0,0 1 1,3-1-6,107-47-1212,-40 37-1819,38 13-6522,-48 5 5373</inkml:trace>
+</inkml:ink>
+</file>
+
+<file path=ppt/ink/ink36.xml><?xml version="1.0" encoding="utf-8"?>
+<inkml:ink xmlns:inkml="http://www.w3.org/2003/InkML">
+  <inkml:definitions>
+    <inkml:context xml:id="ctx0">
+      <inkml:inkSource xml:id="inkSrc0">
+        <inkml:traceFormat>
+          <inkml:channel name="X" type="integer" min="-2.14748E9" max="2.14748E9" units="cm"/>
+          <inkml:channel name="Y" type="integer" min="-2.14748E9" max="2.14748E9" units="cm"/>
+          <inkml:channel name="F" type="integer" max="32767" units="dev"/>
+        </inkml:traceFormat>
+        <inkml:channelProperties>
+          <inkml:channelProperty channel="X" name="resolution" value="1000" units="1/cm"/>
+          <inkml:channelProperty channel="Y" name="resolution" value="1000" units="1/cm"/>
+          <inkml:channelProperty channel="F" name="resolution" value="0" units="1/dev"/>
+        </inkml:channelProperties>
+      </inkml:inkSource>
+      <inkml:timestamp xml:id="ts0" timeString="2019-05-27T17:51:46.171"/>
+    </inkml:context>
+    <inkml:brush xml:id="br0">
+      <inkml:brushProperty name="width" value="0.1" units="cm"/>
+      <inkml:brushProperty name="height" value="0.2" units="cm"/>
+      <inkml:brushProperty name="color" value="#00F900"/>
+      <inkml:brushProperty name="tip" value="rectangle"/>
+      <inkml:brushProperty name="rasterOp" value="maskPen"/>
+    </inkml:brush>
+  </inkml:definitions>
+  <inkml:trace contextRef="#ctx0" brushRef="#br0">91 197 8064,'-10'-8'2666,"-36"-59"1295,45 64-3919,0-1 1,0 0-1,0-1 0,1 1 0,-1 0 0,1 0 0,0 0 0,0 0 1,0 0-1,1 0 0,-1 0 0,1-1 0,0 1 0,1 1 1,-1-1-1,0 0 0,1 0 0,0 0 0,0 1 0,0-1 0,1 1 1,-1-1-1,1 1 0,-1 0 0,1 0 0,0 0 0,0 1 1,3-2-43,0 1 23,1 1 0,-1 0 0,1 0 0,0 1 0,0-1 0,-1 2 0,1-1 0,0 1 0,0 0 0,0 0 0,0 1 0,0 0 0,0 0 0,-1 1 0,1 0 0,-1 0 0,1 0 0,-1 1 0,0 0 0,1 0 0,-1 1 0,-1 0 0,1 0 0,-1 0 0,1 0 0,-1 1 0,-1 0 0,1 0 0,-1 1 0,1-1 0,-2 1 0,1 0 0,0 0 0,-1 0 0,-1 0 0,1 1 0,-1-1 0,2 7-23,-4-8 36,0 1-1,0-1 0,-1 0 1,0 1-1,0-1 1,0 1-1,0-1 0,-1 0 1,0 0-1,0 0 0,0 0 1,-1 0-1,0 0 1,0-1-1,0 1 0,0-1 1,-1 0-1,0 0 1,0 0-1,0 0 0,0-1 1,0 1-1,-1-1 1,1 0-1,-1-1 0,0 1 1,0-1-1,0 0 1,0 0-1,0-1 0,-1 1 1,1-1-1,-1 0 1,1 0-1,0-1 0,-1 0 1,1 0-1,-1 0 1,1-1-1,-1 1 0,1-1 1,0-1-1,-1 1 0,0-1-35,2 2 10,0 0 0,0 1-1,0-2 1,0 1-1,0 0 1,0-1 0,0 0-1,0 0 1,0 0-1,0-1 1,0 1 0,0-1-1,1 0 1,-1 0-1,0 0 1,1 0 0,0-1-1,0 0 1,0 1-1,0-1 1,0 0 0,0 0-1,1-1 1,-1 1-1,1 0 1,0-1 0,0 0-1,0 1 1,1-1-1,-1 0 1,1 0 0,0 0-1,0 0 1,0 0-1,1 0 1,-1 0 0,1 0-1,0 0 1,0-1-1,1-2-9,1 2 0,1 0 0,0-1 0,0 1 0,1 0 0,-1 1 0,1-1 0,0 0 0,1 1 0,-1 0 0,1 0 0,-1 1 0,1-1 0,0 1 0,1 0 0,-1 0 0,0 0 0,1 1 0,0 0 0,-1 0 0,1 1 0,0-1 0,0 1 0,0 0 0,0 1 0,0 0 0,0 0 0,0 0 0,0 0 0,0 1 0,0 0 0,0 1 0,0-1 0,0 1 0,-1 0 0,1 0 0,-1 1 0,1 0 0,1 1 0,-6-3 0,1 1 0,-1-1 0,0 1 0,0 0 0,0-1 0,0 1 0,0 0 0,0 0 0,0 0 0,-1 0 0,1-1 0,-1 1 0,1 0 0,-1 0 0,0 0 0,0 0 0,1 0 0,-2 0 0,1 0 0,0 0 0,0 0 0,-1 0 0,1 0 0,-1 0 0,1 0 0,-1 0 0,0 0 0,0 0 0,0-1 0,0 1 0,0 0 0,0-1 0,0 1 0,-1 0 0,1-1 0,0 0 0,-1 1 0,1-1 0,-1 0 0,0 0 0,1 0 0,-1 0 0,0 0 0,-81 34 0,-4-50 75,86 15-75,-1-1 1,0 0-1,0 0 0,0 0 0,1 0 1,-1 0-1,0-1 0,1 1 0,-1 0 1,1-1-1,0 1 0,-1-1 0,1 1 1,0-1-1,0 0 0,0 1 1,0-1-1,0 0 0,0 0 0,1 0 1,-1 0-1,1 0 0,-1 0 0,1 0 1,0 0-1,0 0 0,-1 0 0,1 0 1,1 0-1,-1 0 0,0 0 0,0 0 1,1 0-1,-1 0 0,1 0 0,0 1 1,0-1-1,-1 0 0,1 0 0,0 0 1,1 0-1,49-46-1264,55 19-8437,-54 21 5605</inkml:trace>
+</inkml:ink>
+</file>
+
+<file path=ppt/ink/ink37.xml><?xml version="1.0" encoding="utf-8"?>
+<inkml:ink xmlns:inkml="http://www.w3.org/2003/InkML">
+  <inkml:definitions>
+    <inkml:context xml:id="ctx0">
+      <inkml:inkSource xml:id="inkSrc0">
+        <inkml:traceFormat>
+          <inkml:channel name="X" type="integer" min="-2.14748E9" max="2.14748E9" units="cm"/>
+          <inkml:channel name="Y" type="integer" min="-2.14748E9" max="2.14748E9" units="cm"/>
+          <inkml:channel name="F" type="integer" max="32767" units="dev"/>
+        </inkml:traceFormat>
+        <inkml:channelProperties>
+          <inkml:channelProperty channel="X" name="resolution" value="1000" units="1/cm"/>
+          <inkml:channelProperty channel="Y" name="resolution" value="1000" units="1/cm"/>
+          <inkml:channelProperty channel="F" name="resolution" value="0" units="1/dev"/>
+        </inkml:channelProperties>
+      </inkml:inkSource>
+      <inkml:timestamp xml:id="ts0" timeString="2019-05-27T17:51:47.238"/>
+    </inkml:context>
+    <inkml:brush xml:id="br0">
+      <inkml:brushProperty name="width" value="0.1" units="cm"/>
+      <inkml:brushProperty name="height" value="0.2" units="cm"/>
+      <inkml:brushProperty name="color" value="#00F900"/>
+      <inkml:brushProperty name="tip" value="rectangle"/>
+      <inkml:brushProperty name="rasterOp" value="maskPen"/>
+    </inkml:brush>
+  </inkml:definitions>
+  <inkml:trace contextRef="#ctx0" brushRef="#br0">36 229 9472,'-10'-34'444,"7"29"-280,1 0-1,0 1 1,0-1-1,1-1 0,-1 1 1,1 0-1,0 0 1,0 0-1,1-1 0,0 1 1,0 0-1,0 0 1,0-1-1,1 1 0,0 0 1,0 0-1,0-1 1,1 1-1,0 0 0,0 0 1,0 1-1,0-1 1,1 0-1,0 1 0,0 0 1,1-2-164,1 0 39,1 1 0,-1 0 1,1 0-1,0 1 0,0-1 0,0 1 1,1 1-1,-1-1 0,1 1 0,0 0 1,0 0-1,0 1 0,0 0 0,0 1 1,1-1-1,-1 1 0,1 1 0,-1-1 1,1 1-1,-1 1 0,0-1 0,1 1 1,-1 1-1,0-1 0,1 1 0,-1 0 1,0 1-1,0 0 0,-1 0 0,1 0 1,0 1-1,-1 0 0,0 0 0,0 1 1,0 0-1,-1 0 0,0 0 1,0 1-1,0-1 0,0 1 0,-1 0 1,0 1-1,0-1 0,-1 1 0,0-1 1,0 1-1,0 0 0,-1 0 0,0 1 1,0-1-40,-2-1 51,0 0 0,0-1 0,0 1 1,-1 0-1,0-1 0,0 1 1,-1-1-1,1 1 0,-1-1 1,0 1-1,0-1 0,-1 0 1,0 0-1,0 0 0,0-1 1,0 1-1,-1-1 0,0 1 0,0-1 1,0 0-1,0-1 0,-1 1 1,1-1-1,-1 0 0,0 0 1,0 0-1,0-1 0,0 1 1,-1-1-1,1-1 0,0 1 1,-1-1-1,0 0 0,1 0 0,-1 0 1,1-1-1,-3 0-51,-3 0 36,1 0 0,0-1 0,0 0 0,0 0 0,0-1 0,0-1 0,0 0 0,0 0 0,1-1 0,0 0 0,-1 0 0,1-1 0,-3-3-36,7 5 6,1 1 0,0-1 1,0 0-1,0 0 0,0-1 0,1 1 0,-1-1 0,1 0 0,0 0 1,0 0-1,0 0 0,1 0 0,-1-1 0,1 1 0,0-1 0,0 0 1,1 1-1,0-1 0,-1 0 0,1 0 0,1 0 0,-1 0 0,1 0 1,0 0-1,0 0 0,1 0 0,-1 0 0,1-2-6,1 3-5,-1-1 1,1 1-1,0-1 0,0 1 0,0-1 1,1 1-1,0 0 0,0 0 0,0 1 0,0-1 1,0 0-1,1 1 0,-1 0 0,1 0 1,0 0-1,0 0 0,0 1 0,1-1 1,-1 1-1,1 0 0,-1 0 0,1 1 1,-1 0-1,1-1 0,0 1 0,0 1 1,0-1-1,3 1 5,2-1-8,1 1 0,-1 0 0,0 1 1,1 0-1,-1 0 0,0 1 0,0 1 0,0-1 1,0 2-1,0-1 0,-1 2 0,0-1 0,2 2 8,77 76 0,-87-81 5,-1 0 0,1 1-1,0-1 1,-1 0 0,1 1 0,0-1-1,-1 1 1,0-1 0,1 1-1,-1-1 1,0 1 0,0-1-1,0 1 1,0-1 0,0 1-1,0-1 1,0 1 0,0-1-1,-1 1 1,1-1 0,0 0-1,-1 1 1,0-1 0,1 1-1,-1-1 1,0 0 0,1 0-1,-1 1 1,0-1 0,0 0 0,0 0-1,0 0 1,0 0 0,-1 0-1,1 0 1,0 0 0,0 0-1,0 0 1,-1-1 0,1 1-1,-1-1 1,1 1 0,0-1-1,-1 1 1,1-1 0,-1 0-1,1 1 1,-1-1 0,0 0-5,-78 0 261,62-4-214,0-1 1,1-1-1,0-1 1,1 0-1,0-1 1,0-1-1,0 0 0,1-1 1,-13-11-48,27 20-3,0 0 0,0 0 1,0-1-1,0 1 0,0 0 1,0 0-1,0 0 1,0-1-1,0 1 0,1-1 1,-1 1-1,0 0 0,1-1 1,-1 1-1,1-1 0,0 1 1,-1-1-1,1 1 0,0-1 1,0 0-1,0 1 0,0-1 1,0 1-1,0-1 0,1 1 1,-1-1-1,0 1 0,1-1 1,-1 1-1,1-1 1,0 1-1,-1-1 0,1 1 1,0 0-1,0-1 0,0 1 1,0 0-1,0 0 0,0 0 1,0 0-1,0 0 0,1 0 1,-1 0-1,0 0 0,1 0 1,-1 1-1,0-1 0,1 0 1,0 1 2,76-28-3496,-77 27 3282,52-12-10303</inkml:trace>
+</inkml:ink>
+</file>
+
+<file path=ppt/ink/ink38.xml><?xml version="1.0" encoding="utf-8"?>
+<inkml:ink xmlns:inkml="http://www.w3.org/2003/InkML">
+  <inkml:definitions>
+    <inkml:context xml:id="ctx0">
+      <inkml:inkSource xml:id="inkSrc0">
+        <inkml:traceFormat>
+          <inkml:channel name="X" type="integer" min="-2.14748E9" max="2.14748E9" units="cm"/>
+          <inkml:channel name="Y" type="integer" min="-2.14748E9" max="2.14748E9" units="cm"/>
+          <inkml:channel name="F" type="integer" max="32767" units="dev"/>
+        </inkml:traceFormat>
+        <inkml:channelProperties>
+          <inkml:channelProperty channel="X" name="resolution" value="1000" units="1/cm"/>
+          <inkml:channelProperty channel="Y" name="resolution" value="1000" units="1/cm"/>
+          <inkml:channelProperty channel="F" name="resolution" value="0" units="1/dev"/>
+        </inkml:channelProperties>
+      </inkml:inkSource>
+      <inkml:timestamp xml:id="ts0" timeString="2019-05-27T17:51:52.958"/>
+    </inkml:context>
+    <inkml:brush xml:id="br0">
+      <inkml:brushProperty name="width" value="0.1" units="cm"/>
+      <inkml:brushProperty name="height" value="0.2" units="cm"/>
+      <inkml:brushProperty name="color" value="#00F900"/>
+      <inkml:brushProperty name="tip" value="rectangle"/>
+      <inkml:brushProperty name="rasterOp" value="maskPen"/>
+    </inkml:brush>
+  </inkml:definitions>
+  <inkml:trace contextRef="#ctx0" brushRef="#br0">163 233 8064,'-57'-41'1565,"54"40"-1439,-1 0 0,1 1 0,0-1 0,-1 0-1,1-1 1,0 1 0,0-1 0,0 1 0,0-1 0,0 0 0,0 0 0,0 0 0,1 0 0,-1-1 0,1 1 0,-1-1 0,1 1 0,0-1-1,0 0 1,0 0 0,1 0 0,-1 0 0,1 0 0,-1-1 0,1 1 0,0 0 0,0-1 0,1 1 0,-1 0 0,1-1 0,-1 1-1,1-1 1,0 1 0,1-1 0,-1 1 0,0-1 0,1 1 0,0-1 0,0 1 0,0 0 0,0 0 0,0-1 0,1 1 0,0 0 0,1-2-126,0 0 20,1 0 1,-1 0 0,1 0 0,0 1 0,0-1-1,1 1 1,-1 1 0,1-1 0,0 0 0,0 1-1,0 0 1,0 0 0,0 1 0,1-1 0,-1 1-1,1 0 1,0 1 0,0-1 0,0 1 0,0 0-1,-1 1 1,1-1 0,0 1 0,0 1 0,0-1-1,0 1 1,0 0 0,0 0 0,0 0 0,0 1-1,-1 0 1,1 0 0,-1 1 0,1-1 0,-1 1-1,0 1 1,0-1 0,0 0 0,-1 1 0,1 0-21,1 4 70,1-1 1,-1 1 0,-1 0 0,0 1 0,0-1 0,0 1 0,-1 0 0,0 1-1,-1-1 1,0 0 0,-1 1 0,0 0 0,0-1 0,-1 1 0,0 0 0,-1 0-1,0 0 1,0 0 0,-1 0 0,-1 0 0,1-1 0,-2 1 0,1 0 0,-1-1-1,-1 0 1,0 0 0,0 0 0,-1 0 0,0 0 0,0-1 0,-6 7-71,4-11 28,1 0-1,-1 0 1,-1-1 0,1 0 0,0 0 0,-1-1 0,1 0 0,-1 0-1,0-1 1,1 0 0,-1 0 0,0-1 0,0 0 0,0 0 0,1-1-1,-1 0 1,0 0 0,0-1 0,1 0 0,-1 0 0,1-1-1,0 0 1,0 0 0,0 0 0,0-1 0,0 0 0,1-1 0,-1 0-1,1 0 1,1 0 0,-1-1 0,1 1 0,0-1 0,0 0 0,0-1-1,-1-4-27,3 6-2,2 0 0,-1 0 0,1 0 0,-1-1-1,2 1 1,-1 0 0,0-1 0,1 1 0,0-1-1,1 1 1,-1 0 0,1-1 0,0 1 0,0 0-1,0-1 1,1 1 0,0 0 0,0 0-1,0 0 1,1 0 0,0 1 0,-1-1 0,2 1-1,-1-1 1,0 1 0,1 0 0,0 0 0,0 1-1,4-4 3,-2 2-3,0 0 0,1 0-1,0 0 1,0 1 0,0 0-1,0 0 1,0 0-1,1 1 1,0 1 0,0-1-1,0 1 1,0 0 0,0 1-1,0 0 1,0 0 0,0 1-1,0 0 1,0 0-1,6 2 4,-10 0 6,0-1-1,-1 1 0,1 0 0,0 1 1,-1-1-1,0 1 0,1 0 0,-1-1 1,0 1-1,-1 1 0,1-1 0,0 0 0,-1 1 1,0-1-1,0 1 0,0 0 0,0 0 1,0-1-1,-1 1 0,0 0 0,1 1 1,-2-1-1,1 0 0,0 0 0,-1 0 0,0 1 1,0-1-1,0 0 0,0 0 0,-1 0 1,0 1-1,0-1 0,0 0 0,0 0 1,-1 0-1,1 0 0,-1 0 0,0-1 0,0 1 1,-1-1-1,1 1 0,-1-1 0,1 0 1,-1 1-1,0-1 0,0-1 0,-1 1 1,1 0-1,0-1 0,-1 0 0,0 0 0,1 0 1,-5 1-6,0 0 41,0 0 0,0-1-1,0-1 1,0 1 0,-1-1 0,1-1 0,0 0 0,-1 0 0,1 0 0,-1-1 0,1 0-1,0-1 1,0 0 0,0 0 0,0-1 0,0 0 0,0 0 0,0-1 0,1 0-1,0 0 1,0-1 0,0 0 0,0 0 0,-3-4-41,9 7-30,-1-1 1,1 1-1,0-1 0,0 1 1,0-1-1,0 0 0,0 1 1,0-1-1,1 0 0,-1 0 1,1 0-1,0 1 0,0-1 1,0 0-1,0 0 0,0 0 1,1 1-1,-1-1 0,1 0 1,-1 0-1,1 1 0,0-1 1,1 1-1,-1-1 0,0 0 0,1 1 1,-1 0-1,1-1 0,0 1 1,-1 0-1,1 0 0,0 0 1,0 0-1,1 0 0,-1 1 1,1-1 29,91-53-8894,-50 36 2622</inkml:trace>
+</inkml:ink>
+</file>
+
+<file path=ppt/ink/ink39.xml><?xml version="1.0" encoding="utf-8"?>
+<inkml:ink xmlns:inkml="http://www.w3.org/2003/InkML">
+  <inkml:definitions>
+    <inkml:context xml:id="ctx0">
+      <inkml:inkSource xml:id="inkSrc0">
+        <inkml:traceFormat>
+          <inkml:channel name="X" type="integer" min="-2.14748E9" max="2.14748E9" units="cm"/>
+          <inkml:channel name="Y" type="integer" min="-2.14748E9" max="2.14748E9" units="cm"/>
+        </inkml:traceFormat>
+        <inkml:channelProperties>
+          <inkml:channelProperty channel="X" name="resolution" value="1000" units="1/cm"/>
+          <inkml:channelProperty channel="Y" name="resolution" value="1000" units="1/cm"/>
+        </inkml:channelProperties>
+      </inkml:inkSource>
+      <inkml:timestamp xml:id="ts0" timeString="2019-05-27T17:52:10.270"/>
+    </inkml:context>
+    <inkml:brush xml:id="br0">
+      <inkml:brushProperty name="width" value="0.1" units="cm"/>
+      <inkml:brushProperty name="height" value="0.2" units="cm"/>
+      <inkml:brushProperty name="color" value="#FF2500"/>
+      <inkml:brushProperty name="tip" value="rectangle"/>
+      <inkml:brushProperty name="rasterOp" value="maskPen"/>
+      <inkml:brushProperty name="ignorePressure" value="1"/>
+    </inkml:brush>
+  </inkml:definitions>
+  <inkml:trace contextRef="#ctx0" brushRef="#br0">1 4198,'0'-1326,"0"-1307,0 2622,0 2,0-87,0 88,0-1,0-79,0 79,0 0,0 763,0-741</inkml:trace>
 </inkml:ink>
 </file>
 
@@ -1129,245 +1133,6 @@
         <inkml:traceFormat>
           <inkml:channel name="X" type="integer" min="-2.14748E9" max="2.14748E9" units="cm"/>
           <inkml:channel name="Y" type="integer" min="-2.14748E9" max="2.14748E9" units="cm"/>
-          <inkml:channel name="F" type="integer" max="32767" units="dev"/>
-        </inkml:traceFormat>
-        <inkml:channelProperties>
-          <inkml:channelProperty channel="X" name="resolution" value="1000" units="1/cm"/>
-          <inkml:channelProperty channel="Y" name="resolution" value="1000" units="1/cm"/>
-          <inkml:channelProperty channel="F" name="resolution" value="0" units="1/dev"/>
-        </inkml:channelProperties>
-      </inkml:inkSource>
-      <inkml:timestamp xml:id="ts0" timeString="2019-05-27T17:51:43.366"/>
-    </inkml:context>
-    <inkml:brush xml:id="br0">
-      <inkml:brushProperty name="width" value="0.1" units="cm"/>
-      <inkml:brushProperty name="height" value="0.2" units="cm"/>
-      <inkml:brushProperty name="color" value="#00F900"/>
-      <inkml:brushProperty name="tip" value="rectangle"/>
-      <inkml:brushProperty name="rasterOp" value="maskPen"/>
-    </inkml:brush>
-  </inkml:definitions>
-  <inkml:trace contextRef="#ctx0" brushRef="#br0">114 200 8448,'-1'0'28,"1"-1"1,0 1-1,-1-1 0,1 1 1,-1-1-1,1 1 1,0-1-1,-1 0 1,1 1-1,0-1 1,-1 1-1,1-1 0,0 0 1,0 1-1,0-1 1,0 0-1,-1 1 1,1-1-1,0 0 0,0 1 1,0-1-1,1 0 1,-1 1-1,0-1 1,0 0-1,0 1 1,0-1-1,1 0 0,-1 1 1,0-1-1,0 1 1,1-1-1,-1 0 1,1 1-1,-1-1 0,0 1 1,1-1-1,-1 1 1,1-1-1,-1 1 1,1 0-1,-1-1 1,1 1-1,0 0 0,-1-1 1,1 1-1,-1 0 1,1 0-1,0-1 1,-1 1-1,1 0 0,0 0 1,-1 0-1,1 0 1,0 0-1,-1 0 1,1 0-1,0 0 1,-1 0-1,1 0 0,0 0 1,-1 0-1,1 1-28,-17-46 1153,17 39-1109,1 0 1,0 0 0,0 0-1,1 0 1,-1 0 0,1 1-1,1-1 1,-1 1 0,1 0-1,0 0 1,0 0-1,0 1 1,1-1 0,-1 1-1,1 0 1,0 0 0,1 1-1,-1-1 1,0 1 0,1 0-1,0 1 1,0 0 0,0-1-1,0 2 1,0-1 0,0 1-1,0 0 1,1 0 0,-1 1-1,0-1 1,1 1-1,-1 1 1,0 0 0,1-1-1,-1 2 1,0-1 0,0 1-1,0 0 1,0 0 0,0 1-1,-1-1 1,1 1 0,0 1-45,0-1 53,-1 0 0,0 0 1,0 0-1,0 1 0,-1 0 1,1 0-1,-1 0 0,0 0 1,0 1-1,0 0 0,-1 0 1,0 0-1,0 0 0,0 0 1,0 1-1,-1-1 0,0 1 1,0-1-1,0 1 0,-1 0 1,0 0-1,0 0 0,-1 0 1,1 0-1,-1 0 0,-1 0 1,1 0-1,-1 0 0,0 0 1,0-1-1,-1 1 0,1 0 1,-1 0-1,-1-1 0,1 1 1,-1-1-1,0 0 0,-3 4-53,0 0 61,-1-1 1,0 0-1,-1 0 0,0 0 0,0-1 0,0 0 0,-1-1 0,0 0 1,0 0-1,-1-1 0,0 0 0,0-1 0,0 0 0,0-1 1,-1 0-1,1 0 0,-1-1 0,0 0 0,0-1 0,1-1 0,-1 1 1,0-2-1,0 0 0,0 0 0,0 0 0,1-2 0,-1 1 1,1-1-1,-1-1 0,-6-3-61,15 6 3,-1 0 0,0 0 0,0 0 0,1-1 0,-1 1 0,1-1 0,-1 1 0,1-1 0,-1 0 0,1 0 0,0 0 0,0 0-1,0-1 1,0 1 0,1 0 0,-1-1 0,1 0 0,-1 1 0,1-1 0,0 0 0,0 0 0,0 1 0,0-1 0,0 0 0,1 0 0,-1 0 0,1 0 0,0 0 0,0 0 0,0 0 0,0 0 0,1 0 0,-1 0 0,1 0 0,0 0 0,0 0 0,0 1 0,0-1 0,0 0 0,0 0 0,1 1 0,0-1-3,88-93-125,-84 91 117,0 0-1,0 1 1,0 0 0,0 0 0,1 0 0,-1 1 0,1 0 0,0 0-1,0 0 1,0 1 0,0 0 0,1 1 0,-1 0 0,1 0-1,-1 0 1,0 1 0,1 0 0,-1 1 0,1-1 0,-1 1 0,0 1-1,1 0 1,-1 0 0,0 0 0,0 1 0,0 0 0,-1 0-1,1 0 1,-1 1 0,0 0 0,0 1 0,0-1 0,0 1 0,3 3 7,-8-5 6,0 0 0,0-1 0,1 1 0,-1 0 0,-1 0 0,1 0-1,0-1 1,-1 1 0,0 0 0,1 0 0,-1 0 0,0 0 0,0 0-1,-1 0 1,1 0 0,-1 0 0,1 0 0,-1-1 0,0 1-1,0 0 1,0 0 0,-1-1 0,1 1 0,-1-1 0,1 1 0,-1-1-1,0 0 1,0 1 0,0-1 0,0 0 0,0 0 0,0 0-1,-2 0-4,-90 43 224,74-42-157,1-1-1,0 0 0,-1-2 0,1 0 0,-1-1 0,1-1 0,-1-1 1,1-1-1,0 0 0,-7-4-66,24 8 3,0-1 0,1 1 0,-1-1 0,0 1 0,1-1 0,-1 0 0,1 1 0,-1-1 0,1 0 0,-1 0-1,1 0 1,-1 0 0,1 0 0,0-1 0,0 1 0,0 0 0,0-1 0,0 1 0,0 0 0,0-1 0,0 1 0,0-1 0,0 0 0,1 1 0,-1-1 0,1 1 0,-1-1 0,1 0 0,0 0 0,0 1 0,0-1 0,0 0 0,0 1 0,0-1 0,0 0 0,0 0 0,1 1 0,-1-1 0,0 0 0,1 0-3,48-55-55,51-1-1319,67 2-7449,-74 32 4599</inkml:trace>
-</inkml:ink>
-</file>
-
-<file path=ppt/ink/ink41.xml><?xml version="1.0" encoding="utf-8"?>
-<inkml:ink xmlns:inkml="http://www.w3.org/2003/InkML">
-  <inkml:definitions>
-    <inkml:context xml:id="ctx0">
-      <inkml:inkSource xml:id="inkSrc0">
-        <inkml:traceFormat>
-          <inkml:channel name="X" type="integer" min="-2.14748E9" max="2.14748E9" units="cm"/>
-          <inkml:channel name="Y" type="integer" min="-2.14748E9" max="2.14748E9" units="cm"/>
-          <inkml:channel name="F" type="integer" max="32767" units="dev"/>
-        </inkml:traceFormat>
-        <inkml:channelProperties>
-          <inkml:channelProperty channel="X" name="resolution" value="1000" units="1/cm"/>
-          <inkml:channelProperty channel="Y" name="resolution" value="1000" units="1/cm"/>
-          <inkml:channelProperty channel="F" name="resolution" value="0" units="1/dev"/>
-        </inkml:channelProperties>
-      </inkml:inkSource>
-      <inkml:timestamp xml:id="ts0" timeString="2019-05-27T17:51:44.991"/>
-    </inkml:context>
-    <inkml:brush xml:id="br0">
-      <inkml:brushProperty name="width" value="0.1" units="cm"/>
-      <inkml:brushProperty name="height" value="0.2" units="cm"/>
-      <inkml:brushProperty name="color" value="#00F900"/>
-      <inkml:brushProperty name="tip" value="rectangle"/>
-      <inkml:brushProperty name="rasterOp" value="maskPen"/>
-    </inkml:brush>
-  </inkml:definitions>
-  <inkml:trace contextRef="#ctx0" brushRef="#br0">230 234 8704,'-47'-48'4757,"43"43"-4691,0 0-1,1 0 1,-1-1-1,1 1 1,0-1-1,1 1 1,-1-1 0,1 0-1,0 0 1,1 0-1,-1 0 1,1 0-1,1 0 1,-1-1 0,1 1-1,0 0 1,0 0-1,1 0 1,0-1-1,0 1 1,0 0 0,1 0-1,0 0 1,0 0-1,0 1 1,1-1 0,1-2-66,-2 6 0,0 0 0,0 0 0,1 1 0,-1-1 0,0 1 0,1-1 0,-1 1 0,1 0 0,-1 0 0,1 0 0,-1 0 0,1 0 0,0 0 0,-1 1 0,1 0 0,0-1 0,0 1 0,-1 0 0,1 0 0,0 1 0,0-1 0,-1 0 0,1 1 0,0 0 0,0-1 0,-1 1 0,1 0 0,-1 1 0,1-1 0,-1 0 0,3 2 0,71 52 0,-71-51 50,0 1 1,0-1-1,0 1 1,-1-1 0,0 1-1,0 0 1,0 1-1,0-1 1,-1 1 0,0 0-1,0 0 1,0 0-1,-1 0 1,0 0 0,0 0-1,0 1 1,-1-1-1,0 1 1,-1-1 0,1 1-1,-1 0 1,0-1-1,-1 1 1,0-1 0,0 1-1,0-1 1,-1 1-1,1-1 1,-2 0 0,1 0-1,-1 0 1,0 0-1,0 0 1,0-1 0,-1 1-1,0-1 1,0 0-1,-1 0 1,1 0 0,-1-1-1,0 1 1,0-1-1,-6 3-50,-1-3 55,0-1 0,-1 0 0,0-1-1,1 0 1,-1-1 0,0 0 0,0-1-1,0-1 1,0 0 0,1-1-1,-1 0 1,0-1 0,1 0 0,0-1-1,0-1 1,0 1 0,0-2-1,1 0 1,0 0 0,0-1 0,0-1-1,1 1 1,0-2-55,7 7 1,1 0-1,0 0 1,-1 0 0,1 0-1,0-1 1,1 1-1,-1 0 1,0-1 0,1 1-1,-1-1 1,1 0 0,0 0-1,-1 0 1,2 1 0,-1-1-1,0 0 1,0 0-1,1 0 1,0 0 0,-1 0-1,1 0 1,1 0 0,-1 0-1,0 0 1,1 0-1,-1 0 1,1 0 0,0 0-1,0 0 1,0 0 0,0 0-1,0 1 1,1-1-1,0 0 1,-1 1 0,1-1-1,0 1 1,0 0 0,0 0-1,2-2 0,107-65-25,-100 66 14,-1 0-1,1 1 1,0 1 0,-1 0-1,1 0 1,0 1 0,0 0-1,0 1 1,0 1 0,-1-1-1,1 2 1,-1-1 0,1 2-1,-1-1 1,0 1 0,0 1-1,0 0 1,-1 0 0,0 1-1,0 0 1,0 1 0,-1-1-1,0 2 1,0-1 0,0 1-1,-1 1 1,-1-1 0,1 1-1,-1 0 1,-1 0 0,0 1-1,2 4 12,-6-10 20,0 1 0,-1-1-1,1 0 1,-1 0-1,0 1 1,0-1-1,0 0 1,-1 0-1,1 1 1,-1-1 0,0 0-1,0 0 1,-1 0-1,1 0 1,-1 0-1,0 0 1,0-1-1,0 1 1,-1 0 0,1-1-1,-1 0 1,0 1-1,0-1 1,0 0-1,0-1 1,0 1-1,-1 0 1,1-1 0,-1 0-1,0 0 1,1 0-1,-1 0 1,-2 0-20,-3 2 57,-1 1 0,0-2 0,-1 1 0,1-2 0,0 1 0,-1-1 0,0-1 0,1 0 0,-1 0 0,0-1 0,1-1 0,-1 0 0,0 0-57,-3-2 49,1-1 0,1 0 1,-1-1-1,0 0 0,1-1 0,0 0 0,1-1 1,-1-1-1,-7-6-49,15 11 11,1 1-1,0-1 1,-1 0 0,1 0 0,1-1 0,-1 1 0,0 0-1,1-1 1,-1 0 0,1 1 0,0-1 0,1 0 0,-1 0-1,1 0 1,-1 0 0,1-1 0,0 1 0,1 0 0,-1 0-1,1-1 1,0 1 0,0 0 0,0-1 0,0 1 0,1 0-1,0-1 1,0 1 0,0 0 0,0 0 0,1 0 0,0 0-1,-1 0-10,5-7-12,1 1 0,0 0 0,0 0 0,1 1 0,0 0 0,1 0 0,0 1 0,0 0 0,1 1 0,0 0 0,0 0 0,0 1 0,1 0 0,0 1 0,1 0 0,8-2 12,-13 5-7,1 0 0,-1 0 0,1 0 0,-1 1 0,1 0 0,-1 0 0,1 1-1,0 0 1,-1 1 0,1 0 0,0 0 0,-1 0 0,1 1 0,-1 0 0,0 0 0,0 1-1,1 0 1,-2 0 0,1 1 0,0 0 0,-1 0 0,0 1 0,0-1 0,0 2 0,0-1-1,-1 0 1,1 1 7,-3-2 11,0 0 0,0 0-1,-1 0 1,1 1 0,-1-1-1,0 0 1,0 1 0,-1 0-1,1-1 1,-1 1 0,0 0-1,0 0 1,-1 0 0,1 0-1,-1-1 1,0 1 0,0 0-1,-1 0 1,1 0 0,-1 0-1,0 0 1,-1-1 0,1 1-1,-1 0 1,0-1 0,0 1-1,0-1 1,-1 0 0,0 0-1,-2 4-10,0-1 28,-1 0 0,0 0 0,0-1 0,-1 0 0,0 0 0,0 0 0,0-1 0,0 0 0,-1-1 0,0 1 0,0-2 0,0 1 0,0-1 0,-1 0 0,1-1 0,-7 2-28,5-3 40,0 0-1,0 0 1,0-1-1,0-1 1,0 1-1,0-1 1,0-1-1,0 0 1,0-1-1,1 0 0,-1 0 1,1-1-1,-1 0 1,1 0-1,1-1 1,-1-1-1,1 1 1,0-1-1,0-1 1,-2-2-40,8 7 4,0 0 0,1-1 0,-1 1 0,1-1 0,0 1 0,0-1 0,0 1 0,0-1 1,0 0-1,0 1 0,1-1 0,-1 0 0,1 0 0,0 1 0,0-1 0,0 0 0,0 0 0,0 0 0,1 1 1,-1-1-1,1 0 0,0 0 0,0 1 0,0-1 0,0 1 0,0-1 0,0 1 0,1-1 0,-1 1 0,1 0 1,0 0-1,0-1 0,0 1 0,0 0 0,0 1 0,0-1 0,0 0 0,1 1 0,-1-1 0,0 1 1,3-1-6,107-47-1212,-40 37-1819,38 13-6522,-48 5 5373</inkml:trace>
-</inkml:ink>
-</file>
-
-<file path=ppt/ink/ink42.xml><?xml version="1.0" encoding="utf-8"?>
-<inkml:ink xmlns:inkml="http://www.w3.org/2003/InkML">
-  <inkml:definitions>
-    <inkml:context xml:id="ctx0">
-      <inkml:inkSource xml:id="inkSrc0">
-        <inkml:traceFormat>
-          <inkml:channel name="X" type="integer" min="-2.14748E9" max="2.14748E9" units="cm"/>
-          <inkml:channel name="Y" type="integer" min="-2.14748E9" max="2.14748E9" units="cm"/>
-          <inkml:channel name="F" type="integer" max="32767" units="dev"/>
-        </inkml:traceFormat>
-        <inkml:channelProperties>
-          <inkml:channelProperty channel="X" name="resolution" value="1000" units="1/cm"/>
-          <inkml:channelProperty channel="Y" name="resolution" value="1000" units="1/cm"/>
-          <inkml:channelProperty channel="F" name="resolution" value="0" units="1/dev"/>
-        </inkml:channelProperties>
-      </inkml:inkSource>
-      <inkml:timestamp xml:id="ts0" timeString="2019-05-27T17:51:46.171"/>
-    </inkml:context>
-    <inkml:brush xml:id="br0">
-      <inkml:brushProperty name="width" value="0.1" units="cm"/>
-      <inkml:brushProperty name="height" value="0.2" units="cm"/>
-      <inkml:brushProperty name="color" value="#00F900"/>
-      <inkml:brushProperty name="tip" value="rectangle"/>
-      <inkml:brushProperty name="rasterOp" value="maskPen"/>
-    </inkml:brush>
-  </inkml:definitions>
-  <inkml:trace contextRef="#ctx0" brushRef="#br0">91 197 8064,'-10'-8'2666,"-36"-59"1295,45 64-3919,0-1 1,0 0-1,0-1 0,1 1 0,-1 0 0,1 0 0,0 0 0,0 0 1,0 0-1,1 0 0,-1 0 0,1-1 0,0 1 0,1 1 1,-1-1-1,0 0 0,1 0 0,0 0 0,0 1 0,0-1 0,1 1 1,-1-1-1,1 1 0,-1 0 0,1 0 0,0 0 0,0 1 1,3-2-43,0 1 23,1 1 0,-1 0 0,1 0 0,0 1 0,0-1 0,-1 2 0,1-1 0,0 1 0,0 0 0,0 0 0,0 1 0,0 0 0,0 0 0,-1 1 0,1 0 0,-1 0 0,1 0 0,-1 1 0,0 0 0,1 0 0,-1 1 0,-1 0 0,1 0 0,-1 0 0,1 0 0,-1 1 0,-1 0 0,1 0 0,-1 1 0,1-1 0,-2 1 0,1 0 0,0 0 0,-1 0 0,-1 0 0,1 1 0,-1-1 0,2 7-23,-4-8 36,0 1-1,0-1 0,-1 0 1,0 1-1,0-1 1,0 1-1,0-1 0,-1 0 1,0 0-1,0 0 0,0 0 1,-1 0-1,0 0 1,0-1-1,0 1 0,0-1 1,-1 0-1,0 0 1,0 0-1,0 0 0,0-1 1,0 1-1,-1-1 1,1 0-1,-1-1 0,0 1 1,0-1-1,0 0 1,0 0-1,0-1 0,-1 1 1,1-1-1,-1 0 1,1 0-1,0-1 0,-1 0 1,1 0-1,-1 0 1,1-1-1,-1 1 0,1-1 1,0-1-1,-1 1 0,0-1-35,2 2 10,0 0 0,0 1-1,0-2 1,0 1-1,0 0 1,0-1 0,0 0-1,0 0 1,0 0-1,0-1 1,0 1 0,0-1-1,1 0 1,-1 0-1,0 0 1,1 0 0,0-1-1,0 0 1,0 1-1,0-1 1,0 0 0,0 0-1,1-1 1,-1 1-1,1 0 1,0-1 0,0 0-1,0 1 1,1-1-1,-1 0 1,1 0 0,0 0-1,0 0 1,0 0-1,1 0 1,-1 0 0,1 0-1,0 0 1,0-1-1,1-2-9,1 2 0,1 0 0,0-1 0,0 1 0,1 0 0,-1 1 0,1-1 0,0 0 0,1 1 0,-1 0 0,1 0 0,-1 1 0,1-1 0,0 1 0,1 0 0,-1 0 0,0 0 0,1 1 0,0 0 0,-1 0 0,1 1 0,0-1 0,0 1 0,0 0 0,0 1 0,0 0 0,0 0 0,0 0 0,0 0 0,0 1 0,0 0 0,0 1 0,0-1 0,0 1 0,-1 0 0,1 0 0,-1 1 0,1 0 0,1 1 0,-6-3 0,1 1 0,-1-1 0,0 1 0,0 0 0,0-1 0,0 1 0,0 0 0,0 0 0,0 0 0,-1 0 0,1-1 0,-1 1 0,1 0 0,-1 0 0,0 0 0,0 0 0,1 0 0,-2 0 0,1 0 0,0 0 0,0 0 0,-1 0 0,1 0 0,-1 0 0,1 0 0,-1 0 0,0 0 0,0 0 0,0-1 0,0 1 0,0 0 0,0-1 0,0 1 0,-1 0 0,1-1 0,0 0 0,-1 1 0,1-1 0,-1 0 0,0 0 0,1 0 0,-1 0 0,0 0 0,-81 34 0,-4-50 75,86 15-75,-1-1 1,0 0-1,0 0 0,0 0 0,1 0 1,-1 0-1,0-1 0,1 1 0,-1 0 1,1-1-1,0 1 0,-1-1 0,1 1 1,0-1-1,0 0 0,0 1 1,0-1-1,0 0 0,0 0 0,1 0 1,-1 0-1,1 0 0,-1 0 0,1 0 1,0 0-1,0 0 0,-1 0 0,1 0 1,1 0-1,-1 0 0,0 0 0,0 0 1,1 0-1,-1 0 0,1 0 0,0 1 1,0-1-1,-1 0 0,1 0 0,0 0 1,1 0-1,49-46-1264,55 19-8437,-54 21 5605</inkml:trace>
-</inkml:ink>
-</file>
-
-<file path=ppt/ink/ink43.xml><?xml version="1.0" encoding="utf-8"?>
-<inkml:ink xmlns:inkml="http://www.w3.org/2003/InkML">
-  <inkml:definitions>
-    <inkml:context xml:id="ctx0">
-      <inkml:inkSource xml:id="inkSrc0">
-        <inkml:traceFormat>
-          <inkml:channel name="X" type="integer" min="-2.14748E9" max="2.14748E9" units="cm"/>
-          <inkml:channel name="Y" type="integer" min="-2.14748E9" max="2.14748E9" units="cm"/>
-          <inkml:channel name="F" type="integer" max="32767" units="dev"/>
-        </inkml:traceFormat>
-        <inkml:channelProperties>
-          <inkml:channelProperty channel="X" name="resolution" value="1000" units="1/cm"/>
-          <inkml:channelProperty channel="Y" name="resolution" value="1000" units="1/cm"/>
-          <inkml:channelProperty channel="F" name="resolution" value="0" units="1/dev"/>
-        </inkml:channelProperties>
-      </inkml:inkSource>
-      <inkml:timestamp xml:id="ts0" timeString="2019-05-27T17:51:47.238"/>
-    </inkml:context>
-    <inkml:brush xml:id="br0">
-      <inkml:brushProperty name="width" value="0.1" units="cm"/>
-      <inkml:brushProperty name="height" value="0.2" units="cm"/>
-      <inkml:brushProperty name="color" value="#00F900"/>
-      <inkml:brushProperty name="tip" value="rectangle"/>
-      <inkml:brushProperty name="rasterOp" value="maskPen"/>
-    </inkml:brush>
-  </inkml:definitions>
-  <inkml:trace contextRef="#ctx0" brushRef="#br0">36 229 9472,'-10'-34'444,"7"29"-280,1 0-1,0 1 1,0-1-1,1-1 0,-1 1 1,1 0-1,0 0 1,0 0-1,1-1 0,0 1 1,0 0-1,0 0 1,0-1-1,1 1 0,0 0 1,0 0-1,0-1 1,1 1-1,0 0 0,0 0 1,0 1-1,0-1 1,1 0-1,0 1 0,0 0 1,1-2-164,1 0 39,1 1 0,-1 0 1,1 0-1,0 1 0,0-1 0,0 1 1,1 1-1,-1-1 0,1 1 0,0 0 1,0 0-1,0 1 0,0 0 0,0 1 1,1-1-1,-1 1 0,1 1 0,-1-1 1,1 1-1,-1 1 0,0-1 0,1 1 1,-1 1-1,0-1 0,1 1 0,-1 0 1,0 1-1,0 0 0,-1 0 0,1 0 1,0 1-1,-1 0 0,0 0 0,0 1 1,0 0-1,-1 0 0,0 0 1,0 1-1,0-1 0,0 1 0,-1 0 1,0 1-1,0-1 0,-1 1 0,0-1 1,0 1-1,0 0 0,-1 0 0,0 1 1,0-1-40,-2-1 51,0 0 0,0-1 0,0 1 1,-1 0-1,0-1 0,0 1 1,-1-1-1,1 1 0,-1-1 1,0 1-1,0-1 0,-1 0 1,0 0-1,0 0 0,0-1 1,0 1-1,-1-1 0,0 1 0,0-1 1,0 0-1,0-1 0,-1 1 1,1-1-1,-1 0 0,0 0 1,0 0-1,0-1 0,0 1 1,-1-1-1,1-1 0,0 1 1,-1-1-1,0 0 0,1 0 0,-1 0 1,1-1-1,-3 0-51,-3 0 36,1 0 0,0-1 0,0 0 0,0 0 0,0-1 0,0-1 0,0 0 0,0 0 0,1-1 0,0 0 0,-1 0 0,1-1 0,-3-3-36,7 5 6,1 1 0,0-1 1,0 0-1,0 0 0,0-1 0,1 1 0,-1-1 0,1 0 0,0 0 1,0 0-1,0 0 0,1 0 0,-1-1 0,1 1 0,0-1 0,0 0 1,1 1-1,0-1 0,-1 0 0,1 0 0,1 0 0,-1 0 0,1 0 1,0 0-1,0 0 0,1 0 0,-1 0 0,1-2-6,1 3-5,-1-1 1,1 1-1,0-1 0,0 1 0,0-1 1,1 1-1,0 0 0,0 0 0,0 1 0,0-1 1,0 0-1,1 1 0,-1 0 0,1 0 1,0 0-1,0 0 0,0 1 0,1-1 1,-1 1-1,1 0 0,-1 0 0,1 1 1,-1 0-1,1-1 0,0 1 0,0 1 1,0-1-1,3 1 5,2-1-8,1 1 0,-1 0 0,0 1 1,1 0-1,-1 0 0,0 1 0,0 1 0,0-1 1,0 2-1,0-1 0,-1 2 0,0-1 0,2 2 8,77 76 0,-87-81 5,-1 0 0,1 1-1,0-1 1,-1 0 0,1 1 0,0-1-1,-1 1 1,0-1 0,1 1-1,-1-1 1,0 1 0,0-1-1,0 1 1,0-1 0,0 1-1,0-1 1,0 1 0,0-1-1,-1 1 1,1-1 0,0 0-1,-1 1 1,0-1 0,1 1-1,-1-1 1,0 0 0,1 0-1,-1 1 1,0-1 0,0 0 0,0 0-1,0 0 1,0 0 0,-1 0-1,1 0 1,0 0 0,0 0-1,0 0 1,-1-1 0,1 1-1,-1-1 1,1 1 0,0-1-1,-1 1 1,1-1 0,-1 0-1,1 1 1,-1-1 0,0 0-5,-78 0 261,62-4-214,0-1 1,1-1-1,0-1 1,1 0-1,0-1 1,0-1-1,0 0 0,1-1 1,-13-11-48,27 20-3,0 0 0,0 0 1,0-1-1,0 1 0,0 0 1,0 0-1,0 0 1,0-1-1,0 1 0,1-1 1,-1 1-1,0 0 0,1-1 1,-1 1-1,1-1 0,0 1 1,-1-1-1,1 1 0,0-1 1,0 0-1,0 1 0,0-1 1,0 1-1,0-1 0,1 1 1,-1-1-1,0 1 0,1-1 1,-1 1-1,1-1 1,0 1-1,-1-1 0,1 1 1,0 0-1,0-1 0,0 1 1,0 0-1,0 0 0,0 0 1,0 0-1,0 0 0,1 0 1,-1 0-1,0 0 0,1 0 1,-1 1-1,0-1 0,1 0 1,0 1 2,76-28-3496,-77 27 3282,52-12-10303</inkml:trace>
-</inkml:ink>
-</file>
-
-<file path=ppt/ink/ink44.xml><?xml version="1.0" encoding="utf-8"?>
-<inkml:ink xmlns:inkml="http://www.w3.org/2003/InkML">
-  <inkml:definitions>
-    <inkml:context xml:id="ctx0">
-      <inkml:inkSource xml:id="inkSrc0">
-        <inkml:traceFormat>
-          <inkml:channel name="X" type="integer" min="-2.14748E9" max="2.14748E9" units="cm"/>
-          <inkml:channel name="Y" type="integer" min="-2.14748E9" max="2.14748E9" units="cm"/>
-          <inkml:channel name="F" type="integer" max="32767" units="dev"/>
-        </inkml:traceFormat>
-        <inkml:channelProperties>
-          <inkml:channelProperty channel="X" name="resolution" value="1000" units="1/cm"/>
-          <inkml:channelProperty channel="Y" name="resolution" value="1000" units="1/cm"/>
-          <inkml:channelProperty channel="F" name="resolution" value="0" units="1/dev"/>
-        </inkml:channelProperties>
-      </inkml:inkSource>
-      <inkml:timestamp xml:id="ts0" timeString="2019-05-27T17:51:49.952"/>
-    </inkml:context>
-    <inkml:brush xml:id="br0">
-      <inkml:brushProperty name="width" value="0.1" units="cm"/>
-      <inkml:brushProperty name="height" value="0.2" units="cm"/>
-      <inkml:brushProperty name="color" value="#00F900"/>
-      <inkml:brushProperty name="tip" value="rectangle"/>
-      <inkml:brushProperty name="rasterOp" value="maskPen"/>
-    </inkml:brush>
-  </inkml:definitions>
-  <inkml:trace contextRef="#ctx0" brushRef="#br0">187 319 4992,'-59'-40'6017,"24"24"-4290,30 13-1616,0 0 0,-1 0 0,1 0 0,1-1 0,-1 1 0,1-1 0,-1-1 0,1 1 0,0-1 0,1 1 0,-1-1 0,1 0 0,0 0 0,0-1 0,0 1 0,1-1 1,0 1-1,0-1 0,0 0 0,1 0 0,0 1 0,0-1 0,1 0 0,-1 0 0,1 0 0,0 0 0,1 0 0,0 0 0,0 0 0,0 0 0,0 0 0,1 0 0,0 1 0,1-2-111,3 3 9,0 0-1,0 1 0,0 0 1,0 0-1,1 0 0,-1 1 0,1 0 1,0 0-1,-1 1 0,1 0 0,0 0 1,0 1-1,0-1 0,0 1 0,0 1 1,0 0-1,0 0 0,-1 0 0,1 0 1,0 1-1,-1 1 0,1-1 0,-1 1 1,0 0-1,1 0 0,-2 1 0,1-1 1,0 1-1,-1 1 0,1-1 0,2 5-8,7 1 83,0 2 0,-1 0 0,-1 0 0,0 1 0,0 1 0,-2 0 0,0 1 0,0 0 0,0 3-83,-8-13 27,0-1 1,-1 1-1,1 0 0,-1 0 1,0 0-1,0 0 0,-1 0 1,0 1-1,0-1 0,0 0 1,0 1-1,-1-1 0,0 1 1,0-1-1,0 0 0,-1 1 1,0-1-1,0 1 0,0-1 1,0 0-1,-1 0 0,0 0 1,0 0-1,-1 0 0,1 0 1,-1 0-1,0-1 0,0 0 1,-1 1-1,1-1 0,-1 0 1,-3 2-28,3-3 26,0 0-1,-1 0 1,0-1 0,0 0 0,0 0 0,0 0 0,0 0-1,0-1 1,0 1 0,-1-1 0,1-1 0,0 1 0,-1-1 0,1 0-1,0 0 1,-1 0 0,1-1 0,0 0 0,-1 0 0,1 0-1,0-1 1,0 0 0,0 0 0,0 0 0,-4-3-26,-113-79 399,115 79-404,1 0-1,-1-1 1,1 1 0,1-1-1,-1-1 1,1 1 0,0-1-1,0 0 1,1 0 0,0 0-1,0 0 1,1-1 0,0 0-1,0 1 1,1-1 0,0 0-1,0-1 1,1 1 0,0 0-1,1 0 1,0 0 0,0-1-1,0 1 1,1 0 0,0 0-1,1-1 1,0 1 0,0 0-1,1 1 1,0-1 0,0 0-1,1 1 1,0 0 0,0 0-1,1 0 1,0 0 0,0 1-1,0-1 1,1 1 0,0 1-1,0-1 1,1 1 0,-1 0-1,4-2 6,-3 5-15,0 0 0,1 0 0,-1 1-1,0 0 1,1 0 0,-1 0 0,0 1 0,1 0-1,-1 1 1,1 0 0,-1 0 0,0 0-1,0 1 1,1 0 0,-1 1 0,0-1-1,-1 1 1,1 1 0,-1-1 0,1 1-1,-1 0 1,0 1 0,0-1 0,-1 1-1,1 0 1,-1 1 0,0-1 0,-1 1 0,1 0-1,-1 0 1,0 1 0,-1-1 0,0 1-1,0 0 1,0 0 0,-1 0 0,0 0-1,0 0 1,0 0 0,-1 1 0,-1-1-1,1 4 16,-1-7 25,0 0 0,0 1-1,0-1 1,0 0 0,-1 0 0,0 1-1,0-1 1,0 0 0,0 0-1,-1 0 1,0 0 0,0 0-1,0 0 1,0-1 0,0 1-1,-1 0 1,1-1 0,-1 0-1,0 0 1,0 0 0,0 0 0,-1 0-1,1-1 1,-1 1 0,0-1-1,1 0 1,-1 0 0,0 0-1,0-1 1,0 1 0,0-1-1,-1 0 1,1 0 0,0 0-1,-4-1-24,1 2 37,0-1-1,1 0 0,-1-1 1,0 0-1,0 0 1,0 0-1,0-1 0,1 0 1,-1-1-1,0 1 0,1-1 1,-1 0-1,1-1 0,0 1 1,0-1-1,0-1 1,0 1-1,0-1 0,1 0 1,-1 0-1,1-1 0,-3-3-36,6 6-197,1-1-1,0 1 1,0 0 0,0-1-1,0 0 1,0 1-1,0-1 1,1 1-1,-1-1 1,1 0-1,0 1 1,0-1 0,0 0-1,0 0 1,0 1-1,0-1 1,1 0-1,-1 1 1,1-1-1,0 1 1,0-1-1,0 1 1,0-1 0,0 1-1,1-1 1,-1 1-1,1 0 1,-1 0-1,1 0 1,0 0-1,0 0 1,0 0 0,0 0-1,0 1 1,0-1-1,1 1 1,-1-1-1,0 1 1,1 0-1,-1 0 1,1 0-1,-1 0 1,3 0 197,21-12-7253</inkml:trace>
-</inkml:ink>
-</file>
-
-<file path=ppt/ink/ink45.xml><?xml version="1.0" encoding="utf-8"?>
-<inkml:ink xmlns:inkml="http://www.w3.org/2003/InkML">
-  <inkml:definitions>
-    <inkml:context xml:id="ctx0">
-      <inkml:inkSource xml:id="inkSrc0">
-        <inkml:traceFormat>
-          <inkml:channel name="X" type="integer" min="-2.14748E9" max="2.14748E9" units="cm"/>
-          <inkml:channel name="Y" type="integer" min="-2.14748E9" max="2.14748E9" units="cm"/>
-          <inkml:channel name="F" type="integer" max="32767" units="dev"/>
-        </inkml:traceFormat>
-        <inkml:channelProperties>
-          <inkml:channelProperty channel="X" name="resolution" value="1000" units="1/cm"/>
-          <inkml:channelProperty channel="Y" name="resolution" value="1000" units="1/cm"/>
-          <inkml:channelProperty channel="F" name="resolution" value="0" units="1/dev"/>
-        </inkml:channelProperties>
-      </inkml:inkSource>
-      <inkml:timestamp xml:id="ts0" timeString="2019-05-27T17:51:51.733"/>
-    </inkml:context>
-    <inkml:brush xml:id="br0">
-      <inkml:brushProperty name="width" value="0.1" units="cm"/>
-      <inkml:brushProperty name="height" value="0.2" units="cm"/>
-      <inkml:brushProperty name="color" value="#00F900"/>
-      <inkml:brushProperty name="tip" value="rectangle"/>
-      <inkml:brushProperty name="rasterOp" value="maskPen"/>
-    </inkml:brush>
-  </inkml:definitions>
-  <inkml:trace contextRef="#ctx0" brushRef="#br0">195 310 6912,'-7'-1'252,"0"0"0,1-1 1,-1 0-1,1 0 0,-1 0 0,1-1 1,-1 0-1,1 0 0,0 0 1,1-1-1,-1 0 0,1 0 0,-1-1 1,1 1-1,0-1 0,1 0 1,-1-1-1,1 1 0,0-1 0,0 0 1,1 0-1,0 0 0,-3-6-252,-21-116 1387,27 125-1361,0 0 1,0 0-1,0-1 0,0 1 1,1 0-1,-1 0 1,1 0-1,0 0 0,0 0 1,0 0-1,0 0 1,0 0-1,1 0 0,-1 0 1,1 0-1,0 1 0,0-1 1,0 1-1,0-1 1,0 1-1,0 0 0,1 0 1,-1 0-1,1 0 1,0 0-1,-1 0 0,1 1 1,0 0-1,0-1 0,0 1 1,0 0-1,0 0 1,0 1-1,0-1 0,1 1 1,-1-1-1,0 1 1,3 0-27,5 3 25,-1-1 0,0 2 1,-1 0-1,1 0 1,-1 0-1,0 1 0,0 1 1,0-1-1,0 2 0,-1-1 1,0 1-1,-1 0 1,1 1-1,-1-1 0,-1 2 1,0-1-1,0 1 1,0 0-1,-1 0 0,-1 0 1,1 2-26,-1-5 51,-1 0-1,0 0 1,0 0 0,-1 0 0,1 1 0,-2 0-1,1-1 1,-1 1 0,0 0 0,0 0 0,0-1-1,-1 1 1,0 0 0,-1 0 0,0 0 0,0 0-1,0-1 1,-1 1 0,0 0 0,0-1-1,0 1 1,-1-1 0,0 0 0,0 0 0,-1 0-1,0 0 1,0-1 0,0 1 0,-1-1 0,1 0-1,-1-1 1,-1 1 0,1-1 0,0 0 0,-1 0-1,0 0 1,0-1 0,0 0 0,0 0 0,-1-1-1,1 1 1,-4-1-51,0 0 26,1-1 1,-1 0-1,0 0 0,0-1 0,1-1 0,-1 1 1,0-1-1,1-1 0,-1 0 0,1-1 1,0 1-1,-2-3-26,7 4 7,0 0 0,0-1 1,1 0-1,-1 0 0,1 0 1,0 0-1,-1 0 0,1-1 0,0 1 1,0-1-1,1 0 0,-1 0 1,1 0-1,-1 0 0,1-1 0,0 1 1,0-1-1,0 1 0,1-1 1,-1 0-1,1 1 0,0-1 0,0 0 1,0 0-1,0 0 0,1 0 1,0 0-1,0 0 0,0 0 0,0-2-7,2-1-3,1 0 0,0 0-1,0 0 1,0 1 0,1-1-1,0 1 1,0 0-1,0 0 1,1 0 0,0 1-1,0 0 1,0 0 0,1 0-1,0 0 1,0 1 0,0 0-1,0 0 1,1 1-1,0-1 1,-1 2 0,1-1-1,0 1 1,0 0 0,1 0-1,-1 1 1,0 0-1,0 0 1,1 1 0,-1 0-1,1 0 1,-1 0 0,0 1-1,0 1 1,1-1 0,-1 1-1,0 0 1,0 1-1,5 2 4,-7-3 16,0 1-1,-1 0 1,1 0-1,-1 0 1,1 0-1,-1 1 1,0 0-1,-1 0 1,1 0-1,0 0 1,-1 1-1,0-1 1,0 1-1,-1 0 1,1 0-1,-1 0 1,0 0-1,0 0 0,-1 0 1,0 0-1,1 1 1,-2-1-1,1 1 1,-1-1-1,0 1 1,0-1-1,0 1 1,-1-1-1,1 1 1,-2-1-1,1 0 1,0 1-1,-1-1 1,0 0-1,0 0 1,-1 0-1,1 0 1,-1-1-1,0 1 0,-1-1 1,1 1-1,-1-1 1,1 0-1,-1-1 1,-1 1-1,1-1 1,0 1-1,-1-1 1,1 0-1,-1-1 1,-1 1-16,-4-1 32,0-1 1,0 0-1,0 0 1,0-1-1,0 0 1,0-1-1,0 0 0,0 0 1,0-1-1,0-1 1,1 0-1,-1 0 1,1 0-1,0-2 1,0 1-1,0-1 1,0 0-1,1-1 1,0 0-1,0 0 0,0-1 1,1 0-1,-3-3-32,9 4 0,0 0 0,0 0 0,0 0 0,1 0 0,-1 0 0,2 0 0,-1 0 0,1 0 0,0 0 0,0 0 0,0 0 0,1 1 0,0-1 0,0 0 0,0 1 0,1-1 0,0 1 0,0 0 0,0 0 0,1 0 0,0 0 0,0 1 0,0-1 0,0 1 0,1 0 0,-1 0 0,1 1 0,0-1 0,0 1 0,1 0 0,4-2 0,-9 4 0,1-1 0,1 0 0,-1 1 0,0-1 0,0 1 0,0-1 0,1 1 0,-1 0 0,1 0 0,-1 0 0,1 1 0,-1-1 0,1 0 0,-1 1 0,1 0 0,0-1 0,-1 1 0,1 0 0,0 1 0,-1-1 0,1 0 0,-1 1 0,1-1 0,-1 1 0,1 0 0,-1 0 0,1 0 0,-1 0 0,1 0 0,-1 1 0,0-1 0,0 1 0,0-1 0,0 1 0,0 0 0,0 0 0,0 0 0,-1 0 0,1 0 0,-1 0 0,1 0 0,-1 1 0,0-1 0,0 0 0,0 1 0,1 1 0,-48 72-5951,30-58-3073</inkml:trace>
-</inkml:ink>
-</file>
-
-<file path=ppt/ink/ink46.xml><?xml version="1.0" encoding="utf-8"?>
-<inkml:ink xmlns:inkml="http://www.w3.org/2003/InkML">
-  <inkml:definitions>
-    <inkml:context xml:id="ctx0">
-      <inkml:inkSource xml:id="inkSrc0">
-        <inkml:traceFormat>
-          <inkml:channel name="X" type="integer" min="-2.14748E9" max="2.14748E9" units="cm"/>
-          <inkml:channel name="Y" type="integer" min="-2.14748E9" max="2.14748E9" units="cm"/>
-          <inkml:channel name="F" type="integer" max="32767" units="dev"/>
-        </inkml:traceFormat>
-        <inkml:channelProperties>
-          <inkml:channelProperty channel="X" name="resolution" value="1000" units="1/cm"/>
-          <inkml:channelProperty channel="Y" name="resolution" value="1000" units="1/cm"/>
-          <inkml:channelProperty channel="F" name="resolution" value="0" units="1/dev"/>
-        </inkml:channelProperties>
-      </inkml:inkSource>
-      <inkml:timestamp xml:id="ts0" timeString="2019-05-27T17:51:52.958"/>
-    </inkml:context>
-    <inkml:brush xml:id="br0">
-      <inkml:brushProperty name="width" value="0.1" units="cm"/>
-      <inkml:brushProperty name="height" value="0.2" units="cm"/>
-      <inkml:brushProperty name="color" value="#00F900"/>
-      <inkml:brushProperty name="tip" value="rectangle"/>
-      <inkml:brushProperty name="rasterOp" value="maskPen"/>
-    </inkml:brush>
-  </inkml:definitions>
-  <inkml:trace contextRef="#ctx0" brushRef="#br0">163 233 8064,'-57'-41'1565,"54"40"-1439,-1 0 0,1 1 0,0-1 0,-1 0-1,1-1 1,0 1 0,0-1 0,0 1 0,0-1 0,0 0 0,0 0 0,0 0 0,1 0 0,-1-1 0,1 1 0,-1-1 0,1 1 0,0-1-1,0 0 1,0 0 0,1 0 0,-1 0 0,1 0 0,-1-1 0,1 1 0,0 0 0,0-1 0,1 1 0,-1 0 0,1-1 0,-1 1-1,1-1 1,0 1 0,1-1 0,-1 1 0,0-1 0,1 1 0,0-1 0,0 1 0,0 0 0,0 0 0,0-1 0,1 1 0,0 0 0,1-2-126,0 0 20,1 0 1,-1 0 0,1 0 0,0 1 0,0-1-1,1 1 1,-1 1 0,1-1 0,0 0 0,0 1-1,0 0 1,0 0 0,0 1 0,1-1 0,-1 1-1,1 0 1,0 1 0,0-1 0,0 1 0,0 0-1,-1 1 1,1-1 0,0 1 0,0 1 0,0-1-1,0 1 1,0 0 0,0 0 0,0 0 0,0 1-1,-1 0 1,1 0 0,-1 1 0,1-1 0,-1 1-1,0 1 1,0-1 0,0 0 0,-1 1 0,1 0-21,1 4 70,1-1 1,-1 1 0,-1 0 0,0 1 0,0-1 0,0 1 0,-1 0 0,0 1-1,-1-1 1,0 0 0,-1 1 0,0 0 0,0-1 0,-1 1 0,0 0 0,-1 0-1,0 0 1,0 0 0,-1 0 0,-1 0 0,1-1 0,-2 1 0,1 0 0,-1-1-1,-1 0 1,0 0 0,0 0 0,-1 0 0,0 0 0,0-1 0,-6 7-71,4-11 28,1 0-1,-1 0 1,-1-1 0,1 0 0,0 0 0,-1-1 0,1 0 0,-1 0-1,0-1 1,1 0 0,-1 0 0,0-1 0,0 0 0,0 0 0,1-1-1,-1 0 1,0 0 0,0-1 0,1 0 0,-1 0 0,1-1-1,0 0 1,0 0 0,0 0 0,0-1 0,0 0 0,1-1 0,-1 0-1,1 0 1,1 0 0,-1-1 0,1 1 0,0-1 0,0 0 0,0-1-1,-1-4-27,3 6-2,2 0 0,-1 0 0,1 0 0,-1-1-1,2 1 1,-1 0 0,0-1 0,1 1 0,0-1-1,1 1 1,-1 0 0,1-1 0,0 1 0,0 0-1,0-1 1,1 1 0,0 0 0,0 0-1,0 0 1,1 0 0,0 1 0,-1-1 0,2 1-1,-1-1 1,0 1 0,1 0 0,0 0 0,0 1-1,4-4 3,-2 2-3,0 0 0,1 0-1,0 0 1,0 1 0,0 0-1,0 0 1,0 0-1,1 1 1,0 1 0,0-1-1,0 1 1,0 0 0,0 1-1,0 0 1,0 0 0,0 1-1,0 0 1,0 0-1,6 2 4,-10 0 6,0-1-1,-1 1 0,1 0 0,0 1 1,-1-1-1,0 1 0,1 0 0,-1-1 1,0 1-1,-1 1 0,1-1 0,0 0 0,-1 1 1,0-1-1,0 1 0,0 0 0,0 0 1,0-1-1,-1 1 0,0 0 0,1 1 1,-2-1-1,1 0 0,0 0 0,-1 0 0,0 1 1,0-1-1,0 0 0,0 0 0,-1 0 1,0 1-1,0-1 0,0 0 0,0 0 1,-1 0-1,1 0 0,-1 0 0,0-1 0,0 1 1,-1-1-1,1 1 0,-1-1 0,1 0 1,-1 1-1,0-1 0,0-1 0,-1 1 1,1 0-1,0-1 0,-1 0 0,0 0 0,1 0 1,-5 1-6,0 0 41,0 0 0,0-1-1,0-1 1,0 1 0,-1-1 0,1-1 0,0 0 0,-1 0 0,1 0 0,-1-1 0,1 0-1,0-1 1,0 0 0,0 0 0,0-1 0,0 0 0,0 0 0,0-1 0,1 0-1,0 0 1,0-1 0,0 0 0,0 0 0,-3-4-41,9 7-30,-1-1 1,1 1-1,0-1 0,0 1 1,0-1-1,0 0 0,0 1 1,0-1-1,1 0 0,-1 0 1,1 0-1,0 1 0,0-1 1,0 0-1,0 0 0,0 0 1,1 1-1,-1-1 0,1 0 1,-1 0-1,1 1 0,0-1 1,1 1-1,-1-1 0,0 0 0,1 1 1,-1 0-1,1-1 0,0 1 1,-1 0-1,1 0 0,0 0 1,0 0-1,1 0 0,-1 1 1,1-1 29,91-53-8894,-50 36 2622</inkml:trace>
-</inkml:ink>
-</file>
-
-<file path=ppt/ink/ink47.xml><?xml version="1.0" encoding="utf-8"?>
-<inkml:ink xmlns:inkml="http://www.w3.org/2003/InkML">
-  <inkml:definitions>
-    <inkml:context xml:id="ctx0">
-      <inkml:inkSource xml:id="inkSrc0">
-        <inkml:traceFormat>
-          <inkml:channel name="X" type="integer" min="-2.14748E9" max="2.14748E9" units="cm"/>
-          <inkml:channel name="Y" type="integer" min="-2.14748E9" max="2.14748E9" units="cm"/>
-        </inkml:traceFormat>
-        <inkml:channelProperties>
-          <inkml:channelProperty channel="X" name="resolution" value="1000" units="1/cm"/>
-          <inkml:channelProperty channel="Y" name="resolution" value="1000" units="1/cm"/>
-        </inkml:channelProperties>
-      </inkml:inkSource>
-      <inkml:timestamp xml:id="ts0" timeString="2019-05-27T17:52:10.270"/>
-    </inkml:context>
-    <inkml:brush xml:id="br0">
-      <inkml:brushProperty name="width" value="0.1" units="cm"/>
-      <inkml:brushProperty name="height" value="0.2" units="cm"/>
-      <inkml:brushProperty name="color" value="#FF2500"/>
-      <inkml:brushProperty name="tip" value="rectangle"/>
-      <inkml:brushProperty name="rasterOp" value="maskPen"/>
-      <inkml:brushProperty name="ignorePressure" value="1"/>
-    </inkml:brush>
-  </inkml:definitions>
-  <inkml:trace contextRef="#ctx0" brushRef="#br0">1 4198,'0'-1326,"0"-1307,0 2622,0 2,0-87,0 88,0-1,0-79,0 79,0 0,0 763,0-741</inkml:trace>
-</inkml:ink>
-</file>
-
-<file path=ppt/ink/ink48.xml><?xml version="1.0" encoding="utf-8"?>
-<inkml:ink xmlns:inkml="http://www.w3.org/2003/InkML">
-  <inkml:definitions>
-    <inkml:context xml:id="ctx0">
-      <inkml:inkSource xml:id="inkSrc0">
-        <inkml:traceFormat>
-          <inkml:channel name="X" type="integer" min="-2.14748E9" max="2.14748E9" units="cm"/>
-          <inkml:channel name="Y" type="integer" min="-2.14748E9" max="2.14748E9" units="cm"/>
         </inkml:traceFormat>
         <inkml:channelProperties>
           <inkml:channelProperty channel="X" name="resolution" value="1000" units="1/cm"/>
@@ -1389,7 +1154,7 @@
 </inkml:ink>
 </file>
 
-<file path=ppt/ink/ink49.xml><?xml version="1.0" encoding="utf-8"?>
+<file path=ppt/ink/ink41.xml><?xml version="1.0" encoding="utf-8"?>
 <inkml:ink xmlns:inkml="http://www.w3.org/2003/InkML">
   <inkml:definitions>
     <inkml:context xml:id="ctx0">
@@ -1415,6 +1180,243 @@
     </inkml:brush>
   </inkml:definitions>
   <inkml:trace contextRef="#ctx0" brushRef="#br0">3060 995,'-2773'-901,"2766"898,-1 1,0-1,-1 0,-2 0,0-1,1 1,2 0,-194-62,190 61,36 11,-3 0</inkml:trace>
+</inkml:ink>
+</file>
+
+<file path=ppt/ink/ink42.xml><?xml version="1.0" encoding="utf-8"?>
+<inkml:ink xmlns:inkml="http://www.w3.org/2003/InkML">
+  <inkml:definitions>
+    <inkml:context xml:id="ctx0">
+      <inkml:inkSource xml:id="inkSrc0">
+        <inkml:traceFormat>
+          <inkml:channel name="X" type="integer" min="-2.14748E9" max="2.14748E9" units="cm"/>
+          <inkml:channel name="Y" type="integer" min="-2.14748E9" max="2.14748E9" units="cm"/>
+        </inkml:traceFormat>
+        <inkml:channelProperties>
+          <inkml:channelProperty channel="X" name="resolution" value="1000" units="1/cm"/>
+          <inkml:channelProperty channel="Y" name="resolution" value="1000" units="1/cm"/>
+        </inkml:channelProperties>
+      </inkml:inkSource>
+      <inkml:timestamp xml:id="ts0" timeString="2019-05-27T17:54:04.216"/>
+    </inkml:context>
+    <inkml:brush xml:id="br0">
+      <inkml:brushProperty name="width" value="0.1" units="cm"/>
+      <inkml:brushProperty name="height" value="0.2" units="cm"/>
+      <inkml:brushProperty name="color" value="#FF2500"/>
+      <inkml:brushProperty name="tip" value="rectangle"/>
+      <inkml:brushProperty name="rasterOp" value="maskPen"/>
+      <inkml:brushProperty name="ignorePressure" value="1"/>
+    </inkml:brush>
+  </inkml:definitions>
+  <inkml:trace contextRef="#ctx0" brushRef="#br0">1 823,'3835'-816,"-3802"809</inkml:trace>
+</inkml:ink>
+</file>
+
+<file path=ppt/ink/ink43.xml><?xml version="1.0" encoding="utf-8"?>
+<inkml:ink xmlns:inkml="http://www.w3.org/2003/InkML">
+  <inkml:definitions>
+    <inkml:context xml:id="ctx0">
+      <inkml:inkSource xml:id="inkSrc0">
+        <inkml:traceFormat>
+          <inkml:channel name="X" type="integer" min="-2.14748E9" max="2.14748E9" units="cm"/>
+          <inkml:channel name="Y" type="integer" min="-2.14748E9" max="2.14748E9" units="cm"/>
+        </inkml:traceFormat>
+        <inkml:channelProperties>
+          <inkml:channelProperty channel="X" name="resolution" value="1000" units="1/cm"/>
+          <inkml:channelProperty channel="Y" name="resolution" value="1000" units="1/cm"/>
+        </inkml:channelProperties>
+      </inkml:inkSource>
+      <inkml:timestamp xml:id="ts0" timeString="2019-05-27T17:54:28.075"/>
+    </inkml:context>
+    <inkml:brush xml:id="br0">
+      <inkml:brushProperty name="width" value="0.1" units="cm"/>
+      <inkml:brushProperty name="height" value="0.2" units="cm"/>
+      <inkml:brushProperty name="color" value="#FF2500"/>
+      <inkml:brushProperty name="tip" value="rectangle"/>
+      <inkml:brushProperty name="rasterOp" value="maskPen"/>
+      <inkml:brushProperty name="ignorePressure" value="1"/>
+    </inkml:brush>
+  </inkml:definitions>
+  <inkml:trace contextRef="#ctx0" brushRef="#br0">0 2908,'0'-2733,"0"2724,0-1,0 0,0 1,0-1,0-1,0-1,0 1,0 0,0-1,0 1,0 1,0 0,0 0,0 1,0-1,0 0</inkml:trace>
+</inkml:ink>
+</file>
+
+<file path=ppt/ink/ink44.xml><?xml version="1.0" encoding="utf-8"?>
+<inkml:ink xmlns:inkml="http://www.w3.org/2003/InkML">
+  <inkml:definitions>
+    <inkml:context xml:id="ctx0">
+      <inkml:inkSource xml:id="inkSrc0">
+        <inkml:traceFormat>
+          <inkml:channel name="X" type="integer" min="-2.14748E9" max="2.14748E9" units="cm"/>
+          <inkml:channel name="Y" type="integer" min="-2.14748E9" max="2.14748E9" units="cm"/>
+        </inkml:traceFormat>
+        <inkml:channelProperties>
+          <inkml:channelProperty channel="X" name="resolution" value="1000" units="1/cm"/>
+          <inkml:channelProperty channel="Y" name="resolution" value="1000" units="1/cm"/>
+        </inkml:channelProperties>
+      </inkml:inkSource>
+      <inkml:timestamp xml:id="ts0" timeString="2019-05-27T17:54:35.496"/>
+    </inkml:context>
+    <inkml:brush xml:id="br0">
+      <inkml:brushProperty name="width" value="0.1" units="cm"/>
+      <inkml:brushProperty name="height" value="0.2" units="cm"/>
+      <inkml:brushProperty name="color" value="#FF2500"/>
+      <inkml:brushProperty name="tip" value="rectangle"/>
+      <inkml:brushProperty name="rasterOp" value="maskPen"/>
+      <inkml:brushProperty name="ignorePressure" value="1"/>
+    </inkml:brush>
+  </inkml:definitions>
+  <inkml:trace contextRef="#ctx0" brushRef="#br0">0 1043,'2402'-970,"-2232"901,-160 65</inkml:trace>
+</inkml:ink>
+</file>
+
+<file path=ppt/ink/ink45.xml><?xml version="1.0" encoding="utf-8"?>
+<inkml:ink xmlns:inkml="http://www.w3.org/2003/InkML">
+  <inkml:definitions>
+    <inkml:context xml:id="ctx0">
+      <inkml:inkSource xml:id="inkSrc0">
+        <inkml:traceFormat>
+          <inkml:channel name="X" type="integer" min="-2.14748E9" max="2.14748E9" units="cm"/>
+          <inkml:channel name="Y" type="integer" min="-2.14748E9" max="2.14748E9" units="cm"/>
+          <inkml:channel name="F" type="integer" max="32767" units="dev"/>
+        </inkml:traceFormat>
+        <inkml:channelProperties>
+          <inkml:channelProperty channel="X" name="resolution" value="1000" units="1/cm"/>
+          <inkml:channelProperty channel="Y" name="resolution" value="1000" units="1/cm"/>
+          <inkml:channelProperty channel="F" name="resolution" value="0" units="1/dev"/>
+        </inkml:channelProperties>
+      </inkml:inkSource>
+      <inkml:timestamp xml:id="ts0" timeString="2019-05-27T17:54:40.972"/>
+    </inkml:context>
+    <inkml:brush xml:id="br0">
+      <inkml:brushProperty name="width" value="0.1" units="cm"/>
+      <inkml:brushProperty name="height" value="0.2" units="cm"/>
+      <inkml:brushProperty name="color" value="#FF2500"/>
+      <inkml:brushProperty name="tip" value="rectangle"/>
+      <inkml:brushProperty name="rasterOp" value="maskPen"/>
+    </inkml:brush>
+  </inkml:definitions>
+  <inkml:trace contextRef="#ctx0" brushRef="#br0">1 179 4224,'31'0'1024,"-38"-27"2688,6 21-3566,1 1 1,1-1 0,-1 0 0,1 0 0,0 0-1,0 0 1,0 1 0,1-1 0,0 0-1,0 1 1,1 0 0,-1-1 0,1 1-1,0 0 1,0 0 0,1 1 0,0-1 0,0 1-1,0-1 1,0 1 0,1 1 0,-1-1-1,1 0 1,0 1 0,5-2-147,-3 1 55,0 1-1,1 0 1,0 0-1,-1 1 1,1 0 0,0 0-1,0 1 1,1 0 0,-1 0-1,0 1 1,0 0 0,0 1-1,0 0 1,0 0-1,0 0 1,0 1 0,0 0-1,0 1 1,-1 0 0,1 0-1,-1 1 1,0 0-1,0 0 1,0 0 0,0 1-1,-1 0 1,0 0 0,0 1-1,0 0 1,-1 0 0,0 0-1,0 1 1,0 0-1,-1 0 1,0 0 0,0 0-1,-1 0 1,0 1 0,0 0-1,-1 0 1,1 1-55,-3-7 15,1 1 0,-1-1 0,1 0-1,-1 0 1,0 0 0,0 1 0,0-1 0,0 0 0,0 0 0,-1 0 0,1 1 0,0-1-1,-1 0 1,0 0 0,1 0 0,-1 0 0,0 0 0,0 0 0,0 0 0,-1 0-1,1 0 1,0-1 0,-1 1 0,1 0 0,-1-1 0,1 1 0,-1-1 0,0 1 0,0-1-1,0 0 1,0 0 0,0 0 0,0 0 0,0 0 0,0 0 0,0-1 0,0 1 0,-2-1-15,-82 4 330,81-5-324,-76-23 128,79 24-132,0-1 1,0 1-1,0-1 1,0 0 0,0 0-1,0 0 1,0 0 0,1-1-1,-1 1 1,0 0 0,1-1-1,-1 1 1,1-1-1,0 1 1,-1-1 0,1 0-1,0 1 1,0-1 0,0 0-1,0 0 1,0 0 0,1 0-1,-1 0 1,1 0-1,-1 0 1,1 0 0,0 0-1,-1 0 1,1 0 0,0 0-1,0 0 1,1 0 0,-1-1-1,0 1 1,1 0 0,0-1-3,3-3 0,0 0 0,1 1 0,0-1 0,1 1 0,-1 0 0,1 1 0,0-1 0,0 1 0,0 0 0,0 1 0,1 0 0,-1 0 0,1 0 0,0 0 0,0 1 0,0 1 0,0-1 0,1 1 0,-1 0 0,0 0 0,1 1 0,-1 0 0,0 1 0,0-1 0,1 1 0,-1 1 0,0 0 0,1 0 0,-2-1 27,0 1 0,-1 1 0,1-1 0,0 1 1,-1 0-1,1 0 0,-1 1 0,0-1 1,0 1-1,0 0 0,-1 1 0,1-1 0,-1 1 1,0 0-1,0 0 0,-1 0 0,1 0 1,-1 1-1,2 5-27,-4-8 16,1 0 1,-1 0 0,0 0-1,0 1 1,-1-1-1,1 0 1,-1 1-1,1-1 1,-1 0 0,0 1-1,0-1 1,-1 0-1,1 1 1,-1-1-1,1 0 1,-1 1 0,0-1-1,-1 0 1,1 0-1,0 0 1,-1 0-1,1 0 1,-1 0 0,0 0-1,0-1 1,0 1-1,-1-1 1,1 1 0,-1-1-1,1 0 1,-1 0-1,0 0 1,1 0-1,-1-1 1,0 1 0,0-1-1,-2 1-16,-4 2 14,0-2 0,0 1 0,0-1 0,0 0 0,0-1 0,0 0 0,0-1 0,-1 0 0,1 0 0,0-1 0,0 0 0,-1 0 0,1-1 0,0 0 0,1-1 0,-1 0 0,0-1 0,1 0 0,0 0 0,0 0 0,0-1 0,0 0 0,1-1 0,0 0 0,0 0 0,0-1-1,1 1 1,0-1 0,-5-8-14,9 9 0,1 1 0,0 0 0,0-1 0,0 0 0,1 1 0,0-1 0,0 1 0,0-1 0,1 0 0,0 1 0,0-1 0,0 1 0,1 0 0,0-1 0,0 1 0,0 0 0,0 0 0,1 0 0,0 0 0,0 1 0,0-1 0,1 1 0,0 0 0,0 0 0,0 0 0,0 0 0,0 1 0,1-1 0,-1 1 0,1 0 0,0 1 0,0-1 0,0 1 0,0 0 0,1 0 0,-1 0 0,1 1 0,-1 0 0,1 0 0,-1 1 0,1-1 0,-1 1 0,1 0 0,-1 1 0,1-1 0,2 2 0,-2-1 11,-1 0-1,0 1 0,0 0 0,0 0 1,0 0-1,0 1 0,0 0 0,-1 0 0,1 0 1,-1 0-1,0 1 0,0-1 0,0 1 1,-1 0-1,1 0 0,-1 1 0,0-1 0,0 1 1,0 0-1,-1-1 0,0 1 0,0 0 1,0 0-1,0 1 0,-1-1 0,0 0 0,0 1 1,0-1-1,-1 0 0,0 1 0,0-1 1,0 1-1,0-1 0,-1 0 0,0 1 0,0-1 1,-1 0-1,0 0 0,1 0 0,-2 0 1,1 0-1,0 0 0,-1 0 0,0-1 0,0 1 1,-1-1-1,1 0 0,-1 0-10,-2 0 11,0-1 1,-1 0-1,1 0 0,-1 0 0,1-1 0,-1 0 1,0 0-1,0-1 0,0 0 0,0 0 0,0-1 1,0 0-1,0 0 0,0-1 0,0 1 0,0-1 1,0-1-1,0 0 0,0 0 0,1 0 0,-1-1 1,0 1-1,1-2 0,-2 0-11,5 1-256,0 1 1,0 0-1,0-1 1,0 0-1,0 0 1,1 0-1,0 0 1,-1 0-1,1-1 1,0 1-1,1-1 1,-1 1-1,1-1 1,-1 1-1,1-1 1,0 0-1,0 0 1,0-3 255,4-33-4544,1 0-768</inkml:trace>
+</inkml:ink>
+</file>
+
+<file path=ppt/ink/ink46.xml><?xml version="1.0" encoding="utf-8"?>
+<inkml:ink xmlns:inkml="http://www.w3.org/2003/InkML">
+  <inkml:definitions>
+    <inkml:context xml:id="ctx0">
+      <inkml:inkSource xml:id="inkSrc0">
+        <inkml:traceFormat>
+          <inkml:channel name="X" type="integer" min="-2.14748E9" max="2.14748E9" units="cm"/>
+          <inkml:channel name="Y" type="integer" min="-2.14748E9" max="2.14748E9" units="cm"/>
+          <inkml:channel name="F" type="integer" max="32767" units="dev"/>
+        </inkml:traceFormat>
+        <inkml:channelProperties>
+          <inkml:channelProperty channel="X" name="resolution" value="1000" units="1/cm"/>
+          <inkml:channelProperty channel="Y" name="resolution" value="1000" units="1/cm"/>
+          <inkml:channelProperty channel="F" name="resolution" value="0" units="1/dev"/>
+        </inkml:channelProperties>
+      </inkml:inkSource>
+      <inkml:timestamp xml:id="ts0" timeString="2019-05-27T17:54:42.205"/>
+    </inkml:context>
+    <inkml:brush xml:id="br0">
+      <inkml:brushProperty name="width" value="0.1" units="cm"/>
+      <inkml:brushProperty name="height" value="0.2" units="cm"/>
+      <inkml:brushProperty name="color" value="#FF2500"/>
+      <inkml:brushProperty name="tip" value="rectangle"/>
+      <inkml:brushProperty name="rasterOp" value="maskPen"/>
+    </inkml:brush>
+  </inkml:definitions>
+  <inkml:trace contextRef="#ctx0" brushRef="#br0">127 204 8576,'1'-1'90,"-1"-1"1,0 0 0,0 0-1,0 1 1,0-1 0,0 0-1,0 0 1,0 1-1,-1-1 1,1 0 0,0 1-1,-1-1 1,0 0 0,1 1-1,-1-1 1,0 0-1,0 1 1,0-1 0,0 1-1,0 0 1,0-1 0,0 1-1,-1 0 1,1 0 0,0 0-1,-1-1 1,1 1-1,-1 1 1,1-1 0,-1 0-1,1 0 1,-1 1 0,0-1-1,1 0 1,-1 1 0,-1-1-91,-28-24 961,28 22-916,1 1 0,0-1 0,0 0 0,0 1 0,1-1 0,-1 0 0,1 0 0,-1 0 0,1 0 0,0 0 0,0 0 0,1-1 0,-1 1 0,0 0 0,1-1 0,0 1 0,0 0 0,0 0 0,0-1 0,1 1 0,-1 0 0,1 0 0,0-1 0,0 1 1,0 0-1,0 0 0,0 0 0,1 0 0,-1 0 0,1 0 0,0 1 0,0-1 0,0 0 0,0 1 0,1 0 0,-1-1 0,0 1 0,1 0 0,0 0 0,0 0 0,-1 1 0,1-1 0,0 1 0,0-1 0,0 1 0,1 0 0,-1 0 0,0 1 0,0-1 0,0 0 0,1 1 0,-1 0 1,0 0-1,4 0-45,6 2 66,0 1 1,-1 0-1,1 1 1,-1 0-1,1 1 1,-1 0 0,-1 1-1,1 1 1,-1-1-1,0 2 1,-1 0-1,1 0 1,-1 1-67,-6-5 40,0 0 1,0 0-1,-1 0 0,1 0 0,-1 1 1,0 0-1,0-1 0,-1 1 1,1 0-1,-1 0 0,0 0 0,-1 0 1,1 1-1,-1-1 0,0 0 1,0 1-1,-1-1 0,1 1 0,-1-1 1,-1 1-1,1-1 0,-1 1 1,0-1-1,0 0 0,0 1 0,-1-1 1,0 0-1,0 0 0,0 0 1,0 0-1,-1 0 0,-1 1-40,-2 0 19,1-1 0,-1 0 0,0 0 1,-1 0-1,1 0 0,-1-1 0,0-1 0,0 1 0,0-1 0,-1 0 0,1 0 0,-1-1 1,1 0-1,-1-1 0,0 0 0,0 0 0,0 0 0,1-1 0,-1 0 0,0-1 0,0 1 1,0-2-1,0 1 0,1-1 0,-1 0 0,1-1 0,-1 0 0,1 0 0,0 0 0,0-1 1,0 0-1,1-1 0,-1 1 0,1-1 0,0 0 0,1-1 0,-1 1 0,1-1 0,0-1 1,0 1-1,1 0 0,0-1 0,0 0 0,0 0 0,1 0 0,0-1 0,1 1 0,-1-4-19,4 5-3,0 0 0,1 1-1,0-1 1,0 1-1,1-1 1,-1 1-1,1 0 1,0 0-1,1 0 1,-1 1-1,1-1 1,0 1-1,0 0 1,0 0 0,1 0-1,-1 0 1,1 1-1,0 0 1,0 0-1,0 0 1,1 1-1,-1-1 1,1 1-1,-1 1 1,1-1 0,0 1-1,-1 0 1,1 0-1,0 0 1,0 1-1,0 0 1,-1 0-1,1 1 1,0 0-1,0 0 1,0 0-1,3 1 4,-3-1 0,1 0 0,-1-1 0,1 2 0,0-1 0,-1 1 0,0 0 0,1 1 0,-1-1 0,0 1 0,0 0 0,-1 1 0,1-1 0,-1 1 0,0 0 0,1 1 0,-2-1 0,1 1 0,-1 0 0,1 0 0,-1 1 0,-1-1 0,1 1 0,-1 0 0,0 0 0,0 0 0,-1 0 0,0 0 0,0 1 0,0-1 0,0 3 0,-3-7 9,0 1-1,1-1 1,-1 0-1,0 1 1,-1-1-1,1 0 1,0 0-1,-1 1 1,1-1-1,-1 0 1,1 0-1,-1-1 1,0 1-1,0 0 1,0-1-1,0 1 0,0-1 1,0 1-1,-1-1 1,1 0-1,0 0 1,-1 0-1,1 0 1,-1-1-1,1 1 1,-1-1-1,1 1 1,-1-1-1,1 0 1,-1 0-1,1 0 1,-1 0-1,1 0 0,-3-1-8,-88-21 352,88 21-342,1-1-1,0 0 0,0 0 0,0 0 0,0 0 0,1-1 0,-1 1 1,0-1-1,1 0 0,0 0 0,0-1 0,0 1 0,0 0 0,0-1 1,1 0-1,0 0 0,-1 1 0,1-1 0,1-1 0,-1 1 0,1 0 1,-1 0-1,1-1 0,0 1 0,1 0 0,-1-1 0,1 1 0,0-1 1,0 1-1,0-1 0,1 1 0,-1-1 0,1 1 0,0 0 0,0-1 1,1 1-1,0 0 0,-1 0 0,1 0 0,0 0 0,1 0 0,2-3-9,-2 5-285,1 0-1,0 0 0,-1 1 0,1 0 0,0-1 0,0 2 0,0-1 1,0 0-1,0 1 0,0-1 0,0 1 0,0 0 0,0 1 0,0-1 1,0 0-1,0 1 0,-1 0 0,1 0 0,0 1 0,0-1 0,0 1 1,-1-1-1,1 1 0,-1 0 0,1 1 286,-2-2-5291,-2-1 1985</inkml:trace>
+</inkml:ink>
+</file>
+
+<file path=ppt/ink/ink47.xml><?xml version="1.0" encoding="utf-8"?>
+<inkml:ink xmlns:inkml="http://www.w3.org/2003/InkML">
+  <inkml:definitions>
+    <inkml:context xml:id="ctx0">
+      <inkml:inkSource xml:id="inkSrc0">
+        <inkml:traceFormat>
+          <inkml:channel name="X" type="integer" min="-2.14748E9" max="2.14748E9" units="cm"/>
+          <inkml:channel name="Y" type="integer" min="-2.14748E9" max="2.14748E9" units="cm"/>
+          <inkml:channel name="F" type="integer" max="32767" units="dev"/>
+        </inkml:traceFormat>
+        <inkml:channelProperties>
+          <inkml:channelProperty channel="X" name="resolution" value="1000" units="1/cm"/>
+          <inkml:channelProperty channel="Y" name="resolution" value="1000" units="1/cm"/>
+          <inkml:channelProperty channel="F" name="resolution" value="0" units="1/dev"/>
+        </inkml:channelProperties>
+      </inkml:inkSource>
+      <inkml:timestamp xml:id="ts0" timeString="2019-05-27T17:54:43.779"/>
+    </inkml:context>
+    <inkml:brush xml:id="br0">
+      <inkml:brushProperty name="width" value="0.1" units="cm"/>
+      <inkml:brushProperty name="height" value="0.2" units="cm"/>
+      <inkml:brushProperty name="color" value="#FF2500"/>
+      <inkml:brushProperty name="tip" value="rectangle"/>
+      <inkml:brushProperty name="rasterOp" value="maskPen"/>
+    </inkml:brush>
+  </inkml:definitions>
+  <inkml:trace contextRef="#ctx0" brushRef="#br0">150 129 6528,'-60'-30'8448,"58"28"-8429,1 1 0,-1-1 0,0 1 0,0-1 0,1 0 0,-1 0 0,1 1 0,0-1 0,-1 0 0,1 0 0,0 0 0,0-1 0,0 1 1,1 0-1,-1 0 0,0 0 0,1-1 0,-1 1 0,1 0 0,0-1 0,0 1 0,0 0 0,0-1 0,0 1 0,1 0 0,-1-1 0,0 1 0,1 0 1,0 0-1,0 0 0,0-1 0,0 1 0,0 0 0,0 0 0,0 0 0,0 0 0,1 0 0,-1 1 0,1-1 0,0 0 0,-1 1 0,1-1 1,0 1-1,0 0 0,0-1 0,0 1 0,0 0 0,0 0 0,0 0 0,1 0 0,-1 1 0,0-1 0,0 1 0,1-1 0,-1 1 0,0 0 1,1 0-1,-1 0 0,0 0 0,1 0 0,-1 0 0,0 1 0,1-1 0,-1 1 0,0 0 0,1 0-19,3 0 13,-1-1 1,1 1-1,-1 1 0,0-1 0,0 1 1,0 0-1,0 0 0,0 0 0,0 1 1,0-1-1,-1 1 0,1 0 0,-1 1 1,0-1-1,0 1 0,0 0 0,0 0 1,-1 0-1,0 1 0,0-1 0,0 1 0,0-1 1,-1 1-1,1 0 0,-1 0 0,0 0 1,-1 1-1,0-1 0,1 3-13,-2-1 19,-1 0 0,-1-1 0,1 1-1,-1-1 1,0 1 0,0-1 0,-1 0 0,0 1 0,0-2-1,0 1 1,-1 0 0,0-1 0,0 1 0,0-1 0,-1 0-1,0 0 1,0-1 0,0 0 0,0 0 0,-1 0-1,1 0 1,-1-1 0,0 0 0,0 0 0,-1 0 0,1-1-1,0 0 1,-1 0 0,0-1 0,1 0 0,-1 0 0,0 0-1,1-1 1,-4 0-19,7 0 1,-1 0-1,0 0 0,0-1 1,0 1-1,0-1 1,1 0-1,-1 0 1,0 0-1,1 0 0,-1-1 1,1 1-1,-1-1 1,1 0-1,0 0 1,0 0-1,-1-1 0,2 1 1,-1-1-1,0 0 1,0 1-1,1-1 1,0 0-1,-1-1 0,1 1 1,0 0-1,1-1 1,-1 1-1,1-1 0,-1 1 1,1-1-1,0 0 1,0 1-1,1-1 1,-1 0-1,1 0 0,0 0 1,0 1-1,0-1 1,0 0-1,1 0 1,-1 0-1,1 1 0,0-1 1,0 0-1,1 1 1,-1-1-1,1 1 1,0-1-1,0 1 0,0-1 0,3-3 2,0 0 0,1 0 0,0 1 0,0-1 0,1 1 0,-1 1 0,1-1 0,1 1 0,-1 0 0,1 1 0,0 0 0,0 0 0,0 1 0,0 0 0,1 0 0,-1 0 0,1 2 0,-1-1 0,2 1-2,-4 0 2,-1 0 1,1 0-1,0 1 0,0-1 1,-1 1-1,1 1 1,0-1-1,0 1 0,-1 0 1,1 1-1,0-1 0,-1 1 1,1 0-1,-1 0 1,0 1-1,0 0 0,0-1 1,0 2-1,0-1 1,-1 1-1,1-1 0,-1 1 1,0 1-1,0-1 1,-1 0-1,1 1 0,-1 0 1,0 0-1,1 2-2,-2-4 13,0 0 0,-1 0 0,1 1 0,-1-1 0,0 0 0,0 1 0,0-1 0,-1 1 0,1-1 0,-1 1 0,1-1 0,-1 1 0,-1 0 0,1-1 0,0 1 0,-1-1 0,0 1 0,1-1 0,-1 1 0,-1-1 0,1 0 0,0 1 0,-1-1 0,0 0 0,0 0 0,0 0 0,0 0 1,0 0-1,-1-1 0,1 1 0,-1-1 0,1 1 0,-1-1 0,0 0 0,0 0 0,0 0 0,0 0 0,-4 0-13,-1 2 35,0-1 0,0 0 1,-1-1-1,1 0 0,-1 0 0,1-1 1,-1 0-1,0-1 0,0 0 1,1 0-1,-1-1 0,0 0 1,0 0-1,1-1 0,-5-1-35,9 2 7,0 1-1,0-1 1,0 0 0,0-1-1,0 1 1,0-1-1,0 0 1,0 1 0,1-2-1,-1 1 1,0 0-1,1-1 1,0 0 0,0 1-1,0-1 1,0-1-1,0 1 1,1 0 0,-1-1-1,1 1 1,0-1-1,0 0 1,0 1 0,0-1-1,1 0 1,0 0-1,0 0 1,0-1 0,0 1-1,0 0 1,1 0-1,0 0 1,0-1 0,0 1-1,0 0 1,1 0-1,0 0 1,0 0 0,0-1-1,0 1 1,0 0-1,1 0-6,0 0-215,1 0-1,-1 0 1,0 1-1,1-1 0,0 1 1,0-1-1,0 1 0,0 0 1,1 0-1,-1 1 0,1-1 1,0 1-1,-1-1 1,1 1-1,0 0 0,0 1 1,1-1-1,-1 1 0,0 0 1,0 0-1,1 0 1,-1 0-1,1 1 0,-1 0 1,1 0-1,-1 0 0,0 0 1,1 1-1,-1-1 0,0 1 1,1 1-1,-1-1 1,0 0-1,0 1 0,0 0 1,0 0-1,2 1 216,6 2-6613</inkml:trace>
+</inkml:ink>
+</file>
+
+<file path=ppt/ink/ink48.xml><?xml version="1.0" encoding="utf-8"?>
+<inkml:ink xmlns:inkml="http://www.w3.org/2003/InkML">
+  <inkml:definitions>
+    <inkml:context xml:id="ctx0">
+      <inkml:inkSource xml:id="inkSrc0">
+        <inkml:traceFormat>
+          <inkml:channel name="X" type="integer" min="-2.14748E9" max="2.14748E9" units="cm"/>
+          <inkml:channel name="Y" type="integer" min="-2.14748E9" max="2.14748E9" units="cm"/>
+          <inkml:channel name="F" type="integer" max="32767" units="dev"/>
+        </inkml:traceFormat>
+        <inkml:channelProperties>
+          <inkml:channelProperty channel="X" name="resolution" value="1000" units="1/cm"/>
+          <inkml:channelProperty channel="Y" name="resolution" value="1000" units="1/cm"/>
+          <inkml:channelProperty channel="F" name="resolution" value="0" units="1/dev"/>
+        </inkml:channelProperties>
+      </inkml:inkSource>
+      <inkml:timestamp xml:id="ts0" timeString="2019-05-27T17:54:45.028"/>
+    </inkml:context>
+    <inkml:brush xml:id="br0">
+      <inkml:brushProperty name="width" value="0.1" units="cm"/>
+      <inkml:brushProperty name="height" value="0.2" units="cm"/>
+      <inkml:brushProperty name="color" value="#FF2500"/>
+      <inkml:brushProperty name="tip" value="rectangle"/>
+      <inkml:brushProperty name="rasterOp" value="maskPen"/>
+    </inkml:brush>
+  </inkml:definitions>
+  <inkml:trace contextRef="#ctx0" brushRef="#br0">53 168 9600,'-2'-64'4245,"10"57"-4148,-1-1-1,1 1 1,0 1-1,0 0 1,1 0 0,0 0-1,0 1 1,0 0 0,1 1-1,-1 0 1,1 1-1,0 0 1,0 0 0,1 1-1,-1 0 1,0 1 0,6 0-97,-12 2 40,1 0 1,0 1 0,-1-1 0,1 1-1,-1 0 1,1 0 0,-1 0 0,0 1 0,0-1-1,0 1 1,0 0 0,-1 0 0,1 1-1,-1-1 1,1 1 0,-1 0 0,-1 0 0,1 0-1,0 0 1,-1 0 0,0 0 0,0 1 0,0-1-1,-1 1 1,1 0 0,-1-1 0,0 1-1,0 0 1,-1 0 0,1-1 0,-1 1 0,0 0-1,-1 0 1,0 2-41,1-3 26,0 0-1,-1 1 1,1-1 0,-1 0-1,0 1 1,-1-1-1,1 0 1,-1 0 0,1 0-1,-1 0 1,-1 0-1,1-1 1,0 1 0,-1-1-1,0 1 1,0-1-1,0 0 1,0 0 0,0 0-1,-1 0 1,1-1-1,-1 1 1,0-1 0,0 0-1,0 0 1,0 0-1,0-1 1,0 0 0,0 1-1,0-1 1,-1-1-1,1 1 1,0-1 0,-1 1-1,-3-2-25,2 2 11,-1 0-1,1-1 0,0 0 1,0-1-1,0 0 0,-1 0 1,1 0-1,0 0 1,0-1-1,1 0 0,-1 0 1,0-1-1,1 0 1,-1 0-1,1 0 0,0 0 1,0-1-1,0 0 1,0 0-1,1 0 0,-1-1 1,1 1-1,0-1 1,1 0-1,-1 0 0,1-1 1,0 1-1,0-1 1,1 0-1,0 1 0,0-1 1,0 0-1,1 0 0,-1 0 1,1 0-1,1-1 1,-1 1-1,1 0 0,0-1-10,0 3 0,0-1 0,1 1 0,-1-1 0,1 1 0,-1 0 0,1-1 0,1 1 0,-1 0 0,0 0 0,1 0 0,0 0 0,0 0 0,0 0 0,1 0 0,-1 0 0,1 1 0,0-1 0,0 1 0,0 0 0,0 0 0,1 0 0,-1 1 0,1-1 0,0 1 0,0 0 0,3-2 0,2 3 0,-1 1 0,1 0 0,-1 1 0,1-1 0,-1 2 0,1-1 0,-1 1 0,0 0 0,0 1 0,0 0 0,0 0 0,0 1 0,-1 0 0,1 1 0,-1-1 0,0 1 0,-1 0 0,-2-2 0,0-1 0,-1 1 0,0 0 0,1 0 0,-1 0 0,0 0 0,-1 1 0,1-1 0,0 1 0,-1 0 0,0-1 0,0 1 0,0 0 0,0 0 0,-1 0 0,0 1 0,0-1 0,0 0 0,0 1 0,0-1 0,-1 0 0,0 1 0,0-1 0,0 0 0,-1 1 0,1-1 0,-1 0 0,0 1 0,0-1 0,0 0 0,-1 0 0,0 0 0,-2 4 0,-3-1 27,0-1 0,-1 0-1,0-1 1,-1 0 0,1 0-1,-1 0 1,0-1 0,0-1-1,0 1 1,-1-1 0,1-1-1,-1 0 1,0 0 0,1-1-1,-1 0 1,0-1 0,0 0-1,0-1 1,1 0 0,-10-2-27,-47-14 133,65 17-131,0 0 0,-1-1 0,1 0 0,0 1 0,0-1 0,0 0 0,0 1 0,0-1 0,0 0 0,1 0 0,-1 0 0,0 0 0,0 0 0,0 0 0,1 0 0,-1 0 0,1 0 0,-1 0 0,1 0 0,-1 0 0,1 0 0,-1-1 0,1 1 0,0 0 0,0 0 0,0 0 0,0-1 0,0 1 0,0 0 0,0 0 0,0-1 0,0 1 0,0 0 0,1 0 0,-1 0 0,1-1 0,-1 1 0,1 0 0,-1 0 0,1 0 0,-1 0 0,1 0 0,0 0-1,0 0 1,0 0 0,-1 0 0,1 0 0,0 1 0,0-1 0,0 0 0,1 0-2,13-9-133,1-1 1,0 2-1,1 0 0,0 1 0,0 1 0,1 1 0,0 0 0,0 1 0,1 1 0,-1 1 0,1 0 0,0 2 0,9 0 133,-17-1-64,1 0-328,15 3-1006,-34 44 970,6-43 236,1-2-1003,0 0-4138,0 0 171,0 0 4543</inkml:trace>
+</inkml:ink>
+</file>
+
+<file path=ppt/ink/ink49.xml><?xml version="1.0" encoding="utf-8"?>
+<inkml:ink xmlns:inkml="http://www.w3.org/2003/InkML">
+  <inkml:definitions>
+    <inkml:context xml:id="ctx0">
+      <inkml:inkSource xml:id="inkSrc0">
+        <inkml:traceFormat>
+          <inkml:channel name="X" type="integer" min="-2.14748E9" max="2.14748E9" units="cm"/>
+          <inkml:channel name="Y" type="integer" min="-2.14748E9" max="2.14748E9" units="cm"/>
+          <inkml:channel name="F" type="integer" max="32767" units="dev"/>
+        </inkml:traceFormat>
+        <inkml:channelProperties>
+          <inkml:channelProperty channel="X" name="resolution" value="1000" units="1/cm"/>
+          <inkml:channelProperty channel="Y" name="resolution" value="1000" units="1/cm"/>
+          <inkml:channelProperty channel="F" name="resolution" value="0" units="1/dev"/>
+        </inkml:channelProperties>
+      </inkml:inkSource>
+      <inkml:timestamp xml:id="ts0" timeString="2019-05-27T17:54:46.213"/>
+    </inkml:context>
+    <inkml:brush xml:id="br0">
+      <inkml:brushProperty name="width" value="0.1" units="cm"/>
+      <inkml:brushProperty name="height" value="0.2" units="cm"/>
+      <inkml:brushProperty name="color" value="#FF2500"/>
+      <inkml:brushProperty name="tip" value="rectangle"/>
+      <inkml:brushProperty name="rasterOp" value="maskPen"/>
+    </inkml:brush>
+  </inkml:definitions>
+  <inkml:trace contextRef="#ctx0" brushRef="#br0">148 256 5760,'22'-4'369,"-5"-2"1520,-38-6 98,16 10-1794,0-1-1,1 1 1,-1-1 0,1 0-1,0 0 1,0 0 0,0 0-1,0-1 1,1 1-1,-1-1 1,1 0 0,0 0-1,0-1 1,1 1 0,-1-1-1,1 1 1,0-1 0,0 0-1,0 0 1,1 0-1,-1 0 1,1 0 0,1 0-1,-1 0 1,1 0 0,0 0-1,0 0 1,0 0 0,0 0-1,1-1 1,0 1 0,0 0-1,1-1-192,-1 2 51,-1 0 0,1 0-1,-1 0 1,1 0 0,0 0 0,1 0-1,-1 1 1,1-1 0,0 1-1,-1-1 1,1 1 0,1-1 0,-1 1-1,0 0 1,1 0 0,0 0-1,0 0 1,0 1 0,0-1 0,0 1-1,0 0 1,1-1 0,-1 2 0,1-1-1,-1 0 1,1 1 0,0-1-1,0 1 1,0 0 0,-1 1 0,1-1-1,0 0 1,0 1 0,0 0 0,0 0-1,0 0 1,0 1 0,0-1-1,0 1 1,0 0 0,0 0 0,-1 0-1,1 1 1,0 0 0,3 1-51,-2 2 45,1 1 0,0 0 0,-1 0 0,0 0 0,-1 1 0,1 0 0,-1-1 1,-1 2-1,1-1 0,-1 0 0,0 1 0,-1-1 0,0 1 0,0 0 0,-1 0 0,1 0 1,-2 0-1,1 0 0,-1 0 0,-1 0 0,1 0 0,-1 0 0,-1 0 0,1-1 0,-1 1 0,-1 0 1,1-1-1,-1 1 0,-1-1 0,1 0 0,-1 0 0,-1 0 0,1-1 0,-1 1 0,-1 0-45,-1-4 16,0 0 0,1 0-1,-2 0 1,1-1-1,0 0 1,0-1 0,-1 1-1,1-1 1,-1-1-1,1 0 1,-1 0 0,1 0-1,-1-1 1,1 0 0,0 0-1,-1-1 1,1 0-1,0 0 1,0-1 0,0 0-1,0 0 1,1 0-1,-1-1 1,1 0 0,0-1-1,0 1 1,0-1-1,1 0 1,-1-1 0,1 1-1,1-1 1,-1 0-1,1 0 1,0 0 0,0-1-1,1 0 1,0 1 0,0-1-1,0 0 1,1-1-1,0 0-15,1 3-3,0-1 0,1 1 0,0-1 0,0 0 0,0 1 1,1-1-1,-1 1 0,1 0 0,1-1 0,-1 1 0,1 0 0,0-1 0,0 1 0,0 0 0,1 1 0,0-1 0,0 0 0,0 1 0,0-1 0,1 1 0,0 0 0,0 0 0,0 1 0,0-1 0,1 1 0,-1 0 0,1 0 0,0 0 0,0 1 0,0-1 0,0 1 0,0 0 0,0 1 0,1-1 0,-1 1 0,0 0 0,1 1 0,-1-1 0,1 1 0,-1 0 0,1 1 0,-1-1 0,1 1 3,3 0 0,-1 1 0,0 1 0,0-1 0,0 1 0,0 0 0,-1 1 0,1 0 0,-1 0 0,0 1 0,0 0 0,-1 0 0,1 0 0,-1 1 0,0 0 0,0 0 0,-1 1 0,3 4 0,-6-8 0,1 0 0,-1 1 0,0-1 0,0 1 0,0 0 0,-1-1 0,1 1 0,-1 0 0,0 0 0,0 0 0,-1 0 0,1 0 0,-1 0 0,1 0 0,-1 1 0,-1-1 0,1 0 0,-1 0 0,1 0 0,-1 0 0,0 0 0,0 0 0,-1 0 0,1-1 0,-1 1 0,0 0 0,0-1 0,0 1 0,-1-1 0,1 0 0,-1 1 0,0-1 0,0-1 0,0 1 0,0 0 0,0-1 0,-1 2 10,-1-1-1,0 0 0,0-1 1,0 1-1,0-1 1,0 0-1,0 0 0,0-1 1,-1 1-1,1-1 0,-1 0 1,1-1-1,-1 0 0,1 1 1,-1-2-1,1 1 1,-1-1-1,1 1 0,-1-1 1,1-1-1,0 1 0,-1-1 1,1 0-1,0 0 0,0-1 1,0 1-1,1-1 1,-1 0-1,1-1 0,-1 1 1,1-1-1,0 0 0,0 0 1,1 0-1,-1 0 1,1-1-1,0 1 0,0-1 1,0 0-1,1 0 0,-1-2-9,2 3-5,1 0 1,0 0-1,0 0 0,0 0 0,1 0 0,-1 0 0,1 0 0,0 0 0,0 0 1,0 1-1,1-1 0,-1 0 0,1 1 0,0-1 0,0 1 0,0-1 0,1 1 1,-1 0-1,1 0 0,0 0 0,-1 0 0,1 1 0,1-1 0,-1 1 0,0-1 1,1 1-1,-1 0 0,1 1 0,-1-1 0,1 1 0,0-1 0,0 1 0,0 0 1,-1 0-1,5 0 5,60 2-1081,-23 9-4451,-22-2-3812</inkml:trace>
 </inkml:ink>
 </file>
 
@@ -1456,243 +1458,6 @@
         <inkml:traceFormat>
           <inkml:channel name="X" type="integer" min="-2.14748E9" max="2.14748E9" units="cm"/>
           <inkml:channel name="Y" type="integer" min="-2.14748E9" max="2.14748E9" units="cm"/>
-        </inkml:traceFormat>
-        <inkml:channelProperties>
-          <inkml:channelProperty channel="X" name="resolution" value="1000" units="1/cm"/>
-          <inkml:channelProperty channel="Y" name="resolution" value="1000" units="1/cm"/>
-        </inkml:channelProperties>
-      </inkml:inkSource>
-      <inkml:timestamp xml:id="ts0" timeString="2019-05-27T17:54:04.216"/>
-    </inkml:context>
-    <inkml:brush xml:id="br0">
-      <inkml:brushProperty name="width" value="0.1" units="cm"/>
-      <inkml:brushProperty name="height" value="0.2" units="cm"/>
-      <inkml:brushProperty name="color" value="#FF2500"/>
-      <inkml:brushProperty name="tip" value="rectangle"/>
-      <inkml:brushProperty name="rasterOp" value="maskPen"/>
-      <inkml:brushProperty name="ignorePressure" value="1"/>
-    </inkml:brush>
-  </inkml:definitions>
-  <inkml:trace contextRef="#ctx0" brushRef="#br0">1 823,'3835'-816,"-3802"809</inkml:trace>
-</inkml:ink>
-</file>
-
-<file path=ppt/ink/ink51.xml><?xml version="1.0" encoding="utf-8"?>
-<inkml:ink xmlns:inkml="http://www.w3.org/2003/InkML">
-  <inkml:definitions>
-    <inkml:context xml:id="ctx0">
-      <inkml:inkSource xml:id="inkSrc0">
-        <inkml:traceFormat>
-          <inkml:channel name="X" type="integer" min="-2.14748E9" max="2.14748E9" units="cm"/>
-          <inkml:channel name="Y" type="integer" min="-2.14748E9" max="2.14748E9" units="cm"/>
-        </inkml:traceFormat>
-        <inkml:channelProperties>
-          <inkml:channelProperty channel="X" name="resolution" value="1000" units="1/cm"/>
-          <inkml:channelProperty channel="Y" name="resolution" value="1000" units="1/cm"/>
-        </inkml:channelProperties>
-      </inkml:inkSource>
-      <inkml:timestamp xml:id="ts0" timeString="2019-05-27T17:54:28.075"/>
-    </inkml:context>
-    <inkml:brush xml:id="br0">
-      <inkml:brushProperty name="width" value="0.1" units="cm"/>
-      <inkml:brushProperty name="height" value="0.2" units="cm"/>
-      <inkml:brushProperty name="color" value="#FF2500"/>
-      <inkml:brushProperty name="tip" value="rectangle"/>
-      <inkml:brushProperty name="rasterOp" value="maskPen"/>
-      <inkml:brushProperty name="ignorePressure" value="1"/>
-    </inkml:brush>
-  </inkml:definitions>
-  <inkml:trace contextRef="#ctx0" brushRef="#br0">0 2908,'0'-2733,"0"2724,0-1,0 0,0 1,0-1,0-1,0-1,0 1,0 0,0-1,0 1,0 1,0 0,0 0,0 1,0-1,0 0</inkml:trace>
-</inkml:ink>
-</file>
-
-<file path=ppt/ink/ink52.xml><?xml version="1.0" encoding="utf-8"?>
-<inkml:ink xmlns:inkml="http://www.w3.org/2003/InkML">
-  <inkml:definitions>
-    <inkml:context xml:id="ctx0">
-      <inkml:inkSource xml:id="inkSrc0">
-        <inkml:traceFormat>
-          <inkml:channel name="X" type="integer" min="-2.14748E9" max="2.14748E9" units="cm"/>
-          <inkml:channel name="Y" type="integer" min="-2.14748E9" max="2.14748E9" units="cm"/>
-        </inkml:traceFormat>
-        <inkml:channelProperties>
-          <inkml:channelProperty channel="X" name="resolution" value="1000" units="1/cm"/>
-          <inkml:channelProperty channel="Y" name="resolution" value="1000" units="1/cm"/>
-        </inkml:channelProperties>
-      </inkml:inkSource>
-      <inkml:timestamp xml:id="ts0" timeString="2019-05-27T17:54:35.496"/>
-    </inkml:context>
-    <inkml:brush xml:id="br0">
-      <inkml:brushProperty name="width" value="0.1" units="cm"/>
-      <inkml:brushProperty name="height" value="0.2" units="cm"/>
-      <inkml:brushProperty name="color" value="#FF2500"/>
-      <inkml:brushProperty name="tip" value="rectangle"/>
-      <inkml:brushProperty name="rasterOp" value="maskPen"/>
-      <inkml:brushProperty name="ignorePressure" value="1"/>
-    </inkml:brush>
-  </inkml:definitions>
-  <inkml:trace contextRef="#ctx0" brushRef="#br0">0 1043,'2402'-970,"-2232"901,-160 65</inkml:trace>
-</inkml:ink>
-</file>
-
-<file path=ppt/ink/ink53.xml><?xml version="1.0" encoding="utf-8"?>
-<inkml:ink xmlns:inkml="http://www.w3.org/2003/InkML">
-  <inkml:definitions>
-    <inkml:context xml:id="ctx0">
-      <inkml:inkSource xml:id="inkSrc0">
-        <inkml:traceFormat>
-          <inkml:channel name="X" type="integer" min="-2.14748E9" max="2.14748E9" units="cm"/>
-          <inkml:channel name="Y" type="integer" min="-2.14748E9" max="2.14748E9" units="cm"/>
-          <inkml:channel name="F" type="integer" max="32767" units="dev"/>
-        </inkml:traceFormat>
-        <inkml:channelProperties>
-          <inkml:channelProperty channel="X" name="resolution" value="1000" units="1/cm"/>
-          <inkml:channelProperty channel="Y" name="resolution" value="1000" units="1/cm"/>
-          <inkml:channelProperty channel="F" name="resolution" value="0" units="1/dev"/>
-        </inkml:channelProperties>
-      </inkml:inkSource>
-      <inkml:timestamp xml:id="ts0" timeString="2019-05-27T17:54:40.972"/>
-    </inkml:context>
-    <inkml:brush xml:id="br0">
-      <inkml:brushProperty name="width" value="0.1" units="cm"/>
-      <inkml:brushProperty name="height" value="0.2" units="cm"/>
-      <inkml:brushProperty name="color" value="#FF2500"/>
-      <inkml:brushProperty name="tip" value="rectangle"/>
-      <inkml:brushProperty name="rasterOp" value="maskPen"/>
-    </inkml:brush>
-  </inkml:definitions>
-  <inkml:trace contextRef="#ctx0" brushRef="#br0">1 179 4224,'31'0'1024,"-38"-27"2688,6 21-3566,1 1 1,1-1 0,-1 0 0,1 0 0,0 0-1,0 0 1,0 1 0,1-1 0,0 0-1,0 1 1,1 0 0,-1-1 0,1 1-1,0 0 1,0 0 0,1 1 0,0-1 0,0 1-1,0-1 1,0 1 0,1 1 0,-1-1-1,1 0 1,0 1 0,5-2-147,-3 1 55,0 1-1,1 0 1,0 0-1,-1 1 1,1 0 0,0 0-1,0 1 1,1 0 0,-1 0-1,0 1 1,0 0 0,0 1-1,0 0 1,0 0-1,0 0 1,0 1 0,0 0-1,0 1 1,-1 0 0,1 0-1,-1 1 1,0 0-1,0 0 1,0 0 0,0 1-1,-1 0 1,0 0 0,0 1-1,0 0 1,-1 0 0,0 0-1,0 1 1,0 0-1,-1 0 1,0 0 0,0 0-1,-1 0 1,0 1 0,0 0-1,-1 0 1,1 1-55,-3-7 15,1 1 0,-1-1 0,1 0-1,-1 0 1,0 0 0,0 1 0,0-1 0,0 0 0,0 0 0,-1 0 0,1 1 0,0-1-1,-1 0 1,0 0 0,1 0 0,-1 0 0,0 0 0,0 0 0,0 0 0,-1 0-1,1 0 1,0-1 0,-1 1 0,1 0 0,-1-1 0,1 1 0,-1-1 0,0 1 0,0-1-1,0 0 1,0 0 0,0 0 0,0 0 0,0 0 0,0 0 0,0-1 0,0 1 0,-2-1-15,-82 4 330,81-5-324,-76-23 128,79 24-132,0-1 1,0 1-1,0-1 1,0 0 0,0 0-1,0 0 1,0 0 0,1-1-1,-1 1 1,0 0 0,1-1-1,-1 1 1,1-1-1,0 1 1,-1-1 0,1 0-1,0 1 1,0-1 0,0 0-1,0 0 1,0 0 0,1 0-1,-1 0 1,1 0-1,-1 0 1,1 0 0,0 0-1,-1 0 1,1 0 0,0 0-1,0 0 1,1 0 0,-1-1-1,0 1 1,1 0 0,0-1-3,3-3 0,0 0 0,1 1 0,0-1 0,1 1 0,-1 0 0,1 1 0,0-1 0,0 1 0,0 0 0,0 1 0,1 0 0,-1 0 0,1 0 0,0 0 0,0 1 0,0 1 0,0-1 0,1 1 0,-1 0 0,0 0 0,1 1 0,-1 0 0,0 1 0,0-1 0,1 1 0,-1 1 0,0 0 0,1 0 0,-2-1 27,0 1 0,-1 1 0,1-1 0,0 1 1,-1 0-1,1 0 0,-1 1 0,0-1 1,0 1-1,0 0 0,-1 1 0,1-1 0,-1 1 1,0 0-1,0 0 0,-1 0 0,1 0 1,-1 1-1,2 5-27,-4-8 16,1 0 1,-1 0 0,0 0-1,0 1 1,-1-1-1,1 0 1,-1 1-1,1-1 1,-1 0 0,0 1-1,0-1 1,-1 0-1,1 1 1,-1-1-1,1 0 1,-1 1 0,0-1-1,-1 0 1,1 0-1,0 0 1,-1 0-1,1 0 1,-1 0 0,0 0-1,0-1 1,0 1-1,-1-1 1,1 1 0,-1-1-1,1 0 1,-1 0-1,0 0 1,1 0-1,-1-1 1,0 1 0,0-1-1,-2 1-16,-4 2 14,0-2 0,0 1 0,0-1 0,0 0 0,0-1 0,0 0 0,0-1 0,-1 0 0,1 0 0,0-1 0,0 0 0,-1 0 0,1-1 0,0 0 0,1-1 0,-1 0 0,0-1 0,1 0 0,0 0 0,0 0 0,0-1 0,0 0 0,1-1 0,0 0 0,0 0 0,0-1-1,1 1 1,0-1 0,-5-8-14,9 9 0,1 1 0,0 0 0,0-1 0,0 0 0,1 1 0,0-1 0,0 1 0,0-1 0,1 0 0,0 1 0,0-1 0,0 1 0,1 0 0,0-1 0,0 1 0,0 0 0,0 0 0,1 0 0,0 0 0,0 1 0,0-1 0,1 1 0,0 0 0,0 0 0,0 0 0,0 0 0,0 1 0,1-1 0,-1 1 0,1 0 0,0 1 0,0-1 0,0 1 0,0 0 0,1 0 0,-1 0 0,1 1 0,-1 0 0,1 0 0,-1 1 0,1-1 0,-1 1 0,1 0 0,-1 1 0,1-1 0,2 2 0,-2-1 11,-1 0-1,0 1 0,0 0 0,0 0 1,0 0-1,0 1 0,0 0 0,-1 0 0,1 0 1,-1 0-1,0 1 0,0-1 0,0 1 1,-1 0-1,1 0 0,-1 1 0,0-1 0,0 1 1,0 0-1,-1-1 0,0 1 0,0 0 1,0 0-1,0 1 0,-1-1 0,0 0 0,0 1 1,0-1-1,-1 0 0,0 1 0,0-1 1,0 1-1,0-1 0,-1 0 0,0 1 0,0-1 1,-1 0-1,0 0 0,1 0 0,-2 0 1,1 0-1,0 0 0,-1 0 0,0-1 0,0 1 1,-1-1-1,1 0 0,-1 0-10,-2 0 11,0-1 1,-1 0-1,1 0 0,-1 0 0,1-1 0,-1 0 1,0 0-1,0-1 0,0 0 0,0 0 0,0-1 1,0 0-1,0 0 0,0-1 0,0 1 0,0-1 1,0-1-1,0 0 0,0 0 0,1 0 0,-1-1 1,0 1-1,1-2 0,-2 0-11,5 1-256,0 1 1,0 0-1,0-1 1,0 0-1,0 0 1,1 0-1,0 0 1,-1 0-1,1-1 1,0 1-1,1-1 1,-1 1-1,1-1 1,-1 1-1,1-1 1,0 0-1,0 0 1,0-3 255,4-33-4544,1 0-768</inkml:trace>
-</inkml:ink>
-</file>
-
-<file path=ppt/ink/ink54.xml><?xml version="1.0" encoding="utf-8"?>
-<inkml:ink xmlns:inkml="http://www.w3.org/2003/InkML">
-  <inkml:definitions>
-    <inkml:context xml:id="ctx0">
-      <inkml:inkSource xml:id="inkSrc0">
-        <inkml:traceFormat>
-          <inkml:channel name="X" type="integer" min="-2.14748E9" max="2.14748E9" units="cm"/>
-          <inkml:channel name="Y" type="integer" min="-2.14748E9" max="2.14748E9" units="cm"/>
-          <inkml:channel name="F" type="integer" max="32767" units="dev"/>
-        </inkml:traceFormat>
-        <inkml:channelProperties>
-          <inkml:channelProperty channel="X" name="resolution" value="1000" units="1/cm"/>
-          <inkml:channelProperty channel="Y" name="resolution" value="1000" units="1/cm"/>
-          <inkml:channelProperty channel="F" name="resolution" value="0" units="1/dev"/>
-        </inkml:channelProperties>
-      </inkml:inkSource>
-      <inkml:timestamp xml:id="ts0" timeString="2019-05-27T17:54:42.205"/>
-    </inkml:context>
-    <inkml:brush xml:id="br0">
-      <inkml:brushProperty name="width" value="0.1" units="cm"/>
-      <inkml:brushProperty name="height" value="0.2" units="cm"/>
-      <inkml:brushProperty name="color" value="#FF2500"/>
-      <inkml:brushProperty name="tip" value="rectangle"/>
-      <inkml:brushProperty name="rasterOp" value="maskPen"/>
-    </inkml:brush>
-  </inkml:definitions>
-  <inkml:trace contextRef="#ctx0" brushRef="#br0">127 204 8576,'1'-1'90,"-1"-1"1,0 0 0,0 0-1,0 1 1,0-1 0,0 0-1,0 0 1,0 1-1,-1-1 1,1 0 0,0 1-1,-1-1 1,0 0 0,1 1-1,-1-1 1,0 0-1,0 1 1,0-1 0,0 1-1,0 0 1,0-1 0,0 1-1,-1 0 1,1 0 0,0 0-1,-1-1 1,1 1-1,-1 1 1,1-1 0,-1 0-1,1 0 1,-1 1 0,0-1-1,1 0 1,-1 1 0,-1-1-91,-28-24 961,28 22-916,1 1 0,0-1 0,0 0 0,0 1 0,1-1 0,-1 0 0,1 0 0,-1 0 0,1 0 0,0 0 0,0 0 0,1-1 0,-1 1 0,0 0 0,1-1 0,0 1 0,0 0 0,0 0 0,0-1 0,1 1 0,-1 0 0,1 0 0,0-1 0,0 1 1,0 0-1,0 0 0,0 0 0,1 0 0,-1 0 0,1 0 0,0 1 0,0-1 0,0 0 0,0 1 0,1 0 0,-1-1 0,0 1 0,1 0 0,0 0 0,0 0 0,-1 1 0,1-1 0,0 1 0,0-1 0,0 1 0,1 0 0,-1 0 0,0 1 0,0-1 0,0 0 0,1 1 0,-1 0 1,0 0-1,4 0-45,6 2 66,0 1 1,-1 0-1,1 1 1,-1 0-1,1 1 1,-1 0 0,-1 1-1,1 1 1,-1-1-1,0 2 1,-1 0-1,1 0 1,-1 1-67,-6-5 40,0 0 1,0 0-1,-1 0 0,1 0 0,-1 1 1,0 0-1,0-1 0,-1 1 1,1 0-1,-1 0 0,0 0 0,-1 0 1,1 1-1,-1-1 0,0 0 1,0 1-1,-1-1 0,1 1 0,-1-1 1,-1 1-1,1-1 0,-1 1 1,0-1-1,0 0 0,0 1 0,-1-1 1,0 0-1,0 0 0,0 0 1,0 0-1,-1 0 0,-1 1-40,-2 0 19,1-1 0,-1 0 0,0 0 1,-1 0-1,1 0 0,-1-1 0,0-1 0,0 1 0,0-1 0,-1 0 0,1 0 0,-1-1 1,1 0-1,-1-1 0,0 0 0,0 0 0,0 0 0,1-1 0,-1 0 0,0-1 0,0 1 1,0-2-1,0 1 0,1-1 0,-1 0 0,1-1 0,-1 0 0,1 0 0,0 0 0,0-1 1,0 0-1,1-1 0,-1 1 0,1-1 0,0 0 0,1-1 0,-1 1 0,1-1 0,0-1 1,0 1-1,1 0 0,0-1 0,0 0 0,0 0 0,1 0 0,0-1 0,1 1 0,-1-4-19,4 5-3,0 0 0,1 1-1,0-1 1,0 1-1,1-1 1,-1 1-1,1 0 1,0 0-1,1 0 1,-1 1-1,1-1 1,0 1-1,0 0 1,0 0 0,1 0-1,-1 0 1,1 1-1,0 0 1,0 0-1,0 0 1,1 1-1,-1-1 1,1 1-1,-1 1 1,1-1 0,0 1-1,-1 0 1,1 0-1,0 0 1,0 1-1,0 0 1,-1 0-1,1 1 1,0 0-1,0 0 1,0 0-1,3 1 4,-3-1 0,1 0 0,-1-1 0,1 2 0,0-1 0,-1 1 0,0 0 0,1 1 0,-1-1 0,0 1 0,0 0 0,-1 1 0,1-1 0,-1 1 0,0 0 0,1 1 0,-2-1 0,1 1 0,-1 0 0,1 0 0,-1 1 0,-1-1 0,1 1 0,-1 0 0,0 0 0,0 0 0,-1 0 0,0 0 0,0 1 0,0-1 0,0 3 0,-3-7 9,0 1-1,1-1 1,-1 0-1,0 1 1,-1-1-1,1 0 1,0 0-1,-1 1 1,1-1-1,-1 0 1,1 0-1,-1-1 1,0 1-1,0 0 1,0-1-1,0 1 0,0-1 1,0 1-1,-1-1 1,1 0-1,0 0 1,-1 0-1,1 0 1,-1-1-1,1 1 1,-1-1-1,1 1 1,-1-1-1,1 0 1,-1 0-1,1 0 1,-1 0-1,1 0 0,-3-1-8,-88-21 352,88 21-342,1-1-1,0 0 0,0 0 0,0 0 0,0 0 0,1-1 0,-1 1 1,0-1-1,1 0 0,0 0 0,0-1 0,0 1 0,0 0 0,0-1 1,1 0-1,0 0 0,-1 1 0,1-1 0,1-1 0,-1 1 0,1 0 1,-1 0-1,1-1 0,0 1 0,1 0 0,-1-1 0,1 1 0,0-1 1,0 1-1,0-1 0,1 1 0,-1-1 0,1 1 0,0 0 0,0-1 1,1 1-1,0 0 0,-1 0 0,1 0 0,0 0 0,1 0 0,2-3-9,-2 5-285,1 0-1,0 0 0,-1 1 0,1 0 0,0-1 0,0 2 0,0-1 1,0 0-1,0 1 0,0-1 0,0 1 0,0 0 0,0 1 0,0-1 1,0 0-1,0 1 0,-1 0 0,1 0 0,0 1 0,0-1 0,0 1 1,-1-1-1,1 1 0,-1 0 0,1 1 286,-2-2-5291,-2-1 1985</inkml:trace>
-</inkml:ink>
-</file>
-
-<file path=ppt/ink/ink55.xml><?xml version="1.0" encoding="utf-8"?>
-<inkml:ink xmlns:inkml="http://www.w3.org/2003/InkML">
-  <inkml:definitions>
-    <inkml:context xml:id="ctx0">
-      <inkml:inkSource xml:id="inkSrc0">
-        <inkml:traceFormat>
-          <inkml:channel name="X" type="integer" min="-2.14748E9" max="2.14748E9" units="cm"/>
-          <inkml:channel name="Y" type="integer" min="-2.14748E9" max="2.14748E9" units="cm"/>
-          <inkml:channel name="F" type="integer" max="32767" units="dev"/>
-        </inkml:traceFormat>
-        <inkml:channelProperties>
-          <inkml:channelProperty channel="X" name="resolution" value="1000" units="1/cm"/>
-          <inkml:channelProperty channel="Y" name="resolution" value="1000" units="1/cm"/>
-          <inkml:channelProperty channel="F" name="resolution" value="0" units="1/dev"/>
-        </inkml:channelProperties>
-      </inkml:inkSource>
-      <inkml:timestamp xml:id="ts0" timeString="2019-05-27T17:54:43.779"/>
-    </inkml:context>
-    <inkml:brush xml:id="br0">
-      <inkml:brushProperty name="width" value="0.1" units="cm"/>
-      <inkml:brushProperty name="height" value="0.2" units="cm"/>
-      <inkml:brushProperty name="color" value="#FF2500"/>
-      <inkml:brushProperty name="tip" value="rectangle"/>
-      <inkml:brushProperty name="rasterOp" value="maskPen"/>
-    </inkml:brush>
-  </inkml:definitions>
-  <inkml:trace contextRef="#ctx0" brushRef="#br0">150 129 6528,'-60'-30'8448,"58"28"-8429,1 1 0,-1-1 0,0 1 0,0-1 0,1 0 0,-1 0 0,1 1 0,0-1 0,-1 0 0,1 0 0,0 0 0,0-1 0,0 1 1,1 0-1,-1 0 0,0 0 0,1-1 0,-1 1 0,1 0 0,0-1 0,0 1 0,0 0 0,0-1 0,0 1 0,1 0 0,-1-1 0,0 1 0,1 0 1,0 0-1,0 0 0,0-1 0,0 1 0,0 0 0,0 0 0,0 0 0,0 0 0,1 0 0,-1 1 0,1-1 0,0 0 0,-1 1 0,1-1 1,0 1-1,0 0 0,0-1 0,0 1 0,0 0 0,0 0 0,0 0 0,1 0 0,-1 1 0,0-1 0,0 1 0,1-1 0,-1 1 0,0 0 1,1 0-1,-1 0 0,0 0 0,1 0 0,-1 0 0,0 1 0,1-1 0,-1 1 0,0 0 0,1 0-19,3 0 13,-1-1 1,1 1-1,-1 1 0,0-1 0,0 1 1,0 0-1,0 0 0,0 0 0,0 1 1,0-1-1,-1 1 0,1 0 0,-1 1 1,0-1-1,0 1 0,0 0 0,0 0 1,-1 0-1,0 1 0,0-1 0,0 1 0,0-1 1,-1 1-1,1 0 0,-1 0 0,0 0 1,-1 1-1,0-1 0,1 3-13,-2-1 19,-1 0 0,-1-1 0,1 1-1,-1-1 1,0 1 0,0-1 0,-1 0 0,0 1 0,0-2-1,0 1 1,-1 0 0,0-1 0,0 1 0,0-1 0,-1 0-1,0 0 1,0-1 0,0 0 0,0 0 0,-1 0-1,1 0 1,-1-1 0,0 0 0,0 0 0,-1 0 0,1-1-1,0 0 1,-1 0 0,0-1 0,1 0 0,-1 0 0,0 0-1,1-1 1,-4 0-19,7 0 1,-1 0-1,0 0 0,0-1 1,0 1-1,0-1 1,1 0-1,-1 0 1,0 0-1,1 0 0,-1-1 1,1 1-1,-1-1 1,1 0-1,0 0 1,0 0-1,-1-1 0,2 1 1,-1-1-1,0 0 1,0 1-1,1-1 1,0 0-1,-1-1 0,1 1 1,0 0-1,1-1 1,-1 1-1,1-1 0,-1 1 1,1-1-1,0 0 1,0 1-1,1-1 1,-1 0-1,1 0 0,0 0 1,0 1-1,0-1 1,0 0-1,1 0 1,-1 0-1,1 1 0,0-1 1,0 0-1,1 1 1,-1-1-1,1 1 1,0-1-1,0 1 0,0-1 0,3-3 2,0 0 0,1 0 0,0 1 0,0-1 0,1 1 0,-1 1 0,1-1 0,1 1 0,-1 0 0,1 1 0,0 0 0,0 0 0,0 1 0,0 0 0,1 0 0,-1 0 0,1 2 0,-1-1 0,2 1-2,-4 0 2,-1 0 1,1 0-1,0 1 0,0-1 1,-1 1-1,1 1 1,0-1-1,0 1 0,-1 0 1,1 1-1,0-1 0,-1 1 1,1 0-1,-1 0 1,0 1-1,0 0 0,0-1 1,0 2-1,0-1 1,-1 1-1,1-1 0,-1 1 1,0 1-1,0-1 1,-1 0-1,1 1 0,-1 0 1,0 0-1,1 2-2,-2-4 13,0 0 0,-1 0 0,1 1 0,-1-1 0,0 0 0,0 1 0,0-1 0,-1 1 0,1-1 0,-1 1 0,1-1 0,-1 1 0,-1 0 0,1-1 0,0 1 0,-1-1 0,0 1 0,1-1 0,-1 1 0,-1-1 0,1 0 0,0 1 0,-1-1 0,0 0 0,0 0 0,0 0 0,0 0 1,0 0-1,-1-1 0,1 1 0,-1-1 0,1 1 0,-1-1 0,0 0 0,0 0 0,0 0 0,0 0 0,-4 0-13,-1 2 35,0-1 0,0 0 1,-1-1-1,1 0 0,-1 0 0,1-1 1,-1 0-1,0-1 0,0 0 1,1 0-1,-1-1 0,0 0 1,0 0-1,1-1 0,-5-1-35,9 2 7,0 1-1,0-1 1,0 0 0,0-1-1,0 1 1,0-1-1,0 0 1,0 1 0,1-2-1,-1 1 1,0 0-1,1-1 1,0 0 0,0 1-1,0-1 1,0-1-1,0 1 1,1 0 0,-1-1-1,1 1 1,0-1-1,0 0 1,0 1 0,0-1-1,1 0 1,0 0-1,0 0 1,0-1 0,0 1-1,0 0 1,1 0-1,0 0 1,0-1 0,0 1-1,0 0 1,1 0-1,0 0 1,0 0 0,0-1-1,0 1 1,0 0-1,1 0-6,0 0-215,1 0-1,-1 0 1,0 1-1,1-1 0,0 1 1,0-1-1,0 1 0,0 0 1,1 0-1,-1 1 0,1-1 1,0 1-1,-1-1 1,1 1-1,0 0 0,0 1 1,1-1-1,-1 1 0,0 0 1,0 0-1,1 0 1,-1 0-1,1 1 0,-1 0 1,1 0-1,-1 0 0,0 0 1,1 1-1,-1-1 0,0 1 1,1 1-1,-1-1 1,0 0-1,0 1 0,0 0 1,0 0-1,2 1 216,6 2-6613</inkml:trace>
-</inkml:ink>
-</file>
-
-<file path=ppt/ink/ink56.xml><?xml version="1.0" encoding="utf-8"?>
-<inkml:ink xmlns:inkml="http://www.w3.org/2003/InkML">
-  <inkml:definitions>
-    <inkml:context xml:id="ctx0">
-      <inkml:inkSource xml:id="inkSrc0">
-        <inkml:traceFormat>
-          <inkml:channel name="X" type="integer" min="-2.14748E9" max="2.14748E9" units="cm"/>
-          <inkml:channel name="Y" type="integer" min="-2.14748E9" max="2.14748E9" units="cm"/>
-          <inkml:channel name="F" type="integer" max="32767" units="dev"/>
-        </inkml:traceFormat>
-        <inkml:channelProperties>
-          <inkml:channelProperty channel="X" name="resolution" value="1000" units="1/cm"/>
-          <inkml:channelProperty channel="Y" name="resolution" value="1000" units="1/cm"/>
-          <inkml:channelProperty channel="F" name="resolution" value="0" units="1/dev"/>
-        </inkml:channelProperties>
-      </inkml:inkSource>
-      <inkml:timestamp xml:id="ts0" timeString="2019-05-27T17:54:45.028"/>
-    </inkml:context>
-    <inkml:brush xml:id="br0">
-      <inkml:brushProperty name="width" value="0.1" units="cm"/>
-      <inkml:brushProperty name="height" value="0.2" units="cm"/>
-      <inkml:brushProperty name="color" value="#FF2500"/>
-      <inkml:brushProperty name="tip" value="rectangle"/>
-      <inkml:brushProperty name="rasterOp" value="maskPen"/>
-    </inkml:brush>
-  </inkml:definitions>
-  <inkml:trace contextRef="#ctx0" brushRef="#br0">53 168 9600,'-2'-64'4245,"10"57"-4148,-1-1-1,1 1 1,0 1-1,0 0 1,1 0 0,0 0-1,0 1 1,0 0 0,1 1-1,-1 0 1,1 1-1,0 0 1,0 0 0,1 1-1,-1 0 1,0 1 0,6 0-97,-12 2 40,1 0 1,0 1 0,-1-1 0,1 1-1,-1 0 1,1 0 0,-1 0 0,0 1 0,0-1-1,0 1 1,0 0 0,-1 0 0,1 1-1,-1-1 1,1 1 0,-1 0 0,-1 0 0,1 0-1,0 0 1,-1 0 0,0 0 0,0 1 0,0-1-1,-1 1 1,1 0 0,-1-1 0,0 1-1,0 0 1,-1 0 0,1-1 0,-1 1 0,0 0-1,-1 0 1,0 2-41,1-3 26,0 0-1,-1 1 1,1-1 0,-1 0-1,0 1 1,-1-1-1,1 0 1,-1 0 0,1 0-1,-1 0 1,-1 0-1,1-1 1,0 1 0,-1-1-1,0 1 1,0-1-1,0 0 1,0 0 0,0 0-1,-1 0 1,1-1-1,-1 1 1,0-1 0,0 0-1,0 0 1,0 0-1,0-1 1,0 0 0,0 1-1,0-1 1,-1-1-1,1 1 1,0-1 0,-1 1-1,-3-2-25,2 2 11,-1 0-1,1-1 0,0 0 1,0-1-1,0 0 0,-1 0 1,1 0-1,0 0 1,0-1-1,1 0 0,-1 0 1,0-1-1,1 0 1,-1 0-1,1 0 0,0 0 1,0-1-1,0 0 1,0 0-1,1 0 0,-1-1 1,1 1-1,0-1 1,1 0-1,-1 0 0,1-1 1,0 1-1,0-1 1,1 0-1,0 1 0,0-1 1,0 0-1,1 0 0,-1 0 1,1 0-1,1-1 1,-1 1-1,1 0 0,0-1-10,0 3 0,0-1 0,1 1 0,-1-1 0,1 1 0,-1 0 0,1-1 0,1 1 0,-1 0 0,0 0 0,1 0 0,0 0 0,0 0 0,0 0 0,1 0 0,-1 0 0,1 1 0,0-1 0,0 1 0,0 0 0,0 0 0,1 0 0,-1 1 0,1-1 0,0 1 0,0 0 0,3-2 0,2 3 0,-1 1 0,1 0 0,-1 1 0,1-1 0,-1 2 0,1-1 0,-1 1 0,0 0 0,0 1 0,0 0 0,0 0 0,0 1 0,-1 0 0,1 1 0,-1-1 0,0 1 0,-1 0 0,-2-2 0,0-1 0,-1 1 0,0 0 0,1 0 0,-1 0 0,0 0 0,-1 1 0,1-1 0,0 1 0,-1 0 0,0-1 0,0 1 0,0 0 0,0 0 0,-1 0 0,0 1 0,0-1 0,0 0 0,0 1 0,0-1 0,-1 0 0,0 1 0,0-1 0,0 0 0,-1 1 0,1-1 0,-1 0 0,0 1 0,0-1 0,0 0 0,-1 0 0,0 0 0,-2 4 0,-3-1 27,0-1 0,-1 0-1,0-1 1,-1 0 0,1 0-1,-1 0 1,0-1 0,0-1-1,0 1 1,-1-1 0,1-1-1,-1 0 1,0 0 0,1-1-1,-1 0 1,0-1 0,0 0-1,0-1 1,1 0 0,-10-2-27,-47-14 133,65 17-131,0 0 0,-1-1 0,1 0 0,0 1 0,0-1 0,0 0 0,0 1 0,0-1 0,0 0 0,1 0 0,-1 0 0,0 0 0,0 0 0,0 0 0,1 0 0,-1 0 0,1 0 0,-1 0 0,1 0 0,-1 0 0,1 0 0,-1-1 0,1 1 0,0 0 0,0 0 0,0 0 0,0-1 0,0 1 0,0 0 0,0 0 0,0-1 0,0 1 0,0 0 0,1 0 0,-1 0 0,1-1 0,-1 1 0,1 0 0,-1 0 0,1 0 0,-1 0 0,1 0 0,0 0-1,0 0 1,0 0 0,-1 0 0,1 0 0,0 1 0,0-1 0,0 0 0,1 0-2,13-9-133,1-1 1,0 2-1,1 0 0,0 1 0,0 1 0,1 1 0,0 0 0,0 1 0,1 1 0,-1 1 0,1 0 0,0 2 0,9 0 133,-17-1-64,1 0-328,15 3-1006,-34 44 970,6-43 236,1-2-1003,0 0-4138,0 0 171,0 0 4543</inkml:trace>
-</inkml:ink>
-</file>
-
-<file path=ppt/ink/ink57.xml><?xml version="1.0" encoding="utf-8"?>
-<inkml:ink xmlns:inkml="http://www.w3.org/2003/InkML">
-  <inkml:definitions>
-    <inkml:context xml:id="ctx0">
-      <inkml:inkSource xml:id="inkSrc0">
-        <inkml:traceFormat>
-          <inkml:channel name="X" type="integer" min="-2.14748E9" max="2.14748E9" units="cm"/>
-          <inkml:channel name="Y" type="integer" min="-2.14748E9" max="2.14748E9" units="cm"/>
-          <inkml:channel name="F" type="integer" max="32767" units="dev"/>
-        </inkml:traceFormat>
-        <inkml:channelProperties>
-          <inkml:channelProperty channel="X" name="resolution" value="1000" units="1/cm"/>
-          <inkml:channelProperty channel="Y" name="resolution" value="1000" units="1/cm"/>
-          <inkml:channelProperty channel="F" name="resolution" value="0" units="1/dev"/>
-        </inkml:channelProperties>
-      </inkml:inkSource>
-      <inkml:timestamp xml:id="ts0" timeString="2019-05-27T17:54:46.213"/>
-    </inkml:context>
-    <inkml:brush xml:id="br0">
-      <inkml:brushProperty name="width" value="0.1" units="cm"/>
-      <inkml:brushProperty name="height" value="0.2" units="cm"/>
-      <inkml:brushProperty name="color" value="#FF2500"/>
-      <inkml:brushProperty name="tip" value="rectangle"/>
-      <inkml:brushProperty name="rasterOp" value="maskPen"/>
-    </inkml:brush>
-  </inkml:definitions>
-  <inkml:trace contextRef="#ctx0" brushRef="#br0">148 256 5760,'22'-4'369,"-5"-2"1520,-38-6 98,16 10-1794,0-1-1,1 1 1,-1-1 0,1 0-1,0 0 1,0 0 0,0 0-1,0-1 1,1 1-1,-1-1 1,1 0 0,0 0-1,0-1 1,1 1 0,-1-1-1,1 1 1,0-1 0,0 0-1,0 0 1,1 0-1,-1 0 1,1 0 0,1 0-1,-1 0 1,1 0 0,0 0-1,0 0 1,0 0 0,0 0-1,1-1 1,0 1 0,0 0-1,1-1-192,-1 2 51,-1 0 0,1 0-1,-1 0 1,1 0 0,0 0 0,1 0-1,-1 1 1,1-1 0,0 1-1,-1-1 1,1 1 0,1-1 0,-1 1-1,0 0 1,1 0 0,0 0-1,0 0 1,0 1 0,0-1 0,0 1-1,0 0 1,1-1 0,-1 2 0,1-1-1,-1 0 1,1 1 0,0-1-1,0 1 1,0 0 0,-1 1 0,1-1-1,0 0 1,0 1 0,0 0 0,0 0-1,0 0 1,0 1 0,0-1-1,0 1 1,0 0 0,0 0 0,-1 0-1,1 1 1,0 0 0,3 1-51,-2 2 45,1 1 0,0 0 0,-1 0 0,0 0 0,-1 1 0,1 0 0,-1-1 1,-1 2-1,1-1 0,-1 0 0,0 1 0,-1-1 0,0 1 0,0 0 0,-1 0 0,1 0 1,-2 0-1,1 0 0,-1 0 0,-1 0 0,1 0 0,-1 0 0,-1 0 0,1-1 0,-1 1 0,-1 0 1,1-1-1,-1 1 0,-1-1 0,1 0 0,-1 0 0,-1 0 0,1-1 0,-1 1 0,-1 0-45,-1-4 16,0 0 0,1 0-1,-2 0 1,1-1-1,0 0 1,0-1 0,-1 1-1,1-1 1,-1-1-1,1 0 1,-1 0 0,1 0-1,-1-1 1,1 0 0,0 0-1,-1-1 1,1 0-1,0 0 1,0-1 0,0 0-1,0 0 1,1 0-1,-1-1 1,1 0 0,0-1-1,0 1 1,0-1-1,1 0 1,-1-1 0,1 1-1,1-1 1,-1 0-1,1 0 1,0 0 0,0-1-1,1 0 1,0 1 0,0-1-1,0 0 1,1-1-1,0 0-15,1 3-3,0-1 0,1 1 0,0-1 0,0 0 0,0 1 1,1-1-1,-1 1 0,1 0 0,1-1 0,-1 1 0,1 0 0,0-1 0,0 1 0,0 0 0,1 1 0,0-1 0,0 0 0,0 1 0,0-1 0,1 1 0,0 0 0,0 0 0,0 1 0,0-1 0,1 1 0,-1 0 0,1 0 0,0 0 0,0 1 0,0-1 0,0 1 0,0 0 0,0 1 0,1-1 0,-1 1 0,0 0 0,1 1 0,-1-1 0,1 1 0,-1 0 0,1 1 0,-1-1 0,1 1 3,3 0 0,-1 1 0,0 1 0,0-1 0,0 1 0,0 0 0,-1 1 0,1 0 0,-1 0 0,0 1 0,0 0 0,-1 0 0,1 0 0,-1 1 0,0 0 0,0 0 0,-1 1 0,3 4 0,-6-8 0,1 0 0,-1 1 0,0-1 0,0 1 0,0 0 0,-1-1 0,1 1 0,-1 0 0,0 0 0,0 0 0,-1 0 0,1 0 0,-1 0 0,1 0 0,-1 1 0,-1-1 0,1 0 0,-1 0 0,1 0 0,-1 0 0,0 0 0,0 0 0,-1 0 0,1-1 0,-1 1 0,0 0 0,0-1 0,0 1 0,-1-1 0,1 0 0,-1 1 0,0-1 0,0-1 0,0 1 0,0 0 0,0-1 0,-1 2 10,-1-1-1,0 0 0,0-1 1,0 1-1,0-1 1,0 0-1,0 0 0,0-1 1,-1 1-1,1-1 0,-1 0 1,1-1-1,-1 0 0,1 1 1,-1-2-1,1 1 1,-1-1-1,1 1 0,-1-1 1,1-1-1,0 1 0,-1-1 1,1 0-1,0 0 0,0-1 1,0 1-1,1-1 1,-1 0-1,1-1 0,-1 1 1,1-1-1,0 0 0,0 0 1,1 0-1,-1 0 1,1-1-1,0 1 0,0-1 1,0 0-1,1 0 0,-1-2-9,2 3-5,1 0 1,0 0-1,0 0 0,0 0 0,1 0 0,-1 0 0,1 0 0,0 0 0,0 0 1,0 1-1,1-1 0,-1 0 0,1 1 0,0-1 0,0 1 0,0-1 0,1 1 1,-1 0-1,1 0 0,0 0 0,-1 0 0,1 1 0,1-1 0,-1 1 0,0-1 1,1 1-1,-1 0 0,1 1 0,-1-1 0,1 1 0,0-1 0,0 1 0,0 0 1,-1 0-1,5 0 5,60 2-1081,-23 9-4451,-22-2-3812</inkml:trace>
-</inkml:ink>
-</file>
-
-<file path=ppt/ink/ink58.xml><?xml version="1.0" encoding="utf-8"?>
-<inkml:ink xmlns:inkml="http://www.w3.org/2003/InkML">
-  <inkml:definitions>
-    <inkml:context xml:id="ctx0">
-      <inkml:inkSource xml:id="inkSrc0">
-        <inkml:traceFormat>
-          <inkml:channel name="X" type="integer" min="-2.14748E9" max="2.14748E9" units="cm"/>
-          <inkml:channel name="Y" type="integer" min="-2.14748E9" max="2.14748E9" units="cm"/>
           <inkml:channel name="F" type="integer" max="32767" units="dev"/>
         </inkml:traceFormat>
         <inkml:channelProperties>
@@ -1715,7 +1480,7 @@
 </inkml:ink>
 </file>
 
-<file path=ppt/ink/ink59.xml><?xml version="1.0" encoding="utf-8"?>
+<file path=ppt/ink/ink51.xml><?xml version="1.0" encoding="utf-8"?>
 <inkml:ink xmlns:inkml="http://www.w3.org/2003/InkML">
   <inkml:definitions>
     <inkml:context xml:id="ctx0">
@@ -1742,6 +1507,244 @@
     </inkml:brush>
   </inkml:definitions>
   <inkml:trace contextRef="#ctx0" brushRef="#br0">49 162 8960,'-1'0'75,"1"0"1,0-1-1,0 1 1,0-1-1,-1 1 0,1 0 1,0-1-1,0 1 1,0 0-1,0-1 1,0 1-1,0-1 1,0 1-1,0 0 1,0-1-1,0 1 0,0-1 1,0 1-1,0-1 1,0 1-1,0 0 1,0-1-1,0 1 1,1 0-1,-1-1 1,0 1-1,0-1 1,0 1-1,1 0 0,-1 0 1,0-1-1,0 1 1,1 0-1,-1-1 1,0 1-1,1 0 1,-1 0-1,0-1 1,1 1-1,-1 0 0,1 0 1,-1 0-1,1 0-75,-14-15 745,11 13-684,-1-1-1,1 1 1,0-1-1,0 1 1,0-1 0,0 0-1,0 0 1,1 0-1,-1 0 1,1 0 0,0 0-1,0-1 1,0 1-1,0 0 1,1-1 0,-1 1-1,1 0 1,0-1-1,0 1 1,0-1 0,0 1-1,1 0 1,-1-1-1,1 1 1,0 0 0,0 0-1,0-1 1,1 1-1,-1 0 1,1 0 0,-1 0-1,1 0 1,0 1-1,0-1 1,1 0 0,-1 1-1,0-1 1,1 1 0,-1 0-1,1 0 1,0 0-1,0 0 1,0 1 0,2-2-61,1 3 57,0 0 0,-1 1 0,1 0 0,0 0 0,0 0 1,0 0-1,-1 1 0,1 0 0,-1 1 0,1-1 0,-1 1 1,0 0-1,0 0 0,0 0 0,0 1 0,-1 0 0,1 0 1,-1 0-1,0 0 0,0 1 0,-1-1 0,1 1 0,-1 0 1,0 0-1,1 5-57,1-6 33,-1 1 0,0 0 1,-1 0-1,1 0 0,-1 0 1,0 1-1,0-1 0,0 1 1,-1 0-1,0 0 0,0 0 0,-1 0 1,0 0-1,0 0 0,0 0 1,-1 0-1,1 0 0,-2 1 1,1-1-1,-1 0 0,1 0 0,-2 0 1,1 0-1,-1 0 0,0 0 1,0 0-1,-1 0 0,1-1 1,-1 1-1,0-1 0,-1 0 0,0 0 1,1 0-1,-1 0 0,-1-1 1,1 1-1,-1-1 0,0 0 1,0-1-1,0 1 0,-4 1-33,4-4 9,0 0-1,0 0 0,0 0 1,0-1-1,-1 0 1,1 0-1,0 0 1,0-1-1,-1 1 1,1-1-1,0-1 0,0 1 1,0-1-1,0 0 1,1 0-1,-1 0 1,0-1-1,1 1 1,-1-1-1,1 0 0,0 0 1,0-1-1,0 0 1,1 1-1,-1-1 1,1 0-1,0 0 1,0-1-1,0 1 0,1-1 1,-1 0-1,1 1 1,0-1-1,0 0 1,1 0-1,0 0 1,0 0-1,0-1 0,0 1 1,1 0-1,0 0 1,0 0-1,0-1 1,1 1-1,-1 0 1,1 0-1,1 0 0,0-3-8,-1 3 0,0 0 0,0 0 0,1 0 0,0 0 0,0 1 0,0-1 0,1 0 0,-1 1 0,1 0 0,0-1 0,0 1 0,1 0 0,-1 1 0,1-1 0,0 1 0,0-1 0,0 1 0,0 0 0,1 1 0,-1-1 0,1 1 0,-1 0 0,1 0 0,0 0 0,0 0 0,0 1 0,0 0 0,0 0 0,0 1 0,0-1 0,1 1 0,-1 0 0,0 0 0,1 1 0,-2-2 0,-1 0 0,1 1 0,0-1 0,-1 1 0,1 0 0,-1-1 0,1 2 0,-1-1 0,1 0 0,0 1 0,-1 0 0,1-1 0,-1 1 0,0 1 0,1-1 0,-1 0 0,0 1 0,0 0 0,1 0 0,-1 0 0,-1 0 0,1 0 0,0 0 0,-1 1 0,1 0 0,-1-1 0,1 1 0,-1 0 0,0 0 0,0 0 0,-1 0 0,1 1 0,-1-1 0,1 0 0,-1 1 0,0-1 0,-1 1 0,1-1 0,0 1 0,-1-1 0,0 1 0,0-1 0,0 1 0,0 0 0,0-1 0,-1 1 0,0-1 0,0 1 0,0-1 0,0 2 0,-3-1 19,1 1 0,-1 0-1,0-1 1,-1 0 0,1 0-1,-1 0 1,0 0 0,0-1-1,0 0 1,0 0 0,0 0-1,-1-1 1,1 1 0,-1-1-1,0-1 1,0 1 0,0-1-1,0 0 1,0 0 0,0-1-1,0 0 1,0 0 0,0 0-1,0-1 1,1 1 0,-1-2-1,0 1 1,0-1 0,0 0-1,1 0 1,-1 0 0,1-1-1,-1 1 1,1-2 0,0 1-1,0 0 1,1-1 0,-1 0-1,1 0 1,-4-4-19,5 4 6,0 0 0,1 1-1,-1-1 1,1 0 0,0-1 0,0 1 0,0 0-1,1 0 1,-1-1 0,1 1 0,0-1-1,0 1 1,1-1 0,-1 0 0,1 1 0,0-1-1,1 0 1,-1 1 0,1-1 0,0 1-1,0-1 1,0 1 0,0-1 0,1 1 0,0 0-1,0 0 1,0-1 0,0 1 0,1 1-1,0-1 1,-1 0 0,1 1 0,1-1-1,-1 1 1,0 0 0,1 0 0,0 0 0,-1 1-1,1-1 1,0 1 0,1 0 0,-1 0-1,0 0 1,0 1 0,1-1 0,-1 1 0,1 0-1,3 0-5,-1 0-354,0 0-1,1 0 0,-1 0 0,0 1 0,1 0 1,-1 1-1,0 0 0,0 0 0,1 0 0,-1 1 1,0 0-1,0 1 0,0-1 0,-1 1 0,1 0 1,-1 1-1,0 0 0,1 0 0,2 3 355,6 5-8362</inkml:trace>
+</inkml:ink>
+</file>
+
+<file path=ppt/ink/ink52.xml><?xml version="1.0" encoding="utf-8"?>
+<inkml:ink xmlns:inkml="http://www.w3.org/2003/InkML">
+  <inkml:definitions>
+    <inkml:context xml:id="ctx0">
+      <inkml:inkSource xml:id="inkSrc0">
+        <inkml:traceFormat>
+          <inkml:channel name="X" type="integer" min="-2.14748E9" max="2.14748E9" units="cm"/>
+          <inkml:channel name="Y" type="integer" min="-2.14748E9" max="2.14748E9" units="cm"/>
+          <inkml:channel name="F" type="integer" max="32767" units="dev"/>
+        </inkml:traceFormat>
+        <inkml:channelProperties>
+          <inkml:channelProperty channel="X" name="resolution" value="1000" units="1/cm"/>
+          <inkml:channelProperty channel="Y" name="resolution" value="1000" units="1/cm"/>
+          <inkml:channelProperty channel="F" name="resolution" value="0" units="1/dev"/>
+        </inkml:channelProperties>
+      </inkml:inkSource>
+      <inkml:timestamp xml:id="ts0" timeString="2019-05-27T17:54:49.902"/>
+    </inkml:context>
+    <inkml:brush xml:id="br0">
+      <inkml:brushProperty name="width" value="0.1" units="cm"/>
+      <inkml:brushProperty name="height" value="0.2" units="cm"/>
+      <inkml:brushProperty name="color" value="#FF2500"/>
+      <inkml:brushProperty name="tip" value="rectangle"/>
+      <inkml:brushProperty name="rasterOp" value="maskPen"/>
+    </inkml:brush>
+  </inkml:definitions>
+  <inkml:trace contextRef="#ctx0" brushRef="#br0">69 197 6272,'68'-71'4010,"-65"69"-3930,0 0 0,0 0 0,1 0-1,-1 0 1,0 1 0,1-1 0,-1 1-1,1 0 1,-1 0 0,1 1 0,0-1 0,-1 1-1,1-1 1,0 1 0,0 0 0,-1 0-1,1 1 1,0-1 0,-1 1 0,1 0-1,-1 0 1,1 0 0,-1 1 0,1-1 0,-1 1-1,0-1 1,1 1 0,-1 0 0,0 1-1,0-1 1,-1 0 0,1 1 0,0-1-1,-1 1 1,0 0 0,1 0 0,-1 0-1,0 0 1,-1 1 0,1-1 0,0 0 0,-1 1-1,0-1 1,0 1 0,0-1 0,0 1-80,-1 3 78,0-1 0,0 0 0,0 1 0,-1-1 1,0 0-1,0 1 0,-1-1 0,0 0 1,0 0-1,0 0 0,-1 0 0,0-1 0,0 1 1,0-1-1,-1 1 0,0-1 0,0 0 1,0 0-1,0-1 0,-1 1 0,0-1 0,0 0 1,0-1-1,0 1 0,-1-1 0,0 0 1,1 0-1,-1 0 0,0-1 0,0 0 0,0 0 1,-1-1-1,1 0 0,0 0 0,-1 0 1,1-1-80,-1-4 15,1 0-1,0 0 0,0-1 0,1 0 1,-1 0-1,1 0 0,0-1 0,0 1 1,1-1-1,0 0 0,0-1 0,0 1 1,1-1-1,0 0 0,0 0 0,0 0 1,1 0-1,0 0 0,1 0 0,-1-1 1,2 1-1,-1 0 0,1-1 0,0 1 1,0-1-1,1 1 0,0-1 0,0 1 1,1-1-15,-2 2 2,0 0 0,1 0-1,-1 0 1,1 0-1,0 0 1,1 0 0,-1 1-1,1-1 1,0 0-1,1 1 1,0 0-1,-1-1 1,1 1 0,1 0-1,-1 0 1,1 1-1,0-1 1,0 1-1,1 0 1,-1 0 0,1 0-1,0 0 1,0 1-1,0 0 1,0 0-1,0 0 1,1 1 0,-1 0-1,1 0 1,0 0-1,0 0 1,0 1-1,0 0 1,-1 1 0,1-1-1,0 1 1,3 0-1,-4 1 31,0 0 0,0 0 1,0 1-1,0-1 0,0 1 1,0 0-1,0 1 0,-1-1 0,1 1 1,-1 0-1,0 0 0,0 0 1,0 0-1,0 1 0,0 0 0,-1 0 1,0 0-1,0 0 0,0 0 1,0 1-1,0-1 0,-1 1 0,0 0 1,0-1-1,0 1 0,-1 0 1,0 0-1,0 0 0,0 1 0,0-1 1,-1 0-1,0 0 0,0 0 1,0 1-1,-1-1 0,1 0 0,-1 0 1,-1 0-1,1 0 0,-1 0 1,1 0-1,-2 0 0,1-1 0,0 1 1,-1-1-1,0 1 0,0-1 1,0 0-1,-1 0 0,1 0 1,-1-1-1,0 1 0,0-1 0,0 0 1,0 0-1,-1 0 0,1-1 1,-1 1-1,0-1 0,-3 1-31,1 0 15,-1-1 0,1 1 0,-1-1 0,0-1 0,0 0 0,0 0 0,0 0 0,0-1 0,0 0 0,0-1 0,0 1 0,0-2 0,0 1 0,0-1 0,0 0 0,1-1 0,-1 0 0,1 0 0,-1 0 0,1-1 0,0 0 0,1-1 0,-1 0 0,1 0 0,0 0 0,0 0 0,-1-3-15,5 5 0,0 0 0,1 0 0,0 0 0,0 0 0,0 0 0,0 0 0,0 0 0,1 0 0,-1-1 0,1 1 0,0 0 0,0 0 0,0 0 0,1-1 0,-1 1 0,1 0 0,-1 0 0,1 0 0,0 0 0,0 0 0,1 0 0,-1 0 0,1 0 0,-1 0 0,1 0 0,0 1 0,0-1 0,0 1 0,0-1 0,0 1 0,1 0 0,-1 0 0,1 0 0,1-1 0,100-48 0,-96 49 8,-1 1-1,0-1 0,1 1 0,-1 0 0,1 1 0,0 0 0,-1 0 0,1 0 0,-1 1 1,1 0-1,-1 1 0,1 0 0,-1 0 0,0 0 0,0 1 0,0 0 0,0 0 0,1 2-7,-7-1 21,-1-1 0,0 1-1,0 0 1,0-1 0,0 1-1,-1 0 1,1-1 0,-1 1-1,0 0 1,0-1-1,0 1 1,0-1 0,-1 1-1,0-1 1,1 0 0,-1 0-1,0 0 1,-1 0 0,1 0-1,0 0 1,-1 0 0,0-1-1,0 1 1,1-1 0,-1 0-1,-1 0 1,1 0-1,0 0 1,0-1 0,-1 1-1,-1 0-20,-3 3 35,0 1-1,-1-1 0,0-1 1,0 1-1,0-2 1,0 1-1,-1-1 0,1 0 1,-1-1-1,0 0 0,0-1 1,0 0-1,1-1 1,-1 0-1,0 0 0,0-1 1,0 0-1,-3-1-34,12 1-13,1 1 0,-1-1-1,0 1 1,0-1 0,0 1 0,0-1 0,1 0 0,-1 1-1,0-1 1,0 0 0,1 0 0,-1 1 0,1-1-1,-1 0 1,0 0 0,1 0 0,0 0 0,-1 0-1,1 0 1,0 0 0,-1 0 0,1 0 0,0 0-1,0 0 1,0 0 0,0 0 0,0 0 0,0 0-1,0 0 1,0 0 0,0 0 0,0 0 0,1 0 0,-1 0-1,0 1 1,1-1 0,-1 0 0,1 0 0,-1 0-1,1 0 1,-1 0 0,1 0 0,-1 1 0,1-1-1,0 0 1,0 0 0,-1 1 0,2-1 13,37-39-4060,-8 14-6841</inkml:trace>
+</inkml:ink>
+</file>
+
+<file path=ppt/ink/ink53.xml><?xml version="1.0" encoding="utf-8"?>
+<inkml:ink xmlns:inkml="http://www.w3.org/2003/InkML">
+  <inkml:definitions>
+    <inkml:context xml:id="ctx0">
+      <inkml:inkSource xml:id="inkSrc0">
+        <inkml:traceFormat>
+          <inkml:channel name="X" type="integer" min="-2.14748E9" max="2.14748E9" units="cm"/>
+          <inkml:channel name="Y" type="integer" min="-2.14748E9" max="2.14748E9" units="cm"/>
+          <inkml:channel name="F" type="integer" max="32767" units="dev"/>
+        </inkml:traceFormat>
+        <inkml:channelProperties>
+          <inkml:channelProperty channel="X" name="resolution" value="1000" units="1/cm"/>
+          <inkml:channelProperty channel="Y" name="resolution" value="1000" units="1/cm"/>
+          <inkml:channelProperty channel="F" name="resolution" value="0" units="1/dev"/>
+        </inkml:channelProperties>
+      </inkml:inkSource>
+      <inkml:timestamp xml:id="ts0" timeString="2019-05-27T17:54:50.911"/>
+    </inkml:context>
+    <inkml:brush xml:id="br0">
+      <inkml:brushProperty name="width" value="0.1" units="cm"/>
+      <inkml:brushProperty name="height" value="0.2" units="cm"/>
+      <inkml:brushProperty name="color" value="#FF2500"/>
+      <inkml:brushProperty name="tip" value="rectangle"/>
+      <inkml:brushProperty name="rasterOp" value="maskPen"/>
+    </inkml:brush>
+  </inkml:definitions>
+  <inkml:trace contextRef="#ctx0" brushRef="#br0">127 163 5120,'-14'-21'3720,"10"19"-3523,1 0-1,-1-1 1,1 0 0,-1 1-1,1-2 1,0 1-1,0 0 1,1 0 0,-1-1-1,0 0 1,1 1-1,0-1 1,0 0 0,0 0-1,1 0 1,-1 0-1,1-1 1,0 1-1,0 0 1,0-1 0,1 1-1,-1 0 1,1-1-1,0 1 1,1-1 0,-1 1-197,4 1 65,0 0 1,0 1 0,0 0 0,0-1 0,0 1 0,0 1 0,0-1-1,1 1 1,-1-1 0,1 1 0,-1 1 0,1-1 0,0 1 0,-1-1-1,1 1 1,0 0 0,-1 1 0,1-1 0,-1 1 0,1 0-1,-1 0 1,1 1 0,2 0-66,3 1 94,0 1 1,-1 0-1,1 1 0,-1 0 0,1 0 1,-2 1-1,1 0 0,0 0 0,-1 1 1,-1 0-1,1 1 0,4 5-94,-9-10 60,0 1 0,0 0 1,0 0-1,0 0 0,-1 0 0,1 1 0,-1-1 1,0 1-1,-1-1 0,1 1 0,-1 0 0,0-1 0,0 1 1,0 0-1,-1 0 0,1 0 0,-1 0 0,0 0 1,-1 0-1,1-1 0,-1 1 0,0 0 0,0 0 0,-1 0 1,1-1-1,-1 1 0,0-1 0,-1 2-60,-3 1 36,0-1 0,0 0 0,-1-1-1,0 0 1,0 0 0,0 0 0,-1-1 0,1 1 0,-1-2-1,0 1 1,0-1 0,0-1 0,-1 0 0,1 0 0,-1 0 0,1-1-1,-1 0 1,1-1 0,-1 0 0,0 0 0,1-1 0,-1 0-1,1 0 1,-1-1 0,-1-1-36,4 1-1,0 0 0,1 0 0,-1-1 0,1 0 0,-1 0 0,1 0 0,0-1 0,0 0-1,0 0 1,1 0 0,-1 0 0,1-1 0,0 0 0,0 0 0,1 0 0,0 0 0,-1 0 0,2-1 0,-1 1 0,1-1 0,0 0 0,0 0 0,0 0-1,1 0 1,0 0 0,0 0 0,0 0 0,1-1 0,0 1 0,0 0 0,1 0 0,0 0 0,0 0 0,0 0 0,2-4 1,-2 4-2,0 1 0,0-1 0,0 0 0,1 1 1,0 0-1,0-1 0,0 1 0,1 0 0,0 0 1,0 0-1,0 0 0,1 1 0,-1-1 0,1 1 0,0 0 1,0 0-1,1 1 0,-1-1 0,1 1 0,0 0 0,0 0 1,0 0-1,0 1 0,0-1 0,0 1 0,1 1 0,-1-1 1,1 1-1,-1 0 0,1 0 0,0 0 0,0 1 1,-1 0-1,1 0 0,0 1 0,-1-1 0,1 1 0,2 1 2,-4-1 0,1-1 0,-1 1 0,1 0 0,0 1 0,-1-1 0,0 1 0,1 0 0,-1 0 0,0 0 0,0 1 0,0-1 0,-1 1 0,1 0 0,0 0 0,-1 0 0,0 1 0,0-1 0,0 1 0,0 0 0,-1 0 0,1 0 0,-1 0 0,0 0 0,0 0 0,0 1 0,-1-1 0,0 0 0,1 1 0,-2 0 0,1-1 0,0 1 0,-1 0 0,0-1 0,0 1 0,0 0 0,-1-1 0,0 1 0,0-1 0,0 1 0,0-1 0,-1 1 0,1-1 0,-1 0 0,0 1 0,-1-1 0,1 0 0,-1 0 0,1-1 0,-3 3 0,1-2 9,0 0-1,0 0 0,-1 0 0,1-1 0,-1 1 0,0-1 0,0 0 0,0-1 0,0 1 0,0-1 0,0 0 1,-1-1-1,1 1 0,-1-1 0,1 0 0,-1 0 0,0-1 0,1 1 0,-1-1 0,0-1 0,1 1 0,-1-1 1,0 0-1,1 0 0,-1-1 0,1 1 0,0-1 0,-1 0 0,0-2-8,3 3-25,1-1 0,0 0 1,0 0-1,0 0 0,0 0 0,0-1 0,0 1 1,1 0-1,-1-1 0,1 1 0,0-1 0,-1 0 1,1 1-1,1-1 0,-1 0 0,0 0 0,0 1 1,1-1-1,0 0 0,0 0 0,0 0 0,0 0 1,0 0-1,0 0 0,1 1 0,-1-1 0,1 0 1,0 0-1,0 0 0,0 1 0,0-1 0,0 0 25,31-52-7078,-12 34-4</inkml:trace>
+</inkml:ink>
+</file>
+
+<file path=ppt/ink/ink54.xml><?xml version="1.0" encoding="utf-8"?>
+<inkml:ink xmlns:inkml="http://www.w3.org/2003/InkML">
+  <inkml:definitions>
+    <inkml:context xml:id="ctx0">
+      <inkml:inkSource xml:id="inkSrc0">
+        <inkml:traceFormat>
+          <inkml:channel name="X" type="integer" min="-2.14748E9" max="2.14748E9" units="cm"/>
+          <inkml:channel name="Y" type="integer" min="-2.14748E9" max="2.14748E9" units="cm"/>
+          <inkml:channel name="F" type="integer" max="32767" units="dev"/>
+        </inkml:traceFormat>
+        <inkml:channelProperties>
+          <inkml:channelProperty channel="X" name="resolution" value="1000" units="1/cm"/>
+          <inkml:channelProperty channel="Y" name="resolution" value="1000" units="1/cm"/>
+          <inkml:channelProperty channel="F" name="resolution" value="0" units="1/dev"/>
+        </inkml:channelProperties>
+      </inkml:inkSource>
+      <inkml:timestamp xml:id="ts0" timeString="2019-05-27T17:54:52.457"/>
+    </inkml:context>
+    <inkml:brush xml:id="br0">
+      <inkml:brushProperty name="width" value="0.1" units="cm"/>
+      <inkml:brushProperty name="height" value="0.2" units="cm"/>
+      <inkml:brushProperty name="color" value="#FF2500"/>
+      <inkml:brushProperty name="tip" value="rectangle"/>
+      <inkml:brushProperty name="rasterOp" value="maskPen"/>
+    </inkml:brush>
+  </inkml:definitions>
+  <inkml:trace contextRef="#ctx0" brushRef="#br0">56 129 7168,'9'0'100,"18"-3"2858,-48 2-256,19 0-2643,1-1 1,-1 1 0,1 0 0,0-1 0,0 1 0,0-1-1,0 0 1,0 1 0,0-1 0,0 0 0,0 1 0,1-1-1,-1 0 1,0 0 0,1 0 0,0 0 0,-1 0 0,1 0-1,0 1 1,0-1 0,0 0 0,0 0 0,1 0 0,-1 0 0,0 0-1,1 0 1,0 1 0,-1-1 0,1 0 0,0 0 0,0 1-1,0-1 1,0 0 0,0 1 0,0-1 0,0 1 0,0-1-1,1 1 1,-1 0 0,1-1 0,1 0-60,-2-1 42,0 1 0,0-1 0,0 0 0,1 1-1,-1-1 1,1 1 0,0 0 0,0-1 0,0 1 0,0 0 0,0 0 0,0 0 0,0 0 0,1 1 0,-1-1 0,1 0-1,-1 1 1,1 0 0,0 0 0,0 0 0,-1 0 0,1 0 0,0 0 0,0 1 0,0-1 0,0 1 0,0 0 0,0 0-1,0 0 1,-1 0 0,1 1 0,0-1 0,0 1 0,0 0 0,0-1 0,0 1 0,-1 0 0,1 1 0,0-1 0,-1 0-1,1 1 1,-1 0 0,0-1 0,1 1 0,-1 0 0,0 0 0,0 1 0,0-1 0,0 0 0,-1 0 0,1 1 0,-1 0-1,1-1 1,-1 1 0,0-1 0,0 1 0,1 3-42,-2-1 40,-1 1 0,1 0 0,-1-1 1,-1 1-1,1 0 0,-1-1 0,0 1 0,0-1 0,0 0 0,-1 0 0,0 0 0,0 0 1,0 0-1,-1-1 0,1 1 0,-1-1 0,0 0 0,0 0 0,-1 0 0,1-1 1,-1 1-1,0-1 0,-2 1-40,4-2 20,0 0 1,0 0 0,0 0-1,0-1 1,0 1-1,-1-1 1,1 0 0,-1 0-1,1 0 1,-1 0-1,1-1 1,-1 1 0,0-1-1,1 0 1,-1 0 0,0 0-1,1-1 1,-1 1-1,1-1 1,-1 0 0,1 0-1,-1 0 1,1 0-1,-1-1 1,1 1 0,0-1-1,0 0 1,0 0 0,0 0-1,0 0 1,0-1-1,1 1 1,-1-1 0,1 0-1,0 1 1,-1-1-1,1-1-20,1-1 0,0 1 0,0-1 0,0 0 0,1 0 0,-1 0 0,1 0 0,1 1 0,-1-1 0,1 0 0,-1 0 0,1 0 0,1 1 0,-1-1 0,1 0 0,0 1 0,0-1 0,0 1 0,0 0 0,1 0 0,0 0 0,0 0 0,0 0 0,0 0 0,1 1 0,-1 0 0,1-1 0,0 1 0,0 1 0,0-1 0,0 1 0,0-1 0,1 1 0,-1 0 0,1 1 0,0-1 0,-1 1 0,1 0 0,0 0 0,0 0 0,-1 1 0,1 0 0,1 0 0,2-2 0,-1 0 0,0 0 0,0 1 0,1 1 0,-1-1 0,0 1 0,1 0 0,-1 1 0,0 0 0,1 0 0,-1 0 0,0 1 0,0 0 0,0 1 0,0-1 0,0 1 0,-1 1 0,1-1 0,-1 1 0,0 0 0,0 1 0,0-1 0,-1 1 0,1 0 0,-1 1 0,0-1 0,-1 1 0,1 0 0,-1 0 0,-1 0 0,1 1 0,1 5 0,-6-8 8,-1 1 0,1 0-1,-1 0 1,0-1-1,-1 1 1,1-1-1,-1 0 1,0 0 0,0 0-1,0 0 1,-1 0-1,1-1 1,-1 1-1,0-1 1,0 0 0,0 0-1,0 0 1,-1-1-1,1 0 1,-1 1-1,1-2 1,-1 1 0,0 0-1,0-1 1,0 0-1,0 0 1,0-1-1,0 1 1,0-1 0,0 0-1,-2 0-7,-1 1 5,1-1 0,-1 1 0,0-1-1,1 0 1,-1-1 0,1 0 0,-1 0 0,1 0-1,-1-1 1,1 0 0,0-1 0,-1 0 0,1 0-1,1 0 1,-1-1 0,0 0 0,1 0 0,0-1 0,0 0-1,0 0 1,1 0 0,0 0 0,0-1 0,0 0-1,0 0 1,1-1 0,0 1 0,1-1 0,-1 0 0,1 0-1,-2-7-4,5 11 0,0 1 0,0-1 0,1 0 0,-1 0 0,1 0 0,-1 1 0,1-1 0,0 0 0,0 1 0,0-1 0,1 0 0,-1 1 0,1 0 0,-1-1 0,1 1 0,0 0 0,0 0 0,0 0 0,0 0 0,0 0 0,0 0 0,0 0 0,1 1 0,-1-1 0,1 1 0,-1 0 0,1 0 0,-1 0 0,1 0 0,0 0 0,0 0 0,-1 1 0,1-1 0,0 1 0,0 0 0,0 0 0,1 0 0,107 13 0,-109-12 1,1 1-1,0 0 0,0-1 1,-1 1-1,1 0 1,-1 0-1,0 1 0,1-1 1,-1 0-1,0 1 0,0-1 1,-1 1-1,1 0 0,0-1 1,-1 1-1,0 0 0,0 0 1,0 0-1,0 0 1,0 0-1,0 1 0,-1-1 1,1 0-1,-1 0 0,0 0 1,0 0-1,0 1 0,-1-1 1,1 0-1,-1 0 0,0 0 1,0 0-1,0 0 0,0 0 1,0 0-1,0 0 1,-1 0-1,0 0 0,1-1 1,-1 1-1,0-1 0,0 1 1,-1-1-1,1 0 0,0 0 1,-1 0-1,1 0 0,-1 0 1,0 0-1,0-1 1,1 1-1,-1-1 0,0 0 1,0 0-1,0 0 0,0 0 1,-1-1-1,1 1 0,0-1 1,-1 0-1,-4 3 14,0-1-1,0 0 1,0 0 0,-1-1 0,1-1 0,-1 1-1,1-1 1,-1 0 0,1-1 0,-1 0 0,1-1-1,0 0 1,0 0 0,-1 0 0,2-1 0,-1 0-1,-2-2-13,-1-32-4394,16 16-6187</inkml:trace>
+</inkml:ink>
+</file>
+
+<file path=ppt/ink/ink55.xml><?xml version="1.0" encoding="utf-8"?>
+<inkml:ink xmlns:inkml="http://www.w3.org/2003/InkML">
+  <inkml:definitions>
+    <inkml:context xml:id="ctx0">
+      <inkml:inkSource xml:id="inkSrc0">
+        <inkml:traceFormat>
+          <inkml:channel name="X" type="integer" min="-2.14748E9" max="2.14748E9" units="cm"/>
+          <inkml:channel name="Y" type="integer" min="-2.14748E9" max="2.14748E9" units="cm"/>
+          <inkml:channel name="F" type="integer" max="32767" units="dev"/>
+        </inkml:traceFormat>
+        <inkml:channelProperties>
+          <inkml:channelProperty channel="X" name="resolution" value="1000" units="1/cm"/>
+          <inkml:channelProperty channel="Y" name="resolution" value="1000" units="1/cm"/>
+          <inkml:channelProperty channel="F" name="resolution" value="0" units="1/dev"/>
+        </inkml:channelProperties>
+      </inkml:inkSource>
+      <inkml:timestamp xml:id="ts0" timeString="2019-05-27T17:54:53.582"/>
+    </inkml:context>
+    <inkml:brush xml:id="br0">
+      <inkml:brushProperty name="width" value="0.1" units="cm"/>
+      <inkml:brushProperty name="height" value="0.2" units="cm"/>
+      <inkml:brushProperty name="color" value="#FF2500"/>
+      <inkml:brushProperty name="tip" value="rectangle"/>
+      <inkml:brushProperty name="rasterOp" value="maskPen"/>
+    </inkml:brush>
+  </inkml:definitions>
+  <inkml:trace contextRef="#ctx0" brushRef="#br0">73 158 5760,'40'0'1301,"-49"-28"3392,9 24-4578,1-1 0,0 1 0,0 0 0,0-1 1,1 1-1,-1 0 0,1 0 0,0 0 0,0 0 0,0 0 0,1 1 0,0-1 0,-1 0 0,1 1 0,0 0 0,0 0 0,1 0 0,-1 0 0,1 0 0,0 1 0,-1 0 0,1-1 0,0 2 0,0-1 0,0 0 0,1 1 1,-1-1-1,2 1-115,86-25 1408,-90 29-1362,0-1 1,0 1-1,0-1 1,-1 1 0,1 0-1,-1 0 1,0 0 0,0 0-1,0 0 1,0 0 0,0 0-1,-1 0 1,1 0 0,-1 0-1,0 0 1,0 0 0,0 1-1,0-1 1,-1 0 0,1 0-1,-1 0 1,0 0 0,0 0-1,0 0 1,0 0 0,0 0-1,-1 0 1,1-1 0,-1 1-1,0 0 1,0-1 0,-1 1-47,-2 7 57,-1 0 0,-1 0 1,0-1-1,0 0 0,-1 0 1,0-1-1,0 0 0,-1 0 1,0-1-1,0 0 0,-1-1 1,-7 4-58,13-8 13,-1 0 0,1 0 1,-1 0-1,0 0 0,1-1 1,-1 0-1,0 0 0,0 0 1,0-1-1,1 0 0,-1 1 1,0-2-1,0 1 0,0-1 1,0 1-1,0-1 0,1 0 1,-1-1-1,0 1 0,1-1 1,-1 0-1,1 0 0,0-1 1,0 1-1,0-1 0,0 0 1,0 0-1,0 0 0,1-1 1,-3-2-14,4 4 2,-1-1 0,1 0 0,0 0 0,0 1 0,0-1 0,0 0 0,1-1 0,-1 1 0,1 0 0,-1 0 0,1-1 0,1 1 0,-1-1 0,0 1 0,1-1 0,-1 1 0,1-1 0,0 1 0,0-1 1,1 1-1,-1-1 0,1 1 0,0 0 0,-1-1 0,2 1 0,-1-1 0,0 1 0,1 0 0,-1 0 0,1 0 0,0 0 0,0 0 0,0 0 0,2-2-2,3-3 3,0 1 1,1 0-1,-1 0 1,1 1-1,1 0 0,-1 0 1,1 1-1,0 0 1,0 1-1,0-1 0,6 0-3,-8 3 0,1 0 0,-1 0 0,1 1 0,-1 0 0,1 0 0,-1 1 0,1 0 0,-1 0 0,1 0 0,-1 1 0,1 1 0,-1-1 0,0 1 0,0 0 0,1 1 0,-2 0 0,1 0 0,0 1 0,0-1 0,-1 1 0,0 1 0,0-1 0,0 1 0,0 0 0,-1 0 0,0 1 0,0 0 0,-1 0 0,1 0 0,-1 0 0,0 1 0,1 3 0,-6-7 7,1 1 0,-1 0 0,0 0 0,0 0 0,0 0 0,-1-1 0,1 1 0,-1 0 0,0-1 0,0 0 0,0 1 0,0-1 0,-1 0-1,1 0 1,-1 0 0,0 0 0,0-1 0,0 1 0,0-1 0,0 0 0,0 1 0,-1-1 0,1-1 0,-1 1 0,0-1 0,1 1 0,-1-1 0,0 0-1,0 0 1,0-1 0,0 1 0,0-1 0,1 0 0,-1 0 0,0 0 0,0 0 0,0-1 0,0 0 0,0 0 0,-1 0-7,-6 1 26,-1-1 0,1-1 1,-1 0-1,1-1 0,0 0 0,-1 0 1,1-1-1,1-1 0,-1 0 0,1 0 1,0-1-1,0 0 0,-8-7-26,17 12 1,-1 0-1,1-1 1,-1 1-1,1 0 1,0-1-1,0 1 1,0-1 0,0 1-1,0-1 1,0 1-1,0-1 1,0 0-1,1 1 1,-1-1 0,0 0-1,1 0 1,0 1-1,-1-1 1,1 0-1,0 0 1,0 0 0,0 0-1,0 1 1,0-1-1,1 0 1,-1 0-1,0 0 1,1 1-1,-1-1 1,1 0 0,0 0-1,0 1 1,-1-1-1,1 1 1,0-1-1,1 1 1,-1-1 0,0 1-1,0-1 1,0 1-1,1 0 1,-1 0-1,1 0 1,-1 0 0,1 0-1,-1 0 1,2 0-1,82-33-6,-79 32 6,0 1 0,0-1 0,0 1 0,1 0 0,-1 1 0,0-1 0,1 1 0,-1 0 0,0 1 0,0 0 0,1 0 0,-1 0 0,0 0 0,0 1 0,0 0 0,0 1 0,-1-1 0,1 1 0,0 0 0,-1 1 0,0-1 0,3 3 0,-7-4-295,-1-1 0,0 0 0,0 1 0,0-1-1,1 0 1,-1 0 0,0 1 0,-1-1 0,1 0 0,0 1-1,0-1 1,0 0 0,-1 1 0,1-1 0,-1 0-1,1 0 1,-1 0 0,1 1 0,-1-1 0,0 0 0,0 0-1,1 0 1,-1 0 0,0 0 0,0 0 0,0 0-1,0-1 1,0 1 0,0 0 0,-1 0 0,1-1-1,0 1 1,0-1 0,0 1 0,-1-1 0,1 1 0,0-1-1,0 0 1,-1 0 0,1 0 0,0 1 0,-1-1-1,1 0 296,-11 1-3434</inkml:trace>
+</inkml:ink>
+</file>
+
+<file path=ppt/ink/ink56.xml><?xml version="1.0" encoding="utf-8"?>
+<inkml:ink xmlns:inkml="http://www.w3.org/2003/InkML">
+  <inkml:definitions>
+    <inkml:context xml:id="ctx0">
+      <inkml:inkSource xml:id="inkSrc0">
+        <inkml:traceFormat>
+          <inkml:channel name="X" type="integer" min="-2.14748E9" max="2.14748E9" units="cm"/>
+          <inkml:channel name="Y" type="integer" min="-2.14748E9" max="2.14748E9" units="cm"/>
+          <inkml:channel name="F" type="integer" max="32767" units="dev"/>
+        </inkml:traceFormat>
+        <inkml:channelProperties>
+          <inkml:channelProperty channel="X" name="resolution" value="1000" units="1/cm"/>
+          <inkml:channelProperty channel="Y" name="resolution" value="1000" units="1/cm"/>
+          <inkml:channelProperty channel="F" name="resolution" value="0" units="1/dev"/>
+        </inkml:channelProperties>
+      </inkml:inkSource>
+      <inkml:timestamp xml:id="ts0" timeString="2019-05-27T17:54:54.773"/>
+    </inkml:context>
+    <inkml:brush xml:id="br0">
+      <inkml:brushProperty name="width" value="0.1" units="cm"/>
+      <inkml:brushProperty name="height" value="0.2" units="cm"/>
+      <inkml:brushProperty name="color" value="#FF2500"/>
+      <inkml:brushProperty name="tip" value="rectangle"/>
+      <inkml:brushProperty name="rasterOp" value="maskPen"/>
+    </inkml:brush>
+  </inkml:definitions>
+  <inkml:trace contextRef="#ctx0" brushRef="#br0">192 237 11008,'22'-12'1280,"-51"-12"533,26 21-1765,-1 0 1,1 0 0,0 0-1,0 0 1,0-1-1,0 0 1,0 1-1,1-1 1,0 0 0,0 0-1,0 0 1,0 0-1,0-1 1,1 1-1,0 0 1,0-1 0,0 1-1,1-1 1,-1 1-1,1-1 1,0 1-1,0-1 1,1 1-1,-1-1 1,1 1 0,0-1-1,0 1 1,1 0-1,-1-1 1,1 1-1,0 0 1,0 0 0,0 0-1,1 0 1,0 1-1,-1-1 1,1 1-1,0-1 1,1 1 0,-1 0-1,0 0 1,1 0-1,0 1 1,0-1-1,-1 1 1,2 0 0,2-1-49,0 3 27,-1 1 0,1 0 0,0 1 0,-1-1 0,1 1 0,-1 1 1,1-1-1,-1 1 0,0 0 0,0 0 0,0 1 0,-1 0 0,1 0 1,-1 0-1,0 1 0,0 0 0,0 0 0,-1 0 0,0 0 1,0 1-1,0-1 0,-1 1 0,1 0 0,-1 0 0,-1 1 0,1-1 1,-1 0-1,0 1 0,-1 0 0,0-1 0,0 1 0,0 0 1,-1 4-29,1-5 39,-1 0 0,0 0 0,0 0 0,-1 0 0,1 0 0,-1-1 0,-1 1 0,1 0 0,-1-1 0,0 1 0,0-1 0,-1 1-1,1-1 1,-1 0 0,-1 0 0,1 0 0,0-1 0,-1 1 0,0-1 0,0 0 0,-1 0 0,1 0 0,-1-1 0,0 1 0,0-1 0,0 0-1,0 0 1,0-1 0,-1 0 0,1 0 0,-1 0 0,1 0 0,-1-1 0,0 0 0,0 0 0,-5-1-38,-2-1 23,0 0 1,1-1 0,-1-1 0,1 0-1,0-1 1,-1 0 0,2-1-1,-1 0 1,1-1 0,-1 0-1,2-1 1,-1 0 0,1-1 0,0 0-1,1 0 1,-1-1 0,2-1-1,-2-1-23,8 8 0,0 0 0,1 0 0,-1-1 0,1 1 0,0 0 0,-1-1 0,2 1 0,-1-1 0,0 1 0,1-1 0,-1 0 0,1 1 0,0-1 0,0 0 0,1 1 0,-1-1 0,1 1 0,0-1 0,-1 1 0,2-1 0,-1 1 0,0-1 0,1 1 0,-1 0 0,1 0 0,0 0 0,0 0 0,0 0 0,1 0 0,-1 0 0,1 1 0,-1-1 0,1 1 0,0 0 0,0 0 0,1 0 0,5-6 0,1 2 0,0 0 0,0 0 0,0 0 0,1 2 0,-1-1 0,1 1 0,1 1 0,-1 0 0,0 0 0,1 1 0,-1 1 2,0 0-1,0 1 0,-1 0 1,1 0-1,0 2 0,0-1 1,-1 1-1,1 0 0,-1 1 1,0 1-1,0-1 0,0 2 1,0-1-1,-1 1 0,1 1 1,1 2-2,-8-5 18,-1 1 1,0 0-1,0 0 1,0 0-1,-1 0 1,0 1-1,0-1 1,0 0-1,0 0 1,0 1-1,-1-1 1,0 1-1,0-1 1,0 0-1,0 1 1,-1-1-1,0 0 1,0 1-1,0-1 1,0 0-1,-1 0 0,0 0 1,1 0-1,-2 0 1,1 0-1,0 0 1,-1-1-1,1 1 1,-1-1-1,0 0 1,0 0-1,-1 0 1,1 0-1,0 0 1,-1-1-1,0 1 1,0-1-1,0 0 1,0 0-1,0-1 1,0 1-1,0-1 1,0 0-1,0 0 1,-4 0-19,0 1 20,0-1 1,0 0-1,0 0 1,0-1 0,0 0-1,0-1 1,0 0-1,0 0 1,0 0-1,0-1 1,0 0 0,1-1-1,-1 0 1,1 0-1,0-1 1,-1 0-1,2 0 1,-1 0 0,0-1-1,1 0 1,0 0-1,0-1 1,0 0-1,1 0 1,0 0 0,0 0-1,1-1 1,-1-2-21,5 3 13,1-1 0,0 1 0,0 0 1,0-1-1,1 1 0,0 0 0,1 0 1,-1 0-1,1 0 0,0 0 0,1 1 1,-1-1-1,1 1 0,0 0 0,0 0 1,1 0-1,0 1 0,0-1 0,0 1 1,0 0-1,0 1 0,1-1 0,0 1 1,-1 0-1,1 1 0,0-1 0,1 1 0,-1 0 1,1 0-14,66-10 110,-71 12-109,-1 0-1,0 0 0,1 0 1,-1 0-1,0 0 0,1 0 1,-1 1-1,0-1 0,0 0 1,1 1-1,-1-1 1,0 1-1,0 0 0,0-1 1,0 1-1,1 0 0,-1 0 1,0-1-1,0 1 0,-1 0 1,1 0-1,0 0 0,0 0 1,0 1-1,-1-1 0,1 0 1,0 0-1,-1 0 0,1 0 1,-1 1-1,0-1 0,1 0 1,-1 1-1,0-1 0,0 0 1,1 0-1,-1 1 0,0-1 1,-1 0-1,1 1 0,0-1 1,0 0-1,0 1 0,-1-1 1,1 0-1,-1 0 0,1 1 1,-1-1-1,1 0 0,-1 0 1,0 0-1,-5 12 18,-1-1-1,0-1 1,0 1 0,-1-1 0,-1 0 0,0-1 0,0 0 0,-1-1 0,-1 0 0,-9 7-18,-32 22-3529,52-40-2102,8-13 1044,19-6-1130,5 0 6293</inkml:trace>
+</inkml:ink>
+</file>
+
+<file path=ppt/ink/ink57.xml><?xml version="1.0" encoding="utf-8"?>
+<inkml:ink xmlns:inkml="http://www.w3.org/2003/InkML">
+  <inkml:definitions>
+    <inkml:context xml:id="ctx0">
+      <inkml:inkSource xml:id="inkSrc0">
+        <inkml:traceFormat>
+          <inkml:channel name="X" type="integer" min="-2.14748E9" max="2.14748E9" units="cm"/>
+          <inkml:channel name="Y" type="integer" min="-2.14748E9" max="2.14748E9" units="cm"/>
+        </inkml:traceFormat>
+        <inkml:channelProperties>
+          <inkml:channelProperty channel="X" name="resolution" value="1000" units="1/cm"/>
+          <inkml:channelProperty channel="Y" name="resolution" value="1000" units="1/cm"/>
+        </inkml:channelProperties>
+      </inkml:inkSource>
+      <inkml:timestamp xml:id="ts0" timeString="2019-05-28T05:57:59.855"/>
+    </inkml:context>
+    <inkml:brush xml:id="br0">
+      <inkml:brushProperty name="width" value="0.1" units="cm"/>
+      <inkml:brushProperty name="height" value="0.2" units="cm"/>
+      <inkml:brushProperty name="color" value="#FFFC00"/>
+      <inkml:brushProperty name="tip" value="rectangle"/>
+      <inkml:brushProperty name="rasterOp" value="maskPen"/>
+      <inkml:brushProperty name="ignorePressure" value="1"/>
+    </inkml:brush>
+  </inkml:definitions>
+  <inkml:trace contextRef="#ctx0" brushRef="#br0">1 0,'0'13,"0"505,0-509,0-1,0 3,0 92,0 190,0-276,0-2,0-4,0 0,0 0,0-18,0 4</inkml:trace>
+</inkml:ink>
+</file>
+
+<file path=ppt/ink/ink58.xml><?xml version="1.0" encoding="utf-8"?>
+<inkml:ink xmlns:inkml="http://www.w3.org/2003/InkML">
+  <inkml:definitions>
+    <inkml:context xml:id="ctx0">
+      <inkml:inkSource xml:id="inkSrc0">
+        <inkml:traceFormat>
+          <inkml:channel name="X" type="integer" min="-2.14748E9" max="2.14748E9" units="cm"/>
+          <inkml:channel name="Y" type="integer" min="-2.14748E9" max="2.14748E9" units="cm"/>
+        </inkml:traceFormat>
+        <inkml:channelProperties>
+          <inkml:channelProperty channel="X" name="resolution" value="1000" units="1/cm"/>
+          <inkml:channelProperty channel="Y" name="resolution" value="1000" units="1/cm"/>
+        </inkml:channelProperties>
+      </inkml:inkSource>
+      <inkml:timestamp xml:id="ts0" timeString="2019-05-28T05:58:10.935"/>
+    </inkml:context>
+    <inkml:brush xml:id="br0">
+      <inkml:brushProperty name="width" value="0.1" units="cm"/>
+      <inkml:brushProperty name="height" value="0.2" units="cm"/>
+      <inkml:brushProperty name="color" value="#FFFC00"/>
+      <inkml:brushProperty name="tip" value="rectangle"/>
+      <inkml:brushProperty name="rasterOp" value="maskPen"/>
+      <inkml:brushProperty name="ignorePressure" value="1"/>
+    </inkml:brush>
+  </inkml:definitions>
+  <inkml:trace contextRef="#ctx0" brushRef="#br0">0 1066,'13190'-1035,"-13165"1033,5 0,2-1,-5 1,1 0,-1 0,3-1,4 1,3-1,-9 1,-6 0,0 0,3 0,0 0</inkml:trace>
+</inkml:ink>
+</file>
+
+<file path=ppt/ink/ink59.xml><?xml version="1.0" encoding="utf-8"?>
+<inkml:ink xmlns:inkml="http://www.w3.org/2003/InkML">
+  <inkml:definitions>
+    <inkml:context xml:id="ctx0">
+      <inkml:inkSource xml:id="inkSrc0">
+        <inkml:traceFormat>
+          <inkml:channel name="X" type="integer" min="-2.14748E9" max="2.14748E9" units="cm"/>
+          <inkml:channel name="Y" type="integer" min="-2.14748E9" max="2.14748E9" units="cm"/>
+          <inkml:channel name="F" type="integer" max="32767" units="dev"/>
+        </inkml:traceFormat>
+        <inkml:channelProperties>
+          <inkml:channelProperty channel="X" name="resolution" value="1000" units="1/cm"/>
+          <inkml:channelProperty channel="Y" name="resolution" value="1000" units="1/cm"/>
+          <inkml:channelProperty channel="F" name="resolution" value="0" units="1/dev"/>
+        </inkml:channelProperties>
+      </inkml:inkSource>
+      <inkml:timestamp xml:id="ts0" timeString="2019-05-28T05:58:22.282"/>
+    </inkml:context>
+    <inkml:brush xml:id="br0">
+      <inkml:brushProperty name="width" value="0.1" units="cm"/>
+      <inkml:brushProperty name="height" value="0.2" units="cm"/>
+      <inkml:brushProperty name="color" value="#FFFC00"/>
+      <inkml:brushProperty name="tip" value="rectangle"/>
+      <inkml:brushProperty name="rasterOp" value="maskPen"/>
+    </inkml:brush>
+  </inkml:definitions>
+  <inkml:trace contextRef="#ctx0" brushRef="#br0">254 76 2304,'-4'14'384,"3"-11"85,1-3 363,11 1 1685,-9 3-2395,-1 0-1,0 0 0,0 0 0,0 0 0,0 0 0,-1 0 0,1 0 0,-1 0 0,0 0 0,-1 0 0,1 0 0,0 0 0,-1 0 0,0 0 0,0 0 0,0 0 1,-1 0-1,1-1 0,-1 1 0,0 0 0,0-1 0,0 1 0,-1-1 0,1 0 0,-1 0 0,0 0 0,1 0 0,-1 0 0,-1-1 0,1 1 0,0-1 0,-1 0 1,1 0-1,-1 0 0,1 0 0,-1-1 0,0 1 0,0-1 0,0 0 0,-3 0-121,5-1 13,0 0-1,0 0 1,0 0 0,0-1-1,0 1 1,0-1 0,0 1-1,1-1 1,-1 0 0,0 0 0,0 0-1,1 0 1,-1 0 0,0 0-1,1 0 1,-1 0 0,1-1-1,0 1 1,-1-1 0,1 1-1,0-1 1,0 1 0,0-1-1,0 0 1,0 0 0,0 1-1,1-1 1,-1 0 0,1 0 0,-1 0-1,1 0 1,-1 0 0,1 0-1,0 0 1,0 0 0,0 1-1,0-2-12,0-2 20,-1 1 0,1-1 1,-1 1-1,1-1 0,1 0 0,-1 1 0,1-1 0,-1 1 0,1 0 0,1-1 0,-1 1 0,1 0 0,-1-1 0,1 1 0,0 0 1,1 0-1,0-1-20,-1 2 25,0 0-1,0 0 1,0 1 0,0-1 0,1 0 0,-1 1 0,1-1 0,-1 1 0,1 0 0,0 0-1,0 0 1,0 0 0,0 1 0,1-1 0,-1 1 0,0 0 0,1 0 0,-1 0-1,1 0 1,-1 1 0,1-1 0,-1 1 0,1 0 0,-1 0 0,1 0 0,-1 0 0,1 1-1,-1-1 1,1 1 0,-1 0 0,1 0 0,-1 0 0,0 1 0,0-1 0,0 1 0,1 0-1,-1 0 1,-1 0 0,1 0 0,0 0 0,-1 1 0,1 0-25,-2 2 51,0 1 1,0 0-1,-1-1 0,0 1 1,0 0-1,-1-1 0,0 1 1,0 0-1,0-1 0,0 1 1,-1-1-1,0 1 0,0-1 1,-1 0-1,1 0 0,-1 0 1,0 0-1,0 0 0,-1-1 1,0 1-1,1-1 0,-2 0 1,1 0-1,0-1 0,-1 1 1,1-1-1,-1 0 0,0 0 1,0 0-1,0-1 0,-1 0 1,0 1-52,-7 2 83,0 0-1,1-1 1,-1-1 0,-1 0 0,1-1 0,0 0 0,-1-1 0,1 0 0,-12-2-83,24 2 1,0-1-1,1 0 1,-1 0-1,0 0 0,0 0 1,0 0-1,0-1 1,1 1-1,-1 0 1,0 0-1,0-1 1,0 1-1,1 0 1,-1-1-1,0 1 1,1 0-1,-1-1 0,0 1 1,1-1-1,-1 0 1,0 1-1,1-1 1,-1 1-1,1-1 1,-1 0-1,1 1 1,-1-1-1,1 0 0,0 0 1,-1 1-1,1-1 1,0 0-1,0 0 1,-1 0-1,1 1 1,0-1-1,0 0 1,0 0-1,0 0 1,0 1-1,0-1 0,0 0 1,0 0-1,1 0 1,-1 0-1,0 1 1,0-1-1,1 0 1,-1 0-1,0 1 1,1-1-1,-1 0 0,1 0 1,-1 1-1,1-1 1,-1 1-1,1-1 1,0 0-1,36-36-5,-33 34 5,41-42 55,-41 39-39,1 0 0,-1 0-1,1 0 1,0 1-1,1 0 1,-1 0 0,1 0-1,0 1 1,1-1 0,-1 1-1,1 1 1,-1-1-1,1 1 1,0 1 0,0-1-1,1 1 1,-1 0 0,0 1-1,1 0 1,-1 0 0,6 0-16,-11 1 23,1 0 1,-1 1-1,0-1 1,0 1 0,1-1-1,-1 1 1,0 0 0,0 0-1,0 0 1,0 0-1,0 0 1,0 0 0,0 0-1,0 1 1,-1-1 0,1 1-1,0-1 1,-1 1 0,1 0-1,-1-1 1,0 1-1,1 0 1,-1 0 0,0 0-1,0 0 1,0 0 0,-1 1-1,1-1 1,0 0 0,-1 0-1,1 0 1,-1 1-1,0-1 1,0 0 0,0 0-1,0 1 1,0-1 0,0 0-1,-1 1 1,0 0-24,0 3 48,0-1 1,0 0 0,-1 1-1,0-1 1,0 0-1,-1 0 1,1 0-1,-1 0 1,0-1-1,0 1 1,-1-1-1,1 0 1,-1 0 0,0 0-1,0 0 1,0-1-1,-1 1-48,3-3 7,-3 4 23,-1-1 0,0 0 1,0 0-1,0 0 0,-1-1 0,1 0 0,-1 0 0,0-1 0,0 0 1,0 0-1,0 0 0,0-1 0,0 0 0,0 0 0,0-1 0,0 0 1,-1 0-1,1-1 0,0 0 0,0 0 0,-1-1-30,1-1 10,-2 0 1,-1 0 1,1-1 0,0 0-1,0 0 1,0-1 0,1 0-1,-1-1 1,1 0 0,1 0-1,-1-1 1,1 0-1,0-1-11,6 6 0,0-1 0,0 0 0,0 1 0,0-1 0,1 0 0,0 1 0,-1-1 0,1 0 0,0 0 0,0 0 0,1 1 0,-1-1 0,1 0 0,-1 1 0,1-1 0,0 0 0,0 1 0,0-1 0,0 1 0,0-1 0,1 1 0,-1-1 0,1 1 0,-1 0 0,1 0 0,0 0 0,0 0 0,0 0 0,0 0 0,2 0 0,73-53 0,-67 49 0,-7 3-2,0 0-1,0 0 0,1 0 0,0 1 1,-1-1-1,1 1 0,0 0 1,0 0-1,0 0 0,0 1 0,1-1 1,-1 1-1,0 0 0,1 0 0,-1 0 1,1 1-1,-1 0 0,1 0 0,-1 0 1,1 0-1,-1 1 0,0-1 1,1 1-1,-1 1 0,0-1 0,1 0 1,-1 1-1,0 0 0,0 0 0,0 0 1,-1 0-1,1 1 0,0 0 0,-1-1 1,1 1-1,-1 1 0,0-1 1,0 0-1,1 3 3,-2-1 27,-1 0 0,0 1 0,0-1 0,-1 0 0,1 1 0,-1-1 0,0 1 0,-1-1 0,1 0 0,-1 1 0,0-1 0,-1 0 0,1 0 1,-1 0-1,0 0 0,0 0 0,0 0 0,-1 0 0,0-1 0,0 1 0,0-1 0,0 0 0,-1 1 0,0-2 0,0 1 0,0 0 0,0-1 0,0 0 0,-1 0 0,1 0 1,-1-1-1,0 1 0,0-1 0,0 0 0,0 0 0,0-1 0,-1 0 0,1 0 0,0 0 0,-1 0 0,-3-1-27,7 0 3,-75-2 153,76 2-154,-1 0 1,1 0 0,-1 0-1,1-1 1,-1 1-1,1 0 1,-1-1-1,1 1 1,0-1 0,-1 0-1,1 1 1,0-1-1,-1 0 1,1 0 0,0 0-1,0 0 1,0 0-1,0 0 1,0 0-1,0 0 1,0-1 0,0 1-1,0 0 1,1 0-1,-1-1 1,0 1-1,1-1 1,-1 1 0,1-1-1,0 1 1,-1 0-1,1-1 1,0 1-1,0-1 1,0 0 0,0 1-1,0-1 1,0 1-1,0-1 1,1 1 0,-1 0-1,0-1 1,1 1-1,0-1 1,-1 1-1,1-1-2,5-13 0,-4 7 0,0 0 0,0 1 0,1-1 0,0 1 0,0 0 0,1 0 0,-1 0 0,2 1 0,-1-1 0,1 1 0,0 0 0,0 0 0,1 0 0,-1 1 0,1 0 0,1 0 0,-1 1 0,1-1 0,2 0 0,-6 5 0,0 0 0,0 0 0,0 0 0,1 0 0,-1 1 0,0-1 0,0 1 0,0 0 0,0 0 0,0 0 0,0 0 0,0 0 0,0 1 0,0-1 0,-1 1 0,1 0 0,0 0 0,-1 0 0,0 0 0,1 0 0,-1 1 0,0-1 0,0 1 0,0-1 0,-1 1 0,1 0 0,-1 0 0,1 0 0,-1-1 0,0 1 0,0 1 0,0-1 0,0 0 0,-1 0 0,1 3 0,-2 0 11,-1 0-1,0 0 1,0 0-1,0 0 0,0-1 1,-1 1-1,0-1 0,0 1 1,-1-1-1,1 0 1,-1 0-1,0 0 0,-1-1 1,1 0-1,-1 1 0,0-2 1,0 1-1,0 0 1,0-1-1,-1 0 0,1 0 1,-1-1-1,0 1 0,0-1 1,0-1-1,0 1 1,0-1-1,0 0 0,0 0 1,-1-1-1,1 0 1,0 0-1,0 0 0,-1-1 1,1 0-1,0 0 0,-4-2-10,9 3-4,-1-1-1,1 0 1,-1 0-1,1 0 0,-1 0 1,1 0-1,0 0 1,0 0-1,0 0 0,0 0 1,0-1-1,0 1 1,0 0-1,0-1 0,0 1 1,0-1-1,1 1 1,-1-1-1,1 1 0,-1-1 1,1 0-1,-1 1 1,1-1-1,0 0 0,0 1 1,0-1-1,0 0 1,0 1-1,0-1 0,0 1 1,1-1-1,-1 0 1,1 1-1,-1-1 0,1 1 1,-1-1-1,1 1 1,0-1-1,0 1 0,0-1 1,0 1-1,0 0 1,0 0-1,0-1 0,0 1 1,1 0-1,-1 0 1,0 0-1,1 0 0,-1 0 1,1 0 4,58-34-3843,10 17-6671,-37 13 8082</inkml:trace>
 </inkml:ink>
 </file>
 
@@ -1783,25 +1786,24 @@
         <inkml:traceFormat>
           <inkml:channel name="X" type="integer" min="-2.14748E9" max="2.14748E9" units="cm"/>
           <inkml:channel name="Y" type="integer" min="-2.14748E9" max="2.14748E9" units="cm"/>
-          <inkml:channel name="F" type="integer" max="32767" units="dev"/>
         </inkml:traceFormat>
         <inkml:channelProperties>
           <inkml:channelProperty channel="X" name="resolution" value="1000" units="1/cm"/>
           <inkml:channelProperty channel="Y" name="resolution" value="1000" units="1/cm"/>
-          <inkml:channelProperty channel="F" name="resolution" value="0" units="1/dev"/>
         </inkml:channelProperties>
       </inkml:inkSource>
-      <inkml:timestamp xml:id="ts0" timeString="2019-05-27T17:54:49.902"/>
+      <inkml:timestamp xml:id="ts0" timeString="2019-05-28T06:00:01.126"/>
     </inkml:context>
     <inkml:brush xml:id="br0">
       <inkml:brushProperty name="width" value="0.1" units="cm"/>
       <inkml:brushProperty name="height" value="0.2" units="cm"/>
-      <inkml:brushProperty name="color" value="#FF2500"/>
+      <inkml:brushProperty name="color" value="#00F900"/>
       <inkml:brushProperty name="tip" value="rectangle"/>
       <inkml:brushProperty name="rasterOp" value="maskPen"/>
+      <inkml:brushProperty name="ignorePressure" value="1"/>
     </inkml:brush>
   </inkml:definitions>
-  <inkml:trace contextRef="#ctx0" brushRef="#br0">69 197 6272,'68'-71'4010,"-65"69"-3930,0 0 0,0 0 0,1 0-1,-1 0 1,0 1 0,1-1 0,-1 1-1,1 0 1,-1 0 0,1 1 0,0-1 0,-1 1-1,1-1 1,0 1 0,0 0 0,-1 0-1,1 1 1,0-1 0,-1 1 0,1 0-1,-1 0 1,1 0 0,-1 1 0,1-1 0,-1 1-1,0-1 1,1 1 0,-1 0 0,0 1-1,0-1 1,-1 0 0,1 1 0,0-1-1,-1 1 1,0 0 0,1 0 0,-1 0-1,0 0 1,-1 1 0,1-1 0,0 0 0,-1 1-1,0-1 1,0 1 0,0-1 0,0 1-80,-1 3 78,0-1 0,0 0 0,0 1 0,-1-1 1,0 0-1,0 1 0,-1-1 0,0 0 1,0 0-1,0 0 0,-1 0 0,0-1 0,0 1 1,0-1-1,-1 1 0,0-1 0,0 0 1,0 0-1,0-1 0,-1 1 0,0-1 0,0 0 1,0-1-1,0 1 0,-1-1 0,0 0 1,1 0-1,-1 0 0,0-1 0,0 0 0,0 0 1,-1-1-1,1 0 0,0 0 0,-1 0 1,1-1-80,-1-4 15,1 0-1,0 0 0,0-1 0,1 0 1,-1 0-1,1 0 0,0-1 0,0 1 1,1-1-1,0 0 0,0-1 0,0 1 1,1-1-1,0 0 0,0 0 0,0 0 1,1 0-1,0 0 0,1 0 0,-1-1 1,2 1-1,-1 0 0,1-1 0,0 1 1,0-1-1,1 1 0,0-1 0,0 1 1,1-1-15,-2 2 2,0 0 0,1 0-1,-1 0 1,1 0-1,0 0 1,1 0 0,-1 1-1,1-1 1,0 0-1,1 1 1,0 0-1,-1-1 1,1 1 0,1 0-1,-1 0 1,1 1-1,0-1 1,0 1-1,1 0 1,-1 0 0,1 0-1,0 0 1,0 1-1,0 0 1,0 0-1,0 0 1,1 1 0,-1 0-1,1 0 1,0 0-1,0 0 1,0 1-1,0 0 1,-1 1 0,1-1-1,0 1 1,3 0-1,-4 1 31,0 0 0,0 0 1,0 1-1,0-1 0,0 1 1,0 0-1,0 1 0,-1-1 0,1 1 1,-1 0-1,0 0 0,0 0 1,0 0-1,0 1 0,0 0 0,-1 0 1,0 0-1,0 0 0,0 0 1,0 1-1,0-1 0,-1 1 0,0 0 1,0-1-1,0 1 0,-1 0 1,0 0-1,0 0 0,0 1 0,0-1 1,-1 0-1,0 0 0,0 0 1,0 1-1,-1-1 0,1 0 0,-1 0 1,-1 0-1,1 0 0,-1 0 1,1 0-1,-2 0 0,1-1 0,0 1 1,-1-1-1,0 1 0,0-1 1,0 0-1,-1 0 0,1 0 1,-1-1-1,0 1 0,0-1 0,0 0 1,0 0-1,-1 0 0,1-1 1,-1 1-1,0-1 0,-3 1-31,1 0 15,-1-1 0,1 1 0,-1-1 0,0-1 0,0 0 0,0 0 0,0 0 0,0-1 0,0 0 0,0-1 0,0 1 0,0-2 0,0 1 0,0-1 0,0 0 0,1-1 0,-1 0 0,1 0 0,-1 0 0,1-1 0,0 0 0,1-1 0,-1 0 0,1 0 0,0 0 0,0 0 0,-1-3-15,5 5 0,0 0 0,1 0 0,0 0 0,0 0 0,0 0 0,0 0 0,0 0 0,1 0 0,-1-1 0,1 1 0,0 0 0,0 0 0,0 0 0,1-1 0,-1 1 0,1 0 0,-1 0 0,1 0 0,0 0 0,0 0 0,1 0 0,-1 0 0,1 0 0,-1 0 0,1 0 0,0 1 0,0-1 0,0 1 0,0-1 0,0 1 0,1 0 0,-1 0 0,1 0 0,1-1 0,100-48 0,-96 49 8,-1 1-1,0-1 0,1 1 0,-1 0 0,1 1 0,0 0 0,-1 0 0,1 0 0,-1 1 1,1 0-1,-1 1 0,1 0 0,-1 0 0,0 0 0,0 1 0,0 0 0,0 0 0,1 2-7,-7-1 21,-1-1 0,0 1-1,0 0 1,0-1 0,0 1-1,-1 0 1,1-1 0,-1 1-1,0 0 1,0-1-1,0 1 1,0-1 0,-1 1-1,0-1 1,1 0 0,-1 0-1,0 0 1,-1 0 0,1 0-1,0 0 1,-1 0 0,0-1-1,0 1 1,1-1 0,-1 0-1,-1 0 1,1 0-1,0 0 1,0-1 0,-1 1-1,-1 0-20,-3 3 35,0 1-1,-1-1 0,0-1 1,0 1-1,0-2 1,0 1-1,-1-1 0,1 0 1,-1-1-1,0 0 0,0-1 1,0 0-1,1-1 1,-1 0-1,0 0 0,0-1 1,0 0-1,-3-1-34,12 1-13,1 1 0,-1-1-1,0 1 1,0-1 0,0 1 0,0-1 0,1 0 0,-1 1-1,0-1 1,0 0 0,1 0 0,-1 1 0,1-1-1,-1 0 1,0 0 0,1 0 0,0 0 0,-1 0-1,1 0 1,0 0 0,-1 0 0,1 0 0,0 0-1,0 0 1,0 0 0,0 0 0,0 0 0,0 0-1,0 0 1,0 0 0,0 0 0,0 0 0,1 0 0,-1 0-1,0 1 1,1-1 0,-1 0 0,1 0 0,-1 0-1,1 0 1,-1 0 0,1 0 0,-1 1 0,1-1-1,0 0 1,0 0 0,-1 1 0,2-1 13,37-39-4060,-8 14-6841</inkml:trace>
+  <inkml:trace contextRef="#ctx0" brushRef="#br0">1 3225,'0'-3183,"0"3142</inkml:trace>
 </inkml:ink>
 </file>
 
@@ -1821,17 +1823,17 @@
           <inkml:channelProperty channel="F" name="resolution" value="0" units="1/dev"/>
         </inkml:channelProperties>
       </inkml:inkSource>
-      <inkml:timestamp xml:id="ts0" timeString="2019-05-27T17:54:50.911"/>
+      <inkml:timestamp xml:id="ts0" timeString="2019-05-28T06:00:07.284"/>
     </inkml:context>
     <inkml:brush xml:id="br0">
       <inkml:brushProperty name="width" value="0.1" units="cm"/>
       <inkml:brushProperty name="height" value="0.2" units="cm"/>
-      <inkml:brushProperty name="color" value="#FF2500"/>
+      <inkml:brushProperty name="color" value="#00F900"/>
       <inkml:brushProperty name="tip" value="rectangle"/>
       <inkml:brushProperty name="rasterOp" value="maskPen"/>
     </inkml:brush>
   </inkml:definitions>
-  <inkml:trace contextRef="#ctx0" brushRef="#br0">127 163 5120,'-14'-21'3720,"10"19"-3523,1 0-1,-1-1 1,1 0 0,-1 1-1,1-2 1,0 1-1,0 0 1,1 0 0,-1-1-1,0 0 1,1 1-1,0-1 1,0 0 0,0 0-1,1 0 1,-1 0-1,1-1 1,0 1-1,0 0 1,0-1 0,1 1-1,-1 0 1,1-1-1,0 1 1,1-1 0,-1 1-197,4 1 65,0 0 1,0 1 0,0 0 0,0-1 0,0 1 0,0 1 0,0-1-1,1 1 1,-1-1 0,1 1 0,-1 1 0,1-1 0,0 1 0,-1-1-1,1 1 1,0 0 0,-1 1 0,1-1 0,-1 1 0,1 0-1,-1 0 1,1 1 0,2 0-66,3 1 94,0 1 1,-1 0-1,1 1 0,-1 0 0,1 0 1,-2 1-1,1 0 0,0 0 0,-1 1 1,-1 0-1,1 1 0,4 5-94,-9-10 60,0 1 0,0 0 1,0 0-1,0 0 0,-1 0 0,1 1 0,-1-1 1,0 1-1,-1-1 0,1 1 0,-1 0 0,0-1 0,0 1 1,0 0-1,-1 0 0,1 0 0,-1 0 0,0 0 1,-1 0-1,1-1 0,-1 1 0,0 0 0,0 0 0,-1 0 1,1-1-1,-1 1 0,0-1 0,-1 2-60,-3 1 36,0-1 0,0 0 0,-1-1-1,0 0 1,0 0 0,0 0 0,-1-1 0,1 1 0,-1-2-1,0 1 1,0-1 0,0-1 0,-1 0 0,1 0 0,-1 0 0,1-1-1,-1 0 1,1-1 0,-1 0 0,0 0 0,1-1 0,-1 0-1,1 0 1,-1-1 0,-1-1-36,4 1-1,0 0 0,1 0 0,-1-1 0,1 0 0,-1 0 0,1 0 0,0-1 0,0 0-1,0 0 1,1 0 0,-1 0 0,1-1 0,0 0 0,0 0 0,1 0 0,0 0 0,-1 0 0,2-1 0,-1 1 0,1-1 0,0 0 0,0 0 0,0 0-1,1 0 1,0 0 0,0 0 0,0 0 0,1-1 0,0 1 0,0 0 0,1 0 0,0 0 0,0 0 0,0 0 0,2-4 1,-2 4-2,0 1 0,0-1 0,0 0 0,1 1 1,0 0-1,0-1 0,0 1 0,1 0 0,0 0 1,0 0-1,0 0 0,1 1 0,-1-1 0,1 1 0,0 0 1,0 0-1,1 1 0,-1-1 0,1 1 0,0 0 0,0 0 1,0 0-1,0 1 0,0-1 0,0 1 0,1 1 0,-1-1 1,1 1-1,-1 0 0,1 0 0,0 0 0,0 1 1,-1 0-1,1 0 0,0 1 0,-1-1 0,1 1 0,2 1 2,-4-1 0,1-1 0,-1 1 0,1 0 0,0 1 0,-1-1 0,0 1 0,1 0 0,-1 0 0,0 0 0,0 1 0,0-1 0,-1 1 0,1 0 0,0 0 0,-1 0 0,0 1 0,0-1 0,0 1 0,0 0 0,-1 0 0,1 0 0,-1 0 0,0 0 0,0 0 0,0 1 0,-1-1 0,0 0 0,1 1 0,-2 0 0,1-1 0,0 1 0,-1 0 0,0-1 0,0 1 0,0 0 0,-1-1 0,0 1 0,0-1 0,0 1 0,0-1 0,-1 1 0,1-1 0,-1 0 0,0 1 0,-1-1 0,1 0 0,-1 0 0,1-1 0,-3 3 0,1-2 9,0 0-1,0 0 0,-1 0 0,1-1 0,-1 1 0,0-1 0,0 0 0,0-1 0,0 1 0,0-1 0,0 0 1,-1-1-1,1 1 0,-1-1 0,1 0 0,-1 0 0,0-1 0,1 1 0,-1-1 0,0-1 0,1 1 0,-1-1 1,0 0-1,1 0 0,-1-1 0,1 1 0,0-1 0,-1 0 0,0-2-8,3 3-25,1-1 0,0 0 1,0 0-1,0 0 0,0 0 0,0-1 0,0 1 1,1 0-1,-1-1 0,1 1 0,0-1 0,-1 0 1,1 1-1,1-1 0,-1 0 0,0 0 0,0 1 1,1-1-1,0 0 0,0 0 0,0 0 0,0 0 1,0 0-1,0 0 0,1 1 0,-1-1 0,1 0 1,0 0-1,0 0 0,0 1 0,0-1 0,0 0 25,31-52-7078,-12 34-4</inkml:trace>
+  <inkml:trace contextRef="#ctx0" brushRef="#br0">199 163 3712,'0'0'87,"-1"0"0,1 0 0,-1 1 1,1-1-1,-1 0 0,1 0 0,-1 0 0,1 1 0,-1-1 1,1 0-1,-1 0 0,1 0 0,-1 0 0,1 0 0,-1 0 1,1 0-1,-1 0 0,1 0 0,-1-1 0,1 1 0,-1 0 1,1 0-1,-1 0 0,1 0 0,0-1 0,-1 1 0,1 0 1,-1-1-1,1 1 0,-1 0 0,1-1 0,0 1 1,-1 0-1,1-1 0,0 1 0,0-1 0,-1 1 0,1 0 1,0-1-1,0 1 0,-1-1 0,1 1 0,0-1 0,0 1 1,0-1-1,0 1 0,0-1 0,0 1 0,0-1 0,0 1 1,0-1-1,0 1 0,0-1 0,0 1 0,0-1 0,0 1 1,0-1-1,1 1 0,-1-1 0,0 1 0,0-1 0,0 1 1,1 0-1,-1-1 0,1 1-87,-9 0 51,4 1 64,1 0 1,-1-1-1,0 1 0,0-1 1,0 0-1,0-1 1,0 1-1,0 0 0,0-1 1,0 0-1,0 0 0,0 0 1,0-1-1,1 1 0,-1-1 1,0 0-1,1 0 0,0 0 1,-1-1-1,1 1 0,0-1 1,0 1-1,0-1 1,1 0-1,-1 0 0,1 0 1,-2-3-116,4 3 26,0 0 0,0-1 1,0 1-1,0-1 0,1 1 1,-1-1-1,1 1 0,0 0 1,0-1-1,0 1 0,0 0 1,1 0-1,0 0 1,-1 0-1,1 0 0,0 0 1,0 0-1,0 0 0,1 1 1,-1-1-1,1 1 0,-1 0 1,1 0-1,0 0 0,0 0 1,0 0-1,0 1 0,0-1 1,0 1-1,0 0 1,1-1-1,-1 2 0,0-1 1,4 0-27,-4-1 67,1 0 1,0 0 0,0 1 0,0-1-1,0 1 1,0 0 0,0 0-1,0 1 1,0-1 0,0 1 0,0 0-1,1 0 1,-1 0 0,0 1 0,0-1-1,0 1 1,0 0 0,0 0-1,0 0 1,0 1 0,0 0 0,0-1-1,-1 1 1,1 1 0,-1-1 0,1 0-1,-1 1 1,0 0 0,0 0 0,0 0-1,0 0 1,0 0 0,-1 0-1,0 1 1,1-1 0,-1 1 0,-1 0-1,1 0 1,0 0 0,-1 0-68,-3 2 105,0 0 0,0 0 0,-1 0 0,0-1 1,0 1-1,-1-1 0,1 1 0,-1-1 0,0 0 0,-1-1 0,1 1 1,-1-1-1,0 0 0,0 0 0,0 0 0,-1 0 0,1-1 0,-1 0 0,0 0 1,0-1-1,0 0 0,0 0 0,0 0 0,0-1 0,-1 0 0,1 0 1,0 0-1,-2-1-105,-123-1 362,130 1-363,0 0-1,1 0 0,-1-1 0,0 1 0,0-1 1,0 1-1,1 0 0,-1-1 0,0 1 0,1-1 0,-1 0 1,0 1-1,1-1 0,-1 0 0,1 1 0,-1-1 1,1 0-1,-1 1 0,1-1 0,-1 0 0,1 0 1,0 0-1,0 0 0,-1 1 0,1-1 0,0 0 1,0 0-1,0 0 0,0 0 0,0 0 0,0 1 0,0-1 1,0 0-1,0 0 0,0 0 0,0 0 0,1 0 1,-1 1-1,0-1 0,1 0 0,-1 0 0,1 0 1,-1 1-1,1-1 0,-1 0 0,1 1 0,-1-1 1,1 0-1,-1 1 0,1-1 0,0 1 0,0-1 0,0 0 2,34-39-160,-27 35 134,0 0-1,1 0 0,-1 1 0,1-1 1,0 2-1,0 0 0,0 0 0,0 0 1,1 1-1,-1 1 0,1-1 1,-1 1-1,1 1 0,0 0 0,1 1 27,-7-1 1,0 0 0,0 0 0,0 0 0,-1 1 0,1-1 0,0 1 0,0 0 0,-1 0 0,1 1 0,0-1 0,-1 1 0,0 0 0,1 0 0,-1 0 0,0 0 0,0 0 0,0 1 0,0 0 1,0-1-1,-1 1 0,1 0 0,-1 0 0,0 0 0,0 1 0,0-1 0,0 0 0,0 1 0,-1 0 0,0-1 0,0 1 0,0 0 0,0-1 0,0 1 0,-1 0 0,1 0 0,-1 0 0,0 0 0,-1 2-1,1-2 10,0-1 1,-1 0-1,1 1 1,-1-1-1,0 0 1,0 0-1,0 1 1,0-1-1,-1 0 1,1 0 0,-1 0-1,0 0 1,0-1-1,0 1 1,0 0-1,0-1 1,-1 0-1,1 1 1,-1-1-1,1 0 1,-1 0-1,0 0 1,0-1-1,0 1 1,0-1-1,0 1 1,0-1-1,0 0 1,-1 0-1,1-1 1,0 1-1,-1 0 1,1-1 0,0 0-1,-1 0 1,1 0-1,-3-1-10,0 1 18,0 0 0,0-1 0,0 0 0,0 0-1,0-1 1,0 1 0,1-1 0,-1-1 0,0 1 0,1-1 0,0 0-1,0 0 1,0 0 0,0-1 0,0 0 0,1 0 0,-1 0 0,1 0 0,0-1-1,-3-3-17,5 3-8,0 0 0,0 0 0,1 0 0,0 0 0,-1 0-1,2 0 1,-1-1 0,1 1 0,-1 0 0,1 0 0,1 0-1,-1-1 1,1 1 0,0 0 0,0 0 0,0 0 0,1 0-1,0 0 1,0 0 0,0 1 0,1-1 0,-1 0 0,1 1-1,0 0 1,0 0 0,1 0 0,-1 0 0,1 0-1,0 1 1,0-1 0,0 1 0,0 0 0,1 0 0,-1 1-1,1 0 1,0-1 0,-1 1 0,1 1 0,0-1 0,0 1-1,1 0 1,-1 0 0,0 0 0,0 1 0,0 0 0,1 0-1,3 0 9,9 8-2134,-11 14-5950,-8-21 1983,1-1 5909</inkml:trace>
 </inkml:ink>
 </file>
 
@@ -1851,17 +1853,17 @@
           <inkml:channelProperty channel="F" name="resolution" value="0" units="1/dev"/>
         </inkml:channelProperties>
       </inkml:inkSource>
-      <inkml:timestamp xml:id="ts0" timeString="2019-05-27T17:54:52.457"/>
+      <inkml:timestamp xml:id="ts0" timeString="2019-05-28T06:00:05.900"/>
     </inkml:context>
     <inkml:brush xml:id="br0">
       <inkml:brushProperty name="width" value="0.1" units="cm"/>
       <inkml:brushProperty name="height" value="0.2" units="cm"/>
-      <inkml:brushProperty name="color" value="#FF2500"/>
+      <inkml:brushProperty name="color" value="#00F900"/>
       <inkml:brushProperty name="tip" value="rectangle"/>
       <inkml:brushProperty name="rasterOp" value="maskPen"/>
     </inkml:brush>
   </inkml:definitions>
-  <inkml:trace contextRef="#ctx0" brushRef="#br0">56 129 7168,'9'0'100,"18"-3"2858,-48 2-256,19 0-2643,1-1 1,-1 1 0,1 0 0,0-1 0,0 1 0,0-1-1,0 0 1,0 1 0,0-1 0,0 0 0,0 1 0,1-1-1,-1 0 1,0 0 0,1 0 0,0 0 0,-1 0 0,1 0-1,0 1 1,0-1 0,0 0 0,0 0 0,1 0 0,-1 0 0,0 0-1,1 0 1,0 1 0,-1-1 0,1 0 0,0 0 0,0 1-1,0-1 1,0 0 0,0 1 0,0-1 0,0 1 0,0-1-1,1 1 1,-1 0 0,1-1 0,1 0-60,-2-1 42,0 1 0,0-1 0,0 0 0,1 1-1,-1-1 1,1 1 0,0 0 0,0-1 0,0 1 0,0 0 0,0 0 0,0 0 0,0 0 0,1 1 0,-1-1 0,1 0-1,-1 1 1,1 0 0,0 0 0,0 0 0,-1 0 0,1 0 0,0 0 0,0 1 0,0-1 0,0 1 0,0 0 0,0 0-1,0 0 1,-1 0 0,1 1 0,0-1 0,0 1 0,0 0 0,0-1 0,0 1 0,-1 0 0,1 1 0,0-1 0,-1 0-1,1 1 1,-1 0 0,0-1 0,1 1 0,-1 0 0,0 0 0,0 1 0,0-1 0,0 0 0,-1 0 0,1 1 0,-1 0-1,1-1 1,-1 1 0,0-1 0,0 1 0,1 3-42,-2-1 40,-1 1 0,1 0 0,-1-1 1,-1 1-1,1 0 0,-1-1 0,0 1 0,0-1 0,0 0 0,-1 0 0,0 0 0,0 0 1,0 0-1,-1-1 0,1 1 0,-1-1 0,0 0 0,0 0 0,-1 0 0,1-1 1,-1 1-1,0-1 0,-2 1-40,4-2 20,0 0 1,0 0 0,0 0-1,0-1 1,0 1-1,-1-1 1,1 0 0,-1 0-1,1 0 1,-1 0-1,1-1 1,-1 1 0,0-1-1,1 0 1,-1 0 0,0 0-1,1-1 1,-1 1-1,1-1 1,-1 0 0,1 0-1,-1 0 1,1 0-1,-1-1 1,1 1 0,0-1-1,0 0 1,0 0 0,0 0-1,0 0 1,0-1-1,1 1 1,-1-1 0,1 0-1,0 1 1,-1-1-1,1-1-20,1-1 0,0 1 0,0-1 0,0 0 0,1 0 0,-1 0 0,1 0 0,1 1 0,-1-1 0,1 0 0,-1 0 0,1 0 0,1 1 0,-1-1 0,1 0 0,0 1 0,0-1 0,0 1 0,0 0 0,1 0 0,0 0 0,0 0 0,0 0 0,0 0 0,1 1 0,-1 0 0,1-1 0,0 1 0,0 1 0,0-1 0,0 1 0,0-1 0,1 1 0,-1 0 0,1 1 0,0-1 0,-1 1 0,1 0 0,0 0 0,0 0 0,-1 1 0,1 0 0,1 0 0,2-2 0,-1 0 0,0 0 0,0 1 0,1 1 0,-1-1 0,0 1 0,1 0 0,-1 1 0,0 0 0,1 0 0,-1 0 0,0 1 0,0 0 0,0 1 0,0-1 0,0 1 0,-1 1 0,1-1 0,-1 1 0,0 0 0,0 1 0,0-1 0,-1 1 0,1 0 0,-1 1 0,0-1 0,-1 1 0,1 0 0,-1 0 0,-1 0 0,1 1 0,1 5 0,-6-8 8,-1 1 0,1 0-1,-1 0 1,0-1-1,-1 1 1,1-1-1,-1 0 1,0 0 0,0 0-1,0 0 1,-1 0-1,1-1 1,-1 1-1,0-1 1,0 0 0,0 0-1,0 0 1,-1-1-1,1 0 1,-1 1-1,1-2 1,-1 1 0,0 0-1,0-1 1,0 0-1,0 0 1,0-1-1,0 1 1,0-1 0,0 0-1,-2 0-7,-1 1 5,1-1 0,-1 1 0,0-1-1,1 0 1,-1-1 0,1 0 0,-1 0 0,1 0-1,-1-1 1,1 0 0,0-1 0,-1 0 0,1 0-1,1 0 1,-1-1 0,0 0 0,1 0 0,0-1 0,0 0-1,0 0 1,1 0 0,0 0 0,0-1 0,0 0-1,0 0 1,1-1 0,0 1 0,1-1 0,-1 0 0,1 0-1,-2-7-4,5 11 0,0 1 0,0-1 0,1 0 0,-1 0 0,1 0 0,-1 1 0,1-1 0,0 0 0,0 1 0,0-1 0,1 0 0,-1 1 0,1 0 0,-1-1 0,1 1 0,0 0 0,0 0 0,0 0 0,0 0 0,0 0 0,0 0 0,0 0 0,1 1 0,-1-1 0,1 1 0,-1 0 0,1 0 0,-1 0 0,1 0 0,0 0 0,0 0 0,-1 1 0,1-1 0,0 1 0,0 0 0,0 0 0,1 0 0,107 13 0,-109-12 1,1 1-1,0 0 0,0-1 1,-1 1-1,1 0 1,-1 0-1,0 1 0,1-1 1,-1 0-1,0 1 0,0-1 1,-1 1-1,1 0 0,0-1 1,-1 1-1,0 0 0,0 0 1,0 0-1,0 0 1,0 0-1,0 1 0,-1-1 1,1 0-1,-1 0 0,0 0 1,0 0-1,0 1 0,-1-1 1,1 0-1,-1 0 0,0 0 1,0 0-1,0 0 0,0 0 1,0 0-1,0 0 1,-1 0-1,0 0 0,1-1 1,-1 1-1,0-1 0,0 1 1,-1-1-1,1 0 0,0 0 1,-1 0-1,1 0 0,-1 0 1,0 0-1,0-1 1,1 1-1,-1-1 0,0 0 1,0 0-1,0 0 0,0 0 1,-1-1-1,1 1 0,0-1 1,-1 0-1,-4 3 14,0-1-1,0 0 1,0 0 0,-1-1 0,1-1 0,-1 1-1,1-1 1,-1 0 0,1-1 0,-1 0 0,1-1-1,0 0 1,0 0 0,-1 0 0,2-1 0,-1 0-1,-2-2-13,-1-32-4394,16 16-6187</inkml:trace>
+  <inkml:trace contextRef="#ctx0" brushRef="#br0">21 93 4480,'0'0'56,"0"-1"0,0 1 0,1 0 0,-1-1 0,0 1 0,1 0 0,-1 0 0,0-1 0,1 1 1,-1 0-1,0 0 0,1-1 0,-1 1 0,1 0 0,-1 0 0,0 0 0,1 0 0,-1 0 0,1 0 0,-1 0 0,0 0 0,1 0 0,-1 0 0,1 0 1,-1 0-1,1 0 0,-1 0 0,0 0 0,1 0 0,-1 0 0,1 0 0,-1 0 0,0 1 0,1-1 0,-1 0 0,0 0 0,1 0 0,-1 1 1,0-1-1,1 0 0,-1 1 0,0-1 0,1 0 0,-1 1 0,0-1 0,0 0 0,1 1 0,-1-1 0,0 0 0,0 1 0,0-1 0,0 1 0,1-1-56,16-28 1893,-15 25-1790,1 1 1,0-1-1,0 1 1,0 0-1,0 0 1,0 0 0,1 1-1,-1-1 1,1 1-1,-1 0 1,1 0-1,-1 0 1,1 0-1,0 1 1,-1-1-1,1 1 1,0 0-1,-1 0 1,1 1 0,0-1-1,-1 1 1,1-1-1,-1 1 1,1 0-1,0 1 1,-1-1-1,0 0 1,1 1-1,-1 0 1,0 0 0,0 0-1,0 0 1,0 0-1,0 1 1,-1-1-1,1 1 1,-1 0-1,1 0 1,-1 0-1,0 0 1,1 2-104,-2-2 39,0-1 0,0 0 0,0 1 0,0-1 0,-1 1 0,1-1 0,-1 1 1,0 0-1,1-1 0,-1 1 0,0-1 0,0 1 0,-1-1 0,1 1 0,-1 0 0,1-1 0,-1 1 0,0-1 0,0 0 1,0 1-1,0-1 0,0 0 0,0 1 0,-1-1 0,1 0 0,-1 0 0,0 0 0,1 0 0,-1 0 0,0-1 0,0 1 1,0 0-1,0-1 0,-1 0 0,1 1 0,0-1 0,-1 0 0,1 0 0,0 0 0,-1-1 0,1 1-39,-3 1 10,0 0-1,0-1 1,0 0-1,0 0 1,0 0-1,0 0 1,0-1-1,-1 0 1,1 0-1,0 0 1,0-1-1,0 0 1,0 1-1,0-2 0,0 1 1,0-1-1,0 0 1,0 0-1,1 0 1,-5-3-10,6 3 2,0 0 0,0 0 0,0 0-1,1-1 1,-1 0 0,0 1 0,1-1 0,0 0 0,0 0 0,0 0 0,0 0 0,0-1 0,0 1 0,1 0-1,0-1 1,0 1 0,0-1 0,0 1 0,0-1 0,1 0 0,-1 1 0,1-1 0,0 0 0,0 1-1,0-1 1,1 0 0,-1 1 0,1-1 0,0 0 0,0 1 0,0-1 0,1 1 0,-1 0 0,1-1 0,0 1-1,0 0 1,0 0 0,0 0 0,1 0 0,-1 0 0,1 1 0,-1-1 0,1 1 0,0 0 0,0-1-1,0 1 1,0 1 0,1-1 0,-1 0 0,0 1 0,1 0 0,-1-1 0,1 1 0,0 1 0,-1-1 0,1 0-2,0 0 16,-1 0 0,1-1 0,0 1 1,0 1-1,0-1 0,-1 0 1,1 1-1,0 0 0,0 0 0,0 0 1,0 0-1,0 1 0,0 0 1,0-1-1,-1 1 0,1 1 0,0-1 1,0 0-1,-1 1 0,1 0 1,-1 0-1,0 0 0,1 0 1,-1 1-1,0-1 0,0 1 0,-1 0 1,1-1-1,0 1 0,-1 1 1,0-1-1,0 0 0,0 1 0,0-1 1,0 1-1,-1-1 0,1 1 1,-1 0-1,0-1 0,0 1 0,-1 0 1,1 0-1,-1 0 0,0 0 1,0 0-1,0 0 0,0 0 0,-1 0 1,1-1-1,-1 1 0,0 0 1,0 0-1,-1 0 0,1-1 1,-2 3-17,0-1 52,-1 1 0,0-1 0,0 1 0,-1-1 0,1-1 0,-1 1 1,0 0-1,0-1 0,-1 0 0,1-1 0,-1 1 0,0-1 0,0 0 1,0 0-1,0-1 0,0 0 0,-1 0 0,1 0 0,-1-1 0,1 0 1,-1 0-1,0 0 0,1-1 0,-1 0 0,0-1 0,1 0 0,-2 0-52,6 1 0,1 0 0,-1 0 0,1-1 0,0 1 0,-1-1 0,1 1 0,-1-1 0,1 0 0,0 1 0,-1-1 0,1 0 0,0 0 0,0 0 0,0 0 0,0 0 0,0 0 0,0 0 0,0 0 0,0 0 0,0-1 0,0 1 0,1 0 0,-1 0 0,0-1 0,1 1 0,-1-1 0,1 1 0,0 0 0,-1-1 0,1 1 0,0-1 0,0 1 0,0-1 0,0 1 0,0-1 0,0 1 0,0-1 0,1 1 0,-1-1 0,0 1 0,1-1 0,-1 1 0,1 0 0,0-1 0,-1 1 0,1 0 0,0 0 0,0-1 0,50-53 0,-49 53 8,0 1 0,1-1 0,0 1 0,-1-1 0,1 1 0,0 0 0,-1 0 0,1 0 0,0 1 0,0-1 0,0 0 0,0 1 0,0 0 0,0 0 0,0 0 0,0 0 0,0 0 0,-1 1 0,1-1 0,0 1 0,0 0 0,0 0 0,0 0 0,-1 0 0,1 0 0,0 1 0,-1-1 0,1 1 0,-1-1 0,0 1 0,1 0 0,-1 0 0,0 0 0,0 1 0,0-1 0,-1 0 0,1 1 0,0-1 0,-1 1 0,0-1 0,0 1 0,1 0 0,-1 0 0,-1-1 0,1 1 0,0 0 0,-1 0 0,1 2-8,-11 31-1664,9-35-1599,1-1-5377</inkml:trace>
 </inkml:ink>
 </file>
 
@@ -1873,55 +1875,24 @@
         <inkml:traceFormat>
           <inkml:channel name="X" type="integer" min="-2.14748E9" max="2.14748E9" units="cm"/>
           <inkml:channel name="Y" type="integer" min="-2.14748E9" max="2.14748E9" units="cm"/>
-          <inkml:channel name="F" type="integer" max="32767" units="dev"/>
         </inkml:traceFormat>
         <inkml:channelProperties>
           <inkml:channelProperty channel="X" name="resolution" value="1000" units="1/cm"/>
           <inkml:channelProperty channel="Y" name="resolution" value="1000" units="1/cm"/>
-          <inkml:channelProperty channel="F" name="resolution" value="0" units="1/dev"/>
         </inkml:channelProperties>
       </inkml:inkSource>
-      <inkml:timestamp xml:id="ts0" timeString="2019-05-27T17:54:53.582"/>
+      <inkml:timestamp xml:id="ts0" timeString="2019-05-28T06:00:36.109"/>
     </inkml:context>
     <inkml:brush xml:id="br0">
       <inkml:brushProperty name="width" value="0.1" units="cm"/>
       <inkml:brushProperty name="height" value="0.2" units="cm"/>
-      <inkml:brushProperty name="color" value="#FF2500"/>
+      <inkml:brushProperty name="color" value="#00F900"/>
       <inkml:brushProperty name="tip" value="rectangle"/>
       <inkml:brushProperty name="rasterOp" value="maskPen"/>
+      <inkml:brushProperty name="ignorePressure" value="1"/>
     </inkml:brush>
   </inkml:definitions>
-  <inkml:trace contextRef="#ctx0" brushRef="#br0">73 158 5760,'40'0'1301,"-49"-28"3392,9 24-4578,1-1 0,0 1 0,0 0 0,0-1 1,1 1-1,-1 0 0,1 0 0,0 0 0,0 0 0,0 0 0,1 1 0,0-1 0,-1 0 0,1 1 0,0 0 0,0 0 0,1 0 0,-1 0 0,1 0 0,0 1 0,-1 0 0,1-1 0,0 2 0,0-1 0,0 0 0,1 1 1,-1-1-1,2 1-115,86-25 1408,-90 29-1362,0-1 1,0 1-1,0-1 1,-1 1 0,1 0-1,-1 0 1,0 0 0,0 0-1,0 0 1,0 0 0,0 0-1,-1 0 1,1 0 0,-1 0-1,0 0 1,0 0 0,0 1-1,0-1 1,-1 0 0,1 0-1,-1 0 1,0 0 0,0 0-1,0 0 1,0 0 0,0 0-1,-1 0 1,1-1 0,-1 1-1,0 0 1,0-1 0,-1 1-47,-2 7 57,-1 0 0,-1 0 1,0-1-1,0 0 0,-1 0 1,0-1-1,0 0 0,-1 0 1,0-1-1,0 0 0,-1-1 1,-7 4-58,13-8 13,-1 0 0,1 0 1,-1 0-1,0 0 0,1-1 1,-1 0-1,0 0 0,0 0 1,0-1-1,1 0 0,-1 1 1,0-2-1,0 1 0,0-1 1,0 1-1,0-1 0,1 0 1,-1-1-1,0 1 0,1-1 1,-1 0-1,1 0 0,0-1 1,0 1-1,0-1 0,0 0 1,0 0-1,0 0 0,1-1 1,-3-2-14,4 4 2,-1-1 0,1 0 0,0 0 0,0 1 0,0-1 0,0 0 0,1-1 0,-1 1 0,1 0 0,-1 0 0,1-1 0,1 1 0,-1-1 0,0 1 0,1-1 0,-1 1 0,1-1 0,0 1 0,0-1 1,1 1-1,-1-1 0,1 1 0,0 0 0,-1-1 0,2 1 0,-1-1 0,0 1 0,1 0 0,-1 0 0,1 0 0,0 0 0,0 0 0,0 0 0,2-2-2,3-3 3,0 1 1,1 0-1,-1 0 1,1 1-1,1 0 0,-1 0 1,1 1-1,0 0 1,0 1-1,0-1 0,6 0-3,-8 3 0,1 0 0,-1 0 0,1 1 0,-1 0 0,1 0 0,-1 1 0,1 0 0,-1 0 0,1 0 0,-1 1 0,1 1 0,-1-1 0,0 1 0,0 0 0,1 1 0,-2 0 0,1 0 0,0 1 0,0-1 0,-1 1 0,0 1 0,0-1 0,0 1 0,0 0 0,-1 0 0,0 1 0,0 0 0,-1 0 0,1 0 0,-1 0 0,0 1 0,1 3 0,-6-7 7,1 1 0,-1 0 0,0 0 0,0 0 0,0 0 0,-1-1 0,1 1 0,-1 0 0,0-1 0,0 0 0,0 1 0,0-1 0,-1 0-1,1 0 1,-1 0 0,0 0 0,0-1 0,0 1 0,0-1 0,0 0 0,0 1 0,-1-1 0,1-1 0,-1 1 0,0-1 0,1 1 0,-1-1 0,0 0-1,0 0 1,0-1 0,0 1 0,0-1 0,1 0 0,-1 0 0,0 0 0,0 0 0,0-1 0,0 0 0,0 0 0,-1 0-7,-6 1 26,-1-1 0,1-1 1,-1 0-1,1-1 0,0 0 0,-1 0 1,1-1-1,1-1 0,-1 0 0,1 0 1,0-1-1,0 0 0,-8-7-26,17 12 1,-1 0-1,1-1 1,-1 1-1,1 0 1,0-1-1,0 1 1,0-1 0,0 1-1,0-1 1,0 1-1,0-1 1,0 0-1,1 1 1,-1-1 0,0 0-1,1 0 1,0 1-1,-1-1 1,1 0-1,0 0 1,0 0 0,0 0-1,0 1 1,0-1-1,1 0 1,-1 0-1,0 0 1,1 1-1,-1-1 1,1 0 0,0 0-1,0 1 1,-1-1-1,1 1 1,0-1-1,1 1 1,-1-1 0,0 1-1,0-1 1,0 1-1,1 0 1,-1 0-1,1 0 1,-1 0 0,1 0-1,-1 0 1,2 0-1,82-33-6,-79 32 6,0 1 0,0-1 0,0 1 0,1 0 0,-1 1 0,0-1 0,1 1 0,-1 0 0,0 1 0,0 0 0,1 0 0,-1 0 0,0 0 0,0 1 0,0 0 0,0 1 0,-1-1 0,1 1 0,0 0 0,-1 1 0,0-1 0,3 3 0,-7-4-295,-1-1 0,0 0 0,0 1 0,0-1-1,1 0 1,-1 0 0,0 1 0,-1-1 0,1 0 0,0 1-1,0-1 1,0 0 0,-1 1 0,1-1 0,-1 0-1,1 0 1,-1 0 0,1 1 0,-1-1 0,0 0 0,0 0-1,1 0 1,-1 0 0,0 0 0,0 0 0,0 0-1,0-1 1,0 1 0,0 0 0,-1 0 0,1-1-1,0 1 1,0-1 0,0 1 0,-1-1 0,1 1 0,0-1-1,0 0 1,-1 0 0,1 0 0,0 1 0,-1-1-1,1 0 296,-11 1-3434</inkml:trace>
-</inkml:ink>
-</file>
-
-<file path=ppt/ink/ink64.xml><?xml version="1.0" encoding="utf-8"?>
-<inkml:ink xmlns:inkml="http://www.w3.org/2003/InkML">
-  <inkml:definitions>
-    <inkml:context xml:id="ctx0">
-      <inkml:inkSource xml:id="inkSrc0">
-        <inkml:traceFormat>
-          <inkml:channel name="X" type="integer" min="-2.14748E9" max="2.14748E9" units="cm"/>
-          <inkml:channel name="Y" type="integer" min="-2.14748E9" max="2.14748E9" units="cm"/>
-          <inkml:channel name="F" type="integer" max="32767" units="dev"/>
-        </inkml:traceFormat>
-        <inkml:channelProperties>
-          <inkml:channelProperty channel="X" name="resolution" value="1000" units="1/cm"/>
-          <inkml:channelProperty channel="Y" name="resolution" value="1000" units="1/cm"/>
-          <inkml:channelProperty channel="F" name="resolution" value="0" units="1/dev"/>
-        </inkml:channelProperties>
-      </inkml:inkSource>
-      <inkml:timestamp xml:id="ts0" timeString="2019-05-27T17:54:54.773"/>
-    </inkml:context>
-    <inkml:brush xml:id="br0">
-      <inkml:brushProperty name="width" value="0.1" units="cm"/>
-      <inkml:brushProperty name="height" value="0.2" units="cm"/>
-      <inkml:brushProperty name="color" value="#FF2500"/>
-      <inkml:brushProperty name="tip" value="rectangle"/>
-      <inkml:brushProperty name="rasterOp" value="maskPen"/>
-    </inkml:brush>
-  </inkml:definitions>
-  <inkml:trace contextRef="#ctx0" brushRef="#br0">192 237 11008,'22'-12'1280,"-51"-12"533,26 21-1765,-1 0 1,1 0 0,0 0-1,0 0 1,0-1-1,0 0 1,0 1-1,1-1 1,0 0 0,0 0-1,0 0 1,0 0-1,0-1 1,1 1-1,0 0 1,0-1 0,0 1-1,1-1 1,-1 1-1,1-1 1,0 1-1,0-1 1,1 1-1,-1-1 1,1 1 0,0-1-1,0 1 1,1 0-1,-1-1 1,1 1-1,0 0 1,0 0 0,0 0-1,1 0 1,0 1-1,-1-1 1,1 1-1,0-1 1,1 1 0,-1 0-1,0 0 1,1 0-1,0 1 1,0-1-1,-1 1 1,2 0 0,2-1-49,0 3 27,-1 1 0,1 0 0,0 1 0,-1-1 0,1 1 0,-1 1 1,1-1-1,-1 1 0,0 0 0,0 0 0,0 1 0,-1 0 0,1 0 1,-1 0-1,0 1 0,0 0 0,0 0 0,-1 0 0,0 0 1,0 1-1,0-1 0,-1 1 0,1 0 0,-1 0 0,-1 1 0,1-1 1,-1 0-1,0 1 0,-1 0 0,0-1 0,0 1 0,0 0 1,-1 4-29,1-5 39,-1 0 0,0 0 0,0 0 0,-1 0 0,1 0 0,-1-1 0,-1 1 0,1 0 0,-1-1 0,0 1 0,0-1 0,-1 1-1,1-1 1,-1 0 0,-1 0 0,1 0 0,0-1 0,-1 1 0,0-1 0,0 0 0,-1 0 0,1 0 0,-1-1 0,0 1 0,0-1 0,0 0-1,0 0 1,0-1 0,-1 0 0,1 0 0,-1 0 0,1 0 0,-1-1 0,0 0 0,0 0 0,-5-1-38,-2-1 23,0 0 1,1-1 0,-1-1 0,1 0-1,0-1 1,-1 0 0,2-1-1,-1 0 1,1-1 0,-1 0-1,2-1 1,-1 0 0,1-1 0,0 0-1,1 0 1,-1-1 0,2-1-1,-2-1-23,8 8 0,0 0 0,1 0 0,-1-1 0,1 1 0,0 0 0,-1-1 0,2 1 0,-1-1 0,0 1 0,1-1 0,-1 0 0,1 1 0,0-1 0,0 0 0,1 1 0,-1-1 0,1 1 0,0-1 0,-1 1 0,2-1 0,-1 1 0,0-1 0,1 1 0,-1 0 0,1 0 0,0 0 0,0 0 0,0 0 0,1 0 0,-1 0 0,1 1 0,-1-1 0,1 1 0,0 0 0,0 0 0,1 0 0,5-6 0,1 2 0,0 0 0,0 0 0,0 0 0,1 2 0,-1-1 0,1 1 0,1 1 0,-1 0 0,0 0 0,1 1 0,-1 1 2,0 0-1,0 1 0,-1 0 1,1 0-1,0 2 0,0-1 1,-1 1-1,1 0 0,-1 1 1,0 1-1,0-1 0,0 2 1,0-1-1,-1 1 0,1 1 1,1 2-2,-8-5 18,-1 1 1,0 0-1,0 0 1,0 0-1,-1 0 1,0 1-1,0-1 1,0 0-1,0 0 1,0 1-1,-1-1 1,0 1-1,0-1 1,0 0-1,0 1 1,-1-1-1,0 0 1,0 1-1,0-1 1,0 0-1,-1 0 0,0 0 1,1 0-1,-2 0 1,1 0-1,0 0 1,-1-1-1,1 1 1,-1-1-1,0 0 1,0 0-1,-1 0 1,1 0-1,0 0 1,-1-1-1,0 1 1,0-1-1,0 0 1,0 0-1,0-1 1,0 1-1,0-1 1,0 0-1,0 0 1,-4 0-19,0 1 20,0-1 1,0 0-1,0 0 1,0-1 0,0 0-1,0-1 1,0 0-1,0 0 1,0 0-1,0-1 1,0 0 0,1-1-1,-1 0 1,1 0-1,0-1 1,-1 0-1,2 0 1,-1 0 0,0-1-1,1 0 1,0 0-1,0-1 1,0 0-1,1 0 1,0 0 0,0 0-1,1-1 1,-1-2-21,5 3 13,1-1 0,0 1 0,0 0 1,0-1-1,1 1 0,0 0 0,1 0 1,-1 0-1,1 0 0,0 0 0,1 1 1,-1-1-1,1 1 0,0 0 0,0 0 1,1 0-1,0 1 0,0-1 0,0 1 1,0 0-1,0 1 0,1-1 0,0 1 1,-1 0-1,1 1 0,0-1 0,1 1 0,-1 0 1,1 0-14,66-10 110,-71 12-109,-1 0-1,0 0 0,1 0 1,-1 0-1,0 0 0,1 0 1,-1 1-1,0-1 0,0 0 1,1 1-1,-1-1 1,0 1-1,0 0 0,0-1 1,0 1-1,1 0 0,-1 0 1,0-1-1,0 1 0,-1 0 1,1 0-1,0 0 0,0 0 1,0 1-1,-1-1 0,1 0 1,0 0-1,-1 0 0,1 0 1,-1 1-1,0-1 0,1 0 1,-1 1-1,0-1 0,0 0 1,1 0-1,-1 1 0,0-1 1,-1 0-1,1 1 0,0-1 1,0 0-1,0 1 0,-1-1 1,1 0-1,-1 0 0,1 1 1,-1-1-1,1 0 0,-1 0 1,0 0-1,-5 12 18,-1-1-1,0-1 1,0 1 0,-1-1 0,-1 0 0,0-1 0,0 0 0,-1-1 0,-1 0 0,-9 7-18,-32 22-3529,52-40-2102,8-13 1044,19-6-1130,5 0 6293</inkml:trace>
+  <inkml:trace contextRef="#ctx0" brushRef="#br0">1 1041,'5345'-1039,"-5333"1037</inkml:trace>
 </inkml:ink>
 </file>
 
@@ -1980,7 +1951,7 @@
       <inkml:brushProperty name="ignorePressure" value="1"/>
     </inkml:brush>
   </inkml:definitions>
-  <inkml:trace contextRef="#ctx0" brushRef="#br0">0 0,'5254'832,"-5243"-830,-1 0,3 0,2 0,1 1,-2-1,-3 0,0 0,3 0,82 13,105 17,-190-31</inkml:trace>
+  <inkml:trace contextRef="#ctx0" brushRef="#br0">0 0,'12788'832,"-12761"-830,-3 0,8 0,4 0,3 1,-5-1,-7 0,0 0,7 0,200 13,255 17,-462-31</inkml:trace>
 </inkml:ink>
 </file>
 
@@ -1998,7 +1969,7 @@
           <inkml:channelProperty channel="Y" name="resolution" value="1000" units="1/cm"/>
         </inkml:channelProperties>
       </inkml:inkSource>
-      <inkml:timestamp xml:id="ts0" timeString="2019-05-27T17:45:37.252"/>
+      <inkml:timestamp xml:id="ts0" timeString="2019-05-27T17:46:06.609"/>
     </inkml:context>
     <inkml:brush xml:id="br0">
       <inkml:brushProperty name="width" value="0.1" units="cm"/>
@@ -2009,7 +1980,7 @@
       <inkml:brushProperty name="ignorePressure" value="1"/>
     </inkml:brush>
   </inkml:definitions>
-  <inkml:trace contextRef="#ctx0" brushRef="#br0">5613 0,'-5272'1025,"5257"-1022,1 0,2-1,-1 1,-1-1,1 1,-167 32,166-32,4-1,-2 0,0 0,2 0,1 0,-3 0</inkml:trace>
+  <inkml:trace contextRef="#ctx0" brushRef="#br0">0 1,'4574'806,"-4562"-804,-1 0,1 0,3 1,-1 0,-2-1,-1 0,0 0,0 0,0-1,1 2,0-1,1 0,74 13,-74-12,-1-1,0 0,0 0,1 0,-1 0,111 20,-112-20,-1 0,2 0,5 1,-2-1,-3 1,0-1,0 0</inkml:trace>
 </inkml:ink>
 </file>
 
@@ -6259,13 +6230,12 @@
             </a:r>
           </a:p>
           <a:p>
-            <a:pPr marL="971550" lvl="1" indent="-514350">
-              <a:buFont typeface="+mj-lt"/>
-              <a:buAutoNum type="arabicParenR"/>
+            <a:pPr marL="457200" lvl="1" indent="0">
+              <a:buNone/>
             </a:pPr>
             <a:r>
               <a:rPr lang="de-DE" dirty="0"/>
-              <a:t>Skizze</a:t>
+              <a:t>(1) Skizze</a:t>
             </a:r>
           </a:p>
           <a:p>
@@ -6593,13 +6563,13 @@
             <p:ph idx="1"/>
             <p:extLst>
               <p:ext uri="{D42A27DB-BD31-4B8C-83A1-F6EECF244321}">
-                <p14:modId xmlns:p14="http://schemas.microsoft.com/office/powerpoint/2010/main" val="24404646"/>
+                <p14:modId xmlns:p14="http://schemas.microsoft.com/office/powerpoint/2010/main" val="314332833"/>
               </p:ext>
             </p:extLst>
           </p:nvPr>
         </p:nvGraphicFramePr>
         <p:xfrm>
-          <a:off x="806631" y="1493115"/>
+          <a:off x="806631" y="1491816"/>
           <a:ext cx="10217727" cy="4820920"/>
         </p:xfrm>
         <a:graphic>
@@ -6995,7 +6965,7 @@
                     <a:p>
                       <a:r>
                         <a:rPr lang="de-DE" dirty="0"/>
-                        <a:t>Beine</a:t>
+                        <a:t>Spinnenbeine</a:t>
                       </a:r>
                     </a:p>
                   </a:txBody>
@@ -7179,7 +7149,10 @@
                     <a:bodyPr/>
                     <a:lstStyle/>
                     <a:p>
-                      <a:endParaRPr lang="de-DE" dirty="0"/>
+                      <a:r>
+                        <a:rPr lang="de-DE" dirty="0"/>
+                        <a:t>Arduino</a:t>
+                      </a:r>
                     </a:p>
                   </a:txBody>
                   <a:tcPr/>
@@ -7258,12 +7231,9 @@
                     <a:p>
                       <a:r>
                         <a:rPr lang="de-DE" dirty="0" err="1"/>
-                        <a:t>LiPo</a:t>
+                        <a:t>Battery</a:t>
                       </a:r>
-                      <a:r>
-                        <a:rPr lang="de-DE" dirty="0"/>
-                        <a:t> 3S</a:t>
-                      </a:r>
+                      <a:endParaRPr lang="de-DE" dirty="0"/>
                     </a:p>
                   </a:txBody>
                   <a:tcPr/>
@@ -7292,9 +7262,12 @@
                       </a:pPr>
                       <a:r>
                         <a:rPr lang="de-DE" dirty="0" err="1"/>
-                        <a:t>Battery</a:t>
+                        <a:t>LiPo</a:t>
                       </a:r>
-                      <a:endParaRPr lang="de-DE" dirty="0"/>
+                      <a:r>
+                        <a:rPr lang="de-DE" dirty="0"/>
+                        <a:t> 3S</a:t>
+                      </a:r>
                     </a:p>
                   </a:txBody>
                   <a:tcPr/>
@@ -7670,7 +7643,7 @@
                     <a:p>
                       <a:r>
                         <a:rPr lang="de-DE" dirty="0"/>
-                        <a:t>Pendel</a:t>
+                        <a:t>Gyroskop</a:t>
                       </a:r>
                     </a:p>
                   </a:txBody>
@@ -7683,7 +7656,7 @@
                     <a:p>
                       <a:r>
                         <a:rPr lang="de-DE" dirty="0"/>
-                        <a:t>Gyroskop</a:t>
+                        <a:t>Pendel</a:t>
                       </a:r>
                     </a:p>
                   </a:txBody>
@@ -8352,8 +8325,8 @@
           </p:pic>
         </mc:Fallback>
       </mc:AlternateContent>
-      <mc:AlternateContent xmlns:mc="http://schemas.openxmlformats.org/markup-compatibility/2006" xmlns:p14="http://schemas.microsoft.com/office/powerpoint/2010/main">
-        <mc:Choice Requires="p14">
+      <mc:AlternateContent xmlns:mc="http://schemas.openxmlformats.org/markup-compatibility/2006">
+        <mc:Choice xmlns:p14="http://schemas.microsoft.com/office/powerpoint/2010/main" Requires="p14">
           <p:contentPart p14:bwMode="auto" r:id="rId23">
             <p14:nvContentPartPr>
               <p14:cNvPr id="6" name="Freihand 5">
@@ -8368,11 +8341,11 @@
             </p14:nvContentPartPr>
             <p14:xfrm>
               <a:off x="3147369" y="3182068"/>
-              <a:ext cx="2043720" cy="324000"/>
+              <a:ext cx="4974394" cy="324000"/>
             </p14:xfrm>
           </p:contentPart>
         </mc:Choice>
-        <mc:Fallback xmlns="">
+        <mc:Fallback>
           <p:pic>
             <p:nvPicPr>
               <p:cNvPr id="6" name="Freihand 5">
@@ -8393,8 +8366,8 @@
             </p:blipFill>
             <p:spPr>
               <a:xfrm>
-                <a:off x="3129369" y="3146068"/>
-                <a:ext cx="2079360" cy="395640"/>
+                <a:off x="3129371" y="3146068"/>
+                <a:ext cx="5010031" cy="395640"/>
               </a:xfrm>
               <a:prstGeom prst="rect">
                 <a:avLst/>
@@ -8406,108 +8379,6 @@
       <mc:AlternateContent xmlns:mc="http://schemas.openxmlformats.org/markup-compatibility/2006" xmlns:p14="http://schemas.microsoft.com/office/powerpoint/2010/main">
         <mc:Choice Requires="p14">
           <p:contentPart p14:bwMode="auto" r:id="rId25">
-            <p14:nvContentPartPr>
-              <p14:cNvPr id="10" name="Freihand 9">
-                <a:extLst>
-                  <a:ext uri="{FF2B5EF4-FFF2-40B4-BE49-F238E27FC236}">
-                    <a16:creationId xmlns:a16="http://schemas.microsoft.com/office/drawing/2014/main" id="{478C4D2A-A74D-4543-8BC8-A3D3F2DCAE34}"/>
-                  </a:ext>
-                </a:extLst>
-              </p14:cNvPr>
-              <p14:cNvContentPartPr/>
-              <p14:nvPr/>
-            </p14:nvContentPartPr>
-            <p14:xfrm>
-              <a:off x="3157809" y="3524068"/>
-              <a:ext cx="2020680" cy="393120"/>
-            </p14:xfrm>
-          </p:contentPart>
-        </mc:Choice>
-        <mc:Fallback xmlns="">
-          <p:pic>
-            <p:nvPicPr>
-              <p:cNvPr id="10" name="Freihand 9">
-                <a:extLst>
-                  <a:ext uri="{FF2B5EF4-FFF2-40B4-BE49-F238E27FC236}">
-                    <a16:creationId xmlns:a16="http://schemas.microsoft.com/office/drawing/2014/main" id="{478C4D2A-A74D-4543-8BC8-A3D3F2DCAE34}"/>
-                  </a:ext>
-                </a:extLst>
-              </p:cNvPr>
-              <p:cNvPicPr/>
-              <p:nvPr/>
-            </p:nvPicPr>
-            <p:blipFill>
-              <a:blip r:embed="rId26"/>
-              <a:stretch>
-                <a:fillRect/>
-              </a:stretch>
-            </p:blipFill>
-            <p:spPr>
-              <a:xfrm>
-                <a:off x="3140169" y="3488068"/>
-                <a:ext cx="2056320" cy="464760"/>
-              </a:xfrm>
-              <a:prstGeom prst="rect">
-                <a:avLst/>
-              </a:prstGeom>
-            </p:spPr>
-          </p:pic>
-        </mc:Fallback>
-      </mc:AlternateContent>
-      <mc:AlternateContent xmlns:mc="http://schemas.openxmlformats.org/markup-compatibility/2006" xmlns:p14="http://schemas.microsoft.com/office/powerpoint/2010/main">
-        <mc:Choice Requires="p14">
-          <p:contentPart p14:bwMode="auto" r:id="rId27">
-            <p14:nvContentPartPr>
-              <p14:cNvPr id="11" name="Freihand 10">
-                <a:extLst>
-                  <a:ext uri="{FF2B5EF4-FFF2-40B4-BE49-F238E27FC236}">
-                    <a16:creationId xmlns:a16="http://schemas.microsoft.com/office/drawing/2014/main" id="{9ED9F0CB-50CA-4439-BFA5-3DE33B9220CF}"/>
-                  </a:ext>
-                </a:extLst>
-              </p14:cNvPr>
-              <p14:cNvContentPartPr/>
-              <p14:nvPr/>
-            </p14:nvContentPartPr>
-            <p14:xfrm>
-              <a:off x="3159609" y="3908188"/>
-              <a:ext cx="360" cy="470880"/>
-            </p14:xfrm>
-          </p:contentPart>
-        </mc:Choice>
-        <mc:Fallback xmlns="">
-          <p:pic>
-            <p:nvPicPr>
-              <p:cNvPr id="11" name="Freihand 10">
-                <a:extLst>
-                  <a:ext uri="{FF2B5EF4-FFF2-40B4-BE49-F238E27FC236}">
-                    <a16:creationId xmlns:a16="http://schemas.microsoft.com/office/drawing/2014/main" id="{9ED9F0CB-50CA-4439-BFA5-3DE33B9220CF}"/>
-                  </a:ext>
-                </a:extLst>
-              </p:cNvPr>
-              <p:cNvPicPr/>
-              <p:nvPr/>
-            </p:nvPicPr>
-            <p:blipFill>
-              <a:blip r:embed="rId28"/>
-              <a:stretch>
-                <a:fillRect/>
-              </a:stretch>
-            </p:blipFill>
-            <p:spPr>
-              <a:xfrm>
-                <a:off x="3141609" y="3872548"/>
-                <a:ext cx="36000" cy="542520"/>
-              </a:xfrm>
-              <a:prstGeom prst="rect">
-                <a:avLst/>
-              </a:prstGeom>
-            </p:spPr>
-          </p:pic>
-        </mc:Fallback>
-      </mc:AlternateContent>
-      <mc:AlternateContent xmlns:mc="http://schemas.openxmlformats.org/markup-compatibility/2006" xmlns:p14="http://schemas.microsoft.com/office/powerpoint/2010/main">
-        <mc:Choice Requires="p14">
-          <p:contentPart p14:bwMode="auto" r:id="rId29">
             <p14:nvContentPartPr>
               <p14:cNvPr id="12" name="Freihand 11">
                 <a:extLst>
@@ -8607,8 +8478,8 @@
           </p:pic>
         </mc:Fallback>
       </mc:AlternateContent>
-      <mc:AlternateContent xmlns:mc="http://schemas.openxmlformats.org/markup-compatibility/2006" xmlns:p14="http://schemas.microsoft.com/office/powerpoint/2010/main">
-        <mc:Choice Requires="p14">
+      <mc:AlternateContent xmlns:mc="http://schemas.openxmlformats.org/markup-compatibility/2006">
+        <mc:Choice xmlns:p14="http://schemas.microsoft.com/office/powerpoint/2010/main" Requires="p14">
           <p:contentPart p14:bwMode="auto" r:id="rId33">
             <p14:nvContentPartPr>
               <p14:cNvPr id="14" name="Freihand 13">
@@ -8622,12 +8493,12 @@
               <p14:nvPr/>
             </p14:nvContentPartPr>
             <p14:xfrm>
-              <a:off x="5079489" y="3445948"/>
+              <a:off x="8051023" y="3447568"/>
               <a:ext cx="143640" cy="117000"/>
             </p14:xfrm>
           </p:contentPart>
         </mc:Choice>
-        <mc:Fallback xmlns="">
+        <mc:Fallback>
           <p:pic>
             <p:nvPicPr>
               <p:cNvPr id="14" name="Freihand 13">
@@ -8648,7 +8519,7 @@
             </p:blipFill>
             <p:spPr>
               <a:xfrm>
-                <a:off x="5061489" y="3410308"/>
+                <a:off x="8033023" y="3411568"/>
                 <a:ext cx="179280" cy="188640"/>
               </a:xfrm>
               <a:prstGeom prst="rect">
@@ -8661,57 +8532,6 @@
       <mc:AlternateContent xmlns:mc="http://schemas.openxmlformats.org/markup-compatibility/2006" xmlns:p14="http://schemas.microsoft.com/office/powerpoint/2010/main">
         <mc:Choice Requires="p14">
           <p:contentPart p14:bwMode="auto" r:id="rId35">
-            <p14:nvContentPartPr>
-              <p14:cNvPr id="15" name="Freihand 14">
-                <a:extLst>
-                  <a:ext uri="{FF2B5EF4-FFF2-40B4-BE49-F238E27FC236}">
-                    <a16:creationId xmlns:a16="http://schemas.microsoft.com/office/drawing/2014/main" id="{A11A544B-6FF6-4558-A211-584418E39EB1}"/>
-                  </a:ext>
-                </a:extLst>
-              </p14:cNvPr>
-              <p14:cNvContentPartPr/>
-              <p14:nvPr/>
-            </p14:nvContentPartPr>
-            <p14:xfrm>
-              <a:off x="3092289" y="3849868"/>
-              <a:ext cx="163440" cy="106920"/>
-            </p14:xfrm>
-          </p:contentPart>
-        </mc:Choice>
-        <mc:Fallback xmlns="">
-          <p:pic>
-            <p:nvPicPr>
-              <p:cNvPr id="15" name="Freihand 14">
-                <a:extLst>
-                  <a:ext uri="{FF2B5EF4-FFF2-40B4-BE49-F238E27FC236}">
-                    <a16:creationId xmlns:a16="http://schemas.microsoft.com/office/drawing/2014/main" id="{A11A544B-6FF6-4558-A211-584418E39EB1}"/>
-                  </a:ext>
-                </a:extLst>
-              </p:cNvPr>
-              <p:cNvPicPr/>
-              <p:nvPr/>
-            </p:nvPicPr>
-            <p:blipFill>
-              <a:blip r:embed="rId36"/>
-              <a:stretch>
-                <a:fillRect/>
-              </a:stretch>
-            </p:blipFill>
-            <p:spPr>
-              <a:xfrm>
-                <a:off x="3074289" y="3813868"/>
-                <a:ext cx="199080" cy="178560"/>
-              </a:xfrm>
-              <a:prstGeom prst="rect">
-                <a:avLst/>
-              </a:prstGeom>
-            </p:spPr>
-          </p:pic>
-        </mc:Fallback>
-      </mc:AlternateContent>
-      <mc:AlternateContent xmlns:mc="http://schemas.openxmlformats.org/markup-compatibility/2006" xmlns:p14="http://schemas.microsoft.com/office/powerpoint/2010/main">
-        <mc:Choice Requires="p14">
-          <p:contentPart p14:bwMode="auto" r:id="rId37">
             <p14:nvContentPartPr>
               <p14:cNvPr id="16" name="Freihand 15">
                 <a:extLst>
@@ -9580,159 +9400,6 @@
         <mc:Choice Requires="p14">
           <p:contentPart p14:bwMode="auto" r:id="rId71">
             <p14:nvContentPartPr>
-              <p14:cNvPr id="70" name="Freihand 69">
-                <a:extLst>
-                  <a:ext uri="{FF2B5EF4-FFF2-40B4-BE49-F238E27FC236}">
-                    <a16:creationId xmlns:a16="http://schemas.microsoft.com/office/drawing/2014/main" id="{D0933B74-4552-4812-9DCD-CEE05AB4C618}"/>
-                  </a:ext>
-                </a:extLst>
-              </p14:cNvPr>
-              <p14:cNvContentPartPr/>
-              <p14:nvPr/>
-            </p14:nvContentPartPr>
-            <p14:xfrm>
-              <a:off x="5670005" y="4973819"/>
-              <a:ext cx="2376360" cy="419400"/>
-            </p14:xfrm>
-          </p:contentPart>
-        </mc:Choice>
-        <mc:Fallback xmlns="">
-          <p:pic>
-            <p:nvPicPr>
-              <p:cNvPr id="70" name="Freihand 69">
-                <a:extLst>
-                  <a:ext uri="{FF2B5EF4-FFF2-40B4-BE49-F238E27FC236}">
-                    <a16:creationId xmlns:a16="http://schemas.microsoft.com/office/drawing/2014/main" id="{D0933B74-4552-4812-9DCD-CEE05AB4C618}"/>
-                  </a:ext>
-                </a:extLst>
-              </p:cNvPr>
-              <p:cNvPicPr/>
-              <p:nvPr/>
-            </p:nvPicPr>
-            <p:blipFill>
-              <a:blip r:embed="rId72"/>
-              <a:stretch>
-                <a:fillRect/>
-              </a:stretch>
-            </p:blipFill>
-            <p:spPr>
-              <a:xfrm>
-                <a:off x="5652005" y="4938179"/>
-                <a:ext cx="2412000" cy="491040"/>
-              </a:xfrm>
-              <a:prstGeom prst="rect">
-                <a:avLst/>
-              </a:prstGeom>
-            </p:spPr>
-          </p:pic>
-        </mc:Fallback>
-      </mc:AlternateContent>
-      <mc:AlternateContent xmlns:mc="http://schemas.openxmlformats.org/markup-compatibility/2006" xmlns:p14="http://schemas.microsoft.com/office/powerpoint/2010/main">
-        <mc:Choice Requires="p14">
-          <p:contentPart p14:bwMode="auto" r:id="rId73">
-            <p14:nvContentPartPr>
-              <p14:cNvPr id="71" name="Freihand 70">
-                <a:extLst>
-                  <a:ext uri="{FF2B5EF4-FFF2-40B4-BE49-F238E27FC236}">
-                    <a16:creationId xmlns:a16="http://schemas.microsoft.com/office/drawing/2014/main" id="{063470C5-E7CA-4E2A-98E6-5518E0645449}"/>
-                  </a:ext>
-                </a:extLst>
-              </p14:cNvPr>
-              <p14:cNvContentPartPr/>
-              <p14:nvPr/>
-            </p14:nvContentPartPr>
-            <p14:xfrm>
-              <a:off x="5307512" y="5419316"/>
-              <a:ext cx="2711160" cy="333360"/>
-            </p14:xfrm>
-          </p:contentPart>
-        </mc:Choice>
-        <mc:Fallback xmlns="">
-          <p:pic>
-            <p:nvPicPr>
-              <p:cNvPr id="71" name="Freihand 70">
-                <a:extLst>
-                  <a:ext uri="{FF2B5EF4-FFF2-40B4-BE49-F238E27FC236}">
-                    <a16:creationId xmlns:a16="http://schemas.microsoft.com/office/drawing/2014/main" id="{063470C5-E7CA-4E2A-98E6-5518E0645449}"/>
-                  </a:ext>
-                </a:extLst>
-              </p:cNvPr>
-              <p:cNvPicPr/>
-              <p:nvPr/>
-            </p:nvPicPr>
-            <p:blipFill>
-              <a:blip r:embed="rId74"/>
-              <a:stretch>
-                <a:fillRect/>
-              </a:stretch>
-            </p:blipFill>
-            <p:spPr>
-              <a:xfrm>
-                <a:off x="5289512" y="5383316"/>
-                <a:ext cx="2746800" cy="405000"/>
-              </a:xfrm>
-              <a:prstGeom prst="rect">
-                <a:avLst/>
-              </a:prstGeom>
-            </p:spPr>
-          </p:pic>
-        </mc:Fallback>
-      </mc:AlternateContent>
-      <mc:AlternateContent xmlns:mc="http://schemas.openxmlformats.org/markup-compatibility/2006" xmlns:p14="http://schemas.microsoft.com/office/powerpoint/2010/main">
-        <mc:Choice Requires="p14">
-          <p:contentPart p14:bwMode="auto" r:id="rId75">
-            <p14:nvContentPartPr>
-              <p14:cNvPr id="72" name="Freihand 71">
-                <a:extLst>
-                  <a:ext uri="{FF2B5EF4-FFF2-40B4-BE49-F238E27FC236}">
-                    <a16:creationId xmlns:a16="http://schemas.microsoft.com/office/drawing/2014/main" id="{1C971C9A-F783-4A1F-9E1E-918715A8DA75}"/>
-                  </a:ext>
-                </a:extLst>
-              </p14:cNvPr>
-              <p14:cNvContentPartPr/>
-              <p14:nvPr/>
-            </p14:nvContentPartPr>
-            <p14:xfrm>
-              <a:off x="3644312" y="5732876"/>
-              <a:ext cx="1607040" cy="430920"/>
-            </p14:xfrm>
-          </p:contentPart>
-        </mc:Choice>
-        <mc:Fallback xmlns="">
-          <p:pic>
-            <p:nvPicPr>
-              <p:cNvPr id="72" name="Freihand 71">
-                <a:extLst>
-                  <a:ext uri="{FF2B5EF4-FFF2-40B4-BE49-F238E27FC236}">
-                    <a16:creationId xmlns:a16="http://schemas.microsoft.com/office/drawing/2014/main" id="{1C971C9A-F783-4A1F-9E1E-918715A8DA75}"/>
-                  </a:ext>
-                </a:extLst>
-              </p:cNvPr>
-              <p:cNvPicPr/>
-              <p:nvPr/>
-            </p:nvPicPr>
-            <p:blipFill>
-              <a:blip r:embed="rId76"/>
-              <a:stretch>
-                <a:fillRect/>
-              </a:stretch>
-            </p:blipFill>
-            <p:spPr>
-              <a:xfrm>
-                <a:off x="3626312" y="5696876"/>
-                <a:ext cx="1642680" cy="502560"/>
-              </a:xfrm>
-              <a:prstGeom prst="rect">
-                <a:avLst/>
-              </a:prstGeom>
-            </p:spPr>
-          </p:pic>
-        </mc:Fallback>
-      </mc:AlternateContent>
-      <mc:AlternateContent xmlns:mc="http://schemas.openxmlformats.org/markup-compatibility/2006" xmlns:p14="http://schemas.microsoft.com/office/powerpoint/2010/main">
-        <mc:Choice Requires="p14">
-          <p:contentPart p14:bwMode="auto" r:id="rId77">
-            <p14:nvContentPartPr>
               <p14:cNvPr id="73" name="Freihand 72">
                 <a:extLst>
                   <a:ext uri="{FF2B5EF4-FFF2-40B4-BE49-F238E27FC236}">
@@ -10191,108 +9858,6 @@
       <mc:AlternateContent xmlns:mc="http://schemas.openxmlformats.org/markup-compatibility/2006" xmlns:p14="http://schemas.microsoft.com/office/powerpoint/2010/main">
         <mc:Choice Requires="p14">
           <p:contentPart p14:bwMode="auto" r:id="rId95">
-            <p14:nvContentPartPr>
-              <p14:cNvPr id="83" name="Freihand 82">
-                <a:extLst>
-                  <a:ext uri="{FF2B5EF4-FFF2-40B4-BE49-F238E27FC236}">
-                    <a16:creationId xmlns:a16="http://schemas.microsoft.com/office/drawing/2014/main" id="{D9CDD71C-8529-4D7F-BA1B-29AF96D6F31A}"/>
-                  </a:ext>
-                </a:extLst>
-              </p14:cNvPr>
-              <p14:cNvContentPartPr/>
-              <p14:nvPr/>
-            </p14:nvContentPartPr>
-            <p14:xfrm>
-              <a:off x="7915046" y="5347316"/>
-              <a:ext cx="138240" cy="154800"/>
-            </p14:xfrm>
-          </p:contentPart>
-        </mc:Choice>
-        <mc:Fallback xmlns="">
-          <p:pic>
-            <p:nvPicPr>
-              <p:cNvPr id="83" name="Freihand 82">
-                <a:extLst>
-                  <a:ext uri="{FF2B5EF4-FFF2-40B4-BE49-F238E27FC236}">
-                    <a16:creationId xmlns:a16="http://schemas.microsoft.com/office/drawing/2014/main" id="{D9CDD71C-8529-4D7F-BA1B-29AF96D6F31A}"/>
-                  </a:ext>
-                </a:extLst>
-              </p:cNvPr>
-              <p:cNvPicPr/>
-              <p:nvPr/>
-            </p:nvPicPr>
-            <p:blipFill>
-              <a:blip r:embed="rId96"/>
-              <a:stretch>
-                <a:fillRect/>
-              </a:stretch>
-            </p:blipFill>
-            <p:spPr>
-              <a:xfrm>
-                <a:off x="7897406" y="5311316"/>
-                <a:ext cx="173880" cy="226440"/>
-              </a:xfrm>
-              <a:prstGeom prst="rect">
-                <a:avLst/>
-              </a:prstGeom>
-            </p:spPr>
-          </p:pic>
-        </mc:Fallback>
-      </mc:AlternateContent>
-      <mc:AlternateContent xmlns:mc="http://schemas.openxmlformats.org/markup-compatibility/2006" xmlns:p14="http://schemas.microsoft.com/office/powerpoint/2010/main">
-        <mc:Choice Requires="p14">
-          <p:contentPart p14:bwMode="auto" r:id="rId97">
-            <p14:nvContentPartPr>
-              <p14:cNvPr id="84" name="Freihand 83">
-                <a:extLst>
-                  <a:ext uri="{FF2B5EF4-FFF2-40B4-BE49-F238E27FC236}">
-                    <a16:creationId xmlns:a16="http://schemas.microsoft.com/office/drawing/2014/main" id="{53F254E6-E6CE-483B-AFB0-B0F06F50D79C}"/>
-                  </a:ext>
-                </a:extLst>
-              </p14:cNvPr>
-              <p14:cNvContentPartPr/>
-              <p14:nvPr/>
-            </p14:nvContentPartPr>
-            <p14:xfrm>
-              <a:off x="5236286" y="5664836"/>
-              <a:ext cx="111960" cy="143640"/>
-            </p14:xfrm>
-          </p:contentPart>
-        </mc:Choice>
-        <mc:Fallback xmlns="">
-          <p:pic>
-            <p:nvPicPr>
-              <p:cNvPr id="84" name="Freihand 83">
-                <a:extLst>
-                  <a:ext uri="{FF2B5EF4-FFF2-40B4-BE49-F238E27FC236}">
-                    <a16:creationId xmlns:a16="http://schemas.microsoft.com/office/drawing/2014/main" id="{53F254E6-E6CE-483B-AFB0-B0F06F50D79C}"/>
-                  </a:ext>
-                </a:extLst>
-              </p:cNvPr>
-              <p:cNvPicPr/>
-              <p:nvPr/>
-            </p:nvPicPr>
-            <p:blipFill>
-              <a:blip r:embed="rId98"/>
-              <a:stretch>
-                <a:fillRect/>
-              </a:stretch>
-            </p:blipFill>
-            <p:spPr>
-              <a:xfrm>
-                <a:off x="5218646" y="5628836"/>
-                <a:ext cx="147600" cy="215280"/>
-              </a:xfrm>
-              <a:prstGeom prst="rect">
-                <a:avLst/>
-              </a:prstGeom>
-            </p:spPr>
-          </p:pic>
-        </mc:Fallback>
-      </mc:AlternateContent>
-      <mc:AlternateContent xmlns:mc="http://schemas.openxmlformats.org/markup-compatibility/2006" xmlns:p14="http://schemas.microsoft.com/office/powerpoint/2010/main">
-        <mc:Choice Requires="p14">
-          <p:contentPart p14:bwMode="auto" r:id="rId99">
             <p14:nvContentPartPr>
               <p14:cNvPr id="85" name="Freihand 84">
                 <a:extLst>
@@ -11259,6 +10824,363 @@
           </p:pic>
         </mc:Fallback>
       </mc:AlternateContent>
+      <mc:AlternateContent xmlns:mc="http://schemas.openxmlformats.org/markup-compatibility/2006">
+        <mc:Choice xmlns:p14="http://schemas.microsoft.com/office/powerpoint/2010/main" Requires="p14">
+          <p:contentPart p14:bwMode="auto" r:id="rId137">
+            <p14:nvContentPartPr>
+              <p14:cNvPr id="24" name="Freihand 23">
+                <a:extLst>
+                  <a:ext uri="{FF2B5EF4-FFF2-40B4-BE49-F238E27FC236}">
+                    <a16:creationId xmlns:a16="http://schemas.microsoft.com/office/drawing/2014/main" id="{9A9E3D1E-B961-4421-A317-F743214D6032}"/>
+                  </a:ext>
+                </a:extLst>
+              </p14:cNvPr>
+              <p14:cNvContentPartPr/>
+              <p14:nvPr/>
+            </p14:nvContentPartPr>
+            <p14:xfrm>
+              <a:off x="8122843" y="3534659"/>
+              <a:ext cx="360" cy="367618"/>
+            </p14:xfrm>
+          </p:contentPart>
+        </mc:Choice>
+        <mc:Fallback>
+          <p:pic>
+            <p:nvPicPr>
+              <p:cNvPr id="24" name="Freihand 23">
+                <a:extLst>
+                  <a:ext uri="{FF2B5EF4-FFF2-40B4-BE49-F238E27FC236}">
+                    <a16:creationId xmlns:a16="http://schemas.microsoft.com/office/drawing/2014/main" id="{9A9E3D1E-B961-4421-A317-F743214D6032}"/>
+                  </a:ext>
+                </a:extLst>
+              </p:cNvPr>
+              <p:cNvPicPr/>
+              <p:nvPr/>
+            </p:nvPicPr>
+            <p:blipFill>
+              <a:blip r:embed="rId138"/>
+              <a:stretch>
+                <a:fillRect/>
+              </a:stretch>
+            </p:blipFill>
+            <p:spPr>
+              <a:xfrm>
+                <a:off x="8104843" y="3498653"/>
+                <a:ext cx="36000" cy="439269"/>
+              </a:xfrm>
+              <a:prstGeom prst="rect">
+                <a:avLst/>
+              </a:prstGeom>
+            </p:spPr>
+          </p:pic>
+        </mc:Fallback>
+      </mc:AlternateContent>
+      <mc:AlternateContent xmlns:mc="http://schemas.openxmlformats.org/markup-compatibility/2006">
+        <mc:Choice xmlns:p14="http://schemas.microsoft.com/office/powerpoint/2010/main" Requires="p14">
+          <p:contentPart p14:bwMode="auto" r:id="rId139">
+            <p14:nvContentPartPr>
+              <p14:cNvPr id="103" name="Freihand 102">
+                <a:extLst>
+                  <a:ext uri="{FF2B5EF4-FFF2-40B4-BE49-F238E27FC236}">
+                    <a16:creationId xmlns:a16="http://schemas.microsoft.com/office/drawing/2014/main" id="{B95994CA-0550-47EF-8D10-216E15A8D27C}"/>
+                  </a:ext>
+                </a:extLst>
+              </p14:cNvPr>
+              <p14:cNvContentPartPr/>
+              <p14:nvPr/>
+            </p14:nvContentPartPr>
+            <p14:xfrm>
+              <a:off x="3178329" y="3894508"/>
+              <a:ext cx="4890334" cy="384120"/>
+            </p14:xfrm>
+          </p:contentPart>
+        </mc:Choice>
+        <mc:Fallback>
+          <p:pic>
+            <p:nvPicPr>
+              <p:cNvPr id="103" name="Freihand 102">
+                <a:extLst>
+                  <a:ext uri="{FF2B5EF4-FFF2-40B4-BE49-F238E27FC236}">
+                    <a16:creationId xmlns:a16="http://schemas.microsoft.com/office/drawing/2014/main" id="{B95994CA-0550-47EF-8D10-216E15A8D27C}"/>
+                  </a:ext>
+                </a:extLst>
+              </p:cNvPr>
+              <p:cNvPicPr/>
+              <p:nvPr/>
+            </p:nvPicPr>
+            <p:blipFill>
+              <a:blip r:embed="rId140"/>
+              <a:stretch>
+                <a:fillRect/>
+              </a:stretch>
+            </p:blipFill>
+            <p:spPr>
+              <a:xfrm>
+                <a:off x="3160327" y="3858508"/>
+                <a:ext cx="4925977" cy="455760"/>
+              </a:xfrm>
+              <a:prstGeom prst="rect">
+                <a:avLst/>
+              </a:prstGeom>
+            </p:spPr>
+          </p:pic>
+        </mc:Fallback>
+      </mc:AlternateContent>
+      <mc:AlternateContent xmlns:mc="http://schemas.openxmlformats.org/markup-compatibility/2006">
+        <mc:Choice xmlns:p14="http://schemas.microsoft.com/office/powerpoint/2010/main" Requires="p14">
+          <p:contentPart p14:bwMode="auto" r:id="rId141">
+            <p14:nvContentPartPr>
+              <p14:cNvPr id="104" name="Freihand 103">
+                <a:extLst>
+                  <a:ext uri="{FF2B5EF4-FFF2-40B4-BE49-F238E27FC236}">
+                    <a16:creationId xmlns:a16="http://schemas.microsoft.com/office/drawing/2014/main" id="{864FF88B-BE44-4FBD-9756-D18748DCEBC3}"/>
+                  </a:ext>
+                </a:extLst>
+              </p14:cNvPr>
+              <p14:cNvContentPartPr/>
+              <p14:nvPr/>
+            </p14:nvContentPartPr>
+            <p14:xfrm>
+              <a:off x="8051023" y="3886408"/>
+              <a:ext cx="117720" cy="91800"/>
+            </p14:xfrm>
+          </p:contentPart>
+        </mc:Choice>
+        <mc:Fallback>
+          <p:pic>
+            <p:nvPicPr>
+              <p:cNvPr id="104" name="Freihand 103">
+                <a:extLst>
+                  <a:ext uri="{FF2B5EF4-FFF2-40B4-BE49-F238E27FC236}">
+                    <a16:creationId xmlns:a16="http://schemas.microsoft.com/office/drawing/2014/main" id="{864FF88B-BE44-4FBD-9756-D18748DCEBC3}"/>
+                  </a:ext>
+                </a:extLst>
+              </p:cNvPr>
+              <p:cNvPicPr/>
+              <p:nvPr/>
+            </p:nvPicPr>
+            <p:blipFill>
+              <a:blip r:embed="rId142"/>
+              <a:stretch>
+                <a:fillRect/>
+              </a:stretch>
+            </p:blipFill>
+            <p:spPr>
+              <a:xfrm>
+                <a:off x="8033023" y="3850408"/>
+                <a:ext cx="153360" cy="163440"/>
+              </a:xfrm>
+              <a:prstGeom prst="rect">
+                <a:avLst/>
+              </a:prstGeom>
+            </p:spPr>
+          </p:pic>
+        </mc:Fallback>
+      </mc:AlternateContent>
+      <mc:AlternateContent xmlns:mc="http://schemas.openxmlformats.org/markup-compatibility/2006">
+        <mc:Choice xmlns:p14="http://schemas.microsoft.com/office/powerpoint/2010/main" Requires="p14">
+          <p:contentPart p14:bwMode="auto" r:id="rId143">
+            <p14:nvContentPartPr>
+              <p14:cNvPr id="11" name="Freihand 10">
+                <a:extLst>
+                  <a:ext uri="{FF2B5EF4-FFF2-40B4-BE49-F238E27FC236}">
+                    <a16:creationId xmlns:a16="http://schemas.microsoft.com/office/drawing/2014/main" id="{AAD6B2AD-4763-4BE2-BD4B-9AFE68E5BD87}"/>
+                  </a:ext>
+                </a:extLst>
+              </p14:cNvPr>
+              <p14:cNvContentPartPr/>
+              <p14:nvPr/>
+            </p14:nvContentPartPr>
+            <p14:xfrm>
+              <a:off x="5629301" y="4654865"/>
+              <a:ext cx="360" cy="1161000"/>
+            </p14:xfrm>
+          </p:contentPart>
+        </mc:Choice>
+        <mc:Fallback>
+          <p:pic>
+            <p:nvPicPr>
+              <p:cNvPr id="11" name="Freihand 10">
+                <a:extLst>
+                  <a:ext uri="{FF2B5EF4-FFF2-40B4-BE49-F238E27FC236}">
+                    <a16:creationId xmlns:a16="http://schemas.microsoft.com/office/drawing/2014/main" id="{AAD6B2AD-4763-4BE2-BD4B-9AFE68E5BD87}"/>
+                  </a:ext>
+                </a:extLst>
+              </p:cNvPr>
+              <p:cNvPicPr/>
+              <p:nvPr/>
+            </p:nvPicPr>
+            <p:blipFill>
+              <a:blip r:embed="rId144"/>
+              <a:stretch>
+                <a:fillRect/>
+              </a:stretch>
+            </p:blipFill>
+            <p:spPr>
+              <a:xfrm>
+                <a:off x="5611301" y="4618865"/>
+                <a:ext cx="36000" cy="1232640"/>
+              </a:xfrm>
+              <a:prstGeom prst="rect">
+                <a:avLst/>
+              </a:prstGeom>
+            </p:spPr>
+          </p:pic>
+        </mc:Fallback>
+      </mc:AlternateContent>
+      <mc:AlternateContent xmlns:mc="http://schemas.openxmlformats.org/markup-compatibility/2006">
+        <mc:Choice xmlns:p14="http://schemas.microsoft.com/office/powerpoint/2010/main" Requires="p14">
+          <p:contentPart p14:bwMode="auto" r:id="rId145">
+            <p14:nvContentPartPr>
+              <p14:cNvPr id="105" name="Freihand 104">
+                <a:extLst>
+                  <a:ext uri="{FF2B5EF4-FFF2-40B4-BE49-F238E27FC236}">
+                    <a16:creationId xmlns:a16="http://schemas.microsoft.com/office/drawing/2014/main" id="{103B18DA-14A8-4F6A-BD20-3A4EA4A7691B}"/>
+                  </a:ext>
+                </a:extLst>
+              </p14:cNvPr>
+              <p14:cNvContentPartPr/>
+              <p14:nvPr/>
+            </p14:nvContentPartPr>
+            <p14:xfrm>
+              <a:off x="5561153" y="5740837"/>
+              <a:ext cx="103320" cy="83520"/>
+            </p14:xfrm>
+          </p:contentPart>
+        </mc:Choice>
+        <mc:Fallback>
+          <p:pic>
+            <p:nvPicPr>
+              <p:cNvPr id="105" name="Freihand 104">
+                <a:extLst>
+                  <a:ext uri="{FF2B5EF4-FFF2-40B4-BE49-F238E27FC236}">
+                    <a16:creationId xmlns:a16="http://schemas.microsoft.com/office/drawing/2014/main" id="{103B18DA-14A8-4F6A-BD20-3A4EA4A7691B}"/>
+                  </a:ext>
+                </a:extLst>
+              </p:cNvPr>
+              <p:cNvPicPr/>
+              <p:nvPr/>
+            </p:nvPicPr>
+            <p:blipFill>
+              <a:blip r:embed="rId146"/>
+              <a:stretch>
+                <a:fillRect/>
+              </a:stretch>
+            </p:blipFill>
+            <p:spPr>
+              <a:xfrm>
+                <a:off x="5543153" y="5704837"/>
+                <a:ext cx="138960" cy="155160"/>
+              </a:xfrm>
+              <a:prstGeom prst="rect">
+                <a:avLst/>
+              </a:prstGeom>
+            </p:spPr>
+          </p:pic>
+        </mc:Fallback>
+      </mc:AlternateContent>
+      <mc:AlternateContent xmlns:mc="http://schemas.openxmlformats.org/markup-compatibility/2006">
+        <mc:Choice xmlns:p14="http://schemas.microsoft.com/office/powerpoint/2010/main" Requires="p14">
+          <p:contentPart p14:bwMode="auto" r:id="rId147">
+            <p14:nvContentPartPr>
+              <p14:cNvPr id="15" name="Freihand 14">
+                <a:extLst>
+                  <a:ext uri="{FF2B5EF4-FFF2-40B4-BE49-F238E27FC236}">
+                    <a16:creationId xmlns:a16="http://schemas.microsoft.com/office/drawing/2014/main" id="{D3E62B3F-603B-431B-A2C0-9161B2A345E7}"/>
+                  </a:ext>
+                </a:extLst>
+              </p14:cNvPr>
+              <p14:cNvContentPartPr/>
+              <p14:nvPr/>
+            </p14:nvContentPartPr>
+            <p14:xfrm>
+              <a:off x="5570261" y="5330585"/>
+              <a:ext cx="73080" cy="75600"/>
+            </p14:xfrm>
+          </p:contentPart>
+        </mc:Choice>
+        <mc:Fallback>
+          <p:pic>
+            <p:nvPicPr>
+              <p:cNvPr id="15" name="Freihand 14">
+                <a:extLst>
+                  <a:ext uri="{FF2B5EF4-FFF2-40B4-BE49-F238E27FC236}">
+                    <a16:creationId xmlns:a16="http://schemas.microsoft.com/office/drawing/2014/main" id="{D3E62B3F-603B-431B-A2C0-9161B2A345E7}"/>
+                  </a:ext>
+                </a:extLst>
+              </p:cNvPr>
+              <p:cNvPicPr/>
+              <p:nvPr/>
+            </p:nvPicPr>
+            <p:blipFill>
+              <a:blip r:embed="rId148"/>
+              <a:stretch>
+                <a:fillRect/>
+              </a:stretch>
+            </p:blipFill>
+            <p:spPr>
+              <a:xfrm>
+                <a:off x="5552172" y="5294585"/>
+                <a:ext cx="108896" cy="147240"/>
+              </a:xfrm>
+              <a:prstGeom prst="rect">
+                <a:avLst/>
+              </a:prstGeom>
+            </p:spPr>
+          </p:pic>
+        </mc:Fallback>
+      </mc:AlternateContent>
+      <mc:AlternateContent xmlns:mc="http://schemas.openxmlformats.org/markup-compatibility/2006">
+        <mc:Choice xmlns:p14="http://schemas.microsoft.com/office/powerpoint/2010/main" Requires="p14">
+          <p:contentPart p14:bwMode="auto" r:id="rId149">
+            <p14:nvContentPartPr>
+              <p14:cNvPr id="70" name="Freihand 69">
+                <a:extLst>
+                  <a:ext uri="{FF2B5EF4-FFF2-40B4-BE49-F238E27FC236}">
+                    <a16:creationId xmlns:a16="http://schemas.microsoft.com/office/drawing/2014/main" id="{8F83C882-C86D-4315-85E7-027FE74406CE}"/>
+                  </a:ext>
+                </a:extLst>
+              </p14:cNvPr>
+              <p14:cNvContentPartPr/>
+              <p14:nvPr/>
+            </p14:nvContentPartPr>
+            <p14:xfrm>
+              <a:off x="3669369" y="5761969"/>
+              <a:ext cx="1928880" cy="375120"/>
+            </p14:xfrm>
+          </p:contentPart>
+        </mc:Choice>
+        <mc:Fallback>
+          <p:pic>
+            <p:nvPicPr>
+              <p:cNvPr id="70" name="Freihand 69">
+                <a:extLst>
+                  <a:ext uri="{FF2B5EF4-FFF2-40B4-BE49-F238E27FC236}">
+                    <a16:creationId xmlns:a16="http://schemas.microsoft.com/office/drawing/2014/main" id="{8F83C882-C86D-4315-85E7-027FE74406CE}"/>
+                  </a:ext>
+                </a:extLst>
+              </p:cNvPr>
+              <p:cNvPicPr/>
+              <p:nvPr/>
+            </p:nvPicPr>
+            <p:blipFill>
+              <a:blip r:embed="rId150"/>
+              <a:stretch>
+                <a:fillRect/>
+              </a:stretch>
+            </p:blipFill>
+            <p:spPr>
+              <a:xfrm>
+                <a:off x="3651729" y="5725969"/>
+                <a:ext cx="1964520" cy="446760"/>
+              </a:xfrm>
+              <a:prstGeom prst="rect">
+                <a:avLst/>
+              </a:prstGeom>
+            </p:spPr>
+          </p:pic>
+        </mc:Fallback>
+      </mc:AlternateContent>
     </p:spTree>
     <p:extLst>
       <p:ext uri="{BB962C8B-B14F-4D97-AF65-F5344CB8AC3E}">
@@ -11735,7 +11657,7 @@
                                           </p:stCondLst>
                                         </p:cTn>
                                         <p:tgtEl>
-                                          <p:spTgt spid="70"/>
+                                          <p:spTgt spid="85"/>
                                         </p:tgtEl>
                                         <p:attrNameLst>
                                           <p:attrName>style.visibility</p:attrName>
@@ -11762,7 +11684,11 @@
                                           </p:stCondLst>
                                         </p:cTn>
                                         <p:tgtEl>
-                                          <p:spTgt spid="83"/>
+                                          <p:spTgt spid="21">
+                                            <p:txEl>
+                                              <p:pRg st="0" end="0"/>
+                                            </p:txEl>
+                                          </p:spTgt>
                                         </p:tgtEl>
                                         <p:attrNameLst>
                                           <p:attrName>style.visibility</p:attrName>
@@ -11789,7 +11715,7 @@
                                           </p:stCondLst>
                                         </p:cTn>
                                         <p:tgtEl>
-                                          <p:spTgt spid="71"/>
+                                          <p:spTgt spid="15"/>
                                         </p:tgtEl>
                                         <p:attrNameLst>
                                           <p:attrName>style.visibility</p:attrName>
@@ -11816,7 +11742,7 @@
                                           </p:stCondLst>
                                         </p:cTn>
                                         <p:tgtEl>
-                                          <p:spTgt spid="84"/>
+                                          <p:spTgt spid="11"/>
                                         </p:tgtEl>
                                         <p:attrNameLst>
                                           <p:attrName>style.visibility</p:attrName>
@@ -11843,7 +11769,7 @@
                                           </p:stCondLst>
                                         </p:cTn>
                                         <p:tgtEl>
-                                          <p:spTgt spid="72"/>
+                                          <p:spTgt spid="70"/>
                                         </p:tgtEl>
                                         <p:attrNameLst>
                                           <p:attrName>style.visibility</p:attrName>
@@ -11870,38 +11796,7 @@
                                           </p:stCondLst>
                                         </p:cTn>
                                         <p:tgtEl>
-                                          <p:spTgt spid="85"/>
-                                        </p:tgtEl>
-                                        <p:attrNameLst>
-                                          <p:attrName>style.visibility</p:attrName>
-                                        </p:attrNameLst>
-                                      </p:cBhvr>
-                                      <p:to>
-                                        <p:strVal val="visible"/>
-                                      </p:to>
-                                    </p:set>
-                                  </p:childTnLst>
-                                </p:cTn>
-                              </p:par>
-                              <p:par>
-                                <p:cTn id="49" presetID="1" presetClass="entr" presetSubtype="0" fill="hold" nodeType="withEffect">
-                                  <p:stCondLst>
-                                    <p:cond delay="0"/>
-                                  </p:stCondLst>
-                                  <p:childTnLst>
-                                    <p:set>
-                                      <p:cBhvr>
-                                        <p:cTn id="50" dur="1" fill="hold">
-                                          <p:stCondLst>
-                                            <p:cond delay="0"/>
-                                          </p:stCondLst>
-                                        </p:cTn>
-                                        <p:tgtEl>
-                                          <p:spTgt spid="21">
-                                            <p:txEl>
-                                              <p:pRg st="0" end="0"/>
-                                            </p:txEl>
-                                          </p:spTgt>
+                                          <p:spTgt spid="105"/>
                                         </p:tgtEl>
                                         <p:attrNameLst>
                                           <p:attrName>style.visibility</p:attrName>
@@ -11921,19 +11816,46 @@
                     </p:cTn>
                   </p:par>
                   <p:par>
-                    <p:cTn id="51" fill="hold">
+                    <p:cTn id="49" fill="hold">
                       <p:stCondLst>
                         <p:cond delay="indefinite"/>
                       </p:stCondLst>
                       <p:childTnLst>
                         <p:par>
-                          <p:cTn id="52" fill="hold">
+                          <p:cTn id="50" fill="hold">
                             <p:stCondLst>
                               <p:cond delay="0"/>
                             </p:stCondLst>
                             <p:childTnLst>
                               <p:par>
-                                <p:cTn id="53" presetID="1" presetClass="entr" presetSubtype="0" fill="hold" nodeType="clickEffect">
+                                <p:cTn id="51" presetID="1" presetClass="entr" presetSubtype="0" fill="hold" nodeType="clickEffect">
+                                  <p:stCondLst>
+                                    <p:cond delay="0"/>
+                                  </p:stCondLst>
+                                  <p:childTnLst>
+                                    <p:set>
+                                      <p:cBhvr>
+                                        <p:cTn id="52" dur="1" fill="hold">
+                                          <p:stCondLst>
+                                            <p:cond delay="0"/>
+                                          </p:stCondLst>
+                                        </p:cTn>
+                                        <p:tgtEl>
+                                          <p:spTgt spid="66"/>
+                                        </p:tgtEl>
+                                        <p:attrNameLst>
+                                          <p:attrName>style.visibility</p:attrName>
+                                        </p:attrNameLst>
+                                      </p:cBhvr>
+                                      <p:to>
+                                        <p:strVal val="visible"/>
+                                      </p:to>
+                                    </p:set>
+                                  </p:childTnLst>
+                                </p:cTn>
+                              </p:par>
+                              <p:par>
+                                <p:cTn id="53" presetID="1" presetClass="entr" presetSubtype="0" fill="hold" nodeType="withEffect">
                                   <p:stCondLst>
                                     <p:cond delay="0"/>
                                   </p:stCondLst>
@@ -11946,7 +11868,7 @@
                                           </p:stCondLst>
                                         </p:cTn>
                                         <p:tgtEl>
-                                          <p:spTgt spid="66"/>
+                                          <p:spTgt spid="31"/>
                                         </p:tgtEl>
                                         <p:attrNameLst>
                                           <p:attrName>style.visibility</p:attrName>
@@ -11973,7 +11895,7 @@
                                           </p:stCondLst>
                                         </p:cTn>
                                         <p:tgtEl>
-                                          <p:spTgt spid="31"/>
+                                          <p:spTgt spid="64"/>
                                         </p:tgtEl>
                                         <p:attrNameLst>
                                           <p:attrName>style.visibility</p:attrName>
@@ -12000,7 +11922,7 @@
                                           </p:stCondLst>
                                         </p:cTn>
                                         <p:tgtEl>
-                                          <p:spTgt spid="64"/>
+                                          <p:spTgt spid="30"/>
                                         </p:tgtEl>
                                         <p:attrNameLst>
                                           <p:attrName>style.visibility</p:attrName>
@@ -12027,7 +11949,7 @@
                                           </p:stCondLst>
                                         </p:cTn>
                                         <p:tgtEl>
-                                          <p:spTgt spid="30"/>
+                                          <p:spTgt spid="65"/>
                                         </p:tgtEl>
                                         <p:attrNameLst>
                                           <p:attrName>style.visibility</p:attrName>
@@ -12054,7 +11976,7 @@
                                           </p:stCondLst>
                                         </p:cTn>
                                         <p:tgtEl>
-                                          <p:spTgt spid="65"/>
+                                          <p:spTgt spid="29"/>
                                         </p:tgtEl>
                                         <p:attrNameLst>
                                           <p:attrName>style.visibility</p:attrName>
@@ -12081,7 +12003,7 @@
                                           </p:stCondLst>
                                         </p:cTn>
                                         <p:tgtEl>
-                                          <p:spTgt spid="29"/>
+                                          <p:spTgt spid="20"/>
                                         </p:tgtEl>
                                         <p:attrNameLst>
                                           <p:attrName>style.visibility</p:attrName>
@@ -12108,7 +12030,7 @@
                                           </p:stCondLst>
                                         </p:cTn>
                                         <p:tgtEl>
-                                          <p:spTgt spid="20"/>
+                                          <p:spTgt spid="19"/>
                                         </p:tgtEl>
                                         <p:attrNameLst>
                                           <p:attrName>style.visibility</p:attrName>
@@ -12135,7 +12057,7 @@
                                           </p:stCondLst>
                                         </p:cTn>
                                         <p:tgtEl>
-                                          <p:spTgt spid="19"/>
+                                          <p:spTgt spid="18"/>
                                         </p:tgtEl>
                                         <p:attrNameLst>
                                           <p:attrName>style.visibility</p:attrName>
@@ -12162,7 +12084,7 @@
                                           </p:stCondLst>
                                         </p:cTn>
                                         <p:tgtEl>
-                                          <p:spTgt spid="18"/>
+                                          <p:spTgt spid="12"/>
                                         </p:tgtEl>
                                         <p:attrNameLst>
                                           <p:attrName>style.visibility</p:attrName>
@@ -12189,7 +12111,7 @@
                                           </p:stCondLst>
                                         </p:cTn>
                                         <p:tgtEl>
-                                          <p:spTgt spid="12"/>
+                                          <p:spTgt spid="16"/>
                                         </p:tgtEl>
                                         <p:attrNameLst>
                                           <p:attrName>style.visibility</p:attrName>
@@ -12216,7 +12138,7 @@
                                           </p:stCondLst>
                                         </p:cTn>
                                         <p:tgtEl>
-                                          <p:spTgt spid="11"/>
+                                          <p:spTgt spid="14"/>
                                         </p:tgtEl>
                                         <p:attrNameLst>
                                           <p:attrName>style.visibility</p:attrName>
@@ -12243,7 +12165,7 @@
                                           </p:stCondLst>
                                         </p:cTn>
                                         <p:tgtEl>
-                                          <p:spTgt spid="16"/>
+                                          <p:spTgt spid="6"/>
                                         </p:tgtEl>
                                         <p:attrNameLst>
                                           <p:attrName>style.visibility</p:attrName>
@@ -12270,7 +12192,7 @@
                                           </p:stCondLst>
                                         </p:cTn>
                                         <p:tgtEl>
-                                          <p:spTgt spid="15"/>
+                                          <p:spTgt spid="13"/>
                                         </p:tgtEl>
                                         <p:attrNameLst>
                                           <p:attrName>style.visibility</p:attrName>
@@ -12297,7 +12219,7 @@
                                           </p:stCondLst>
                                         </p:cTn>
                                         <p:tgtEl>
-                                          <p:spTgt spid="10"/>
+                                          <p:spTgt spid="23"/>
                                         </p:tgtEl>
                                         <p:attrNameLst>
                                           <p:attrName>style.visibility</p:attrName>
@@ -12324,7 +12246,7 @@
                                           </p:stCondLst>
                                         </p:cTn>
                                         <p:tgtEl>
-                                          <p:spTgt spid="14"/>
+                                          <p:spTgt spid="28"/>
                                         </p:tgtEl>
                                         <p:attrNameLst>
                                           <p:attrName>style.visibility</p:attrName>
@@ -12351,7 +12273,7 @@
                                           </p:stCondLst>
                                         </p:cTn>
                                         <p:tgtEl>
-                                          <p:spTgt spid="6"/>
+                                          <p:spTgt spid="27"/>
                                         </p:tgtEl>
                                         <p:attrNameLst>
                                           <p:attrName>style.visibility</p:attrName>
@@ -12378,7 +12300,7 @@
                                           </p:stCondLst>
                                         </p:cTn>
                                         <p:tgtEl>
-                                          <p:spTgt spid="13"/>
+                                          <p:spTgt spid="25"/>
                                         </p:tgtEl>
                                         <p:attrNameLst>
                                           <p:attrName>style.visibility</p:attrName>
@@ -12405,7 +12327,7 @@
                                           </p:stCondLst>
                                         </p:cTn>
                                         <p:tgtEl>
-                                          <p:spTgt spid="23"/>
+                                          <p:spTgt spid="26"/>
                                         </p:tgtEl>
                                         <p:attrNameLst>
                                           <p:attrName>style.visibility</p:attrName>
@@ -12432,7 +12354,7 @@
                                           </p:stCondLst>
                                         </p:cTn>
                                         <p:tgtEl>
-                                          <p:spTgt spid="28"/>
+                                          <p:spTgt spid="22"/>
                                         </p:tgtEl>
                                         <p:attrNameLst>
                                           <p:attrName>style.visibility</p:attrName>
@@ -12459,7 +12381,7 @@
                                           </p:stCondLst>
                                         </p:cTn>
                                         <p:tgtEl>
-                                          <p:spTgt spid="27"/>
+                                          <p:spTgt spid="24"/>
                                         </p:tgtEl>
                                         <p:attrNameLst>
                                           <p:attrName>style.visibility</p:attrName>
@@ -12486,7 +12408,7 @@
                                           </p:stCondLst>
                                         </p:cTn>
                                         <p:tgtEl>
-                                          <p:spTgt spid="25"/>
+                                          <p:spTgt spid="104"/>
                                         </p:tgtEl>
                                         <p:attrNameLst>
                                           <p:attrName>style.visibility</p:attrName>
@@ -12513,7 +12435,7 @@
                                           </p:stCondLst>
                                         </p:cTn>
                                         <p:tgtEl>
-                                          <p:spTgt spid="26"/>
+                                          <p:spTgt spid="103"/>
                                         </p:tgtEl>
                                         <p:attrNameLst>
                                           <p:attrName>style.visibility</p:attrName>
@@ -12535,33 +12457,6 @@
                                     <p:set>
                                       <p:cBhvr>
                                         <p:cTn id="98" dur="1" fill="hold">
-                                          <p:stCondLst>
-                                            <p:cond delay="0"/>
-                                          </p:stCondLst>
-                                        </p:cTn>
-                                        <p:tgtEl>
-                                          <p:spTgt spid="22"/>
-                                        </p:tgtEl>
-                                        <p:attrNameLst>
-                                          <p:attrName>style.visibility</p:attrName>
-                                        </p:attrNameLst>
-                                      </p:cBhvr>
-                                      <p:to>
-                                        <p:strVal val="visible"/>
-                                      </p:to>
-                                    </p:set>
-                                  </p:childTnLst>
-                                </p:cTn>
-                              </p:par>
-                              <p:par>
-                                <p:cTn id="99" presetID="1" presetClass="entr" presetSubtype="0" fill="hold" nodeType="withEffect">
-                                  <p:stCondLst>
-                                    <p:cond delay="0"/>
-                                  </p:stCondLst>
-                                  <p:childTnLst>
-                                    <p:set>
-                                      <p:cBhvr>
-                                        <p:cTn id="100" dur="1" fill="hold">
                                           <p:stCondLst>
                                             <p:cond delay="0"/>
                                           </p:stCondLst>
@@ -12591,19 +12486,46 @@
                     </p:cTn>
                   </p:par>
                   <p:par>
-                    <p:cTn id="101" fill="hold">
+                    <p:cTn id="99" fill="hold">
                       <p:stCondLst>
                         <p:cond delay="indefinite"/>
                       </p:stCondLst>
                       <p:childTnLst>
                         <p:par>
-                          <p:cTn id="102" fill="hold">
+                          <p:cTn id="100" fill="hold">
                             <p:stCondLst>
                               <p:cond delay="0"/>
                             </p:stCondLst>
                             <p:childTnLst>
                               <p:par>
-                                <p:cTn id="103" presetID="1" presetClass="entr" presetSubtype="0" fill="hold" nodeType="clickEffect">
+                                <p:cTn id="101" presetID="1" presetClass="entr" presetSubtype="0" fill="hold" nodeType="clickEffect">
+                                  <p:stCondLst>
+                                    <p:cond delay="0"/>
+                                  </p:stCondLst>
+                                  <p:childTnLst>
+                                    <p:set>
+                                      <p:cBhvr>
+                                        <p:cTn id="102" dur="1" fill="hold">
+                                          <p:stCondLst>
+                                            <p:cond delay="0"/>
+                                          </p:stCondLst>
+                                        </p:cTn>
+                                        <p:tgtEl>
+                                          <p:spTgt spid="102"/>
+                                        </p:tgtEl>
+                                        <p:attrNameLst>
+                                          <p:attrName>style.visibility</p:attrName>
+                                        </p:attrNameLst>
+                                      </p:cBhvr>
+                                      <p:to>
+                                        <p:strVal val="visible"/>
+                                      </p:to>
+                                    </p:set>
+                                  </p:childTnLst>
+                                </p:cTn>
+                              </p:par>
+                              <p:par>
+                                <p:cTn id="103" presetID="1" presetClass="entr" presetSubtype="0" fill="hold" nodeType="withEffect">
                                   <p:stCondLst>
                                     <p:cond delay="0"/>
                                   </p:stCondLst>
@@ -12616,7 +12538,7 @@
                                           </p:stCondLst>
                                         </p:cTn>
                                         <p:tgtEl>
-                                          <p:spTgt spid="102"/>
+                                          <p:spTgt spid="101"/>
                                         </p:tgtEl>
                                         <p:attrNameLst>
                                           <p:attrName>style.visibility</p:attrName>
@@ -12643,7 +12565,7 @@
                                           </p:stCondLst>
                                         </p:cTn>
                                         <p:tgtEl>
-                                          <p:spTgt spid="101"/>
+                                          <p:spTgt spid="100"/>
                                         </p:tgtEl>
                                         <p:attrNameLst>
                                           <p:attrName>style.visibility</p:attrName>
@@ -12670,7 +12592,7 @@
                                           </p:stCondLst>
                                         </p:cTn>
                                         <p:tgtEl>
-                                          <p:spTgt spid="100"/>
+                                          <p:spTgt spid="99"/>
                                         </p:tgtEl>
                                         <p:attrNameLst>
                                           <p:attrName>style.visibility</p:attrName>
@@ -12697,7 +12619,7 @@
                                           </p:stCondLst>
                                         </p:cTn>
                                         <p:tgtEl>
-                                          <p:spTgt spid="99"/>
+                                          <p:spTgt spid="98"/>
                                         </p:tgtEl>
                                         <p:attrNameLst>
                                           <p:attrName>style.visibility</p:attrName>
@@ -12724,7 +12646,7 @@
                                           </p:stCondLst>
                                         </p:cTn>
                                         <p:tgtEl>
-                                          <p:spTgt spid="98"/>
+                                          <p:spTgt spid="86"/>
                                         </p:tgtEl>
                                         <p:attrNameLst>
                                           <p:attrName>style.visibility</p:attrName>
@@ -12751,7 +12673,7 @@
                                           </p:stCondLst>
                                         </p:cTn>
                                         <p:tgtEl>
-                                          <p:spTgt spid="86"/>
+                                          <p:spTgt spid="75"/>
                                         </p:tgtEl>
                                         <p:attrNameLst>
                                           <p:attrName>style.visibility</p:attrName>
@@ -12778,7 +12700,7 @@
                                           </p:stCondLst>
                                         </p:cTn>
                                         <p:tgtEl>
-                                          <p:spTgt spid="75"/>
+                                          <p:spTgt spid="97"/>
                                         </p:tgtEl>
                                         <p:attrNameLst>
                                           <p:attrName>style.visibility</p:attrName>
@@ -12805,7 +12727,7 @@
                                           </p:stCondLst>
                                         </p:cTn>
                                         <p:tgtEl>
-                                          <p:spTgt spid="97"/>
+                                          <p:spTgt spid="87"/>
                                         </p:tgtEl>
                                         <p:attrNameLst>
                                           <p:attrName>style.visibility</p:attrName>
@@ -12832,7 +12754,7 @@
                                           </p:stCondLst>
                                         </p:cTn>
                                         <p:tgtEl>
-                                          <p:spTgt spid="87"/>
+                                          <p:spTgt spid="96"/>
                                         </p:tgtEl>
                                         <p:attrNameLst>
                                           <p:attrName>style.visibility</p:attrName>
@@ -12859,7 +12781,7 @@
                                           </p:stCondLst>
                                         </p:cTn>
                                         <p:tgtEl>
-                                          <p:spTgt spid="96"/>
+                                          <p:spTgt spid="88"/>
                                         </p:tgtEl>
                                         <p:attrNameLst>
                                           <p:attrName>style.visibility</p:attrName>
@@ -12886,7 +12808,7 @@
                                           </p:stCondLst>
                                         </p:cTn>
                                         <p:tgtEl>
-                                          <p:spTgt spid="88"/>
+                                          <p:spTgt spid="95"/>
                                         </p:tgtEl>
                                         <p:attrNameLst>
                                           <p:attrName>style.visibility</p:attrName>
@@ -12913,7 +12835,7 @@
                                           </p:stCondLst>
                                         </p:cTn>
                                         <p:tgtEl>
-                                          <p:spTgt spid="95"/>
+                                          <p:spTgt spid="90"/>
                                         </p:tgtEl>
                                         <p:attrNameLst>
                                           <p:attrName>style.visibility</p:attrName>
@@ -12940,7 +12862,7 @@
                                           </p:stCondLst>
                                         </p:cTn>
                                         <p:tgtEl>
-                                          <p:spTgt spid="90"/>
+                                          <p:spTgt spid="94"/>
                                         </p:tgtEl>
                                         <p:attrNameLst>
                                           <p:attrName>style.visibility</p:attrName>
@@ -12967,7 +12889,7 @@
                                           </p:stCondLst>
                                         </p:cTn>
                                         <p:tgtEl>
-                                          <p:spTgt spid="94"/>
+                                          <p:spTgt spid="89"/>
                                         </p:tgtEl>
                                         <p:attrNameLst>
                                           <p:attrName>style.visibility</p:attrName>
@@ -12994,7 +12916,7 @@
                                           </p:stCondLst>
                                         </p:cTn>
                                         <p:tgtEl>
-                                          <p:spTgt spid="89"/>
+                                          <p:spTgt spid="93"/>
                                         </p:tgtEl>
                                         <p:attrNameLst>
                                           <p:attrName>style.visibility</p:attrName>
@@ -13021,7 +12943,7 @@
                                           </p:stCondLst>
                                         </p:cTn>
                                         <p:tgtEl>
-                                          <p:spTgt spid="93"/>
+                                          <p:spTgt spid="92"/>
                                         </p:tgtEl>
                                         <p:attrNameLst>
                                           <p:attrName>style.visibility</p:attrName>
@@ -13048,33 +12970,6 @@
                                           </p:stCondLst>
                                         </p:cTn>
                                         <p:tgtEl>
-                                          <p:spTgt spid="92"/>
-                                        </p:tgtEl>
-                                        <p:attrNameLst>
-                                          <p:attrName>style.visibility</p:attrName>
-                                        </p:attrNameLst>
-                                      </p:cBhvr>
-                                      <p:to>
-                                        <p:strVal val="visible"/>
-                                      </p:to>
-                                    </p:set>
-                                  </p:childTnLst>
-                                </p:cTn>
-                              </p:par>
-                              <p:par>
-                                <p:cTn id="137" presetID="1" presetClass="entr" presetSubtype="0" fill="hold" nodeType="withEffect">
-                                  <p:stCondLst>
-                                    <p:cond delay="0"/>
-                                  </p:stCondLst>
-                                  <p:childTnLst>
-                                    <p:set>
-                                      <p:cBhvr>
-                                        <p:cTn id="138" dur="1" fill="hold">
-                                          <p:stCondLst>
-                                            <p:cond delay="0"/>
-                                          </p:stCondLst>
-                                        </p:cTn>
-                                        <p:tgtEl>
                                           <p:spTgt spid="91"/>
                                         </p:tgtEl>
                                         <p:attrNameLst>
@@ -13089,14 +12984,14 @@
                                 </p:cTn>
                               </p:par>
                               <p:par>
-                                <p:cTn id="139" presetID="1" presetClass="entr" presetSubtype="0" fill="hold" grpId="0" nodeType="withEffect">
+                                <p:cTn id="137" presetID="1" presetClass="entr" presetSubtype="0" fill="hold" grpId="0" nodeType="withEffect">
                                   <p:stCondLst>
                                     <p:cond delay="0"/>
                                   </p:stCondLst>
                                   <p:childTnLst>
                                     <p:set>
                                       <p:cBhvr>
-                                        <p:cTn id="140" dur="1" fill="hold">
+                                        <p:cTn id="138" dur="1" fill="hold">
                                           <p:stCondLst>
                                             <p:cond delay="0"/>
                                           </p:stCondLst>
@@ -14007,7 +13902,7 @@
             <a:pPr algn="ctr"/>
             <a:r>
               <a:rPr lang="de-DE" dirty="0" err="1"/>
-              <a:t>OmniDrive</a:t>
+              <a:t>OmniMove</a:t>
             </a:r>
             <a:endParaRPr lang="de-DE" dirty="0"/>
           </a:p>

--- a/Praktikum Produktionstechnik M2.pptx
+++ b/Praktikum Produktionstechnik M2.pptx
@@ -15,6 +15,7 @@
     <p:sldId id="258" r:id="rId9"/>
     <p:sldId id="259" r:id="rId10"/>
     <p:sldId id="265" r:id="rId11"/>
+    <p:sldId id="268" r:id="rId12"/>
   </p:sldIdLst>
   <p:sldSz cx="12192000" cy="6858000"/>
   <p:notesSz cx="6858000" cy="9144000"/>
@@ -470,7 +471,7 @@
       <inkml:brushProperty name="ignorePressure" value="1"/>
     </inkml:brush>
   </inkml:definitions>
-  <inkml:trace contextRef="#ctx0" brushRef="#br0">1 0,'0'47,"0"1647,0-1684</inkml:trace>
+  <inkml:trace contextRef="#ctx0" brushRef="#br0">1 0,'0'8,"0"298,0-304</inkml:trace>
 </inkml:ink>
 </file>
 
@@ -1893,6 +1894,35 @@
     </inkml:brush>
   </inkml:definitions>
   <inkml:trace contextRef="#ctx0" brushRef="#br0">1 1041,'5345'-1039,"-5333"1037</inkml:trace>
+</inkml:ink>
+</file>
+
+<file path=ppt/ink/ink64.xml><?xml version="1.0" encoding="utf-8"?>
+<inkml:ink xmlns:inkml="http://www.w3.org/2003/InkML">
+  <inkml:definitions>
+    <inkml:context xml:id="ctx0">
+      <inkml:inkSource xml:id="inkSrc0">
+        <inkml:traceFormat>
+          <inkml:channel name="X" type="integer" min="-2.14748E9" max="2.14748E9" units="cm"/>
+          <inkml:channel name="Y" type="integer" min="-2.14748E9" max="2.14748E9" units="cm"/>
+        </inkml:traceFormat>
+        <inkml:channelProperties>
+          <inkml:channelProperty channel="X" name="resolution" value="1000" units="1/cm"/>
+          <inkml:channelProperty channel="Y" name="resolution" value="1000" units="1/cm"/>
+        </inkml:channelProperties>
+      </inkml:inkSource>
+      <inkml:timestamp xml:id="ts0" timeString="2019-05-28T06:44:28.396"/>
+    </inkml:context>
+    <inkml:brush xml:id="br0">
+      <inkml:brushProperty name="width" value="0.1" units="cm"/>
+      <inkml:brushProperty name="height" value="0.2" units="cm"/>
+      <inkml:brushProperty name="color" value="#FFFC00"/>
+      <inkml:brushProperty name="tip" value="rectangle"/>
+      <inkml:brushProperty name="rasterOp" value="maskPen"/>
+      <inkml:brushProperty name="ignorePressure" value="1"/>
+    </inkml:brush>
+  </inkml:definitions>
+  <inkml:trace contextRef="#ctx0" brushRef="#br0">1 960,'14'-2,"5859"-928,-5715 905,-143 22</inkml:trace>
 </inkml:ink>
 </file>
 
@@ -5989,6 +6019,145 @@
 </p:sld>
 </file>
 
+<file path=ppt/slides/slide11.xml><?xml version="1.0" encoding="utf-8"?>
+<p:sld xmlns:a="http://schemas.openxmlformats.org/drawingml/2006/main" xmlns:r="http://schemas.openxmlformats.org/officeDocument/2006/relationships" xmlns:p="http://schemas.openxmlformats.org/presentationml/2006/main">
+  <p:cSld>
+    <p:spTree>
+      <p:nvGrpSpPr>
+        <p:cNvPr id="1" name=""/>
+        <p:cNvGrpSpPr/>
+        <p:nvPr/>
+      </p:nvGrpSpPr>
+      <p:grpSpPr>
+        <a:xfrm>
+          <a:off x="0" y="0"/>
+          <a:ext cx="0" cy="0"/>
+          <a:chOff x="0" y="0"/>
+          <a:chExt cx="0" cy="0"/>
+        </a:xfrm>
+      </p:grpSpPr>
+      <p:pic>
+        <p:nvPicPr>
+          <p:cNvPr id="15" name="Grafik 14">
+            <a:extLst>
+              <a:ext uri="{FF2B5EF4-FFF2-40B4-BE49-F238E27FC236}">
+                <a16:creationId xmlns:a16="http://schemas.microsoft.com/office/drawing/2014/main" id="{25E111DB-420D-4F5C-9703-472BFF9F4B2D}"/>
+              </a:ext>
+            </a:extLst>
+          </p:cNvPr>
+          <p:cNvPicPr>
+            <a:picLocks noChangeAspect="1"/>
+          </p:cNvPicPr>
+          <p:nvPr/>
+        </p:nvPicPr>
+        <p:blipFill rotWithShape="1">
+          <a:blip r:embed="rId2">
+            <a:extLst>
+              <a:ext uri="{28A0092B-C50C-407E-A947-70E740481C1C}">
+                <a14:useLocalDpi xmlns:a14="http://schemas.microsoft.com/office/drawing/2010/main" val="0"/>
+              </a:ext>
+            </a:extLst>
+          </a:blip>
+          <a:srcRect t="6465" r="190"/>
+          <a:stretch/>
+        </p:blipFill>
+        <p:spPr>
+          <a:xfrm>
+            <a:off x="-2853429" y="-1422251"/>
+            <a:ext cx="16080484" cy="9308363"/>
+          </a:xfrm>
+          <a:prstGeom prst="rect">
+            <a:avLst/>
+          </a:prstGeom>
+        </p:spPr>
+      </p:pic>
+      <p:sp>
+        <p:nvSpPr>
+          <p:cNvPr id="2" name="Titel 1">
+            <a:extLst>
+              <a:ext uri="{FF2B5EF4-FFF2-40B4-BE49-F238E27FC236}">
+                <a16:creationId xmlns:a16="http://schemas.microsoft.com/office/drawing/2014/main" id="{E0634C32-AA0C-4143-AD46-701C699F497F}"/>
+              </a:ext>
+            </a:extLst>
+          </p:cNvPr>
+          <p:cNvSpPr>
+            <a:spLocks noGrp="1"/>
+          </p:cNvSpPr>
+          <p:nvPr>
+            <p:ph type="ctrTitle"/>
+          </p:nvPr>
+        </p:nvSpPr>
+        <p:spPr>
+          <a:xfrm>
+            <a:off x="1214088" y="4833821"/>
+            <a:ext cx="8899953" cy="1834056"/>
+          </a:xfrm>
+        </p:spPr>
+        <p:txBody>
+          <a:bodyPr>
+            <a:normAutofit/>
+          </a:bodyPr>
+          <a:lstStyle/>
+          <a:p>
+            <a:r>
+              <a:rPr lang="de-DE" sz="3700" dirty="0"/>
+              <a:t>Danke für die Aufmerksamkeit</a:t>
+            </a:r>
+          </a:p>
+        </p:txBody>
+      </p:sp>
+      <p:pic>
+        <p:nvPicPr>
+          <p:cNvPr id="28" name="Grafik 27" descr="Logo Ingenieursinformatik">
+            <a:extLst>
+              <a:ext uri="{FF2B5EF4-FFF2-40B4-BE49-F238E27FC236}">
+                <a16:creationId xmlns:a16="http://schemas.microsoft.com/office/drawing/2014/main" id="{6071549F-5F13-41F0-8056-F056D7C51C54}"/>
+              </a:ext>
+            </a:extLst>
+          </p:cNvPr>
+          <p:cNvPicPr/>
+          <p:nvPr/>
+        </p:nvPicPr>
+        <p:blipFill>
+          <a:blip r:embed="rId3" cstate="print">
+            <a:extLst>
+              <a:ext uri="{28A0092B-C50C-407E-A947-70E740481C1C}">
+                <a14:useLocalDpi xmlns:a14="http://schemas.microsoft.com/office/drawing/2010/main" val="0"/>
+              </a:ext>
+            </a:extLst>
+          </a:blip>
+          <a:srcRect/>
+          <a:stretch>
+            <a:fillRect/>
+          </a:stretch>
+        </p:blipFill>
+        <p:spPr bwMode="auto">
+          <a:xfrm>
+            <a:off x="10181907" y="256796"/>
+            <a:ext cx="1692155" cy="924304"/>
+          </a:xfrm>
+          <a:prstGeom prst="rect">
+            <a:avLst/>
+          </a:prstGeom>
+          <a:noFill/>
+          <a:ln>
+            <a:noFill/>
+          </a:ln>
+        </p:spPr>
+      </p:pic>
+    </p:spTree>
+    <p:extLst>
+      <p:ext uri="{BB962C8B-B14F-4D97-AF65-F5344CB8AC3E}">
+        <p14:creationId xmlns:p14="http://schemas.microsoft.com/office/powerpoint/2010/main" val="4200603737"/>
+      </p:ext>
+    </p:extLst>
+  </p:cSld>
+  <p:clrMapOvr>
+    <a:masterClrMapping/>
+  </p:clrMapOvr>
+</p:sld>
+</file>
+
 <file path=ppt/slides/slide2.xml><?xml version="1.0" encoding="utf-8"?>
 <p:sld xmlns:a="http://schemas.openxmlformats.org/drawingml/2006/main" xmlns:r="http://schemas.openxmlformats.org/officeDocument/2006/relationships" xmlns:p="http://schemas.openxmlformats.org/presentationml/2006/main">
   <p:cSld>
@@ -6563,7 +6732,7 @@
             <p:ph idx="1"/>
             <p:extLst>
               <p:ext uri="{D42A27DB-BD31-4B8C-83A1-F6EECF244321}">
-                <p14:modId xmlns:p14="http://schemas.microsoft.com/office/powerpoint/2010/main" val="314332833"/>
+                <p14:modId xmlns:p14="http://schemas.microsoft.com/office/powerpoint/2010/main" val="1072494817"/>
               </p:ext>
             </p:extLst>
           </p:nvPr>
@@ -7455,7 +7624,10 @@
                     <a:bodyPr/>
                     <a:lstStyle/>
                     <a:p>
-                      <a:endParaRPr lang="de-DE" dirty="0"/>
+                      <a:r>
+                        <a:rPr lang="de-DE" dirty="0"/>
+                        <a:t>Autonom</a:t>
+                      </a:r>
                     </a:p>
                   </a:txBody>
                   <a:tcPr/>
@@ -7667,7 +7839,10 @@
                     <a:bodyPr/>
                     <a:lstStyle/>
                     <a:p>
-                      <a:endParaRPr lang="de-DE" dirty="0"/>
+                      <a:r>
+                        <a:rPr lang="de-DE" dirty="0"/>
+                        <a:t>Encoder</a:t>
+                      </a:r>
                     </a:p>
                   </a:txBody>
                   <a:tcPr/>
@@ -7762,7 +7937,7 @@
                       </a:pPr>
                       <a:r>
                         <a:rPr lang="de-DE" dirty="0"/>
-                        <a:t>ABS</a:t>
+                        <a:t>Holz</a:t>
                       </a:r>
                     </a:p>
                   </a:txBody>
@@ -7773,9 +7948,26 @@
                     <a:bodyPr/>
                     <a:lstStyle/>
                     <a:p>
+                      <a:pPr marL="0" marR="0" lvl="0" indent="0" algn="l" defTabSz="914400" rtl="0" eaLnBrk="1" fontAlgn="auto" latinLnBrk="0" hangingPunct="1">
+                        <a:lnSpc>
+                          <a:spcPct val="100000"/>
+                        </a:lnSpc>
+                        <a:spcBef>
+                          <a:spcPts val="0"/>
+                        </a:spcBef>
+                        <a:spcAft>
+                          <a:spcPts val="0"/>
+                        </a:spcAft>
+                        <a:buClrTx/>
+                        <a:buSzTx/>
+                        <a:buFontTx/>
+                        <a:buNone/>
+                        <a:tabLst/>
+                        <a:defRPr/>
+                      </a:pPr>
                       <a:r>
                         <a:rPr lang="de-DE" dirty="0"/>
-                        <a:t>Holz</a:t>
+                        <a:t>ABS</a:t>
                       </a:r>
                     </a:p>
                   </a:txBody>
@@ -8019,8 +8211,8 @@
           </p:pic>
         </mc:Fallback>
       </mc:AlternateContent>
-      <mc:AlternateContent xmlns:mc="http://schemas.openxmlformats.org/markup-compatibility/2006" xmlns:p14="http://schemas.microsoft.com/office/powerpoint/2010/main">
-        <mc:Choice Requires="p14">
+      <mc:AlternateContent xmlns:mc="http://schemas.openxmlformats.org/markup-compatibility/2006">
+        <mc:Choice xmlns:p14="http://schemas.microsoft.com/office/powerpoint/2010/main" Requires="p14">
           <p:contentPart p14:bwMode="auto" r:id="rId5">
             <p14:nvContentPartPr>
               <p14:cNvPr id="22" name="Freihand 21">
@@ -8034,12 +8226,12 @@
               <p14:nvPr/>
             </p14:nvContentPartPr>
             <p14:xfrm>
-              <a:off x="6077674" y="1886407"/>
-              <a:ext cx="360" cy="630360"/>
+              <a:off x="6077674" y="2403137"/>
+              <a:ext cx="360" cy="113629"/>
             </p14:xfrm>
           </p:contentPart>
         </mc:Choice>
-        <mc:Fallback xmlns="">
+        <mc:Fallback>
           <p:pic>
             <p:nvPicPr>
               <p:cNvPr id="22" name="Freihand 21">
@@ -8053,15 +8245,15 @@
               <p:nvPr/>
             </p:nvPicPr>
             <p:blipFill>
-              <a:blip r:embed="rId10"/>
+              <a:blip r:embed="rId6"/>
               <a:stretch>
                 <a:fillRect/>
               </a:stretch>
             </p:blipFill>
             <p:spPr>
               <a:xfrm>
-                <a:off x="6060034" y="1850407"/>
-                <a:ext cx="36000" cy="702000"/>
+                <a:off x="6059674" y="2367292"/>
+                <a:ext cx="36000" cy="184961"/>
               </a:xfrm>
               <a:prstGeom prst="rect">
                 <a:avLst/>
@@ -8072,7 +8264,7 @@
       </mc:AlternateContent>
       <mc:AlternateContent xmlns:mc="http://schemas.openxmlformats.org/markup-compatibility/2006" xmlns:p14="http://schemas.microsoft.com/office/powerpoint/2010/main">
         <mc:Choice Requires="p14">
-          <p:contentPart p14:bwMode="auto" r:id="rId11">
+          <p:contentPart p14:bwMode="auto" r:id="rId7">
             <p14:nvContentPartPr>
               <p14:cNvPr id="23" name="Freihand 22">
                 <a:extLst>
@@ -8172,8 +8364,8 @@
           </p:pic>
         </mc:Fallback>
       </mc:AlternateContent>
-      <mc:AlternateContent xmlns:mc="http://schemas.openxmlformats.org/markup-compatibility/2006" xmlns:p14="http://schemas.microsoft.com/office/powerpoint/2010/main">
-        <mc:Choice Requires="p14">
+      <mc:AlternateContent xmlns:mc="http://schemas.openxmlformats.org/markup-compatibility/2006">
+        <mc:Choice xmlns:p14="http://schemas.microsoft.com/office/powerpoint/2010/main" Requires="p14">
           <p:contentPart p14:bwMode="auto" r:id="rId17">
             <p14:nvContentPartPr>
               <p14:cNvPr id="26" name="Freihand 25">
@@ -8187,12 +8379,12 @@
               <p14:nvPr/>
             </p14:nvContentPartPr>
             <p14:xfrm>
-              <a:off x="6017554" y="1990087"/>
+              <a:off x="8261525" y="1981368"/>
               <a:ext cx="117360" cy="100080"/>
             </p14:xfrm>
           </p:contentPart>
         </mc:Choice>
-        <mc:Fallback xmlns="">
+        <mc:Fallback>
           <p:pic>
             <p:nvPicPr>
               <p:cNvPr id="26" name="Freihand 25">
@@ -8213,7 +8405,7 @@
             </p:blipFill>
             <p:spPr>
               <a:xfrm>
-                <a:off x="5999554" y="1954447"/>
+                <a:off x="8243525" y="1945368"/>
                 <a:ext cx="153000" cy="171720"/>
               </a:xfrm>
               <a:prstGeom prst="rect">
@@ -8325,8 +8517,8 @@
           </p:pic>
         </mc:Fallback>
       </mc:AlternateContent>
-      <mc:AlternateContent xmlns:mc="http://schemas.openxmlformats.org/markup-compatibility/2006">
-        <mc:Choice xmlns:p14="http://schemas.microsoft.com/office/powerpoint/2010/main" Requires="p14">
+      <mc:AlternateContent xmlns:mc="http://schemas.openxmlformats.org/markup-compatibility/2006" xmlns:p14="http://schemas.microsoft.com/office/powerpoint/2010/main">
+        <mc:Choice Requires="p14">
           <p:contentPart p14:bwMode="auto" r:id="rId23">
             <p14:nvContentPartPr>
               <p14:cNvPr id="6" name="Freihand 5">
@@ -8345,7 +8537,7 @@
             </p14:xfrm>
           </p:contentPart>
         </mc:Choice>
-        <mc:Fallback>
+        <mc:Fallback xmlns="">
           <p:pic>
             <p:nvPicPr>
               <p:cNvPr id="6" name="Freihand 5">
@@ -8478,8 +8670,8 @@
           </p:pic>
         </mc:Fallback>
       </mc:AlternateContent>
-      <mc:AlternateContent xmlns:mc="http://schemas.openxmlformats.org/markup-compatibility/2006">
-        <mc:Choice xmlns:p14="http://schemas.microsoft.com/office/powerpoint/2010/main" Requires="p14">
+      <mc:AlternateContent xmlns:mc="http://schemas.openxmlformats.org/markup-compatibility/2006" xmlns:p14="http://schemas.microsoft.com/office/powerpoint/2010/main">
+        <mc:Choice Requires="p14">
           <p:contentPart p14:bwMode="auto" r:id="rId33">
             <p14:nvContentPartPr>
               <p14:cNvPr id="14" name="Freihand 13">
@@ -8498,7 +8690,7 @@
             </p14:xfrm>
           </p:contentPart>
         </mc:Choice>
-        <mc:Fallback>
+        <mc:Fallback xmlns="">
           <p:pic>
             <p:nvPicPr>
               <p:cNvPr id="14" name="Freihand 13">
@@ -10824,8 +11016,8 @@
           </p:pic>
         </mc:Fallback>
       </mc:AlternateContent>
-      <mc:AlternateContent xmlns:mc="http://schemas.openxmlformats.org/markup-compatibility/2006">
-        <mc:Choice xmlns:p14="http://schemas.microsoft.com/office/powerpoint/2010/main" Requires="p14">
+      <mc:AlternateContent xmlns:mc="http://schemas.openxmlformats.org/markup-compatibility/2006" xmlns:p14="http://schemas.microsoft.com/office/powerpoint/2010/main">
+        <mc:Choice Requires="p14">
           <p:contentPart p14:bwMode="auto" r:id="rId137">
             <p14:nvContentPartPr>
               <p14:cNvPr id="24" name="Freihand 23">
@@ -10844,7 +11036,7 @@
             </p14:xfrm>
           </p:contentPart>
         </mc:Choice>
-        <mc:Fallback>
+        <mc:Fallback xmlns="">
           <p:pic>
             <p:nvPicPr>
               <p:cNvPr id="24" name="Freihand 23">
@@ -10875,8 +11067,8 @@
           </p:pic>
         </mc:Fallback>
       </mc:AlternateContent>
-      <mc:AlternateContent xmlns:mc="http://schemas.openxmlformats.org/markup-compatibility/2006">
-        <mc:Choice xmlns:p14="http://schemas.microsoft.com/office/powerpoint/2010/main" Requires="p14">
+      <mc:AlternateContent xmlns:mc="http://schemas.openxmlformats.org/markup-compatibility/2006" xmlns:p14="http://schemas.microsoft.com/office/powerpoint/2010/main">
+        <mc:Choice Requires="p14">
           <p:contentPart p14:bwMode="auto" r:id="rId139">
             <p14:nvContentPartPr>
               <p14:cNvPr id="103" name="Freihand 102">
@@ -10895,7 +11087,7 @@
             </p14:xfrm>
           </p:contentPart>
         </mc:Choice>
-        <mc:Fallback>
+        <mc:Fallback xmlns="">
           <p:pic>
             <p:nvPicPr>
               <p:cNvPr id="103" name="Freihand 102">
@@ -10926,8 +11118,8 @@
           </p:pic>
         </mc:Fallback>
       </mc:AlternateContent>
-      <mc:AlternateContent xmlns:mc="http://schemas.openxmlformats.org/markup-compatibility/2006">
-        <mc:Choice xmlns:p14="http://schemas.microsoft.com/office/powerpoint/2010/main" Requires="p14">
+      <mc:AlternateContent xmlns:mc="http://schemas.openxmlformats.org/markup-compatibility/2006" xmlns:p14="http://schemas.microsoft.com/office/powerpoint/2010/main">
+        <mc:Choice Requires="p14">
           <p:contentPart p14:bwMode="auto" r:id="rId141">
             <p14:nvContentPartPr>
               <p14:cNvPr id="104" name="Freihand 103">
@@ -10946,7 +11138,7 @@
             </p14:xfrm>
           </p:contentPart>
         </mc:Choice>
-        <mc:Fallback>
+        <mc:Fallback xmlns="">
           <p:pic>
             <p:nvPicPr>
               <p:cNvPr id="104" name="Freihand 103">
@@ -10977,8 +11169,8 @@
           </p:pic>
         </mc:Fallback>
       </mc:AlternateContent>
-      <mc:AlternateContent xmlns:mc="http://schemas.openxmlformats.org/markup-compatibility/2006">
-        <mc:Choice xmlns:p14="http://schemas.microsoft.com/office/powerpoint/2010/main" Requires="p14">
+      <mc:AlternateContent xmlns:mc="http://schemas.openxmlformats.org/markup-compatibility/2006" xmlns:p14="http://schemas.microsoft.com/office/powerpoint/2010/main">
+        <mc:Choice Requires="p14">
           <p:contentPart p14:bwMode="auto" r:id="rId143">
             <p14:nvContentPartPr>
               <p14:cNvPr id="11" name="Freihand 10">
@@ -10997,7 +11189,7 @@
             </p14:xfrm>
           </p:contentPart>
         </mc:Choice>
-        <mc:Fallback>
+        <mc:Fallback xmlns="">
           <p:pic>
             <p:nvPicPr>
               <p:cNvPr id="11" name="Freihand 10">
@@ -11028,8 +11220,8 @@
           </p:pic>
         </mc:Fallback>
       </mc:AlternateContent>
-      <mc:AlternateContent xmlns:mc="http://schemas.openxmlformats.org/markup-compatibility/2006">
-        <mc:Choice xmlns:p14="http://schemas.microsoft.com/office/powerpoint/2010/main" Requires="p14">
+      <mc:AlternateContent xmlns:mc="http://schemas.openxmlformats.org/markup-compatibility/2006" xmlns:p14="http://schemas.microsoft.com/office/powerpoint/2010/main">
+        <mc:Choice Requires="p14">
           <p:contentPart p14:bwMode="auto" r:id="rId145">
             <p14:nvContentPartPr>
               <p14:cNvPr id="105" name="Freihand 104">
@@ -11048,7 +11240,7 @@
             </p14:xfrm>
           </p:contentPart>
         </mc:Choice>
-        <mc:Fallback>
+        <mc:Fallback xmlns="">
           <p:pic>
             <p:nvPicPr>
               <p:cNvPr id="105" name="Freihand 104">
@@ -11079,8 +11271,8 @@
           </p:pic>
         </mc:Fallback>
       </mc:AlternateContent>
-      <mc:AlternateContent xmlns:mc="http://schemas.openxmlformats.org/markup-compatibility/2006">
-        <mc:Choice xmlns:p14="http://schemas.microsoft.com/office/powerpoint/2010/main" Requires="p14">
+      <mc:AlternateContent xmlns:mc="http://schemas.openxmlformats.org/markup-compatibility/2006" xmlns:p14="http://schemas.microsoft.com/office/powerpoint/2010/main">
+        <mc:Choice Requires="p14">
           <p:contentPart p14:bwMode="auto" r:id="rId147">
             <p14:nvContentPartPr>
               <p14:cNvPr id="15" name="Freihand 14">
@@ -11099,7 +11291,7 @@
             </p14:xfrm>
           </p:contentPart>
         </mc:Choice>
-        <mc:Fallback>
+        <mc:Fallback xmlns="">
           <p:pic>
             <p:nvPicPr>
               <p:cNvPr id="15" name="Freihand 14">
@@ -11130,8 +11322,8 @@
           </p:pic>
         </mc:Fallback>
       </mc:AlternateContent>
-      <mc:AlternateContent xmlns:mc="http://schemas.openxmlformats.org/markup-compatibility/2006">
-        <mc:Choice xmlns:p14="http://schemas.microsoft.com/office/powerpoint/2010/main" Requires="p14">
+      <mc:AlternateContent xmlns:mc="http://schemas.openxmlformats.org/markup-compatibility/2006" xmlns:p14="http://schemas.microsoft.com/office/powerpoint/2010/main">
+        <mc:Choice Requires="p14">
           <p:contentPart p14:bwMode="auto" r:id="rId149">
             <p14:nvContentPartPr>
               <p14:cNvPr id="70" name="Freihand 69">
@@ -11150,7 +11342,7 @@
             </p14:xfrm>
           </p:contentPart>
         </mc:Choice>
-        <mc:Fallback>
+        <mc:Fallback xmlns="">
           <p:pic>
             <p:nvPicPr>
               <p:cNvPr id="70" name="Freihand 69">
@@ -11173,6 +11365,57 @@
               <a:xfrm>
                 <a:off x="3651729" y="5725969"/>
                 <a:ext cx="1964520" cy="446760"/>
+              </a:xfrm>
+              <a:prstGeom prst="rect">
+                <a:avLst/>
+              </a:prstGeom>
+            </p:spPr>
+          </p:pic>
+        </mc:Fallback>
+      </mc:AlternateContent>
+      <mc:AlternateContent xmlns:mc="http://schemas.openxmlformats.org/markup-compatibility/2006">
+        <mc:Choice xmlns:p14="http://schemas.microsoft.com/office/powerpoint/2010/main" Requires="p14">
+          <p:contentPart p14:bwMode="auto" r:id="rId151">
+            <p14:nvContentPartPr>
+              <p14:cNvPr id="72" name="Freihand 71">
+                <a:extLst>
+                  <a:ext uri="{FF2B5EF4-FFF2-40B4-BE49-F238E27FC236}">
+                    <a16:creationId xmlns:a16="http://schemas.microsoft.com/office/drawing/2014/main" id="{27255B57-CCAA-4F41-8D8A-F2392A5BEA38}"/>
+                  </a:ext>
+                </a:extLst>
+              </p14:cNvPr>
+              <p14:cNvContentPartPr/>
+              <p14:nvPr/>
+            </p14:nvContentPartPr>
+            <p14:xfrm>
+              <a:off x="6117972" y="2043801"/>
+              <a:ext cx="2182320" cy="345960"/>
+            </p14:xfrm>
+          </p:contentPart>
+        </mc:Choice>
+        <mc:Fallback>
+          <p:pic>
+            <p:nvPicPr>
+              <p:cNvPr id="72" name="Freihand 71">
+                <a:extLst>
+                  <a:ext uri="{FF2B5EF4-FFF2-40B4-BE49-F238E27FC236}">
+                    <a16:creationId xmlns:a16="http://schemas.microsoft.com/office/drawing/2014/main" id="{27255B57-CCAA-4F41-8D8A-F2392A5BEA38}"/>
+                  </a:ext>
+                </a:extLst>
+              </p:cNvPr>
+              <p:cNvPicPr/>
+              <p:nvPr/>
+            </p:nvPicPr>
+            <p:blipFill>
+              <a:blip r:embed="rId152"/>
+              <a:stretch>
+                <a:fillRect/>
+              </a:stretch>
+            </p:blipFill>
+            <p:spPr>
+              <a:xfrm>
+                <a:off x="6100332" y="2007801"/>
+                <a:ext cx="2217960" cy="417600"/>
               </a:xfrm>
               <a:prstGeom prst="rect">
                 <a:avLst/>
@@ -11225,7 +11468,7 @@
                                           </p:stCondLst>
                                         </p:cTn>
                                         <p:tgtEl>
-                                          <p:spTgt spid="78"/>
+                                          <p:spTgt spid="66"/>
                                         </p:tgtEl>
                                         <p:attrNameLst>
                                           <p:attrName>style.visibility</p:attrName>
@@ -11252,7 +11495,7 @@
                                           </p:stCondLst>
                                         </p:cTn>
                                         <p:tgtEl>
-                                          <p:spTgt spid="7"/>
+                                          <p:spTgt spid="31"/>
                                         </p:tgtEl>
                                         <p:attrNameLst>
                                           <p:attrName>style.visibility</p:attrName>
@@ -11279,7 +11522,7 @@
                                           </p:stCondLst>
                                         </p:cTn>
                                         <p:tgtEl>
-                                          <p:spTgt spid="76"/>
+                                          <p:spTgt spid="64"/>
                                         </p:tgtEl>
                                         <p:attrNameLst>
                                           <p:attrName>style.visibility</p:attrName>
@@ -11306,7 +11549,7 @@
                                           </p:stCondLst>
                                         </p:cTn>
                                         <p:tgtEl>
-                                          <p:spTgt spid="77"/>
+                                          <p:spTgt spid="30"/>
                                         </p:tgtEl>
                                         <p:attrNameLst>
                                           <p:attrName>style.visibility</p:attrName>
@@ -11333,7 +11576,7 @@
                                           </p:stCondLst>
                                         </p:cTn>
                                         <p:tgtEl>
-                                          <p:spTgt spid="79"/>
+                                          <p:spTgt spid="65"/>
                                         </p:tgtEl>
                                         <p:attrNameLst>
                                           <p:attrName>style.visibility</p:attrName>
@@ -11360,7 +11603,7 @@
                                           </p:stCondLst>
                                         </p:cTn>
                                         <p:tgtEl>
-                                          <p:spTgt spid="74"/>
+                                          <p:spTgt spid="29"/>
                                         </p:tgtEl>
                                         <p:attrNameLst>
                                           <p:attrName>style.visibility</p:attrName>
@@ -11387,7 +11630,7 @@
                                           </p:stCondLst>
                                         </p:cTn>
                                         <p:tgtEl>
-                                          <p:spTgt spid="80"/>
+                                          <p:spTgt spid="20"/>
                                         </p:tgtEl>
                                         <p:attrNameLst>
                                           <p:attrName>style.visibility</p:attrName>
@@ -11414,7 +11657,7 @@
                                           </p:stCondLst>
                                         </p:cTn>
                                         <p:tgtEl>
-                                          <p:spTgt spid="73"/>
+                                          <p:spTgt spid="19"/>
                                         </p:tgtEl>
                                         <p:attrNameLst>
                                           <p:attrName>style.visibility</p:attrName>
@@ -11441,7 +11684,7 @@
                                           </p:stCondLst>
                                         </p:cTn>
                                         <p:tgtEl>
-                                          <p:spTgt spid="8"/>
+                                          <p:spTgt spid="18"/>
                                         </p:tgtEl>
                                         <p:attrNameLst>
                                           <p:attrName>style.visibility</p:attrName>
@@ -11468,7 +11711,7 @@
                                           </p:stCondLst>
                                         </p:cTn>
                                         <p:tgtEl>
-                                          <p:spTgt spid="81"/>
+                                          <p:spTgt spid="12"/>
                                         </p:tgtEl>
                                         <p:attrNameLst>
                                           <p:attrName>style.visibility</p:attrName>
@@ -11495,7 +11738,7 @@
                                           </p:stCondLst>
                                         </p:cTn>
                                         <p:tgtEl>
-                                          <p:spTgt spid="82"/>
+                                          <p:spTgt spid="16"/>
                                         </p:tgtEl>
                                         <p:attrNameLst>
                                           <p:attrName>style.visibility</p:attrName>
@@ -11522,7 +11765,7 @@
                                           </p:stCondLst>
                                         </p:cTn>
                                         <p:tgtEl>
-                                          <p:spTgt spid="3"/>
+                                          <p:spTgt spid="14"/>
                                         </p:tgtEl>
                                         <p:attrNameLst>
                                           <p:attrName>style.visibility</p:attrName>
@@ -11549,7 +11792,7 @@
                                           </p:stCondLst>
                                         </p:cTn>
                                         <p:tgtEl>
-                                          <p:spTgt spid="9"/>
+                                          <p:spTgt spid="6"/>
                                         </p:tgtEl>
                                         <p:attrNameLst>
                                           <p:attrName>style.visibility</p:attrName>
@@ -11576,7 +11819,7 @@
                                           </p:stCondLst>
                                         </p:cTn>
                                         <p:tgtEl>
-                                          <p:spTgt spid="17"/>
+                                          <p:spTgt spid="13"/>
                                         </p:tgtEl>
                                         <p:attrNameLst>
                                           <p:attrName>style.visibility</p:attrName>
@@ -11603,7 +11846,7 @@
                                           </p:stCondLst>
                                         </p:cTn>
                                         <p:tgtEl>
-                                          <p:spTgt spid="67"/>
+                                          <p:spTgt spid="23"/>
                                         </p:tgtEl>
                                         <p:attrNameLst>
                                           <p:attrName>style.visibility</p:attrName>
@@ -11630,7 +11873,7 @@
                                           </p:stCondLst>
                                         </p:cTn>
                                         <p:tgtEl>
-                                          <p:spTgt spid="68"/>
+                                          <p:spTgt spid="28"/>
                                         </p:tgtEl>
                                         <p:attrNameLst>
                                           <p:attrName>style.visibility</p:attrName>
@@ -11657,7 +11900,7 @@
                                           </p:stCondLst>
                                         </p:cTn>
                                         <p:tgtEl>
-                                          <p:spTgt spid="85"/>
+                                          <p:spTgt spid="27"/>
                                         </p:tgtEl>
                                         <p:attrNameLst>
                                           <p:attrName>style.visibility</p:attrName>
@@ -11684,11 +11927,7 @@
                                           </p:stCondLst>
                                         </p:cTn>
                                         <p:tgtEl>
-                                          <p:spTgt spid="21">
-                                            <p:txEl>
-                                              <p:pRg st="0" end="0"/>
-                                            </p:txEl>
-                                          </p:spTgt>
+                                          <p:spTgt spid="25"/>
                                         </p:tgtEl>
                                         <p:attrNameLst>
                                           <p:attrName>style.visibility</p:attrName>
@@ -11715,7 +11954,7 @@
                                           </p:stCondLst>
                                         </p:cTn>
                                         <p:tgtEl>
-                                          <p:spTgt spid="15"/>
+                                          <p:spTgt spid="26"/>
                                         </p:tgtEl>
                                         <p:attrNameLst>
                                           <p:attrName>style.visibility</p:attrName>
@@ -11742,7 +11981,7 @@
                                           </p:stCondLst>
                                         </p:cTn>
                                         <p:tgtEl>
-                                          <p:spTgt spid="11"/>
+                                          <p:spTgt spid="22"/>
                                         </p:tgtEl>
                                         <p:attrNameLst>
                                           <p:attrName>style.visibility</p:attrName>
@@ -11769,7 +12008,7 @@
                                           </p:stCondLst>
                                         </p:cTn>
                                         <p:tgtEl>
-                                          <p:spTgt spid="70"/>
+                                          <p:spTgt spid="24"/>
                                         </p:tgtEl>
                                         <p:attrNameLst>
                                           <p:attrName>style.visibility</p:attrName>
@@ -11796,7 +12035,7 @@
                                           </p:stCondLst>
                                         </p:cTn>
                                         <p:tgtEl>
-                                          <p:spTgt spid="105"/>
+                                          <p:spTgt spid="104"/>
                                         </p:tgtEl>
                                         <p:attrNameLst>
                                           <p:attrName>style.visibility</p:attrName>
@@ -11809,26 +12048,35 @@
                                   </p:childTnLst>
                                 </p:cTn>
                               </p:par>
-                            </p:childTnLst>
-                          </p:cTn>
-                        </p:par>
-                      </p:childTnLst>
-                    </p:cTn>
-                  </p:par>
-                  <p:par>
-                    <p:cTn id="49" fill="hold">
-                      <p:stCondLst>
-                        <p:cond delay="indefinite"/>
-                      </p:stCondLst>
-                      <p:childTnLst>
-                        <p:par>
-                          <p:cTn id="50" fill="hold">
-                            <p:stCondLst>
-                              <p:cond delay="0"/>
-                            </p:stCondLst>
-                            <p:childTnLst>
                               <p:par>
-                                <p:cTn id="51" presetID="1" presetClass="entr" presetSubtype="0" fill="hold" nodeType="clickEffect">
+                                <p:cTn id="49" presetID="1" presetClass="entr" presetSubtype="0" fill="hold" nodeType="withEffect">
+                                  <p:stCondLst>
+                                    <p:cond delay="0"/>
+                                  </p:stCondLst>
+                                  <p:childTnLst>
+                                    <p:set>
+                                      <p:cBhvr>
+                                        <p:cTn id="50" dur="1" fill="hold">
+                                          <p:stCondLst>
+                                            <p:cond delay="0"/>
+                                          </p:stCondLst>
+                                        </p:cTn>
+                                        <p:tgtEl>
+                                          <p:spTgt spid="103"/>
+                                        </p:tgtEl>
+                                        <p:attrNameLst>
+                                          <p:attrName>style.visibility</p:attrName>
+                                        </p:attrNameLst>
+                                      </p:cBhvr>
+                                      <p:to>
+                                        <p:strVal val="visible"/>
+                                      </p:to>
+                                    </p:set>
+                                  </p:childTnLst>
+                                </p:cTn>
+                              </p:par>
+                              <p:par>
+                                <p:cTn id="51" presetID="1" presetClass="entr" presetSubtype="0" fill="hold" nodeType="withEffect">
                                   <p:stCondLst>
                                     <p:cond delay="0"/>
                                   </p:stCondLst>
@@ -11841,7 +12089,7 @@
                                           </p:stCondLst>
                                         </p:cTn>
                                         <p:tgtEl>
-                                          <p:spTgt spid="66"/>
+                                          <p:spTgt spid="72"/>
                                         </p:tgtEl>
                                         <p:attrNameLst>
                                           <p:attrName>style.visibility</p:attrName>
@@ -11863,600 +12111,6 @@
                                     <p:set>
                                       <p:cBhvr>
                                         <p:cTn id="54" dur="1" fill="hold">
-                                          <p:stCondLst>
-                                            <p:cond delay="0"/>
-                                          </p:stCondLst>
-                                        </p:cTn>
-                                        <p:tgtEl>
-                                          <p:spTgt spid="31"/>
-                                        </p:tgtEl>
-                                        <p:attrNameLst>
-                                          <p:attrName>style.visibility</p:attrName>
-                                        </p:attrNameLst>
-                                      </p:cBhvr>
-                                      <p:to>
-                                        <p:strVal val="visible"/>
-                                      </p:to>
-                                    </p:set>
-                                  </p:childTnLst>
-                                </p:cTn>
-                              </p:par>
-                              <p:par>
-                                <p:cTn id="55" presetID="1" presetClass="entr" presetSubtype="0" fill="hold" nodeType="withEffect">
-                                  <p:stCondLst>
-                                    <p:cond delay="0"/>
-                                  </p:stCondLst>
-                                  <p:childTnLst>
-                                    <p:set>
-                                      <p:cBhvr>
-                                        <p:cTn id="56" dur="1" fill="hold">
-                                          <p:stCondLst>
-                                            <p:cond delay="0"/>
-                                          </p:stCondLst>
-                                        </p:cTn>
-                                        <p:tgtEl>
-                                          <p:spTgt spid="64"/>
-                                        </p:tgtEl>
-                                        <p:attrNameLst>
-                                          <p:attrName>style.visibility</p:attrName>
-                                        </p:attrNameLst>
-                                      </p:cBhvr>
-                                      <p:to>
-                                        <p:strVal val="visible"/>
-                                      </p:to>
-                                    </p:set>
-                                  </p:childTnLst>
-                                </p:cTn>
-                              </p:par>
-                              <p:par>
-                                <p:cTn id="57" presetID="1" presetClass="entr" presetSubtype="0" fill="hold" nodeType="withEffect">
-                                  <p:stCondLst>
-                                    <p:cond delay="0"/>
-                                  </p:stCondLst>
-                                  <p:childTnLst>
-                                    <p:set>
-                                      <p:cBhvr>
-                                        <p:cTn id="58" dur="1" fill="hold">
-                                          <p:stCondLst>
-                                            <p:cond delay="0"/>
-                                          </p:stCondLst>
-                                        </p:cTn>
-                                        <p:tgtEl>
-                                          <p:spTgt spid="30"/>
-                                        </p:tgtEl>
-                                        <p:attrNameLst>
-                                          <p:attrName>style.visibility</p:attrName>
-                                        </p:attrNameLst>
-                                      </p:cBhvr>
-                                      <p:to>
-                                        <p:strVal val="visible"/>
-                                      </p:to>
-                                    </p:set>
-                                  </p:childTnLst>
-                                </p:cTn>
-                              </p:par>
-                              <p:par>
-                                <p:cTn id="59" presetID="1" presetClass="entr" presetSubtype="0" fill="hold" nodeType="withEffect">
-                                  <p:stCondLst>
-                                    <p:cond delay="0"/>
-                                  </p:stCondLst>
-                                  <p:childTnLst>
-                                    <p:set>
-                                      <p:cBhvr>
-                                        <p:cTn id="60" dur="1" fill="hold">
-                                          <p:stCondLst>
-                                            <p:cond delay="0"/>
-                                          </p:stCondLst>
-                                        </p:cTn>
-                                        <p:tgtEl>
-                                          <p:spTgt spid="65"/>
-                                        </p:tgtEl>
-                                        <p:attrNameLst>
-                                          <p:attrName>style.visibility</p:attrName>
-                                        </p:attrNameLst>
-                                      </p:cBhvr>
-                                      <p:to>
-                                        <p:strVal val="visible"/>
-                                      </p:to>
-                                    </p:set>
-                                  </p:childTnLst>
-                                </p:cTn>
-                              </p:par>
-                              <p:par>
-                                <p:cTn id="61" presetID="1" presetClass="entr" presetSubtype="0" fill="hold" nodeType="withEffect">
-                                  <p:stCondLst>
-                                    <p:cond delay="0"/>
-                                  </p:stCondLst>
-                                  <p:childTnLst>
-                                    <p:set>
-                                      <p:cBhvr>
-                                        <p:cTn id="62" dur="1" fill="hold">
-                                          <p:stCondLst>
-                                            <p:cond delay="0"/>
-                                          </p:stCondLst>
-                                        </p:cTn>
-                                        <p:tgtEl>
-                                          <p:spTgt spid="29"/>
-                                        </p:tgtEl>
-                                        <p:attrNameLst>
-                                          <p:attrName>style.visibility</p:attrName>
-                                        </p:attrNameLst>
-                                      </p:cBhvr>
-                                      <p:to>
-                                        <p:strVal val="visible"/>
-                                      </p:to>
-                                    </p:set>
-                                  </p:childTnLst>
-                                </p:cTn>
-                              </p:par>
-                              <p:par>
-                                <p:cTn id="63" presetID="1" presetClass="entr" presetSubtype="0" fill="hold" nodeType="withEffect">
-                                  <p:stCondLst>
-                                    <p:cond delay="0"/>
-                                  </p:stCondLst>
-                                  <p:childTnLst>
-                                    <p:set>
-                                      <p:cBhvr>
-                                        <p:cTn id="64" dur="1" fill="hold">
-                                          <p:stCondLst>
-                                            <p:cond delay="0"/>
-                                          </p:stCondLst>
-                                        </p:cTn>
-                                        <p:tgtEl>
-                                          <p:spTgt spid="20"/>
-                                        </p:tgtEl>
-                                        <p:attrNameLst>
-                                          <p:attrName>style.visibility</p:attrName>
-                                        </p:attrNameLst>
-                                      </p:cBhvr>
-                                      <p:to>
-                                        <p:strVal val="visible"/>
-                                      </p:to>
-                                    </p:set>
-                                  </p:childTnLst>
-                                </p:cTn>
-                              </p:par>
-                              <p:par>
-                                <p:cTn id="65" presetID="1" presetClass="entr" presetSubtype="0" fill="hold" nodeType="withEffect">
-                                  <p:stCondLst>
-                                    <p:cond delay="0"/>
-                                  </p:stCondLst>
-                                  <p:childTnLst>
-                                    <p:set>
-                                      <p:cBhvr>
-                                        <p:cTn id="66" dur="1" fill="hold">
-                                          <p:stCondLst>
-                                            <p:cond delay="0"/>
-                                          </p:stCondLst>
-                                        </p:cTn>
-                                        <p:tgtEl>
-                                          <p:spTgt spid="19"/>
-                                        </p:tgtEl>
-                                        <p:attrNameLst>
-                                          <p:attrName>style.visibility</p:attrName>
-                                        </p:attrNameLst>
-                                      </p:cBhvr>
-                                      <p:to>
-                                        <p:strVal val="visible"/>
-                                      </p:to>
-                                    </p:set>
-                                  </p:childTnLst>
-                                </p:cTn>
-                              </p:par>
-                              <p:par>
-                                <p:cTn id="67" presetID="1" presetClass="entr" presetSubtype="0" fill="hold" nodeType="withEffect">
-                                  <p:stCondLst>
-                                    <p:cond delay="0"/>
-                                  </p:stCondLst>
-                                  <p:childTnLst>
-                                    <p:set>
-                                      <p:cBhvr>
-                                        <p:cTn id="68" dur="1" fill="hold">
-                                          <p:stCondLst>
-                                            <p:cond delay="0"/>
-                                          </p:stCondLst>
-                                        </p:cTn>
-                                        <p:tgtEl>
-                                          <p:spTgt spid="18"/>
-                                        </p:tgtEl>
-                                        <p:attrNameLst>
-                                          <p:attrName>style.visibility</p:attrName>
-                                        </p:attrNameLst>
-                                      </p:cBhvr>
-                                      <p:to>
-                                        <p:strVal val="visible"/>
-                                      </p:to>
-                                    </p:set>
-                                  </p:childTnLst>
-                                </p:cTn>
-                              </p:par>
-                              <p:par>
-                                <p:cTn id="69" presetID="1" presetClass="entr" presetSubtype="0" fill="hold" nodeType="withEffect">
-                                  <p:stCondLst>
-                                    <p:cond delay="0"/>
-                                  </p:stCondLst>
-                                  <p:childTnLst>
-                                    <p:set>
-                                      <p:cBhvr>
-                                        <p:cTn id="70" dur="1" fill="hold">
-                                          <p:stCondLst>
-                                            <p:cond delay="0"/>
-                                          </p:stCondLst>
-                                        </p:cTn>
-                                        <p:tgtEl>
-                                          <p:spTgt spid="12"/>
-                                        </p:tgtEl>
-                                        <p:attrNameLst>
-                                          <p:attrName>style.visibility</p:attrName>
-                                        </p:attrNameLst>
-                                      </p:cBhvr>
-                                      <p:to>
-                                        <p:strVal val="visible"/>
-                                      </p:to>
-                                    </p:set>
-                                  </p:childTnLst>
-                                </p:cTn>
-                              </p:par>
-                              <p:par>
-                                <p:cTn id="71" presetID="1" presetClass="entr" presetSubtype="0" fill="hold" nodeType="withEffect">
-                                  <p:stCondLst>
-                                    <p:cond delay="0"/>
-                                  </p:stCondLst>
-                                  <p:childTnLst>
-                                    <p:set>
-                                      <p:cBhvr>
-                                        <p:cTn id="72" dur="1" fill="hold">
-                                          <p:stCondLst>
-                                            <p:cond delay="0"/>
-                                          </p:stCondLst>
-                                        </p:cTn>
-                                        <p:tgtEl>
-                                          <p:spTgt spid="16"/>
-                                        </p:tgtEl>
-                                        <p:attrNameLst>
-                                          <p:attrName>style.visibility</p:attrName>
-                                        </p:attrNameLst>
-                                      </p:cBhvr>
-                                      <p:to>
-                                        <p:strVal val="visible"/>
-                                      </p:to>
-                                    </p:set>
-                                  </p:childTnLst>
-                                </p:cTn>
-                              </p:par>
-                              <p:par>
-                                <p:cTn id="73" presetID="1" presetClass="entr" presetSubtype="0" fill="hold" nodeType="withEffect">
-                                  <p:stCondLst>
-                                    <p:cond delay="0"/>
-                                  </p:stCondLst>
-                                  <p:childTnLst>
-                                    <p:set>
-                                      <p:cBhvr>
-                                        <p:cTn id="74" dur="1" fill="hold">
-                                          <p:stCondLst>
-                                            <p:cond delay="0"/>
-                                          </p:stCondLst>
-                                        </p:cTn>
-                                        <p:tgtEl>
-                                          <p:spTgt spid="14"/>
-                                        </p:tgtEl>
-                                        <p:attrNameLst>
-                                          <p:attrName>style.visibility</p:attrName>
-                                        </p:attrNameLst>
-                                      </p:cBhvr>
-                                      <p:to>
-                                        <p:strVal val="visible"/>
-                                      </p:to>
-                                    </p:set>
-                                  </p:childTnLst>
-                                </p:cTn>
-                              </p:par>
-                              <p:par>
-                                <p:cTn id="75" presetID="1" presetClass="entr" presetSubtype="0" fill="hold" nodeType="withEffect">
-                                  <p:stCondLst>
-                                    <p:cond delay="0"/>
-                                  </p:stCondLst>
-                                  <p:childTnLst>
-                                    <p:set>
-                                      <p:cBhvr>
-                                        <p:cTn id="76" dur="1" fill="hold">
-                                          <p:stCondLst>
-                                            <p:cond delay="0"/>
-                                          </p:stCondLst>
-                                        </p:cTn>
-                                        <p:tgtEl>
-                                          <p:spTgt spid="6"/>
-                                        </p:tgtEl>
-                                        <p:attrNameLst>
-                                          <p:attrName>style.visibility</p:attrName>
-                                        </p:attrNameLst>
-                                      </p:cBhvr>
-                                      <p:to>
-                                        <p:strVal val="visible"/>
-                                      </p:to>
-                                    </p:set>
-                                  </p:childTnLst>
-                                </p:cTn>
-                              </p:par>
-                              <p:par>
-                                <p:cTn id="77" presetID="1" presetClass="entr" presetSubtype="0" fill="hold" nodeType="withEffect">
-                                  <p:stCondLst>
-                                    <p:cond delay="0"/>
-                                  </p:stCondLst>
-                                  <p:childTnLst>
-                                    <p:set>
-                                      <p:cBhvr>
-                                        <p:cTn id="78" dur="1" fill="hold">
-                                          <p:stCondLst>
-                                            <p:cond delay="0"/>
-                                          </p:stCondLst>
-                                        </p:cTn>
-                                        <p:tgtEl>
-                                          <p:spTgt spid="13"/>
-                                        </p:tgtEl>
-                                        <p:attrNameLst>
-                                          <p:attrName>style.visibility</p:attrName>
-                                        </p:attrNameLst>
-                                      </p:cBhvr>
-                                      <p:to>
-                                        <p:strVal val="visible"/>
-                                      </p:to>
-                                    </p:set>
-                                  </p:childTnLst>
-                                </p:cTn>
-                              </p:par>
-                              <p:par>
-                                <p:cTn id="79" presetID="1" presetClass="entr" presetSubtype="0" fill="hold" nodeType="withEffect">
-                                  <p:stCondLst>
-                                    <p:cond delay="0"/>
-                                  </p:stCondLst>
-                                  <p:childTnLst>
-                                    <p:set>
-                                      <p:cBhvr>
-                                        <p:cTn id="80" dur="1" fill="hold">
-                                          <p:stCondLst>
-                                            <p:cond delay="0"/>
-                                          </p:stCondLst>
-                                        </p:cTn>
-                                        <p:tgtEl>
-                                          <p:spTgt spid="23"/>
-                                        </p:tgtEl>
-                                        <p:attrNameLst>
-                                          <p:attrName>style.visibility</p:attrName>
-                                        </p:attrNameLst>
-                                      </p:cBhvr>
-                                      <p:to>
-                                        <p:strVal val="visible"/>
-                                      </p:to>
-                                    </p:set>
-                                  </p:childTnLst>
-                                </p:cTn>
-                              </p:par>
-                              <p:par>
-                                <p:cTn id="81" presetID="1" presetClass="entr" presetSubtype="0" fill="hold" nodeType="withEffect">
-                                  <p:stCondLst>
-                                    <p:cond delay="0"/>
-                                  </p:stCondLst>
-                                  <p:childTnLst>
-                                    <p:set>
-                                      <p:cBhvr>
-                                        <p:cTn id="82" dur="1" fill="hold">
-                                          <p:stCondLst>
-                                            <p:cond delay="0"/>
-                                          </p:stCondLst>
-                                        </p:cTn>
-                                        <p:tgtEl>
-                                          <p:spTgt spid="28"/>
-                                        </p:tgtEl>
-                                        <p:attrNameLst>
-                                          <p:attrName>style.visibility</p:attrName>
-                                        </p:attrNameLst>
-                                      </p:cBhvr>
-                                      <p:to>
-                                        <p:strVal val="visible"/>
-                                      </p:to>
-                                    </p:set>
-                                  </p:childTnLst>
-                                </p:cTn>
-                              </p:par>
-                              <p:par>
-                                <p:cTn id="83" presetID="1" presetClass="entr" presetSubtype="0" fill="hold" nodeType="withEffect">
-                                  <p:stCondLst>
-                                    <p:cond delay="0"/>
-                                  </p:stCondLst>
-                                  <p:childTnLst>
-                                    <p:set>
-                                      <p:cBhvr>
-                                        <p:cTn id="84" dur="1" fill="hold">
-                                          <p:stCondLst>
-                                            <p:cond delay="0"/>
-                                          </p:stCondLst>
-                                        </p:cTn>
-                                        <p:tgtEl>
-                                          <p:spTgt spid="27"/>
-                                        </p:tgtEl>
-                                        <p:attrNameLst>
-                                          <p:attrName>style.visibility</p:attrName>
-                                        </p:attrNameLst>
-                                      </p:cBhvr>
-                                      <p:to>
-                                        <p:strVal val="visible"/>
-                                      </p:to>
-                                    </p:set>
-                                  </p:childTnLst>
-                                </p:cTn>
-                              </p:par>
-                              <p:par>
-                                <p:cTn id="85" presetID="1" presetClass="entr" presetSubtype="0" fill="hold" nodeType="withEffect">
-                                  <p:stCondLst>
-                                    <p:cond delay="0"/>
-                                  </p:stCondLst>
-                                  <p:childTnLst>
-                                    <p:set>
-                                      <p:cBhvr>
-                                        <p:cTn id="86" dur="1" fill="hold">
-                                          <p:stCondLst>
-                                            <p:cond delay="0"/>
-                                          </p:stCondLst>
-                                        </p:cTn>
-                                        <p:tgtEl>
-                                          <p:spTgt spid="25"/>
-                                        </p:tgtEl>
-                                        <p:attrNameLst>
-                                          <p:attrName>style.visibility</p:attrName>
-                                        </p:attrNameLst>
-                                      </p:cBhvr>
-                                      <p:to>
-                                        <p:strVal val="visible"/>
-                                      </p:to>
-                                    </p:set>
-                                  </p:childTnLst>
-                                </p:cTn>
-                              </p:par>
-                              <p:par>
-                                <p:cTn id="87" presetID="1" presetClass="entr" presetSubtype="0" fill="hold" nodeType="withEffect">
-                                  <p:stCondLst>
-                                    <p:cond delay="0"/>
-                                  </p:stCondLst>
-                                  <p:childTnLst>
-                                    <p:set>
-                                      <p:cBhvr>
-                                        <p:cTn id="88" dur="1" fill="hold">
-                                          <p:stCondLst>
-                                            <p:cond delay="0"/>
-                                          </p:stCondLst>
-                                        </p:cTn>
-                                        <p:tgtEl>
-                                          <p:spTgt spid="26"/>
-                                        </p:tgtEl>
-                                        <p:attrNameLst>
-                                          <p:attrName>style.visibility</p:attrName>
-                                        </p:attrNameLst>
-                                      </p:cBhvr>
-                                      <p:to>
-                                        <p:strVal val="visible"/>
-                                      </p:to>
-                                    </p:set>
-                                  </p:childTnLst>
-                                </p:cTn>
-                              </p:par>
-                              <p:par>
-                                <p:cTn id="89" presetID="1" presetClass="entr" presetSubtype="0" fill="hold" nodeType="withEffect">
-                                  <p:stCondLst>
-                                    <p:cond delay="0"/>
-                                  </p:stCondLst>
-                                  <p:childTnLst>
-                                    <p:set>
-                                      <p:cBhvr>
-                                        <p:cTn id="90" dur="1" fill="hold">
-                                          <p:stCondLst>
-                                            <p:cond delay="0"/>
-                                          </p:stCondLst>
-                                        </p:cTn>
-                                        <p:tgtEl>
-                                          <p:spTgt spid="22"/>
-                                        </p:tgtEl>
-                                        <p:attrNameLst>
-                                          <p:attrName>style.visibility</p:attrName>
-                                        </p:attrNameLst>
-                                      </p:cBhvr>
-                                      <p:to>
-                                        <p:strVal val="visible"/>
-                                      </p:to>
-                                    </p:set>
-                                  </p:childTnLst>
-                                </p:cTn>
-                              </p:par>
-                              <p:par>
-                                <p:cTn id="91" presetID="1" presetClass="entr" presetSubtype="0" fill="hold" nodeType="withEffect">
-                                  <p:stCondLst>
-                                    <p:cond delay="0"/>
-                                  </p:stCondLst>
-                                  <p:childTnLst>
-                                    <p:set>
-                                      <p:cBhvr>
-                                        <p:cTn id="92" dur="1" fill="hold">
-                                          <p:stCondLst>
-                                            <p:cond delay="0"/>
-                                          </p:stCondLst>
-                                        </p:cTn>
-                                        <p:tgtEl>
-                                          <p:spTgt spid="24"/>
-                                        </p:tgtEl>
-                                        <p:attrNameLst>
-                                          <p:attrName>style.visibility</p:attrName>
-                                        </p:attrNameLst>
-                                      </p:cBhvr>
-                                      <p:to>
-                                        <p:strVal val="visible"/>
-                                      </p:to>
-                                    </p:set>
-                                  </p:childTnLst>
-                                </p:cTn>
-                              </p:par>
-                              <p:par>
-                                <p:cTn id="93" presetID="1" presetClass="entr" presetSubtype="0" fill="hold" nodeType="withEffect">
-                                  <p:stCondLst>
-                                    <p:cond delay="0"/>
-                                  </p:stCondLst>
-                                  <p:childTnLst>
-                                    <p:set>
-                                      <p:cBhvr>
-                                        <p:cTn id="94" dur="1" fill="hold">
-                                          <p:stCondLst>
-                                            <p:cond delay="0"/>
-                                          </p:stCondLst>
-                                        </p:cTn>
-                                        <p:tgtEl>
-                                          <p:spTgt spid="104"/>
-                                        </p:tgtEl>
-                                        <p:attrNameLst>
-                                          <p:attrName>style.visibility</p:attrName>
-                                        </p:attrNameLst>
-                                      </p:cBhvr>
-                                      <p:to>
-                                        <p:strVal val="visible"/>
-                                      </p:to>
-                                    </p:set>
-                                  </p:childTnLst>
-                                </p:cTn>
-                              </p:par>
-                              <p:par>
-                                <p:cTn id="95" presetID="1" presetClass="entr" presetSubtype="0" fill="hold" nodeType="withEffect">
-                                  <p:stCondLst>
-                                    <p:cond delay="0"/>
-                                  </p:stCondLst>
-                                  <p:childTnLst>
-                                    <p:set>
-                                      <p:cBhvr>
-                                        <p:cTn id="96" dur="1" fill="hold">
-                                          <p:stCondLst>
-                                            <p:cond delay="0"/>
-                                          </p:stCondLst>
-                                        </p:cTn>
-                                        <p:tgtEl>
-                                          <p:spTgt spid="103"/>
-                                        </p:tgtEl>
-                                        <p:attrNameLst>
-                                          <p:attrName>style.visibility</p:attrName>
-                                        </p:attrNameLst>
-                                      </p:cBhvr>
-                                      <p:to>
-                                        <p:strVal val="visible"/>
-                                      </p:to>
-                                    </p:set>
-                                  </p:childTnLst>
-                                </p:cTn>
-                              </p:par>
-                              <p:par>
-                                <p:cTn id="97" presetID="1" presetClass="entr" presetSubtype="0" fill="hold" nodeType="withEffect">
-                                  <p:stCondLst>
-                                    <p:cond delay="0"/>
-                                  </p:stCondLst>
-                                  <p:childTnLst>
-                                    <p:set>
-                                      <p:cBhvr>
-                                        <p:cTn id="98" dur="1" fill="hold">
                                           <p:stCondLst>
                                             <p:cond delay="0"/>
                                           </p:stCondLst>
@@ -12486,19 +12140,604 @@
                     </p:cTn>
                   </p:par>
                   <p:par>
-                    <p:cTn id="99" fill="hold">
+                    <p:cTn id="55" fill="hold">
                       <p:stCondLst>
                         <p:cond delay="indefinite"/>
                       </p:stCondLst>
                       <p:childTnLst>
                         <p:par>
-                          <p:cTn id="100" fill="hold">
+                          <p:cTn id="56" fill="hold">
                             <p:stCondLst>
                               <p:cond delay="0"/>
                             </p:stCondLst>
                             <p:childTnLst>
                               <p:par>
-                                <p:cTn id="101" presetID="1" presetClass="entr" presetSubtype="0" fill="hold" nodeType="clickEffect">
+                                <p:cTn id="57" presetID="1" presetClass="entr" presetSubtype="0" fill="hold" nodeType="clickEffect">
+                                  <p:stCondLst>
+                                    <p:cond delay="0"/>
+                                  </p:stCondLst>
+                                  <p:childTnLst>
+                                    <p:set>
+                                      <p:cBhvr>
+                                        <p:cTn id="58" dur="1" fill="hold">
+                                          <p:stCondLst>
+                                            <p:cond delay="0"/>
+                                          </p:stCondLst>
+                                        </p:cTn>
+                                        <p:tgtEl>
+                                          <p:spTgt spid="102"/>
+                                        </p:tgtEl>
+                                        <p:attrNameLst>
+                                          <p:attrName>style.visibility</p:attrName>
+                                        </p:attrNameLst>
+                                      </p:cBhvr>
+                                      <p:to>
+                                        <p:strVal val="visible"/>
+                                      </p:to>
+                                    </p:set>
+                                  </p:childTnLst>
+                                </p:cTn>
+                              </p:par>
+                              <p:par>
+                                <p:cTn id="59" presetID="1" presetClass="entr" presetSubtype="0" fill="hold" nodeType="withEffect">
+                                  <p:stCondLst>
+                                    <p:cond delay="0"/>
+                                  </p:stCondLst>
+                                  <p:childTnLst>
+                                    <p:set>
+                                      <p:cBhvr>
+                                        <p:cTn id="60" dur="1" fill="hold">
+                                          <p:stCondLst>
+                                            <p:cond delay="0"/>
+                                          </p:stCondLst>
+                                        </p:cTn>
+                                        <p:tgtEl>
+                                          <p:spTgt spid="101"/>
+                                        </p:tgtEl>
+                                        <p:attrNameLst>
+                                          <p:attrName>style.visibility</p:attrName>
+                                        </p:attrNameLst>
+                                      </p:cBhvr>
+                                      <p:to>
+                                        <p:strVal val="visible"/>
+                                      </p:to>
+                                    </p:set>
+                                  </p:childTnLst>
+                                </p:cTn>
+                              </p:par>
+                              <p:par>
+                                <p:cTn id="61" presetID="1" presetClass="entr" presetSubtype="0" fill="hold" nodeType="withEffect">
+                                  <p:stCondLst>
+                                    <p:cond delay="0"/>
+                                  </p:stCondLst>
+                                  <p:childTnLst>
+                                    <p:set>
+                                      <p:cBhvr>
+                                        <p:cTn id="62" dur="1" fill="hold">
+                                          <p:stCondLst>
+                                            <p:cond delay="0"/>
+                                          </p:stCondLst>
+                                        </p:cTn>
+                                        <p:tgtEl>
+                                          <p:spTgt spid="100"/>
+                                        </p:tgtEl>
+                                        <p:attrNameLst>
+                                          <p:attrName>style.visibility</p:attrName>
+                                        </p:attrNameLst>
+                                      </p:cBhvr>
+                                      <p:to>
+                                        <p:strVal val="visible"/>
+                                      </p:to>
+                                    </p:set>
+                                  </p:childTnLst>
+                                </p:cTn>
+                              </p:par>
+                              <p:par>
+                                <p:cTn id="63" presetID="1" presetClass="entr" presetSubtype="0" fill="hold" nodeType="withEffect">
+                                  <p:stCondLst>
+                                    <p:cond delay="0"/>
+                                  </p:stCondLst>
+                                  <p:childTnLst>
+                                    <p:set>
+                                      <p:cBhvr>
+                                        <p:cTn id="64" dur="1" fill="hold">
+                                          <p:stCondLst>
+                                            <p:cond delay="0"/>
+                                          </p:stCondLst>
+                                        </p:cTn>
+                                        <p:tgtEl>
+                                          <p:spTgt spid="99"/>
+                                        </p:tgtEl>
+                                        <p:attrNameLst>
+                                          <p:attrName>style.visibility</p:attrName>
+                                        </p:attrNameLst>
+                                      </p:cBhvr>
+                                      <p:to>
+                                        <p:strVal val="visible"/>
+                                      </p:to>
+                                    </p:set>
+                                  </p:childTnLst>
+                                </p:cTn>
+                              </p:par>
+                              <p:par>
+                                <p:cTn id="65" presetID="1" presetClass="entr" presetSubtype="0" fill="hold" nodeType="withEffect">
+                                  <p:stCondLst>
+                                    <p:cond delay="0"/>
+                                  </p:stCondLst>
+                                  <p:childTnLst>
+                                    <p:set>
+                                      <p:cBhvr>
+                                        <p:cTn id="66" dur="1" fill="hold">
+                                          <p:stCondLst>
+                                            <p:cond delay="0"/>
+                                          </p:stCondLst>
+                                        </p:cTn>
+                                        <p:tgtEl>
+                                          <p:spTgt spid="98"/>
+                                        </p:tgtEl>
+                                        <p:attrNameLst>
+                                          <p:attrName>style.visibility</p:attrName>
+                                        </p:attrNameLst>
+                                      </p:cBhvr>
+                                      <p:to>
+                                        <p:strVal val="visible"/>
+                                      </p:to>
+                                    </p:set>
+                                  </p:childTnLst>
+                                </p:cTn>
+                              </p:par>
+                              <p:par>
+                                <p:cTn id="67" presetID="1" presetClass="entr" presetSubtype="0" fill="hold" nodeType="withEffect">
+                                  <p:stCondLst>
+                                    <p:cond delay="0"/>
+                                  </p:stCondLst>
+                                  <p:childTnLst>
+                                    <p:set>
+                                      <p:cBhvr>
+                                        <p:cTn id="68" dur="1" fill="hold">
+                                          <p:stCondLst>
+                                            <p:cond delay="0"/>
+                                          </p:stCondLst>
+                                        </p:cTn>
+                                        <p:tgtEl>
+                                          <p:spTgt spid="86"/>
+                                        </p:tgtEl>
+                                        <p:attrNameLst>
+                                          <p:attrName>style.visibility</p:attrName>
+                                        </p:attrNameLst>
+                                      </p:cBhvr>
+                                      <p:to>
+                                        <p:strVal val="visible"/>
+                                      </p:to>
+                                    </p:set>
+                                  </p:childTnLst>
+                                </p:cTn>
+                              </p:par>
+                              <p:par>
+                                <p:cTn id="69" presetID="1" presetClass="entr" presetSubtype="0" fill="hold" nodeType="withEffect">
+                                  <p:stCondLst>
+                                    <p:cond delay="0"/>
+                                  </p:stCondLst>
+                                  <p:childTnLst>
+                                    <p:set>
+                                      <p:cBhvr>
+                                        <p:cTn id="70" dur="1" fill="hold">
+                                          <p:stCondLst>
+                                            <p:cond delay="0"/>
+                                          </p:stCondLst>
+                                        </p:cTn>
+                                        <p:tgtEl>
+                                          <p:spTgt spid="75"/>
+                                        </p:tgtEl>
+                                        <p:attrNameLst>
+                                          <p:attrName>style.visibility</p:attrName>
+                                        </p:attrNameLst>
+                                      </p:cBhvr>
+                                      <p:to>
+                                        <p:strVal val="visible"/>
+                                      </p:to>
+                                    </p:set>
+                                  </p:childTnLst>
+                                </p:cTn>
+                              </p:par>
+                              <p:par>
+                                <p:cTn id="71" presetID="1" presetClass="entr" presetSubtype="0" fill="hold" nodeType="withEffect">
+                                  <p:stCondLst>
+                                    <p:cond delay="0"/>
+                                  </p:stCondLst>
+                                  <p:childTnLst>
+                                    <p:set>
+                                      <p:cBhvr>
+                                        <p:cTn id="72" dur="1" fill="hold">
+                                          <p:stCondLst>
+                                            <p:cond delay="0"/>
+                                          </p:stCondLst>
+                                        </p:cTn>
+                                        <p:tgtEl>
+                                          <p:spTgt spid="97"/>
+                                        </p:tgtEl>
+                                        <p:attrNameLst>
+                                          <p:attrName>style.visibility</p:attrName>
+                                        </p:attrNameLst>
+                                      </p:cBhvr>
+                                      <p:to>
+                                        <p:strVal val="visible"/>
+                                      </p:to>
+                                    </p:set>
+                                  </p:childTnLst>
+                                </p:cTn>
+                              </p:par>
+                              <p:par>
+                                <p:cTn id="73" presetID="1" presetClass="entr" presetSubtype="0" fill="hold" nodeType="withEffect">
+                                  <p:stCondLst>
+                                    <p:cond delay="0"/>
+                                  </p:stCondLst>
+                                  <p:childTnLst>
+                                    <p:set>
+                                      <p:cBhvr>
+                                        <p:cTn id="74" dur="1" fill="hold">
+                                          <p:stCondLst>
+                                            <p:cond delay="0"/>
+                                          </p:stCondLst>
+                                        </p:cTn>
+                                        <p:tgtEl>
+                                          <p:spTgt spid="87"/>
+                                        </p:tgtEl>
+                                        <p:attrNameLst>
+                                          <p:attrName>style.visibility</p:attrName>
+                                        </p:attrNameLst>
+                                      </p:cBhvr>
+                                      <p:to>
+                                        <p:strVal val="visible"/>
+                                      </p:to>
+                                    </p:set>
+                                  </p:childTnLst>
+                                </p:cTn>
+                              </p:par>
+                              <p:par>
+                                <p:cTn id="75" presetID="1" presetClass="entr" presetSubtype="0" fill="hold" nodeType="withEffect">
+                                  <p:stCondLst>
+                                    <p:cond delay="0"/>
+                                  </p:stCondLst>
+                                  <p:childTnLst>
+                                    <p:set>
+                                      <p:cBhvr>
+                                        <p:cTn id="76" dur="1" fill="hold">
+                                          <p:stCondLst>
+                                            <p:cond delay="0"/>
+                                          </p:stCondLst>
+                                        </p:cTn>
+                                        <p:tgtEl>
+                                          <p:spTgt spid="96"/>
+                                        </p:tgtEl>
+                                        <p:attrNameLst>
+                                          <p:attrName>style.visibility</p:attrName>
+                                        </p:attrNameLst>
+                                      </p:cBhvr>
+                                      <p:to>
+                                        <p:strVal val="visible"/>
+                                      </p:to>
+                                    </p:set>
+                                  </p:childTnLst>
+                                </p:cTn>
+                              </p:par>
+                              <p:par>
+                                <p:cTn id="77" presetID="1" presetClass="entr" presetSubtype="0" fill="hold" nodeType="withEffect">
+                                  <p:stCondLst>
+                                    <p:cond delay="0"/>
+                                  </p:stCondLst>
+                                  <p:childTnLst>
+                                    <p:set>
+                                      <p:cBhvr>
+                                        <p:cTn id="78" dur="1" fill="hold">
+                                          <p:stCondLst>
+                                            <p:cond delay="0"/>
+                                          </p:stCondLst>
+                                        </p:cTn>
+                                        <p:tgtEl>
+                                          <p:spTgt spid="88"/>
+                                        </p:tgtEl>
+                                        <p:attrNameLst>
+                                          <p:attrName>style.visibility</p:attrName>
+                                        </p:attrNameLst>
+                                      </p:cBhvr>
+                                      <p:to>
+                                        <p:strVal val="visible"/>
+                                      </p:to>
+                                    </p:set>
+                                  </p:childTnLst>
+                                </p:cTn>
+                              </p:par>
+                              <p:par>
+                                <p:cTn id="79" presetID="1" presetClass="entr" presetSubtype="0" fill="hold" nodeType="withEffect">
+                                  <p:stCondLst>
+                                    <p:cond delay="0"/>
+                                  </p:stCondLst>
+                                  <p:childTnLst>
+                                    <p:set>
+                                      <p:cBhvr>
+                                        <p:cTn id="80" dur="1" fill="hold">
+                                          <p:stCondLst>
+                                            <p:cond delay="0"/>
+                                          </p:stCondLst>
+                                        </p:cTn>
+                                        <p:tgtEl>
+                                          <p:spTgt spid="95"/>
+                                        </p:tgtEl>
+                                        <p:attrNameLst>
+                                          <p:attrName>style.visibility</p:attrName>
+                                        </p:attrNameLst>
+                                      </p:cBhvr>
+                                      <p:to>
+                                        <p:strVal val="visible"/>
+                                      </p:to>
+                                    </p:set>
+                                  </p:childTnLst>
+                                </p:cTn>
+                              </p:par>
+                              <p:par>
+                                <p:cTn id="81" presetID="1" presetClass="entr" presetSubtype="0" fill="hold" nodeType="withEffect">
+                                  <p:stCondLst>
+                                    <p:cond delay="0"/>
+                                  </p:stCondLst>
+                                  <p:childTnLst>
+                                    <p:set>
+                                      <p:cBhvr>
+                                        <p:cTn id="82" dur="1" fill="hold">
+                                          <p:stCondLst>
+                                            <p:cond delay="0"/>
+                                          </p:stCondLst>
+                                        </p:cTn>
+                                        <p:tgtEl>
+                                          <p:spTgt spid="90"/>
+                                        </p:tgtEl>
+                                        <p:attrNameLst>
+                                          <p:attrName>style.visibility</p:attrName>
+                                        </p:attrNameLst>
+                                      </p:cBhvr>
+                                      <p:to>
+                                        <p:strVal val="visible"/>
+                                      </p:to>
+                                    </p:set>
+                                  </p:childTnLst>
+                                </p:cTn>
+                              </p:par>
+                              <p:par>
+                                <p:cTn id="83" presetID="1" presetClass="entr" presetSubtype="0" fill="hold" nodeType="withEffect">
+                                  <p:stCondLst>
+                                    <p:cond delay="0"/>
+                                  </p:stCondLst>
+                                  <p:childTnLst>
+                                    <p:set>
+                                      <p:cBhvr>
+                                        <p:cTn id="84" dur="1" fill="hold">
+                                          <p:stCondLst>
+                                            <p:cond delay="0"/>
+                                          </p:stCondLst>
+                                        </p:cTn>
+                                        <p:tgtEl>
+                                          <p:spTgt spid="94"/>
+                                        </p:tgtEl>
+                                        <p:attrNameLst>
+                                          <p:attrName>style.visibility</p:attrName>
+                                        </p:attrNameLst>
+                                      </p:cBhvr>
+                                      <p:to>
+                                        <p:strVal val="visible"/>
+                                      </p:to>
+                                    </p:set>
+                                  </p:childTnLst>
+                                </p:cTn>
+                              </p:par>
+                              <p:par>
+                                <p:cTn id="85" presetID="1" presetClass="entr" presetSubtype="0" fill="hold" nodeType="withEffect">
+                                  <p:stCondLst>
+                                    <p:cond delay="0"/>
+                                  </p:stCondLst>
+                                  <p:childTnLst>
+                                    <p:set>
+                                      <p:cBhvr>
+                                        <p:cTn id="86" dur="1" fill="hold">
+                                          <p:stCondLst>
+                                            <p:cond delay="0"/>
+                                          </p:stCondLst>
+                                        </p:cTn>
+                                        <p:tgtEl>
+                                          <p:spTgt spid="89"/>
+                                        </p:tgtEl>
+                                        <p:attrNameLst>
+                                          <p:attrName>style.visibility</p:attrName>
+                                        </p:attrNameLst>
+                                      </p:cBhvr>
+                                      <p:to>
+                                        <p:strVal val="visible"/>
+                                      </p:to>
+                                    </p:set>
+                                  </p:childTnLst>
+                                </p:cTn>
+                              </p:par>
+                              <p:par>
+                                <p:cTn id="87" presetID="1" presetClass="entr" presetSubtype="0" fill="hold" nodeType="withEffect">
+                                  <p:stCondLst>
+                                    <p:cond delay="0"/>
+                                  </p:stCondLst>
+                                  <p:childTnLst>
+                                    <p:set>
+                                      <p:cBhvr>
+                                        <p:cTn id="88" dur="1" fill="hold">
+                                          <p:stCondLst>
+                                            <p:cond delay="0"/>
+                                          </p:stCondLst>
+                                        </p:cTn>
+                                        <p:tgtEl>
+                                          <p:spTgt spid="93"/>
+                                        </p:tgtEl>
+                                        <p:attrNameLst>
+                                          <p:attrName>style.visibility</p:attrName>
+                                        </p:attrNameLst>
+                                      </p:cBhvr>
+                                      <p:to>
+                                        <p:strVal val="visible"/>
+                                      </p:to>
+                                    </p:set>
+                                  </p:childTnLst>
+                                </p:cTn>
+                              </p:par>
+                              <p:par>
+                                <p:cTn id="89" presetID="1" presetClass="entr" presetSubtype="0" fill="hold" nodeType="withEffect">
+                                  <p:stCondLst>
+                                    <p:cond delay="0"/>
+                                  </p:stCondLst>
+                                  <p:childTnLst>
+                                    <p:set>
+                                      <p:cBhvr>
+                                        <p:cTn id="90" dur="1" fill="hold">
+                                          <p:stCondLst>
+                                            <p:cond delay="0"/>
+                                          </p:stCondLst>
+                                        </p:cTn>
+                                        <p:tgtEl>
+                                          <p:spTgt spid="92"/>
+                                        </p:tgtEl>
+                                        <p:attrNameLst>
+                                          <p:attrName>style.visibility</p:attrName>
+                                        </p:attrNameLst>
+                                      </p:cBhvr>
+                                      <p:to>
+                                        <p:strVal val="visible"/>
+                                      </p:to>
+                                    </p:set>
+                                  </p:childTnLst>
+                                </p:cTn>
+                              </p:par>
+                              <p:par>
+                                <p:cTn id="91" presetID="1" presetClass="entr" presetSubtype="0" fill="hold" nodeType="withEffect">
+                                  <p:stCondLst>
+                                    <p:cond delay="0"/>
+                                  </p:stCondLst>
+                                  <p:childTnLst>
+                                    <p:set>
+                                      <p:cBhvr>
+                                        <p:cTn id="92" dur="1" fill="hold">
+                                          <p:stCondLst>
+                                            <p:cond delay="0"/>
+                                          </p:stCondLst>
+                                        </p:cTn>
+                                        <p:tgtEl>
+                                          <p:spTgt spid="91"/>
+                                        </p:tgtEl>
+                                        <p:attrNameLst>
+                                          <p:attrName>style.visibility</p:attrName>
+                                        </p:attrNameLst>
+                                      </p:cBhvr>
+                                      <p:to>
+                                        <p:strVal val="visible"/>
+                                      </p:to>
+                                    </p:set>
+                                  </p:childTnLst>
+                                </p:cTn>
+                              </p:par>
+                              <p:par>
+                                <p:cTn id="93" presetID="1" presetClass="entr" presetSubtype="0" fill="hold" grpId="0" nodeType="withEffect">
+                                  <p:stCondLst>
+                                    <p:cond delay="0"/>
+                                  </p:stCondLst>
+                                  <p:childTnLst>
+                                    <p:set>
+                                      <p:cBhvr>
+                                        <p:cTn id="94" dur="1" fill="hold">
+                                          <p:stCondLst>
+                                            <p:cond delay="0"/>
+                                          </p:stCondLst>
+                                        </p:cTn>
+                                        <p:tgtEl>
+                                          <p:spTgt spid="194"/>
+                                        </p:tgtEl>
+                                        <p:attrNameLst>
+                                          <p:attrName>style.visibility</p:attrName>
+                                        </p:attrNameLst>
+                                      </p:cBhvr>
+                                      <p:to>
+                                        <p:strVal val="visible"/>
+                                      </p:to>
+                                    </p:set>
+                                  </p:childTnLst>
+                                </p:cTn>
+                              </p:par>
+                            </p:childTnLst>
+                          </p:cTn>
+                        </p:par>
+                      </p:childTnLst>
+                    </p:cTn>
+                  </p:par>
+                  <p:par>
+                    <p:cTn id="95" fill="hold">
+                      <p:stCondLst>
+                        <p:cond delay="indefinite"/>
+                      </p:stCondLst>
+                      <p:childTnLst>
+                        <p:par>
+                          <p:cTn id="96" fill="hold">
+                            <p:stCondLst>
+                              <p:cond delay="0"/>
+                            </p:stCondLst>
+                            <p:childTnLst>
+                              <p:par>
+                                <p:cTn id="97" presetID="1" presetClass="entr" presetSubtype="0" fill="hold" nodeType="clickEffect">
+                                  <p:stCondLst>
+                                    <p:cond delay="0"/>
+                                  </p:stCondLst>
+                                  <p:childTnLst>
+                                    <p:set>
+                                      <p:cBhvr>
+                                        <p:cTn id="98" dur="1" fill="hold">
+                                          <p:stCondLst>
+                                            <p:cond delay="0"/>
+                                          </p:stCondLst>
+                                        </p:cTn>
+                                        <p:tgtEl>
+                                          <p:spTgt spid="78"/>
+                                        </p:tgtEl>
+                                        <p:attrNameLst>
+                                          <p:attrName>style.visibility</p:attrName>
+                                        </p:attrNameLst>
+                                      </p:cBhvr>
+                                      <p:to>
+                                        <p:strVal val="visible"/>
+                                      </p:to>
+                                    </p:set>
+                                  </p:childTnLst>
+                                </p:cTn>
+                              </p:par>
+                              <p:par>
+                                <p:cTn id="99" presetID="1" presetClass="entr" presetSubtype="0" fill="hold" nodeType="withEffect">
+                                  <p:stCondLst>
+                                    <p:cond delay="0"/>
+                                  </p:stCondLst>
+                                  <p:childTnLst>
+                                    <p:set>
+                                      <p:cBhvr>
+                                        <p:cTn id="100" dur="1" fill="hold">
+                                          <p:stCondLst>
+                                            <p:cond delay="0"/>
+                                          </p:stCondLst>
+                                        </p:cTn>
+                                        <p:tgtEl>
+                                          <p:spTgt spid="7"/>
+                                        </p:tgtEl>
+                                        <p:attrNameLst>
+                                          <p:attrName>style.visibility</p:attrName>
+                                        </p:attrNameLst>
+                                      </p:cBhvr>
+                                      <p:to>
+                                        <p:strVal val="visible"/>
+                                      </p:to>
+                                    </p:set>
+                                  </p:childTnLst>
+                                </p:cTn>
+                              </p:par>
+                              <p:par>
+                                <p:cTn id="101" presetID="1" presetClass="entr" presetSubtype="0" fill="hold" nodeType="withEffect">
                                   <p:stCondLst>
                                     <p:cond delay="0"/>
                                   </p:stCondLst>
@@ -12511,7 +12750,7 @@
                                           </p:stCondLst>
                                         </p:cTn>
                                         <p:tgtEl>
-                                          <p:spTgt spid="102"/>
+                                          <p:spTgt spid="76"/>
                                         </p:tgtEl>
                                         <p:attrNameLst>
                                           <p:attrName>style.visibility</p:attrName>
@@ -12538,7 +12777,7 @@
                                           </p:stCondLst>
                                         </p:cTn>
                                         <p:tgtEl>
-                                          <p:spTgt spid="101"/>
+                                          <p:spTgt spid="77"/>
                                         </p:tgtEl>
                                         <p:attrNameLst>
                                           <p:attrName>style.visibility</p:attrName>
@@ -12565,7 +12804,7 @@
                                           </p:stCondLst>
                                         </p:cTn>
                                         <p:tgtEl>
-                                          <p:spTgt spid="100"/>
+                                          <p:spTgt spid="79"/>
                                         </p:tgtEl>
                                         <p:attrNameLst>
                                           <p:attrName>style.visibility</p:attrName>
@@ -12592,7 +12831,7 @@
                                           </p:stCondLst>
                                         </p:cTn>
                                         <p:tgtEl>
-                                          <p:spTgt spid="99"/>
+                                          <p:spTgt spid="74"/>
                                         </p:tgtEl>
                                         <p:attrNameLst>
                                           <p:attrName>style.visibility</p:attrName>
@@ -12619,7 +12858,7 @@
                                           </p:stCondLst>
                                         </p:cTn>
                                         <p:tgtEl>
-                                          <p:spTgt spid="98"/>
+                                          <p:spTgt spid="80"/>
                                         </p:tgtEl>
                                         <p:attrNameLst>
                                           <p:attrName>style.visibility</p:attrName>
@@ -12646,7 +12885,7 @@
                                           </p:stCondLst>
                                         </p:cTn>
                                         <p:tgtEl>
-                                          <p:spTgt spid="86"/>
+                                          <p:spTgt spid="73"/>
                                         </p:tgtEl>
                                         <p:attrNameLst>
                                           <p:attrName>style.visibility</p:attrName>
@@ -12673,7 +12912,7 @@
                                           </p:stCondLst>
                                         </p:cTn>
                                         <p:tgtEl>
-                                          <p:spTgt spid="75"/>
+                                          <p:spTgt spid="8"/>
                                         </p:tgtEl>
                                         <p:attrNameLst>
                                           <p:attrName>style.visibility</p:attrName>
@@ -12700,7 +12939,7 @@
                                           </p:stCondLst>
                                         </p:cTn>
                                         <p:tgtEl>
-                                          <p:spTgt spid="97"/>
+                                          <p:spTgt spid="81"/>
                                         </p:tgtEl>
                                         <p:attrNameLst>
                                           <p:attrName>style.visibility</p:attrName>
@@ -12727,7 +12966,7 @@
                                           </p:stCondLst>
                                         </p:cTn>
                                         <p:tgtEl>
-                                          <p:spTgt spid="87"/>
+                                          <p:spTgt spid="82"/>
                                         </p:tgtEl>
                                         <p:attrNameLst>
                                           <p:attrName>style.visibility</p:attrName>
@@ -12754,7 +12993,7 @@
                                           </p:stCondLst>
                                         </p:cTn>
                                         <p:tgtEl>
-                                          <p:spTgt spid="96"/>
+                                          <p:spTgt spid="3"/>
                                         </p:tgtEl>
                                         <p:attrNameLst>
                                           <p:attrName>style.visibility</p:attrName>
@@ -12781,7 +13020,7 @@
                                           </p:stCondLst>
                                         </p:cTn>
                                         <p:tgtEl>
-                                          <p:spTgt spid="88"/>
+                                          <p:spTgt spid="9"/>
                                         </p:tgtEl>
                                         <p:attrNameLst>
                                           <p:attrName>style.visibility</p:attrName>
@@ -12808,7 +13047,7 @@
                                           </p:stCondLst>
                                         </p:cTn>
                                         <p:tgtEl>
-                                          <p:spTgt spid="95"/>
+                                          <p:spTgt spid="17"/>
                                         </p:tgtEl>
                                         <p:attrNameLst>
                                           <p:attrName>style.visibility</p:attrName>
@@ -12835,7 +13074,7 @@
                                           </p:stCondLst>
                                         </p:cTn>
                                         <p:tgtEl>
-                                          <p:spTgt spid="90"/>
+                                          <p:spTgt spid="67"/>
                                         </p:tgtEl>
                                         <p:attrNameLst>
                                           <p:attrName>style.visibility</p:attrName>
@@ -12862,7 +13101,7 @@
                                           </p:stCondLst>
                                         </p:cTn>
                                         <p:tgtEl>
-                                          <p:spTgt spid="94"/>
+                                          <p:spTgt spid="68"/>
                                         </p:tgtEl>
                                         <p:attrNameLst>
                                           <p:attrName>style.visibility</p:attrName>
@@ -12889,7 +13128,7 @@
                                           </p:stCondLst>
                                         </p:cTn>
                                         <p:tgtEl>
-                                          <p:spTgt spid="89"/>
+                                          <p:spTgt spid="85"/>
                                         </p:tgtEl>
                                         <p:attrNameLst>
                                           <p:attrName>style.visibility</p:attrName>
@@ -12916,7 +13155,11 @@
                                           </p:stCondLst>
                                         </p:cTn>
                                         <p:tgtEl>
-                                          <p:spTgt spid="93"/>
+                                          <p:spTgt spid="21">
+                                            <p:txEl>
+                                              <p:pRg st="0" end="0"/>
+                                            </p:txEl>
+                                          </p:spTgt>
                                         </p:tgtEl>
                                         <p:attrNameLst>
                                           <p:attrName>style.visibility</p:attrName>
@@ -12943,7 +13186,7 @@
                                           </p:stCondLst>
                                         </p:cTn>
                                         <p:tgtEl>
-                                          <p:spTgt spid="92"/>
+                                          <p:spTgt spid="15"/>
                                         </p:tgtEl>
                                         <p:attrNameLst>
                                           <p:attrName>style.visibility</p:attrName>
@@ -12970,7 +13213,7 @@
                                           </p:stCondLst>
                                         </p:cTn>
                                         <p:tgtEl>
-                                          <p:spTgt spid="91"/>
+                                          <p:spTgt spid="11"/>
                                         </p:tgtEl>
                                         <p:attrNameLst>
                                           <p:attrName>style.visibility</p:attrName>
@@ -12984,7 +13227,7 @@
                                 </p:cTn>
                               </p:par>
                               <p:par>
-                                <p:cTn id="137" presetID="1" presetClass="entr" presetSubtype="0" fill="hold" grpId="0" nodeType="withEffect">
+                                <p:cTn id="137" presetID="1" presetClass="entr" presetSubtype="0" fill="hold" nodeType="withEffect">
                                   <p:stCondLst>
                                     <p:cond delay="0"/>
                                   </p:stCondLst>
@@ -12997,7 +13240,34 @@
                                           </p:stCondLst>
                                         </p:cTn>
                                         <p:tgtEl>
-                                          <p:spTgt spid="194"/>
+                                          <p:spTgt spid="70"/>
+                                        </p:tgtEl>
+                                        <p:attrNameLst>
+                                          <p:attrName>style.visibility</p:attrName>
+                                        </p:attrNameLst>
+                                      </p:cBhvr>
+                                      <p:to>
+                                        <p:strVal val="visible"/>
+                                      </p:to>
+                                    </p:set>
+                                  </p:childTnLst>
+                                </p:cTn>
+                              </p:par>
+                              <p:par>
+                                <p:cTn id="139" presetID="1" presetClass="entr" presetSubtype="0" fill="hold" nodeType="withEffect">
+                                  <p:stCondLst>
+                                    <p:cond delay="0"/>
+                                  </p:stCondLst>
+                                  <p:childTnLst>
+                                    <p:set>
+                                      <p:cBhvr>
+                                        <p:cTn id="140" dur="1" fill="hold">
+                                          <p:stCondLst>
+                                            <p:cond delay="0"/>
+                                          </p:stCondLst>
+                                        </p:cTn>
+                                        <p:tgtEl>
+                                          <p:spTgt spid="105"/>
                                         </p:tgtEl>
                                         <p:attrNameLst>
                                           <p:attrName>style.visibility</p:attrName>
@@ -13195,6 +13465,73 @@
           </a:p>
         </p:txBody>
       </p:sp>
+      <p:pic>
+        <p:nvPicPr>
+          <p:cNvPr id="3" name="Grafik 2">
+            <a:extLst>
+              <a:ext uri="{FF2B5EF4-FFF2-40B4-BE49-F238E27FC236}">
+                <a16:creationId xmlns:a16="http://schemas.microsoft.com/office/drawing/2014/main" id="{C07EF1FA-7D58-42EF-9CFB-65017FFF6FEC}"/>
+              </a:ext>
+            </a:extLst>
+          </p:cNvPr>
+          <p:cNvPicPr>
+            <a:picLocks noChangeAspect="1"/>
+          </p:cNvPicPr>
+          <p:nvPr/>
+        </p:nvPicPr>
+        <p:blipFill rotWithShape="1">
+          <a:blip r:embed="rId2">
+            <a:extLst>
+              <a:ext uri="{28A0092B-C50C-407E-A947-70E740481C1C}">
+                <a14:useLocalDpi xmlns:a14="http://schemas.microsoft.com/office/drawing/2010/main" val="0"/>
+              </a:ext>
+            </a:extLst>
+          </a:blip>
+          <a:srcRect l="18130" r="14600" b="9167"/>
+          <a:stretch/>
+        </p:blipFill>
+        <p:spPr>
+          <a:xfrm>
+            <a:off x="4032514" y="559492"/>
+            <a:ext cx="5190836" cy="5739015"/>
+          </a:xfrm>
+          <a:prstGeom prst="rect">
+            <a:avLst/>
+          </a:prstGeom>
+          <a:solidFill>
+            <a:srgbClr val="FFFFFF">
+              <a:shade val="85000"/>
+            </a:srgbClr>
+          </a:solidFill>
+          <a:ln w="190500" cap="sq">
+            <a:solidFill>
+              <a:srgbClr val="FFFFFF"/>
+            </a:solidFill>
+            <a:miter lim="800000"/>
+          </a:ln>
+          <a:effectLst>
+            <a:outerShdw blurRad="65000" dist="50800" dir="12900000" kx="195000" ky="145000" algn="tl" rotWithShape="0">
+              <a:srgbClr val="000000">
+                <a:alpha val="30000"/>
+              </a:srgbClr>
+            </a:outerShdw>
+          </a:effectLst>
+          <a:scene3d>
+            <a:camera prst="orthographicFront">
+              <a:rot lat="0" lon="0" rev="360000"/>
+            </a:camera>
+            <a:lightRig rig="twoPt" dir="t">
+              <a:rot lat="0" lon="0" rev="7200000"/>
+            </a:lightRig>
+          </a:scene3d>
+          <a:sp3d contourW="12700">
+            <a:bevelT w="25400" h="19050"/>
+            <a:contourClr>
+              <a:srgbClr val="969696"/>
+            </a:contourClr>
+          </a:sp3d>
+        </p:spPr>
+      </p:pic>
       <p:sp>
         <p:nvSpPr>
           <p:cNvPr id="4" name="Titel 1">
@@ -13290,36 +13627,6 @@
           </a:p>
         </p:txBody>
       </p:sp>
-      <p:pic>
-        <p:nvPicPr>
-          <p:cNvPr id="5" name="Grafik 4">
-            <a:extLst>
-              <a:ext uri="{FF2B5EF4-FFF2-40B4-BE49-F238E27FC236}">
-                <a16:creationId xmlns:a16="http://schemas.microsoft.com/office/drawing/2014/main" id="{1B2D998D-EAB3-44CC-A3B6-AACF450133F7}"/>
-              </a:ext>
-            </a:extLst>
-          </p:cNvPr>
-          <p:cNvPicPr>
-            <a:picLocks noChangeAspect="1"/>
-          </p:cNvPicPr>
-          <p:nvPr/>
-        </p:nvPicPr>
-        <p:blipFill>
-          <a:blip r:embed="rId2"/>
-          <a:stretch>
-            <a:fillRect/>
-          </a:stretch>
-        </p:blipFill>
-        <p:spPr>
-          <a:xfrm>
-            <a:off x="3608772" y="782192"/>
-            <a:ext cx="6449629" cy="5304821"/>
-          </a:xfrm>
-          <a:prstGeom prst="rect">
-            <a:avLst/>
-          </a:prstGeom>
-        </p:spPr>
-      </p:pic>
       <p:pic>
         <p:nvPicPr>
           <p:cNvPr id="39" name="Grafik 38" descr="Logo Ingenieursinformatik">
@@ -13551,11 +13858,12 @@
           <a:prstGeom prst="rect">
             <a:avLst/>
           </a:prstGeom>
-          <a:ln w="22225">
-            <a:solidFill>
-              <a:schemeClr val="tx1"/>
-            </a:solidFill>
+          <a:ln>
+            <a:noFill/>
           </a:ln>
+          <a:effectLst>
+            <a:softEdge rad="112500"/>
+          </a:effectLst>
         </p:spPr>
       </p:pic>
     </p:spTree>
@@ -13675,25 +13983,51 @@
           </p:cNvPicPr>
           <p:nvPr/>
         </p:nvPicPr>
-        <p:blipFill>
+        <p:blipFill rotWithShape="1">
           <a:blip r:embed="rId2"/>
-          <a:stretch>
-            <a:fillRect/>
-          </a:stretch>
+          <a:srcRect r="7008" b="14565"/>
+          <a:stretch/>
         </p:blipFill>
         <p:spPr>
           <a:xfrm>
-            <a:off x="3772629" y="1445183"/>
-            <a:ext cx="6769443" cy="4924770"/>
+            <a:off x="3652556" y="1121910"/>
+            <a:ext cx="7207059" cy="4817072"/>
           </a:xfrm>
           <a:prstGeom prst="rect">
             <a:avLst/>
           </a:prstGeom>
-          <a:ln w="22225">
+          <a:solidFill>
+            <a:srgbClr val="FFFFFF">
+              <a:shade val="85000"/>
+            </a:srgbClr>
+          </a:solidFill>
+          <a:ln w="190500" cap="sq">
             <a:solidFill>
-              <a:schemeClr val="tx1"/>
+              <a:srgbClr val="FFFFFF"/>
             </a:solidFill>
+            <a:miter lim="800000"/>
           </a:ln>
+          <a:effectLst>
+            <a:outerShdw blurRad="65000" dist="50800" dir="12900000" kx="195000" ky="145000" algn="tl" rotWithShape="0">
+              <a:srgbClr val="000000">
+                <a:alpha val="30000"/>
+              </a:srgbClr>
+            </a:outerShdw>
+          </a:effectLst>
+          <a:scene3d>
+            <a:camera prst="orthographicFront">
+              <a:rot lat="0" lon="0" rev="360000"/>
+            </a:camera>
+            <a:lightRig rig="twoPt" dir="t">
+              <a:rot lat="0" lon="0" rev="7200000"/>
+            </a:lightRig>
+          </a:scene3d>
+          <a:sp3d contourW="12700">
+            <a:bevelT w="25400" h="19050"/>
+            <a:contourClr>
+              <a:srgbClr val="969696"/>
+            </a:contourClr>
+          </a:sp3d>
         </p:spPr>
       </p:pic>
       <p:pic>
